--- a/bai-giang.pptx
+++ b/bai-giang.pptx
@@ -16,6 +16,15 @@
     <p:sldId id="260" r:id="rId10"/>
     <p:sldId id="261" r:id="rId11"/>
     <p:sldId id="262" r:id="rId12"/>
+    <p:sldId id="267" r:id="rId13"/>
+    <p:sldId id="268" r:id="rId14"/>
+    <p:sldId id="269" r:id="rId15"/>
+    <p:sldId id="270" r:id="rId16"/>
+    <p:sldId id="271" r:id="rId17"/>
+    <p:sldId id="272" r:id="rId18"/>
+    <p:sldId id="273" r:id="rId19"/>
+    <p:sldId id="274" r:id="rId20"/>
+    <p:sldId id="275" r:id="rId21"/>
   </p:sldIdLst>
   <p:sldSz cx="12192000" cy="6858000"/>
   <p:notesSz cx="6858000" cy="9144000"/>
@@ -114,6 +123,11 @@
       </a:defRPr>
     </a:lvl9pPr>
   </p:defaultTextStyle>
+  <p:extLst>
+    <p:ext uri="{EFAFB233-063F-42B5-8137-9DF3F51BA10A}">
+      <p15:sldGuideLst xmlns:p15="http://schemas.microsoft.com/office/powerpoint/2012/main"/>
+    </p:ext>
+  </p:extLst>
 </p:presentation>
 </file>
 
@@ -316,6 +330,863 @@
   <inkml:trace contextRef="#ctx0" brushRef="#br0" timeOffset="117348">12708 15505 10231,'0'6'1169,"0"3"-1258,0-2 89,14 6 89,-10-2 271,21 12-360,-22-5 0,19 9 0,-19-6 270,8 1-90,-5 0-180,-5 9 0,5-8 90,-25 14-90,14-17-405,-21-3 0,-6-2-314,3 3-556,-2-6 1,-4-2-435,-11 4 1709,-6-3 0,-1-1 0,-2-2 0</inkml:trace>
   <inkml:trace contextRef="#ctx0" brushRef="#br0" timeOffset="117978">13830 15104 12300,'-3'-7'989,"2"3"-719,21 1-270,6 21 0,27 2 90,-11 2-508,4 12 418,-14-19 0,1 19-540,-2-10-540,13 14 181,-13-11-450,8 8-90,-16-14-720,-2-2 2159,-2-4 0,-2-6 0,-2-2 0</inkml:trace>
   <inkml:trace contextRef="#ctx0" brushRef="#br0" timeOffset="118127">14327 14960 11940,'-20'-12'90,"-4"4"-90,-11 5 0,2 19 90,4-12-450,-5 43-4769,-7-15 3465,18-1 0,0 3 1664,-2-3 0,-1 0 0,-3 4 0,-1 1 0,0 3 0,0 0 0</inkml:trace>
+</inkml:ink>
+</file>
+
+<file path=ppt/ink/ink10.xml><?xml version="1.0" encoding="utf-8"?>
+<inkml:ink xmlns:inkml="http://www.w3.org/2003/InkML">
+  <inkml:definitions>
+    <inkml:context xml:id="ctx0">
+      <inkml:inkSource xml:id="inkSrc0">
+        <inkml:traceFormat>
+          <inkml:channel name="X" type="integer" min="-2.14748E9" max="2.14748E9" units="cm"/>
+          <inkml:channel name="Y" type="integer" min="-2.14748E9" max="2.14748E9" units="cm"/>
+          <inkml:channel name="F" type="integer" max="32767" units="dev"/>
+        </inkml:traceFormat>
+        <inkml:channelProperties>
+          <inkml:channelProperty channel="X" name="resolution" value="1000" units="1/cm"/>
+          <inkml:channelProperty channel="Y" name="resolution" value="1000" units="1/cm"/>
+          <inkml:channelProperty channel="F" name="resolution" value="0" units="1/dev"/>
+        </inkml:channelProperties>
+      </inkml:inkSource>
+      <inkml:timestamp xml:id="ts0" timeString="2021-09-20T02:29:03.202"/>
+    </inkml:context>
+    <inkml:brush xml:id="br0">
+      <inkml:brushProperty name="width" value="0.09071" units="cm"/>
+      <inkml:brushProperty name="height" value="0.09071" units="cm"/>
+      <inkml:brushProperty name="color" value="#FF0000"/>
+    </inkml:brush>
+    <inkml:brush xml:id="br1">
+      <inkml:brushProperty name="width" value="0.05292" units="cm"/>
+      <inkml:brushProperty name="height" value="0.05292" units="cm"/>
+      <inkml:brushProperty name="color" value="#FF0000"/>
+    </inkml:brush>
+  </inkml:definitions>
+  <inkml:trace contextRef="#ctx0" brushRef="#br0">787 12205 9961,'-6'0'2969,"2"0"-2070,22 0-719,5-10 90,19-1-180,2-15-90,-10 7 0,1-3-90,-7 7-360,14-7-359,-8 7-1800,25-11 720,-22 14-450,11-5 2339,-15 11 0,0-1 0,-2 3 0</inkml:trace>
+  <inkml:trace contextRef="#ctx0" brushRef="#br0" timeOffset="401">1170 12205 10591,'0'27'1619,"0"-4"-1709,0-3 180,18-1-90,-14 3 0,28 5 0,-28 4 0,24 3 0,-25 2 90,25 1-90,-25 1 0,21 0-360,-21 0-1799,16 18 212,-14-16-391,3 15 2338,-5-21 0,-3 0 0,0-1 0</inkml:trace>
+  <inkml:trace contextRef="#ctx0" brushRef="#br0" timeOffset="775">1555 12558 9602,'4'-3'719,"1"1"-719,0 1 270,1 1-90,-3 0-90,2 12-90,-1-9 0,4 22 0,-3-9 90,4 15-90,-5-9 0,2 2 270,-4-12-1,2 1 451,-3-7-720,0-20 0,-1-14 0,0-8-90,0-6-360,0 14-179,0 0-451,0 1-1798,0-8 2878,0 11 0,0-4 0,0 12 0</inkml:trace>
+  <inkml:trace contextRef="#ctx0" brushRef="#br0" timeOffset="1084">1777 12524 9152,'-5'5'629,"1"0"-539,4-2-90,16 12 90,-12-6-90,27 18 0,-27-12 90,24 7 0,-25-6-180,21 0 180,-21-1 0,17 6-540,-11-5-1528,6 9 448,-8-12 1530,-1 3 0,-5-7 0,2-1 0</inkml:trace>
+  <inkml:trace contextRef="#ctx0" brushRef="#br0" timeOffset="1267">1798 12328 7353,'-6'0'0</inkml:trace>
+  <inkml:trace contextRef="#ctx0" brushRef="#br0" timeOffset="1667">2078 12485 9602,'0'11'269,"0"2"-269,0-2 90,0 1-180,0-1 90,0 0 90,16 6-90,0-4 90,3 5 0,6-6-90,-23-2 0,21 4 90,-13-5-180,2 3-539,-5-6-271,-7-2 810,0-22 90,-14-9 90,10-14 0,-11 2 270,15 7 180,0-11-451,0 14 541,0-4 0,0 17-540,20 24-90,1 8 0,2 17 0,11 0 180,-20-5-180,16 0-1350,-1 10 271,-6-11 1079,12 10 0,-15-19 0,4 2 0</inkml:trace>
+  <inkml:trace contextRef="#ctx0" brushRef="#br0" timeOffset="2039">2425 12120 12120,'0'45'0,"22"-8"0,-16 0 0,35-9 90,-37 3-180,33-3 90,-32 0 90,31 5-90,-17-11 0,13 7 0,-14-17-180,0-2 0,-14-6 0,8-4 0,-6 0 180,-1 0 0,1-22 0,0 17 0,1-52 0,0 36 90,1-37 90,-2 41 0,3-15-90,-2 29-90,2-8 0,6 30 90,-2-14 0,12 49-180,-8-32-540,-3 11 1,0 1-720,1 0-2368,6 19 3717,-13-27 0,0 5 0,-6-14 0</inkml:trace>
+  <inkml:trace contextRef="#ctx0" brushRef="#br0" timeOffset="2217">1793 11972 11400,'-5'-5'0,"3"1"0,-1 0-1439,23-2 180,-16 3-450,41-1 1709,-22 3 0,27 1 0,-7 0 0</inkml:trace>
+  <inkml:trace contextRef="#ctx0" brushRef="#br0" timeOffset="4067">3505 12120 11580,'-43'17'180,"-4"4"-270,11 13-881,10-1 971,-2-5 89,15 12-89,-6-9 0,11 18 0,8-23 283,20 4-373,-15-15-372,37-5 12,-12-5 90,10-3 91,1-18-361,0-13 360,-11-9 0,-7 4 0,-2-1-31,-2-14 256,-9 2 0,-2-3-268,-3-13 403,-3 20 0,-4-1 315,-10-4 0,0 2-180,9 10 0,-1 0 224,-18-22 1,-5 1-225,10 25 0,2 2-45,0-8 0,-2 3 0,-31-5-91,42 9-243,-29 8 154,32 7 180,-9 8-90,12 26-90,19 22 0,-14 13-1385,13-8 0,4 0 1385,-8-14 0,1 0 0,5 12 0,1-1 58,0-11 0,-1-2 31,8 32-89,1-3-89,-3-2 89,1-4 89,-3-3-134,-8-18 1,-1 0-46,8 10-489,10 14 129,-17-32-269,6 1 449,-11-18 3279,1-1-3099,-3-21 90,-3-7 0,2-23 0,-4 7 360,2-15-91,-4 22 181,4-13-450,-3 30 724,0-11-544,2 24-19,-2-8-71,6 10-90,0 18 90,8 6-90,-1 11 0,5 1 0,8 4-360,-5-11-630,19 15 361,-16-30-721,18 9 721,-18-21 179,7 4-90,-12-20 271,-2 10 179,-2-31 809,-4 30 540,-4-40-359,-5 26 89,-3-33-449,-1 23 270,-1-14-720,-17 29-1,12-12 91,-23 23-180,25 16 0,-8 12 90,30 23-90,1-12-359,2-2-991,9-13 451,-13 0 539,14-11 0,-7 0 270,0-10 180,-11-18-90,-1 14 900,-6-32-361,-5 11 631,-1-8-810,-1-4-181,0 13-179,0 27 0,0 9 0,14 12-359,2 13-1,1-16-360,9 11 271,-8-14 89,7-9 90,1-9 180,-8 0 90,0 0 180,4-15 180,-8-5 359,2-20-359,-12 8 629,-2-10-629,-2 19-180,-16-6-180,12 8 90,-12 8 0,16 25-90,0 31 0,0 8 0,7-11 0,0 0 0,-3 4 45,9-7 0,-1-1-135,-9 4 270,7 10-270,-10-21 180,0-3-270,0-4-180,0-1-179,0-8 359,0-18-180,0-13 360,0-24 0,0 7 0,18-5-270,-13 12 270,32-3-180,-10-9 270,9 7-90,-11 6 0,-2 1 0,5-5-90,8-8 180,-15 13 0,-1 0-180,-4 1 270,1-10 0,-7 10 0,-2-16 0,-6 20-90,-20-13-90,13 18 90,-28-3-180,15 8 90,-1 5 90,-6 1-90,12 5 89,0 18-89,3 7 0,10 23 0,24-9 0,0 16 0,4-23 0,9 15 0,-12-25-899,22 0 539,-9-15 0,-3-4 91,2-24 269,-12 16-45,-3-23 0,-1-6 45,-1 9 90,-4-13 0,-3-3 89,-2 1 181,-1-16 90,-8 20-90,-2-1-90,0 2-1,0 2 181,-20 2-360,15 5-90,-29-4 0,30 12 180,-11-3-180,15 30 0,18 21 90,-14 6-90,11-5 0,4 1 90,1 4-180,-1-7 0,-1 0-360,3 6-179,8 4-1440,-17-4 989,3-13-1078,-7 13 2158,-8-19 0,0 2 0,0-8 0</inkml:trace>
+  <inkml:trace contextRef="#ctx0" brushRef="#br0" timeOffset="4187">5292 11986 11131,'0'-35'809,"0"7"-809,0 1 0,0 8 0,14 1 0,-10 1-90,11 2-449,4 1-451,-15 1-449,27 4-450,-28 0 1889,21 3 0,-21 2 0,8 1 0</inkml:trace>
+  <inkml:trace contextRef="#ctx0" brushRef="#br0" timeOffset="4418">4847 11773 11580,'-31'-34'1260,"4"3"-990,4 8-181,3 0-89,1-12 0,9 10 90,1-18-180,9 18 1,0-4-271,25 9-180,-19 5-1259,39 2-1259,-17 7 3058,20 24 0,-9 4 0,-5 20 0</inkml:trace>
+  <inkml:trace contextRef="#ctx0" brushRef="#br0" timeOffset="4551">5162 12611 11311,'12'20'89,"-1"-3"-1528,-2-4-2069,-1-7 3508,-1-2 0,-2-4 0,-1 0 0</inkml:trace>
+  <inkml:trace contextRef="#ctx0" brushRef="#br0" timeOffset="7625">6252 11894 8792,'0'0'0</inkml:trace>
+  <inkml:trace contextRef="#ctx0" brushRef="#br0" timeOffset="7807">6550 12170 12840,'3'-17'0,"-1"4"0</inkml:trace>
+  <inkml:trace contextRef="#ctx0" brushRef="#br0" timeOffset="9621">7702 12296 11850,'31'-33'270,"-12"3"-270,8-3 0,-14 4 0,15-3-90,-6-1-149,-1-3 239,1-1-90,-2-2 180,2-1-90,-5 0 0,5-19 0,-9 14 0,-6 6 0,0 0 0,-4-7 0,-1 8 0,-2 0 0,0-4 0,-19-13 0,14 12 0,-28 13 138,29-3-228,-10 18 70,14 3 379,-9 5-269,7 22-90,-7 11 0,9 15 0,0 3 0,0-4-735,0 3 735,0 3 90,0 0-90,0 0-90,0 20 180,0-19-90,7-9 0,1 0-360,-4 3-171,12-11 0,0-1-188,-12 1-91,26 4-899,-12-10 810,7-9 899,8-1 0,-14-10 0,6-3 0</inkml:trace>
+  <inkml:trace contextRef="#ctx0" brushRef="#br0" timeOffset="9901">8303 11894 10591,'2'-11'630,"-1"2"-630,0 5 0,-1 17 90,-16-10-180,12 30 90,-11-15 0,-1 18 0,12-4 0,-11 1 90,6 0-180,7-2 180,-7 0-90,9-5 0,0-1 0,0-5 89,18 0-89,1-10 90,19-1-269,-5-32-91,-3-6-450,-13-25 270,-7 12-1169,-10-9 180,-20 23 1439,15-4 0,-32 21 0,17 4 0</inkml:trace>
+  <inkml:trace contextRef="#ctx0" brushRef="#br0" timeOffset="10267">8767 11889 12390,'-35'37'180,"15"-6"-180,-9-1 0,16-5 0,-11 4 0,13-1 0,-4 1 0,13-1-90,-6 8-540,8-9-539,0 6-180,17-14-450,-13-1 1799,30-4 0,-29-2 0,12-2 0</inkml:trace>
+  <inkml:trace contextRef="#ctx0" brushRef="#br0" timeOffset="10884">9135 11997 10951,'-43'-4'1619,"0"1"-1619,9 2 0,2 1 0,-4 20 0,12 3 0,-16 23-90,22-12 180,-2 1-180,15-2 90,2-9-450,3 12-90,15-18-1438,5 4 988,16-15 810,3-1 90,-7-6 90,0-18 90,-10 13 90,-1-28 450,1 16-180,-7-1 719,1-3-1259,-12 33 180,0-3 90,-4 20-180,16-3 90,0-14-90,20-4 0,-10-26-90,4 13-90,-7-34 90,0 19-90,0-20-325,-2 3 415,-1-3 90,-8 8 0,-2-2 0,5-20-1538,-7 6 1,-3 0 1717,0-11 0,-4 21 0,-1 0 8,0-10-9,0 4 1,0 5 180,-19-2-270,14 16 90,-27-2-90,29 36 184,-10 16-184,13 16-90,0 10 0,0-16 0,0 1 0,0 23 0,8-8 0,1 0 2582,-5 10-2582,11-24 0,0-1-179,-11 12-361,10-5-270,-3-4-449,-8-3-178,17-7-542,-18-3 1979,16-6 0,-9-4 0,8-1 0</inkml:trace>
+  <inkml:trace contextRef="#ctx0" brushRef="#br0" timeOffset="11357">9820 11484 10501,'0'-6'1079,"0"23"-989,0 13 0,0 14 0,0 6-895,0-5 805,0 4 0,0 4 0,0 0 0,0 1 0,0-3 0,0 0 0,0-4 90,0 14-90,0-18 90,0 15-90,0-33 81,0 2-440,0-18-1037,0-2 856,0-29 540,0-6 0,0-16 0,17-15-90,1 21 90,2-10 630,5 12-361,-12 18 952,10-8-1041,-5 24-90,-1 17-1,-7-9-89,1 40 0,-4-25 0,0 21 90,1 7-180,-3-11-1349,5 22 540,-3-29-2069,11 8 2968,-3-26 0,7-1 0,-3-12 0</inkml:trace>
+  <inkml:trace contextRef="#ctx0" brushRef="#br0" timeOffset="11645">10375 11972 10501,'-40'0'1169,"1"0"-1169,2 19 0,4 5 0,15 12 0,5-2 90,6-8-180,6-1 90,-6 0 90,7-1-90,0-3 0,39 4 0,-30-10 0,45-1 90,-38-10-90,11-18 0,-13-6 90,-5-17-360,-9-14 0,0 15-1708,-16-10 538,1 25 1440,-4 0 0,8 11 0,11 6 0</inkml:trace>
+  <inkml:trace contextRef="#ctx0" brushRef="#br0" timeOffset="11950">10628 11951 11221,'2'-16'359,"-20"7"-359,14 18 0,-27-5 0,28 26 0,-8-6 0,11 7 90,0 2-90,0-10-90,18 9 180,-13-8 0,28 10 0,-29-18-90,11 2 0,-15-10 0,0-3-270,-20-2-359,-4-2-271,-1-17 1,-16 12-1530,17-26 2429,-3 8 0,-4-7 0,17-4 0</inkml:trace>
+  <inkml:trace contextRef="#ctx0" brushRef="#br0" timeOffset="12187">10870 11754 10681,'6'0'1079,"-2"12"-1169,2-9 180,-3 10-90,3 2 0,-2-12 0,2 29 90,0-18-180,2 29 180,-2-15 0,2 24-90,-5-22 0,0 9 0,-2-12-360,-1-3-449,0-1-91,0-2-89,0-3-90,0-1 1079,-17 1 0,13-8 0,-13 2 0</inkml:trace>
+  <inkml:trace contextRef="#ctx0" brushRef="#br0" timeOffset="12317">10743 12099 10231,'0'-15'720,"18"5"-720,-13-1 0,33 6-900,-33-7-629,43 3-1203,-27 1 2732,24 1 0,-13 2 0,0 2 0</inkml:trace>
+  <inkml:trace contextRef="#ctx0" brushRef="#br0" timeOffset="13250">11543 11558 8342,'12'-3'630,"-2"1"1079,-10 0-1169,0 16-450,0 7 89,0 11 1,0 3-90,-14-2-90,10 5-325,-10 4 325,-1 4 90,11 3-745,-26 1 655,27 3 0,-16-16 0,-2 0 0,5 21 0,-2-22 0,-2-1-539,-1 11-271,0-4-1823,-3 7 744,6-15 1889,0 3 0,9-18 0,1-5 0</inkml:trace>
+  <inkml:trace contextRef="#ctx0" brushRef="#br0" timeOffset="13752">11788 11943 8792,'0'-4'0,"0"1"0</inkml:trace>
+  <inkml:trace contextRef="#ctx0" brushRef="#br0" timeOffset="24467">11733 12149 8972,'0'15'540,"0"1"-450,0-2-1,0 0 1,0 1-90,0-1 90,0 2 270,0-1-270,0 0 90,0 1 90,0-5-90,13 6-90,-10-9 0,10 9-90,-5-5 0,-6 13 0,10-6 0,-11 6 0,5-5 90,-5 2-90,2-1 0,-1 7 0,0-10 90,0 3-90,-1-12 0,0-2 89,1-4-178,-1-1 268,6-17-179,-4-6 0,7-22-90,-7 6 1,4-18 89,-4 21 0,0-12 0,0 16 0,1-1 0,2 2 0,0 2 0,0 2-90,1 2 0,4-2 0,-2 9 90,4 0 0,-6 11 90,1 2 0,-4 3 0,1 0-90,-3 13 0,3-9 0,0 23 0,0-7 0,1 9 0,1 11 0,-2-15 0,0 6 0,-2-12 0,0-2 179,-1 2-179,1-7 0,-2 0 0,1-9 0,-1-2 0,4-17 0,-2 11 0,4-27-90,-1 28 180,2-29-90,3 19 0,0-15-90,1 8 180,2 2-180,6-3 90,-5 6 180,9-1-180,-10 10 360,1 1-270,-4 5 90,-2-1 0,-1 2-90,7 17-90,-4-13 0,10 29 0,-10-10 0,7 16 0,-9-4 90,0-4-990,-4 0-179,-3-9-1440,0 12 810,-2-17 1709,0 5 0,0-9 0,0-1 0</inkml:trace>
+  <inkml:trace contextRef="#ctx0" brushRef="#br0" timeOffset="24884">12470 12112 11131,'16'12'539,"11"6"-539,-10 21 90,9-5-90,-4 4-90,-5-9 180,-1 1-180,0-2 180,2 10-90,-3-12-90,0 6 270,-5-16 0,-2-2 180,0-4-270,0-2 0,-3-4-180,2-1 90,0-3 90,2-23-180,4 18 90,1-44-270,3 25-90,2-25-90,-6 17 1,1 0-271,8-17-270,-7 9 1,-1 0-360,0 0 1349,0-8 0,-7 27 0,-3 1 0</inkml:trace>
+  <inkml:trace contextRef="#ctx0" brushRef="#br0" timeOffset="25218">13348 12046 10771,'0'-11'1349,"0"-2"-1349,-12 6 360,9 0 90,-20 5-270,7 23-180,-4-16 0,-3 43 0,-1-6 0,7 13 44,6-16 1,1 0-1045,4 6 1000,1 12-362,31-13-447,-19-15-945,28-8 0,7-6-1125,-8-5 2879,4-3 0,3-4 0,9-3 0,2 0 0</inkml:trace>
+  <inkml:trace contextRef="#ctx0" brushRef="#br0" timeOffset="26989">14280 11390 10141,'0'-9'1889,"0"3"-1529,-12 0-180,9 4-90,-9 1 180,12-1-270,0 19 90,-12 19-90,2 13-239,0-17 1,-2 3 238,-3 16 0,0 2 0,3-11 0,-2 3 0,-1 8 0,-3 6 0,2-5-479,1-4 1,-1 1 508,0 2 0,-2 6 0,2-6-30,3-7 0,0-2-270,-1 1 0,0 4 0,1-6-225,3-7 1,1-3-316,-3 8 0,0-1 716,-4 18 0,5-22 1,-2 5-1</inkml:trace>
+  <inkml:trace contextRef="#ctx0" brushRef="#br0" timeOffset="27387">14420 12198 9961,'9'0'1439,"-2"-1"-899,-1 1-360,-2 0-90,-1 0 0,0 14-90,-2 5 90,-1 11-180,0 0 180,0-4-180,0 2 180,-17 13-180,13-10-270,-13 7-359,17-14-541,0-4-269,-9-2-270,7-3 1799,-7-3 0,9-2 0,0-2 0</inkml:trace>
+  <inkml:trace contextRef="#ctx0" brushRef="#br0" timeOffset="27584">14467 12007 10051,'0'-5'-68,"0"0"1,0 4 0,0-1-1</inkml:trace>
+  <inkml:trace contextRef="#ctx0" brushRef="#br0" timeOffset="27951">14732 12126 9332,'0'12'809,"0"0"-629,0 3-180,0 0 0,0 0 0,0 8 90,0-6-90,0 15 0,0-13 0,0 11 0,0-13 0,0 3 90,12-8-90,-9-2 0,10-3-720,-6-1 541,0-3 89,5-1 90,-1-23-90,2-7 90,-2-11 0,4 0 180,2-1-1,-4 10 181,3-8-360,-7 25 810,0-5-720,-3 17 90,-1-5-180,-3 6 0,1 19 90,0-15-90,4 46 0,-2-30 0,3 39-540,-1-28-1079,6 20 719,-3-25-89,4 7 989,-1-15 0,1-3 0,1-1 0</inkml:trace>
+  <inkml:trace contextRef="#ctx0" brushRef="#br0" timeOffset="28384">15237 12252 9602,'0'-11'719,"-18"6"-809,-4 17 180,-1 8-90,-5 2 0,25 12 0,-8-13 90,11 13 0,23-7-180,2-13 0,25-6 0,-14-24 90,1 12 0,-12-33 0,10 2 0,-11-10-1062,5-6 1152,-16 10-270,-5-3 270,2-3-90,-9 11 0,-1-1 180,5-20 135,-4 11 0,-2-1-135,1-4-45,-8 14 0,-1 2-135,4 2 0,-13-3 0,18 22 809,0 5-809,0 28 0,0 12 0,0 16-437,0 5 437,0-5 0,0-10 0,0 1 0,0 21 0,0-9 0,0-1-540,0 6-450,0-12 1,0-1-360,0 1 1349,0 20 0,0-35 0,0 6 0</inkml:trace>
+  <inkml:trace contextRef="#ctx0" brushRef="#br0" timeOffset="28757">15672 12320 9332,'18'12'270,"4"-3"-360,18-9 180,-12 0-1,-1 0-89,-12-15 0,-2 11 360,-1-22 180,-7 10 0,0-10-91,-27 2-359,-1 11-90,-20 4 0,8 9 90,6 15-90,14 3 0,7 17 90,8-7-90,0 0 0,18-6 0,-13-1-809,30 8-361,-13-8-2338,20 11 3508,-8-16 0,0 1 0,-11-9 0</inkml:trace>
+  <inkml:trace contextRef="#ctx0" brushRef="#br0" timeOffset="28984">15998 12254 11670,'41'18'0,"-17"10"0,12-24-180,-11 28-629,8-21-1440,7 20 990,-18-17 1259,4 3 0,-9-9 0,-2 1 0</inkml:trace>
+  <inkml:trace contextRef="#ctx0" brushRef="#br0" timeOffset="29173">16340 12136 10141,'-32'13'540,"4"-9"-540,5 29 90,2-14-90,0 20 0,-2-4-270,-11 20-719,9-11-805,-4 12-5,12-20 1850,7-3 0,4-5 0,2-3 0</inkml:trace>
+  <inkml:trace contextRef="#ctx0" brushRef="#br0" timeOffset="29679">16638 12361 9602,'6'0'359,"-2"0"-269,-1 0 90,2 0-180,-3 0 0,4 10 0,-4-8 180,5 17-180,-5-17 270,4 12-540,-19-13 360,26 4-90,-13-19 0,18-2 0,-26-8 0,-15 4 0</inkml:trace>
+  <inkml:trace contextRef="#ctx0" brushRef="#br0" timeOffset="30569">17148 12170 10501,'7'-7'1799,"-2"-2"-1349,4 4-1,0-4-359,0 5 90,1-3-90,-3 6-90,-2 14 90,-2-10 0,-1 51-90,0-26 0,0 12 0,1 4 0,-2 6 0,1-7 0,-1 0 0,-1 8 45,0-11 0,0-1-833,0 3 788,0 10-137,0-12 47,0-13 180,0 7-90,0-21-90,0-1 90,0-26-180,0-29 90,0-2 90,0 2 0,0-2 0,0-8 0,1 5 0,-2-1-176,-12-10 176,12 20 0,-1 1 0,-10-11 0,12 1 0,0 5-90,0-10 0,19 17 393,0-14-303,4 28-90,5-4 90,-11 16 0,10 2 0,-3 6 0,-5 2 90,-10 20 603,-3 2-693,-6 13-359,0 21-181,0-25-1529,-16 26 630,12-36 1439,-29 5 0,29-14 0,-12-1 0</inkml:trace>
+  <inkml:trace contextRef="#ctx0" brushRef="#br0" timeOffset="31018">17692 11561 9871,'6'0'1260,"1"15"-901,-2 10 1,1 22-180,-1-3-462,0 6 462,-1-11-180,-1 4 0,0-1 90,0 22-90,-1-17 0,-1-7 0,0-1 0,-1 2 0,0 23 0,0-33 0,0 5 182,0-15-362,-12-9-989,9-1 989,-10-28 90,13-20 90,16-3 0,-12-22-180,31 32 809,-20-14-629,6 24 550,2 3-370,-13 12-180,9 29 0,-8 4 0,-6 16 90,-1-3-90,-4 4-539,0-10-271,0 7-1619,0-7 900,0-12 1529,0 1 0,0-16 0,0-3 0</inkml:trace>
+  <inkml:trace contextRef="#ctx0" brushRef="#br0" timeOffset="31437">17997 12133 10861,'0'39'90,"0"-7"-90,0 1 90,0 8-90,0-8 0,14 10 0,-11-15 0,11-2 0,-3-3 90,-9-4-90,9-1 90,-4-5 179,-5 1-179,5-8-270,-7-19 91,0-13-1,0-13-90,0-3 180,0 5 0,0-25-90,0 12 135,0 8 0,0 0-135,0-7 90,9 11 0,1 1 0,-6-1-180,31-16 180,-21 31 270,4-2 179,1 14-359,-8 5 0,10 2 90,-5 4 0,4 20-180,-10-15 90,3 33-180,-9-23 180,-1 19 0,-3-6-630,-20 15-899,15-8 1439,-22-6 0,-4 0 0,5 5 0,-4-12 0,1 0 0</inkml:trace>
+  <inkml:trace contextRef="#ctx0" brushRef="#br0" timeOffset="44275">4818 9253 10771,'24'-12'270,"-2"0"-360,-6-12 180,-4 7-180,-1 0 90,-2 4 0,-1 1 0,0-1 0,-1 3 0,0-1 0,-2 1 0,0 2 0,-2 2 0,0 1-90,-2 2 0,0 12 90,-1 4 0,0 11 0,0-4 0,0-2 90,0-4-90,0-1 90,0 1-90,0 8 0,0-6 0,0 14 90,0-12-90,0 13 0,0-13 0,0 4 0,0-6 0,0-1-270,0 0-899,-12 6 359,9-5-1349,-9 11 2159,3-13 0,6 3 0,-6-6 0</inkml:trace>
+  <inkml:trace contextRef="#ctx0" brushRef="#br0" timeOffset="45069">4732 9542 8882,'16'0'180,"-1"0"-90,-3 0-180,1 0 180,-3 0 180,0 0-270,2 0-90,0 0 180,1 0-90,3 11 0,-1-9 0,4 9 0,0-11 0,2 7 269,12-6-89,-8 11-90,18-9-90,-19 2-90,7-3 180,-5-1-90,-5 0 90,9-1-180,-13 0 90,9 0 90,-12 0-90,4-12-90,-4 9-269,-2-9-811,3 4 630,-7 6-269,-1-6 809,-3 5 0,-3 2 0,0-3 0</inkml:trace>
+  <inkml:trace contextRef="#ctx0" brushRef="#br0" timeOffset="51369">18553 11680 10501,'0'-19'-90,"18"8"180,-13-2-90,25 6 0,-27-4-90,21 2 90,-21 3 90,21 0-180,-21 3 180,24 0-180,-18 3 180,12 0-90,-9 0 0,1 0 0,-1 15 0,0-12 90,4 24-90,-5-10 90,2-2-90,-8 13 0,-1-15 0,-3 22 90,0-11-180,-1 6 90,0 1 90,-19-7-90,14 14 0,-31-15 90,32 4-90,-23-8-90,24-1 90,-21-1-360,6 7-180,-6-7-899,-9 8 540,14-12 899,-12 7 0,14-10 0,-5 2 0</inkml:trace>
+  <inkml:trace contextRef="#ctx0" brushRef="#br0" timeOffset="51635">18643 12341 10861,'18'0'120,"-7"0"0,-6 0 0</inkml:trace>
+  <inkml:trace contextRef="#ctx0" brushRef="#br0" timeOffset="61871">19427 12084 9062,'0'-8'1259,"0"0"-1079,0 0 0,0 0 90,0-1 179,0 0-269,0 0-90,0 0 90,0 2 90,0-1-270,0 3 90,0-1-90,-14 4 90,-24 17-90,0 8-1071,-15 10 1071,19 3 0,1-5 0,2 1 0,-5 13 0,12-10 0,1 18 90,16-24-90,4 5 0,3-15 0,25 0 90,-19-4-630,48-2-449,-28-4-540,28-2 1529,-20-5 0,-1-2 0,21 2 0,-19-2 0,1 0 0</inkml:trace>
+  <inkml:trace contextRef="#ctx0" brushRef="#br0" timeOffset="62251">19902 11787 11221,'-29'15'989,"11"5"-899,-2 10-90,18 3 0,-14-4 0,14 4 90,-10 1-180,11 2 180,-7 2-90,7 18 0,-1-13-450,1-8 0,1-1-449,0 5-1080,0 19 900,0-28-271,0 3 1350,0-13 0,0-4 0,0 0 0</inkml:trace>
+  <inkml:trace contextRef="#ctx0" brushRef="#br0" timeOffset="62403">19502 12316 8882,'0'-14'0,"23"-1"90,-18-1-90,44-2 0,-26 0-270,25-2-540,-10 0 810,22-6 0,-16 8 0,14-3 0</inkml:trace>
+  <inkml:trace contextRef="#ctx0" brushRef="#br0" timeOffset="62934">20153 12045 9062,'0'18'719,"0"-1"-719,0 0 0,0-2 0,13-1 0,-10 1 90,10 0-90,-13 1 0,0 1 0,7 0 90,-5 0-90,5 0 0,-7-2 270,4-2 90,-3-1-90,3-1 0,-4-3 449,0-2-809,0-17 90,0-6 0,0-22-90,0 5 90,0-18 90,15 18-90,-11-9-90,24 12 180,-26 2-180,21 1 90,-6-7-180,-3 12-899,16-9 359,-26 21-1438,23-2 539,-20 10 1619,8 1 0,-7 2 0,-1 0 0</inkml:trace>
+  <inkml:trace contextRef="#ctx0" brushRef="#br0" timeOffset="63403">20485 12169 9062,'-10'3'719,"2"0"-809,24-2 270,-12-14-90,29-7 0,-17-18-180,3 7 180,5-4-90,-15 7 90,15-17-90,-12 9 90,-2 2 0,0 0 180,-2-9-45,-1 5 0,0 0-135,-3-5-594,0-14 684,-3 24-379,-1 1 289,0 6-90,0 1 0,0 10 90,0 3 90,0 26 657,0 14-657,0 31-180,-11-4 0,10-11 0,-1-1 0,-9 11 45,10-8 0,2 0-185,-1 5 140,0 13-90,0-23 180,16-3-90,-13-3-1080,32 8-449,-30-13 1529,40 9 0,-29-23 0,22-1 0</inkml:trace>
+  <inkml:trace contextRef="#ctx0" brushRef="#br0" timeOffset="64234">21232 12046 10231,'6'0'1979,"6"0"-1979,26 0 180,-7 0-450,2 0-539,-9 0-361,1 0-269,-4 9-180,-1-6 1619,-3 6 0,-6 3 0,-3 3 0</inkml:trace>
+  <inkml:trace contextRef="#ctx0" brushRef="#br0" timeOffset="64419">21090 12379 11400,'55'1'90,"-10"-1"0,4 0-719,-11-15-810,4 12-2362,-2-12 3801,2 15 0,-2 0 0,1 0 0</inkml:trace>
+  <inkml:trace contextRef="#ctx0" brushRef="#br0" timeOffset="70534">22088 11636 8612,'-11'-6'990,"8"0"-631,-8 0-179,11 1 810,0-5-810,0 6 179,0-3 451,0 5-630,11 1-90,-8 20 0,8 9-180,-11 30 180,0-7-90,0-12 0,0 1 0,0 11 0,0-7 0,0 1-467,0 8 467,0-19 0,0 0-359,0 12-91,-14-3-180,10-1-1079,-11 10 630,5-15-1799,7 12 2878,-7-24 0,4-2 0,-2-10 0</inkml:trace>
+  <inkml:trace contextRef="#ctx0" brushRef="#br0" timeOffset="70870">22392 11593 10501,'8'14'989,"-3"9"-989,3 30 0,-5-4-950,2 9 950,-3-10 0,-2 2 0,0 1 90,0-1 0,0-2-90,0-2-180,0 13-450,0-16-1085,0 24 815,0-33 957,-13 16 1,10-27 0,-11 7 0</inkml:trace>
+  <inkml:trace contextRef="#ctx0" brushRef="#br0" timeOffset="71053">22190 12170 8702,'21'-15'90,"13"0"-90,-30-3-270,33 1-539,-32 0-361,38-2 1170,-26 3 0,19 1 0,-10 2 0</inkml:trace>
+  <inkml:trace contextRef="#ctx0" brushRef="#br0" timeOffset="71684">22752 12024 10141,'-15'41'90,"3"-7"-90,4 1 0,6-6 0,-6 1 90,8 2-180,0-3 180,0 0-90,0-3 0,17-2 0,-13-3 0,27-4 90,-10 1-90,-2-8 90,30-2 0,-31-7-90,24-1 0,-22 0-90,-4-19 0,-1 15-270,-4-32 90,-5 12-269,-2-18 179,-4 7-719,-23-8 359,-3 20-539,-3-7 1259,-11 13 0,36 1 0,-16 3 0</inkml:trace>
+  <inkml:trace contextRef="#ctx0" brushRef="#br0" timeOffset="72350">23202 12057 9602,'0'26'269,"0"3"-179,0-6-90,0 1 0,0-4 0,0-1 0,0 1 0,10 6 90,-7-5-90,7 2 0,-10-10 0,0-3 90,0-2-989,0-3 719,0-20 180,0-5-90,0-25 180,16 9-90,-13-4-90,13 14 180,-2-9-90,0 11 450,13-9-91,-3 18-179,-2 2 180,7 9-180,-12 20-90,7 4-90,-14-1 0,1 25 0,-6-28 0,0 23 90,-3-20-180,0-2 360,-1-2-540,-1-1 270,0-47 0,14 4 0,-10-29 0,11 20 90,-2 8-180,-10 8 720,20 4-541,-13 10 91,13 25-180,-9 2 0,8 21 0,-10-11 180,7 13-809,-7-16-541,0 7-2338,-2-2 3508,-1-9 0,1 3 0,-2-10 0</inkml:trace>
+  <inkml:trace contextRef="#ctx0" brushRef="#br0" timeOffset="72701">23867 12191 9871,'50'0'0,"-11"0"90,-3 0-90,-12-16 0,-1 12 0,-10-22 0,8 23 270,-18-18 270,8 8-540,-11-8 180,0 3 90,-17 5 89,-3 4-269,-20 5-90,1 0 0,2 22 0,8 1 0,14 17 0,7 0 90,8-8-180,0 1-2968,35 4 1619,-26-13 1439,51 7 0,-40-18 0,22-3 0</inkml:trace>
+  <inkml:trace contextRef="#ctx0" brushRef="#br0" timeOffset="73117">24585 11611 10231,'0'-12'1349,"0"-1"-1259,0 4 450,-13 2-450,-4 22-90,-12 13 90,-2 30-180,10-3-272,8-14 1,1 0 361,1 14 0,5-10 0,0 0 0,3 8 0,2-11 0,1 0-359,0 5-181,0 9-1662,17-9 1302,-12-15-1618,33 11 2518,-15-24 0,12 0 0,-5-11 0</inkml:trace>
+  <inkml:trace contextRef="#ctx0" brushRef="#br0" timeOffset="73421">24828 12031 9961,'-19'-3'810,"-9"2"-720,12 0-180,1 14 90,-8 3 0,14 0 0,-8 23 0,10-23 90,1 31-180,6-24 180,0 12-90,0-18 90,16 4 0,-12-12-90,11-2 0,1-4 0,-1-2-90,13-17-180,-7-5-90,-10-20 0,-3 10 90,-8-1-1169,0 10-1054,0-2 2493,-16 2 0,12 6 0,-11 6 0</inkml:trace>
+  <inkml:trace contextRef="#ctx0" brushRef="#br0" timeOffset="73853">24920 12039 10951,'0'37'90,"0"3"0,16-9-180,-12 2 180,13-10-90,-17 1 0,0-3 0,0-3 90,9-1-90,-7-4 90,7-2-90,-9-4-180,0-2 180,0-20-180,5-9 180,2-10 0,4-5 0,7-8 0,-4 9-90,12-20 90,-10 28 270,9-7-180,-12 25 0,3-3 269,-7 14-179,-1-3-180,0 4 0,3 19 0,-3-15 90,4 32-90,-6-12 90,2 9-90,-4 1-180,-2-10-359,1-2-1350,1 6 719,-1-9 1170,1 5 0,-1-15 0,1-1 0</inkml:trace>
+  <inkml:trace contextRef="#ctx0" brushRef="#br0" timeOffset="74117">25412 11653 10501,'0'-5'1439,"0"23"-1259,16 9-180,-12 15-418,12 2 418,-1-6 0,-11 1 0,11 1 0,-1 1 90,-11-2-90,11 1 0,-7-1-359,-5-2-181,4-1-1259,-6 9 899,0-13-1481,0 14 2381,-20-24 0,14 1 0,-14-10 0</inkml:trace>
+  <inkml:trace contextRef="#ctx0" brushRef="#br0" timeOffset="74467">25323 11955 9602,'19'-6'89,"-4"0"1,-15 2 0,16 1-90,1-2 0,11 2 90,7-1-180,-11 3 90,8 1-90,-10 16 0,0-12 90,1 27 0,-2-27-89,-2 29 89,-1-29 0,3 41 0,-6-30 0,4 26 0,-11-25 89,0 2 181,-5-12 360,-2 2-450,0-21-180,-15-18 0,10-1 0,-10-13 0,14 19-90,0 1-360,0-13-179,17 10-1170,-13-14 269,31 21 1530,-30-1 0,28 12 0,-15 1 0</inkml:trace>
+  <inkml:trace contextRef="#ctx0" brushRef="#br0" timeOffset="74823">26038 12043 11041,'-14'-25'449,"1"9"-449,-3 24 0,-4-3 0,17 29 0,-15-29 0,13 48 0,-4-35 0,6 29 0,3-27 0,0 0 0,0 1-90,17-10-179,-12 4 179,32-14 90,-20 3 0,5-20 0,0 12 0,-19-30 0,14 18 0,-15-16-90,6 4-180,-8-12-90,0 9-629,0-16 89,-18 24-1618,13-8 2518,-12 18 0,17 3 0,0 7 0</inkml:trace>
+  <inkml:trace contextRef="#ctx0" brushRef="#br0" timeOffset="75501">26138 12073 9062,'0'-38'270,"18"16"-270,-13-12 90,12 19-90,1-19 90,-13 7-180,26-14 180,-13 9-90,7-27 179,2 24-1590,-12-15 1591,2 14 90,-8-1 463,-3 1-463,-3 0 89,-2 3-179,-1 1 200,0-3-380,0 12-89,0-2 89,-12 18 963,10 23-963,-10 3 0,12 40 90,0-15-456,0 0 0,0 1 366,0 15 0,0-8 0,0-1 0,0 10 45,0-24 0,0 0-135,0 13 90,0-5 0,14-2 0,-10 9 0,25-17-360,-14 10 180,2-26 90,6-1-180,-14-14 967,13-2-787,-7-2-90,2-18 90,-1 13-90,2-35 0,8 4 270,-6-12-135,-6 12 0,0 0 45,-1-12 0,-5 5 0,-2-1-359,-2-9 404,-2 19 0,-2-1 135,0-11 90,0 2 90,0 2 90,-20-8-270,15 16-180,-27-10 0,30 27 90,-10 0-1,12 29-178,0 27 178,0 6-89,0 17 0,0-15-466,0 1 466,12 4 0,-10-2 0,10 0 0,-3-2 90,-7-2-180,15-4-270,-15-3-1259,18 6 630,-12-15-1467,18 8 2456,-13-23 0,5-2 0,-6-9 0</inkml:trace>
+  <inkml:trace contextRef="#ctx0" brushRef="#br0" timeOffset="75867">26765 12019 9242,'35'15'449,"-4"-3"-449,3-12 180,-11 0-180,-2 0 90,-6 0 270,-2 0 0,-1 0-90,-2-14 0,-4 10-1,1-22-179,-4 23 270,0-22-270,-3 14 0,0-18-90,0 11 90,-17-7-90,12 14-90,-33 1 90,19 7 0,-4 20 90,9 6-90,14 11 0,0 1 0,0 6 90,0-9-450,17 10 0,-12-16-179,13-1-361,-2-3-989,-1 1 810,4-8 1079,3-3 0,-20-8 0,9-4 0</inkml:trace>
+  <inkml:trace contextRef="#ctx0" brushRef="#br0" timeOffset="76225">27088 11968 10141,'0'9'1259,"0"2"-1169,0 20-90,14-8 0,-10 3 0,10-6 0,-14 2 0,8 5 0,-6-6 270,6 7 0,-8-15 90,6 0 90,-5-8-450,5-2-90,-4-16 180,1-7-90,0 1 90,5-33-270,0 27 180,1-10 0,1-1 0,5-1-90,11-24 180,-7 32-512,5-7 422,-6 20 0,-1 4-270,1 3-809,7 4-180,-3 2-2969,11 2 4228,-15 1 0,4 17 0,-10 4 0</inkml:trace>
+  <inkml:trace contextRef="#ctx0" brushRef="#br0" timeOffset="80887">7993 2591 11221,'14'12'1889,"2"-2"-1979,17-21 180,-10 8-180,0-8 180,-5 11-90,2 0 0,2 0 0,2 0 0,4 0-180,1 0-360,2 0-270,0 0-1438,14 0 719,-11 0 1529,20 0 0,-25 0 0,7 0 0</inkml:trace>
+  <inkml:trace contextRef="#ctx0" brushRef="#br0" timeOffset="81135">8055 2810 10231,'39'2'270,"6"-15"-270,-9 9 90,4-10-90,-11 4-180,16 8-450,-10-19 1,10 19-181,-13-9 1,-1 3-541,-1 7 1350,-2-12 0,-1 12 0,-1-4 0</inkml:trace>
+  <inkml:trace contextRef="#ctx0" brushRef="#br0" timeOffset="81535">8493 2479 9691,'-15'0'1440,"2"0"-1260,3 0 89,1 0-89,2 0-90,2 0-90,0 0 0,2 0 90,1 10 180,15-7-270,-9 13 90,27-9-90,-10 5 0,22-1 0,-9-5 0,13 7 0,-20-7 90,22 9-180,-21-7 90,7 4 0,-12-4 90,-4 3-90,-1-2 0,-4 9 90,-6-3-360,-26 20-180,12-7-671,-21-8 1,-5 0-229,0 15 674,1-16 1,-3-1-226,6 2 1,2-1 899,-28 20 0,0 0 0,3-1 0</inkml:trace>
+  <inkml:trace contextRef="#ctx0" brushRef="#br0" timeOffset="83105">6662 2088 10681,'-25'0'-630,"0"0"450,7 0 0,6-12 91,1 9-91,10-18 270,-2 9-180,3-5 90,0-1 90,16 7-90,-12-1-90,12 2 180,4 0-180,-15 1 0,30-1 0,-16 4 180,13-1 90,-3 5-1,-7 1 1,-11 17-90,-5 2-90,-6 20 90,0-9 0,-20 3-90,16-9 90,-31 3-90,31-2 0,-29-1 0,29-3 90,-29 1-90,29-3 0,-27 5-90,16-7 90,-13 7 0,10-12 0,4 1-90,7-5-90,1-3-269,0-2 449,19-1 0,-12-12 0,29 8 0,-6-8 0,7 2 90,14 6-90,-18-6-630,18 5-90,-20 3-179,6-4-540,-11 4 1439,-2-2 0,-4 2 0,-1-1 0</inkml:trace>
+  <inkml:trace contextRef="#ctx0" brushRef="#br0" timeOffset="86467">9390 2810 8792,'25'-35'810,"-6"17"-631,1-25-89,-3 22 0,-4-23 90,2 10 0,-2 0-90,-2-2 180,-2 1-90,-3-1-90,-2 2 180,-2 2 89,-1-9-359,-1 14 0,0-9 0,0 22-90,0 1 270,0 8-90,0 23-90,0 4-90,0 14 180,0-2-180,16-6 180,-12 1-90,23 1 0,-24 1 0,18 0 0,-18 2 90,19 18-180,-10-12-405,-4-4 1,1-1-46,4 4-89,-8 10 89,-2-19 0,-2-5 90,-1-1-359,0 3 539,0-9 0,-20 6 360,2-15 989,-21 1-719,6-7-180,2-1-90,13-14-90,-1 10 270,16-24-270,-5 9 0,8-8 0,23-10 0,-18 11-360,40-11-269,-26 10-271,22-1 900,-12 0 0,1 2 0,-2 0 0</inkml:trace>
+  <inkml:trace contextRef="#ctx0" brushRef="#br0" timeOffset="87834">9933 2346 11760,'0'33'180,"12"3"-270,-9-7 180,9 4-90,-12-9 0,7 1-180,-5-3-180,12-1 1,-12-3-271,12-3 90,-7-3 181,6-2-91,-2-4-360,3-2 540,-4-4 1,4 0 269,-6-20 0,0 0 0,-3-4 269,-2-8 1,-2 13 0,2-1 90,-1-8-90,1 14 359,1-6-629,-2 3 0,2 8 0,-2 5 630,0 2-180,2 2-360,0 0-90,7 0 0,-2 18 0,4-13 90,-1 24-90,4-26 0,-1 23 0,10-7 0,-5-1 90,12 15-90,-12-29 0,3 22 90,-6-24 0,-1 7-90,0-9 0,6 0 0,-8 0 89,11-21 1,-15 16-269,5-32 268,-11 16-178,0-18 89,-4 5-90,0 6 180,0 9-90,0 25 0,0 7 0,0 22 0,17-1 0,-3 1 179,14-6-179,-6-7 0,-2-11-179,-5-5 179,-1-6 0,-1-17 0,-3 12 0,9-28 0,-11 12 0,4-8 0,-5 9 89,-2-2-89,-1 18-89,1-17 358,-4 14-359,1 12 180,11 7-719,3 23-1350,11 0 899,2 0-539,-8-14 1619,1 2 0,-5-21 0,0 8 0</inkml:trace>
+  <inkml:trace contextRef="#ctx0" brushRef="#br0" timeOffset="88050">11012 2355 9871,'-22'-2'1440,"-12"1"-1261,11-1-179,-14 2 90,7 13-90,13 7 90,8 10-90,9-2 0,0-4 0,0-6 0,16-1-1259,6 4 180,-1-7-1350,31-2 2429,-29-9 0,29-3 0,-21 0 0</inkml:trace>
+  <inkml:trace contextRef="#ctx0" brushRef="#br0" timeOffset="88269">11252 2162 9691,'-22'12'1620,"5"2"-1620,17 21 179,0-8-179,17 3 0,-12-10 0,12 3-719,-6 8-271,-8-6-719,16 16 630,-17-17 1079,6 12 0,-8-15 0,0 3 0</inkml:trace>
+  <inkml:trace contextRef="#ctx0" brushRef="#br0" timeOffset="88405">11072 2425 8792,'0'-24'450,"18"6"-450,-13 0-90,34 6-360,-34-1-90,40 2-359,-28 0 899,23 3 0,-11 0 0,1 1 0</inkml:trace>
+  <inkml:trace contextRef="#ctx0" brushRef="#br0" timeOffset="88601">11497 2471 8882,'0'9'180,"0"-1"-90,0 3-90,0 0 90,0-1-90,0 5 90,0-5-360,0 4-1349,0-1 0,0-3 1619,11 0 0,-8-6 0,8-2 0</inkml:trace>
+  <inkml:trace contextRef="#ctx0" brushRef="#br0" timeOffset="88784">11462 2186 9242,'-6'-4'-30,"25"2"0,1 2 0</inkml:trace>
+  <inkml:trace contextRef="#ctx0" brushRef="#br0" timeOffset="89073">11697 2338 9961,'-15'15'0,"3"3"90,12 17-90,0-7 90,0-1-90,16 0 0,0-8 0,17 5-90,-18-14-90,12-2 90,-16-7 0,12-1 1,-7 0-1,-1-20 180,-2 15-90,-2-36-90,-3 15 90,-3-10-630,-2-6 180,-3 18 450,-21-8 0,-3 14 0,-20-2 0</inkml:trace>
+  <inkml:trace contextRef="#ctx0" brushRef="#br0" timeOffset="89441">11980 2328 9242,'0'29'270,"0"-2"-270,15-6 0,-11-3 269,10-2-359,-6-7 90,-5-19 0,11 7 0,-9-28 0,6 27 270,3-46 0,-4 32 360,10-36-630,-10 39 180,4-12 269,-6 24-269,0-7 0,-1 10-270,3 0 180,-3 19 0,6 7-540,-6 13-3327,7 21 3777,-5-19 0,3 15 0,-2-17 0</inkml:trace>
+  <inkml:trace contextRef="#ctx0" brushRef="#br0" timeOffset="90919">12805 2197 10771,'9'-2'1259,"-1"2"-1169,-1-1 0,-2 1-90,0 0 0,-2 0 0,0 0 360,1 0-360,-2 0 90,6 11-90,-5-8 0,6 22-90,-4-21 180,3 25 0,0-16-180,3 22-360,-3-12-1709,0 14 360,-5-17-449,-2 4 2248,-1-12 0,0-3 0,0-1 0</inkml:trace>
+  <inkml:trace contextRef="#ctx0" brushRef="#br0" timeOffset="91101">12893 2054 9152,'0'0'0</inkml:trace>
+  <inkml:trace contextRef="#ctx0" brushRef="#br0" timeOffset="91483">13117 2307 8702,'0'10'540,"0"-1"-540,0 2 0,0-5 0,14 3 0,-11-3 90,11 3-90,-5 0 0,-7-2 180,13 2-720,-14-5 450,8-1 0,-7-17 0,4 11 90,2-27 0,0 7 0,9-18 90,-6 6 180,6 4 90,-5 13-180,0 2-180,-1 8 89,-1-3 361,-2 9-90,0-3-270,2 5 270,-3 0-270,5 18-90,-6-13 0,2 30 180,-5-30-180,2 31-630,-3-20-359,3 18-91,-2-8-179,3-2 1259,2-1 0,1-3 0,3-1 0</inkml:trace>
+  <inkml:trace contextRef="#ctx0" brushRef="#br0" timeOffset="91952">13735 2180 9781,'-20'-6'630,"3"0"-450,-3 3-180,1 1 90,-19 2-90,12 18 0,11 1 90,7 19-90,8-5 0,19-13 90,-14 7 0,33-25-90,-34 17 90,33-18-90,-14 5 0,18-6-90,-11-20 90,0-3 0,-15-14-90,-2 2 90,-2 6 90,-10-3-180,5-1 90,-6 0 0,0-1 0,0-1 0,0 0 539,-16-10-449,13 13 0,-13-13-90,16 26 810,-10-3-630,7 36-180,-7 6 90,26 18-90,-12-1 0,12-3 0,-16 1 90,12 3-180,-9-1 90,9 2-360,-4 0-1529,-1 15 630,2-14-1710,3 20 2969,-7-28 0,6 1 0,-3-14 0</inkml:trace>
+  <inkml:trace contextRef="#ctx0" brushRef="#br0" timeOffset="92300">14030 2341 8702,'6'0'360,"5"0"-450,-2 0 90,15-6 90,-7 3-90,9-6 0,5 2 90,-7-1 0,15-6-90,-19 6-90,6-9 270,-15 7-90,-2-9 269,-7 8 91,-2-5 0,-23 3-270,17 2 270,-31-2-361,19 8-178,-11-1 178,3 5-89,14 16 0,3 2 90,25 3-90,-12 10 0,27-8-449,-10 8-181,-2-5-269,19-9-181,-22-3-89,17-2 1169,-10-2 0,-1-4 0,0-2 0</inkml:trace>
+  <inkml:trace contextRef="#ctx0" brushRef="#br0" timeOffset="92521">14350 2188 10681,'22'13'90,"13"-11"0,-11 23 0,9-22-90,3 19 0,-10-19 90,2 19-540,-1-13-450,0 10-89,0-5 989,9 7 0,-9-6 0,7 3 0</inkml:trace>
+  <inkml:trace contextRef="#ctx0" brushRef="#br0" timeOffset="92767">14668 2109 10051,'-12'0'360,"2"0"-270,5 0 0,-2 15-90,3-12 90,-9 42-90,2-25 0,-6 28-360,-4 1-449,5-10-406,4-5 1,-1 0 1214,0 5 0,-2 11 0,6-17 0</inkml:trace>
+  <inkml:trace contextRef="#ctx0" brushRef="#br0" timeOffset="93405">15083 1888 10861,'-24'-4'450,"5"2"-181,1 0 1,-1 1-180,-22 17-90,13-12 0,5 25 0,3 6-90,3-8 180,4 15 0,4 1-180,5-4-674,4 12 944,20-18-524,-15-3-106,43-4-629,-22-2-91,25-3-269,-6-4 1439,-12-9 0,0-2 0,20 0 0,-19-3 0,0-1 0</inkml:trace>
+  <inkml:trace contextRef="#ctx0" brushRef="#br0" timeOffset="93719">15305 1825 9691,'35'0'1709,"1"12"-1619,-5-9 90,0 21 0,-6-21 0,2 24-90,-1-12-90,0 15 360,8 10-360,-11-7 0,-6-1 0,-2 1 0,-2 8 0,-2 15 0,-8 1-450,-21-13-495,2-6 1,-3-2-675,-25 8 1619,6-9 0,-1-1 0,-9 3 0,14-12 0,0-1 0</inkml:trace>
+  <inkml:trace contextRef="#ctx0" brushRef="#br0" timeOffset="94566">15902 1603 9871,'20'13'630,"7"4"-630,-25 10 0,18 13 90,-18-11-90,13 12 90,-14-10-90,11 1 0,-11-2 90,8 0-90,-7-2 0,1 0 0,-1-2 90,-2-1-90,0 0 0,0 9 90,-19-8-90,14 13 0,-30-20-180,32 3-180,-13-13 0,3-1-989,10-4 1349,-9-16 0,12-4 0,0-13 540,16 14 89,-12-7 271,24 19-630,-16 7-180,7 19-90,-9 9 0,-2 5 90,-5-5-90,4 2 90,-2 3-90,0 0 0,-1 2 0,0-1-180,2 17-630,-1-15-1888,1 26 2698,-3-32 0,-1 8 0,-1-17 0</inkml:trace>
+  <inkml:trace contextRef="#ctx0" brushRef="#br0" timeOffset="95267">16488 1733 11400,'-19'13'90,"-6"-10"-90,22 24 0,-6-15 90,2 27-90,5-12-90,-4 14 90,6-10 0,0 2 0,0 14 180,19-11-180,-14 21-90,33-25 180,-33 5-90,28-16-90,-29 0-179,24-7-451,-10 2 450,4-9-90,0 0 1,-9-7 179,0 0 0,-2-16 180,-1-2 539,-5-19-179,0 0 0,-22 2-360,13 5-90,-29 14 360,29 2 90,-24 12-90,25 13-270,-8 11 0,11 23 0,0-7-648,0 5 738,0-7-180,0 1 180,0 2-90,14 17 90,-11-14-186,9-8 1,0 0-625,-10 0-1978,16 18 539,-16-29 2159,5 4 0,-7-13 0,0-2 0</inkml:trace>
+  <inkml:trace contextRef="#ctx0" brushRef="#br0" timeOffset="95419">17005 2524 7623,'0'0'0</inkml:trace>
+  <inkml:trace contextRef="#ctx0" brushRef="#br0" timeOffset="98367">27617 11624 9691,'-5'-3'540,"2"0"-360,1 1 90,2-1-180,0 0 0,0 0 0,0 0 270,0 0-360,0-2 89,20 1 91,-15-2 270,42-3-450,-28 2 90,24-1-90,-16 3 90,2 1-90,-2 1 0,10 1 0,-12 2 90,12 15-90,-20-12 90,4 23-90,-15-7 0,0 6 0,-6 16 0,-29-13 0,21 12-149,-20-24 1,-3-2 58,4 17 180,-25 0-90,11-3 0,3 0-90,2-4 90,5-4 90,6-2-180,4-5 180,11 2-90,2-7 0,8 2 0,0-7-360,17 0 0,14-2-270,10-1 1,8 0-1440,9 0 630,-14 0 1513,13-13 0,-23 9 1,-1-9-1</inkml:trace>
+  <inkml:trace contextRef="#ctx0" brushRef="#br0" timeOffset="98637">27645 11717 10231,'-7'-4'1080,"2"1"-991,3 0 1171,1 2-1080,21-1-270,0 20 90,24 2 0,-13 12 90,5-2-90,-7-5 0,1 1-360,-1 3-180,0 1-1439,12 14 630,-12-9 1349,-4-7 0,-2 0 0,1 4 0,6 7 0</inkml:trace>
+  <inkml:trace contextRef="#ctx0" brushRef="#br0" timeOffset="99201">28767 11670 10141,'0'-14'270,"0"2"0,0 2-270,-17 4 0,13 1 180,-34 3-180,0 17 0,-2 10 0,12-2 0,4 4 0,10 15 0,-14 16 90,26-24-533,-9 9 533,11-16-113,0-5 23,17 0 0,-12-7 90,27 0-90,-28-7 90,31-1 441,-12-4-620,17-2 203,-18-18-114,7-4 0,-16 0 0,1-15 449,-4 10-179,-10-8 0,0-4-450,0 20 360,0-4-270,0 35 180,0 17-90,0 9-450,0 9-629,13-20-180,-10 1-540,11-4 1799,-1-1 0,-10-3 0,11-3 0</inkml:trace>
+  <inkml:trace contextRef="#ctx0" brushRef="#br0" timeOffset="99439">29167 11758 10591,'-26'-10'1349,"5"2"-899,1 1-180,15 4-180,-29 2-90,18 1 0,-14 15 0,5 6 0,4 23 0,11 5 0,4-7-270,6 10-360,25-25 91,-19 7-271,41-17-269,-28-4-91,21-7 1170,7-2 0,-10-4 0,12 0 0</inkml:trace>
+  <inkml:trace contextRef="#ctx0" brushRef="#br0" timeOffset="99684">29412 11399 10411,'-12'-5'1799,"9"20"-1799,-9 19 0,12 4 90,0 10-180,15 4 180,-11-11-90,8-4 0,0 0-212,-10 6-238,8 12-180,-3-20-269,-5-4-270,10-3-1,-11-3-104,7-4 1274,-8-4 0,3-2 0,-3-3 0</inkml:trace>
+  <inkml:trace contextRef="#ctx0" brushRef="#br0" timeOffset="99834">29245 11831 10141,'0'-17'810,"0"4"-900,0-2 90,25 5 0,7-8 0,16 6-1030,-1-5 40,-7 9-89,2-1-450,2 3 1529,0 1 0,2 1 0,-1 2 0</inkml:trace>
+  <inkml:trace contextRef="#ctx0" brushRef="#br0" timeOffset="100068">29872 11743 10591,'-26'0'989,"11"16"-989,6 7-90,9 8 90,0 0 90,0 1-449,0-7-541,0 4-269,0-11 179,0-2-89,12-2 1079,-10-2 0,10-1 0,-12-1 0</inkml:trace>
+  <inkml:trace contextRef="#ctx0" brushRef="#br0" timeOffset="102255">29900 11755 9781,'0'23'1170</inkml:trace>
+  <inkml:trace contextRef="#ctx0" brushRef="#br0" timeOffset="102801">29902 11511 11041,'0'-6'1889,"0"0"-1440,0 2-89,0-2-270,0 0-180,0 0 180,0 1-180,0 0 90,0 2 0,0-2 0,0 3 0,0 16 0,0 6 0</inkml:trace>
+  <inkml:trace contextRef="#ctx0" brushRef="#br0" timeOffset="103307">30117 11814 9691,'2'-3'900,"1"0"-450,0 1 89,-1-1-629,-1 0 0,-1 14 90,-12 2 0,9 16 90,-10 0-90,13 0 0,0-3 90,16-12-90,-12 0 90,30-10 0,-18 2-90,16-3 0,-10-18 0,-3 0-90,-9-17-180,-5 8-809,-5-8 180,0 11-181,0-4-269,0 9 1349,-15 1 0,11 4 0,-12 0 0</inkml:trace>
+  <inkml:trace contextRef="#ctx0" brushRef="#br0" timeOffset="103737">30498 11748 10591,'6'0'630,"-2"0"-540,0 0-90,0 0 0,1 13 0,-1-10 0,0 25 0,0-24 0,-2 30 0,1-19 89,0 26-89,0-18 0,0 12 90,-1-18 0,-1 4-359,1-14 179,-1-16 90,2-11-90,9-25 90,-1 8 0,8-4-90,-6 11 90,5 2 0,-3 3 0,2 2 449,-3 6-89,-2 7-90,3 0-270,-6 9 0,6-2 90,-7 21-180,4 5 180,-7 11-630,2-1-179,-4-7-541,0 0-359,0 1 1619,2 7 0,-2-9 0,4 4 0</inkml:trace>
+  <inkml:trace contextRef="#ctx0" brushRef="#br0" timeOffset="103983">31018 11765 11940,'32'0'-1349,"-13"11"-900,5-9 900,-7 17 1349,6-17 0,-8 12 0,-8-6 0</inkml:trace>
+  <inkml:trace contextRef="#ctx0" brushRef="#br0" timeOffset="104151">30983 12012 9871,'-8'5'900,"1"-1"-540,7 1-270,0-2 0,0 1-1,0-1 1,21 1-629,-16-1-1890,34 2 180,-14-2 2249,9-1 0,1 1 0,-10-2 0</inkml:trace>
+  <inkml:trace contextRef="#ctx0" brushRef="#br0" timeOffset="104501">31593 11751 12480,'0'30'0,"0"5"90,0-4-450,0 3-180,0-9-359,0-1-450,0-1 1349,0 4 0,0-7 0,0 4 0</inkml:trace>
+  <inkml:trace contextRef="#ctx0" brushRef="#br0" timeOffset="104684">31593 11526 11580,'0'-6'-45,"0"3"0,0 0 0,0 2 0</inkml:trace>
+  <inkml:trace contextRef="#ctx0" brushRef="#br0" timeOffset="105100">31807 11712 10681,'-22'15'0,"5"4"90,17 19-90,0-7 0,0 2 0,0 2 0,0-8 90,0 5-180,0-12 180,0-4-90,0-1 90,14-1 0,-11-7-180,18-1 90,-4-23 0,1-6 0,14-23 0,-14 9 0,10-2 0,-3 0 180,-5 11 269,10-11-269,-15 21 360,6 0-540,-12 13 90,3 2-90,-9 3 0,1 15 90,-3 1-180,0 20-180,-1-10-270,0 4-2068,0 1 1079,0-9 1529,0 6 0,0-13 0,0-1 0</inkml:trace>
+  <inkml:trace contextRef="#ctx0" brushRef="#br0" timeOffset="105534">32310 11811 10951,'0'-11'1079,"-17"4"-989,-1 4-180,-17 17 90,17 8 0,-6 9 90,21 1-90,-7-4-90,10-1 180,0 13-90,0-13 0,0 14 90,21-23-90,-16 2-90,33-15 90,-19-1 90,2-25-90,9 16 0,-18-40 0,13 24 0,-8-22-90,-2 6 90,4-20 90,-6 11-135,-4 5 0,-1 0-970,-1-10 1285,0-13 180,-5 3-270,-2 20 55,0-21-145,0 37-180,0-1 360,0 18-270,0 44 0,0-12 0,0 36-189,0-20 189,-5-7 0,-2 2-360,5 18-315,-5-6 1,2 0-406,5 6 618,-8 12-3139,6-10 3601,-5-18 0,7 7 0,0-20 0</inkml:trace>
+  <inkml:trace contextRef="#ctx0" brushRef="#br0" timeOffset="105883">32513 11997 12030,'0'-15'180,"0"3"-90,21 7-180,1 1 180,2 3-90,11 0 0,-10-1 0,7 1 0,-2 0 90,-13 1-90,-2 0-90,-7-1 90,5-1 0,-11-1 0,7-1 0,-8-7-90,2 0 180,-3-11-90,-16 6 0,12-10 90,-27 11-90,27-2 0,-21 8 0,22 3 0,-7 20 0,10 8 0,0 24 90,0-8-180,0 2 180,0-10-450,17-2-270,-13 0-1888,25 8 899,-14-11 1619,0 4 0,12-14 0,-9-2 0</inkml:trace>
+  <inkml:trace contextRef="#ctx0" brushRef="#br0" timeOffset="106101">32892 11929 10861,'0'-4'1529,"0"1"-1439,13 2-180,-10 16 180,27 0-90,-14 17 90,16-4-630,-17-4-90,8-3-1528,-13-1 719,7-6-450,-2 2 1889,-6-9 0,0 0 0,-1-3 0</inkml:trace>
+  <inkml:trace contextRef="#ctx0" brushRef="#br0" timeOffset="106317">33175 11785 11760,'0'-11'1080,"0"2"-900,0 3-180,0 2 0,0 2 0,0 19 0,-12 8 0,9 13 0,-9 3-180,1-6-270,8 5-450,-18 1-89,18 2-2069,-17 14 3058,10-16 0,-6 9 0,4-20 0</inkml:trace>
+  <inkml:trace contextRef="#ctx0" brushRef="#br0" timeOffset="106517">33307 12099 12120,'4'13'60,"-1"-10"0,-2 11 0</inkml:trace>
+  <inkml:trace contextRef="#ctx0" brushRef="#br0" timeOffset="108900">13132 1432 9062,'0'-4'809,"0"0"-719,0 1 0,12-1 90,-10 2 180,10-3-270,-3 2 0,-7-3-90,16 1 0,-10 0 0,10 0 0,-3 1 0,2 0 0,-1 2 90,7 0-90,-5 2 180,6-1 90,-11 1-181,1 18-89,-8-14 90,-3 26-90,-2-11-90,-1 13 180,-15 4-90,11-10 0,-28 0 0,28-14 0,-23-3-90,24-2 1,6-7 178,17 4-89,-1 10 0,9-11 0,-14 26 0,9-15 90,-3 13-90,-9-7 90,-5-5-90,-6-3 0,0-4 90,0 1 0,-20 3-90,-2-4 0,-23 5 90,23-8-180,-17 1-180,25-4-449,-18-1-181,11-1-359,1 0-720,-1 0 1979,2 0 0,0 0 0,3 0 0</inkml:trace>
+  <inkml:trace contextRef="#ctx0" brushRef="#br0" timeOffset="132871">14273 12923 8432,'26'0'180,"1"0"-180,-2 0 0,1 0 90,-6 0-90,11 0 0,-6 0 0,7 0 0,-9 0 0,0 0 0,-1 0 0,-1 0 0,1 0 0,-2-7 0,10 6 0,-8-5-90,15 6 180,-17 0-90,7 0 0,-9 0 0,0 0 90,0 0-90,8 0 0,-3 0 0,16 0 0,-13 0 90,18 0-180,-16 10 180,8-7-90,1 7 0,-8-10 0,22 6 0,-20-5 0,24 8 0,-20-8 90,26 3-90,-20-3 0,12 0 90,8-1-180,-13 0 90,-7 1 0,1-2 90,8-12-90,-10 12 0,-1-1-443,7-10 533,10 3-90,-20 7 0,-2-7 0,0 9-90,-1-8 180,1 6-90,-2-6 0,14 4 0,-12 0-90,22-1 180,-25 1-90,8 3 0,-14-1 0,-1 2 0,-2 0 0,10 0 0,-9 0 0,15 0 0,-16 0 90,17 14-90,-17-11 0,10 10 0,4-13 0,-5 0 0,26 0 90,-21 0-180,28 0 90,-27 0 0,27 0 90,-27 0 173,8 0-263,-3 0 0,-12 0 0,10 0 0,-13 0 0,-2 0 0,0 0 0,1 0 0,1 0 90,0 0-90,13 0-90,-10 0 90,23 0 0,-22-13 90,21 10-90,-20-11 0,8 14 0,-10 0 0,-2 0-90,3-6 180,12 5-90,-9-5-90,25 6 180,-24 0-90,27-4 0,-25 4-746,13-3 836,-15 1-90,1 1 0,0-2 0,17-1 0,-13 1 0,-6 1 0,-1-1 0,6 1 0,25-3 0,-27 2 0,9-1 0,-15 2 0,0-1 0,-2 2 0,10-3 0,-11 2 656,15-2-566,-21 2-90,11-3-90,-18 3 90,13-2 0,-16 2 0,8 0 90,-11 1-180,3 0 90,-4 0 0,4-1 90,-6 1-90,2-1 0,-4 2 0,0 0 0,-2 0 0,0-1 0,-1 0 0</inkml:trace>
+  <inkml:trace contextRef="#ctx0" brushRef="#br0" timeOffset="150601">5210 13740 9242,'0'-8'1439,"0"4"-1079,0-2-90,0 4-91,0-1 1,0 0 540,0 1-270,10 0-540,-7 16 180,7 4 0,-10 23-180,0-6 90,0 27 90,0-19-1267,0 17 1087,0-15-449,0-1-292,0-1-68,0-2-91,0-1-89,0-4-1619,0 7 2698,0-13 0,0 4 0,0-15 0</inkml:trace>
+  <inkml:trace contextRef="#ctx0" brushRef="#br0" timeOffset="150767">5050 14228 9422,'-7'-10'629,"2"7"-269,1-14-270,3 10-90,1-13 90,23 5-90,-17-6 0,47 3-720,-28-1-179,28-2-406,-20 6 1,0 0 1304,19-8 0,-16 7 0,-1 2 0,13-6 0</inkml:trace>
+  <inkml:trace contextRef="#ctx0" brushRef="#br0" timeOffset="151000">5747 13534 9961,'-26'-2'1439,"4"16"-1349,2 12-180,8 12 90,-1 9 90,3-2-45,3-8 0,0 2-45,-6 24 0,4-7 0,1 1-1110,-2 9-15,4-12 1,1-1-980,0 4 2104,2-21 0,0-1 0,2 5 0,1-2 0</inkml:trace>
+  <inkml:trace contextRef="#ctx0" brushRef="#br0" timeOffset="151393">6140 13894 10411,'0'-5'360,"-20"-1"-180,15 3-270,-15 0 90,0 1 0,0 1-90,-19 0 180,11 1-90,-1 20-90,17 0 90,-6 4 90,17 8-180,-5-18 180,6 15-90,22 3 0,-17-8 0,38 18 0,-17-19 0,22 13 0,-21-17 90,11 3 0,-35-10-90,23-1 0,-23-2 449,7 1-449,-10-3 0,-21 4 90,15-5-90,-38 1 0,12-3-1529,-21-2-450,4-1 1979,20-15 0,12-3 0,17-15 0</inkml:trace>
+  <inkml:trace contextRef="#ctx0" brushRef="#br0" timeOffset="151700">6575 13952 11311,'-43'20'269,"19"11"-269,-18-27 0,37 24 0,-35-25 0,35 20 90,-22-21-90,24 19 0,-6-13 90,9 9-90,0-7 0,0 0 0,24-1-90,-18 0 90,43-4 90,-15 1 0,9-5 180,6 1-270,-21-2 90,-6-14-90,-11-3-899,-36-8-91,-4 3 91,-17 12-181,3-1 1,10 10 1079,-1-4 0,2 1 0,1-1 0</inkml:trace>
+  <inkml:trace contextRef="#ctx0" brushRef="#br0" timeOffset="151904">6392 13795 9781,'23'-23'1170,"3"1"-810,14-11-360,-8 8 0,-4 4 0,-1 1 0,3-1 0,18-7 89,-24 18 1,5-1-180,-13 8 1,-1 2-811,-3 1-1619,4 15 631,-7-11 1888,2 25 0,-7-26 0,-1 12 0</inkml:trace>
+  <inkml:trace contextRef="#ctx0" brushRef="#br0" timeOffset="152073">7062 13394 11041,'-24'20'180,"-13"-15"-360,32 42-2969,-27 2 3149,16 14 0,7-26 0,1-1 0,-5 20 0</inkml:trace>
+  <inkml:trace contextRef="#ctx0" brushRef="#br0" timeOffset="152601">7398 14049 10231,'-12'-12'990,"9"1"-900,-22 2-1,22 3-89,-20 2 0,6 2 0,-4 0 0,-7 18 0,13-11 0,-4 25 0,11-10 90,2 10-90,23 0 90,7-15-90,18-5 0,4-10 0,1-22 0,-12-9 0,-14-3 0,-4-5 0,4-15 0,-9 10 0,-2 0 0,0-3 225,-8 5 0,-1 1-45,-1-7-966,0-15 966,0 27-180,0 3 0,-17 0 90,13 13 0,-13 2-90,17 28 90,0 17-180,0 11 135,-1-4 0,2 1-45,15 15-722,-14-15 0,0-1 812,15 17-270,-6-4 465,-8 1-1814,18 11 630,-18-17-1080,13 16 720,-15-32 1259,5 1 0,-6-17 0,0-4 0</inkml:trace>
+  <inkml:trace contextRef="#ctx0" brushRef="#br0" timeOffset="152750">7410 13862 9512,'-9'-21'809,"1"2"-809,8 2 0,18-2 0,-13 6 0,33-1-630,-7 7 91,13 4-810,15 1 449,-19 2 900,7 18 0,-14-14 0,-1 14 0</inkml:trace>
+  <inkml:trace contextRef="#ctx0" brushRef="#br0" timeOffset="153134">7887 13891 10951,'-46'0'539,"5"0"-539,9 0 0,15 16 90,9 2-90,28 14 0,5-3-90,19-7 0,-1-9 90,-5-7 0,-5-6 90,-16-14 90,-7-3 180,-10-15-270,0 2-90,-17 4 0,3 13 0,-6 20 0,10 20 0,10 8 0,0 7 0,0-8 0,17 18 90,-13-13-90,13 10-90,-6-9-90,-8-10-989,8 10 449,-11-20-1439,-17 3 630,13-15 1529,-28-1 0,28-6 0,-11-1 0</inkml:trace>
+  <inkml:trace contextRef="#ctx0" brushRef="#br0" timeOffset="153300">7663 13609 10591,'17'-13'630,"-13"3"-630,33 3 0,-18 4 0,20 3 90,9 0-900,-9 0-1439,-6 9 1,1 1 2248,7-5 0,9 30 0,-17-15 0</inkml:trace>
+  <inkml:trace contextRef="#ctx0" brushRef="#br0" timeOffset="153966">8567 13938 9422,'0'-14'899,"0"3"-629,0 1-90,0 3 270,0 1-360,-12 16-90,9 2 0,-19 4 0,19 1 0,-14-15 0,15 15 0,-15-4 0,11 5 0,-7 4 0,9-9 0,3 15 0,18-16-90,4 10 90,23-17-90,-10 1 90,4-6-90,2-20-90,-9 15 0,7-33 180,-14 34 0,-4-34-270,-3 22 180,0-32 90,-7 16-270,-1-27 180,-8 19-854,-1-14 944,0 12 90,-16-1-180,12-3 180,-12 0 180,-1-1-90,13 3 90,-23-12-180,24 19-406,-8-9 1036,11 29-450,0 21-270,0 22 0,16 34 0,-13-5-797,12-10 1,2 0 886,-2 13-90,-6-18 0,1 0 482,10 12-482,-18 1 0,17-7-1619,-9 17 449,5-19-1978,3 19 3148,-7-33 0,4 2 0,-5-16 0</inkml:trace>
+  <inkml:trace contextRef="#ctx0" brushRef="#br0" timeOffset="154351">9173 13893 11311,'0'-11'809,"0"2"-719,0 4 90,-20 1-180,15 2 0,-32 0 0,23 1 90,-16 1-180,18 15 180,-3-11-90,14 23 0,-5-11 0,6 13 0,0 0 0,22-4 0,-3-11 0,20-6-90,-8-8 180,-13-18-90,6-2 0,-15-1 0,3-11 180,-6 13-180,-6-10 0,0 6 90,0 27-90,0 9-360,0 27-180,15-9-179,-11 4-2340,25-6 3059,-14-3 0,12-7 0,-3-8 0</inkml:trace>
+  <inkml:trace contextRef="#ctx0" brushRef="#br0" timeOffset="154703">9387 13838 10501,'1'-15'1079,"2"-1"-1169,-1 8 90,0-3 90,0 11 270,1-4-360,0 4 0,0 0 0,2 0 0,-2 22 0,4-17 0,-2 34 0,8-3 90,-6-1-90,7 16 0,-8-30 90,2 5-90,-4-18 0,0-1 0,-2-25 0,1 14 0,1-32 0,2 20 0,3-17 0,6-1 0,-2 8 180,10-4-90,-9 11-90,9 10-90,-11 1 90,3 8 90,-6 0-90,-1 17 0,0-13-270,0 31-450,-3-9-1618,-1 20 1079,-4-8 1259,0 5 0,-19-21 0,-5 4 0</inkml:trace>
+  <inkml:trace contextRef="#ctx0" brushRef="#br0" timeOffset="154951">9018 13617 10681,'-3'-25'1169,"0"6"-809,3-15-360,24 17 0,3-15 0,3 17 0,13-5 0,-26 10 90,20 3-270,-12 3-629,10 2-91,-12 2-1079,16 15 900,-21-11 1079,8 26 0,-15-26 0,0 11 0</inkml:trace>
+  <inkml:trace contextRef="#ctx0" brushRef="#br0" timeOffset="155151">9417 13348 9691,'22'-14'1170,"9"1"-720,-16 0-271,11 7 271,3 0-450,-10 26 0,6 3 0,-11 2 90,8 10 0,-5-17-1349,10 10-180,-7-12-360,6-9 1799,-7-7 0,3 0 0,0 0 0</inkml:trace>
+  <inkml:trace contextRef="#ctx0" brushRef="#br0" timeOffset="156161">10380 13789 11850,'-32'0'0</inkml:trace>
+  <inkml:trace contextRef="#ctx0" brushRef="#br0" timeOffset="156753">10283 13848 10321,'-1'6'1259,"1"-2"-1079,0-1 0,0-1-90,17-1-90,0 1 90,28-2-90,-8 0-315,-2 0 0,1 0-1124,16 0-248,-15 0 1,0 0 1686,17 0 0,1 0 0,-1 0 0</inkml:trace>
+  <inkml:trace contextRef="#ctx0" brushRef="#br0" timeOffset="157501">11560 13603 9512,'-44'0'1169,"10"-1"-989,-3 1-180,11 0 0,-1 0-90,1 18 90,4-13 90,2 24-90,5-26 0,6 25 90,4-8 0,5 17-90,30-7-720,9 7 1,18-17-226,-17-6 1,0-1-586,14-2 1279,-18-5 1,-1-1-1,15-3 1,-1-2-1</inkml:trace>
+  <inkml:trace contextRef="#ctx0" brushRef="#br0" timeOffset="157755">12012 13446 11131,'-13'13'539,"2"3"-539,11 9 0,0 2 0,0-2 0,15 4 90,-11 4-90,11 3 0,-3 19 0,-9-13 0,4-7 0,-1 1-629,-6 3-1027,7 12 847,-5-20-44,6-3-227,-8-1-539,0-6 1619,0-1 0,0-5 0,0-2 0</inkml:trace>
+  <inkml:trace contextRef="#ctx0" brushRef="#br0" timeOffset="157909">11838 13826 8882,'0'-14'180,"23"-5"-90,-17 4-90,55-11-540,-37 9-630,12 5 1,4 1 1169,0 0 0,16-2 0,-17 7 0</inkml:trace>
+  <inkml:trace contextRef="#ctx0" brushRef="#br0" timeOffset="158267">12352 13630 8972,'-10'15'1079,"3"1"-989,7 21-90,14-10 0,-10 6 0,10-9 0,-3 12 0,-8-9 0,8 9 0,-11-13 270,9-4 180,-7-3 0,7-4-271,-9-3-179,0-3 0,5-3 0,-2-1 90,7-18-90,-3-10 0,4-10 0,-1-6 0,2 6-90,1-4-1169,6-19 450,-3 15-1,-3 10 1,0 1-1310,3-1 2119,4-2 0,-6 17 0,0 4 0</inkml:trace>
+  <inkml:trace contextRef="#ctx0" brushRef="#br0" timeOffset="158601">12902 13815 9602,'9'-18'179,"0"14"-89,0-33-90,0 20 0,2-19 90,1 7-90,0-3 0,4-15 0,-8 11 0,4-23 270,-9 25-508,0-7 508,-3 15 34,0 4-304,0 3 360,-16 0-180,2 36 180,-4 8-360,8 24 0,9-15 0,2-1 0,-1 11 0,0 15 0,0-20 90,16 1-2249,8 10 270,-3-14 1899,28 7 0,-24-21 0,26-2 0</inkml:trace>
+  <inkml:trace contextRef="#ctx0" brushRef="#br0" timeOffset="159484">10252 14139 10321,'13'-1'1709,"-3"1"-1619,-10-2-90,6 0 0,-1 0 270,5 1-90,-5 1 90,3 0-270,-1 14 90,13 7-90,-2 10 0,10 6-264,-2-3 264,4 7 0,4 2 0,-7-8 0,1 0 0,-7-7 0,2 0 44,16 21 1,1 2-45,-17-21 0,1 0-1191,16 22 1,1 1 1190,-17-22 0,-2 0 0,7 11 0,-1-1-343,-8-12 0,-3-1-197,16 29-269,-3-2-361,-13-17 1,-2-1-540,5 18 1709,-9-20 0,-2-2 0,-2 7 0,-2-2 0</inkml:trace>
+  <inkml:trace contextRef="#ctx0" brushRef="#br0" timeOffset="160484">11747 15228 9602,'0'-13'1798,"0"-5"-1528,-18 4 180,13-8-270,-29 9-180,18-5 0,-4 11 0,0-1 0,12 6 0,-8 17 0,5 10 0,5 22 0,3-5 90,3 16-180,0-23 90,17 18 90,1-26-270,3 4-180,11-17 270,-9-6-90,9-5 90,-2-3 90,-10 0-90,4-20 180,-7-4-180,4-23 90,-12 10 180,-1 3 90,-5 3-360,-2 7 180,0 0-90,-1 27 0,15 12 0,1 21-1079,19 4-180,-19-8-1710,30-1 2969,-26-11 0,26-10 0,-17 0 0</inkml:trace>
+  <inkml:trace contextRef="#ctx0" brushRef="#br0" timeOffset="160683">12320 15187 9781,'-24'-7'1889,"-18"2"-1979,21 4 180,-17 1-90,20 15 90,-1-11-90,17 26 0,-6-8 0,8 9 0,21 0-449,4 2-361,1-9-135,4-7 1,1-2-135,-5-4-360,36 0 1439,-25-11 0,0 0 0,2 0 0</inkml:trace>
+  <inkml:trace contextRef="#ctx0" brushRef="#br0" timeOffset="160905">12722 14927 10321,'-15'-14'1349,"11"0"-719,-11 5-630,15 25 0,0 10 0,15 14 90,-11 0-180,26 13 270,-26-11-540,11-4 0,-1 0-359,-11 7-136,8-10 1,0 0-46,-9 2 1,6 7-271,-8-20 1170,0-4 0,0-4 0,0-3 0</inkml:trace>
+  <inkml:trace contextRef="#ctx0" brushRef="#br0" timeOffset="161067">12563 15227 9242,'-4'-20'539,"3"2"-449,-4 3-90,5 2 0,20-5 90,7 8-449,27-2-271,-9 8-135,-11 3 1,0 1-406,9 0 1084,15 15 0,-18-11 1,-1 11-1</inkml:trace>
+  <inkml:trace contextRef="#ctx0" brushRef="#br0" timeOffset="161284">13298 15178 11311,'-18'11'539,"3"5"-629,15 8 180,0 1-90,0 10-90,0-8-1079,12 20 269,-9-21-1168,18 12 718,-19-21 1350,15 1 0,-15-11 0,6-3 0</inkml:trace>
+  <inkml:trace contextRef="#ctx0" brushRef="#br0" timeOffset="161434">13292 14898 9242,'0'-9'-2699,"0"3"2699,17 4 0,-12 20 0,13 5 0</inkml:trace>
+  <inkml:trace contextRef="#ctx0" brushRef="#br0" timeOffset="161732">13647 15099 10231,'0'6'360,"0"0"-270,0 0-90,-16 3 0,12 9 90,-11 0-90,15 7 0,0-1 0,0 1 0,0 0 90,0 0-90,0-2 90,0-1-90,17 3 90,6-8-90,20 0 0,-9-12 0,10-3 0,-18-22 0,5 15 0,-12-52-90,-4 34 45,-10-11 0,-3-2-225,4 0 0,-25-12-180,15 20-269,-35 2-2160,12 0 2879,-20 10 0,20 2 0,6 10 0</inkml:trace>
+  <inkml:trace contextRef="#ctx0" brushRef="#br0" timeOffset="162117">13903 15143 10051,'5'0'540,"-1"0"-540,-1 0 0,1 15 90,2-12-90,2 36 0,-1-23 90,8 40-90,-6-28 0,8 21 90,-9-29-90,4 7 0,-7-15-270,1 0 180,-3-9 0,0-1 180,1-2-180,2-20 90,1 15 0,9-50 0,-2 32 225,-1-9 0,1-1 225,2 2 89,10-6-359,-10 13 0,1 13 180,-5 0-90,-1 11-270,1 0 90,5 0-90,-5 15 0,11 8 0,-12 8-720,12 15-359,-11-15-1813,4 11 2892,-4-11 0,-1-2 0,2 0 0</inkml:trace>
+  <inkml:trace contextRef="#ctx0" brushRef="#br0" timeOffset="178577">14053 13590 11490,'0'13'90,"0"4"-180,16-14-89,-2 4 179,12-7 179,-7 0-179,-3-15-90,-6 11 90,-4-24-89,-4 15-1531,-2-9 1620,-14 8 0,11 7 0,-10 4 0</inkml:trace>
+  <inkml:trace contextRef="#ctx0" brushRef="#br0" timeOffset="178991">14130 13896 8522,'-7'0'1529,"3"-12"-1529,2 1 0,2 14 0,0 10 0</inkml:trace>
+  <inkml:trace contextRef="#ctx0" brushRef="#br0" timeOffset="180200">15017 13492 9332,'-37'0'1349,"2"15"-1169,9-11-180,0 28 90,6-18-90,1 16 0,1-3 0,3 0 0,4 1 0,5 1 0,4-1 90,2 0-90,0-1-540,0-2-539,23-1-91,-18-4-449,41-2 1619,-27-4 0,22-4 0,-7-2 0</inkml:trace>
+  <inkml:trace contextRef="#ctx0" brushRef="#br0" timeOffset="180484">15355 13637 9602,'-40'0'1169,"19"14"-1169,-18-10 0,25 10-90,-8 0 90,-1-1 0,13 3 90,-6 0-90,9-5 180,25 5-270,-13-1 180,30-5 0,-10-3-90,19-4 0,-2-1 90,-17-17-180,1 11-180,-24-30-540,8 17-359,-29-16 359,14 8-179,-32 12 989,32-2 0,-29 14 0,14-4 0</inkml:trace>
+  <inkml:trace contextRef="#ctx0" brushRef="#br0" timeOffset="180875">15603 13671 9062,'2'7'540,"1"0"-540,-1-2-90,2 1 180,-2 0-90,0 1 0,0 1 89,2 5-89,-2-2 0,3 5 0,-2-7 180,-1 1-180,0-6 0,-1 0 0,1-3 0,-1 1 0,3-22 0,0 16-90,8-44 90,-4 29-90,7-23 270,2 9-180,-3 11 720,8-7-450,-10 20 359,4 1-269,-7 8-270,2 0-90,-3 19 0,-1-15 0,7 58 0,-5-38-90,-1 11 0,-1 2-989,1-4-360,1 9-360,-2-15 1799,4-1 0,-1-5 0,3 0 0</inkml:trace>
+  <inkml:trace contextRef="#ctx0" brushRef="#br0" timeOffset="181119">16228 13485 10681,'-16'18'989,"2"5"-899,14 11-90,0 1-90,0 10-809,0-8-1260,0 26 1080,11-27 1079,-8 21 0,8-27 0,-11 8 0</inkml:trace>
+  <inkml:trace contextRef="#ctx0" brushRef="#br0" timeOffset="181445">16022 13721 8612,'23'-13'180,"12"-1"-270,-31 2 90,34 1 90,-8 0-90,13 4-90,12 1 180,-21 4-90,20 2 90,-26 20 180,14-1-90,-22 4 0,1 7 539,-8-15-269,-7 2-180,1 2-360,-24-17 180,13-10-90,-13-11-90,6 1-630,8-12-719,-8 11 90,11-14 1349,0 8 0,16 10 0,4 8 0</inkml:trace>
+  <inkml:trace contextRef="#ctx0" brushRef="#br0" timeOffset="181739">16770 13671 10591,'-21'-17'899,"16"-4"-989,-31 18 90,32-12-89,-23 13 178,16-5-178,-12 26 178,12 2-178,2 21 178,9-10-89,0 0 0,17-11 90,-12-2-90,29-1 90,-8-3-90,-3 0 0,17-8 0,-26-2-180,23-5 91,-16-19-271,-5-4-989,-7-33 359,-9 18 990,-20-14 0,15 28 0,-15-4 0</inkml:trace>
+  <inkml:trace contextRef="#ctx0" brushRef="#br0" timeOffset="182334">16983 13774 9422,'8'0'269,"-1"0"-89,1 0-180,3-18 0,1 14 0,8-51 90,-3 33-90,-2-13 0,0-1 0,3-3 0,-1 5 0,-2-1 0,0-6-874,5-13 784,-11 18 269,0 1-89,-6 3 180,-2-8-180,-1 14 90,0-9-180,0 22 0,-16-1 180,2 28 785,-4 11-965,0 31 0,16-7 0,-2-11 0,0 0 0,4 6 45,0 4 0,0-1 135,0-1-315,9-6 0,2-1 315,-6-8-90,29 9-90,-14-22 90,17-1-90,-6-12 0,21-23 0,-26 13 0,0-20 0,-3-4 0,-3 7-683,5-31 593,-12 20 90,-3-2 0,-4-1-281,-2-13 281,-3 13 450,-1-20-450,0 29 0,-15-9 0,11 21 180,-10 1-90,14 31-90,0 24 0,0 7 0,0-9 0,0 1 90,0 5-935,0 14 845,0-18-360,0-2 231,0-2-2749,0 9 899,16-13 2047,-12 3 1,24-17 0,-13-2 0</inkml:trace>
+  <inkml:trace contextRef="#ctx0" brushRef="#br0" timeOffset="182687">17655 13727 9781,'0'27'270,"19"-10"-180,-1-8 0,21-9-90,-5 0 0,3-16 0,-18 0 0,5-2 180,-18-17-180,3 20 360,-6-27-180,-3 21-180,-18-3 90,13 8 0,-13 5-180,-3 2 90,3 5 0,-16 1 90,19 18-90,-3-12 0,16 29-90,-5-7 270,7 19-180,0-7 90,16-3-360,-12-11-360,26-3-90,-26 0-899,24 2 1170,-10-8 449,16 0 0,-7-10 0,-2-2 0</inkml:trace>
+  <inkml:trace contextRef="#ctx0" brushRef="#br0" timeOffset="182984">18002 13610 9781,'0'11'1260,"0"4"-1260,0 28 0,0-12 0,0 2 0,12-11 0,-10-3 0,10 0 90,-12-4 269,0-1 361,0-3-540,6-4-180,-4-17 0,10-23 0,-9-3 0,3 3 0,1 0 0,0-4-720,11-25 271,-8 31-2160,12-11 1530,-13 28 1079,6 1 0,-9 13 0,0 0 0</inkml:trace>
+  <inkml:trace contextRef="#ctx0" brushRef="#br0" timeOffset="183601">18690 13566 10501,'0'-21'450,"-21"3"-360,16 1-180,-28-4 90,30 10 0,-22-3 0,22 34 0,-9 18 90,12 5-180,18 19 180,-2-31-90,17 17 0,-18-23 0,-3 4 90,-4-14-270,-6-3-1259,6-2 1169,-26-5-450,0-14 450,-16-10 270,17-9 0,-7 10 0,21-3 0,-8 11 0,11-6 0,23 7 90,-17 2-90,39 4 0,-13-1 0,24 3 0,-10 1 0,9 0 90,-23 0-90,14 0 0,-20 0 0,2-13 0,-7-1 0,-9-1 0,1-10 180,-11 6 0,0-6 180,-2 2 0,-21 7-181,16 3-89,-31 1 90,17 1 90,-11 5-270,12 19 90,7 9-90,11 11 90,0 0-90,0-5 0,17 10 0,-13-8-899,27 16-451,-9-23 1350,18 8 0,-6-21 0,1-1 0</inkml:trace>
+  <inkml:trace contextRef="#ctx0" brushRef="#br0" timeOffset="183901">18865 13257 8432,'22'-4'990,"-4"1"-541,3 2-179,0 0 0,21 1-90,-7-1-180,-6 1 0,-5 0 0,-8 12 0,0-9 0,1 9 90,5-3 0,-4-7 90,10 16-180,-13-16-540,6 6-269,-8-8-631,2 0-449,-2 0 1889,1 0 0,1-19 0,2-4 0</inkml:trace>
+  <inkml:trace contextRef="#ctx0" brushRef="#br0" timeOffset="184371">19643 13465 10501,'0'-5'1529,"14"2"-1349,-10 1 360,26 2-540,-9-1 90,9 1-90,12 13 0,-13-10 0,25 22 0,-19-8-1556,12-2 836,-16 15-359,1-17-551,-5 15 101,-1-9 1483,-2-1 1,-4-1 0,-2-1 0</inkml:trace>
+  <inkml:trace contextRef="#ctx0" brushRef="#br0" timeOffset="184585">20112 13332 9691,'-32'0'450,"14"23"-360,-13-18-90,16 40 90,-16-25-1036,4 23 946,0-6 0,-2 3-675,9-10 0,0 2-404,-7 15 269,9-16 1,1 0 809,-2 10 0,4-5 0,2 0 0</inkml:trace>
+  <inkml:trace contextRef="#ctx0" brushRef="#br0" timeOffset="184984">20328 13517 9961,'5'-3'450,"-2"2"-450,-1 1 0,0 0 0,-1 15 90,2-12-90,-2 26 0,5-6 0,0 6 90,3 2 0,4 0-180,0-9 180,9 9-90,-6-17 0,10 2 0,-11-12 0,5-1 0,-9-3 0,0 0 0,-2-20 0,1-4 0,-4-1 360,-1-26-180,-4 34-1,0-25-268,-1 19 268,0 7-179,0 20 0,0 16-629,0 27-1530,17 6 720,-13-11 1374,27-5 0,-27-25 0,10-3 0</inkml:trace>
+  <inkml:trace contextRef="#ctx0" brushRef="#br0" timeOffset="185217">20527 13274 8882,'47'-2'450,"-7"1"-360,-16 16-90,1 2 0,-22 19-270,8-4-1619,-11 3 1889,0-9 0,-18-10 0,-4-9 0</inkml:trace>
+  <inkml:trace contextRef="#ctx0" brushRef="#br0" timeOffset="185367">20765 13116 9242,'12'-4'1439,"-2"1"-1349,4 16 0,-7 10-720,-7 25-899,0-5 1529,0-7 0,0 0 0,0 10 0,0 18 0</inkml:trace>
+  <inkml:trace contextRef="#ctx0" brushRef="#br0" timeOffset="185766">20910 13882 10411,'33'-28'0,"-13"4"-90,8-3 180,-7-9-90,8 7 0,-1-10-90,-9 8 180,-3 1-90,-1-2 90,-2-15-90,-5 11 270,-2-29 0,-5 28 179,-1-23-269,-17 29-180,12-7 0,-12 20-90,17 4 270,0 6-90,-11 3-90,8 24 0,-8 14 0,7 1 0,2 1 0,0 27-719,-1-27 1,-1 0 718,4 18 0,0-1-211,0-3-464,11-17 1,1-1-405,-6 13 134,13-13 1,3-3-315,1-3 1259,0 3 0,17-20 0,-14-2 0</inkml:trace>
+  <inkml:trace contextRef="#ctx0" brushRef="#br0" timeOffset="186189">21387 13648 9871,'-14'-9'540,"10"19"-450,-10 11-360,29 15-719,3-3 89,14-5 91,3-13 539,-3-5 270,-1-10 90,-10 0 629,-6-17 91,-6-4-1,-3-18-89,-1 3-270,-4 2-360,-1 7-90,0 33 0,0 30 90,0 11-90,-1-7 0,2 1 90,11 5-90,-5-4 0,0 1-90,8 7 135,-4-8 0,1-1-497,3 3 632,6 8 225,0-18-315,-10-14-1889,1 0-270,-32-33 630,-8-6 1439,-16-3 0,2-19 0,10 11 0</inkml:trace>
+  <inkml:trace contextRef="#ctx0" brushRef="#br0" timeOffset="186371">21908 12911 10681,'-19'19'-720,"14"15"-629,-34-16-630,34 16 1979,-39-3 0,38 1 0,-17 5 0</inkml:trace>
+  <inkml:trace contextRef="#ctx0" brushRef="#br0" timeOffset="187334">22353 13427 9691,'7'-3'1440,"-5"16"-1440,8 5 0,-8 0 90,4 16-90,-3-18 179,-1 16 91,0-11-270,0-1 180,0-2 180,0-1-180,-1-2 90,1-7-90,-1 1-180,1-9 0,-1 2 0,2-2 0,4-21-90,0-6-720,9-26-89,-3 12-1980,9-14 900,-9 27 1979,2-6 0,-6 17 0,-1 1 0</inkml:trace>
+  <inkml:trace contextRef="#ctx0" brushRef="#br0" timeOffset="187639">22815 13697 9781,'9'0'630,"0"0"-540,2 0-90,6-20 0,-2-1 0,12-20 0,-11 21 0,6-12 0,-9 20 0,-2-13 90,-3 16-90,0-9 0,-5 7 0,0-6 90,-21 9-90,-3 4-90,-1 23 180,-10 1-90,14 3 0,-10 10 90,11-11 0,9 8-630,8-3-449,0-10-540,17 0 1529,11-4 0,11-1 0,4-1 0</inkml:trace>
+  <inkml:trace contextRef="#ctx0" brushRef="#br0" timeOffset="188017">23343 13517 10051,'-31'0'1260,"-11"0"-1260,10 0 89,-11 15-89,19 1 0,6 18 0,10-9 0,8 3 90,0 1-90,22-6-719,6 10 449,0-18-90,33 1 270,-38-12 90,31-2-90,-15-19 180,-14 13 0,10-29 450,-24 9-270,0-16 0,-11 5 89,0-2-269,-17 23 180,13-11-180,-25 23-180,26 11 180,-18 21 0,19 10-450,-5 0 0,0 0-539,6 6-316,-2-2 1,-1-1-495,4-3 1574,-2 9 0,2-21 0,0-3 0</inkml:trace>
+  <inkml:trace contextRef="#ctx0" brushRef="#br0" timeOffset="188475">23552 13806 9602,'4'-17'89,"1"-1"1,5 4-180,2-3 90,3-1 90,1-3-180,1 0 180,9-14-180,-6 9 360,13-18 0,-17 18 360,8-13-540,-14 20 90,0-2-180,-4 12-90,-3 4 270,0 2-270,-1 21 90,-1 5 90,2 36-180,0-18 270,3 20-180,1-35 89,8 10-178,-3-21-811,12-2 630,-7-9-359,21-26 629,-17 16 0,-1-21 0,-1-4 0,-3 9 90,4-29 179,-11 22 181,-1 1 0,-3 2-270,-3 3-180,0 6 629,-2 0-629,0 27 90,0 7-90,0 29 0,0-8-629,0 2-451,0-9-1528,13 9 2608,-10-11 0,11 4 0,-14-13 0</inkml:trace>
+  <inkml:trace contextRef="#ctx0" brushRef="#br0" timeOffset="188793">24217 13648 10681,'9'-4'360,"2"3"-360,0-7 0,2 5 90,8-7-90,-2 2 90,16-7-90,-12 4 0,5-4-180,-6-1 0,-7 5 0,0-12 180,-10 10 0,-2-11-90,-3 11 180,-24-3-180,18 7 90,-36 4 90,16 2-90,-15 3 0,2 20 0,17 5 90,2 23 0,18-11-1170,-5 22 181,30-30 899,4 22 0,26-32 0,1 3 0</inkml:trace>
+  <inkml:trace contextRef="#ctx0" brushRef="#br0" timeOffset="189084">24628 13475 9961,'-15'-6'450,"1"3"-360,-5 19-90,9 4 0,10 13 0,0-3 90,18 5-180,-14-7 180,33 17 0,-19-18 540,15 11-181,-16-17 271,2 5-720,-16-15 90,9-1-450,-32-7-360,-2-2-3327,-29-14 4047,4-6 0,18 2 0,9 1 0</inkml:trace>
+  <inkml:trace contextRef="#ctx0" brushRef="#br0" timeOffset="189354">24978 13297 12390,'0'37'0,"0"6"0,0-7 90,0 4-180,0-8 90,0 0 0,0-1 180,0-1-630,0-2-90,0-2-1349,0 15 1080,0-16-630,0 12 719,0-26 720,-17 0 0,-2-8 0,-16-2 0</inkml:trace>
+  <inkml:trace contextRef="#ctx0" brushRef="#br0" timeOffset="189484">24752 13641 9961,'-12'-15'1080,"5"-2"-900,2-11-270,31 6 180,-3 7-180,27 6 180,-6 5-1350,4 2 541,4 2-631,0 0-808,1 0 2158,-3 0 0,0 13 0,-3 4 0</inkml:trace>
+  <inkml:trace contextRef="#ctx0" brushRef="#br0" timeOffset="189627">25475 13767 11940,'0'-31'0</inkml:trace>
+  <inkml:trace contextRef="#ctx0" brushRef="#br0" timeOffset="190677">15095 14944 11490,'-12'12'-30,"9"11"0,-9-5 0</inkml:trace>
+  <inkml:trace contextRef="#ctx0" brushRef="#br0" timeOffset="191033">15142 15418 9691,'12'-12'90,"-3"-2"0,-9-7-180,-16 8 0,12 1 90,-24 11 0,16-4 90,-2 19-359,5 0-2430,44 2 2699,-10 2 0,14-16 0,-23 5 0</inkml:trace>
+  <inkml:trace contextRef="#ctx0" brushRef="#br0" timeOffset="191884">15877 14748 10501,'0'-11'1619,"0"0"-1439,0 3-180,0 0 630,0 1-450,0 21-180,0 14-90,0 15-929,11 9 1109,-8-6-90,8 5 0,-4 2 0,-6-14 0,0 0 0,13 17 0,-11-10 0,-1-3 0,8 2 0,-5-8 0,-2-2-270,0-6-359,2 8-721,-5-30 991,1-2-181,5-21 360,0-7 90,5 2 90,0-22 0,4 23 0,3-20-90,13-1 90,-4 14 540,20-7-540,-19 14 180,18 11 179,-23 0 750,8 9-1019,-9 19-90,-5-14 90,6 32-90,-13-14 90,6 22-90,-9-10-630,5 8 0,-4-21-809,8 9 450,-2-21-181,8 4 1170,-3-13 0,3 2 0,0-3 0</inkml:trace>
+  <inkml:trace contextRef="#ctx0" brushRef="#br0" timeOffset="192234">16647 15178 9781,'0'-14'1350,"0"-2"-991,-19 5-269,15-1-90,-15 7 0,0 2 0,1 2 0,-15 1 0,18 18 0,-2 1 90,16 21-180,-6-10 180,7 1-90,0-8 0,19 7 0,2-9 0,18 4 90,-19-12 0,13-6-90,-15-1 0,13-6 0,-14-17 0,0 12 0,-15-26 90,4 12 180,-6-14-270,0 3 0,0 6 0,0 28-1169,0 7-1,0 26-269,17-20-270,-13 12 1709,22-26 0,-23 20 0,7-12 0</inkml:trace>
+  <inkml:trace contextRef="#ctx0" brushRef="#br0" timeOffset="192755">16958 15150 11131,'14'30'90,"-11"6"-180,24-20 180,-23 21 0,19-23-90,-21 16 0,17-6 89,-6-7-268,5 3-181,-4-14-180,-6 0 180,-4-6 180,-2 0 1,3-20 179,-2-2 0,4-23 0,-2 11 0,2 11 0,-2-4-90,1 23 180,0-24 449,1 19-539,-1-5 90,2 8-90,-1 6 0,4 14 0,-3 5 0,4-1 0,0 16 0,-3-12 90,6 15-90,-7-16 270,5 2-270,-7-21 0,6 6 0,-7-8 0,4 0 0,-1-18 0,-1-5 450,8-23-180,-6 10-91,9-9-179,-8 22 540,13-11-450,-11 23-180,10-1 180,-12 12-90,5 15 0,-6-11 0,0 30-450,-1-17-359,-1 16-181,-1-6-269,-2-1 1259,-1 11 0,-2-11 0,0 6 0</inkml:trace>
+  <inkml:trace contextRef="#ctx0" brushRef="#br0" timeOffset="192950">16453 14866 9781,'33'-18'0,"-6"8"-315,13 1 1,4 2-1125,15 4 1095,-18 0 1,1 0-1,22 3 1,0 0-1</inkml:trace>
+  <inkml:trace contextRef="#ctx0" brushRef="#br0" timeOffset="193685">18147 15013 10321,'7'-11'720,"0"1"-540,-4 7 179,6 0-269,-4 3-90,7 18 0,-4-13 90,1 38-90,0-21 0,1 24 0,0-7 0,0 1 0,1 19 0,-3-17 90,1 19-90,-3-31-1079,-1 8 899,-1-26 0,1-21 90,-1 4 90,2-38 0,2 25 0,2-21-90,10-7 90,-4 12-90,9-10 90,0 12 90,-3 10 0,11 0 90,-14 16-90,10 3-180,-15 25 180,7 5-90,-11 12 90,-1-2-90,0 2-360,-2-9-1079,10 14 629,-5-29-269,7 11 1079,0-24 0,1 7 0,4-9 0</inkml:trace>
+  <inkml:trace contextRef="#ctx0" brushRef="#br0" timeOffset="194038">18903 15122 9332,'-17'-15'1169,"-7"7"-989,-17 0-180,0 8 0,5 0 90,15 17-90,-1 0 0,20 19 0,-7-3 90,25 1 0,2-15 0,18 6-180,-18-17 180,16 4-360,-15-7 360,14-5-90,-15-16 0,3 12-90,-16-26 270,4 9-90,-6-12-180,-3 2 450,0 8-360,0 26 89,0 10 1,0 24-180,0-7-989,13 11 90,-9-16-1,20 5-359,-21-12 1349,18-5 0,-19-4 0,8-5 0</inkml:trace>
+  <inkml:trace contextRef="#ctx0" brushRef="#br0" timeOffset="194550">19168 15119 10951,'8'14'0,"-1"-10"90,-2 24-90,3-9 0,-1 8 0,5 9 0,-6-13 0,3 4 90,-5-10-90,0-4 90,0-2 0,1-3-360,-3-3 180,2-2-180,-3-15 180,2 8 0,0-24 90,0 25-90,8-41 90,-3 27-90,16-32 180,-10 28-90,13-7 90,-12 20 0,2 0-90,-2 8 90,-5 0-90,5 19 0,-8-14 0,4 27 0,-7-14 90,1-2-90,-4 9 270,1-22-180,1 7-90,-2-10-90,2 0 180,5-15-90,0-3-90,4 0 90,0-15 0,0 20 0,1-7 270,6-2-181,-7 12-89,9-5 90,-13 9-90,8 6 0,-8 21 90,3-16-539,-2 34-181,0-16-1799,2 18 720,-3-17 1709,-1 8 0,-1-28 0,-2 9 0</inkml:trace>
+  <inkml:trace contextRef="#ctx0" brushRef="#br0" timeOffset="194834">18552 14616 9152,'0'34'719,"18"-1"-629,4-6 0,21 0-270,3-1-719,-9-6-181,0-4-629,-12-4 1709,1-4 0,-3 1 0,0-2 0</inkml:trace>
+  <inkml:trace contextRef="#ctx0" brushRef="#br0" timeOffset="195001">18827 14669 10771,'45'-3'180,"-7"2"-720,8 1-2788,14 13 3328,-11-10 0,-15 4 0,-1-1 0,15-6 0</inkml:trace>
+  <inkml:trace contextRef="#ctx0" brushRef="#br0" timeOffset="195367">20135 14652 11490,'19'-9'990,"-15"2"-810,33 3 90,-17 2-270,16 2 90,-11 16-90,-1 10 0,-10 24 0,-2-4-987,-4 5 628,-5-10-91,-1-1-360,0 0-1079,-2 12 810,1-14-1586,-1 13 2665,0-25 0,0-2 0,0-11 0</inkml:trace>
+  <inkml:trace contextRef="#ctx0" brushRef="#br0" timeOffset="195651">20113 15011 8882,'0'-17'-90,"0"-7"180,18 8 90,7-9-180,-2 14 0,12 5 0,0 2 0,-10 2 90,39 18-90,-37-11-351,-2 28 351,0-29-90,-3 32 90,-2-19 90,2 24 90,-7-25 719,4 16-809,-12-20-180,0 3 0,-6-21 531,-1-17-441,0-20-270,0 4 0,0-15-179,0 22-631,17-16 451,-13 24 629,28-2 0,-29 12 0,13 4 0</inkml:trace>
+  <inkml:trace contextRef="#ctx0" brushRef="#br0" timeOffset="195968">20853 15076 11221,'-23'-12'-90,"-12"10"90,19-10 0,-13 33 90,8 2-90,9 19 90,5-6-180,33-5 180,1-13-180,4-3 90,11-13 0,-18 3-180,18-21 180,-20-7-180,3-21 0,-23 7 0,7-3-180,-9 12 0,0 0-179,-23 2-91,17 3-179,-37 2-181,38 6 990,-32 2 0,33 7 0,-13 2 0</inkml:trace>
+  <inkml:trace contextRef="#ctx0" brushRef="#br0" timeOffset="196335">21125 15043 10231,'4'15'360,"-1"13"-360,-3 2 90,14 27-90,-11-32-180,20 17-540,-21-29 720,12-2 0,-9-28 0,4 12 0,1-36 0,2 24-90,2-18 90,9-5 90,-6 9 0,9-13 0,-12 22-90,2 4 90,-5 12-90,-5 6 0,3 0-90,-3 19-180,1-14-809,2 36 270,-3-12 809,7 21 0,-2-12 0,5-5 0</inkml:trace>
+  <inkml:trace contextRef="#ctx0" brushRef="#br0" timeOffset="196771">21702 14996 9242,'-18'-6'90,"13"21"-90,-12 6 0,17 20-90,0-5 90,20-5 0,0-13-90,18-8 180,-9-10 0,-13-20 90,1 15 179,-15-33-179,6 15 0,-8-15-270,-18 6 0,3 14 90,-5 26 90,9 18-90,11 12 0,0 2 0,0-6 0,0 3 90,18 15-180,-13-10 90,12 11 0,-2-18 0,-11-4 0,20-3 720,-21 3-540,14-11-180,-14 3 0,5-16 0,-34-1-270,-6-6-540,-18 0-269,2 0 1079,-10-12 0,15 10 0,-14-10 0</inkml:trace>
+  <inkml:trace contextRef="#ctx0" brushRef="#br0" timeOffset="197267">22582 14873 11131,'0'-6'1079,"-12"2"-1169,-4 2 180,-9 1-90,5 16-90,3-11 180,5 31-90,0-18-90,-1 32-360,6-17-269,0 11-91,6-15 1,1-4-181,17-2 91,-13-5-540,33-8 1439,-32 3 0,40-11 0,-15 5 0</inkml:trace>
+  <inkml:trace contextRef="#ctx0" brushRef="#br0" timeOffset="197517">22810 14992 10141,'-17'-13'720,"-8"5"-720,-11 4-90,11 23 90,0-14 90,22 32 0,-14-17 0,15 18-90,15-6 90,11-12-90,0-2 180,18-16-270,-16 4 180,17-26-360,-10-1-180,-15-22 90,-9 12-359,-9 0-1,-17 10-1349,-7 1 2069,2 0 0,-16 10 0,14 0 0</inkml:trace>
+  <inkml:trace contextRef="#ctx0" brushRef="#br0" timeOffset="197905">23083 15013 10051,'0'14'180,"0"0"-270,0 29 180,0-11 0,0-11-90,0 0-180,0 2-899,0-7 1079,13-2 0,3-44 0,6 9 135,-7-10 0,-2-2-45,6 2 90,12-19 179,-13 24 1,3-4 0,-4 14-270,-7 8-90,4 3 90,-8 5-90,2 24 90,-5 8-540,2 12-180,-4 1-179,-1-11-91,1 1 900,3 9 0,2-13 0,1 6 0</inkml:trace>
+  <inkml:trace contextRef="#ctx0" brushRef="#br0" timeOffset="198133">23663 14783 10051,'0'-7'450,"0"1"-360,0 21-90,0 12 0,0 10 90,17 22-90,-13-21-315,8-3 0,1 0-314,-11 7-541,3-5 1,-1 0 1169,-4-3 0,0 12 0,0-29 0</inkml:trace>
+  <inkml:trace contextRef="#ctx0" brushRef="#br0" timeOffset="198406">23708 14919 7892,'33'-8'810,"10"1"-630,-10 4 180,16 0-180,-22 3-180,6 0 0,-14 19 90,0-15-90,-2 29 0,0-29 90,-1 26-90,-2-26 0,3 35 0,-5-33-450,6 30-90,-11-24 540,3 7 0,-8-9 0,1-5 0</inkml:trace>
+  <inkml:trace contextRef="#ctx0" brushRef="#br0" timeOffset="199200">24023 14961 11311,'11'17'269,"-8"8"-359,16-6 90,-17 6 90,5 4-90,-7-6 0,0-1 0,0 0 0,0-2 0,0 6 0,0-8 360,0 6-180,0-14 360,0-1-630,0-24-90,0-5 0,0-22-90,0 8 0,16-2-89,-13 8-361,13 1 90,2 0-179,-14 3-271,29 3-269,-20 2 1349,13 5 0,-6 4 0,-1 2 0</inkml:trace>
+  <inkml:trace contextRef="#ctx0" brushRef="#br0" timeOffset="199551">24487 15043 10771,'2'-15'719,"-1"-10"-809,1 12 90,-2-9 0,-21 11 0,-1 4 0,-2 23 0,-8-12-89,12 44 178,1-28-89,-4 27 0,21-21 0,-5-2 0,7-1 0,0 1 0,23-12 90,2 5-90,27-16 0,-13 4 0,-1-24-269,-5-3-91,-7-21-270,-6 0 1,-10 10-901,-10 2-89,0 10 1619,-22 10 0,17 0 0,-18 11 0</inkml:trace>
+  <inkml:trace contextRef="#ctx0" brushRef="#br0" timeOffset="200150">24700 15175 10051,'13'-17'810,"1"12"-630,1-28 0,1 29-90,0-33-180,0 20 0,-1-17 180,-1 8 0,-3-1-180,-1 0 90,0-15 0,-4 11 90,1-21-180,-6 22 90,0-8-90,-1 3 90,0 9 0,1-11-90,0 19 539,2-2-449,-1 14 0,0 2 0,1 20 0,0-12 0,0 49 0,-1-27 0,-1 12 0,0 3 90,-1 5-90,0-5 0,0 0-1062,0 9 1062,0 11-502,0-6 412,0-20 90,0 17 0,20-30-179,2 1 179,21-17 0,-11-1 0,3-24 0,-10 15 0,11-49 0,-10 30 0,-4-10 0,-3-2 0,2-3-752,2-13 752,-12 15 0,-4-1 747,-4-1-567,-2 1 90,-1 2-91,0 2 361,-17-7-450,12 14 411,-25-8-231,28 23-270,-19 1 0,19 29 878,-7 9-878,9 30 0,0-8 45,0-13 0,0 0-425,0 10 380,0 13-1079,20-4 359,-1-17-539,0-9 0,2-1-450,8-2 1709,1 4 0,-7-19 0,1-2 0</inkml:trace>
+  <inkml:trace contextRef="#ctx0" brushRef="#br0" timeOffset="200484">25425 15095 10951,'24'11'180,"26"-9"-90,-29 9-180,38-11 180,-27 0-90,21 0 90,-22 0-90,6-14 0,-15 11 0,-4-23 0,-5 23 0,-4-34 0,-4 21 0,-4-32 179,-21 23 1,-1-13-180,-3 18 90,-7 0-90,28 11 0,-23 4 0,12 3 90,0 38-90,4-14-180,8 11 0,4 3-359,-2 0-361,18 11-1708,2-3 2608,2-14 0,11 4 0,-10-15 0</inkml:trace>
+  <inkml:trace contextRef="#ctx0" brushRef="#br0" timeOffset="200790">25878 14954 11131,'15'33'0,"-11"3"90,20-6-90,-21 2 0,6-10 90,-9 0-90,6-2 0,-5-2 899,4 1-629,-1-6-270,-3-17 0,6-24 0,-2-7 0,4-10 0,2 14 0,4 0 0,2 0-990,17-8-179,-6 13-2159,22-10 3328,-19 23 0,9 0 0,-14 8 0</inkml:trace>
+  <inkml:trace contextRef="#ctx0" brushRef="#br0" timeOffset="200923">26587 15183 12210,'15'1'-787,"-3"0"0,0-1 0,-3 0 0</inkml:trace>
+  <inkml:trace contextRef="#ctx0" brushRef="#br0" timeOffset="225707">12280 2503 7083,'0'-16'450,"13"6"1888,-10 3-2338,25 6 0,-11-1 90,20 2-90,-9 0 0,3-13-359,-8 10-181,0-9-90,0 12 1,-1 0-271,0 0 900,0 0 0,-4 0 0,0 0 0</inkml:trace>
+  <inkml:trace contextRef="#ctx0" brushRef="#br0" timeOffset="226121">12310 2637 8162,'19'12'1170,"10"-9"-1170,-26 19 90,17-8-90,-10 6 0,10 16 90,-3-10-90,-1 14 90,-4-8-90,1 4-150,1 1 150,1 2-629,-2 1-271,2 1 900,8 14 0,-4-12 0,6 12 0</inkml:trace>
+  <inkml:trace contextRef="#ctx0" brushRef="#br0" timeOffset="227088">13235 3379 8432,'-34'0'630,"6"0"-540,-2 20-90,4-15 0,0 31 0,-1-22 0,3 18 0,2-8 0,2 14 0,9-10 90,2 8-180,9-14 180,0-2-90,18-3 90,-13-2-90,33-4 0,-33-3 90,54-5-90,-36-2 0,9-9 0,2-3 0,-4 6 0,15-33 0,-31 13 90,11-10 89,-22 1-89,5 11 90,-8 0 270,0-3-450,0 6-270,-19-1 360,15 12 0,-15 19 0,40 5-90,-16 20-180,30-17-539,-32 15-181,28-29-179,-27 27-712,28-28 1791,-18 23 0,14-23 0,-8 8 0</inkml:trace>
+  <inkml:trace contextRef="#ctx0" brushRef="#br0" timeOffset="227534">13635 3154 9512,'-16'20'269,"4"3"-269,12 13 0,0-3 0,0-4 90,0 2-90,0 1 0,17 16 0,-12-13 90,13 25 0,-6-27 0,-10 20 0,10-30-90,-12 3-1709,0-19 1619,0-35 0,0-10 90,0-10-90,16-4 90,3 26 0,16 5 180,-1 10 180,-3 11-270,-13 17 90,5-13 0,-21 31 0,13-14-90,-14 16-90,4-7 0,-5-4 0,-22-10-630,-1 2-899,-21-6 1529,5-1 0,7-8 0,2-3 0</inkml:trace>
+  <inkml:trace contextRef="#ctx0" brushRef="#br0" timeOffset="227851">14143 3324 9332,'-23'17'449,"17"11"-449,-35-25 0,37 23 0,-30-24 0,29 24-90,-24-16 180,27 14 0,-10-7-90,12 0 0,0 0 90,0 4-90,21-5 90,6 4-180,0-10 180,17 0 0,-19-6-90,17-1 0,-12-3-90,-14-17-180,-8 2-179,-8-17-91,-16 17-719,12-8 1259,-26 14 0,26-4 0,-11 7 0</inkml:trace>
+  <inkml:trace contextRef="#ctx0" brushRef="#br0" timeOffset="228242">14467 3419 9602,'0'8'179,"0"5"-179,0 22 90,0 1-90,0-6-90,16-11 90,-12 1 0,12-10-269,-5 3 179,1-6 90,10-7 0,0-19 0,-5-5 0,3-18 90,-8 19-180,0-9 90,-6 28 0,-1-17 449,-2 20-539,0-6 180,0 7-90,-1 18 0,2-13 90,6 44-90,0-31 0,5 27-180,-1-21-269,3-2-271,2-2-1169,15-1 1889,-5-10 0,10-1 0,-8-8 0</inkml:trace>
+  <inkml:trace contextRef="#ctx0" brushRef="#br0" timeOffset="228601">15095 3234 9422,'-25'-20'539,"-10"6"-269,31-1-180,-20 11 0,22 18-90,-8 10 0,10 11 90,19 14 0,-14-16-90,28 24 0,-18-25-450,11 16 0,-13-25 91,1 5-1,-13-14-180,5-3-89,-6-4-181,0-2 810,-16-3 630,-5-17-271,-22-1 181,10-19-270,-12 19 0,30-16 90,-17 20-450,21-18 180,-4 11 0,7 1-270,31 9-630,7 5-359,14 4 1169,0 0 0,-9 0 0,1 0 0</inkml:trace>
+  <inkml:trace contextRef="#ctx0" brushRef="#br0" timeOffset="228853">15510 3119 9152,'-35'0'629,"7"18"-629,-1 6 0,13 11 0,-2 0 0,9-4 90,1 2 0,5 3-90,1 0-989,19 13 269,-13-12 720,13-8 0,4-3 0,12 1 0,23 6 0</inkml:trace>
+  <inkml:trace contextRef="#ctx0" brushRef="#br0" timeOffset="229073">15752 3054 9422,'44'34'629,"1"6"-539,-23-6-1424,14 3 1424,-32-6-90,11 1 337,-15 4-1506,0 1-180,0 4 1336,0 0 0,-31 2 0,-8-1 1</inkml:trace>
+  <inkml:trace contextRef="#ctx0" brushRef="#br0" timeOffset="229900">12350 2961 7623,'-7'12'629,"1"3"-539,2 0 270,3 9-90,-3-13-90,4 14-90,0-3 90,0 4 0,0 5 179,0 18-269,0-7-552,14 15 552,-10-13 0,10 3 270,2 0-360,-12 3 0,27 1 90,-18 1-45,5-13 0,1-1-45,7 21 89,-1-9 1,1-1-90,7 8-439,-11-20 0,2 0 349,10 11 180,0 1-90,2-3 0,-13-15 0,1 1-810,9 16 315,-11-18 1,-2-1-766,5 7-859,-3-3 2119,-1-4 0,-4-4 0,-2-2 0</inkml:trace>
+  <inkml:trace contextRef="#ctx0" brushRef="#br0" timeOffset="232001">13352 4661 8882,'0'-4'450,"0"-1"-270,0 1-90,0 0-1,0 0-89,-14 2 0,-2 0 0,-13 23 0,0 3 90,7 2-180,1 14 90,9-24 0,2 19 0,6-11 0,1-2 90,3-4 0,0 3 0,20-6 0,1-3-90,25-26 0,-14 9 0,5-36 0,3 4 0,-11-11 0,-6 12 0,-1 0-371,-1-9 371,2-15 540,-11 3-180,-7 15 0,-1-24-270,-4 34-90,0-10-90,0 26 180,-14 3-90,10 25 0,-10 13 0,14 27 0,0-5-1019,0 7 1109,0-12-629,0-1-541,0 0-1177,21 13 908,-16-13 1317,30 9 0,-32-20 0,11-1 0</inkml:trace>
+  <inkml:trace contextRef="#ctx0" brushRef="#br0" timeOffset="232317">13763 4863 9602,'7'-5'359,"0"4"-359,4-16 0,-2 9 90,10-18-90,-7 11 0,4-5 90,-6 5-90,-1 0 0,-2 0 90,-3-6-90,-1 7 0,-3-12 180,0 13 90,-20-3-360,1 9 90,-20 3 0,7 17 90,4 5-90,12 18 0,6 2-90,10 3-540,21-9-269,-16-6-1080,55-11 1979,-34-4 0,35-4 0,-22-3 0</inkml:trace>
+  <inkml:trace contextRef="#ctx0" brushRef="#br0" timeOffset="232567">14238 4443 9691,'-17'-13'1170,"-1"3"-1260,-3 1 180,-4 6-90,22 16 90,-8 11-90,11 8 0,16 23 0,-12-18-29,29 16-61,-28-14 1,25-1-361,-27-1 0,21-1-270,-21-3 91,17-1-361,-13 7 451,3-12-814,-5 9 1353,-5-21 0,0-1 0,0-10 0</inkml:trace>
+  <inkml:trace contextRef="#ctx0" brushRef="#br0" timeOffset="232674">14178 4722 7623,'0'-35'0,"0"-13"0,0 15 0,17-14 0,2 26-360,2 1 360,11 13 0,-8 4 0,17 3 0</inkml:trace>
+  <inkml:trace contextRef="#ctx0" brushRef="#br0" timeOffset="233216">14703 4720 8792,'-22'6'180,"4"-1"-270,-2 2 90,3 1 0,-6 1 0,-2 5 0,22-3 90,-9 6-180,12-6 180,0 4-90,0-2 90,0 1-180,17-1-180,-12-2 0,29-1 90,-9-6 0,18 0 180,-6-4 0,-3-15 270,-7-2 90,-5-17 180,-1 0-180,-11 0-360,-6 3-180,-4 10 270,0 24-90,0 10 0,0 22 90,20 0-270,4-4-90,23-12 270,-13-9 0,10-10 0,-20 0 0,5 0 0,-14-19 90,-4 14 90,-3-31 359,-4 13 1,-3-16-540,-1 3-90,0 8 90,-14 13 90,10 28 0,6 25-270,2 2-720,11-10 1,3-1-450,0-2 1349,1 5 0,9-20 0,-10-4 0</inkml:trace>
+  <inkml:trace contextRef="#ctx0" brushRef="#br0" timeOffset="233389">15250 4540 8342,'0'0'0</inkml:trace>
+  <inkml:trace contextRef="#ctx0" brushRef="#br0" timeOffset="233853">15410 4930 9422,'0'-32'449,"0"3"-449,19-1 0,-15 0 90,15-3 0,-1-2-180,-3-20 180,6 12-45,-10 6 0,-4 0 45,-5-7 180,2 7 0,-1 0-90,-3-6-890,0-11 980,0 20-46,0 4-224,0 5 0,-14 1 0,10 10 180,-11 3-180,6 33 795,7 13-750,-3 0 0,1 2-135,4 25 90,0-17 0,0 0-302,0 9 302,9-18 0,0-2 90,-5 10-90,30-2-630,-30-2-404,19-16 0,3 0-316,-5 11 1350,9-12 0,2-2 0,2-1 0,10 2 0</inkml:trace>
+  <inkml:trace contextRef="#ctx0" brushRef="#br0" timeOffset="234851">12160 3444 8252,'-7'30'810,"1"17"-720,2-12 270,2 19-136,1-17 1,1-1-893,0 27 848,0-1 0,0 3-941,0-22 1,0 0 760,0 16 0,0 2 45,-1-14 0,2-2-45,6 2 0,0 5 44,-5-5 1,-2 5 0,0 1 0,2-4-45,4 15 0,2 2 0,-5-7 0,0 7 0,0 0 0,0-8 0,4 0 0,1-3 30,1 5 0,2 4 0,0-6-30,1-8 0,2 0 60,-1 1 0,1 5 0,0-7-60,0-5 0,1-2-225,4 10 1,1 2-811,1-5 1,1-2 224,-4-11 1,0-1 809,4 11 0,0-2 0,12 11 0,-1 0 0</inkml:trace>
+  <inkml:trace contextRef="#ctx0" brushRef="#br0" timeOffset="235883">13203 5879 9242,'-22'14'180,"-13"-10"-180,21 24 0,-20-7 0,16 8 0,2 1 90,7-4-90,8-3 90,-3 13-360,26-10-1529,8 13 449,14-22 1273,2 2 1,-7-15-1,3-1 1</inkml:trace>
+  <inkml:trace contextRef="#ctx0" brushRef="#br0" timeOffset="236151">13560 5903 8972,'-24'17'180,"-12"-13"-90,18 29 270,-2-18-271,6 13-89,14-4 90,23-12-90,-17 6 0,43-17 0,-26 9 0,22-9 180,5 2-180,-15-3 0,18-15 180,-29 11-270,-3-30-180,-15 15-179,-6-16-631,-24 6 271,-4 13-630,-2-1 1439,-13 15 0,37-4 0,-16 6 0</inkml:trace>
+  <inkml:trace contextRef="#ctx0" brushRef="#br0" timeOffset="236550">13988 5949 8432,'0'30'270,"-16"-6"-270,12 10 0,-12-14 90,16 16-90,0-17 0,0 13 90,0-15-90,0 3-450,0-13 90,17 0 270,-13-22 90,29-9 0,-15-8 90,14-21 180,-10 21-595,-3-14 595,-7 18 0,-2 2-90,-1 4-180,-3 11 0,0-6-90,-2 15 899,2-7-124,-2 9-685,3 0 0,-1 0 0,2 18 90,-2-14-90,1 30 90,-1-29-90,2 30 90,-1-20-450,0 17-1529,4 4 630,-2-13 1259,3 8 0,0-15 0,0-2 0</inkml:trace>
+  <inkml:trace contextRef="#ctx0" brushRef="#br0" timeOffset="236783">14560 5671 10861,'5'15'270,"2"-11"-270,1 25 90,0-6 0,7 18-1,-7-4-89,4 3-179,1 3-451,-4-9-899,6 21 899,-8-23-719,3 15 360,-6-23 989,0 3 0,-4-14 0,0-2 0</inkml:trace>
+  <inkml:trace contextRef="#ctx0" brushRef="#br0" timeOffset="236905">14512 5969 8522,'0'-24'0,"0"0"90,0-4-180,0 6 90,21-8-540,8 17 1,10 0-631,2 10 1170,-9 2 0,3 1 0,3 0 0</inkml:trace>
+  <inkml:trace contextRef="#ctx0" brushRef="#br0" timeOffset="237270">15202 5889 9152,'-18'4'719,"13"2"-449,-32-3-270,10 5 0,3-2-90,-19 8 180,25-5-90,-13 9 90,16-7-90,8 6 90,7-4 0,20-3-899,6 2 629,25-8 0,-13-1 180,2-3-90,-5-15 90,-18-3 0,17-1 270,-25-24 89,6 27 271,-9-23-450,-6 13-180,0 5 0,0 20 90,0 16-180,0 29-450,14-7-179,-10 2-91,23-13-89,-24-2 899,39 5 0,-22-15 0,25 1 0</inkml:trace>
+  <inkml:trace contextRef="#ctx0" brushRef="#br0" timeOffset="237474">15688 5844 9512,'-25'-14'809,"-15"5"-719,21 6-180,-15 3 270,18 18-270,-2 1 270,16 20-180,-5-11 90,7 10-90,24-15-1169,2 12 449,4-17-1349,26 3 2069,-33-16 0,30 0 0,-22-5 0</inkml:trace>
+  <inkml:trace contextRef="#ctx0" brushRef="#br0" timeOffset="237734">15952 5509 10591,'0'31'90,"0"7"-90,0-3 0,0 3 0,0-9 90,0 15-90,0-13 0,12 13-180,-9-15-540,10-1 181,-13-1-631,7 5 631,-5-8-1260,9 6 1799,-10-16 0,3-2 0,-4-6 0</inkml:trace>
+  <inkml:trace contextRef="#ctx0" brushRef="#br0" timeOffset="237867">15853 5875 8972,'0'-23'360,"0"4"-360,0 3 0,0 3-90,23 1-270,-18-1-180,41 3-1798,-12-3 2338,11 8 0,-2-2 0,-15 7 0</inkml:trace>
+  <inkml:trace contextRef="#ctx0" brushRef="#br0" timeOffset="238033">16287 5980 8612,'-19'3'-270,"4"0"0,15-2 1</inkml:trace>
+  <inkml:trace contextRef="#ctx0" brushRef="#br0" timeOffset="238318">16552 5470 10501,'-43'18'630,"7"6"-630,13 12 90,-1 1-180,21-4 180,-16 20-90,17-10 90,-5 14-450,7-2-450,21-12-135,-8-10 1,0 0-315,13 3 1259,20 5 0,-25-19 0,22-3 0</inkml:trace>
+  <inkml:trace contextRef="#ctx0" brushRef="#br0" timeOffset="238567">16858 5464 9781,'36'0'1080,"-16"15"-1080,15 3 0,-12 0 90,12 28 0,-15-24 0,-9 41-90,-11-27-1260,0 24 1,-20-22 1259,-9 20 0,2-27 0,3 6 0</inkml:trace>
+  <inkml:trace contextRef="#ctx0" brushRef="#br0" timeOffset="239084">15925 4318 8702,'-17'32'270,"13"20"-180,-13-11-45,9-3 0,4 1-909,1 10 954,-9 13 0,12-18-90,21-1-540,-15-2-405,22-15 1,4 0 944,-7 12 0,4-16 0,1-1 0,7 4 0</inkml:trace>
+  <inkml:trace contextRef="#ctx0" brushRef="#br0" timeOffset="239338">16187 4357 8972,'-11'-11'450,"2"-1"-270,9 2 89,0-1 91,27 2-180,-20 0 90,51 1-90,-11 4-180,14 1 269,-18 11 1,-2 1-1373,7-5 1148,-19 12 0,0 4-649,15 15 694,-16 10-45,-14-7 0,-4 1-674,-3 14-91,-16-16 0,-3 1-1528,7 18 2248,-20-26 0,-4 0 0,1 28 0,0-28 0,-1 0 0</inkml:trace>
+  <inkml:trace contextRef="#ctx0" brushRef="#br0" timeOffset="260358">17737 2097 7353,'-7'-4'270,"3"0"-270,-1 0 90,2-1-180,0 2-450,0 0-629,0 0 1169,1 0 0,0 2 0,0-1 0</inkml:trace>
+  <inkml:trace contextRef="#ctx0" brushRef="#br0" timeOffset="260967">18008 1864 8792,'-14'-15'1709,"11"4"-1439,-11-3 449,14 9-719,0 21 0,0 11 90,14 14-90,-11 2-90,11-7 180,-5 3 0,-7 2-180,18 17-449,-18-15-136,8-8 0,1 0-44,-5 3-1080,11 19 630,-11-29 1169,0 6 0,-3-17 0,-1-1 0</inkml:trace>
+  <inkml:trace contextRef="#ctx0" brushRef="#br0" timeOffset="261300">17948 2174 7892,'0'-10'90,"0"-1"-90,0 2 0,20-2 0,-15 2 0,31 0 90,-32 3-90,31 1 0,-9-1 0,9 4 0,10-2 0,-18 4 90,14 14-90,-17-11-90,4 11 180,-6 0-90,-6-1 90,4 11 450,-10-12 449,1 1-629,-6-11-270,-3-16-180,0-6-629,-2-20-631,0 5-808,0 1 2158,15 7 0,-11 12 0,12 7 0</inkml:trace>
+  <inkml:trace contextRef="#ctx0" brushRef="#br0" timeOffset="261701">18793 2096 9062,'-33'0'90,"-3"0"-90,0 0 0,7 0 0,-2 14 0,11-10 0,-6 23 0,11-9 90,-3 12-90,14-1 0,1-3 0,24-13-360,2 2 360,23-13-180,-13 3 270,1-5-90,-2-13 0,-9-5 0,4 1 90,-10-14 90,-8 10 449,-1-16-179,-8 9-540,0 2-90,0 14 270,0 18-719,0 8-91,0 22 0,16-9-269,-13 0 989,24-8 0,-24-2 0,8 1 0</inkml:trace>
+  <inkml:trace contextRef="#ctx0" brushRef="#br0" timeOffset="262067">19093 2121 8702,'15'17'90,"-11"10"-90,21-13 0,-22 10-720,15-7 720,-12-23-90,4-6 90,0-22 0,-4 17-90,7-14 90,-4 16-89,1-2 448,1-1-269,-4 17 0,6-6-90,-6 7 90,6 14-90,-4 1 90,0 1-90,0 12 0,-2-25-270,2 30-359,0-21-361,0 15 990,2-11 0,2-1 0,2-2 0</inkml:trace>
+  <inkml:trace contextRef="#ctx0" brushRef="#br0" timeOffset="262467">19607 2075 8342,'-40'0'-90,"16"13"90,0-10 90,21 25-90,-6-14 0,9 13 0,21-14 90,-15 4-90,30-15 0,-32 9 0,27-10 0,-11 3 180,11-4 0,-12-18 360,-3 0-360,-15-15-360,5 8 180,-6 5 0,0 27 0,0 11 90,0 36-90,0-10-211,0 8 211,16-15 90,-12 1-90,11 0 0,-3-2 0,-9-1 180,9-4-90,-12 5-1,0-13-178,0 6-451,-24-20-1349,1 0 1889,-23-22 0,12-11 0,3-16 0</inkml:trace>
+  <inkml:trace contextRef="#ctx0" brushRef="#br0" timeOffset="262734">20490 1965 9422,'-44'-1'359,"0"0"-359,-6 1 0,23 18 0,-15-13 0,38 26 0,-25-27 180,26 25-180,-7-10 0,10 8-719,17-1 89,11-17-90,10 1-449,25-10 1169,-21 0 0,15 0 0,-17 0 0</inkml:trace>
+  <inkml:trace contextRef="#ctx0" brushRef="#br0" timeOffset="263283">20692 1650 8702,'-17'-13'90,"13"2"540,-12 5-450,16 20-91,0 27-89,0 3-1184,0 16 1273,0-19-178,0 0 392,13 0-214,-9 15-178,9-16 178,-3 19 1,-7-29-90,13 8 90,-11-21-180,3 0 180,-4-10-90,-2-3-269,0-2 1150,0-1-970,2-1-1,5-17 90,-1-4-90,17-28 0,-12 26 90,14-19-90,-18 30 90,7-5 0,-9 9 0,6 8 0,-6 0 90,6 17-90,-3 2 0,1 2 90,8 10-90,-5-12 0,16 11 90,-9-12-180,19-2 0,-12-14 90,9 4 0,2-25-90,-11 15 180,16-45-180,-22 31-336,1-27 606,-12 19 13,-3 1 167,-5 1-180,-1 3-180,-2 2 0,0 5 0,0 3 596,0 36-596,0 1-89,0 23-811,0-12-1169,15-2 2069,2-10 0,1 4 0,-4-12 0</inkml:trace>
+  <inkml:trace contextRef="#ctx0" brushRef="#br0" timeOffset="264158">21180 1932 9152,'16'14'90,"-13"11"-180,29-9 180,-29 8-90,25-3 0,-25-5 0,20 2 0,-20-1 0,16 0 0,-12-2 90,8-2-90,-4-1 0,2 1 90,-1-6-360,4 0 90,-4-7 180,3 0 0,1-16 0,-6 12 0,8-25 0,-12 11 450,1-13-181,-6 1-179,0 3-180,-1 7 180,0 25 0,16 8 0,-1 14-1349,19-3 90,-6-12 1169,-3-4 0,-1-8 0,-6 0 0</inkml:trace>
+  <inkml:trace contextRef="#ctx0" brushRef="#br0" timeOffset="264434">21507 1338 8612,'16'-9'360,"-12"2"0,28 2-180,-28 2-1,24 1-179,-25 23 0,10 8 0,-13 13-269,0 1-721,-17-8-359,12 3 1125,-28 2 0,29 0 0,-12 0 0</inkml:trace>
+  <inkml:trace contextRef="#ctx0" brushRef="#br0" timeOffset="266967">17980 3216 8792,'0'-16'1079,"0"0"-449,0 0-180,0-1-180,0-1-180,0-3-90,0 8-90,0-1 269,0 9-89,13 23-3482,-1 15 3392,2 8 0,4 6 0,-16-19 0,14-1 0,-12-3 0,6-2 0,-5-3 0,0-3 0,0 1 3392,-2-8-3302,0 2-90,-2-7 0,1-2 90,-1-1-180,3-1-719,8-12-1,0-3-89,9 1-181,-2-14-89,4 16 1169,2-16 0,0 9 0,2-1 0</inkml:trace>
+  <inkml:trace contextRef="#ctx0" brushRef="#br0" timeOffset="267286">18405 3466 10141,'6'4'180,"1"-1"-180,4-1-90,-1-22 180,4 15-90,-1-29 0,1 30 90,2-30-90,0 29 90,0-30 0,-1 22 270,0-20-360,-4 21 180,-2-11-360,-6 16 180,-19-4 0,-1 38 0,-3 1 0,7 18 90,13-16-540,0-10-1079,0 6 539,17-9 990,4 8 0,1-17 0,-5 1 0</inkml:trace>
+  <inkml:trace contextRef="#ctx0" brushRef="#br0" timeOffset="267494">18528 3117 8522,'-4'-4'90,"0"1"-90,4 1-180,18 1-1169,5 1 1349,12 0 0,-13 14 0,-10 4 0</inkml:trace>
+  <inkml:trace contextRef="#ctx0" brushRef="#br0" timeOffset="267650">18668 2953 7533,'36'0'-450,"-15"14"-539,8-10 989,-16 24 0,15-24 0,-6 10 0</inkml:trace>
+  <inkml:trace contextRef="#ctx0" brushRef="#br0" timeOffset="267867">19217 3175 8702,'-49'0'450,"11"0"-450,0 0 0,11 15 0,3-12 0,1 25 90,2-9-90,10 7 0,2 0 90,9 0-450,19-6-899,12 9 269,11-15 746,6-2 1,-7-9 0,3-3 0</inkml:trace>
+  <inkml:trace contextRef="#ctx0" brushRef="#br0" timeOffset="268466">19435 2857 8612,'0'-7'180,"-13"2"-90,-1 4 0,-2 19 0,6 10-90,10 29 0,0-6 45,-2-11 0,4 0-569,13 11 479,-13-17 0,0-1 225,14 11-180,1-1 0,-13-4 0,23-2 0,-24-6 0,17-3 180,-18 2-90,16-12-900,-16 2 540,11-16 180,-11 0 0,6-19 524,-3 11-434,6-30 0,-1 8 0,8-21-90,-8 11 90,4 2 0,-7 23 0,-1-8 360,-1 16-90,1-8-90,0 11-90,2 0-90,-3 14 0,5 6 0,-4-1 90,3 16-90,-2-21 0,-2 17 90,3-12 0,7 1-90,-2-2-360,18-9 90,-10 0-180,19-9 360,-15-15 0,7 11 90,-12-27 90,-2 26-90,-3-31 0,-3 31 180,-4-35 180,-3 26 90,-3-15-450,-1 7 0,-1 6 0,0 17 0,0 10 90,0 26 0,0-3-180,0 2-270,20-16-1259,3 2 1169,23-20-449,-13 6 899,-3-8 0,-8-16 0,-3-3 0</inkml:trace>
+  <inkml:trace contextRef="#ctx0" brushRef="#br0" timeOffset="269185">20215 3242 8882,'3'-8'360,"-1"1"-270,1 26-90,-1-15 0,5 32 0,-3-11 90,8 17-180,-5-9-810,9 5 630,-6-20-539,5 5 539,-6-16-90,3 0 90,-1-7 270,-2 0 630,5-21-270,-6-1 179,0-21-269,-3 21-90,-3-12-180,-1 17 720,-1-8-630,0 28-90,12-5 90,-9 33 0,18-10-90,-18 15-360,15-7 0,-7 3-90,5-21 1,-2 9-181,5-14 360,-4 2 90,6-4-90,-3-4 360,-1 0 0,1-17 630,5-1-270,-6-3 89,6-8-179,-12 12 180,-1-11-450,-5 12-90,-3 1 90,-1 29-90,-1-4 90,0 19-270,0-5-90,18-10 180,-13 1-180,26-14 270,-15 6 0,10-7 0,-10-20 0,1 15 180,-15-31 90,6 12 90,-8-16-91,0 7-359,0 6-89,0 8 269,-13 6-90,10 23 0,-10 26 0,31 8-757,-13 10 757,12-21-90,0 1 160,-12-2-70,23 0 90,-25-3-90,17-1 720,-17 5-630,12-11 0,-14 5-1,4-16-2157,-26-2 2068,-2-6 0,-23-20 0,1-5 0</inkml:trace>
+  <inkml:trace contextRef="#ctx0" brushRef="#br0" timeOffset="269367">20595 2594 8882,'-32'45'-720,"15"-9"-179,-8 0 899,23-6 0,-9 4 0,11 3 0</inkml:trace>
+  <inkml:trace contextRef="#ctx0" brushRef="#br0" timeOffset="269624">21378 2924 10411,'-14'18'270,"10"15"-270,-11-5 90,15 10 0,0 21-90,0-21 0,0 15-720,0-1 91,16-13-541,-12 21 631,13-29-1081,-17 10 1620,0-23 0,0 0 0,0-12 0</inkml:trace>
+  <inkml:trace contextRef="#ctx0" brushRef="#br0" timeOffset="269756">21152 3289 8342,'-11'-24'180,"2"-4"-270,9 8 180,21-8-90,-15 15-450,56-2 91,-34 11-316,12 2 0,2 1 512,3 1 0,13 0 0,-19 0 0</inkml:trace>
+  <inkml:trace contextRef="#ctx0" brushRef="#br0" timeOffset="270033">21710 3262 9422,'-21'6'180,"15"-2"-180,-31 0 0,33-1-90,-34 9 90,32-4 90,-17 12-180,23-10 180,0 10-90,0-8 89,16 3-89,-13-4 90,27-2 180,-9 0-180,14-5 0,0 0-90,-7-22 0,-12-2 0,-8-19-90,-8 3-539,-24 2-91,0 15 0,-4 2-1438,-7 15 2158,21-3 0,-6 5 0,10 0 0</inkml:trace>
+  <inkml:trace contextRef="#ctx0" brushRef="#br0" timeOffset="270222">22038 3223 9242,'5'0'180,"-2"10"-90,-2 2-90,0 9 0,-1-1-90,0-2-450,0 3-90,0-1-89,0 3 719,0 6 0,0-9 0,0 3 0</inkml:trace>
+  <inkml:trace contextRef="#ctx0" brushRef="#br0" timeOffset="270382">22148 3223 9242,'4'-5'-90,"-2"1"90,4 4 0,-3 0 90,-1 0 0,1 0-1440,0 0 361,1 14 989,-1-10 0,-2 9 0,0-13 0</inkml:trace>
+  <inkml:trace contextRef="#ctx0" brushRef="#br0" timeOffset="270592">21672 2942 8432,'25'-14'0,"-6"1"0,24 1 0,-15 3 0,-1 1 90,-3 3-90,2 2 0,-6 21 0,1 5 0</inkml:trace>
+  <inkml:trace contextRef="#ctx0" brushRef="#br0" timeOffset="271534">18370 4694 9422,'0'-19'1529,"0"-1"-1169,10 0-1,-7-1-179,7 1 180,-10 1-180,0 2-180,0 2-90,0 4 90,0 1 0,0 4-90,-17 1 90,-4 3 0,-20 21 0,8-14 0,0 34 90,12-21-180,9 16-180,-6-6-629,16 9 179,-8-10-2248,30 10 1430,12-25 1538,10 2 0,6-14 0,-10 0 0</inkml:trace>
+  <inkml:trace contextRef="#ctx0" brushRef="#br0" timeOffset="272088">18598 4294 9062,'0'-9'360,"0"2"-450,-14 2 449,10 1-269,-11 18-90,15 24 0,0 1 0,-1-1 0,2 0 90,13 6-1128,-10 16 1128,10-17-90,-14 0 0,10-2-566,-2 11 566,3-16 8,-2 13-8,-5-27-900,1 0 631,0-16 871,-2-1-871,1-20 701,6-4-432,0 1 111,12-27-111,-7 27-90,12-24 180,-10 18-180,2 12 180,-6-6 180,-3 17-180,1-5 180,3 6-180,-4 0 270,5 17-270,-7 2-90,5 19 0,-5-19 0,2 13 90,1-21-90,-4 16 90,6-11-90,-5-4 0,11-6 0,-7-6 0,21-31 90,-18 23-180,14-41 359,-20 27-179,3-12-180,-9 14 90,3-1-89,-4 19 178,1-6-89,-1 8 0,2 0 90,-1 16-90,2-12 90,-2 29-180,0-28-269,3 32-361,-2-22-179,3 17-451,1-10 1350,1-10 0,1 11 0,1-8 0</inkml:trace>
+  <inkml:trace contextRef="#ctx0" brushRef="#br0" timeOffset="272267">19125 4354 8522,'24'15'-495,"-18"10"0,41-22 1,-17 8-1</inkml:trace>
+  <inkml:trace contextRef="#ctx0" brushRef="#br0" timeOffset="272502">19665 4297 9512,'-14'-7'899,"10"15"-989,-10 15 90,14 10 90,0 21 0,0-15-45,0-3 0,0 0-45,0 6-315,9-5 0,0 0-314,-4 2-1325,12 13 1325,-17-22 276,11-3-996,-8-5 1411,8-4 1,-11-6 0,0-2 0</inkml:trace>
+  <inkml:trace contextRef="#ctx0" brushRef="#br0" timeOffset="272633">19453 4643 8432,'0'-14'0,"0"0"90,0 1-90,24 1 0,-18 0-360,43 1-1079,-11 1 1439,13 3 0,4 2 0,-14 3 0</inkml:trace>
+  <inkml:trace contextRef="#ctx0" brushRef="#br0" timeOffset="272950">19873 4689 8432,'16'4'0,"3"-2"0,0-16 90,6 10-90,-12-22 0,8 14 360,-3-10-180,-6 2 0,-5 6 0,-4 1-90,-2 6 0,-1 1-90,0 2 179,1 1-179,0 2 0,2 18 0,-2-13 0,2 28 0,0-28 180,4 41-180,-3-26-1079,6 32 269,-2-27-269,2 4 1079,-1-14 0,-2-2 0,1-4 0</inkml:trace>
+  <inkml:trace contextRef="#ctx0" brushRef="#br0" timeOffset="273108">20042 4396 8162,'0'0'0</inkml:trace>
+  <inkml:trace contextRef="#ctx0" brushRef="#br0" timeOffset="273750">20333 4647 8702,'18'0'270,"-4"0"-90,-5-17-90,-3 13-90,-2-14 0,0 0 0,0 14 0,-2-28 90,-1 16-90,-1-11 180,0 5-90,-19 10-1,15 2-89,-29 9 0,19-2 0,-2 22 0,-4 5 90,18 25-90,-7-11 0,9 14 0,17-21 180,3 21-90,20-30-90,-20 7-90,20-24 180,-24-2-90,32-3 0,-20-15 0,21-9 0,-23-9-45,-4 2 0,-2-2 135,-2-5-135,-7 1 0,-1-1 45,-5 2 180,-3-23-90,-2 30-90,0-6 0,0 18 0,0 4 0,0 4 270,0 3-270,0 21 0,0 7 0,0 24 0,0-8 0,0 1 0,10-10 90,-7 11 0,7-10-720,-3 17 1,-5-23-631,4 12 451,-6-20-271,0 3 1080,0-11 0,0-3 0,0-1 0</inkml:trace>
+  <inkml:trace contextRef="#ctx0" brushRef="#br0" timeOffset="273870">20587 4642 8612,'0'-17'180,"16"7"-180,-12-5-270,50 4-449,-32-4 719,12 6 0,1 2 0,-4 0 0,11-1 0</inkml:trace>
+  <inkml:trace contextRef="#ctx0" brushRef="#br0" timeOffset="274150">20158 4280 8522,'0'-15'360,"0"-1"-270,27 0 90,-20-1-180,24 4 0,5 0 0,-10-5-913,33-6 913,-25 11-90,-3 2 421,-1 4-241,7 2-90,-12 3-540,9 1-359,-20 18-271,1-13 1170,-9 27 0,-2-27 0,-3 10 0</inkml:trace>
+  <inkml:trace contextRef="#ctx0" brushRef="#br0" timeOffset="274317">20730 4038 8342,'0'39'-495,"0"-6"0,0 0 1,0-7-1</inkml:trace>
+  <inkml:trace contextRef="#ctx0" brushRef="#br0" timeOffset="274640">21303 4404 9422,'-52'-11'539,"24"-6"-629,-20 15 90,25-6 0,-16 8 90,19 19-180,9 2 90,30 22 0,-14-10 0,35 1 0,-35-9 0,39-1 0,-39-1 0,36-1 0,-36-3 90,24-1 0,-26-5 270,9 0-270,-12-5-180,0-2-809,-18-4-1080,-3-2 1979,-21-13 0,9-2 0,0-14 0</inkml:trace>
+  <inkml:trace contextRef="#ctx0" brushRef="#br0" timeOffset="275022">21470 4520 8432,'4'31'180,"0"-1"-90,3 2-90,-3-7 0,1 7 0,-2 1 0,1-7 90,2 15-90,-3-19 180,3 7 360,-3-16-450,-1-1-180,-1-7-360,-1-19 90,0-6 270,-14-11 90,11-2-90,-10 4 180,13-4-180,0-3 90,0-4 0,17-2 0,-13-3 225,10 14 0,3 0-135,4-15 45,-3 12 0,2 1-135,12 2 0,10-7 359,-19 24-179,7 3 90,-12 9-90,-2 2-90,-2 0 90,-1 22-270,-7-17 270,0 33-360,-6-12-3058,-26 22 3238,19-7 0,-18-19 0,-6-2 0,-5 10 0</inkml:trace>
+  <inkml:trace contextRef="#ctx0" brushRef="#br0" timeOffset="276636">18463 5977 9062,'15'17'1259,"3"-17"-1259,14-20 0,-5 2 90,-2-19-90,-5 22 0,-1-21 90,-1 13-90,-2-3 0,-1 1 0,-1-2 0,-2 2 0,-4-2 0,-3 2 0,-3-12 0,-1 9-90,-1-14 90,0 21-180,-19-4 180,14 14 90,-14 3-180,3 3 0,1 3 180,-14 24-90,4 8 0,3 28 0,8-11 0,7-5 0,2-1 90,4 3-45,6-4 0,2 0-45,-3-7-450,28 18 91,-6-28-695,8 6 694,5-16-335,-10-1 425,2-6 90,0-2 180,0-3 0,-3-1 0,9-17 90,-11 12 360,8-26-180,-18 13-180,-4 1 540,-8-8 302,-3 15-1022,-1-8 636,-14 9-456,10 20-360,-10 6-359,14 19-91,17-19-89,-13 16 809,29-15 0,-29 7 0,13-4 0</inkml:trace>
+  <inkml:trace contextRef="#ctx0" brushRef="#br0" timeOffset="276800">18972 5725 8252,'11'10'-780,"-12"-10"1,19 13 0</inkml:trace>
+  <inkml:trace contextRef="#ctx0" brushRef="#br0" timeOffset="277108">19270 6082 8882,'12'0'90,"-1"0"-90,1-15 0,0 11 0,2-25 0,0 25 90,1-25-90,0 26-90,-3-27 90,2 12 0,-9-6 90,2-4-180,-7 13 90,0-2 90,-21 5-90,2 7 0,-22 0 0,10 25 0,3 2 90,11 21-90,9-12-630,8 7-719,22-17 180,5 9 1169,14-20 0,-3 6 0,-7-9 0</inkml:trace>
+  <inkml:trace contextRef="#ctx0" brushRef="#br0" timeOffset="277467">19640 5918 9152,'15'11'-90,"-11"1"90,27 6 0,-27 5 90,22-8 90,-23 7-270,13-8 90,-12-7-90,4-24 90,-3 12 0,8-31 0,-3 10-90,22-28 90,-14 19 90,15-5-90,-20 31 90,6 0-90,-10 9 0,6 0 90,-6 20-90,2-16-540,0 34-90,-4-14-1528,3 18 2158,-5-10 0,0-4 0,-3-12 0</inkml:trace>
+  <inkml:trace contextRef="#ctx0" brushRef="#br0" timeOffset="277650">19342 5643 7892,'50'-13'0,"-1"2"-269,3 1-361,-13 6 630,10 0 0,-19 4 0,-3 0 0</inkml:trace>
+  <inkml:trace contextRef="#ctx0" brushRef="#br0" timeOffset="278367">20465 5502 10591,'0'-17'0,"0"2"0,0 5 90,0 3 540,0 3-630,0 26 0,0 28 0,0 2 0,0-7 0,0-2-416,0 4 506,11 14-90,-8-23 0,8-1 0,-2-4 90,-7 5 0,7-13-90,-5 7-180,-2-23-1259,2 2 1169,-4-25 416,0-5-146,0-22 0,0 5 0,0-3-90,0 11 0,0 2 0,17-5 270,0 10-180,11 3-90,-13 33 180,0-10-90,-13 37 90,12-37-90,-10 38 0,5-25 180,3 29-180,-2-21-360,13 10 0,-5-25-180,14 7 450,-10-17 0,4 4 90,-7-5 90,-3-20 0,-1 14 0,0-33 270,-6 14 270,-2-19-271,-5 10-89,-2 3-270,0 9 90,-20 11-90,16-6 0,-33 15 0,22-4 0,-5 20 0,0 7 0,18 20 0,-7-6 0,9 3 90,0-12 90,0 10-180,21-11-1169,7 10 539,24-19-90,-10-1 1,0-11-653,-14-4 1372,-1 0 0,-3-21 0,-1-4 0</inkml:trace>
+  <inkml:trace contextRef="#ctx0" brushRef="#br0" timeOffset="278584">20697 5621 8612,'0'-9'720,"0"0"-540,0-1-90,17 0 89,-12-1-179,28 1 0,-29-1 90,29 0-90,-11 4-1619,15 1 450,-1 6 1169,-17 19 0,4-14 0,-12 14 0</inkml:trace>
+  <inkml:trace contextRef="#ctx0" brushRef="#br0" timeOffset="278730">20732 6648 10411,'-1'9'-450,"1"-1"450,-1-3 0,1-3 0,0-1 0</inkml:trace>
+  <inkml:trace contextRef="#ctx0" brushRef="#br0" timeOffset="389783">14177 11590 11131,'0'33'180,"0"0"-180,10-2 179,-7-1 1,7-4-180,-10 0 0,7 4-90,-5 0 180,12 0-90,-13 2 0,10-2 0,-7 1 0,6 0 0,-3-1 0,0 0 0,0-2 90,2 12-90,-3-9 0,4 23 90,-6-23 180,3 23-270,-5-22 45,2 1 0,0 1-45,0 3 0,0-3 0,0 0 0,0-2 0,1 20 0,0-25 0,1 16 0,-1-20 0,0 2-90,-1-3 180,-2-7-90,3 10 0,-5-11 0,3 7 0,-3-10 90,0 1-180,0-5-5937,0-2 6027,0-17 0,0 10 0,0-12 0</inkml:trace>
+  <inkml:trace contextRef="#ctx0" brushRef="#br0" timeOffset="390986">14250 11485 8432,'16'-3'540,"-12"-2"-360,13 1 90,0 0-270,-13 0 269,33-1-179,-20-1 0,36-7-90,-14 1 180,0 1 0,2 0 0,17-3-1049,-17 5 0,1-1 1004,-9 3 0,0 1-180,2-1 0,1 1-442,1-1 0,0 0 487,3 0 0,0 1-45,1 0 0,1-1 45,0 1 0,2 0 45,19-2 0,1 1-45,-16 1 0,1 1 0,5 0 0,5-1 0,-4 1 0,-5 1 0,-2 0-488,17-1 1,-2 0 487,-16 0 0,-3 1 0,1 0 0,0 0 0,2 0 0,0-1 0,1 1 0,-1 0 0,1-1 0,0 1 0,0 0 0,3 0 60,-4 0 0,3 0 0,-2 0-60,7-1 0,3 0 0,5 0 0,6-1 0,-6 1-667,-4 0 0,-1 1 667,-8 0 0,3 0 0,-4-1 0,4 2 0,-3-1 0,1-1 0,0 1 0,-3 1 0,1 0-45,17-2 0,-1 1 90,-18 1 0,2 1-45,0-1 0,4-1 0,-5 2 362,-7 0 0,-1-1-362,27-2 0,-2 0 0,-29 2 0,0 0 0,10-3 0,5-2 0,-6 2 45,-10 1 0,0 0-90,28-6 0,-2 0 45,-9 0 45,-12 2 0,-2 1-45,2-3 726,19-3-636,-29 5-90,5 1 1084,-6 2-994,-10 2-180,9 0 180,-14 2 1837,6 1-1927,-11 1 678,4-1-767,-7 1 240,-1 0-61,0 0-90,2 0 0,-2 0 269,3 12-179,-5-9 0,3 9-90,-3 0 90,-1 5-180,-1 6 180,-1 2-180,0-7 180,-16 13-180,12-7 180,-11 19-90,15-17 0,-11 9-90,8-11 180,-8 1-90,11-1 0,0 11 0,0-9 0,-6 21 0,5-19 0,-4 19 0,5-21 0,0 8 0,0-4 0,0-6 0,0 13 0,0-16 0,0 14 0,0-15 0,-13 20 0,10-20 0,-9 19 0,4-21 90,6 14-90,-11-11 0,8 14-90,-2-12 180,-2 29-90,6-24 0,-6 28 0,4-29 0,0 9 0,1-8 0,0-2 0,1 3 0,0-2 0,2 2 0,-1 0 0,0 12 0,0-10 0,1 17 0,0-21 0,-1 6 0,1-12 0,-1 0 0,1-2 90,-1 0-90,-1-2-90,2 0 180,-1 5-90,2-6 0,-1 8 0,-1-13 0,1 2 0,-1-6 0,1-2 0,0-1-1799,0-1 450,-1-3 1349,-1 1 0,0-1 0,-1 0 0</inkml:trace>
+  <inkml:trace contextRef="#ctx0" brushRef="#br0" timeOffset="392838">13912 10456 8072,'0'44'270,"0"-2"-270,0-12 0,0 1 0,0 0 180,0-4-180,0 0 0,0-3 270,0-4 0,0-3 90,0-4 179,0-4-179,0-2 0,0-3 180,11-2-630,-8-15 90,20-7 0,-21-23 90,17-9-90,-15 5-180,5 1-450,-4 13-269,-1 2-181,1 0 1080,4-8 0,-1 12 0,3-4 0</inkml:trace>
+  <inkml:trace contextRef="#ctx0" brushRef="#br0" timeOffset="393218">14285 10454 10591,'-30'0'809,"0"0"-898,8 0 178,2 0-89,9 0-89,1 0 89,1 18 89,0 6-178,3-1 89,1 26 89,4-32-89,1 32 90,22-29-90,-17 4 0,33-16 90,-34 3-90,32-10 90,-11 5 0,18-6-180,-18-18 180,3 13-180,-25-29 90,8 12-359,-11-17-91,0 8-90,-21 4-989,-4 10 450,0 1 1079,-13 4 0,19 4 0,-18 5 0</inkml:trace>
+  <inkml:trace contextRef="#ctx0" brushRef="#br0" timeOffset="393633">14527 10395 10771,'-22'17'1079,"5"2"-1079,17 13-90,16-2 180,-12-2-90,11 0 0,-4-1 0,3 10 0,-1-12 0,7 10 90,-7-20-90,-1 0 0,5-12 0,-11-1 0,4-2-90,4-22 180,-4 17-180,11-56 180,-10 35-1132,3-35 1042,-6 24 0,-1-1 0,-1 3-89,0-5 89,-3 14 0,2-1 0,-4 19 89,5 3-178,-3 5 1130,6 16-1131,-3-12 180,4 29-90,1-29-539,9 44-721,-3-30-1348,16 24 2608,-10-19 0,8-11 0,-7-1 0</inkml:trace>
+  <inkml:trace contextRef="#ctx0" brushRef="#br0" timeOffset="393853">15088 10051 10411,'-12'-9'630,"9"0"629,-20 7-1169,21 17-90,-8 27 0,10 1 0,8-3 0,0 0 0,-4 6-225,17 4 0,0 0-764,-14 2-136,11-5 1,1-2 45,-9-8 1079,11 16 0,-11-31 0,-2 5 0</inkml:trace>
+  <inkml:trace contextRef="#ctx0" brushRef="#br0" timeOffset="394016">14897 10413 9242,'-20'-16'-90,"1"1"180,9 8 0,2-7-720,31 12 180,13-7-495,-2 8 1,2 2 944,24-1 0,2 0 0,-18 0 0</inkml:trace>
+  <inkml:trace contextRef="#ctx0" brushRef="#br0" timeOffset="394600">15473 10475 9152,'11'0'450,"9"1"-361,-6-1 181,13-15-180,-11-2 90,11-17 0,-13 17-90,4-23-90,-11 26 90,-2-18-90,-4 9 90,-1 9 360,-20-3-450,-2 12 0,-24 1 0,12 4 0,11 15 0,-6-11 90,24 27-180,-25-27 90,27 30 90,-10-11 0,13 18-90,0-10-90,21-4-360,-16-10 0,34-3 0,-35-2-179,35-6 179,-21 2 0,18-8-89,-9 4 269,0-4 180,0 0 270,7-17-90,-9-2 269,4-3 1,-14-11 90,-4 20-90,-3-16 449,-3 0-359,-3 10-180,0-12 0,-2 16-270,0 19 0,0 10 0,15 27 0,-11-11 0,22 12 0,-23-18 0,7 7 539,-1-8-179,-7-9 360,11 3-810,-12-32 90,2-10 90,-3-14-180,0-6 90,0 8 0,0-4-90,21-19-270,-16 15-675,11 10 1,4 1-405,1-1 1439,19-12 0,-9 27 0,0-3 0</inkml:trace>
+  <inkml:trace contextRef="#ctx0" brushRef="#br0" timeOffset="395200">16630 10078 11490,'17'10'-1529,"-4"-8"0,-13 9 0</inkml:trace>
+  <inkml:trace contextRef="#ctx0" brushRef="#br0" timeOffset="395366">16695 10459 12390,'0'3'0,"0"0"0</inkml:trace>
+  <inkml:trace contextRef="#ctx0" brushRef="#br0" timeOffset="396433">17402 10192 9781,'-16'-10'990,"12"4"-810,-29-1 0,28 5-90,-32 0-90,21 1 0,-15 1 0,-3 21 0,11-16 0,-11 33 90,23-13-90,0 10 0,11-3 89,0-9-178,0-2 89,27-10 89,-20 9 1,46-17-180,-16 8 1,11-11-1,-13-11 0,-2-1 0,5 6-497,-12-17 0,-2-4 587,5 4 0,-4-27-390,-4 11 390,-6-5 0,-5-3 0,-5-2 0,-5 14 0,0-2 0,0-19 90,-8 7 0,-4 1 270,-9-7-225,11 19 0,-3 2-45,-20-7-90,29 6-90,-24 5-107,25 4 827,-8 12-630,11 21 0,0 25 0,0 11 90,0 10-135,7-14 0,3 0 309,7 22-264,-7-17 0,0 0 0,14 18 0,-21-1-540,8-21 1,0 1-451,0 16 405,-5-22 1,1 0-2461,7 17 3045,-13-17 0,5 3 0,-6-18 0</inkml:trace>
+  <inkml:trace contextRef="#ctx0" brushRef="#br0" timeOffset="396584">17278 10075 9871,'0'-16'630,"23"-5"-720,-17 5-360,27 1 1,7 3-541,-6-3-959,4 5 0,2 1 1949,10 1 0,0 2 0,1 2 0</inkml:trace>
+  <inkml:trace contextRef="#ctx0" brushRef="#br0" timeOffset="396800">18003 10034 11221,'0'32'90,"0"-5"89,0 9-898,0-9-1530,14 19 810,-11-17 1439,18 6 0,-18-13 0,5-2 0</inkml:trace>
+  <inkml:trace contextRef="#ctx0" brushRef="#br0" timeOffset="396967">17910 9745 8792,'0'-7'-720,"19"2"1,-14 3-1,14 2 1</inkml:trace>
+  <inkml:trace contextRef="#ctx0" brushRef="#br0" timeOffset="397317">18235 10022 9152,'4'16'989,"0"2"-899,-1 0-90,4 10 0,-4-5 90,5 7-90,-4-8 0,0-1 0,1-1 0,0-1 90,0-3-90,-1-2-90,2 1-180,-1-8-809,2 1 899,-1-7-90,3-21 270,-1 15 0,1-38 90,-1 23 0,1-21 0,0 9 270,4-10-180,-6 13 269,6-7-449,-6 24 0,1 2 90,-2 10 0,-1 0-90,1 0 0,5 20 90,-2 6-90,7 24-539,-5-9-1620,8 12 2159,-4-25 0,2 6 0,-2-17 0</inkml:trace>
+  <inkml:trace contextRef="#ctx0" brushRef="#br0" timeOffset="397666">18577 9619 9781,'0'-9'1619,"0"20"-1439,17 14-180,-12 13 0,29 6 90,-30-6-90,12-6 0,3 0 0,4 18 0,-4-7 0,1 0 0,10 4 0,-14-12 0,-2 0 0,3-1-90,3 3-90,-8-20 1,-1-6-1,0-5 0,3-3 180,-3-19 0,6-9-90,-5-9 90,2-5 0,-4 9 0,2 0 90,-2 2 90,2 2 0,-2 13-90,-3-8-90,3 19 89,-3-10 1,4 27-180,-4-11-449,0 31-720,-2-16-181,-1 19-718,0-6 2158,-3 1 0,-1 0 0,0 0 0</inkml:trace>
+  <inkml:trace contextRef="#ctx0" brushRef="#br0" timeOffset="397850">18035 10600 9961,'26'-13'-855,"15"10"1,-36-10 0,15 13-1</inkml:trace>
+  <inkml:trace contextRef="#ctx0" brushRef="#br0" timeOffset="398154">19537 9742 10861,'0'-6'-90,"-20"1"180,4 2-90,-6 23 0,10 6 90,12 14-90,0-4 90,0-7-90,0-1 0,0 1-360,19-1-180,-14-3-179,30-1-361,-31-3-179,27-6 1259,-27-2 0,25-4 0,-11-2 0</inkml:trace>
+  <inkml:trace contextRef="#ctx0" brushRef="#br0" timeOffset="398600">19430 9422 11760,'0'32'450,"0"-5"-270,0 4-90,0-1-90,0 8 0,0 6-1049,0 5 1049,0 3 0,0 3 45,0-17 0,0 1-224,0 21-226,0-22 0,0-1-854,0 12-270,0-6-540,0-3 2069,15-5 0,-11-6 0,10-1 0</inkml:trace>
+  <inkml:trace contextRef="#ctx0" brushRef="#br0" timeOffset="398822">19170 9717 10141,'0'-4'630,"18"-1"-630,11 0 0,9 1 90,28-1-900,-22 3 810,7 1 0,0 0 0,1 1 0,-11 0 0,-1 0 0</inkml:trace>
+  <inkml:trace contextRef="#ctx0" brushRef="#br0" timeOffset="399222">19693 9832 10501,'0'38'90,"0"3"0,15-12-90,-11 0 0,11-9 90,0 0-180,-11-1-180,25-2-90,-26-2-89,23-3-91,-18-4 90,14-3 0,-8-3 360,2-2 0,4-17 90,-5 13 270,8-32 0,-14 9 0,2-9 90,-6-2 0,-3 12-1,1 1-269,-3 2-90,0 5 0,0 2 270,0 4-180,0 39-90,0-1 0,17 36-270,-12-24-989,31 7 629,-16-23-809,19 5 1439,-11-18 0,-1-2 0,-8-7 0</inkml:trace>
+  <inkml:trace contextRef="#ctx0" brushRef="#br0" timeOffset="399866">20200 9839 9062,'-19'19'90,"5"4"90,14 18-270,18-19 90,-13 10-270,32-28 90,-33 22 180,36-23 0,-16 14 0,11-15 0,-6 4 90,-10-6 1259,-9-30-719,-1 5-180,-9-25-1,-17 17-539,-1 7 0,-10 11 270,11 31-180,8 17 0,9 15 0,-1-12 0,2 0 0,14 11 0,-14-4 0,2-1-366,26 5 366,-25 11 0,11-23 90,-4-7-90,-8-3-90,8-2-90,-11-9-809,0-2 719,-19-10-360,14-16 907,-32-9-367,32-24 90,-12 6 0,17-25 0,0 26 0,9 6 0,5 2 0,17-4 45,-3 9 0,2 3-1018,15-1 973,1-5-90,-15 14-107,-3 0 197,-2 2 0,4-3 0,-10 4 90,3-9-90,-13 10 90,-4-6-90,-3 7 1121,-3-2-941,0 1 498,-20-5-678,15 6-180,-32-3 180,33 9 90,-22 0 0,23 25-180,-7 3 180,10 22-90,17-10-989,-13 9 359,32-20-1259,-15 12 714,12-19 1175,-5-2 0,-8-4 0,-1-4 0</inkml:trace>
+  <inkml:trace contextRef="#ctx0" brushRef="#br0" timeOffset="400183">20843 9901 9961,'20'31'90,"10"-14"-90,-26 9 90,23-11 90,-17 10-180,8-12 540,-10-23-360,-5-14 179,-3-9-89,0 0-180,0 9-90,16 2 0,-12-5 180,24 14-90,-25-9-90,22 20 90,-14-5-180,3 26-90,4-14-359,-10 34-361,7-34-269,-3 36-1890,2-13 3059,-6 10 0,1-4 0,-5-13 0</inkml:trace>
+  <inkml:trace contextRef="#ctx0" brushRef="#br0" timeOffset="400403">20582 9521 10141,'20'-17'1259,"8"-5"-989,13 4 0,18-7-270,-18 12 0,0 5 0,1 3 90,0 1-765,-5 1 1,-2 5-855,-7 16 1529,7 1 0,-22 2 0,1-6 0</inkml:trace>
+  <inkml:trace contextRef="#ctx0" brushRef="#br0" timeOffset="400872">21383 9134 10591,'-18'17'-1799,"13"13"1799,-33-4 0,8 11 0,-20 4 0</inkml:trace>
+  <inkml:trace contextRef="#ctx0" brushRef="#br0" timeOffset="403220">21657 9903 9961,'26'0'90,"-1"0"-180,-6 0-989,0 0-810,2 0 1889,1 0 0,1 0 0,2 0 0</inkml:trace>
+  <inkml:trace contextRef="#ctx0" brushRef="#br0" timeOffset="403984">22572 9643 9781,'0'-9'1260,"-17"2"-1260,12 2 180,-25-1-180,27 2 90,-28 1-90,19 2 0,-16 1 0,9 0 0,-1 20 0,0-15 0,0 39 0,4-24 0,-1 38 89,10-20-89,0 27 90,7-27-90,23 18-269,6-29-1548,13 3 557,0-17-269,-8-7 1529,2-3 0,1-3 0,2 0 0</inkml:trace>
+  <inkml:trace contextRef="#ctx0" brushRef="#br0" timeOffset="404590">22798 9236 9512,'-16'-6'1619,"2"18"-1529,14 6-90,15 13 0,-11 2 90,11-2-90,4 5 0,-14 1 0,27 5 0,-29 1-1140,21 1 1140,-21 0 0,17-2 0,-18 0 0,13 13 0,-9-15-207,4 18 207,-4-30-89,-3 4-1,-1-18-180,0-3-1080,-1-4 2255,-1-18-905,0-8 621,17-20-621,-13 7 90,13 0 90,-6 18 90,-8-11-180,8 12 180,-2-4-360,-1 9 270,10 8-180,-4 14 0,3-10 0,8 26 0,-2-8 180,19 15-180,-14-14 0,23 7 0,-20-19-45,3-3 0,0 0 45,2-1 0,-2-16 0,-1-3 0,-7 7 90,11-44 0,-23 30 629,0-37-359,-11 28-270,0-7 0,-3 9-90,0 7 0,0 20 0,0 11 90,13 26-180,-10-8-1799,23 13 810,-7-17-271,-3 6-538,14-13 1888,-18-2 0,10-3 0,-7-2 0</inkml:trace>
+  <inkml:trace contextRef="#ctx0" brushRef="#br0" timeOffset="404772">23453 9377 10591,'-12'-3'-270,"0"1"-2069,5 0 2339,22 18 0,12 1 0,21 17 0</inkml:trace>
+  <inkml:trace contextRef="#ctx0" brushRef="#br0" timeOffset="405133">23985 9571 10501,'-22'-14'1259,"-11"2"-1169,-10 12-90,-12 0 0,26 0 0,-5 18 0,15 1 0,10 18 0,1-8 0,26-2 90,12 1-180,10-9-1298,6 3 1118,-7-15 0,0 2 90,0-8 427,0 2-247,-4-3 90,-3 0-180,4-18 180,-19-4 720,8-22-630,-24 11 270,5-3-181,-6 14-89,0 1-180,-16 9 759,12-6-759,-13 35-967,37 2-3530,4 36 4497,12-6 0,1 1 0,-7-14 0</inkml:trace>
+  <inkml:trace contextRef="#ctx0" brushRef="#br0" timeOffset="406305">24688 9348 10771,'0'26'540,"0"5"-540,0-7 0,14 4 0,-11-6 0,10 1 0,-13-2 0,8 0 0,-6-2 179,5-3 181,-2-2 0,-4-3-180,5-3 450,-3-2-630,-2-3-90,4-18 0,-1 10 180,0-32-90,2 18-90,3-34-360,0 17-1349,10-24 540,-9 27-1890,12-12 3149,-11 25 0,5 3 0,-5 12 0</inkml:trace>
+  <inkml:trace contextRef="#ctx0" brushRef="#br0" timeOffset="406604">25092 9632 9781,'10'0'1440,"6"0"-1350,-5-21-1,13 0 1,-11-4 0,6-7 0,-7 28-90,-1-28 270,-2 20-270,0-13 0,-5 3 270,-1 3-360,-3 2 90,0 3 0,-14 9-90,-6 1 90,-10 20 90,3 4-90,13 21 0,6-10-1169,8 15 179,0-20-179,0 9-360,21-15 1529,-15-3 0,42-2 0,-15-3 0</inkml:trace>
+  <inkml:trace contextRef="#ctx0" brushRef="#br0" timeOffset="406999">25643 9370 10231,'-32'-7'1169,"-23"2"-989,33 2-270,-37 3 90,25 0 90,-14 16-90,24 3 90,4 20-90,13-9-270,26 9-179,12-17-361,26 10 720,-6-22-1103,2 8 1193,-17-16 0,-1 4 0,-4-6 0,4 0 270,-18-20 540,8-1-91,-23-20-449,6 5 180,-31 7-450,18 0 0,-31 19 1103,32-5-1013,-10 29-180,14 23 180,0 5-1178,0 19 998,0-18 90,0 2 90,0 4-868,7-15 0,0 0-211,-3 17-181,3-9 1,0-1-450,-7 1 1619,0 10 0,0-25 0,0-4 0</inkml:trace>
+  <inkml:trace contextRef="#ctx0" brushRef="#br0" timeOffset="407484">25858 9606 10771,'0'-5'809,"0"0"-809,0 3 0,0 0 90,0-1-90,17-1 0,-12-7 90,29 1-180,-18-10 0,4 4 90,5-5 0,-14-4 0,4 4 0,-8-14 0,-7 15 0,0-5 0,0 10-90,0 3 0,0 3 180,0 3-90,0 18 0,0 9 90,0 24-180,0-6 180,0 3-90,0-11 90,18-3-180,-13 0 180,26-5-180,-28-3-269,25-1 179,-8-10 0,14-1 90,-8-8 90,-5-18 90,-11 13-90,0-33 0,-4 20 270,1-31-1,-5 17 181,1-18-360,-3 21-180,0-1 90,0 11 90,0 26-90,0 8-450,0 29-1708,14 5 898,1-9-179,2-3 1439,9-16 0,-22-2 0,10-2 0</inkml:trace>
+  <inkml:trace contextRef="#ctx0" brushRef="#br0" timeOffset="407783">26437 9552 10051,'0'-10'720,"4"-4"-540,4 3-180,3-1 180,3-2-270,1 6 90,0-1 90,3 0-90,10-3 180,-9 2-180,14-4 0,-20 5 0,5-2 0,-13 3-90,-1-7 90,-25 7 90,-1-5-90,-3 9 0,-10 0 0,13 3 0,-11 15 0,13 3 0,3 19 89,15-7-89,-5 14-539,26-17-1620,5 16 900,-1-20 1259,20 3 0,-23-13 0,21-2 0</inkml:trace>
+  <inkml:trace contextRef="#ctx0" brushRef="#br0" timeOffset="408066">26805 9324 10411,'-20'-10'180,"-9"-1"-90,27 5 90,-19 1-180,19 20 90,13-11-90,-6 31 0,35-9 0,-11 10 0,-4-11 0,1 0-879,16 8 879,-3 8 0,-17-11-387,-9-3 927,7-2-278,-13 3-262,5-9 90,-7 5-90,-5-14 392,-21-1-2551,-3-6 153,-23-2 2006,4-20 0,17 14 0,7-15 0</inkml:trace>
+  <inkml:trace contextRef="#ctx0" brushRef="#br0" timeOffset="408266">27120 9167 10591,'14'-1'1079,"-3"0"-1079,-3 1 90,-4 15-90,-1-11 0,-1 28 0,0-16 90,3 48-90,-2-26-765,1 2 1,0-1-45,1-1-1620,7 20 2429,-5-29 0,3 3 0,-2-14 0</inkml:trace>
+  <inkml:trace contextRef="#ctx0" brushRef="#br0" timeOffset="408400">27087 9345 9871,'23'-10'90,"6"5"-899,14 0-630,1 5 1439,-9 0 0,2 0 0,2 0 0</inkml:trace>
+  <inkml:trace contextRef="#ctx0" brushRef="#br0" timeOffset="409370">27902 9197 10051,'0'29'900,"0"3"-810,0 3 180,0-4-181,0 1 91,0-9 0,0 0-90,0-4-90,17-1 0,-12-4 180,31-5-180,-10-3 90,11-5-90,12-22 0,-20 15-135,-5-21 0,-3-4-225,2 9-179,2-32-1170,-13 11 629,-6 11 1080,-3-16 0,-3 26 0,0-4 0</inkml:trace>
+  <inkml:trace contextRef="#ctx0" brushRef="#br0" timeOffset="409683">28397 9436 10591,'4'-16'989,"1"-17"-809,1 28 90,0-29-270,-1 15-90,-3-15 90,0 10 90,-2 2 0,0 10-180,-17 2 90,12 1 0,-29 6 0,14 15 0,-1 12 90,-4 7-90,23 6 0,-6-8-809,8 16-181,21-10-1618,8 17 662,13-24 1727,2 2 1,-8-15 0,2-2 0</inkml:trace>
+  <inkml:trace contextRef="#ctx0" brushRef="#br0" timeOffset="410220">28272 9054 10141,'25'-13'1170,"-6"0"-721,35-4-179,-22 4 90,17-3-360,-23 9 0,4 2 0,-14 4 90,-3 1-90,0 0-90,-3 0 90,-1 0-540,-3 14-1619,1-10 2159,-4 22 0,1-11 0,-4 13 0</inkml:trace>
+  <inkml:trace contextRef="#ctx0" brushRef="#br0" timeOffset="410367">28572 8910 10591,'20'-11'270,"0"-3"-180,19 11-90,-4-6-1889,19 6 0,-10 0 1750,15 3 1,-18 0 0,-2 0 0</inkml:trace>
+  <inkml:trace contextRef="#ctx0" brushRef="#br0" timeOffset="410900">29572 9156 11041,'-20'-13'899,"-12"2"-719,27 4 0,-26 0-270,11 4 180,-14 1-90,8 2-90,-2 18 270,19 3-360,-4 19-270,13-8-89,-2-1-271,20-9-179,-13-1-1,33-3-1618,-6-1 2608,9-2 0,5-7 0,-13-2 0</inkml:trace>
+  <inkml:trace contextRef="#ctx0" brushRef="#br0" timeOffset="411250">29740 9212 10771,'-19'-13'1079,"-10"5"-1079,25 21 90,-9 6-90,26 2-90,-9 11 180,20-28-90,-21 28-270,32-16 180,-20 1-90,25 1 91,-21-16-1,9 3 90,-15-5-90,4-18 180,-13-1 89,-1-20 181,-23 5-360,15 2 0,-32 14-90,32-1 270,-13 35-630,33-2-269,-11 27-1260,23 0 720,-8-7 1259,7-5 0,2-11 0,-5-2 0</inkml:trace>
+  <inkml:trace contextRef="#ctx0" brushRef="#br0" timeOffset="411434">30222 9225 10681,'-25'-5'899,"-9"4"-899,20-4 90,-2 20-809,6 2-1620,28 18 720,6-6 1619,11-9 0,1-8 0,-7-12 0</inkml:trace>
+  <inkml:trace contextRef="#ctx0" brushRef="#br0" timeOffset="411616">30258 8713 10411,'-17'15'-540,"3"-12"-359,4 34-450,6-17 1349,0 23 0,3-8 0,0 4 0</inkml:trace>
+  <inkml:trace contextRef="#ctx0" brushRef="#br0" timeOffset="411899">30780 9144 11580,'-17'-17'0,"13"2"0,-32 4 90,32 2-90,-34 3 0,16 2 90,-9 1-90,5 21 0,7 8 0,9 9 0,0 2-989,10 2 269,0-9-1169,24 16 540,6-24 1191,13-3 0,-2-4 1,-10-5-1</inkml:trace>
+  <inkml:trace contextRef="#ctx0" brushRef="#br0" timeOffset="412133">30892 9193 10861,'-39'-19'539,"3"4"-449,4 8 0,15 19-90,6 4 0,31 16 0,3-3-269,21-2 269,-6-2-360,-4-12-2519,-16-1 2879,-7-25 0,-34 0 0,-6-17 0</inkml:trace>
+  <inkml:trace contextRef="#ctx0" brushRef="#br0" timeOffset="413033">31068 9194 10681,'9'17'540,"-1"-2"-540,-5 5 90,1 15-90,-2-21 0,0 20 0,0-16 0,-1 0 0,1-4 89,-1 3-268,0-8-1351,-1 0 1441,0-23 89,0-3 0,0-24 179,0-1-179,0 7 360,0-4 90,0 17-360,13 5-90,-10 23-90,21 13-540,-13-1-89,9 18-1710,0-11 2429,-3 9 0,3-11 0,-3-13 0</inkml:trace>
+  <inkml:trace contextRef="#ctx0" brushRef="#br0" timeOffset="413282">31455 8968 10411,'0'-8'1079,"0"3"-809,0 18-270,0 10 0,18 10 0,-14 5 0,14-7 0,-3 3 0,-11 17 90,23-11-90,-24 8 0,17-15-180,-18-3-179,5-2-271,-1-5-270,-4-1 1,4-6-810,-6 0 360,0-8 1349,-22-1 0,17-6 0,-17-1 0</inkml:trace>
+  <inkml:trace contextRef="#ctx0" brushRef="#br0" timeOffset="413566">31392 9134 9152,'23'-18'450,"29"-3"-361,-30 7 181,41 0 0,-31 9-180,23 3-90,-23 2 0,8 18 90,-11-13-180,-5 30 90,2-31 0,3 31 0,-9-12 90,7 17 0,-16-10 270,2-1-360,-10-14 0,-14-3-90,7-43 90,-11 3-450,15-22-809,0 20-810,0 4 2069,0 4 0,15 5 0,4 7 0</inkml:trace>
+  <inkml:trace contextRef="#ctx0" brushRef="#br0" timeOffset="414399">32168 9233 11760,'-22'-12'450,"-17"9"-450,18-20 0,-16 21 0,11-8 0,13 26 0,5 1 0,8 16-90,21-3 90,2-5 0,20-9-360,-7-8-89,-7-8 89,-13-15 180,-8-5-90,-8-17-360,-15-1 271,-7 3 359,2 8 0,22 12 90,23 22 179,23-3-179,-11 10 90,-1-5-180,-13-6 90,-2 6 90,-1-9-90,2 0 0,-7-16 0,5-6 0,-13 1 90,0-22-180,-6 22 270,-1-22-91,0 8 181,0-17-180,0 11-815,-16-11 725,13 17 90,-13 4-180,16 4-90,-13-3 90,9 12 0,-16 1 90,18 27-180,-6 15 180,8 29-90,0-3 45,7-11 0,0 0-661,-3 12 616,9-18 0,1-1-568,2 29 568,1-17-166,2-13 0,0-1 76,-3-1 0,12-9 0,2-4 90,-4-5 0,23-1 0,-27-25-220,3 10 220,-11-30 90,-3 17-180,-5-18 0,-1-11 180,-3 9-45,0 1 0,-4 0 45,-18-8 89,15-17 1,-15 20 90,1 2-270,14 2 1352,-14 4-1442,5 5 90,10 6 625,-10 3-535,7 9 316,5 23-406,-5 15 169,7 15-169,0 23 90,0-20-1205,0 17 1025,0-19-180,18-1-270,-13-4-899,26 13 360,-15-17-443,0 6 443,12-19-352,-16-5 1431,12-4 0,-9-5 0,0-2 0</inkml:trace>
+  <inkml:trace contextRef="#ctx0" brushRef="#br0" timeOffset="414755">32762 9146 10501,'0'-19'360,"0"2"-360,0 6 0,19 4 90,-14 3-90,31 2 0,-13 2 0,18-1 0,-8 0 90,2-1-90,-16-1 0,1 0 0,-9-2 0,-4 0 0,-1-4 180,-4-6-90,-1 1-1,-1-4 181,0 3-90,-16 1 0,13 0 0,-25-3-180,25 5 0,-9 0-90,12 7 180,-9 2-180,6 21 180,-6 1-90,26 34 0,-12-18 0,29 18-180,-17-26-1979,23 19 1440,-16-25-361,11 10 361,-22-22-720,4-1 1439,-10-6 0,-1-2 0,-3 0 0</inkml:trace>
+  <inkml:trace contextRef="#ctx0" brushRef="#br0" timeOffset="415034">33155 9124 10411,'0'-34'1349,"0"4"-1439,0 7 360,0 9-270,0 22 90,0 7-90,14 19 0,-10 0-90,19-7 180,-20 5-90,12-21 180,-14 10-270,4-15 90,-2 3 0,0-6 0,2-20 0,0 13 0,1-34 0,9 6 0,-2-10 0,2 10 0,0 2-90,8-8-924,10-11 1014,-6 19 0,1 2-269,0 5-1081,12 1 361,-12 10-630,7 2 1619,-16 9 0,-4 1 0,-3 0 0</inkml:trace>
+  <inkml:trace contextRef="#ctx0" brushRef="#br0" timeOffset="415836">28232 10217 10861,'0'49'90,"0"-10"0,-11 5-90,8 11 0,-8-12 90,6-6 0,2 1-90,0 2 0,-5 10 90,8-14-1,0-12 91,-3 2-270,2-17 180,-4-2-359,3-26 269,-1-9 0,1-14-270,2-24 270,0 17 0,9 3 0,1 0-90,-5-10 90,11 9 0,3 2-797,6-3 707,8-9 90,2 28 90,-11 5 103,-2 9-103,6 6 0,-10 6 270,4 22-360,-13-14 90,-3 34-180,-4-11 180,-2 9-90,-19 0 0,14-14-899,-31-2-1287,15 1 2186,-13-11 0,2 0 0,4-11 0</inkml:trace>
+  <inkml:trace contextRef="#ctx0" brushRef="#br0" timeOffset="416516">28647 9978 10231,'5'19'1080,"-3"17"-811,1-18-89,-1 18-90,-1-8 0,1 0-90,0 15 0,1-9 0,2 23 90,-2-23-180,6 19 180,-4-25-180,3 6-180,-1-17-359,0-1 179,1-6-360,6-3 631,-3-3 268,12-18-89,-7 10 0,10-25 90,-9 5 360,4-13-90,-10 13-90,1-6-180,-6 26-180,-1-17 180,-2 19-90,0-6 0,-1 8 0,2 0 0,-1 20 90,4 4-90,0 0 90,2 17-90,2-26 0,-1 18-360,2-12-720,7-3 451,-4 0-91,14-9 360,-11-1 181,4-8 89,-7-15 180,-1 12 719,6-49-449,-10 32 629,4-40-449,-12 37-450,0-6-90,-2 9 0,0 25 0,0 3 0,0 27-180,17-16-90,-12 11-90,27-27 270,-29 20 1,26-21-1,-11 7 180,8-9 359,1 0 1,-10-19 719,1 1-899,-10-4-450,-2-4 180,-6 14 0,1-4-90,1 22-539,0-2-271,3 27-269,-1-26-360,3 31 1529,0-21 0,2 18 0,1-10 0</inkml:trace>
+  <inkml:trace contextRef="#ctx0" brushRef="#br0" timeOffset="416705">29135 9980 10861,'0'-10'0,"25"3"-720,11 3 1,14 2-1060,3 1 70,-9 1 1709,1 15 0,1-11 0,-2 10 0</inkml:trace>
+  <inkml:trace contextRef="#ctx0" brushRef="#br0" timeOffset="417285">29753 10033 10861,'0'-16'1169,"0"2"-899,0 2-180,0-1-90,0 6 180,14 19-270,-10 17 90,10 13 45,-8-8 0,-2 2-45,-2 13 0,3-3 0,0 0 0,-1 9 0,-3-11 0,-1-2 0,5 1-360,-2 16 180,-3-36-90,4-1-449,-3-16-631,1-4 991,0-20 269,1 13 0,1-46 90,0 31 0,3-30 0,1 21 0,0-1 0,3 2 270,-1 3 179,1 3-269,0 5-90,5 8-90,-5 3 90,9 6-180,-11 20 180,9 9-360,-8 11-765,2-6 1,1 0-45,3-1 1079,0 0 0,1-3 0,4-8 0,6 5 0</inkml:trace>
+  <inkml:trace contextRef="#ctx0" brushRef="#br0" timeOffset="417584">30288 10328 10321,'-22'-21'990,"17"1"-901,-37 5-178,37 0 89,-33 5 0,17 4 89,-12 3-89,15 18 90,7 8-180,11 18 90,26 5-179,-19-9-648,44-4 827,-32-14 90,24-9-180,-12 6 270,11-14-180,-14 7 0,8-9 0,-17 0 90,-8-19-90,-2-1 736,-9-19-825,-22 19-1,16-12-1260,-36 17 721,18-3 629,-15-2 0,16 19 0,9-7 0</inkml:trace>
+  <inkml:trace contextRef="#ctx0" brushRef="#br0" timeOffset="418008">30488 10374 10591,'9'2'809,"-4"0"-809,1 2 180,-4-1-180,1 2 0,-3 7 90,0-1 0,0 26-90,0-13 0,0 28 0,0-24 0,0 19 0,12-20 0,-9 4 0,9-13 90,-12-4 0,0-3-450,7-3 360,-6-21 0,6-9 0,-7-12-90,0-23 90,0 17 0,4-18 0,-2 24 0,2 0 0,3-18 135,-1 8 0,0 1-135,2-3 0,6-17 180,-7 36 270,8 1-450,-7 19 0,10 21 0,-9-9 90,9 29-180,-8-9 90,2 16-180,-5-6-1979,-3 1 0,-1-13 2159,-23 0 0,-6-12 0,-20-5 0</inkml:trace>
+  <inkml:trace contextRef="#ctx0" brushRef="#br0" timeOffset="418183">30028 10090 10501,'44'0'360,"1"16"-1799,-3 5-1,-6 20-718,-17-5 2158,-8 3 0,-11-7 0,0 1 0</inkml:trace>
+  <inkml:trace contextRef="#ctx0" brushRef="#br0" timeOffset="418320">30155 10858 11580,'14'11'720,"-10"-1"-720,22-4-360,-23-1-2428,22-3 2788,-13 0 0,11-19 0,-3-5 0</inkml:trace>
+  <inkml:trace contextRef="#ctx0" brushRef="#br0" timeOffset="418489">31152 10528 13199,'20'-8'-3508,"-2"-1"3508,-5 0 0,-6-2 0,-4 0 0</inkml:trace>
+  <inkml:trace contextRef="#ctx0" brushRef="#br1" timeOffset="442605">28259 12334 24575,'0'0'0</inkml:trace>
+  <inkml:trace contextRef="#ctx0" brushRef="#br0" timeOffset="451416">9792 3048 7803,'22'-2'269,"-3"9"-269,-3-4 90,-5 14 0,0-15 0,-4 14-90,2-15 0,-2 16 0,1-9 360,1 15-360,-1-7 0,0 6 90,-3-5-90,0 2 0,-2 0 0,0 2 0,0 0 0,-2 2 90,0 12-90,-1-8 0,0 22 180,0-20-90,0 8 0,-16-10-90,12-3 0,-12 2 90,-1 11 0,-2-9-90,-17 21 90,9-22-648,-2 8 558,9-12 0,-2-1 90,0-2-325,1 0 235,-3-1 0,0 1 0,-13 6 90,7-5-90,-18 11 90,18-14-180,-19 13 90,20-13 0,-9 4 0,10-6 0,1-1 0,-3 1 90,-15 7-90,9-7 0,3-2 0,-1 0-90,-8 2-814,-16 6 994,13-5-90,-5-1 0,-1 3-90,-4-2 90,-2 3 90,-2 0-90,15-5 0,0 0 0,10-4 0,-2 0 0,-22 8 0,0-1 0,23-7 0,2 0 0,-11 3 0,1-1 0,-16 6 90,0-2-90,2 0 180,17-7 0,0 0 0,-22 7-135,12-5 0,-1-1-45,-8 2 0,21-5 0,1-1 90,-14 2 311,1 0-86,6-4 0,-1 0-405,-10 3 135,6-3 0,3-1-135,7 0 315,-16-1-225,28-1 0,-10-1 0,19-1 1070,1 0-1160,5 0 90,6 0 0,0 0 0,5 0 0,0 0 0</inkml:trace>
+  <inkml:trace contextRef="#ctx0" brushRef="#br0" timeOffset="451900">7497 4266 8972,'3'-4'719,"0"1"-539,-1 3 0,0-1 450,0 1-720,-1 13 180,-20 4-180,-4 9 180,-2 0-180,-29 7 180,32-5-90,-10-2 0,-2-1-360,1 7 450,-9 10-180,13-12 90,2-1 0,1-1 0,-3 5 0,10-11-90,-3 10 90,15-17 90,1 7 0,5-10 90,1 3 0,0-1-270,18-3 90,-14 7 0,30-7 0,-18 6 90,3-6-900,24 12 91,-25-11-1440,39 12 2159,-28-13 0,12 6 0,-10-6 0</inkml:trace>
+  <inkml:trace contextRef="#ctx0" brushRef="#br0" timeOffset="454344">6538 4081 7353,'0'-5'270,"0"0"179,0 1-269,0 20-180,0-1 90,0 15 90,0 11-90,0-9 0,0 34-90,-14-20-511,10 19 601,-11-14 0,15 2-90,0 3 90,0-14 0,0 0 0,0 24-45,0-9 0,0-1-915,0 9 870,0-21 0,0-1 0,0 14 89,0 1-89,0-2 90,0-1-90,0-3 0,0 0 45,0-17 0,0 0 45,0 17-90,0-10 0,0-1 0,0 4-169,0-8 0,0-1 259,0 4-90,0 10 0,0-18-160,0-3 160,0 0 0,0 6 0,0-10 0,0 10 0,0-16 529,0 0-529,0-6 865,0-4-865,0 1 473,0-1-563,-9-1-167,7-1-643,-7 3 450,9-4-629,0 4 1079,0-8 0,0 2 0,0-3 0</inkml:trace>
+  <inkml:trace contextRef="#ctx0" brushRef="#br0" timeOffset="455283">6713 3946 7892,'-12'13'360,"3"4"-360,2 10 90,5 3 270,-8 18-270,5-5-2126,2 0 0,0 1 2126,-1 19-45,3-21 0,1 1 213,0-8 0,0-2-78,-1 2 0,0 0-180,1 0 0,0 2 90,-1 16 0,0 0-90,1-12 0,0 0 120,0 3 0,0 4 0,0-4-380,0-3 0,0-2 260,0 11 0,0 0 0,0-16 0,0-1 90,0 34 0,0-2-90,0-1 0,0 0 90,0-2 90,1-19 0,-2 1-90,-11 21-45,11-11 0,0-2-45,-11 8 45,11-12 0,2 0-45,-1 7 0,0-21 0,0-1 0,0 14 0,0-5 0,0 0 90,0 12-180,0-12 90,0 21 0,0-28 2830,0 8-2830,0-5 0,0-10 90,0 13-90,0-20 578,0 10-578,0-17 1117,0 6-1117,0-10 0,0 1 179,0-6-3327,0-1 1979,-13-15 1169,3-5 0,-10-12 0,6 1 0</inkml:trace>
+  <inkml:trace contextRef="#ctx0" brushRef="#br0" timeOffset="466653">8328 4860 9062,'0'-7'989,"0"0"-719,0 1-180,0-1 0,0 0-90,0 0 0,0 1 90,0 1 0,0 1-90,0 18-90,0 6 180,0 11 0,-18 2-180,13-4 180,-33 3-90,34 1-90,-33 0 180,32-3-180,-30-1 180,31-5-90,-25-2 0,26-4-180,-18-2 180,19-3 0,-11-1 0,12-4 0,-6 0 180,26-6-180,3 1 0,15-3 90,0-16-90,13-1-90,-12-2-180,-3 6 0,0 0-180,5-5-1037,13 1 1127,-19-9 0,-2 24-146,-5-17 147,-3 17-1,-4-9 0,-4 10 360,-2-5 0,-7 5 0,-1-1 0</inkml:trace>
+  <inkml:trace contextRef="#ctx0" brushRef="#br0" timeOffset="466865">8462 4903 8522,'-5'15'990,"1"3"-900,4 12-1,0-1 1,0 1 0,0 3-1169,0 4-1260,0 4 2181,0 2 0,0 5 0,0 2 0</inkml:trace>
+  <inkml:trace contextRef="#ctx0" brushRef="#br0" timeOffset="472600">9528 4053 6813,'25'0'360,"-3"0"-360,-5 10 180,-5-7-90,0 7-90,-2-4 0,0-5 0,1 11 0,0-11 90,-1 10-90,1-7 0,-1 7 0,1-4 0,0 1 0,-1 2 0,7 5 0,-4-2 90,11 14-180,-8-9 180,3 8 0,-4-4-90,0 0 0,0 4 90,5 12-90,-4-7 0,2 10 0,-5-12 0,-2 1 89,5 12-178,-5-9 178,4 8-89,0 0 0,-4-11 0,9 21 0,-10-23 0,5 9 90,-7-12-90,1 1 180,6 24-90,-6-16 0,4 28-90,-9-32 90,0 18-90,-3-20 90,0 6-90,-1-10 0,0-2 0,0 2 0,0-2 90,0 2 0,-13-1-90,10 12 90,-9-8-90,-1 19 0,3-20 0,-5 9 0,0-12 90,13 0-180,-12-1 180,9-2-180,-6 0 180,2 0-180,-4 9 180,3-7-90,-10 14 270,9-15-270,-6 6 90,0 1-90,1-5 90,-11 16-90,8-13 90,-14 17-90,12-17 0,-13 16 0,12-18 90,-18 23-180,17-22 90,-18 23 90,19-26-90,-14 18-90,14-16 90,-16 16 90,14-16-90,-6 6 0,-1 1 0,9-7 0,-20 15-90,18-15 90,-20 14 90,16-14-773,-10 4 683,9-6 0,-4-1 0,2 0-90,-23 11 180,13-8-90,3-2 0,-1-1 0,-10 5 0,7-4 0,0-1-90,-10 5 135,20-10 0,0 0 45,-13 5-90,3 1-90,0-2-202,-11 7 202,13-7 90,-8 4 0,17-7 0,4 0 0,-1-1 0,2 0 90,0 0-90,0 0-90,-11 8 90,9-5 90,-21 14-180,20-13 180,-24 17-90,20-16 0,-3 3 0,-2 0-90,-3 1 90,1 0 0,-1 0 90,1-1-90,5-5 0,0 1-90,-5 3-874,-13 5 964,18-10 0,1 1 166,4-3-166,0 1 0,3-3 0,0 1 211,-6 4-211,10-5 0,-14 8 0,17-11 0,-12 11-90,14-10 180,-8 6-90,8-5-10,-2 0 10,1 2 996,-13 7-996,9-4 0,-22 14 0,17-14 0,-9 7-90,9-9 656,1 1-566,-1 0 0,-11 10 0,8-7 0,-20 16-90,21-16 180,-23 15-90,22-15-45,-1-1 0,-1 0 135,-2 0-90,3-2 0,0 0-90,3-1 358,-18 9-268,23-11 12,-16 10-12,19-10 90,-6 3-270,3-1 270,5-4-90,-13 9 0,15-8 0,-14 8 0,14-7 0,-5 1 90,6-4-90,1-1-90,0 0 180,-5 2-180,4-3 90,-9 7 0,10-10 0,-2 5 0,6-6 0,-1 1 0,2 0 0,-4 0 90,5 0-180,-5 2 90,7-3 90,-4 2-180,7-5 90,-1 1 0,3-2 0,0 0 0,0-1 0,0 2-990,2-1 1,0 1 359,0 1 630,0-1 0,0 0 0,0 0 0</inkml:trace>
+  <inkml:trace contextRef="#ctx0" brushRef="#br0" timeOffset="473067">6188 7990 7623,'0'-10'359,"0"-4"-269,0 3 180,12-6-180,-9 9 540,9-2-540,-12 7-90,0 12 90,-27 6-180,21 13 180,-34-13-90,36 14-90,-22-16 180,22 12-180,-19 2 90,13-7 90,-9 14-90,8-14 0,3 5 0,5-6 0,1-2 0,1 2 0,1-1 0,-1 0 0,1 0 0,0 7 90,15-6-90,-11 6 0,10-10 0,5 0-360,-15 0-270,34-1 1,-23 0-181,17-2 810,-7 0 0,2 0 0,2-1 0</inkml:trace>
+  <inkml:trace contextRef="#ctx0" brushRef="#br0" timeOffset="477302">9223 7055 8522,'-5'0'450,"0"0"-90,0-6-180,-1 4 89,0-4-179,1 2-90,0 3 0,0-4-90,2 4 90,-1-1 0,1 2 0,0 0 0,2 15 0,0 6 0,0 9 0,1-1 90,21-15-180,-16 3 90,31-9 0,-13 5 0,19-1 0,-8-4 0,0 2 90,-4-2-90,-8 0-90,11 3 180,-17-5-90,2 2 0,-9-2 0,-3 0 90,-2-3-90,-1 2 0,-18-4 0,-6 1 0</inkml:trace>
+  <inkml:trace contextRef="#ctx0" brushRef="#br0" timeOffset="477469">9215 6905 8432,'0'-9'90,"18"-1"-90,-14-1 0,31-1 90,-31 0-90,34 1 90,-22-1-900,20 3 810,3-4 0,-8 7 0,8-2 0</inkml:trace>
+</inkml:ink>
+</file>
+
+<file path=ppt/ink/ink11.xml><?xml version="1.0" encoding="utf-8"?>
+<inkml:ink xmlns:inkml="http://www.w3.org/2003/InkML">
+  <inkml:definitions>
+    <inkml:context xml:id="ctx0">
+      <inkml:inkSource xml:id="inkSrc0">
+        <inkml:traceFormat>
+          <inkml:channel name="X" type="integer" min="-2.14748E9" max="2.14748E9" units="cm"/>
+          <inkml:channel name="Y" type="integer" min="-2.14748E9" max="2.14748E9" units="cm"/>
+          <inkml:channel name="F" type="integer" max="32767" units="dev"/>
+        </inkml:traceFormat>
+        <inkml:channelProperties>
+          <inkml:channelProperty channel="X" name="resolution" value="1000" units="1/cm"/>
+          <inkml:channelProperty channel="Y" name="resolution" value="1000" units="1/cm"/>
+          <inkml:channelProperty channel="F" name="resolution" value="0" units="1/dev"/>
+        </inkml:channelProperties>
+      </inkml:inkSource>
+      <inkml:timestamp xml:id="ts0" timeString="2021-09-20T02:33:46.253"/>
+    </inkml:context>
+    <inkml:brush xml:id="br0">
+      <inkml:brushProperty name="width" value="0.09071" units="cm"/>
+      <inkml:brushProperty name="height" value="0.09071" units="cm"/>
+      <inkml:brushProperty name="color" value="#FF0000"/>
+    </inkml:brush>
+  </inkml:definitions>
+  <inkml:trace contextRef="#ctx0" brushRef="#br0">3987 1187 9152,'0'-7'1079,"0"0"-719,0 4-180,0-1 0,0 1-180,0 17 90,0 13-180,0 12 180,0 12-1786,0-15 0,0 1 1696,0 25 0,0-20 0,0 1-268,0 18-361,0-1-181,9-2-225,-8-19 1,1 0-765,7 17 1799,-8-20 0,-2-1 0,1 9 0,0-2 0</inkml:trace>
+  <inkml:trace contextRef="#ctx0" brushRef="#br0" timeOffset="719">4180 1193 7623,'36'-6'180,"3"0"-91,4-2-961,7-2 872,5-2-795,5-1 840,-27 6 0,1 0-45,2 1 0,0-1-284,3 1 1,0 0 328,0 0 0,3 0 89,20 0 1,0 1-135,-14 0 0,2 1 30,5 0 0,6 0 0,-5 1-30,-2 0 0,-1 1 0,8 0 0,5 0 0,-5 0-1356,-2 0 1,-1 1 1385,-8 0 0,2 0 0,1 1-1,5-1 1,0 1 0,-1-1-176,-10 1 0,-3 0 0,6 0 146,11 0 0,7-1 0,1 1 0,-6 0-371,-5 0 1,-4 0 0,3 0 392,-1 0 1,3 0 0,1-1-1,-4 1-52,3 0 0,-2 0 0,0 0 30,3 0 0,0 0 0,0 0 0,1 0 0,-1 0 0,1 0 30,1 0 0,1 0 0,-1 0-30,1 0 0,0 0 0,1 0 120,0 0 0,0 0 0,5 0-102,-12 2 0,5 1 0,1 1 0,-1-1 0,-2 0-186,0-2 1,-2-1 0,0 1 0,7 0 218,-9 2 0,5 0 1,4 1-1,1 1 1,-1-1-1,-3 0 1,-4-2-16,-2-1 0,-3 0 0,-2-1 0,0 0 0,4 1-21,2 0 0,3 1 0,1 0 0,1 0 0,-2 0 0,-4-1-185,12 0 1,-3-1 0,-1-1-1,1 1 170,-12 0 0,1 0 0,-1 0 0,1 0 0,0 0-22,2 0 0,-1 0 0,1 0 0,0 0 1,0 0 21,1 0 0,0 0 0,0 0 0,1 0 0,-1 0-12,2 0 0,-1 0 0,1 0 0,0 0 0,0 0 30,0 0 0,0 1 0,-1-1 0,3 0 0,3-1-18,-3 0 0,3-1 0,2 0 0,2 0 0,-1 0 0,-1 0 0,-3 1 0,-3 0 0,-3 1 0,-1 0 0,1 0 0,3-1 0,4 0 0,-9-1 0,5 0 0,2-1 0,3 0 0,0-1 0,1 1 0,-2 0 0,-1 0 0,-3 1 0,-4 0 14,10 1 1,-4 0 0,-3 1 0,-1 0 0,2 0 0,3-2-4,-5 0 0,2-1 1,2 0-1,0-1 0,1 0 1,-2 1-1,-1 0 0,-3 1-26,4 0 0,-3 2 0,-2 0 0,0 1 0,0-2 0,1 0 15,2-2 0,-1-1 0,1-1 0,-1 1 0,1 0 0,0 1-15,-1 1 0,0 2 0,0 0 0,1 0 0,1 0 1,3-1 36,-2-1 0,2-1 1,3 0-1,1 0 1,0 0-1,-1 0 1,-1 0-1,-3 0-22,-3 2 0,-3-1 0,-1 1 0,-1 0 0,2 0 0,2 0 0,5 0-9,-7 0 1,4 0 0,2 0 0,3 0 0,1 0 0,0 0 0,0 0 0,-1 0 0,-2 0 0,-3 0-1,-4 0 21,6 0 1,-5 0 0,-2 0 0,-1 0 0,0 1 0,4-1 0,4 0-5,-7 1 0,4 0 0,3 0 1,2 0-1,1 0 0,0 0 0,0 0 1,-1 0-1,-3 0 0,-2 0 0,-4 0-8,14 0 0,-5 0 0,-4 0 0,1 0 0,2 0 0,6 0 0,-11 0 0,5 0 0,3 0 0,1-1 0,2 1 0,-1 0 0,0 0 0,-3 0 0,-3 0 0,-4 1 0,9 2 0,-5-1 0,-3 2 0,-1-1 0,2 0 0,3-1-12,-7-1 1,2 0 0,2-1 0,0 0 0,0 0 0,0 0 0,0 1-1,-1 0-1,6 2 0,0 1 0,0 1 1,0-1-1,-2 1 0,-1-1 0,-2 0 28,-2-1 0,-4-1 0,-1 1 0,1-1 0,2 0 0,4 1-15,-4-1 0,4 1 0,3 1 0,1-1 0,2 0 0,-2 1 0,-2-1 0,-3 0 0,-4 1 41,11 0 0,-6 1 0,-2-1 0,1 1 0,6 0-41,-8-1 0,5 0 0,3 0 0,1 0 0,0 0 0,-1 0 0,-5 0 0,-4 0 0,4 0 0,-5 0 0,-3-1 0,1 1 0,2 0 0,2 0 0,2 1 0,1-1 0,0 1 0,-2-1 0,-4 1-23,6-1 1,-4 1 0,-1-1-1,0 0-90,0 1 1,0-1 0,0 1 0,-1-1 135,-2 1 1,-1-1-1,1 0 1,2 0-204,2 0 0,2 1 0,2-1 0,-2 0 0,-2 0 103,-1 0 0,-4 0 0,1-1 0,5 1 77,-3-1 0,5 1 0,2-1 0,0 1 0,-3-1 0,-6 0 0,15 0 0,-6 0 0,2 0 0,-3 0 0,0-1 0,0 0 0,0 1 0</inkml:trace>
+  <inkml:trace contextRef="#ctx0" brushRef="#br0" timeOffset="1732">4143 2538 8342,'63'0'630,"-8"0"-630,3 0-1252,-3 0 1252,10 0 0,-29 0 0,3 0 30,4 0 0,5 0 0,-2 0-973,11 0 0,2 0 943,-5 0 0,4 0 0,-2 0 30,-10 0 0,-2 0 0,1 0-30,4 0 0,0 0 0,2 0 30,0 0 0,1-1 0,4 2-30,5 1 0,6 1 0,0 0 0,-2-1-267,-12-1 0,-3 0 1,1-1-1,6 1 282,3 0 0,6 1 0,3 0 0,1 0 0,-2 0 0,-6 0-530,3 0 0,-4-1 0,-1 1 1,4-1 514,-11 0 0,4-1 0,1 0 0,1 0 0,-3 0 0,-2 1 22,11 2 1,-3 0-1,-1 0 1,0 0-304,3-1 0,0-1 0,1 0 0,0 0 281,-12 0 0,1 1 0,0 0 0,0 0 0,0 0-116,2 0 0,0 0 0,0-1 0,1 1 0,-1 0 134,2-1 0,0 1 0,0 0 0,0 0 0,1-1-81,0 1 0,0 0 0,0 0 1,2 0-1,4 0 75,-4 0 1,4 0 0,2 0 0,1 0 0,0 0 0,-2 0 0,-2 0-13,-2 0 0,-2 0 0,-2 0 0,1-1 0,3 1 0,5 0 0,-8 0 0,4 0 0,3 0 0,2 0 0,1 0 0,1 0 0,-1 0 0,-3 0 0,-2 0 0,-4-1 30,11 1 0,-6 0 0,-3 0 0,1-1 0,3 1 0,6 0 2,-15 0 1,4-1 0,2 1-1,3 0 1,1 0 0,1 0 0,0 0-1,-2-1 1,-2 1 0,-3 0 0,-3-1-33,6 1 0,-4 0 0,-3-1 0,-2 0 0,2 1 0,3-1 0,5 1 0,-5-1 0,4 0 0,3 1 0,2 0 0,1-1 0,1 1 0,0-1 0,-2 1 0,-2-1 0,-3 1 0,-3-1 38,6 0 1,-3 1-1,-4-1 1,0 0-1,-1 0 1,3 0-1,2 0-48,-3 0 0,3 0 0,2 0 0,0 1 0,1-1 0,-1 0 0,-1 0 0,-2 0 0,-3 1-3,2-1 0,-3 0 0,-2 0 1,0 0-1,-1 0 0,1 0 0,0 0 13,2 0 0,0 0 0,1 0 0,-1 0 0,0 0 0,1 0 0,-1 0 0,0 1 0,-1-1 0,0 0 0,1 0 0,0 1 0,3-1 0,1 0 27,-6 1 0,2-1 0,2 0 0,2 0 0,0 1 0,0-1 0,0 0 0,-1 1 0,-1-1 0,-3 0-39,3 0 1,-3 1 0,-2-1 0,0 0 0,1 1 0,1-1 0,2 0-1,5 1 18,-10-1 1,4 1 0,2-1 0,3 1 0,1 0 0,0-1 0,2 1 0,-2 0 0,0 0 0,-1-1 0,-3 1 0,-2 0 0,-3-1 15,9 1 1,-5-1-1,-3 1 1,-1-1-1,0 1 1,1-1 0,3 1-1,5 0-29,-9-1 0,3 1 0,2 0 0,3 0 0,1 0 0,1 0 0,0 0 1,0 0-1,-1 0 0,-2 0 0,-1-1 0,-4 1 0,-2 0 7,8 0 0,-5 0 0,-3 0 0,-1-1 0,0 1 0,2 0 0,4 0 0,5 0 6,-10 0 0,3 0 0,3 1 0,3-1 0,2 0 0,2 1 0,1-1 0,0 1 0,0-1 0,-1 1 0,-2-1 0,-1 1 0,-3-1 0,-3 0 0,-4 0-18,13 1 1,-5-1 0,-4 1 0,-2-1 0,1 1 0,0-1-1,5 1 1,5-1 4,-11 1 1,4-1-1,4 1 1,2-1 0,3 1-1,0 0 1,1 0 0,0 0-1,-2-1 1,-1 1-1,-2 0 1,-3-1 0,-4 1-1,-4-1 7,12 1 0,-7 0 0,-4-1 0,-2 1 0,1-1 0,2 1 0,6-1 16,-8 1 0,4-1 1,2 1-1,2-1 1,1 1-1,0-1 0,0 1 1,-2 0-1,-2-1 1,-2 0-1,-5 1-31,14 0 0,-5-1 0,-3 1 0,-1 0 0,1 0 0,3-1 26,-6 1 0,2-1 1,1 1-1,1-1 0,-1 1 1,-1-1-1,-2 1 0,-3-1-29,11 1 0,-3-1 0,-3 1 0,-1 0 0,2-1 36,-2 1 0,1 0 0,-1 0 0,0-1 0,0 1-18,-2 0 0,-1-1 0,1 1 0,-1-1 0,-1 1 0,13 0 0,-2 0 0,1 1 0,-1-1 0,-3 0 0,0 0 0,0 1 0,-1-1 0,-4 0 0,0 0 0,1 0 0,1 0-54,-2-1 0,3 1 0,1 0 0,-2 0 0,-3-1-149,-3 1 1,-3-1 0,0 0 0,3 0-62,4 0 0,5 0 0,1 0 0,-4 0 0,-7-1 264,-2 0 0,-7 0 0,1 0 0,8 0 0,1-1 0,-7 0 0,-10 0 0,-4 0 0,24 0 0</inkml:trace>
+  <inkml:trace contextRef="#ctx0" brushRef="#br0" timeOffset="2116">23738 1491 10591,'2'-24'-90,"0"3"1349,-1 1-1169,-1 30-2126,-9 18 1,-3 7 2035,9 0 0,0 1 0,-15 21 0,-1 1 1,18-15 0,-1-1-361,-15 5 0,-1 0-180,16 2 1,0 3-841,-8-2 1,-3 3 0,1-1 1379,2 9 0,0 0 0,0-8 0,0 3 0,-1-4 0,-4 5 0,1 0 0</inkml:trace>
+  <inkml:trace contextRef="#ctx0" brushRef="#br0" timeOffset="3733">4865 1590 9242,'0'48'90,"0"-9"-90,0 1 180,0 8-180,0-10 90,0 13-270,0-17-720,0-1-1259,0 11 2159,0-12 0,0 7 0,0-14 0</inkml:trace>
+  <inkml:trace contextRef="#ctx0" brushRef="#br0" timeOffset="3950">5175 1719 9152,'5'0'719,"0"16"-719,-1 3 0,0 12 90,1 10 0,0-10-4251,2 26 3711,-2-21-539,2 12 1038,-2-16-1038,-1-1 989,1-1 0,-2-4 0,0 1 0</inkml:trace>
+  <inkml:trace contextRef="#ctx0" brushRef="#br0" timeOffset="4105">4913 2037 7803,'0'-18'89,"0"1"-89,0 7-89,20 0 178,9-5-358,11 4-1081,21-6 1350,-22 10 0,16-2 0,-17 4 0</inkml:trace>
+  <inkml:trace contextRef="#ctx0" brushRef="#br0" timeOffset="4355">5407 1944 8432,'-20'12'90,"-11"2"-90,27 11 0,-22-12 0,23 17 0,-8-17 0,11 16 90,0-11-90,0 0 90,0-1-90,20 5 0,6-7 90,21 3-90,-11-11 0,9-3 90,-20-4-90,5-14-90,-12-3-450,-9-16-539,-2 1 1079,-31 0 0,-2 3 0,-22 3 0</inkml:trace>
+  <inkml:trace contextRef="#ctx0" brushRef="#br0" timeOffset="4899">5687 1966 7982,'6'15'180,"-3"-3"-180,6-2 0,-5-7 0,2 16 90,-2-5-90,5 9 0,-3-1 0,4 3 90,-5-10-90,1 1 0,-1-4-539,-4-7 89,2 1 180,-2-6 0,1 0 270,0-20 0,7-4 270,-5-22 0,9 3-180,-5 8 90,6 6-90,-5 9 269,9 6-179,-7 3-90,14 7-90,-13 4 90,12 19-90,-15 0 0,3 4 90,-8 8-90,0-27 180,-2 26 90,-1-16-630,-1 8 360,0-27-90,0-7 90,0-23-90,0 5 90,15 11 0,-11-3 90,25 20 90,-17-7-180,14 9 0,-15 17 0,6 3 90,-7 0-900,6 24-449,-5-27 1259,0 22 0,-5-19 0,1-1 0</inkml:trace>
+  <inkml:trace contextRef="#ctx0" brushRef="#br0" timeOffset="5200">6225 2051 7892,'16'0'180,"-2"0"-180,16 0 0,-7 0 90,18 0-90,-15-12 0,5 10 0,-12-10 0,-5 2 0,-2 8 270,-5-18 0,-4 10-270,-19-2 360,11-2-180,-29 10-180,8-3-90,-14 5 90,4 16 90,16 3 90,8 16-180,12 2-540,26 3-450,-4-7-1327,27-4 2317,-5-10 0,5-4 0,6-1 0</inkml:trace>
+  <inkml:trace contextRef="#ctx0" brushRef="#br0" timeOffset="5665">7458 1505 10321,'0'43'990,"0"-5"-990,0 3 0,0-1 0,0 4 0,0 5 89,0-11 1,0 0-652,0 23-427,0-8 0,0 1-1602,0 11 2591,-6-22 0,-1 0 0,4 17 0,-11 0 0</inkml:trace>
+  <inkml:trace contextRef="#ctx0" brushRef="#br0" timeOffset="7066">8467 1924 9871,'-23'-8'1440,"-15"-1"-1440,33 4 0,-28 2 0,15 2 0,-12 1 89,13 17-89,-4-13-629,19 29-181,-6-9-269,8 6 269,0 3-269,29-11 1079,-6-2 0,32-3 0,-12-1 0</inkml:trace>
+  <inkml:trace contextRef="#ctx0" brushRef="#br0" timeOffset="7355">9097 1927 9062,'-63'0'899,"12"0"-899,3 0-90,12 0 0,-9 16 180,10 0 0,-6 15 0,27-3-90,2-3 0,40-10 90,11 1-90,15-14 45,-16 1 0,0 0-45,8-3 45,-8-8 0,-1-4-135,0-8 90,5-4 0,-29-9-90,3 29 90,-14-31-539,6 14-271,-31-6 270,-8 0 1,-13 19 539,-10-1 0,14 9 0,-9 0 0</inkml:trace>
+  <inkml:trace contextRef="#ctx0" brushRef="#br0" timeOffset="7717">9403 1910 8522,'0'31'0,"0"-5"0,-14 2 90,10-9-90,-11 0 0,15-4 0,0-3 0,0 0 0,0 3 0,0-5-1799,0 2 1259,19-25 1350,1-5-450,22-23 0,-11 10-181,-1 0-89,-3 12-90,-7-3 0,0 11 450,-8 1-180,-4 6-180,-1 2-90,-1-2 0,-2 19 0,1 4 0,-1-1 0,2 26-720,1-25-269,1 23 989,0-19 0,3-1 0,1 0 0</inkml:trace>
+  <inkml:trace contextRef="#ctx0" brushRef="#br0" timeOffset="7949">10000 1734 9691,'0'36'90,"0"7"0,0-6 0,0 4-90,16-10 0,-12 1-629,13-1-900,-5 13 539,-10-12 990,18 9 0,-17-18 0,5 0 0</inkml:trace>
+  <inkml:trace contextRef="#ctx0" brushRef="#br0" timeOffset="8082">9847 1960 7353,'23'-18'-90,"16"0"-180,-34 2-540,42 3 810,-27 2 0,23 4 0,-12 1 0</inkml:trace>
+  <inkml:trace contextRef="#ctx0" brushRef="#br0" timeOffset="8453">10373 1966 8612,'-38'3'90,"0"0"-180,15 4 90,-8-2 0,28 2 0,-18 1 0,18 2 0,-5 1 90,8 1-90,0 1 90,0 2-90,0-3 0,22 1-180,-17-2-270,38 1 270,-12-4-179,24-1 269,-10-6 90,-12-8 0,0 0 270,-4 3 269,21-23-449,-39 10 540,4-14-450,-15 4-270,3 4 90,-22 11 0,4 6 90,-7 26 0,12 1-720,10 19 90,21-20-179,-15 12 719,35-18 0,-12 4 0,22-8 0</inkml:trace>
+  <inkml:trace contextRef="#ctx0" brushRef="#br0" timeOffset="8649">10928 1970 8522,'-47'0'630,"2"0"-360,3 0-180,9 18 0,12 0-1,11 19 1,31-4-359,-16-6-361,42-4-90,-25-10-1528,42-1 2248,-23-7 0,16-1 0,-17-4 0</inkml:trace>
+  <inkml:trace contextRef="#ctx0" brushRef="#br0" timeOffset="8869">11162 1710 8972,'-12'16'809,"2"4"-719,10 23-90,0-7 0,0 4 90,0-9-90,15 1 0,-11 0 90,10 15 0,-3-13-360,-8 10-269,8-17-181,-5-2 0,-4-3 720,4 3 0,-6-10 0,0 2 0</inkml:trace>
+  <inkml:trace contextRef="#ctx0" brushRef="#br0" timeOffset="8999">11007 1963 8162,'26'-13'0,"-19"0"-449,50 1-631,-31 2 1080,31 1 0,-11 1 0,3 1 0</inkml:trace>
+  <inkml:trace contextRef="#ctx0" brushRef="#br0" timeOffset="9348">11980 1384 10771,'6'17'629,"0"8"-539,-6 12-90,0 8-761,0-3 761,0 7 90,0 4-90,0 4 45,0-12 0,0 2-540,0-12 1,0 1-676,0 28 1,0 0-457,0-24 1,0-2 1625,0 13 0,0 0 0,0-15 0,0-1 0,0 0 0,0 0 0</inkml:trace>
+  <inkml:trace contextRef="#ctx0" brushRef="#br0" timeOffset="10015">13120 1924 9602,'-23'-13'269,"-10"1"-89,29 2 0,-30 3-180,19 2 0,-17 3 0,7 1 0,-1 1 90,-3 17-180,2-13 90,1 31 90,6-30-90,4 31 180,5-13-180,6 10 0,21-5 0,17-7-450,33-10 180,-5-1-171,-27-9 0,0-2 351,18 1 0,-2 0 90,-1-20 0,9-1 0,-19-4 0,10-8 180,-35 14-90,0-14-90,-14 7-90,-15 12 180,-6 7-90,-10 25 0,11 4 90,9 20-450,11-9-359,0-1-181,22-11-359,-16-2 1259,35-9 0,-37 6 0,15-4 0</inkml:trace>
+  <inkml:trace contextRef="#ctx0" brushRef="#br0" timeOffset="10465">13592 1653 8702,'0'32'360,"0"10"-270,0-8-90,0 7 0,14-9 0,-11 2 90,11 0-90,-14 1 0,10-4 0,-8-1 0,8-4 90,-10-3-90,0-2 180,0-6-180,0-1-90,0-7 90,0-31 0,0-1-90,0-19 0,21 6 90,1 24 0,20-14 0,-4 25 270,-5-8-1,-2 27-89,-12 4-90,-7 18 0,-7-2-90,-23-1-270,-2-7-1259,-22-7-809,3-10 2338,2-6 0,15-5 0,9 0 0</inkml:trace>
+  <inkml:trace contextRef="#ctx0" brushRef="#br0" timeOffset="10753">14125 1937 8522,'-20'15'90,"-13"-3"-180,29 14 90,-43 11 90,39-13-90,-23 11 90,31-5-90,0-14 0,26 8 0,-19-18 90,46-3-90,-33-1 0,40-2 0,-27-14-180,20-2 90,-27-18-270,-4 1 180,-12-3-89,-35 14-91,19-6 360,-42 17 0,18-3 0,-23 6 0</inkml:trace>
+  <inkml:trace contextRef="#ctx0" brushRef="#br0" timeOffset="11149">14477 1991 8792,'-20'9'0,"5"0"0,15 6 0,0-4 0,0 6 0,0-5 0,0 7 0,0-5-180,0-1-90,0-1-90,18 2 91,1-6-91,16 0 360,-4-6 0,-8-1 0,-2-21 270,-8 16 449,1-31-449,-4 14 0,1-14-270,-9 5 0,1 26 90,-3 13-180,0 26-1079,20 2 539,8-6-270,12-13 900,3-8 0,-9-10 0,2 0 0</inkml:trace>
+  <inkml:trace contextRef="#ctx0" brushRef="#br0" timeOffset="11367">15017 1774 9422,'-17'-19'180,"12"1"-270,-24-1 359,26 8-89,-22 1-180,22 22 90,-9 12-90,12 8 90,18 21 0,-13-17-90,12-4 0,3 0 0,-2 4-270,4 8-629,4-8 269,-16-11-449,4 8 539,-7-18 540,-7-1 0,-26-9 0,-6-3 0</inkml:trace>
+  <inkml:trace contextRef="#ctx0" brushRef="#br0" timeOffset="11485">14802 2009 8522,'-12'-21'270,"9"0"-270,-9 0 90,12 1-90,0 3 0,0 1 90,22 2-90,-16 4-180,37 1-630,-13 6 810,22 0 0,-10 3 0,-2 0 0</inkml:trace>
+  <inkml:trace contextRef="#ctx0" brushRef="#br0" timeOffset="15632">4368 4733 8792,'0'-14'1169,"0"2"-989,0 2-90,0 0-90,0 3-90,0 1 1170,0 2-990,0 22 89,0 0 1,0 24-90,0-9 0,0 2 90,0 28-1288,0-16 1,0 2 1242,0-7 0,0 0-90,0 4 0,0 1-90,0 1 0,0 4 105,0-1 0,0 5 0,0-3-60,0 11 0,0 3 0,1-11 0,0 8 0,-1-1 0,-2-5-708,-2-5 0,-2-4 1,1 3 707,3-2 0,2 3 0,0 0 0,-2-4 0,-3 2 0,-1-3 0,1 0 30,4 0 0,2 1 0,-1 0-60,0-1 0,0 0 0,0 0 60,0-1 0,0 0 0,0-1-30,0 0 0,0-1 0,0 1-45,1 18 0,-2 2 105,-1-8 0,-1 3 0,1-2-334,1-14 1,1-3-1,-1 5 139,-2 5 0,0 5 0,-1 0 0,1-6-504,3 12 0,-1-3 459,-2-9 0,-2 3 0,1-5-135,1 3 1,-1-4-136,-2 0 0,-1-1-90,1-1 1,-1-2-46,1-2 0,-1-1-98,0-3 1,-1-1 682,-5 28 0,0-8 0,0-7 0</inkml:trace>
+  <inkml:trace contextRef="#ctx0" brushRef="#br0" timeOffset="16583">4752 4687 8702,'33'0'450,"6"0"-450,-6 0 0,9 0 0,-2 0-852,10 0 942,9 0-90,-6-6 0,3-1-393,-11 6 1,5-1 392,5-2 0,10-3 0,1 0 0,-6 3-383,-10 2 0,-4 2 1,6-1 400,4-1 0,9-2 0,2 1 0,-2-1 0,-7 1-780,2 1 0,-7 0 1,3 1 738,0-1 1,3 0-1,-1 1 1,-2-1 52,1-1 0,-2 1 0,-1 0-30,3 1 0,-1 1 0,1-1-502,-1 0 0,1-1 1,-1 1 501,1 0 0,-1 1 0,0-1 0,-1 1 0,0-1 0,-1 1-75,-2 0 0,1-1 0,2 1 97,-3 0 1,3 0-1,1 0 1,-4 0-53,3 0 0,-4 0 0,5 0 30,6 0 0,6 0 0,0 0 0,-7 0-82,-10 0 1,-5 0-1,2 0 82,12 0 0,3-1 0,-5 2 0,1 4 0,-3 0 0,-1-4 0,-2 1 200,-3 2 1,-2 2-246,-3-1 0,-1 0 592,-4-5 1,-2 2-638,27 14 309,-30-11 0,-2 0-40,7 7 1371,5 4-1370,-33-5 1581,-2 5-1761,-10 0 1227,0 5-1137,-24 2-90,18 4-90,-39 5 90,39 4 90,-13-5 0,-4 1 548,-2 18-593,3-2 0,2 1-459,7-17 1,2-1 413,-4 12 0,3-1 0,9 23 45,-6-32 0,-1 0-45,9 0 0,0 3 0,-6 18 0,-1 1-45,7-12 0,-1 2 315,-2 7 0,-2 5 0,2-3-181,1-1 1,-1 1-813,0 9 0,-2 6 1,1-4 767,1-3 0,-1 4 44,2-14 1,0 9 0,-1 2 0,1-1 0,1-7-90,-1 0 0,2-5 0,-1 6 36,0 2 0,0 8 0,-1 3 0,1-3 0,1-8-36,0-3 0,1-7 0,-1 5 90,0 11 0,1 5 0,-1 1 0,0-6-120,0-10 0,0-4 0,2 5 66,2-4 0,2 4 0,0 3 0,0-2 0,-1-6-36,-3 5 0,0-6 0,2 7 0,4-6 0,3 6 0,2 3 0,-1 1 0,0-4 0,-4-6 30,-3 9 0,-3-7 0,3 6-66,4 0 0,3 8 0,2 2 0,-2-4 0,-2-7-174,-3-8 0,-2-5 0,0 3-240,1 7 0,0 5 1,-1 0-1,0-6-180,2 10 1,-1-1 463,-3 3 0,-1 5 1,-4-7-1,-8-9 0,-3-4 1,4-6-1,0 0 1,0 0-1</inkml:trace>
+  <inkml:trace contextRef="#ctx0" brushRef="#br0" timeOffset="17633">4187 7279 7982,'0'59'540,"0"0"-360,0 1-1386,0 1 1386,0 0-736,0 5 601,0-32 0,0 1 134,-7 2 1,0 0-135,5 1 0,0 1-45,-4 1 0,-2 2 225,0 19 0,0 1-180,1-14 0,-1 2-405,0 4 0,-2 5 0,2-4 360,1-5 0,2-2 89,0 16 1,2-1-90,3-19 0,0-2 0,-2 0 0,-1-1 0,2-1 0,1 1 45,-3 15 0,1 1-90,1-15 0,2 0 75,-1 2 0,0 4 0,0-5-211,-1-5 1,2-2 180,5 24 0,2-1 0,-5 7 45,4-24 0,0 2-1,1-3 1,-1-2-134,-3 23 133,7-12 1,1-2-45,-1 6 45,-1-12 0,2-3-135,7 2 90,2 6 0,-5-23 589,4-6-679,-1-6 180,15-4-90,-7-4-90,23-2 180,-18-17-90,9 11 766,-12-11-856,1 2 180,1 10-180,3-10 180,2 13-90,4-9 45,-6 7 0,2 1 45,25-8-169,-1 8 0,2 2 169,-19-2 0,0 2-135,17 7 0,1 1 45,-11-7 0,0 1 0,4 5 0,2 1 89,4-3 1,2-1-90,-18-4 0,0-1 0,2 1 0,2 3 0,2 0 0,0-1 30,1-2 0,2-2 0,3 1-53,5 0 1,5 0 0,2 0-1,-4 0-369,-12 0 1,-3 0-1,1 0 1,5 0 331,2 0 0,5 0 0,2 0 0,1 0 0,-2 0 0,-6 0-522,2 0 0,-5 0 1,-1 0-1,3 0 402,0 0 0,3 0 0,1 0 0,-1 0 0,-5 0-462,14 0 1,-4 0 0,0 0 311,-1 0 0,0 0 1,-1 0 67,-2 0 0,0 0 0,-1 0 262,-2 0 0,0 0 0,-2 0 0,-1 0 0,-2 0 0,1 0 0,-3 0 0,1 0 0,0 0 0</inkml:trace>
+  <inkml:trace contextRef="#ctx0" brushRef="#br0" timeOffset="18265">4865 6690 7443,'-1'11'90,"-2"0"-90,0 0 0,0-1 0,1 0 0,0 0-90,-3 4-90,2-2-270,-4 9-90,2-9 540,-3 4 0,1-7 0,-1-1 0</inkml:trace>
+  <inkml:trace contextRef="#ctx0" brushRef="#br0" timeOffset="18699">4457 7312 8702,'18'5'450,"16"-1"-450,-30 0 180,35-2 90,-22 1-181,21-3 1,-5 3 270,7-1-360,6 2-337,8-1 427,-7 0 0,3 0-499,-10-1 0,3 0 439,10 0 0,5 1 0,-2-1-918,1 0 1,0-1 857,-5 1 0,3-1 0,-2 1 165,11-2 0,-2 0-165,-17 0 0,0 1 0,1-1 60,0 0 0,0 0 0,5 0-30,1 0 0,6 0 0,-1 0 0,-2 0 0,3 0 0,-3 1 0,5-2-144,-4-1 0,6-1 0,2 0 0,-2-1 1,-6 2-705,4 0 1,-6 2 0,4-2 802,-5-1 0,3-1 0,0 0 0,-2 1-195,13-1 0,-2 2 0,-3-1-19,-15 2 0,-1 1 0,3-1-101,2-1 0,5 0 1,0-1-1,-7 1 360,10 2 0,-4 0 0,12 0 0,-2 0 0,-23 0 0,0 0 0</inkml:trace>
+  <inkml:trace contextRef="#ctx0" brushRef="#br0" timeOffset="19317">5600 5865 11131,'-40'32'90,"2"6"-270,21-7 270,4 4-90,5-7 90,6 0-90,-5-1-90,7-1 270,18-4-180,-14-1 0,32-6 0,-32-4 89,35-7-89,-17-2 0,16-2-179,-18-17 179,0-2 0,-18-19 0,5 1 0,-7 4-90,-17 13 0,13 2 90,-13 34 0,17 17-810,0 8-270,0-7 1,0-1-540,0 1 1619,13 12 0,-10-20 0,11 0 0</inkml:trace>
+  <inkml:trace contextRef="#ctx0" brushRef="#br0" timeOffset="19650">5940 6043 8792,'0'8'1079,"0"9"-989,13 14-90,-10 4 90,9-11-719,-12-3 539,0-30 90,0-5-90,15-24 90,-11 7 0,25 11 90,-26 2-90,24 17 90,-13 11-90,8-6 90,-2 28-720,-5-28-899,10 29 0,-5-13 1529,10 2 0,-8 3 0,2-12 0</inkml:trace>
+  <inkml:trace contextRef="#ctx0" brushRef="#br0" timeOffset="19998">6510 5595 9332,'0'-8'270,"0"2"-181,-14 3-89,10 18 90,-10 14-180,14 10 90,0 6 90,17 15-90,-12-14 90,9-6 0,4-2-379,5 4 289,-3 9 0,12-23 0,-28-4 0,21-6-180,-22-4-180,8-4 0,-4-6 560,-2-17-200,5-11 0,-4 4 90,-1-25 180,6 13-270,-3-10-90,8-1 180,-8 28-90,5-6 0,-6 20 90,0-6-90,0 7 0,2 16-630,-2-11-1259,3 26 1889,-4-11 0,0-2 0,-4-2 0</inkml:trace>
+  <inkml:trace contextRef="#ctx0" brushRef="#br0" timeOffset="20199">5830 5274 8342,'20'-22'0,"-15"2"0,34 6-719,-15 5-900,13 34 1619,-14 0 0,-9 33 0,-14-9 0</inkml:trace>
+  <inkml:trace contextRef="#ctx0" brushRef="#br0" timeOffset="20765">4610 7862 10681,'0'-6'1259,"0"1"-1259,0 18 0,0 8 90,0 44-180,11-17-450,-10-4 1,1 0-361,17-1-90,-13-6 1,-1-1-270,5 0 1259,6 8 0,-14-21 0,4-2 0</inkml:trace>
+  <inkml:trace contextRef="#ctx0" brushRef="#br0" timeOffset="20905">4505 8225 9152,'-5'-23'0,"4"-5"0,-5 13-180,24-12-540,8 13-179,11-3 899,5 7 0,-9 3 0,3 1 0</inkml:trace>
+  <inkml:trace contextRef="#ctx0" brushRef="#br0" timeOffset="21187">5015 8289 9152,'0'5'180,"0"-18"-180,14-4 90,-10-20-90,10 4-90,-4 2 90,-7 8 0,-8 10 0,1 25 0,-22 9 90,23 19-180,-9-8 180,12 0 0,0-9-180,0-2-450,19-2 540,0 4 0,21-8 0,-3 3 0</inkml:trace>
+  <inkml:trace contextRef="#ctx0" brushRef="#br0" timeOffset="21519">5292 8131 8792,'14'38'90,"-10"1"-90,21-11 0,-23 0 0,8-9 90,-1-1-90,-6-3 90,16-2-90,-14-1-90,12-6 90,-11-1-90,7-25 90,-7 15 0,4-37 0,-4 24 0,2-20 0,-3 10 360,9-13-270,-6 12-90,6-9 0,-6 25 90,2 2-90,-4 11 90,-1 16-90,-2-12 0,-2 36-90,2-20-450,0 22-180,0-9-89,-1 0-450,1 1 1259,-2-4 0,0-4 0,0-2 0</inkml:trace>
+  <inkml:trace contextRef="#ctx0" brushRef="#br0" timeOffset="21717">4948 8006 9242,'0'-14'360,"0"1"-450,20 3 180,-16-1-1,38-1-89,-11 3-719,22 3-181,-8 4-1028,-5 17 1928,-13-12 0,-1 32 0,0-10 0</inkml:trace>
+  <inkml:trace contextRef="#ctx0" brushRef="#br0" timeOffset="22048">5890 8102 9332,'0'-15'449,"-17"4"-359,13 5-180,-28 5 90,14-2 0,0 17 0,-7-10 180,23 23-270,-9-6 90,11 15 90,18-4-90,9 10 0,-4-18 0,25 7 0,-29-12 0,21-2 0,-26-1 90,14 3-90,-13-7 0,5 4 90,-10-10-1349,-34-1-630,-3-2 1889,-24-3 0,13 1 0,3-1 0</inkml:trace>
+  <inkml:trace contextRef="#ctx0" brushRef="#br0" timeOffset="22452">6277 8224 9332,'0'41'270,"0"-7"-270,0-2 89,0-7-89,0 1 0,0 1 90,0 0-90,0-1 0,0-2 0,0-2 0,0-4 90,0-2 0,0-1-270,0-6 1,0-25-1,0-13 90,0-32 0,0 9 90,7 12 0,2 1 0,-5-14 180,13 8 0,1 0-589,-14-6 454,14 19 0,-1 1 224,-13-3-269,27 4 90,-18 8 90,18 8 180,-11 6-270,6 20 0,-11-8 0,-1 58-90,-9-34-630,0 12 1,-7 1-810,-22-2 1439,9-7 0,-3 0 0,-28 7 0,24-14 0,-1 0 0</inkml:trace>
+  <inkml:trace contextRef="#ctx0" brushRef="#br0" timeOffset="23369">4815 9172 8882,'-32'0'0,"-1"0"0,18 12 0,-11-9 90,16 23-180,-5-14 90,8 11 90,31-13-90,2-3 0,22-7 90,-23-14 450,10 10-181,-22-27-179,6 16-180,-9-13 0,-10 34 0,0 13 0,0 19 90,0 4-90,0-9 0,0 2 0,0-3 0,0 1 90,14-2 0,-10 11 0,11-14 90,-15 11-180,0-22-2159,0 0 1350,-15-12 809,11-42 0,-10 15 0,14-33 0</inkml:trace>
+  <inkml:trace contextRef="#ctx0" brushRef="#br0" timeOffset="23533">5180 9225 8702,'12'0'810,"-1"15"-720,0-11-90,-2 12 0,-3-1 89,-2 2-89,-1 1 0,-1 7-359,1-14-361,-2 9-1529,3-2 2249,0-5 0,0 0 0,0-5 0</inkml:trace>
+  <inkml:trace contextRef="#ctx0" brushRef="#br0" timeOffset="23699">5187 9000 8792,'0'-5'-270,"0"1"-899,19 2 89,-2 1 1080,5 16 0,7-12 0,-8 12 0</inkml:trace>
+  <inkml:trace contextRef="#ctx0" brushRef="#br0" timeOffset="24015">5578 9172 9512,'-21'9'359,"4"1"-359,-2 1 0,15-1 0,-28-1 0,29 0 0,-11-2 0,14 1 90,0 0-90,0-2 0,0 0 0,0-1-539,21 1 359,6-3 180,21 0 0,-11-3 0,-3 0 0,-12-17 360,-3 12 269,2-28-179,-7 20-360,-4-12-90,-24 14 90,10 22 0,-14 9-1080,18 19 1,0-2 989,0-7 0,0-1 0,0-8 0</inkml:trace>
+  <inkml:trace contextRef="#ctx0" brushRef="#br0" timeOffset="24173">5820 8928 9152,'-34'0'-630,"14"19"-89,-2-14 719,19 29 0,-5-10 0,8 17 0</inkml:trace>
+  <inkml:trace contextRef="#ctx0" brushRef="#br0" timeOffset="24332">6478 9258 10681,'9'2'-360,"-4"0"-629,-2 1-451,-3 0 1440,0 1 0,0-1 0,0 1 0</inkml:trace>
+  <inkml:trace contextRef="#ctx0" brushRef="#br0" timeOffset="24957">6417 9250 10321,'-13'-5'810,"2"0"-630,11 1-180,0 0 179,0-3-89,38-2 90,-11 0-180,16 1 0,4 1 90,9-1-323,-15 3 1,3 0 412,6 3 0,0 0-180,-10 1 0,2 1 0,5-1 0,6 1 0,-5-1-392,-2 1 0,0 0 392,7 0 0,6 0 0,-6 0-1349,-3 0 1,-2 0 1348,19 0 0,-2 0 45,-19 0 0,-3 0-649,1 0 1,-1 0 648,-2 6 0,1 0-860,10-5 1,0 0 409,-16 5 1,0 0-1530,14-6 0,-4 0 1934,-7 0 0,-3 0 0,-25 0 0</inkml:trace>
+  <inkml:trace contextRef="#ctx0" brushRef="#br0" timeOffset="26987">3138 8112 11760,'39'0'90,"-6"0"-90,-1 13 0,9 1 0,-6 1-180,10 6-719,-12-19-181,-1 20-89,2-15-90,-2 11 1259,0-6 0,-2-1 0,1-1 0</inkml:trace>
+  <inkml:trace contextRef="#ctx0" brushRef="#br0" timeOffset="27333">3505 7951 9062,'-6'-2'989,"0"-1"-719,6 2-180,0-1 450,0 0-450,13 2-90,2-1 0,12 16 180,-4-11-180,-5 12 90,5-2-90,-5 1 0,6 2 0,-6 6 0,-2-14 89,1 11-89,6 1 0,-7-5 90,3 15-90,-12-11 0,-2 9-1169,-5-3-540,0 2-540,-19 5 2249,15 2 0,-35 3 0,13 2 0</inkml:trace>
+  <inkml:trace contextRef="#ctx0" brushRef="#br0" timeOffset="28237">2980 7852 8792,'34'-16'810,"-3"-2"-721,-4-2-89,-3-15 180,14 6-180,-7-11 135,1 10 0,3 1-285,11-10 150,-2 3 0,2-2-666,-16 14 1,0 1 665,11-9 0,1 0 0,-11 7 0,0 1 0,3-1 0,0 0 0,0 0 0,0-1 0,2 0 0,0 0 45,0 0 0,1 1-45,-2-1 0,3 0 45,17-9 0,0 1-45,-15 9 0,0 0 0,4 0 0,4-2 0,-5 4-90,-6 3 0,-3 2-180,11-4 1,-2 0-451,8-1 90,-9 3-76,-8 5-283,-8 3 989,-8 5 0,-6 3 0,-6 2 0</inkml:trace>
+  <inkml:trace contextRef="#ctx0" brushRef="#br0" timeOffset="28587">4128 6745 9512,'-6'-2'179,"1"-1"-179,5 1-89,15-1 178,14-4-178,9 1 133,-4 0 1,2-1-45,13 0 0,6 1 0,2 2 540,-1 0-360,-7 1 0,-3 4 90,-15 14-180,1 10 0,-24 9-90,-23 23-90,10-16-1096,-17-12 0,-3 0-613,3 16 1799,-1-22 0,-2 0 0,-14 25 0,-2-1 0</inkml:trace>
+  <inkml:trace contextRef="#ctx0" brushRef="#br0" timeOffset="34467">9270 5833 8162,'-5'-6'360,"-1"0"-180,4 1 0,-1 0-90,2 1 0,0-1-90,-1 1 90,2 1 180,-2 1-270,1 1 0,-1 1 0,0-1 0,0 1 0,-1 0 0,2 0 0,-2 0-90,2 10 180,-1-7-90,1 6 0,-1-9 0,0 0 0,1 0 0</inkml:trace>
+  <inkml:trace contextRef="#ctx0" brushRef="#br0" timeOffset="35149">9153 5699 8702,'23'-7'450,"-6"0"-270,3-2-180,-16 0 0,33-2 90,-24 1 0,16 1 89,-10 1-89,2 3 540,1 2-630,-5 2 90,1 16 0,-12 8-90,-2 10 0,-4 2 90,-17-4-1169,-6 19 449,0-9-225,4-6 1,-1 0-1441,-5 6 2295,-1 11 0,-10-20 0,15 0 0</inkml:trace>
+  <inkml:trace contextRef="#ctx0" brushRef="#br0" timeOffset="35300">9308 6219 8792,'16'0'-630,"-4"0"-539,-4 0 1169,-3 0 0,-2 0 0,2 0 0</inkml:trace>
+  <inkml:trace contextRef="#ctx0" brushRef="#br0" timeOffset="35735">9872 5875 9961,'0'-6'1170,"0"1"-901,0 0-269,-18 3 90,13 1-90,-30 1 0,17 13 0,-13 6 0,15 17 0,5-4 90,11-1-359,0-6-541,0-2-989,25 8 720,9-9 1079,-3-8 0,2-3 0,20 0 0,1-1 0</inkml:trace>
+  <inkml:trace contextRef="#ctx0" brushRef="#br0" timeOffset="35950">10248 5682 10051,'-21'-13'810,"4"2"-810,17 2-90,-11 4 630,8 2-540,-8 17 0,11 7 0,0 27 89,17-7-1258,-13 25 270,28-23-1014,-28 13 834,11-17-468,-7-1 1547,-6 0 0,6-4 0,-8 0 0</inkml:trace>
+  <inkml:trace contextRef="#ctx0" brushRef="#br0" timeOffset="36105">10032 6002 8702,'0'-19'90,"0"2"-180,0-1 180,23-6-90,-17 7-720,39-11 181,-15 15-91,10 1-464,3 6 1094,-13 3 0,2 1 0,-1 2 0</inkml:trace>
+  <inkml:trace contextRef="#ctx0" brushRef="#br0" timeOffset="36387">10542 6009 9152,'0'10'629,"0"-1"-449,0-1-180,0-3 0,0-1 0,0-2 90,0 1-180,0 0 180,0 3 0,0-3 360,0 3-360,0-22-90,0-5-270,19-28 180,-14 11-540,13 8 1,4 0-91,-2-6-1102,4-13 563,7 19 1259,-27 4 0,25 3 0,-13 3 0</inkml:trace>
+  <inkml:trace contextRef="#ctx0" brushRef="#br0" timeOffset="36832">10915 6068 8522,'17'-28'630,"12"0"-360,-26 0-1,27-19-179,-13 7 135,-4 4 0,0 0-45,3-8 90,-10 7 0,-3 0 0,-3-6-91,0 8 1,0 2 0,0-1-180,-16-18 0,12 34 90,-11-5 0,4 39-180,8 14 270,-16 32-180,17-5-90,-5 6-90,7-28 0,0-2-539,0 19-2327,7-10 1,3 0 1066,11 4 1979,1 10 0,15-24 0,-12-3 0</inkml:trace>
+  <inkml:trace contextRef="#ctx0" brushRef="#br0" timeOffset="37269">11473 5871 11131,'43'0'-3418,"-18"10"3418,8-7 0,-28 16 0,13-8 0</inkml:trace>
+  <inkml:trace contextRef="#ctx0" brushRef="#br0" timeOffset="37415">11510 6238 9332,'0'8'359,"0"-1"-898,18-4-721,10-1 1260,10-2 0,4 0 0,-8 0 0</inkml:trace>
+  <inkml:trace contextRef="#ctx0" brushRef="#br0" timeOffset="37850">12278 5338 10411,'0'19'1079,"0"11"-989,0 17-733,0 5 643,0-5 0,0 3 0,0-12 0,0 2 0,0 20-1124,0-10 0,0 0-495,0 10 1619,0-24 0,0 0 0,0 11 0,0-3 0</inkml:trace>
+  <inkml:trace contextRef="#ctx0" brushRef="#br0" timeOffset="38089">12750 5520 12300,'0'43'90,"0"-7"-90,0 4 0,0-5 0,-13 4 90,9 3-540,-9 5-585,12-13 1,2 2-135,-1 19-270,0-9 0,0-1 1261,0 4 0,0 13 0,0-25 0</inkml:trace>
+  <inkml:trace contextRef="#ctx0" brushRef="#br0" timeOffset="38233">12400 5906 9242,'0'-23'-540,"0"2"90,24 1-269,-18 3-181,44 0 900,-28 2 0,28 4 0,-10 1 0</inkml:trace>
+  <inkml:trace contextRef="#ctx0" brushRef="#br0" timeOffset="38532">13072 5906 10051,'-25'6'360,"5"1"-360,7-1 0,10-1 0,-20 2 0,20-1 0,-16 3 0,17 0 90,-14 10-90,15-4 90,-6 19-90,7-13 90,17 7-90,-13-10 0,35-3 0,-34-2-90,40-3 90,-16-5-180,21-18 180,-10-10-90,-16-10 90,-12-2-180,-12 8-90,0-2-89,0 1-181,0 1-180,-24 2 1,18 3-451,-36 4 1170,38 4 0,-35 7 0,14 2 0</inkml:trace>
+  <inkml:trace contextRef="#ctx0" brushRef="#br0" timeOffset="39082">13332 5897 9062,'6'0'719,"-1"18"-719,-4 0 0,0 19 0,-1-10 0,0 2 0,0-5 0,0 0 180,0 16-180,0-16-90,0 13-899,0-28 629,12 0 270,-9-29 90,18 14 0,-18-38 0,16 25 0,-11-23 90,8 10 270,1-13-180,-4 14 0,6-6 0,-9 15-90,1 11 89,-5 2-179,-1 9 0,0 0 90,-2 0 0,2 21-90,-2-16 90,3 52-90,-3-34 0,-1 10 0,0 2 0,0-1 0,1 9 90,-2-18-90,1-3 180,-2-5 0,3-4-180,-2-6 0,3-4 0,-1-3 0,9-47 0,-2 21-45,1-14 0,0-1 45,4 5 0,6-19 180,-7 27-90,2-5-90,-5 24 90,3 0 0,-7 9-90,5 20-270,-6 4-1889,6 25 900,-6-11 1259,6-1 0,-2-10 0,2-3 0</inkml:trace>
+  <inkml:trace contextRef="#ctx0" brushRef="#br0" timeOffset="39382">13902 6041 10501,'0'-9'90,"0"1"0,0 2-90,17 0 0,2-3 90,2 1-90,8-6 0,-13 6-90,1-7 90,-5 6 0,-12-12-90,0 9 180,0-7 0,-20 4 90,15 4-90,-28 1 180,16 6-360,-10 19 180,11 8-90,6 10 0,10 2 0,0-7-990,19 3-629,-14-1-900,46 1 2250,-22-3 1,0-13-1,3-2 1,20 12-1</inkml:trace>
+  <inkml:trace contextRef="#ctx0" brushRef="#br0" timeOffset="39921">15117 5511 10411,'-26'-8'1259,"-12"0"-1079,14 5 0,-9 0 0,-4 3-180,11 18 90,-15 13-90,11 12 0,-9 9-45,22-16 0,2 0-228,-5 22 273,8-6 0,4 0-450,3 10-405,12-11 1,3-1-847,-6 4 1116,17-20 1,3-3-766,-2 6 1350,25-8 0,-7-6 0,1-4 0</inkml:trace>
+  <inkml:trace contextRef="#ctx0" brushRef="#br0" timeOffset="40167">15307 6002 10231,'-19'-11'720,"15"-3"-810,-35 11 180,22-2-90,-15 18 0,17 6 0,6 17 0,9 10 0,21-22 270,-15 14 89,30-35-359,-19 9 0,11-12-269,-13-21-901,-5-2 181,-28-23-360,14 14 1349,-34 1 0,33 20 0,-15 2 0</inkml:trace>
+  <inkml:trace contextRef="#ctx0" brushRef="#br0" timeOffset="40767">15508 5918 10051,'14'34'270,"-11"-5"-270,10-4 90,-13-4-90,0 0 0,0 1 0,0-2 90,6 0-90,-4-4 90,4-1-90,-6-4 0,0-3-1529,0-1 1349,0-21 180,0-7 0,0-14 0,0 1 90,0-6 0,16 10 90,-12-6 0,12 12 179,-5 13-269,-2 15-90,7 31-539,-6 0-181,-4 14-359,0-18-630,0-2 1709,3-1 0,2-6 0,0-1 0</inkml:trace>
+  <inkml:trace contextRef="#ctx0" brushRef="#br0" timeOffset="40982">16027 5685 10231,'5'-2'270,"0"20"-180,-2-13 0,3 50 0,-2-30-45,0 12 0,0 1-45,1 8-440,-1 15-280,0-17-179,-3 1-1,2-2-1751,-1 12 2651,0-16 0,-1 6 0,-1-18 0</inkml:trace>
+  <inkml:trace contextRef="#ctx0" brushRef="#br0" timeOffset="41271">15920 5914 8162,'14'-13'180,"-10"2"-180,29 6 0,-8 2 90,10 3-90,-1 0 0,-11 18 0,-1-13 0,0 29 0,-1-30 90,-4 34-180,0-21 90,-3 17 90,2 1-90,-5-11 810,2 12 179,-7-20-1079,-2 3 90,-1-14 0,-2-1 0,0-23 0,1 14-180,0-49-90,2 30-135,-1-11 1,0-1-226,1-1 630,0 2 0,0 1 0,1 3 0,3-12 0</inkml:trace>
+  <inkml:trace contextRef="#ctx0" brushRef="#br0" timeOffset="41615">16578 6029 10501,'-23'-14'270,"-10"11"-270,12-11 0,-13 14 0,1 0 90,7 35-90,11-5 0,7 21 0,8-17 0,0-12 90,0-2-90,22-10-450,-1 8-270,21-16 541,-10 8-91,-4-29 90,-13-3 90,-7-13 0,-8-8-90,0 15-540,0-14 181,0 20-1080,-17-2 1619,12 8 0,-13 8 0,18 0 0</inkml:trace>
+  <inkml:trace contextRef="#ctx0" brushRef="#br0" timeOffset="42148">16683 6074 9422,'9'0'90,"0"-19"179,5-7-269,-3-13 360,9-17-450,-7 18 180,-3 4 0,1 1-1647,0-8 1647,2-12 89,-8 17 95,-1 2-4,-2 2 90,0-10-360,-2 13-180,0-10 90,0 23 455,0 0-275,-14 12 0,10 21-90,-10 13 0,14 32 90,0-6-515,0-13 0,0 1 515,0 10-90,0-16 0,0-1-90,0 12-429,0 0 519,21-3 90,4 11-90,14-19-45,-14-12 0,1-3 45,9-5-359,28-3 179,-24-13 180,13-26 0,-7-10-270,-12-13 315,-11 13 0,-2 1-135,-1-12 90,-10 6 0,-3-2 1425,-2-6-1111,-10-3 1,-7 0-45,-12 3-180,4 5 0,-1 2-180,-2 11 0,-9-5 90,20 22 1222,-11 3-1222,13 24 90,-3 29-180,12 0 135,-1-2 0,-1 1-45,4 7-360,-1-5 1,2 0-451,17 8-359,-17-10 0,3 0-1328,32 3 2497,-32 8 0,31-23 0,-16-4 0</inkml:trace>
+  <inkml:trace contextRef="#ctx0" brushRef="#br0" timeOffset="42466">17313 6079 9781,'9'0'540,"-1"0"-450,0 0 90,7 0-90,-2 0 0,16-13-90,-8 10 90,14-20-90,-13 20 0,0-17 90,-8 17-180,-6-19 180,-4 13-90,-2-18-90,-2 11 540,-21-9-450,15 12-90,-43-3 90,31 11 90,-12 20-90,19 8 0,11 25-360,0-13-270,17 3-629,6-2 629,-2-8-989,31 8 630,-32-18 989,25-5 0,-20-8 0,-3-5 0</inkml:trace>
+  <inkml:trace contextRef="#ctx0" brushRef="#br0" timeOffset="42749">17688 6027 10231,'0'-24'90,"0"3"-180,0 28 180,0 9-90,0 27 0,0-8 0,0 2 0,0-11 0,15-1 0,-11-1 0,11-3 630,-4 2-181,-8-7-449,16-5-89,-13-32 89,6-33 0,-6-3 44,-1 9 1,0 2-134,5-4-361,2 3 0,3 1-180,5 4-225,-2 8 1,2 3-405,0 11 1259,7 1 0,-10 13 0,0 5 0</inkml:trace>
+  <inkml:trace contextRef="#ctx0" brushRef="#br0" timeOffset="43565">18513 5597 8972,'0'-11'540,"0"1"-181,21 1-179,-16 1-90,32 2-90,-33-1 180,27 5 90,-13 0-90,0 18-270,3-12 180,-19 30 0,6-17-90,-8 20 0,-17 13 0,-9-9 0,4-5 0,-1 0-444,-3 6 489,3-16 0,3 0-135,15 6 180,-29-5-195,30-4 105,-9-3 0,13-4 0,0-5-1889,17-3-360,11-6 2249,22-14 0,-7 8 0,1-10 0</inkml:trace>
+  <inkml:trace contextRef="#ctx0" brushRef="#br0" timeOffset="43783">18448 5667 10321,'17'0'2069,"-15"16"-2069,35-11 0,-12 26 90,11-8-90,12 21 0,-16-4-3160,-6-10 0,-1 0 1451,6 11-990,6 14 2827,-14-13 0,-3 2 1,-2 1-1</inkml:trace>
+  <inkml:trace contextRef="#ctx0" brushRef="#br0" timeOffset="44571">19327 5772 10321,'0'-13'1079,"0"2"-1079,0 5 0,0 1 0,-17 3 0,1 1 0,-12 21 90,2 8-90,8 12-651,-1 1 651,12-7 0,3-1 90,4 14-180,0-14 269,0 7-538,23-18-271,2-4 180,23-9 450,-3-2 0,-21-30 562,10 17-562,-22-49 90,4 36 0,-7-28 450,-9 9-270,0 9-90,-17-13-180,13 22 359,-13-3-269,4 16-90,10 22 0,-9 12 0,12 13-270,17 12-719,-13-18-1152,13 11 612,1-16 1455,-14-1 0,33-3 0,-14-3 0</inkml:trace>
+  <inkml:trace contextRef="#ctx0" brushRef="#br0" timeOffset="44798">19768 5872 10591,'-36'-8'1709,"-1"2"-1709,-2 6 90,17 15-180,-9-12 180,27 28-180,-17-16 90,19 17 90,-6-5-90,8 3-180,0 0-450,26 0-1348,15 8 1078,15-14-1117,-12-11 1,0-4 2016,16-2 0,-19-7 0,-1 0 0,18 0 0</inkml:trace>
+  <inkml:trace contextRef="#ctx0" brushRef="#br0" timeOffset="45005">20267 5587 10591,'-20'-22'809,"16"3"-809,-27 3 360,28 6-360,-16 22 0,17 14 0,-6 13 90,8 6-90,-4-7 0,3 4-629,-2 21-1,3-15-90,0-8 1,0-2-181,0 5-1348,0 20 2248,0-33 0,0 5 0,0-16 0</inkml:trace>
+  <inkml:trace contextRef="#ctx0" brushRef="#br0" timeOffset="45133">20038 5871 8972,'0'-21'-90,"19"0"-360,-15 1-719,53-5 89,-34 7 1080,32-2 0,-23 10 0,0 1 0</inkml:trace>
+  <inkml:trace contextRef="#ctx0" brushRef="#br0" timeOffset="45303">20525 5956 8882,'0'17'90,"0"0"-180,0 1 180,0-3-90,0 6 90,0-6-180,0 11-450,0-10-269,0 3-271,0-5 1080,0-4 0,0-1 0,0-3 0</inkml:trace>
+  <inkml:trace contextRef="#ctx0" brushRef="#br0" timeOffset="45466">20457 5629 9602,'-6'-2'-877,"2"13"0,4-8 0,0 10 0</inkml:trace>
+  <inkml:trace contextRef="#ctx0" brushRef="#br0" timeOffset="45766">20843 5864 9691,'-50'0'540,"-4"0"-540,8 0 90,17 13-90,-7-9 0,32 30 0,-12-16 0,16 18 0,0-6 90,0 0-90,0 0 0,21 0 90,10 5-90,11-10-90,-11-10 0,-1-2 0,7-5 0,11-1-90,-20-7 90,-1 0 0,-6-18 0,-3-6 1,-9-11-451,-3-13 270,-6 17-989,-22-21-91,-8 23 1139,3-6 1,-22 16-1,18 1 1</inkml:trace>
+  <inkml:trace contextRef="#ctx0" brushRef="#br0" timeOffset="46115">21013 5931 8972,'5'7'450,"1"1"-181,-2 2-269,2 0 0,-2 2 0,0 6 0,0-2 90,0 13 0,-2-12-90,-1 4 90,-1-10-90,0-2 0,0-4-899,0-1 899,0-24 0,0-4 0,0-15-90,17 3 270,-12 6 0,12 0 0,3 0 359,-15 4 91,27 3-540,-17 2 0,10 11-90,-4 2 90,-1 31-270,-9-17-989,1 44-451,-5-28 1620,-3 25 0,3-9 0,-1 2 0</inkml:trace>
+  <inkml:trace contextRef="#ctx0" brushRef="#br0" timeOffset="46417">21505 5935 10501,'40'0'90,"3"13"-270,0-10-719,-6 9-271,-2-3 1170,-5-7 0,-8 16 0,3-6 0</inkml:trace>
+  <inkml:trace contextRef="#ctx0" brushRef="#br0" timeOffset="46566">21532 6286 10321,'46'0'-1012,"7"-13"0,-10 10 0,3-10 0</inkml:trace>
+  <inkml:trace contextRef="#ctx0" brushRef="#br0" timeOffset="47439">22548 5917 9062,'-34'0'0,"5"0"0,15 12 180,-2-9-180,14 19 0,-4-15 0,20 3 0,-10 0 0,11-7 1889,-4 1-1440,-8-12-4406,14 6 3957,-16 7 0,5-1 0,-6 10 0</inkml:trace>
+  <inkml:trace contextRef="#ctx0" brushRef="#br0" timeOffset="47919">22573 5956 9512,'-18'13'989,"-15"-10"-899,29 19 90,-31-20 0,21 18-180,-16-10 0,-2 21 0,8-8 0,-6 12-90,13-10 180,2 1-90,5-2 0,3 8 90,4-11 0,2 6-90,22-17 0,6-2 0,24-23-180,3-13 180,-10-9-135,-17 8 0,-1-2 45,1-12 135,-8 4 0,-2-1-135,-1-13-633,-8 19 0,-1 0 723,-2-16 0,-2-1 0,-3 0 225,0 16 0,0 0-135,0-16 135,-8 12 0,-1 2-225,5 1-90,-24-9 0,25 29 359,-9 2-269,12 26 90,0 15-90,0 9 0,0-2 0,0 0 0,0 15 0,0-3 0,0 0-568,0 13 568,0-21 0,0 0-900,0 14-269,19-4-180,-15-1-630,15-6 1979,-2-1 0,-13-8 0,13-1 0</inkml:trace>
+  <inkml:trace contextRef="#ctx0" brushRef="#br0" timeOffset="48248">22885 6171 11400,'6'0'90,"7"0"-90,-2-16 0,12-1 90,-8-2-90,10-9 0,-11 7 0,3-17 0,-10 6-90,-3-17 0,-22 24 90,-1-20-89,-3 28 89,-5-1 0,13 12 0,-2 21 0,5 11 89,11 9-89,0 3-449,24 6-271,-18-11-1077,42 10 718,-28-18-361,24-3 1440,-9-4 0,2-8 0,3-4 0</inkml:trace>
+  <inkml:trace contextRef="#ctx0" brushRef="#br0" timeOffset="48487">23450 5674 10231,'-24'-20'810,"-6"3"-990,27 4 270,-8 5 629,0 3-719,9 24 0,-9 11 90,28 15-90,-12 4-430,26-7 430,-27 3-90,10-10 0,3 0-360,5 19-270,-4-10 1,2-2 89,9 3-225,-13-7 1,-3-2 45,-4-6 809,1 12 0,-30-34 0,-5 0 0</inkml:trace>
+  <inkml:trace contextRef="#ctx0" brushRef="#br0" timeOffset="48615">23300 6125 8972,'-23'-29'450,"1"-14"-360,10 12-90,2-20 0,10 25-270,25-11-180,14 17-180,13 2 0,-10 11 1,1 2-360,12 1 622,-17 1 0,0 1 0,15 1 1,-3 1-1</inkml:trace>
+  <inkml:trace contextRef="#ctx0" brushRef="#br0" timeOffset="49115">23915 5921 9781,'-22'8'540,"16"2"-630,-36-9 180,37 5-180,-36-4 90,36 3 0,-34-1 0,34 3 0,-30 1 0,31 1 90,-20 4-90,22 7 0,-6-1 90,31 22-90,-18-20-180,41 16 0,-18-24-90,24 2 270,-11-12 0,-2 0 0,-14-3-90,-2-15 180,-4 12-90,-2-28 180,-5 4 270,-5-18-270,-3 5 180,-4-5-450,-16 21-90,12-3 270,-12 12-180,16 23 270,0 4-180,14 24 0,8-2 0,19 3 0,-6-18 90,11 2-90,-20-20 0,13 6 90,-21-7 0,4 0 179,-12-17 91,-1 13-90,-3-29 180,0 15-450,-3-1 0,-1-8 0,-1 17 0,-1 12-990,0 15 181,0 27-1350,17 5 720,-13-11 1439,13-3 0,-3-17 0,4 0 0</inkml:trace>
+  <inkml:trace contextRef="#ctx0" brushRef="#br0" timeOffset="49282">24297 5671 9781,'-6'-12'-1619,"4"2"720,-4 25-613,23-12 1512,-13 37 0,12-24 0,-16 19 0</inkml:trace>
+  <inkml:trace contextRef="#ctx0" brushRef="#br0" timeOffset="49582">24573 6055 9691,'9'0'360,"3"-17"-270,-5-9 360,7-25-360,-6 7 270,4-18-270,-7 23-942,-1-12 852,-3 15 180,-1 0 248,0 2 21,0-14-89,0 13-360,-16-16 0,12 26 90,-13-5-90,17 43 784,0 13-784,0 22 45,0-10 0,0 0-135,0 14 90,0-4 0,0 1-1075,0 11-50,0-9 1,0-1-135,0 6 1259,7-12 0,5-2 0,13-2 0,-3-15 0,1 1 0</inkml:trace>
+  <inkml:trace contextRef="#ctx0" brushRef="#br0" timeOffset="49715">24990 6152 10951,'8'0'0,"-1"0"0,-4 0 90,-1 0-720,1 0-1079,-1 12 1709,2-9 0,-1 8 0,0-11 0</inkml:trace>
+  <inkml:trace contextRef="#ctx0" brushRef="#br0" timeOffset="52865">25113 5759 8972,'-8'-11'899,"0"-3"-629,2 12 0,0-9-180,2 7-180,-1-5 90,2 4 0,2 0 0,1 2 0,0-1 0,0 1 0,17 0 0,-13 0 0,35 0 0,-19 1 90,20 1-90,12 0 0,-15 1 0,14 0 90,-23 0 180,0 17-90,-8-13 0,-1 31-180,-11-13 90,-1 13-90,-32-1 0,19-4-487,-50 2 487,29 4 0,-9-11 0,-2 1-90,-8 14 90,11-11 0,3 0 90,9 0-429,-15 10-21,35-22-270,-9 1-899,12-9-629,25-5 2158,9-1 0,15-3 0,0 0 0</inkml:trace>
+  <inkml:trace contextRef="#ctx0" brushRef="#br0" timeOffset="53098">25105 5889 8792,'-6'-8'540,"5"2"-360,-5-1-1,6 3 451,0-3-90,17 4-450,4-1-90,19 18 90,1 7 0,-8 10-90,-10-6 0,-2 1 90,6 12-1260,-2-1 1,0 3-2110,5 11 3279,-9-16 0,0 0 0,8 17 0,2 0 0</inkml:trace>
+  <inkml:trace contextRef="#ctx0" brushRef="#br0" timeOffset="53899">25950 5765 10141,'0'-13'900,"0"3"-900,0 2 719,0 3-719,12 2 0,-9 56 90,18-26-394,-19 8 0,-1 2-685,13-3-1170,-9 17 720,2-10 1439,-1 10 0,-2-18 0,-1-1 0</inkml:trace>
+  <inkml:trace contextRef="#ctx0" brushRef="#br0" timeOffset="54083">26022 5567 9422,'0'-5'-2429,"0"0"2429,0 18 0,14-10 0,5 11 0</inkml:trace>
+  <inkml:trace contextRef="#ctx0" brushRef="#br0" timeOffset="54587">26467 5962 8792,'-21'19'90,"16"1"-90,-38 1-90,37 0 90,-32-2 0,34 2 540,-23 5-450,24-6-90,-7 1 90,10-9-90,0-6 90,22-1-90,8-4 0,13-16 0,-11 2 0,-2-2 0,9-21-253,-12 15 1,-1-1 252,9-14 0,-1-4-90,-4 0 270,-4-3 0,-6 0 180,-5-2 449,-8-20-269,-3 17-270,-4 9 0,0 1 0,0-1-270,-19-14-90,14 32 90,-14 0 90,5 14-90,2 28 0,-4 26-90,8 5 135,7-7 0,2 0-716,-1 6 356,-2-17 0,4 0-314,17 14-451,-14-1-179,29 0 1259,-16 16 0,1-16 0,-4 11 0</inkml:trace>
+  <inkml:trace contextRef="#ctx0" brushRef="#br0" timeOffset="55021">27107 5904 10501,'0'-5'630,"0"1"-630,18 1 0,-13 0 0,29 0-90,-9-2-900,8 4-269,3-1-540,-8 2 1799,-2 0 0,0 0 0,-2 0 0</inkml:trace>
+  <inkml:trace contextRef="#ctx0" brushRef="#br0" timeOffset="55182">27128 6265 9062,'21'3'270,"8"0"-1170,12-3-539,1 0 1439,-5 0 0,1 0 0,3 0 0</inkml:trace>
+  <inkml:trace contextRef="#ctx0" brushRef="#br0" timeOffset="55715">28060 6037 9961,'0'-39'1350,"16"6"-1261,-13-4 91,13 6 0,0-17 90,-2 11-1527,5-12 1527,-10 16-122,-9 0 32,0 5 326,0 0-506,0 4 0,0 3 0,0 1 721,0 7-721,0 3 422,-11 7-512,8 23 180,-8 8-180,11 12 90,0 4 0,0-8-990,0 23 271,0-13-181,0-6 1,0 0 89,0 5 0,0-7 1,0-1-1,0 4 810,0 10 0,0-18 0,0-1 0</inkml:trace>
+  <inkml:trace contextRef="#ctx0" brushRef="#br0" timeOffset="55837">28012 6332 9332,'-11'9'1349,"9"2"-719,-9-6-271,11 1-269,17-5-90,17-1-90,29 0-899,-1-15 314,-28 13 1,1 1 674,2-7 0,-1 1 0,19 7 0,-20 0 0,1 0 0</inkml:trace>
+  <inkml:trace contextRef="#ctx0" brushRef="#br0" timeOffset="55966">28695 6339 9691,'20'0'-2158,"-5"0"2158,4 0 0,-9 0 0,-2 0 0</inkml:trace>
+  <inkml:trace contextRef="#ctx0" brushRef="#br0" timeOffset="80515">8102 3146 9422,'0'-9'1259,"0"0"-629,0 2-271,0-1-179,-12 0-90,9 1 0,-9 2-90,12 1 0,-10 3 0,1 0 0,-9 19 90,7-14-90,1 31 0,4-19 0,2 17 0,2-5 90,2 15-180,0-10 90,17 21-360,3-25-1439,21 18 900,-21-24-1170,33 8 2069,-34-18 0,29-2 0,-21-8 0</inkml:trace>
+  <inkml:trace contextRef="#ctx0" brushRef="#br0" timeOffset="80733">8507 3069 9602,'0'-8'899,"0"1"-809,-17 4 270,13-1-270,-24 4 269,25 14-269,-18 5-180,12 22 180,-2-7-180,5 2 90,6-8 0,0-1-89,0 12-631,0-9-1079,0 17 899,17-21 900,-13 13 0,25-19 0,-12 5 0</inkml:trace>
+  <inkml:trace contextRef="#ctx0" brushRef="#br0" timeOffset="80916">8298 3321 9332,'0'-5'180,"0"-1"-90,23 2-1,10-6-178,13 0-811,-10 2 1,-1 0-631,13-3 1397,-14 5 0,-1 1 0,15-2 0,0 1 0</inkml:trace>
+  <inkml:trace contextRef="#ctx0" brushRef="#br0" timeOffset="81585">8805 3294 11041,'-12'-4'539,"2"1"-539,10 18 0,0 2 90,13 2-90,-10 13 90,10-17-90,-13 16 0,0-6 180,0 9-90,0-8 0,0 14 90,0-19 90,0 6-90,0-15-180,-14-1-90,11-6 90,-10-23 0,13-8 0,0-13-180,0-1-90,0 9-180,17-2-179,-13 1-1620,29-10 1080,-10 12 1169,14-9 0,-5 23 0,-5-1 0</inkml:trace>
+  <inkml:trace contextRef="#ctx0" brushRef="#br0" timeOffset="81949">9223 3523 9152,'7'0'450,"0"0"-361,-1-14-89,1 11 0,0-30 0,2 29 0,1-37 0,1 24 90,1-21-90,0 10 0,-3 0 0,2-15 90,-4 11-90,-1-10 180,-4 15 0,-1 1 0,-1 0 180,0-4-90,0 10-270,-15-4 0,11 16 449,-21 2-269,22 25 0,-15 6-90,16 28-90,-6-12 0,8 19 0,18-25-360,-10 0 1,4 0-631,31 0-269,-21-4 0,0-1-630,19-5 1889,1 5 0,-10-12 0,-1-2 0</inkml:trace>
+  <inkml:trace contextRef="#ctx0" brushRef="#br0" timeOffset="82219">9828 3405 9691,'19'-5'900,"-15"1"-810,34 1-180,-20 0 180,14 0-90,-5 2 0,-5 0-90,0 1-1889,12 0 900,-10 0 1079,16 0 0,-19 15 0,3 4 0</inkml:trace>
+  <inkml:trace contextRef="#ctx0" brushRef="#br0" timeOffset="82367">9958 3607 9781,'-11'7'1260,"2"-4"-1170,9 1-630,20-3-899,4 0-270,13-14 1709,1 9 0,-4-9 0,2 13 0</inkml:trace>
+  <inkml:trace contextRef="#ctx0" brushRef="#br0" timeOffset="82919">10585 3031 10951,'0'44'90,"0"-6"0,0 6-90,0-6 0,0 25 180,14-13-585,-12-6 0,0 1-1745,12 7 1071,-14 13 1079,10-7 0,1-19 0,9 10 0</inkml:trace>
+  <inkml:trace contextRef="#ctx0" brushRef="#br0" timeOffset="83139">10955 3063 10951,'0'39'90,"0"-5"0,0 7-90,0 13 180,0-11-900,0-5 0,0 0-720,0 6 271,0 11-271,0-20 1440,0-4 0,0-3 0,0-1 0</inkml:trace>
+  <inkml:trace contextRef="#ctx0" brushRef="#br0" timeOffset="83283">10678 3459 8792,'0'-15'-540,"22"6"91,-17-1-451,41 7 900,-40-4 0,50 5 0,-17-1 0</inkml:trace>
+  <inkml:trace contextRef="#ctx0" brushRef="#br0" timeOffset="83567">11315 3456 9512,'-21'7'179,"-15"0"-179,32 0 0,-32 7-89,18-3 178,-9 11 1,11-7-90,9 7 0,7 1 0,21-6 90,10 9-90,11-14 90,19 2 0,-24-10-90,0-1 0,-3-4 90,-11-18-450,22 1-719,-42-21 359,-11 3 720,-17 6 0,1-1 0,4 7 0</inkml:trace>
+  <inkml:trace contextRef="#ctx0" brushRef="#br0" timeOffset="84155">11673 3410 8882,'0'17'450,"0"-5"-450,0 3 0,0-4 0,0 4 0,0 0 90,0 2-90,0-1 0,-10 1 0,7-2 0,-7 0 90,10-4-90,0-1-630,0-2 360,0-19 270,0-5-90,19-35 90,-14 16 0,31-14 90,-23 34 90,6-8 90,1 21-90,-12-7-180,3 24 270,1 8-270,-9-4 0,5 24 0,-6-25 0,0 21 0,-1-11 0,0 7 0,1-10 179,2 3-89,-1-13-180,1-7 90,-2-2-89,0-6-1,4 0 0,-2-19 90,10-4 0,-5-1-90,12-25 90,-9 33 270,9-28-181,-11 32 1,7-7-90,-8 18 0,2-5 90,-2 6 0,-2 0-90,2 16 90,4 4-90,-3 1-629,6 27-271,-7-28-1439,6 35 2339,-6-31 0,2 5 0,-3-12 0</inkml:trace>
+  <inkml:trace contextRef="#ctx0" brushRef="#br0" timeOffset="84449">12147 3663 9691,'10'-4'180,"0"3"-180,9-11 0,-5 7 90,16-10 0,-14 7 0,12-6-90,-17 6 0,3-2 0,-11 2 0,0 0 0,-3-1 0,0-6 0,-19 6 180,-1-7 0,-3 11-90,-11-1 0,14 5-90,-14 21 0,15 3 180,6 21-180,13-10-2069,28 8 540,-7-18 1462,30 4 0,-10-11 0,5-2 0</inkml:trace>
+  <inkml:trace contextRef="#ctx0" brushRef="#br0" timeOffset="84835">12905 3160 10411,'-8'-16'900,"0"3"-541,-2 1-179,-1 4 90,-11 2-180,2 3 0,-19 16-90,10-9 0,-11 39 90,-2 3-135,26-18 0,2 4 45,-8 16 0,3 0-232,3 14 232,8-11 0,2 0-270,3 6-1080,25-6 1,8-2 0,0-5 1349,17-8 0,5-5 0,0-11 0,-16-10 0,0 1 0</inkml:trace>
+  <inkml:trace contextRef="#ctx0" brushRef="#br0" timeOffset="85115">13110 3646 9512,'-45'0'0,"4"0"0,8 13 0,15 2 90,1 0-1,15 9-178,-4-7 89,23 10 0,-13 0 179,29-13-89,-29 1-180,25-14-449,-26-11-271,9-10 270,-12-17-1528,-19 1 2068,0 14 0,-4-6 0,9 13 0</inkml:trace>
+  <inkml:trace contextRef="#ctx0" brushRef="#br0" timeOffset="85519">13332 3649 9691,'0'32'0,"0"2"0,0-5 90,0-1 0,0-9-90,0-1 0,0-2 0,0 1 0,0-5 90,0 0-180,0-8 0,9-2 90,-6-15 0,14 9 0,-8-28 0,5 6 180,3-20 90,-7 8-90,2 3 90,-4 15-360,-4 1 180,2 10-90,-3 0 0,0 9 0,0 15 90,0-11 0,-1 28-180,1-28-90,0 32-630,2-21 181,0 16-271,2-9 900,9-2 0,-2 2 0,6 0 0</inkml:trace>
+  <inkml:trace contextRef="#ctx0" brushRef="#br0" timeOffset="85733">13775 3391 10231,'0'-8'630,"0"21"-630,0 11 90,0 11-90,0 4 90,0-8-90,0 4 0,0-1-540,0 0-989,0 12 629,13-13 900,-10 16 0,9-24 0,-12 5 0</inkml:trace>
+  <inkml:trace contextRef="#ctx0" brushRef="#br0" timeOffset="86049">13627 3564 7803,'19'-15'629,"11"2"-539,-27 2 0,27 2 0,-26 3 0,28 3-90,-12 1 0,11 2 0,-5 16 0,-6-12 0,-2 25 0,6-7 0,-8-4 0,8 28 0,-14-30 0,1 21 90,-5-19 450,-3-3-1,2-1 91,-1-2-630,0-6-90,-2 0 180,0-23-180,-1-4-270,-1-22-179,0 10-91,0-1-90,0 13-89,0 0 809,0 4 0,0-2 0,0 2 0</inkml:trace>
+  <inkml:trace contextRef="#ctx0" brushRef="#br0" timeOffset="86366">14248 3624 10501,'-21'-12'450,"-15"9"-540,15-10 180,-14 13-180,6 0 90,13 14 180,6 7-180,10 15 0,0 0 0,15-14 0,-11 7 90,24-26 0,-24 20-180,23-21-270,-9 6-90,9-8-180,-4-14-269,-11-6-270,-5-16 1169,-7-2 0,0 0 0,0 1 0</inkml:trace>
+  <inkml:trace contextRef="#ctx0" brushRef="#br0" timeOffset="86949">14325 3582 9512,'0'-30'90,"0"-4"-90,0 8 0,17-2 0,-13-5 0,13 7 0,-17-24 0,0 21 0,0-11 0,0 11 179,0 2 91,0-1-180,0-4-180,0 9 180,0-2 0,0 34-90,0 30 90,-9 7-90,7-2 0,1-1 0,-8 5 0,8-6 0,2-1 0,-1 6 45,7-11 0,2 0-45,-5 0-180,33 7 450,-15-14-180,2-12-180,22 2 0,-29-14 0,24-2 90,-21-3-90,0-18 0,-3 13 0,-3-33-90,-2 20 180,-4-17 0,-3-13 0,-2 12 90,-3-30 180,0 28 0,-18-22-270,13 30-90,-13-4 0,2 19 90,12 2 180,-11 7-90,15 23-90,0 12 0,0 31 90,0-9-90,0 5-540,0 3-359,16-14-46,-15-9 1,2-1 944,26 4 0,-26 6 0,10-18 0</inkml:trace>
+  <inkml:trace contextRef="#ctx0" brushRef="#br0" timeOffset="87317">14838 3709 8162,'0'-5'90,"0"-1"-90,23 3 90,-17-1-90,32 0 0,-34-2-90,27 0 180,-27-1-90,25-1 270,-25-1-90,18-7-90,-20 2 180,7-10 0,-9 8 89,0-8-179,-18 11-270,14-1 180,-30 7 270,20 3-360,-4 21 90,8 4 0,10 23-90,0-13 0,0 0-899,17-2 269,-12-9-809,27 8 719,-12-19 720,16 7 0,-15-14 0,-4 3 0</inkml:trace>
+  <inkml:trace contextRef="#ctx0" brushRef="#br0" timeOffset="87599">15135 3606 9961,'0'-16'990,"14"19"-990,-10 9 0,22 19 90,-23-1-180,21-12 270,-21 8 359,17-16-269,-18 8-180,11-9-180,-12-21 90,2-10 0,-3-23 0,0 10 0,0-6 0,19 13-360,-15-2-269,29 4-451,-29 0-89,28 4-270,-27 3 1439,30 3 0,-21 5 0,15 2 0</inkml:trace>
+  <inkml:trace contextRef="#ctx0" brushRef="#br0" timeOffset="88166">16210 3187 8072,'25'-3'450,"0"3"-270,-3-2 270,-1 2-270,-4 0 0,-2 0-1,-6 20 1,-3 2 90,-23 26 0,12-9-698,-43 6 428,23-11 0,-26 3 0,11-2 0,2-1 0,3-2 0,16-4 90,-11 4-180,26-11-629,-12 3 179,40-16-629,16-3 539,13-5 630,-12-7 0,0-5 0,10-11 0,-17 2 0,0 1 0</inkml:trace>
+  <inkml:trace contextRef="#ctx0" brushRef="#br0" timeOffset="88382">16162 3280 9422,'-14'14'2518,"26"-11"-2518,-6 23 180,40-23-270,-10 36 180,11-19-918,-21 1 0,0 1 828,13 8-90,0 1-899,1 2-541,-13-9 1,1 1 1514,13 14 1,-15-14-1,-2-1 1,8 11 0</inkml:trace>
+  <inkml:trace contextRef="#ctx0" brushRef="#br0" timeOffset="89065">17565 3251 10051,'0'-8'900,"-19"2"-900,15 0 0,-15 2 270,3 1 269,1 1-539,-18 1 0,19 23 0,-10-17 0,10 52 0,-4-35-480,4 32 390,10-25 90,1 1 90,3-2-90,0-2 0,0-4 0,21-4 90,-16 0-90,37-10-90,-22 0 0,13-29 660,-16-3-480,-8-24-90,-9 4 0,0 10-90,-14 2 0,10 42-989,-10 21 359,14 14-269,15 8 179,-11-22-359,23-3 1169,-24-4 0,28-3 0,-9-2 0</inkml:trace>
+  <inkml:trace contextRef="#ctx0" brushRef="#br0" timeOffset="89265">17802 3440 9871,'-20'-14'1350,"0"-2"-1260,-22 15-90,4-5 0,15 21 0,-8-11 0,27 29 0,-17-29 89,20 46-89,-6-32-1169,29 38 270,-16-32-1,22-8 1,5-1-451,-7 2 1350,34-8 0,-23-1 0,3-8 0</inkml:trace>
+  <inkml:trace contextRef="#ctx0" brushRef="#br0" timeOffset="89466">18138 3182 10051,'0'-5'1170,"-14"2"-1170,11 19 90,-19 9-90,19 12 0,-5 3 89,8-5-178,0 2-181,0 20-450,0-13-180,0-8 1,0-1-90,0 4-271,0 9 1260,12-22 0,-9-4 0,9-3 0</inkml:trace>
+  <inkml:trace contextRef="#ctx0" brushRef="#br0" timeOffset="89599">17945 3522 8702,'0'-16'-90,"0"1"-270,16 1-629,12-3 179,-6 4 810,30 0 0,-31 5 0,25 2 0</inkml:trace>
+  <inkml:trace contextRef="#ctx0" brushRef="#br0" timeOffset="89782">18473 3542 9152,'0'9'270,"0"2"-270,0 0 0,0 0 0,0-2 90,0 0-180,0 0 180,0 2-180,0 1 180,0 0-180,0 1-360,0-1-989,0 5 359,0-7 1080,0 4 0,14-9 0,4 0 0</inkml:trace>
+  <inkml:trace contextRef="#ctx0" brushRef="#br0" timeOffset="89949">18382 3259 9152,'0'-4'-810,"17"17"1,-13-10-1,13 12 1</inkml:trace>
+  <inkml:trace contextRef="#ctx0" brushRef="#br0" timeOffset="90249">18793 3447 10051,'-31'0'540,"13"16"-630,-5-11 90,20 29 0,-8-19 0,11 15 90,0-7 0,0 7-90,15-7 90,3 6 0,15-13-180,0-4 90,-1-6-90,-13-25 0,2 14-90,-19-32-90,6 21 90,-8-18-539,0-9 179,0 12-764,-19 2 0,-2 0 1304,10 3 0,-43-3 0,36 22 0</inkml:trace>
+  <inkml:trace contextRef="#ctx0" brushRef="#br0" timeOffset="90599">19008 3484 9062,'0'6'360,"0"-1"-450,0 2 180,0-1-90,0 2 0,0 2 90,0 9-180,14-4 180,-10 12-90,10-11 0,-1 6-180,-10-9 270,17-2-360,-18-5 270,11-4 0,-6-16 90,9-8 270,-4 2 449,14-33-629,-9 32 0,8-26-90,-9 25 539,-2 10-539,-1-5 0,-2 15-90,-1-8 0,-2 10 0,2 20 90,-5-15-1439,5 50-450,-7-31 1799,0 10 0,0 1 0,0 2 0,1 12 0</inkml:trace>
+  <inkml:trace contextRef="#ctx0" brushRef="#br0" timeOffset="91599">19767 3589 11041,'16'13'270,"-13"5"-1620,29-17 361,-8 12-91,6-12-449,3 10 1529,-11-8 0,-1 4 0,-1-3 0</inkml:trace>
+  <inkml:trace contextRef="#ctx0" brushRef="#br0" timeOffset="91749">19773 3785 10591,'0'6'899,"0"1"-899,0-1 0,28-1 90,7-2-180,17-2-2474,-6-1 1,-1 0 2563,6 0 0,-10 0 0,-2 0 0,1 0 0</inkml:trace>
+  <inkml:trace contextRef="#ctx0" brushRef="#br0" timeOffset="92853">9513 2511 9781,'13'-3'1889,"-1"15"-1889,12 2 0,-6 3 90,-1 8-90,-2-13-270,1 14-629,1-5-180,0 1-91,2-1 1,-1 0 1169,3-3 0,-1-3 0,2-1 0</inkml:trace>
+  <inkml:trace contextRef="#ctx0" brushRef="#br0" timeOffset="93023">9890 2511 9691,'-45'0'270,"9"0"-270,3 0 0,7 18 0,-5-13-539,-3 38-721,-2-19-808,-4 26 1809,2-7 1,-4 6 0,1 2 0</inkml:trace>
+  <inkml:trace contextRef="#ctx0" brushRef="#br0" timeOffset="98182">20757 3543 10051,'0'-4'900,"0"1"-900,-16 2-90,2 1 90,-15 0 90,4 34-90,6-7 0,4 12 0,10-3 90,3-23-2159,2 22 540,18-15 1529,-13 4 0,36-9 0,-14-1 0</inkml:trace>
+  <inkml:trace contextRef="#ctx0" brushRef="#br0" timeOffset="98499">21193 3642 9422,'-40'0'719,"2"14"-629,9-11-90,13 22 90,0-13-90,15 13 0,-5-8 0,6 2 0,0-6 0,20 0 90,-14-2-180,30-1 270,-32-3-180,29-2 90,-28-3 180,29-1-270,-15 0 0,13-14 90,-9 10-540,-11-27-809,-6 14 629,-6-14-269,-17 15 899,13-6 0,-12 13 0,16-9 0</inkml:trace>
+  <inkml:trace contextRef="#ctx0" brushRef="#br0" timeOffset="98883">21538 3593 9332,'0'30'270,"0"-3"-270,0-4 0,0-4 0,0-2 0,0-1 0,0 2 0,0-3 0,0 0 89,0-2 91,0-3-90,0-1-90,0-4-90,0-16 90,0-7 0,0-22 0,0 9-180,19-14 180,-15 20 0,28-4 90,-29 10 180,26 10-180,-16 1-90,11 26 0,-9-13 90,2 30 0,-2-10-90,3 9-540,-5 2-359,0-8-450,1 0 1349,1-1 0,3-2 0,0-1 0</inkml:trace>
+  <inkml:trace contextRef="#ctx0" brushRef="#br0" timeOffset="99115">22172 3530 10411,'-13'39'90,"-4"6"90,16-9-180,-5 4 0,6-9-90,0 1-630,0 0-89,0-1-900,0 11 450,0-11 1259,0 6 0,0-14 0,0-3 0</inkml:trace>
+  <inkml:trace contextRef="#ctx0" brushRef="#br0" timeOffset="99265">21915 3799 8702,'0'-16'180,"0"0"-180,20-4 0,7 5-270,13-2-270,1 8-179,-8 4-361,2 2 1080,1 2 0,0-1 0,1 2 0</inkml:trace>
+  <inkml:trace contextRef="#ctx0" brushRef="#br0" timeOffset="99623">22493 3790 9152,'-25'10'360,"-9"4"-360,16-4 0,-9 11 0,11-5 0,6 5 90,10-6-90,0-1 89,0 1-89,0-1 0,0-1 90,0-3-449,17 0-91,-13-4 360,32-1 90,-19-20 0,16-5 270,-11-30-90,-10 15 90,-4-13-270,-8 22 89,3 7 91,1 8-270,1 11 90,-1 18 90,-1-13 90,5 30-719,-3-11-1620,10 16 2159,-4-9 0,6-11 0,-2-12 0</inkml:trace>
+  <inkml:trace contextRef="#ctx0" brushRef="#br0" timeOffset="99849">22902 3736 9781,'-35'0'1530,"4"16"-1530,6 1 0,11 17 0,7-2 0,7-4 0,0-2 0,19-8-630,-15-1 0,35-1-179,-33-2-990,55-3 450,-38-5 1237,34-2 0,-28-4 0,1 0 1</inkml:trace>
+  <inkml:trace contextRef="#ctx0" brushRef="#br0" timeOffset="100433">23155 3491 10771,'0'-7'899,"0"0"-899,0 2 450,0 1-450,0 22 0,0 5 90,0 15-90,13 17 0,-9-16-315,3-5 0,-1 2-314,-6 6-1,0 12-89,0-19-1,9-3-1349,-7 15 1080,7-22 989,-9 11 0,0-27 0,0-1 0</inkml:trace>
+  <inkml:trace contextRef="#ctx0" brushRef="#br0" timeOffset="100569">23077 3865 8972,'0'-24'540,"0"3"-271,0-1-89,0 3-270,0 0 90,0 2-90,23 3 270,-17 3-90,43 2-270,-27 2-449,23 2-361,-9 3 990,21 1 0,-12 1 0,15 0 0</inkml:trace>
+  <inkml:trace contextRef="#ctx0" brushRef="#br0" timeOffset="100699">24040 3937 11311,'19'11'-900,"-1"-2"-809,-7-2 1709,-3-3 0,-5-2 0,0-1 0</inkml:trace>
+</inkml:ink>
+</file>
+
+<file path=ppt/ink/ink12.xml><?xml version="1.0" encoding="utf-8"?>
+<inkml:ink xmlns:inkml="http://www.w3.org/2003/InkML">
+  <inkml:definitions>
+    <inkml:context xml:id="ctx0">
+      <inkml:inkSource xml:id="inkSrc0">
+        <inkml:traceFormat>
+          <inkml:channel name="X" type="integer" min="-2.14748E9" max="2.14748E9" units="cm"/>
+          <inkml:channel name="Y" type="integer" min="-2.14748E9" max="2.14748E9" units="cm"/>
+          <inkml:channel name="F" type="integer" max="32767" units="dev"/>
+        </inkml:traceFormat>
+        <inkml:channelProperties>
+          <inkml:channelProperty channel="X" name="resolution" value="1000" units="1/cm"/>
+          <inkml:channelProperty channel="Y" name="resolution" value="1000" units="1/cm"/>
+          <inkml:channelProperty channel="F" name="resolution" value="0" units="1/dev"/>
+        </inkml:channelProperties>
+      </inkml:inkSource>
+      <inkml:timestamp xml:id="ts0" timeString="2021-09-20T02:37:07.019"/>
+    </inkml:context>
+    <inkml:brush xml:id="br0">
+      <inkml:brushProperty name="width" value="0.09071" units="cm"/>
+      <inkml:brushProperty name="height" value="0.09071" units="cm"/>
+      <inkml:brushProperty name="color" value="#FF0000"/>
+    </inkml:brush>
+    <inkml:brush xml:id="br1">
+      <inkml:brushProperty name="width" value="0.12095" units="cm"/>
+      <inkml:brushProperty name="height" value="0.12095" units="cm"/>
+      <inkml:brushProperty name="color" value="#FF0000"/>
+    </inkml:brush>
+  </inkml:definitions>
+  <inkml:trace contextRef="#ctx0" brushRef="#br0">2702 6315 9332,'-11'12'1529,"-4"-9"-1529,13 31 0,-4-15 0,6 23 90,0-5 0,0 7-45,0-10 0,0 0-45,0 21 0,-1-20 0,2 1 0,7-2 0,-1-1 90,-3 17-90,4-13 0,-1-1 0,-7 0 359,0 13 1,0-30-450,0-1 180,0-13-180,0-24 90,0-34 0,0-4-1224,-6 1 1,0-1 1268,4 21 0,1 1-180,-5-14 0,0 0-309,5 12 1,2 1 443,-2 1 0,2-1 0,9 1 0,1 1 0,-5-31 0,14 34 0,-1 2 0,-14-24-288,13 23 0,4 1 288,5-9 0,20-6 0,-14 30 90,-2 2-90,-18 31 0,-2 7 0,-7 13 0,-22 13 0,-4-16-225,2-6 0,0-1 136,-2 5-181,-10 7-270,28-10 450,-19-11 0,21 9 90,-7-15 2054,33 7-2144,9-9 90,5 4 0,3 2 0,13 4 45,-14 2 0,-4 2-45,-8 6 630,-2 24-540,-18-20 142,-8 10-142,0-14-180,-20-2 180,14-1-90,-24-10 0,-6-2 90,8 9-585,-12-8 0,-3-1-674,5-1 1169,-21 1 0,39-12 0,-3-2 0</inkml:trace>
+  <inkml:trace contextRef="#ctx0" brushRef="#br0" timeOffset="336">3395 6559 9242,'0'38'1079,"-16"5"-989,13-10 90,-13 3-180,16-5 0,0 3 90,-12 15-90,9-12 0,-9 10 0,12-5 0,0-13 90,0 12 0,0-23 360,0 3-450,0-62 0,0 19-135,0-20 0,0-2-495,0 1-135,0 7 1,0 1-136,0-5 900,22-18 0,-1 32 0,21-5 0</inkml:trace>
+  <inkml:trace contextRef="#ctx0" brushRef="#br0" timeOffset="684">3842 6724 9152,'-17'-17'629,"13"-6"-629,-25 20 0,14-8 0,-13 30 0,7-14 0,2 39 0,8-23 90,0 23-180,0 3 90,6-11 90,-1 9-90,6-18 90,0-3-90,0-4 0,17-5 90,1-2 0,21-7 0,-4-18 0,1-11-180,-6-21 180,-14 8 0,-7-1-180,-9 1 0,0 11-450,0-7-359,0 15-90,0 2-451,-19 4 1440,15 1 0,-15 6 0,19 1 0</inkml:trace>
+  <inkml:trace contextRef="#ctx0" brushRef="#br0" timeOffset="887">3875 6673 10141,'0'27'0,"17"-12"0,-13 11 0,27-14 90,-27 14-90,26-5 90,-18 1-270,14 1-719,-6-1-271,-2-1 1170,12 5 0,-8-8 0,7 4 0</inkml:trace>
+  <inkml:trace contextRef="#ctx0" brushRef="#br0" timeOffset="1299">4378 6592 10411,'-14'49'90,"10"-9"0,-11 0-90,-2 8 90,0-10-1546,-3 10 1366,-3-18 668,20-4-1118,-15 6-90,6-12-89,-2 2-17,-4-13 376,9-5-89,-7-2 269,7-2 90,-3-22 0,6-4 360,-1-15-90,3 4 89,1 7 1,2-1 90,0-11-180,1 10 0,0-13 0,0 26 1259,16-4-545,4 18-804,10 19 0,1 9-180,-6 22 270,-2-9-270,-4 0 270,1 1-180,-3-11-989,2 6-1,-3-12-269,1-3 1259,1-2 0,3-7 0,0-3 0</inkml:trace>
+  <inkml:trace contextRef="#ctx0" brushRef="#br0" timeOffset="1483">4752 6624 10591,'-21'20'90,"-6"6"-90,24 12 90,-17 2-755,18-8 125,-16 2-1709,16 13 540,-11-11 1763,12 5 0,-2-16 1,3-2-1</inkml:trace>
+  <inkml:trace contextRef="#ctx0" brushRef="#br0" timeOffset="2066">5060 6581 9062,'0'-9'360,"-19"2"-450,-4 3 180,-14 3-180,5 20 180,16 2-90,6 12 0,10-3 90,0-8-180,0 14 180,16-10-90,-12 11 0,29-1 0,-11-8 0,14 17 0,-15-20 0,3 6 90,-22-11-90,7-2-180,-9-3-180,0 1 180,-18-5-360,-5 2 90,-19-9 450,1-1 0,8-3-89,15-18 89,8-2 0,29-2 0,-14-11 0,57 12 0,-34-9 0,11 12 0,3 2 0,1-4 0,-8 4 0,-1 2 89,3-3 1,6-3 90,-17 6-90,-7 2-90,-3 1 0,-8-4 0,-4 4 270,-4-6-90,0 9 90,-17-3-270,13 6 90,-35 1 0,19 3 0,-17 14-90,11 3 90,12 17-90,6 1 0,8 3 90,0-8 0,21 2-90,-1-14-720,20 5 90,-21-12 1,15-1-271,-21-6 900,16-3 0,-11 0 0,1 0 0</inkml:trace>
+  <inkml:trace contextRef="#ctx0" brushRef="#br0" timeOffset="2365">5490 6665 8792,'0'14'1259,"0"2"-1259,0 27 0,0-12 0,14 2 0,-10 2 0,10-9 90,-5 15-90,-6-20 540,6 6-90,-4-15-360,-4-1-90,3-25-90,-4-24 180,17-3-135,-17 4 0,4 2 135,31-4-1129,-30-13 1039,31 19-270,-32 3-539,29 4-1710,-11 1 2519,8 10 0,-2 2 0,-8 10 0</inkml:trace>
+  <inkml:trace contextRef="#ctx0" brushRef="#br0" timeOffset="3232">6512 6789 9152,'13'0'1619,"-12"-10"-1079,36 7-540,-13-14 629,23 16-629,-11-9 360,20 9-360,-18-3-1423,18 4 1333,-13 0 270,8 0-270,4 0 180,7-2-90,-29 1 0,1 0 0,2-1 0,3 0 0,22 0 0,3 0 0,-13-1 0,3 0 0,9 0 0,6-1 0,-4 0-768,-1-1 0,-1 1 768,-6 0 0,3 0 0,-3 0-45,7-1 0,-2 1 45,2 0 0,1 0 0,-2 0 0,1 0 45,-1 0 0,0 1-45,-3 1 0,1-1-45,-5 2 0,2 0 75,-11 0 0,1 1 0,-2-1-269,3 1 0,0 0 269,-4-1 0,2 1 0,-6 1-30,22 12-45,-28-11 0,-3 0 135,5 11-90,-6-13-90,-2 11 0,7-8 90,-11 8 765,13-11-1034,-19 0 2021,4 0-1932,-12 0 470,-2-16-740,-1 12-3328,-2-22 3778,-3 12 0,-1 0 0,-2 3 0</inkml:trace>
+  <inkml:trace contextRef="#ctx0" brushRef="#br0" timeOffset="3604">9133 6399 10231,'-6'-1'1979,"-1"0"-1979,25 15 0,21 3 90,8 17-135,-8-16 0,-1-2 135,6 14-90,-4-11 0,0-1-623,7 3 623,11 6 0,-19-8 0,-5-2 0,-3 1 0,6 7 0,-13-4 242,1 15-152,-17-12-630,-25 23-270,12-15 90,-20-10 1,-6 1 719,5 3 0,-2-2 0,-7-5 0,-1 0 0,-2 7 0,-1-1 0</inkml:trace>
+  <inkml:trace contextRef="#ctx0" brushRef="#br0" timeOffset="4249">6762 5957 10321,'0'35'630,"0"7"-540,14-7-90,-11 4 359,11-9-359,-4 0 0,-8-1 0,8-1 90,-2-2-90,-6-2 270,6-3 0,-2-2 180,-5 0-90,4-7-360,-5 0 0,0-27-90,0-8 180,0-15-90,0-20-360,0 17-225,12 3 1,0 0-824,-5-5 868,14 15 1,3 1-720,-6-3-360,19 5 1619,-9 7 0,0 5 0,0 4 0</inkml:trace>
+  <inkml:trace contextRef="#ctx0" brushRef="#br0" timeOffset="4548">7257 6230 9691,'16'-18'540,"-12"-8"-360,30 9-180,-19-13 270,5 6 0,-9-1-180,-1 4-90,-7 4 0,7-1-90,-10 8 90,0 1 90,0 4-90,-20 2 0,0 2 0,-21 18 90,22 9-180,-11 20 180,27-6-90,-11 1 180,14-13-990,0-2-539,0-3 89,23-5-449,-18-2 1709,47-9 0,-28 4 0,27-5 0</inkml:trace>
+  <inkml:trace contextRef="#ctx0" brushRef="#br0" timeOffset="4902">7790 6009 9691,'-23'-3'1350,"-2"1"-1350,-22 21 0,13-14 0,13 33 0,-3-33 0,20 33 0,-16-23 0,18 18 0,-5-11 90,7 5 0,20-9 0,4 3-90,23-14 0,-2-2 0,-18-28 0,13 18 0,-35-38 0,26 38 0,-22-51-90,5 38 269,-7-28-268,-7 21 268,0 5-179,-15 5 0,11 52 0,-11-10 90,9 16 0,3 3-90,1 0-1137,-7 20 238,9-20-91,0-3-359,0-1 1349,0 9 0,0-15 0,0 6 0</inkml:trace>
+  <inkml:trace contextRef="#ctx0" brushRef="#br0" timeOffset="5368">7928 6290 8972,'7'-12'180,"-1"0"-90,4 0-90,1-2 180,17-21-90,-9 11-90,17-26 179,-19 25 181,3-6-180,-9 11 0,-3-1 0,-2 3-90,-1 3-180,-3 2 90,0 5 180,-1 1-270,-1 21 90,-14 29 90,10 1-438,-10 18 438,4-23-180,7-1 180,-7-2 0,10 6-90,17-15 90,5 4-180,20-21 90,1-21 0,-7 6 0,5-46-90,-18 28 90,-9-10 0,-1-2 90,4 0 0,-5-26-180,-3 30 90,-5-7 0,-4 19 450,0 4-450,0 22 90,0 13-90,0 40-90,16-14-900,-9-9 1,1-2-180,11-1 1169,23 15 0,-23-27 0,25 4 0</inkml:trace>
+  <inkml:trace contextRef="#ctx0" brushRef="#br0" timeOffset="5698">8627 6155 9242,'0'-6'899,"18"1"-899,-13 2 90,34-5-90,-11 3 0,19-9 180,-10 6-180,-14-4-90,-3 5 180,-17-2 0,10 1-90,-13-2 0,0 3 90,0-2 90,-21-2-90,15 4 0,-38 0-90,13 6 0,-10 1 0,-2 16 0,15-12 0,1 29 0,4-29 0,9 31 0,-4-19 90,16 25 0,-7-16-2159,31 19 1259,8-24-747,14 5 298,3-19 1259,-9-3 0,1-3 0,1 0 0</inkml:trace>
+  <inkml:trace contextRef="#ctx0" brushRef="#br0" timeOffset="6000">9087 5932 9512,'-17'-4'809,"13"19"-809,-12 5 0,16 32 90,0-18-90,0 20 0,0-27 90,0 6 0,0-11-90,0-1 0,0-2 0,0-1 180,0-2 180,0-3-1,0 1-269,0-7-1439,0 1-720,-15-7 990,11-12 1079,-26 7 0,26-21 0,-11 10 0</inkml:trace>
+  <inkml:trace contextRef="#ctx0" brushRef="#br0" timeOffset="6178">9225 5793 9332,'10'-2'359,"-2"1"-359,-3 1 0,0 0 0,-1 0 0,-1 0 180,3 10-180,-4-7-1529,1 16 1529,-2-9 0,-1 9 0,0 1 0</inkml:trace>
+  <inkml:trace contextRef="#ctx0" brushRef="#br0" timeOffset="6670">9198 5802 9871,'-21'13'270,"-9"-10"-270,26 20 0,-28-20 0,15 25 0,-16-14 90,8 15-90,1-5-90,3 1 180,-1 24-90,12-16 90,-1 24-90,11-32 0,25 11 0,-1-18 0,5 2 0,5-10 0,-29-2 180,22 0-270,-24-3 90,7 0 0,-10-3 90,-16 1 0,12-2-720,-30 2-89,8-2-361,2 1 1080,-17-2 0,21 1 0,-18-1 0</inkml:trace>
+  <inkml:trace contextRef="#ctx0" brushRef="#br0" timeOffset="6900">9247 5713 9422,'6'0'1529,"0"0"-1439,0 15-90,-1-12 0,-1 26 90,3-26-90,-4 30 0,3-15 90,0 29-90,1-13 0,2 23-810,-3-21-450,-1 0 1,-2 0 180,0 1 1079,0 15 0,-3-28 0,0-3 0</inkml:trace>
+  <inkml:trace contextRef="#ctx0" brushRef="#br0" timeOffset="7033">9185 6081 9602,'0'-23'539,"17"10"-539,-13-1-989,55 8-630,-31-1 1619,38 2 0,-23 5 0,3 0 0</inkml:trace>
+  <inkml:trace contextRef="#ctx0" brushRef="#br0" timeOffset="8932">10565 6465 10411,'0'-5'1619,"-14"1"-1619,10 16 0,-10 11 90,14 8-180,0 6 90,0-3 90,0 1-1169,0 23-271,0-13-225,0 11-45,0-20 1620,0-4 0,0-6 0,0-2 0</inkml:trace>
+  <inkml:trace contextRef="#ctx0" brushRef="#br0" timeOffset="9099">10502 6250 9062,'-7'-15'-90,"5"3"-2788,-4 4 2878,26 22 0,-14-12 0,14 17 0</inkml:trace>
+  <inkml:trace contextRef="#ctx0" brushRef="#br0" timeOffset="9468">11003 6508 9062,'5'15'629,"2"12"-449,-3-2 180,6 25-360,-4-15-1323,2 14 1323,-3-14 0,-1 2 90,1-3-90,0 12 0,-1-14 601,-1 13-511,-1-26-682,-1 3 412,-1-36 180,0-29-90,0-7 90,-2 6 0,4 0-1116,12-6 1026,-11-13 180,11 23 500,-3 6-590,-9 6 450,18 2-360,-12 13-90,9 2 0,-3 29 1374,-1 7-2049,-2 7 1,-1 3-495,4 12 1169,-1-8 0,2-1 0,2-2 0,7 10 0</inkml:trace>
+  <inkml:trace contextRef="#ctx0" brushRef="#br0" timeOffset="9916">11740 6508 9871,'-22'-4'540,"-11"1"-540,-10 3-90,-1 18 180,17-14 0,1 33-90,4-19 90,10 17-180,-4-5 180,14 0-90,-6 2 90,8-1-90,25 20 90,7-22-270,-2-7 0,2-3-180,18-11-89,16-3 359,-27-27 45,-8 7 0,-2-3 135,1-28-135,-9 11 0,-3-1 45,-5-11 0,-7 3 0,-1 0-1300,-5-11 1345,1 20 0,-2-2 225,-8-1 0,-2 3 0,-10-19 44,1 12 1,1 2-225,-1-2-270,-6-10 180,23 29 1080,-16 3-990,17 34-90,-5 15 45,16 2 0,3 4-45,-7 24 0,13-12 0,2 0 0,-6 11-450,0 5 0,0 1 380,-4-31 0,-1 0-1370,0 27 1,-1-1 1131,0-8 0,7 9 0,-5-24 0</inkml:trace>
+  <inkml:trace contextRef="#ctx0" brushRef="#br0" timeOffset="10266">12223 6764 10771,'0'-9'540,"0"0"-540,0 0 0,0 0 0,26-3 89,5-9-89,15 3 90,8-14 0,-21 14-90,5-11 0,-12 14 0,-13-6-90,-1 8 90,-12 0 0,0 1 0,0-5-179,-22 6 179,-5-3 0,-22 10 0,3 16 89,5 8-89,19 20 90,9 3-90,13-5 0,0 8 90,23-19-270,-17 7-449,42-14-271,-27-2-89,24-3-1350,6 0 2339,-11-7 0,9 0 0,-16-7 0</inkml:trace>
+  <inkml:trace contextRef="#ctx0" brushRef="#br0" timeOffset="10449">12623 6616 9332,'4'-5'1799,"-10"15"-1709,70 5-90,-36 18 45,15-15 0,2-1-315,0 13-720,-4-8 1,1-2-1365,7 4 2354,-17-9 0,0-1 0,10 4 0,1-3 0</inkml:trace>
+  <inkml:trace contextRef="#ctx0" brushRef="#br0" timeOffset="10650">13072 6461 9781,'-19'-12'540,"1"5"-450,0 3 0,0 3 0,-8 18 0,5-13-90,1 23 0,1 5 90,-4-2-90,6 2 0,1 4-1080,1-1 1,1 0-1185,-8 20 2264,10-19 0,2 0 0,0 12 0,4-3 0</inkml:trace>
+  <inkml:trace contextRef="#ctx0" brushRef="#br0" timeOffset="11039">13488 6757 9871,'6'0'1350,"-1"0"-1260,-2 10-90,-2-7 0,0 14 89,0-9 541,-1 5-630,0-30 0,0-8 0</inkml:trace>
+  <inkml:trace contextRef="#ctx0" brushRef="#br0" timeOffset="11616">13942 6496 11400,'0'-8'720,"0"2"-450,0 28-270,0-2 0,0 29 0,0-8 0,0 7 90,0 3-1970,0 4 1880,0-1 0,10 0 0,-7-4 193,14-5-103,-15-4-90,15-5 0,-11 3 90,4-14-90,-2 2 90,-8-39-180,-14-11 90,10-20-90,-13 7 0,0-2 0,13-18 25,-10 2 1,0-3 64,12 19 0,1 1-45,-9-13 0,1-1 45,8 14 0,0 1-45,-3 1 0,1-2 45,9-21 0,7 0 0,-2 24 0,2 1 0,10-21 0,1 5 0,1 19-89,22 2 492,-31 21-403,21 4 0,-15 3 0,-2 16 0,-3-12 0,-8 36 0,5-3 90,-12 12 0,6 16-180,-8-28-1037,-18 8-222,13-21-227,-12-3-403,-3-10 2292,15 3 1,-29-12 0,18 5 0</inkml:trace>
+  <inkml:trace contextRef="#ctx0" brushRef="#br0" timeOffset="12006">14343 5783 9961,'8'0'1170,"-1"15"-901,-1-12-89,0 32 90,0-6 0,1 13-180,3 23-180,-2-21 180,3 18-90,3 3 0,-4-14 0,0-10 0,-1 0 0,3 4 0,-5-11 0,1-2 90,3-1-180,-4 4-90,0-16-450,-5-10 630,2 0 0,1-28 0,0 15-89,12-56 89,-5 39 269,12-32-179,-11 29 90,2 11 0,-7 2-180,-1 11 0,-2 0 0,0 0 0,1 0 0,-1 16 0,3 11 0,-1 10-90,2 20-989,-3-20-2159,2 29 3238,-3-30 0,2 10 0,-2-19 0</inkml:trace>
+  <inkml:trace contextRef="#ctx0" brushRef="#br0" timeOffset="12433">14907 6507 11221,'0'41'179,"0"-6"-268,17 3 178,2 12-89,2-11 0,9 13 0,-26-18 0,22-2 0,-15 8 0,2-13 270,1 8-270,-13-20-90,4-3 0,-5-26 90,-19-16-90,14-32 90,-13 34 0,-1-2-399,11-16 0,1-1 399,-13-14 0,13-4 0,4 0-90,3 0 45,0 9 0,0 2 45,0 13 90,20-11-90,6 29-93,24 1 93,-10 15 180,0 3-90,0 22 180,-11-14-180,11 46 0,-25-27 0,2 28-180,-15-17 180,2 1-270,-4 0-180,-28 2-899,21-2 269,-21-16 1,-4-1 920,6 15 0,-30-1 0,13-3 1</inkml:trace>
+  <inkml:trace contextRef="#ctx0" brushRef="#br0" timeOffset="13566">15462 6363 7982,'32'-13'450,"-12"-7"-270,2 18-270,-19-13 90,22 13 0,-13-14 90,15 7-90,-4-9 90,4 1 0,5-2 0,5-4 45,-3 2 0,2 0-90,-7 4 0,2-1-702,6-4 0,6-2 0,-4 1 702,1 1 0,0-1 90,16-7 0,-1 0-90,-12 6 0,-2 2-45,2-1 0,0 0 90,2 0 0,-1-2-45,0 2 0,0 0 0,0-1 0,0 1-45,-3 1 0,3-2 45,15-6 0,-1 0 0,-16 8 0,0 0-75,0 0 0,3-1 0,-5 3 75,-8 3 0,-3 1-45,7-2 0,-2 0 472,3-2-742,-10 4-2698,2-1 2968,-15 9 0,2-2 0,-13 9 0</inkml:trace>
+  <inkml:trace contextRef="#ctx0" brushRef="#br0" timeOffset="14382">18028 3950 9781,'-4'13'1799,"0"7"-1799,4 11 90,0 5-90,0-1 0,16 6 0,-14-7 0,-1 1 0,15 21 45,-15-4 0,-2 0-1331,8 9 206,-6-9 1,0 0-1845,12 6 2924,-13-22 0,1-2 0,10 8 0,-5-5 0</inkml:trace>
+  <inkml:trace contextRef="#ctx0" brushRef="#br0" timeOffset="14652">18497 4002 10771,'0'-12'899,"0"4"-89,0 2-720,0 19-180,0 15 180,0 11-90,0-2 0,0 2 0,0 19-861,0-3 0,0 2 861,0-20 0,0 0 0,0 26 0,0 1-315,0-27 1,0 0-91,0 10 0,0-1-584,0 13-271,0-4 91,0-6 1208,0 9 0,0-20 0,0 8 1</inkml:trace>
+  <inkml:trace contextRef="#ctx0" brushRef="#br0" timeOffset="14816">18167 4712 8792,'-9'-25'450,"4"2"-450,2 0 0,3 0 90,0-1-90,24 0 0,-18 0 90,43 2-360,-26 1-540,25 3-89,-8 2-1262,3 4 2161,2 3 0,1 3 0,0 2 0</inkml:trace>
+  <inkml:trace contextRef="#ctx0" brushRef="#br0" timeOffset="15103">18937 4464 9691,'-40'0'1080,"6"0"-990,11 15-90,-4-11 0,23 28 0,-20-17 0,21 16 0,-13-4 0,15 2 0,-4-1 0,5 2 0,0 9 90,24-12 0,3 9 0,2-21-90,15-3 90,-15-9-90,11-3 0,0-23 90,-25-5-180,-1-29-90,-14 12-990,-20-14 361,15 26-91,-38-7 900,14 14 0,0 12 0,6 2 0</inkml:trace>
+  <inkml:trace contextRef="#ctx0" brushRef="#br0" timeOffset="15667">19263 4555 9152,'0'9'719,"0"2"-719,0 1 0,0 2 0,-12 13 0,9-3 0,-10 22 90,13-17-90,0 19 0,0-22 90,0 5-90,0-13-180,0-4-179,13-2-541,-9-3 630,22-5 270,-12-25 0,9 16 0,-5-41 0,-3 25 90,-1-22 90,0 8 90,1 0 0,-2-1-180,4-6-90,-7 13 90,6-5 0,-9 24 90,1 2-91,-4 8-89,1 0 0,-2 22 90,3 5-90,-2 14 0,1 14 0,-1-21 0,-1 23 180,-1-28-180,-1 6 90,0-18-90,-1-3 0,1-8-180,3-17 90,0-13 90,13-40 0,-5 17-90,-1 9 1,2 0 89,0 4 179,7-15 1,-10 33 0,5-7-180,-6 21 0,1-4 0,-3 6 0,1 21 90,0-16 0,8 50-360,-2-33-1349,4 14 0,1 3 1619,1-5 0,17 17 0,-16-29 0</inkml:trace>
+  <inkml:trace contextRef="#ctx0" brushRef="#br0" timeOffset="15966">19987 4733 10411,'19'-13'90,"-14"2"-90,30-1 90,-32 1-90,32-7 90,-15 4-180,11-9 90,-14 10 0,-9-5 0,-8 0 0,0 6 90,-18-5 0,-3 10 0,-20 0-90,0 5 90,18 20-90,-9-13 0,29 32 0,-10-8 0,13 10 180,0 17-540,21-22-1979,11 23-173,12-28 2512,5 6 0,-7-17 0,2-2 0</inkml:trace>
+  <inkml:trace contextRef="#ctx0" brushRef="#br0" timeOffset="16316">20935 4041 10411,'-44'15'540,"2"-12"-1,11 28-449,-2-14-752,1 15 662,4 1 0,2 2 90,8 5-90,7 4 0,1 22 0,9-13 45,4-9 0,6-1-495,20 5-1079,7-2 0,4-3 719,-11-23 1,1-1 809,9 9 0,0-2 0,8-9 0,0-2 0</inkml:trace>
+  <inkml:trace contextRef="#ctx0" brushRef="#br0" timeOffset="16566">21320 4176 9961,'0'44'1080,"0"-7"-900,0 1-270,-8-5 90,6 5 0,-6 3 90,8 2-90,0 1-617,0 2 796,0 0-179,0 0-359,0-2-1440,17 16 809,-13-18 990,13 20 0,-17-33 0,0 5 0</inkml:trace>
+  <inkml:trace contextRef="#ctx0" brushRef="#br0" timeOffset="16724">21140 4635 8702,'0'-20'0,"0"-6"-90,21 7-540,8-8 181,-2 14-1080,35-2 1529,-39 12 0,32 0 0,-25 3 0</inkml:trace>
+  <inkml:trace contextRef="#ctx0" brushRef="#br0" timeOffset="17002">21587 4620 9691,'6'3'0,"-1"-1"360,-1 3-450,-2-1 90,1 2 0,1 1 90,1 3-90,-2 4-90,2 2 270,0 13-180,-1-6-90,3 20 180,-5-19-90,1 7 360,-3-14 180,0-3-181,0-4-359,0-3 0,0-22 0,0-10-179,0-14-361,0-7-864,0 7 684,16-5-179,-13 0-1,13-1 900,-6-10 0,2 16 0,9-6 0</inkml:trace>
+  <inkml:trace contextRef="#ctx0" brushRef="#br0" timeOffset="17599">22062 4527 10141,'-33'-2'90,"5"14"-90,6 9 90,4 22-90,9-8-90,2 5 90,7-12 90,0 0 0,0-1-180,0-3 180,16 5 0,-13-10-90,13 1 90,0-14-450,-1-3 180,4-20-899,-1-5 179,-16-19 91,5 0 809,-26 16 0,15-10 0,-15 16 0</inkml:trace>
+  <inkml:trace contextRef="#ctx0" brushRef="#br0" timeOffset="17984">22165 4681 8702,'0'-35'540,"0"-4"-540,0 6 0,0-2 90,0 7 0,16-1 90,-12-1-1,13-1 1,-8-13-180,-7 10 270,7-18-90,-9 27 0,0-5-90,0 16-90,0 2-90,0 4 90,0 3-180,-14 0 180,11 16 0,-10 7 0,13 14 0,0 1 0,0-8 180,0-4-180,0-7 0,0-2 0,0 2-540,0-6-899,0 2 450,0-6 989,0-1 0,0-2 0,0 0 0</inkml:trace>
+  <inkml:trace contextRef="#ctx0" brushRef="#br0" timeOffset="19316">22233 4566 9602,'9'-8'899,"0"-2"-719,-1 1-180,1-2 0,-1-2 90,-1-1-90,-2-2 90,1-2-90,0 1 0,0-3 0,-1-1 90,1-16-90,-3 6 0,4-25 90,-5 18 0,1-28-180,-3 27-697,0-14 967,0 19-90,0 0 90,0 2 90,-14-9-360,10 14 90,-10-8 0,4 22 180,7 0-180,-15 33 0,16 1 0,-11 24 0,9-12 0,1 1 0,-8 25-182,5-3 0,2 2 182,2-21 0,0 0 45,0 25 0,0 0-90,2-26 0,0-3 90,0 11 0,0-1-495,0 12-180,19-6-359,-15-2-810,33 7 630,-33-15 1066,28 3 0,-28-20 1,10-4-1</inkml:trace>
+  <inkml:trace contextRef="#ctx0" brushRef="#br0" timeOffset="19862">22408 4759 9332,'36'0'180,"-1"0"-180,-5-11 0,-7 8 90,0-21-180,-12 21 269,0-27 1,-8 19-180,-1-16 630,-2 5-540,0 5 270,-15-8-450,11 14 0,-11-3 90,15 25 90,0 1-90,0 20 90,14-4-180,-10 1 90,21-14-270,-15 5 180,3-12 90,1 6-90,-8-8 90,3-2 90,-3-4-180,-3 0 90,-1 0 0,1 0-90,3-15 270,0 12-180,4-23 0,-4 24 0,2-10 90,-4 5-90,0 5-90,-2-10 90,-1 9 0,0-3 0,-1 4 0,0 1 0</inkml:trace>
+  <inkml:trace contextRef="#ctx0" brushRef="#br0" timeOffset="20972">22612 4615 8072,'19'-39'720,"4"-20"-1649,-7 12 1064,-8 15 0,-1-1 134,1-12-89,-3-4 90,-2 4-90,-1-1-180,-2 2 450,0 2-90,0-9-360,0 16 0,-16-12-90,12 29 535,-12-3-265,5 15 3,-3 27-3,-15 32-180,10 5-983,6-6 1,2 0 982,5 8 0,2-18 0,1 0-449,3 18 449,0 1 0,0-1 0,0-1 90,20-4-360,-14-3-540,10-19 1,3-1-1,2 13-359,-4-12 0,1-2 1169,12-1 0,-11 2 0,-10-16 0</inkml:trace>
+  <inkml:trace contextRef="#ctx0" brushRef="#br0" timeOffset="21368">22793 4831 8612,'38'0'90,"0"-17"-90,-7 2 0,-2-19 180,-13 11 0,-2-3-90,-13 8 90,2-3 0,-3 1 89,0-2-89,0 2 0,0 2-180,0 2 0,-17 0-90,13 5 180,-26 3-90,26 22 90,-17-10-180,19 31 180,-6-7-90,8 11 180,0 13-180,17-21 0,-13 7 0,29-16 0,-30-2-180,30-4-719,-10-4 449,9-2-809,6-5 449,-16-2 810,10-19 0,-17 12 0,3-12 0</inkml:trace>
+  <inkml:trace contextRef="#ctx0" brushRef="#br0" timeOffset="21816">23082 4692 9602,'23'11'1259,"-5"3"-1259,-18 16 0,0-2 0,0-3 0,0 1 0,0 2 0,0-3 0,0 1 0,0-4 539,14 0-269,-10-8-360,10-2 90,-4-9 0,-1-21-180,13-12 270,-4-10 0,-1-6-90,-1 8-539,3-21 89,-3 14-315,-6 10 1,0 2-226,-1 0 990,5-8 0,-7 29 0,4 1 0</inkml:trace>
+  <inkml:trace contextRef="#ctx0" brushRef="#br0" timeOffset="21983">23850 4856 10681,'11'1'-270,"-3"-1"-2788,-3 0 3058,-3-13 0,-1 9 0,-1-10 0</inkml:trace>
+  <inkml:trace contextRef="#ctx0" brushRef="#br0" timeOffset="23115">15382 6542 9242,'26'4'1349,"-3"0"-809,27-4-181,-5 0-2490,4 0 2221,5 0 90,6-17-180,4 13 45,-29-11 0,-1 0-90,2 13 0,0 1 45,1-11 0,1-1 0,0 12 0,0-1 45,2-9 0,1-1-45,-2 10 0,1 2 0,0-6 0,1 0-720,16 3 1,0 0 179,-15 2 0,1 1-600,3-2 1,3-1 0,-4 1 1139,-6 1 0,-1 2 0,11 6 0,-1 3 0,-16 1 0,0-1 0</inkml:trace>
+  <inkml:trace contextRef="#ctx0" brushRef="#br0" timeOffset="23938">17773 6099 10591,'0'-18'90,"0"4"809,0 4-449,0 4-270,0 19-180,17-10 0,-12 44 0,27 4 0,-19-18 0,0 2-390,2 4 1,1 0 389,1-8 0,0 0 90,-5 0 0,-1 1-180,10 31 90,-8-20 0,0 1 90,4 18-90,-7-23 0,-1 0 0,1 7 0,-3-3-491,-4-6 491,0-6 30,-2-6-30,-1-5-450,0-4 271,-17-8-271,-2-39 270,-22 6 186,14-33-96,-4 16 180,10-7-180,-1-5 90,8 8 0,1-1-45,3 11 0,1-2 15,1-5 0,0-4 0,2 4-205,2 3 0,0 1 190,1-12 0,1 2 45,1-14-90,1 6 0,25 7 90,-19 8-615,43 5 615,-28 10 0,39 1 0,-23 12-173,28 3 263,-31 9 180,17 20-90,-30 9-180,-1 9 0,-8 3 0,-10-6 0,4 0 179,-6 18-179,-20-12-315,8-8 1,-1 0-586,-12 5 107,-18 5 793,13-5 0,0-13 0,6 7 0</inkml:trace>
+  <inkml:trace contextRef="#ctx0" brushRef="#br0" timeOffset="24281">18358 6547 8522,'0'14'180,"0"0"0,0 2-180,0 1 0,-14 2 0,10 3 90,-11 1-90,3 13 0,9-8 0,-18 17 0,18-22 0,-6 6 180,3-11-90,4-5-270,-6-2 180,8-26 90,-3-10-180,3-11-135,16 0 0,1-1-45,-9-4 135,15 1 0,4 1-134,-3 5-541,17-16-179,-7 29 889,-4-3 0,-9 14 0,0 4 0</inkml:trace>
+  <inkml:trace contextRef="#ctx0" brushRef="#br0" timeOffset="24602">18890 6570 10321,'-49'0'630,"-4"0"-540,14 0-180,-4 15 180,13-11-90,3 34 0,3-21 0,5 23 0,8-11 90,-2 2-180,12-1 90,-5-2 90,6-2 0,21-3-90,11-5 0,11-2-745,3-8 745,-10-3 0,1-5-90,-1 0 90,-3-22-90,-4 16 90,-4-40-90,-4 12 1,-11-12-181,-2-13-90,-29 25 0,16-7-359,-38 18-91,37 5-179,-40 8 989,20-2 0,-3 11 0,10-5 0</inkml:trace>
+  <inkml:trace contextRef="#ctx0" brushRef="#br0" timeOffset="25399">19295 6596 9781,'-54'-11'540,"-2"1"-630,14 10 270,-8 21-180,20 2 0,7 23 90,11-13-90,12-2-270,20-11 0,9 2 90,11-12 1,3 1-91,6-11 270,-12 0-90,11-22 90,-21 17 0,-2-40 90,-7 24-90,-7-22-90,3 7 90,-12-3 270,5-25-91,-7 12-770,-8 6 1,-2 0 1040,5-10-271,-3 19 1,-2 2-738,-8-10 558,13 6-369,-12 6 369,3 9 0,11 7 0,-10 8 1750,13 29-1840,0 19 90,0 14-125,14 11 215,-10-10-180,11 3 90,4 3 45,-11-19 0,1 1-45,12 18 45,-8-13 0,-1-2-45,3 0 0,-1 7-270,7-26 511,-13-5-511,6-7-809,-2-3 899,-3-6 0,6-2 270,-7-24-180,3 16 90,-3-33 0,-1 33 1143,5-45-964,-6 33 91,5-17-270,-5 11 180,-1 12 90,-1-5-360,-1 8 180,-1 8-90,0 20 0,1-14 0,1 46 90,2-32-90,5 40 0,-2-30 90,10 13 0,-6-27-90,13 9-180,-8-23 180,6 6 0,-6-8 0,-1-15-90,0 11 0,2-31 270,-6 9-180,0-22 180,-9 9 90,-1-3-360,-3 20 90,0-2 0,0 30 90,0 9-90,0 26-270,0 4-180,0-6-809,18 1 629,3-25-89,12 10 179,-2-22-360,-7 7 900,2-10 0,0 0 0,1 0 0</inkml:trace>
+  <inkml:trace contextRef="#ctx0" brushRef="#br0" timeOffset="25566">20157 6707 9512,'0'-24'1259,"-20"3"-1079,1 6-90,-20 6-90,7 31 90,4 7-180,13 13 180,6 0 0,9-10 0,0 0-270,0-2-360,25-1-449,-19-5-136,25-12 1,4-4-448,-7 7 1572,35-7 0,-23-4 0,0-4 0</inkml:trace>
+  <inkml:trace contextRef="#ctx0" brushRef="#br0" timeOffset="25826">20542 6259 10501,'-15'-19'360,"11"4"-270,-11 6 539,15 3-179,-12 4-270,10 21-180,-10 15 90,12 13-1403,0 6 1223,0-7 90,0 2 90,15 1-90,-11-1 0,12 0-1034,-4-2 1124,-9-3-467,23 12 377,-23-17-1021,16 15 482,-17-28-56,4 4-215,-6-16 308,0-4 502,-17-5 0,-5-4 0,-17 0 0</inkml:trace>
+  <inkml:trace contextRef="#ctx0" brushRef="#br0" timeOffset="25932">20362 6752 9062,'-14'-27'899,"3"0"-809,11 2 0,0-1-90,21-8 0,15 10-405,-5 6 1,3 3-496,24 1 900,-19 6 0,-1 2 0,7 2 0,13 2 0</inkml:trace>
+  <inkml:trace contextRef="#ctx0" brushRef="#br0" timeOffset="26252">21607 6176 11670,'-29'-18'90,"-15"2"180,29 4-180,-19 5 0,10 3 180,-3 3-270,1 1 0,-3 24 90,-1-2-45,7 11 0,2 3-135,-13 15 90,12-2 0,2 3-412,10-20 0,2 2 457,0 21 0,3 1-45,2 8-90,11-15 0,5-2-360,20 2 269,-12-20 0,3-3-764,11-6 1,1-4-315,10 5 1259,-4-10 0,1-3 0,7-3 0,16-4 0</inkml:trace>
+  <inkml:trace contextRef="#ctx0" brushRef="#br0" timeOffset="26484">21943 6306 10771,'-15'-19'1439,"11"-2"-1439,-12 9 540,16-1-540,0 25 0,0 14 90,0 31-90,0-4-1204,0 10 1204,0-16 0,0 4-1073,0-10 1,0 1 83,0 9 89,-1-8 1,2-2-90,13-10 989,-11 8 0,10-22 0,-13 0 0</inkml:trace>
+  <inkml:trace contextRef="#ctx0" brushRef="#br0" timeOffset="26633">21745 6648 10141,'-6'-18'90,"0"2"0,6-4-180,0 6 90,24-5 0,4 9-270,16 3-359,-5 4-181,-5 2-359,0 1 1169,2 0 0,-2 0 0,0 0 0</inkml:trace>
+  <inkml:trace contextRef="#ctx0" brushRef="#br0" timeOffset="26938">22225 6647 10051,'-15'-14'1260,"11"17"-1260,-10 18 0,14 9 0,16 3 0,-12-4 0,12 1 0,-16 0 0,14 1 0,-10-3 0,10-2 449,-7 3 1,-5-10 0,9 0-450,-7-13 90,1-3-90,1-19-90,0 12 90,3-37 0,2 17 0,4-26 0,-2 15 0,1 0-498,8-23-87,-2 7 0,0 0-494,4-7-181,-4 14 1,1 1 1259,1 1 0,7-4 0,-12 23 0</inkml:trace>
+  <inkml:trace contextRef="#ctx0" brushRef="#br0" timeOffset="27638">15752 6876 11760,'-1'40'1709,"21"-4"-1529,-15 11-804,42-1 624,-21-5 0,2 3-856,5-8 1,2 1 885,-5-4 0,0 2 0,1-2-823,9 7 0,1-2 838,4 2 0,2 0-45,1 0 0,4 2-501,-15-13 0,3 3 0,1 0 1,-2-1 530,2 1 0,-2-2 0,3 4-30,7 5 0,6 5 0,-1 0 0,-6-4-240,-7-7 1,-5-2 0,3 3-144,5 6 1,5 3 0,-2 0 0,-5-3-147,-8-7 0,-5-2 1,2 1-192,7 7 1,1 2-1,-3 1 720,-6-4 0,-3 1 0,-2-2 0,2 5 0,-1 0 0,4 12 0,1 0 0</inkml:trace>
+  <inkml:trace contextRef="#ctx0" brushRef="#br0" timeOffset="28968">18262 8260 9961,'0'-23'990,"-21"-2"-810,16 13 179,-30 1-359,11 32 0,-7 3 45,4 11 0,2 4-45,9-10 0,0 1-776,-12 26 1,4 2 775,13-21 0,3 0 0,-8 25 0,4 0-135,10-27 0,2-1-225,-6 8 1,4 0-721,12-5 1,6-4-270,21 14 1349,-12-18 0,3-3 0,30 1 0,-10-4 0</inkml:trace>
+  <inkml:trace contextRef="#ctx0" brushRef="#br0" timeOffset="29300">18675 8832 9152,'-46'-11'629,"-3"2"-629,0 9 0,3 13 90,10 3 0,17 15-180,9-1-449,33-1-1,3-5 450,25-11 0,-12-5 90,-2-8 0,-10 0 0,-3-19 180,-2 15 90,-4-31 0,-2 31 449,-2-29-449,-7 15-450,-1-10 180,-6 26 90,0 14-90,0 28-1439,17 2 360,-13-7 1079,44-1 0,-27-22 0,26 1 0</inkml:trace>
+  <inkml:trace contextRef="#ctx0" brushRef="#br0" timeOffset="29516">19275 8475 9781,'0'-10'1260,"-15"1"-1170,0 22-90,-2 32 90,6 3-90,10-1 0,2 0 0,-1 8-460,7-6 1,1 0 369,-4 9-315,3-22 1,2 1-586,0-4 1,-2-1-180,-3 11 1169,12 10 0,-16-27 0,0-1 0</inkml:trace>
+  <inkml:trace contextRef="#ctx0" brushRef="#br0" timeOffset="29683">18925 8777 9062,'0'-15'180,"0"6"-90,23-3-90,14 9-270,14-1-495,-11 3 1,0 1-855,13 0 1480,-15-2 1,-2 4 0,15 18 0,0 4 0</inkml:trace>
+  <inkml:trace contextRef="#ctx0" brushRef="#br0" timeOffset="30386">19532 8947 9422,'51'0'719,"-10"0"-719,-4-17 90,-8 13 90,-3-12 0,1-1-90,-3 12 180,-3-24-270,-4 26 0,-8-19 0,2 8 0,-10-5 0,5-2 0,-26 10 0,16-2 180,-37 10-270,21-1 270,-34 4-180,17 0-90,-9 19 180,6 4-90,21 11 90,-14 10-90,30-13 0,-7 7 0,30-9-360,-15-3-450,45 0-328,-26-2 329,28-3-1,-11-3 810,21 1 0,-14-6 0,13 0 0</inkml:trace>
+  <inkml:trace contextRef="#ctx0" brushRef="#br0" timeOffset="30904">20292 8769 9512,'0'-5'269,"0"1"181,0-1-360,-20 3-90,-1 0 0,-22 17 90,6 5 0,6 17 0,12 0-90,11-4 0,32-14 90,-18 0-90,41-17 0,-17 5 0,21-7 0,-22-17 180,8 13 180,-23-25-181,4 10 1,-9-11-270,-9 1 180,0 8-90,0 31 0,0 22 0,0 19 0,0-8 0,0 1-335,0 16 335,9-7 0,0 1-916,-4 9 916,10-23 0,0-1 0,-12 12 0,20-5 90,-20-2 0,15 9-90,-16-18 90,6 13-180,-8-28-1619,-17 1-235,-4-16 415,-17-2 1529,17-26 0,-8 3 0,14-20 0</inkml:trace>
+  <inkml:trace contextRef="#ctx0" brushRef="#br0" timeOffset="31224">20890 8797 9961,'-39'0'1529,"18"17"-1529,-17-13 0,34 25 0,-37-26 90,17 36-180,-2-21 90,-4 23 90,27-15-180,-8-1 180,11 1-90,0 9 0,24-11 90,8 9-90,14-20 90,13-2-90,-20-8-722,7-3 722,-15-23-429,-5 18 429,-4-38-90,-5 13 90,-8-10-367,-3-14 97,-26 21 0,15-10-449,-35 17-91,35 2-179,-36 3 989,17 1 0,-15 10 0,5 1 0</inkml:trace>
+  <inkml:trace contextRef="#ctx0" brushRef="#br0" timeOffset="31552">21157 8861 9602,'0'2'359,"0"8"-269,18 8-90,-13 19 0,13-21-90,-5 18 90,-10-9 90,10 0-90,-13-3 180,9 7 270,-7-12-180,7 2-180,-9-34-180,0-10 0,0-18-90,0 0-270,17 6 90,-12-1-89,13 0-721,-4-12 451,-11 15 719,23-12 0,-11 28 0,12-3 0</inkml:trace>
+  <inkml:trace contextRef="#ctx0" brushRef="#br0" timeOffset="32006">21610 8832 9781,'0'8'360,"0"1"-270,0 2-180,0-1 180,0 2-90,0-1 0,-15 0 0,11 1 90,-10-1-90,14 2 90,0-2-90,0 0 90,0 3-90,20-5-360,0 1 270,21-6 0,-8-2 90,1-22 90,-9 0 270,-10-21-270,-8 6-180,-7 6 270,-16 11-180,12 24 90,-22 39-90,24 1-762,-4-11 0,1-1 762,5 16 90,0 3-90,24 2 90,-18 1-624,15-28 1,-1 0 623,-15 27 89,12-19 1,4 0-180,5 15 450,-6-13 0,2-3 0,2-1-181,2 2-358,-24-22 89,8-6-630,-36-20-180,-14-8-179,-14 1-559,10-6 0,0 0 1548,-14 2 0,18-1 0,0-3 0,-16-4 0</inkml:trace>
+  <inkml:trace contextRef="#ctx0" brushRef="#br0" timeOffset="32650">22367 8575 10321,'0'-15'1439,"-17"0"-1079,12 4-450,-32 3 180,18 25 0,-19 17-90,20 10-324,-3 9 324,19-10 0,-6 3 0,8 20-450,21-16-540,-8-11 1,4-1-180,25 2 1169,-11-12 0,0-3 0,10-3 0,14 2 0</inkml:trace>
+  <inkml:trace contextRef="#ctx0" brushRef="#br0" timeOffset="32917">22783 8526 10051,'0'-13'2069,"-14"2"-1889,11 24-270,7 9 180,1 13-180,27 3 180,-29-5-90,24 3-294,-23 2 294,22 2 0,-23 0 90,18 0-900,-12 15 180,3-14-809,-6 20 540,-6-30 179,0 5 91,0-17-18,-17-3-98,12-4 745,-27-4 0,28-5 0,-11-1 0</inkml:trace>
+  <inkml:trace contextRef="#ctx0" brushRef="#br0" timeOffset="33049">22618 8944 8882,'-4'-36'90,"0"8"0,30-21-90,-20 22-45,28 4 0,6 2-225,-11 0-451,6 7 0,1 2-89,5 0-359,1 4 1169,0 3 0,-3 3 0,-1 1 0</inkml:trace>
+  <inkml:trace contextRef="#ctx0" brushRef="#br0" timeOffset="33318">23192 8798 9062,'3'12'809,"0"-3"-719,-1-2-90,1-3 90,2 8 270,0-2-360,4 13 0,-3-6 0,4 15 90,-4-12-90,1 13 0,-4-16 180,-1 3 899,-1-7-1169,-1-6 180,0-19-270,0-14-89,0-12-181,0-7-180,0 7-1169,16-26 720,0 13 1079,1 9 0,-1 1 0,0-3 0,-2-12 0</inkml:trace>
+  <inkml:trace contextRef="#ctx0" brushRef="#br0" timeOffset="33632">23697 8928 9512,'7'0'449,"1"0"-359,1 0-180,1-19 90,2 14 0,-1-36 180,2 22 0,-2-21 0,-1 7 0,-2-17 0,-4 12 180,-1-27-181,-3 29-89,0-8-90,-20 18-90,15 6 1,-15 3 538,8 5-359,10 30-90,-10 11 0,12 19-1110,0 5 1110,17-10 0,-4-10 0,0 0-810,10 18-989,7-11 0,2-1 1799,-7 5 0,5-18 0,2-3 0,4 7 0</inkml:trace>
+  <inkml:trace contextRef="#ctx0" brushRef="#br0" timeOffset="34833">23693 4406 9691,'0'-16'1080,"0"1"-720,0-4-180,26-2-1,-3-5 1,14 0 0,4 0-631,-10 3 0,1 0 541,15-11 0,2 0-780,-4 6 1,0 1 779,6-3 0,2 0-135,3-2 0,2-1 75,-17 11 0,0 0 0,1-1-30,0 0 0,1 0 0,2-1 0,2 0 0,2-2 0,1 0 0,-3 1 29,3-1 1,-3 2 0,5-3-30,-7 4 0,5-3 0,1 0 0,-1 1 0,-6 2 0,2-1 0,-5 3 0,3-1-270,4-2 0,3-2 1,0 1-1,-6 2-270,3-1 1,-2 1-136,9-5 0,-4 3-584,-1-1-859,-10 7 2118,-16 4 0,-8 9 0,-8 1 0</inkml:trace>
+  <inkml:trace contextRef="#ctx0" brushRef="#br0" timeOffset="36816">26523 2805 10411,'-7'0'900,"2"0"-990,0 0 180,4 14-360,-1 3-720,2 9-89,14-1-1979,-11 5 3058,10-7 0,1 8 0,2-11 0</inkml:trace>
+  <inkml:trace contextRef="#ctx0" brushRef="#br0" timeOffset="37001">26597 2432 9332,'0'-7'-90,"0"2"-1260,-9 2 1350,7 17 0,10 4 0,15 15 0</inkml:trace>
+  <inkml:trace contextRef="#ctx0" brushRef="#br0" timeOffset="37349">26947 2620 8522,'1'43'540,"0"-1"-360,1-8 90,0 2-360,-1 1 180,1 2-90,0-1-90,1-1 180,-1-2-90,-1-4 0,0-1 179,1 1 1,-1-9-90,1-3-180,-2-11 90,0-41 0,0-1 0,7-2 0,0-2 0,-3-10-90,10 0 0,-2 21 1,-10 3 268,10 4-179,-2 10 0,-1 18 180,6 18-180,-5 9 90,-4 5-809,-1-7-1350,2 17 2069,-1-12 0,3 8 0,-1-16 0</inkml:trace>
+  <inkml:trace contextRef="#ctx0" brushRef="#br0" timeOffset="37749">27567 2749 8882,'-53'0'630,"13"17"-630,-1-13 0,22 25 0,1 3 0,-13-9 45,14 13 0,4 1-45,-2-6 0,10 9 89,5-16-89,0-1 90,24-2 0,4-10-90,27-1-90,-14-10 180,1-25-90,-5-6 90,-10-15-135,-10 15 0,-2 0 45,-4-8-987,-1-16 1167,-10 17-360,0-1 360,0 1 10,-17-17-10,13 15-315,-12 10 0,0 0 135,12 1 450,-23-6-450,24 42 90,-7 35-90,10 8 0,7-2 0,1 1-2324,-4 7 1784,9-19 1,2 1-766,-6-1 1,-1-2 1248,17 19 1,-12-22-1,-1-1 1,7 8 0</inkml:trace>
+  <inkml:trace contextRef="#ctx0" brushRef="#br0" timeOffset="38068">27867 3023 9152,'46'-12'180,"0"8"-180,-24-22 0,11 23 0,-29-21 0,18 9 0,-20-5 0,6 0 0,-8 6 0,-17 0 0,13 0 180,-30 2-90,29 2-90,-31 5 179,16 1-269,-13 4 270,16 15-270,6 7 180,11 19 90,0-6-180,0 1-180,20-10-539,-15-1-1,35-3-269,-36 0 989,53 1 0,-34-11 0,32 0 0</inkml:trace>
+  <inkml:trace contextRef="#ctx0" brushRef="#br0" timeOffset="38249">28183 2887 9152,'38'35'180,"2"1"-90,-7-9-810,0 0-269,-11-8-361,0 0 1350,-1 0 0,-2-2 0,0 0 0</inkml:trace>
+  <inkml:trace contextRef="#ctx0" brushRef="#br0" timeOffset="38436">28440 2820 8972,'-12'17'180,"-10"-13"-180,10 34 0,-11-19 0,3 20 90,-2-6-270,0 5-1166,-2 1-3,1 5 1349,-2 0 0,3 1 0,1 1 0</inkml:trace>
+  <inkml:trace contextRef="#ctx0" brushRef="#br0" timeOffset="38738">28893 2598 9871,'-17'-5'90,"-1"18"-90,-3 15 0,0 10 0,19 6 0,-5-6 90,7 22 0,0-13-270,8-9 0,1 0-539,-4 6 719,19-8 0,0-2 0,-16-5 0,22 10 0</inkml:trace>
+  <inkml:trace contextRef="#ctx0" brushRef="#br0" timeOffset="38934">29293 2557 9691,'11'-7'360,"0"2"-90,1 3-90,7 18-180,-3-12 90,10 46 0,-14-26 0,2 33-900,-11 6-809,-2-9 1619,-9-5 0,-6-1 0,-2-16 0,-5-3 0,-9 11 0,-1-1 0</inkml:trace>
+  <inkml:trace contextRef="#ctx0" brushRef="#br0" timeOffset="39632">23975 4478 8432,'-4'0'2609,"-1"0"-2519,20 0 269,8 0-179,13 0 90,8 0-595,-2 0 415,11 0-90,8 0 0,-9-5 0,1-1 0,-10 4 0,1 1-655,7-3 0,5-1 0,-4 2 205,-2 3 1,-1 0-451,6-2 1,4-1-1,-4 0-135,-6 2 1,-1 0 1034,14-2 0,-1-1 0,-19 4 0,-4 0 0,1 0 0,0 0 0</inkml:trace>
+  <inkml:trace contextRef="#ctx0" brushRef="#br0" timeOffset="39970">26232 4130 9871,'1'-6'810,"-1"0"-630,0 3-180,0 19 0,0 4 90,0 14-180,0-3-630,0-6-89,0 1-361,0 0-269,0-3 1439,28 0 0,-7-6 0,25 0 0</inkml:trace>
+  <inkml:trace contextRef="#ctx0" brushRef="#br0" timeOffset="40265">26797 4154 9512,'-58'0'899,"14"0"-899,-2 0 0,16 17 0,1-12 0,5 12 0,11 0 90,-5-13-90,16 26 180,-8-15-180,38 10 0,8-6 0,16-8 45,-17-8 0,0-1-45,7-2 0,21-15-90,-33-2-180,3-15 0,-23 2-449,-24 3-811,-14 4 1530,-23 11 0,2 4 0,-1 8 0</inkml:trace>
+  <inkml:trace contextRef="#ctx0" brushRef="#br0" timeOffset="40633">27102 4186 8612,'-14'35'270,"10"-1"-270,-10-8 0,14-1 0,0-7 0,0-1 0,0-1 0,0-2 180,0-2-270,0-3 180,0-2-180,0-2-270,16-2 180,-2-2 180,4-15 0,5 11 0,-13-30 0,12 28 0,-5-36 90,-1 22 0,0-19 450,3 1-360,-5 11-90,6-3 0,-12 14 89,4 7 1,-8 2-180,1 6 0,-2 18 0,-2-14 0,2 33 90,-1-19 0,4 37 0,-1-19-675,1-2 1,1 1-406,4 2-179,6 14 1169,-2-23 0,5-3 0,0-3 0</inkml:trace>
+  <inkml:trace contextRef="#ctx0" brushRef="#br0" timeOffset="40850">27828 4048 10051,'0'-11'900,"0"23"-900,0 7 90,0 29 0,0-8-90,0 5-1170,0 4 361,12-13-720,-9 23 719,18-30-213,-19 6 1023,7-16 0,-9-5 0,0-1 0</inkml:trace>
+  <inkml:trace contextRef="#ctx0" brushRef="#br0" timeOffset="40999">27658 4273 9152,'-12'-23'0,"3"3"90,9 0-360,22 10-180,11 5-90,12 5 91,4 0-91,-9 0-668,0 17 1208,2-13 0,-1 14 0,0-18 0</inkml:trace>
+  <inkml:trace contextRef="#ctx0" brushRef="#br0" timeOffset="41332">28168 4294 9242,'-38'0'360,"2"0"-271,16 15 1,6-2-90,14 17 90,0-5-90,0-1 90,17-5-90,-13-5 90,27-9-90,-27 1 90,24-5-90,-11 2 0,9-3 0,-10-15 90,-1 11 270,-14-22 0,5 9-450,-6-9 180,0 4-90,0 23 90,0 11-450,0 24-270,0-6-269,0 3-810,19 0 449,-15-9 1260,32 3 0,-19-13 0,15-2 0</inkml:trace>
+  <inkml:trace contextRef="#ctx0" brushRef="#br0" timeOffset="41532">28597 4316 9512,'-19'-12'1259,"-3"5"-1349,-15 20 180,15 9-90,8 23 90,14-12 0,0 0-90,0-11-180,0 0-450,24-4 1,-18 1-991,38-6 901,-14-5-360,9-3 1079,2-5 0,-11 0 0,0 0 0</inkml:trace>
+  <inkml:trace contextRef="#ctx0" brushRef="#br0" timeOffset="41882">28887 4095 9691,'0'-19'0,"0"4"270,0 2 1259,0 5-1529,0 26 0,0 10 0,0 15 0,0 1 90,0-7-180,0 1 90,0 3 90,0 14-90,0-12-269,0 22-91,0-33-90,0 7 90,0-19-359,0-5 89,0-4 90,-15-6 450,-6-1 450,-20-37 90,11 25-360,10-21 0,2-3 180,3 14-180,1-24-90,5 20 90,8-1-1,-4 3 1,5-4 0,27 8-180,5-1-629,16 11-1080,14 2 1799,-22 4 0,12 0 0,-18 0 0</inkml:trace>
+  <inkml:trace contextRef="#ctx0" brushRef="#br0" timeOffset="42133">29395 3958 9961,'-39'22'630,"1"4"-630,14 13-1645,-5-2 1735,26-6-117,-16 1 207,18 3 281,-6-2-911,7 1-359,0-2-91,21-2-179,-16-2-540,38-5 1619,-23-3 0,21-4 0,-8-4 0</inkml:trace>
+  <inkml:trace contextRef="#ctx0" brushRef="#br0" timeOffset="42350">29848 3830 9602,'15'-3'809,"-1"0"-359,0 3-450,1 0 90,0 17 180,0-12-180,-1 31-90,2-5 0,-6 11 44,-5-8 1,-1-1 45,-2 13-1415,-21 16 695,15-15-899,-40 3 1529,22-15 0,0 1 0,-6-8 0,-1 0 0,-4 8 0,0-1 0</inkml:trace>
+  <inkml:trace contextRef="#ctx0" brushRef="#br0" timeOffset="42984">23062 6585 10411,'63'1'1169,"-6"0"-1079,-23-1 0,0 0-2499,29 0 2409,-28 0 0,1 0 44,4-7 1,2 0-1456,24 5 0,1 1 1456,-14-6 0,1 0-195,-7 6 0,2 1 0,-3 1-217,4-1 1,-1 0-264,-1 0 1,1 0-181,-2 0 1,0 0 809,-1 0 0,0 0 0,-3 0 0,0 0 0,0 0 0,0 0 0</inkml:trace>
+  <inkml:trace contextRef="#ctx0" brushRef="#br0" timeOffset="43752">25018 6422 8882,'23'-15'720,"15"12"-631,-33-32 271,41 15-180,-25-22-180,23 5 225,-20 6 0,-1-1-2741,13-19 2651,-14 17 0,-1-1 45,6-14 315,-6 0-495,-3 1 135,-11 15 0,-2 0 44,2-15-224,-4 12 1,-2 2 44,-1 1 402,0-4-402,-18 20 0,14 7 0,-30 19 1349,16 22-1349,-2 12 0,-2 14 293,19-1-203,-5 4-891,8 6 801,0-32 0,0 0 0,-1 1 0,2-1 0,7 1 0,0-1 0,-4 32-45,11-24 0,5-1-225,9 17-135,-4-16 1,4-3-46,17-4 180,1 3-634,-15-22 544,-1-9-150,-1-4 510,-2-3 0,-2 0 0,-1-19 200,3-4-200,-7-2 540,5-12 179,-17 13 652,0-13-1461,-8 6 511,-1 29-2220,19 24 1871,0 15 1,19 7-1,-6-16 1</inkml:trace>
+  <inkml:trace contextRef="#ctx0" brushRef="#br0" timeOffset="43920">25878 6016 9242,'-11'-4'-405,"20"1"0,13 18 0,18 5 1</inkml:trace>
+  <inkml:trace contextRef="#ctx0" brushRef="#br0" timeOffset="44234">26400 6029 10141,'-43'-9'810,"8"2"-810,1 7-90,19 22 180,-5-17-90,18 40 0,-6-24 0,8 41 0,17-22-1441,-12 16 1441,32-18 90,-31 0-90,38-4 0,-17 11 0,3-15 880,7 9-520,-22-24-360,4 0-450,-29-11-1439,-12-20 540,-2-2-181,-10-3 1530,30-11 0,-23 18 0,13-18 0</inkml:trace>
+  <inkml:trace contextRef="#ctx0" brushRef="#br0" timeOffset="44449">26785 5886 10951,'0'35'539,"0"6"-539,0-8 0,0 7 0,0-8 0,0 4 90,0 1-1079,0 17 269,0-14-1093,0 12 1003,0-20 96,0-2-186,0-5 970,12-3 1,-9-5-1,9-2 1</inkml:trace>
+  <inkml:trace contextRef="#ctx0" brushRef="#br0" timeOffset="44583">26637 6280 9512,'0'-21'179,"0"-2"-89,0 3-180,0-1 180,0 1-90,22 1 0,-17 3-1439,60 0 360,-37 8 1079,37 0 0,-25 7 0,0 1 0</inkml:trace>
+  <inkml:trace contextRef="#ctx0" brushRef="#br0" timeOffset="44833">27420 5745 10141,'-35'23'540,"8"-17"-540,1 40-522,10-25 612,0 24 0,1 13-90,7-9 0,4-5 0,1 0-540,3 11-180,7-11 1,4-1-180,12 5-451,0 9 1350,19-25 0,-36-7 0,17-2 0</inkml:trace>
+  <inkml:trace contextRef="#ctx0" brushRef="#br0" timeOffset="45056">27990 5707 9781,'17'0'450,"-1"0"-360,6 20 90,-6 6-270,3 13 270,-5 20-180,-7-15-2126,-3-4 0,-1 2 1317,-3 11 224,-9-17 1,0-1-132,4 15 716,-37-2 0,19 0 0,-22-2 0</inkml:trace>
+  <inkml:trace contextRef="#ctx0" brushRef="#br0" timeOffset="45616">22785 6754 9422,'27'-8'989,"16"6"-629,-24-14 90,19 13-271,9-13-179,-10 14 90,-2-3 0,0 1-90,8 4-1520,19 24 1430,-15-18 90,-21 17 0,0 2 0,32-5 45,-12 9 0,2 2 0,-11-11 0,2-1-45,5 4 0,6 2 0,-4-2 0,-2-1 0,0-2 0,13 8 0,4-1-270,-19-9 0,1 0 0,-1-1-180,6 3 1,2 0-421,5 1 1,4 1-1,-4-2 870,-6-2 0,-1-1 0,15 4 0,-2 0 0,-21-8 0,1 0 0</inkml:trace>
+  <inkml:trace contextRef="#ctx0" brushRef="#br0" timeOffset="46234">25613 7223 9961,'-50'0'1080,"1"0"-990,9 0 0,-1 13-90,-1-10 90,0 24-180,4-23 90,3 28 0,6-17 90,7 15-90,10 2 0,6-9 89,23 12 1,-12-18-180,41 2 1,-4-10-1,15-5-45,-16-1 0,-2-4 135,7-13 0,-9 14 0,-3-4 0,0-28 0,4 27 90,-19-28 180,-10 16-91,-2-8-269,-7 3 90,-14 12-89,11 17-1710,-11 11 629,14 17 1170,16-2 0,9-12 0,17-6 0</inkml:trace>
+  <inkml:trace contextRef="#ctx0" brushRef="#br0" timeOffset="46633">26205 7311 10501,'-45'0'1079,"-1"0"-1079,3 17 0,2-1 0,8 19 0,16-5 0,7-6 90,10-2-90,0-9 0,0-1 90,24-6-90,-18 1 0,55-6 0,-40-16 0,40-11 0,-35-10 0,5-2 0,-12 8 0,-4-4 0,-7 0 0,5-3 0,-11 0 0,4 0 90,-6 0 180,0 2-270,0 3-90,0-6 90,-16 15 90,12-1-180,-12 34 180,16 13-90,0 30 0,0-3-585,8-14 1,1 0-496,-5 10-44,9-9 0,3-1-585,3 4 1709,7 6 0,1-21 0,-6-2 0</inkml:trace>
+  <inkml:trace contextRef="#ctx0" brushRef="#br0" timeOffset="46999">26682 7269 10141,'-22'-22'1259,"2"9"-1259,-24 6 90,9 7-90,12 15 0,-4-11 0,24 28 0,-17-9 0,18 10 0,-6-2 90,8-10-90,0-1-90,22 1 0,-1-12 90,24 1 0,-5-10-89,-1-19 178,-8-7-89,-5-24-89,-15 8 178,-2-17 181,-9 22 270,0-21-450,0 27-180,0-5 90,0 17 0,0 7 90,-14 5-90,10 25 0,-10 13-989,35 30-181,-16-11-269,13-14 0,-1-1 1121,-14 8 1,25 10 0,-12-19 0</inkml:trace>
+  <inkml:trace contextRef="#ctx0" brushRef="#br0" timeOffset="47282">27285 7096 10051,'-16'-5'1349,"12"1"-1169,-27 3-90,16 1 0,-2 18-90,-1-14 0,15 31 0,-11-10 0,12 7 90,-5 14-360,7-19-1978,17 28 1438,5-28-1708,17 18 2518,-18-29 0,16 1 0,-14-9 0</inkml:trace>
+  <inkml:trace contextRef="#ctx0" brushRef="#br0" timeOffset="47500">27522 7054 10591,'5'-17'270,"1"2"359,-1 6-179,4 1-450,-2 6 540,12-1-540,-4 3 0,6 21 0,7 1 0,-8 15 0,13 10 0,-20-14 90,3 12-90,-13-11-270,0 1-450,-3-1-449,0 0-450,-24-3-450,18-2 2069,-37-3 0,38-2 0,-15-2 0</inkml:trace>
+  <inkml:trace contextRef="#ctx0" brushRef="#br0" timeOffset="48122">25568 8115 12390,'20'-5'989,"-15"-1"-989,29-1 180,-30-1 0,27-1-90,-27 0-90,31 0-90,-20-1 180,16 1-90,-3-2-270,-5 5-1169,13-1-90,-15 5-270,9 0-360,-11 2 2159,1-1 0,0 1 0,1 0 0</inkml:trace>
+  <inkml:trace contextRef="#ctx0" brushRef="#br0" timeOffset="48272">26318 8053 10681,'8'0'-90,"-2"0"90,-1 0-540,-1 0-539,1 0-270,4-12 1349,2 9 0,4-8 0,1 11 0</inkml:trace>
+  <inkml:trace contextRef="#ctx0" brushRef="#br0" timeOffset="48436">27093 8105 11490,'19'0'1260,"-1"0"-1350,-3 0 90,1 0-90,-5 0-540,3 0-989,-5 0 1619,6-11 0,-6 8 0,2-8 0</inkml:trace>
+  <inkml:trace contextRef="#ctx0" brushRef="#br0" timeOffset="49067">26817 4994 11490,'-10'-5'270,"1"1"-270,4 1 0,0-1 0,3 1-2698,-1 0 2698,26 1 0,9 1 0,23 1 0</inkml:trace>
+  <inkml:trace contextRef="#ctx0" brushRef="#br0" timeOffset="49217">27632 5204 8882,'11'7'90,"1"-1"0,0-2-540,2-2-719,2 1 1169,3-3 0,3 0 0,3 0 0</inkml:trace>
+  <inkml:trace contextRef="#ctx0" brushRef="#br0" timeOffset="49368">28772 5334 9602,'25'7'-270,"12"-2"-630,-9 3 900,23-4 0,-19-1 0,10 1 0</inkml:trace>
+  <inkml:trace contextRef="#ctx0" brushRef="#br0" timeOffset="49486">29697 5457 8972,'12'9'-563,"0"-3"1,-3 1 0,-1-2 0</inkml:trace>
+  <inkml:trace contextRef="#ctx0" brushRef="#br0" timeOffset="50382">24322 9049 9512,'0'6'1529,"0"-2"-1259,16 0-1,-12-2 91,54 1 0,-26-1-1294,3 0 0,4-1 934,19 2 0,-24-2 0,2-1 0,1 1 0,2 0 45,4 0 0,0 0 0,4 0 0,0 0-90,1-1 0,3 1 45,-1 0 0,3 1 0,-1-1-315,6 1 0,2 1-375,4 0 1,5 1 0,-6 0-31,-8 1 0,-3 1-1221,14 2 0,-4 0 1941,-23-1 0,-5 1 0,28 8 0,-7 1 0</inkml:trace>
+  <inkml:trace contextRef="#ctx0" brushRef="#br0" timeOffset="52332">26643 9214 10771,'23'-15'270,"15"11"-270,-33-30 180,46 16-90,-29-19-90,27 6 0,-15-3 0,0-2-62,-4 1 242,-2-4-90,-5 0-90,-4 1 0,-4-2 270,-7 3-90,0-2-282,-7-8 102,3 12 0,-4-10 0,0 25 0,-18 2 0,0 27 90,-15 21-90,16 9 0,6-2 0,2 2 0,7 14 0,-2-5 0,-1 1-1313,5 8 1358,0-20 0,0-1-135,0 11 74,26-3-344,-19-3-135,25-17 1,4-1-136,-9 9 270,12-11 0,2-5 91,1-3 179,-7-7 0,-1-2 90,5-3 45,-5-8 0,-2-5 404,-6-6 629,9-19-268,-29 8-361,-3 3-538,-19 12 1323,12-1-1144,-11 27-370,32-2-800,-12 23-89,27-17-270,-28 13-436,29-26 1875,-29 22 0,31-22 0,-14 7 0</inkml:trace>
+  <inkml:trace contextRef="#ctx0" brushRef="#br0" timeOffset="52484">27350 8881 9332,'-5'-7'-900,"4"0"900,19 5 0,9 17 0,22 7 0</inkml:trace>
+  <inkml:trace contextRef="#ctx0" brushRef="#br0" timeOffset="52786">28007 8888 10411,'-54'0'630,"13"0"-720,-9 0 90,33 12 180,-17 6-270,32 16 180,-10-4-90,36 5-90,-18-8 90,46 3 0,-29-1-945,24 2 855,-11-2 180,-2-1-90,-4-2-178,-2 3 628,0-10-360,-9 3-90,-4-15-1169,-26-3 89,-10-3-89,0-17 180,-12 12 989,18-26 0,-5 4 0,9-17 0</inkml:trace>
+  <inkml:trace contextRef="#ctx0" brushRef="#br0" timeOffset="52999">28380 8638 9602,'14'-2'1798,"-1"1"-1438,-6 20-360,-2 6 0,-3 12 0,-1 2 90,3 9-90,-1-9-1167,3 14 1257,1-17-450,0 1-26,2-2-514,0-1 180,-1-1-89,0-4-990,-3 9 1799,-2-13 0,-2 6 0,-1-15 0</inkml:trace>
+  <inkml:trace contextRef="#ctx0" brushRef="#br0" timeOffset="53116">28193 9056 9062,'-12'-24'270,"3"1"-180,9 0-180,30 0-90,-4 0-855,12 8 1,5 2 1034,14-7 0,-17 9 0,0 0 0,22-1 0</inkml:trace>
+  <inkml:trace contextRef="#ctx0" brushRef="#br0" timeOffset="53749">24300 9328 11311,'37'16'359,"-7"5"1,2 2-90,16-1-3100,4 13 0,2 3 2875,-17-15 0,0-1-45,16 11 0,1 0-539,-13-8 0,0 0 539,3 1 0,1 1-82,0 1 0,1-1 82,2 2 0,0 0-45,1 1 0,0 1 90,-1-2 0,2 3-328,-4-3 0,1 3 0,-1-2 283,5 4 0,2 3-23,-14-9 1,4 4-1,-1 0 1,-4-3-293,6 7 0,-3 0-465,2 2 1,2 3 0,-5-3-12,-6-4 1,-3-2 790,8 9 0,-2-1 0,-13-14 0,-2-2 0,18 24 0</inkml:trace>
+  <inkml:trace contextRef="#ctx0" brushRef="#br0" timeOffset="54499">26882 10428 10231,'-36'-4'720,"2"1"-540,6 2-180,-3 1 90,0 0-90,1 0 0,4 17 0,1-12 0,2 25 0,10-13 90,2 12-90,36-1 89,9-6-89,15-10-868,1-6 778,-10-6 180,-1 0-203,-2 0 113,-2-16 90,-5 11 0,-4-24-180,-6 25 180,-9-22 360,2 9-270,-12-12 686,5 5-866,-6 7 25,-14 8-115,10 19-809,-10 9-181,33 18-89,-15-6 0,31 0 1169,-31-10 0,35-9 0,-11-4 0</inkml:trace>
+  <inkml:trace contextRef="#ctx0" brushRef="#br0" timeOffset="54882">27475 10430 10501,'-45'-5'810,"0"1"-810,6 4 89,15 16-178,-5-12 89,16 28 89,-6-8-89,10 19 90,9-8 0,17-4-270,9-6 180,24-9-179,-8-2 89,3-10-90,4-28 180,-13 17-549,-11-17 0,-2-3 639,5 4-180,-1-26 90,-7 8 0,-5-2-807,-7-2 807,-2-1 404,-6 12 1,0 1-135,3-18-90,-11 12 0,-1 1-270,5 0 0,-12-6 90,16 26-90,-13 3 270,10 8-180,-9 21 0,12 16 0,0 11-225,8-6 0,1 1-584,-5 14 251,4-16 0,1-1-521,7 17-450,-12-4 1509,27-1 0,-16-4 0,12-3 0</inkml:trace>
+  <inkml:trace contextRef="#ctx0" brushRef="#br0" timeOffset="55266">28077 10375 10231,'-18'-11'810,"-8"3"-810,-11 8 0,1 17 0,12 5 90,12 18 0,5 0-90,7-9 0,17-12 90,-12 1-90,27-18-180,-9 10 270,16-12-90,-6-19-90,5-10 180,-18-10-915,-2-6 825,-2 9-90,-14-3 180,12-1-180,-13 0 180,2-3 180,-3 2 63,0-15-153,0 18-180,0-14 0,-13 32 450,10 2-450,-11 29 0,14 21 90,0 8-135,-1-4 0,2 2 45,13 14-1799,-12 7 0,-1 2-90,12 4 1741,-12-15 1,-2-1-1,1-3 1,0-3 0</inkml:trace>
+  <inkml:trace contextRef="#ctx0" brushRef="#br0" timeOffset="55866">24370 9743 9691,'35'0'900,"-4"0"-540,-1 23-180,-1-4-90,-3 10 0,1 4-2034,16 13 1944,-10-11 0,-1 1 45,-6-4 0,-2 0-45,2 3 0,1 0 45,0 1 0,0 4-45,0-2 0,1 3 0,0-2-715,4 8 0,0 0 745,-4-5 0,2 1 0,-2-2-75,3 5 0,-1-2 90,-1-1 0,4 3-45,-4-5 0,3 4 0,2 0 0,-4-3 0,-3-4 0,-1-4 0,2 5 22,9 11 1,4 6-1,0 0 1,-6-7-23,1 0 0,-2-2-120,2 5 0,3 5 0,-4-5-105,-6-7 0,-2-1-270,9 13 1,-1-2-46,-15-18 1,-1-4-1,1 0 0,-1-1-288,-2-2 1,0 0 827,17 23 0,-3-6 0,-1-4 0</inkml:trace>
+  <inkml:trace contextRef="#ctx0" brushRef="#br0" timeOffset="56699">26737 11744 10231,'-4'11'1169,"1"10"-1079,22 10 90,-14 5-180,14-7 0,-7 15 90,-9-10 180,9 10-180,-2-19 180,-7-3-90,7-4 0,-10-5 0,0-2-90,0-4-90,0-2-180,0-18 0,0-9-360,0-10 180,0-6-449,0 5-1,0-4-179,17-3-1980,8-17 2969,-3 14 0,-2 16 0,3 2 0,5-6 0</inkml:trace>
+  <inkml:trace contextRef="#ctx0" brushRef="#br0" timeOffset="57033">27285 11975 10591,'0'5'630,"0"0"-630,0-21 0,18-2 90,0-21-90,4 10-90,5-2 180,-24 10-90,11 0 0,-6 0 0,-6 2 0,6-4 0,-8 8 89,0-2 271,-21 13-270,-3 1-180,-25 21 180,14-13-90,10 20 0,3 3 0,-3-5 0,8 9 0,3 2 0,3 0 90,2 10-90,9-17-450,18-1-269,-13-3-271,39-4-89,-21-5-360,27-7 1191,-7 0 0,3-6 1,4 2-1</inkml:trace>
+  <inkml:trace contextRef="#ctx0" brushRef="#br0" timeOffset="57982">27803 11702 9961,'0'43'810,"0"4"-900,0-8 270,0 3-270,0-12 90,11-1 0,-8 0 0,8-3 180,-2 6-180,-7-11 449,7 5-898,-9-16-271,0-16 450,0-12-179,0-25 359,0 5 90,0-8-90,23-6 90,-18 10 0,13 9 0,2 3 449,-1-2 811,9-6-990,-3 27-270,-5 1 0,-1 29 0,-3 5 89,0 0 91,-1 30-270,-5-32 180,5 37-90,-7-33 180,0 10 0,-3-21-270,-2-1 90,1-9 90,1-21-180,0 12 90,8-43-90,-3 27 90,6-29 0,-3 20 0,1-4 0,1 3-90,6-8 90,-6 13 450,6-3-450,-11 17 90,2 6 0,-6 1-90,0 4 0,0 22 0,1-17 0,-1 38 0,1-24 0,3 36-90,-3-19-809,7 25 179,-4-26-90,4 6-179,-1-18-90,2-4-271,4-5 1350,1-7 0,6-4 0,0-3 0</inkml:trace>
+  <inkml:trace contextRef="#ctx0" brushRef="#br0" timeOffset="58264">28768 11716 11311,'0'-16'449,"0"3"-269,0 4 90,-22 4-270,0 2 90,-20 18-90,7 9 0,6 20-90,12-7 180,8 14-90,9-22 0,0 7 90,21-15-90,-15-4 0,34-9 90,-36 2-90,35-9 0,-17 4 0,2-24 0,5 14 0,-26-49 90,9 32-270,-12-44 0,0 35-180,0-11-179,-21 17-361,16 4-269,-30 3-720,31 5 450,-10 2 1439,3 5 0,8 3 0,-8 3 0</inkml:trace>
+  <inkml:trace contextRef="#ctx0" brushRef="#br0" timeOffset="58582">29047 11688 11221,'0'2'359,"0"8"-269,0 22-180,0 2 90,0-6 0,0 16 90,0-11-90,14 10 0,-11-16 90,23-3-90,-23-4 0,21 0 90,-12-10-90,15-1 0,-10-25 0,7-10 0,-11-11 0,4-6-90,-7 4-90,0 0-359,-3-1-721,-1-14 541,-3 15-1620,-1-17 2339,-2 31 0,0-2 0,0 15 0</inkml:trace>
+  <inkml:trace contextRef="#ctx0" brushRef="#br0" timeOffset="58865">29472 11860 10411,'10'6'90,"0"-1"-90,8-2 0,-6-16 90,14-5 0,-12-1-180,6-11 180,-8 26 0,0-26 360,-4 11-540,-2-12 270,-3 4-91,-25 8-89,0 10 90,-23 26-90,7 10 90,7 24-90,12-7-180,11 14-359,8-21-1710,26 20 720,13-28 1194,17 5 0,3-23 1,-9-5-1</inkml:trace>
+  <inkml:trace contextRef="#ctx0" brushRef="#br0" timeOffset="59366">28993 10031 9062,'-12'-5'1529,"-1"1"-1169,-5 2 0,-2 2-271,-3 18-89,-16 12 0,8 11-1186,-9 9 1275,17-9 1,3 4-761,8 20-49,5-16-269,5 13-181,26-25-179,-18-4 1349,44-6 0,-27-6 0,23-3 0</inkml:trace>
+  <inkml:trace contextRef="#ctx0" brushRef="#br0" timeOffset="59584">29145 10117 9062,'22'-5'1709,"2"1"-1619,22 2-90,-23 16 180,12-10-180,-30 29 0,25-15 90,-27 16 0,17-3 0,-18 16-180,5-9-1789,-7 12 799,0-17-179,-20-1 1311,-5 7 0,1-13 0,4 4 0</inkml:trace>
+  <inkml:trace contextRef="#ctx0" brushRef="#br0" timeOffset="60066">29238 8522 9242,'-17'17'809,"0"10"-629,0-24-90,0 29 180,-1-16-270,4 18 90,1-4-90,3 1 0,2 5 90,4 2-90,3 1 90,1 0-270,0 0-450,22 0-89,-17-2-1260,39 10 365,-14-15 1539,13 4 1,-1-18 0,-10-3 0</inkml:trace>
+  <inkml:trace contextRef="#ctx0" brushRef="#br0" timeOffset="60272">29462 8654 9152,'20'-4'809,"19"1"-719,-20 2-90,19 1 180,-8 0 0,-1 17-90,-2-12 0,7 49-90,-18-29 0,-2 13 0,-4 3-1079,-8 5-586,-9-1 1,-1 0 1436,3 11 1,-16-17-1,-3-1 1,-6 15-1</inkml:trace>
+  <inkml:trace contextRef="#ctx0" brushRef="#br0" timeOffset="60838">30225 11381 11400,'-36'0'0,"3"18"90,7 2-90,11 14 90,-4-2-180,17-2 180,-7 3-90,9 2 0,0 0 90,0 1-270,0-1-1079,19 12 360,5-15-181,-1 7-539,20-20 1619,-26-4 0,23-5 0,-13-4 0</inkml:trace>
+  <inkml:trace contextRef="#ctx0" brushRef="#br0" timeOffset="61083">30540 11423 11311,'0'-6'1259,"19"2"-1259,5 4 90,-1 19 0,17-14 0,-14 49-180,10-31 90,-15 13 0,-4 4 90,2 4-90,-9-4 0,-4 1-745,0 8 25,-6 14-269,-21-20-810,16-4-450,-46 0 2249,25-6 0,-28-2 0,11-4 0</inkml:trace>
+  <inkml:trace contextRef="#ctx0" brushRef="#br0" timeOffset="61710">26892 12763 12930,'17'16'-1440,"8"-4"1,12-12-360,3 0-539,0 0 2123,7 0 1,8 14 0,4 3 0</inkml:trace>
+  <inkml:trace contextRef="#ctx0" brushRef="#br0" timeOffset="61866">28248 12822 11580,'43'0'720,"-1"0"-630,-4 0-90,1 0-90,-3-9 180,0 6-90,1-14-360,-3 15-180,3-6-1798,12 2 359,-10 5 1979,11-5 0,-13 6 0,1 0 0</inkml:trace>
+  <inkml:trace contextRef="#ctx0" brushRef="#br0" timeOffset="61990">29770 12797 10501,'39'0'-90,"-4"0"-989,-3 0-1440,11 0 2519,-10 0 0,11 0 0,-13 0 0</inkml:trace>
+  <inkml:trace contextRef="#ctx0" brushRef="#br0" timeOffset="62155">30847 12637 12570,'46'-3'180,"0"-2"-180,-1 1-1998,-2-2 1368,-2-1-359,0-1 943,-6 2 0,0 0 0,6-1 0,22-2 0</inkml:trace>
+  <inkml:trace contextRef="#ctx0" brushRef="#br0" timeOffset="72640">19383 10170 7623,'0'-9'989,"0"3"1799,0 3-2788,0 17 540,0 9-405,0 11 0,0 8 135,6 11 0,1 9-225,-4-8 0,-1 5 0,0 4 0,1-1-1131,2 4 1,1 1 0,1 0-1,-2-2 1108,-2-5 1,0-1-1,0-1 1,0 0-23,1 1 0,0 1 0,0-3 0,0-7 357,0-2 0,0-2-357,0 5 0,0 6 0,0-5-493,0-4 0,0-2 493,0 16 0,1-2 0,-2-18 0,1-3-45,-2 1 0,0-2 90,1 0 0,0 0-45,-2 11 0,0 1 0,0-14 0,0 0 45,-1 19 0,0-2-135,0 2-842,0-15 0,0-1 1022,0-1-90,0 7 1639,0-21-1639,0-2 192,0 0-192,-13-7 981,10 3-981,-9-12 0,12 0 0,0-6 0</inkml:trace>
+  <inkml:trace contextRef="#ctx0" brushRef="#br0" timeOffset="73219">18980 12064 9961,'16'13'2159,"8"-9"-2069,-21 19 270,18-20-360,-13 25 180,8-14 0,-1 19-180,0-7 90,1 7-180,-1 2 180,2 5 0,-1 2 89,1 4-89,-4-11 0,1 0-473,4 21 383,2-8 0,-1 0-631,4 6 676,-5-18 0,0-2-45,8 11 0,4-4-51,3-3 96,-6-14 0,1-2-45,17 11 135,-5-10 0,1-1 45,7-2-90,-7-8 0,-1-2 90,5-3-337,12-1 157,-21-6 0,-2-16 90,-3 12-180,10-44 90,-11 25-855,8-29 855,-12 13 0,-1-4-269,1-5-271,0-6 225,-12 24 0,-1-2-854,9-19 0,-1-3 314,-3 11 1,0-1-490,6-17 0,1-1 1344,-7 16 0,1 1 0,0-1 0,1-1 0,0 2 0,0-1 0</inkml:trace>
+  <inkml:trace contextRef="#ctx0" brushRef="#br0" timeOffset="75166">17707 14521 10141,'0'-6'1529,"7"3"-1529,0 16 0,2 16 90,-1 8 270,-7 14-270,2-3-2077,-3 9 1987,0 4 0,0 5 0,0 0 0,0 1 0,0-2 0,0-2 0,0-5 0,0-6-140,-13-6 230,10-7 0,-10 0-90,13-15-90,0-1 90,-7-17 0,5-20 0,-9 10 0,10-42-270,-3-8 270,4 20 0,0-3 39,-1-26 0,2-1-84,7 22 0,0-2 45,-7-7 0,-2-6 0,5 5-45,11 4 0,1 2 45,-14-15 0,0-1 0,11 9 0,1 3-45,-6 15 0,0 0 135,2-13 0,3 4 180,15 9-180,-11 1 873,4 26-963,-5 4 90,17 46-90,-8-13 0,-2 14 0,0 4 0,1 6-225,-6-5 1,-1 2-1411,3 12 915,-7-22 1,-2-1-720,5 16-360,2-4 1799,-1-5 0,1-5 0,-2-3 0</inkml:trace>
+  <inkml:trace contextRef="#ctx0" brushRef="#br0" timeOffset="75582">18545 14452 10501,'0'-9'1709,"-17"3"-1619,-1 25-90,-21 11 0,9 13-451,-2 2 451,9-11 0,0 2 0,3 0 0,-6 13 0,11-15-180,-3 7-84,8-15 84,4-11-630,0-1 720,5-32 90,21-14-90,-15-13-949,33-5 1039,-34 9 0,34-2 0,-21-1 269,20 4 220,0-9-219,-6 17 270,17-2-360,-18 23 90,7 5-167,-11 6-13,-1 24 0,-2-3-90,-7 11 0,-1 2 90,7 15-484,-6-2 0,-2 3 304,-1 13 60,-6-17 0,-2 6 0,0-5-285,-2-10 1,0 1-226,-1 8 0,0 5 1,-1-8-451,0 14 0,-1-12 1,0-3-183,0-5 1172,0 5 0,0-25 0,0-4 0</inkml:trace>
+  <inkml:trace contextRef="#ctx0" brushRef="#br0" timeOffset="75888">19273 14967 10951,'11'-15'989,"0"4"-989,-6 5 180,0 3-90,-23 21-90,-7 13 0,0 10 0,-4-8 0,2 1 0,18 11 0,-18-6 0,2 0 0,20 6-590,-12 9 680,17-21-204,0-7 114,17-5 0,9-5-90,22-9 90,-7-19-198,1 8 198,-14-36-90,0 19 90,-4-22 0,-11 5 0,7-1 0,-18-4-180,8 2 0,-10-17-270,-21 16-809,-4-17 450,-1 30-1080,-18 1 2031,19 19 1,-3 5 0,8 4 0</inkml:trace>
+  <inkml:trace contextRef="#ctx0" brushRef="#br0" timeOffset="76370">19798 15017 10771,'0'-20'899,"-20"8"-809,-3 5 0,-19 22-180,2 15 180,18 10-90,5-7 0,3 1-1358,5 11 1358,-5 14-346,9-9 436,21-14-200,5 2 110,0-19 0,16-9 0,-10-4 0,11-30 0,-2 4 0,-11-24 0,-4 7-45,-7 4 0,-1-3 691,4-20-646,-7 1 0,-1-1-242,-5 21 0,-2 0 242,0-14 0,0 1 0,-2 12 0,0 2 0,1-2 0,-2 0 0,-9 0 0,0 0 90,8 1 0,0 0 90,-7 1 0,-2 0 180,-3-30-225,12 27 0,0 1-19,-13-13 64,5-5 180,8 36-270,-8 24 196,10 12-286,7 13 0,3 5 0,8 15 0,0 4 0,-1 3 229,-8-20 0,-1 2-409,2 7 0,0 4 0,-1-4-135,-1-2 0,-1 1-675,3 11 1,2 7 0,-1-8 179,0-12 1,0-2 809,-2 6 0,1 3 0,0-8 0,5 6 0,5 7 0</inkml:trace>
+  <inkml:trace contextRef="#ctx0" brushRef="#br0" timeOffset="77066">20260 15316 10951,'3'-11'809,"1"3"-539,0 8 0,1 0-180,5 0-180,-2 0 180,10 0-90,-4 0 0,16-15 90,-11 0-90,16-18 0,-18 9-180,11-27 90,-20 19 90,-2-1 0,-2-2 0,-4-3 0,-19-11 0,14 14-90,-31 3 90,32 2 0,-31 5 0,30 6 0,-29 5 0,14 7 0,-10 27 0,12 0 0,9 23 0,9 16 90,0-11-135,7-14 0,3 1 90,3-1 0,0-1-1386,10 16 1341,0-19 0,1-1 90,-4 4-180,23-5-90,1-3 90,-11-13-90,19-2 90,-24-10 90,11-16 0,-20-8-89,0-11 178,-11-17-178,-4 17-1400,-2 2 0,-1-1 1489,-1-7 0,0-15-47,0 18 47,0-2 0,0 5 0,0-2-269,0-12 44,0 4 0,0 0 45,0-1 45,7 6 0,3 0 45,9-9 0,-2 6 0,1 0 75,1-7 15,-4 17 0,-1 0-442,-4-25 442,6 14 2584,-9-21-2584,-7 33 359,0-13-269,0 25 62,-21-2 28,16 10 1223,-16 4-1313,7 0 803,10 4-803,-11 0 1230,5 4-870,8 20-181,-8 13-89,10 13-90,0-6 0,0 0-90,0 16 45,9-2 0,2 2-362,-9-22 0,0 1 317,14 27 0,2-1 45,-9-24 0,0 1-90,7 25 0,2 0-740,-5-25 1,0-1 424,2 9 0,-1 2-1034,1-3 0,1-3 359,-3-11 1,1-1 1034,4 8 0,1-3 0,11 4 0,2-3 0</inkml:trace>
+  <inkml:trace contextRef="#ctx0" brushRef="#br0" timeOffset="77654">21525 14755 12210,'0'-11'1169,"0"2"-1169,0 2 0,0 2 0,0 2 0,-16 0 0,13 17 0,-30 10 0,10 9 0,2 6-90,-11-5 180,29 3-90,-9 3 0,12 17 0,25-13 0,-8-10 0,3-1-90,30 2 180,-16-12 0,-1-1-845,4-2 1294,7 0-179,-19-10-450,-12-5-809,-22-1 89,-30-3-269,-13-1-1556,1 0 0,-1 0 2635,16 0 0,0 0 0,-17 0 0,0 0 0,15 0 0,0 0 0</inkml:trace>
+  <inkml:trace contextRef="#ctx0" brushRef="#br0" timeOffset="77815">22337 15306 10321,'15'-13'-720,"-5"10"1,-4-10-1,-6 13 1</inkml:trace>
+  <inkml:trace contextRef="#ctx0" brushRef="#br0" timeOffset="79878">22235 15105 12480,'36'-16'0,"1"12"90,2-31-1907,8 30 1547,-18-15 0,2-3-405,3 13 1,0 1-316,5-10 1,0-2-761,0 6 0,1 2 1750,2 0 0,-1 1 0,1 0 0,-1 0 0,1 2 0,-1-1 0</inkml:trace>
+  <inkml:trace contextRef="#ctx0" brushRef="#br0" timeOffset="81320">24147 13676 9871,'0'-29'1619,"0"3"-1259,2 4-270,-2 4-90,4 3 0,-3 5 0,1 3 450,-1 3-360,1 4 180,1 0-270,2 17 90,0-13-90,2 39-90,1-20 135,-1 12 0,1 4-45,3 13-409,-2-15 1,0 0 498,4 17-90,2-1 0,2-5 0,9 13 0,-3-20 0,-5-12 0,0-2 0,4-3 90,4 2-90,-11-17 0,-4-2-90,-2-5 90,-1-1 0,-1-1 727,2-23-817,-3 3 180,4-25-90,-2 6 0,-2 4 0,0-1-332,2-22 377,-2 8 0,0 0-135,-1-5 45,-1 15 0,-1 2 45,0 5 90,0-1 0,0 25-90,-1 4 90,3 5-180,3 15 180,1 17-180,6 8-167,-2 13 257,2-6 0,-2-9 0,1 1-360,8 22-270,-1-10 1,2-1-361,7 7 360,-11-23 1,3 0 629,2-6 0,1-4 0,16 10 0,-14-14 0,0 0 0</inkml:trace>
+  <inkml:trace contextRef="#ctx0" brushRef="#br0" timeOffset="81849">25198 13988 9512,'-16'-25'1259,"12"0"-1079,-28 5-270,12-5 90,0 11 90,-6 0-90,24 28 0,-8 15 0,10 10 0,26 7 0,-19-8 0,13-10 0,3 1 0,3 16 45,-5-9 0,-1 0-45,6 2 180,3 18-180,-26-30-1440,8 9 541,-30-25 719,-4-19 180,-1-17-90,7-12 180,17 2-180,0 7 90,0-1 90,20 0-90,-14 0 90,22 9 0,5 1 0,-7-10-45,12 6 0,4 2-481,0-2 436,15-4 0,-18 11 180,-3 1 270,-2 4-180,1-4-270,-12 5 90,2-7-90,-19 8 90,0-7 0,-23 6 0,13-3 0,-31 1 615,7 6-705,-19 0 90,8 5-90,-5 2-90,29 17 180,-15 4-90,27 22 0,-8 3 90,29-7-630,9 11-179,-3-22-1218,28 6 857,-29-15-269,27-3 1168,-13-3 1,1-4 0,0-3-1</inkml:trace>
+  <inkml:trace contextRef="#ctx0" brushRef="#br0" timeOffset="82150">25878 13893 9781,'0'-14'720,"-13"1"-360,10 0-270,-11 22-90,14 9 0,0 15 90,17 20-90,-12-16 0,11-6 0,3 1 0,-3 5 0,14 20 0,-17-28 449,-4 4 361,-3-15-990,-5-7 180,4-21 0,-5-17 0,0-31 0,0 3-90,0-6-270,10 25 1,1 1-271,-6-17-225,11 9 1,2 2-46,-1 0 900,15-16 0,-6 35 0,-1-2 0</inkml:trace>
+  <inkml:trace contextRef="#ctx0" brushRef="#br0" timeOffset="82554">26673 13854 9691,'1'-10'990,"1"0"-630,-1 1-1,0-4-269,0 2-90,-1-1 0,2 7 90,-2 0-90,1 3-90,-1 0 90,3 0 0,-1 2 0,1 0 0,-1 0 0,0 0 0,-1 0 0</inkml:trace>
+  <inkml:trace contextRef="#ctx0" brushRef="#br0" timeOffset="83149">22620 15194 11041,'35'0'1799,"-4"0"-1529,4 0-181,-1 0-89,6 0-650,7 0 740,6 0-90,6 15 45,-11-6 0,2 3-295,-10 1 0,2 2-20,6 0 0,5-1 1,-3 0-367,-3 0 1,1 0-355,4 3 1,6 2-1,-5-1-827,-5-1 1,-2 0 1816,15 5 0,-2 1 0,-20-8 0,-1 0 0,-1-1 0,0 0 0</inkml:trace>
+  <inkml:trace contextRef="#ctx0" brushRef="#br0" timeOffset="83815">24838 15234 11041,'-3'-4'629,"3"22"-539,-3 11-90,3 13 0,0 2 0,0-7 0,0 22 0,0-15 0,0-8 0,0-1 0,0 2 90,0 19 0,0-31 0,0 4-90,0-16 0,0-4 0,0-3-90,0-26-90,0-11 90,0-2 0,0-4 0,0-27-864,0 26 1,0-1 953,0 5 0,0 0 0,0-1 0,0-2-91,-1-1 1,2-2 45,7-17 0,1 0 0,-8 14 0,2 0-311,7-1 0,3-2 1,2 5 355,-1 7 0,4 2 0,9-12 0,5 4 0,18 6 450,2 2-508,-17 22 58,-2 7 0,-2 2 1789,4 16-1699,-13 15-90,0 29 0,-17-3-497,-1-13 0,-5 0 497,-23 10-45,22-17 0,-3-1-180,-19-11 0,0-2-584,17 22 867,-44-6-2757,20 5 2699,-2-13 0,-9 0 0,20-15 0</inkml:trace>
+  <inkml:trace contextRef="#ctx0" brushRef="#br0" timeOffset="84150">25445 15273 9781,'0'26'1080,"0"0"-990,0-1 270,0 10-360,0-10 0,0 22 0,0-20 0,0 18 0,0-21 0,0 4 179,0-12 91,0-5 90,0-2-90,0-3-360,0-18 90,0-10 0,0-11-270,0-7-180,0 7-359,0-4 89,16 0-989,3-13 810,0 13 899,27-11 0,-30 26 0,25 1 0</inkml:trace>
+  <inkml:trace contextRef="#ctx0" brushRef="#br0" timeOffset="84466">25942 15492 11400,'7'8'360,"-3"-2"-180,1-3-180,-5 0 0,-17-2-90,-7-1 180,-10 15-90,11 2 0,2 18 0,19-2 0,-7 0-180,35-15 180,4 1 90,15-17-90,6 4 0,-19-21 0,5-9 0,-11-8-90,-14-5 180,1-6-90,-13 10-360,-20-23 1,15 28-1350,-34-14-360,15 25 2069,-15 2 0,16 11 0,8 4 0</inkml:trace>
+  <inkml:trace contextRef="#ctx0" brushRef="#br0" timeOffset="85218">26608 15457 10231,'-26'-13'1529,"-2"3"-1529,-30 10 0,16 0 0,0 0 0,27 18 0,-14-14 90,25 34-180,-21-11 180,22 9-90,-5 8 0,36-20 0,-21 4 0,46-17-90,-31 2 90,23-11-180,-11 6 90,0-8 90,-3 0 90,0-20-90,-5 16 0,-2-37 0,-5 5 0,-3-12-45,-11 10 0,-1-1-527,2-14 572,-5 17 0,-2-1 270,1-20 0,-19-1 0,14-1-180,-14 3-90,2 5 0,13 8-90,-24 1 180,26 18-90,-9 28 0,11 57 44,9-30 1,0 3-853,-8 29 1,3 0 852,13-28 0,2 1-45,-9 24 0,-1 1 0,1-28 0,2 0 0,7 18 0,-1-3 0,-5 0-538,18 7 448,-14-29-90,-3-7 0,0-7 1566,-2-5-1566,0-5 270,1-2-180,5-19 980,-4-8-800,8-25 90,-11 9 90,2-2 0,-8 16 0,-1 2-180,-2 4-180,0 4 180,-1 2-90,0 9 0,2 16 0,1-4 0,10 50 0,-5-33-135,2 12 0,0 1-135,3-6-539,9 14 539,-7-28-90,10 9 360,-9-21-90,3 6 180,-2-23-90,-6 12 360,4-28-1,-10 8 1,0 3-270,-5-16-90,0 21 90,-1-11-90,0 32-270,0 13-359,0 17-361,0 1-179,0-8-270,16 1 1439,-12-1 0,29-3 0,-11-3 0</inkml:trace>
+  <inkml:trace contextRef="#ctx0" brushRef="#br0" timeOffset="85754">27730 15564 10591,'1'-28'989,"0"2"-629,-1 0-180,0 3 180,-22-5-360,17 12 90,-30 1-90,20 12 90,-14 27-90,14 8-90,-5 30-90,18-11-630,8-12 1,7-2-91,20 0 225,-3-11 1,4-3 314,18-12-162,0-4 342,-15-7 0,0 0 180,12-21 90,-12-11 90,7-12 134,-26 10 1,-3-1-45,7-11 90,-7 2 0,-2-1-261,-2-12 531,-5 6 0,-1 0-727,-3-9 322,-1 20 0,0 2 135,-1-9-360,0 6 0,0 7 381,-14 5-201,11 13-90,-10 26-180,13 27 180,17 15-1084,-12 10 994,13-8 0,-1 3 0,-13 1 0,9-17 0,2 0 151,-3 19-556,-5-13 1,-1-1-316,3 0-360,-8-10 1,-2-1 539,1-7 91,-26 6 449,-8-27-2780,-31-4 3050,13-22 89,0 14-110,18-39 111,5 23 90,5-23 539,6-6-989,8 9 45,18 7 0,7 0-45,13-6-135,14 9 0,5 2-256,-13 13 1,0 3-60,16-6 1,0 4-586,-11 6 1,-1 3 1034,1 1 0,1 1 0,-1 2 0,0 1 0,-1 1 0,1 0 0</inkml:trace>
+  <inkml:trace contextRef="#ctx0" brushRef="#br0" timeOffset="86364">22652 15341 11580,'26'23'1170,"14"-17"-810,-22 39-976,21-24 1066,-6 22-360,6-3-90,-6-7 0,1 1 0,-8-6 0,2 2-1093,6 3 0,4 4 0,-3-4 1093,0 1 0,0-1 45,14 11 0,0 0-155,-12-11 0,0-2 155,1 3 0,1 0-45,-1-1 0,2 1-270,-4-1 0,2 2 0,-1-1-90,4 4 1,1 2-481,3 4 1,2 3-1,-4-2-15,-4-5 1,-3 0 854,-5-7 0,2 3 0,-4-3 0,1 3 0,-3-2 0,0 0 0,0 0 0</inkml:trace>
+  <inkml:trace contextRef="#ctx0" brushRef="#br0" timeOffset="87702">24940 16746 9332,'0'-29'1619,"12"0"-1259,-9 3-271,9 2 271,-12 2 450,0-2-720,0 7-180,0 1 180,0 10-90,-18 3 0,13 29 0,-28-2 0,21 13 0,2 4 0,-10 18-234,4-18 0,1 3 189,13 6 0,1 0-1229,-6-11 1,1 0 823,2 11 1,8-1-226,8-16 1,3-2-886,8 28 1560,12-21 0,5-3 0,-14-10 0,1-1 0,10 6 0,1-1 0</inkml:trace>
+  <inkml:trace contextRef="#ctx0" brushRef="#br0" timeOffset="88149">25588 17096 9152,'-27'-10'719,"-16"1"-269,19 1-270,-10 2-180,6 2 0,6 3 90,4 1 270,-2 0-270,7 0-90,-5 19 0,6-1-90,-5 5 90,3 18 90,4-23-90,1 34 0,6-27 90,2 8-90,1-13 0,23 0-90,-17-5-270,43-2 180,-25-5 0,25-5-90,7-2 270,-14-16 0,-9 5 0,-1-2 0,0-8 0,4-21 0,-19 10 90,-9-11 360,-2-7-90,-6 22-180,-15-10-180,11 21 0,-26-1 0,16 12 0,-3 21 0,7 8 90,10 11-90,0 1-990,21 4 1,8-9-406,-2-7 1,2-3 1394,19-6 0,5 9 0,-13-15 0</inkml:trace>
+  <inkml:trace contextRef="#ctx0" brushRef="#br0" timeOffset="88365">26265 16792 10681,'0'-30'1259,"0"2"-1169,0 6-90,0 4 900,-15 5-810,11 26-90,5 17 0,3 18-511,12 9 511,1-6 0,-7-10 0,-1 2-45,1-10 0,1 0-225,4 10 0,-2 3-540,-4-4 1,-1-3-360,16 22-226,-11-16 1,-1-1 1394,-1 0 0,2 6 0,-8-22 0</inkml:trace>
+  <inkml:trace contextRef="#ctx0" brushRef="#br0" timeOffset="88499">26138 17173 9332,'0'-33'0,"0"3"-180,0-7-360,29 12-1439,15-9 1979,16 22 0,5 1 0,-16 10 0</inkml:trace>
+  <inkml:trace contextRef="#ctx0" brushRef="#br0" timeOffset="88799">26757 17389 9871,'15'4'180,"-11"-15"-90,31 8-180,-30-29 180,36 28 0,-14-48 0,1 32 180,-8-10 0,-3-1-270,-7 4 0,7-8 0,-11 14 0,-6 2 0,0 2 180,0 3 0,-25 6-180,0 4 0,-25 20 0,6 10 0,19 9 179,-6 16-268,28-17-991,-8 23 271,11-25-91,28 7-179,-20-16-450,51-4 1434,-34-9 1,31 1 0,-13-5 0</inkml:trace>
+  <inkml:trace contextRef="#ctx0" brushRef="#br0" timeOffset="89250">27272 17071 9871,'-21'-14'270,"-11"2"-360,14 2 180,-1 4-90,-3 1 90,20 22-90,-6 7 0,26 21 0,3-7 0,1-1-180,16-3 0,-13-11 270,10 4 0,0-11 180,-14-5 270,-6-21-360,-7-3 179,-27-7-89,14-4-270,-27 21-90,29-20 180,-9 40-180,12 1 180,0 42-90,0-7 0,0 8 180,5-27 0,1 0-180,-3 19 0,7-7 0,0-2 90,-8 6 90,2-10 0,1-1 90,-5 1-180,0 8 0,0-20-90,0-8 0,-21 6-270,-1-15-180,-24 4-270,13-15-1258,-12-15 898,18 11 1080,-14-42 0,23 24 0,-4-26 0</inkml:trace>
+  <inkml:trace contextRef="#ctx0" brushRef="#br0" timeOffset="89726">27695 17285 10411,'0'-5'810,"0"-3"-810,0 3 90,0-5-90,-16 5-90,-2 0 180,-14 21-90,4-12 0,13 27 89,6-12-89,9 11 90,20-11-180,-15 3 180,39-20-90,-10 7 0,27-9 0,-13 0 0,6-17 90,-27 13-90,-3-29 0,-8 29 0,-14-35 0,6 21-90,-8-30 0,-20 18-719,-1-15 179,-3 22-1259,-10-8 1889,16 19 0,-3 1 0,7 9 0</inkml:trace>
+  <inkml:trace contextRef="#ctx0" brushRef="#br0" timeOffset="90049">28058 17215 9602,'0'42'269,"0"-7"-269,0 0 0,0-10 90,0 0-90,12-1 0,-9-3 90,9-2 360,-12-4 180,0-3-630,7-6 0,-2-2 0,3-25 0,4-11 0,-6-12-623,8-5 84,-6 7-1,0-1-180,1-2-899,6-16 360,-2 15 1204,4-9 1,-3 23 0,0 2 0</inkml:trace>
+  <inkml:trace contextRef="#ctx0" brushRef="#br0" timeOffset="90499">28538 17124 10681,'0'10'450,"0"-3"-450,0-1 0,0-2 0,0 7 0,0-1 0,0 15 90,14-9-90,0 14 90,2-13-90,10 4 0,-12-9 0,13-3 0,-4-2 89,1-3-89,0-3 0,0-1 0,8-15 90,-9 11 540,11-28-180,-19 6 90,5-17-451,-13 6-178,-1 1 89,-4 17 0,-16 20 0,10 26-90,-11 36 90,15 0-514,0-14 0,0 0 424,0 13 90,-1-21 0,2 0 0,9-3 0,3-3 90,10 19-90,1-13 0,-1-3 0,0 1-343,12 11 343,-32-28 0,22 0-1170,-23-16-1348,-20-3 719,-19-22 1799,-16 14 0,-1-31 0,12 17 0</inkml:trace>
+  <inkml:trace contextRef="#ctx0" brushRef="#br0" timeOffset="91016">25850 17991 11850,'33'0'-900,"2"0"1,0 0 0</inkml:trace>
+  <inkml:trace contextRef="#ctx0" brushRef="#br0" timeOffset="91170">26688 18195 9691,'21'3'90,"-2"-1"-719,3 1-631,-5-2 1260,13 1 0,-9-2 0,8 0 0</inkml:trace>
+  <inkml:trace contextRef="#ctx0" brushRef="#br0" timeOffset="91332">27862 18161 10951,'36'0'809,"-2"0"-899,-3 0 90,-7 0 90,2 0-90,-9 0-2338,9 0 539,-11 0 1799,6 0 0,-2 0 0,2 0 0</inkml:trace>
+  <inkml:trace contextRef="#ctx0" brushRef="#br0" timeOffset="91476">28983 18137 11940,'53'0'1080,"-8"-6"-1080,-7 4 0,-8-5 0,-7 1 0,-5 5-180,-6-5-540,-5 6 720,-3-3 0,-4 3 0,0-4 0</inkml:trace>
+  <inkml:trace contextRef="#ctx0" brushRef="#br0" timeOffset="91604">29960 18111 8882,'7'0'-810,"-3"0"1,-2 0-1</inkml:trace>
+  <inkml:trace contextRef="#ctx0" brushRef="#br0" timeOffset="95017">20887 10961 8792,'0'18'810,"-9"2"-541,7 0 91,-12 4 90,10 2-180,-1 5 90,-1 6-181,5 6-89,-3 8 360,4 7-360,0 7-607,5-21 1,3 7 0,-1-3 605,-5 1 1,1 0-30,6 1 0,4 4 0,-2-1-15,-3 13 0,-1-4-45,1-13 0,0 2 0,0 4 0,0 4 0,-1-5 0,1-5 0,0-1 0,0 3 0,1 4 0,-1-5 0,0-6 0,0-1 0,1 11 0,-1-1 0,-7-17 0,0-3 90,9 33-225,-8-3 135,0-21 0,-1 1 0,1 22 0,-2-13 0,0 0-564,0 7 564,0-22 0,0-2 0,0 12 0,0-6 0,0-3 0,0-5-184,0-4 184,0-5 975,0 2-1604,0-11-1288,0 4 1917,0-14 0,0 0 0,0-4 0</inkml:trace>
+  <inkml:trace contextRef="#ctx0" brushRef="#br0" timeOffset="95856">20690 11143 12750,'0'-32'0,"0"5"0,0-2 0,12 5 0,-9-5 0,26-1 0,-12-6-699,15 0 699,-4-4 0,-1 1 0,2 1 90,9-10 179,-11 13-89,9-9-90,-19 26 48,-2 0-48,-8 14 206,-4 2-207,0 1-89,-2 17 0,3-12 0,3 43 0,2-25-315,0 9 1,1 2-855,3 3-945,0-3 0,0-1 2114,6 5 0,5 13 0,-6-18 0</inkml:trace>
+  <inkml:trace contextRef="#ctx0" brushRef="#br0" timeOffset="97216">21710 12256 9602,'4'-16'989,"-2"2"-809,0 1 0,-2 0 90,0 2-91,0 1-179,0 1 0,0 2 0,-20 0 0,15 4 180,-29 0-90,13 2-180,-9 16 180,-1-12-90,5 30 0,3-29-90,-1 36 180,6-23-90,3 20 0,4-10 0,6-2-90,2 0 180,3-3-90,0-2 90,21 1-90,-15-7 0,32-2-90,-13-9 0,19-18 90,-5 11-696,-5-33 696,-10 18 0,-4-24 0,0 6 0,-2-24-90,-5 8 90,-7 7 0,-1-2 0,-1-11 45,-2 20 0,-1 0 45,-1-14 90,0 3-180,0 4 0,-17-4-90,13 20 629,-12-4-629,16 50 90,0 17 90,0 21-90,0 9 0,7-23 0,1 0-702,-4 24 702,2-21 0,2-1-450,6 14-449,-11-4 89,21-4-179,-13-4-90,11-4-91,-3-6 1170,2-5 0,2-5 0,0-4 0</inkml:trace>
+  <inkml:trace contextRef="#ctx0" brushRef="#br0" timeOffset="97568">22173 12225 10141,'0'-18'990,"0"2"-810,0-1 89,-20 8-179,1 0-180,-19 9 90,10 20 90,11 6-90,-1 21 0,16-10 0,-6 9 0,8-21 90,34 14-180,-6-26 90,32 3 0,-18-38 0,-3-6 0,-17-12 90,0 2-90,-20 11 180,6 0 0,-8 1-270,0 4 180,0-1-90,0 30-180,0 17-629,0 13-1350,0 17 990,19-28 1169,-1 4 0,4-10 0,-8-1 0</inkml:trace>
+  <inkml:trace contextRef="#ctx0" brushRef="#br0" timeOffset="97936">22652 11936 11041,'0'-21'1169,"0"5"-989,0 0 629,-15 8-809,11 16 0,-11 16 0,15 9 0,0 24 0,0-17 0,-1-4 0,2 1-449,13 6-91,-13-7 0,1-2-179,11 4-630,-1 17 629,-9-28 0,9 3-179,-12-14 899,0-7 719,-24-3 181,1-25-450,-26-6-91,26-11 91,-16 2-90,35 9-180,-28-1-180,28 2 0,-18 0 0,20-5 0,-6 8 0,37-6-90,-22 16-450,52 1-222,-33 8-48,28 2-89,-10 0-181,0 0 1080,2 15 0,0-12 0,-1 12 0</inkml:trace>
+  <inkml:trace contextRef="#ctx0" brushRef="#br0" timeOffset="98252">23072 12166 10321,'-37'-10'450,"2"8"-540,1-8 180,4 27-90,8 3 180,11 21-180,5-2 0,6-7 0,22-12 0,-17 0-90,34-11 0,-18 4 90,17-7 0,-2-21 270,-6-6 449,-7-18-539,-13-1-180,-4 3-180,-6 9-2248,0 35 2428,0 30 0,0 10 0,0 9 0</inkml:trace>
+  <inkml:trace contextRef="#ctx0" brushRef="#br0" timeOffset="99167">16210 11000 12030,'0'-15'450,"0"2"-270,0 2 90,-16 5-270,-11 3-90,6 27 135,-8 2 0,3 5 45,18 28-846,-14-19 1,2 0 395,18 12-269,-7 1-226,6-17 1,6 0-46,26 17-269,-13-15 0,3-3 940,33-1 0,-2-2 0,-13-19 0</inkml:trace>
+  <inkml:trace contextRef="#ctx0" brushRef="#br0" timeOffset="99918">16622 11186 10501,'0'-15'1079,"-23"1"-989,17 4 0,-33 2-90,19 4 0,-18 1 0,16 17 0,-9-10 90,14 25-180,0-4 90,0 16-360,16-5-89,-3-4-271,4-13 180,0-1 1,20-9 269,-14 5-90,30-12 270,-15 5 180,14-7 180,-2-16 0,-15-1 180,1-2 269,-17-7-809,4 13 180,-6 18-90,0 10 0,0 29 90,17-20 0,1 9-90,17-29-90,3 9 0,4-27 90,-6-15-975,-2-7 975,-11-9 0,-2 9 0,-4-3 0,1-19 0,-10 13 0,-3 5 0,-2 0 394,-3-9-34,2 7 0,-4 0 90,-13-7-270,11-10-270,-12 14 90,4 17 0,9-3 90,-10 42 879,13 20-969,9 3 0,1 3 0,-9-3 0,2 1 0,14 18 0,0 1-788,-15-20 0,0-1 788,12 11 0,-1-1 0,-10 13 0,19-4 90,-12-5-190,12-5 100,-5-7 90,4-7-180,10-4 90,-4-13 0,21-2 0,-16-31 0,20-14 0,-20-12-1033,4-6 1033,-12 11 0,-7-3 0,-2-3-242,-10 13 0,-2-1 332,1-19 225,-1 9 0,-5 1-225,-17-4 89,10 10 1,-2 3-90,-11 1-90,6-3 1510,-1 19-1510,3 12 98,-6 25-8,11 22-90,9 14 1058,0 9-1103,-1-23 0,2-1-674,22 22-271,-10-9 1,3 0 89,4-22 1,3-2 899,7 15 0,1-1 0,9 0 0,-12-17 0,0 0 0</inkml:trace>
+  <inkml:trace contextRef="#ctx0" brushRef="#br0" timeOffset="101200">15737 10812 8972,'-3'29'1619,"2"-2"-1529,0 1 0,1 2-90,0 7-858,0 9 858,0 10 45,0-8 0,0 2-90,-1-11 0,2 2-441,3 6 1,2 4 0,-1-5 530,-4-2 0,2-3-45,10 13 0,2 0-270,-9-5 1,0-4 85,1-12 1,0 0-717,2 13 1,-1-1-91,1-4 990,0 2 0,2-25 0,-5-4 0</inkml:trace>
+  <inkml:trace contextRef="#ctx0" brushRef="#br0" timeOffset="101833">16027 10581 8612,'30'-20'900,"20"-9"-721,-9 8-1110,17-8 931,-10 10 0,4-3 0,-7 6 0,1 1 45,-9 2 0,2 1-1037,8-1 0,4-2 0,-3 3 992,-1 2 0,-2 1 0,17-4 0,0 1-309,-18 7 1,-2 1 263,0 1 0,-1 0-49,0 1 1,0 2 93,11-2 0,0 3 0,-14 7 0,0 2 90,18 0 0,-3 1 445,0 12-175,-13 5 0,-3 1-180,-7-7-135,-11 12 0,-4 3-45,-9-4-90,-3 28 180,-3-23 1531,0 14-1621,-16-17 0,12 3 1616,-12 17-1616,16-14-270,26 15 90,-7-27 0,4-1 45,4-6 1,4 0 134,15 17 0,-1 0 0,-14-15 0,0 0 0,4 3 0,2 3 0,-4-2-313,-2-2 1,-3 1 312,10 8 0,-3 1 0,5 14 0,-7 1 0,-8-1 0,-16-16 0,-1 1 0,0 14-80,-16-9 1,-2-1 169,4 3 0,-26-9 0,-7-3 0,7 1-90,-4-10 0,-3-3 0,2-3 0,1-3 0,-23 7 0,7-6 0,-2-2 0,-12-2 0,7-3 0,-1 0-45,23-3 0,0-1 90,-12 1 0,-3-1-90,-4-1 0,1 0 45,11-1 0,-1 0 30,-5 0 0,-5 0 0,5 0-30,3 0 0,1 0 0,-4 0 0,-5 0 0,6 0-45,6 0 0,0 0-45,-3 0 0,-3 0 0,5 0-581,5 1 0,2-2 491,-10-4 0,-2-1-180,6 5 1,3-1-18,-22-9-747,17 10 0,1 2 1124,2-1 0,-5 0 0,23 0 0</inkml:trace>
+  <inkml:trace contextRef="#ctx0" brushRef="#br0" timeOffset="102736">21383 11485 9871,'-21'0'1529,"3"0"-1529,10 15 0,4 10 0,4 12 90,0 10-90,0-2-961,0 11 1141,0 4-225,0-26 0,0 0 90,0 0 0,0 0-45,0 0 0,0 1 0,0-2 0,0 1 0,0 31 0,0-3 90,0-2-90,0-6-180,0 0-540,0-6-269,0-2-90,-12-5 1079,9 6 0,-9-16 0,12 5 0</inkml:trace>
+  <inkml:trace contextRef="#ctx0" brushRef="#br0" timeOffset="103402">21513 11395 8882,'0'-19'450,"0"1"-1,23 1-89,15-9-180,14 6-1172,-19 6 1,-1 0 1081,26-4-45,-25 8 0,1 1-45,3 1 0,1 0 45,2 0 0,2 1-45,2-1 0,1 2 45,0 0 0,4 2-45,-3 1 0,4 0 0,-2 1 0,6 0 0,3 1 0,3-1 0,6 1 0,-6 2 0,-6 9 0,-3 0 45,16-10 0,-2 5-90,-21 13 0,-3 3 90,0-12 0,-1 0-45,-1 9 0,-1 2 0,-2-4 0,-2 0 0,-1 0 0,-1 2 0,-3-1 0,-1 2-63,9 9 1,-1 2 62,-11-8 0,-1 3 0,11 16 0,-4 2 0,-3 9 45,-12-18 0,-2 0-135,-2 14 180,-5 0 0,-4-1-90,-3-13 0,0 0 0,0 18 0,-8-9 0,-1 1 0,4 7 0,-10-9 0,0 0 0,12 7 0,-9-9 0,0 0-300,9 6 300,-7 13 0,10-4 0,0-14 45,8-8 0,0 0-45,-4 4 1487,25 16-1397,-27-24-90,10 2 838,-12-10-838,0-8 0,-19 0 0,-12-9-90,-10-2 90,-8-2 90,-14-15-1389,7-3 1299,19 10 0,-2-2-45,-7-11 0,0 1 135,9 12 0,-3 0-150,-5-7 0,-4-3 0,2 2 60,2 4 0,-1 0 0,-7-1 0,-6-1 0,5 2 0,1 0 0,2 2 0,5 1 0,-1 0 0,2 1-90,-5 1 0,1 0-180,1 1 0,0 1-45,-1 0 1,1 1-1,3 0 0,-1 0 0,2 2 0,1 0-90,3 0 1,-1 1 404,-10 0 0,1 1 0,14 0 0,2-1 0,-9 1 0,1 0 0</inkml:trace>
+  <inkml:trace contextRef="#ctx0" brushRef="#br0" timeOffset="108399">17275 9328 8882,'-13'-4'630,"9"-1"-451,-9 2 181,13-3 0,-8-1-270,-1 0-90,-12 1 90,2 1 360,-23 3-360,4 1-456,-21 1 366,1 0 0,25 7 0,-4 2 30,-5-3 0,-5 0 0,1 2-738,-10 6 0,-5 1 820,5-4 0,-8 0 1,-1 0-1,5-2-667,3 1 0,4-2 1,-10 3 592,10-2 1,-8 1-1,-6 1 1,-1 1-1,0 0 1,3-1-1,6-2-487,-7 2 1,6-2 0,0 1 0,-8 1 459,10-2 0,-5 1 1,-4 1-1,-3 0 0,0 1 1,3-1-1,3-1 0,7-1-318,-10 1 0,7 0 0,1-1 0,-7 1 319,11-2 1,-5 1 0,-3 0 0,-1 1 0,1-1 0,4 0 0,5-1-158,-9 1 1,7 0 0,0-1 0,-3 1 161,2 0 1,-4 0 0,-1-1 0,2 1 0,5-1-83,-12 2 1,5 0-1,0-1 65,0 0 0,0 0 0,1-1 0,2 1 0,1-1 0,-2 1 0,3-1 0,-3 1 0,0-1 0,3 0 0,0 0 0,4 0 0,-4 0 0,-3 1 0,-5 0 0,2 0 0,7 0 326,-4 0 1,3-1-417,5 0 0,-2 1 1,7-2-271,-17 4 90,1 0-180,37-6 1079,13 0-1619,6-3 97,5 3 893,21-3 0,-15 1 0,15-2 0</inkml:trace>
+  <inkml:trace contextRef="#ctx0" brushRef="#br0" timeOffset="111099">12215 9183 10141,'5'-13'1259,"-1"1"-1259,-1 3 90,0 1-90,1 3 810,-1 1-720,1 3 180,-1 1-180,14 18-90,-4-13 90,19 30-180,-14-7-625,8 9 715,-8 3-360,-2-9-629,-1 0-2159,-1 14 1079,-5-11 2069,1 9 0,-8-15 0,-1-2 0</inkml:trace>
+  <inkml:trace contextRef="#ctx0" brushRef="#br0" timeOffset="111300">12212 8941 9691,'-5'-7'-89,"1"0"-181,2 2-360,0 1-269,1 1 899,1 0 0,0 2 0,0 0 0</inkml:trace>
+  <inkml:trace contextRef="#ctx0" brushRef="#br0" timeOffset="111698">12578 9137 9062,'12'9'1169,"-3"1"-899,3 3-90,-4 0-180,3 2 90,1 13-90,-3-7-90,3 12 180,-4-10-90,-1 2 0,-1-2 0,3 10 180,-4-9-180,3 11 180,-5-20-180,0 2-990,-3-12 990,0-23 0,0-9 0,0-15-90,0 0 90,0 6 0,0 0 0,0 0 0,0 2 0,0 4 0,0 5 630,16 6-540,-12 5 0,21 8-90,-14 18 0,7 10 90,-4 11 0,-2 1-180,-4-5-900,0 2-1618,5 15 2608,-1-12 0,4 10 0,-2-16 0</inkml:trace>
+  <inkml:trace contextRef="#ctx0" brushRef="#br0" timeOffset="111882">13175 9145 9781,'0'-9'1350,"-17"3"-1350,-1 23 0,-12 6 90,14 13-540,7-3-1889,2 4 540,6-8 1799,-6 9 0,24-14 0,4-1 0</inkml:trace>
+  <inkml:trace contextRef="#ctx0" brushRef="#br0" timeOffset="112549">13328 9334 9422,'41'-32'449,"3"-6"-269,-12 6-1427,-1-4 1337,-11 7 90,-10-1 335,8-1-425,-11-19 449,4 11-449,-8 4 0,-1 1 450,-2-7-315,-11 8 0,-1 1-135,7-3 130,-17-6-310,5 15 90,12 10 0,-22 3 0,24 30 0,-7 18 0,10 15-275,0 8 185,0-6 180,0 4-90,8-15 0,1 0 0,-5 21-315,10-12 1,3-2-226,6 4-90,-4-14 1,2-2-91,14-1 45,-6-11 1,1-3 404,0-8 90,27 1 270,-34-32 450,9-7-270,-19-10 269,1 0-89,-9 7 0,-3 2-90,0 0-91,-2 4-269,0 3-90,0 0 90,0 23 90,0 5 1057,0 23-1057,15 0-90,-11-3 0,25-12 0,-18-7 0,11-10 0,-9 0 0,5-19 360,-9-1 179,5-17-449,-9 17-359,0-3 358,-3 20 1,1-5-90,-2 24-629,2-12-1440,6 28 630,1-12 1439,7-1 0,1 11 0,2-13 0</inkml:trace>
+  <inkml:trace contextRef="#ctx0" brushRef="#br0" timeOffset="112952">14355 9092 10411,'-49'0'540,"21"16"-450,-9 4-90,21 0 0,-5 26 90,10-29-90,11 34 90,0-30 0,24 6-90,6-11 89,12-7-268,14-2 89,-24-7 90,25-22 0,-29-8-1264,6-14 1354,-22-1-180,2 5 90,-13-3 0,6-3-90,-7-3 180,0-2 225,-7 13 0,-4-2 45,-11-19-91,2 10 1,1 2-270,-3-4 0,-8-8 0,27 30 301,-10 7 59,5 8-360,6 34 0,-6-2 0,24 32 0,-15-17 0,2 1 44,16-6 1,-1 1-370,-15 12 0,0 0 280,15-10 0,0-1-405,-14 29 85,12-30 0,3 0-760,-7 9 1,0-1-315,22 19 1439,-12-15 0,-1-2 0,7 1 0,8 7 0</inkml:trace>
+  <inkml:trace contextRef="#ctx0" brushRef="#br0" timeOffset="113232">14825 9225 10231,'0'-18'450,"0"1"-540,0 5 270,0 1-180,26 1-90,-20 0 180,48-1 0,-1-16-90,-1 8 0,-15 1 0,-5-3-90,-13-1 180,8-15 180,-25 13-1,5-7 91,-31 11-360,18 2 0,-41 4 180,14 5-180,-11 4 90,-8 22-90,22 16 0,5 12-405,13 7 225,12-10-810,27 3-899,-2 1-483,2-23 0,3-1 2372,-4-1 0,1 0 0,3-1 0,2-2 0,2 0 0,-1-1 0</inkml:trace>
+  <inkml:trace contextRef="#ctx0" brushRef="#br0" timeOffset="114665">6488 10568 10591,'0'-15'1349,"0"1"-1259,0 1-180,0 3 90,0 3 630,0 2-630,0 22 90,14 8-180,-10 16 270,23 1-270,-23-5 90,23 22 0,-10-14 0,-2-7 0,1-1 90,6 4-90,5 19 0,-13-31 90,16 7-90,-15-24-90,16-1 180,-14-34-90,14-15-90,-11-14-1346,5-8 1077,-7 10-91,-3-4-824,-6 16 1,0-1 104,2-19 449,-5 22 1,0 2 719,-1-7 0,0 8 0,0 3 0</inkml:trace>
+  <inkml:trace contextRef="#ctx0" brushRef="#br0" timeOffset="114915">7397 10637 11760,'-23'-11'180,"-5"8"-90,26 6-180,-9 18 90,11 9 90,0 2-90,0-4-540,0 2-539,0 1-1529,0 12 629,17-11 1979,-12 5 0,12-17 0,-17-3 0</inkml:trace>
+  <inkml:trace contextRef="#ctx0" brushRef="#br0" timeOffset="115068">7297 10199 9332,'0'-28'0,"0"1"-1080,0 13 181,17 3 899,-13 48 0,32-13 0,-12 33 0</inkml:trace>
+  <inkml:trace contextRef="#ctx0" brushRef="#br0" timeOffset="115382">7647 10838 8972,'2'9'450,"3"-3"-360,2-1-90,1-4 90,9 0-90,-5-19 0,4 14 0,-3-28 89,-3 28-89,-1-25 180,-3 7 0,-3-7 180,-1-10 0,-2 17 90,-18-6-360,13 9-90,-12 3 0,3 2 0,10 4 89,-10 3-89,14 22 90,0 8-90,21 26-179,-15-10-1308,34 2 497,-24-12-89,17 1-180,-7-4 1146,2-1 1,0-4 0,2-3 0</inkml:trace>
+  <inkml:trace contextRef="#ctx0" brushRef="#br0" timeOffset="115570">7973 10605 10051,'-13'-14'360,"10"2"360,-11 5-720,32 4 0,-13 21 0,34-12 90,-34 33-585,26-24 0,4-1-854,-7 24 1349,12-11 0,2-2 0,2 6 0,-16-11 0,1-1 0</inkml:trace>
+  <inkml:trace contextRef="#ctx0" brushRef="#br0" timeOffset="115799">8525 10508 10141,'-35'19'270,"2"9"-180,5 11-2142,4 4 2052,8-8 90,0 4 0,2 0-906,0 13-83,5-14-324,2 14 1223,5-28 0,2-1 0,0-13 0</inkml:trace>
+  <inkml:trace contextRef="#ctx0" brushRef="#br0" timeOffset="115982">8232 10491 9871,'0'-10'720,"18"4"-630,3 3-90,2 24 0,14-16 0,-17 37 90,18-23 0,-6 18-90,14 7-270,-10-10-720,-6-5 1,-1 1-868,7 2 1857,8 8 0,-18-17 0,-2-2 0</inkml:trace>
+  <inkml:trace contextRef="#ctx0" brushRef="#br0" timeOffset="116167">8843 10533 9961,'0'46'90,"0"-9"0,0 4-809,-19-9-631,14 5-808,-14-2 2158,19 0 0,0-4 0,0-2 0</inkml:trace>
+  <inkml:trace contextRef="#ctx0" brushRef="#br0" timeOffset="116486">9287 10377 11580,'0'-11'450,"-21"3"-450,-1 4-90,-23 3 180,14 23-90,1-17 0,12 39 0,8-25-90,-3 21 180,11-8-90,-5 1 0,7 0 0,21 14 90,5-11-180,0 7 0,18-7 180,-18-12 0,16 9-90,-19-17 90,-11 4-90,-12-11-450,0 1-269,-26-6-271,3 0 1,-27-2 989,16 0 0,1-2 0,-23 1 0,18 0 0,0-1 0</inkml:trace>
+  <inkml:trace contextRef="#ctx0" brushRef="#br0" timeOffset="117465">11395 9880 10231,'17'-7'1439,"6"1"-1079,-20-1 0,15 1 0,-15 0-90,11-1-1,-8 1-179,4 3-90,-5 12 0,-39 21 90,25 1-135,-26-1 0,-5 0 135,16 4-1831,-9-2 0,-1-1 1831,4 4-180,-7 8 90,20-17 90,2-4-90,5-1-90,5 2 180,2-7-180,3 7 180,28-12-90,12 4-90,17-8 2063,6 1-1973,-8-4 0,5-2 0,4 1-405,-15-1 0,0 0-258,-12 1 1,2 0-598,26 2 1,0 2 314,-27-3 1,-2 2 944,11 2 0,-1 1 0,12 6 0,-2 4 0</inkml:trace>
+  <inkml:trace contextRef="#ctx0" brushRef="#br1" timeOffset="1.81049E6">10048 5681 3977,'0'29'9830,"0"-1"-2917,0-8-4865,0-3-819,0-5-410,-12 0-1923,10 2 1412,-10-2 1299,12 1-1607,0-1 0,0 0 0,0 5 0,0-3 0,0 3 1477,0-4-1045,0 1 1034,0-1-1466,-7 10-485,5-6 304,-4 17-201,6-13 292,-3 15 20,2-15 1,-2 6-230,3-8 299,0 0 664,0-1-482,0 7 200,0-6-382,0 13 160,0-14-91,0 8 139,0-1-208,0-5 0,0 12 0,0-12 0,0 11 0,0-12 90,0 3-180,0-5 90,0-2 0,0 2 0,0 4 0,0-4 0,0 9 0,0-12 0,0 5 0,0-6 90,0-1-90,0 1-90,0-1 180,0 2-180,0-3 90,0 10 90,10-7-1249,-8 12 977,8-11-912,-4 5 519,-5-6 279,7 0-646,-7 0 867,3-1-574,-2 2 1639,2-2-1482,-1 8 1326,1-6-780,-1 11-40,-1-12 691,0 6-793,1-7 264,-1 0-306,1 0 346,2 6-513,-2-5 474,5 11-574,-6-11 418,5 11-382,-5-10 519,7 17-299,-5-16 175,5 18-3,-4-20-319,2 12 263,-3-11-152,4 10 127,-3-8-181,2 4 118,-2 3 125,0-5 14,1 13 259,-3-12-117,1 4 93,-2-7 116,0-2-143,0 0 173,0-1-228,-1 0 218,-1 1-50,0 8 100,0-6-225,0 15-27,0-15 118,0 7 14,0-9-185,0-1-39,0 1-13,0-2-90,0 0 0,0 0 0,0 8 0,-11-6-1169,9 13 986,-9-13-1238,11 5 1151,-6-6-1086,5-2 587,-5 0 646,4 0 0,1-3 0,-1 1 1</inkml:trace>
+  <inkml:trace contextRef="#ctx0" brushRef="#br1" timeOffset="1.81295E6">10123 5646 2987,'14'16'7017,"-11"5"-1950,19-19-7711,-20 11 5161,16-12-4313,-9 4 1497,8-5-923,0 0 1222,1 0-1731,2 0-1035,3 0 2679,11 0-2745,-6 0 2695,19 0-770,-19 0 907,22 0 0,-21 0 0,13 0 0,-13 0 0,4 0 0,0 0 0,21 0 0,-12 0 0,-2 0 0,0 0 0,10 0 57,-4-5 1,0-1 202,11 3-170,-22-3 0,2 0 51,1 1 1,-2 2 41,18 1-97,-7-5 1,0 0 193,5 6-205,-17-5 1,-1 1 200,11 4-392,-2-6 245,1 5-337,0 0 151,0 0-25,0-1-83,21-1 122,-14 1 7,-8 0 0,1 0 19,7 0-33,-18 1 1,0-1 38,11 0 18,-1-1 64,-1 2 34,-1-1-86,0 1-86,-1 0 39,20 0-7,-15 1-12,-5-1 1,-1 1-9,9-1-43,16-1 53,-16 0 147,1 0-58,2-1-64,-13 1 0,0 0 164,19-1-148,-8 1 1,0 0 133,5-1-151,-20 3 1,0-1 9,11 0-39,-3 0 146,-1 0-162,15-3 80,-15 4-29,-6-2 0,0 0-45,3 1 163,26-3-36,-28 3-29,24-3-14,-26 4 1,9-3-3,-1 2-62,-11 1-20,22 0-42,-23 1-41,21 0 17,-23 0-21,12 0 41,-13 0 19,1 0-75,1 0 73,17 0 156,-12 0-157,28 0 90,-25 0 0,26 0 0,-25 0 0,10 0 90,-14 0-180,-1 0 90,1 0 90,11 0-180,-10-8 803,21 6-642,-23-6 489,25 3-483,-20 4 77,12-7 134,8 5-182,-14-2 27,-5 3 0,0-1-462,8 0 354,-7 1 0,0 0-417,6 0 317,13 0 188,-21 1-353,-1-1 233,1 2-161,12-1 78,-13 1-31,22 0 44,-27 0-16,8 0 275,-18 0-229,-2 0 218,1 11 753,-7-8-545,1 17 1699,-6-11-588,-4 1 796,3 12 114,-5-13 286,0 13 196,-2-8-872,1 1 467,-2 3-1255,2 2 302,-1 1-696,0 0-101,2 13-192,-1-8-264,2 21-240,-2-17 294,1 7-407,-3-7 270,0 0-50,0 2-103,0 3 177,0 0-115,0 5 183,0 20-144,-17-12-235,15-6 0,0 1 53,-15 7-178,11-18 1,2 2 167,1 30-24,-7-15-85,5-8 1,2-1 3,0 6 165,-9 14-88,11-19 125,-4 0 210,5-5 1,0 0 52,0 11-325,-1-4 0,2-2 282,13-4-504,-11 21 306,10-28-461,-13 22 452,0-26 159,0 11-190,0-13 8,0 0 38,0 1 605,0 9-472,0-7 512,0 16-714,0-18 0,-10 4-661,7-10 399,-7-1-773,10 1 1035,0-3 0,-5 1-597,4-4 410,-8 7-630,8-6 1350,-7 10-862,5-12 952,-2 3-1244,1-8-354,2 1 1096,0-2-641,0 0 875,1-1-599,-1-2-292,0 1 68,0-1 244,-1 0-558,1-1 141,-2-1-1211,-2 1-201,0-1-360,-8 0 641,3 0-220,-11-1-164,7 1 939,-5 0-678,-6-1 1472,5 0-44,-23 0 90,14 0 204,-27 0 64,19 0-52,-12 0 153,10 0-142,-2 0 150,-1 0-45,9 0 0,-1 0 45,-20 0 0,4 0 0,0 0 0,-13 0 40,7 5 1,0 0 27,22-4 0,1 1 64,-12 7 1,1 0 249,-18-7-324,0 5 81,0-7-139,1 5 158,2-3-199,0 2 21,17-3 1,0-2-98,9 3 1,-1 0-90,-25-1 0,-1 0 208,23 1 1,1 0-82,-15-1 0,0 0 94,13 0 1,2-1-83,-4 1 1,0-1 69,-2 2 0,-1-1-21,-2 1 1,-1-1 33,-2 1 1,-1 0-53,0 0 1,-4 0 44,4 1 1,-4-1 0,2 1 6,-7 0 0,-3 1 6,13-1 0,-4 0 0,0 0 0,5 0 26,-11 1 1,2-1-20,10 1 0,-3-1 0,2 1 53,-19 1 1,4-1-86,16 0 0,-2 0 34,-1 1 1,-4 0-1,5-1 13,5 0 0,2 0 1,-14 2 1,2 0-8,16-3 1,2 0-56,0 1 0,-3-1 22,-7 0 0,-6 1 0,4-1-16,1 0 1,-2-1-2,-12 2 1,-7 0 0,7 0 10,14-3 0,1 0-61,-6 1 1,-4 1 0,4 0 7,5-1 0,1 0 17,-3 0 1,-5 1 0,6-1-9,5 0 1,2-1 7,-9 1 0,0 0 10,5-1 0,4 0-45,-17 1 56,13-1 0,1 0-746,1-1-819,-16 1 705,33-1-110,-1 0 967,15 0 0,5 0 0,3 0 0</inkml:trace>
+  <inkml:trace contextRef="#ctx0" brushRef="#br0" timeOffset="1.82039E6">5395 1011 10141,'0'36'720,"0"8"-540,0-7-180,0 7 0,0-10 0,0 19 180,0-16-90,0 14-90,14-22 89,-10-2 1,10-4 90,-14-3 90,9-4 0,-7-4 0,7-5-270,-9-1-180,6-27 0,0-8-270,9-34 91,-4 8-1303,2-4 942,-1 16-449,-2 1 57,1 6-147,-1 2 1259,0 8 0,0 4 0,-1 4 0</inkml:trace>
+  <inkml:trace contextRef="#ctx0" brushRef="#br0" timeOffset="1.82072E6">5787 1312 10321,'12'-21'270,"-9"-13"-270,20 30 90,-20-25 0,16 26 180,-17-19-90,15 12-180,-14-7 90,5 6 89,-24 6-89,-8 22-90,-11 4 0,-1 22 0,19-12-90,-3 2-629,18-1-91,-5-7-809,7 13 630,20-18-270,-15 3 1259,39-12 0,-21-5 0,22-2 0</inkml:trace>
+  <inkml:trace contextRef="#ctx0" brushRef="#br0" timeOffset="1.8211E6">6300 1127 9871,'-21'-11'990,"15"2"-271,-36 4-539,19 4-90,-19 1 0,6 21-90,15 7 90,-3 27-180,18-10-90,0-8 0,1-1 90,0 1-449,24 23 269,3-40-540,20 2 720,0-15 90,2-19 0,-5-10 180,-9-20 450,-13-4-360,-8 8 180,-9-4-361,0 21 541,0-7-630,0 41-90,0 7 180,0 22-90,0 3-90,0-8-180,0 2-809,0 17 0,0-15-1080,0 26 562,0-33 1597,0 8 0,0-18 0,0-3 0</inkml:trace>
+  <inkml:trace contextRef="#ctx0" brushRef="#br0" timeOffset="1.82155E6">6605 1239 10411,'18'17'540,"-4"0"-540,0 3 90,-1 5-180,3-5 180,10 13-90,-16-5 0,13-4 0,-11-9-90,2-2-90,-1-3-90,10-3 90,-6-4 0,12-2 90,-12-16 90,8-5 90,-13 0 0,1-14-90,-8 29 180,-1-33 0,-3 25 90,0-16-270,-1 7 809,0 5-899,0 25 90,17 6-449,-13 27-1,28-4-90,-28-8-449,22-3-271,-12-7 451,12-3-270,-5-4 1079,-1-6 0,-7-6 0,0 0 0</inkml:trace>
+  <inkml:trace contextRef="#ctx0" brushRef="#br0" timeOffset="1.82174E6">7155 1233 8162,'-13'-3'1889,"10"16"-1889,-9 2-270,24 17 1,-9-1-631,22 1 180,-22-7-179,16-4 899,-17-8 0,5-3 0,-7 0 0</inkml:trace>
+  <inkml:trace contextRef="#ctx0" brushRef="#br0" timeOffset="1.82195E6">7097 1000 9602,'-8'0'-90,"4"0"-1889,-2 0 360,4 14 1619,20-10 0,-13 23 0,15-11 0</inkml:trace>
+  <inkml:trace contextRef="#ctx0" brushRef="#br0" timeOffset="1.82222E6">7302 1075 9422,'3'20'629,"3"8"-449,-3-25-90,3 24 180,0-14-180,1 15 90,2-4-180,0 1 180,5 14-90,-3-10-180,8 18 90,-9-23 180,4 13-90,-7-21-1,0 1-268,-3-11-1,-2-3-900,1-1 631,-2-22-631,0-6 540,1-10-719,0-14 407,2 20 852,1-11 0,1 17 0,-1 0 0</inkml:trace>
+  <inkml:trace contextRef="#ctx0" brushRef="#br0" timeOffset="1.82248E6">7668 1295 7982,'13'11'270,"2"-9"-180,0 9 0,1-11 90,0 0-90,0 0-180,1 0 180,0-15 0,-1 11 90,-1-28 0,-2 28 180,0-40-1,-6 27 271,0-30-360,-6 26 0,-1-4-90,0 11-180,0 2 90,-18 5 269,14-1-269,-27 7-180,27 20-90,-9 7-359,13 14-91,0-2-179,0-9-451,0 1-359,26-4 1619,-4-2 0,26-4 0,-11-2 0</inkml:trace>
+  <inkml:trace contextRef="#ctx0" brushRef="#br0" timeOffset="1.82312E6">5613 2314 10951,'0'-11'1259,"0"2"-1079,0 2-360,0 1 990,0 2-900,0 19 90,0 10-90,0 11-90,0 3-90,0-6-90,0 1-180,12 0-359,-9-1-1260,9 11 1170,-5-15 989,-5 13 0,11-24 0,-7 2 0</inkml:trace>
+  <inkml:trace contextRef="#ctx0" brushRef="#br0" timeOffset="1.82327E6">5638 2212 8432,'0'31'0</inkml:trace>
+  <inkml:trace contextRef="#ctx0" brushRef="#br0" timeOffset="1.82364E6">5930 2236 9871,'8'35'1170,"-2"-6"-631,7 12-629,-5-15 90,13 29 90,-11-27-270,10 20 91,-12-29-181,1 2 90,-4-11-360,-1-2 180,-2-6 90,1-1 91,-2-16 179,2-6 0,2-21 90,1 8-1,0-3 1,0 12-90,-1 2 270,2 3 90,-2 9 180,0-5-270,-1 14 179,3-7-539,-2 9 180,7 19-90,-4-14 0,5 33-180,-4-20-179,3 16-361,-1-4-1079,7 12 720,-3-10 1079,17 16 0,-9-25 0,10 4 0</inkml:trace>
+  <inkml:trace contextRef="#ctx0" brushRef="#br0" timeOffset="1.82382E6">6625 2357 10591,'-36'18'720,"0"2"-720,15 13 0,-9-4-180,26-3-360,-20 1-449,22 2-900,-7 11 539,9-9 1350,19 6 0,-15-15 0,15-1 0</inkml:trace>
+  <inkml:trace contextRef="#ctx0" brushRef="#br0" timeOffset="1.82415E6">6887 2662 9062,'0'-39'180,"0"5"-180,14-1 270,-11-9-91,26 7-1722,-25-11 1813,20 13-180,-21 0 270,6 0 198,-2-13-288,-5 14 706,4-19-976,-6 27 0,-16-8 0,12 20 1157,-12 2-1157,16 26 651,0 14-1011,0 28 0,0-5-270,0-13 1,0-1-501,0 10 230,17 13-899,1-6 1799,3-13 0,8 6 0,-9-17 0</inkml:trace>
+  <inkml:trace contextRef="#ctx0" brushRef="#br0" timeOffset="1.82453E6">7222 2504 10051,'14'17'1260,"7"-13"-1260,-19 25 0,14-11 0,-14 6 0,9 0 0,-6-6-180,3-3 0,0-1-180,3 3 0,-3-9-359,5 3 629,-5-9-90,1 0 180,0-2 0,-2-21 0,3 16 0,-2-35 0,2 24 90,-3-17 180,1 8-91,-2 2 1,0 1 1259,-2 0-1439,0 11 0,-2 17 0,1-2-809,0 31-1,0-10-1348,5 18 272,-1-9 1886,4-11 0,0 0 0,1-6 0</inkml:trace>
+  <inkml:trace contextRef="#ctx0" brushRef="#br0" timeOffset="1.82497E6">7757 2380 10501,'-33'17'1079,"-2"2"-1079,2 22 180,13-9-270,-4 3 180,22-9-180,-8 1-90,10 8 1,0-10-1,0 3-270,24-9 90,1-11 180,26 0 0,-6-29-90,-9 16 270,-13-38 0,2 23 0,-21-22 0,22 9 0,-24-3 0,14-1 0,-15-3 90,7 2 270,-7-20 0,2 15-45,-3 7 0,0 1-46,0-2-179,-17-10 0,13 23-90,-13 2 180,17 7 810,0 4-990,0 27 90,0 12-90,0 18-90,0 2-130,0-6-50,0 2-90,0 2-315,-1-12 1,2-1-225,10 18-91,-6-10 1,1-1-818,7 4 1807,5 9 0,-9-23 0,9-1 0</inkml:trace>
+  <inkml:trace contextRef="#ctx0" brushRef="#br0" timeOffset="1.82525E6">8110 2679 9332,'4'0'359,"3"0"-359,-3 0 90,11 0-90,-3 0 0,9-16 0,10-2 0,-7-2 0,22-19 0,-22 24-538,7-22 718,-14 16 81,-4 0 98,-3 0 361,-5-7-450,-2 8 180,-3-7-361,-18 14 271,13 2-90,-32 7 264,18 3-444,-5 22-90,-1-16 0,22 50-90,-8-31-405,8 10 0,6 1-494,18 0-1174,1 13 274,24-20 1889,3-2 0,10-4 0,-26-13 0,0 0 0</inkml:trace>
+  <inkml:trace contextRef="#ctx0" brushRef="#br0" timeOffset="1.83092E6">9080 670 9332,'5'20'899,"-1"13"-629,-3-18-90,-1 17-5751,0-1 5751,0 6-90,0 5 1161,0 4-1161,0 3 0,0 2 0,0 1 286,0 2-376,0 0 0,10-16 0,0 1 0,-5 18 0,14-20 0,0-1 0,-15 11 0,27-1-90,-27-3 1,24-1-1,-16-5-90,13-1 90,-6-5-90,1-3 0,-1-2 2805,10 1-2714,-8-9 199,13 2-290,-17-13 938,9-2-758,-15-4 0,4-1 0,-8-18 179,-3-4 361,-1-19-270,-3 3 0,-16 15 0,12-8-90,-28 21 89,15-5-89,-18 9-180,10 31 0,-7 14 90,12 15-1471,-4 6 1381,9-9 0,4 3-373,8-13 1,1 2 372,-1 23 0,3-24 0,0 2 0,0 1 0,0-1-45,0-11 0,0 1-135,0 23 1,0 0-181,0 8 45,6-24 0,0-1-314,-3 11-361,9-4-179,-12-4-450,0-5 1542,0-6 0,0-5 1,0-2-1</inkml:trace>
+  <inkml:trace contextRef="#ctx0" brushRef="#br0" timeOffset="1.83147E6">10083 1180 9691,'0'-5'-179,"0"0"-1,0 1 180,-14 2 0,11 14 0,-11 6 0</inkml:trace>
+  <inkml:trace contextRef="#ctx0" brushRef="#br0" timeOffset="1.83208E6">10157 1110 10951,'0'-9'1079,"0"0"-359,0 3-630,0 25-90,0 15 0,0 15-45,9-9 0,1 1-135,-5 10-180,12-4 0,1 1-1033,-3 5 1123,-6-19 1,1-1-361,9 9-179,-17-3 179,13-5-9,-9 8 279,1-15-1439,-3 7 1799,-4-21 0,0-2 0,0-8 0</inkml:trace>
+  <inkml:trace contextRef="#ctx0" brushRef="#br0" timeOffset="1.8322E6">10110 1661 9062,'-25'-24'899,"2"0"-719,2 3 90,2-7-270,9 7 0,1-3 0,9 9-180,25 2-180,-19 2-270,31 2 1,8 3-270,-6-3 715,19 1 1,3 1-1,5 2 1,-21 2 0,0 1-1</inkml:trace>
+  <inkml:trace contextRef="#ctx0" brushRef="#br0" timeOffset="1.83239E6">10798 1538 9691,'-12'15'720,"10"0"-450,-22 7-270,21-5 90,-9 14-540,12-12-719,0 12 359,0-13-179,20 4-450,-15-10 1439,15-2 0,-3-3 0,4-4 0</inkml:trace>
+  <inkml:trace contextRef="#ctx0" brushRef="#br0" timeOffset="1.83253E6">10765 1305 8342,'-13'-6'0,"3"2"0,10 3 0</inkml:trace>
+  <inkml:trace contextRef="#ctx0" brushRef="#br0" timeOffset="1.83287E6">11075 1436 9332,'0'21'719,"0"1"-539,0 1-90,0 0 0,0 8-90,0-7 0,0 5-180,0-10 0,0-1-90,0-2-359,0 1 269,0-5-989,0-2 1259,14-6 90,-10-22 90,20-5 90,-8 0 179,-2-18 91,16 15-90,-21-2 629,17-7-629,-17 32 90,5-12-270,-7 15-180,1 15 90,-2-12-90,0 34 0,2-19-270,6 34-180,-3-20-719,12 19 359,-9-24 810,12 2 0,-10-19 0,5-4 0</inkml:trace>
+  <inkml:trace contextRef="#ctx0" brushRef="#br0" timeOffset="1.83323E6">11567 1078 10051,'0'48'1349,"0"-9"-1079,0 8-180,0-11-90,0 4 90,0 1 0,14 0-90,-11-1 0,11 9 0,-3-16-180,-8 13 0,8-27 180,-4 0-539,-5-11 269,8-5 0,-5-1 270,2-19 0,5-2 0,-3 0 0,6-15 0,-3 29 360,-1-28 359,8 29-719,-7-11 90,5 15-90,-10 19-90,-1 12-179,0 9-181,-3 4-90,0-14 0,-3 1-179,1-5-91,0-2 810,-1-4 0,0-4 0,0 0 0</inkml:trace>
+  <inkml:trace contextRef="#ctx0" brushRef="#br0" timeOffset="1.83342E6">11180 681 11311,'-31'-20'539,"-1"4"-269,6 7 0,2 5-180,-2 3-180,11 20-450,-8 13-359,15 12-1080,3-8 0,1 1 1979,2 14 0,9-16 0,3 0 0,12 17 0</inkml:trace>
+  <inkml:trace contextRef="#ctx0" brushRef="#br0" timeOffset="1.8338E6">12317 898 12030,'-16'-26'720,"-3"-2"-360,8 12-1,1 2-359,7 39 0,3 17 0,0 19-952,8-13 1,1 0 591,-5 16-135,11-7 1,2-1 89,-8-22 0,-2-2-90,2 9 1,1 1-361,3-4 1,0-3 44,1 19 810,-2-14 0,0-2 0,1 1 0,-6 7 0</inkml:trace>
+  <inkml:trace contextRef="#ctx0" brushRef="#br0" timeOffset="1.8342E6">12257 1556 9242,'0'-26'180,"0"1"-270,0 0 90,0 0 0,0 1 0,17-5 0,-13 9 180,31-2-1,-31 13-89,35 2 90,-21 5-180,18 0 180,-9 2 0,1 0 180,14 20-180,-12 4-135,-4-1 0,-1 1 45,2 13 0,7 0-180,-11-11 90,-2 1 0,-1-3-90,1-1-90,-1-3 0,2-1-90,8-3 0,-4-7-90,17-1 271,-13-8-1,18-18 90,-19-7 0,6-10 539,-7-16-179,-9 19 540,1-25-721,-13 27 91,-3-14-90,-4 26 0,0-4-540,0 72 0,0-27-218,-2 12 1,4 1-322,14-8-180,-12-2 1079,47 4 0,-29-15 0,28 1 0</inkml:trace>
+  <inkml:trace contextRef="#ctx0" brushRef="#br0" timeOffset="1.83448E6">12862 1018 9961,'-9'-4'900,"4"0"-450,2 2-1,20 1-449,4 0 180,0 15-180,14-11 0,-31 27 0,32-27 0,-32 32-360,25-10 180,-17 9-719,3 5 89,-6-18-2608,-9 6 3418,0-14 0,-21-3 0,-6-7 0</inkml:trace>
+  <inkml:trace contextRef="#ctx0" brushRef="#br0" timeOffset="1.83462E6">13050 730 10411,'36'-11'0,"2"1"-90,2 6-1127,3 1 317,2 3-629,2 0 1529,2 14 0,0-10 0,1 10 0</inkml:trace>
+  <inkml:trace contextRef="#ctx0" brushRef="#br0" timeOffset="1.83508E6">13747 1175 10771,'0'-39'1439,"0"5"-1259,0 2-90,0 7 0,16 4 90,-12 4 359,12 5-539,-16 30 90,0-2-90,0 28 180,9 13-90,2-10-90,0-5 0,1 1-437,8 5 347,2 13 180,-2-26-90,0-3 90,3-8-90,0-2 0,4-8-90,0-5-180,16-6-90,-8-18-539,23-14 269,-25-8-359,8-9-1260,-10-11 508,-10 12 1741,0-11 0,-13 19 0,-2 3 0</inkml:trace>
+  <inkml:trace contextRef="#ctx0" brushRef="#br0" timeOffset="1.83535E6">14527 1196 10681,'-19'-10'2159,"4"29"-2249,15-4-270,0 21-90,0 0 0,12-11-449,-9 1-180,9-2-91,-12-2-269,8-3 1439,-6-3 0,6-2 0,-8-2 0</inkml:trace>
+  <inkml:trace contextRef="#ctx0" brushRef="#br0" timeOffset="1.83553E6">14490 701 10951,'-9'-5'-2519,"-5"2"-89,13 20 2608,-5 8 0,6 14 0,0 0 0</inkml:trace>
+  <inkml:trace contextRef="#ctx0" brushRef="#br0" timeOffset="1.8357E6">14505 1951 10321,'0'5'-203,"0"-1"1,0-19 0,0-5 0</inkml:trace>
+  <inkml:trace contextRef="#ctx0" brushRef="#br0" timeOffset="1.83595E6">15210 862 12030,'0'19'810,"0"8"-1080,0 18-90,16 0-2019,-13-6 1660,27 1-271,-26 0 1,24 0-1359,-12 20 2348,1-16 0,2 14 0,-10-19 0</inkml:trace>
+  <inkml:trace contextRef="#ctx0" brushRef="#br0" timeOffset="1.83624E6">15115 1312 9422,'0'-24'449,"0"2"-179,15 2 0,-11 2 0,10 2 180,6 0-270,2 9-270,11 1 180,-3 6-90,-7 0 179,2 14-269,0-10 180,1 25-90,-2-25 0,8 30 0,-9-11 0,10 15 90,-15-16 0,0 1 90,-7-21-180,-3 13 0,0-14-180,0 4 0,-2-22-449,4-9 269,-3-10-989,8-23 719,-3 21-179,4-17 809,4 3 0,-4 15 0,7-11 0</inkml:trace>
+  <inkml:trace contextRef="#ctx0" brushRef="#br0" timeOffset="1.83645E6">15938 1267 10321,'1'9'1259,"1"0"-1079,0-2-90,-1-2 0,2-1-90,-2-1 0,1 0 0,0 3 0,0 0-90,2 1-180,-1 2-269,2-1-1440,1 7 809,1-3 1170,5 5 0,-3-7 0,3 3 0</inkml:trace>
+  <inkml:trace contextRef="#ctx0" brushRef="#br0" timeOffset="1.8366E6">16067 1066 9871,'0'32'0</inkml:trace>
+  <inkml:trace contextRef="#ctx0" brushRef="#br0" timeOffset="1.8368E6">16373 641 11490,'-14'20'-809,"-4"-15"-270,16 39-271,-14-22-898,8 23 2248,-8-5 0,2 6 0,-1 3 0</inkml:trace>
+  <inkml:trace contextRef="#ctx0" brushRef="#br0" timeOffset="1.83768E6">16858 1200 11490,'0'-4'1080,"-14"2"-990,10 15 0,-27-10-90,16 42 0,-4-23-90,2 40-90,15-28 0,-6 8-180,25-7 180,-12-11-539,26 6 179,-9-20 180,17 0 270,2-10 90,-7-15-90,-7 11 90,-8-30 0,-2 10 90,-8-11 270,2-7-90,-11 16 0,3-4-270,-3 12 629,0 0-629,0 30 0,20-16 0,-16 43 0,31-35 0,-31 33-90,29-32-89,-17 30-91,15-31 90,-7 23 0,-1-24-270,11 7 360,-9-10 90,15 0 0,-19-14 90,1 10-180,-10-27 450,-4 26 90,-3-31-90,-2 14-1,-3-10-89,0 6-270,0 7 0,-14 5-540,10 20-539,-11 11 360,15 24-91,0-10-1709,21 2 2519,6-6 0,14-13 0,-2 1 0</inkml:trace>
+  <inkml:trace contextRef="#ctx0" brushRef="#br0" timeOffset="1.838E6">17802 1268 10861,'-20'-18'1169,"16"2"-989,-33 9-180,22 2 0,-15 22 0,17 2-270,3 20 180,10-3-90,25-5 90,-3 0 0,23-16 180,-10-2-180,-5-8 180,-13-20 180,-1-3-90,-15-15-270,5 3-1349,-6 3 0,0 27 449,0 9-269,14 9 1259,-10 11 0,22-25 0,-10 13 0</inkml:trace>
+  <inkml:trace contextRef="#ctx0" brushRef="#br0" timeOffset="1.83822E6">17830 776 11131,'22'-30'719,"5"-4"-719,0 11 90,31 0 0,-39 16-90,31 3-450,-29 4-179,-2 23-2340,-9 12 811,-3 14 1987,-34 7 0,0-6 0,2-22 0,-1-1 1</inkml:trace>
+  <inkml:trace contextRef="#ctx0" brushRef="#br0" timeOffset="1.83888E6">12867 2054 10231,'10'-8'1439,"1"2"-989,0 0-90,-2 1 0,1-2-180,-4 2 449,2 0-449,-6 3-90,4 1 180,-3 1-90,1 17 0,1-13 0,0 34-90,2-17-1,1 23 1,-2-12 0,1 1 0,3 24-1331,-1 1 0,-1 3 1241,-3-21 0,0 1 0,2 15 0,0 1 0,-2-13 0,0-2-828,1 3 0,-1-1 828,0 0 0,0 2-45,3 17 0,1 1 0,-3-17 0,0 0-45,0 2 0,0 4 0,0-5-106,-1-7 1,0-1-75,2 22 0,0-1 1,1 2 134,-4-24 0,0-1-855,1 21 451,-2-17-901,-1 12 361,-1-30-2741,-1 2 3820,0-16 0,0-3 0,0-6 0</inkml:trace>
+  <inkml:trace contextRef="#ctx0" brushRef="#br0" timeOffset="1.83937E6">12888 3305 12030,'0'-3'2429,"17"0"-2429,-13 20 180,24 11-180,-25 11 90,20 4-90,-7 15 0,5-9 45,-6-5 0,0 0-1012,3 11 1012,-6-20 0,0 0-45,4 12 90,-1-1-90,0-5 0,-1-4-260,0-5 260,-2-4 356,3-1-86,-3-12-180,0-1-90,-4-12 786,5-17-786,-3 11 0,5-37 0,0 19 0,3-25 0,3 4-360,-3 8 0,1-2-254,10-22-376,-2 7 1,1-1-1,-11 21 1,-1 1 989,12-22 0,0 1 0,3-7 0,-11 21 0,0 1 0</inkml:trace>
 </inkml:ink>
 </file>
 
@@ -818,67 +1689,67 @@
   <inkml:trace contextRef="#ctx0" brushRef="#br0" timeOffset="213815">23668 9822 10051,'0'-7'540,"0"1"-360,0 3 449,-16 1-539,-9 1-90,-24 0 0,6 21-974,-6-15 974,15 35 0,0-21 90,3 18-383,7 9 383,2-10-90,13 29 0,20-27 0,-7 13 0,41-18-90,-22 1 180,24-2-135,-19-11 0,-2 1 45,14 9 45,-8-9 0,-3 0 225,-8 0-180,15 7 89,-34-18-268,10 1 178,-31-6 676,-12-4-1305,-9 1-180,-6-3-1349,-5-15 810,13 12 1259,-11-26 0,21 25 0,2-11 0</inkml:trace>
   <inkml:trace contextRef="#ctx0" brushRef="#br0" timeOffset="214049">23495 9689 10411,'0'-6'2069,"0"19"-1979,0 11-90,0 15 0,0 5 0,0-3-270,13 6 270,-10 5-1315,9 4 1225,-12 4 180,13 3-90,-10 1-540,8-17 0,1 1-340,-5-12 0,0 2-829,4 25 0,1-1 1709,-3-25 0,0-1 0,-1 10 0,-1 0 0,1 14 0</inkml:trace>
   <inkml:trace contextRef="#ctx0" brushRef="#br0" timeOffset="214633">24838 10024 11490,'15'19'900,"-3"8"-900,-12 12 0,0 2 0,0-8 90,0 3-540,0 0-629,0-2-630,-12 0-180,9-3 1889,-9-2 0,12-6 0,0-1 0</inkml:trace>
-  <inkml:trace contextRef="#ctx0" brushRef="#br0" timeOffset="214817">24810 9942 10771,'0'-21'90,"0"-1"-90,0 9 0,0 0-720,14 11-179,-10 16-91,25-10-449,-15 30 1439,16-18 0,-4 19 0,4-7 0</inkml:trace>
-  <inkml:trace contextRef="#ctx0" brushRef="#br0" timeOffset="215167">25472 10194 11041,'-48'-12'1079,"5"9"-899,6-9-180,-13 12 0,13 0 90,-23 0 0,33 0 0,-9 20-90,26 3 0,-1 22 90,11-11-90,19 1-90,9-4 0,12-9-270,21 3 360,-20-10 0,-6-11 0,1-1-281,4 3 281,11-6 0,-14-16 0,-12 12 430,-2-27 19,-16 9-269,-3-12-180,-4 2-90,-17 14-989,13 28-630,-13 22-630,17 12 2339,0 4 0,19-8 0,5 0 0</inkml:trace>
-  <inkml:trace contextRef="#ctx0" brushRef="#br0" timeOffset="215819">26162 10156 11041,'-14'-8'539,"10"2"-539,-10 20 0,14 10 0,0 11 90,0 4-90,15 8 0,-11-10 90,10 12-90,-14-7 0,11-12 90,-9 10-90,9-24-90,-7 1-719,-3-11 809,7-18 0,0-21 0,0-5 0,1 5 0,0 0 0,4-7-916,3-13 916,-3 19 0,-2 2-140,0 6 769,-2 5-539,-2 5-90,1 9 90,2 3 0,-2 19-180,10 12 180,-5 7-90,4 8 0,-3-8 0,0 4 90,1 0-540,-1 0-449,1-2 451,1-4 448,10 6 0,-3-21 0,9 2 0</inkml:trace>
-  <inkml:trace contextRef="#ctx0" brushRef="#br0" timeOffset="216233">26848 9708 11131,'0'-29'-90,"0"7"1529,-12 7-1439,9 32 90,-10 38-90,13 3 0,7-3 0,4 0-656,7 9 746,-1-10 0,1 1-555,-10-22 1,1-1 554,5 8 0,-2 0-180,-9 10 90,20-3 0,-20-7-362,13 6 362,-14-16-270,4 2-450,-6-21 1089,0-22-369,0-14 0,0-12-90,0-18 90,0 21 0,20-24-90,-14 30 180,29-6-90,-31 19 880,21 7-790,-13 3 428,0 26-608,5 7 180,-7 12-90,6 14-90,-4-17-629,-1 10-1440,3-1 630,-2-14 1529,8 6 0,-1-18 0,2-3 0</inkml:trace>
-  <inkml:trace contextRef="#ctx0" brushRef="#br0" timeOffset="216587">27548 10279 11041,'-23'-17'719,"-15"2"-629,34 3-180,-36 2 90,13 4 0,-10 2 90,4 2 0,5 21-90,6 4-90,5 19 90,8-10 0,9-2-360,24-9-269,6-2 359,1 3 180,2-13 0,-1-2 180,-8 5-135,10-8 0,2-3 45,-6-1 90,5 0 360,-14-20 359,-11-2-269,0-20-90,-10 3-450,0 6-90,0 8 90,-16 13 0,13 20 90,-13 15-90,16 8-360,0 6-540,19-6-89,-15 3-270,27 0-540,-28 0 1799,32-4 0,-17-2 0,19-2 0</inkml:trace>
-  <inkml:trace contextRef="#ctx0" brushRef="#br0" timeOffset="217116">28102 10244 11940,'-24'-14'720,"4"3"-810,8 4 0,9 1 180,-10 18 0,13 18-90,0 3 0,0 32-90,13-28 180,-9 19-90,9-15 0,-13 2-993,10 0 1082,-7 1-89,7 0-344,-10 15 344,0-16 0,0 10 0,0-13 90,0-13 90,0 6-270,0-21 0,-11-24 90,8-15-90,-14-31 90,16 10-45,-2 10 0,0 0 45,3-14 45,-1 4 0,2-1-86,15-12 86,-14 22 0,0-2-135,12 0 0,1 2 90,4-18 45,-3 12 0,2 2-135,13 1 90,-2-7 0,-8 27 252,-1 6-252,-1 8 0,6 4 0,-8 23 90,5 11-90,-12 11 90,-2 24 0,-4-23-894,-4 13 804,0-18 90,0-3 388,-18-2-568,13-4-358,-30-3-181,30-4-2429,-44 3 629,30-10 2429,-26 2 0,21-12 0,1-2 0</inkml:trace>
-  <inkml:trace contextRef="#ctx0" brushRef="#br0" timeOffset="217353">28992 10079 12390,'0'-8'0,"0"0"-90,0 3-450,0-1 91,0 3 449,0 0 0,0 2 0,0 0 0</inkml:trace>
-  <inkml:trace contextRef="#ctx0" brushRef="#br0" timeOffset="217603">29018 10515 10321,'11'12'990,"-4"1"-721,11 1-89,-5 1 90,1 0 90,-1 2-180,1 0 180,6 9-180,-8-5 449,5 11-539,-13-15-90,0 2 0,-4-7 90,0-2-90,-28 0-630,5 0-269,-31 0-540,8-1-1691,-12 2 3130,-7-3 0,29-3 0,0 0 0,-2-2 0,0 1 0</inkml:trace>
-  <inkml:trace contextRef="#ctx0" brushRef="#br0" timeOffset="220187">19428 12143 10681,'0'-10'180,"0"2"1169,0 3-1349,8 25 0,-5 11 0,11 34-737,-12-9 737,5 4 0,-7-15 0,3-1 89,-2 1-89,6 14-89,-6-15 268,4 15-179,-4-30 90,1 2-90,-2-20 0,-17-26 0,13-12-45,-10-2 0,-1-2 45,12-19-45,-7 9 0,0 0-420,7-12 420,-1 16 0,0 0 45,4-14 0,23-1-90,-17 3 135,22 18 0,4 2-135,-9-11 45,11 14 0,3 5 135,-3 6-90,11 2 553,-18 13-463,-5 15 0,-3-12 0,-6 45-90,-1-28 90,-7 42-90,-1-31 0,-4 11 0,-23-15-360,17-1-270,-36-4-359,37-2-90,-34-3 320,35-3 759,-31-4 0,22-6 0,-14 0 0</inkml:trace>
-  <inkml:trace contextRef="#ctx0" brushRef="#br0" timeOffset="220549">20032 12123 10051,'10'0'810,"-1"20"-630,-2-14 179,-2 30-359,-2-12 90,-2 18-90,-1-7 90,0 0-180,0-11 180,0-1-90,0-2 0,0 5-180,0-11-989,19 4 629,3-14 451,23-22 89,-1-11 0,-5-14 89,-3 0-89,-7-7 540,-10 9 180,3-21-450,-13 27-270,-1-11 0,-5 24 0,-2 1 90,0 14-90,1 3 0,0 3 0,0 21 0,0-16 0,2 51 0,0-33-1440,4 42 361,-2-32 1079,10 16 0,-4-25 0,6 3 0</inkml:trace>
-  <inkml:trace contextRef="#ctx0" brushRef="#br0" timeOffset="220983">20653 11827 10681,'-14'-14'899,"11"3"-899,-11 28 90,14 12-90,14 16 0,-10 4 45,12-19 0,0-1-45,-12 19 45,10-8 0,0 1-135,-12 6-305,21 12 395,-21-22 119,10-4-119,-12-3 0,0-6 180,0-2-360,0-7-629,0-2 629,0-30 546,0-8-456,0-16 90,0 1 90,26 8-180,-19 0 135,24 10 0,4 1-225,-12-9 225,11 9 0,2 5 225,-6 3 269,16 2-269,-24 11-180,1 15 90,-8 7-90,-9 20-90,0-5 0,-6 1 0,-17 1 0,-9-11-630,3 8-2248,-36-6 539,37-10 2339,-30 2 0,37-12 0,4-3 0</inkml:trace>
-  <inkml:trace contextRef="#ctx0" brushRef="#br0" timeOffset="221549">21473 12368 9871,'10'-16'0,"5"-8"0,-3-10 90,6-3 90,6-13 0,-6 11-135,-2 4 0,0-2 45,3-6 225,-6 5 0,-2 0-2111,1-6 1796,-2-12 180,-8 18 578,0 2-668,-1 2 270,-1-6-270,0 13-180,-15-5 90,11 22 420,-26 1-420,26 26 0,-24 16 0,25 10 0,-18 10 45,17-18 0,1 0 299,-6 20-254,6-16 0,2-1-180,1 15 90,0-1 90,0-3-90,16-2 0,-12-2-90,12-5-90,2 12-90,4-18-422,18 12 512,-7-26-180,10-3 360,-16-11-90,7-5 180,-12-1-90,-2-17 0,-2 13 90,2-31 180,-7 10 1043,4-19-953,-11 8 372,0-5-822,-5 22 90,-1-7 0,1 18 0,1 0 0,0 8 0,3 18 0,0-14 0,2 32 0,0-32-450,1 36-270,1-22-1618,3 28 989,0-20 1349,0 5 0,-2-14 0,-2-1 0</inkml:trace>
-  <inkml:trace contextRef="#ctx0" brushRef="#br0" timeOffset="221721">22057 12054 10951,'0'-9'0,"0"2"0,0 2-1979,0 1 720,0 18 1259,16-13 0,-12 27 0,12-11 0</inkml:trace>
-  <inkml:trace contextRef="#ctx0" brushRef="#br0" timeOffset="221937">22480 12158 11311,'-19'-9'989,"-13"7"-899,14-7-90,-19 9 0,11 15 90,-1-12-180,9 34 270,3-17-765,7 16 0,4 3-1034,-2 3 1619,16-1 0,3-1 0,-7-4 0,20 9 0</inkml:trace>
-  <inkml:trace contextRef="#ctx0" brushRef="#br0" timeOffset="222767">23710 12112 10321,'0'-11'900,"0"1"-721,-17 1-89,13 0 90,-29 0-90,29 1-90,-32 1 0,19 4 0,-33 2 0,19 1 0,-25 14 0,26 5 0,-7-1 90,18 18 0,5-20-90,7 16 0,4-9-180,3 0 90,23-3-359,13 6 359,13-14 0,-12-1 0,0-1 90,11-8-45,-9 2 0,-1-1 135,4-3-90,8-14 0,-24 11-90,-3-23 540,-5 11-271,-9-12-179,-3 4-90,-23 3 180,0 9-90,-3 23 0,8 14 0,12 27 90,17-8-900,-13 4 720,13-13 180,-3-1-654,1 26 564,2-23 450,-6 23-450,-5-39 0,-4 1 0,5-12 0,-7-4 0,-26-4 671,-6-2-896,-1-7 1,-2-2-406,-18 5-585,13-9 1,0-4-674,-7-8 1904,16 10 1,2-2-1,-10-21 1,4 7-1</inkml:trace>
-  <inkml:trace contextRef="#ctx0" brushRef="#br0" timeOffset="223351">23273 11676 9961,'0'-6'900,"-15"2"-900,-11 3 90,-15 21-90,5-15 0,3 35 0,9-22 90,-6 31-180,11-15 180,-5 27-90,15-23-664,3 14 664,3-17 0,3 2-164,0-3 254,20 1-90,-14-2 90,28 1-180,-15 11 90,-1-13 360,9 17-270,-24-26-90,8 4 0,-11-14 0,0-3 90,0-3 479,0-1-1469,-21-5-820,-4 1-799,-22-22 2519,3-3 0,18-15 0,7 3 0</inkml:trace>
-  <inkml:trace contextRef="#ctx0" brushRef="#br0" timeOffset="223589">23042 11624 9422,'16'-3'1889,"1"2"-1620,-6 15-179,0-11 180,1 40-270,-2-23 90,-2 11 0,0 3-90,2 6-1357,1 18 1357,-4-14 0,-1 3 0,-1 2 45,-4-14 0,1 1-45,-1 21 0,-1-10 0,0 0-180,0 8-495,2-11 1,-4 0-406,-15 6-89,13 12-630,-13-23 1799,17-2 0,0-2 0,0-3 0</inkml:trace>
-  <inkml:trace contextRef="#ctx0" brushRef="#br0" timeOffset="224157">24080 12140 10861,'-15'20'90,"3"2"-90,12 25 0,0-10-180,0 2-720,0-9-449,0-1-720,0-1 2069,0-3 0,0-2 0,0-2 0</inkml:trace>
-  <inkml:trace contextRef="#ctx0" brushRef="#br0" timeOffset="224352">24207 11901 10411,'0'-4'-809,"20"20"-91,2 7-359,3 10-411,15 0 1336,-20-7 0,19-1 0,-7 2 0</inkml:trace>
-  <inkml:trace contextRef="#ctx0" brushRef="#br0" timeOffset="224709">24785 12182 11041,'-51'-17'809,"-3"4"-719,16 13-90,-10 0-90,21 0 180,-11 15 0,25 5-90,-8 17 90,19 3-90,13-8-90,-7-4-180,34-11 0,-32-1 91,43-8 89,-26 4-180,38-11 270,-25 4 0,19-5 0,-28-19 0,4-3 180,-14-1 269,-9-14 181,-2 13-450,-6-8-180,0 4-90,0 11 180,-14 8-90,10 17-630,-10 13-179,14 22-2250,20 6 3059,-1-6 0,4-1 0,-10-15 0</inkml:trace>
-  <inkml:trace contextRef="#ctx0" brushRef="#br0" timeOffset="225236">25492 11519 11041,'0'-16'90,"0"5"0,0 51 269,0-9-1593,0 5 1,0 2 1323,0 13 0,0 6-246,5-16 0,2 1 66,-5 22 180,4-23 0,0 1-90,-2-5 0,-1-2 597,-1 19-642,1-15 0,0-2 135,-3-1 0,0 12 0,0-29-1799,0-2 1439,0-65 270,0 22 0,9-17 0,5-1 0,12 8 241,2-10-241,14 18 0,-26 7 723,19 9-544,-11-1 91,-2 12 90,-1-5-90,3 21 0,-5 11-180,5 23 0,-13-4 0,2 2 0,-10-13 881,1 0-791,-4-4 0,0 11-91,0-14-89,-20 9 0,15-22-22,-33-2-518,12-9-2428,-36-18 1439,19 11 1529,-6-30 0,29 17 0,3-17 0</inkml:trace>
-  <inkml:trace contextRef="#ctx0" brushRef="#br0" timeOffset="225652">26385 12047 11311,'-36'0'899,"-5"-13"-809,1 9-270,-2-9 360,9 13-180,6 0 0,6 21 0,5 7 0,5 13 90,5-1-90,6-9-90,0 0 180,18-1-450,8 7 0,-2-12-179,34 8 269,-36-19-657,31-3 748,-26-8-89,-1-3 88,-4 0 180,-3 0 0,-3-20-90,-3-3 90,-6-13 90,-2 3-90,-5-5 180,0 9 293,0-9-473,0 14-180,0 2 271,-15 5-720,11 3-721,-12 29 181,16 6 1169,0 17 0,0-3 0,0-8 0</inkml:trace>
-  <inkml:trace contextRef="#ctx0" brushRef="#br0" timeOffset="226053">26650 12117 10951,'3'-11'0,"0"-3"629,1 13-449,-2 18-180,-1 8 0,-1 28 0,14-14 0,-10 15 0,10-24 0,-14 6 90,7-16 90,-5-3-180,6-4 0,-2-6 0,0-18 0,10-10 0,-3 1-90,10-35 90,-7 31-635,7-32 725,-6 24-90,1 2 90,0 1 179,10-3-269,-9 11 180,16 3-180,-19 12 0,14 6 90,-17 22 546,7-16-636,-1 51-270,-4-33-900,-1 10 1,0 2-630,5 2 1577,7 9 0,-3-14 0,1-2 1</inkml:trace>
-  <inkml:trace contextRef="#ctx0" brushRef="#br0" timeOffset="226671">28068 11899 12390,'-6'-17'1529,"0"0"-1259,1 3-180,1-1-90,3 3-90,-1 1 90,1 3-3958,-1 4 3958,0 20 0,19 7 0,5 17 0</inkml:trace>
-  <inkml:trace contextRef="#ctx0" brushRef="#br0" timeOffset="226920">28093 12306 12120,'0'5'720,"0"-1"-361,0-1-269,18-2-90,10 6 270,9-1 90,15 14-360,-22-6 0,15 21 180,-29-13-180,11 12 0,-25-10 0,7 1 0,-9 0-90,-24 0-270,18 0-359,-55-1-766,29-6 1,-1-1 45,-9-3 0,-2-2 1130,-6 5 1,-1 0 0,9-7 0,0 0 0,-2 0-1,0 1 1</inkml:trace>
-  <inkml:trace contextRef="#ctx0" brushRef="#br0" timeOffset="236708">19398 14051 9332,'0'-10'1169,"0"2"-719,0-3 179,0-1-539,0 2 90,0-1-90,0 5 180,0 1 270,15 3-540,-11 14 90,11 9 0,-15 12-180,0 5 90,0-1 45,0-4 0,0 1-45,0 20-45,0-5 0,0 1-536,0 9 581,0-22 0,0 0 90,0 10-90,0-4 0,0-4 90,0 5-90,0-16 90,0 6-90,0-23 0,-11-1 0,9-25 581,-9-7-581,6-12 0,4-18-90,-7 13-999,7-17 1089,-2 11 0,3-3-419,-2 11 1,4-1 238,19-22 135,-19 20 0,2 0 45,21-1 0,2 2 0,-5-22 0,9 13 0,3 3-90,0-1 90,-11 18 0,0 3 0,6 0-90,0 6 180,-4 7-90,-4 5 0,-2 5 0,-4 2 90,0 21 0,-5 8-90,-3 28 0,-5-8 783,-2 1-783,0-13 90,-17-3-90,12-1 0,-13-5-180,-1-2-270,14-3-531,-30 4-99,16-9-1798,-13 5 2878,13-15 0,-5 0 0,9-5 0</inkml:trace>
-  <inkml:trace contextRef="#ctx0" brushRef="#br0" timeOffset="237110">19965 13933 9422,'8'0'1169,"-1"0"-1079,0 0 90,-2 0 270,0 18-361,-3-13-89,3 27-89,-4-9 89,3 17 89,-2-7-89,1 0 0,0-13 90,1-2-90,0-2-179,1-4 358,1-1-179,0-4 0,4-3-90,-1-2 90,10-16 0,-6 10 90,6-30-90,-7 30-90,1-37 90,-1 21-89,1-31 268,-6 19 91,3-17-270,-8 24 0,3-7 360,-2 18-270,0 3 0,-1 8-90,1 21 0,-2-13 0,2 31 0,2-8-360,1 9-1439,3 16 540,-5-21 1259,7 18 0,-5-22 0,4 5 0</inkml:trace>
-  <inkml:trace contextRef="#ctx0" brushRef="#br0" timeOffset="237892">20040 13919 11490,'7'30'900,"-6"6"-990,11-6 180,-11 6-90,10-5 90,-5 18-90,3-11-4342,2 26 4432,-4-28-90,2 8 770,-3-19-680,-1-2-90,1-2 0,-3-5 360,0-3-90,-1-4 3122,0-3-3392,-1-18 0,-1-7 0,-14-12 0,11-4 0,-10-15 0,13 8-45,-2 2 0,4 1-45,15-10-90,-5 8 0,1 0-180,10-2-135,6 9 1,1 2-1276,-6 3 870,33-4-2594,-12 18 3494,-11 8 0,9 2 0,-17 5 0</inkml:trace>
-  <inkml:trace contextRef="#ctx0" brushRef="#br0" timeOffset="238278">20670 14079 10231,'0'-18'1439,"0"1"-1169,-15 1-180,11 0-90,-21-5-90,22 7 90,-21-1 90,11 10-180,-8 2 90,3 22 0,5-14 90,0 33-90,3-21 0,2 18 90,4 6-90,2-11 0,30 18 0,-21-23 45,25-6 0,5-4-135,-10 1 180,34-4-180,-27-9 180,-1-3 0,-1 0-90,-5 0 0,-2 0 0,-6-18 0,-2-2-90,-9-22-90,-2 10-270,-22 0-809,-12 1 180,-10 8-1,-4-3 1080,-6 11 0,13 8 0,-11 0 0</inkml:trace>
-  <inkml:trace contextRef="#ctx0" brushRef="#br0" timeOffset="238579">21235 13437 11940,'0'-20'180,"0"3"90,0 6 539,0 3-809,0 30 90,14 13-90,-10 19-1696,9-12 0,1 0 1696,-11 15 0,3-18 0,2 0-675,5 16 765,-10-1-360,18-3-450,-19-2 1,15-5-1,-10-2-1711,14 7 1532,-11-15 899,8 9 0,-12-26 0,2 0 0</inkml:trace>
-  <inkml:trace contextRef="#ctx0" brushRef="#br0" timeOffset="238726">21168 13891 10771,'-11'-16'450,"-7"0"-450,16 3 90,-7 3-90,9 2 0,26 5-720,6 1-539,15 2 1259,18 15 0,-24 1 0,15 14 0</inkml:trace>
-  <inkml:trace contextRef="#ctx0" brushRef="#br0" timeOffset="239041">21673 14138 10051,'12'0'1080,"1"0"-721,0-15-269,2 11 0,0-26 0,0 26-90,1-27 90,4 9-90,-5-7-90,0 0 270,-7 3-180,-4 4 270,-1-12-180,-3 15-180,-18-7 90,13 14 0,-31 0-90,17 9 180,-16 23-90,7 7 0,12 14 0,6-2-720,10 10 1,0-12-181,0 12-1618,24-5 2518,7-13 0,14 3 0,-2-15 0</inkml:trace>
-  <inkml:trace contextRef="#ctx0" brushRef="#br0" timeOffset="239259">22258 13980 10501,'-23'-15'1349,"18"3"-1259,-34 2 90,35 4 0,-25 2-180,13 2 90,0 21-90,3 5 0,13 23 0,21-10-1169,4 11 179,1-22-179,19 6-1889,-9-11 3058,12-11 0,0 0 0,-15-10 0</inkml:trace>
-  <inkml:trace contextRef="#ctx0" brushRef="#br0" timeOffset="239503">22607 13532 10591,'0'-16'1169,"0"2"-179,0 7-900,0 21 0,19 15-90,-9 8 0,-1 5 0,14 19 0,-9-10 0,-3 1-577,-8 2 487,2-20 0,1-1-359,2 11-271,-6-4-90,11-3 91,-12-5 69,8-5-250,-8-5 900,2-4 0,-2-9 0,-1-1 0</inkml:trace>
-  <inkml:trace contextRef="#ctx0" brushRef="#br0" timeOffset="239641">22488 13918 10051,'-9'-19'270,"2"2"-270,7-5 90,23 7-180,4-3-180,1 11-449,20 2-1890,-12 5 2609,10 14 0,-1-11 0,-17 12 0</inkml:trace>
-  <inkml:trace contextRef="#ctx0" brushRef="#br0" timeOffset="239945">22895 14096 10501,'38'1'720,"1"0"-720,0-16 0,-6 11 90,-3-26-1,-9 27-89,0-21 0,-3 22 0,3-16 0,-7 7 0,-2-8 0,-7 3-89,-4-5 268,-1 8-269,-18-5 180,13 9-90,-26-2-90,27 4 180,-23 1-90,13 3 90,-10 20-180,11 5-269,5 23-1710,25 2 720,-13-7 1349,28 8 0,-5-23 0,18 6 0</inkml:trace>
-  <inkml:trace contextRef="#ctx0" brushRef="#br0" timeOffset="240327">23625 13987 10141,'-18'-19'1170,"14"2"-721,-34 0-449,14 9 90,-17 0-90,5 8 270,17 15-180,7 5-90,12 19 0,23 1 0,4 0 90,27-8-90,-13-15 0,15-7 0,-26-10-180,9 0 180,-8-15 0,-10-9-90,3-21 90,-15 4 0,-2-20 0,-5 20-90,-2-14 180,0-4-90,0 15 45,-8 8 0,-1 2-45,4-2 540,-12-9-360,17 29-180,0 19 90,17 43-90,-12 1-2191,10-2 0,3 1 572,-5 8 584,-4-18 1,0 0 881,10 15 0,-17 0 1,8-3-1</inkml:trace>
-  <inkml:trace contextRef="#ctx0" brushRef="#br0" timeOffset="240913">24538 14110 10501,'18'7'540,"2"-2"-540,11-19 180,-3 10-180,-8-29 0,10 4 90,-10-8 179,12-17-359,-18 22-602,3-10 782,-12 13-27,-2 0 117,-2 1 180,-1-9-360,0 11-90,-17-9 90,12 21 0,-12 2 0,5 9 598,10 21-598,-20 15 0,20 10 0,-6-5 0,-1 1 0,2 14-276,2-4 1,0 0 275,-1 11-405,4-11 1,1-1-406,1 5 181,0 12-1271,0-15 1450,0-15-1102,0 10 922,0-25 630,0-2 0,0-12 0,0-3 0</inkml:trace>
-  <inkml:trace contextRef="#ctx0" brushRef="#br0" timeOffset="241032">24533 14365 9871,'-17'-16'810,"-7"12"-720,22-27 0,-8 19-180,10-15 180,0 10-90,28-11-90,13 9-585,-2 1 1,3 1-595,-8 7 1,1 1 728,2-3 0,0 0 540,3 0 0,-2 0 0,22-5 0,-22 5 0,0 1 0</inkml:trace>
-  <inkml:trace contextRef="#ctx0" brushRef="#br0" timeOffset="241593">25208 13782 10051,'0'-9'270,"0"1"0,-14 2 719,11 3-899,-11 19-90,14 5 90,19 24-180,-14-8-452,32 4 542,-33-12 90,25 1-180,-26-2 180,19 0-540,-19-1 450,18-4 90,-11 4 0,3-10-90,1 1-360,-10-13 789,4-1-429,-5-4 294,-2-18-294,-1-2 0,0-24 0,0 12 0,0-3-90,0 2 90,17 10 0,-13-7 359,22 21-269,-12-1-90,14 26 180,-8 5-180,1-2-90,-11 16 90,2-30 90,0 31-90,0-32 0,1 29 0,-2-29 0,5 21-180,-4-18 90,3 4 0,-8-6 90,-1-5 0,0 0-90,-1-19 90,2 14 0,0-31 90,0 31-180,1-31 180,6 13-269,-5-10 179,6 2 89,-8 19 181,3 1-270,-6 11 0,1 0 0,1 22 90,-3-17-90,9 50-270,-6-35-1079,15 40 720,-7-31-361,8 9-1528,9-9 2518,-5-15 0,12 7 0,-8-13 0</inkml:trace>
-  <inkml:trace contextRef="#ctx0" brushRef="#br0" timeOffset="241795">26170 13999 10321,'0'-35'1259,"0"9"-719,-17-12-360,13 20-180,-31-1 360,30 12-360,-26 5 0,28 19 0,-18-12 0,19 47 0,-5-29 90,7 43-450,24-32-540,4 21 181,15-27-181,-4 4-1079,7-15 900,-9-4 1079,25-5 0,-24-3 0,8-5 0</inkml:trace>
-  <inkml:trace contextRef="#ctx0" brushRef="#br0" timeOffset="242043">26595 13432 10681,'1'-31'809,"-1"3"-899,1 8 630,-1 5 0,0 6-450,0 21-180,0 18 180,0 12-45,6-4 0,2 1-45,-5 15 0,5-3 0,-2 0 0,-6 11-315,5-10 0,0-1-45,-3 5-360,3-13 1,0-2 90,-5 1-181,0 4-90,0-21-269,0-8 1169,0-3 0,0-7 0,0-4 0</inkml:trace>
-  <inkml:trace contextRef="#ctx0" brushRef="#br0" timeOffset="242177">26360 13901 10501,'-12'-26'180,"4"2"-180,5 2 0,3 4 0,0 1 0,0 5 90,24 4-180,7 4-1529,33 4 449,-13 19-1050,7-14 2220,-16 30 0,2-31 0,0 13 0</inkml:trace>
-  <inkml:trace contextRef="#ctx0" brushRef="#br0" timeOffset="242361">27043 13925 11940,'0'33'-1799,"12"2"810,-9-3-91,9-1-719,-12-8 1799,9-3 0,-7-3 0,7-1 0</inkml:trace>
-  <inkml:trace contextRef="#ctx0" brushRef="#br0" timeOffset="242527">26947 13638 11221,'0'-19'-990,"0"8"-539,20 0 1529,-1 10 0,20 23 0,-7 5 0</inkml:trace>
-  <inkml:trace contextRef="#ctx0" brushRef="#br0" timeOffset="242900">27460 13904 10861,'0'-27'719,"-19"1"-719,15 7 0,-32 8 0,18 6 0,-17 22 0,10 8 90,9 10-90,7 1 0,9-8 0,0 2 0,0-1 0,0-1 90,16-3-90,-12-2 0,27-4-90,-27-2 180,28-4-90,-28-2 90,28-4-90,-15-2 0,13-3-90,-9-18 180,-6-3-90,-9-19 0,-3 8 0,-3-3-90,0 10 0,-15 0-269,11 1-901,-24-6 181,25 9-1710,-20-6 2789,20 17 0,-7-2 0,10 7 0</inkml:trace>
-  <inkml:trace contextRef="#ctx0" brushRef="#br0" timeOffset="243293">27785 13900 11580,'7'0'0,"0"-8"0,0 6 270,-1-6-180,0 8 0,-1 0-90,-2 0-90,-2 19 180,2-14-90,-1 32 0,1-32 0,0 34 0,1-15 0,-2 11 0,5-1 0,-3-22 0,3 7 0,-3-17-90,0 4 90,1-6 0,1 0 0,1 0 0,5-19 0,-1-6 90,12-22 0,-7 8 135,1 9 0,1 1 135,0 1-270,16-15-90,-19 35 90,10 0-90,-10 8 0,5 23 0,-5-17-630,0 44 0,2-27-1259,1 24-1259,-2-8 3088,0-1 1,-1 0 0,1 0 0</inkml:trace>
-  <inkml:trace contextRef="#ctx0" brushRef="#br0" timeOffset="244543">29058 13617 11221,'0'-13'629,"-14"2"-539,10 3 720,-11 3-810,15 20 0,-10 28 0,8 2 0,-3-3 0,0-1 0,5 4 0,0-8 0,0 1 0,0 1 0,0 9 90,0-22-90,0-4 90,14-5-90,-10-5 90,10-21-90,-7 9-90,-6-34 90,12 29 90,-4-51-180,3 32 90,-2-9 0,-1-2-90,3 3 90,4-6 0,-4 19-90,-1 8 180,0 0-180,0 9 180,0-3-90,1 5 0,5 20 0,-5 6 0,10 22 0,-9-11-360,4 1-270,-4-14-89,0-1-361,3-2-179,-2-3-540,2-8 1799,0 5 0,2-13 0,1 6 0</inkml:trace>
-  <inkml:trace contextRef="#ctx0" brushRef="#br0" timeOffset="244977">29543 13106 10321,'-16'-24'540,"2"4"269,14 9-629,0 30-90,0 3-180,0 27 90,0-5-1314,19 6 1224,-15 5 90,11-11 0,0 0-141,-7-10 1,-2 1 140,6 23 0,0-1 0,-6-23 0,1-2 0,2 9 0,-1-1 0,-6 11 0,10-5 0,-11-4 90,6 7 0,-6-17 0,2 9-90,-3-26-540,0-1 360,0-33 180,0-15 0,0-7-90,0-14 90,18 27 0,-14-6-90,27 16 90,-16 0 1521,11 10-1521,-1 0 434,-12 28-434,10-16 90,-9 34-90,4-10 0,-2 9-449,-5 2-181,1-12-180,1 1-899,8 6 540,-5-10 1169,9 3 0,-4-12 0,2-3 0</inkml:trace>
-  <inkml:trace contextRef="#ctx0" brushRef="#br0" timeOffset="245327">30225 13753 10411,'-18'-18'630,"14"4"-450,-29 3-90,29 3 89,-24 4-179,9 2 0,-11 17 0,11 8 90,0-2-90,17 34 0,-5-33 90,7 40-90,0-33 90,23 12-90,0-21 0,24 3 0,-7-15 0,0-3 0,-18-21 0,5-5 0,-19 1 0,5-17 630,-8 14-630,-5-15-180,0 9 270,-15 14 0,11 26-450,-10 17-359,14 10-541,0 15 181,17-18-540,-13 8 1619,28-13 0,-28-4 0,10-1 0</inkml:trace>
-  <inkml:trace contextRef="#ctx0" brushRef="#br0" timeOffset="245799">30532 13894 10321,'0'-12'1079,"0"21"-1079,0 10 90,0 15-90,0 6 0,15-7 0,-11 4 0,10-3 0,-1 1 0,-10 10 45,7-6 0,0-3-45,-7-6 270,10 7-360,-12-23-180,3-1 270,-4-31-449,-17-22 449,0-4 0,8 8 0,-2 1-90,-14-5 90,23 3 0,1-1 0,-18-8-1204,17-15 1114,-5 18 180,7 3-90,0 0-180,20-5 270,-15 14 0,34-4 270,-14 24-1,21 2-269,-9 8 0,-5 22 0,-11-15 90,-5 36 90,-1-25-180,-3 33-90,-5-20 1204,-2 22-1114,-5-25-180,-20 16-90,-1-23-2608,-20 9-361,5-18 3149,4-1 0,14-8 0,7-2 0</inkml:trace>
-  <inkml:trace contextRef="#ctx0" brushRef="#br0" timeOffset="246078">30967 13437 10591,'5'-6'1169,"2"2"-449,7 3-540,-2 1 0,17 14-90,-8 6-90,22 21 0,-15-6 45,4 0 0,1-1-45,3 6-45,-2-2 0,-1 0-495,-1 0-450,-6-8 1,-2 0-360,5 3-740,5 8 2089,-14-17 0,-1-4 0,-2-4 0</inkml:trace>
-  <inkml:trace contextRef="#ctx0" brushRef="#br0" timeOffset="246313">31552 13313 11400,'-18'-8'1440,"-4"2"-1350,13 21-90,-11 14 90,4 10-1455,-4 7 1365,2-3 0,-3 3 90,-1 4-135,6-12 0,0 0-495,-11 21-450,6-8 1,-1 0-720,-7 8 1709,8-11 0,0-1 0,-3 5 0,9-19 0,1 0 0</inkml:trace>
-  <inkml:trace contextRef="#ctx0" brushRef="#br0" timeOffset="246677">31693 13908 10771,'9'-2'0,"0"-2"0,3 1 0,1-2 0,2-1 0,0-1 0,0 0 90,9-6-90,-8 4 0,9-8 0,-12 6 0,-1-3 270,-5-2-1,-4 4 181,-1-9-270,-2 10-90,0-6-180,0 5 180,-15 3-180,11 2 180,-26 4-90,12 17 0,-14 8 90,6 23-90,9-6 0,8 19 90,9-21-990,16-6 1,6-2-540,5 5 406,3-13 1,2-2 1032,10 4 0,5-4 0,2-2 0</inkml:trace>
-  <inkml:trace contextRef="#ctx0" brushRef="#br0" timeOffset="246977">32380 13124 11580,'-5'-8'270,"-4"1"90,4 5-90,-26 21-180,11 11-90,-5 0 0,-1 2-306,-5 24 261,5-11 0,1 0-1765,-4 12 1855,13-19 0,3 2 0,4 1 0,2-1-350,1 22-55,0-10 0,7-1-359,25 7-498,-24-21 1,3-2 721,21-12 1,3-3-856,-5 21-766,27-7 2116,-10-4 0,1-7 0,2-4 0</inkml:trace>
-  <inkml:trace contextRef="#ctx0" brushRef="#br0" timeOffset="247277">32798 13074 10681,'38'-1'1259,"-8"0"-809,-13 16-360,1-12 0,-9 27-90,8-13 270,-3 31-270,-5-8 45,-4-1 0,-1 2 45,-2 15-400,-2-18 0,1 2 354,0 3 1,-2 0-90,-8-11 1,0 2-181,8 21 0,-3 0-135,-13-24 0,-2 0-854,10 19 0,1-1-495,-14 3 1709,8-19 0,2-2 0,9 6 0,-10-3 0</inkml:trace>
-  <inkml:trace contextRef="#ctx0" brushRef="#br0" timeOffset="248098">33405 12981 10501,'-14'-13'899,"10"2"-179,-10-1-720,14 7-90,0 12 180,0 7-90,0 18 0,0-5 270,0 5-270,0-3 0,0 19 0,0-7-254,-1-4 0,2 0 254,12 11-90,-10 15 90,18-2 0,-19-15-797,6 11 797,-3-21 0,-4-1 0,8-5 0,-6 8 90,1-13 453,-2 7-363,-1-18-360,-1-4 180,0-38 942,0 7-1032,0-25 0,0 23 90,0 29 0,0 18 0,0 18 90,0 8-1033,0-8 943,0 5 0,0-11 0,0 1 0,0 20 0,1-20 0,-2 0 90,-15 11-90,12-2-90,-13-2-900,0 17-89,-5-17 404,6-14 1,-1-2-1575,-14 10 2249,4-2 0,-2 0 0,-2-3 0</inkml:trace>
-  <inkml:trace contextRef="#ctx0" brushRef="#br0" timeOffset="249065">19820 16625 8972,'0'35'-90,"-14"0"180,10-2 90,-10-2 0,14-3-90,0 4-90,0-11 90,0 1-90,19-15 0,7-4 0,25-22 0,-9 14 0,-13-21 0,-1-4 0,5 5-613,-12-2 0,-1-2 613,2-6 111,-10 2 429,3 1-91,-12 2-89,5 2-180,-8 4-270,0-2 180,-19 9-90,-5 4 90,-15 36-90,16-2 394,-8 28-394,27-8-540,-26 8-899,18 6-540,-11 4 1979,7 3 0,2 1 0,-1 1 0</inkml:trace>
-  <inkml:trace contextRef="#ctx0" brushRef="#br0" timeOffset="255329">18757 16927 9242,'0'-6'1799,"0"18"-1619,0 14-180,0 10 90,0 8-284,0-5 284,0 6-90,0 3 0,0 2 90,0 0-90,0 0 0,0-2 0,0-3 0,0-2 0,9-5 0,-7-1 38,13 6 52,-7-12-180,7 10 90,-5-22 180,4 6-180,-7-15 370,3 0-370,-5-8 55,-1-1-55,1-1 0,-3-15 0,0-3 0,-2-18 0,0-3 0,0 9-180,0 1 270,0 13-90,-11 7 0,8 27 90,-8 2-90,11 43 0,0-19 45,0-1 0,0 1-45,0 13-686,0-18 1,0-1 685,0 15 0,0-1 0,0-2 0,0 16-540,0-17-630,0-12 1,0 0-630,0 1 1799,0 8 0,0-20 0,0-1 0</inkml:trace>
-  <inkml:trace contextRef="#ctx0" brushRef="#br0" timeOffset="261115">18137 6970 7623,'0'20'359,"0"0"-359,0 1 90,0 0 0,0 0 0,0-1 0,0 2 0,0 0 0,0 2-90,0 1 90,0 1 0,0 3-90,0 1 0,0 3 90,0 2-90,0 2 90,0 3 0,-12 2-399,9 4 309,-9 1 0,12 4 0,0 0-226,0 5 316,0-2-90,0-14 0,0 1 0,0 22 0,0-13 0,0 1 90,0 8-90,0-22 0,0-2 0,0 13 0,0-2 0,0-1 90,0 18-90,0-16 0,0-7 0,0 0 0,0 7 0,0-6 0,0 0 0,0 8 90,0 0 0,0 0 90,0 2-135,0-4 0,0-1-45,0-5 45,0-6 0,0-1 45,0 5-90,0 10 0,0-16 0,0-3-235,0 0 235,0-2 0,0 0 90,0 0-90,0-1 0,0 1 0,0 0 286,0 12-286,0-8 0,0 20 0,0-18 90,0 17-90,0-17 0,0 6 0,0 3 0,0-10 360,0 26-360,0-22-299,0 12 299,0-13 0,0-1 204,0 1-114,0-1-90,0 2 0,0-2 179,5 14-179,-4-10 0,8 25 0,-6-28 90,1 26-90,-3-28-592,-1 13 592,1-14-2,0 0 2,1 1 0,0 1 0,1 2 0,-1-2 90,3 18-90,-4-15 90,2-4 0,0 0-90,-3 3 0,4 25 0,-2-26 763,0 9-763,1-1 0,-2-11 0,2 20 0,-1-24 0,3 22 0,-2-25 0,2 11 32,-2-13-32,1 1 0,-2 1 0,4 12 0,-4-6 0,5 22 90,-3-19-180,5 25 180,-3-24-90,-1 12 0,1-15 0,-3 1 0,2-1 735,-3-1-825,3-2 180,-3-1-88,1 12-2,-2-13 0,0 20 0,0-22 0,-1 15 0,0-17 0,0 6-449,0-1 179,0-8-630,0 17 181,0-15 719,0 13 0,0-14 0,0 5 0</inkml:trace>
-  <inkml:trace contextRef="#ctx0" brushRef="#br0" timeOffset="262401">18153 13461 9871,'5'-2'900,"-1"1"-810,-2 1 0,1 0 270,3 16-181,-2-12 91,5 23-180,-4-7-90,3 6 90,-2 3-90,-1-4-90,1 3 180,-3 2-90,3 5 0,-2 1 90,2 22-90,0-11 0,-3-4 0,0 0-1517,4 11 1517,-5-17 0,1-1 90,1 17-670,-2 1 580,1 3 0,-1-16 0,-1 2 0,1 23 0,-1-9 0,1 1-315,-2-23 0,0 0 270,0 25 0,1 1 45,-1-24 0,0-2-689,0 12 1,0-1 58,0 19-269,0-1-361,0 0 1260,0-19 0,0 0 0,0-11 0,0 0 0,0 9 0,0 0 0</inkml:trace>
+  <inkml:trace contextRef="#ctx0" brushRef="#br0" timeOffset="-214679.73">24810 9942 10771,'0'-21'90,"0"-1"-90,0 9 0,0 0-720,14 11-179,-10 16-91,25-10-449,-15 30 1439,16-18 0,-4 19 0,4-7 0</inkml:trace>
+  <inkml:trace contextRef="#ctx0" brushRef="#br0" timeOffset="-214329.73">25472 10194 11041,'-48'-12'1079,"5"9"-899,6-9-180,-13 12 0,13 0 90,-23 0 0,33 0 0,-9 20-90,26 3 0,-1 22 90,11-11-90,19 1-90,9-4 0,12-9-270,21 3 360,-20-10 0,-6-11 0,1-1-281,4 3 281,11-6 0,-14-16 0,-12 12 430,-2-27 19,-16 9-269,-3-12-180,-4 2-90,-17 14-989,13 28-630,-13 22-630,17 12 2339,0 4 0,19-8 0,5 0 0</inkml:trace>
+  <inkml:trace contextRef="#ctx0" brushRef="#br0" timeOffset="-213677.73">26162 10156 11041,'-14'-8'539,"10"2"-539,-10 20 0,14 10 0,0 11 90,0 4-90,15 8 0,-11-10 90,10 12-90,-14-7 0,11-12 90,-9 10-90,9-24-90,-7 1-719,-3-11 809,7-18 0,0-21 0,0-5 0,1 5 0,0 0 0,4-7-916,3-13 916,-3 19 0,-2 2-140,0 6 769,-2 5-539,-2 5-90,1 9 90,2 3 0,-2 19-180,10 12 180,-5 7-90,4 8 0,-3-8 0,0 4 90,1 0-540,-1 0-449,1-2 451,1-4 448,10 6 0,-3-21 0,9 2 0</inkml:trace>
+  <inkml:trace contextRef="#ctx0" brushRef="#br0" timeOffset="-213263.73">26848 9708 11131,'0'-29'-90,"0"7"1529,-12 7-1439,9 32 90,-10 38-90,13 3 0,7-3 0,4 0-656,7 9 746,-1-10 0,1 1-555,-10-22 1,1-1 554,5 8 0,-2 0-180,-9 10 90,20-3 0,-20-7-362,13 6 362,-14-16-270,4 2-450,-6-21 1089,0-22-369,0-14 0,0-12-90,0-18 90,0 21 0,20-24-90,-14 30 180,29-6-90,-31 19 880,21 7-790,-13 3 428,0 26-608,5 7 180,-7 12-90,6 14-90,-4-17-629,-1 10-1440,3-1 630,-2-14 1529,8 6 0,-1-18 0,2-3 0</inkml:trace>
+  <inkml:trace contextRef="#ctx0" brushRef="#br0" timeOffset="-212909.73">27548 10279 11041,'-23'-17'719,"-15"2"-629,34 3-180,-36 2 90,13 4 0,-10 2 90,4 2 0,5 21-90,6 4-90,5 19 90,8-10 0,9-2-360,24-9-269,6-2 359,1 3 180,2-13 0,-1-2 180,-8 5-135,10-8 0,2-3 45,-6-1 90,5 0 360,-14-20 359,-11-2-269,0-20-90,-10 3-450,0 6-90,0 8 90,-16 13 0,13 20 90,-13 15-90,16 8-360,0 6-540,19-6-89,-15 3-270,27 0-540,-28 0 1799,32-4 0,-17-2 0,19-2 0</inkml:trace>
+  <inkml:trace contextRef="#ctx0" brushRef="#br0" timeOffset="-212380.73">28102 10244 11940,'-24'-14'720,"4"3"-810,8 4 0,9 1 180,-10 18 0,13 18-90,0 3 0,0 32-90,13-28 180,-9 19-90,9-15 0,-13 2-993,10 0 1082,-7 1-89,7 0-344,-10 15 344,0-16 0,0 10 0,0-13 90,0-13 90,0 6-270,0-21 0,-11-24 90,8-15-90,-14-31 90,16 10-45,-2 10 0,0 0 45,3-14 45,-1 4 0,2-1-86,15-12 86,-14 22 0,0-2-135,12 0 0,1 2 90,4-18 45,-3 12 0,2 2-135,13 1 90,-2-7 0,-8 27 252,-1 6-252,-1 8 0,6 4 0,-8 23 90,5 11-90,-12 11 90,-2 24 0,-4-23-894,-4 13 804,0-18 90,0-3 388,-18-2-568,13-4-358,-30-3-181,30-4-2429,-44 3 629,30-10 2429,-26 2 0,21-12 0,1-2 0</inkml:trace>
+  <inkml:trace contextRef="#ctx0" brushRef="#br0" timeOffset="-212143.73">28992 10079 12390,'0'-8'0,"0"0"-90,0 3-450,0-1 91,0 3 449,0 0 0,0 2 0,0 0 0</inkml:trace>
+  <inkml:trace contextRef="#ctx0" brushRef="#br0" timeOffset="-211893.73">29018 10515 10321,'11'12'990,"-4"1"-721,11 1-89,-5 1 90,1 0 90,-1 2-180,1 0 180,6 9-180,-8-5 449,5 11-539,-13-15-90,0 2 0,-4-7 90,0-2-90,-28 0-630,5 0-269,-31 0-540,8-1-1691,-12 2 3130,-7-3 0,29-3 0,0 0 0,-2-2 0,0 1 0</inkml:trace>
+  <inkml:trace contextRef="#ctx0" brushRef="#br0" timeOffset="-209309.73">19428 12143 10681,'0'-10'180,"0"2"1169,0 3-1349,8 25 0,-5 11 0,11 34-737,-12-9 737,5 4 0,-7-15 0,3-1 89,-2 1-89,6 14-89,-6-15 268,4 15-179,-4-30 90,1 2-90,-2-20 0,-17-26 0,13-12-45,-10-2 0,-1-2 45,12-19-45,-7 9 0,0 0-420,7-12 420,-1 16 0,0 0 45,4-14 0,23-1-90,-17 3 135,22 18 0,4 2-135,-9-11 45,11 14 0,3 5 135,-3 6-90,11 2 553,-18 13-463,-5 15 0,-3-12 0,-6 45-90,-1-28 90,-7 42-90,-1-31 0,-4 11 0,-23-15-360,17-1-270,-36-4-359,37-2-90,-34-3 320,35-3 759,-31-4 0,22-6 0,-14 0 0</inkml:trace>
+  <inkml:trace contextRef="#ctx0" brushRef="#br0" timeOffset="-208947.73">20032 12123 10051,'10'0'810,"-1"20"-630,-2-14 179,-2 30-359,-2-12 90,-2 18-90,-1-7 90,0 0-180,0-11 180,0-1-90,0-2 0,0 5-180,0-11-989,19 4 629,3-14 451,23-22 89,-1-11 0,-5-14 89,-3 0-89,-7-7 540,-10 9 180,3-21-450,-13 27-270,-1-11 0,-5 24 0,-2 1 90,0 14-90,1 3 0,0 3 0,0 21 0,0-16 0,2 51 0,0-33-1440,4 42 361,-2-32 1079,10 16 0,-4-25 0,6 3 0</inkml:trace>
+  <inkml:trace contextRef="#ctx0" brushRef="#br0" timeOffset="-208513.73">20653 11827 10681,'-14'-14'899,"11"3"-899,-11 28 90,14 12-90,14 16 0,-10 4 45,12-19 0,0-1-45,-12 19 45,10-8 0,0 1-135,-12 6-305,21 12 395,-21-22 119,10-4-119,-12-3 0,0-6 180,0-2-360,0-7-629,0-2 629,0-30 546,0-8-456,0-16 90,0 1 90,26 8-180,-19 0 135,24 10 0,4 1-225,-12-9 225,11 9 0,2 5 225,-6 3 269,16 2-269,-24 11-180,1 15 90,-8 7-90,-9 20-90,0-5 0,-6 1 0,-17 1 0,-9-11-630,3 8-2248,-36-6 539,37-10 2339,-30 2 0,37-12 0,4-3 0</inkml:trace>
+  <inkml:trace contextRef="#ctx0" brushRef="#br0" timeOffset="-207947.73">21473 12368 9871,'10'-16'0,"5"-8"0,-3-10 90,6-3 90,6-13 0,-6 11-135,-2 4 0,0-2 45,3-6 225,-6 5 0,-2 0-2111,1-6 1796,-2-12 180,-8 18 578,0 2-668,-1 2 270,-1-6-270,0 13-180,-15-5 90,11 22 420,-26 1-420,26 26 0,-24 16 0,25 10 0,-18 10 45,17-18 0,1 0 299,-6 20-254,6-16 0,2-1-180,1 15 90,0-1 90,0-3-90,16-2 0,-12-2-90,12-5-90,2 12-90,4-18-422,18 12 512,-7-26-180,10-3 360,-16-11-90,7-5 180,-12-1-90,-2-17 0,-2 13 90,2-31 180,-7 10 1043,4-19-953,-11 8 372,0-5-822,-5 22 90,-1-7 0,1 18 0,1 0 0,0 8 0,3 18 0,0-14 0,2 32 0,0-32-450,1 36-270,1-22-1618,3 28 989,0-20 1349,0 5 0,-2-14 0,-2-1 0</inkml:trace>
+  <inkml:trace contextRef="#ctx0" brushRef="#br0" timeOffset="-207775.73">22057 12054 10951,'0'-9'0,"0"2"0,0 2-1979,0 1 720,0 18 1259,16-13 0,-12 27 0,12-11 0</inkml:trace>
+  <inkml:trace contextRef="#ctx0" brushRef="#br0" timeOffset="-207559.73">22480 12158 11311,'-19'-9'989,"-13"7"-899,14-7-90,-19 9 0,11 15 90,-1-12-180,9 34 270,3-17-765,7 16 0,4 3-1034,-2 3 1619,16-1 0,3-1 0,-7-4 0,20 9 0</inkml:trace>
+  <inkml:trace contextRef="#ctx0" brushRef="#br0" timeOffset="-206729.73">23710 12112 10321,'0'-11'900,"0"1"-721,-17 1-89,13 0 90,-29 0-90,29 1-90,-32 1 0,19 4 0,-33 2 0,19 1 0,-25 14 0,26 5 0,-7-1 90,18 18 0,5-20-90,7 16 0,4-9-180,3 0 90,23-3-359,13 6 359,13-14 0,-12-1 0,0-1 90,11-8-45,-9 2 0,-1-1 135,4-3-90,8-14 0,-24 11-90,-3-23 540,-5 11-271,-9-12-179,-3 4-90,-23 3 180,0 9-90,-3 23 0,8 14 0,12 27 90,17-8-900,-13 4 720,13-13 180,-3-1-654,1 26 564,2-23 450,-6 23-450,-5-39 0,-4 1 0,5-12 0,-7-4 0,-26-4 671,-6-2-896,-1-7 1,-2-2-406,-18 5-585,13-9 1,0-4-674,-7-8 1904,16 10 1,2-2-1,-10-21 1,4 7-1</inkml:trace>
+  <inkml:trace contextRef="#ctx0" brushRef="#br0" timeOffset="-206145.73">23273 11676 9961,'0'-6'900,"-15"2"-900,-11 3 90,-15 21-90,5-15 0,3 35 0,9-22 90,-6 31-180,11-15 180,-5 27-90,15-23-664,3 14 664,3-17 0,3 2-164,0-3 254,20 1-90,-14-2 90,28 1-180,-15 11 90,-1-13 360,9 17-270,-24-26-90,8 4 0,-11-14 0,0-3 90,0-3 479,0-1-1469,-21-5-820,-4 1-799,-22-22 2519,3-3 0,18-15 0,7 3 0</inkml:trace>
+  <inkml:trace contextRef="#ctx0" brushRef="#br0" timeOffset="-205907.73">23042 11624 9422,'16'-3'1889,"1"2"-1620,-6 15-179,0-11 180,1 40-270,-2-23 90,-2 11 0,0 3-90,2 6-1357,1 18 1357,-4-14 0,-1 3 0,-1 2 45,-4-14 0,1 1-45,-1 21 0,-1-10 0,0 0-180,0 8-495,2-11 1,-4 0-406,-15 6-89,13 12-630,-13-23 1799,17-2 0,0-2 0,0-3 0</inkml:trace>
+  <inkml:trace contextRef="#ctx0" brushRef="#br0" timeOffset="-205339.73">24080 12140 10861,'-15'20'90,"3"2"-90,12 25 0,0-10-180,0 2-720,0-9-449,0-1-720,0-1 2069,0-3 0,0-2 0,0-2 0</inkml:trace>
+  <inkml:trace contextRef="#ctx0" brushRef="#br0" timeOffset="-205144.73">24207 11901 10411,'0'-4'-809,"20"20"-91,2 7-359,3 10-411,15 0 1336,-20-7 0,19-1 0,-7 2 0</inkml:trace>
+  <inkml:trace contextRef="#ctx0" brushRef="#br0" timeOffset="-204787.73">24785 12182 11041,'-51'-17'809,"-3"4"-719,16 13-90,-10 0-90,21 0 180,-11 15 0,25 5-90,-8 17 90,19 3-90,13-8-90,-7-4-180,34-11 0,-32-1 91,43-8 89,-26 4-180,38-11 270,-25 4 0,19-5 0,-28-19 0,4-3 180,-14-1 269,-9-14 181,-2 13-450,-6-8-180,0 4-90,0 11 180,-14 8-90,10 17-630,-10 13-179,14 22-2250,20 6 3059,-1-6 0,4-1 0,-10-15 0</inkml:trace>
+  <inkml:trace contextRef="#ctx0" brushRef="#br0" timeOffset="-204260.73">25492 11519 11041,'0'-16'90,"0"5"0,0 51 269,0-9-1593,0 5 1,0 2 1323,0 13 0,0 6-246,5-16 0,2 1 66,-5 22 180,4-23 0,0 1-90,-2-5 0,-1-2 597,-1 19-642,1-15 0,0-2 135,-3-1 0,0 12 0,0-29-1799,0-2 1439,0-65 270,0 22 0,9-17 0,5-1 0,12 8 241,2-10-241,14 18 0,-26 7 723,19 9-544,-11-1 91,-2 12 90,-1-5-90,3 21 0,-5 11-180,5 23 0,-13-4 0,2 2 0,-10-13 881,1 0-791,-4-4 0,0 11-91,0-14-89,-20 9 0,15-22-22,-33-2-518,12-9-2428,-36-18 1439,19 11 1529,-6-30 0,29 17 0,3-17 0</inkml:trace>
+  <inkml:trace contextRef="#ctx0" brushRef="#br0" timeOffset="-203844.73">26385 12047 11311,'-36'0'899,"-5"-13"-809,1 9-270,-2-9 360,9 13-180,6 0 0,6 21 0,5 7 0,5 13 90,5-1-90,6-9-90,0 0 180,18-1-450,8 7 0,-2-12-179,34 8 269,-36-19-657,31-3 748,-26-8-89,-1-3 88,-4 0 180,-3 0 0,-3-20-90,-3-3 90,-6-13 90,-2 3-90,-5-5 180,0 9 293,0-9-473,0 14-180,0 2 271,-15 5-720,11 3-721,-12 29 181,16 6 1169,0 17 0,0-3 0,0-8 0</inkml:trace>
+  <inkml:trace contextRef="#ctx0" brushRef="#br0" timeOffset="-203443.73">26650 12117 10951,'3'-11'0,"0"-3"629,1 13-449,-2 18-180,-1 8 0,-1 28 0,14-14 0,-10 15 0,10-24 0,-14 6 90,7-16 90,-5-3-180,6-4 0,-2-6 0,0-18 0,10-10 0,-3 1-90,10-35 90,-7 31-635,7-32 725,-6 24-90,1 2 90,0 1 179,10-3-269,-9 11 180,16 3-180,-19 12 0,14 6 90,-17 22 546,7-16-636,-1 51-270,-4-33-900,-1 10 1,0 2-630,5 2 1577,7 9 0,-3-14 0,1-2 1</inkml:trace>
+  <inkml:trace contextRef="#ctx0" brushRef="#br0" timeOffset="-202825.73">28068 11899 12390,'-6'-17'1529,"0"0"-1259,1 3-180,1-1-90,3 3-90,-1 1 90,1 3-3958,-1 4 3958,0 20 0,19 7 0,5 17 0</inkml:trace>
+  <inkml:trace contextRef="#ctx0" brushRef="#br0" timeOffset="-202576.73">28093 12306 12120,'0'5'720,"0"-1"-361,0-1-269,18-2-90,10 6 270,9-1 90,15 14-360,-22-6 0,15 21 180,-29-13-180,11 12 0,-25-10 0,7 1 0,-9 0-90,-24 0-270,18 0-359,-55-1-766,29-6 1,-1-1 45,-9-3 0,-2-2 1130,-6 5 1,-1 0 0,9-7 0,0 0 0,-2 0-1,0 1 1</inkml:trace>
+  <inkml:trace contextRef="#ctx0" brushRef="#br0" timeOffset="-192788.73">19398 14051 9332,'0'-10'1169,"0"2"-719,0-3 179,0-1-539,0 2 90,0-1-90,0 5 180,0 1 270,15 3-540,-11 14 90,11 9 0,-15 12-180,0 5 90,0-1 45,0-4 0,0 1-45,0 20-45,0-5 0,0 1-536,0 9 581,0-22 0,0 0 90,0 10-90,0-4 0,0-4 90,0 5-90,0-16 90,0 6-90,0-23 0,-11-1 0,9-25 581,-9-7-581,6-12 0,4-18-90,-7 13-999,7-17 1089,-2 11 0,3-3-419,-2 11 1,4-1 238,19-22 135,-19 20 0,2 0 45,21-1 0,2 2 0,-5-22 0,9 13 0,3 3-90,0-1 90,-11 18 0,0 3 0,6 0-90,0 6 180,-4 7-90,-4 5 0,-2 5 0,-4 2 90,0 21 0,-5 8-90,-3 28 0,-5-8 783,-2 1-783,0-13 90,-17-3-90,12-1 0,-13-5-180,-1-2-270,14-3-531,-30 4-99,16-9-1798,-13 5 2878,13-15 0,-5 0 0,9-5 0</inkml:trace>
+  <inkml:trace contextRef="#ctx0" brushRef="#br0" timeOffset="-192386.73">19965 13933 9422,'8'0'1169,"-1"0"-1079,0 0 90,-2 0 270,0 18-361,-3-13-89,3 27-89,-4-9 89,3 17 89,-2-7-89,1 0 0,0-13 90,1-2-90,0-2-179,1-4 358,1-1-179,0-4 0,4-3-90,-1-2 90,10-16 0,-6 10 90,6-30-90,-7 30-90,1-37 90,-1 21-89,1-31 268,-6 19 91,3-17-270,-8 24 0,3-7 360,-2 18-270,0 3 0,-1 8-90,1 21 0,-2-13 0,2 31 0,2-8-360,1 9-1439,3 16 540,-5-21 1259,7 18 0,-5-22 0,4 5 0</inkml:trace>
+  <inkml:trace contextRef="#ctx0" brushRef="#br0" timeOffset="-191604.73">20040 13919 11490,'7'30'900,"-6"6"-990,11-6 180,-11 6-90,10-5 90,-5 18-90,3-11-4342,2 26 4432,-4-28-90,2 8 770,-3-19-680,-1-2-90,1-2 0,-3-5 360,0-3-90,-1-4 3122,0-3-3392,-1-18 0,-1-7 0,-14-12 0,11-4 0,-10-15 0,13 8-45,-2 2 0,4 1-45,15-10-90,-5 8 0,1 0-180,10-2-135,6 9 1,1 2-1276,-6 3 870,33-4-2594,-12 18 3494,-11 8 0,9 2 0,-17 5 0</inkml:trace>
+  <inkml:trace contextRef="#ctx0" brushRef="#br0" timeOffset="-191218.73">20670 14079 10231,'0'-18'1439,"0"1"-1169,-15 1-180,11 0-90,-21-5-90,22 7 90,-21-1 90,11 10-180,-8 2 90,3 22 0,5-14 90,0 33-90,3-21 0,2 18 90,4 6-90,2-11 0,30 18 0,-21-23 45,25-6 0,5-4-135,-10 1 180,34-4-180,-27-9 180,-1-3 0,-1 0-90,-5 0 0,-2 0 0,-6-18 0,-2-2-90,-9-22-90,-2 10-270,-22 0-809,-12 1 180,-10 8-1,-4-3 1080,-6 11 0,13 8 0,-11 0 0</inkml:trace>
+  <inkml:trace contextRef="#ctx0" brushRef="#br0" timeOffset="-190917.73">21235 13437 11940,'0'-20'180,"0"3"90,0 6 539,0 3-809,0 30 90,14 13-90,-10 19-1696,9-12 0,1 0 1696,-11 15 0,3-18 0,2 0-675,5 16 765,-10-1-360,18-3-450,-19-2 1,15-5-1,-10-2-1711,14 7 1532,-11-15 899,8 9 0,-12-26 0,2 0 0</inkml:trace>
+  <inkml:trace contextRef="#ctx0" brushRef="#br0" timeOffset="-190770.73">21168 13891 10771,'-11'-16'450,"-7"0"-450,16 3 90,-7 3-90,9 2 0,26 5-720,6 1-539,15 2 1259,18 15 0,-24 1 0,15 14 0</inkml:trace>
+  <inkml:trace contextRef="#ctx0" brushRef="#br0" timeOffset="-190455.73">21673 14138 10051,'12'0'1080,"1"0"-721,0-15-269,2 11 0,0-26 0,0 26-90,1-27 90,4 9-90,-5-7-90,0 0 270,-7 3-180,-4 4 270,-1-12-180,-3 15-180,-18-7 90,13 14 0,-31 0-90,17 9 180,-16 23-90,7 7 0,12 14 0,6-2-720,10 10 1,0-12-181,0 12-1618,24-5 2518,7-13 0,14 3 0,-2-15 0</inkml:trace>
+  <inkml:trace contextRef="#ctx0" brushRef="#br0" timeOffset="-190237.73">22258 13980 10501,'-23'-15'1349,"18"3"-1259,-34 2 90,35 4 0,-25 2-180,13 2 90,0 21-90,3 5 0,13 23 0,21-10-1169,4 11 179,1-22-179,19 6-1889,-9-11 3058,12-11 0,0 0 0,-15-10 0</inkml:trace>
+  <inkml:trace contextRef="#ctx0" brushRef="#br0" timeOffset="-189993.73">22607 13532 10591,'0'-16'1169,"0"2"-179,0 7-900,0 21 0,19 15-90,-9 8 0,-1 5 0,14 19 0,-9-10 0,-3 1-577,-8 2 487,2-20 0,1-1-359,2 11-271,-6-4-90,11-3 91,-12-5 69,8-5-250,-8-5 900,2-4 0,-2-9 0,-1-1 0</inkml:trace>
+  <inkml:trace contextRef="#ctx0" brushRef="#br0" timeOffset="-189855.73">22488 13918 10051,'-9'-19'270,"2"2"-270,7-5 90,23 7-180,4-3-180,1 11-449,20 2-1890,-12 5 2609,10 14 0,-1-11 0,-17 12 0</inkml:trace>
+  <inkml:trace contextRef="#ctx0" brushRef="#br0" timeOffset="-189551.73">22895 14096 10501,'38'1'720,"1"0"-720,0-16 0,-6 11 90,-3-26-1,-9 27-89,0-21 0,-3 22 0,3-16 0,-7 7 0,-2-8 0,-7 3-89,-4-5 268,-1 8-269,-18-5 180,13 9-90,-26-2-90,27 4 180,-23 1-90,13 3 90,-10 20-180,11 5-269,5 23-1710,25 2 720,-13-7 1349,28 8 0,-5-23 0,18 6 0</inkml:trace>
+  <inkml:trace contextRef="#ctx0" brushRef="#br0" timeOffset="-189169.73">23625 13987 10141,'-18'-19'1170,"14"2"-721,-34 0-449,14 9 90,-17 0-90,5 8 270,17 15-180,7 5-90,12 19 0,23 1 0,4 0 90,27-8-90,-13-15 0,15-7 0,-26-10-180,9 0 180,-8-15 0,-10-9-90,3-21 90,-15 4 0,-2-20 0,-5 20-90,-2-14 180,0-4-90,0 15 45,-8 8 0,-1 2-45,4-2 540,-12-9-360,17 29-180,0 19 90,17 43-90,-12 1-2191,10-2 0,3 1 572,-5 8 584,-4-18 1,0 0 881,10 15 0,-17 0 1,8-3-1</inkml:trace>
+  <inkml:trace contextRef="#ctx0" brushRef="#br0" timeOffset="-188583.73">24538 14110 10501,'18'7'540,"2"-2"-540,11-19 180,-3 10-180,-8-29 0,10 4 90,-10-8 179,12-17-359,-18 22-602,3-10 782,-12 13-27,-2 0 117,-2 1 180,-1-9-360,0 11-90,-17-9 90,12 21 0,-12 2 0,5 9 598,10 21-598,-20 15 0,20 10 0,-6-5 0,-1 1 0,2 14-276,2-4 1,0 0 275,-1 11-405,4-11 1,1-1-406,1 5 181,0 12-1271,0-15 1450,0-15-1102,0 10 922,0-25 630,0-2 0,0-12 0,0-3 0</inkml:trace>
+  <inkml:trace contextRef="#ctx0" brushRef="#br0" timeOffset="-188464.73">24533 14365 9871,'-17'-16'810,"-7"12"-720,22-27 0,-8 19-180,10-15 180,0 10-90,28-11-90,13 9-585,-2 1 1,3 1-595,-8 7 1,1 1 728,2-3 0,0 0 540,3 0 0,-2 0 0,22-5 0,-22 5 0,0 1 0</inkml:trace>
+  <inkml:trace contextRef="#ctx0" brushRef="#br0" timeOffset="-187903.73">25208 13782 10051,'0'-9'270,"0"1"0,-14 2 719,11 3-899,-11 19-90,14 5 90,19 24-180,-14-8-452,32 4 542,-33-12 90,25 1-180,-26-2 180,19 0-540,-19-1 450,18-4 90,-11 4 0,3-10-90,1 1-360,-10-13 789,4-1-429,-5-4 294,-2-18-294,-1-2 0,0-24 0,0 12 0,0-3-90,0 2 90,17 10 0,-13-7 359,22 21-269,-12-1-90,14 26 180,-8 5-180,1-2-90,-11 16 90,2-30 90,0 31-90,0-32 0,1 29 0,-2-29 0,5 21-180,-4-18 90,3 4 0,-8-6 90,-1-5 0,0 0-90,-1-19 90,2 14 0,0-31 90,0 31-180,1-31 180,6 13-269,-5-10 179,6 2 89,-8 19 181,3 1-270,-6 11 0,1 0 0,1 22 90,-3-17-90,9 50-270,-6-35-1079,15 40 720,-7-31-361,8 9-1528,9-9 2518,-5-15 0,12 7 0,-8-13 0</inkml:trace>
+  <inkml:trace contextRef="#ctx0" brushRef="#br0" timeOffset="-187701.73">26170 13999 10321,'0'-35'1259,"0"9"-719,-17-12-360,13 20-180,-31-1 360,30 12-360,-26 5 0,28 19 0,-18-12 0,19 47 0,-5-29 90,7 43-450,24-32-540,4 21 181,15-27-181,-4 4-1079,7-15 900,-9-4 1079,25-5 0,-24-3 0,8-5 0</inkml:trace>
+  <inkml:trace contextRef="#ctx0" brushRef="#br0" timeOffset="-187453.73">26595 13432 10681,'1'-31'809,"-1"3"-899,1 8 630,-1 5 0,0 6-450,0 21-180,0 18 180,0 12-45,6-4 0,2 1-45,-5 15 0,5-3 0,-2 0 0,-6 11-315,5-10 0,0-1-45,-3 5-360,3-13 1,0-2 90,-5 1-181,0 4-90,0-21-269,0-8 1169,0-3 0,0-7 0,0-4 0</inkml:trace>
+  <inkml:trace contextRef="#ctx0" brushRef="#br0" timeOffset="-187319.73">26360 13901 10501,'-12'-26'180,"4"2"-180,5 2 0,3 4 0,0 1 0,0 5 90,24 4-180,7 4-1529,33 4 449,-13 19-1050,7-14 2220,-16 30 0,2-31 0,0 13 0</inkml:trace>
+  <inkml:trace contextRef="#ctx0" brushRef="#br0" timeOffset="-187135.73">27043 13925 11940,'0'33'-1799,"12"2"810,-9-3-91,9-1-719,-12-8 1799,9-3 0,-7-3 0,7-1 0</inkml:trace>
+  <inkml:trace contextRef="#ctx0" brushRef="#br0" timeOffset="-186969.73">26947 13638 11221,'0'-19'-990,"0"8"-539,20 0 1529,-1 10 0,20 23 0,-7 5 0</inkml:trace>
+  <inkml:trace contextRef="#ctx0" brushRef="#br0" timeOffset="-186596.73">27460 13904 10861,'0'-27'719,"-19"1"-719,15 7 0,-32 8 0,18 6 0,-17 22 0,10 8 90,9 10-90,7 1 0,9-8 0,0 2 0,0-1 0,0-1 90,16-3-90,-12-2 0,27-4-90,-27-2 180,28-4-90,-28-2 90,28-4-90,-15-2 0,13-3-90,-9-18 180,-6-3-90,-9-19 0,-3 8 0,-3-3-90,0 10 0,-15 0-269,11 1-901,-24-6 181,25 9-1710,-20-6 2789,20 17 0,-7-2 0,10 7 0</inkml:trace>
+  <inkml:trace contextRef="#ctx0" brushRef="#br0" timeOffset="-186203.73">27785 13900 11580,'7'0'0,"0"-8"0,0 6 270,-1-6-180,0 8 0,-1 0-90,-2 0-90,-2 19 180,2-14-90,-1 32 0,1-32 0,0 34 0,1-15 0,-2 11 0,5-1 0,-3-22 0,3 7 0,-3-17-90,0 4 90,1-6 0,1 0 0,1 0 0,5-19 0,-1-6 90,12-22 0,-7 8 135,1 9 0,1 1 135,0 1-270,16-15-90,-19 35 90,10 0-90,-10 8 0,5 23 0,-5-17-630,0 44 0,2-27-1259,1 24-1259,-2-8 3088,0-1 1,-1 0 0,1 0 0</inkml:trace>
+  <inkml:trace contextRef="#ctx0" brushRef="#br0" timeOffset="-184953.73">29058 13617 11221,'0'-13'629,"-14"2"-539,10 3 720,-11 3-810,15 20 0,-10 28 0,8 2 0,-3-3 0,0-1 0,5 4 0,0-8 0,0 1 0,0 1 0,0 9 90,0-22-90,0-4 90,14-5-90,-10-5 90,10-21-90,-7 9-90,-6-34 90,12 29 90,-4-51-180,3 32 90,-2-9 0,-1-2-90,3 3 90,4-6 0,-4 19-90,-1 8 180,0 0-180,0 9 180,0-3-90,1 5 0,5 20 0,-5 6 0,10 22 0,-9-11-360,4 1-270,-4-14-89,0-1-361,3-2-179,-2-3-540,2-8 1799,0 5 0,2-13 0,1 6 0</inkml:trace>
+  <inkml:trace contextRef="#ctx0" brushRef="#br0" timeOffset="-184519.73">29543 13106 10321,'-16'-24'540,"2"4"269,14 9-629,0 30-90,0 3-180,0 27 90,0-5-1314,19 6 1224,-15 5 90,11-11 0,0 0-141,-7-10 1,-2 1 140,6 23 0,0-1 0,-6-23 0,1-2 0,2 9 0,-1-1 0,-6 11 0,10-5 0,-11-4 90,6 7 0,-6-17 0,2 9-90,-3-26-540,0-1 360,0-33 180,0-15 0,0-7-90,0-14 90,18 27 0,-14-6-90,27 16 90,-16 0 1521,11 10-1521,-1 0 434,-12 28-434,10-16 90,-9 34-90,4-10 0,-2 9-449,-5 2-181,1-12-180,1 1-899,8 6 540,-5-10 1169,9 3 0,-4-12 0,2-3 0</inkml:trace>
+  <inkml:trace contextRef="#ctx0" brushRef="#br0" timeOffset="-184169.73">30225 13753 10411,'-18'-18'630,"14"4"-450,-29 3-90,29 3 89,-24 4-179,9 2 0,-11 17 0,11 8 90,0-2-90,17 34 0,-5-33 90,7 40-90,0-33 90,23 12-90,0-21 0,24 3 0,-7-15 0,0-3 0,-18-21 0,5-5 0,-19 1 0,5-17 630,-8 14-630,-5-15-180,0 9 270,-15 14 0,11 26-450,-10 17-359,14 10-541,0 15 181,17-18-540,-13 8 1619,28-13 0,-28-4 0,10-1 0</inkml:trace>
+  <inkml:trace contextRef="#ctx0" brushRef="#br0" timeOffset="-183697.73">30532 13894 10321,'0'-12'1079,"0"21"-1079,0 10 90,0 15-90,0 6 0,15-7 0,-11 4 0,10-3 0,-1 1 0,-10 10 45,7-6 0,0-3-45,-7-6 270,10 7-360,-12-23-180,3-1 270,-4-31-449,-17-22 449,0-4 0,8 8 0,-2 1-90,-14-5 90,23 3 0,1-1 0,-18-8-1204,17-15 1114,-5 18 180,7 3-90,0 0-180,20-5 270,-15 14 0,34-4 270,-14 24-1,21 2-269,-9 8 0,-5 22 0,-11-15 90,-5 36 90,-1-25-180,-3 33-90,-5-20 1204,-2 22-1114,-5-25-180,-20 16-90,-1-23-2608,-20 9-361,5-18 3149,4-1 0,14-8 0,7-2 0</inkml:trace>
+  <inkml:trace contextRef="#ctx0" brushRef="#br0" timeOffset="-183418.73">30967 13437 10591,'5'-6'1169,"2"2"-449,7 3-540,-2 1 0,17 14-90,-8 6-90,22 21 0,-15-6 45,4 0 0,1-1-45,3 6-45,-2-2 0,-1 0-495,-1 0-450,-6-8 1,-2 0-360,5 3-740,5 8 2089,-14-17 0,-1-4 0,-2-4 0</inkml:trace>
+  <inkml:trace contextRef="#ctx0" brushRef="#br0" timeOffset="-183183.73">31552 13313 11400,'-18'-8'1440,"-4"2"-1350,13 21-90,-11 14 90,4 10-1455,-4 7 1365,2-3 0,-3 3 90,-1 4-135,6-12 0,0 0-495,-11 21-450,6-8 1,-1 0-720,-7 8 1709,8-11 0,0-1 0,-3 5 0,9-19 0,1 0 0</inkml:trace>
+  <inkml:trace contextRef="#ctx0" brushRef="#br0" timeOffset="-182819.73">31693 13908 10771,'9'-2'0,"0"-2"0,3 1 0,1-2 0,2-1 0,0-1 0,0 0 90,9-6-90,-8 4 0,9-8 0,-12 6 0,-1-3 270,-5-2-1,-4 4 181,-1-9-270,-2 10-90,0-6-180,0 5 180,-15 3-180,11 2 180,-26 4-90,12 17 0,-14 8 90,6 23-90,9-6 0,8 19 90,9-21-990,16-6 1,6-2-540,5 5 406,3-13 1,2-2 1032,10 4 0,5-4 0,2-2 0</inkml:trace>
+  <inkml:trace contextRef="#ctx0" brushRef="#br0" timeOffset="-182519.73">32380 13124 11580,'-5'-8'270,"-4"1"90,4 5-90,-26 21-180,11 11-90,-5 0 0,-1 2-306,-5 24 261,5-11 0,1 0-1765,-4 12 1855,13-19 0,3 2 0,4 1 0,2-1-350,1 22-55,0-10 0,7-1-359,25 7-498,-24-21 1,3-2 721,21-12 1,3-3-856,-5 21-766,27-7 2116,-10-4 0,1-7 0,2-4 0</inkml:trace>
+  <inkml:trace contextRef="#ctx0" brushRef="#br0" timeOffset="-182219.73">32798 13074 10681,'38'-1'1259,"-8"0"-809,-13 16-360,1-12 0,-9 27-90,8-13 270,-3 31-270,-5-8 45,-4-1 0,-1 2 45,-2 15-400,-2-18 0,1 2 354,0 3 1,-2 0-90,-8-11 1,0 2-181,8 21 0,-3 0-135,-13-24 0,-2 0-854,10 19 0,1-1-495,-14 3 1709,8-19 0,2-2 0,9 6 0,-10-3 0</inkml:trace>
+  <inkml:trace contextRef="#ctx0" brushRef="#br0" timeOffset="-181398.73">33405 12981 10501,'-14'-13'899,"10"2"-179,-10-1-720,14 7-90,0 12 180,0 7-90,0 18 0,0-5 270,0 5-270,0-3 0,0 19 0,0-7-254,-1-4 0,2 0 254,12 11-90,-10 15 90,18-2 0,-19-15-797,6 11 797,-3-21 0,-4-1 0,8-5 0,-6 8 90,1-13 453,-2 7-363,-1-18-360,-1-4 180,0-38 942,0 7-1032,0-25 0,0 23 90,0 29 0,0 18 0,0 18 90,0 8-1033,0-8 943,0 5 0,0-11 0,0 1 0,0 20 0,1-20 0,-2 0 90,-15 11-90,12-2-90,-13-2-900,0 17-89,-5-17 404,6-14 1,-1-2-1575,-14 10 2249,4-2 0,-2 0 0,-2-3 0</inkml:trace>
+  <inkml:trace contextRef="#ctx0" brushRef="#br0" timeOffset="-180431.73">19820 16625 8972,'0'35'-90,"-14"0"180,10-2 90,-10-2 0,14-3-90,0 4-90,0-11 90,0 1-90,19-15 0,7-4 0,25-22 0,-9 14 0,-13-21 0,-1-4 0,5 5-613,-12-2 0,-1-2 613,2-6 111,-10 2 429,3 1-91,-12 2-89,5 2-180,-8 4-270,0-2 180,-19 9-90,-5 4 90,-15 36-90,16-2 394,-8 28-394,27-8-540,-26 8-899,18 6-540,-11 4 1979,7 3 0,2 1 0,-1 1 0</inkml:trace>
+  <inkml:trace contextRef="#ctx0" brushRef="#br0" timeOffset="-174167.73">18757 16927 9242,'0'-6'1799,"0"18"-1619,0 14-180,0 10 90,0 8-284,0-5 284,0 6-90,0 3 0,0 2 90,0 0-90,0 0 0,0-2 0,0-3 0,0-2 0,9-5 0,-7-1 38,13 6 52,-7-12-180,7 10 90,-5-22 180,4 6-180,-7-15 370,3 0-370,-5-8 55,-1-1-55,1-1 0,-3-15 0,0-3 0,-2-18 0,0-3 0,0 9-180,0 1 270,0 13-90,-11 7 0,8 27 90,-8 2-90,11 43 0,0-19 45,0-1 0,0 1-45,0 13-686,0-18 1,0-1 685,0 15 0,0-1 0,0-2 0,0 16-540,0-17-630,0-12 1,0 0-630,0 1 1799,0 8 0,0-20 0,0-1 0</inkml:trace>
+  <inkml:trace contextRef="#ctx0" brushRef="#br0" timeOffset="-168381.73">18137 6970 7623,'0'20'359,"0"0"-359,0 1 90,0 0 0,0 0 0,0-1 0,0 2 0,0 0 0,0 2-90,0 1 90,0 1 0,0 3-90,0 1 0,0 3 90,0 2-90,0 2 90,0 3 0,-12 2-399,9 4 309,-9 1 0,12 4 0,0 0-226,0 5 316,0-2-90,0-14 0,0 1 0,0 22 0,0-13 0,0 1 90,0 8-90,0-22 0,0-2 0,0 13 0,0-2 0,0-1 90,0 18-90,0-16 0,0-7 0,0 0 0,0 7 0,0-6 0,0 0 0,0 8 90,0 0 0,0 0 90,0 2-135,0-4 0,0-1-45,0-5 45,0-6 0,0-1 45,0 5-90,0 10 0,0-16 0,0-3-235,0 0 235,0-2 0,0 0 90,0 0-90,0-1 0,0 1 0,0 0 286,0 12-286,0-8 0,0 20 0,0-18 90,0 17-90,0-17 0,0 6 0,0 3 0,0-10 360,0 26-360,0-22-299,0 12 299,0-13 0,0-1 204,0 1-114,0-1-90,0 2 0,0-2 179,5 14-179,-4-10 0,8 25 0,-6-28 90,1 26-90,-3-28-592,-1 13 592,1-14-2,0 0 2,1 1 0,0 1 0,1 2 0,-1-2 90,3 18-90,-4-15 90,2-4 0,0 0-90,-3 3 0,4 25 0,-2-26 763,0 9-763,1-1 0,-2-11 0,2 20 0,-1-24 0,3 22 0,-2-25 0,2 11 32,-2-13-32,1 1 0,-2 1 0,4 12 0,-4-6 0,5 22 90,-3-19-180,5 25 180,-3-24-90,-1 12 0,1-15 0,-3 1 0,2-1 735,-3-1-825,3-2 180,-3-1-88,1 12-2,-2-13 0,0 20 0,0-22 0,-1 15 0,0-17 0,0 6-449,0-1 179,0-8-630,0 17 181,0-15 719,0 13 0,0-14 0,0 5 0</inkml:trace>
+  <inkml:trace contextRef="#ctx0" brushRef="#br0" timeOffset="-167095.73">18153 13461 9871,'5'-2'900,"-1"1"-810,-2 1 0,1 0 270,3 16-181,-2-12 91,5 23-180,-4-7-90,3 6 90,-2 3-90,-1-4-90,1 3 180,-3 2-90,3 5 0,-2 1 90,2 22-90,0-11 0,-3-4 0,0 0-1517,4 11 1517,-5-17 0,1-1 90,1 17-670,-2 1 580,1 3 0,-1-16 0,-1 2 0,1 23 0,-1-9 0,1 1-315,-2-23 0,0 0 270,0 25 0,1 1 45,-1-24 0,0-2-689,0 12 1,0-1 58,0 19-269,0-1-361,0 0 1260,0-19 0,0 0 0,0-11 0,0 0 0,0 9 0,0 0 0</inkml:trace>
 </inkml:ink>
 </file>
 
@@ -1374,32 +2245,32 @@
   <inkml:trace contextRef="#ctx0" brushRef="#br0" timeOffset="212966">18928 15531 10861,'-41'0'450,"4"0"-271,10 0-89,5 0-180,11 20 270,3-1-270,8 20 90,0-12 0,18-2 90,-13-8-90,31-1 0,-31-4-90,31-5 180,-32 3-90,32-9 0,-18 5 0,10-6 0,-12-17 360,-8-5 270,-8-21-540,0 2-270,0 4 0,0 36-270,0 15-179,0 24-1,15-3 0,-11-9-539,24 8 179,-11-9-629,8 6 1619,-1-15 0,-11-4 0,-6-7 0</inkml:trace>
   <inkml:trace contextRef="#ctx0" brushRef="#br0" timeOffset="213452">19157 15597 10861,'13'-33'899,"-3"14"-1079,2-5 180,-7 15 90,0-3-90,-2 6 90,2 6-90,-1 0 0,1 0 90,-1 16-90,4-11 0,1 29-90,1-9 180,2 20-90,-5-9 0,-1-4 90,-3-20-90,0 8 0,0-17 90,-1 15-90,0-16-90,1 4 90,0-6 0,7-20 0,-2 14-90,4-33 180,0 35-180,0-38 180,2 24-180,7-27 90,-8 20 360,10-4-180,-12 20-90,8 1-90,-7 8 0,4 0 0,6 18 0,-2 2-990,16 24-539,-10-10 1529,-2-7 0,1-2 0,10 6 0,12 10 0</inkml:trace>
   <inkml:trace contextRef="#ctx0" brushRef="#br0" timeOffset="214332">22313 13718 10681,'0'-21'270,"0"5"449,-17 7-629,12 36-90,-13 6-219,17-1 0,2 5 264,-1 19 0,0 2-486,0-10 0,0 5 471,0 10 0,0 7 0,0-3-733,0-21 1,0-3 0,0 3 702,0 14 0,0 3 0,0-3 0,0-12 0,0-3 0,0 1 30,0 1 0,0 0 0,0 1-30,0 0 0,-1 1 0,2 0 0,3 0 0,0 0 0,0 0-713,-3 0 1,0 0 0,0 0 712,3-2 0,1 1 0,-2 2-330,-2 14 0,-1 4 0,-1-3-147,1-16 1,1-3-1,-2 4-265,-2 4 0,-2 6 0,0-2 0,1-5 742,3 8 0,-2-3 0,-7-10 0,-3 1 0,0-4 0,2-1 0,-1 0 0</inkml:trace>
-  <inkml:trace contextRef="#ctx0" brushRef="#br0" timeOffset="215035">23260 13912 9512,'14'-25'0,"6"3"449,-18 5 91,22 3-180,-15 9-270,20 14-90,-14-5 0,3 35 0,1-2 0,-7 14 0,-3-15 0,-1-1 90,-1 8-90,-3-8 0,-2-1 90,-1 0-90,-1 6 180,0-20-91,0-5-178,0-4 89,0-41 0,0 13 0,0-49-90,0 34-547,24-13 637,-18 16-90,34 3 90,-36 5 90,25 6-90,-14 7 0,12 3 90,-7 29-90,5 7-180,-9 13 97,5 0-1536,2 4 809,-3-13 810,-2-7 0,2-1 0,6-1 0,9 5 0</inkml:trace>
-  <inkml:trace contextRef="#ctx0" brushRef="#br0" timeOffset="215416">24033 14129 9691,'-22'-20'990,"-15"3"-1080,12-3 0,-15 7 90,5 2 90,16 26-90,9 4 0,28 3 90,-14 11-90,33-29 0,-32 29 0,39-29 0,-27 21 0,21-22 0,-14 12 0,2-13 90,-5 3 360,-6-21-720,-7 0 360,-8-14-90,-14 16 0,11 28 0,-10 6 0,13 22 0,0-7 0,0 2 0,0 3 0,0-1 90,14 15-90,-11-17 180,11 19-180,-14-31 0,0 5 0,0-15-540,-15-3-270,11-4-179,-12-3-2069,-4-3 3058,2-1 0,-6-16 0,11-3 0</inkml:trace>
-  <inkml:trace contextRef="#ctx0" brushRef="#br0" timeOffset="215916">24512 14280 10051,'0'-11'990,"20"-10"-990,-15-21 270,28-1-704,-30 7 344,22-2 180,-22-3-90,8 0 90,-1-2 0,-7-1 180,7-19-270,-10 15 225,0 9 0,0 0-225,0-3-180,-16-19 180,12 34 171,-13-1-171,17 19 87,0 30 3,0 3-90,0 27 0,0-13 0,0 2-991,0 27 991,0-20 0,0 0-135,0-11 1,0-2-181,-1 0 0,2 0-315,16 30 0,-6-24 1,0-1-270,11 15 44,4-15 0,0-4-44,-5-2 899,28 2 0,-24-22 0,-1-3 0</inkml:trace>
-  <inkml:trace contextRef="#ctx0" brushRef="#br0" timeOffset="216249">24915 14254 9781,'-18'-26'900,"-3"-8"-450,-1 10-450,-15-3-90,15 10 90,-13 9 0,7 0 90,15 23-180,6 7-270,7 20-180,22 2 90,3-9 271,24 0 179,-12-23 0,-13 8 0,14-19 0,-18 6 629,17-24-89,-23-3 90,-7-18-630,-7 3-90,0 5-90,-16 14 270,12 3-180,-13 26-630,17 1-629,17 23-360,3-7 197,20 9 1512,-8-25 0,2 14 0,-7-14 0</inkml:trace>
-  <inkml:trace contextRef="#ctx0" brushRef="#br0" timeOffset="216516">25358 14196 10231,'0'-17'900,"-21"1"-720,15 2-180,-15 1 0,3 3-90,14 1 180,-24 4-90,25 22 0,-7 6 0,26 22-90,10-4 90,20-5 90,10-11-180,-13-12 180,5-9-90,-25-4-90,-5-13 90,-4 9-90,-13-24-90,6 9-90,-27 0-360,15-12-1169,-34 15 720,13-2 1079,2-2 0,-12 18 0,18-5 0</inkml:trace>
-  <inkml:trace contextRef="#ctx0" brushRef="#br0" timeOffset="216982">26510 14105 9602,'-27'-10'179,"20"-5"181,-53 14-270,34-5-135,-10 6 0,-2 0 135,-5 0-90,9 10 0,1 1 90,2-6-90,-5 35 0,26-14 90,3 12-90,7-3 0,26-10-180,-19-4 0,52-2 90,-32-8-1697,30 2 1787,-14-12 0,1 6 0,-3-7 256,11-18-256,-18 13 0,4-47 0,-19 29-45,-13-11 0,-3-3 135,4-5 230,-26-16-140,6 24 0,-1 1 90,-10-20 89,1 5 1,1 0-688,-6-7 328,15 18 0,-3 1 0,-22-9-90,33 5 472,-22 7-382,24 6 141,-7 10-51,10 6-90,0 30 90,0 19-90,0 19-380,8-25 0,1 1 380,-5 26 0,13 3-630,-17 2 1,13 0-181,-10-3 1,10-2-361,-9-23 1,-1-1 1169,-1 14 0,5 5 0,-7-24 0</inkml:trace>
-  <inkml:trace contextRef="#ctx0" brushRef="#br0" timeOffset="217123">26185 14125 9691,'-6'-39'270,"5"2"-360,-5 0 180,6 3-90,21-10 0,10 16-360,-1 10 1,3 3-361,20 5-3010,-13 4 1,-2 6 3729,9 22 0,15-17 0,-19 18 0</inkml:trace>
-  <inkml:trace contextRef="#ctx0" brushRef="#br0" timeOffset="217416">26863 14189 10411,'-22'-15'989,"-15"11"-1078,17-28-91,-11 28 360,14-21-180,8 40 0,9-3 0,20 10 0,-14 13 0,33-31 0,-35 32 0,36-31 89,-25 24-178,26-26 89,-12 15 0,-1-17-180,-12-9-450,-9-11 90,-7-20 1,-20 18-1170,1-19 449,-5 20 1260,-3-4 0,24-3 0,-9 13 0</inkml:trace>
-  <inkml:trace contextRef="#ctx0" brushRef="#br0" timeOffset="217766">27127 14124 9781,'9'0'180,"0"0"-180,-1 0-180,0-11 270,-4 8-90,2-7 0,-4 10 0,0 0 0,1 14 90,0 4-90,2 17 90,-2-17-90,3 14 0,-4-17 0,2 3 0,-3 0-270,1-16-89,-1 4-271,2-6 630,1 0-180,5-14 180,0 10 0,10-23 0,-3 7 0,3 3 0,-3-12 0,0 26 0,-2-18 0,7 19 0,-6-6 0,7 8-270,-9 20-1529,9 3 1799,-8 2 0,6 12 0,-5-12 0</inkml:trace>
-  <inkml:trace contextRef="#ctx0" brushRef="#br0" timeOffset="218100">27910 14086 9961,'0'-23'720,"-24"3"-630,17 0-180,-33 4 90,36 2-90,-30 5 90,18 4 0,-13 3 90,14 20-90,6 6 90,9 20 0,18-19-180,8 14 90,-3-20 90,21 3-90,-38 1 90,34-21 359,-19 7 91,10-9-450,-7 0-180,-10-16-270,-8 31-269,-20-8-91,10 28-89,-13-5-91,1-5-89,12-3-630,-27 1 1619,20-3 0,-16-1 0,6-3 0</inkml:trace>
-  <inkml:trace contextRef="#ctx0" brushRef="#br0" timeOffset="218299">26932 13775 11311,'0'-55'179,"7"18"1,6 1-180,16-17-45,-4 14 0,4 3 45,16 2 0,-16 13 0,-1 4 0,4 6-809,6 4-2699,-12 46 3508,-13-9 0,-6 3 0,-2 3 0,-5 16 0</inkml:trace>
-  <inkml:trace contextRef="#ctx0" brushRef="#br0" timeOffset="218416">26885 14761 10771,'0'14'-1102,"0"-4"0,0-4 0,0-2 0</inkml:trace>
-  <inkml:trace contextRef="#ctx0" brushRef="#br0" timeOffset="219717">23908 15706 9961,'0'-19'900,"0"-2"-361,0 1-359,0-2 90,0 3 0,0 0-90,0 3-90,-15 4-90,11 2-90,-26 4 90,14 1 0,-17 26 0,-1 7 90,6 14-90,1-2 0,12 4-90,7-10 180,3 16-90,5-24-180,22 2 0,8-18 90,14-3-180,18-28 180,-19 16 45,-9-25 0,0-5-45,5 4 90,-12-13 0,-4-5 0,-6-6-860,-5 19 1,-3-1 949,-7-19-90,2 0-52,-4-2 97,-11 20 0,0 0 44,5-16-134,-15 16 1,0 3 44,16 4-90,-15 1 90,9 22 90,8 24-90,-8 21 0,10-3 0,2 4 44,-1-4 1,0 1-196,0 19 1,0 0 150,0-19 0,0-1 0,-1 12 0,2-1-330,13 17 240,-10-3-989,10-1-91,-4-5-269,-7-2-630,7-7 2069,0-3 0,-7-8 0,7-2 0</inkml:trace>
-  <inkml:trace contextRef="#ctx0" brushRef="#br0" timeOffset="219887">23802 15498 9422,'0'-22'-90,"0"2"180,0 4-90,22-1 0,-17 5 45,27 3 0,7 4-585,-9-1 45,5 3 0,4 1 495,26 2 0,-12 20 0,-19-8 0,0 1 0</inkml:trace>
-  <inkml:trace contextRef="#ctx0" brushRef="#br0" timeOffset="220604">24425 15635 10051,'-22'-16'1170,"-13"12"-1440,18-23 360,-11 24-90,13 11 90,26 12-90,8 22-90,3-11-90,12 0-90,-19-20-180,26 12 360,-18-9-270,12 7 271,-18-10 178,3-7-178,-11-4 178,-4-18 1,-2-3 270,-3-21-270,-17 21 270,13-15-450,-26 18 0,26-9 90,-20 12 90,21 26 0,-7 11-180,27 24-90,-13-12-405,21-7 1,1-2 134,-17-1 90,19-5 0,2-3 181,-15-8 179,28-1 0,-22-7 89,8-16 181,-14-7 90,0 2 90,-8-17-90,-4 23-90,-2-16 269,-1 9-269,0 2-270,0-1-90,0 5 180,0 23-180,0 6 180,16 9-90,2 8 90,1-12-90,19 10 0,-23-12 0,19-7 0,-12-9 0,-6 0 0,7-19 0,-13 15 0,3-49 0,-10 32 540,0-29-270,-3 22-91,0 0-179,0 3-179,0-2 179,0 7 179,0 22-628,0 31-451,0 8-179,20 15 1079,3-2 0,12-13 0,-3 13 0</inkml:trace>
-  <inkml:trace contextRef="#ctx0" brushRef="#br0" timeOffset="220868">25770 15299 11221,'-13'-22'-180,"9"4"180,-9 4 0,0 5 0,10 4 90,-9 20-90,12 15 0,17 13 180,-13 6-180,27-6 0,-20-9 0,-1 1-360,8 19-495,4-9 1,-1 0-406,-7 4-313,3-17 0,1-2 1573,-4 5 0,1-4 0,-2-4 0</inkml:trace>
-  <inkml:trace contextRef="#ctx0" brushRef="#br0" timeOffset="221086">26025 15417 10501,'-18'-10'540,"14"2"-540,-14 4 0,4 1 0,0 3 0,-12 19 0,8-14 90,8 36-180,-4-23 90,12 20-360,-5-7-180,7 1-809,19 11 360,-15-12 989,23-8 0,5-4 0,-7-5 0,35 0 0</inkml:trace>
-  <inkml:trace contextRef="#ctx0" brushRef="#br0" timeOffset="221469">26398 15129 9602,'-22'-12'629,"4"3"-449,18 24-90,0 17 0,19 14-578,-15 7 488,28-6 0,-28 2 0,22 2 0,-23 1 90,19-2-45,-15-16-1,-1 1-133,6 13 134,-2-11-1,-1-1 46,-1-3 30,2 5-390,0-18 181,-8-11-1,6-1 0,-5-8 0,5-23 90,0-8 0,4-12 0,-1 1 0,0 10 0,1 0 368,-2 2-368,2 4 0,-2 3 0,2 2 0,-5 11 0,3 0 90,-5 10 0,5 19-90,-3-14 0,5 35-180,-4-22-719,2 22-181,1-9 1080,7 15 0,-3-12 0,6 9 0</inkml:trace>
-  <inkml:trace contextRef="#ctx0" brushRef="#br0" timeOffset="221749">27043 15674 10591,'-24'-27'809,"-12"3"-539,32 10 0,-30 1-360,29 2 0,-28 4 90,29 1 90,-23 5-90,25 14 0,-9 8 90,11 20-90,23-8 0,-17 0 0,38-20 0,-13 10 0,9-12 0,11 6 90,-17-10 0,0-7-1799,-16-34 360,-10 6-180,-29-11 1529,16 2 0,-36 24 0,16-16 0</inkml:trace>
-  <inkml:trace contextRef="#ctx0" brushRef="#br0" timeOffset="221949">26902 15347 9961,'19'-11'1529,"6"-7"-1259,-23 4-180,27-12-180,-16 11 90,18-5 90,-13 8-90,3 3 0,-1 2-539,11 2-91,-9 3-1259,16 16 720,-19-10 1169,11 24 0,-17-11 0,2 14 0</inkml:trace>
-  <inkml:trace contextRef="#ctx0" brushRef="#br0" timeOffset="222107">27382 15092 10501,'15'-12'90,"-3"9"180,-1-10-180,0 13 0,-4 17-270,-1 12-3778,-3 30 3958,-3-4 0,-20 6 0,-5-15 0</inkml:trace>
-  <inkml:trace contextRef="#ctx0" brushRef="#br0" timeOffset="222270">27898 15608 12120,'19'-10'-2429,"-2"-4"2429,7 5 0,-8-3 0,5 0 0</inkml:trace>
-  <inkml:trace contextRef="#ctx0" brushRef="#br0" timeOffset="269420">25915 10719 10141,'-9'-10'1170,"7"3"-6561,-7 0 5571,2 2 1589,6 0-1859,-6 19 629,43 2-539,-27 23 0,18-18 0,2-1 0,-6 16 90,0 2 680,9-10-770,-28 2 0,20 0 90,-13 14-90,4-9 90,1 23-180,-9-21-270,4 22-180,-4-24-419,-1 7 59,0-14 3086,-3-2-3176,1-4 990,-1 4 0,2-8 0,-1 4 0</inkml:trace>
-  <inkml:trace contextRef="#ctx0" brushRef="#br0" timeOffset="269820">25898 10993 8972,'-6'0'180,"0"0"989,2 0-629,1 14-450,2 3 0,1 10 0,0 2 269,13-2-269,-10 4-90,10 4 0,-3 3 0,-7 3 90,17 1-90,-18 1-807,16 0 807,-16-2 180,18 16-180,-13-15 0,13 21 0,-11-31-166,2 4 166,-4-17 360,0-3-180,0-3-180,-1-6 0,4-2 881,0-4-791,19-25-180,-2 0 135,4-12 0,1-6-716,-9 12 1,0-1 625,11-13 0,-1-2-225,-8 10 1,-1 0-136,1 0 0,-1 0-475,-2 1 0,0 0 880,5-10 0,-2 1 0,-8 13 0,-1 1 0,2-7 0,1 0 0</inkml:trace>
-  <inkml:trace contextRef="#ctx0" brushRef="#br0" timeOffset="272372">9055 12570 9422,'0'34'449,"0"-4"-449,0 7 0,8-2-368,-6 7 368,6 5-562,-1 6 562,-5 3 90,10 2-90,-7 3 90,6 2-1389,-3-1 1299,1 1 90,-1 0-90,0-1-971,-1 0 432,-2-1-271,1-4-179,-3-2 989,0-4 0,-2-3 0,-1-3 0</inkml:trace>
-  <inkml:trace contextRef="#ctx0" brushRef="#br0" timeOffset="272784">8917 13300 8252,'9'22'270,"6"-4"180,-7 21-270,11 9-90,-5-10 45,-2-1 0,-1 0-135,5 9 0,-4-5 0,1 0-1081,3 9 1171,7 13-90,-7-19 90,2-4 270,0 0 118,11 6-388,-7-15 0,20 6-90,-15-26 0,31-19 90,-19-13-45,-11 2 0,1-5-900,5-15 1,-2-3-1130,-6 7 0,0-1 1984,8-17 0,-2-2 0,-11 11 0,-3 1 0,0-3 0,0 0 0</inkml:trace>
+  <inkml:trace contextRef="#ctx0" brushRef="#br0" timeOffset="-214461.73">23260 13912 9512,'14'-25'0,"6"3"449,-18 5 91,22 3-180,-15 9-270,20 14-90,-14-5 0,3 35 0,1-2 0,-7 14 0,-3-15 0,-1-1 90,-1 8-90,-3-8 0,-2-1 90,-1 0-90,-1 6 180,0-20-91,0-5-178,0-4 89,0-41 0,0 13 0,0-49-90,0 34-547,24-13 637,-18 16-90,34 3 90,-36 5 90,25 6-90,-14 7 0,12 3 90,-7 29-90,5 7-180,-9 13 97,5 0-1536,2 4 809,-3-13 810,-2-7 0,2-1 0,6-1 0,9 5 0</inkml:trace>
+  <inkml:trace contextRef="#ctx0" brushRef="#br0" timeOffset="-214080.73">24033 14129 9691,'-22'-20'990,"-15"3"-1080,12-3 0,-15 7 90,5 2 90,16 26-90,9 4 0,28 3 90,-14 11-90,33-29 0,-32 29 0,39-29 0,-27 21 0,21-22 0,-14 12 0,2-13 90,-5 3 360,-6-21-720,-7 0 360,-8-14-90,-14 16 0,11 28 0,-10 6 0,13 22 0,0-7 0,0 2 0,0 3 0,0-1 90,14 15-90,-11-17 180,11 19-180,-14-31 0,0 5 0,0-15-540,-15-3-270,11-4-179,-12-3-2069,-4-3 3058,2-1 0,-6-16 0,11-3 0</inkml:trace>
+  <inkml:trace contextRef="#ctx0" brushRef="#br0" timeOffset="-213580.73">24512 14280 10051,'0'-11'990,"20"-10"-990,-15-21 270,28-1-704,-30 7 344,22-2 180,-22-3-90,8 0 90,-1-2 0,-7-1 180,7-19-270,-10 15 225,0 9 0,0 0-225,0-3-180,-16-19 180,12 34 171,-13-1-171,17 19 87,0 30 3,0 3-90,0 27 0,0-13 0,0 2-991,0 27 991,0-20 0,0 0-135,0-11 1,0-2-181,-1 0 0,2 0-315,16 30 0,-6-24 1,0-1-270,11 15 44,4-15 0,0-4-44,-5-2 899,28 2 0,-24-22 0,-1-3 0</inkml:trace>
+  <inkml:trace contextRef="#ctx0" brushRef="#br0" timeOffset="-213247.73">24915 14254 9781,'-18'-26'900,"-3"-8"-450,-1 10-450,-15-3-90,15 10 90,-13 9 0,7 0 90,15 23-180,6 7-270,7 20-180,22 2 90,3-9 271,24 0 179,-12-23 0,-13 8 0,14-19 0,-18 6 629,17-24-89,-23-3 90,-7-18-630,-7 3-90,0 5-90,-16 14 270,12 3-180,-13 26-630,17 1-629,17 23-360,3-7 197,20 9 1512,-8-25 0,2 14 0,-7-14 0</inkml:trace>
+  <inkml:trace contextRef="#ctx0" brushRef="#br0" timeOffset="-212980.73">25358 14196 10231,'0'-17'900,"-21"1"-720,15 2-180,-15 1 0,3 3-90,14 1 180,-24 4-90,25 22 0,-7 6 0,26 22-90,10-4 90,20-5 90,10-11-180,-13-12 180,5-9-90,-25-4-90,-5-13 90,-4 9-90,-13-24-90,6 9-90,-27 0-360,15-12-1169,-34 15 720,13-2 1079,2-2 0,-12 18 0,18-5 0</inkml:trace>
+  <inkml:trace contextRef="#ctx0" brushRef="#br0" timeOffset="-212514.73">26510 14105 9602,'-27'-10'179,"20"-5"181,-53 14-270,34-5-135,-10 6 0,-2 0 135,-5 0-90,9 10 0,1 1 90,2-6-90,-5 35 0,26-14 90,3 12-90,7-3 0,26-10-180,-19-4 0,52-2 90,-32-8-1697,30 2 1787,-14-12 0,1 6 0,-3-7 256,11-18-256,-18 13 0,4-47 0,-19 29-45,-13-11 0,-3-3 135,4-5 230,-26-16-140,6 24 0,-1 1 90,-10-20 89,1 5 1,1 0-688,-6-7 328,15 18 0,-3 1 0,-22-9-90,33 5 472,-22 7-382,24 6 141,-7 10-51,10 6-90,0 30 90,0 19-90,0 19-380,8-25 0,1 1 380,-5 26 0,13 3-630,-17 2 1,13 0-181,-10-3 1,10-2-361,-9-23 1,-1-1 1169,-1 14 0,5 5 0,-7-24 0</inkml:trace>
+  <inkml:trace contextRef="#ctx0" brushRef="#br0" timeOffset="-212373.73">26185 14125 9691,'-6'-39'270,"5"2"-360,-5 0 180,6 3-90,21-10 0,10 16-360,-1 10 1,3 3-361,20 5-3010,-13 4 1,-2 6 3729,9 22 0,15-17 0,-19 18 0</inkml:trace>
+  <inkml:trace contextRef="#ctx0" brushRef="#br0" timeOffset="-212080.73">26863 14189 10411,'-22'-15'989,"-15"11"-1078,17-28-91,-11 28 360,14-21-180,8 40 0,9-3 0,20 10 0,-14 13 0,33-31 0,-35 32 0,36-31 89,-25 24-178,26-26 89,-12 15 0,-1-17-180,-12-9-450,-9-11 90,-7-20 1,-20 18-1170,1-19 449,-5 20 1260,-3-4 0,24-3 0,-9 13 0</inkml:trace>
+  <inkml:trace contextRef="#ctx0" brushRef="#br0" timeOffset="-211730.73">27127 14124 9781,'9'0'180,"0"0"-180,-1 0-180,0-11 270,-4 8-90,2-7 0,-4 10 0,0 0 0,1 14 90,0 4-90,2 17 90,-2-17-90,3 14 0,-4-17 0,2 3 0,-3 0-270,1-16-89,-1 4-271,2-6 630,1 0-180,5-14 180,0 10 0,10-23 0,-3 7 0,3 3 0,-3-12 0,0 26 0,-2-18 0,7 19 0,-6-6 0,7 8-270,-9 20-1529,9 3 1799,-8 2 0,6 12 0,-5-12 0</inkml:trace>
+  <inkml:trace contextRef="#ctx0" brushRef="#br0" timeOffset="-211396.73">27910 14086 9961,'0'-23'720,"-24"3"-630,17 0-180,-33 4 90,36 2-90,-30 5 90,18 4 0,-13 3 90,14 20-90,6 6 90,9 20 0,18-19-180,8 14 90,-3-20 90,21 3-90,-38 1 90,34-21 359,-19 7 91,10-9-450,-7 0-180,-10-16-270,-8 31-269,-20-8-91,10 28-89,-13-5-91,1-5-89,12-3-630,-27 1 1619,20-3 0,-16-1 0,6-3 0</inkml:trace>
+  <inkml:trace contextRef="#ctx0" brushRef="#br0" timeOffset="-211197.73">26932 13775 11311,'0'-55'179,"7"18"1,6 1-180,16-17-45,-4 14 0,4 3 45,16 2 0,-16 13 0,-1 4 0,4 6-809,6 4-2699,-12 46 3508,-13-9 0,-6 3 0,-2 3 0,-5 16 0</inkml:trace>
+  <inkml:trace contextRef="#ctx0" brushRef="#br0" timeOffset="-211080.73">26885 14761 10771,'0'14'-1102,"0"-4"0,0-4 0,0-2 0</inkml:trace>
+  <inkml:trace contextRef="#ctx0" brushRef="#br0" timeOffset="-209779.73">23908 15706 9961,'0'-19'900,"0"-2"-361,0 1-359,0-2 90,0 3 0,0 0-90,0 3-90,-15 4-90,11 2-90,-26 4 90,14 1 0,-17 26 0,-1 7 90,6 14-90,1-2 0,12 4-90,7-10 180,3 16-90,5-24-180,22 2 0,8-18 90,14-3-180,18-28 180,-19 16 45,-9-25 0,0-5-45,5 4 90,-12-13 0,-4-5 0,-6-6-860,-5 19 1,-3-1 949,-7-19-90,2 0-52,-4-2 97,-11 20 0,0 0 44,5-16-134,-15 16 1,0 3 44,16 4-90,-15 1 90,9 22 90,8 24-90,-8 21 0,10-3 0,2 4 44,-1-4 1,0 1-196,0 19 1,0 0 150,0-19 0,0-1 0,-1 12 0,2-1-330,13 17 240,-10-3-989,10-1-91,-4-5-269,-7-2-630,7-7 2069,0-3 0,-7-8 0,7-2 0</inkml:trace>
+  <inkml:trace contextRef="#ctx0" brushRef="#br0" timeOffset="-209609.73">23802 15498 9422,'0'-22'-90,"0"2"180,0 4-90,22-1 0,-17 5 45,27 3 0,7 4-585,-9-1 45,5 3 0,4 1 495,26 2 0,-12 20 0,-19-8 0,0 1 0</inkml:trace>
+  <inkml:trace contextRef="#ctx0" brushRef="#br0" timeOffset="-208892.73">24425 15635 10051,'-22'-16'1170,"-13"12"-1440,18-23 360,-11 24-90,13 11 90,26 12-90,8 22-90,3-11-90,12 0-90,-19-20-180,26 12 360,-18-9-270,12 7 271,-18-10 178,3-7-178,-11-4 178,-4-18 1,-2-3 270,-3-21-270,-17 21 270,13-15-450,-26 18 0,26-9 90,-20 12 90,21 26 0,-7 11-180,27 24-90,-13-12-405,21-7 1,1-2 134,-17-1 90,19-5 0,2-3 181,-15-8 179,28-1 0,-22-7 89,8-16 181,-14-7 90,0 2 90,-8-17-90,-4 23-90,-2-16 269,-1 9-269,0 2-270,0-1-90,0 5 180,0 23-180,0 6 180,16 9-90,2 8 90,1-12-90,19 10 0,-23-12 0,19-7 0,-12-9 0,-6 0 0,7-19 0,-13 15 0,3-49 0,-10 32 540,0-29-270,-3 22-91,0 0-179,0 3-179,0-2 179,0 7 179,0 22-628,0 31-451,0 8-179,20 15 1079,3-2 0,12-13 0,-3 13 0</inkml:trace>
+  <inkml:trace contextRef="#ctx0" brushRef="#br0" timeOffset="-208628.73">25770 15299 11221,'-13'-22'-180,"9"4"180,-9 4 0,0 5 0,10 4 90,-9 20-90,12 15 0,17 13 180,-13 6-180,27-6 0,-20-9 0,-1 1-360,8 19-495,4-9 1,-1 0-406,-7 4-313,3-17 0,1-2 1573,-4 5 0,1-4 0,-2-4 0</inkml:trace>
+  <inkml:trace contextRef="#ctx0" brushRef="#br0" timeOffset="-208410.73">26025 15417 10501,'-18'-10'540,"14"2"-540,-14 4 0,4 1 0,0 3 0,-12 19 0,8-14 90,8 36-180,-4-23 90,12 20-360,-5-7-180,7 1-809,19 11 360,-15-12 989,23-8 0,5-4 0,-7-5 0,35 0 0</inkml:trace>
+  <inkml:trace contextRef="#ctx0" brushRef="#br0" timeOffset="-208027.73">26398 15129 9602,'-22'-12'629,"4"3"-449,18 24-90,0 17 0,19 14-578,-15 7 488,28-6 0,-28 2 0,22 2 0,-23 1 90,19-2-45,-15-16-1,-1 1-133,6 13 134,-2-11-1,-1-1 46,-1-3 30,2 5-390,0-18 181,-8-11-1,6-1 0,-5-8 0,5-23 90,0-8 0,4-12 0,-1 1 0,0 10 0,1 0 368,-2 2-368,2 4 0,-2 3 0,2 2 0,-5 11 0,3 0 90,-5 10 0,5 19-90,-3-14 0,5 35-180,-4-22-719,2 22-181,1-9 1080,7 15 0,-3-12 0,6 9 0</inkml:trace>
+  <inkml:trace contextRef="#ctx0" brushRef="#br0" timeOffset="-207747.73">27043 15674 10591,'-24'-27'809,"-12"3"-539,32 10 0,-30 1-360,29 2 0,-28 4 90,29 1 90,-23 5-90,25 14 0,-9 8 90,11 20-90,23-8 0,-17 0 0,38-20 0,-13 10 0,9-12 0,11 6 90,-17-10 0,0-7-1799,-16-34 360,-10 6-180,-29-11 1529,16 2 0,-36 24 0,16-16 0</inkml:trace>
+  <inkml:trace contextRef="#ctx0" brushRef="#br0" timeOffset="-207547.73">26902 15347 9961,'19'-11'1529,"6"-7"-1259,-23 4-180,27-12-180,-16 11 90,18-5 90,-13 8-90,3 3 0,-1 2-539,11 2-91,-9 3-1259,16 16 720,-19-10 1169,11 24 0,-17-11 0,2 14 0</inkml:trace>
+  <inkml:trace contextRef="#ctx0" brushRef="#br0" timeOffset="-207389.73">27382 15092 10501,'15'-12'90,"-3"9"180,-1-10-180,0 13 0,-4 17-270,-1 12-3778,-3 30 3958,-3-4 0,-20 6 0,-5-15 0</inkml:trace>
+  <inkml:trace contextRef="#ctx0" brushRef="#br0" timeOffset="-207226.73">27898 15608 12120,'19'-10'-2429,"-2"-4"2429,7 5 0,-8-3 0,5 0 0</inkml:trace>
+  <inkml:trace contextRef="#ctx0" brushRef="#br0" timeOffset="-160076.73">25915 10719 10141,'-9'-10'1170,"7"3"-6561,-7 0 5571,2 2 1589,6 0-1859,-6 19 629,43 2-539,-27 23 0,18-18 0,2-1 0,-6 16 90,0 2 680,9-10-770,-28 2 0,20 0 90,-13 14-90,4-9 90,1 23-180,-9-21-270,4 22-180,-4-24-419,-1 7 59,0-14 3086,-3-2-3176,1-4 990,-1 4 0,2-8 0,-1 4 0</inkml:trace>
+  <inkml:trace contextRef="#ctx0" brushRef="#br0" timeOffset="-159676.73">25898 10993 8972,'-6'0'180,"0"0"989,2 0-629,1 14-450,2 3 0,1 10 0,0 2 269,13-2-269,-10 4-90,10 4 0,-3 3 0,-7 3 90,17 1-90,-18 1-807,16 0 807,-16-2 180,18 16-180,-13-15 0,13 21 0,-11-31-166,2 4 166,-4-17 360,0-3-180,0-3-180,-1-6 0,4-2 881,0-4-791,19-25-180,-2 0 135,4-12 0,1-6-716,-9 12 1,0-1 625,11-13 0,-1-2-225,-8 10 1,-1 0-136,1 0 0,-1 0-475,-2 1 0,0 0 880,5-10 0,-2 1 0,-8 13 0,-1 1 0,2-7 0,1 0 0</inkml:trace>
+  <inkml:trace contextRef="#ctx0" brushRef="#br0" timeOffset="-157124.73">9055 12570 9422,'0'34'449,"0"-4"-449,0 7 0,8-2-368,-6 7 368,6 5-562,-1 6 562,-5 3 90,10 2-90,-7 3 90,6 2-1389,-3-1 1299,1 1 90,-1 0-90,0-1-971,-1 0 432,-2-1-271,1-4-179,-3-2 989,0-4 0,-2-3 0,-1-3 0</inkml:trace>
+  <inkml:trace contextRef="#ctx0" brushRef="#br0" timeOffset="-156712.73">8917 13300 8252,'9'22'270,"6"-4"180,-7 21-270,11 9-90,-5-10 45,-2-1 0,-1 0-135,5 9 0,-4-5 0,1 0-1081,3 9 1171,7 13-90,-7-19 90,2-4 270,0 0 118,11 6-388,-7-15 0,20 6-90,-15-26 0,31-19 90,-19-13-45,-11 2 0,1-5-900,5-15 1,-2-3-1130,-6 7 0,0-1 1984,8-17 0,-2-2 0,-11 11 0,-3 1 0,0-3 0,0 0 0</inkml:trace>
 </inkml:ink>
 </file>
 
@@ -2231,7 +3102,7 @@
           <a:p>
             <a:fld id="{0965995D-2BF5-6E43-877C-6996BD5C01C0}" type="datetimeFigureOut">
               <a:rPr lang="en-VN" smtClean="0"/>
-              <a:t>17/09/2021</a:t>
+              <a:t>20/09/2021</a:t>
             </a:fld>
             <a:endParaRPr lang="en-VN"/>
           </a:p>
@@ -2431,7 +3302,7 @@
           <a:p>
             <a:fld id="{0965995D-2BF5-6E43-877C-6996BD5C01C0}" type="datetimeFigureOut">
               <a:rPr lang="en-VN" smtClean="0"/>
-              <a:t>17/09/2021</a:t>
+              <a:t>20/09/2021</a:t>
             </a:fld>
             <a:endParaRPr lang="en-VN"/>
           </a:p>
@@ -2641,7 +3512,7 @@
           <a:p>
             <a:fld id="{0965995D-2BF5-6E43-877C-6996BD5C01C0}" type="datetimeFigureOut">
               <a:rPr lang="en-VN" smtClean="0"/>
-              <a:t>17/09/2021</a:t>
+              <a:t>20/09/2021</a:t>
             </a:fld>
             <a:endParaRPr lang="en-VN"/>
           </a:p>
@@ -2841,7 +3712,7 @@
           <a:p>
             <a:fld id="{0965995D-2BF5-6E43-877C-6996BD5C01C0}" type="datetimeFigureOut">
               <a:rPr lang="en-VN" smtClean="0"/>
-              <a:t>17/09/2021</a:t>
+              <a:t>20/09/2021</a:t>
             </a:fld>
             <a:endParaRPr lang="en-VN"/>
           </a:p>
@@ -3117,7 +3988,7 @@
           <a:p>
             <a:fld id="{0965995D-2BF5-6E43-877C-6996BD5C01C0}" type="datetimeFigureOut">
               <a:rPr lang="en-VN" smtClean="0"/>
-              <a:t>17/09/2021</a:t>
+              <a:t>20/09/2021</a:t>
             </a:fld>
             <a:endParaRPr lang="en-VN"/>
           </a:p>
@@ -3385,7 +4256,7 @@
           <a:p>
             <a:fld id="{0965995D-2BF5-6E43-877C-6996BD5C01C0}" type="datetimeFigureOut">
               <a:rPr lang="en-VN" smtClean="0"/>
-              <a:t>17/09/2021</a:t>
+              <a:t>20/09/2021</a:t>
             </a:fld>
             <a:endParaRPr lang="en-VN"/>
           </a:p>
@@ -3800,7 +4671,7 @@
           <a:p>
             <a:fld id="{0965995D-2BF5-6E43-877C-6996BD5C01C0}" type="datetimeFigureOut">
               <a:rPr lang="en-VN" smtClean="0"/>
-              <a:t>17/09/2021</a:t>
+              <a:t>20/09/2021</a:t>
             </a:fld>
             <a:endParaRPr lang="en-VN"/>
           </a:p>
@@ -3942,7 +4813,7 @@
           <a:p>
             <a:fld id="{0965995D-2BF5-6E43-877C-6996BD5C01C0}" type="datetimeFigureOut">
               <a:rPr lang="en-VN" smtClean="0"/>
-              <a:t>17/09/2021</a:t>
+              <a:t>20/09/2021</a:t>
             </a:fld>
             <a:endParaRPr lang="en-VN"/>
           </a:p>
@@ -4055,7 +4926,7 @@
           <a:p>
             <a:fld id="{0965995D-2BF5-6E43-877C-6996BD5C01C0}" type="datetimeFigureOut">
               <a:rPr lang="en-VN" smtClean="0"/>
-              <a:t>17/09/2021</a:t>
+              <a:t>20/09/2021</a:t>
             </a:fld>
             <a:endParaRPr lang="en-VN"/>
           </a:p>
@@ -4368,7 +5239,7 @@
           <a:p>
             <a:fld id="{0965995D-2BF5-6E43-877C-6996BD5C01C0}" type="datetimeFigureOut">
               <a:rPr lang="en-VN" smtClean="0"/>
-              <a:t>17/09/2021</a:t>
+              <a:t>20/09/2021</a:t>
             </a:fld>
             <a:endParaRPr lang="en-VN"/>
           </a:p>
@@ -4657,7 +5528,7 @@
           <a:p>
             <a:fld id="{0965995D-2BF5-6E43-877C-6996BD5C01C0}" type="datetimeFigureOut">
               <a:rPr lang="en-VN" smtClean="0"/>
-              <a:t>17/09/2021</a:t>
+              <a:t>20/09/2021</a:t>
             </a:fld>
             <a:endParaRPr lang="en-VN"/>
           </a:p>
@@ -4900,7 +5771,7 @@
           <a:p>
             <a:fld id="{0965995D-2BF5-6E43-877C-6996BD5C01C0}" type="datetimeFigureOut">
               <a:rPr lang="en-VN" smtClean="0"/>
-              <a:t>17/09/2021</a:t>
+              <a:t>20/09/2021</a:t>
             </a:fld>
             <a:endParaRPr lang="en-VN"/>
           </a:p>
@@ -5317,8 +6188,8 @@
           <a:chExt cx="0" cy="0"/>
         </a:xfrm>
       </p:grpSpPr>
-      <mc:AlternateContent xmlns:mc="http://schemas.openxmlformats.org/markup-compatibility/2006">
-        <mc:Choice xmlns:p14="http://schemas.microsoft.com/office/powerpoint/2010/main" Requires="p14">
+      <mc:AlternateContent xmlns:mc="http://schemas.openxmlformats.org/markup-compatibility/2006" xmlns:p14="http://schemas.microsoft.com/office/powerpoint/2010/main">
+        <mc:Choice Requires="p14">
           <p:contentPart p14:bwMode="auto" r:id="rId2">
             <p14:nvContentPartPr>
               <p14:cNvPr id="4" name="Ink 3">
@@ -5337,7 +6208,7 @@
             </p14:xfrm>
           </p:contentPart>
         </mc:Choice>
-        <mc:Fallback>
+        <mc:Fallback xmlns="">
           <p:pic>
             <p:nvPicPr>
               <p:cNvPr id="4" name="Ink 3">
@@ -5398,6 +6269,57 @@
           <a:chExt cx="0" cy="0"/>
         </a:xfrm>
       </p:grpSpPr>
+      <mc:AlternateContent xmlns:mc="http://schemas.openxmlformats.org/markup-compatibility/2006">
+        <mc:Choice xmlns:p14="http://schemas.microsoft.com/office/powerpoint/2010/main" Requires="p14">
+          <p:contentPart p14:bwMode="auto" r:id="rId2">
+            <p14:nvContentPartPr>
+              <p14:cNvPr id="2" name="Ink 1">
+                <a:extLst>
+                  <a:ext uri="{FF2B5EF4-FFF2-40B4-BE49-F238E27FC236}">
+                    <a16:creationId xmlns:a16="http://schemas.microsoft.com/office/drawing/2014/main" id="{CA4F1A6C-6FD9-9E49-B4A8-E3263E96927F}"/>
+                  </a:ext>
+                </a:extLst>
+              </p14:cNvPr>
+              <p14:cNvContentPartPr/>
+              <p14:nvPr/>
+            </p14:nvContentPartPr>
+            <p14:xfrm>
+              <a:off x="1072800" y="339840"/>
+              <a:ext cx="9283680" cy="3267360"/>
+            </p14:xfrm>
+          </p:contentPart>
+        </mc:Choice>
+        <mc:Fallback>
+          <p:pic>
+            <p:nvPicPr>
+              <p:cNvPr id="2" name="Ink 1">
+                <a:extLst>
+                  <a:ext uri="{FF2B5EF4-FFF2-40B4-BE49-F238E27FC236}">
+                    <a16:creationId xmlns:a16="http://schemas.microsoft.com/office/drawing/2014/main" id="{CA4F1A6C-6FD9-9E49-B4A8-E3263E96927F}"/>
+                  </a:ext>
+                </a:extLst>
+              </p:cNvPr>
+              <p:cNvPicPr/>
+              <p:nvPr/>
+            </p:nvPicPr>
+            <p:blipFill>
+              <a:blip r:embed="rId3"/>
+              <a:stretch>
+                <a:fillRect/>
+              </a:stretch>
+            </p:blipFill>
+            <p:spPr>
+              <a:xfrm>
+                <a:off x="1056600" y="323640"/>
+                <a:ext cx="9316080" cy="3299760"/>
+              </a:xfrm>
+              <a:prstGeom prst="rect">
+                <a:avLst/>
+              </a:prstGeom>
+            </p:spPr>
+          </p:pic>
+        </mc:Fallback>
+      </mc:AlternateContent>
     </p:spTree>
     <p:extLst>
       <p:ext uri="{BB962C8B-B14F-4D97-AF65-F5344CB8AC3E}">
@@ -5428,10 +6350,301 @@
           <a:chExt cx="0" cy="0"/>
         </a:xfrm>
       </p:grpSpPr>
+      <mc:AlternateContent xmlns:mc="http://schemas.openxmlformats.org/markup-compatibility/2006">
+        <mc:Choice xmlns:p14="http://schemas.microsoft.com/office/powerpoint/2010/main" Requires="p14">
+          <p:contentPart p14:bwMode="auto" r:id="rId2">
+            <p14:nvContentPartPr>
+              <p14:cNvPr id="2" name="Ink 1">
+                <a:extLst>
+                  <a:ext uri="{FF2B5EF4-FFF2-40B4-BE49-F238E27FC236}">
+                    <a16:creationId xmlns:a16="http://schemas.microsoft.com/office/drawing/2014/main" id="{BBB2D761-3FC0-5640-99F9-EBFDC5ADFD5B}"/>
+                  </a:ext>
+                </a:extLst>
+              </p14:cNvPr>
+              <p14:cNvContentPartPr/>
+              <p14:nvPr/>
+            </p14:nvContentPartPr>
+            <p14:xfrm>
+              <a:off x="960120" y="227160"/>
+              <a:ext cx="10302120" cy="6327360"/>
+            </p14:xfrm>
+          </p:contentPart>
+        </mc:Choice>
+        <mc:Fallback>
+          <p:pic>
+            <p:nvPicPr>
+              <p:cNvPr id="2" name="Ink 1">
+                <a:extLst>
+                  <a:ext uri="{FF2B5EF4-FFF2-40B4-BE49-F238E27FC236}">
+                    <a16:creationId xmlns:a16="http://schemas.microsoft.com/office/drawing/2014/main" id="{BBB2D761-3FC0-5640-99F9-EBFDC5ADFD5B}"/>
+                  </a:ext>
+                </a:extLst>
+              </p:cNvPr>
+              <p:cNvPicPr/>
+              <p:nvPr/>
+            </p:nvPicPr>
+            <p:blipFill>
+              <a:blip r:embed="rId3"/>
+              <a:stretch>
+                <a:fillRect/>
+              </a:stretch>
+            </p:blipFill>
+            <p:spPr>
+              <a:xfrm>
+                <a:off x="943920" y="210960"/>
+                <a:ext cx="10334520" cy="6359760"/>
+              </a:xfrm>
+              <a:prstGeom prst="rect">
+                <a:avLst/>
+              </a:prstGeom>
+            </p:spPr>
+          </p:pic>
+        </mc:Fallback>
+      </mc:AlternateContent>
     </p:spTree>
     <p:extLst>
       <p:ext uri="{BB962C8B-B14F-4D97-AF65-F5344CB8AC3E}">
         <p14:creationId xmlns:p14="http://schemas.microsoft.com/office/powerpoint/2010/main" val="777588504"/>
+      </p:ext>
+    </p:extLst>
+  </p:cSld>
+  <p:clrMapOvr>
+    <a:masterClrMapping/>
+  </p:clrMapOvr>
+</p:sld>
+</file>
+
+<file path=ppt/slides/slide12.xml><?xml version="1.0" encoding="utf-8"?>
+<p:sld xmlns:a="http://schemas.openxmlformats.org/drawingml/2006/main" xmlns:r="http://schemas.openxmlformats.org/officeDocument/2006/relationships" xmlns:p="http://schemas.openxmlformats.org/presentationml/2006/main">
+  <p:cSld>
+    <p:spTree>
+      <p:nvGrpSpPr>
+        <p:cNvPr id="1" name=""/>
+        <p:cNvGrpSpPr/>
+        <p:nvPr/>
+      </p:nvGrpSpPr>
+      <p:grpSpPr>
+        <a:xfrm>
+          <a:off x="0" y="0"/>
+          <a:ext cx="0" cy="0"/>
+          <a:chOff x="0" y="0"/>
+          <a:chExt cx="0" cy="0"/>
+        </a:xfrm>
+      </p:grpSpPr>
+    </p:spTree>
+    <p:extLst>
+      <p:ext uri="{BB962C8B-B14F-4D97-AF65-F5344CB8AC3E}">
+        <p14:creationId xmlns:p14="http://schemas.microsoft.com/office/powerpoint/2010/main" val="257154844"/>
+      </p:ext>
+    </p:extLst>
+  </p:cSld>
+  <p:clrMapOvr>
+    <a:masterClrMapping/>
+  </p:clrMapOvr>
+</p:sld>
+</file>
+
+<file path=ppt/slides/slide13.xml><?xml version="1.0" encoding="utf-8"?>
+<p:sld xmlns:a="http://schemas.openxmlformats.org/drawingml/2006/main" xmlns:r="http://schemas.openxmlformats.org/officeDocument/2006/relationships" xmlns:p="http://schemas.openxmlformats.org/presentationml/2006/main">
+  <p:cSld>
+    <p:spTree>
+      <p:nvGrpSpPr>
+        <p:cNvPr id="1" name=""/>
+        <p:cNvGrpSpPr/>
+        <p:nvPr/>
+      </p:nvGrpSpPr>
+      <p:grpSpPr>
+        <a:xfrm>
+          <a:off x="0" y="0"/>
+          <a:ext cx="0" cy="0"/>
+          <a:chOff x="0" y="0"/>
+          <a:chExt cx="0" cy="0"/>
+        </a:xfrm>
+      </p:grpSpPr>
+    </p:spTree>
+    <p:extLst>
+      <p:ext uri="{BB962C8B-B14F-4D97-AF65-F5344CB8AC3E}">
+        <p14:creationId xmlns:p14="http://schemas.microsoft.com/office/powerpoint/2010/main" val="103480541"/>
+      </p:ext>
+    </p:extLst>
+  </p:cSld>
+  <p:clrMapOvr>
+    <a:masterClrMapping/>
+  </p:clrMapOvr>
+</p:sld>
+</file>
+
+<file path=ppt/slides/slide14.xml><?xml version="1.0" encoding="utf-8"?>
+<p:sld xmlns:a="http://schemas.openxmlformats.org/drawingml/2006/main" xmlns:r="http://schemas.openxmlformats.org/officeDocument/2006/relationships" xmlns:p="http://schemas.openxmlformats.org/presentationml/2006/main">
+  <p:cSld>
+    <p:spTree>
+      <p:nvGrpSpPr>
+        <p:cNvPr id="1" name=""/>
+        <p:cNvGrpSpPr/>
+        <p:nvPr/>
+      </p:nvGrpSpPr>
+      <p:grpSpPr>
+        <a:xfrm>
+          <a:off x="0" y="0"/>
+          <a:ext cx="0" cy="0"/>
+          <a:chOff x="0" y="0"/>
+          <a:chExt cx="0" cy="0"/>
+        </a:xfrm>
+      </p:grpSpPr>
+    </p:spTree>
+    <p:extLst>
+      <p:ext uri="{BB962C8B-B14F-4D97-AF65-F5344CB8AC3E}">
+        <p14:creationId xmlns:p14="http://schemas.microsoft.com/office/powerpoint/2010/main" val="4122718039"/>
+      </p:ext>
+    </p:extLst>
+  </p:cSld>
+  <p:clrMapOvr>
+    <a:masterClrMapping/>
+  </p:clrMapOvr>
+</p:sld>
+</file>
+
+<file path=ppt/slides/slide15.xml><?xml version="1.0" encoding="utf-8"?>
+<p:sld xmlns:a="http://schemas.openxmlformats.org/drawingml/2006/main" xmlns:r="http://schemas.openxmlformats.org/officeDocument/2006/relationships" xmlns:p="http://schemas.openxmlformats.org/presentationml/2006/main">
+  <p:cSld>
+    <p:spTree>
+      <p:nvGrpSpPr>
+        <p:cNvPr id="1" name=""/>
+        <p:cNvGrpSpPr/>
+        <p:nvPr/>
+      </p:nvGrpSpPr>
+      <p:grpSpPr>
+        <a:xfrm>
+          <a:off x="0" y="0"/>
+          <a:ext cx="0" cy="0"/>
+          <a:chOff x="0" y="0"/>
+          <a:chExt cx="0" cy="0"/>
+        </a:xfrm>
+      </p:grpSpPr>
+    </p:spTree>
+    <p:extLst>
+      <p:ext uri="{BB962C8B-B14F-4D97-AF65-F5344CB8AC3E}">
+        <p14:creationId xmlns:p14="http://schemas.microsoft.com/office/powerpoint/2010/main" val="1065084963"/>
+      </p:ext>
+    </p:extLst>
+  </p:cSld>
+  <p:clrMapOvr>
+    <a:masterClrMapping/>
+  </p:clrMapOvr>
+</p:sld>
+</file>
+
+<file path=ppt/slides/slide16.xml><?xml version="1.0" encoding="utf-8"?>
+<p:sld xmlns:a="http://schemas.openxmlformats.org/drawingml/2006/main" xmlns:r="http://schemas.openxmlformats.org/officeDocument/2006/relationships" xmlns:p="http://schemas.openxmlformats.org/presentationml/2006/main">
+  <p:cSld>
+    <p:spTree>
+      <p:nvGrpSpPr>
+        <p:cNvPr id="1" name=""/>
+        <p:cNvGrpSpPr/>
+        <p:nvPr/>
+      </p:nvGrpSpPr>
+      <p:grpSpPr>
+        <a:xfrm>
+          <a:off x="0" y="0"/>
+          <a:ext cx="0" cy="0"/>
+          <a:chOff x="0" y="0"/>
+          <a:chExt cx="0" cy="0"/>
+        </a:xfrm>
+      </p:grpSpPr>
+    </p:spTree>
+    <p:extLst>
+      <p:ext uri="{BB962C8B-B14F-4D97-AF65-F5344CB8AC3E}">
+        <p14:creationId xmlns:p14="http://schemas.microsoft.com/office/powerpoint/2010/main" val="1959960883"/>
+      </p:ext>
+    </p:extLst>
+  </p:cSld>
+  <p:clrMapOvr>
+    <a:masterClrMapping/>
+  </p:clrMapOvr>
+</p:sld>
+</file>
+
+<file path=ppt/slides/slide17.xml><?xml version="1.0" encoding="utf-8"?>
+<p:sld xmlns:a="http://schemas.openxmlformats.org/drawingml/2006/main" xmlns:r="http://schemas.openxmlformats.org/officeDocument/2006/relationships" xmlns:p="http://schemas.openxmlformats.org/presentationml/2006/main">
+  <p:cSld>
+    <p:spTree>
+      <p:nvGrpSpPr>
+        <p:cNvPr id="1" name=""/>
+        <p:cNvGrpSpPr/>
+        <p:nvPr/>
+      </p:nvGrpSpPr>
+      <p:grpSpPr>
+        <a:xfrm>
+          <a:off x="0" y="0"/>
+          <a:ext cx="0" cy="0"/>
+          <a:chOff x="0" y="0"/>
+          <a:chExt cx="0" cy="0"/>
+        </a:xfrm>
+      </p:grpSpPr>
+    </p:spTree>
+    <p:extLst>
+      <p:ext uri="{BB962C8B-B14F-4D97-AF65-F5344CB8AC3E}">
+        <p14:creationId xmlns:p14="http://schemas.microsoft.com/office/powerpoint/2010/main" val="1553320203"/>
+      </p:ext>
+    </p:extLst>
+  </p:cSld>
+  <p:clrMapOvr>
+    <a:masterClrMapping/>
+  </p:clrMapOvr>
+</p:sld>
+</file>
+
+<file path=ppt/slides/slide18.xml><?xml version="1.0" encoding="utf-8"?>
+<p:sld xmlns:a="http://schemas.openxmlformats.org/drawingml/2006/main" xmlns:r="http://schemas.openxmlformats.org/officeDocument/2006/relationships" xmlns:p="http://schemas.openxmlformats.org/presentationml/2006/main">
+  <p:cSld>
+    <p:spTree>
+      <p:nvGrpSpPr>
+        <p:cNvPr id="1" name=""/>
+        <p:cNvGrpSpPr/>
+        <p:nvPr/>
+      </p:nvGrpSpPr>
+      <p:grpSpPr>
+        <a:xfrm>
+          <a:off x="0" y="0"/>
+          <a:ext cx="0" cy="0"/>
+          <a:chOff x="0" y="0"/>
+          <a:chExt cx="0" cy="0"/>
+        </a:xfrm>
+      </p:grpSpPr>
+    </p:spTree>
+    <p:extLst>
+      <p:ext uri="{BB962C8B-B14F-4D97-AF65-F5344CB8AC3E}">
+        <p14:creationId xmlns:p14="http://schemas.microsoft.com/office/powerpoint/2010/main" val="576465658"/>
+      </p:ext>
+    </p:extLst>
+  </p:cSld>
+  <p:clrMapOvr>
+    <a:masterClrMapping/>
+  </p:clrMapOvr>
+</p:sld>
+</file>
+
+<file path=ppt/slides/slide19.xml><?xml version="1.0" encoding="utf-8"?>
+<p:sld xmlns:a="http://schemas.openxmlformats.org/drawingml/2006/main" xmlns:r="http://schemas.openxmlformats.org/officeDocument/2006/relationships" xmlns:p="http://schemas.openxmlformats.org/presentationml/2006/main">
+  <p:cSld>
+    <p:spTree>
+      <p:nvGrpSpPr>
+        <p:cNvPr id="1" name=""/>
+        <p:cNvGrpSpPr/>
+        <p:nvPr/>
+      </p:nvGrpSpPr>
+      <p:grpSpPr>
+        <a:xfrm>
+          <a:off x="0" y="0"/>
+          <a:ext cx="0" cy="0"/>
+          <a:chOff x="0" y="0"/>
+          <a:chExt cx="0" cy="0"/>
+        </a:xfrm>
+      </p:grpSpPr>
+    </p:spTree>
+    <p:extLst>
+      <p:ext uri="{BB962C8B-B14F-4D97-AF65-F5344CB8AC3E}">
+        <p14:creationId xmlns:p14="http://schemas.microsoft.com/office/powerpoint/2010/main" val="3312256077"/>
       </p:ext>
     </p:extLst>
   </p:cSld>
@@ -5458,8 +6671,8 @@
           <a:chExt cx="0" cy="0"/>
         </a:xfrm>
       </p:grpSpPr>
-      <mc:AlternateContent xmlns:mc="http://schemas.openxmlformats.org/markup-compatibility/2006">
-        <mc:Choice xmlns:p14="http://schemas.microsoft.com/office/powerpoint/2010/main" Requires="p14">
+      <mc:AlternateContent xmlns:mc="http://schemas.openxmlformats.org/markup-compatibility/2006" xmlns:p14="http://schemas.microsoft.com/office/powerpoint/2010/main">
+        <mc:Choice Requires="p14">
           <p:contentPart p14:bwMode="auto" r:id="rId2">
             <p14:nvContentPartPr>
               <p14:cNvPr id="2" name="Ink 1">
@@ -5478,7 +6691,7 @@
             </p14:xfrm>
           </p:contentPart>
         </mc:Choice>
-        <mc:Fallback>
+        <mc:Fallback xmlns="">
           <p:pic>
             <p:nvPicPr>
               <p:cNvPr id="2" name="Ink 1">
@@ -5522,6 +6735,36 @@
 </p:sld>
 </file>
 
+<file path=ppt/slides/slide20.xml><?xml version="1.0" encoding="utf-8"?>
+<p:sld xmlns:a="http://schemas.openxmlformats.org/drawingml/2006/main" xmlns:r="http://schemas.openxmlformats.org/officeDocument/2006/relationships" xmlns:p="http://schemas.openxmlformats.org/presentationml/2006/main">
+  <p:cSld>
+    <p:spTree>
+      <p:nvGrpSpPr>
+        <p:cNvPr id="1" name=""/>
+        <p:cNvGrpSpPr/>
+        <p:nvPr/>
+      </p:nvGrpSpPr>
+      <p:grpSpPr>
+        <a:xfrm>
+          <a:off x="0" y="0"/>
+          <a:ext cx="0" cy="0"/>
+          <a:chOff x="0" y="0"/>
+          <a:chExt cx="0" cy="0"/>
+        </a:xfrm>
+      </p:grpSpPr>
+    </p:spTree>
+    <p:extLst>
+      <p:ext uri="{BB962C8B-B14F-4D97-AF65-F5344CB8AC3E}">
+        <p14:creationId xmlns:p14="http://schemas.microsoft.com/office/powerpoint/2010/main" val="3722320360"/>
+      </p:ext>
+    </p:extLst>
+  </p:cSld>
+  <p:clrMapOvr>
+    <a:masterClrMapping/>
+  </p:clrMapOvr>
+</p:sld>
+</file>
+
 <file path=ppt/slides/slide3.xml><?xml version="1.0" encoding="utf-8"?>
 <p:sld xmlns:a="http://schemas.openxmlformats.org/drawingml/2006/main" xmlns:r="http://schemas.openxmlformats.org/officeDocument/2006/relationships" xmlns:p="http://schemas.openxmlformats.org/presentationml/2006/main">
   <p:cSld>
@@ -5539,8 +6782,8 @@
           <a:chExt cx="0" cy="0"/>
         </a:xfrm>
       </p:grpSpPr>
-      <mc:AlternateContent xmlns:mc="http://schemas.openxmlformats.org/markup-compatibility/2006">
-        <mc:Choice xmlns:p14="http://schemas.microsoft.com/office/powerpoint/2010/main" Requires="p14">
+      <mc:AlternateContent xmlns:mc="http://schemas.openxmlformats.org/markup-compatibility/2006" xmlns:p14="http://schemas.microsoft.com/office/powerpoint/2010/main">
+        <mc:Choice Requires="p14">
           <p:contentPart p14:bwMode="auto" r:id="rId2">
             <p14:nvContentPartPr>
               <p14:cNvPr id="2" name="Ink 1">
@@ -5559,7 +6802,7 @@
             </p14:xfrm>
           </p:contentPart>
         </mc:Choice>
-        <mc:Fallback>
+        <mc:Fallback xmlns="">
           <p:pic>
             <p:nvPicPr>
               <p:cNvPr id="2" name="Ink 1">
@@ -5620,8 +6863,8 @@
           <a:chExt cx="0" cy="0"/>
         </a:xfrm>
       </p:grpSpPr>
-      <mc:AlternateContent xmlns:mc="http://schemas.openxmlformats.org/markup-compatibility/2006">
-        <mc:Choice xmlns:p14="http://schemas.microsoft.com/office/powerpoint/2010/main" Requires="p14">
+      <mc:AlternateContent xmlns:mc="http://schemas.openxmlformats.org/markup-compatibility/2006" xmlns:p14="http://schemas.microsoft.com/office/powerpoint/2010/main">
+        <mc:Choice Requires="p14">
           <p:contentPart p14:bwMode="auto" r:id="rId2">
             <p14:nvContentPartPr>
               <p14:cNvPr id="2" name="Ink 1">
@@ -5640,7 +6883,7 @@
             </p14:xfrm>
           </p:contentPart>
         </mc:Choice>
-        <mc:Fallback>
+        <mc:Fallback xmlns="">
           <p:pic>
             <p:nvPicPr>
               <p:cNvPr id="2" name="Ink 1">
@@ -5701,8 +6944,8 @@
           <a:chExt cx="0" cy="0"/>
         </a:xfrm>
       </p:grpSpPr>
-      <mc:AlternateContent xmlns:mc="http://schemas.openxmlformats.org/markup-compatibility/2006">
-        <mc:Choice xmlns:p14="http://schemas.microsoft.com/office/powerpoint/2010/main" Requires="p14">
+      <mc:AlternateContent xmlns:mc="http://schemas.openxmlformats.org/markup-compatibility/2006" xmlns:p14="http://schemas.microsoft.com/office/powerpoint/2010/main">
+        <mc:Choice Requires="p14">
           <p:contentPart p14:bwMode="auto" r:id="rId2">
             <p14:nvContentPartPr>
               <p14:cNvPr id="2" name="Ink 1">
@@ -5721,7 +6964,7 @@
             </p14:xfrm>
           </p:contentPart>
         </mc:Choice>
-        <mc:Fallback>
+        <mc:Fallback xmlns="">
           <p:pic>
             <p:nvPicPr>
               <p:cNvPr id="2" name="Ink 1">
@@ -5782,8 +7025,8 @@
           <a:chExt cx="0" cy="0"/>
         </a:xfrm>
       </p:grpSpPr>
-      <mc:AlternateContent xmlns:mc="http://schemas.openxmlformats.org/markup-compatibility/2006">
-        <mc:Choice xmlns:p14="http://schemas.microsoft.com/office/powerpoint/2010/main" Requires="p14">
+      <mc:AlternateContent xmlns:mc="http://schemas.openxmlformats.org/markup-compatibility/2006" xmlns:p14="http://schemas.microsoft.com/office/powerpoint/2010/main">
+        <mc:Choice Requires="p14">
           <p:contentPart p14:bwMode="auto" r:id="rId2">
             <p14:nvContentPartPr>
               <p14:cNvPr id="2" name="Ink 1">
@@ -5802,7 +7045,7 @@
             </p14:xfrm>
           </p:contentPart>
         </mc:Choice>
-        <mc:Fallback>
+        <mc:Fallback xmlns="">
           <p:pic>
             <p:nvPicPr>
               <p:cNvPr id="2" name="Ink 1">
@@ -5863,8 +7106,8 @@
           <a:chExt cx="0" cy="0"/>
         </a:xfrm>
       </p:grpSpPr>
-      <mc:AlternateContent xmlns:mc="http://schemas.openxmlformats.org/markup-compatibility/2006">
-        <mc:Choice xmlns:p14="http://schemas.microsoft.com/office/powerpoint/2010/main" Requires="p14">
+      <mc:AlternateContent xmlns:mc="http://schemas.openxmlformats.org/markup-compatibility/2006" xmlns:p14="http://schemas.microsoft.com/office/powerpoint/2010/main">
+        <mc:Choice Requires="p14">
           <p:contentPart p14:bwMode="auto" r:id="rId2">
             <p14:nvContentPartPr>
               <p14:cNvPr id="2" name="Ink 1">
@@ -5883,7 +7126,7 @@
             </p14:xfrm>
           </p:contentPart>
         </mc:Choice>
-        <mc:Fallback>
+        <mc:Fallback xmlns="">
           <p:pic>
             <p:nvPicPr>
               <p:cNvPr id="2" name="Ink 1">
@@ -6034,8 +7277,8 @@
           </a:prstGeom>
         </p:spPr>
       </p:pic>
-      <mc:AlternateContent xmlns:mc="http://schemas.openxmlformats.org/markup-compatibility/2006">
-        <mc:Choice xmlns:p14="http://schemas.microsoft.com/office/powerpoint/2010/main" Requires="p14">
+      <mc:AlternateContent xmlns:mc="http://schemas.openxmlformats.org/markup-compatibility/2006" xmlns:p14="http://schemas.microsoft.com/office/powerpoint/2010/main">
+        <mc:Choice Requires="p14">
           <p:contentPart p14:bwMode="auto" r:id="rId3">
             <p14:nvContentPartPr>
               <p14:cNvPr id="5" name="Ink 4">
@@ -6054,7 +7297,7 @@
             </p14:xfrm>
           </p:contentPart>
         </mc:Choice>
-        <mc:Fallback>
+        <mc:Fallback xmlns="">
           <p:pic>
             <p:nvPicPr>
               <p:cNvPr id="5" name="Ink 4">
@@ -6115,8 +7358,8 @@
           </a:prstGeom>
         </p:spPr>
       </p:pic>
-      <mc:AlternateContent xmlns:mc="http://schemas.openxmlformats.org/markup-compatibility/2006">
-        <mc:Choice xmlns:p14="http://schemas.microsoft.com/office/powerpoint/2010/main" Requires="p14">
+      <mc:AlternateContent xmlns:mc="http://schemas.openxmlformats.org/markup-compatibility/2006" xmlns:p14="http://schemas.microsoft.com/office/powerpoint/2010/main">
+        <mc:Choice Requires="p14">
           <p:contentPart p14:bwMode="auto" r:id="rId6">
             <p14:nvContentPartPr>
               <p14:cNvPr id="8" name="Ink 7">
@@ -6135,7 +7378,7 @@
             </p14:xfrm>
           </p:contentPart>
         </mc:Choice>
-        <mc:Fallback>
+        <mc:Fallback xmlns="">
           <p:pic>
             <p:nvPicPr>
               <p:cNvPr id="8" name="Ink 7">
@@ -6196,6 +7439,87 @@
           <a:chExt cx="0" cy="0"/>
         </a:xfrm>
       </p:grpSpPr>
+      <p:pic>
+        <p:nvPicPr>
+          <p:cNvPr id="3" name="Picture 2">
+            <a:extLst>
+              <a:ext uri="{FF2B5EF4-FFF2-40B4-BE49-F238E27FC236}">
+                <a16:creationId xmlns:a16="http://schemas.microsoft.com/office/drawing/2014/main" id="{02E6B5A4-93E7-A142-9E1D-DF86B9F2CB04}"/>
+              </a:ext>
+            </a:extLst>
+          </p:cNvPr>
+          <p:cNvPicPr>
+            <a:picLocks noChangeAspect="1"/>
+          </p:cNvPicPr>
+          <p:nvPr/>
+        </p:nvPicPr>
+        <p:blipFill>
+          <a:blip r:embed="rId2"/>
+          <a:stretch>
+            <a:fillRect/>
+          </a:stretch>
+        </p:blipFill>
+        <p:spPr>
+          <a:xfrm>
+            <a:off x="95739" y="101600"/>
+            <a:ext cx="2997200" cy="3327400"/>
+          </a:xfrm>
+          <a:prstGeom prst="rect">
+            <a:avLst/>
+          </a:prstGeom>
+        </p:spPr>
+      </p:pic>
+      <mc:AlternateContent xmlns:mc="http://schemas.openxmlformats.org/markup-compatibility/2006">
+        <mc:Choice xmlns:p14="http://schemas.microsoft.com/office/powerpoint/2010/main" Requires="p14">
+          <p:contentPart p14:bwMode="auto" r:id="rId3">
+            <p14:nvContentPartPr>
+              <p14:cNvPr id="4" name="Ink 3">
+                <a:extLst>
+                  <a:ext uri="{FF2B5EF4-FFF2-40B4-BE49-F238E27FC236}">
+                    <a16:creationId xmlns:a16="http://schemas.microsoft.com/office/drawing/2014/main" id="{7A8272AA-2B7E-E24E-887B-ADDECF8C1AC3}"/>
+                  </a:ext>
+                </a:extLst>
+              </p14:cNvPr>
+              <p14:cNvContentPartPr/>
+              <p14:nvPr/>
+            </p14:nvContentPartPr>
+            <p14:xfrm>
+              <a:off x="279720" y="472320"/>
+              <a:ext cx="11812320" cy="5107680"/>
+            </p14:xfrm>
+          </p:contentPart>
+        </mc:Choice>
+        <mc:Fallback>
+          <p:pic>
+            <p:nvPicPr>
+              <p:cNvPr id="4" name="Ink 3">
+                <a:extLst>
+                  <a:ext uri="{FF2B5EF4-FFF2-40B4-BE49-F238E27FC236}">
+                    <a16:creationId xmlns:a16="http://schemas.microsoft.com/office/drawing/2014/main" id="{7A8272AA-2B7E-E24E-887B-ADDECF8C1AC3}"/>
+                  </a:ext>
+                </a:extLst>
+              </p:cNvPr>
+              <p:cNvPicPr/>
+              <p:nvPr/>
+            </p:nvPicPr>
+            <p:blipFill>
+              <a:blip r:embed="rId4"/>
+              <a:stretch>
+                <a:fillRect/>
+              </a:stretch>
+            </p:blipFill>
+            <p:spPr>
+              <a:xfrm>
+                <a:off x="263520" y="456120"/>
+                <a:ext cx="11844720" cy="5140080"/>
+              </a:xfrm>
+              <a:prstGeom prst="rect">
+                <a:avLst/>
+              </a:prstGeom>
+            </p:spPr>
+          </p:pic>
+        </mc:Fallback>
+      </mc:AlternateContent>
     </p:spTree>
     <p:extLst>
       <p:ext uri="{BB962C8B-B14F-4D97-AF65-F5344CB8AC3E}">

--- a/bai-giang.pptx
+++ b/bai-giang.pptx
@@ -1187,6 +1187,60 @@
   <inkml:trace contextRef="#ctx0" brushRef="#br0" timeOffset="1.83822E6">17830 776 11131,'22'-30'719,"5"-4"-719,0 11 90,31 0 0,-39 16-90,31 3-450,-29 4-179,-2 23-2340,-9 12 811,-3 14 1987,-34 7 0,0-6 0,2-22 0,-1-1 1</inkml:trace>
   <inkml:trace contextRef="#ctx0" brushRef="#br0" timeOffset="1.83888E6">12867 2054 10231,'10'-8'1439,"1"2"-989,0 0-90,-2 1 0,1-2-180,-4 2 449,2 0-449,-6 3-90,4 1 180,-3 1-90,1 17 0,1-13 0,0 34-90,2-17-1,1 23 1,-2-12 0,1 1 0,3 24-1331,-1 1 0,-1 3 1241,-3-21 0,0 1 0,2 15 0,0 1 0,-2-13 0,0-2-828,1 3 0,-1-1 828,0 0 0,0 2-45,3 17 0,1 1 0,-3-17 0,0 0-45,0 2 0,0 4 0,0-5-106,-1-7 1,0-1-75,2 22 0,0-1 1,1 2 134,-4-24 0,0-1-855,1 21 451,-2-17-901,-1 12 361,-1-30-2741,-1 2 3820,0-16 0,0-3 0,0-6 0</inkml:trace>
   <inkml:trace contextRef="#ctx0" brushRef="#br0" timeOffset="1.83937E6">12888 3305 12030,'0'-3'2429,"17"0"-2429,-13 20 180,24 11-180,-25 11 90,20 4-90,-7 15 0,5-9 45,-6-5 0,0 0-1012,3 11 1012,-6-20 0,0 0-45,4 12 90,-1-1-90,0-5 0,-1-4-260,0-5 260,-2-4 356,3-1-86,-3-12-180,0-1-90,-4-12 786,5-17-786,-3 11 0,5-37 0,0 19 0,3-25 0,3 4-360,-3 8 0,1-2-254,10-22-376,-2 7 1,1-1-1,-11 21 1,-1 1 989,12-22 0,0 1 0,3-7 0,-11 21 0,0 1 0</inkml:trace>
+</inkml:ink>
+</file>
+
+<file path=ppt/ink/ink13.xml><?xml version="1.0" encoding="utf-8"?>
+<inkml:ink xmlns:inkml="http://www.w3.org/2003/InkML">
+  <inkml:definitions>
+    <inkml:context xml:id="ctx0">
+      <inkml:inkSource xml:id="inkSrc0">
+        <inkml:traceFormat>
+          <inkml:channel name="X" type="integer" min="-2.14748E9" max="2.14748E9" units="cm"/>
+          <inkml:channel name="Y" type="integer" min="-2.14748E9" max="2.14748E9" units="cm"/>
+          <inkml:channel name="F" type="integer" max="32767" units="dev"/>
+        </inkml:traceFormat>
+        <inkml:channelProperties>
+          <inkml:channelProperty channel="X" name="resolution" value="1000" units="1/cm"/>
+          <inkml:channelProperty channel="Y" name="resolution" value="1000" units="1/cm"/>
+          <inkml:channelProperty channel="F" name="resolution" value="0" units="1/dev"/>
+        </inkml:channelProperties>
+      </inkml:inkSource>
+      <inkml:timestamp xml:id="ts0" timeString="2021-09-20T03:08:44.670"/>
+    </inkml:context>
+    <inkml:brush xml:id="br0">
+      <inkml:brushProperty name="width" value="0.12095" units="cm"/>
+      <inkml:brushProperty name="height" value="0.12095" units="cm"/>
+      <inkml:brushProperty name="color" value="#FF0000"/>
+    </inkml:brush>
+    <inkml:brush xml:id="br1">
+      <inkml:brushProperty name="width" value="0.09071" units="cm"/>
+      <inkml:brushProperty name="height" value="0.09071" units="cm"/>
+      <inkml:brushProperty name="color" value="#FF0000"/>
+    </inkml:brush>
+  </inkml:definitions>
+  <inkml:trace contextRef="#ctx0" brushRef="#br0">2713 1949 6225,'-13'-5'4501,"10"2"-885,-11-1-4042,14 1 4199,0-1-809,-9 3-4195,6 16 2745,-6 9 814,9 11 136,0 4-1086,0-2 1229,0 5-2607,0-8 0,0 1 0,0 20 1409,0-7 1,0 1-1175,0 9-235,0-11 0,0 0 0,0 4 0,0 7 0,0-26 0,0-7 0,0-6 0,0-7 0,0-34 0,0 0 0,7-16 0,3-4 0,7-14-19,-7 15 0,1-1-356,4 10 1,-2 0-938,-9-31 298,23 4-1171,-20 22 1,0 2-619,14-13 2642,-2-5 1,-6 29 0,2 5 0</inkml:trace>
+  <inkml:trace contextRef="#ctx0" brushRef="#br0" timeOffset="1500">3108 2345 5056,'26'0'360,"-4"0"-1,0 0-269,-1-12 1632,0 9-1632,4-9 657,-1 4-387,2 5-106,-1-11 708,-1 12-837,0-13 1050,-1 8-1596,-1-8 1298,-1 3-756,-2 1 224,-3-3 1045,4-5-991,-6 2 1195,1-11-526,-10 11 833,-3-7-158,-2 9 609,0-1-293,0 1-183,-19 2-2093,14 1 928,-31 3-2183,14 0-243,-21 5-889,8 1-327,1 23 973,4 10 512,9 12 2400,3 3-993,6 11 2289,11-12-1126,7-5 0,2 0 1447,-3 8-1606,23-9 0,5-2-886,-5 4-436,3-15 1,2-2-1912,11 5-173,4-5 1923,3-5 0,3-5 0,1-2 0</inkml:trace>
+  <inkml:trace contextRef="#ctx0" brushRef="#br0" timeOffset="2056">4278 2036 5686,'-41'-1'866,"7"1"-729,5 17 2014,7-13-2007,0 32 2111,-8-7-1175,11 10 376,-3 18 889,15-22 320,3 11 211,25-6-1874,-16-12-603,24-6 0,6-4-1805,-6-2 671,12-7 1,3-2-1326,3-3-234,12-3-366,-6-19 367,-18-5 1292,14-22 665,-29 7 1788,-3 0 463,-12 8 839,-5 1 536,0-1 190,0 2-757,0 3-707,-20-7-1193,-1 16-1664,-14 21-1126,16 12 644,7 27 898,3-7-125,7 8 543,-11 3-517,11 8 991,-3-13 0,0 2 386,4-11 0,-1 2 24,-4 27 1,0 0-567,3-23 1,-1-3-688,-1 14 1,0-2-137,0-14 1,1-2 472,-3 31 1,-1-5-1,0-3 1</inkml:trace>
+  <inkml:trace contextRef="#ctx0" brushRef="#br0" timeOffset="2786">4933 2286 5326,'0'-6'9830,"3"0"-5238,0 2-3256,3 1-2308,-2 2-682,1 0 299,0 1 96,-1 18 4041,2-14-4585,3 54 2377,-1-28-246,-1 13 0,-1 3 1551,1 5-653,-2-17 1,0 0 1306,4 11 175,1-6-2734,3-4 1120,2-9-1704,2-4-291,3-11-1021,11-5-576,-5-6-367,19-17 945,-19-14 974,6-10 344,-13-9 912,-3 9 244,-4-3 1008,-1-1 650,-5 1 623,-2 0-453,-4-12-1145,0 17 74,0-14-626,0 31 237,0 0-394,0 31-51,0 16-240,0 27-65,14-3-409,-6-15 1,1 0-245,8 7-284,10 11-105,-14-20 50,13-6-596,-5-3-61,14-5-690,-6-9 224,23-2-412,-22-25 1089,18-13 262,-23-10 676,4-5 732,-16 8 408,-2-1 833,-3-2 530,-5-12 712,-1 16-973,-2-16-39,0 30-547,-14-2-1272,10 37 22,-11 24-325,15 6 320,8-6 1,2 0-447,-6 2-185,14 13-817,-2-17-768,-12-3 1408,28-1 518,-11 6 0,7-12 0,-1 4 0</inkml:trace>
+  <inkml:trace contextRef="#ctx0" brushRef="#br0" timeOffset="2968">5790 1920 4246,'0'0'0</inkml:trace>
+  <inkml:trace contextRef="#ctx0" brushRef="#br0" timeOffset="3252">6197 1918 5326,'0'33'9830,"0"-4"-1478,0 1-6214,0 13-909,21-8-1842,-15 15 704,11-19 0,3-1-475,1 18 1517,-3-5 1,1-1-1954,11 9 372,-14-8 1,-2-1-183,2 6 300,-6-11 1,-2-2 656,1-2-919,-2 6-2137,-2-24 2600,-3-24 0,0 9 1,-2-18-1</inkml:trace>
+  <inkml:trace contextRef="#ctx0" brushRef="#br0" timeOffset="3598">6438 2074 4606,'23'21'6080,"16"5"-5014,-18 22 1608,14-12-2111,-4-2-23,-3-10-456,3-3-302,2-9 841,7 7-1428,1-16-385,4 7-972,20-10 594,-17 0 816,-10-5 0,-1-5 13,0-12 944,7 2 178,-24-21 1407,-5 22 345,-7-20 525,-4 11 683,-3 0-174,-1 1 127,-21-7-2277,-4 11-135,-24-2-1960,11 18-9,-2 2-1362,12 5-266,-1 0-397,3 24 1649,-8 9 998,19 15 990,5-13 1,3 0 1214,7 14-613,21-6 1,8 0 588,9 11-1025,2-20 0,6-1-1233,6 1 0,0-3-652,-11-8 0,2-1 1083,16 8 0,1-3 0,-18-10 1,0-2-1,1-1 0,1 1 0</inkml:trace>
+  <inkml:trace contextRef="#ctx0" brushRef="#br0" timeOffset="3754">8195 2535 8384,'1'-17'4915,"0"3"0</inkml:trace>
+  <inkml:trace contextRef="#ctx0" brushRef="#br1" timeOffset="7924">6393 2508 7713,'0'-16'629,"0"0"-539,0 4 0,0 1 180,15-5-90,-11 5 0,11-5-180,-3 6 180,-10-1 269,19-10-269,-10 5 90,7-13-180,-4 10 180,4-11-180,-8 10-180,11-16 90,-7 15 0,5-8 0,8-2 0,-4 8-630,23-21-89,-14 20-316,-5 3 1,1 0 1034,4 0 0,7-4 0,-15 12 0</inkml:trace>
+  <inkml:trace contextRef="#ctx0" brushRef="#br1" timeOffset="9304">9660 1382 8972,'0'20'2339,"0"-3"-2339,0-7-90,0-4 180,0-1-180,0 0 0,0 1-360,-10 0-180,7 2-629,-7-1-90,10 2-327,-8 1 1676,6 2 0,-5 1 0,7 1 0</inkml:trace>
+  <inkml:trace contextRef="#ctx0" brushRef="#br1" timeOffset="9533">9910 1266 9602,'-25'30'809,"-10"-11"-809,31 4 0,-21-12-90,23 12-360,-9-1-359,4-1-1710,5 27 2519,-5-18 0,7 17 0,0-24 0</inkml:trace>
+  <inkml:trace contextRef="#ctx0" brushRef="#br1" timeOffset="9683">9918 1428 7443,'-21'42'-338,"9"-8"1,-3 3 0,8-9 0</inkml:trace>
+  <inkml:trace contextRef="#ctx0" brushRef="#br1" timeOffset="10567">10563 2741 8882,'17'-29'674,"-7"-8"1,1 0-315,10 1-270,5-14 0,0-4-772,-4-4 997,7 7 0,2 1-225,-5-7 180,-6 10 0,-3 0 89,-6-2-179,10-10 0,-19 25-270,9 5 279,-10 7 621,2 2-578,-3 28-232,0 17 0,0 19-1274,0 14 1274,0-4 0,7-8 0,3 3-45,-1-12 0,1 2-165,2 7 0,1 5 0,-1-5-15,-3-2 1,1-1-46,8 15 0,-2-1-45,-14-16 0,0-3-90,14 1 1,-1-1-46,-13-1 0,0-1 90,9-1 1,1-2-181,-10 29 473,7-8-922,-9 8 269,0-23 720,0 3 0,0-27 0,0-4 0</inkml:trace>
+  <inkml:trace contextRef="#ctx0" brushRef="#br1" timeOffset="10683">10890 3097 8162,'-13'-45'900,"9"1"-720,-16-2 90,19-17-360,-6 17-1567,7-11 1567,20 22-90,-15 3-359,37 3-181,-20 2-89,21 4-271,-4 2 1080,3 1 0,3 3 0,2-1 0</inkml:trace>
+  <inkml:trace contextRef="#ctx0" brushRef="#br1" timeOffset="10874">11607 2128 9691,'0'-9'720,"-17"1"-450,12 3 539,-12 0-988,17 24-361,0 6-899,0 27 539,0-9-1349,0 15 2249,0-23 0,16 8 0,3-14 0</inkml:trace>
+  <inkml:trace contextRef="#ctx0" brushRef="#br1" timeOffset="11049">11512 1714 8612,'-12'-17'-1619,"6"6"1619,0 20 0,30-6 0,6 15 0</inkml:trace>
+  <inkml:trace contextRef="#ctx0" brushRef="#br1" timeOffset="11386">12018 2510 9512,'0'-46'449,"0"8"-359,0-8 180,18-12 0,1 10-1666,-2 5 0,1-1 1575,0-12-89,-4 19 0,-2 0 90,-10-16-491,10 0 581,-4 0 215,-7 15 1,0 1-216,6-18-135,-5 14 0,-4 1-225,-14 1 106,13-10 164,-13 31 1170,3 3-1350,10 31 1168,-9 3-1528,12 43 90,0-14-447,0 2 0,0 2-2,0 14-91,8-6 0,1-1 405,-7-24 1,1-1 44,13 10 0,3 1 360,-7-4 0,1-3 0,22 19 0,-17-22 0,0 1 0</inkml:trace>
+  <inkml:trace contextRef="#ctx0" brushRef="#br1" timeOffset="11700">12405 2316 9961,'-19'-8'990,"5"0"-900,14-5-180,0 2 90,17 3 90,-12 1-180,36 1 90,-22-1-90,23 0 0,-10 0 90,0-2 0,1 1-180,-3-2 90,6-6 90,-15 2 270,-2-12-180,-15 8 180,-4-4-1,0 4 1,-26 3-180,19-1 270,-43 1-270,20 4 0,-18 2-180,7 7 90,19 21 0,10 6-270,12 12-180,0 1-179,18-8-1260,13 17 540,10-12 1349,-7-6 0,1-2 0,11 2 0,-14-11 0,1 0 0</inkml:trace>
+  <inkml:trace contextRef="#ctx0" brushRef="#br1" timeOffset="12006">12975 1260 9512,'19'-12'1169,"1"5"-629,18-2-450,-2 7 89,-10 0-89,0 2-90,-9 20 90,0-15-90,0 40 0,-1-23-90,-6 11 0,-1 3-269,6 13-271,-7-3 0,-3 2-949,0 9 1039,-3-18 1,-1-2-720,-1 12 1259,0-6 0,0-4 0,0-5 0</inkml:trace>
+  <inkml:trace contextRef="#ctx0" brushRef="#br1" timeOffset="12216">13302 1331 10141,'7'-2'1259,"0"0"-1169,-4 2-180,3 15-719,0 8 89,1 11-1708,1 23 2428,-5-14 0,0 19 0,-3-13 0</inkml:trace>
+  <inkml:trace contextRef="#ctx0" brushRef="#br1" timeOffset="12736">13987 2141 10321,'6'0'-2968,"0"0"2968,1 0 0,1 0 0,3 0 0</inkml:trace>
+  <inkml:trace contextRef="#ctx0" brushRef="#br1" timeOffset="12918">14202 2458 10771,'7'32'1169,"1"-1"-539,9 8-270,-3-11-180,11 14-91,-11-20-89,8 15 90,-11-16-359,1 5-1530,-9 0-270,-1-3 2069,-42 26 0,5-12 0,0-11 0,0-1 0</inkml:trace>
 </inkml:ink>
 </file>
 
@@ -6431,6 +6485,57 @@
           <a:chExt cx="0" cy="0"/>
         </a:xfrm>
       </p:grpSpPr>
+      <mc:AlternateContent xmlns:mc="http://schemas.openxmlformats.org/markup-compatibility/2006">
+        <mc:Choice xmlns:p14="http://schemas.microsoft.com/office/powerpoint/2010/main" Requires="p14">
+          <p:contentPart p14:bwMode="auto" r:id="rId2">
+            <p14:nvContentPartPr>
+              <p14:cNvPr id="3" name="Ink 2">
+                <a:extLst>
+                  <a:ext uri="{FF2B5EF4-FFF2-40B4-BE49-F238E27FC236}">
+                    <a16:creationId xmlns:a16="http://schemas.microsoft.com/office/drawing/2014/main" id="{4299E59A-72E6-884F-8369-6CA610AD3B9A}"/>
+                  </a:ext>
+                </a:extLst>
+              </p14:cNvPr>
+              <p14:cNvContentPartPr/>
+              <p14:nvPr/>
+            </p14:nvContentPartPr>
+            <p14:xfrm>
+              <a:off x="958320" y="442080"/>
+              <a:ext cx="4203360" cy="732600"/>
+            </p14:xfrm>
+          </p:contentPart>
+        </mc:Choice>
+        <mc:Fallback>
+          <p:pic>
+            <p:nvPicPr>
+              <p:cNvPr id="3" name="Ink 2">
+                <a:extLst>
+                  <a:ext uri="{FF2B5EF4-FFF2-40B4-BE49-F238E27FC236}">
+                    <a16:creationId xmlns:a16="http://schemas.microsoft.com/office/drawing/2014/main" id="{4299E59A-72E6-884F-8369-6CA610AD3B9A}"/>
+                  </a:ext>
+                </a:extLst>
+              </p:cNvPr>
+              <p:cNvPicPr/>
+              <p:nvPr/>
+            </p:nvPicPr>
+            <p:blipFill>
+              <a:blip r:embed="rId3"/>
+              <a:stretch>
+                <a:fillRect/>
+              </a:stretch>
+            </p:blipFill>
+            <p:spPr>
+              <a:xfrm>
+                <a:off x="936720" y="425880"/>
+                <a:ext cx="4241160" cy="765000"/>
+              </a:xfrm>
+              <a:prstGeom prst="rect">
+                <a:avLst/>
+              </a:prstGeom>
+            </p:spPr>
+          </p:pic>
+        </mc:Fallback>
+      </mc:AlternateContent>
     </p:spTree>
     <p:extLst>
       <p:ext uri="{BB962C8B-B14F-4D97-AF65-F5344CB8AC3E}">

--- a/bai-giang.pptx
+++ b/bai-giang.pptx
@@ -565,157 +565,157 @@
   <inkml:trace contextRef="#ctx0" brushRef="#br0" timeOffset="200484">25425 15095 10951,'24'11'180,"26"-9"-90,-29 9-180,38-11 180,-27 0-90,21 0 90,-22 0-90,6-14 0,-15 11 0,-4-23 0,-5 23 0,-4-34 0,-4 21 0,-4-32 179,-21 23 1,-1-13-180,-3 18 90,-7 0-90,28 11 0,-23 4 0,12 3 90,0 38-90,4-14-180,8 11 0,4 3-359,-2 0-361,18 11-1708,2-3 2608,2-14 0,11 4 0,-10-15 0</inkml:trace>
   <inkml:trace contextRef="#ctx0" brushRef="#br0" timeOffset="200790">25878 14954 11131,'15'33'0,"-11"3"90,20-6-90,-21 2 0,6-10 90,-9 0-90,6-2 0,-5-2 899,4 1-629,-1-6-270,-3-17 0,6-24 0,-2-7 0,4-10 0,2 14 0,4 0 0,2 0-990,17-8-179,-6 13-2159,22-10 3328,-19 23 0,9 0 0,-14 8 0</inkml:trace>
   <inkml:trace contextRef="#ctx0" brushRef="#br0" timeOffset="200923">26587 15183 12210,'15'1'-787,"-3"0"0,0-1 0,-3 0 0</inkml:trace>
-  <inkml:trace contextRef="#ctx0" brushRef="#br0" timeOffset="225707">12280 2503 7083,'0'-16'450,"13"6"1888,-10 3-2338,25 6 0,-11-1 90,20 2-90,-9 0 0,3-13-359,-8 10-181,0-9-90,0 12 1,-1 0-271,0 0 900,0 0 0,-4 0 0,0 0 0</inkml:trace>
-  <inkml:trace contextRef="#ctx0" brushRef="#br0" timeOffset="226121">12310 2637 8162,'19'12'1170,"10"-9"-1170,-26 19 90,17-8-90,-10 6 0,10 16 90,-3-10-90,-1 14 90,-4-8-90,1 4-150,1 1 150,1 2-629,-2 1-271,2 1 900,8 14 0,-4-12 0,6 12 0</inkml:trace>
-  <inkml:trace contextRef="#ctx0" brushRef="#br0" timeOffset="227088">13235 3379 8432,'-34'0'630,"6"0"-540,-2 20-90,4-15 0,0 31 0,-1-22 0,3 18 0,2-8 0,2 14 0,9-10 90,2 8-180,9-14 180,0-2-90,18-3 90,-13-2-90,33-4 0,-33-3 90,54-5-90,-36-2 0,9-9 0,2-3 0,-4 6 0,15-33 0,-31 13 90,11-10 89,-22 1-89,5 11 90,-8 0 270,0-3-450,0 6-270,-19-1 360,15 12 0,-15 19 0,40 5-90,-16 20-180,30-17-539,-32 15-181,28-29-179,-27 27-712,28-28 1791,-18 23 0,14-23 0,-8 8 0</inkml:trace>
-  <inkml:trace contextRef="#ctx0" brushRef="#br0" timeOffset="227534">13635 3154 9512,'-16'20'269,"4"3"-269,12 13 0,0-3 0,0-4 90,0 2-90,0 1 0,17 16 0,-12-13 90,13 25 0,-6-27 0,-10 20 0,10-30-90,-12 3-1709,0-19 1619,0-35 0,0-10 90,0-10-90,16-4 90,3 26 0,16 5 180,-1 10 180,-3 11-270,-13 17 90,5-13 0,-21 31 0,13-14-90,-14 16-90,4-7 0,-5-4 0,-22-10-630,-1 2-899,-21-6 1529,5-1 0,7-8 0,2-3 0</inkml:trace>
-  <inkml:trace contextRef="#ctx0" brushRef="#br0" timeOffset="227851">14143 3324 9332,'-23'17'449,"17"11"-449,-35-25 0,37 23 0,-30-24 0,29 24-90,-24-16 180,27 14 0,-10-7-90,12 0 0,0 0 90,0 4-90,21-5 90,6 4-180,0-10 180,17 0 0,-19-6-90,17-1 0,-12-3-90,-14-17-180,-8 2-179,-8-17-91,-16 17-719,12-8 1259,-26 14 0,26-4 0,-11 7 0</inkml:trace>
-  <inkml:trace contextRef="#ctx0" brushRef="#br0" timeOffset="228242">14467 3419 9602,'0'8'179,"0"5"-179,0 22 90,0 1-90,0-6-90,16-11 90,-12 1 0,12-10-269,-5 3 179,1-6 90,10-7 0,0-19 0,-5-5 0,3-18 90,-8 19-180,0-9 90,-6 28 0,-1-17 449,-2 20-539,0-6 180,0 7-90,-1 18 0,2-13 90,6 44-90,0-31 0,5 27-180,-1-21-269,3-2-271,2-2-1169,15-1 1889,-5-10 0,10-1 0,-8-8 0</inkml:trace>
-  <inkml:trace contextRef="#ctx0" brushRef="#br0" timeOffset="228601">15095 3234 9422,'-25'-20'539,"-10"6"-269,31-1-180,-20 11 0,22 18-90,-8 10 0,10 11 90,19 14 0,-14-16-90,28 24 0,-18-25-450,11 16 0,-13-25 91,1 5-1,-13-14-180,5-3-89,-6-4-181,0-2 810,-16-3 630,-5-17-271,-22-1 181,10-19-270,-12 19 0,30-16 90,-17 20-450,21-18 180,-4 11 0,7 1-270,31 9-630,7 5-359,14 4 1169,0 0 0,-9 0 0,1 0 0</inkml:trace>
-  <inkml:trace contextRef="#ctx0" brushRef="#br0" timeOffset="228853">15510 3119 9152,'-35'0'629,"7"18"-629,-1 6 0,13 11 0,-2 0 0,9-4 90,1 2 0,5 3-90,1 0-989,19 13 269,-13-12 720,13-8 0,4-3 0,12 1 0,23 6 0</inkml:trace>
-  <inkml:trace contextRef="#ctx0" brushRef="#br0" timeOffset="229073">15752 3054 9422,'44'34'629,"1"6"-539,-23-6-1424,14 3 1424,-32-6-90,11 1 337,-15 4-1506,0 1-180,0 4 1336,0 0 0,-31 2 0,-8-1 1</inkml:trace>
-  <inkml:trace contextRef="#ctx0" brushRef="#br0" timeOffset="229900">12350 2961 7623,'-7'12'629,"1"3"-539,2 0 270,3 9-90,-3-13-90,4 14-90,0-3 90,0 4 0,0 5 179,0 18-269,0-7-552,14 15 552,-10-13 0,10 3 270,2 0-360,-12 3 0,27 1 90,-18 1-45,5-13 0,1-1-45,7 21 89,-1-9 1,1-1-90,7 8-439,-11-20 0,2 0 349,10 11 180,0 1-90,2-3 0,-13-15 0,1 1-810,9 16 315,-11-18 1,-2-1-766,5 7-859,-3-3 2119,-1-4 0,-4-4 0,-2-2 0</inkml:trace>
-  <inkml:trace contextRef="#ctx0" brushRef="#br0" timeOffset="232001">13352 4661 8882,'0'-4'450,"0"-1"-270,0 1-90,0 0-1,0 0-89,-14 2 0,-2 0 0,-13 23 0,0 3 90,7 2-180,1 14 90,9-24 0,2 19 0,6-11 0,1-2 90,3-4 0,0 3 0,20-6 0,1-3-90,25-26 0,-14 9 0,5-36 0,3 4 0,-11-11 0,-6 12 0,-1 0-371,-1-9 371,2-15 540,-11 3-180,-7 15 0,-1-24-270,-4 34-90,0-10-90,0 26 180,-14 3-90,10 25 0,-10 13 0,14 27 0,0-5-1019,0 7 1109,0-12-629,0-1-541,0 0-1177,21 13 908,-16-13 1317,30 9 0,-32-20 0,11-1 0</inkml:trace>
-  <inkml:trace contextRef="#ctx0" brushRef="#br0" timeOffset="232317">13763 4863 9602,'7'-5'359,"0"4"-359,4-16 0,-2 9 90,10-18-90,-7 11 0,4-5 90,-6 5-90,-1 0 0,-2 0 90,-3-6-90,-1 7 0,-3-12 180,0 13 90,-20-3-360,1 9 90,-20 3 0,7 17 90,4 5-90,12 18 0,6 2-90,10 3-540,21-9-269,-16-6-1080,55-11 1979,-34-4 0,35-4 0,-22-3 0</inkml:trace>
-  <inkml:trace contextRef="#ctx0" brushRef="#br0" timeOffset="232567">14238 4443 9691,'-17'-13'1170,"-1"3"-1260,-3 1 180,-4 6-90,22 16 90,-8 11-90,11 8 0,16 23 0,-12-18-29,29 16-61,-28-14 1,25-1-361,-27-1 0,21-1-270,-21-3 91,17-1-361,-13 7 451,3-12-814,-5 9 1353,-5-21 0,0-1 0,0-10 0</inkml:trace>
-  <inkml:trace contextRef="#ctx0" brushRef="#br0" timeOffset="232674">14178 4722 7623,'0'-35'0,"0"-13"0,0 15 0,17-14 0,2 26-360,2 1 360,11 13 0,-8 4 0,17 3 0</inkml:trace>
-  <inkml:trace contextRef="#ctx0" brushRef="#br0" timeOffset="233216">14703 4720 8792,'-22'6'180,"4"-1"-270,-2 2 90,3 1 0,-6 1 0,-2 5 0,22-3 90,-9 6-180,12-6 180,0 4-90,0-2 90,0 1-180,17-1-180,-12-2 0,29-1 90,-9-6 0,18 0 180,-6-4 0,-3-15 270,-7-2 90,-5-17 180,-1 0-180,-11 0-360,-6 3-180,-4 10 270,0 24-90,0 10 0,0 22 90,20 0-270,4-4-90,23-12 270,-13-9 0,10-10 0,-20 0 0,5 0 0,-14-19 90,-4 14 90,-3-31 359,-4 13 1,-3-16-540,-1 3-90,0 8 90,-14 13 90,10 28 0,6 25-270,2 2-720,11-10 1,3-1-450,0-2 1349,1 5 0,9-20 0,-10-4 0</inkml:trace>
-  <inkml:trace contextRef="#ctx0" brushRef="#br0" timeOffset="233389">15250 4540 8342,'0'0'0</inkml:trace>
-  <inkml:trace contextRef="#ctx0" brushRef="#br0" timeOffset="233853">15410 4930 9422,'0'-32'449,"0"3"-449,19-1 0,-15 0 90,15-3 0,-1-2-180,-3-20 180,6 12-45,-10 6 0,-4 0 45,-5-7 180,2 7 0,-1 0-90,-3-6-890,0-11 980,0 20-46,0 4-224,0 5 0,-14 1 0,10 10 180,-11 3-180,6 33 795,7 13-750,-3 0 0,1 2-135,4 25 90,0-17 0,0 0-302,0 9 302,9-18 0,0-2 90,-5 10-90,30-2-630,-30-2-404,19-16 0,3 0-316,-5 11 1350,9-12 0,2-2 0,2-1 0,10 2 0</inkml:trace>
-  <inkml:trace contextRef="#ctx0" brushRef="#br0" timeOffset="234851">12160 3444 8252,'-7'30'810,"1"17"-720,2-12 270,2 19-136,1-17 1,1-1-893,0 27 848,0-1 0,0 3-941,0-22 1,0 0 760,0 16 0,0 2 45,-1-14 0,2-2-45,6 2 0,0 5 44,-5-5 1,-2 5 0,0 1 0,2-4-45,4 15 0,2 2 0,-5-7 0,0 7 0,0 0 0,0-8 0,4 0 0,1-3 30,1 5 0,2 4 0,0-6-30,1-8 0,2 0 60,-1 1 0,1 5 0,0-7-60,0-5 0,1-2-225,4 10 1,1 2-811,1-5 1,1-2 224,-4-11 1,0-1 809,4 11 0,0-2 0,12 11 0,-1 0 0</inkml:trace>
-  <inkml:trace contextRef="#ctx0" brushRef="#br0" timeOffset="235883">13203 5879 9242,'-22'14'180,"-13"-10"-180,21 24 0,-20-7 0,16 8 0,2 1 90,7-4-90,8-3 90,-3 13-360,26-10-1529,8 13 449,14-22 1273,2 2 1,-7-15-1,3-1 1</inkml:trace>
-  <inkml:trace contextRef="#ctx0" brushRef="#br0" timeOffset="236151">13560 5903 8972,'-24'17'180,"-12"-13"-90,18 29 270,-2-18-271,6 13-89,14-4 90,23-12-90,-17 6 0,43-17 0,-26 9 0,22-9 180,5 2-180,-15-3 0,18-15 180,-29 11-270,-3-30-180,-15 15-179,-6-16-631,-24 6 271,-4 13-630,-2-1 1439,-13 15 0,37-4 0,-16 6 0</inkml:trace>
-  <inkml:trace contextRef="#ctx0" brushRef="#br0" timeOffset="236550">13988 5949 8432,'0'30'270,"-16"-6"-270,12 10 0,-12-14 90,16 16-90,0-17 0,0 13 90,0-15-90,0 3-450,0-13 90,17 0 270,-13-22 90,29-9 0,-15-8 90,14-21 180,-10 21-595,-3-14 595,-7 18 0,-2 2-90,-1 4-180,-3 11 0,0-6-90,-2 15 899,2-7-124,-2 9-685,3 0 0,-1 0 0,2 18 90,-2-14-90,1 30 90,-1-29-90,2 30 90,-1-20-450,0 17-1529,4 4 630,-2-13 1259,3 8 0,0-15 0,0-2 0</inkml:trace>
-  <inkml:trace contextRef="#ctx0" brushRef="#br0" timeOffset="236783">14560 5671 10861,'5'15'270,"2"-11"-270,1 25 90,0-6 0,7 18-1,-7-4-89,4 3-179,1 3-451,-4-9-899,6 21 899,-8-23-719,3 15 360,-6-23 989,0 3 0,-4-14 0,0-2 0</inkml:trace>
-  <inkml:trace contextRef="#ctx0" brushRef="#br0" timeOffset="236905">14512 5969 8522,'0'-24'0,"0"0"90,0-4-180,0 6 90,21-8-540,8 17 1,10 0-631,2 10 1170,-9 2 0,3 1 0,3 0 0</inkml:trace>
-  <inkml:trace contextRef="#ctx0" brushRef="#br0" timeOffset="237270">15202 5889 9152,'-18'4'719,"13"2"-449,-32-3-270,10 5 0,3-2-90,-19 8 180,25-5-90,-13 9 90,16-7-90,8 6 90,7-4 0,20-3-899,6 2 629,25-8 0,-13-1 180,2-3-90,-5-15 90,-18-3 0,17-1 270,-25-24 89,6 27 271,-9-23-450,-6 13-180,0 5 0,0 20 90,0 16-180,0 29-450,14-7-179,-10 2-91,23-13-89,-24-2 899,39 5 0,-22-15 0,25 1 0</inkml:trace>
-  <inkml:trace contextRef="#ctx0" brushRef="#br0" timeOffset="237474">15688 5844 9512,'-25'-14'809,"-15"5"-719,21 6-180,-15 3 270,18 18-270,-2 1 270,16 20-180,-5-11 90,7 10-90,24-15-1169,2 12 449,4-17-1349,26 3 2069,-33-16 0,30 0 0,-22-5 0</inkml:trace>
-  <inkml:trace contextRef="#ctx0" brushRef="#br0" timeOffset="237734">15952 5509 10591,'0'31'90,"0"7"-90,0-3 0,0 3 0,0-9 90,0 15-90,0-13 0,12 13-180,-9-15-540,10-1 181,-13-1-631,7 5 631,-5-8-1260,9 6 1799,-10-16 0,3-2 0,-4-6 0</inkml:trace>
-  <inkml:trace contextRef="#ctx0" brushRef="#br0" timeOffset="237867">15853 5875 8972,'0'-23'360,"0"4"-360,0 3 0,0 3-90,23 1-270,-18-1-180,41 3-1798,-12-3 2338,11 8 0,-2-2 0,-15 7 0</inkml:trace>
-  <inkml:trace contextRef="#ctx0" brushRef="#br0" timeOffset="238033">16287 5980 8612,'-19'3'-270,"4"0"0,15-2 1</inkml:trace>
-  <inkml:trace contextRef="#ctx0" brushRef="#br0" timeOffset="238318">16552 5470 10501,'-43'18'630,"7"6"-630,13 12 90,-1 1-180,21-4 180,-16 20-90,17-10 90,-5 14-450,7-2-450,21-12-135,-8-10 1,0 0-315,13 3 1259,20 5 0,-25-19 0,22-3 0</inkml:trace>
-  <inkml:trace contextRef="#ctx0" brushRef="#br0" timeOffset="238567">16858 5464 9781,'36'0'1080,"-16"15"-1080,15 3 0,-12 0 90,12 28 0,-15-24 0,-9 41-90,-11-27-1260,0 24 1,-20-22 1259,-9 20 0,2-27 0,3 6 0</inkml:trace>
-  <inkml:trace contextRef="#ctx0" brushRef="#br0" timeOffset="239084">15925 4318 8702,'-17'32'270,"13"20"-180,-13-11-45,9-3 0,4 1-909,1 10 954,-9 13 0,12-18-90,21-1-540,-15-2-405,22-15 1,4 0 944,-7 12 0,4-16 0,1-1 0,7 4 0</inkml:trace>
-  <inkml:trace contextRef="#ctx0" brushRef="#br0" timeOffset="239338">16187 4357 8972,'-11'-11'450,"2"-1"-270,9 2 89,0-1 91,27 2-180,-20 0 90,51 1-90,-11 4-180,14 1 269,-18 11 1,-2 1-1373,7-5 1148,-19 12 0,0 4-649,15 15 694,-16 10-45,-14-7 0,-4 1-674,-3 14-91,-16-16 0,-3 1-1528,7 18 2248,-20-26 0,-4 0 0,1 28 0,0-28 0,-1 0 0</inkml:trace>
-  <inkml:trace contextRef="#ctx0" brushRef="#br0" timeOffset="260358">17737 2097 7353,'-7'-4'270,"3"0"-270,-1 0 90,2-1-180,0 2-450,0 0-629,0 0 1169,1 0 0,0 2 0,0-1 0</inkml:trace>
-  <inkml:trace contextRef="#ctx0" brushRef="#br0" timeOffset="260967">18008 1864 8792,'-14'-15'1709,"11"4"-1439,-11-3 449,14 9-719,0 21 0,0 11 90,14 14-90,-11 2-90,11-7 180,-5 3 0,-7 2-180,18 17-449,-18-15-136,8-8 0,1 0-44,-5 3-1080,11 19 630,-11-29 1169,0 6 0,-3-17 0,-1-1 0</inkml:trace>
-  <inkml:trace contextRef="#ctx0" brushRef="#br0" timeOffset="261300">17948 2174 7892,'0'-10'90,"0"-1"-90,0 2 0,20-2 0,-15 2 0,31 0 90,-32 3-90,31 1 0,-9-1 0,9 4 0,10-2 0,-18 4 90,14 14-90,-17-11-90,4 11 180,-6 0-90,-6-1 90,4 11 450,-10-12 449,1 1-629,-6-11-270,-3-16-180,0-6-629,-2-20-631,0 5-808,0 1 2158,15 7 0,-11 12 0,12 7 0</inkml:trace>
-  <inkml:trace contextRef="#ctx0" brushRef="#br0" timeOffset="261701">18793 2096 9062,'-33'0'90,"-3"0"-90,0 0 0,7 0 0,-2 14 0,11-10 0,-6 23 0,11-9 90,-3 12-90,14-1 0,1-3 0,24-13-360,2 2 360,23-13-180,-13 3 270,1-5-90,-2-13 0,-9-5 0,4 1 90,-10-14 90,-8 10 449,-1-16-179,-8 9-540,0 2-90,0 14 270,0 18-719,0 8-91,0 22 0,16-9-269,-13 0 989,24-8 0,-24-2 0,8 1 0</inkml:trace>
-  <inkml:trace contextRef="#ctx0" brushRef="#br0" timeOffset="262067">19093 2121 8702,'15'17'90,"-11"10"-90,21-13 0,-22 10-720,15-7 720,-12-23-90,4-6 90,0-22 0,-4 17-90,7-14 90,-4 16-89,1-2 448,1-1-269,-4 17 0,6-6-90,-6 7 90,6 14-90,-4 1 90,0 1-90,0 12 0,-2-25-270,2 30-359,0-21-361,0 15 990,2-11 0,2-1 0,2-2 0</inkml:trace>
-  <inkml:trace contextRef="#ctx0" brushRef="#br0" timeOffset="262467">19607 2075 8342,'-40'0'-90,"16"13"90,0-10 90,21 25-90,-6-14 0,9 13 0,21-14 90,-15 4-90,30-15 0,-32 9 0,27-10 0,-11 3 180,11-4 0,-12-18 360,-3 0-360,-15-15-360,5 8 180,-6 5 0,0 27 0,0 11 90,0 36-90,0-10-211,0 8 211,16-15 90,-12 1-90,11 0 0,-3-2 0,-9-1 180,9-4-90,-12 5-1,0-13-178,0 6-451,-24-20-1349,1 0 1889,-23-22 0,12-11 0,3-16 0</inkml:trace>
-  <inkml:trace contextRef="#ctx0" brushRef="#br0" timeOffset="262734">20490 1965 9422,'-44'-1'359,"0"0"-359,-6 1 0,23 18 0,-15-13 0,38 26 0,-25-27 180,26 25-180,-7-10 0,10 8-719,17-1 89,11-17-90,10 1-449,25-10 1169,-21 0 0,15 0 0,-17 0 0</inkml:trace>
-  <inkml:trace contextRef="#ctx0" brushRef="#br0" timeOffset="263283">20692 1650 8702,'-17'-13'90,"13"2"540,-12 5-450,16 20-91,0 27-89,0 3-1184,0 16 1273,0-19-178,0 0 392,13 0-214,-9 15-178,9-16 178,-3 19 1,-7-29-90,13 8 90,-11-21-180,3 0 180,-4-10-90,-2-3-269,0-2 1150,0-1-970,2-1-1,5-17 90,-1-4-90,17-28 0,-12 26 90,14-19-90,-18 30 90,7-5 0,-9 9 0,6 8 0,-6 0 90,6 17-90,-3 2 0,1 2 90,8 10-90,-5-12 0,16 11 90,-9-12-180,19-2 0,-12-14 90,9 4 0,2-25-90,-11 15 180,16-45-180,-22 31-336,1-27 606,-12 19 13,-3 1 167,-5 1-180,-1 3-180,-2 2 0,0 5 0,0 3 596,0 36-596,0 1-89,0 23-811,0-12-1169,15-2 2069,2-10 0,1 4 0,-4-12 0</inkml:trace>
-  <inkml:trace contextRef="#ctx0" brushRef="#br0" timeOffset="264158">21180 1932 9152,'16'14'90,"-13"11"-180,29-9 180,-29 8-90,25-3 0,-25-5 0,20 2 0,-20-1 0,16 0 0,-12-2 90,8-2-90,-4-1 0,2 1 90,-1-6-360,4 0 90,-4-7 180,3 0 0,1-16 0,-6 12 0,8-25 0,-12 11 450,1-13-181,-6 1-179,0 3-180,-1 7 180,0 25 0,16 8 0,-1 14-1349,19-3 90,-6-12 1169,-3-4 0,-1-8 0,-6 0 0</inkml:trace>
-  <inkml:trace contextRef="#ctx0" brushRef="#br0" timeOffset="264434">21507 1338 8612,'16'-9'360,"-12"2"0,28 2-180,-28 2-1,24 1-179,-25 23 0,10 8 0,-13 13-269,0 1-721,-17-8-359,12 3 1125,-28 2 0,29 0 0,-12 0 0</inkml:trace>
-  <inkml:trace contextRef="#ctx0" brushRef="#br0" timeOffset="266967">17980 3216 8792,'0'-16'1079,"0"0"-449,0 0-180,0-1-180,0-1-180,0-3-90,0 8-90,0-1 269,0 9-89,13 23-3482,-1 15 3392,2 8 0,4 6 0,-16-19 0,14-1 0,-12-3 0,6-2 0,-5-3 0,0-3 0,0 1 3392,-2-8-3302,0 2-90,-2-7 0,1-2 90,-1-1-180,3-1-719,8-12-1,0-3-89,9 1-181,-2-14-89,4 16 1169,2-16 0,0 9 0,2-1 0</inkml:trace>
-  <inkml:trace contextRef="#ctx0" brushRef="#br0" timeOffset="267286">18405 3466 10141,'6'4'180,"1"-1"-180,4-1-90,-1-22 180,4 15-90,-1-29 0,1 30 90,2-30-90,0 29 90,0-30 0,-1 22 270,0-20-360,-4 21 180,-2-11-360,-6 16 180,-19-4 0,-1 38 0,-3 1 0,7 18 90,13-16-540,0-10-1079,0 6 539,17-9 990,4 8 0,1-17 0,-5 1 0</inkml:trace>
-  <inkml:trace contextRef="#ctx0" brushRef="#br0" timeOffset="267494">18528 3117 8522,'-4'-4'90,"0"1"-90,4 1-180,18 1-1169,5 1 1349,12 0 0,-13 14 0,-10 4 0</inkml:trace>
-  <inkml:trace contextRef="#ctx0" brushRef="#br0" timeOffset="267650">18668 2953 7533,'36'0'-450,"-15"14"-539,8-10 989,-16 24 0,15-24 0,-6 10 0</inkml:trace>
-  <inkml:trace contextRef="#ctx0" brushRef="#br0" timeOffset="267867">19217 3175 8702,'-49'0'450,"11"0"-450,0 0 0,11 15 0,3-12 0,1 25 90,2-9-90,10 7 0,2 0 90,9 0-450,19-6-899,12 9 269,11-15 746,6-2 1,-7-9 0,3-3 0</inkml:trace>
-  <inkml:trace contextRef="#ctx0" brushRef="#br0" timeOffset="268466">19435 2857 8612,'0'-7'180,"-13"2"-90,-1 4 0,-2 19 0,6 10-90,10 29 0,0-6 45,-2-11 0,4 0-569,13 11 479,-13-17 0,0-1 225,14 11-180,1-1 0,-13-4 0,23-2 0,-24-6 0,17-3 180,-18 2-90,16-12-900,-16 2 540,11-16 180,-11 0 0,6-19 524,-3 11-434,6-30 0,-1 8 0,8-21-90,-8 11 90,4 2 0,-7 23 0,-1-8 360,-1 16-90,1-8-90,0 11-90,2 0-90,-3 14 0,5 6 0,-4-1 90,3 16-90,-2-21 0,-2 17 90,3-12 0,7 1-90,-2-2-360,18-9 90,-10 0-180,19-9 360,-15-15 0,7 11 90,-12-27 90,-2 26-90,-3-31 0,-3 31 180,-4-35 180,-3 26 90,-3-15-450,-1 7 0,-1 6 0,0 17 0,0 10 90,0 26 0,0-3-180,0 2-270,20-16-1259,3 2 1169,23-20-449,-13 6 899,-3-8 0,-8-16 0,-3-3 0</inkml:trace>
-  <inkml:trace contextRef="#ctx0" brushRef="#br0" timeOffset="269185">20215 3242 8882,'3'-8'360,"-1"1"-270,1 26-90,-1-15 0,5 32 0,-3-11 90,8 17-180,-5-9-810,9 5 630,-6-20-539,5 5 539,-6-16-90,3 0 90,-1-7 270,-2 0 630,5-21-270,-6-1 179,0-21-269,-3 21-90,-3-12-180,-1 17 720,-1-8-630,0 28-90,12-5 90,-9 33 0,18-10-90,-18 15-360,15-7 0,-7 3-90,5-21 1,-2 9-181,5-14 360,-4 2 90,6-4-90,-3-4 360,-1 0 0,1-17 630,5-1-270,-6-3 89,6-8-179,-12 12 180,-1-11-450,-5 12-90,-3 1 90,-1 29-90,-1-4 90,0 19-270,0-5-90,18-10 180,-13 1-180,26-14 270,-15 6 0,10-7 0,-10-20 0,1 15 180,-15-31 90,6 12 90,-8-16-91,0 7-359,0 6-89,0 8 269,-13 6-90,10 23 0,-10 26 0,31 8-757,-13 10 757,12-21-90,0 1 160,-12-2-70,23 0 90,-25-3-90,17-1 720,-17 5-630,12-11 0,-14 5-1,4-16-2157,-26-2 2068,-2-6 0,-23-20 0,1-5 0</inkml:trace>
-  <inkml:trace contextRef="#ctx0" brushRef="#br0" timeOffset="269367">20595 2594 8882,'-32'45'-720,"15"-9"-179,-8 0 899,23-6 0,-9 4 0,11 3 0</inkml:trace>
-  <inkml:trace contextRef="#ctx0" brushRef="#br0" timeOffset="269624">21378 2924 10411,'-14'18'270,"10"15"-270,-11-5 90,15 10 0,0 21-90,0-21 0,0 15-720,0-1 91,16-13-541,-12 21 631,13-29-1081,-17 10 1620,0-23 0,0 0 0,0-12 0</inkml:trace>
-  <inkml:trace contextRef="#ctx0" brushRef="#br0" timeOffset="269756">21152 3289 8342,'-11'-24'180,"2"-4"-270,9 8 180,21-8-90,-15 15-450,56-2 91,-34 11-316,12 2 0,2 1 512,3 1 0,13 0 0,-19 0 0</inkml:trace>
-  <inkml:trace contextRef="#ctx0" brushRef="#br0" timeOffset="270033">21710 3262 9422,'-21'6'180,"15"-2"-180,-31 0 0,33-1-90,-34 9 90,32-4 90,-17 12-180,23-10 180,0 10-90,0-8 89,16 3-89,-13-4 90,27-2 180,-9 0-180,14-5 0,0 0-90,-7-22 0,-12-2 0,-8-19-90,-8 3-539,-24 2-91,0 15 0,-4 2-1438,-7 15 2158,21-3 0,-6 5 0,10 0 0</inkml:trace>
-  <inkml:trace contextRef="#ctx0" brushRef="#br0" timeOffset="270222">22038 3223 9242,'5'0'180,"-2"10"-90,-2 2-90,0 9 0,-1-1-90,0-2-450,0 3-90,0-1-89,0 3 719,0 6 0,0-9 0,0 3 0</inkml:trace>
-  <inkml:trace contextRef="#ctx0" brushRef="#br0" timeOffset="270382">22148 3223 9242,'4'-5'-90,"-2"1"90,4 4 0,-3 0 90,-1 0 0,1 0-1440,0 0 361,1 14 989,-1-10 0,-2 9 0,0-13 0</inkml:trace>
-  <inkml:trace contextRef="#ctx0" brushRef="#br0" timeOffset="270592">21672 2942 8432,'25'-14'0,"-6"1"0,24 1 0,-15 3 0,-1 1 90,-3 3-90,2 2 0,-6 21 0,1 5 0</inkml:trace>
-  <inkml:trace contextRef="#ctx0" brushRef="#br0" timeOffset="271534">18370 4694 9422,'0'-19'1529,"0"-1"-1169,10 0-1,-7-1-179,7 1 180,-10 1-180,0 2-180,0 2-90,0 4 90,0 1 0,0 4-90,-17 1 90,-4 3 0,-20 21 0,8-14 0,0 34 90,12-21-180,9 16-180,-6-6-629,16 9 179,-8-10-2248,30 10 1430,12-25 1538,10 2 0,6-14 0,-10 0 0</inkml:trace>
-  <inkml:trace contextRef="#ctx0" brushRef="#br0" timeOffset="272088">18598 4294 9062,'0'-9'360,"0"2"-450,-14 2 449,10 1-269,-11 18-90,15 24 0,0 1 0,-1-1 0,2 0 90,13 6-1128,-10 16 1128,10-17-90,-14 0 0,10-2-566,-2 11 566,3-16 8,-2 13-8,-5-27-900,1 0 631,0-16 871,-2-1-871,1-20 701,6-4-432,0 1 111,12-27-111,-7 27-90,12-24 180,-10 18-180,2 12 180,-6-6 180,-3 17-180,1-5 180,3 6-180,-4 0 270,5 17-270,-7 2-90,5 19 0,-5-19 0,2 13 90,1-21-90,-4 16 90,6-11-90,-5-4 0,11-6 0,-7-6 0,21-31 90,-18 23-180,14-41 359,-20 27-179,3-12-180,-9 14 90,3-1-89,-4 19 178,1-6-89,-1 8 0,2 0 90,-1 16-90,2-12 90,-2 29-180,0-28-269,3 32-361,-2-22-179,3 17-451,1-10 1350,1-10 0,1 11 0,1-8 0</inkml:trace>
-  <inkml:trace contextRef="#ctx0" brushRef="#br0" timeOffset="272267">19125 4354 8522,'24'15'-495,"-18"10"0,41-22 1,-17 8-1</inkml:trace>
-  <inkml:trace contextRef="#ctx0" brushRef="#br0" timeOffset="272502">19665 4297 9512,'-14'-7'899,"10"15"-989,-10 15 90,14 10 90,0 21 0,0-15-45,0-3 0,0 0-45,0 6-315,9-5 0,0 0-314,-4 2-1325,12 13 1325,-17-22 276,11-3-996,-8-5 1411,8-4 1,-11-6 0,0-2 0</inkml:trace>
-  <inkml:trace contextRef="#ctx0" brushRef="#br0" timeOffset="272633">19453 4643 8432,'0'-14'0,"0"0"90,0 1-90,24 1 0,-18 0-360,43 1-1079,-11 1 1439,13 3 0,4 2 0,-14 3 0</inkml:trace>
-  <inkml:trace contextRef="#ctx0" brushRef="#br0" timeOffset="272950">19873 4689 8432,'16'4'0,"3"-2"0,0-16 90,6 10-90,-12-22 0,8 14 360,-3-10-180,-6 2 0,-5 6 0,-4 1-90,-2 6 0,-1 1-90,0 2 179,1 1-179,0 2 0,2 18 0,-2-13 0,2 28 0,0-28 180,4 41-180,-3-26-1079,6 32 269,-2-27-269,2 4 1079,-1-14 0,-2-2 0,1-4 0</inkml:trace>
-  <inkml:trace contextRef="#ctx0" brushRef="#br0" timeOffset="273108">20042 4396 8162,'0'0'0</inkml:trace>
-  <inkml:trace contextRef="#ctx0" brushRef="#br0" timeOffset="273750">20333 4647 8702,'18'0'270,"-4"0"-90,-5-17-90,-3 13-90,-2-14 0,0 0 0,0 14 0,-2-28 90,-1 16-90,-1-11 180,0 5-90,-19 10-1,15 2-89,-29 9 0,19-2 0,-2 22 0,-4 5 90,18 25-90,-7-11 0,9 14 0,17-21 180,3 21-90,20-30-90,-20 7-90,20-24 180,-24-2-90,32-3 0,-20-15 0,21-9 0,-23-9-45,-4 2 0,-2-2 135,-2-5-135,-7 1 0,-1-1 45,-5 2 180,-3-23-90,-2 30-90,0-6 0,0 18 0,0 4 0,0 4 270,0 3-270,0 21 0,0 7 0,0 24 0,0-8 0,0 1 0,10-10 90,-7 11 0,7-10-720,-3 17 1,-5-23-631,4 12 451,-6-20-271,0 3 1080,0-11 0,0-3 0,0-1 0</inkml:trace>
-  <inkml:trace contextRef="#ctx0" brushRef="#br0" timeOffset="273870">20587 4642 8612,'0'-17'180,"16"7"-180,-12-5-270,50 4-449,-32-4 719,12 6 0,1 2 0,-4 0 0,11-1 0</inkml:trace>
-  <inkml:trace contextRef="#ctx0" brushRef="#br0" timeOffset="274150">20158 4280 8522,'0'-15'360,"0"-1"-270,27 0 90,-20-1-180,24 4 0,5 0 0,-10-5-913,33-6 913,-25 11-90,-3 2 421,-1 4-241,7 2-90,-12 3-540,9 1-359,-20 18-271,1-13 1170,-9 27 0,-2-27 0,-3 10 0</inkml:trace>
-  <inkml:trace contextRef="#ctx0" brushRef="#br0" timeOffset="274317">20730 4038 8342,'0'39'-495,"0"-6"0,0 0 1,0-7-1</inkml:trace>
-  <inkml:trace contextRef="#ctx0" brushRef="#br0" timeOffset="274640">21303 4404 9422,'-52'-11'539,"24"-6"-629,-20 15 90,25-6 0,-16 8 90,19 19-180,9 2 90,30 22 0,-14-10 0,35 1 0,-35-9 0,39-1 0,-39-1 0,36-1 0,-36-3 90,24-1 0,-26-5 270,9 0-270,-12-5-180,0-2-809,-18-4-1080,-3-2 1979,-21-13 0,9-2 0,0-14 0</inkml:trace>
-  <inkml:trace contextRef="#ctx0" brushRef="#br0" timeOffset="275022">21470 4520 8432,'4'31'180,"0"-1"-90,3 2-90,-3-7 0,1 7 0,-2 1 0,1-7 90,2 15-90,-3-19 180,3 7 360,-3-16-450,-1-1-180,-1-7-360,-1-19 90,0-6 270,-14-11 90,11-2-90,-10 4 180,13-4-180,0-3 90,0-4 0,17-2 0,-13-3 225,10 14 0,3 0-135,4-15 45,-3 12 0,2 1-135,12 2 0,10-7 359,-19 24-179,7 3 90,-12 9-90,-2 2-90,-2 0 90,-1 22-270,-7-17 270,0 33-360,-6-12-3058,-26 22 3238,19-7 0,-18-19 0,-6-2 0,-5 10 0</inkml:trace>
-  <inkml:trace contextRef="#ctx0" brushRef="#br0" timeOffset="276636">18463 5977 9062,'15'17'1259,"3"-17"-1259,14-20 0,-5 2 90,-2-19-90,-5 22 0,-1-21 90,-1 13-90,-2-3 0,-1 1 0,-1-2 0,-2 2 0,-4-2 0,-3 2 0,-3-12 0,-1 9-90,-1-14 90,0 21-180,-19-4 180,14 14 90,-14 3-180,3 3 0,1 3 180,-14 24-90,4 8 0,3 28 0,8-11 0,7-5 0,2-1 90,4 3-45,6-4 0,2 0-45,-3-7-450,28 18 91,-6-28-695,8 6 694,5-16-335,-10-1 425,2-6 90,0-2 180,0-3 0,-3-1 0,9-17 90,-11 12 360,8-26-180,-18 13-180,-4 1 540,-8-8 302,-3 15-1022,-1-8 636,-14 9-456,10 20-360,-10 6-359,14 19-91,17-19-89,-13 16 809,29-15 0,-29 7 0,13-4 0</inkml:trace>
-  <inkml:trace contextRef="#ctx0" brushRef="#br0" timeOffset="276800">18972 5725 8252,'11'10'-780,"-12"-10"1,19 13 0</inkml:trace>
-  <inkml:trace contextRef="#ctx0" brushRef="#br0" timeOffset="277108">19270 6082 8882,'12'0'90,"-1"0"-90,1-15 0,0 11 0,2-25 0,0 25 90,1-25-90,0 26-90,-3-27 90,2 12 0,-9-6 90,2-4-180,-7 13 90,0-2 90,-21 5-90,2 7 0,-22 0 0,10 25 0,3 2 90,11 21-90,9-12-630,8 7-719,22-17 180,5 9 1169,14-20 0,-3 6 0,-7-9 0</inkml:trace>
-  <inkml:trace contextRef="#ctx0" brushRef="#br0" timeOffset="277467">19640 5918 9152,'15'11'-90,"-11"1"90,27 6 0,-27 5 90,22-8 90,-23 7-270,13-8 90,-12-7-90,4-24 90,-3 12 0,8-31 0,-3 10-90,22-28 90,-14 19 90,15-5-90,-20 31 90,6 0-90,-10 9 0,6 0 90,-6 20-90,2-16-540,0 34-90,-4-14-1528,3 18 2158,-5-10 0,0-4 0,-3-12 0</inkml:trace>
-  <inkml:trace contextRef="#ctx0" brushRef="#br0" timeOffset="277650">19342 5643 7892,'50'-13'0,"-1"2"-269,3 1-361,-13 6 630,10 0 0,-19 4 0,-3 0 0</inkml:trace>
-  <inkml:trace contextRef="#ctx0" brushRef="#br0" timeOffset="278367">20465 5502 10591,'0'-17'0,"0"2"0,0 5 90,0 3 540,0 3-630,0 26 0,0 28 0,0 2 0,0-7 0,0-2-416,0 4 506,11 14-90,-8-23 0,8-1 0,-2-4 90,-7 5 0,7-13-90,-5 7-180,-2-23-1259,2 2 1169,-4-25 416,0-5-146,0-22 0,0 5 0,0-3-90,0 11 0,0 2 0,17-5 270,0 10-180,11 3-90,-13 33 180,0-10-90,-13 37 90,12-37-90,-10 38 0,5-25 180,3 29-180,-2-21-360,13 10 0,-5-25-180,14 7 450,-10-17 0,4 4 90,-7-5 90,-3-20 0,-1 14 0,0-33 270,-6 14 270,-2-19-271,-5 10-89,-2 3-270,0 9 90,-20 11-90,16-6 0,-33 15 0,22-4 0,-5 20 0,0 7 0,18 20 0,-7-6 0,9 3 90,0-12 90,0 10-180,21-11-1169,7 10 539,24-19-90,-10-1 1,0-11-653,-14-4 1372,-1 0 0,-3-21 0,-1-4 0</inkml:trace>
-  <inkml:trace contextRef="#ctx0" brushRef="#br0" timeOffset="278584">20697 5621 8612,'0'-9'720,"0"0"-540,0-1-90,17 0 89,-12-1-179,28 1 0,-29-1 90,29 0-90,-11 4-1619,15 1 450,-1 6 1169,-17 19 0,4-14 0,-12 14 0</inkml:trace>
-  <inkml:trace contextRef="#ctx0" brushRef="#br0" timeOffset="278730">20732 6648 10411,'-1'9'-450,"1"-1"450,-1-3 0,1-3 0,0-1 0</inkml:trace>
-  <inkml:trace contextRef="#ctx0" brushRef="#br0" timeOffset="389783">14177 11590 11131,'0'33'180,"0"0"-180,10-2 179,-7-1 1,7-4-180,-10 0 0,7 4-90,-5 0 180,12 0-90,-13 2 0,10-2 0,-7 1 0,6 0 0,-3-1 0,0 0 0,0-2 90,2 12-90,-3-9 0,4 23 90,-6-23 180,3 23-270,-5-22 45,2 1 0,0 1-45,0 3 0,0-3 0,0 0 0,0-2 0,1 20 0,0-25 0,1 16 0,-1-20 0,0 2-90,-1-3 180,-2-7-90,3 10 0,-5-11 0,3 7 0,-3-10 90,0 1-180,0-5-5937,0-2 6027,0-17 0,0 10 0,0-12 0</inkml:trace>
-  <inkml:trace contextRef="#ctx0" brushRef="#br0" timeOffset="390986">14250 11485 8432,'16'-3'540,"-12"-2"-360,13 1 90,0 0-270,-13 0 269,33-1-179,-20-1 0,36-7-90,-14 1 180,0 1 0,2 0 0,17-3-1049,-17 5 0,1-1 1004,-9 3 0,0 1-180,2-1 0,1 1-442,1-1 0,0 0 487,3 0 0,0 1-45,1 0 0,1-1 45,0 1 0,2 0 45,19-2 0,1 1-45,-16 1 0,1 1 0,5 0 0,5-1 0,-4 1 0,-5 1 0,-2 0-488,17-1 1,-2 0 487,-16 0 0,-3 1 0,1 0 0,0 0 0,2 0 0,0-1 0,1 1 0,-1 0 0,1-1 0,0 1 0,0 0 0,3 0 60,-4 0 0,3 0 0,-2 0-60,7-1 0,3 0 0,5 0 0,6-1 0,-6 1-667,-4 0 0,-1 1 667,-8 0 0,3 0 0,-4-1 0,4 2 0,-3-1 0,1-1 0,0 1 0,-3 1 0,1 0-45,17-2 0,-1 1 90,-18 1 0,2 1-45,0-1 0,4-1 0,-5 2 362,-7 0 0,-1-1-362,27-2 0,-2 0 0,-29 2 0,0 0 0,10-3 0,5-2 0,-6 2 45,-10 1 0,0 0-90,28-6 0,-2 0 45,-9 0 45,-12 2 0,-2 1-45,2-3 726,19-3-636,-29 5-90,5 1 1084,-6 2-994,-10 2-180,9 0 180,-14 2 1837,6 1-1927,-11 1 678,4-1-767,-7 1 240,-1 0-61,0 0-90,2 0 0,-2 0 269,3 12-179,-5-9 0,3 9-90,-3 0 90,-1 5-180,-1 6 180,-1 2-180,0-7 180,-16 13-180,12-7 180,-11 19-90,15-17 0,-11 9-90,8-11 180,-8 1-90,11-1 0,0 11 0,0-9 0,-6 21 0,5-19 0,-4 19 0,5-21 0,0 8 0,0-4 0,0-6 0,0 13 0,0-16 0,0 14 0,0-15 0,-13 20 0,10-20 0,-9 19 0,4-21 90,6 14-90,-11-11 0,8 14-90,-2-12 180,-2 29-90,6-24 0,-6 28 0,4-29 0,0 9 0,1-8 0,0-2 0,1 3 0,0-2 0,2 2 0,-1 0 0,0 12 0,0-10 0,1 17 0,0-21 0,-1 6 0,1-12 0,-1 0 0,1-2 90,-1 0-90,-1-2-90,2 0 180,-1 5-90,2-6 0,-1 8 0,-1-13 0,1 2 0,-1-6 0,1-2 0,0-1-1799,0-1 450,-1-3 1349,-1 1 0,0-1 0,-1 0 0</inkml:trace>
-  <inkml:trace contextRef="#ctx0" brushRef="#br0" timeOffset="392838">13912 10456 8072,'0'44'270,"0"-2"-270,0-12 0,0 1 0,0 0 180,0-4-180,0 0 0,0-3 270,0-4 0,0-3 90,0-4 179,0-4-179,0-2 0,0-3 180,11-2-630,-8-15 90,20-7 0,-21-23 90,17-9-90,-15 5-180,5 1-450,-4 13-269,-1 2-181,1 0 1080,4-8 0,-1 12 0,3-4 0</inkml:trace>
-  <inkml:trace contextRef="#ctx0" brushRef="#br0" timeOffset="393218">14285 10454 10591,'-30'0'809,"0"0"-898,8 0 178,2 0-89,9 0-89,1 0 89,1 18 89,0 6-178,3-1 89,1 26 89,4-32-89,1 32 90,22-29-90,-17 4 0,33-16 90,-34 3-90,32-10 90,-11 5 0,18-6-180,-18-18 180,3 13-180,-25-29 90,8 12-359,-11-17-91,0 8-90,-21 4-989,-4 10 450,0 1 1079,-13 4 0,19 4 0,-18 5 0</inkml:trace>
-  <inkml:trace contextRef="#ctx0" brushRef="#br0" timeOffset="393633">14527 10395 10771,'-22'17'1079,"5"2"-1079,17 13-90,16-2 180,-12-2-90,11 0 0,-4-1 0,3 10 0,-1-12 0,7 10 90,-7-20-90,-1 0 0,5-12 0,-11-1 0,4-2-90,4-22 180,-4 17-180,11-56 180,-10 35-1132,3-35 1042,-6 24 0,-1-1 0,-1 3-89,0-5 89,-3 14 0,2-1 0,-4 19 89,5 3-178,-3 5 1130,6 16-1131,-3-12 180,4 29-90,1-29-539,9 44-721,-3-30-1348,16 24 2608,-10-19 0,8-11 0,-7-1 0</inkml:trace>
-  <inkml:trace contextRef="#ctx0" brushRef="#br0" timeOffset="393853">15088 10051 10411,'-12'-9'630,"9"0"629,-20 7-1169,21 17-90,-8 27 0,10 1 0,8-3 0,0 0 0,-4 6-225,17 4 0,0 0-764,-14 2-136,11-5 1,1-2 45,-9-8 1079,11 16 0,-11-31 0,-2 5 0</inkml:trace>
-  <inkml:trace contextRef="#ctx0" brushRef="#br0" timeOffset="394016">14897 10413 9242,'-20'-16'-90,"1"1"180,9 8 0,2-7-720,31 12 180,13-7-495,-2 8 1,2 2 944,24-1 0,2 0 0,-18 0 0</inkml:trace>
-  <inkml:trace contextRef="#ctx0" brushRef="#br0" timeOffset="394600">15473 10475 9152,'11'0'450,"9"1"-361,-6-1 181,13-15-180,-11-2 90,11-17 0,-13 17-90,4-23-90,-11 26 90,-2-18-90,-4 9 90,-1 9 360,-20-3-450,-2 12 0,-24 1 0,12 4 0,11 15 0,-6-11 90,24 27-180,-25-27 90,27 30 90,-10-11 0,13 18-90,0-10-90,21-4-360,-16-10 0,34-3 0,-35-2-179,35-6 179,-21 2 0,18-8-89,-9 4 269,0-4 180,0 0 270,7-17-90,-9-2 269,4-3 1,-14-11 90,-4 20-90,-3-16 449,-3 0-359,-3 10-180,0-12 0,-2 16-270,0 19 0,0 10 0,15 27 0,-11-11 0,22 12 0,-23-18 0,7 7 539,-1-8-179,-7-9 360,11 3-810,-12-32 90,2-10 90,-3-14-180,0-6 90,0 8 0,0-4-90,21-19-270,-16 15-675,11 10 1,4 1-405,1-1 1439,19-12 0,-9 27 0,0-3 0</inkml:trace>
-  <inkml:trace contextRef="#ctx0" brushRef="#br0" timeOffset="395200">16630 10078 11490,'17'10'-1529,"-4"-8"0,-13 9 0</inkml:trace>
-  <inkml:trace contextRef="#ctx0" brushRef="#br0" timeOffset="395366">16695 10459 12390,'0'3'0,"0"0"0</inkml:trace>
-  <inkml:trace contextRef="#ctx0" brushRef="#br0" timeOffset="396433">17402 10192 9781,'-16'-10'990,"12"4"-810,-29-1 0,28 5-90,-32 0-90,21 1 0,-15 1 0,-3 21 0,11-16 0,-11 33 90,23-13-90,0 10 0,11-3 89,0-9-178,0-2 89,27-10 89,-20 9 1,46-17-180,-16 8 1,11-11-1,-13-11 0,-2-1 0,5 6-497,-12-17 0,-2-4 587,5 4 0,-4-27-390,-4 11 390,-6-5 0,-5-3 0,-5-2 0,-5 14 0,0-2 0,0-19 90,-8 7 0,-4 1 270,-9-7-225,11 19 0,-3 2-45,-20-7-90,29 6-90,-24 5-107,25 4 827,-8 12-630,11 21 0,0 25 0,0 11 90,0 10-135,7-14 0,3 0 309,7 22-264,-7-17 0,0 0 0,14 18 0,-21-1-540,8-21 1,0 1-451,0 16 405,-5-22 1,1 0-2461,7 17 3045,-13-17 0,5 3 0,-6-18 0</inkml:trace>
-  <inkml:trace contextRef="#ctx0" brushRef="#br0" timeOffset="396584">17278 10075 9871,'0'-16'630,"23"-5"-720,-17 5-360,27 1 1,7 3-541,-6-3-959,4 5 0,2 1 1949,10 1 0,0 2 0,1 2 0</inkml:trace>
-  <inkml:trace contextRef="#ctx0" brushRef="#br0" timeOffset="396800">18003 10034 11221,'0'32'90,"0"-5"89,0 9-898,0-9-1530,14 19 810,-11-17 1439,18 6 0,-18-13 0,5-2 0</inkml:trace>
-  <inkml:trace contextRef="#ctx0" brushRef="#br0" timeOffset="396967">17910 9745 8792,'0'-7'-720,"19"2"1,-14 3-1,14 2 1</inkml:trace>
-  <inkml:trace contextRef="#ctx0" brushRef="#br0" timeOffset="397317">18235 10022 9152,'4'16'989,"0"2"-899,-1 0-90,4 10 0,-4-5 90,5 7-90,-4-8 0,0-1 0,1-1 0,0-1 90,0-3-90,-1-2-90,2 1-180,-1-8-809,2 1 899,-1-7-90,3-21 270,-1 15 0,1-38 90,-1 23 0,1-21 0,0 9 270,4-10-180,-6 13 269,6-7-449,-6 24 0,1 2 90,-2 10 0,-1 0-90,1 0 0,5 20 90,-2 6-90,7 24-539,-5-9-1620,8 12 2159,-4-25 0,2 6 0,-2-17 0</inkml:trace>
-  <inkml:trace contextRef="#ctx0" brushRef="#br0" timeOffset="397666">18577 9619 9781,'0'-9'1619,"0"20"-1439,17 14-180,-12 13 0,29 6 90,-30-6-90,12-6 0,3 0 0,4 18 0,-4-7 0,1 0 0,10 4 0,-14-12 0,-2 0 0,3-1-90,3 3-90,-8-20 1,-1-6-1,0-5 0,3-3 180,-3-19 0,6-9-90,-5-9 90,2-5 0,-4 9 0,2 0 90,-2 2 90,2 2 0,-2 13-90,-3-8-90,3 19 89,-3-10 1,4 27-180,-4-11-449,0 31-720,-2-16-181,-1 19-718,0-6 2158,-3 1 0,-1 0 0,0 0 0</inkml:trace>
-  <inkml:trace contextRef="#ctx0" brushRef="#br0" timeOffset="397850">18035 10600 9961,'26'-13'-855,"15"10"1,-36-10 0,15 13-1</inkml:trace>
-  <inkml:trace contextRef="#ctx0" brushRef="#br0" timeOffset="398154">19537 9742 10861,'0'-6'-90,"-20"1"180,4 2-90,-6 23 0,10 6 90,12 14-90,0-4 90,0-7-90,0-1 0,0 1-360,19-1-180,-14-3-179,30-1-361,-31-3-179,27-6 1259,-27-2 0,25-4 0,-11-2 0</inkml:trace>
-  <inkml:trace contextRef="#ctx0" brushRef="#br0" timeOffset="398600">19430 9422 11760,'0'32'450,"0"-5"-270,0 4-90,0-1-90,0 8 0,0 6-1049,0 5 1049,0 3 0,0 3 45,0-17 0,0 1-224,0 21-226,0-22 0,0-1-854,0 12-270,0-6-540,0-3 2069,15-5 0,-11-6 0,10-1 0</inkml:trace>
-  <inkml:trace contextRef="#ctx0" brushRef="#br0" timeOffset="398822">19170 9717 10141,'0'-4'630,"18"-1"-630,11 0 0,9 1 90,28-1-900,-22 3 810,7 1 0,0 0 0,1 1 0,-11 0 0,-1 0 0</inkml:trace>
-  <inkml:trace contextRef="#ctx0" brushRef="#br0" timeOffset="399222">19693 9832 10501,'0'38'90,"0"3"0,15-12-90,-11 0 0,11-9 90,0 0-180,-11-1-180,25-2-90,-26-2-89,23-3-91,-18-4 90,14-3 0,-8-3 360,2-2 0,4-17 90,-5 13 270,8-32 0,-14 9 0,2-9 90,-6-2 0,-3 12-1,1 1-269,-3 2-90,0 5 0,0 2 270,0 4-180,0 39-90,0-1 0,17 36-270,-12-24-989,31 7 629,-16-23-809,19 5 1439,-11-18 0,-1-2 0,-8-7 0</inkml:trace>
-  <inkml:trace contextRef="#ctx0" brushRef="#br0" timeOffset="399866">20200 9839 9062,'-19'19'90,"5"4"90,14 18-270,18-19 90,-13 10-270,32-28 90,-33 22 180,36-23 0,-16 14 0,11-15 0,-6 4 90,-10-6 1259,-9-30-719,-1 5-180,-9-25-1,-17 17-539,-1 7 0,-10 11 270,11 31-180,8 17 0,9 15 0,-1-12 0,2 0 0,14 11 0,-14-4 0,2-1-366,26 5 366,-25 11 0,11-23 90,-4-7-90,-8-3-90,8-2-90,-11-9-809,0-2 719,-19-10-360,14-16 907,-32-9-367,32-24 90,-12 6 0,17-25 0,0 26 0,9 6 0,5 2 0,17-4 45,-3 9 0,2 3-1018,15-1 973,1-5-90,-15 14-107,-3 0 197,-2 2 0,4-3 0,-10 4 90,3-9-90,-13 10 90,-4-6-90,-3 7 1121,-3-2-941,0 1 498,-20-5-678,15 6-180,-32-3 180,33 9 90,-22 0 0,23 25-180,-7 3 180,10 22-90,17-10-989,-13 9 359,32-20-1259,-15 12 714,12-19 1175,-5-2 0,-8-4 0,-1-4 0</inkml:trace>
-  <inkml:trace contextRef="#ctx0" brushRef="#br0" timeOffset="400183">20843 9901 9961,'20'31'90,"10"-14"-90,-26 9 90,23-11 90,-17 10-180,8-12 540,-10-23-360,-5-14 179,-3-9-89,0 0-180,0 9-90,16 2 0,-12-5 180,24 14-90,-25-9-90,22 20 90,-14-5-180,3 26-90,4-14-359,-10 34-361,7-34-269,-3 36-1890,2-13 3059,-6 10 0,1-4 0,-5-13 0</inkml:trace>
-  <inkml:trace contextRef="#ctx0" brushRef="#br0" timeOffset="400403">20582 9521 10141,'20'-17'1259,"8"-5"-989,13 4 0,18-7-270,-18 12 0,0 5 0,1 3 90,0 1-765,-5 1 1,-2 5-855,-7 16 1529,7 1 0,-22 2 0,1-6 0</inkml:trace>
-  <inkml:trace contextRef="#ctx0" brushRef="#br0" timeOffset="400872">21383 9134 10591,'-18'17'-1799,"13"13"1799,-33-4 0,8 11 0,-20 4 0</inkml:trace>
-  <inkml:trace contextRef="#ctx0" brushRef="#br0" timeOffset="403220">21657 9903 9961,'26'0'90,"-1"0"-180,-6 0-989,0 0-810,2 0 1889,1 0 0,1 0 0,2 0 0</inkml:trace>
-  <inkml:trace contextRef="#ctx0" brushRef="#br0" timeOffset="403984">22572 9643 9781,'0'-9'1260,"-17"2"-1260,12 2 180,-25-1-180,27 2 90,-28 1-90,19 2 0,-16 1 0,9 0 0,-1 20 0,0-15 0,0 39 0,4-24 0,-1 38 89,10-20-89,0 27 90,7-27-90,23 18-269,6-29-1548,13 3 557,0-17-269,-8-7 1529,2-3 0,1-3 0,2 0 0</inkml:trace>
-  <inkml:trace contextRef="#ctx0" brushRef="#br0" timeOffset="404590">22798 9236 9512,'-16'-6'1619,"2"18"-1529,14 6-90,15 13 0,-11 2 90,11-2-90,4 5 0,-14 1 0,27 5 0,-29 1-1140,21 1 1140,-21 0 0,17-2 0,-18 0 0,13 13 0,-9-15-207,4 18 207,-4-30-89,-3 4-1,-1-18-180,0-3-1080,-1-4 2255,-1-18-905,0-8 621,17-20-621,-13 7 90,13 0 90,-6 18 90,-8-11-180,8 12 180,-2-4-360,-1 9 270,10 8-180,-4 14 0,3-10 0,8 26 0,-2-8 180,19 15-180,-14-14 0,23 7 0,-20-19-45,3-3 0,0 0 45,2-1 0,-2-16 0,-1-3 0,-7 7 90,11-44 0,-23 30 629,0-37-359,-11 28-270,0-7 0,-3 9-90,0 7 0,0 20 0,0 11 90,13 26-180,-10-8-1799,23 13 810,-7-17-271,-3 6-538,14-13 1888,-18-2 0,10-3 0,-7-2 0</inkml:trace>
-  <inkml:trace contextRef="#ctx0" brushRef="#br0" timeOffset="404772">23453 9377 10591,'-12'-3'-270,"0"1"-2069,5 0 2339,22 18 0,12 1 0,21 17 0</inkml:trace>
-  <inkml:trace contextRef="#ctx0" brushRef="#br0" timeOffset="405133">23985 9571 10501,'-22'-14'1259,"-11"2"-1169,-10 12-90,-12 0 0,26 0 0,-5 18 0,15 1 0,10 18 0,1-8 0,26-2 90,12 1-180,10-9-1298,6 3 1118,-7-15 0,0 2 90,0-8 427,0 2-247,-4-3 90,-3 0-180,4-18 180,-19-4 720,8-22-630,-24 11 270,5-3-181,-6 14-89,0 1-180,-16 9 759,12-6-759,-13 35-967,37 2-3530,4 36 4497,12-6 0,1 1 0,-7-14 0</inkml:trace>
-  <inkml:trace contextRef="#ctx0" brushRef="#br0" timeOffset="406305">24688 9348 10771,'0'26'540,"0"5"-540,0-7 0,14 4 0,-11-6 0,10 1 0,-13-2 0,8 0 0,-6-2 179,5-3 181,-2-2 0,-4-3-180,5-3 450,-3-2-630,-2-3-90,4-18 0,-1 10 180,0-32-90,2 18-90,3-34-360,0 17-1349,10-24 540,-9 27-1890,12-12 3149,-11 25 0,5 3 0,-5 12 0</inkml:trace>
-  <inkml:trace contextRef="#ctx0" brushRef="#br0" timeOffset="406604">25092 9632 9781,'10'0'1440,"6"0"-1350,-5-21-1,13 0 1,-11-4 0,6-7 0,-7 28-90,-1-28 270,-2 20-270,0-13 0,-5 3 270,-1 3-360,-3 2 90,0 3 0,-14 9-90,-6 1 90,-10 20 90,3 4-90,13 21 0,6-10-1169,8 15 179,0-20-179,0 9-360,21-15 1529,-15-3 0,42-2 0,-15-3 0</inkml:trace>
-  <inkml:trace contextRef="#ctx0" brushRef="#br0" timeOffset="406999">25643 9370 10231,'-32'-7'1169,"-23"2"-989,33 2-270,-37 3 90,25 0 90,-14 16-90,24 3 90,4 20-90,13-9-270,26 9-179,12-17-361,26 10 720,-6-22-1103,2 8 1193,-17-16 0,-1 4 0,-4-6 0,4 0 270,-18-20 540,8-1-91,-23-20-449,6 5 180,-31 7-450,18 0 0,-31 19 1103,32-5-1013,-10 29-180,14 23 180,0 5-1178,0 19 998,0-18 90,0 2 90,0 4-868,7-15 0,0 0-211,-3 17-181,3-9 1,0-1-450,-7 1 1619,0 10 0,0-25 0,0-4 0</inkml:trace>
-  <inkml:trace contextRef="#ctx0" brushRef="#br0" timeOffset="407484">25858 9606 10771,'0'-5'809,"0"0"-809,0 3 0,0 0 90,0-1-90,17-1 0,-12-7 90,29 1-180,-18-10 0,4 4 90,5-5 0,-14-4 0,4 4 0,-8-14 0,-7 15 0,0-5 0,0 10-90,0 3 0,0 3 180,0 3-90,0 18 0,0 9 90,0 24-180,0-6 180,0 3-90,0-11 90,18-3-180,-13 0 180,26-5-180,-28-3-269,25-1 179,-8-10 0,14-1 90,-8-8 90,-5-18 90,-11 13-90,0-33 0,-4 20 270,1-31-1,-5 17 181,1-18-360,-3 21-180,0-1 90,0 11 90,0 26-90,0 8-450,0 29-1708,14 5 898,1-9-179,2-3 1439,9-16 0,-22-2 0,10-2 0</inkml:trace>
-  <inkml:trace contextRef="#ctx0" brushRef="#br0" timeOffset="407783">26437 9552 10051,'0'-10'720,"4"-4"-540,4 3-180,3-1 180,3-2-270,1 6 90,0-1 90,3 0-90,10-3 180,-9 2-180,14-4 0,-20 5 0,5-2 0,-13 3-90,-1-7 90,-25 7 90,-1-5-90,-3 9 0,-10 0 0,13 3 0,-11 15 0,13 3 0,3 19 89,15-7-89,-5 14-539,26-17-1620,5 16 900,-1-20 1259,20 3 0,-23-13 0,21-2 0</inkml:trace>
-  <inkml:trace contextRef="#ctx0" brushRef="#br0" timeOffset="408066">26805 9324 10411,'-20'-10'180,"-9"-1"-90,27 5 90,-19 1-180,19 20 90,13-11-90,-6 31 0,35-9 0,-11 10 0,-4-11 0,1 0-879,16 8 879,-3 8 0,-17-11-387,-9-3 927,7-2-278,-13 3-262,5-9 90,-7 5-90,-5-14 392,-21-1-2551,-3-6 153,-23-2 2006,4-20 0,17 14 0,7-15 0</inkml:trace>
-  <inkml:trace contextRef="#ctx0" brushRef="#br0" timeOffset="408266">27120 9167 10591,'14'-1'1079,"-3"0"-1079,-3 1 90,-4 15-90,-1-11 0,-1 28 0,0-16 90,3 48-90,-2-26-765,1 2 1,0-1-45,1-1-1620,7 20 2429,-5-29 0,3 3 0,-2-14 0</inkml:trace>
-  <inkml:trace contextRef="#ctx0" brushRef="#br0" timeOffset="408400">27087 9345 9871,'23'-10'90,"6"5"-899,14 0-630,1 5 1439,-9 0 0,2 0 0,2 0 0</inkml:trace>
-  <inkml:trace contextRef="#ctx0" brushRef="#br0" timeOffset="409370">27902 9197 10051,'0'29'900,"0"3"-810,0 3 180,0-4-181,0 1 91,0-9 0,0 0-90,0-4-90,17-1 0,-12-4 180,31-5-180,-10-3 90,11-5-90,12-22 0,-20 15-135,-5-21 0,-3-4-225,2 9-179,2-32-1170,-13 11 629,-6 11 1080,-3-16 0,-3 26 0,0-4 0</inkml:trace>
-  <inkml:trace contextRef="#ctx0" brushRef="#br0" timeOffset="409683">28397 9436 10591,'4'-16'989,"1"-17"-809,1 28 90,0-29-270,-1 15-90,-3-15 90,0 10 90,-2 2 0,0 10-180,-17 2 90,12 1 0,-29 6 0,14 15 0,-1 12 90,-4 7-90,23 6 0,-6-8-809,8 16-181,21-10-1618,8 17 662,13-24 1727,2 2 1,-8-15 0,2-2 0</inkml:trace>
-  <inkml:trace contextRef="#ctx0" brushRef="#br0" timeOffset="410220">28272 9054 10141,'25'-13'1170,"-6"0"-721,35-4-179,-22 4 90,17-3-360,-23 9 0,4 2 0,-14 4 90,-3 1-90,0 0-90,-3 0 90,-1 0-540,-3 14-1619,1-10 2159,-4 22 0,1-11 0,-4 13 0</inkml:trace>
-  <inkml:trace contextRef="#ctx0" brushRef="#br0" timeOffset="410367">28572 8910 10591,'20'-11'270,"0"-3"-180,19 11-90,-4-6-1889,19 6 0,-10 0 1750,15 3 1,-18 0 0,-2 0 0</inkml:trace>
-  <inkml:trace contextRef="#ctx0" brushRef="#br0" timeOffset="410900">29572 9156 11041,'-20'-13'899,"-12"2"-719,27 4 0,-26 0-270,11 4 180,-14 1-90,8 2-90,-2 18 270,19 3-360,-4 19-270,13-8-89,-2-1-271,20-9-179,-13-1-1,33-3-1618,-6-1 2608,9-2 0,5-7 0,-13-2 0</inkml:trace>
-  <inkml:trace contextRef="#ctx0" brushRef="#br0" timeOffset="411250">29740 9212 10771,'-19'-13'1079,"-10"5"-1079,25 21 90,-9 6-90,26 2-90,-9 11 180,20-28-90,-21 28-270,32-16 180,-20 1-90,25 1 91,-21-16-1,9 3 90,-15-5-90,4-18 180,-13-1 89,-1-20 181,-23 5-360,15 2 0,-32 14-90,32-1 270,-13 35-630,33-2-269,-11 27-1260,23 0 720,-8-7 1259,7-5 0,2-11 0,-5-2 0</inkml:trace>
-  <inkml:trace contextRef="#ctx0" brushRef="#br0" timeOffset="411434">30222 9225 10681,'-25'-5'899,"-9"4"-899,20-4 90,-2 20-809,6 2-1620,28 18 720,6-6 1619,11-9 0,1-8 0,-7-12 0</inkml:trace>
-  <inkml:trace contextRef="#ctx0" brushRef="#br0" timeOffset="411616">30258 8713 10411,'-17'15'-540,"3"-12"-359,4 34-450,6-17 1349,0 23 0,3-8 0,0 4 0</inkml:trace>
-  <inkml:trace contextRef="#ctx0" brushRef="#br0" timeOffset="411899">30780 9144 11580,'-17'-17'0,"13"2"0,-32 4 90,32 2-90,-34 3 0,16 2 90,-9 1-90,5 21 0,7 8 0,9 9 0,0 2-989,10 2 269,0-9-1169,24 16 540,6-24 1191,13-3 0,-2-4 1,-10-5-1</inkml:trace>
-  <inkml:trace contextRef="#ctx0" brushRef="#br0" timeOffset="412133">30892 9193 10861,'-39'-19'539,"3"4"-449,4 8 0,15 19-90,6 4 0,31 16 0,3-3-269,21-2 269,-6-2-360,-4-12-2519,-16-1 2879,-7-25 0,-34 0 0,-6-17 0</inkml:trace>
-  <inkml:trace contextRef="#ctx0" brushRef="#br0" timeOffset="413033">31068 9194 10681,'9'17'540,"-1"-2"-540,-5 5 90,1 15-90,-2-21 0,0 20 0,0-16 0,-1 0 0,1-4 89,-1 3-268,0-8-1351,-1 0 1441,0-23 89,0-3 0,0-24 179,0-1-179,0 7 360,0-4 90,0 17-360,13 5-90,-10 23-90,21 13-540,-13-1-89,9 18-1710,0-11 2429,-3 9 0,3-11 0,-3-13 0</inkml:trace>
-  <inkml:trace contextRef="#ctx0" brushRef="#br0" timeOffset="413282">31455 8968 10411,'0'-8'1079,"0"3"-809,0 18-270,0 10 0,18 10 0,-14 5 0,14-7 0,-3 3 0,-11 17 90,23-11-90,-24 8 0,17-15-180,-18-3-179,5-2-271,-1-5-270,-4-1 1,4-6-810,-6 0 360,0-8 1349,-22-1 0,17-6 0,-17-1 0</inkml:trace>
-  <inkml:trace contextRef="#ctx0" brushRef="#br0" timeOffset="413566">31392 9134 9152,'23'-18'450,"29"-3"-361,-30 7 181,41 0 0,-31 9-180,23 3-90,-23 2 0,8 18 90,-11-13-180,-5 30 90,2-31 0,3 31 0,-9-12 90,7 17 0,-16-10 270,2-1-360,-10-14 0,-14-3-90,7-43 90,-11 3-450,15-22-809,0 20-810,0 4 2069,0 4 0,15 5 0,4 7 0</inkml:trace>
-  <inkml:trace contextRef="#ctx0" brushRef="#br0" timeOffset="414399">32168 9233 11760,'-22'-12'450,"-17"9"-450,18-20 0,-16 21 0,11-8 0,13 26 0,5 1 0,8 16-90,21-3 90,2-5 0,20-9-360,-7-8-89,-7-8 89,-13-15 180,-8-5-90,-8-17-360,-15-1 271,-7 3 359,2 8 0,22 12 90,23 22 179,23-3-179,-11 10 90,-1-5-180,-13-6 90,-2 6 90,-1-9-90,2 0 0,-7-16 0,5-6 0,-13 1 90,0-22-180,-6 22 270,-1-22-91,0 8 181,0-17-180,0 11-815,-16-11 725,13 17 90,-13 4-180,16 4-90,-13-3 90,9 12 0,-16 1 90,18 27-180,-6 15 180,8 29-90,0-3 45,7-11 0,0 0-661,-3 12 616,9-18 0,1-1-568,2 29 568,1-17-166,2-13 0,0-1 76,-3-1 0,12-9 0,2-4 90,-4-5 0,23-1 0,-27-25-220,3 10 220,-11-30 90,-3 17-180,-5-18 0,-1-11 180,-3 9-45,0 1 0,-4 0 45,-18-8 89,15-17 1,-15 20 90,1 2-270,14 2 1352,-14 4-1442,5 5 90,10 6 625,-10 3-535,7 9 316,5 23-406,-5 15 169,7 15-169,0 23 90,0-20-1205,0 17 1025,0-19-180,18-1-270,-13-4-899,26 13 360,-15-17-443,0 6 443,12-19-352,-16-5 1431,12-4 0,-9-5 0,0-2 0</inkml:trace>
-  <inkml:trace contextRef="#ctx0" brushRef="#br0" timeOffset="414755">32762 9146 10501,'0'-19'360,"0"2"-360,0 6 0,19 4 90,-14 3-90,31 2 0,-13 2 0,18-1 0,-8 0 90,2-1-90,-16-1 0,1 0 0,-9-2 0,-4 0 0,-1-4 180,-4-6-90,-1 1-1,-1-4 181,0 3-90,-16 1 0,13 0 0,-25-3-180,25 5 0,-9 0-90,12 7 180,-9 2-180,6 21 180,-6 1-90,26 34 0,-12-18 0,29 18-180,-17-26-1979,23 19 1440,-16-25-361,11 10 361,-22-22-720,4-1 1439,-10-6 0,-1-2 0,-3 0 0</inkml:trace>
-  <inkml:trace contextRef="#ctx0" brushRef="#br0" timeOffset="415034">33155 9124 10411,'0'-34'1349,"0"4"-1439,0 7 360,0 9-270,0 22 90,0 7-90,14 19 0,-10 0-90,19-7 180,-20 5-90,12-21 180,-14 10-270,4-15 90,-2 3 0,0-6 0,2-20 0,0 13 0,1-34 0,9 6 0,-2-10 0,2 10 0,0 2-90,8-8-924,10-11 1014,-6 19 0,1 2-269,0 5-1081,12 1 361,-12 10-630,7 2 1619,-16 9 0,-4 1 0,-3 0 0</inkml:trace>
-  <inkml:trace contextRef="#ctx0" brushRef="#br0" timeOffset="415836">28232 10217 10861,'0'49'90,"0"-10"0,-11 5-90,8 11 0,-8-12 90,6-6 0,2 1-90,0 2 0,-5 10 90,8-14-1,0-12 91,-3 2-270,2-17 180,-4-2-359,3-26 269,-1-9 0,1-14-270,2-24 270,0 17 0,9 3 0,1 0-90,-5-10 90,11 9 0,3 2-797,6-3 707,8-9 90,2 28 90,-11 5 103,-2 9-103,6 6 0,-10 6 270,4 22-360,-13-14 90,-3 34-180,-4-11 180,-2 9-90,-19 0 0,14-14-899,-31-2-1287,15 1 2186,-13-11 0,2 0 0,4-11 0</inkml:trace>
-  <inkml:trace contextRef="#ctx0" brushRef="#br0" timeOffset="416516">28647 9978 10231,'5'19'1080,"-3"17"-811,1-18-89,-1 18-90,-1-8 0,1 0-90,0 15 0,1-9 0,2 23 90,-2-23-180,6 19 180,-4-25-180,3 6-180,-1-17-359,0-1 179,1-6-360,6-3 631,-3-3 268,12-18-89,-7 10 0,10-25 90,-9 5 360,4-13-90,-10 13-90,1-6-180,-6 26-180,-1-17 180,-2 19-90,0-6 0,-1 8 0,2 0 0,-1 20 90,4 4-90,0 0 90,2 17-90,2-26 0,-1 18-360,2-12-720,7-3 451,-4 0-91,14-9 360,-11-1 181,4-8 89,-7-15 180,-1 12 719,6-49-449,-10 32 629,4-40-449,-12 37-450,0-6-90,-2 9 0,0 25 0,0 3 0,0 27-180,17-16-90,-12 11-90,27-27 270,-29 20 1,26-21-1,-11 7 180,8-9 359,1 0 1,-10-19 719,1 1-899,-10-4-450,-2-4 180,-6 14 0,1-4-90,1 22-539,0-2-271,3 27-269,-1-26-360,3 31 1529,0-21 0,2 18 0,1-10 0</inkml:trace>
-  <inkml:trace contextRef="#ctx0" brushRef="#br0" timeOffset="416705">29135 9980 10861,'0'-10'0,"25"3"-720,11 3 1,14 2-1060,3 1 70,-9 1 1709,1 15 0,1-11 0,-2 10 0</inkml:trace>
-  <inkml:trace contextRef="#ctx0" brushRef="#br0" timeOffset="417285">29753 10033 10861,'0'-16'1169,"0"2"-899,0 2-180,0-1-90,0 6 180,14 19-270,-10 17 90,10 13 45,-8-8 0,-2 2-45,-2 13 0,3-3 0,0 0 0,-1 9 0,-3-11 0,-1-2 0,5 1-360,-2 16 180,-3-36-90,4-1-449,-3-16-631,1-4 991,0-20 269,1 13 0,1-46 90,0 31 0,3-30 0,1 21 0,0-1 0,3 2 270,-1 3 179,1 3-269,0 5-90,5 8-90,-5 3 90,9 6-180,-11 20 180,9 9-360,-8 11-765,2-6 1,1 0-45,3-1 1079,0 0 0,1-3 0,4-8 0,6 5 0</inkml:trace>
-  <inkml:trace contextRef="#ctx0" brushRef="#br0" timeOffset="417584">30288 10328 10321,'-22'-21'990,"17"1"-901,-37 5-178,37 0 89,-33 5 0,17 4 89,-12 3-89,15 18 90,7 8-180,11 18 90,26 5-179,-19-9-648,44-4 827,-32-14 90,24-9-180,-12 6 270,11-14-180,-14 7 0,8-9 0,-17 0 90,-8-19-90,-2-1 736,-9-19-825,-22 19-1,16-12-1260,-36 17 721,18-3 629,-15-2 0,16 19 0,9-7 0</inkml:trace>
-  <inkml:trace contextRef="#ctx0" brushRef="#br0" timeOffset="418008">30488 10374 10591,'9'2'809,"-4"0"-809,1 2 180,-4-1-180,1 2 0,-3 7 90,0-1 0,0 26-90,0-13 0,0 28 0,0-24 0,0 19 0,12-20 0,-9 4 0,9-13 90,-12-4 0,0-3-450,7-3 360,-6-21 0,6-9 0,-7-12-90,0-23 90,0 17 0,4-18 0,-2 24 0,2 0 0,3-18 135,-1 8 0,0 1-135,2-3 0,6-17 180,-7 36 270,8 1-450,-7 19 0,10 21 0,-9-9 90,9 29-180,-8-9 90,2 16-180,-5-6-1979,-3 1 0,-1-13 2159,-23 0 0,-6-12 0,-20-5 0</inkml:trace>
-  <inkml:trace contextRef="#ctx0" brushRef="#br0" timeOffset="418183">30028 10090 10501,'44'0'360,"1"16"-1799,-3 5-1,-6 20-718,-17-5 2158,-8 3 0,-11-7 0,0 1 0</inkml:trace>
-  <inkml:trace contextRef="#ctx0" brushRef="#br0" timeOffset="418320">30155 10858 11580,'14'11'720,"-10"-1"-720,22-4-360,-23-1-2428,22-3 2788,-13 0 0,11-19 0,-3-5 0</inkml:trace>
-  <inkml:trace contextRef="#ctx0" brushRef="#br0" timeOffset="418489">31152 10528 13199,'20'-8'-3508,"-2"-1"3508,-5 0 0,-6-2 0,-4 0 0</inkml:trace>
-  <inkml:trace contextRef="#ctx0" brushRef="#br1" timeOffset="442605">28259 12334 24575,'0'0'0</inkml:trace>
-  <inkml:trace contextRef="#ctx0" brushRef="#br0" timeOffset="451416">9792 3048 7803,'22'-2'269,"-3"9"-269,-3-4 90,-5 14 0,0-15 0,-4 14-90,2-15 0,-2 16 0,1-9 360,1 15-360,-1-7 0,0 6 90,-3-5-90,0 2 0,-2 0 0,0 2 0,0 0 0,-2 2 90,0 12-90,-1-8 0,0 22 180,0-20-90,0 8 0,-16-10-90,12-3 0,-12 2 90,-1 11 0,-2-9-90,-17 21 90,9-22-648,-2 8 558,9-12 0,-2-1 90,0-2-325,1 0 235,-3-1 0,0 1 0,-13 6 90,7-5-90,-18 11 90,18-14-180,-19 13 90,20-13 0,-9 4 0,10-6 0,1-1 0,-3 1 90,-15 7-90,9-7 0,3-2 0,-1 0-90,-8 2-814,-16 6 994,13-5-90,-5-1 0,-1 3-90,-4-2 90,-2 3 90,-2 0-90,15-5 0,0 0 0,10-4 0,-2 0 0,-22 8 0,0-1 0,23-7 0,2 0 0,-11 3 0,1-1 0,-16 6 90,0-2-90,2 0 180,17-7 0,0 0 0,-22 7-135,12-5 0,-1-1-45,-8 2 0,21-5 0,1-1 90,-14 2 311,1 0-86,6-4 0,-1 0-405,-10 3 135,6-3 0,3-1-135,7 0 315,-16-1-225,28-1 0,-10-1 0,19-1 1070,1 0-1160,5 0 90,6 0 0,0 0 0,5 0 0,0 0 0</inkml:trace>
-  <inkml:trace contextRef="#ctx0" brushRef="#br0" timeOffset="451900">7497 4266 8972,'3'-4'719,"0"1"-539,-1 3 0,0-1 450,0 1-720,-1 13 180,-20 4-180,-4 9 180,-2 0-180,-29 7 180,32-5-90,-10-2 0,-2-1-360,1 7 450,-9 10-180,13-12 90,2-1 0,1-1 0,-3 5 0,10-11-90,-3 10 90,15-17 90,1 7 0,5-10 90,1 3 0,0-1-270,18-3 90,-14 7 0,30-7 0,-18 6 90,3-6-900,24 12 91,-25-11-1440,39 12 2159,-28-13 0,12 6 0,-10-6 0</inkml:trace>
-  <inkml:trace contextRef="#ctx0" brushRef="#br0" timeOffset="454344">6538 4081 7353,'0'-5'270,"0"0"179,0 1-269,0 20-180,0-1 90,0 15 90,0 11-90,0-9 0,0 34-90,-14-20-511,10 19 601,-11-14 0,15 2-90,0 3 90,0-14 0,0 0 0,0 24-45,0-9 0,0-1-915,0 9 870,0-21 0,0-1 0,0 14 89,0 1-89,0-2 90,0-1-90,0-3 0,0 0 45,0-17 0,0 0 45,0 17-90,0-10 0,0-1 0,0 4-169,0-8 0,0-1 259,0 4-90,0 10 0,0-18-160,0-3 160,0 0 0,0 6 0,0-10 0,0 10 0,0-16 529,0 0-529,0-6 865,0-4-865,0 1 473,0-1-563,-9-1-167,7-1-643,-7 3 450,9-4-629,0 4 1079,0-8 0,0 2 0,0-3 0</inkml:trace>
-  <inkml:trace contextRef="#ctx0" brushRef="#br0" timeOffset="455283">6713 3946 7892,'-12'13'360,"3"4"-360,2 10 90,5 3 270,-8 18-270,5-5-2126,2 0 0,0 1 2126,-1 19-45,3-21 0,1 1 213,0-8 0,0-2-78,-1 2 0,0 0-180,1 0 0,0 2 90,-1 16 0,0 0-90,1-12 0,0 0 120,0 3 0,0 4 0,0-4-380,0-3 0,0-2 260,0 11 0,0 0 0,0-16 0,0-1 90,0 34 0,0-2-90,0-1 0,0 0 90,0-2 90,1-19 0,-2 1-90,-11 21-45,11-11 0,0-2-45,-11 8 45,11-12 0,2 0-45,-1 7 0,0-21 0,0-1 0,0 14 0,0-5 0,0 0 90,0 12-180,0-12 90,0 21 0,0-28 2830,0 8-2830,0-5 0,0-10 90,0 13-90,0-20 578,0 10-578,0-17 1117,0 6-1117,0-10 0,0 1 179,0-6-3327,0-1 1979,-13-15 1169,3-5 0,-10-12 0,6 1 0</inkml:trace>
-  <inkml:trace contextRef="#ctx0" brushRef="#br0" timeOffset="466653">8328 4860 9062,'0'-7'989,"0"0"-719,0 1-180,0-1 0,0 0-90,0 0 0,0 1 90,0 1 0,0 1-90,0 18-90,0 6 180,0 11 0,-18 2-180,13-4 180,-33 3-90,34 1-90,-33 0 180,32-3-180,-30-1 180,31-5-90,-25-2 0,26-4-180,-18-2 180,19-3 0,-11-1 0,12-4 0,-6 0 180,26-6-180,3 1 0,15-3 90,0-16-90,13-1-90,-12-2-180,-3 6 0,0 0-180,5-5-1037,13 1 1127,-19-9 0,-2 24-146,-5-17 147,-3 17-1,-4-9 0,-4 10 360,-2-5 0,-7 5 0,-1-1 0</inkml:trace>
-  <inkml:trace contextRef="#ctx0" brushRef="#br0" timeOffset="466865">8462 4903 8522,'-5'15'990,"1"3"-900,4 12-1,0-1 1,0 1 0,0 3-1169,0 4-1260,0 4 2181,0 2 0,0 5 0,0 2 0</inkml:trace>
-  <inkml:trace contextRef="#ctx0" brushRef="#br0" timeOffset="472600">9528 4053 6813,'25'0'360,"-3"0"-360,-5 10 180,-5-7-90,0 7-90,-2-4 0,0-5 0,1 11 0,0-11 90,-1 10-90,1-7 0,-1 7 0,1-4 0,0 1 0,-1 2 0,7 5 0,-4-2 90,11 14-180,-8-9 180,3 8 0,-4-4-90,0 0 0,0 4 90,5 12-90,-4-7 0,2 10 0,-5-12 0,-2 1 89,5 12-178,-5-9 178,4 8-89,0 0 0,-4-11 0,9 21 0,-10-23 0,5 9 90,-7-12-90,1 1 180,6 24-90,-6-16 0,4 28-90,-9-32 90,0 18-90,-3-20 90,0 6-90,-1-10 0,0-2 0,0 2 0,0-2 90,0 2 0,-13-1-90,10 12 90,-9-8-90,-1 19 0,3-20 0,-5 9 0,0-12 90,13 0-180,-12-1 180,9-2-180,-6 0 180,2 0-180,-4 9 180,3-7-90,-10 14 270,9-15-270,-6 6 90,0 1-90,1-5 90,-11 16-90,8-13 90,-14 17-90,12-17 0,-13 16 0,12-18 90,-18 23-180,17-22 90,-18 23 90,19-26-90,-14 18-90,14-16 90,-16 16 90,14-16-90,-6 6 0,-1 1 0,9-7 0,-20 15-90,18-15 90,-20 14 90,16-14-773,-10 4 683,9-6 0,-4-1 0,2 0-90,-23 11 180,13-8-90,3-2 0,-1-1 0,-10 5 0,7-4 0,0-1-90,-10 5 135,20-10 0,0 0 45,-13 5-90,3 1-90,0-2-202,-11 7 202,13-7 90,-8 4 0,17-7 0,4 0 0,-1-1 0,2 0 90,0 0-90,0 0-90,-11 8 90,9-5 90,-21 14-180,20-13 180,-24 17-90,20-16 0,-3 3 0,-2 0-90,-3 1 90,1 0 0,-1 0 90,1-1-90,5-5 0,0 1-90,-5 3-874,-13 5 964,18-10 0,1 1 166,4-3-166,0 1 0,3-3 0,0 1 211,-6 4-211,10-5 0,-14 8 0,17-11 0,-12 11-90,14-10 180,-8 6-90,8-5-10,-2 0 10,1 2 996,-13 7-996,9-4 0,-22 14 0,17-14 0,-9 7-90,9-9 656,1 1-566,-1 0 0,-11 10 0,8-7 0,-20 16-90,21-16 180,-23 15-90,22-15-45,-1-1 0,-1 0 135,-2 0-90,3-2 0,0 0-90,3-1 358,-18 9-268,23-11 12,-16 10-12,19-10 90,-6 3-270,3-1 270,5-4-90,-13 9 0,15-8 0,-14 8 0,14-7 0,-5 1 90,6-4-90,1-1-90,0 0 180,-5 2-180,4-3 90,-9 7 0,10-10 0,-2 5 0,6-6 0,-1 1 0,2 0 0,-4 0 90,5 0-180,-5 2 90,7-3 90,-4 2-180,7-5 90,-1 1 0,3-2 0,0 0 0,0-1 0,0 2-990,2-1 1,0 1 359,0 1 630,0-1 0,0 0 0,0 0 0</inkml:trace>
-  <inkml:trace contextRef="#ctx0" brushRef="#br0" timeOffset="473067">6188 7990 7623,'0'-10'359,"0"-4"-269,0 3 180,12-6-180,-9 9 540,9-2-540,-12 7-90,0 12 90,-27 6-180,21 13 180,-34-13-90,36 14-90,-22-16 180,22 12-180,-19 2 90,13-7 90,-9 14-90,8-14 0,3 5 0,5-6 0,1-2 0,1 2 0,1-1 0,-1 0 0,1 0 0,0 7 90,15-6-90,-11 6 0,10-10 0,5 0-360,-15 0-270,34-1 1,-23 0-181,17-2 810,-7 0 0,2 0 0,2-1 0</inkml:trace>
-  <inkml:trace contextRef="#ctx0" brushRef="#br0" timeOffset="477302">9223 7055 8522,'-5'0'450,"0"0"-90,0-6-180,-1 4 89,0-4-179,1 2-90,0 3 0,0-4-90,2 4 90,-1-1 0,1 2 0,0 0 0,2 15 0,0 6 0,0 9 0,1-1 90,21-15-180,-16 3 90,31-9 0,-13 5 0,19-1 0,-8-4 0,0 2 90,-4-2-90,-8 0-90,11 3 180,-17-5-90,2 2 0,-9-2 0,-3 0 90,-2-3-90,-1 2 0,-18-4 0,-6 1 0</inkml:trace>
-  <inkml:trace contextRef="#ctx0" brushRef="#br0" timeOffset="477469">9215 6905 8432,'0'-9'90,"18"-1"-90,-14-1 0,31-1 90,-31 0-90,34 1 90,-22-1-900,20 3 810,3-4 0,-8 7 0,8-2 0</inkml:trace>
+  <inkml:trace contextRef="#ctx0" brushRef="#br0" timeOffset="-203789.73">12280 2503 7083,'0'-16'450,"13"6"1888,-10 3-2338,25 6 0,-11-1 90,20 2-90,-9 0 0,3-13-359,-8 10-181,0-9-90,0 12 1,-1 0-271,0 0 900,0 0 0,-4 0 0,0 0 0</inkml:trace>
+  <inkml:trace contextRef="#ctx0" brushRef="#br0" timeOffset="-203375.73">12310 2637 8162,'19'12'1170,"10"-9"-1170,-26 19 90,17-8-90,-10 6 0,10 16 90,-3-10-90,-1 14 90,-4-8-90,1 4-150,1 1 150,1 2-629,-2 1-271,2 1 900,8 14 0,-4-12 0,6 12 0</inkml:trace>
+  <inkml:trace contextRef="#ctx0" brushRef="#br0" timeOffset="-202408.73">13235 3379 8432,'-34'0'630,"6"0"-540,-2 20-90,4-15 0,0 31 0,-1-22 0,3 18 0,2-8 0,2 14 0,9-10 90,2 8-180,9-14 180,0-2-90,18-3 90,-13-2-90,33-4 0,-33-3 90,54-5-90,-36-2 0,9-9 0,2-3 0,-4 6 0,15-33 0,-31 13 90,11-10 89,-22 1-89,5 11 90,-8 0 270,0-3-450,0 6-270,-19-1 360,15 12 0,-15 19 0,40 5-90,-16 20-180,30-17-539,-32 15-181,28-29-179,-27 27-712,28-28 1791,-18 23 0,14-23 0,-8 8 0</inkml:trace>
+  <inkml:trace contextRef="#ctx0" brushRef="#br0" timeOffset="-201962.73">13635 3154 9512,'-16'20'269,"4"3"-269,12 13 0,0-3 0,0-4 90,0 2-90,0 1 0,17 16 0,-12-13 90,13 25 0,-6-27 0,-10 20 0,10-30-90,-12 3-1709,0-19 1619,0-35 0,0-10 90,0-10-90,16-4 90,3 26 0,16 5 180,-1 10 180,-3 11-270,-13 17 90,5-13 0,-21 31 0,13-14-90,-14 16-90,4-7 0,-5-4 0,-22-10-630,-1 2-899,-21-6 1529,5-1 0,7-8 0,2-3 0</inkml:trace>
+  <inkml:trace contextRef="#ctx0" brushRef="#br0" timeOffset="-201645.73">14143 3324 9332,'-23'17'449,"17"11"-449,-35-25 0,37 23 0,-30-24 0,29 24-90,-24-16 180,27 14 0,-10-7-90,12 0 0,0 0 90,0 4-90,21-5 90,6 4-180,0-10 180,17 0 0,-19-6-90,17-1 0,-12-3-90,-14-17-180,-8 2-179,-8-17-91,-16 17-719,12-8 1259,-26 14 0,26-4 0,-11 7 0</inkml:trace>
+  <inkml:trace contextRef="#ctx0" brushRef="#br0" timeOffset="-201254.73">14467 3419 9602,'0'8'179,"0"5"-179,0 22 90,0 1-90,0-6-90,16-11 90,-12 1 0,12-10-269,-5 3 179,1-6 90,10-7 0,0-19 0,-5-5 0,3-18 90,-8 19-180,0-9 90,-6 28 0,-1-17 449,-2 20-539,0-6 180,0 7-90,-1 18 0,2-13 90,6 44-90,0-31 0,5 27-180,-1-21-269,3-2-271,2-2-1169,15-1 1889,-5-10 0,10-1 0,-8-8 0</inkml:trace>
+  <inkml:trace contextRef="#ctx0" brushRef="#br0" timeOffset="-200895.73">15095 3234 9422,'-25'-20'539,"-10"6"-269,31-1-180,-20 11 0,22 18-90,-8 10 0,10 11 90,19 14 0,-14-16-90,28 24 0,-18-25-450,11 16 0,-13-25 91,1 5-1,-13-14-180,5-3-89,-6-4-181,0-2 810,-16-3 630,-5-17-271,-22-1 181,10-19-270,-12 19 0,30-16 90,-17 20-450,21-18 180,-4 11 0,7 1-270,31 9-630,7 5-359,14 4 1169,0 0 0,-9 0 0,1 0 0</inkml:trace>
+  <inkml:trace contextRef="#ctx0" brushRef="#br0" timeOffset="-200643.73">15510 3119 9152,'-35'0'629,"7"18"-629,-1 6 0,13 11 0,-2 0 0,9-4 90,1 2 0,5 3-90,1 0-989,19 13 269,-13-12 720,13-8 0,4-3 0,12 1 0,23 6 0</inkml:trace>
+  <inkml:trace contextRef="#ctx0" brushRef="#br0" timeOffset="-200423.73">15752 3054 9422,'44'34'629,"1"6"-539,-23-6-1424,14 3 1424,-32-6-90,11 1 337,-15 4-1506,0 1-180,0 4 1336,0 0 0,-31 2 0,-8-1 1</inkml:trace>
+  <inkml:trace contextRef="#ctx0" brushRef="#br0" timeOffset="-199596.73">12350 2961 7623,'-7'12'629,"1"3"-539,2 0 270,3 9-90,-3-13-90,4 14-90,0-3 90,0 4 0,0 5 179,0 18-269,0-7-552,14 15 552,-10-13 0,10 3 270,2 0-360,-12 3 0,27 1 90,-18 1-45,5-13 0,1-1-45,7 21 89,-1-9 1,1-1-90,7 8-439,-11-20 0,2 0 349,10 11 180,0 1-90,2-3 0,-13-15 0,1 1-810,9 16 315,-11-18 1,-2-1-766,5 7-859,-3-3 2119,-1-4 0,-4-4 0,-2-2 0</inkml:trace>
+  <inkml:trace contextRef="#ctx0" brushRef="#br0" timeOffset="-197495.73">13352 4661 8882,'0'-4'450,"0"-1"-270,0 1-90,0 0-1,0 0-89,-14 2 0,-2 0 0,-13 23 0,0 3 90,7 2-180,1 14 90,9-24 0,2 19 0,6-11 0,1-2 90,3-4 0,0 3 0,20-6 0,1-3-90,25-26 0,-14 9 0,5-36 0,3 4 0,-11-11 0,-6 12 0,-1 0-371,-1-9 371,2-15 540,-11 3-180,-7 15 0,-1-24-270,-4 34-90,0-10-90,0 26 180,-14 3-90,10 25 0,-10 13 0,14 27 0,0-5-1019,0 7 1109,0-12-629,0-1-541,0 0-1177,21 13 908,-16-13 1317,30 9 0,-32-20 0,11-1 0</inkml:trace>
+  <inkml:trace contextRef="#ctx0" brushRef="#br0" timeOffset="-197179.73">13763 4863 9602,'7'-5'359,"0"4"-359,4-16 0,-2 9 90,10-18-90,-7 11 0,4-5 90,-6 5-90,-1 0 0,-2 0 90,-3-6-90,-1 7 0,-3-12 180,0 13 90,-20-3-360,1 9 90,-20 3 0,7 17 90,4 5-90,12 18 0,6 2-90,10 3-540,21-9-269,-16-6-1080,55-11 1979,-34-4 0,35-4 0,-22-3 0</inkml:trace>
+  <inkml:trace contextRef="#ctx0" brushRef="#br0" timeOffset="-196929.73">14238 4443 9691,'-17'-13'1170,"-1"3"-1260,-3 1 180,-4 6-90,22 16 90,-8 11-90,11 8 0,16 23 0,-12-18-29,29 16-61,-28-14 1,25-1-361,-27-1 0,21-1-270,-21-3 91,17-1-361,-13 7 451,3-12-814,-5 9 1353,-5-21 0,0-1 0,0-10 0</inkml:trace>
+  <inkml:trace contextRef="#ctx0" brushRef="#br0" timeOffset="-196822.73">14178 4722 7623,'0'-35'0,"0"-13"0,0 15 0,17-14 0,2 26-360,2 1 360,11 13 0,-8 4 0,17 3 0</inkml:trace>
+  <inkml:trace contextRef="#ctx0" brushRef="#br0" timeOffset="-196280.73">14703 4720 8792,'-22'6'180,"4"-1"-270,-2 2 90,3 1 0,-6 1 0,-2 5 0,22-3 90,-9 6-180,12-6 180,0 4-90,0-2 90,0 1-180,17-1-180,-12-2 0,29-1 90,-9-6 0,18 0 180,-6-4 0,-3-15 270,-7-2 90,-5-17 180,-1 0-180,-11 0-360,-6 3-180,-4 10 270,0 24-90,0 10 0,0 22 90,20 0-270,4-4-90,23-12 270,-13-9 0,10-10 0,-20 0 0,5 0 0,-14-19 90,-4 14 90,-3-31 359,-4 13 1,-3-16-540,-1 3-90,0 8 90,-14 13 90,10 28 0,6 25-270,2 2-720,11-10 1,3-1-450,0-2 1349,1 5 0,9-20 0,-10-4 0</inkml:trace>
+  <inkml:trace contextRef="#ctx0" brushRef="#br0" timeOffset="-196107.73">15250 4540 8342,'0'0'0</inkml:trace>
+  <inkml:trace contextRef="#ctx0" brushRef="#br0" timeOffset="-195643.73">15410 4930 9422,'0'-32'449,"0"3"-449,19-1 0,-15 0 90,15-3 0,-1-2-180,-3-20 180,6 12-45,-10 6 0,-4 0 45,-5-7 180,2 7 0,-1 0-90,-3-6-890,0-11 980,0 20-46,0 4-224,0 5 0,-14 1 0,10 10 180,-11 3-180,6 33 795,7 13-750,-3 0 0,1 2-135,4 25 90,0-17 0,0 0-302,0 9 302,9-18 0,0-2 90,-5 10-90,30-2-630,-30-2-404,19-16 0,3 0-316,-5 11 1350,9-12 0,2-2 0,2-1 0,10 2 0</inkml:trace>
+  <inkml:trace contextRef="#ctx0" brushRef="#br0" timeOffset="-194645.73">12160 3444 8252,'-7'30'810,"1"17"-720,2-12 270,2 19-136,1-17 1,1-1-893,0 27 848,0-1 0,0 3-941,0-22 1,0 0 760,0 16 0,0 2 45,-1-14 0,2-2-45,6 2 0,0 5 44,-5-5 1,-2 5 0,0 1 0,2-4-45,4 15 0,2 2 0,-5-7 0,0 7 0,0 0 0,0-8 0,4 0 0,1-3 30,1 5 0,2 4 0,0-6-30,1-8 0,2 0 60,-1 1 0,1 5 0,0-7-60,0-5 0,1-2-225,4 10 1,1 2-811,1-5 1,1-2 224,-4-11 1,0-1 809,4 11 0,0-2 0,12 11 0,-1 0 0</inkml:trace>
+  <inkml:trace contextRef="#ctx0" brushRef="#br0" timeOffset="-193613.73">13203 5879 9242,'-22'14'180,"-13"-10"-180,21 24 0,-20-7 0,16 8 0,2 1 90,7-4-90,8-3 90,-3 13-360,26-10-1529,8 13 449,14-22 1273,2 2 1,-7-15-1,3-1 1</inkml:trace>
+  <inkml:trace contextRef="#ctx0" brushRef="#br0" timeOffset="-193345.73">13560 5903 8972,'-24'17'180,"-12"-13"-90,18 29 270,-2-18-271,6 13-89,14-4 90,23-12-90,-17 6 0,43-17 0,-26 9 0,22-9 180,5 2-180,-15-3 0,18-15 180,-29 11-270,-3-30-180,-15 15-179,-6-16-631,-24 6 271,-4 13-630,-2-1 1439,-13 15 0,37-4 0,-16 6 0</inkml:trace>
+  <inkml:trace contextRef="#ctx0" brushRef="#br0" timeOffset="-192946.73">13988 5949 8432,'0'30'270,"-16"-6"-270,12 10 0,-12-14 90,16 16-90,0-17 0,0 13 90,0-15-90,0 3-450,0-13 90,17 0 270,-13-22 90,29-9 0,-15-8 90,14-21 180,-10 21-595,-3-14 595,-7 18 0,-2 2-90,-1 4-180,-3 11 0,0-6-90,-2 15 899,2-7-124,-2 9-685,3 0 0,-1 0 0,2 18 90,-2-14-90,1 30 90,-1-29-90,2 30 90,-1-20-450,0 17-1529,4 4 630,-2-13 1259,3 8 0,0-15 0,0-2 0</inkml:trace>
+  <inkml:trace contextRef="#ctx0" brushRef="#br0" timeOffset="-192713.73">14560 5671 10861,'5'15'270,"2"-11"-270,1 25 90,0-6 0,7 18-1,-7-4-89,4 3-179,1 3-451,-4-9-899,6 21 899,-8-23-719,3 15 360,-6-23 989,0 3 0,-4-14 0,0-2 0</inkml:trace>
+  <inkml:trace contextRef="#ctx0" brushRef="#br0" timeOffset="-192591.73">14512 5969 8522,'0'-24'0,"0"0"90,0-4-180,0 6 90,21-8-540,8 17 1,10 0-631,2 10 1170,-9 2 0,3 1 0,3 0 0</inkml:trace>
+  <inkml:trace contextRef="#ctx0" brushRef="#br0" timeOffset="-192226.73">15202 5889 9152,'-18'4'719,"13"2"-449,-32-3-270,10 5 0,3-2-90,-19 8 180,25-5-90,-13 9 90,16-7-90,8 6 90,7-4 0,20-3-899,6 2 629,25-8 0,-13-1 180,2-3-90,-5-15 90,-18-3 0,17-1 270,-25-24 89,6 27 271,-9-23-450,-6 13-180,0 5 0,0 20 90,0 16-180,0 29-450,14-7-179,-10 2-91,23-13-89,-24-2 899,39 5 0,-22-15 0,25 1 0</inkml:trace>
+  <inkml:trace contextRef="#ctx0" brushRef="#br0" timeOffset="-192022.73">15688 5844 9512,'-25'-14'809,"-15"5"-719,21 6-180,-15 3 270,18 18-270,-2 1 270,16 20-180,-5-11 90,7 10-90,24-15-1169,2 12 449,4-17-1349,26 3 2069,-33-16 0,30 0 0,-22-5 0</inkml:trace>
+  <inkml:trace contextRef="#ctx0" brushRef="#br0" timeOffset="-191762.73">15952 5509 10591,'0'31'90,"0"7"-90,0-3 0,0 3 0,0-9 90,0 15-90,0-13 0,12 13-180,-9-15-540,10-1 181,-13-1-631,7 5 631,-5-8-1260,9 6 1799,-10-16 0,3-2 0,-4-6 0</inkml:trace>
+  <inkml:trace contextRef="#ctx0" brushRef="#br0" timeOffset="-191629.73">15853 5875 8972,'0'-23'360,"0"4"-360,0 3 0,0 3-90,23 1-270,-18-1-180,41 3-1798,-12-3 2338,11 8 0,-2-2 0,-15 7 0</inkml:trace>
+  <inkml:trace contextRef="#ctx0" brushRef="#br0" timeOffset="-191463.73">16287 5980 8612,'-19'3'-270,"4"0"0,15-2 1</inkml:trace>
+  <inkml:trace contextRef="#ctx0" brushRef="#br0" timeOffset="-191178.73">16552 5470 10501,'-43'18'630,"7"6"-630,13 12 90,-1 1-180,21-4 180,-16 20-90,17-10 90,-5 14-450,7-2-450,21-12-135,-8-10 1,0 0-315,13 3 1259,20 5 0,-25-19 0,22-3 0</inkml:trace>
+  <inkml:trace contextRef="#ctx0" brushRef="#br0" timeOffset="-190929.73">16858 5464 9781,'36'0'1080,"-16"15"-1080,15 3 0,-12 0 90,12 28 0,-15-24 0,-9 41-90,-11-27-1260,0 24 1,-20-22 1259,-9 20 0,2-27 0,3 6 0</inkml:trace>
+  <inkml:trace contextRef="#ctx0" brushRef="#br0" timeOffset="-190412.73">15925 4318 8702,'-17'32'270,"13"20"-180,-13-11-45,9-3 0,4 1-909,1 10 954,-9 13 0,12-18-90,21-1-540,-15-2-405,22-15 1,4 0 944,-7 12 0,4-16 0,1-1 0,7 4 0</inkml:trace>
+  <inkml:trace contextRef="#ctx0" brushRef="#br0" timeOffset="-190158.73">16187 4357 8972,'-11'-11'450,"2"-1"-270,9 2 89,0-1 91,27 2-180,-20 0 90,51 1-90,-11 4-180,14 1 269,-18 11 1,-2 1-1373,7-5 1148,-19 12 0,0 4-649,15 15 694,-16 10-45,-14-7 0,-4 1-674,-3 14-91,-16-16 0,-3 1-1528,7 18 2248,-20-26 0,-4 0 0,1 28 0,0-28 0,-1 0 0</inkml:trace>
+  <inkml:trace contextRef="#ctx0" brushRef="#br0" timeOffset="-169138.73">17737 2097 7353,'-7'-4'270,"3"0"-270,-1 0 90,2-1-180,0 2-450,0 0-629,0 0 1169,1 0 0,0 2 0,0-1 0</inkml:trace>
+  <inkml:trace contextRef="#ctx0" brushRef="#br0" timeOffset="-168529.73">18008 1864 8792,'-14'-15'1709,"11"4"-1439,-11-3 449,14 9-719,0 21 0,0 11 90,14 14-90,-11 2-90,11-7 180,-5 3 0,-7 2-180,18 17-449,-18-15-136,8-8 0,1 0-44,-5 3-1080,11 19 630,-11-29 1169,0 6 0,-3-17 0,-1-1 0</inkml:trace>
+  <inkml:trace contextRef="#ctx0" brushRef="#br0" timeOffset="-168196.73">17948 2174 7892,'0'-10'90,"0"-1"-90,0 2 0,20-2 0,-15 2 0,31 0 90,-32 3-90,31 1 0,-9-1 0,9 4 0,10-2 0,-18 4 90,14 14-90,-17-11-90,4 11 180,-6 0-90,-6-1 90,4 11 450,-10-12 449,1 1-629,-6-11-270,-3-16-180,0-6-629,-2-20-631,0 5-808,0 1 2158,15 7 0,-11 12 0,12 7 0</inkml:trace>
+  <inkml:trace contextRef="#ctx0" brushRef="#br0" timeOffset="-167795.73">18793 2096 9062,'-33'0'90,"-3"0"-90,0 0 0,7 0 0,-2 14 0,11-10 0,-6 23 0,11-9 90,-3 12-90,14-1 0,1-3 0,24-13-360,2 2 360,23-13-180,-13 3 270,1-5-90,-2-13 0,-9-5 0,4 1 90,-10-14 90,-8 10 449,-1-16-179,-8 9-540,0 2-90,0 14 270,0 18-719,0 8-91,0 22 0,16-9-269,-13 0 989,24-8 0,-24-2 0,8 1 0</inkml:trace>
+  <inkml:trace contextRef="#ctx0" brushRef="#br0" timeOffset="-167429.74">19093 2121 8702,'15'17'90,"-11"10"-90,21-13 0,-22 10-720,15-7 720,-12-23-90,4-6 90,0-22 0,-4 17-90,7-14 90,-4 16-89,1-2 448,1-1-269,-4 17 0,6-6-90,-6 7 90,6 14-90,-4 1 90,0 1-90,0 12 0,-2-25-270,2 30-359,0-21-361,0 15 990,2-11 0,2-1 0,2-2 0</inkml:trace>
+  <inkml:trace contextRef="#ctx0" brushRef="#br0" timeOffset="-167029.74">19607 2075 8342,'-40'0'-90,"16"13"90,0-10 90,21 25-90,-6-14 0,9 13 0,21-14 90,-15 4-90,30-15 0,-32 9 0,27-10 0,-11 3 180,11-4 0,-12-18 360,-3 0-360,-15-15-360,5 8 180,-6 5 0,0 27 0,0 11 90,0 36-90,0-10-211,0 8 211,16-15 90,-12 1-90,11 0 0,-3-2 0,-9-1 180,9-4-90,-12 5-1,0-13-178,0 6-451,-24-20-1349,1 0 1889,-23-22 0,12-11 0,3-16 0</inkml:trace>
+  <inkml:trace contextRef="#ctx0" brushRef="#br0" timeOffset="-166762.74">20490 1965 9422,'-44'-1'359,"0"0"-359,-6 1 0,23 18 0,-15-13 0,38 26 0,-25-27 180,26 25-180,-7-10 0,10 8-719,17-1 89,11-17-90,10 1-449,25-10 1169,-21 0 0,15 0 0,-17 0 0</inkml:trace>
+  <inkml:trace contextRef="#ctx0" brushRef="#br0" timeOffset="-166213.74">20692 1650 8702,'-17'-13'90,"13"2"540,-12 5-450,16 20-91,0 27-89,0 3-1184,0 16 1273,0-19-178,0 0 392,13 0-214,-9 15-178,9-16 178,-3 19 1,-7-29-90,13 8 90,-11-21-180,3 0 180,-4-10-90,-2-3-269,0-2 1150,0-1-970,2-1-1,5-17 90,-1-4-90,17-28 0,-12 26 90,14-19-90,-18 30 90,7-5 0,-9 9 0,6 8 0,-6 0 90,6 17-90,-3 2 0,1 2 90,8 10-90,-5-12 0,16 11 90,-9-12-180,19-2 0,-12-14 90,9 4 0,2-25-90,-11 15 180,16-45-180,-22 31-336,1-27 606,-12 19 13,-3 1 167,-5 1-180,-1 3-180,-2 2 0,0 5 0,0 3 596,0 36-596,0 1-89,0 23-811,0-12-1169,15-2 2069,2-10 0,1 4 0,-4-12 0</inkml:trace>
+  <inkml:trace contextRef="#ctx0" brushRef="#br0" timeOffset="-165338.74">21180 1932 9152,'16'14'90,"-13"11"-180,29-9 180,-29 8-90,25-3 0,-25-5 0,20 2 0,-20-1 0,16 0 0,-12-2 90,8-2-90,-4-1 0,2 1 90,-1-6-360,4 0 90,-4-7 180,3 0 0,1-16 0,-6 12 0,8-25 0,-12 11 450,1-13-181,-6 1-179,0 3-180,-1 7 180,0 25 0,16 8 0,-1 14-1349,19-3 90,-6-12 1169,-3-4 0,-1-8 0,-6 0 0</inkml:trace>
+  <inkml:trace contextRef="#ctx0" brushRef="#br0" timeOffset="-165062.74">21507 1338 8612,'16'-9'360,"-12"2"0,28 2-180,-28 2-1,24 1-179,-25 23 0,10 8 0,-13 13-269,0 1-721,-17-8-359,12 3 1125,-28 2 0,29 0 0,-12 0 0</inkml:trace>
+  <inkml:trace contextRef="#ctx0" brushRef="#br0" timeOffset="-162529.74">17980 3216 8792,'0'-16'1079,"0"0"-449,0 0-180,0-1-180,0-1-180,0-3-90,0 8-90,0-1 269,0 9-89,13 23-3482,-1 15 3392,2 8 0,4 6 0,-16-19 0,14-1 0,-12-3 0,6-2 0,-5-3 0,0-3 0,0 1 3392,-2-8-3302,0 2-90,-2-7 0,1-2 90,-1-1-180,3-1-719,8-12-1,0-3-89,9 1-181,-2-14-89,4 16 1169,2-16 0,0 9 0,2-1 0</inkml:trace>
+  <inkml:trace contextRef="#ctx0" brushRef="#br0" timeOffset="-162210.74">18405 3466 10141,'6'4'180,"1"-1"-180,4-1-90,-1-22 180,4 15-90,-1-29 0,1 30 90,2-30-90,0 29 90,0-30 0,-1 22 270,0-20-360,-4 21 180,-2-11-360,-6 16 180,-19-4 0,-1 38 0,-3 1 0,7 18 90,13-16-540,0-10-1079,0 6 539,17-9 990,4 8 0,1-17 0,-5 1 0</inkml:trace>
+  <inkml:trace contextRef="#ctx0" brushRef="#br0" timeOffset="-162002.74">18528 3117 8522,'-4'-4'90,"0"1"-90,4 1-180,18 1-1169,5 1 1349,12 0 0,-13 14 0,-10 4 0</inkml:trace>
+  <inkml:trace contextRef="#ctx0" brushRef="#br0" timeOffset="-161846.74">18668 2953 7533,'36'0'-450,"-15"14"-539,8-10 989,-16 24 0,15-24 0,-6 10 0</inkml:trace>
+  <inkml:trace contextRef="#ctx0" brushRef="#br0" timeOffset="-161629.74">19217 3175 8702,'-49'0'450,"11"0"-450,0 0 0,11 15 0,3-12 0,1 25 90,2-9-90,10 7 0,2 0 90,9 0-450,19-6-899,12 9 269,11-15 746,6-2 1,-7-9 0,3-3 0</inkml:trace>
+  <inkml:trace contextRef="#ctx0" brushRef="#br0" timeOffset="-161030.74">19435 2857 8612,'0'-7'180,"-13"2"-90,-1 4 0,-2 19 0,6 10-90,10 29 0,0-6 45,-2-11 0,4 0-569,13 11 479,-13-17 0,0-1 225,14 11-180,1-1 0,-13-4 0,23-2 0,-24-6 0,17-3 180,-18 2-90,16-12-900,-16 2 540,11-16 180,-11 0 0,6-19 524,-3 11-434,6-30 0,-1 8 0,8-21-90,-8 11 90,4 2 0,-7 23 0,-1-8 360,-1 16-90,1-8-90,0 11-90,2 0-90,-3 14 0,5 6 0,-4-1 90,3 16-90,-2-21 0,-2 17 90,3-12 0,7 1-90,-2-2-360,18-9 90,-10 0-180,19-9 360,-15-15 0,7 11 90,-12-27 90,-2 26-90,-3-31 0,-3 31 180,-4-35 180,-3 26 90,-3-15-450,-1 7 0,-1 6 0,0 17 0,0 10 90,0 26 0,0-3-180,0 2-270,20-16-1259,3 2 1169,23-20-449,-13 6 899,-3-8 0,-8-16 0,-3-3 0</inkml:trace>
+  <inkml:trace contextRef="#ctx0" brushRef="#br0" timeOffset="-160311.74">20215 3242 8882,'3'-8'360,"-1"1"-270,1 26-90,-1-15 0,5 32 0,-3-11 90,8 17-180,-5-9-810,9 5 630,-6-20-539,5 5 539,-6-16-90,3 0 90,-1-7 270,-2 0 630,5-21-270,-6-1 179,0-21-269,-3 21-90,-3-12-180,-1 17 720,-1-8-630,0 28-90,12-5 90,-9 33 0,18-10-90,-18 15-360,15-7 0,-7 3-90,5-21 1,-2 9-181,5-14 360,-4 2 90,6-4-90,-3-4 360,-1 0 0,1-17 630,5-1-270,-6-3 89,6-8-179,-12 12 180,-1-11-450,-5 12-90,-3 1 90,-1 29-90,-1-4 90,0 19-270,0-5-90,18-10 180,-13 1-180,26-14 270,-15 6 0,10-7 0,-10-20 0,1 15 180,-15-31 90,6 12 90,-8-16-91,0 7-359,0 6-89,0 8 269,-13 6-90,10 23 0,-10 26 0,31 8-757,-13 10 757,12-21-90,0 1 160,-12-2-70,23 0 90,-25-3-90,17-1 720,-17 5-630,12-11 0,-14 5-1,4-16-2157,-26-2 2068,-2-6 0,-23-20 0,1-5 0</inkml:trace>
+  <inkml:trace contextRef="#ctx0" brushRef="#br0" timeOffset="-160129.74">20595 2594 8882,'-32'45'-720,"15"-9"-179,-8 0 899,23-6 0,-9 4 0,11 3 0</inkml:trace>
+  <inkml:trace contextRef="#ctx0" brushRef="#br0" timeOffset="-159872.74">21378 2924 10411,'-14'18'270,"10"15"-270,-11-5 90,15 10 0,0 21-90,0-21 0,0 15-720,0-1 91,16-13-541,-12 21 631,13-29-1081,-17 10 1620,0-23 0,0 0 0,0-12 0</inkml:trace>
+  <inkml:trace contextRef="#ctx0" brushRef="#br0" timeOffset="-159740.74">21152 3289 8342,'-11'-24'180,"2"-4"-270,9 8 180,21-8-90,-15 15-450,56-2 91,-34 11-316,12 2 0,2 1 512,3 1 0,13 0 0,-19 0 0</inkml:trace>
+  <inkml:trace contextRef="#ctx0" brushRef="#br0" timeOffset="-159463.74">21710 3262 9422,'-21'6'180,"15"-2"-180,-31 0 0,33-1-90,-34 9 90,32-4 90,-17 12-180,23-10 180,0 10-90,0-8 89,16 3-89,-13-4 90,27-2 180,-9 0-180,14-5 0,0 0-90,-7-22 0,-12-2 0,-8-19-90,-8 3-539,-24 2-91,0 15 0,-4 2-1438,-7 15 2158,21-3 0,-6 5 0,10 0 0</inkml:trace>
+  <inkml:trace contextRef="#ctx0" brushRef="#br0" timeOffset="-159274.74">22038 3223 9242,'5'0'180,"-2"10"-90,-2 2-90,0 9 0,-1-1-90,0-2-450,0 3-90,0-1-89,0 3 719,0 6 0,0-9 0,0 3 0</inkml:trace>
+  <inkml:trace contextRef="#ctx0" brushRef="#br0" timeOffset="-159114.74">22148 3223 9242,'4'-5'-90,"-2"1"90,4 4 0,-3 0 90,-1 0 0,1 0-1440,0 0 361,1 14 989,-1-10 0,-2 9 0,0-13 0</inkml:trace>
+  <inkml:trace contextRef="#ctx0" brushRef="#br0" timeOffset="-158904.74">21672 2942 8432,'25'-14'0,"-6"1"0,24 1 0,-15 3 0,-1 1 90,-3 3-90,2 2 0,-6 21 0,1 5 0</inkml:trace>
+  <inkml:trace contextRef="#ctx0" brushRef="#br0" timeOffset="-157962.74">18370 4694 9422,'0'-19'1529,"0"-1"-1169,10 0-1,-7-1-179,7 1 180,-10 1-180,0 2-180,0 2-90,0 4 90,0 1 0,0 4-90,-17 1 90,-4 3 0,-20 21 0,8-14 0,0 34 90,12-21-180,9 16-180,-6-6-629,16 9 179,-8-10-2248,30 10 1430,12-25 1538,10 2 0,6-14 0,-10 0 0</inkml:trace>
+  <inkml:trace contextRef="#ctx0" brushRef="#br0" timeOffset="-157408.74">18598 4294 9062,'0'-9'360,"0"2"-450,-14 2 449,10 1-269,-11 18-90,15 24 0,0 1 0,-1-1 0,2 0 90,13 6-1128,-10 16 1128,10-17-90,-14 0 0,10-2-566,-2 11 566,3-16 8,-2 13-8,-5-27-900,1 0 631,0-16 871,-2-1-871,1-20 701,6-4-432,0 1 111,12-27-111,-7 27-90,12-24 180,-10 18-180,2 12 180,-6-6 180,-3 17-180,1-5 180,3 6-180,-4 0 270,5 17-270,-7 2-90,5 19 0,-5-19 0,2 13 90,1-21-90,-4 16 90,6-11-90,-5-4 0,11-6 0,-7-6 0,21-31 90,-18 23-180,14-41 359,-20 27-179,3-12-180,-9 14 90,3-1-89,-4 19 178,1-6-89,-1 8 0,2 0 90,-1 16-90,2-12 90,-2 29-180,0-28-269,3 32-361,-2-22-179,3 17-451,1-10 1350,1-10 0,1 11 0,1-8 0</inkml:trace>
+  <inkml:trace contextRef="#ctx0" brushRef="#br0" timeOffset="-157229.74">19125 4354 8522,'24'15'-495,"-18"10"0,41-22 1,-17 8-1</inkml:trace>
+  <inkml:trace contextRef="#ctx0" brushRef="#br0" timeOffset="-156994.74">19665 4297 9512,'-14'-7'899,"10"15"-989,-10 15 90,14 10 90,0 21 0,0-15-45,0-3 0,0 0-45,0 6-315,9-5 0,0 0-314,-4 2-1325,12 13 1325,-17-22 276,11-3-996,-8-5 1411,8-4 1,-11-6 0,0-2 0</inkml:trace>
+  <inkml:trace contextRef="#ctx0" brushRef="#br0" timeOffset="-156863.74">19453 4643 8432,'0'-14'0,"0"0"90,0 1-90,24 1 0,-18 0-360,43 1-1079,-11 1 1439,13 3 0,4 2 0,-14 3 0</inkml:trace>
+  <inkml:trace contextRef="#ctx0" brushRef="#br0" timeOffset="-156546.74">19873 4689 8432,'16'4'0,"3"-2"0,0-16 90,6 10-90,-12-22 0,8 14 360,-3-10-180,-6 2 0,-5 6 0,-4 1-90,-2 6 0,-1 1-90,0 2 179,1 1-179,0 2 0,2 18 0,-2-13 0,2 28 0,0-28 180,4 41-180,-3-26-1079,6 32 269,-2-27-269,2 4 1079,-1-14 0,-2-2 0,1-4 0</inkml:trace>
+  <inkml:trace contextRef="#ctx0" brushRef="#br0" timeOffset="-156388.74">20042 4396 8162,'0'0'0</inkml:trace>
+  <inkml:trace contextRef="#ctx0" brushRef="#br0" timeOffset="-155746.74">20333 4647 8702,'18'0'270,"-4"0"-90,-5-17-90,-3 13-90,-2-14 0,0 0 0,0 14 0,-2-28 90,-1 16-90,-1-11 180,0 5-90,-19 10-1,15 2-89,-29 9 0,19-2 0,-2 22 0,-4 5 90,18 25-90,-7-11 0,9 14 0,17-21 180,3 21-90,20-30-90,-20 7-90,20-24 180,-24-2-90,32-3 0,-20-15 0,21-9 0,-23-9-45,-4 2 0,-2-2 135,-2-5-135,-7 1 0,-1-1 45,-5 2 180,-3-23-90,-2 30-90,0-6 0,0 18 0,0 4 0,0 4 270,0 3-270,0 21 0,0 7 0,0 24 0,0-8 0,0 1 0,10-10 90,-7 11 0,7-10-720,-3 17 1,-5-23-631,4 12 451,-6-20-271,0 3 1080,0-11 0,0-3 0,0-1 0</inkml:trace>
+  <inkml:trace contextRef="#ctx0" brushRef="#br0" timeOffset="-155626.74">20587 4642 8612,'0'-17'180,"16"7"-180,-12-5-270,50 4-449,-32-4 719,12 6 0,1 2 0,-4 0 0,11-1 0</inkml:trace>
+  <inkml:trace contextRef="#ctx0" brushRef="#br0" timeOffset="-155346.74">20158 4280 8522,'0'-15'360,"0"-1"-270,27 0 90,-20-1-180,24 4 0,5 0 0,-10-5-913,33-6 913,-25 11-90,-3 2 421,-1 4-241,7 2-90,-12 3-540,9 1-359,-20 18-271,1-13 1170,-9 27 0,-2-27 0,-3 10 0</inkml:trace>
+  <inkml:trace contextRef="#ctx0" brushRef="#br0" timeOffset="-155179.74">20730 4038 8342,'0'39'-495,"0"-6"0,0 0 1,0-7-1</inkml:trace>
+  <inkml:trace contextRef="#ctx0" brushRef="#br0" timeOffset="-154856.74">21303 4404 9422,'-52'-11'539,"24"-6"-629,-20 15 90,25-6 0,-16 8 90,19 19-180,9 2 90,30 22 0,-14-10 0,35 1 0,-35-9 0,39-1 0,-39-1 0,36-1 0,-36-3 90,24-1 0,-26-5 270,9 0-270,-12-5-180,0-2-809,-18-4-1080,-3-2 1979,-21-13 0,9-2 0,0-14 0</inkml:trace>
+  <inkml:trace contextRef="#ctx0" brushRef="#br0" timeOffset="-154474.74">21470 4520 8432,'4'31'180,"0"-1"-90,3 2-90,-3-7 0,1 7 0,-2 1 0,1-7 90,2 15-90,-3-19 180,3 7 360,-3-16-450,-1-1-180,-1-7-360,-1-19 90,0-6 270,-14-11 90,11-2-90,-10 4 180,13-4-180,0-3 90,0-4 0,17-2 0,-13-3 225,10 14 0,3 0-135,4-15 45,-3 12 0,2 1-135,12 2 0,10-7 359,-19 24-179,7 3 90,-12 9-90,-2 2-90,-2 0 90,-1 22-270,-7-17 270,0 33-360,-6-12-3058,-26 22 3238,19-7 0,-18-19 0,-6-2 0,-5 10 0</inkml:trace>
+  <inkml:trace contextRef="#ctx0" brushRef="#br0" timeOffset="-152860.74">18463 5977 9062,'15'17'1259,"3"-17"-1259,14-20 0,-5 2 90,-2-19-90,-5 22 0,-1-21 90,-1 13-90,-2-3 0,-1 1 0,-1-2 0,-2 2 0,-4-2 0,-3 2 0,-3-12 0,-1 9-90,-1-14 90,0 21-180,-19-4 180,14 14 90,-14 3-180,3 3 0,1 3 180,-14 24-90,4 8 0,3 28 0,8-11 0,7-5 0,2-1 90,4 3-45,6-4 0,2 0-45,-3-7-450,28 18 91,-6-28-695,8 6 694,5-16-335,-10-1 425,2-6 90,0-2 180,0-3 0,-3-1 0,9-17 90,-11 12 360,8-26-180,-18 13-180,-4 1 540,-8-8 302,-3 15-1022,-1-8 636,-14 9-456,10 20-360,-10 6-359,14 19-91,17-19-89,-13 16 809,29-15 0,-29 7 0,13-4 0</inkml:trace>
+  <inkml:trace contextRef="#ctx0" brushRef="#br0" timeOffset="-152696.74">18972 5725 8252,'11'10'-780,"-12"-10"1,19 13 0</inkml:trace>
+  <inkml:trace contextRef="#ctx0" brushRef="#br0" timeOffset="-152388.74">19270 6082 8882,'12'0'90,"-1"0"-90,1-15 0,0 11 0,2-25 0,0 25 90,1-25-90,0 26-90,-3-27 90,2 12 0,-9-6 90,2-4-180,-7 13 90,0-2 90,-21 5-90,2 7 0,-22 0 0,10 25 0,3 2 90,11 21-90,9-12-630,8 7-719,22-17 180,5 9 1169,14-20 0,-3 6 0,-7-9 0</inkml:trace>
+  <inkml:trace contextRef="#ctx0" brushRef="#br0" timeOffset="-152029.74">19640 5918 9152,'15'11'-90,"-11"1"90,27 6 0,-27 5 90,22-8 90,-23 7-270,13-8 90,-12-7-90,4-24 90,-3 12 0,8-31 0,-3 10-90,22-28 90,-14 19 90,15-5-90,-20 31 90,6 0-90,-10 9 0,6 0 90,-6 20-90,2-16-540,0 34-90,-4-14-1528,3 18 2158,-5-10 0,0-4 0,-3-12 0</inkml:trace>
+  <inkml:trace contextRef="#ctx0" brushRef="#br0" timeOffset="-151846.74">19342 5643 7892,'50'-13'0,"-1"2"-269,3 1-361,-13 6 630,10 0 0,-19 4 0,-3 0 0</inkml:trace>
+  <inkml:trace contextRef="#ctx0" brushRef="#br0" timeOffset="-151129.74">20465 5502 10591,'0'-17'0,"0"2"0,0 5 90,0 3 540,0 3-630,0 26 0,0 28 0,0 2 0,0-7 0,0-2-416,0 4 506,11 14-90,-8-23 0,8-1 0,-2-4 90,-7 5 0,7-13-90,-5 7-180,-2-23-1259,2 2 1169,-4-25 416,0-5-146,0-22 0,0 5 0,0-3-90,0 11 0,0 2 0,17-5 270,0 10-180,11 3-90,-13 33 180,0-10-90,-13 37 90,12-37-90,-10 38 0,5-25 180,3 29-180,-2-21-360,13 10 0,-5-25-180,14 7 450,-10-17 0,4 4 90,-7-5 90,-3-20 0,-1 14 0,0-33 270,-6 14 270,-2-19-271,-5 10-89,-2 3-270,0 9 90,-20 11-90,16-6 0,-33 15 0,22-4 0,-5 20 0,0 7 0,18 20 0,-7-6 0,9 3 90,0-12 90,0 10-180,21-11-1169,7 10 539,24-19-90,-10-1 1,0-11-653,-14-4 1372,-1 0 0,-3-21 0,-1-4 0</inkml:trace>
+  <inkml:trace contextRef="#ctx0" brushRef="#br0" timeOffset="-150912.74">20697 5621 8612,'0'-9'720,"0"0"-540,0-1-90,17 0 89,-12-1-179,28 1 0,-29-1 90,29 0-90,-11 4-1619,15 1 450,-1 6 1169,-17 19 0,4-14 0,-12 14 0</inkml:trace>
+  <inkml:trace contextRef="#ctx0" brushRef="#br0" timeOffset="-150766.74">20732 6648 10411,'-1'9'-450,"1"-1"450,-1-3 0,1-3 0,0-1 0</inkml:trace>
+  <inkml:trace contextRef="#ctx0" brushRef="#br0" timeOffset="-39713.73">14177 11590 11131,'0'33'180,"0"0"-180,10-2 179,-7-1 1,7-4-180,-10 0 0,7 4-90,-5 0 180,12 0-90,-13 2 0,10-2 0,-7 1 0,6 0 0,-3-1 0,0 0 0,0-2 90,2 12-90,-3-9 0,4 23 90,-6-23 180,3 23-270,-5-22 45,2 1 0,0 1-45,0 3 0,0-3 0,0 0 0,0-2 0,1 20 0,0-25 0,1 16 0,-1-20 0,0 2-90,-1-3 180,-2-7-90,3 10 0,-5-11 0,3 7 0,-3-10 90,0 1-180,0-5-5937,0-2 6027,0-17 0,0 10 0,0-12 0</inkml:trace>
+  <inkml:trace contextRef="#ctx0" brushRef="#br0" timeOffset="-38510.73">14250 11485 8432,'16'-3'540,"-12"-2"-360,13 1 90,0 0-270,-13 0 269,33-1-179,-20-1 0,36-7-90,-14 1 180,0 1 0,2 0 0,17-3-1049,-17 5 0,1-1 1004,-9 3 0,0 1-180,2-1 0,1 1-442,1-1 0,0 0 487,3 0 0,0 1-45,1 0 0,1-1 45,0 1 0,2 0 45,19-2 0,1 1-45,-16 1 0,1 1 0,5 0 0,5-1 0,-4 1 0,-5 1 0,-2 0-488,17-1 1,-2 0 487,-16 0 0,-3 1 0,1 0 0,0 0 0,2 0 0,0-1 0,1 1 0,-1 0 0,1-1 0,0 1 0,0 0 0,3 0 60,-4 0 0,3 0 0,-2 0-60,7-1 0,3 0 0,5 0 0,6-1 0,-6 1-667,-4 0 0,-1 1 667,-8 0 0,3 0 0,-4-1 0,4 2 0,-3-1 0,1-1 0,0 1 0,-3 1 0,1 0-45,17-2 0,-1 1 90,-18 1 0,2 1-45,0-1 0,4-1 0,-5 2 362,-7 0 0,-1-1-362,27-2 0,-2 0 0,-29 2 0,0 0 0,10-3 0,5-2 0,-6 2 45,-10 1 0,0 0-90,28-6 0,-2 0 45,-9 0 45,-12 2 0,-2 1-45,2-3 726,19-3-636,-29 5-90,5 1 1084,-6 2-994,-10 2-180,9 0 180,-14 2 1837,6 1-1927,-11 1 678,4-1-767,-7 1 240,-1 0-61,0 0-90,2 0 0,-2 0 269,3 12-179,-5-9 0,3 9-90,-3 0 90,-1 5-180,-1 6 180,-1 2-180,0-7 180,-16 13-180,12-7 180,-11 19-90,15-17 0,-11 9-90,8-11 180,-8 1-90,11-1 0,0 11 0,0-9 0,-6 21 0,5-19 0,-4 19 0,5-21 0,0 8 0,0-4 0,0-6 0,0 13 0,0-16 0,0 14 0,0-15 0,-13 20 0,10-20 0,-9 19 0,4-21 90,6 14-90,-11-11 0,8 14-90,-2-12 180,-2 29-90,6-24 0,-6 28 0,4-29 0,0 9 0,1-8 0,0-2 0,1 3 0,0-2 0,2 2 0,-1 0 0,0 12 0,0-10 0,1 17 0,0-21 0,-1 6 0,1-12 0,-1 0 0,1-2 90,-1 0-90,-1-2-90,2 0 180,-1 5-90,2-6 0,-1 8 0,-1-13 0,1 2 0,-1-6 0,1-2 0,0-1-1799,0-1 450,-1-3 1349,-1 1 0,0-1 0,-1 0 0</inkml:trace>
+  <inkml:trace contextRef="#ctx0" brushRef="#br0" timeOffset="-36658.73">13912 10456 8072,'0'44'270,"0"-2"-270,0-12 0,0 1 0,0 0 180,0-4-180,0 0 0,0-3 270,0-4 0,0-3 90,0-4 179,0-4-179,0-2 0,0-3 180,11-2-630,-8-15 90,20-7 0,-21-23 90,17-9-90,-15 5-180,5 1-450,-4 13-269,-1 2-181,1 0 1080,4-8 0,-1 12 0,3-4 0</inkml:trace>
+  <inkml:trace contextRef="#ctx0" brushRef="#br0" timeOffset="-36278.73">14285 10454 10591,'-30'0'809,"0"0"-898,8 0 178,2 0-89,9 0-89,1 0 89,1 18 89,0 6-178,3-1 89,1 26 89,4-32-89,1 32 90,22-29-90,-17 4 0,33-16 90,-34 3-90,32-10 90,-11 5 0,18-6-180,-18-18 180,3 13-180,-25-29 90,8 12-359,-11-17-91,0 8-90,-21 4-989,-4 10 450,0 1 1079,-13 4 0,19 4 0,-18 5 0</inkml:trace>
+  <inkml:trace contextRef="#ctx0" brushRef="#br0" timeOffset="-35863.73">14527 10395 10771,'-22'17'1079,"5"2"-1079,17 13-90,16-2 180,-12-2-90,11 0 0,-4-1 0,3 10 0,-1-12 0,7 10 90,-7-20-90,-1 0 0,5-12 0,-11-1 0,4-2-90,4-22 180,-4 17-180,11-56 180,-10 35-1132,3-35 1042,-6 24 0,-1-1 0,-1 3-89,0-5 89,-3 14 0,2-1 0,-4 19 89,5 3-178,-3 5 1130,6 16-1131,-3-12 180,4 29-90,1-29-539,9 44-721,-3-30-1348,16 24 2608,-10-19 0,8-11 0,-7-1 0</inkml:trace>
+  <inkml:trace contextRef="#ctx0" brushRef="#br0" timeOffset="-35643.73">15088 10051 10411,'-12'-9'630,"9"0"629,-20 7-1169,21 17-90,-8 27 0,10 1 0,8-3 0,0 0 0,-4 6-225,17 4 0,0 0-764,-14 2-136,11-5 1,1-2 45,-9-8 1079,11 16 0,-11-31 0,-2 5 0</inkml:trace>
+  <inkml:trace contextRef="#ctx0" brushRef="#br0" timeOffset="-35480.73">14897 10413 9242,'-20'-16'-90,"1"1"180,9 8 0,2-7-720,31 12 180,13-7-495,-2 8 1,2 2 944,24-1 0,2 0 0,-18 0 0</inkml:trace>
+  <inkml:trace contextRef="#ctx0" brushRef="#br0" timeOffset="-34896.73">15473 10475 9152,'11'0'450,"9"1"-361,-6-1 181,13-15-180,-11-2 90,11-17 0,-13 17-90,4-23-90,-11 26 90,-2-18-90,-4 9 90,-1 9 360,-20-3-450,-2 12 0,-24 1 0,12 4 0,11 15 0,-6-11 90,24 27-180,-25-27 90,27 30 90,-10-11 0,13 18-90,0-10-90,21-4-360,-16-10 0,34-3 0,-35-2-179,35-6 179,-21 2 0,18-8-89,-9 4 269,0-4 180,0 0 270,7-17-90,-9-2 269,4-3 1,-14-11 90,-4 20-90,-3-16 449,-3 0-359,-3 10-180,0-12 0,-2 16-270,0 19 0,0 10 0,15 27 0,-11-11 0,22 12 0,-23-18 0,7 7 539,-1-8-179,-7-9 360,11 3-810,-12-32 90,2-10 90,-3-14-180,0-6 90,0 8 0,0-4-90,21-19-270,-16 15-675,11 10 1,4 1-405,1-1 1439,19-12 0,-9 27 0,0-3 0</inkml:trace>
+  <inkml:trace contextRef="#ctx0" brushRef="#br0" timeOffset="-34296.73">16630 10078 11490,'17'10'-1529,"-4"-8"0,-13 9 0</inkml:trace>
+  <inkml:trace contextRef="#ctx0" brushRef="#br0" timeOffset="-34130.73">16695 10459 12390,'0'3'0,"0"0"0</inkml:trace>
+  <inkml:trace contextRef="#ctx0" brushRef="#br0" timeOffset="-33063.73">17402 10192 9781,'-16'-10'990,"12"4"-810,-29-1 0,28 5-90,-32 0-90,21 1 0,-15 1 0,-3 21 0,11-16 0,-11 33 90,23-13-90,0 10 0,11-3 89,0-9-178,0-2 89,27-10 89,-20 9 1,46-17-180,-16 8 1,11-11-1,-13-11 0,-2-1 0,5 6-497,-12-17 0,-2-4 587,5 4 0,-4-27-390,-4 11 390,-6-5 0,-5-3 0,-5-2 0,-5 14 0,0-2 0,0-19 90,-8 7 0,-4 1 270,-9-7-225,11 19 0,-3 2-45,-20-7-90,29 6-90,-24 5-107,25 4 827,-8 12-630,11 21 0,0 25 0,0 11 90,0 10-135,7-14 0,3 0 309,7 22-264,-7-17 0,0 0 0,14 18 0,-21-1-540,8-21 1,0 1-451,0 16 405,-5-22 1,1 0-2461,7 17 3045,-13-17 0,5 3 0,-6-18 0</inkml:trace>
+  <inkml:trace contextRef="#ctx0" brushRef="#br0" timeOffset="-32912.73">17278 10075 9871,'0'-16'630,"23"-5"-720,-17 5-360,27 1 1,7 3-541,-6-3-959,4 5 0,2 1 1949,10 1 0,0 2 0,1 2 0</inkml:trace>
+  <inkml:trace contextRef="#ctx0" brushRef="#br0" timeOffset="-32696.73">18003 10034 11221,'0'32'90,"0"-5"89,0 9-898,0-9-1530,14 19 810,-11-17 1439,18 6 0,-18-13 0,5-2 0</inkml:trace>
+  <inkml:trace contextRef="#ctx0" brushRef="#br0" timeOffset="-32529.73">17910 9745 8792,'0'-7'-720,"19"2"1,-14 3-1,14 2 1</inkml:trace>
+  <inkml:trace contextRef="#ctx0" brushRef="#br0" timeOffset="-32179.73">18235 10022 9152,'4'16'989,"0"2"-899,-1 0-90,4 10 0,-4-5 90,5 7-90,-4-8 0,0-1 0,1-1 0,0-1 90,0-3-90,-1-2-90,2 1-180,-1-8-809,2 1 899,-1-7-90,3-21 270,-1 15 0,1-38 90,-1 23 0,1-21 0,0 9 270,4-10-180,-6 13 269,6-7-449,-6 24 0,1 2 90,-2 10 0,-1 0-90,1 0 0,5 20 90,-2 6-90,7 24-539,-5-9-1620,8 12 2159,-4-25 0,2 6 0,-2-17 0</inkml:trace>
+  <inkml:trace contextRef="#ctx0" brushRef="#br0" timeOffset="-31830.73">18577 9619 9781,'0'-9'1619,"0"20"-1439,17 14-180,-12 13 0,29 6 90,-30-6-90,12-6 0,3 0 0,4 18 0,-4-7 0,1 0 0,10 4 0,-14-12 0,-2 0 0,3-1-90,3 3-90,-8-20 1,-1-6-1,0-5 0,3-3 180,-3-19 0,6-9-90,-5-9 90,2-5 0,-4 9 0,2 0 90,-2 2 90,2 2 0,-2 13-90,-3-8-90,3 19 89,-3-10 1,4 27-180,-4-11-449,0 31-720,-2-16-181,-1 19-718,0-6 2158,-3 1 0,-1 0 0,0 0 0</inkml:trace>
+  <inkml:trace contextRef="#ctx0" brushRef="#br0" timeOffset="-31646.73">18035 10600 9961,'26'-13'-855,"15"10"1,-36-10 0,15 13-1</inkml:trace>
+  <inkml:trace contextRef="#ctx0" brushRef="#br0" timeOffset="-31342.73">19537 9742 10861,'0'-6'-90,"-20"1"180,4 2-90,-6 23 0,10 6 90,12 14-90,0-4 90,0-7-90,0-1 0,0 1-360,19-1-180,-14-3-179,30-1-361,-31-3-179,27-6 1259,-27-2 0,25-4 0,-11-2 0</inkml:trace>
+  <inkml:trace contextRef="#ctx0" brushRef="#br0" timeOffset="-30896.73">19430 9422 11760,'0'32'450,"0"-5"-270,0 4-90,0-1-90,0 8 0,0 6-1049,0 5 1049,0 3 0,0 3 45,0-17 0,0 1-224,0 21-226,0-22 0,0-1-854,0 12-270,0-6-540,0-3 2069,15-5 0,-11-6 0,10-1 0</inkml:trace>
+  <inkml:trace contextRef="#ctx0" brushRef="#br0" timeOffset="-30674.73">19170 9717 10141,'0'-4'630,"18"-1"-630,11 0 0,9 1 90,28-1-900,-22 3 810,7 1 0,0 0 0,1 1 0,-11 0 0,-1 0 0</inkml:trace>
+  <inkml:trace contextRef="#ctx0" brushRef="#br0" timeOffset="-30274.73">19693 9832 10501,'0'38'90,"0"3"0,15-12-90,-11 0 0,11-9 90,0 0-180,-11-1-180,25-2-90,-26-2-89,23-3-91,-18-4 90,14-3 0,-8-3 360,2-2 0,4-17 90,-5 13 270,8-32 0,-14 9 0,2-9 90,-6-2 0,-3 12-1,1 1-269,-3 2-90,0 5 0,0 2 270,0 4-180,0 39-90,0-1 0,17 36-270,-12-24-989,31 7 629,-16-23-809,19 5 1439,-11-18 0,-1-2 0,-8-7 0</inkml:trace>
+  <inkml:trace contextRef="#ctx0" brushRef="#br0" timeOffset="-29630.73">20200 9839 9062,'-19'19'90,"5"4"90,14 18-270,18-19 90,-13 10-270,32-28 90,-33 22 180,36-23 0,-16 14 0,11-15 0,-6 4 90,-10-6 1259,-9-30-719,-1 5-180,-9-25-1,-17 17-539,-1 7 0,-10 11 270,11 31-180,8 17 0,9 15 0,-1-12 0,2 0 0,14 11 0,-14-4 0,2-1-366,26 5 366,-25 11 0,11-23 90,-4-7-90,-8-3-90,8-2-90,-11-9-809,0-2 719,-19-10-360,14-16 907,-32-9-367,32-24 90,-12 6 0,17-25 0,0 26 0,9 6 0,5 2 0,17-4 45,-3 9 0,2 3-1018,15-1 973,1-5-90,-15 14-107,-3 0 197,-2 2 0,4-3 0,-10 4 90,3-9-90,-13 10 90,-4-6-90,-3 7 1121,-3-2-941,0 1 498,-20-5-678,15 6-180,-32-3 180,33 9 90,-22 0 0,23 25-180,-7 3 180,10 22-90,17-10-989,-13 9 359,32-20-1259,-15 12 714,12-19 1175,-5-2 0,-8-4 0,-1-4 0</inkml:trace>
+  <inkml:trace contextRef="#ctx0" brushRef="#br0" timeOffset="-29313.73">20843 9901 9961,'20'31'90,"10"-14"-90,-26 9 90,23-11 90,-17 10-180,8-12 540,-10-23-360,-5-14 179,-3-9-89,0 0-180,0 9-90,16 2 0,-12-5 180,24 14-90,-25-9-90,22 20 90,-14-5-180,3 26-90,4-14-359,-10 34-361,7-34-269,-3 36-1890,2-13 3059,-6 10 0,1-4 0,-5-13 0</inkml:trace>
+  <inkml:trace contextRef="#ctx0" brushRef="#br0" timeOffset="-29093.73">20582 9521 10141,'20'-17'1259,"8"-5"-989,13 4 0,18-7-270,-18 12 0,0 5 0,1 3 90,0 1-765,-5 1 1,-2 5-855,-7 16 1529,7 1 0,-22 2 0,1-6 0</inkml:trace>
+  <inkml:trace contextRef="#ctx0" brushRef="#br0" timeOffset="-28624.73">21383 9134 10591,'-18'17'-1799,"13"13"1799,-33-4 0,8 11 0,-20 4 0</inkml:trace>
+  <inkml:trace contextRef="#ctx0" brushRef="#br0" timeOffset="-26276.73">21657 9903 9961,'26'0'90,"-1"0"-180,-6 0-989,0 0-810,2 0 1889,1 0 0,1 0 0,2 0 0</inkml:trace>
+  <inkml:trace contextRef="#ctx0" brushRef="#br0" timeOffset="-25512.73">22572 9643 9781,'0'-9'1260,"-17"2"-1260,12 2 180,-25-1-180,27 2 90,-28 1-90,19 2 0,-16 1 0,9 0 0,-1 20 0,0-15 0,0 39 0,4-24 0,-1 38 89,10-20-89,0 27 90,7-27-90,23 18-269,6-29-1548,13 3 557,0-17-269,-8-7 1529,2-3 0,1-3 0,2 0 0</inkml:trace>
+  <inkml:trace contextRef="#ctx0" brushRef="#br0" timeOffset="-24906.73">22798 9236 9512,'-16'-6'1619,"2"18"-1529,14 6-90,15 13 0,-11 2 90,11-2-90,4 5 0,-14 1 0,27 5 0,-29 1-1140,21 1 1140,-21 0 0,17-2 0,-18 0 0,13 13 0,-9-15-207,4 18 207,-4-30-89,-3 4-1,-1-18-180,0-3-1080,-1-4 2255,-1-18-905,0-8 621,17-20-621,-13 7 90,13 0 90,-6 18 90,-8-11-180,8 12 180,-2-4-360,-1 9 270,10 8-180,-4 14 0,3-10 0,8 26 0,-2-8 180,19 15-180,-14-14 0,23 7 0,-20-19-45,3-3 0,0 0 45,2-1 0,-2-16 0,-1-3 0,-7 7 90,11-44 0,-23 30 629,0-37-359,-11 28-270,0-7 0,-3 9-90,0 7 0,0 20 0,0 11 90,13 26-180,-10-8-1799,23 13 810,-7-17-271,-3 6-538,14-13 1888,-18-2 0,10-3 0,-7-2 0</inkml:trace>
+  <inkml:trace contextRef="#ctx0" brushRef="#br0" timeOffset="-24724.73">23453 9377 10591,'-12'-3'-270,"0"1"-2069,5 0 2339,22 18 0,12 1 0,21 17 0</inkml:trace>
+  <inkml:trace contextRef="#ctx0" brushRef="#br0" timeOffset="-24363.73">23985 9571 10501,'-22'-14'1259,"-11"2"-1169,-10 12-90,-12 0 0,26 0 0,-5 18 0,15 1 0,10 18 0,1-8 0,26-2 90,12 1-180,10-9-1298,6 3 1118,-7-15 0,0 2 90,0-8 427,0 2-247,-4-3 90,-3 0-180,4-18 180,-19-4 720,8-22-630,-24 11 270,5-3-181,-6 14-89,0 1-180,-16 9 759,12-6-759,-13 35-967,37 2-3530,4 36 4497,12-6 0,1 1 0,-7-14 0</inkml:trace>
+  <inkml:trace contextRef="#ctx0" brushRef="#br0" timeOffset="-23191.73">24688 9348 10771,'0'26'540,"0"5"-540,0-7 0,14 4 0,-11-6 0,10 1 0,-13-2 0,8 0 0,-6-2 179,5-3 181,-2-2 0,-4-3-180,5-3 450,-3-2-630,-2-3-90,4-18 0,-1 10 180,0-32-90,2 18-90,3-34-360,0 17-1349,10-24 540,-9 27-1890,12-12 3149,-11 25 0,5 3 0,-5 12 0</inkml:trace>
+  <inkml:trace contextRef="#ctx0" brushRef="#br0" timeOffset="-22892.73">25092 9632 9781,'10'0'1440,"6"0"-1350,-5-21-1,13 0 1,-11-4 0,6-7 0,-7 28-90,-1-28 270,-2 20-270,0-13 0,-5 3 270,-1 3-360,-3 2 90,0 3 0,-14 9-90,-6 1 90,-10 20 90,3 4-90,13 21 0,6-10-1169,8 15 179,0-20-179,0 9-360,21-15 1529,-15-3 0,42-2 0,-15-3 0</inkml:trace>
+  <inkml:trace contextRef="#ctx0" brushRef="#br0" timeOffset="-22497.73">25643 9370 10231,'-32'-7'1169,"-23"2"-989,33 2-270,-37 3 90,25 0 90,-14 16-90,24 3 90,4 20-90,13-9-270,26 9-179,12-17-361,26 10 720,-6-22-1103,2 8 1193,-17-16 0,-1 4 0,-4-6 0,4 0 270,-18-20 540,8-1-91,-23-20-449,6 5 180,-31 7-450,18 0 0,-31 19 1103,32-5-1013,-10 29-180,14 23 180,0 5-1178,0 19 998,0-18 90,0 2 90,0 4-868,7-15 0,0 0-211,-3 17-181,3-9 1,0-1-450,-7 1 1619,0 10 0,0-25 0,0-4 0</inkml:trace>
+  <inkml:trace contextRef="#ctx0" brushRef="#br0" timeOffset="-22012.73">25858 9606 10771,'0'-5'809,"0"0"-809,0 3 0,0 0 90,0-1-90,17-1 0,-12-7 90,29 1-180,-18-10 0,4 4 90,5-5 0,-14-4 0,4 4 0,-8-14 0,-7 15 0,0-5 0,0 10-90,0 3 0,0 3 180,0 3-90,0 18 0,0 9 90,0 24-180,0-6 180,0 3-90,0-11 90,18-3-180,-13 0 180,26-5-180,-28-3-269,25-1 179,-8-10 0,14-1 90,-8-8 90,-5-18 90,-11 13-90,0-33 0,-4 20 270,1-31-1,-5 17 181,1-18-360,-3 21-180,0-1 90,0 11 90,0 26-90,0 8-450,0 29-1708,14 5 898,1-9-179,2-3 1439,9-16 0,-22-2 0,10-2 0</inkml:trace>
+  <inkml:trace contextRef="#ctx0" brushRef="#br0" timeOffset="-21713.73">26437 9552 10051,'0'-10'720,"4"-4"-540,4 3-180,3-1 180,3-2-270,1 6 90,0-1 90,3 0-90,10-3 180,-9 2-180,14-4 0,-20 5 0,5-2 0,-13 3-90,-1-7 90,-25 7 90,-1-5-90,-3 9 0,-10 0 0,13 3 0,-11 15 0,13 3 0,3 19 89,15-7-89,-5 14-539,26-17-1620,5 16 900,-1-20 1259,20 3 0,-23-13 0,21-2 0</inkml:trace>
+  <inkml:trace contextRef="#ctx0" brushRef="#br0" timeOffset="-21430.73">26805 9324 10411,'-20'-10'180,"-9"-1"-90,27 5 90,-19 1-180,19 20 90,13-11-90,-6 31 0,35-9 0,-11 10 0,-4-11 0,1 0-879,16 8 879,-3 8 0,-17-11-387,-9-3 927,7-2-278,-13 3-262,5-9 90,-7 5-90,-5-14 392,-21-1-2551,-3-6 153,-23-2 2006,4-20 0,17 14 0,7-15 0</inkml:trace>
+  <inkml:trace contextRef="#ctx0" brushRef="#br0" timeOffset="-21230.73">27120 9167 10591,'14'-1'1079,"-3"0"-1079,-3 1 90,-4 15-90,-1-11 0,-1 28 0,0-16 90,3 48-90,-2-26-765,1 2 1,0-1-45,1-1-1620,7 20 2429,-5-29 0,3 3 0,-2-14 0</inkml:trace>
+  <inkml:trace contextRef="#ctx0" brushRef="#br0" timeOffset="-21096.73">27087 9345 9871,'23'-10'90,"6"5"-899,14 0-630,1 5 1439,-9 0 0,2 0 0,2 0 0</inkml:trace>
+  <inkml:trace contextRef="#ctx0" brushRef="#br0" timeOffset="-20126.73">27902 9197 10051,'0'29'900,"0"3"-810,0 3 180,0-4-181,0 1 91,0-9 0,0 0-90,0-4-90,17-1 0,-12-4 180,31-5-180,-10-3 90,11-5-90,12-22 0,-20 15-135,-5-21 0,-3-4-225,2 9-179,2-32-1170,-13 11 629,-6 11 1080,-3-16 0,-3 26 0,0-4 0</inkml:trace>
+  <inkml:trace contextRef="#ctx0" brushRef="#br0" timeOffset="-19813.73">28397 9436 10591,'4'-16'989,"1"-17"-809,1 28 90,0-29-270,-1 15-90,-3-15 90,0 10 90,-2 2 0,0 10-180,-17 2 90,12 1 0,-29 6 0,14 15 0,-1 12 90,-4 7-90,23 6 0,-6-8-809,8 16-181,21-10-1618,8 17 662,13-24 1727,2 2 1,-8-15 0,2-2 0</inkml:trace>
+  <inkml:trace contextRef="#ctx0" brushRef="#br0" timeOffset="-19276.73">28272 9054 10141,'25'-13'1170,"-6"0"-721,35-4-179,-22 4 90,17-3-360,-23 9 0,4 2 0,-14 4 90,-3 1-90,0 0-90,-3 0 90,-1 0-540,-3 14-1619,1-10 2159,-4 22 0,1-11 0,-4 13 0</inkml:trace>
+  <inkml:trace contextRef="#ctx0" brushRef="#br0" timeOffset="-19129.73">28572 8910 10591,'20'-11'270,"0"-3"-180,19 11-90,-4-6-1889,19 6 0,-10 0 1750,15 3 1,-18 0 0,-2 0 0</inkml:trace>
+  <inkml:trace contextRef="#ctx0" brushRef="#br0" timeOffset="-18596.73">29572 9156 11041,'-20'-13'899,"-12"2"-719,27 4 0,-26 0-270,11 4 180,-14 1-90,8 2-90,-2 18 270,19 3-360,-4 19-270,13-8-89,-2-1-271,20-9-179,-13-1-1,33-3-1618,-6-1 2608,9-2 0,5-7 0,-13-2 0</inkml:trace>
+  <inkml:trace contextRef="#ctx0" brushRef="#br0" timeOffset="-18246.73">29740 9212 10771,'-19'-13'1079,"-10"5"-1079,25 21 90,-9 6-90,26 2-90,-9 11 180,20-28-90,-21 28-270,32-16 180,-20 1-90,25 1 91,-21-16-1,9 3 90,-15-5-90,4-18 180,-13-1 89,-1-20 181,-23 5-360,15 2 0,-32 14-90,32-1 270,-13 35-630,33-2-269,-11 27-1260,23 0 720,-8-7 1259,7-5 0,2-11 0,-5-2 0</inkml:trace>
+  <inkml:trace contextRef="#ctx0" brushRef="#br0" timeOffset="-18062.73">30222 9225 10681,'-25'-5'899,"-9"4"-899,20-4 90,-2 20-809,6 2-1620,28 18 720,6-6 1619,11-9 0,1-8 0,-7-12 0</inkml:trace>
+  <inkml:trace contextRef="#ctx0" brushRef="#br0" timeOffset="-17880.73">30258 8713 10411,'-17'15'-540,"3"-12"-359,4 34-450,6-17 1349,0 23 0,3-8 0,0 4 0</inkml:trace>
+  <inkml:trace contextRef="#ctx0" brushRef="#br0" timeOffset="-17597.73">30780 9144 11580,'-17'-17'0,"13"2"0,-32 4 90,32 2-90,-34 3 0,16 2 90,-9 1-90,5 21 0,7 8 0,9 9 0,0 2-989,10 2 269,0-9-1169,24 16 540,6-24 1191,13-3 0,-2-4 1,-10-5-1</inkml:trace>
+  <inkml:trace contextRef="#ctx0" brushRef="#br0" timeOffset="-17363.73">30892 9193 10861,'-39'-19'539,"3"4"-449,4 8 0,15 19-90,6 4 0,31 16 0,3-3-269,21-2 269,-6-2-360,-4-12-2519,-16-1 2879,-7-25 0,-34 0 0,-6-17 0</inkml:trace>
+  <inkml:trace contextRef="#ctx0" brushRef="#br0" timeOffset="-16463.73">31068 9194 10681,'9'17'540,"-1"-2"-540,-5 5 90,1 15-90,-2-21 0,0 20 0,0-16 0,-1 0 0,1-4 89,-1 3-268,0-8-1351,-1 0 1441,0-23 89,0-3 0,0-24 179,0-1-179,0 7 360,0-4 90,0 17-360,13 5-90,-10 23-90,21 13-540,-13-1-89,9 18-1710,0-11 2429,-3 9 0,3-11 0,-3-13 0</inkml:trace>
+  <inkml:trace contextRef="#ctx0" brushRef="#br0" timeOffset="-16214.74">31455 8968 10411,'0'-8'1079,"0"3"-809,0 18-270,0 10 0,18 10 0,-14 5 0,14-7 0,-3 3 0,-11 17 90,23-11-90,-24 8 0,17-15-180,-18-3-179,5-2-271,-1-5-270,-4-1 1,4-6-810,-6 0 360,0-8 1349,-22-1 0,17-6 0,-17-1 0</inkml:trace>
+  <inkml:trace contextRef="#ctx0" brushRef="#br0" timeOffset="-15930.74">31392 9134 9152,'23'-18'450,"29"-3"-361,-30 7 181,41 0 0,-31 9-180,23 3-90,-23 2 0,8 18 90,-11-13-180,-5 30 90,2-31 0,3 31 0,-9-12 90,7 17 0,-16-10 270,2-1-360,-10-14 0,-14-3-90,7-43 90,-11 3-450,15-22-809,0 20-810,0 4 2069,0 4 0,15 5 0,4 7 0</inkml:trace>
+  <inkml:trace contextRef="#ctx0" brushRef="#br0" timeOffset="-15097.74">32168 9233 11760,'-22'-12'450,"-17"9"-450,18-20 0,-16 21 0,11-8 0,13 26 0,5 1 0,8 16-90,21-3 90,2-5 0,20-9-360,-7-8-89,-7-8 89,-13-15 180,-8-5-90,-8-17-360,-15-1 271,-7 3 359,2 8 0,22 12 90,23 22 179,23-3-179,-11 10 90,-1-5-180,-13-6 90,-2 6 90,-1-9-90,2 0 0,-7-16 0,5-6 0,-13 1 90,0-22-180,-6 22 270,-1-22-91,0 8 181,0-17-180,0 11-815,-16-11 725,13 17 90,-13 4-180,16 4-90,-13-3 90,9 12 0,-16 1 90,18 27-180,-6 15 180,8 29-90,0-3 45,7-11 0,0 0-661,-3 12 616,9-18 0,1-1-568,2 29 568,1-17-166,2-13 0,0-1 76,-3-1 0,12-9 0,2-4 90,-4-5 0,23-1 0,-27-25-220,3 10 220,-11-30 90,-3 17-180,-5-18 0,-1-11 180,-3 9-45,0 1 0,-4 0 45,-18-8 89,15-17 1,-15 20 90,1 2-270,14 2 1352,-14 4-1442,5 5 90,10 6 625,-10 3-535,7 9 316,5 23-406,-5 15 169,7 15-169,0 23 90,0-20-1205,0 17 1025,0-19-180,18-1-270,-13-4-899,26 13 360,-15-17-443,0 6 443,12-19-352,-16-5 1431,12-4 0,-9-5 0,0-2 0</inkml:trace>
+  <inkml:trace contextRef="#ctx0" brushRef="#br0" timeOffset="-14741.74">32762 9146 10501,'0'-19'360,"0"2"-360,0 6 0,19 4 90,-14 3-90,31 2 0,-13 2 0,18-1 0,-8 0 90,2-1-90,-16-1 0,1 0 0,-9-2 0,-4 0 0,-1-4 180,-4-6-90,-1 1-1,-1-4 181,0 3-90,-16 1 0,13 0 0,-25-3-180,25 5 0,-9 0-90,12 7 180,-9 2-180,6 21 180,-6 1-90,26 34 0,-12-18 0,29 18-180,-17-26-1979,23 19 1440,-16-25-361,11 10 361,-22-22-720,4-1 1439,-10-6 0,-1-2 0,-3 0 0</inkml:trace>
+  <inkml:trace contextRef="#ctx0" brushRef="#br0" timeOffset="-14462.74">33155 9124 10411,'0'-34'1349,"0"4"-1439,0 7 360,0 9-270,0 22 90,0 7-90,14 19 0,-10 0-90,19-7 180,-20 5-90,12-21 180,-14 10-270,4-15 90,-2 3 0,0-6 0,2-20 0,0 13 0,1-34 0,9 6 0,-2-10 0,2 10 0,0 2-90,8-8-924,10-11 1014,-6 19 0,1 2-269,0 5-1081,12 1 361,-12 10-630,7 2 1619,-16 9 0,-4 1 0,-3 0 0</inkml:trace>
+  <inkml:trace contextRef="#ctx0" brushRef="#br0" timeOffset="-13660.74">28232 10217 10861,'0'49'90,"0"-10"0,-11 5-90,8 11 0,-8-12 90,6-6 0,2 1-90,0 2 0,-5 10 90,8-14-1,0-12 91,-3 2-270,2-17 180,-4-2-359,3-26 269,-1-9 0,1-14-270,2-24 270,0 17 0,9 3 0,1 0-90,-5-10 90,11 9 0,3 2-797,6-3 707,8-9 90,2 28 90,-11 5 103,-2 9-103,6 6 0,-10 6 270,4 22-360,-13-14 90,-3 34-180,-4-11 180,-2 9-90,-19 0 0,14-14-899,-31-2-1287,15 1 2186,-13-11 0,2 0 0,4-11 0</inkml:trace>
+  <inkml:trace contextRef="#ctx0" brushRef="#br0" timeOffset="-12980.74">28647 9978 10231,'5'19'1080,"-3"17"-811,1-18-89,-1 18-90,-1-8 0,1 0-90,0 15 0,1-9 0,2 23 90,-2-23-180,6 19 180,-4-25-180,3 6-180,-1-17-359,0-1 179,1-6-360,6-3 631,-3-3 268,12-18-89,-7 10 0,10-25 90,-9 5 360,4-13-90,-10 13-90,1-6-180,-6 26-180,-1-17 180,-2 19-90,0-6 0,-1 8 0,2 0 0,-1 20 90,4 4-90,0 0 90,2 17-90,2-26 0,-1 18-360,2-12-720,7-3 451,-4 0-91,14-9 360,-11-1 181,4-8 89,-7-15 180,-1 12 719,6-49-449,-10 32 629,4-40-449,-12 37-450,0-6-90,-2 9 0,0 25 0,0 3 0,0 27-180,17-16-90,-12 11-90,27-27 270,-29 20 1,26-21-1,-11 7 180,8-9 359,1 0 1,-10-19 719,1 1-899,-10-4-450,-2-4 180,-6 14 0,1-4-90,1 22-539,0-2-271,3 27-269,-1-26-360,3 31 1529,0-21 0,2 18 0,1-10 0</inkml:trace>
+  <inkml:trace contextRef="#ctx0" brushRef="#br0" timeOffset="-12791.74">29135 9980 10861,'0'-10'0,"25"3"-720,11 3 1,14 2-1060,3 1 70,-9 1 1709,1 15 0,1-11 0,-2 10 0</inkml:trace>
+  <inkml:trace contextRef="#ctx0" brushRef="#br0" timeOffset="-12211.74">29753 10033 10861,'0'-16'1169,"0"2"-899,0 2-180,0-1-90,0 6 180,14 19-270,-10 17 90,10 13 45,-8-8 0,-2 2-45,-2 13 0,3-3 0,0 0 0,-1 9 0,-3-11 0,-1-2 0,5 1-360,-2 16 180,-3-36-90,4-1-449,-3-16-631,1-4 991,0-20 269,1 13 0,1-46 90,0 31 0,3-30 0,1 21 0,0-1 0,3 2 270,-1 3 179,1 3-269,0 5-90,5 8-90,-5 3 90,9 6-180,-11 20 180,9 9-360,-8 11-765,2-6 1,1 0-45,3-1 1079,0 0 0,1-3 0,4-8 0,6 5 0</inkml:trace>
+  <inkml:trace contextRef="#ctx0" brushRef="#br0" timeOffset="-11912.74">30288 10328 10321,'-22'-21'990,"17"1"-901,-37 5-178,37 0 89,-33 5 0,17 4 89,-12 3-89,15 18 90,7 8-180,11 18 90,26 5-179,-19-9-648,44-4 827,-32-14 90,24-9-180,-12 6 270,11-14-180,-14 7 0,8-9 0,-17 0 90,-8-19-90,-2-1 736,-9-19-825,-22 19-1,16-12-1260,-36 17 721,18-3 629,-15-2 0,16 19 0,9-7 0</inkml:trace>
+  <inkml:trace contextRef="#ctx0" brushRef="#br0" timeOffset="-11488.74">30488 10374 10591,'9'2'809,"-4"0"-809,1 2 180,-4-1-180,1 2 0,-3 7 90,0-1 0,0 26-90,0-13 0,0 28 0,0-24 0,0 19 0,12-20 0,-9 4 0,9-13 90,-12-4 0,0-3-450,7-3 360,-6-21 0,6-9 0,-7-12-90,0-23 90,0 17 0,4-18 0,-2 24 0,2 0 0,3-18 135,-1 8 0,0 1-135,2-3 0,6-17 180,-7 36 270,8 1-450,-7 19 0,10 21 0,-9-9 90,9 29-180,-8-9 90,2 16-180,-5-6-1979,-3 1 0,-1-13 2159,-23 0 0,-6-12 0,-20-5 0</inkml:trace>
+  <inkml:trace contextRef="#ctx0" brushRef="#br0" timeOffset="-11313.74">30028 10090 10501,'44'0'360,"1"16"-1799,-3 5-1,-6 20-718,-17-5 2158,-8 3 0,-11-7 0,0 1 0</inkml:trace>
+  <inkml:trace contextRef="#ctx0" brushRef="#br0" timeOffset="-11176.74">30155 10858 11580,'14'11'720,"-10"-1"-720,22-4-360,-23-1-2428,22-3 2788,-13 0 0,11-19 0,-3-5 0</inkml:trace>
+  <inkml:trace contextRef="#ctx0" brushRef="#br0" timeOffset="-11007.74">31152 10528 13199,'20'-8'-3508,"-2"-1"3508,-5 0 0,-6-2 0,-4 0 0</inkml:trace>
+  <inkml:trace contextRef="#ctx0" brushRef="#br1" timeOffset="13108.27">28259 12334 24575,'0'0'0</inkml:trace>
+  <inkml:trace contextRef="#ctx0" brushRef="#br0" timeOffset="21919.27">9792 3048 7803,'22'-2'269,"-3"9"-269,-3-4 90,-5 14 0,0-15 0,-4 14-90,2-15 0,-2 16 0,1-9 360,1 15-360,-1-7 0,0 6 90,-3-5-90,0 2 0,-2 0 0,0 2 0,0 0 0,-2 2 90,0 12-90,-1-8 0,0 22 180,0-20-90,0 8 0,-16-10-90,12-3 0,-12 2 90,-1 11 0,-2-9-90,-17 21 90,9-22-648,-2 8 558,9-12 0,-2-1 90,0-2-325,1 0 235,-3-1 0,0 1 0,-13 6 90,7-5-90,-18 11 90,18-14-180,-19 13 90,20-13 0,-9 4 0,10-6 0,1-1 0,-3 1 90,-15 7-90,9-7 0,3-2 0,-1 0-90,-8 2-814,-16 6 994,13-5-90,-5-1 0,-1 3-90,-4-2 90,-2 3 90,-2 0-90,15-5 0,0 0 0,10-4 0,-2 0 0,-22 8 0,0-1 0,23-7 0,2 0 0,-11 3 0,1-1 0,-16 6 90,0-2-90,2 0 180,17-7 0,0 0 0,-22 7-135,12-5 0,-1-1-45,-8 2 0,21-5 0,1-1 90,-14 2 311,1 0-86,6-4 0,-1 0-405,-10 3 135,6-3 0,3-1-135,7 0 315,-16-1-225,28-1 0,-10-1 0,19-1 1070,1 0-1160,5 0 90,6 0 0,0 0 0,5 0 0,0 0 0</inkml:trace>
+  <inkml:trace contextRef="#ctx0" brushRef="#br0" timeOffset="22403.27">7497 4266 8972,'3'-4'719,"0"1"-539,-1 3 0,0-1 450,0 1-720,-1 13 180,-20 4-180,-4 9 180,-2 0-180,-29 7 180,32-5-90,-10-2 0,-2-1-360,1 7 450,-9 10-180,13-12 90,2-1 0,1-1 0,-3 5 0,10-11-90,-3 10 90,15-17 90,1 7 0,5-10 90,1 3 0,0-1-270,18-3 90,-14 7 0,30-7 0,-18 6 90,3-6-900,24 12 91,-25-11-1440,39 12 2159,-28-13 0,12 6 0,-10-6 0</inkml:trace>
+  <inkml:trace contextRef="#ctx0" brushRef="#br0" timeOffset="24847.27">6538 4081 7353,'0'-5'270,"0"0"179,0 1-269,0 20-180,0-1 90,0 15 90,0 11-90,0-9 0,0 34-90,-14-20-511,10 19 601,-11-14 0,15 2-90,0 3 90,0-14 0,0 0 0,0 24-45,0-9 0,0-1-915,0 9 870,0-21 0,0-1 0,0 14 89,0 1-89,0-2 90,0-1-90,0-3 0,0 0 45,0-17 0,0 0 45,0 17-90,0-10 0,0-1 0,0 4-169,0-8 0,0-1 259,0 4-90,0 10 0,0-18-160,0-3 160,0 0 0,0 6 0,0-10 0,0 10 0,0-16 529,0 0-529,0-6 865,0-4-865,0 1 473,0-1-563,-9-1-167,7-1-643,-7 3 450,9-4-629,0 4 1079,0-8 0,0 2 0,0-3 0</inkml:trace>
+  <inkml:trace contextRef="#ctx0" brushRef="#br0" timeOffset="25786.27">6713 3946 7892,'-12'13'360,"3"4"-360,2 10 90,5 3 270,-8 18-270,5-5-2126,2 0 0,0 1 2126,-1 19-45,3-21 0,1 1 213,0-8 0,0-2-78,-1 2 0,0 0-180,1 0 0,0 2 90,-1 16 0,0 0-90,1-12 0,0 0 120,0 3 0,0 4 0,0-4-380,0-3 0,0-2 260,0 11 0,0 0 0,0-16 0,0-1 90,0 34 0,0-2-90,0-1 0,0 0 90,0-2 90,1-19 0,-2 1-90,-11 21-45,11-11 0,0-2-45,-11 8 45,11-12 0,2 0-45,-1 7 0,0-21 0,0-1 0,0 14 0,0-5 0,0 0 90,0 12-180,0-12 90,0 21 0,0-28 2830,0 8-2830,0-5 0,0-10 90,0 13-90,0-20 578,0 10-578,0-17 1117,0 6-1117,0-10 0,0 1 179,0-6-3327,0-1 1979,-13-15 1169,3-5 0,-10-12 0,6 1 0</inkml:trace>
+  <inkml:trace contextRef="#ctx0" brushRef="#br0" timeOffset="37156.26">8328 4860 9062,'0'-7'989,"0"0"-719,0 1-180,0-1 0,0 0-90,0 0 0,0 1 90,0 1 0,0 1-90,0 18-90,0 6 180,0 11 0,-18 2-180,13-4 180,-33 3-90,34 1-90,-33 0 180,32-3-180,-30-1 180,31-5-90,-25-2 0,26-4-180,-18-2 180,19-3 0,-11-1 0,12-4 0,-6 0 180,26-6-180,3 1 0,15-3 90,0-16-90,13-1-90,-12-2-180,-3 6 0,0 0-180,5-5-1037,13 1 1127,-19-9 0,-2 24-146,-5-17 147,-3 17-1,-4-9 0,-4 10 360,-2-5 0,-7 5 0,-1-1 0</inkml:trace>
+  <inkml:trace contextRef="#ctx0" brushRef="#br0" timeOffset="37368.26">8462 4903 8522,'-5'15'990,"1"3"-900,4 12-1,0-1 1,0 1 0,0 3-1169,0 4-1260,0 4 2181,0 2 0,0 5 0,0 2 0</inkml:trace>
+  <inkml:trace contextRef="#ctx0" brushRef="#br0" timeOffset="43103.27">9528 4053 6813,'25'0'360,"-3"0"-360,-5 10 180,-5-7-90,0 7-90,-2-4 0,0-5 0,1 11 0,0-11 90,-1 10-90,1-7 0,-1 7 0,1-4 0,0 1 0,-1 2 0,7 5 0,-4-2 90,11 14-180,-8-9 180,3 8 0,-4-4-90,0 0 0,0 4 90,5 12-90,-4-7 0,2 10 0,-5-12 0,-2 1 89,5 12-178,-5-9 178,4 8-89,0 0 0,-4-11 0,9 21 0,-10-23 0,5 9 90,-7-12-90,1 1 180,6 24-90,-6-16 0,4 28-90,-9-32 90,0 18-90,-3-20 90,0 6-90,-1-10 0,0-2 0,0 2 0,0-2 90,0 2 0,-13-1-90,10 12 90,-9-8-90,-1 19 0,3-20 0,-5 9 0,0-12 90,13 0-180,-12-1 180,9-2-180,-6 0 180,2 0-180,-4 9 180,3-7-90,-10 14 270,9-15-270,-6 6 90,0 1-90,1-5 90,-11 16-90,8-13 90,-14 17-90,12-17 0,-13 16 0,12-18 90,-18 23-180,17-22 90,-18 23 90,19-26-90,-14 18-90,14-16 90,-16 16 90,14-16-90,-6 6 0,-1 1 0,9-7 0,-20 15-90,18-15 90,-20 14 90,16-14-773,-10 4 683,9-6 0,-4-1 0,2 0-90,-23 11 180,13-8-90,3-2 0,-1-1 0,-10 5 0,7-4 0,0-1-90,-10 5 135,20-10 0,0 0 45,-13 5-90,3 1-90,0-2-202,-11 7 202,13-7 90,-8 4 0,17-7 0,4 0 0,-1-1 0,2 0 90,0 0-90,0 0-90,-11 8 90,9-5 90,-21 14-180,20-13 180,-24 17-90,20-16 0,-3 3 0,-2 0-90,-3 1 90,1 0 0,-1 0 90,1-1-90,5-5 0,0 1-90,-5 3-874,-13 5 964,18-10 0,1 1 166,4-3-166,0 1 0,3-3 0,0 1 211,-6 4-211,10-5 0,-14 8 0,17-11 0,-12 11-90,14-10 180,-8 6-90,8-5-10,-2 0 10,1 2 996,-13 7-996,9-4 0,-22 14 0,17-14 0,-9 7-90,9-9 656,1 1-566,-1 0 0,-11 10 0,8-7 0,-20 16-90,21-16 180,-23 15-90,22-15-45,-1-1 0,-1 0 135,-2 0-90,3-2 0,0 0-90,3-1 358,-18 9-268,23-11 12,-16 10-12,19-10 90,-6 3-270,3-1 270,5-4-90,-13 9 0,15-8 0,-14 8 0,14-7 0,-5 1 90,6-4-90,1-1-90,0 0 180,-5 2-180,4-3 90,-9 7 0,10-10 0,-2 5 0,6-6 0,-1 1 0,2 0 0,-4 0 90,5 0-180,-5 2 90,7-3 90,-4 2-180,7-5 90,-1 1 0,3-2 0,0 0 0,0-1 0,0 2-990,2-1 1,0 1 359,0 1 630,0-1 0,0 0 0,0 0 0</inkml:trace>
+  <inkml:trace contextRef="#ctx0" brushRef="#br0" timeOffset="43570.27">6188 7990 7623,'0'-10'359,"0"-4"-269,0 3 180,12-6-180,-9 9 540,9-2-540,-12 7-90,0 12 90,-27 6-180,21 13 180,-34-13-90,36 14-90,-22-16 180,22 12-180,-19 2 90,13-7 90,-9 14-90,8-14 0,3 5 0,5-6 0,1-2 0,1 2 0,1-1 0,-1 0 0,1 0 0,0 7 90,15-6-90,-11 6 0,10-10 0,5 0-360,-15 0-270,34-1 1,-23 0-181,17-2 810,-7 0 0,2 0 0,2-1 0</inkml:trace>
+  <inkml:trace contextRef="#ctx0" brushRef="#br0" timeOffset="47805.27">9223 7055 8522,'-5'0'450,"0"0"-90,0-6-180,-1 4 89,0-4-179,1 2-90,0 3 0,0-4-90,2 4 90,-1-1 0,1 2 0,0 0 0,2 15 0,0 6 0,0 9 0,1-1 90,21-15-180,-16 3 90,31-9 0,-13 5 0,19-1 0,-8-4 0,0 2 90,-4-2-90,-8 0-90,11 3 180,-17-5-90,2 2 0,-9-2 0,-3 0 90,-2-3-90,-1 2 0,-18-4 0,-6 1 0</inkml:trace>
+  <inkml:trace contextRef="#ctx0" brushRef="#br0" timeOffset="47972.27">9215 6905 8432,'0'-9'90,"18"-1"-90,-14-1 0,31-1 90,-31 0-90,34 1 90,-22-1-900,20 3 810,3-4 0,-8 7 0,8-2 0</inkml:trace>
 </inkml:ink>
 </file>
 
@@ -1142,51 +1142,51 @@
   <inkml:trace contextRef="#ctx0" brushRef="#br0" timeOffset="116167">8843 10533 9961,'0'46'90,"0"-9"0,0 4-809,-19-9-631,14 5-808,-14-2 2158,19 0 0,0-4 0,0-2 0</inkml:trace>
   <inkml:trace contextRef="#ctx0" brushRef="#br0" timeOffset="116486">9287 10377 11580,'0'-11'450,"-21"3"-450,-1 4-90,-23 3 180,14 23-90,1-17 0,12 39 0,8-25-90,-3 21 180,11-8-90,-5 1 0,7 0 0,21 14 90,5-11-180,0 7 0,18-7 180,-18-12 0,16 9-90,-19-17 90,-11 4-90,-12-11-450,0 1-269,-26-6-271,3 0 1,-27-2 989,16 0 0,1-2 0,-23 1 0,18 0 0,0-1 0</inkml:trace>
   <inkml:trace contextRef="#ctx0" brushRef="#br0" timeOffset="117465">11395 9880 10231,'17'-7'1439,"6"1"-1079,-20-1 0,15 1 0,-15 0-90,11-1-1,-8 1-179,4 3-90,-5 12 0,-39 21 90,25 1-135,-26-1 0,-5 0 135,16 4-1831,-9-2 0,-1-1 1831,4 4-180,-7 8 90,20-17 90,2-4-90,5-1-90,5 2 180,2-7-180,3 7 180,28-12-90,12 4-90,17-8 2063,6 1-1973,-8-4 0,5-2 0,4 1-405,-15-1 0,0 0-258,-12 1 1,2 0-598,26 2 1,0 2 314,-27-3 1,-2 2 944,11 2 0,-1 1 0,12 6 0,-2 4 0</inkml:trace>
-  <inkml:trace contextRef="#ctx0" brushRef="#br1" timeOffset="1.81049E6">10048 5681 3977,'0'29'9830,"0"-1"-2917,0-8-4865,0-3-819,0-5-410,-12 0-1923,10 2 1412,-10-2 1299,12 1-1607,0-1 0,0 0 0,0 5 0,0-3 0,0 3 1477,0-4-1045,0 1 1034,0-1-1466,-7 10-485,5-6 304,-4 17-201,6-13 292,-3 15 20,2-15 1,-2 6-230,3-8 299,0 0 664,0-1-482,0 7 200,0-6-382,0 13 160,0-14-91,0 8 139,0-1-208,0-5 0,0 12 0,0-12 0,0 11 0,0-12 90,0 3-180,0-5 90,0-2 0,0 2 0,0 4 0,0-4 0,0 9 0,0-12 0,0 5 0,0-6 90,0-1-90,0 1-90,0-1 180,0 2-180,0-3 90,0 10 90,10-7-1249,-8 12 977,8-11-912,-4 5 519,-5-6 279,7 0-646,-7 0 867,3-1-574,-2 2 1639,2-2-1482,-1 8 1326,1-6-780,-1 11-40,-1-12 691,0 6-793,1-7 264,-1 0-306,1 0 346,2 6-513,-2-5 474,5 11-574,-6-11 418,5 11-382,-5-10 519,7 17-299,-5-16 175,5 18-3,-4-20-319,2 12 263,-3-11-152,4 10 127,-3-8-181,2 4 118,-2 3 125,0-5 14,1 13 259,-3-12-117,1 4 93,-2-7 116,0-2-143,0 0 173,0-1-228,-1 0 218,-1 1-50,0 8 100,0-6-225,0 15-27,0-15 118,0 7 14,0-9-185,0-1-39,0 1-13,0-2-90,0 0 0,0 0 0,0 8 0,-11-6-1169,9 13 986,-9-13-1238,11 5 1151,-6-6-1086,5-2 587,-5 0 646,4 0 0,1-3 0,-1 1 1</inkml:trace>
-  <inkml:trace contextRef="#ctx0" brushRef="#br1" timeOffset="1.81295E6">10123 5646 2987,'14'16'7017,"-11"5"-1950,19-19-7711,-20 11 5161,16-12-4313,-9 4 1497,8-5-923,0 0 1222,1 0-1731,2 0-1035,3 0 2679,11 0-2745,-6 0 2695,19 0-770,-19 0 907,22 0 0,-21 0 0,13 0 0,-13 0 0,4 0 0,0 0 0,21 0 0,-12 0 0,-2 0 0,0 0 0,10 0 57,-4-5 1,0-1 202,11 3-170,-22-3 0,2 0 51,1 1 1,-2 2 41,18 1-97,-7-5 1,0 0 193,5 6-205,-17-5 1,-1 1 200,11 4-392,-2-6 245,1 5-337,0 0 151,0 0-25,0-1-83,21-1 122,-14 1 7,-8 0 0,1 0 19,7 0-33,-18 1 1,0-1 38,11 0 18,-1-1 64,-1 2 34,-1-1-86,0 1-86,-1 0 39,20 0-7,-15 1-12,-5-1 1,-1 1-9,9-1-43,16-1 53,-16 0 147,1 0-58,2-1-64,-13 1 0,0 0 164,19-1-148,-8 1 1,0 0 133,5-1-151,-20 3 1,0-1 9,11 0-39,-3 0 146,-1 0-162,15-3 80,-15 4-29,-6-2 0,0 0-45,3 1 163,26-3-36,-28 3-29,24-3-14,-26 4 1,9-3-3,-1 2-62,-11 1-20,22 0-42,-23 1-41,21 0 17,-23 0-21,12 0 41,-13 0 19,1 0-75,1 0 73,17 0 156,-12 0-157,28 0 90,-25 0 0,26 0 0,-25 0 0,10 0 90,-14 0-180,-1 0 90,1 0 90,11 0-180,-10-8 803,21 6-642,-23-6 489,25 3-483,-20 4 77,12-7 134,8 5-182,-14-2 27,-5 3 0,0-1-462,8 0 354,-7 1 0,0 0-417,6 0 317,13 0 188,-21 1-353,-1-1 233,1 2-161,12-1 78,-13 1-31,22 0 44,-27 0-16,8 0 275,-18 0-229,-2 0 218,1 11 753,-7-8-545,1 17 1699,-6-11-588,-4 1 796,3 12 114,-5-13 286,0 13 196,-2-8-872,1 1 467,-2 3-1255,2 2 302,-1 1-696,0 0-101,2 13-192,-1-8-264,2 21-240,-2-17 294,1 7-407,-3-7 270,0 0-50,0 2-103,0 3 177,0 0-115,0 5 183,0 20-144,-17-12-235,15-6 0,0 1 53,-15 7-178,11-18 1,2 2 167,1 30-24,-7-15-85,5-8 1,2-1 3,0 6 165,-9 14-88,11-19 125,-4 0 210,5-5 1,0 0 52,0 11-325,-1-4 0,2-2 282,13-4-504,-11 21 306,10-28-461,-13 22 452,0-26 159,0 11-190,0-13 8,0 0 38,0 1 605,0 9-472,0-7 512,0 16-714,0-18 0,-10 4-661,7-10 399,-7-1-773,10 1 1035,0-3 0,-5 1-597,4-4 410,-8 7-630,8-6 1350,-7 10-862,5-12 952,-2 3-1244,1-8-354,2 1 1096,0-2-641,0 0 875,1-1-599,-1-2-292,0 1 68,0-1 244,-1 0-558,1-1 141,-2-1-1211,-2 1-201,0-1-360,-8 0 641,3 0-220,-11-1-164,7 1 939,-5 0-678,-6-1 1472,5 0-44,-23 0 90,14 0 204,-27 0 64,19 0-52,-12 0 153,10 0-142,-2 0 150,-1 0-45,9 0 0,-1 0 45,-20 0 0,4 0 0,0 0 0,-13 0 40,7 5 1,0 0 27,22-4 0,1 1 64,-12 7 1,1 0 249,-18-7-324,0 5 81,0-7-139,1 5 158,2-3-199,0 2 21,17-3 1,0-2-98,9 3 1,-1 0-90,-25-1 0,-1 0 208,23 1 1,1 0-82,-15-1 0,0 0 94,13 0 1,2-1-83,-4 1 1,0-1 69,-2 2 0,-1-1-21,-2 1 1,-1-1 33,-2 1 1,-1 0-53,0 0 1,-4 0 44,4 1 1,-4-1 0,2 1 6,-7 0 0,-3 1 6,13-1 0,-4 0 0,0 0 0,5 0 26,-11 1 1,2-1-20,10 1 0,-3-1 0,2 1 53,-19 1 1,4-1-86,16 0 0,-2 0 34,-1 1 1,-4 0-1,5-1 13,5 0 0,2 0 1,-14 2 1,2 0-8,16-3 1,2 0-56,0 1 0,-3-1 22,-7 0 0,-6 1 0,4-1-16,1 0 1,-2-1-2,-12 2 1,-7 0 0,7 0 10,14-3 0,1 0-61,-6 1 1,-4 1 0,4 0 7,5-1 0,1 0 17,-3 0 1,-5 1 0,6-1-9,5 0 1,2-1 7,-9 1 0,0 0 10,5-1 0,4 0-45,-17 1 56,13-1 0,1 0-746,1-1-819,-16 1 705,33-1-110,-1 0 967,15 0 0,5 0 0,3 0 0</inkml:trace>
-  <inkml:trace contextRef="#ctx0" brushRef="#br0" timeOffset="1.82039E6">5395 1011 10141,'0'36'720,"0"8"-540,0-7-180,0 7 0,0-10 0,0 19 180,0-16-90,0 14-90,14-22 89,-10-2 1,10-4 90,-14-3 90,9-4 0,-7-4 0,7-5-270,-9-1-180,6-27 0,0-8-270,9-34 91,-4 8-1303,2-4 942,-1 16-449,-2 1 57,1 6-147,-1 2 1259,0 8 0,0 4 0,-1 4 0</inkml:trace>
-  <inkml:trace contextRef="#ctx0" brushRef="#br0" timeOffset="1.82072E6">5787 1312 10321,'12'-21'270,"-9"-13"-270,20 30 90,-20-25 0,16 26 180,-17-19-90,15 12-180,-14-7 90,5 6 89,-24 6-89,-8 22-90,-11 4 0,-1 22 0,19-12-90,-3 2-629,18-1-91,-5-7-809,7 13 630,20-18-270,-15 3 1259,39-12 0,-21-5 0,22-2 0</inkml:trace>
-  <inkml:trace contextRef="#ctx0" brushRef="#br0" timeOffset="1.8211E6">6300 1127 9871,'-21'-11'990,"15"2"-271,-36 4-539,19 4-90,-19 1 0,6 21-90,15 7 90,-3 27-180,18-10-90,0-8 0,1-1 90,0 1-449,24 23 269,3-40-540,20 2 720,0-15 90,2-19 0,-5-10 180,-9-20 450,-13-4-360,-8 8 180,-9-4-361,0 21 541,0-7-630,0 41-90,0 7 180,0 22-90,0 3-90,0-8-180,0 2-809,0 17 0,0-15-1080,0 26 562,0-33 1597,0 8 0,0-18 0,0-3 0</inkml:trace>
-  <inkml:trace contextRef="#ctx0" brushRef="#br0" timeOffset="1.82155E6">6605 1239 10411,'18'17'540,"-4"0"-540,0 3 90,-1 5-180,3-5 180,10 13-90,-16-5 0,13-4 0,-11-9-90,2-2-90,-1-3-90,10-3 90,-6-4 0,12-2 90,-12-16 90,8-5 90,-13 0 0,1-14-90,-8 29 180,-1-33 0,-3 25 90,0-16-270,-1 7 809,0 5-899,0 25 90,17 6-449,-13 27-1,28-4-90,-28-8-449,22-3-271,-12-7 451,12-3-270,-5-4 1079,-1-6 0,-7-6 0,0 0 0</inkml:trace>
-  <inkml:trace contextRef="#ctx0" brushRef="#br0" timeOffset="1.82174E6">7155 1233 8162,'-13'-3'1889,"10"16"-1889,-9 2-270,24 17 1,-9-1-631,22 1 180,-22-7-179,16-4 899,-17-8 0,5-3 0,-7 0 0</inkml:trace>
-  <inkml:trace contextRef="#ctx0" brushRef="#br0" timeOffset="1.82195E6">7097 1000 9602,'-8'0'-90,"4"0"-1889,-2 0 360,4 14 1619,20-10 0,-13 23 0,15-11 0</inkml:trace>
-  <inkml:trace contextRef="#ctx0" brushRef="#br0" timeOffset="1.82222E6">7302 1075 9422,'3'20'629,"3"8"-449,-3-25-90,3 24 180,0-14-180,1 15 90,2-4-180,0 1 180,5 14-90,-3-10-180,8 18 90,-9-23 180,4 13-90,-7-21-1,0 1-268,-3-11-1,-2-3-900,1-1 631,-2-22-631,0-6 540,1-10-719,0-14 407,2 20 852,1-11 0,1 17 0,-1 0 0</inkml:trace>
-  <inkml:trace contextRef="#ctx0" brushRef="#br0" timeOffset="1.82248E6">7668 1295 7982,'13'11'270,"2"-9"-180,0 9 0,1-11 90,0 0-90,0 0-180,1 0 180,0-15 0,-1 11 90,-1-28 0,-2 28 180,0-40-1,-6 27 271,0-30-360,-6 26 0,-1-4-90,0 11-180,0 2 90,-18 5 269,14-1-269,-27 7-180,27 20-90,-9 7-359,13 14-91,0-2-179,0-9-451,0 1-359,26-4 1619,-4-2 0,26-4 0,-11-2 0</inkml:trace>
-  <inkml:trace contextRef="#ctx0" brushRef="#br0" timeOffset="1.82312E6">5613 2314 10951,'0'-11'1259,"0"2"-1079,0 2-360,0 1 990,0 2-900,0 19 90,0 10-90,0 11-90,0 3-90,0-6-90,0 1-180,12 0-359,-9-1-1260,9 11 1170,-5-15 989,-5 13 0,11-24 0,-7 2 0</inkml:trace>
-  <inkml:trace contextRef="#ctx0" brushRef="#br0" timeOffset="1.82327E6">5638 2212 8432,'0'31'0</inkml:trace>
-  <inkml:trace contextRef="#ctx0" brushRef="#br0" timeOffset="1.82364E6">5930 2236 9871,'8'35'1170,"-2"-6"-631,7 12-629,-5-15 90,13 29 90,-11-27-270,10 20 91,-12-29-181,1 2 90,-4-11-360,-1-2 180,-2-6 90,1-1 91,-2-16 179,2-6 0,2-21 90,1 8-1,0-3 1,0 12-90,-1 2 270,2 3 90,-2 9 180,0-5-270,-1 14 179,3-7-539,-2 9 180,7 19-90,-4-14 0,5 33-180,-4-20-179,3 16-361,-1-4-1079,7 12 720,-3-10 1079,17 16 0,-9-25 0,10 4 0</inkml:trace>
-  <inkml:trace contextRef="#ctx0" brushRef="#br0" timeOffset="1.82382E6">6625 2357 10591,'-36'18'720,"0"2"-720,15 13 0,-9-4-180,26-3-360,-20 1-449,22 2-900,-7 11 539,9-9 1350,19 6 0,-15-15 0,15-1 0</inkml:trace>
-  <inkml:trace contextRef="#ctx0" brushRef="#br0" timeOffset="1.82415E6">6887 2662 9062,'0'-39'180,"0"5"-180,14-1 270,-11-9-91,26 7-1722,-25-11 1813,20 13-180,-21 0 270,6 0 198,-2-13-288,-5 14 706,4-19-976,-6 27 0,-16-8 0,12 20 1157,-12 2-1157,16 26 651,0 14-1011,0 28 0,0-5-270,0-13 1,0-1-501,0 10 230,17 13-899,1-6 1799,3-13 0,8 6 0,-9-17 0</inkml:trace>
-  <inkml:trace contextRef="#ctx0" brushRef="#br0" timeOffset="1.82453E6">7222 2504 10051,'14'17'1260,"7"-13"-1260,-19 25 0,14-11 0,-14 6 0,9 0 0,-6-6-180,3-3 0,0-1-180,3 3 0,-3-9-359,5 3 629,-5-9-90,1 0 180,0-2 0,-2-21 0,3 16 0,-2-35 0,2 24 90,-3-17 180,1 8-91,-2 2 1,0 1 1259,-2 0-1439,0 11 0,-2 17 0,1-2-809,0 31-1,0-10-1348,5 18 272,-1-9 1886,4-11 0,0 0 0,1-6 0</inkml:trace>
-  <inkml:trace contextRef="#ctx0" brushRef="#br0" timeOffset="1.82497E6">7757 2380 10501,'-33'17'1079,"-2"2"-1079,2 22 180,13-9-270,-4 3 180,22-9-180,-8 1-90,10 8 1,0-10-1,0 3-270,24-9 90,1-11 180,26 0 0,-6-29-90,-9 16 270,-13-38 0,2 23 0,-21-22 0,22 9 0,-24-3 0,14-1 0,-15-3 90,7 2 270,-7-20 0,2 15-45,-3 7 0,0 1-46,0-2-179,-17-10 0,13 23-90,-13 2 180,17 7 810,0 4-990,0 27 90,0 12-90,0 18-90,0 2-130,0-6-50,0 2-90,0 2-315,-1-12 1,2-1-225,10 18-91,-6-10 1,1-1-818,7 4 1807,5 9 0,-9-23 0,9-1 0</inkml:trace>
-  <inkml:trace contextRef="#ctx0" brushRef="#br0" timeOffset="1.82525E6">8110 2679 9332,'4'0'359,"3"0"-359,-3 0 90,11 0-90,-3 0 0,9-16 0,10-2 0,-7-2 0,22-19 0,-22 24-538,7-22 718,-14 16 81,-4 0 98,-3 0 361,-5-7-450,-2 8 180,-3-7-361,-18 14 271,13 2-90,-32 7 264,18 3-444,-5 22-90,-1-16 0,22 50-90,-8-31-405,8 10 0,6 1-494,18 0-1174,1 13 274,24-20 1889,3-2 0,10-4 0,-26-13 0,0 0 0</inkml:trace>
-  <inkml:trace contextRef="#ctx0" brushRef="#br0" timeOffset="1.83092E6">9080 670 9332,'5'20'899,"-1"13"-629,-3-18-90,-1 17-5751,0-1 5751,0 6-90,0 5 1161,0 4-1161,0 3 0,0 2 0,0 1 286,0 2-376,0 0 0,10-16 0,0 1 0,-5 18 0,14-20 0,0-1 0,-15 11 0,27-1-90,-27-3 1,24-1-1,-16-5-90,13-1 90,-6-5-90,1-3 0,-1-2 2805,10 1-2714,-8-9 199,13 2-290,-17-13 938,9-2-758,-15-4 0,4-1 0,-8-18 179,-3-4 361,-1-19-270,-3 3 0,-16 15 0,12-8-90,-28 21 89,15-5-89,-18 9-180,10 31 0,-7 14 90,12 15-1471,-4 6 1381,9-9 0,4 3-373,8-13 1,1 2 372,-1 23 0,3-24 0,0 2 0,0 1 0,0-1-45,0-11 0,0 1-135,0 23 1,0 0-181,0 8 45,6-24 0,0-1-314,-3 11-361,9-4-179,-12-4-450,0-5 1542,0-6 0,0-5 1,0-2-1</inkml:trace>
-  <inkml:trace contextRef="#ctx0" brushRef="#br0" timeOffset="1.83147E6">10083 1180 9691,'0'-5'-179,"0"0"-1,0 1 180,-14 2 0,11 14 0,-11 6 0</inkml:trace>
-  <inkml:trace contextRef="#ctx0" brushRef="#br0" timeOffset="1.83208E6">10157 1110 10951,'0'-9'1079,"0"0"-359,0 3-630,0 25-90,0 15 0,0 15-45,9-9 0,1 1-135,-5 10-180,12-4 0,1 1-1033,-3 5 1123,-6-19 1,1-1-361,9 9-179,-17-3 179,13-5-9,-9 8 279,1-15-1439,-3 7 1799,-4-21 0,0-2 0,0-8 0</inkml:trace>
-  <inkml:trace contextRef="#ctx0" brushRef="#br0" timeOffset="1.8322E6">10110 1661 9062,'-25'-24'899,"2"0"-719,2 3 90,2-7-270,9 7 0,1-3 0,9 9-180,25 2-180,-19 2-270,31 2 1,8 3-270,-6-3 715,19 1 1,3 1-1,5 2 1,-21 2 0,0 1-1</inkml:trace>
-  <inkml:trace contextRef="#ctx0" brushRef="#br0" timeOffset="1.83239E6">10798 1538 9691,'-12'15'720,"10"0"-450,-22 7-270,21-5 90,-9 14-540,12-12-719,0 12 359,0-13-179,20 4-450,-15-10 1439,15-2 0,-3-3 0,4-4 0</inkml:trace>
-  <inkml:trace contextRef="#ctx0" brushRef="#br0" timeOffset="1.83253E6">10765 1305 8342,'-13'-6'0,"3"2"0,10 3 0</inkml:trace>
-  <inkml:trace contextRef="#ctx0" brushRef="#br0" timeOffset="1.83287E6">11075 1436 9332,'0'21'719,"0"1"-539,0 1-90,0 0 0,0 8-90,0-7 0,0 5-180,0-10 0,0-1-90,0-2-359,0 1 269,0-5-989,0-2 1259,14-6 90,-10-22 90,20-5 90,-8 0 179,-2-18 91,16 15-90,-21-2 629,17-7-629,-17 32 90,5-12-270,-7 15-180,1 15 90,-2-12-90,0 34 0,2-19-270,6 34-180,-3-20-719,12 19 359,-9-24 810,12 2 0,-10-19 0,5-4 0</inkml:trace>
-  <inkml:trace contextRef="#ctx0" brushRef="#br0" timeOffset="1.83323E6">11567 1078 10051,'0'48'1349,"0"-9"-1079,0 8-180,0-11-90,0 4 90,0 1 0,14 0-90,-11-1 0,11 9 0,-3-16-180,-8 13 0,8-27 180,-4 0-539,-5-11 269,8-5 0,-5-1 270,2-19 0,5-2 0,-3 0 0,6-15 0,-3 29 360,-1-28 359,8 29-719,-7-11 90,5 15-90,-10 19-90,-1 12-179,0 9-181,-3 4-90,0-14 0,-3 1-179,1-5-91,0-2 810,-1-4 0,0-4 0,0 0 0</inkml:trace>
-  <inkml:trace contextRef="#ctx0" brushRef="#br0" timeOffset="1.83342E6">11180 681 11311,'-31'-20'539,"-1"4"-269,6 7 0,2 5-180,-2 3-180,11 20-450,-8 13-359,15 12-1080,3-8 0,1 1 1979,2 14 0,9-16 0,3 0 0,12 17 0</inkml:trace>
-  <inkml:trace contextRef="#ctx0" brushRef="#br0" timeOffset="1.8338E6">12317 898 12030,'-16'-26'720,"-3"-2"-360,8 12-1,1 2-359,7 39 0,3 17 0,0 19-952,8-13 1,1 0 591,-5 16-135,11-7 1,2-1 89,-8-22 0,-2-2-90,2 9 1,1 1-361,3-4 1,0-3 44,1 19 810,-2-14 0,0-2 0,1 1 0,-6 7 0</inkml:trace>
-  <inkml:trace contextRef="#ctx0" brushRef="#br0" timeOffset="1.8342E6">12257 1556 9242,'0'-26'180,"0"1"-270,0 0 90,0 0 0,0 1 0,17-5 0,-13 9 180,31-2-1,-31 13-89,35 2 90,-21 5-180,18 0 180,-9 2 0,1 0 180,14 20-180,-12 4-135,-4-1 0,-1 1 45,2 13 0,7 0-180,-11-11 90,-2 1 0,-1-3-90,1-1-90,-1-3 0,2-1-90,8-3 0,-4-7-90,17-1 271,-13-8-1,18-18 90,-19-7 0,6-10 539,-7-16-179,-9 19 540,1-25-721,-13 27 91,-3-14-90,-4 26 0,0-4-540,0 72 0,0-27-218,-2 12 1,4 1-322,14-8-180,-12-2 1079,47 4 0,-29-15 0,28 1 0</inkml:trace>
-  <inkml:trace contextRef="#ctx0" brushRef="#br0" timeOffset="1.83448E6">12862 1018 9961,'-9'-4'900,"4"0"-450,2 2-1,20 1-449,4 0 180,0 15-180,14-11 0,-31 27 0,32-27 0,-32 32-360,25-10 180,-17 9-719,3 5 89,-6-18-2608,-9 6 3418,0-14 0,-21-3 0,-6-7 0</inkml:trace>
-  <inkml:trace contextRef="#ctx0" brushRef="#br0" timeOffset="1.83462E6">13050 730 10411,'36'-11'0,"2"1"-90,2 6-1127,3 1 317,2 3-629,2 0 1529,2 14 0,0-10 0,1 10 0</inkml:trace>
-  <inkml:trace contextRef="#ctx0" brushRef="#br0" timeOffset="1.83508E6">13747 1175 10771,'0'-39'1439,"0"5"-1259,0 2-90,0 7 0,16 4 90,-12 4 359,12 5-539,-16 30 90,0-2-90,0 28 180,9 13-90,2-10-90,0-5 0,1 1-437,8 5 347,2 13 180,-2-26-90,0-3 90,3-8-90,0-2 0,4-8-90,0-5-180,16-6-90,-8-18-539,23-14 269,-25-8-359,8-9-1260,-10-11 508,-10 12 1741,0-11 0,-13 19 0,-2 3 0</inkml:trace>
-  <inkml:trace contextRef="#ctx0" brushRef="#br0" timeOffset="1.83535E6">14527 1196 10681,'-19'-10'2159,"4"29"-2249,15-4-270,0 21-90,0 0 0,12-11-449,-9 1-180,9-2-91,-12-2-269,8-3 1439,-6-3 0,6-2 0,-8-2 0</inkml:trace>
-  <inkml:trace contextRef="#ctx0" brushRef="#br0" timeOffset="1.83553E6">14490 701 10951,'-9'-5'-2519,"-5"2"-89,13 20 2608,-5 8 0,6 14 0,0 0 0</inkml:trace>
-  <inkml:trace contextRef="#ctx0" brushRef="#br0" timeOffset="1.8357E6">14505 1951 10321,'0'5'-203,"0"-1"1,0-19 0,0-5 0</inkml:trace>
-  <inkml:trace contextRef="#ctx0" brushRef="#br0" timeOffset="1.83595E6">15210 862 12030,'0'19'810,"0"8"-1080,0 18-90,16 0-2019,-13-6 1660,27 1-271,-26 0 1,24 0-1359,-12 20 2348,1-16 0,2 14 0,-10-19 0</inkml:trace>
-  <inkml:trace contextRef="#ctx0" brushRef="#br0" timeOffset="1.83624E6">15115 1312 9422,'0'-24'449,"0"2"-179,15 2 0,-11 2 0,10 2 180,6 0-270,2 9-270,11 1 180,-3 6-90,-7 0 179,2 14-269,0-10 180,1 25-90,-2-25 0,8 30 0,-9-11 0,10 15 90,-15-16 0,0 1 90,-7-21-180,-3 13 0,0-14-180,0 4 0,-2-22-449,4-9 269,-3-10-989,8-23 719,-3 21-179,4-17 809,4 3 0,-4 15 0,7-11 0</inkml:trace>
-  <inkml:trace contextRef="#ctx0" brushRef="#br0" timeOffset="1.83645E6">15938 1267 10321,'1'9'1259,"1"0"-1079,0-2-90,-1-2 0,2-1-90,-2-1 0,1 0 0,0 3 0,0 0-90,2 1-180,-1 2-269,2-1-1440,1 7 809,1-3 1170,5 5 0,-3-7 0,3 3 0</inkml:trace>
-  <inkml:trace contextRef="#ctx0" brushRef="#br0" timeOffset="1.8366E6">16067 1066 9871,'0'32'0</inkml:trace>
-  <inkml:trace contextRef="#ctx0" brushRef="#br0" timeOffset="1.8368E6">16373 641 11490,'-14'20'-809,"-4"-15"-270,16 39-271,-14-22-898,8 23 2248,-8-5 0,2 6 0,-1 3 0</inkml:trace>
-  <inkml:trace contextRef="#ctx0" brushRef="#br0" timeOffset="1.83768E6">16858 1200 11490,'0'-4'1080,"-14"2"-990,10 15 0,-27-10-90,16 42 0,-4-23-90,2 40-90,15-28 0,-6 8-180,25-7 180,-12-11-539,26 6 179,-9-20 180,17 0 270,2-10 90,-7-15-90,-7 11 90,-8-30 0,-2 10 90,-8-11 270,2-7-90,-11 16 0,3-4-270,-3 12 629,0 0-629,0 30 0,20-16 0,-16 43 0,31-35 0,-31 33-90,29-32-89,-17 30-91,15-31 90,-7 23 0,-1-24-270,11 7 360,-9-10 90,15 0 0,-19-14 90,1 10-180,-10-27 450,-4 26 90,-3-31-90,-2 14-1,-3-10-89,0 6-270,0 7 0,-14 5-540,10 20-539,-11 11 360,15 24-91,0-10-1709,21 2 2519,6-6 0,14-13 0,-2 1 0</inkml:trace>
-  <inkml:trace contextRef="#ctx0" brushRef="#br0" timeOffset="1.838E6">17802 1268 10861,'-20'-18'1169,"16"2"-989,-33 9-180,22 2 0,-15 22 0,17 2-270,3 20 180,10-3-90,25-5 90,-3 0 0,23-16 180,-10-2-180,-5-8 180,-13-20 180,-1-3-90,-15-15-270,5 3-1349,-6 3 0,0 27 449,0 9-269,14 9 1259,-10 11 0,22-25 0,-10 13 0</inkml:trace>
-  <inkml:trace contextRef="#ctx0" brushRef="#br0" timeOffset="1.83822E6">17830 776 11131,'22'-30'719,"5"-4"-719,0 11 90,31 0 0,-39 16-90,31 3-450,-29 4-179,-2 23-2340,-9 12 811,-3 14 1987,-34 7 0,0-6 0,2-22 0,-1-1 1</inkml:trace>
-  <inkml:trace contextRef="#ctx0" brushRef="#br0" timeOffset="1.83888E6">12867 2054 10231,'10'-8'1439,"1"2"-989,0 0-90,-2 1 0,1-2-180,-4 2 449,2 0-449,-6 3-90,4 1 180,-3 1-90,1 17 0,1-13 0,0 34-90,2-17-1,1 23 1,-2-12 0,1 1 0,3 24-1331,-1 1 0,-1 3 1241,-3-21 0,0 1 0,2 15 0,0 1 0,-2-13 0,0-2-828,1 3 0,-1-1 828,0 0 0,0 2-45,3 17 0,1 1 0,-3-17 0,0 0-45,0 2 0,0 4 0,0-5-106,-1-7 1,0-1-75,2 22 0,0-1 1,1 2 134,-4-24 0,0-1-855,1 21 451,-2-17-901,-1 12 361,-1-30-2741,-1 2 3820,0-16 0,0-3 0,0-6 0</inkml:trace>
-  <inkml:trace contextRef="#ctx0" brushRef="#br0" timeOffset="1.83937E6">12888 3305 12030,'0'-3'2429,"17"0"-2429,-13 20 180,24 11-180,-25 11 90,20 4-90,-7 15 0,5-9 45,-6-5 0,0 0-1012,3 11 1012,-6-20 0,0 0-45,4 12 90,-1-1-90,0-5 0,-1-4-260,0-5 260,-2-4 356,3-1-86,-3-12-180,0-1-90,-4-12 786,5-17-786,-3 11 0,5-37 0,0 19 0,3-25 0,3 4-360,-3 8 0,1-2-254,10-22-376,-2 7 1,1-1-1,-11 21 1,-1 1 989,12-22 0,0 1 0,3-7 0,-11 21 0,0 1 0</inkml:trace>
+  <inkml:trace contextRef="#ctx0" brushRef="#br1" timeOffset="92503.08">10048 5681 3977,'0'29'9830,"0"-1"-2917,0-8-4865,0-3-819,0-5-410,-12 0-1923,10 2 1412,-10-2 1299,12 1-1607,0-1 0,0 0 0,0 5 0,0-3 0,0 3 1477,0-4-1045,0 1 1034,0-1-1466,-7 10-485,5-6 304,-4 17-201,6-13 292,-3 15 20,2-15 1,-2 6-230,3-8 299,0 0 664,0-1-482,0 7 200,0-6-382,0 13 160,0-14-91,0 8 139,0-1-208,0-5 0,0 12 0,0-12 0,0 11 0,0-12 90,0 3-180,0-5 90,0-2 0,0 2 0,0 4 0,0-4 0,0 9 0,0-12 0,0 5 0,0-6 90,0-1-90,0 1-90,0-1 180,0 2-180,0-3 90,0 10 90,10-7-1249,-8 12 977,8-11-912,-4 5 519,-5-6 279,7 0-646,-7 0 867,3-1-574,-2 2 1639,2-2-1482,-1 8 1326,1-6-780,-1 11-40,-1-12 691,0 6-793,1-7 264,-1 0-306,1 0 346,2 6-513,-2-5 474,5 11-574,-6-11 418,5 11-382,-5-10 519,7 17-299,-5-16 175,5 18-3,-4-20-319,2 12 263,-3-11-152,4 10 127,-3-8-181,2 4 118,-2 3 125,0-5 14,1 13 259,-3-12-117,1 4 93,-2-7 116,0-2-143,0 0 173,0-1-228,-1 0 218,-1 1-50,0 8 100,0-6-225,0 15-27,0-15 118,0 7 14,0-9-185,0-1-39,0 1-13,0-2-90,0 0 0,0 0 0,0 8 0,-11-6-1169,9 13 986,-9-13-1238,11 5 1151,-6-6-1086,5-2 587,-5 0 646,4 0 0,1-3 0,-1 1 1</inkml:trace>
+  <inkml:trace contextRef="#ctx0" brushRef="#br1" timeOffset="94963.08">10123 5646 2987,'14'16'7017,"-11"5"-1950,19-19-7711,-20 11 5161,16-12-4313,-9 4 1497,8-5-923,0 0 1222,1 0-1731,2 0-1035,3 0 2679,11 0-2745,-6 0 2695,19 0-770,-19 0 907,22 0 0,-21 0 0,13 0 0,-13 0 0,4 0 0,0 0 0,21 0 0,-12 0 0,-2 0 0,0 0 0,10 0 57,-4-5 1,0-1 202,11 3-170,-22-3 0,2 0 51,1 1 1,-2 2 41,18 1-97,-7-5 1,0 0 193,5 6-205,-17-5 1,-1 1 200,11 4-392,-2-6 245,1 5-337,0 0 151,0 0-25,0-1-83,21-1 122,-14 1 7,-8 0 0,1 0 19,7 0-33,-18 1 1,0-1 38,11 0 18,-1-1 64,-1 2 34,-1-1-86,0 1-86,-1 0 39,20 0-7,-15 1-12,-5-1 1,-1 1-9,9-1-43,16-1 53,-16 0 147,1 0-58,2-1-64,-13 1 0,0 0 164,19-1-148,-8 1 1,0 0 133,5-1-151,-20 3 1,0-1 9,11 0-39,-3 0 146,-1 0-162,15-3 80,-15 4-29,-6-2 0,0 0-45,3 1 163,26-3-36,-28 3-29,24-3-14,-26 4 1,9-3-3,-1 2-62,-11 1-20,22 0-42,-23 1-41,21 0 17,-23 0-21,12 0 41,-13 0 19,1 0-75,1 0 73,17 0 156,-12 0-157,28 0 90,-25 0 0,26 0 0,-25 0 0,10 0 90,-14 0-180,-1 0 90,1 0 90,11 0-180,-10-8 803,21 6-642,-23-6 489,25 3-483,-20 4 77,12-7 134,8 5-182,-14-2 27,-5 3 0,0-1-462,8 0 354,-7 1 0,0 0-417,6 0 317,13 0 188,-21 1-353,-1-1 233,1 2-161,12-1 78,-13 1-31,22 0 44,-27 0-16,8 0 275,-18 0-229,-2 0 218,1 11 753,-7-8-545,1 17 1699,-6-11-588,-4 1 796,3 12 114,-5-13 286,0 13 196,-2-8-872,1 1 467,-2 3-1255,2 2 302,-1 1-696,0 0-101,2 13-192,-1-8-264,2 21-240,-2-17 294,1 7-407,-3-7 270,0 0-50,0 2-103,0 3 177,0 0-115,0 5 183,0 20-144,-17-12-235,15-6 0,0 1 53,-15 7-178,11-18 1,2 2 167,1 30-24,-7-15-85,5-8 1,2-1 3,0 6 165,-9 14-88,11-19 125,-4 0 210,5-5 1,0 0 52,0 11-325,-1-4 0,2-2 282,13-4-504,-11 21 306,10-28-461,-13 22 452,0-26 159,0 11-190,0-13 8,0 0 38,0 1 605,0 9-472,0-7 512,0 16-714,0-18 0,-10 4-661,7-10 399,-7-1-773,10 1 1035,0-3 0,-5 1-597,4-4 410,-8 7-630,8-6 1350,-7 10-862,5-12 952,-2 3-1244,1-8-354,2 1 1096,0-2-641,0 0 875,1-1-599,-1-2-292,0 1 68,0-1 244,-1 0-558,1-1 141,-2-1-1211,-2 1-201,0-1-360,-8 0 641,3 0-220,-11-1-164,7 1 939,-5 0-678,-6-1 1472,5 0-44,-23 0 90,14 0 204,-27 0 64,19 0-52,-12 0 153,10 0-142,-2 0 150,-1 0-45,9 0 0,-1 0 45,-20 0 0,4 0 0,0 0 0,-13 0 40,7 5 1,0 0 27,22-4 0,1 1 64,-12 7 1,1 0 249,-18-7-324,0 5 81,0-7-139,1 5 158,2-3-199,0 2 21,17-3 1,0-2-98,9 3 1,-1 0-90,-25-1 0,-1 0 208,23 1 1,1 0-82,-15-1 0,0 0 94,13 0 1,2-1-83,-4 1 1,0-1 69,-2 2 0,-1-1-21,-2 1 1,-1-1 33,-2 1 1,-1 0-53,0 0 1,-4 0 44,4 1 1,-4-1 0,2 1 6,-7 0 0,-3 1 6,13-1 0,-4 0 0,0 0 0,5 0 26,-11 1 1,2-1-20,10 1 0,-3-1 0,2 1 53,-19 1 1,4-1-86,16 0 0,-2 0 34,-1 1 1,-4 0-1,5-1 13,5 0 0,2 0 1,-14 2 1,2 0-8,16-3 1,2 0-56,0 1 0,-3-1 22,-7 0 0,-6 1 0,4-1-16,1 0 1,-2-1-2,-12 2 1,-7 0 0,7 0 10,14-3 0,1 0-61,-6 1 1,-4 1 0,4 0 7,5-1 0,1 0 17,-3 0 1,-5 1 0,6-1-9,5 0 1,2-1 7,-9 1 0,0 0 10,5-1 0,4 0-45,-17 1 56,13-1 0,1 0-746,1-1-819,-16 1 705,33-1-110,-1 0 967,15 0 0,5 0 0,3 0 0</inkml:trace>
+  <inkml:trace contextRef="#ctx0" brushRef="#br0" timeOffset="102403.08">5395 1011 10141,'0'36'720,"0"8"-540,0-7-180,0 7 0,0-10 0,0 19 180,0-16-90,0 14-90,14-22 89,-10-2 1,10-4 90,-14-3 90,9-4 0,-7-4 0,7-5-270,-9-1-180,6-27 0,0-8-270,9-34 91,-4 8-1303,2-4 942,-1 16-449,-2 1 57,1 6-147,-1 2 1259,0 8 0,0 4 0,-1 4 0</inkml:trace>
+  <inkml:trace contextRef="#ctx0" brushRef="#br0" timeOffset="102733.08">5787 1312 10321,'12'-21'270,"-9"-13"-270,20 30 90,-20-25 0,16 26 180,-17-19-90,15 12-180,-14-7 90,5 6 89,-24 6-89,-8 22-90,-11 4 0,-1 22 0,19-12-90,-3 2-629,18-1-91,-5-7-809,7 13 630,20-18-270,-15 3 1259,39-12 0,-21-5 0,22-2 0</inkml:trace>
+  <inkml:trace contextRef="#ctx0" brushRef="#br0" timeOffset="103113.08">6300 1127 9871,'-21'-11'990,"15"2"-271,-36 4-539,19 4-90,-19 1 0,6 21-90,15 7 90,-3 27-180,18-10-90,0-8 0,1-1 90,0 1-449,24 23 269,3-40-540,20 2 720,0-15 90,2-19 0,-5-10 180,-9-20 450,-13-4-360,-8 8 180,-9-4-361,0 21 541,0-7-630,0 41-90,0 7 180,0 22-90,0 3-90,0-8-180,0 2-809,0 17 0,0-15-1080,0 26 562,0-33 1597,0 8 0,0-18 0,0-3 0</inkml:trace>
+  <inkml:trace contextRef="#ctx0" brushRef="#br0" timeOffset="103563.08">6605 1239 10411,'18'17'540,"-4"0"-540,0 3 90,-1 5-180,3-5 180,10 13-90,-16-5 0,13-4 0,-11-9-90,2-2-90,-1-3-90,10-3 90,-6-4 0,12-2 90,-12-16 90,8-5 90,-13 0 0,1-14-90,-8 29 180,-1-33 0,-3 25 90,0-16-270,-1 7 809,0 5-899,0 25 90,17 6-449,-13 27-1,28-4-90,-28-8-449,22-3-271,-12-7 451,12-3-270,-5-4 1079,-1-6 0,-7-6 0,0 0 0</inkml:trace>
+  <inkml:trace contextRef="#ctx0" brushRef="#br0" timeOffset="103753.08">7155 1233 8162,'-13'-3'1889,"10"16"-1889,-9 2-270,24 17 1,-9-1-631,22 1 180,-22-7-179,16-4 899,-17-8 0,5-3 0,-7 0 0</inkml:trace>
+  <inkml:trace contextRef="#ctx0" brushRef="#br0" timeOffset="103963.08">7097 1000 9602,'-8'0'-90,"4"0"-1889,-2 0 360,4 14 1619,20-10 0,-13 23 0,15-11 0</inkml:trace>
+  <inkml:trace contextRef="#ctx0" brushRef="#br0" timeOffset="104233.08">7302 1075 9422,'3'20'629,"3"8"-449,-3-25-90,3 24 180,0-14-180,1 15 90,2-4-180,0 1 180,5 14-90,-3-10-180,8 18 90,-9-23 180,4 13-90,-7-21-1,0 1-268,-3-11-1,-2-3-900,1-1 631,-2-22-631,0-6 540,1-10-719,0-14 407,2 20 852,1-11 0,1 17 0,-1 0 0</inkml:trace>
+  <inkml:trace contextRef="#ctx0" brushRef="#br0" timeOffset="104493.08">7668 1295 7982,'13'11'270,"2"-9"-180,0 9 0,1-11 90,0 0-90,0 0-180,1 0 180,0-15 0,-1 11 90,-1-28 0,-2 28 180,0-40-1,-6 27 271,0-30-360,-6 26 0,-1-4-90,0 11-180,0 2 90,-18 5 269,14-1-269,-27 7-180,27 20-90,-9 7-359,13 14-91,0-2-179,0-9-451,0 1-359,26-4 1619,-4-2 0,26-4 0,-11-2 0</inkml:trace>
+  <inkml:trace contextRef="#ctx0" brushRef="#br0" timeOffset="105133.07">5613 2314 10951,'0'-11'1259,"0"2"-1079,0 2-360,0 1 990,0 2-900,0 19 90,0 10-90,0 11-90,0 3-90,0-6-90,0 1-180,12 0-359,-9-1-1260,9 11 1170,-5-15 989,-5 13 0,11-24 0,-7 2 0</inkml:trace>
+  <inkml:trace contextRef="#ctx0" brushRef="#br0" timeOffset="105283.08">5638 2212 8432,'0'31'0</inkml:trace>
+  <inkml:trace contextRef="#ctx0" brushRef="#br0" timeOffset="105653.08">5930 2236 9871,'8'35'1170,"-2"-6"-631,7 12-629,-5-15 90,13 29 90,-11-27-270,10 20 91,-12-29-181,1 2 90,-4-11-360,-1-2 180,-2-6 90,1-1 91,-2-16 179,2-6 0,2-21 90,1 8-1,0-3 1,0 12-90,-1 2 270,2 3 90,-2 9 180,0-5-270,-1 14 179,3-7-539,-2 9 180,7 19-90,-4-14 0,5 33-180,-4-20-179,3 16-361,-1-4-1079,7 12 720,-3-10 1079,17 16 0,-9-25 0,10 4 0</inkml:trace>
+  <inkml:trace contextRef="#ctx0" brushRef="#br0" timeOffset="105833.07">6625 2357 10591,'-36'18'720,"0"2"-720,15 13 0,-9-4-180,26-3-360,-20 1-449,22 2-900,-7 11 539,9-9 1350,19 6 0,-15-15 0,15-1 0</inkml:trace>
+  <inkml:trace contextRef="#ctx0" brushRef="#br0" timeOffset="106163.08">6887 2662 9062,'0'-39'180,"0"5"-180,14-1 270,-11-9-91,26 7-1722,-25-11 1813,20 13-180,-21 0 270,6 0 198,-2-13-288,-5 14 706,4-19-976,-6 27 0,-16-8 0,12 20 1157,-12 2-1157,16 26 651,0 14-1011,0 28 0,0-5-270,0-13 1,0-1-501,0 10 230,17 13-899,1-6 1799,3-13 0,8 6 0,-9-17 0</inkml:trace>
+  <inkml:trace contextRef="#ctx0" brushRef="#br0" timeOffset="106543.08">7222 2504 10051,'14'17'1260,"7"-13"-1260,-19 25 0,14-11 0,-14 6 0,9 0 0,-6-6-180,3-3 0,0-1-180,3 3 0,-3-9-359,5 3 629,-5-9-90,1 0 180,0-2 0,-2-21 0,3 16 0,-2-35 0,2 24 90,-3-17 180,1 8-91,-2 2 1,0 1 1259,-2 0-1439,0 11 0,-2 17 0,1-2-809,0 31-1,0-10-1348,5 18 272,-1-9 1886,4-11 0,0 0 0,1-6 0</inkml:trace>
+  <inkml:trace contextRef="#ctx0" brushRef="#br0" timeOffset="106983.08">7757 2380 10501,'-33'17'1079,"-2"2"-1079,2 22 180,13-9-270,-4 3 180,22-9-180,-8 1-90,10 8 1,0-10-1,0 3-270,24-9 90,1-11 180,26 0 0,-6-29-90,-9 16 270,-13-38 0,2 23 0,-21-22 0,22 9 0,-24-3 0,14-1 0,-15-3 90,7 2 270,-7-20 0,2 15-45,-3 7 0,0 1-46,0-2-179,-17-10 0,13 23-90,-13 2 180,17 7 810,0 4-990,0 27 90,0 12-90,0 18-90,0 2-130,0-6-50,0 2-90,0 2-315,-1-12 1,2-1-225,10 18-91,-6-10 1,1-1-818,7 4 1807,5 9 0,-9-23 0,9-1 0</inkml:trace>
+  <inkml:trace contextRef="#ctx0" brushRef="#br0" timeOffset="107263.08">8110 2679 9332,'4'0'359,"3"0"-359,-3 0 90,11 0-90,-3 0 0,9-16 0,10-2 0,-7-2 0,22-19 0,-22 24-538,7-22 718,-14 16 81,-4 0 98,-3 0 361,-5-7-450,-2 8 180,-3-7-361,-18 14 271,13 2-90,-32 7 264,18 3-444,-5 22-90,-1-16 0,22 50-90,-8-31-405,8 10 0,6 1-494,18 0-1174,1 13 274,24-20 1889,3-2 0,10-4 0,-26-13 0,0 0 0</inkml:trace>
+  <inkml:trace contextRef="#ctx0" brushRef="#br0" timeOffset="112933.07">9080 670 9332,'5'20'899,"-1"13"-629,-3-18-90,-1 17-5751,0-1 5751,0 6-90,0 5 1161,0 4-1161,0 3 0,0 2 0,0 1 286,0 2-376,0 0 0,10-16 0,0 1 0,-5 18 0,14-20 0,0-1 0,-15 11 0,27-1-90,-27-3 1,24-1-1,-16-5-90,13-1 90,-6-5-90,1-3 0,-1-2 2805,10 1-2714,-8-9 199,13 2-290,-17-13 938,9-2-758,-15-4 0,4-1 0,-8-18 179,-3-4 361,-1-19-270,-3 3 0,-16 15 0,12-8-90,-28 21 89,15-5-89,-18 9-180,10 31 0,-7 14 90,12 15-1471,-4 6 1381,9-9 0,4 3-373,8-13 1,1 2 372,-1 23 0,3-24 0,0 2 0,0 1 0,0-1-45,0-11 0,0 1-135,0 23 1,0 0-181,0 8 45,6-24 0,0-1-314,-3 11-361,9-4-179,-12-4-450,0-5 1542,0-6 0,0-5 1,0-2-1</inkml:trace>
+  <inkml:trace contextRef="#ctx0" brushRef="#br0" timeOffset="113483.08">10083 1180 9691,'0'-5'-179,"0"0"-1,0 1 180,-14 2 0,11 14 0,-11 6 0</inkml:trace>
+  <inkml:trace contextRef="#ctx0" brushRef="#br0" timeOffset="114093.08">10157 1110 10951,'0'-9'1079,"0"0"-359,0 3-630,0 25-90,0 15 0,0 15-45,9-9 0,1 1-135,-5 10-180,12-4 0,1 1-1033,-3 5 1123,-6-19 1,1-1-361,9 9-179,-17-3 179,13-5-9,-9 8 279,1-15-1439,-3 7 1799,-4-21 0,0-2 0,0-8 0</inkml:trace>
+  <inkml:trace contextRef="#ctx0" brushRef="#br0" timeOffset="114213.08">10110 1661 9062,'-25'-24'899,"2"0"-719,2 3 90,2-7-270,9 7 0,1-3 0,9 9-180,25 2-180,-19 2-270,31 2 1,8 3-270,-6-3 715,19 1 1,3 1-1,5 2 1,-21 2 0,0 1-1</inkml:trace>
+  <inkml:trace contextRef="#ctx0" brushRef="#br0" timeOffset="114403.08">10798 1538 9691,'-12'15'720,"10"0"-450,-22 7-270,21-5 90,-9 14-540,12-12-719,0 12 359,0-13-179,20 4-450,-15-10 1439,15-2 0,-3-3 0,4-4 0</inkml:trace>
+  <inkml:trace contextRef="#ctx0" brushRef="#br0" timeOffset="114543.08">10765 1305 8342,'-13'-6'0,"3"2"0,10 3 0</inkml:trace>
+  <inkml:trace contextRef="#ctx0" brushRef="#br0" timeOffset="114883.08">11075 1436 9332,'0'21'719,"0"1"-539,0 1-90,0 0 0,0 8-90,0-7 0,0 5-180,0-10 0,0-1-90,0-2-359,0 1 269,0-5-989,0-2 1259,14-6 90,-10-22 90,20-5 90,-8 0 179,-2-18 91,16 15-90,-21-2 629,17-7-629,-17 32 90,5-12-270,-7 15-180,1 15 90,-2-12-90,0 34 0,2-19-270,6 34-180,-3-20-719,12 19 359,-9-24 810,12 2 0,-10-19 0,5-4 0</inkml:trace>
+  <inkml:trace contextRef="#ctx0" brushRef="#br0" timeOffset="115243.08">11567 1078 10051,'0'48'1349,"0"-9"-1079,0 8-180,0-11-90,0 4 90,0 1 0,14 0-90,-11-1 0,11 9 0,-3-16-180,-8 13 0,8-27 180,-4 0-539,-5-11 269,8-5 0,-5-1 270,2-19 0,5-2 0,-3 0 0,6-15 0,-3 29 360,-1-28 359,8 29-719,-7-11 90,5 15-90,-10 19-90,-1 12-179,0 9-181,-3 4-90,0-14 0,-3 1-179,1-5-91,0-2 810,-1-4 0,0-4 0,0 0 0</inkml:trace>
+  <inkml:trace contextRef="#ctx0" brushRef="#br0" timeOffset="115433.07">11180 681 11311,'-31'-20'539,"-1"4"-269,6 7 0,2 5-180,-2 3-180,11 20-450,-8 13-359,15 12-1080,3-8 0,1 1 1979,2 14 0,9-16 0,3 0 0,12 17 0</inkml:trace>
+  <inkml:trace contextRef="#ctx0" brushRef="#br0" timeOffset="115813.07">12317 898 12030,'-16'-26'720,"-3"-2"-360,8 12-1,1 2-359,7 39 0,3 17 0,0 19-952,8-13 1,1 0 591,-5 16-135,11-7 1,2-1 89,-8-22 0,-2-2-90,2 9 1,1 1-361,3-4 1,0-3 44,1 19 810,-2-14 0,0-2 0,1 1 0,-6 7 0</inkml:trace>
+  <inkml:trace contextRef="#ctx0" brushRef="#br0" timeOffset="116213.08">12257 1556 9242,'0'-26'180,"0"1"-270,0 0 90,0 0 0,0 1 0,17-5 0,-13 9 180,31-2-1,-31 13-89,35 2 90,-21 5-180,18 0 180,-9 2 0,1 0 180,14 20-180,-12 4-135,-4-1 0,-1 1 45,2 13 0,7 0-180,-11-11 90,-2 1 0,-1-3-90,1-1-90,-1-3 0,2-1-90,8-3 0,-4-7-90,17-1 271,-13-8-1,18-18 90,-19-7 0,6-10 539,-7-16-179,-9 19 540,1-25-721,-13 27 91,-3-14-90,-4 26 0,0-4-540,0 72 0,0-27-218,-2 12 1,4 1-322,14-8-180,-12-2 1079,47 4 0,-29-15 0,28 1 0</inkml:trace>
+  <inkml:trace contextRef="#ctx0" brushRef="#br0" timeOffset="116493.08">12862 1018 9961,'-9'-4'900,"4"0"-450,2 2-1,20 1-449,4 0 180,0 15-180,14-11 0,-31 27 0,32-27 0,-32 32-360,25-10 180,-17 9-719,3 5 89,-6-18-2608,-9 6 3418,0-14 0,-21-3 0,-6-7 0</inkml:trace>
+  <inkml:trace contextRef="#ctx0" brushRef="#br0" timeOffset="116633.08">13050 730 10411,'36'-11'0,"2"1"-90,2 6-1127,3 1 317,2 3-629,2 0 1529,2 14 0,0-10 0,1 10 0</inkml:trace>
+  <inkml:trace contextRef="#ctx0" brushRef="#br0" timeOffset="117093.08">13747 1175 10771,'0'-39'1439,"0"5"-1259,0 2-90,0 7 0,16 4 90,-12 4 359,12 5-539,-16 30 90,0-2-90,0 28 180,9 13-90,2-10-90,0-5 0,1 1-437,8 5 347,2 13 180,-2-26-90,0-3 90,3-8-90,0-2 0,4-8-90,0-5-180,16-6-90,-8-18-539,23-14 269,-25-8-359,8-9-1260,-10-11 508,-10 12 1741,0-11 0,-13 19 0,-2 3 0</inkml:trace>
+  <inkml:trace contextRef="#ctx0" brushRef="#br0" timeOffset="117363.08">14527 1196 10681,'-19'-10'2159,"4"29"-2249,15-4-270,0 21-90,0 0 0,12-11-449,-9 1-180,9-2-91,-12-2-269,8-3 1439,-6-3 0,6-2 0,-8-2 0</inkml:trace>
+  <inkml:trace contextRef="#ctx0" brushRef="#br0" timeOffset="117543.08">14490 701 10951,'-9'-5'-2519,"-5"2"-89,13 20 2608,-5 8 0,6 14 0,0 0 0</inkml:trace>
+  <inkml:trace contextRef="#ctx0" brushRef="#br0" timeOffset="117713.08">14505 1951 10321,'0'5'-203,"0"-1"1,0-19 0,0-5 0</inkml:trace>
+  <inkml:trace contextRef="#ctx0" brushRef="#br0" timeOffset="117963.08">15210 862 12030,'0'19'810,"0"8"-1080,0 18-90,16 0-2019,-13-6 1660,27 1-271,-26 0 1,24 0-1359,-12 20 2348,1-16 0,2 14 0,-10-19 0</inkml:trace>
+  <inkml:trace contextRef="#ctx0" brushRef="#br0" timeOffset="118253.08">15115 1312 9422,'0'-24'449,"0"2"-179,15 2 0,-11 2 0,10 2 180,6 0-270,2 9-270,11 1 180,-3 6-90,-7 0 179,2 14-269,0-10 180,1 25-90,-2-25 0,8 30 0,-9-11 0,10 15 90,-15-16 0,0 1 90,-7-21-180,-3 13 0,0-14-180,0 4 0,-2-22-449,4-9 269,-3-10-989,8-23 719,-3 21-179,4-17 809,4 3 0,-4 15 0,7-11 0</inkml:trace>
+  <inkml:trace contextRef="#ctx0" brushRef="#br0" timeOffset="118463.08">15938 1267 10321,'1'9'1259,"1"0"-1079,0-2-90,-1-2 0,2-1-90,-2-1 0,1 0 0,0 3 0,0 0-90,2 1-180,-1 2-269,2-1-1440,1 7 809,1-3 1170,5 5 0,-3-7 0,3 3 0</inkml:trace>
+  <inkml:trace contextRef="#ctx0" brushRef="#br0" timeOffset="118613.08">16067 1066 9871,'0'32'0</inkml:trace>
+  <inkml:trace contextRef="#ctx0" brushRef="#br0" timeOffset="118813.08">16373 641 11490,'-14'20'-809,"-4"-15"-270,16 39-271,-14-22-898,8 23 2248,-8-5 0,2 6 0,-1 3 0</inkml:trace>
+  <inkml:trace contextRef="#ctx0" brushRef="#br0" timeOffset="119693.08">16858 1200 11490,'0'-4'1080,"-14"2"-990,10 15 0,-27-10-90,16 42 0,-4-23-90,2 40-90,15-28 0,-6 8-180,25-7 180,-12-11-539,26 6 179,-9-20 180,17 0 270,2-10 90,-7-15-90,-7 11 90,-8-30 0,-2 10 90,-8-11 270,2-7-90,-11 16 0,3-4-270,-3 12 629,0 0-629,0 30 0,20-16 0,-16 43 0,31-35 0,-31 33-90,29-32-89,-17 30-91,15-31 90,-7 23 0,-1-24-270,11 7 360,-9-10 90,15 0 0,-19-14 90,1 10-180,-10-27 450,-4 26 90,-3-31-90,-2 14-1,-3-10-89,0 6-270,0 7 0,-14 5-540,10 20-539,-11 11 360,15 24-91,0-10-1709,21 2 2519,6-6 0,14-13 0,-2 1 0</inkml:trace>
+  <inkml:trace contextRef="#ctx0" brushRef="#br0" timeOffset="120013.08">17802 1268 10861,'-20'-18'1169,"16"2"-989,-33 9-180,22 2 0,-15 22 0,17 2-270,3 20 180,10-3-90,25-5 90,-3 0 0,23-16 180,-10-2-180,-5-8 180,-13-20 180,-1-3-90,-15-15-270,5 3-1349,-6 3 0,0 27 449,0 9-269,14 9 1259,-10 11 0,22-25 0,-10 13 0</inkml:trace>
+  <inkml:trace contextRef="#ctx0" brushRef="#br0" timeOffset="120233.08">17830 776 11131,'22'-30'719,"5"-4"-719,0 11 90,31 0 0,-39 16-90,31 3-450,-29 4-179,-2 23-2340,-9 12 811,-3 14 1987,-34 7 0,0-6 0,2-22 0,-1-1 1</inkml:trace>
+  <inkml:trace contextRef="#ctx0" brushRef="#br0" timeOffset="120893.08">12867 2054 10231,'10'-8'1439,"1"2"-989,0 0-90,-2 1 0,1-2-180,-4 2 449,2 0-449,-6 3-90,4 1 180,-3 1-90,1 17 0,1-13 0,0 34-90,2-17-1,1 23 1,-2-12 0,1 1 0,3 24-1331,-1 1 0,-1 3 1241,-3-21 0,0 1 0,2 15 0,0 1 0,-2-13 0,0-2-828,1 3 0,-1-1 828,0 0 0,0 2-45,3 17 0,1 1 0,-3-17 0,0 0-45,0 2 0,0 4 0,0-5-106,-1-7 1,0-1-75,2 22 0,0-1 1,1 2 134,-4-24 0,0-1-855,1 21 451,-2-17-901,-1 12 361,-1-30-2741,-1 2 3820,0-16 0,0-3 0,0-6 0</inkml:trace>
+  <inkml:trace contextRef="#ctx0" brushRef="#br0" timeOffset="121383.08">12888 3305 12030,'0'-3'2429,"17"0"-2429,-13 20 180,24 11-180,-25 11 90,20 4-90,-7 15 0,5-9 45,-6-5 0,0 0-1012,3 11 1012,-6-20 0,0 0-45,4 12 90,-1-1-90,0-5 0,-1-4-260,0-5 260,-2-4 356,3-1-86,-3-12-180,0-1-90,-4-12 786,5-17-786,-3 11 0,5-37 0,0 19 0,3-25 0,3 4-360,-3 8 0,1-2-254,10-22-376,-2 7 1,1-1-1,-11 21 1,-1 1 989,12-22 0,0 1 0,3-7 0,-11 21 0,0 1 0</inkml:trace>
 </inkml:ink>
 </file>
 
@@ -1206,41 +1206,1333 @@
           <inkml:channelProperty channel="F" name="resolution" value="0" units="1/dev"/>
         </inkml:channelProperties>
       </inkml:inkSource>
-      <inkml:timestamp xml:id="ts0" timeString="2021-09-20T03:08:44.670"/>
+      <inkml:timestamp xml:id="ts0" timeString="2021-09-26T02:31:19.410"/>
     </inkml:context>
     <inkml:brush xml:id="br0">
-      <inkml:brushProperty name="width" value="0.12095" units="cm"/>
-      <inkml:brushProperty name="height" value="0.12095" units="cm"/>
-      <inkml:brushProperty name="color" value="#FF0000"/>
-    </inkml:brush>
-    <inkml:brush xml:id="br1">
       <inkml:brushProperty name="width" value="0.09071" units="cm"/>
       <inkml:brushProperty name="height" value="0.09071" units="cm"/>
       <inkml:brushProperty name="color" value="#FF0000"/>
     </inkml:brush>
   </inkml:definitions>
-  <inkml:trace contextRef="#ctx0" brushRef="#br0">2713 1949 6225,'-13'-5'4501,"10"2"-885,-11-1-4042,14 1 4199,0-1-809,-9 3-4195,6 16 2745,-6 9 814,9 11 136,0 4-1086,0-2 1229,0 5-2607,0-8 0,0 1 0,0 20 1409,0-7 1,0 1-1175,0 9-235,0-11 0,0 0 0,0 4 0,0 7 0,0-26 0,0-7 0,0-6 0,0-7 0,0-34 0,0 0 0,7-16 0,3-4 0,7-14-19,-7 15 0,1-1-356,4 10 1,-2 0-938,-9-31 298,23 4-1171,-20 22 1,0 2-619,14-13 2642,-2-5 1,-6 29 0,2 5 0</inkml:trace>
-  <inkml:trace contextRef="#ctx0" brushRef="#br0" timeOffset="1500">3108 2345 5056,'26'0'360,"-4"0"-1,0 0-269,-1-12 1632,0 9-1632,4-9 657,-1 4-387,2 5-106,-1-11 708,-1 12-837,0-13 1050,-1 8-1596,-1-8 1298,-1 3-756,-2 1 224,-3-3 1045,4-5-991,-6 2 1195,1-11-526,-10 11 833,-3-7-158,-2 9 609,0-1-293,0 1-183,-19 2-2093,14 1 928,-31 3-2183,14 0-243,-21 5-889,8 1-327,1 23 973,4 10 512,9 12 2400,3 3-993,6 11 2289,11-12-1126,7-5 0,2 0 1447,-3 8-1606,23-9 0,5-2-886,-5 4-436,3-15 1,2-2-1912,11 5-173,4-5 1923,3-5 0,3-5 0,1-2 0</inkml:trace>
-  <inkml:trace contextRef="#ctx0" brushRef="#br0" timeOffset="2056">4278 2036 5686,'-41'-1'866,"7"1"-729,5 17 2014,7-13-2007,0 32 2111,-8-7-1175,11 10 376,-3 18 889,15-22 320,3 11 211,25-6-1874,-16-12-603,24-6 0,6-4-1805,-6-2 671,12-7 1,3-2-1326,3-3-234,12-3-366,-6-19 367,-18-5 1292,14-22 665,-29 7 1788,-3 0 463,-12 8 839,-5 1 536,0-1 190,0 2-757,0 3-707,-20-7-1193,-1 16-1664,-14 21-1126,16 12 644,7 27 898,3-7-125,7 8 543,-11 3-517,11 8 991,-3-13 0,0 2 386,4-11 0,-1 2 24,-4 27 1,0 0-567,3-23 1,-1-3-688,-1 14 1,0-2-137,0-14 1,1-2 472,-3 31 1,-1-5-1,0-3 1</inkml:trace>
-  <inkml:trace contextRef="#ctx0" brushRef="#br0" timeOffset="2786">4933 2286 5326,'0'-6'9830,"3"0"-5238,0 2-3256,3 1-2308,-2 2-682,1 0 299,0 1 96,-1 18 4041,2-14-4585,3 54 2377,-1-28-246,-1 13 0,-1 3 1551,1 5-653,-2-17 1,0 0 1306,4 11 175,1-6-2734,3-4 1120,2-9-1704,2-4-291,3-11-1021,11-5-576,-5-6-367,19-17 945,-19-14 974,6-10 344,-13-9 912,-3 9 244,-4-3 1008,-1-1 650,-5 1 623,-2 0-453,-4-12-1145,0 17 74,0-14-626,0 31 237,0 0-394,0 31-51,0 16-240,0 27-65,14-3-409,-6-15 1,1 0-245,8 7-284,10 11-105,-14-20 50,13-6-596,-5-3-61,14-5-690,-6-9 224,23-2-412,-22-25 1089,18-13 262,-23-10 676,4-5 732,-16 8 408,-2-1 833,-3-2 530,-5-12 712,-1 16-973,-2-16-39,0 30-547,-14-2-1272,10 37 22,-11 24-325,15 6 320,8-6 1,2 0-447,-6 2-185,14 13-817,-2-17-768,-12-3 1408,28-1 518,-11 6 0,7-12 0,-1 4 0</inkml:trace>
-  <inkml:trace contextRef="#ctx0" brushRef="#br0" timeOffset="2968">5790 1920 4246,'0'0'0</inkml:trace>
-  <inkml:trace contextRef="#ctx0" brushRef="#br0" timeOffset="3252">6197 1918 5326,'0'33'9830,"0"-4"-1478,0 1-6214,0 13-909,21-8-1842,-15 15 704,11-19 0,3-1-475,1 18 1517,-3-5 1,1-1-1954,11 9 372,-14-8 1,-2-1-183,2 6 300,-6-11 1,-2-2 656,1-2-919,-2 6-2137,-2-24 2600,-3-24 0,0 9 1,-2-18-1</inkml:trace>
-  <inkml:trace contextRef="#ctx0" brushRef="#br0" timeOffset="3598">6438 2074 4606,'23'21'6080,"16"5"-5014,-18 22 1608,14-12-2111,-4-2-23,-3-10-456,3-3-302,2-9 841,7 7-1428,1-16-385,4 7-972,20-10 594,-17 0 816,-10-5 0,-1-5 13,0-12 944,7 2 178,-24-21 1407,-5 22 345,-7-20 525,-4 11 683,-3 0-174,-1 1 127,-21-7-2277,-4 11-135,-24-2-1960,11 18-9,-2 2-1362,12 5-266,-1 0-397,3 24 1649,-8 9 998,19 15 990,5-13 1,3 0 1214,7 14-613,21-6 1,8 0 588,9 11-1025,2-20 0,6-1-1233,6 1 0,0-3-652,-11-8 0,2-1 1083,16 8 0,1-3 0,-18-10 1,0-2-1,1-1 0,1 1 0</inkml:trace>
-  <inkml:trace contextRef="#ctx0" brushRef="#br0" timeOffset="3754">8195 2535 8384,'1'-17'4915,"0"3"0</inkml:trace>
-  <inkml:trace contextRef="#ctx0" brushRef="#br1" timeOffset="7924">6393 2508 7713,'0'-16'629,"0"0"-539,0 4 0,0 1 180,15-5-90,-11 5 0,11-5-180,-3 6 180,-10-1 269,19-10-269,-10 5 90,7-13-180,-4 10 180,4-11-180,-8 10-180,11-16 90,-7 15 0,5-8 0,8-2 0,-4 8-630,23-21-89,-14 20-316,-5 3 1,1 0 1034,4 0 0,7-4 0,-15 12 0</inkml:trace>
-  <inkml:trace contextRef="#ctx0" brushRef="#br1" timeOffset="9304">9660 1382 8972,'0'20'2339,"0"-3"-2339,0-7-90,0-4 180,0-1-180,0 0 0,0 1-360,-10 0-180,7 2-629,-7-1-90,10 2-327,-8 1 1676,6 2 0,-5 1 0,7 1 0</inkml:trace>
-  <inkml:trace contextRef="#ctx0" brushRef="#br1" timeOffset="9533">9910 1266 9602,'-25'30'809,"-10"-11"-809,31 4 0,-21-12-90,23 12-360,-9-1-359,4-1-1710,5 27 2519,-5-18 0,7 17 0,0-24 0</inkml:trace>
-  <inkml:trace contextRef="#ctx0" brushRef="#br1" timeOffset="9683">9918 1428 7443,'-21'42'-338,"9"-8"1,-3 3 0,8-9 0</inkml:trace>
-  <inkml:trace contextRef="#ctx0" brushRef="#br1" timeOffset="10567">10563 2741 8882,'17'-29'674,"-7"-8"1,1 0-315,10 1-270,5-14 0,0-4-772,-4-4 997,7 7 0,2 1-225,-5-7 180,-6 10 0,-3 0 89,-6-2-179,10-10 0,-19 25-270,9 5 279,-10 7 621,2 2-578,-3 28-232,0 17 0,0 19-1274,0 14 1274,0-4 0,7-8 0,3 3-45,-1-12 0,1 2-165,2 7 0,1 5 0,-1-5-15,-3-2 1,1-1-46,8 15 0,-2-1-45,-14-16 0,0-3-90,14 1 1,-1-1-46,-13-1 0,0-1 90,9-1 1,1-2-181,-10 29 473,7-8-922,-9 8 269,0-23 720,0 3 0,0-27 0,0-4 0</inkml:trace>
-  <inkml:trace contextRef="#ctx0" brushRef="#br1" timeOffset="10683">10890 3097 8162,'-13'-45'900,"9"1"-720,-16-2 90,19-17-360,-6 17-1567,7-11 1567,20 22-90,-15 3-359,37 3-181,-20 2-89,21 4-271,-4 2 1080,3 1 0,3 3 0,2-1 0</inkml:trace>
-  <inkml:trace contextRef="#ctx0" brushRef="#br1" timeOffset="10874">11607 2128 9691,'0'-9'720,"-17"1"-450,12 3 539,-12 0-988,17 24-361,0 6-899,0 27 539,0-9-1349,0 15 2249,0-23 0,16 8 0,3-14 0</inkml:trace>
-  <inkml:trace contextRef="#ctx0" brushRef="#br1" timeOffset="11049">11512 1714 8612,'-12'-17'-1619,"6"6"1619,0 20 0,30-6 0,6 15 0</inkml:trace>
-  <inkml:trace contextRef="#ctx0" brushRef="#br1" timeOffset="11386">12018 2510 9512,'0'-46'449,"0"8"-359,0-8 180,18-12 0,1 10-1666,-2 5 0,1-1 1575,0-12-89,-4 19 0,-2 0 90,-10-16-491,10 0 581,-4 0 215,-7 15 1,0 1-216,6-18-135,-5 14 0,-4 1-225,-14 1 106,13-10 164,-13 31 1170,3 3-1350,10 31 1168,-9 3-1528,12 43 90,0-14-447,0 2 0,0 2-2,0 14-91,8-6 0,1-1 405,-7-24 1,1-1 44,13 10 0,3 1 360,-7-4 0,1-3 0,22 19 0,-17-22 0,0 1 0</inkml:trace>
-  <inkml:trace contextRef="#ctx0" brushRef="#br1" timeOffset="11700">12405 2316 9961,'-19'-8'990,"5"0"-900,14-5-180,0 2 90,17 3 90,-12 1-180,36 1 90,-22-1-90,23 0 0,-10 0 90,0-2 0,1 1-180,-3-2 90,6-6 90,-15 2 270,-2-12-180,-15 8 180,-4-4-1,0 4 1,-26 3-180,19-1 270,-43 1-270,20 4 0,-18 2-180,7 7 90,19 21 0,10 6-270,12 12-180,0 1-179,18-8-1260,13 17 540,10-12 1349,-7-6 0,1-2 0,11 2 0,-14-11 0,1 0 0</inkml:trace>
-  <inkml:trace contextRef="#ctx0" brushRef="#br1" timeOffset="12006">12975 1260 9512,'19'-12'1169,"1"5"-629,18-2-450,-2 7 89,-10 0-89,0 2-90,-9 20 90,0-15-90,0 40 0,-1-23-90,-6 11 0,-1 3-269,6 13-271,-7-3 0,-3 2-949,0 9 1039,-3-18 1,-1-2-720,-1 12 1259,0-6 0,0-4 0,0-5 0</inkml:trace>
-  <inkml:trace contextRef="#ctx0" brushRef="#br1" timeOffset="12216">13302 1331 10141,'7'-2'1259,"0"0"-1169,-4 2-180,3 15-719,0 8 89,1 11-1708,1 23 2428,-5-14 0,0 19 0,-3-13 0</inkml:trace>
-  <inkml:trace contextRef="#ctx0" brushRef="#br1" timeOffset="12736">13987 2141 10321,'6'0'-2968,"0"0"2968,1 0 0,1 0 0,3 0 0</inkml:trace>
-  <inkml:trace contextRef="#ctx0" brushRef="#br1" timeOffset="12918">14202 2458 10771,'7'32'1169,"1"-1"-539,9 8-270,-3-11-180,11 14-91,-11-20-89,8 15 90,-11-16-359,1 5-1530,-9 0-270,-1-3 2069,-42 26 0,5-12 0,0-11 0,0-1 0</inkml:trace>
+  <inkml:trace contextRef="#ctx0" brushRef="#br0">2803 3567 11221,'-10'15'1439,"-2"-4"-989,2-11-181,0 0 91,-1 0-180,3 0 90,1 0-180,3 0 180,0 0-90,2 0 179,-2 0 811,2 0-990,0 9 0,2-1 89,20 3-269,-14 1 90,34-10-90,-6 13 0,11-10 0,-7 3 0,1 0-230,14-3 230,-2 0 0,0 0-1649,13-1 1649,-21-1 0,2 0 0,0 0 0,0-1-129,-10 1 0,2-1 39,24 1 0,1 0-45,-25-2 0,1 0 15,5-1 0,4 1 0,-3-1-434,-3 0 1,-1 0 463,15 1 0,-1-2-45,-16-6 0,-1-1 0,1 6 1,1 0 44,-3-5 0,1-1-270,13 1 0,0 0 180,-14 1 0,0 0-45,18-6 1,-2 0-46,1 1 0,6-2-80,-28 12 80,-7-9 1471,-5 9-1470,-6-5 176,-3 5-2785,-4-1 2681,-3 1 197,-2-3 0,-1-2 0,0-1 0</inkml:trace>
+  <inkml:trace contextRef="#ctx0" brushRef="#br0" timeOffset="380">4278 3364 10951,'-8'-7'1259,"0"0"-899,2 1-180,3-2-180,1 1 90,0 1 449,1 0 91,0 4-540,17 0 90,7 1-180,12 19 90,21 3-90,-12 1-700,-13-4 1,0-1 699,20-2 0,2 17 90,2-7-180,4 0 90,0 0 0,2 1 45,-17-7 0,-1 0-90,-11-4 0,1 0 90,18 10 0,-1 1-45,1 3 0,-20-10 0,-3 0-450,1 6 450,-8 1-180,-10 1-540,-6 16 1,-32-5-586,7-4 1,-3-1-1077,-5-11 1,-1-2 2380,-2 7 0,0-1 0,-16 5 0,1-3 0</inkml:trace>
+  <inkml:trace contextRef="#ctx0" brushRef="#br0" timeOffset="1547">2287 2493 10501,'2'-7'1529,"4"-1"-1259,-2 3 0,1-3-180,-1 4 90,-1-2-90,0 3 359,4-1-359,-3 3-90,3-2 180,-4 3 0,4 0-180,-2 16 0,3-12 90,2 43-180,-4-22 90,0 8 0,-1 3 0,-2 6 0,-1-8 0,-1 0 0,-1 4 0,0 23 90,0-37-180,0 10 0,0-26 0,-12-3 0,9-25 90,-22-8-90,22-33 180,-15 10-135,16 10 0,2-1 45,-7-12-834,7 18 0,0-1 744,0-12 90,0 0 0,19 4 0,0-14 0,4 18-45,-7 10 0,1 1 135,7 2-180,15-10 90,-16 24 180,4-2-180,-16 13 90,6 1 0,-5 19 1488,-6-13-1578,0 43 0,-4-28 90,1 42-180,-3-30-293,0 14 383,0-16-134,0 0 134,0-3-90,-15 10 180,11-9-180,-23 15 90,24-19 0,-10 13 0,13-16 467,0 3-827,16-1 231,-12-8-591,45 6 270,-27-12-450,10-2 1,4-3-180,2-1-663,15-1 1742,-15-1 0,-1 0 0,0 0 0</inkml:trace>
+  <inkml:trace contextRef="#ctx0" brushRef="#br0" timeOffset="1931">3028 2701 11670,'31'-14'180,"4"11"-180,-7-12 0,1 15 0,-8-10 0,1 8 0,0-8 0,-1-1 0,-1 8 0,-1-19 0,-1 13 0,-2-10 0,-2 5 0,-4 1 0,0-7 0,-5 6 450,-1-8-270,-4 9 90,-18-4-90,13 9 0,-13 1 89,4 6-179,-3 16-90,-1 6-90,-2 23-90,19-10-89,-6 4-181,7-10-180,17-1-539,-13-1-3508,30 10 4677,-9-11 0,-3 6 0,-1-12 0</inkml:trace>
+  <inkml:trace contextRef="#ctx0" brushRef="#br0" timeOffset="2381">3765 2536 10051,'-14'18'1529,"3"2"-1529,11 20 0,0-10 0,-16 1 0,12-9 0,-13-1 0,17 3 0,0-8-899,24 6 539,-1-15 180,26-16 180,-8-15-90,-6 4 225,-14-8 0,-4 0 45,-3 6 90,11-29 449,-19 16-449,4 12 270,-6-9 90,-4 16-540,-15 4-90,11 28 0,-11 12-90,15 12-270,0 17-270,0-22-805,0 15 355,0-15-269,0 0-360,0 1 1709,0-2 0,0 0 0,0-2 0</inkml:trace>
+  <inkml:trace contextRef="#ctx0" brushRef="#br0" timeOffset="2847">4177 2833 9961,'6'-18'720,"4"-9"-630,-3 4 90,9-23-180,-5 14 90,3-9 269,3-2-269,-4 12 180,7-14-180,-9 22 180,2-3-90,-8 15 180,1 3 0,-4 6-270,0 17-90,0 11 0,-2 9 0,0 5-90,0-6-90,0 30 0,0-26-360,0 27 270,17-43-539,-12 5-1,27-18 270,-15-1 361,13-8 269,-1-17-1,-6-6 451,-1-21 0,-10 8 179,-1-9-179,-7 21-270,-3-8 540,-1 18-900,0 20-990,16 8-1079,6 22-1708,14-4 3867,5-1 0,-10-14 0,1-5 0</inkml:trace>
+  <inkml:trace contextRef="#ctx0" brushRef="#br0" timeOffset="3180">4925 2664 10591,'17'-29'0,"1"2"180,3 5 0,5 4 0,-23 5-90,9-1 89,-2 2 1,-7 0 90,7 2-90,-10-1 270,0 5 0,-21 1-360,2 3 0,-20 21-90,8 3 0,13 21-90,-4 0-90,20-7-360,-6 3 90,30-17-269,-16 2-361,37-11-179,-38-2-360,42-5 1619,-26-3 0,25-3 0,-13 0 0</inkml:trace>
+  <inkml:trace contextRef="#ctx0" brushRef="#br0" timeOffset="3630">5390 2436 11760,'-39'0'810,"8"16"-720,12 0-90,11 16 0,8-1 0,0-6 0,21 2 0,-16-11 0,29 0 0,-31 0 0,22-3 0,-22 0 0,10-4-180,-3 0-1799,-7-3 1349,-10-2-539,3-20 629,-13-9 181,2-8-631,11-2 1,-11-9 918,15 9 232,0-27 828,24 29 1889,-2-28-2518,25 37 899,-11-13-719,-14 29 180,7 2-360,-15 5-91,1 15-179,4-10 0,-11 27 0,5-27-90,-3 35 90,-2-21-180,0 20 0,1 4-269,-2-10-631,6 18 360,-5-25-1528,4 10 1168,-5-19-449,1 2 1439,-5-11 0,0 0 0,-1-4 0</inkml:trace>
+  <inkml:trace contextRef="#ctx0" brushRef="#br0" timeOffset="3764">5598 2458 11400,'-11'-5'360,"2"-4"-360,9-3-270,27-2-449,-20 2-271,45 2-899,-31-2 1889,25 3 0,-10 1 0,2 1 0</inkml:trace>
+  <inkml:trace contextRef="#ctx0" brushRef="#br0" timeOffset="5366">6548 3470 12120,'-14'-6'990,"11"1"-541,-11 1-179,14 2-180,0-1 450,0 1-630,0 16 180,0 12-270,0 10 0,0 7-90,15-6-90,-11 3-247,24 1 247,-25 0-90,22-4-1169,-13 13 270,3-16 1349,1 15 0,-14-27 0,4 4 0</inkml:trace>
+  <inkml:trace contextRef="#ctx0" brushRef="#br0" timeOffset="5546">6552 3321 10411,'-2'-12'0,"1"-4"-450,0 5-1079,1-3 1529,0 7 0,0 3 0,0 2 0</inkml:trace>
+  <inkml:trace contextRef="#ctx0" brushRef="#br0" timeOffset="5963">6870 3350 11580,'8'10'990,"1"2"-720,-2 3-90,1 0-1,0 3-89,1 11-90,-1-6 0,3 23 0,-3-19 0,6 20 0,-5-20 0,3 6-90,1-6 1,-3-9-91,3 5 180,-6-13-270,2-2 90,-5-5 90,3-2 0,1-20 90,1-8 0,9-27 0,-3 10 180,10-13-180,-10 25-60,4-2 420,-8 15-90,1 9 0,-4-1 0,1 9-180,0-3-1,0 5 1,4 0 150,-2 19-330,5 4 180,-6 0-540,2 16 90,-5-21-89,0 17 89,1-9-899,4 8 269,0-7-1708,11 10 910,-4-19 1788,9 1 0,-5-11 0,0-2 0</inkml:trace>
+  <inkml:trace contextRef="#ctx0" brushRef="#br0" timeOffset="6397">7805 3525 11760,'0'-16'1889,"-19"2"-1619,-2 9-180,-20 1-90,6 4-90,14 21 90,-4-15 0,22 34-90,-7-14 0,10 9-90,0-1 90,0-12-90,25 0-89,1-1 179,26-10-90,-16-2 0,10-9 90,-19-23 45,-1-1 0,-2-2 45,-2-27 0,-4 7 0,-3 0 0,-9-5-459,-2 2 0,-1-1 819,-3-11-270,0 21 0,0 1 179,0-15 91,-20 3 0,15 6-255,-30-6 75,31 20 90,-10-4 539,4 24-809,8 26 0,-8 5 0,10 26 0,16-5-180,-15-6 0,1 3-45,13-8 1,2 1-873,-9 23 1,-2 0 826,3-21 0,0-1-180,2 19 0,-1-1-89,6 4-1,-6-21 0,1-1-719,10 6 233,-5-4-863,0-7 1952,3-3 0,-1-5 0,1-1 0</inkml:trace>
+  <inkml:trace contextRef="#ctx0" brushRef="#br0" timeOffset="6730">8275 3667 12660,'0'-17'809,"0"3"-899,0 7 90,0 3-90,0-1 0,0 0-179,39-10 269,-30 4-90,47-11 0,-36 10 90,10-7-90,-13 9 90,-10-3 90,-7 4-90,0 0 90,0 1 90,-17 1-90,13 1 269,-28 2-89,12 1 0,-14 2-90,5 20-180,12 2 0,7 21-180,10-12-90,0 3 0,0-11-539,23 10 269,-17-9-450,21-5 1,4-2-360,-6 0 1349,11-6 0,3-2 0,5-2 0,15-1 0</inkml:trace>
+  <inkml:trace contextRef="#ctx0" brushRef="#br0" timeOffset="6950">8870 3502 11940,'-22'-4'630,"4"0"-540,8 2 180,7-1 179,-7 1-539,27 17 90,5 3-269,13 3-1,2 13-180,-4-19-946,2 18 676,2-11-180,2 0-269,0-2 1100,16 4 0,-14-8 1,10 3-1</inkml:trace>
+  <inkml:trace contextRef="#ctx0" brushRef="#br0" timeOffset="7163">9323 3370 11760,'-17'-8'720,"5"3"-630,-16 2 0,9 2-90,-1 1 0,-2 17 0,-1-13 0,2 22 0,1 5-90,-12-3-180,3 14 0,1 3-360,-5 6-1881,7-6 1,1 1 82,0 6 2428,10-18 0,3-1 0,1 7 0,4-1 0</inkml:trace>
+  <inkml:trace contextRef="#ctx0" brushRef="#br0" timeOffset="7414">9585 3736 12930,'-25'0'-90,"10"0"0,5 0 0</inkml:trace>
+  <inkml:trace contextRef="#ctx0" brushRef="#br0" timeOffset="8047">9870 3442 12840,'0'47'359,"0"-6"-359,0 8-681,0-5 681,0 2-90,15 0 180,-11 0-90,21-4 0,-22-1-90,19-3 90,-19-3 42,18 5-132,-13-11 0,8 6 0,-9-20-247,0-1 247,-7-32 0,2-11 1,-2-35 89,-18 7-358,16 11 0,-1 0 403,-12 15 0,0 2-45,12-11 0,3-1-45,-6 0 0,0 1 135,-1-18-135,6 13 0,0 2 225,-7 1 90,24-12-180,-12 34 179,11 0-89,3 16 90,-2 2-180,19 25-90,-9 1 0,-3 23 90,-11-2-360,-5-10-539,-7 4 89,-21-19-719,16 4-1799,-31-12 3481,17-1 0,0-5 0,4-2 0</inkml:trace>
+  <inkml:trace contextRef="#ctx0" brushRef="#br0" timeOffset="8448">10233 2880 11940,'9'0'900,"0"0"-630,-5 0-1,2 19 1,-1-14-90,1 36-90,1-20-90,4 44 90,-1-18-135,-2-4 0,0 0 135,3 8-292,-4-18 0,0 0 202,4 8 0,-1-3-90,-1-2 90,-1-6-163,-1-3-107,-2-5 90,0-3 0,-1-6-89,-2-3-901,-1-3 1571,-1-17-401,0-9 76,0-21 104,17-5 90,-13 9 450,25-1-451,-18 25-179,12-1-180,-7 13 90,-4 18 0,0-14-449,1 48-1,0-31-180,2 28-449,-5-21-360,3-1-270,-1-1 1709,3-2 0,0-3 0,0-1 0</inkml:trace>
+  <inkml:trace contextRef="#ctx0" brushRef="#br0" timeOffset="8881">10877 3466 12840,'0'37'359,"0"-5"-359,0 1 0,0-4 0,0 17 0,0-10 0,6 0 0,5-1 0,7-2-179,11 25 179,-13-38 0,0 7-180,-10-17-270,3-1 360,-5-25 0,-4-12 90,-17-32 0,12 7 0,-12 11 0,0 0-692,13-14 737,-4 18 0,-1 1-45,-4-16 180,9 1 0,-9 1 180,13-12-270,0 20 92,0-16-2,0 37 180,17-4-180,-1 21-180,19 22 0,-4 10 0,-12 15 660,9-3-1200,-20 6 0,5-10-1349,-8 22 0,-22-24-1259,12 9 3148,-35-15 0,20-1 0,-22-2 0</inkml:trace>
+  <inkml:trace contextRef="#ctx0" brushRef="#br0" timeOffset="11663">11973 3437 10411,'15'-22'1259,"-12"2"-1169,28 9 0,-27-6 0,26 10 0,-19-10 0,13 5 0,-4-3 0,2 0-90,18-8 0,-5 4 45,0 1 0,1-1-135,14-7-507,0 0 0,1 0 552,-16 9 0,0 0 90,13-7 0,1 0-45,-11 6 0,-1 0 0,2-1 0,0 0 0,0 1 0,2-2-90,17-8 0,2 0 0,-15 7 0,1-1 0,2-2 0,5-1 0,-5 1 0,-5 3 0,-2 0-1076,12-5 0,0 0 1076,-18 7 0,-2 2-90,1 1 0,-1-1-521,-1 1 0,-2 0 521,0 1 0,0-1-956,26-12 686,-4 1-127,-19 10 0,1 1-1042,11-7 1619,9-4 0,-27 12 0,-3 0 0</inkml:trace>
+  <inkml:trace contextRef="#ctx0" brushRef="#br0" timeOffset="12635">14968 1710 10591,'-14'-4'809,"-6"0"-449,17 2-90,-19 2 90,13-1-270,-13 1 90,6 0 0,-4 0 359,-9 0-359,4 19-90,-6-14 90,10 36-90,0-22-90,2 24 0,-6 15 0,10-10-135,7-6 0,1 1-225,3 6 0,14-11 1,2 0-91,-7 0-299,19-14 1,4-2-151,-1 3-91,28-3-179,-5-4 1169,-10-9 0,2-3 0,23 1 0,-21-4 0,0-1 0</inkml:trace>
+  <inkml:trace contextRef="#ctx0" brushRef="#br0" timeOffset="12914">15620 1828 11041,'-14'-7'1079,"3"3"-989,1 1 720,8 1-810,-8 23 0,10 8 0,0 14 0,0 1 0,0-6-720,0 17 180,0-13-179,0 12-1980,0-6 630,0-14 2069,0 7 0,0-18 0,0-1 0</inkml:trace>
+  <inkml:trace contextRef="#ctx0" brushRef="#br0" timeOffset="13280">15417 2155 10411,'0'-14'180,"0"-1"0,0-5-180,0 4 0,23-3 0,-17 5 90,36 1-180,-38 3 90,35 1 0,-23 2 0,20 3 0,4 1 0,-8 3 0,21 0 0,-23 17 0,16 2 0,-22 3 90,4 10 180,-8-7-180,-6 8 269,1 7-359,-10-17 360,-1 9-270,-3-17 270,-1 5-450,0-13 180,0 0-540,0-23-359,0-19 89,0-3-89,0-10-181,0 19-449,0 0 1439,0 2 0,17 1 0,4 0 0</inkml:trace>
+  <inkml:trace contextRef="#ctx0" brushRef="#br0" timeOffset="13797">16340 2054 11490,'-18'13'810,"18"-10"-810,4 23 0,21-23 90,-7 9-90,6-12 0,3 0 0,-5-18 0,0 14 0,-1-37 90,1 22 0,-1-21-90,-1 8 90,-2-3 180,-1-19-180,-5 10 44,-7 5 1,-1 0-507,0-8 462,-4-13 90,0 4-90,0 16-90,-17-15 0,13 31 270,-25-3-90,26 39-90,-9 36 0,12 6-45,0-2 0,0 0-336,0 8 336,7-8 0,1 1-135,-4 7-180,10-2 1,1 0-181,0-2-90,-2-7 0,3-3 182,5-10-2610,9 15 809,-8-30 2159,9 2 0,-7-17 0,1-1 0</inkml:trace>
+  <inkml:trace contextRef="#ctx0" brushRef="#br0" timeOffset="14968">17880 1969 12930,'37'0'449,"7"0"-6109,-7 0 5390,6 0-270,-3 0 1176,2 0-1356,3 0-719,2 0-180,0 0 1742,-1 0 1,-1 0 0,-1 0 0</inkml:trace>
+  <inkml:trace contextRef="#ctx0" brushRef="#br0" timeOffset="16163">19423 1846 11400,'-14'-4'1080,"10"0"-720,-11 2-180,2-3-1,10 3-89,-21-3 0,6 3 0,-7 1 180,-14 1-270,15 19 0,-8-14 0,7 47-90,10-32 0,-1 41-90,11-31 0,4 19 1,25-23-181,1 11 180,3-21 180,10 3-180,-15-12 180,18-3-90,-5-1 90,-6-18 90,-15-1 90,2-1 0,-16-9 90,7 23 89,-7-24-179,0 15-180,-1-10-359,0 27-181,0 7 0,14 28 0,4-4-89,0-5-271,13-13 1,-17 1-1,17-16-1348,9 8 2248,-9-11 0,13 0 0,-13 0 0</inkml:trace>
+  <inkml:trace contextRef="#ctx0" brushRef="#br0" timeOffset="16347">19873 2076 10861,'0'-24'1529,"0"1"-1259,-16 12 180,12-4-181,-30 14-179,18-6-90,-16 7 0,10 18-180,9 6 1,5 9-91,8 1-90,0-9 0,0 1-1259,20 7 720,7-9-2250,27 3 3149,-8-13 0,5-7 0,-12-2 0</inkml:trace>
+  <inkml:trace contextRef="#ctx0" brushRef="#br0" timeOffset="16580">20297 1747 11670,'0'-12'270,"0"3"0,-14 2 180,11 5-450,-10 20 0,13 7-90,0 14 0,0 16-90,0-19-360,0 23 91,0-26-901,13 16 541,-10-24 89,11 4-449,-14-12-180,0-4 1349,0 0 0,0-4 0,0 0 0</inkml:trace>
+  <inkml:trace contextRef="#ctx0" brushRef="#br0" timeOffset="16713">20097 2032 10591,'-6'-21'90,"2"4"-90,4 4-180,19 2-180,-14 2-179,34 1-271,-34 2-629,40-1 1439,-24 3 0,22 0 0,-10 3 0</inkml:trace>
+  <inkml:trace contextRef="#ctx0" brushRef="#br0" timeOffset="16931">20715 2012 10681,'-18'8'360,"4"7"-270,14-4-180,0 4 90,0-3 0,0 1 0,0 2-810,0 8 181,15-7-1350,-11 9 539,11-12 1440,-5-1 0,-7-5 0,7-3 0</inkml:trace>
+  <inkml:trace contextRef="#ctx0" brushRef="#br0" timeOffset="17084">20697 1783 10231,'-8'-6'-45,"5"1"0,-5 17 0,8 4 0</inkml:trace>
+  <inkml:trace contextRef="#ctx0" brushRef="#br0" timeOffset="17366">21013 1945 10591,'0'9'360,"0"0"-180,-17 10-90,12-5 0,-27 10-90,29-6 0,-11 4 0,14-1 0,0 12 0,0-8 0,0 13 0,0-18 0,14 6 0,4-14 0,0 0 0,11-8-180,-10-2 180,13-2-180,-14-18-180,0-4 90,-16-18-809,5 0 359,-25 9 720,13-4 0,-29 17 0,12-5 0</inkml:trace>
+  <inkml:trace contextRef="#ctx0" brushRef="#br0" timeOffset="17702">21345 2064 10321,'5'11'360,"0"9"-270,0-11 90,1 9-180,-3-5 0,4 5 0,-2-4 90,0 9-180,-2-12 90,-2 1 0,0-8-1080,-1-1 900,1-17 630,19-4 180,-1-18 269,18 3-89,-10 4-540,0 13-270,-5 7 0,-4 9-90,-3 0-450,0 22-269,-5 7-811,3 12 1620,-6 17 0,-5-21 0,1 15 0</inkml:trace>
+  <inkml:trace contextRef="#ctx0" brushRef="#br0" timeOffset="18364">12192 3714 11580,'-6'0'2339,"1"5"-2159,24 0-180,-14 4 0,39-2 0,-20 2 0,29 0-2457,3 2 2232,-23-6 1,3 1-46,4-1 0,2 1-216,3 0 1,3 1-205,2-1 1,4 0-1,-2 0-1076,10 2 0,1 1 1766,-7-2 0,2 0 0,-3 0 0,5 1 0,-2 0 0,1 0 0,0 1 0</inkml:trace>
+  <inkml:trace contextRef="#ctx0" brushRef="#br0" timeOffset="18918">15025 3627 11400,'-37'0'1260,"-3"0"-721,3 0-359,-1 5 0,-1 5-90,-8 12-90,3 0 0,4 4 0,7 15-90,13-8 0,4 1-770,5 9 410,3 12-179,32-17-271,-1-5-539,28-3 1439,-11-15 0,2-2 0,-7-5 0,1-1 0,14 0 0,1 0 0</inkml:trace>
+  <inkml:trace contextRef="#ctx0" brushRef="#br0" timeOffset="19147">15572 3652 11850,'-26'-8'900,"-6"3"-451,19 1-359,0 21-90,3 12 0,10 12-449,0 23 89,21-23-45,-11-5 0,2-1-404,12 6-361,-8-10 1,-1 0-450,3 2 1619,0 6 0,3-17 0,-11-2 0</inkml:trace>
+  <inkml:trace contextRef="#ctx0" brushRef="#br0" timeOffset="19297">15402 3930 9781,'-9'-12'-269,"3"-1"-361,6-4 270,24 4-629,7-8-1,13 10 990,0-2 0,-11 8 0,1 0 0</inkml:trace>
+  <inkml:trace contextRef="#ctx0" brushRef="#br0" timeOffset="19597">15943 3972 10501,'11'20'899,"-1"1"-539,-4-4 90,0 5-270,-3-8 90,-1 4-270,-1-9-540,-1 1 540,0-35-90,15 9 90,-11-29 0,26 1 0,-27 10 0,22-25 0,-22 26 0,16-17 0,-11 25-180,0-3 90,2 15-180,-8 3-539,4 3-270,-3 3-271,-1 2 1350,0 2 0,-1 23 0,-1 6 0</inkml:trace>
+  <inkml:trace contextRef="#ctx0" brushRef="#br0" timeOffset="20118">16230 4073 10681,'21'0'1259,"1"0"-1169,-8-17 90,9-5-90,-10-11 90,15-10 0,-13 13 0,11-23-180,-13 20 180,6-26-90,-11 23 89,0-9 91,-5 3-180,-3 13 180,0-12-270,-17 22 90,13-1 90,-13 12-90,7 4-90,7 27 0,-7 10 0,10 17-270,-2-13 0,4 0-180,18 13-135,-8-5 1,-1 0-1327,15 8 966,-6-20 1,0 0-2114,0 10 3058,22-5 0,-8-4 0,2-4 0</inkml:trace>
+  <inkml:trace contextRef="#ctx0" brushRef="#br0" timeOffset="20648">17712 3841 12390,'46'0'-270,"-8"0"-270,4 0-359,-5 0-450,1-13 1349,23 10 0,-14-11 0,15 14 0</inkml:trace>
+  <inkml:trace contextRef="#ctx0" brushRef="#br0" timeOffset="21046">18778 3740 11760,'-55'-4'450,"12"1"-360,1 3-90,13 0 0,1 0 0,1 0 90,4 0-180,3 14 90,2-1-180,9 16 90,0-4-270,9-3 180,22-4-89,-16-5-1,35-6 90,-37 3 90,35-9 90,-16 4 90,19-5 450,-9-13-181,-7 9 1,-14-20 180,-2 21-270,-9-19-180,2 14-90,-2-4 90,2 7-270,0 25-90,3-14-540,6 44 1,1-31-1530,21 32 540,-6-35 1624,14 13 0,-5-26 1,0 8-1</inkml:trace>
+  <inkml:trace contextRef="#ctx0" brushRef="#br0" timeOffset="21247">19447 3774 11670,'-23'-4'1260,"-14"1"-1080,13-2-91,-18 3-89,5 2-179,16 20-271,8 3 0,13 24-180,27-13-179,-6-1-270,27-13-451,-11-8-179,7 5 1709,2-14 0,6 6 0,0-9 0</inkml:trace>
+  <inkml:trace contextRef="#ctx0" brushRef="#br0" timeOffset="21463">19932 3521 11940,'-20'-13'180,"15"3"180,-27 3-360,29 25 0,-9 9 0,12 15-90,0 5-180,0-10-180,0 4-179,17-1-990,1 17 629,2-15-1618,4 19 2608,-21-28 0,16 1 0,-8-14 0</inkml:trace>
+  <inkml:trace contextRef="#ctx0" brushRef="#br0" timeOffset="21586">19807 3821 10231,'0'-17'-629,"0"-1"89,21 1-270,-15-1 810,23 4 0,4 0 0,-12-3 0,34-9 0</inkml:trace>
+  <inkml:trace contextRef="#ctx0" brushRef="#br0" timeOffset="21933">20172 3721 10861,'14'14'719,"2"-10"-359,-15 23-360,4-13 0,-5 16 0,0-6-90,0 4-90,0-8-90,0 0-269,0-2-271,0-1-1259,-12 2 630,10-7 1439,-10 1 0,12-9 0,0-1 0</inkml:trace>
+  <inkml:trace contextRef="#ctx0" brushRef="#br0" timeOffset="22098">20182 3609 11400,'0'-10'-89,"0"3"-91,0 3 180,0 1 0,0 17 0,0 3 0</inkml:trace>
+  <inkml:trace contextRef="#ctx0" brushRef="#br0" timeOffset="22398">20545 3746 12210,'-45'12'180,"9"6"-180,14 18 0,12-7-90,10 13 0,0-18-90,15 13 0,9-17 180,20 4-90,-8-14 90,2-3 0,-13-5 0,-1-2 0,-2 0 0,5-19 90,-15-3-180,7-20 0,-18 9-539,3-8-1,-28 16 0,18-3-89,-40 11-540,40 3-720,-35 1 1979,36 3 0,-33 1 0,16 3 0</inkml:trace>
+  <inkml:trace contextRef="#ctx0" brushRef="#br0" timeOffset="22731">20815 3841 10861,'9'12'629,"-2"0"-539,-2-5 90,-3 1-270,0 1 180,-2 0-180,0 3 180,0 1-90,0 5 0,0-5-90,0 6-90,0-12-809,0 3 899,15-7 360,1-18 360,18-4-361,-2-14 1,-4 15 450,7-6-450,-16 21 0,6-14-270,-4 15 0,-3-4-180,8 25-90,-9-15-1439,9 33 0,-10-14 1709,13 9 0,-12 4 0,7-8 0</inkml:trace>
+  <inkml:trace contextRef="#ctx0" brushRef="#br0" timeOffset="27166">26298 1903 10591,'-14'-5'989,"10"2"-719,-11 0 0,15 1 450,0 0-630,0 18-90,0 9 0,0 11 0,0 4 0,0-6 0,0 4 0,0 0 0,0 0 0,0-3 0,0-2 0,0-4 0,0-3 0,0-6 0,0-3 0,0-3-630,0-5 540,0-21 0,0-10 0,0-24 90,0 6 0,17-16 0,-13 22-584,13-9 584,3 16 0,-16 4 90,33 1-203,-17 1 113,10 8 90,4 0 0,-14 11 0,11 17-90,-16-11 90,4 31-90,-8-30 0,-3 36 576,-2-24-576,0 31 0,-3-23 121,1 13-571,-4-20 270,1-20 270,-1-18-180,16-28 180,2 4-90,16-11 0,-16 24-364,9-5 543,-24 19 181,19 3-180,-20 2 0,14 6 0,-6 1-90,4 5-180,0 0 180,4 20-180,-3 4 365,6 1-275,-7 16 0,0-24-450,0 21 90,0-11-180,-1 1-179,2-2-1080,6 10 719,-4-11 1080,18 11 0,-14-18 0,9 2 0</inkml:trace>
+  <inkml:trace contextRef="#ctx0" brushRef="#br0" timeOffset="27474">27318 2074 10501,'0'-17'1529,"0"4"-1349,0-6-90,0 10-90,-15 0 90,11 6-180,-12 19 0,16 4 90,0 19-90,0-2 90,0-3-90,21-14 0,-16-2 0,31-16 180,-16 5-180,13-7 90,-3-18 0,-13-2-180,-7-18-179,-10 4-361,-24 1 0,-2 16-449,-3-5 180,-4 20 989,29-12 0,-20 13 0,11-4 0</inkml:trace>
+  <inkml:trace contextRef="#ctx0" brushRef="#br0" timeOffset="28486">27930 1923 11041,'-18'-7'809,"-3"2"-809,-1 3 180,-9 1-180,19-1 0,-4 22 0,8-1 0,26 19-90,3-7 0,20-5 0,-1-12-90,-7-6 0,-2-8 180,-11 0 0,7-22-179,-6 17 179,3-41 90,-9 25-90,-4-21 0,-1 8 89,-4-2 91,-2-3 0,-3-2 360,-1-17-180,0 16 179,0-25-359,-15 35-90,11-12-90,-10 28 450,14-1-450,0 28 0,0 13-90,0 28 90,17-3-90,-12 7-270,11-24 1,0-1-1,-12 18-135,8-8 0,1 0-314,-1 5-1697,-2-10 1,1 0 1965,6 2-90,-2 5 1,-3-19-1,1-5-89,-2-4 629,7-2 989,-7-7 1620,6-2 1322,-10-4-1952,1-17-1709,-6 1-180,-1-12-180,-1 9-180,16 6 181,-12 4-91,29 4 0,-29-2 90,30 1-270,-12-5 450,0 3 0,5-3 0,-24 2 0,11-1 180,-12-6 0,2 3 180,-4-4 90,-19 2-360,15 4-1,-29-1-89,30 26 0,-11 4 90,14 22-180,0-2 90,15-16-179,-11 9-91,28-28-90,-28 20 0,31-21 0,-20 8 1,18-10 89,-9 0 180,3 0 0,10-17 90,-10-10 0,13-23 90,-22 6 270,0-20-1,-13 24-89,-3 5 0,-2-1-303,0-7 393,-21-13 360,1 4-360,-5 14-1,-4-16-359,25 28 0,-20-5 270,22 21 0,-6 22-270,8 18 90,0 17-45,0-10 0,0 1-135,0 13 0,7-2 0,1 0-433,-4 9 28,8-8 1,4-1-1021,5 7 840,-8-21 1,3-1 674,8-5 0,2-3 0,10 10 0,-10-14 0,0-1 0</inkml:trace>
+  <inkml:trace contextRef="#ctx0" brushRef="#br0" timeOffset="29880">29182 2138 11850,'43'-33'720,"0"-3"-630,-5-3 90,-15 5-880,6 3 880,-25 8 6,17 1-97,-19 0 127,11 1-126,-12 2 90,3 0-270,-4 0 308,0 7-128,0-1-10,-11 30-170,8 7-89,-8 17-271,11 15-90,0-20-539,0 26 179,0-27-508,0 8 418,0-16-449,0-1 1439,0-1 0,0-2 0,0 0 0</inkml:trace>
+  <inkml:trace contextRef="#ctx0" brushRef="#br0" timeOffset="30014">29242 2399 11221,'0'4'-630,"23"-16"-539,12-3-271,13-3 892,7-7 1,-11 21 0,4-9-1</inkml:trace>
+  <inkml:trace contextRef="#ctx0" brushRef="#br0" timeOffset="31004">26628 3786 11580,'14'-3'990,"-11"23"-990,19-14 90,-20 40-180,7-26 180,-3 40-90,-5-21-90,7 26 0,-4-30-270,2 15 180,-1-26 0,-1 3-90,-1-14 180,0-4-1888,-1-4 1798,1-20-90,9-26 270,-1-1-150,8-13 329,-3 21 91,3 2 0,0 3 0,2 4-90,-2 4 180,1 11 0,6-5-271,-7 13 91,12-6-90,-15 25 90,11 4-270,-14 0 90,4 19 0,-5-14 90,-5 10 60,3-5-150,-6-8-719,-1-5 629,-1-5-90,4-26 180,0-13 180,12-25-90,-6 9-662,7 0 752,-6 14-156,1 4 246,-1 3 359,3 4-539,-3 4 180,6 6-270,-6 3 0,2 4 0,-3 14 651,-1-10-651,1 26 167,0-26-347,0 36-180,-1-22-899,7 34 270,-2-19-1530,12 17 2519,-7-23 0,9 3 0,-6-13 0</inkml:trace>
+  <inkml:trace contextRef="#ctx0" brushRef="#br0" timeOffset="31302">27973 3890 11400,'0'-8'1170,"-20"1"-990,-3 5-90,-25-1-90,3 19 0,7 5 0,0-1-90,23 23 0,1-27 90,14 22-180,0-13 270,0-7-270,23 4 90,1-15-270,24-1 180,-7-6 0,-5-17-269,-16 0-361,-9-17 270,-11 5-269,-24 11 809,18-4 0,-32 15 0,19-10 0</inkml:trace>
+  <inkml:trace contextRef="#ctx0" brushRef="#br0" timeOffset="31734">28492 3937 11580,'-43'0'540,"19"-6"-450,-11 5 90,12-6-270,-14 22 180,6 1-90,15 16 0,6-4 0,10-2 0,21-12-90,1-5 180,23-9-90,-2-13 0,-7 10 0,-5-27 0,-10 26 0,-11-34 0,8 21 0,-10-33 0,4 19 180,-7-26 180,-5 22 179,-17-22-539,13 27 90,-30-5-90,29 19 0,-12 2 90,17 7 0,-11 2 0,8 27-180,-8 9-270,11 33 1,0-10-46,11-15 0,0 0-941,-6 9 536,14-17 1,-2-1-990,-13 12 1799,27-1 0,-28-4 0,13-2 0</inkml:trace>
+  <inkml:trace contextRef="#ctx0" brushRef="#br0" timeOffset="49419">14240 1105 6813,'0'-10'180,"0"1"-90,0 0 0,0 0-90,0 1 90,0 2 0,0 1 270,0 3-181,0 15 91,0 6-180,-13 24-90,9-6 90,-9 7-90,13-7 0,-10 4 90,7 4-90,-7 1 45,5-10 0,1 1-1558,-4 20 1558,1-19 0,0 1-45,-3 14 0,2 2 0,1-2 44,1-13 1,1 1-45,-5 22-1400,0-7 0,1 1 1445,2-21 0,1-1-45,-3 12 0,-1 0-218,3-11 0,0-1 218,-1 2 0,1 1 0,0 2 0,0 1-303,0 2 0,0 0 392,0 2 1,0 1-45,0 0 0,0 2-15,1-2 0,0 2 0,0-1 60,-1 5 0,1 1-30,-1 2 0,0 6 0,2-7-60,0-6 0,1-3 0,0 12 0,-1-1 45,3-18 0,1-3-45,-1-1 0,1 0 0,0 0 0,0 0 0,0 31 0,1 1 0,0-2 0,0-17 0,0 1 45,0-12 0,0 1-45,-2 26 0,4 1 45,5-24 0,1-1-45,-6 8 0,-2 4 0,2-3 0,5-2 0,2 0 0,-1 15 0,-2 2 45,-5 4 0,1-2-45,10-16 0,1 1 0,-9 4 0,-3 4 0,1-5 32,4-6 0,0-2-32,0 13 0,-1-3 0,-3-17 0,1-3 0,1-2 0,1 2 0,1 23 0,0 1 0,-2-24 0,0 1 0,3 30 0,0-3 0,0-9 0,0-10 0,0-1 0,1 5 0,5 13 2153,-4-18-2153,1-2 0,-1 1 0,3 18 0,-3-14 0,-2-5 0,-1 0 0,-1 8-918,1-5 1,-2 1 1007,-1 6-135,0-16 0,0-1 605,-1 12-560,1-2 0,-1 1-89,0 9-91,1-14-180,-2 17 90,-1-29 801,0 10-801,0-21-253,0 1 523,0-10 0,0-4 0,0-2 0</inkml:trace>
+  <inkml:trace contextRef="#ctx0" brushRef="#br0" timeOffset="51131">14430 1233 7173,'29'-18'225,"-1"0"0,21-11-45,2-3-2571,-6 6 2391,7-2 90,6-1-90,-26 15 0,1 0 0,2-1 0,1 1 0,0 1 0,3 0 0,20-2 0,1 1 0,-13 4 0,3 1 30,5 2 0,6 0 0,-4 2-30,-2 2 0,-1 1 30,-7 0 0,2 2 0,1-1-1,5 1 1,0 0 0,-1 0-75,10 0 1,3 0 66,-11 3 0,7 0 1,1 1-1,-6-1-329,-7-2 1,-3 0-1,5 0 307,-1 2 0,5 0 0,2 0 0,-2 0 0,-4-2-485,7 0 0,-4-2 1,3 1 506,-2 2 1,3 1-1,0 0 1,-3-1-23,1-1 0,-2-1 0,-1 1 0,2 2 0,0 1 0,0-2 30,0-1 0,0-2 0,0 1-60,-1 2 0,0 0 0,0-1 30,-1 0 0,0-1 0,0 1 0,-2 0 0,-1 1 0,1 0 30,-1-1 0,-1-1 0,1 0-615,-2 1 1,-1-1-1,1 0 585,-3 1 0,1 0 0,3 1 0,-1-2 0,5 1 0,0-1 0,-3 1-72,2 0 1,-2 0 0,5-1 53,-4 1 0,6-1 0,3 1 0,-3-1 0,-5 0-137,6 0 0,-5 0 0,3 0 155,-3 0 0,3 0 0,0 0 0,-4 0 30,1 0 0,-4 0 0,1 0-30,-1 0 0,0 0 0,0 0 0,-1 0 0,-1 0 0,1 0-30,-3 0 0,1 0 0,-2 0 30,0 0 0,-1 0 0,0 0 0,18 0 0,3 0 30,-9 0 0,3 0 0,-2 0-75,5 0 0,3 0 45,-16 1 0,6-1 0,0 0 0,-6-1 0,11-5 0,-3 0 30,-7 5 0,2 1 0,-3-2-75,4-4 0,-3 1 90,1 4 0,0 2-45,-1-1 0,2 0 54,-6 0 0,3 0 0,-3 0-54,7 0 0,1 0 0,2 0 0,4 0 0,-6 0 0,-8 0 0,0 0 0,1-1 0,4 0 0,-6 3 0,-6 3 0,-3 1 0,11-4 0,-2-1 1387,12 11-1477,-6-2 90,-4-8 90,-6 14-180,-3-14 90,-7 13-90,9-4 90,-14 5 90,8 9-90,-21-8 1086,-2 7-1086,-8-5 1982,-4-1-1893,0 2 2400,0-1-2489,-22 1 90,17 1-90,-34 12 180,19-6-180,-13 21 90,13-19 89,8 10 1,4 2-90,6-7 0,-5 29-90,7-21-162,0 1 1,0 1 251,0 14-45,0-17 0,0 1 45,0 20-1027,0 3 937,1-32 0,-2 1 45,-6 18 0,-1 0-45,7-13 0,-2 2 0,-4 7 0,-3 4 0,1-4 0,2-3 0,0 1 0,-2 6 0,0 6 0,1-4 0,1-4 0,0-1-1053,-4 17 1,1-1 1052,5-19 0,1-3 45,-4 2 0,0-1-152,2-2 1,0 2 151,-1 15 0,0 0-45,2-16 0,0 1 0,-1 4 0,-1 4 0,2-4 20,-1-6 0,1-1-20,0 6 0,-2 5 0,1-5-112,0-3 0,0-2 112,-2 15 0,0-1 0,1-16 0,1-1 45,0 1 0,-1 0-45,1-2 0,0 2 0,-3 17 0,0 0 0,3-14 0,-1 1 0,0 4 0,0 4 0,1-5 45,-1-4 0,1-1-45,-1 2 0,0 4 0,0-5 0,1-6 0,0-1 0,-1 8 0,-2 1 0,2-8 0,-1-2-90,-2 16 904,1-13 0,1-2-814,-1 3 78,-4 21-78,4-28 0,-6 21 0,6-23 0,-4 7 0,-4-3 0,4-11 0,-12 14 0,9-19 575,-16 9-575,12-12 0,-11 2 0,-6-3 90,5-4-90,-30 5-90,19-6-901,1-1 1,-2 1 1170,-18 3-180,19-5 0,-2 1-87,9-2 0,0 1 42,-3-2 0,0 1 45,-2 0 0,-3 0 0,1 1 0,-4-1 0,2 0 0,-8 1 0,-3 1-23,9-2 1,-4 0-1,-2 0 1,5 0 22,-14 1 0,-3-1-501,12-1 1,-8 1 0,1-1 0,4 0 529,6-2 1,3 1 0,-3-1-60,-15 1 0,-3 1 1,3-1-248,14-2 0,4-1 0,-1 0 247,-3 0 0,0 0 0,0 0 30,0-1 0,-1 0 0,-2 0-23,-2 0 1,-5 0 0,0 0-1,4 0 23,-4 0 0,3 0 0,-6 0 0,5 0 0,-6 0 0,-2 0 0,2 0 0,6 0 136,-6 1 1,5-1 0,-5-1-155,3-1 0,-6 0 0,-2-2 0,1 1 0,6 1-221,9 1 1,4 1 0,1-1 0,-4 0 238,1-1 0,-2-1 0,-1 0 0,-1 0 0,0 1-18,-3 0 0,0-1 0,-1 1 0,2 0 0,2 1 155,-2 0 0,4 1 1,-1 0-1,-6-2-137,2 0 0,-5-1 0,-4-1 0,1 1 0,3-1 0,5 1-35,1 1 0,5 0 0,1 0 0,-5 0 20,1-1 0,-4 1 0,-3-1 0,1 0 0,2 0 0,6 0 15,1 0 0,6 1 0,-1-1 0,-6 0-13,3 1 0,-7 1 0,-3-1 0,-1 0 0,0 0 0,5 0 1,5 1 34,-3-1 1,6 0-1,0 1 1,-5-1-38,-5 0 0,-6 0 0,-4 0 0,1 0 0,4 0 0,8 0 15,-4 0 0,7 0 0,-3 0 0,-8 0 0,-5-1 0,1 0 0,7 1-30,13 0 0,4 0 0,-1 0 30,-9 0 0,-3-1 0,5 0 0,2 0 0,4 1-90,3-1 0,2 1 515,3-1 0,-1 1-695,-6-2 0,0 1-270,-17-2-360,21-1 1,3 1 899,6 1 0,2-3 0,18 3 0</inkml:trace>
+  <inkml:trace contextRef="#ctx0" brushRef="#br0" timeOffset="55397">28780 4062 11850,'-2'-23'-90,"1"2"90,1 1 0,0 3 90,0-4-90,0 7 0,0-10 90,0 11-90,-12-7 0,9 10 0,-22-3 0,14 8 0,-13 1 90,9 3-90,0 1 0,2 18 0,4 5 90,-1 22-90,6-9 0,1 15-90,3-20 180,0 7-180,17-15 90,-12-3 0,26-2 0,-8 2 0,-3-7-90,29-2 0,-31-8-90,34-2 90,-26-19-90,6 14 91,-11-32 89,-1 31-180,-2-37 0,3 6 90,-8-11 0,-6 14 0,-1 0 0,-3-8 90,-1 6 0,-1 0 90,-1-6-180,0-10 180,0 7-90,-15 13 0,11-12 0,-12 23 0,6-3 0,7 13 809,-7 2-629,10 27-180,0 9 0,0 14-3392,16 19 3392,-13-19 0,29 16-188,-29-14-172,27-1 90,-19 1-360,5-14 1,2-1-1,4 16-225,-3-10 1,2-1 854,3 3 0,8 8 0,-9-14 0</inkml:trace>
+  <inkml:trace contextRef="#ctx0" brushRef="#br0" timeOffset="56051">29987 3856 10951,'-31'0'90,"-1"0"-90,9 0-90,-2 0 90,7-10-360,-6 7 180,8-16 0,-4 17 90,12-13 0,3 9-90,3-12 180,2 4 0,23-10 0,-17 7 90,36-9-180,-19 13 450,17-2-270,-7 11 90,-7 23-90,-14 11 90,-5 13-90,-7 4 0,0-10-90,0 3 0,-23 1-1029,17-1 1029,-35-1 0,36-3 0,-35-2 0,23 10-90,-26-16-180,12 12 90,9-24 0,1 2 270,37-30-90,-4 13 180,29-30-180,-1 26 0,-5-9-90,-1 12 90,-10 0-1080,17 18 361,-10-13 719,-3 17 0,0 2 0,5-5 0,11 23 0</inkml:trace>
+  <inkml:trace contextRef="#ctx0" brushRef="#br0" timeOffset="56848">22705 2156 10051,'24'-12'540,"10"2"-540,17 2-1107,6 6 1287,-5-6-90,6 4-1,-26 3 1,4 1-45,21-2 0,4 0-90,-9 2 0,1 0-1065,-5 0 1,3 0 0,-1 0 1109,13 0 0,0 0 0,-19 0 0,2 0 0,0 0 0,1 0 0,2 0 0,2 0 0,4 0 0,4 0 0,1 0 0,-3 0 0,3 0 0,-3 0 0,6 0-18,-5 0 0,6 0 0,3 0 0,-3 0 0,-6 0-42,4 0 0,-6 0 0,6 0-66,-6 2 0,5 0 0,2 1 0,-2 0 0,-6 0 6,3 1 0,-5 0 0,1 1-15,-3-1 0,1 2 0,1 0 1,-2 0-692,11 3 0,-2 2 1,-4-1 330,8 1 0,-1 1 495,-12-2 0,1 1 0,-5 0 0,-3 2 0,-4 0 0,-1 0 0,0 0 0</inkml:trace>
+  <inkml:trace contextRef="#ctx0" brushRef="#br0" timeOffset="57503">22795 2311 8972,'51'11'719,"-7"-8"-539,11 7 0,-15-4 0,2-1-763,-8-5 1,2 2 642,9 8 0,6 3 0,-3-2-1387,0-2 0,0 1 1297,-6 2 0,3 2 0,1 1 90,5 2 0,2 2 0,-1-1-60,9 5 0,2 1-325,-10-2 0,6 3 1,-1 0-1,-4-1 355,-7-3 0,-5 0 0,5 2-30,8 4 0,6 4 0,0 0 0,-6-2-410,-8-3 0,-3-2 0,1 1 410,-2-1 0,3 2 0,-1 0 0,-2-2 30,-1 1 0,-2-2 0,0 1 0,2 0 0,1 1 0,-1-1-30,0 0 0,0-1 0,3 2 0,1 0 0,4 2 0,0 0 0,-3-2 0,4 1 0,-3-1 0,5 1 0,-5-2 0,4 2 0,2 1 0,-2-1 0,-5-3-60,4 2 0,-5-3 0,2 1 0,12 5 0,2 2 0,-5-2-702,-1 0 0,-4 0 447,-3-2 0,-1 0-135,-6-1 1,-1 0-56,-4-1 0,-1 0 505,-6-2 0,0 1 0,20 20 0,-6 0 0</inkml:trace>
+  <inkml:trace contextRef="#ctx0" brushRef="#br0" timeOffset="58215">22480 4245 8612,'28'-37'450,"2"-2"-360,5 11 0,3-4-45,-7 6 0,1 1-609,19-16 654,-3 3 0,3 1-315,-19 15 1,1-1 283,6-3 1,5-2 0,-4 3-320,0 1 1,2 1 259,6-5 0,6-2 0,-3 3-1412,-1 0 0,0 2 1441,-4 1 1,2 0 0,-2 1-75,9-4 1,-2 1-776,3-1 1,1-1 819,0 1 0,4-1-366,-5 0 1,5-1-1,-3 1 366,-13 6 0,-2 2 0,4-2-23,8-5 1,5-3 0,0 0-1,-5 4-139,-9 3 0,-4 3 0,2-1 162,13-7 0,1-1 0,-3 1 45,3 0 0,-4 0-45,1 1 0,-1 0 0,0 0 0,-1-1-45,-1 2 0,-1 1 0,0-1 0,-2 2 0,-1 1 0,0 0-195,-6 3 0,2 0 1,-3 1 14,5-2 0,0 1 0,0 0 0,3-1 1,-5 3 290,-8 3 1,-1 1-67,15-5 0,-4 2 0,-2 1 0,4-2 0</inkml:trace>
+  <inkml:trace contextRef="#ctx0" brushRef="#br0" timeOffset="59671">25833 1333 7623,'-2'-6'359,"0"2"-359,-1-1 90,2 3-180,-2-1 900,2 0-270,-1 20-181,1 25-269,1 4 180,8-3 0,1 1-180,-4 10-45,10-1 0,2 1-584,-7-18 1,0 0 583,3 14 0,1 0 0,-2-11 0,0 0 45,-3 2 0,-1 1-90,0 4 0,0 0 45,0 4 0,-1 0-1339,0 5 1,-1 0 1338,-1 1 0,1 4-45,-1 0 0,0 5 0,-1-2 0,0-14 0,0-2 0,0 5 22,0 10 1,2 6-1,-1 1 1,0-7-23,-1-9 0,0-4 0,1 2 0,1 15 0,0 2 0,0-5 0,2 4 0,-1-3-45,-1-1 0,1-1-318,0-2 0,0 2-27,-1-7 0,-1 3 1,0-3 299,2 9 0,-2 1-203,-1-15 1,-1 5 0,1 0-1,-2-5-67,1 10 1,-2-1-408,1 3 1,-2 4-1,1-6 767,0-8 0,-2-3 0,-7 13 0,-3-2 0,0-23 0,-1 0 0</inkml:trace>
+  <inkml:trace contextRef="#ctx0" brushRef="#br0" timeOffset="60717">26047 1064 7713,'28'0'629,"3"-1"-359,0-1-90,30-5-90,-7 0-1410,1-1 1,3 0 1364,-19 3 0,1 1-45,9-1 0,6-1 0,-4 2 0,1 1 0,0 1 60,-7 0 0,3 0 0,2 0-90,5 2 0,2 0 0,-2 0-334,-9-1 1,-3 1 0,6 1 363,11 2 0,7 2 0,2 0 0,-7-1-289,-5-2 1,-4-2 0,6 3 270,-3 2 0,7 2 0,3 1 0,-2-1 0,-6-2-606,8-3 1,-5-2 0,2 2 623,-2 4 0,3 2 0,0-1 0,0-1 0,0-4 0,0-2 0,-1 0 0,-2 1-45,2 2 1,-3 2 0,6-2 80,-8-2 0,7-1 0,2 0 0,-3-1 0,-6 1-6,2 0 0,-6 0 0,5 0 5,-5 0 1,5 0 0,1 0 0,-2 0 0,-5 0-222,1 0 0,-5 0 0,2 0 216,13 0 0,3 0 0,-5 0-75,-1 0 0,-5 0 63,-2 0 1,-1 0 26,-6 0 0,0 0 644,7-1 0,-2 2-599,-16 5 0,-2 2 90,12 1 0,-4 2-180,-5 7 180,-1 22 882,-23-20-1062,-7 23 0,-2-6 2153,-4 6-2063,0 3 0,0 6-90,-9-11 0,-1 1 0,7-7 0,1 1 45,-7 27 0,-1 1 0,3-23 0,2 1-186,4 5 1,1 6-1,-2-5 141,-4-1 0,0-1 0,5 18 0,2 0-72,-1-16 1,0-1 71,0 3 0,0 2 0,0 0 0,0 3 30,4 0 0,2 3 0,-2-2-389,-2-11 0,-1-3 0,0 5 403,2 9 1,1 5 0,0 1 0,-1-6-45,-2-8 0,-2-4 0,1 4-23,0 7 1,0 6 0,0 0-1,0-6-436,0 12 1,0-3 458,1-10 0,-1 2 0,-1-1 0,-3-2 0,-2 0 0,1-3 0,3 7 0,0 1 0,-2 4 0,-2 6 0,2-7-270,3-7 1,2 0 269,-1 3 0,0 5 0,0-6-45,0-7 0,0-1 0,0 13 0,0-1 90,0-7 0,0-3 804,0-14 0,0 1-894,0 16 0,0-2 45,0-2 0,0-14 0,0-3 90,0-2 710,0 1-710,0-15 1182,0-5-1272,-18-1 2145,13-4-2235,-30-1 339,19-2-339,-30-1 90,14-1 90,-28-1 0,21 0-46,4-6 1,-2-1-467,-8 3 467,13-8 0,0-1-135,-15 10 180,-5-8-90,-2 1 0,-5 8 0,-4-8 45,30 6 0,-2 0-90,-19 2 0,-2-1-429,12-1 1,-2-1 473,-9 2 0,-6 0 0,5 0-897,-2 1 0,1 0 926,6 0 1,-2-1 0,-2 0 0,-9-1 0,-1 1 0,2 0-30,11 1 0,2-1 0,-5 0 0,1 1 0,-6-2 0,-3 1 0,2 0 0,5 0-555,-7-1 1,5 1 0,-6-1 536,3 0 0,-7-1 0,-2 1 0,2-1 0,6 1 18,-3-1 0,5 1 0,-7-1-45,10 0 0,-8-1 0,-3 0 0,0 0 0,4 0 0,7 1-135,-6-1 0,7 1 0,-5-2-180,3 1 0,-7-1 1,-1 0-1,4 0 1,10 1-136,-5 0 0,4-1 495,3 1 0,-3 0 0,7 1 0,-18-1 0,27 3 0,0 0 0</inkml:trace>
+  <inkml:trace contextRef="#ctx0" brushRef="#br0" timeOffset="63135">18138 5914 8792,'0'-25'2429,"0"29"-2429,0 7 90,0 33-90,0 3 0,0 11 0,0-7 0,0 3-613,0-11 0,0 1 613,0 6 0,0 5 0,0-5 0,0-4 0,0 0-60,0 1 0,0 4 0,0-5-576,0-6 0,0-2 456,0 10 0,0-2-180,0 12-90,0-4 0,0-7-629,0 13 449,0-18 595,0 18 0,0-34 1,0 7-1</inkml:trace>
+  <inkml:trace contextRef="#ctx0" brushRef="#br0" timeOffset="63597">17762 6952 8972,'0'-18'1259,"0"2"-1349,0 3 1349,0 2-1079,13 7-90,1 17-90,16 17 90,-7 13-525,3 9 435,-3-6 180,-1 4-270,1 2 135,-7-16 0,-1 0-45,11 19-1609,-6-13 0,1-1 1609,4 2-90,7 9 81,-10-22 9,0-5 0,-2-2 0,-1-5 0,-1-4 0,-2-5 347,9-4-258,-5-2-448,21-21-1,-14-16 2744,13-12-3103,-9-10-536,1 7 446,-2-4-496,-9 15 1,-2-2 1304,9-18 0,-11 22 0,-1 0 0,2-10 0</inkml:trace>
+  <inkml:trace contextRef="#ctx0" brushRef="#br0" timeOffset="66298">15413 8909 9871,'0'-16'810,"0"2"-91,0 2-539,11 24-180,2 10 90,9 14-180,0 3 270,-3-10-180,1 3 90,-1-4-180,1 0 270,-1-4-180,1-1 90,-2-6 0,3 2-90,-6-11 0,7 3 0,-12-10 0,7 1 0,-8-22-90,5 15-180,-2-41 0,1 24 180,0-24-179,-2 8-991,2-20 451,-6 14-1,-2 9 1,0 2-630,0-2 1439,0-6 0,3 21 0,-1 3 0</inkml:trace>
+  <inkml:trace contextRef="#ctx0" brushRef="#br0" timeOffset="66519">16067 8998 10141,'3'11'810,"0"-1"-630,0 1 89,-1-5-179,1-2 90,-2-1-180,0 1 0,1 2-90,0 8 90,2-1-269,-1 4-1,0-2-360,1-1 0,2-1-89,0-1-1,1 0-179,0-2 899,5 0 0,-2-5 0,3 0 0</inkml:trace>
+  <inkml:trace contextRef="#ctx0" brushRef="#br0" timeOffset="66673">16128 8730 9871,'-17'-14'90,"-6"1"-449,21 4 89,-13 1 270,14-2 0,-4 6 0,5-1 0</inkml:trace>
+  <inkml:trace contextRef="#ctx0" brushRef="#br0" timeOffset="67031">16362 9049 8792,'6'10'360,"2"-1"-360,0-2 90,0-3-90,-1-1 0,-1-3-90,1 0 90,1 0 90,4 0-90,-1-13 0,4 10 0,-6-20-90,1 21 90,-7-7-90,2-1 0,-4 1 180,1-8 90,-2 4-90,0 5-90,0-1 899,-15 7-539,3 18-360,-6 5 0,10 24 0,8-12 90,0 3-90,0-3 0,21-7-540,4 11-179,13-19-900,14 2-1,-16-14 1412,16-3 1,-13-3 0,1 0 0</inkml:trace>
+  <inkml:trace contextRef="#ctx0" brushRef="#br0" timeOffset="67232">16998 8941 10141,'-18'12'270,"3"5"-270,35-2 0,-15 16-90,36-16-450,-36 16-1168,42-9 1168,-27 0-179,24-2-181,-12-1 900,3-3 0,-3-2 0,2-3 0</inkml:trace>
+  <inkml:trace contextRef="#ctx0" brushRef="#br0" timeOffset="67615">17500 8988 9961,'-44'0'720,"9"0"-630,-3 0 0,8 15-90,-12 1 0,9 2 0,-8 7 0,15-21 0,2 22-180,3-23-450,-3 20 270,9-15-629,-2 4 359,11-6 271,0-6-1,4 0-90,-1 0-90,1 0 271,-1 0 269,1-16 809,-1-3 91,1-1-361,0-10-179,1 12 90,1-10 89,0 6 91,17 6-450,-13 7 0,29 4-90,-13 3-90,21 2 90,-10 0-90,2 14-90,-7-11 90,0 11-450,2 3-719,11-2 539,-7 5-1169,22 2 1799,-23-12 0,12 3 0,-14-5 0</inkml:trace>
+  <inkml:trace contextRef="#ctx0" brushRef="#br0" timeOffset="67789">17885 8889 10681,'-20'-4'360,"-2"1"-450,-14 18-630,3 6 1,10 19-1,8-6-269,7 1-720,8-9 1709,0-2 0,0 1 0,0-3 0</inkml:trace>
+  <inkml:trace contextRef="#ctx0" brushRef="#br0" timeOffset="68115">18392 8839 10501,'0'-9'90,"0"0"0,-23 1 540,2 0-541,-24 4-89,7 15 90,-1 10-90,18 21 0,6 5-90,15-5 180,24 10-180,-18-21 180,40 14-90,-18-21 0,0 3 0,13-12-90,-37-3 1,26-3 178,-27 0-89,9-3-359,-12 1-1,0-5-180,-28 3-89,5-2-271,-28 1-179,10 2 1079,-3-1 0,-1 1 0,0-1 0</inkml:trace>
+  <inkml:trace contextRef="#ctx0" brushRef="#br0" timeOffset="68571">19067 9105 7982,'-12'0'-1259,"0"13"1259,-2-10 0,4 10 0,-1-13 0</inkml:trace>
+  <inkml:trace contextRef="#ctx0" brushRef="#br0" timeOffset="69198">19395 8382 9422,'-16'18'180,"12"18"89,-42 2-179,27 12-1574,-9-6 1,-2 1 1438,13-14 0,0 1 105,-2 6 0,-1 5 0,1-4-150,0-1 0,1-1-180,-5 13 1,0-1-136,9-14 0,0-2-180,1-1 1,0 1 584,-7 29 0,3-4 0,4-2 0</inkml:trace>
+  <inkml:trace contextRef="#ctx0" brushRef="#br0" timeOffset="70001">19932 8573 9422,'0'20'1978,"0"10"-1888,0 18-90,0 3 90,0 15-90,0-14-836,-7-18 0,0 0 836,3 13 0,-10-5-220,14-1 220,0-4-290,0-5 200,-7-3-269,5 2 89,-6-12-180,5 5-1349,2-16 2772,-3-15-973,28 4 0,-18-27 0,37 26 450,-14-45-180,8 31 180,8-25-181,-29 19 1215,14 13-764,-18-7-96,7 17-534,-3-4-90,-6 21 0,-3 3 0,2 20 90,-4-9-180,3 14-270,-1-18 181,1 9-631,7-5 360,-1-9-179,18 4 359,-9-16 180,24-1 0,-17-6 90,10-2 90,-1-18 180,-11 0 359,12-18-89,-22 18 0,1-14-270,-14 14 179,-1-9-359,-4 3-90,-21 12 0,2 3 0,-20 5 0,8 22 0,13-3 0,-3 15 0,19-9 0,-5-3 0,28-8-180,0-4 90,21-6-179,-9-19-271,-4 1-539,-13-16-91,-7 9 181,-9 2 989,-17 11 0,12-1 0,-13 6 0</inkml:trace>
+  <inkml:trace contextRef="#ctx0" brushRef="#br0" timeOffset="70865">20775 9067 9961,'9'0'630,"1"7"-540,-4-6 270,1 14-180,-5-7-90,1 13-90,-1-5 0,1 5 0,0-4 0,-1 0-90,1-1 180,0 2-90,-1-5-180,1 3 90,-2-9-900,1 0 990,0-5 0,6-31 0,-2 22 90,5-41-90,-4 25 0,0 0 90,-2-7 270,-1 27-180,1-16-90,0 18 0,1-6 90,1 7-90,6 0 0,-4 18-1,11 4-89,-7 0 0,3 15 0,-3-23 0,-2 17 0,-1-12-89,5 2 178,-6-10-898,8 5 539,-7-14-539,13 3 629,-7-20 90,8 11 0,7-29 90,-10 6 450,17-17-271,-19 6 181,8 5-270,-15 9-90,1 12 180,-6-4-90,-4 14-90,1 11 0,-4 8-450,0 17 90,0-2 91,15-11-451,-11 3 90,23-14 540,-15 3-89,12-2 538,-6-10-89,0 3 90,-5-4 90,-3-14-180,-5 11 89,0-11 1,-1 5-180,0 6 0,0-6-90,1 9 0,1-7-90,8 1 0,-1-5-90,20-1 180,-10 2 0,25-10-180,-16 6 90,8-5-90,-12 5 180,-3 0-90,-5 1 0,2-5 90,-11 3-180,0-5 270,-10 9 449,-21-3-359,14 9-90,-35 0-90,16 4-90,-18 17 90,9 2-270,14 19-90,9-9-179,11 2 89,0-8-360,28 0-179,-6 0-181,29-2-1418,-9-2 2498,6-1 0,7-5 0,1 0 0</inkml:trace>
+  <inkml:trace contextRef="#ctx0" brushRef="#br0" timeOffset="71132">22543 8496 11311,'-31'-13'449,"13"5"-179,-3 2-180,10 21 0,-9 19-180,3 9 135,6-2 0,1 1-1205,-2 16 1025,3-17 1,0 0 44,0 19-360,-1 0-450,2-1-134,2-18 0,0 1-1035,-4 20 2069,3-23 0,1 0 0,-2 10 0,1-1 0</inkml:trace>
+  <inkml:trace contextRef="#ctx0" brushRef="#br0" timeOffset="71519">22817 9026 11041,'-6'-1'90,"2"1"0,1 0 0,1 0-90,-1 0 0,0 13 89,-6 7-178,3 8-91,-6 16-270,5-14-360,-1 9 271,3-13-181,2-3-269,2-2-451,1-5 1440,0-2 0,0-7 0,0-2 0</inkml:trace>
+  <inkml:trace contextRef="#ctx0" brushRef="#br0" timeOffset="71667">22882 8850 10411,'0'-17'-1439,"0"6"1439,0-3 0,0 10 0,0-2 0</inkml:trace>
+  <inkml:trace contextRef="#ctx0" brushRef="#br0" timeOffset="72003">23128 8903 9871,'6'6'450,"1"6"-360,-4-2 90,2 12-180,-3-6 90,0 6-270,1-4 360,-1 3-270,0-2 90,0 9 0,0-10-360,-1 12 270,1-16-180,-1 5-89,0-12 89,2-1 180,-1-5 90,2-1 0,3-17 90,-2-6 449,6-19-359,-3 18-180,0-13 0,2 24 90,-6-6 0,4 10-90,-5 9 0,2 21-180,-1-16-269,3 36-1,-1-24 90,3 18-270,1-8 630,12 8 0,-3-11 0,9 6 0</inkml:trace>
+  <inkml:trace contextRef="#ctx0" brushRef="#br0" timeOffset="72405">23710 9033 10231,'-48'-9'450,"-5"1"-180,14 8-270,-3 22 0,16-16 0,2 48 0,-2-33-472,14 27 472,-1-22 116,13 0-116,0-1-180,22 3 0,-17-9-90,60-3 270,-38-12-45,13-10 0,1-2-45,-1 4 90,14-33 0,-13 1 0,-10-9-45,-14 10 0,-2 0 45,-4-9 225,-6 3 0,-3 0-562,-2-9 517,-10 17 0,-1 0 360,5-11 0,-32 2-450,34 2-90,-30-7 0,19 16 0,-4-4 180,8 24 157,11 22-337,0 21-270,0 12 90,17 9-135,-8-20 1,1 0-406,11 19-1607,2-7 0,-1-1 1697,-4 5 270,3-18 1,1-1-1422,2 6 1781,0-3 0,-1-4 0,0-3 0</inkml:trace>
+  <inkml:trace contextRef="#ctx0" brushRef="#br0" timeOffset="72731">24078 9253 11041,'1'-13'0,"1"2"0,0 11 0,1 0 0,2 0-90,2-7 90,5 5-270,2-8 0,15 3 90,-4-2 0,22-9 180,-18 7 0,15-11 0,-21 9 270,3-15-90,-17 12 540,-2-12-630,-28 15 269,-2-5-359,-3 11 0,-10-1 180,18 6-270,-14 0 90,15 18-360,0 4 91,16 21-181,-6-8-180,28 2-179,-15-9-1080,38 8 1889,-11-9 0,11 5 0,1-13 0</inkml:trace>
+  <inkml:trace contextRef="#ctx0" brushRef="#br0" timeOffset="72932">24520 9144 10861,'0'-24'180,"-12"5"-180,9 6 0,-9 5-360,33 5-360,4 17 271,24-10-1,-11 27-90,2-27-179,-13 22-271,0-23 990,-3 17 0,-3-18 0,-1 7 0</inkml:trace>
+  <inkml:trace contextRef="#ctx0" brushRef="#br0" timeOffset="73098">24750 9012 10591,'-26'-10'270,"6"4"-180,1 3-90,9 19-90,0-12-90,3 34-989,-4-3 179,3 12-398,-4 4 1388,5-14 0,2 0 0,0 0 0</inkml:trace>
+  <inkml:trace contextRef="#ctx0" brushRef="#br0" timeOffset="73315">25092 9132 10321,'0'-5'-2518,"-19"-2"719,15 4 1799,-26 0 0,27 2 0,-8 1 0</inkml:trace>
+  <inkml:trace contextRef="#ctx0" brushRef="#br0" timeOffset="73764">25277 9141 10321,'0'29'630,"0"-4"-720,0 1 90,0-3 0,-14 2 0,10 1 0,-10-1 0,14 0-90,0-3 180,0 0-90,0-3-90,0-2 180,0-2-720,0-7 360,0-22 180,0-12 90,0-32 0,0 9-135,1 10 1,-2 0-380,-10-13 514,10 17 0,-1 1 0,-9-16-90,11-1 90,0 1 90,-1 15 0,2 0-90,15-16 135,-16 14 0,3 2 225,29 2 359,-28-4-359,26 27-360,-17 17 0,9 15 0,-10 21 0,-6 7-90,-6-10-90,0-2 154,-18-16-514,13-2-1349,-28-4 450,29 0 1439,-27-8 0,27 0 0,-12-8 0</inkml:trace>
+  <inkml:trace contextRef="#ctx0" brushRef="#br0" timeOffset="74148">25722 8338 10951,'6'0'899,"3"24"-899,-5 6 90,3 13 0,-4 21-90,0-23 0,-2-2 0,1-1 90,0 7-90,-1-9 0,0 0-90,1 1-90,0 9-359,3-16 179,-1-9-270,4 2 270,-2-16-89,5-1 449,-3-5 0,3-1 179,-2-16 91,0 12 0,1-24 90,-2 25 0,1-21-360,-3 21 180,-1-9-180,-1 3 269,-1 7-448,-1 12-361,-2 14 90,0 11-179,0 2-181,0-7-1888,13 14 2698,-10-12 0,10 8 0,-13-17 0</inkml:trace>
+  <inkml:trace contextRef="#ctx0" brushRef="#br0" timeOffset="74515">26035 9026 11670,'13'18'90,"-10"13"-90,9-7-180,0 8 180,-9 1 0,9-11 0,-5 5-90,-5-8 90,11 2-90,-12-7-1079,7-9 989,-8-20 90,2-27 90,-2-4-45,0 7 0,0 0 315,0-5 0,7 6 0,1 1-90,-4-6 0,25-6 90,-26 14-181,22 15 361,-23-1-360,15 16-90,-13 3-90,4 17-90,-4 11-359,-3 9-1395,-7 4 0,-5 1 1934,-16 5 0,10-7 0,-2 0 0,-21 3 0</inkml:trace>
+  <inkml:trace contextRef="#ctx0" brushRef="#br0" timeOffset="75587">22277 10226 9152,'0'-19'1079,"0"6"-809,0 1-90,0 6 989,0 0-1079,0 27 90,0-3-180,0 28 90,0-6-346,0 8 256,-15 6-784,11 4 514,-11 3-270,1-3-539,10 1-181,-23-3-718,24-2 1978,-17-3 0,18-2 0,-6-2 0</inkml:trace>
+  <inkml:trace contextRef="#ctx0" brushRef="#br0" timeOffset="76398">23037 10756 9781,'0'-11'90,"-17"0"0,12 2-90,-12 0 90,3 3-90,10 2 360,-22 1-270,12 3-90,-12 18 0,8-13 0,0 30 0,13-14 0,0 14 0,26-7 0,3-12 0,22-8 0,-22-26-90,18 14 90,-26-33 0,18 19 0,-13-18 0,0 5 0,-6-2 90,-6-2-90,3-3 450,-10-18-90,5 14-181,-7 7 1,0 0 90,0-4-180,-18-8-90,13 20 0,-12 5 0,17 5 0,0 2 90,0 57-90,0-17-671,10 11 1,1 3 310,-5 7 90,32 6-180,-34 0-225,19-15 1,2 1-135,-7 17-361,8-12 1,2-1 1169,0 2 0,9 8 0,-8-23 0</inkml:trace>
+  <inkml:trace contextRef="#ctx0" brushRef="#br0" timeOffset="76715">23655 10862 10771,'-18'-11'180,"14"-5"-180,-14 8 0,18-4 0,0-1-90,0 5 0,0-2-270,21-2 180,8 2-180,23-10 270,-11 10 0,-2-7 90,-8 10 90,-17-3-90,12 5 0,-24 0 0,8 0 90,-10 0 90,0 1 180,0 1-180,-24 2-90,-5 0 0,-23 19 90,6 3-270,10 23 90,16 3 0,10-6-720,36 14 181,-20-27-399,47 9 218,-27-18-359,25-4 1079,-5-7 0,0-4 0,4-4 0</inkml:trace>
+  <inkml:trace contextRef="#ctx0" brushRef="#br0" timeOffset="76935">24363 10479 10681,'-18'-23'1079,"13"1"-989,-13 5-90,1 3 0,13 3 90,-12 3 0,16 3-90,-10 2 0,8 20 0,-8 13 0,10 12-180,0 8-3751,0 14 3661,15-12 0,-13-17 0,0-1-296,13 12 116,-1 1 0,-10-6-539,21 12 449,-23-17 540,8 13 0,-10-28 0,0 2 0</inkml:trace>
+  <inkml:trace contextRef="#ctx0" brushRef="#br0" timeOffset="77551">24207 10904 9242,'-12'-25'90,"2"0"-180,4-12 90,5 10 0,-5-6 0,26 8-90,-14 10-270,30 0-90,-14 10 270,19 4-90,18 27 270,-17-19 0,9 34 0,-25-38 90,0 26 0,-3-25 180,5 20-90,-9-14 270,4 9-270,-14-10 0,-1 1-90,-5-6-90,-2 1 0,1-2 0,-2 0 90,0-1-90,0 2-90,0 0 180,0 4-180,0-2-90,0 4 0,0-3 90,0-1-90,0-2 0,16-2 180,4 0 180,10-1 180,-11-18 269,-2 13 271,-15-27-540,5 18-360,-7-12 0,0 33 0,14 7-270,-10 31 90,25-11-360,-13-1 270,2-7-179,6-6 179,-11-5 90,5-7 90,-1-9 180,-7 0-90,1 0 270,0-14 0,-3-6 899,0-14-449,-6 1-451,-1 5-538,-1 7-811,0 25-539,0 7 630,0 23 989,17-3 0,-3-12 0,16-6 0</inkml:trace>
+  <inkml:trace contextRef="#ctx0" brushRef="#br0" timeOffset="77725">24908 10651 9152,'-2'-6'-158,"1"2"1,-1 2-1,2 1 1</inkml:trace>
+  <inkml:trace contextRef="#ctx0" brushRef="#br0" timeOffset="78182">25013 10709 8612,'-9'-8'360,"2"2"-180,7 0-270,15 3 180,-11-2 90,12-1-180,-2-2 90,-10 0 90,23-11 89,-12 5 1,8-21-180,-9 13 360,0-25 0,-11 16-270,4-13 89,-5-3 1,-2 11-90,0-19-180,0 27 0,0-2 0,0 16 450,0 4-540,0 30 180,-10 15-90,7 19 0,-2-12 0,0 1-263,5 15 218,0-7 0,0 0-1638,0 9 1503,-2-23 0,4 1-405,7-3 1,0-1-46,-4 14-225,12-11 1,1-1-495,-14-1 1349,29 4 0,-19-19 0,15-2 0</inkml:trace>
+  <inkml:trace contextRef="#ctx0" brushRef="#br0" timeOffset="78467">25812 10874 11490,'-9'3'-45,"3"-1"0,3-1 0,2-1 1</inkml:trace>
+  <inkml:trace contextRef="#ctx0" brushRef="#br0" timeOffset="78999">26062 10663 11490,'3'-1'450,"0"0"-450,0 1 0,0 17 90,3-13-90,3 53 0,-1-29-1097,4 38 1097,-2-22 0,1 4 0,1-3 0,-1 0-681,2-5 681,-2-2-432,3 4 432,-4-13 90,1 5-180,-5-20-360,-1-2 270,-4-31-90,0-24 0,-17-6 315,14 7 0,1 0 366,-15-8-411,15 15 0,2 0 0,-1-18 90,0 1-180,0-1 90,0 19 0,0 0-90,0-16 135,9 14 0,1 3-135,-6 2 964,27-7-874,-28 27 179,20 0 214,-13 29-393,2 9 0,-6 12-360,-6 17-89,0-20-91,0 9-180,-17-16-179,12-4 353,-13-4 546,5-10 0,10 4 0,-11-7 0</inkml:trace>
+  <inkml:trace contextRef="#ctx0" brushRef="#br0" timeOffset="79365">26513 10303 10951,'6'0'719,"1"20"-539,0 2-90,-1 2-90,8 30 0,-6-31 0,4 30 0,-3-22 0,0 0 0,0-3-270,-1-2 90,1-2-269,-2-4 89,1-2-90,-1-4 360,-1-3-629,0-3 539,-2-4 180,2-2 180,-1-18 89,1-3 181,-1-1 450,2-16-630,-2 16-91,0-4-179,-1-2 90,-2 23 0,2-7-90,-1 10-270,1 0-89,-1 22-451,1-16-89,0 40-91,-1-26-719,1 21 1709,0-9 0,2-1 0,0-1 0</inkml:trace>
+  <inkml:trace contextRef="#ctx0" brushRef="#br0" timeOffset="79753">26932 10729 10951,'0'-15'360,"0"24"-450,0 9 90,0 16 0,14 2 0,-11-7 0,11 2 0,-14-2 0,11-1 0,-9-2 0,9-3 0,-11-3 0,6-5-450,-5-3-809,5-3 989,-6-25 180,4-23 270,1-8 44,0 10 1,2-1 45,2-4 0,0 8 0,1 1-180,1-4 270,8-10 89,-8 24-359,2 3-90,-5 13 90,1 4-180,2 3 180,9 0-90,-3 19 90,16 5-270,-15 11-89,7 0-361,-12-9-180,-2 2-449,-5-1-450,-1 1 1709,-4-1 0,1 1 0,-2-1 0</inkml:trace>
+  <inkml:trace contextRef="#ctx0" brushRef="#br0" timeOffset="80487">19602 12800 12165,'-42'0'0,"3"0"-180,6-18 0,7 14 65,7-25-785,9 15 271,37-10 179,0 11-817,33-7 818,-8 17-615,9-18 884,-28 19 1,0 2 44,2-8 0,0 1 45,0 6 0,1 1 90,-1-2 0,1 0 45,-2 2 0,1 0 180,-1 0 0,0 0 134,30 0 91,-20 7 0,-1 0-90,21-3-46,-1 3 1,-1 0-135,2-7-135,-4 0 0,-1 0-45,-5 0-45,-8-7 0,-1 0-315,7 4-135,-9-8 1,-1 0-226,6 8-179,15-5 899,3 8 0,-13 0 0,-18 0 0,0 0 0</inkml:trace>
+  <inkml:trace contextRef="#ctx0" brushRef="#br0" timeOffset="80616">22280 12760 10141,'58'0'-180,"-2"0"-269,-4 0-1039,-2-14 679,-4 10-450,-1-11 1259,-1 15 0,2 0 0,0 0 0</inkml:trace>
+  <inkml:trace contextRef="#ctx0" brushRef="#br0" timeOffset="80751">24210 12616 9691,'55'0'-449,"-4"0"-361,-4 0 810,8 0 0,-14 0 0,8 0 0</inkml:trace>
+  <inkml:trace contextRef="#ctx0" brushRef="#br0" timeOffset="80921">26392 12533 12480,'43'0'-2429,"0"0"1260,-5-16 1169,16 12 0,-10-26 0,14 11 0</inkml:trace>
+  <inkml:trace contextRef="#ctx0" brushRef="#br0" timeOffset="81065">27548 12363 12120,'15'0'-3328,"-4"0"3328,-2 0 0,-5 0 0,-1 0 0</inkml:trace>
+  <inkml:trace contextRef="#ctx0" brushRef="#br0" timeOffset="81887">14555 8389 8972,'0'-8'1439,"0"2"-1169,0 30-90,0-1-90,0 32-1570,8-9 1,1 3 1524,-7-6 0,0 2-15,7-3 0,4 3 0,-4-1-30,-8 12 0,1 0 45,12 5 0,2 2-45,-10-19 0,-2 1 0,1 4 0,3 5 0,3 6 0,-1 0 0,0-2-384,-1 4 1,-2-2 0,2 7 383,-3-13 0,1 5 0,1 3 0,-1 1 0,0-2 0,-1-6-478,0 3 0,-1-4 0,1-1 0,-1 3 478,1 0 0,0 3 0,-1 1 0,1 1 0,-1-2 0,0 2 0,-1 0 0,0 0 0,0-1 0,-1-3-235,1 1 1,-1-4 0,1 1 0,-1 5 234,0-2 0,0 5 0,1 3 0,-1 0 0,0-3 0,0-6-111,0-1 1,0-5 0,0-2 0,-1 3 65,1 13 0,0 2 0,0 0 0,-1-6 42,2-4 0,-1-4 1,1-2-58,-2-1 0,0-1 0,1-1-165,0 17 0,0-1-135,0-7 1,-1-2-46,-1-6 0,0-2-135,-1-6 1,1-1 341,-1-5 0,0-2 198,0 23 0,-25-10 0,-5-6 0</inkml:trace>
+  <inkml:trace contextRef="#ctx0" brushRef="#br0" timeOffset="83782">15182 8621 7982,'62'0'360,"-15"-4"0,2-2-360,-10-1 0,1-2-575,11 0 0,4-2 620,5-5 0,0 0-90,-13 6 0,2 0 75,7-2 0,5-1 0,-4 1-971,-2 1 0,-1 0 970,-7 2 1,3 0 0,-3 0-120,7 1 1,-3 0 178,3 1 1,0 1-90,2-1 0,4 1 0,-1 1 0,4 0 0,-1 1 30,-13 1 0,-1 0 0,5 0-48,-1 1 0,5-1 0,3 1 0,-1-1 0,-5 1 48,6 0 0,-4 0 0,5 0-48,-1-1 0,6 0 0,2 0 0,-1 0 0,-6 0-604,8-1 1,-6 0 0,3 0 666,-1-1 0,2 1 0,1-1 0,-4-1-582,2 0 0,-4-1 1,1 0 536,-13 1 0,-1 0 0,1 0 0,0 0-23,1-1 1,-1 1-1,1-2 1,4 0 40,6 0 0,3-2 0,3 0 0,-1 1 0,-3-1-63,1 1 0,-4 0 0,1 0 0,6-1 32,-9 2 0,6-1 0,2 0 0,2-1 0,-1 1 1,-3 0-1,-5 1 31,-3 1 0,-5 0 0,-1 0 0,1 1 0,5-2-31,4 1 0,5-1 0,3 0 0,2-1 0,-2 1 1,-3 1-1,-5 0-171,-3 0 1,-5 1 0,-1 1 0,0-1 0,3 1 183,2-1 0,2-1 0,2 1 0,-1-1 0,-1 1 0,-4 0-110,8 0 0,-3 0 0,-1 1 0,0-1 110,0 0 0,1 1 0,-1-1 0,1 1 53,-2-1 1,-1 2 0,2-1 0,3-1-54,1 1 0,5-1 0,1 1 0,-2-1 0,-2 1 0,-2 0 0,-3 1 0,1 0 0,5-1-39,-10 2 0,5-2 1,2 1-1,2 0 1,-2 0-1,-2 0 1,-6 1 28,10 0 1,-7 0-1,1 0 1,6 1-30,-10-1 0,5 1 1,3 0-1,1 0 1,0-1-1,-4 2 1,-5-1 38,11 1 0,-6 0 0,-1 0 0,3 0 0,0 0 0,3 0 0,1 0 0,-2 0 0,-4 1 0,-4-1 0,-3 1 0,-1 1 0,-1-1 0,17 0 0,-1 0 0,-1 0 78,-3 0 0,-1 0 0,2 0-78,-3 0 0,4 0 0,-1 0 0,-4 0 0,2-1 0,-4 1 0,5 1 0,-7 0 0,5 2 0,1 0 0,-2 0 0,-6 0 0,2-2 0,-5 0 0,4 0 0,8 1 0,5 2 0,0-1 0,-8 1 30,-11-1 0,-5 1 0,4-1-30,12-1 0,7 0 0,-1 0 0,-9 2 0,1 6 0,-2 1 30,5-4 0,5 0 0,-10 1-30,-21 2 0,-4 0 0,15 4 0,-4 0 1189,-2 5-1279,17 16 180,-29-13 1746,8 11-1566,-1 1-90,-8-6-180,-4-3 0,-1 1 0,4 6 135,-4-4 0,0 1 45,2 6 179,7 11 1060,-12-14-1329,0 0 90,-2-1-90,5 14 180,-7-10 89,10 27-179,-10-23-180,-3-2 0,1 2-127,2 12 127,-5-17 0,0 3 0,1 4 0,0 1 0,-2-9 0,0 1 0,7 26 0,1 0 45,-6-22 0,0 0-45,2 6 0,2 3 0,0-3-273,-2-2 0,2 2 303,2 5 0,3 4 0,-2-3 660,1-1 0,-1-1-690,-2-6 0,1 1 0,1 1 0,1 2 0,1 1 0,-1-2 0,2 8 0,2 1 30,1 6 0,3 5 0,-2-5-738,-4-4 0,0-3 708,-2-6 0,0 2 0,-2-2 0,0 3 0,-2-2 0,1-1 0,-1 4 0,0 7 0,0 7 0,-1-5 0,-1-2 0,1 1 0,-3-7 0,1 8 0,-1-1 0,-1-7 44,-1 2 1,-1-2-75,1 6 0,0 5 1,-1-5 73,-2-3 1,-1-2-75,1-8 0,-1 2 1,0-2 29,-1 4 0,0-3 44,0 0 1,0-1-90,0-1 1,0 0 44,1 15 0,-1 0 44,-1-18 1,0 2-90,1 23 1,-1-1 88,-1-30 1,-1-2-45,0 20 0,1-2-89,-1 3 178,0 13 26,0-25-25,0-5-180,0-1 180,0-4-90,0 0-90,0-4 90,0 11 0,0-10 0,0 15 90,0-20 473,0 4-563,-11-11 1376,8-1-1376,-8-2 2036,11-3-2126,-8 0 438,6-4-438,-14 4 180,9-4-180,-20 4 90,11-7 0,-12-1 90,8-2-180,-6-1-270,-17 0 270,3 0-90,0-6 1,-1 0 179,-15 3-216,18-3 1,-4-1 35,-5 1 0,0-2 90,9 1 0,-2-1 60,-6-2 0,-4-1 0,4 1-337,1-3 0,-2 1 337,-6 1 0,-5 0 0,4 2-853,0-1 0,1 1 883,6 1 0,-3 0 0,3 0-45,-9 1 0,2 0-45,-2 1 0,-2 0 90,-2 0 0,-1 1 0,-2 1 0,-1 1 0,-2-1 0,-1 1 0,22 1 0,0 0 0,-3 0-23,-1 1 1,-3-1 0,-1 1-1,3-1 23,-3 0 0,3 0 0,-5 0 0,4 0 0,-4 0 0,-3 0 0,3 0 0,4 0-641,-3 0 0,5 0 1,-3-1 662,2 1 0,-2 0 1,0-1-1,4 1-22,1-1 0,3 1 0,-1-1-30,0 0 0,-1 0 1,-1 1 29,1-1 0,0 0 0,0 1 0,-1-1 0,0 1 0,-1 0 29,0-1 1,0 0 0,-1 1-60,1 0 0,-1 0 1,-3 0 29,-1-1 0,-4 1 0,-1-1 0,2 1 0,-2 0 0,2 0 0,-5 0 17,4 0 1,-5 1 0,-2-1 0,2 0 0,5 1 12,-4 0 0,5 1 0,-8-1 30,7 1 0,-8 0 0,-3-1 0,-1 1 0,3-1 0,7 1-60,5 0 0,6 0 0,0 0 0,-6 0 15,-7 0 0,-7 0 0,-3 0 0,-1 0 0,4 0 0,8 0-15,-8 0 0,7-1 0,-6 2-15,15 0 0,-5 1 0,-3 0 0,0 1 0,2-1 0,5-1-8,0 0 1,5-1 0,0 1-1,-5 0 23,0 1 0,-6 1 0,-1 1 0,-1 0 0,3-1 0,5 1 0,-1-1 0,5 0 0,0 1 0,-4-1 0,-2 1 0,-4 0 0,-3 0 0,-1 0 0,4 0 0,4 1-398,-1 0 1,4 1-1,1 0 1,-3-1 397,0 0 0,-4 0 0,0-1 0,0 1 0,4-1-253,2 1 1,2-1 0,1 0 0,-1 1 252,-1 0 0,0 0 0,0 0 0,-1 0-23,2 0 1,0-1 0,-1 1-1,-2 0 23,-3 1 0,-3 1 0,-1-1 0,1 1 0,3 0-124,0-1 1,3 1 0,1-1-1,-4 1 142,2 0 0,-3 0 0,-1 0 0,2 1 0,4-1-22,-11 3 0,4-1 1,1 1 3,0-1 0,0 0 0,0 1-30,3 0 0,1 0 0,-3 0 30,2 0 0,-3 1 0,-1-1 0,3 0 0,-1 1 0,3-1 0,-5 1-18,6-2 0,-5 1 0,-1 0 0,2 0 0,5-2 48,-2 1 0,4-1 0,-2 0-30,-13 2 0,-3 1 0,5-2-45,-2 0 0,4-1 45,0 0 0,1 0 0,2-1 0,1 0 0,2 0 0,1-1 0,1 0 0,1 0 0,1 0 0,-1 0-30,6-1 0,-3 1 0,2 0 30,-7 0 0,-1 0 0,-3 1 0,-6-1 0,7 0-45,6-1 0,0-1 105,-4-1 0,-5 0 0,6-1-60,7-1 0,2 0 0,-15-1 0,1 0 491,20 1 0,3-2-536,0-6 0,1 0 45,1 6 0,-1-2 0,-10-11 0,0 0 0,12 12 0,-1 0 0,-22-10 0,0 1 90,-6 8-135,10-6 0,2-2 45,-8 0 0,23 3 0,1-2 0,-26-8 0,18 6 1255,-20-8-1255,31 9 1383,-10-6-1653,23 10 848,1-3 0,12 6 1,2-2-1</inkml:trace>
+  <inkml:trace contextRef="#ctx0" brushRef="#br0" timeOffset="86948">14627 10311 8792,'-10'0'90,"0"0"180,0 0-90,0 0-90,-3 0 0,0 0-90,-3 0 179,0 0-179,-2 0 180,-3 0 90,-1-14-270,-1 10 0,-1-20 270,-14 7-270,7 4 90,-12-17-309,12 16 309,-3-14-1,-2 4-44,8 6 0,0-1 45,-18-12-45,5 2 0,-1 0 45,-11-7-90,6 3 0,-1 0-539,18 13 1,1 0 538,-12-7 0,1-1 89,11 9 1,0 1-135,-1-1 0,-1-1 45,1 1 0,-2-1 45,-15-8 0,-2-1-45,12 7 0,-2-1 0,-4-1 0,-4-2 0,3 1 0,2 3 0,0 0 0,-5-2 0,-5-2 0,3 3-683,4 1 0,0 2 683,-16-7 0,0 1-45,17 8 0,2 2 90,-2 0 0,-1 0-90,1 0 0,-3 0 45,3 1 0,-2 0 0,1 1 0,-7-2 0,-2-1-30,-4-1 0,-6-2 0,5 2 30,6 2 0,0 0 0,-7-2 0,-5-2 0,6 2-691,3 1 1,2 1 690,7 3 0,-2-1 0,-1 0 0,-1 0 0,-1 2 0,2-1 0,-10-2 0,-2 0 0,12 3 0,-6-1 0,0 0 0,5 1 0,6 2 0,3 1 0,-3-2 0,-9-1 0,-6-2 0,1 0 0,5 2 0,8 1 0,4 1 0,-6-1-18,-3-2 0,-7-1 0,-3-1 0,2 0 0,7 2 18,1 0 0,6 2 0,-5-2 0,-1 0 0,-7-2 0,-2 0 0,3 1 0,6 1-30,4 2 0,6 1 0,-4 0 7,-10-2 1,-5-2 0,0 0-1,5 3-467,6 1 0,4 2 1,-3-1 519,-13-3 0,-3 0 0,3 1-30,15 4 0,2 0 0,0 1-60,-2-1 0,1 0 0,-1 1 60,1-1 0,0 1 0,-3 0 0,-15-1 0,-5 0 0,3 0 0,16 2 0,1 0 0,-3-1-23,-7 1 1,-6 0-1,0 0 1,7 0 22,10 1 0,4 0 0,-3 0 0,-7-1 0,-6 0 0,1 0 0,6 0 0,-12-1 0,3 0 0,7-1 0,-1 1 0,3-1-45,-5 0 0,4 0 45,-3-2 0,0-1-45,2 2 0,-3-1 45,3 1 0,-4-1 0,3 0 0,-8-1 0,-3 0-23,12 2 1,-6 0-1,1 0 1,4 1 22,9 1 0,4 1 0,-4 0 0,-8-1 0,-5 0 0,-1-1 0,7 2-45,-12 0 0,3-1 15,8 2 0,-2 0 0,4-1-15,-1 1 0,4 0 45,-1 1 0,1-1 183,3 1 0,-1 0-183,-16-1 0,-1-1 202,18 2 0,-1-1-232,-3 0 0,-4 0 0,5 1-105,8-1 1,0 0-106,-10 0 0,-5-1 0,7 0-165,13 2 1,2-1-676,-26-2 1,4-1 1079,18 1 0,0-1 0,21 2 0</inkml:trace>
+  <inkml:trace contextRef="#ctx0" brushRef="#br0" timeOffset="87515">5168 7456 8792,'-28'0'630,"12"-12"-540,-4 9 0,4-18 89,-5 19-89,-3-14 0,-7 9 0,5-1-180,-9-1 180,-11 9-180,7-3 90,2 1 0,0 4 0,-13 19 0,5-11 0,0 1 90,-11 13-882,19-5 1,0-2 701,-12-1 90,3 16-254,5-9 254,6 0 0,6-1 0,11 1 0,5 13 0,8-5-180,23 27-180,20-20-270,-2-1 1,5-1-528,-4-12 1,2-2 1156,6 10 0,1-1 0,-7-8 0,0-1 0,2 1 0,1 0 0</inkml:trace>
+  <inkml:trace contextRef="#ctx0" brushRef="#br0" timeOffset="88265">7277 6998 9961,'-3'-10'0,"0"1"0,0 3 90,-1 0 90,0 4 90,-2 0 0,1 27-180,-3 14 0,2 14-1401,-1 6 1311,2-14 90,1 2-90,1-1-90,2 13 90,1-16-118,0 17 298,0-31 0,0 7-180,0-23-90,0 0 90,0-33 1205,0-11-1205,0-33-90,0 7-585,9 6 1,1 0-46,-6-3-404,13 6 0,2 3 1124,-4 10 0,5-1 0,-9 18 0</inkml:trace>
+  <inkml:trace contextRef="#ctx0" brushRef="#br0" timeOffset="88582">7733 7490 9332,'11'2'449,"-1"0"-269,3-2-180,-1-15 0,2 11 0,-1-30 0,1 29 90,1-38-180,3 14 180,-5-12-90,0 4 0,-7 12 0,-2 1 90,-3-4-90,-1 8 0,0 0 90,-19 9 180,-1 5-90,-25 3-90,13 17-90,-4-11 0,11 29 0,2-27 0,3 32 0,1-8-180,9 8-540,2 9 91,8-20-1080,26 12-57,9-20 1525,16 2 0,0-14 1,-10-3-1</inkml:trace>
+  <inkml:trace contextRef="#ctx0" brushRef="#br0" timeOffset="88850">8452 7108 9242,'-51'0'360,"-1"14"-360,4 2 89,8 16-178,17 0 178,12 1-178,11-6 178,24-2-89,-18-9 0,41 8 0,-18-8 90,-1 5 180,14-10 0,-38 0-360,26-2 90,-27-2 0,9 1-90,-32-4-449,16 1-991,-40-1 271,10 0 1259,-12-1 0,1-2 0,14-1 0</inkml:trace>
+  <inkml:trace contextRef="#ctx0" brushRef="#br0" timeOffset="89349">8707 7068 9152,'0'39'719,"0"-7"-449,0 5-90,0-7 0,0 3 0,0 4-180,0 2 90,0 2-90,0 0-90,0 17 90,0-15-847,17 12 847,-13-18 0,26-3-225,-26-2 225,20-4-140,-21-3 50,8-4 180,-2 1-270,-7-9 37,7-2-36,-26-28-1,-1-24 90,-17-4-799,18-15 889,-13 17 0,26-3 0,-24-3 45,20 12 0,3-2 79,-10-18-169,7 9 0,3 1 135,4-3-90,7 13 0,2 2 0,-4 3 180,33-9-180,-9 28 360,-4 0 0,21 11-270,-24 1 0,14 16 0,-16 3-90,-8 18 0,-11-6 1293,0 1-1293,-20-6 0,15 0-180,-41-1-270,25 0-179,-22-2 15,12-1-1455,-9 2 2069,14-9 0,1 2 0,17-7 0</inkml:trace>
+  <inkml:trace contextRef="#ctx0" brushRef="#br0" timeOffset="89648">9182 7147 10141,'-24'34'450,"-2"4"-360,-3-9-90,-9 4 0,33-9 0,-24 11 0,26-10 0,-8 4 0,11-13 0,27-4 0,-20-4-135,28-5 0,6-3 45,-10 2 0,14-12 0,1-2 90,0 6-1696,-9-12 0,-1-5 1696,-2-1-180,6 1 270,-29-13-180,1 32-449,-11-26 269,5 16-270,-34-3-989,-6 2 1529,-15 14 0,2-3 0,13 4 0</inkml:trace>
+  <inkml:trace contextRef="#ctx0" brushRef="#br0" timeOffset="90037">9625 7212 9422,'6'0'449,"-1"0"-359,0 12 0,-2-9-90,1 21 90,0-21-90,-1 26 90,0-14-90,2 16 0,-1-8 0,1-1 0,1 6-90,0-8 90,-1 3-270,1-10 180,-3-4-449,3-3 449,-2-3 0,4-3 90,-1-20 0,2 15-90,3-34 180,-1 12 270,8-19-360,-7 9 180,4-1-1,-8 25 271,4-9-360,-5 20-90,1-6 0,-2 23 0,0-11 90,3 43-270,-1-27-629,6 38 179,-3-29-270,5 9 900,5-9 0,-2-8 0,7 1 0</inkml:trace>
+  <inkml:trace contextRef="#ctx0" brushRef="#br0" timeOffset="90532">10290 7210 9781,'0'-12'180,"-19"1"-270,15 3 270,-32 4-90,17 1-90,-2 21 0,7 6 0,14 21 0,0-9 0,0-1-90,17-11 90,-13 1-90,13-4 90,-1-1-90,-13-2-269,13 1 89,-16-4 90,0-1 180,0-5-180,0-5 180,-21 0 0,2-3 0,-5-16 90,-1-1 0,23-16-90,15 2 0,21-2 0,14 7 90,4 1-180,10 3-1444,-13 4 1624,15-3-397,-6 3 577,-18 4-521,15-7 341,-32 10-219,-4-5 309,-13 9 1349,-6-1-899,-17 4 189,-12 2-549,-24 0-180,7 1 0,-11 18 0,27 0-90,-7 21 0,24-9 0,3 3-180,10-7-270,21 1-180,-16-1-674,28-8 0,8-2 1304,-1 8 0,3-10 0,3-2 0,17 3 0</inkml:trace>
+  <inkml:trace contextRef="#ctx0" brushRef="#br0" timeOffset="91831">110 5175 9332,'19'-25'1259,"-15"1"-809,15-2-180,-19 1-181,11-7 91,-8 13 180,8-4 90,-4 17-450,5 2 0,6 24-90,-1-15 180,-2 45-90,0-25-953,0 30 863,-1-10 135,-5-10 0,1 0-45,3 18-45,-5-19 0,1-1 135,3 10-180,-1-8 90,1-3-270,6 1 180,-4-11-180,7 1 90,-8-16 0,1-1-90,-3-5 1044,0-1-864,-1-21-3302,4-9 3302,-3-13 90,1-3-255,-6-8 435,-3 12 89,-2-22-179,-1 31 0,0-4 180,-15 15-270,11 33 0,-12 11 90,33 23-180,-8-12 0,1 0-180,10 11-386,6-7 0,0-1-153,-4 5 1890,3-15 1,3-2-3691,18 14 2609,-10-13 0,10 2 0,-15-14 0</inkml:trace>
+  <inkml:trace contextRef="#ctx0" brushRef="#br0" timeOffset="92382">872 5175 9332,'-14'-8'-90,"-8"2"90,20 3 0,-14 1 0,10 1 90,-2 1 0,2 20-90,4 3-90,1 24 180,24-13-135,-11-2 0,3-2 135,38 2-90,-27-2 0,0 0 0,16-3 0,3 13 0,-23-18 0,-3 3 0,-4-6 0,-13-6-270,6 3-180,-8-10 0,-18 0 90,-2-5 271,-18-1 178,19-19-89,-8 15 0,24-43 0,-8 29 90,11-38 90,22 25-180,1-2 0,5 0 0,22-3 0,-7 3 0,-1 1 0,3 2-297,-10 6 0,-1 1 476,6-2-89,3-5 90,-12 7-180,-17 9 270,4-7-180,-17 11 270,3-1-270,-20 3 270,-7 4-180,-19 0-1,-1 3 596,-2 16-595,8 0-180,9 18 90,15-9-90,7 15-90,6-12 90,17 21-180,5-19-899,23 14 449,-9-21-90,3 2-1168,0-11 1888,-9-6 0,8-3 0,-13-4 0</inkml:trace>
+  <inkml:trace contextRef="#ctx0" brushRef="#br0" timeOffset="92667">1518 5173 9871,'0'-17'450,"-12"2"-360,10 7 270,-10 2-270,12 22-90,34 18 0,-26 6 45,18-10 0,3-2-45,-4 3-90,20 17 180,-13-23 0,-4 4 0,-13-11-90,-1-7 0,-7-1 0,-2-22-90,-5-13 180,-16-31-762,13 3 762,-13-10-90,16 10 0,0-1 0,0-3-540,11 19 1,0 0-541,-5-20 1080,19 14 0,5 3 0,-7-3 0,2 19 0,1 0 0</inkml:trace>
+  <inkml:trace contextRef="#ctx0" brushRef="#br0" timeOffset="106154">1673 12024 10591,'-18'10'1169,"-7"-8"-809,22 15-180,-14-7 0,15 6-90,-4 0-90,6-2 180,0 14-180,0-4 0,0 25 0,0-18 0,14 13-90,-11-1-90,28-11-3572,-12 17 3662,9-24-90,-2 2-229,3-13 139,-5-8 0,14-2 270,-16-20 0,3 12 0,-9-30 0,-4 29 0,0-34 90,-2 9-90,-4-10 540,0-12-360,-6 20 0,0-8 89,0 6-269,0 11 0,0-6 0,0 18 3728,-12-1-3728,9 29 74,6 19-164,1 5-90,27 9-540,-16-5 271,2-13-4562,7 22 4201,-8-26-359,8 6-625,-3-14 1794,-5-3 0,0-2 0,1-3 0</inkml:trace>
+  <inkml:trace contextRef="#ctx0" brushRef="#br0" timeOffset="106466">2240 12198 10411,'0'-7'810,"-14"0"-720,10 2-180,-10-1 359,14 2-179,16 17-90,-12 7 0,28 1 0,-27 19 0,26-22 0,-17 32-90,3-19 180,1 14-90,-12-21 0,2 2-90,-4-11 90,-4-28-359,-15-26-1,11-9-360,-12-15-1079,16 2 90,0 14 1709,20-14 0,-16 21 0,16 3 0</inkml:trace>
+  <inkml:trace contextRef="#ctx0" brushRef="#br0" timeOffset="106839">2768 12337 10501,'0'-39'90,"0"6"-90,0 0-90,0 4 90,0-23 90,0 10-90,0-18-90,0-7 270,14 16 45,-12 9 0,0 1 44,12-3 1,-14-16-90,0 34 810,0-4-900,-13 22 179,10 46-269,-9-10 45,10 5 0,4 2-45,-2 6-90,0 4 180,16 0-135,-4-13 0,1-1-134,8 15-316,10-9 0,2-2-314,-5 2-2507,15-9 1,3-3 3315,6-1 0,-16-11 0,1-2 0,18 2 0</inkml:trace>
+  <inkml:trace contextRef="#ctx0" brushRef="#br0" timeOffset="107583">3783 12071 11490,'-12'17'0,"10"9"0,-10-16 90,12 10-719,0-25 629,0-1 0,0-11 0,0 10 0</inkml:trace>
+  <inkml:trace contextRef="#ctx0" brushRef="#br0" timeOffset="107783">3980 12479 11580,'-35'1'-990,"15"-13"1,5 9 0,15-11 0</inkml:trace>
+  <inkml:trace contextRef="#ctx0" brushRef="#br0" timeOffset="110253">5473 11671 10681,'0'-4'540,"-13"1"-271,-3 1-179,-13 2-90,5 0 0,4 0 0,2 14 0,4-10 0,-2 24 0,4-25 0,-1 37 0,7-25 0,-1 32 0,7-23 0,24 26 0,1-23 0,0 0 0,-1-1 0,0-1 0,13 20 0,-19-21 0,3 9 0,0-14 0,-19 1 0,5-5 90,-7 0-90,0-2-90,0-2 90,-19 2-90,14-5-1439,-33 3-450,22-8-89,-15-17 2068,18-6 0,4-2 0,9 7 0</inkml:trace>
+  <inkml:trace contextRef="#ctx0" brushRef="#br0" timeOffset="110534">5673 11994 9332,'24'0'719,"-2"0"-719,-2 0 180,-2 0-90,-2 0 0,1 0 0,-3-15-90,0 11 0,-4-23 0,-3 24 180,-3-20-90,0 5 0,-3-5 90,0-6 0,-1 12 89,-18-9-89,14 15 0,-29-1-90,19 9 0,-13 19 0,8 5-180,7 23 180,6-9-450,6 18-89,0-20-1350,23 22 629,-18-23-1448,38 5 2618,-26-15 0,19-4 0,-7-2 0</inkml:trace>
+  <inkml:trace contextRef="#ctx0" brushRef="#br0" timeOffset="110865">6230 11863 11311,'-15'-4'1169,"11"0"-539,-25 2-361,9 1-269,-12-1 0,1 21 0,8 4 0,10 11 0,7-1-180,6-6 91,0 2-181,19 9 90,6-9-90,26 10 180,-9-25-45,-5-3 0,-1-3-45,3-7 180,-4-9 0,-1-1 0,-8 4 0,2-47 0,-20 34 0,-3-39 0,-5 31-90,-22-8-90,17 14-989,-39 3-1080,15 0 2249,-20 9 0,20 1 0,8 7 0</inkml:trace>
+  <inkml:trace contextRef="#ctx0" brushRef="#br0" timeOffset="111515">5515 12611 11221,'38'0'809,"7"0"-719,-11-12-1331,8 9 1331,-5-9-90,5 2 0,6 7 0,7-17 90,4 17-135,-27-7 0,0-1 90,1 6 0,2 1-405,19-7 1,0-1-136,-12 5 0,2 0-465,4 1 1,4-1 0,-4 1 959,-3 2 0,-2 0 0,13-1 0,0 0 0,-18 3 0,0 0 0</inkml:trace>
+  <inkml:trace contextRef="#ctx0" brushRef="#br0" timeOffset="188783">1890 14237 9242,'-25'18'629,"-1"2"-449,3-1 0,1 2-486,1-1 486,2 2 159,-5 6-69,5 2-270,3 0 270,8 2-270,8-13 90,0 5 81,19-4-171,6-6 0,24 5 180,-8-13-270,24 1 180,-31-7-90,26-13 0,-36-4 89,8-17-89,-22 7 90,4-3-90,-14 8 0,3-2 0,-3 1 0,-19-10 0,-4 11-90,-1-7-89,-16 14-361,34 3-450,-36 2-2697,21 5 3687,-17 2 0,18 2 0,7 1 0</inkml:trace>
+  <inkml:trace contextRef="#ctx0" brushRef="#br0" timeOffset="188983">1890 14899 11311,'0'8'809,"0"-18"-899,19-21-270,11-3-809,-2 2 0,4 1-900,23-3 1420,-22 11 1,0 1-1,23-6 1,3 1-1</inkml:trace>
+  <inkml:trace contextRef="#ctx0" brushRef="#br0" timeOffset="191641">2942 13862 10501,'0'38'90,"0"-5"-90,12 3 90,-10-3-180,10 4 180,-12 2-180,9 1 180,-7 1-180,7 0 180,-1 0-869,-6-2 329,11-1-629,-6 12 449,2-15-1798,1 19 2428,-6-27 0,3 3 0,-3-14 0</inkml:trace>
+  <inkml:trace contextRef="#ctx0" brushRef="#br0" timeOffset="191850">2828 14283 9691,'-4'-3'0,"1"0"0,2-1 0,1-3 0,20-1 0,-15-1 0,36-2-89,-35 1-451,43-1-630,-8-3 1,11 5 1169,2 1 0,-18 5 0,2 2 0</inkml:trace>
+  <inkml:trace contextRef="#ctx0" brushRef="#br0" timeOffset="192434">3388 14234 9512,'-17'7'449,"-11"3"-359,10-1-180,0 9 180,-8-9-90,24 9 0,-17 0 90,16 9-180,-4-3 90,5 18 0,2-17 0,20 15 0,-15-20-719,34 10 449,-18-19 180,18 1 0,-10-10 90,4-23 0,-14 16 0,2-33 180,-9 34 90,-4-33-90,0 32 269,-5-31-179,0 18-270,-3-11 360,0 11-270,0 27-90,0 13 0,0 25 0,15 4-90,-11-10-270,28 3 90,-16-23-269,16 3 359,-12-10 90,0-7-360,-1-1 360,-5-6 90,8-16 90,-12 12 180,7-28 0,-10 10-90,1-7 0,-5 9 89,-1-5-89,0 22 180,-2-23-180,1 16-180,-1-6 0,0 8 0,2 5 0,0 3 0,0 0-180,1 0-90,0 16-1079,8 0 270,-3 2 1079,12 4 0,-6-12 0,6 10 0</inkml:trace>
+  <inkml:trace contextRef="#ctx0" brushRef="#br0" timeOffset="192600">3963 14175 10051,'0'-6'-360,"-15"0"-179,11 2-1890,-22-1 2429,23 3 0,-7-1 0,10 1 0</inkml:trace>
+  <inkml:trace contextRef="#ctx0" brushRef="#br0" timeOffset="192799">3758 13801 10321,'-18'-1'0,"2"0"0,-2 1 0,3 0-180,-5 16-449,6 10-1440,-3 26 2069,12-4 0,0 6 0,5-12 0</inkml:trace>
+  <inkml:trace contextRef="#ctx0" brushRef="#br0" timeOffset="193153">4603 14164 10051,'-21'-5'90,"15"-2"180,-30 6-270,18-1 0,-13 15 90,5 4-90,12 17-90,5-6 180,9-1-90,0-6 0,0-2 0,23 1 0,-18 0 0,36 0 0,-36-1 0,30 6 0,-17-8 90,3 7-90,-8-14 0,-13 0-450,-24-7-269,-8 0 179,-24-3 0,13 0 540,5-14 0,10 11 0,1-11 0</inkml:trace>
+  <inkml:trace contextRef="#ctx0" brushRef="#br0" timeOffset="193650">5145 14372 9602,'-21'26'89,"16"0"1,-36 1-90,18 4 0,-2-10-90,-2 2-629,24-11 449,12-6 90,-4-16-90,32 6 450,-32-30-360,33 18 180,-33-17-90,32 5 270,-33-3-90,25-2 90,-27-3-180,10-20 180,-12 9 45,0 5 0,0 0-492,0-10 402,-8 18 0,-1 0 225,4-12-180,-28 1 89,29 4 1,-26-7-270,16 19 90,-3-7 360,-4 24-450,19 25 0,8 20 90,-2 16-312,30 8 222,-29-9 0,33 3 0,-24-13 0,0 1-45,4-11 0,2 1-225,9 27 1,-2 0-91,2-2-180,-3-6 1,-1-4 179,-4-10-540,15 10 271,-17-28 253,5-2-489,-8-11 865,-2-3 0,-1 0 0,-2 0 0</inkml:trace>
+  <inkml:trace contextRef="#ctx0" brushRef="#br0" timeOffset="193800">5512 14256 10411,'0'-17'900,"0"21"-900,0 10-270,0 28-90,0-3-180,0-1-89,15-13-1080,2 4 269,1-9 1440,10-3 0,-24-5 0,10-4 0</inkml:trace>
+  <inkml:trace contextRef="#ctx0" brushRef="#br0" timeOffset="193967">5773 14268 10411,'-14'-7'-270,"10"16"-1619,-11 6-449,15 12 2338,21-13 0,-16-4 0,16-10 0</inkml:trace>
+  <inkml:trace contextRef="#ctx0" brushRef="#br0" timeOffset="194267">5915 14223 10681,'6'15'360,"-2"-12"-360,-1 23 0,-1-23 0,1 20 0,0-20 0,2 20-270,-2-21 0,2 16-450,1-12 451,-1 2-91,1-1 180,-3-6 270,0 1 0,-1-2 0,1-15 90,-1 11-90,1-11 89,-1 6 181,2 6-360,-2-6 90,3 9-180,-2 0 180,1 18-90,1-13-539,6 27 179,-1-12-810,11 10 181,-4-10 989,6 0 0,-1-18 0,0 6 0</inkml:trace>
+  <inkml:trace contextRef="#ctx0" brushRef="#br0" timeOffset="194537">6315 14262 10141,'-32'0'180,"13"17"-180,7 3-270,12 19 90,17-2-179,-12-8 179,30-10 90,-31 2-90,33-13 180,-32 11 0,33-8 0,-19 1 90,3-4 270,1 2-181,-21-5 91,12 1-90,-13-2 0,3 1-180,-4 2 0,-17 0 0,13 3-180,-13 0-270,-3 2-359,15 1 809,-31 7 0,15-5 0,-17 4 0</inkml:trace>
+  <inkml:trace contextRef="#ctx0" brushRef="#br0" timeOffset="194739">5825 15090 12570,'-22'4'-1709,"2"0"450,3-3-2160,2-1 3419,5 0 0,4 0 0,4 0 0</inkml:trace>
+  <inkml:trace contextRef="#ctx0" brushRef="#br0" timeOffset="196333">7140 14426 8882,'34'-21'540,"2"-7"-271,-6 25-5839,6-25 5570,4 14 66,-7-6 1,2-1-67,20-6 0,-16 8 0,-1 0-359,19-9-361,3 0-539,0 0 1259,0 2 0,0 1 0,-1 0 0</inkml:trace>
+  <inkml:trace contextRef="#ctx0" brushRef="#br0" timeOffset="198835">8778 13378 11760,'0'-22'180,"0"3"-180,0 3 0,0 3 180,0 3 90,-14 5-270,10 22 0,-11 19-90,15 11-1239,0 9 970,0-7-1,0 1-180,7-12 0,1-1 1,-4 19 359,2-21 0,2 1-1094,5 29 1094,-10-18 45,4-11 0,-1-1 45,-6-1 168,-19 10 192,-6-27-90,1-2 180,-40-12 180,38-2-136,-12-7 1,-2-3-225,3-9-90,7 1 0,1-2-180,2-10 180,1-2-90,19 7 0,7-2 0,0-3-540,18-13 180,18 7-180,-4 6 1,3 2 134,-4 11 1,2 0 404,13-8 0,-1 0 0,9-2 0,-19 10 0,0-1 0</inkml:trace>
+  <inkml:trace contextRef="#ctx0" brushRef="#br0" timeOffset="199551">9037 13188 10321,'0'53'270,"0"-9"-180,0 6-776,0-6 776,0 4-615,17 5 525,-13 1 0,26 0 90,-26 1-135,8-17 0,3 0-45,2 18-270,-3-11 1,1-1-1,7 1 35,-10-12 0,-2-1 235,1-1-1259,3 7 1709,-10-43 276,1-7-276,-5-22 0,0-2 0,0 8 0,0 0-1,0 2 281,0-6-550,0 11 764,0-4-854,0 34 0,15-11-90,-11 37 90,27-30-90,-9 44-180,7-31-359,11 24 269,-15-18 90,7-12 0,-10 1 90,-1-13 90,0 0 90,-2 0 0,0 0 90,-5-18 810,0-5-361,-8-19-89,0 8 180,-6 3-630,0 6 90,-17 13 179,12-9-269,-13 34 0,18-1 0,17 26-179,2-1-1,19-2 180,-1-15-90,-1-9 180,-6-11-90,-9 0 0,-10-20 359,-6-3 1,-5-20-450,0 9 0,0 7-269,0 31-91,17-6-180,-12 35-1079,29-17 450,-12 2 1259,9 5 0,-11-20 0,-9 7 0</inkml:trace>
+  <inkml:trace contextRef="#ctx0" brushRef="#br0" timeOffset="199766">9570 13494 9242,'0'-20'90,"0"1"0,0 3 0,0 2 0,0 3-1,16 3-89,2 5-359,2 17-181,7 12-1889,-24 26 2429,19-5 0,-20 7 0,7-14 0</inkml:trace>
+  <inkml:trace contextRef="#ctx0" brushRef="#br0" timeOffset="200087">10173 13740 9781,'8'21'540,"-1"10"-270,1-28-90,2 29 0,1-19-180,2 15 90,0-7-90,1-1 0,-1-1 0,2-4 90,-2-1 90,8 0-91,-4-5 1,2-2 0,-4-6-90,-4-1 0,3 0-90,-1-19 90,-2-7-449,-2-25-91,-6 8-719,-2-18 539,-1 21-1228,0-8 368,-15 16 1529,11 3 1,-11 1-1,15 2 1</inkml:trace>
+  <inkml:trace contextRef="#ctx0" brushRef="#br0" timeOffset="200267">10553 13727 9781,'6'21'720,"-2"1"-720,4-2 0,-4 0 0,2 1-90,-3-5 90,3 3-360,-3-6-179,2-2-1,0 1-1079,7 0 90,-2-4 1529,3 0 0,-4-6 0,-1-1 0</inkml:trace>
+  <inkml:trace contextRef="#ctx0" brushRef="#br0" timeOffset="200411">10490 13366 9152,'-6'-4'-60,"5"1"0,-5 3 0</inkml:trace>
+  <inkml:trace contextRef="#ctx0" brushRef="#br0" timeOffset="200721">10918 13822 9781,'3'5'0,"2"-1"0,-1-2 0,4-20 0,-2 13 0,1-32 0,2 10 0,-2-11 0,1-11 90,-5 19 360,-3-18-360,0 23-90,0-10 90,-16 21 0,12-2 0,-23 12-90,24 23 0,-8 7 0,11 12-180,0-3-90,0-9-359,0 1-1,16 0-90,-12-2 720,33 5 0,-32-10 0,16 2 0</inkml:trace>
+  <inkml:trace contextRef="#ctx0" brushRef="#br0" timeOffset="201055">11195 13549 10231,'0'37'90,"0"3"-180,0-10 90,14 0 0,-10-8 0,21-3-180,-12 4 90,1-9-359,15-1 359,-20-9 90,19-19 0,-18 11 359,4-29 1,-8 9 0,4-9-180,-6-3-180,2 22 90,-4-8-90,0 20 0,1-6 0,0 8 0,5 14-90,-3 7-360,4-3 0,-3 20-89,2-23-451,-2 19 990,-1-3 0,0-10 0,-1 6 0</inkml:trace>
+  <inkml:trace contextRef="#ctx0" brushRef="#br0" timeOffset="201250">10738 13339 9961,'-13'-39'180,"5"3"-180,2 5 0,5 6-90,1 4 180,0 5-270,22 6-989,5 3 180,23 24-990,-12-12 1920,1 45 0,-12-22 0,0 28 0</inkml:trace>
+  <inkml:trace contextRef="#ctx0" brushRef="#br0" timeOffset="201401">11308 14301 11041,'4'8'0,"-1"-2"-2069,3-2 540,-2-2 1529,5-2 0,-2 0 0,0 0 0</inkml:trace>
+  <inkml:trace contextRef="#ctx0" brushRef="#br0" timeOffset="201537">12097 13830 8072,'0'0'0</inkml:trace>
+</inkml:ink>
+</file>
+
+<file path=ppt/ink/ink14.xml><?xml version="1.0" encoding="utf-8"?>
+<inkml:ink xmlns:inkml="http://www.w3.org/2003/InkML">
+  <inkml:definitions>
+    <inkml:context xml:id="ctx0">
+      <inkml:inkSource xml:id="inkSrc0">
+        <inkml:traceFormat>
+          <inkml:channel name="X" type="integer" min="-2.14748E9" max="2.14748E9" units="cm"/>
+          <inkml:channel name="Y" type="integer" min="-2.14748E9" max="2.14748E9" units="cm"/>
+          <inkml:channel name="F" type="integer" max="32767" units="dev"/>
+        </inkml:traceFormat>
+        <inkml:channelProperties>
+          <inkml:channelProperty channel="X" name="resolution" value="1000" units="1/cm"/>
+          <inkml:channelProperty channel="Y" name="resolution" value="1000" units="1/cm"/>
+          <inkml:channelProperty channel="F" name="resolution" value="0" units="1/dev"/>
+        </inkml:channelProperties>
+      </inkml:inkSource>
+      <inkml:timestamp xml:id="ts0" timeString="2021-09-26T02:35:22.427"/>
+    </inkml:context>
+    <inkml:brush xml:id="br0">
+      <inkml:brushProperty name="width" value="0.09071" units="cm"/>
+      <inkml:brushProperty name="height" value="0.09071" units="cm"/>
+      <inkml:brushProperty name="color" value="#FF0000"/>
+    </inkml:brush>
+  </inkml:definitions>
+  <inkml:trace contextRef="#ctx0" brushRef="#br0">3913 7871 8702,'43'8'270,"2"0"-90,5-5-90,8 0-60,-15-7 0,7-1 0,-3 1-1577,1 2 0,1 0 1577,2-2 0,4-1 0,-1 0 30,-7-1 0,0 0 0,-3 0-15,9-1 0,1-2-45,4-1 0,6-1 0,-6 2 0,-6 1 0,0 2 0,4-1 0,5 1 0,-5 0 45,-5 2 0,-2 1-45,14-2 0,1 0 0,-2 0 0,-2 0 0,-15 3 0,0-1 30,4 0 0,4-1 0,-5 0-75,-7 1 0,0 0 75,4-1 0,4 1 0,-4-1-30,-5 2 0,-2 0-45,13-1 0,-1 0 90,-16 2 0,-1-1-45,32 2 0,0-1-173,-22 1 1,1 0 217,-11 0 0,1 0-45,21 0 0,0 0 0,8 0-927,-11 0 1,0 0 1016,6 0-135,-19 0 0,-2 0 41,12 0 4,-2 0 0,-2 0-90,14 0 90,-16 0-180,23 0 0,-31 0-450,15 0 271,-24 0 973,0 0-1154,-12 0-7,-3 0 547,-3 0 0,-2 0 0,-2 0 0</inkml:trace>
+  <inkml:trace contextRef="#ctx0" brushRef="#br0" timeOffset="367">7270 7395 10771,'-6'-3'540,"-2"-1"-91,7 2-359,19 0 90,7 17-90,14-11-90,-4 25 0,-6-25 0,0 29 90,-1-18 0,0 19-90,-3-11 0,0 3 0,-5 2-90,-1-1 90,-4 2-90,1 10-180,-7-9-359,-1 10-541,-8-12-269,0 1-360,0 0 1799,-20 0 0,14 2 0,-14-1 0</inkml:trace>
+  <inkml:trace contextRef="#ctx0" brushRef="#br0" timeOffset="1204">4637 6645 9781,'-13'13'1530,"2"25"-1530,11 4 0,0-3 0,0 1 0,0 7 0,0-6 0,0 0 0,0 7-1838,0 12 1748,0-23 180,14-2 419,-11-4-509,10-5 315,-13-4-225,0-3-90,0-2-90,0-9 1104,0-33-1104,-13-10 90,10-23-135,-4 23 0,0 0 135,7-10 0,0 5 0,0 0 0,0-4-764,0-11 764,0 23-292,20 5 292,-16 3 0,32 0 0,-32 9 0,25-1 0,-13 11 90,15 2-90,-10 2 739,-1 14-739,-14-10 407,-1 27-407,-3-11 0,-2 19 0,0-10 0,-20 4 0,1 1 0,-5-5 90,-3 14-180,14-18 90,-3 12-90,6-18 0,10 4-360,0-10 0,0-1 1,0-1-1,23-2-270,-17-1 180,38-1 540,-11 0 0,10-1 0,2 0 0</inkml:trace>
+  <inkml:trace contextRef="#ctx0" brushRef="#br0" timeOffset="1568">5170 7195 9512,'34'-12'-720,"5"10"540,-21-30 90,20 28 0,-33-26 180,30 26-90,-31-22 90,22 23 90,-24-22 0,9 15 0,-11-9 90,0 7-180,0 2 269,0 0 271,-22 5-180,2 0-360,-21 5 0,23 18 0,-10-14-90,25 26 0,-16-12 90,17 14-270,-5-5-180,7 1-1079,20-1 539,-14-7-539,30 3 1439,-32-9 0,31-3 0,-10 0 0</inkml:trace>
+  <inkml:trace contextRef="#ctx0" brushRef="#br0" timeOffset="1950">5632 7048 9512,'-22'14'90,"5"1"-180,7 14 180,7 0-90,-7-2-180,30-3 90,4-11 0,14-6 180,-3-24 90,-11-3 89,-11-18-179,-5 8 180,-8 0 0,0 10 90,0-1-90,0 3 0,0 1-181,0 3-89,-14 3 360,10 1-360,-10 24 0,14 26 0,0 5-270,7-5 1,1-1-451,-4 4-180,9-7 1,-1-1-360,-9 5 1259,8 8 0,-2-19 0,2-2 0</inkml:trace>
+  <inkml:trace contextRef="#ctx0" brushRef="#br0" timeOffset="2284">5873 7213 8972,'6'-6'-630,"1"-2"630,2 1-180,0-3 90,8-6 90,-3 0-90,4-5 180,-3 4 0,-3 1 180,-1 0 270,1-6-270,-4 7 90,1-5-181,-5 13 721,-2-1-810,-1 20-90,0 5 0,0 17 0,3 0-90,-3-14-810,7 12 271,-2-16-990,10 10 629,-4-7 990,5-10 0,-6-5 0,0-4 0</inkml:trace>
+  <inkml:trace contextRef="#ctx0" brushRef="#br0" timeOffset="2450">6163 7100 10231,'19'14'90,"7"-10"-360,-23 23-269,18-24 179,-18 18-180,21-19-269,-13 13-271,14-13 1080,-5 10 0,1-10 0,1 3 0</inkml:trace>
+  <inkml:trace contextRef="#ctx0" brushRef="#br0" timeOffset="3150">6512 7066 9332,'30'0'90,"-3"0"-90,-5 0 0,-3-13 0,-5 10 90,0-10-90,0 3 90,-3 8 89,-1-7-89,-4-1 0,1 8 0,-5-12 90,0 10 0,-2-3 90,-19 3 0,-5 3-270,-16 16 0,6 0 0,8 16 0,14-2 0,5-6-990,7 6 541,0-12-1260,21 10 179,-16-14 1530,32 4 0,-33-9 0,13 0 0</inkml:trace>
+  <inkml:trace contextRef="#ctx0" brushRef="#br0" timeOffset="3419">6868 7000 10051,'-16'16'360,"2"0"-360,14 16 0,0-8 90,15 0-90,-11-6-90,11-1 90,-15-1 0,13-1 90,-10-1-180,11-3 180,-14-2-180,0-2-90,0-1-2608,0-3 1259,-17-1 1529,13-16 0,-12 10 0,16-10 0</inkml:trace>
+  <inkml:trace contextRef="#ctx0" brushRef="#br0" timeOffset="3618">7158 6777 10051,'10'21'360,"0"11"-360,-2-28 0,-1 29 0,-1-18 0,-1 17 0,-2-7 0,-2 0 0,2 1-180,-1-1-270,-1-2 1,0-4-91,-1-3-629,0 1-1,0-8 1170,0 1 0,0-8 0,0-1 0</inkml:trace>
+  <inkml:trace contextRef="#ctx0" brushRef="#br0" timeOffset="3751">7073 6968 10411,'26'-9'270,"-20"2"-1260,56 1-539,-37 4 1274,32 0 1,-20 2 0,2 0-1</inkml:trace>
+  <inkml:trace contextRef="#ctx0" brushRef="#br0" timeOffset="7321">10325 7100 10321,'0'-7'540,"0"3"359,0 0-809,0 19-90,0 4 0,0 12 0,0 0 0,0-3 0,0 2 0,0 2-270,14 0-89,-10 2-1171,10 10 541,-14-10 989,9 18 0,-7-26 0,7 7 0</inkml:trace>
+  <inkml:trace contextRef="#ctx0" brushRef="#br0" timeOffset="7519">10273 6837 9062,'-4'-2'-210,"1"0"0,2 2 0</inkml:trace>
+  <inkml:trace contextRef="#ctx0" brushRef="#br0" timeOffset="7924">10808 7280 8792,'0'21'0,"0"0"90,0 3-180,0-3 180,0 2 0,0-3-90,0 9 0,0-9 0,0 4-90,0-13 0,0-1-90,0-4-360,0 0 540,10-4 0,-8-15-180,14-10 360,-10-9 180,5-4 0,-3 5 0,-1-3 0,0 2 359,1-11-359,-1 14-180,1-10-90,-3 27 90,-1-6 179,-3 17-359,2-3 90,0 4-90,2 0-90,1 17 90,1-12-269,2 28-271,1-29 0,0 34-89,1-22-1350,6 30 1979,-1-20 0,5 6 0,-4-13 0</inkml:trace>
+  <inkml:trace contextRef="#ctx0" brushRef="#br0" timeOffset="8356">11487 7234 10411,'-22'-6'810,"-2"2"-720,-24 4 89,-1 16-269,11 5 180,3 17-90,12-6 0,12 8 0,1-16 0,10 4-90,24-3 1,-18-9-541,38 4 450,-16-14-270,21-1 360,-9-19 0,-4 10 0,-5-41 90,-9 22-45,-9-10 0,-2-3 135,3-7 90,-10 4 0,-2-2 270,4-11-879,-5 17 0,-2 1 699,-17-15 0,13 3-752,-28 2 842,29 6-527,-26 5 347,26 7-180,-22 1 90,23 12 1313,-8 1-1403,11 34 924,0-4-924,0 26 0,0-8 0,16 5-270,-12 3-45,10-10 0,3 0-135,2 17-270,-1-8 1,2-2-107,8 5-164,1 10-269,-10-21 1259,1-5 0,0-2 0,0-3 0</inkml:trace>
+  <inkml:trace contextRef="#ctx0" brushRef="#br0" timeOffset="8551">11802 7410 10141,'40'0'-1169,"-6"0"-4851,-2 0 5570,-4 0 1499,-2 0-1679,3 0 91,-4 0 753,-1 0 1,-2 0 0,-2 0 0</inkml:trace>
+  <inkml:trace contextRef="#ctx0" brushRef="#br0" timeOffset="8718">12070 7298 9781,'-33'0'990,"1"0"-990,8 0 180,4 18-180,8-2-90,6 18-360,30-3-180,-18-4 91,38-2-451,-39-7-359,39-1 1349,-25-1 0,22-1 0,-12-1 0</inkml:trace>
+  <inkml:trace contextRef="#ctx0" brushRef="#br0" timeOffset="8921">12267 7332 9961,'39'14'-899,"7"2"449,-11 4-449,5 7-451,-12-23 1350,1 25 0,-1-26 0,0 12 0</inkml:trace>
+  <inkml:trace contextRef="#ctx0" brushRef="#br0" timeOffset="9117">12548 7315 9961,'-31'-2'0,"2"2"0,2-2 0,7 17 0,-13 7-359,17 11-271,-4 0 0,9-2-269,4 3 899,1 2 0,4 0 0,-1-1 0</inkml:trace>
+  <inkml:trace contextRef="#ctx0" brushRef="#br0" timeOffset="9685">12900 7336 10771,'15'32'360,"-11"7"-450,10-7 270,-2 4-270,-9-12 90,9 2 0,-4-2 0,-6 0 0,6-2-90,-3-2 180,-4-3-90,6 0 0,-6-8-180,2 0 180,-3-24-90,-16-16 90,1-6 0,-4-27 0,-2 26 0,19 3 0,2-1 0,-9-5 0,9-12 0,0 21 0,0 3 0,0 5-90,0 0 90,0 9 180,12 1-180,4 11 0,5 17 0,-6 2 0,-4 18-630,-10-5-899,3 0 1529,-4-5 0,0-7 0,0-5 0</inkml:trace>
+  <inkml:trace contextRef="#ctx0" brushRef="#br0" timeOffset="10087">13188 6950 10681,'3'24'360,"0"12"-180,0-22-180,1 16 90,0-3-180,0 1 180,1 1-90,-1 1 0,4 10-90,-2-11-540,6 15 270,-6-22-180,5 7 451,-6-16 89,1 0-540,-2-9 450,-2-1 180,2-3 0,-1-15 449,0-3-359,0-1 180,1-9 180,-2 12-540,1-11 809,1 13-899,0 5 180,4 9-90,-2 0-90,9 32-269,-6-24-991,6 54 361,-7-43 989,1 34 0,-3-26 0,2 8 0</inkml:trace>
+  <inkml:trace contextRef="#ctx0" brushRef="#br0" timeOffset="10767">13573 7337 9691,'0'35'810,"0"3"-720,0-6-90,0 2 0,0-7 0,0 1 90,15 1-90,-11 1 0,11-1 0,-3-1 0,-9-1 0,17 7 0,-13-12 270,1 5-270,0-16 0,-8-3-90,3-25 90,-17-21 0,11-5-886,-11-11 886,14 19 0,0-2 0,0-1-90,0-16 90,0 14 0,0-22 0,0 31 90,0-10-90,13 23 90,-10 1 90,11 11 180,-4 3-360,3 2 0,5 32 0,-2-23-180,-8 40-1170,-3-28 1157,-4 15-1156,-1-9 1349,0-3 0,-20-9 0,-5 0 0</inkml:trace>
+  <inkml:trace contextRef="#ctx0" brushRef="#br0" timeOffset="11357">12677 7581 9691,'-2'0'-23,"-2"0"1,-13 0 0,6 0 0</inkml:trace>
+  <inkml:trace contextRef="#ctx0" brushRef="#br0" timeOffset="18772">14287 7206 9242,'-5'0'360,"1"0"-181,2 0 721,0 0-630,0-9-90,19-1 0,4-11-180,11 5 89,5-3-89,-5 2-971,11-3 1151,4-4-180,11-3 0,-26 13 0,3-2 0,24-10 0,3-2-45,-11 7 0,2-1-701,-6 2 1,5-3 0,1 0 0,-4 2 745,-4 2 0,-3 2 0,3-2 0,14-6 0,2-2 0,-2 2-685,-14 5 1,-2 2 0,0-1 684,2-1 0,1-1 0,-1 1-458,1-1 1,0 0-1,0-1 458,1 0 0,2 0 0,-1-1-211,1 0 0,-1-1 0,1 1 211,1-1 0,1 0 0,4-1 0,2-1 0,5-3 0,1 1 0,-3 1 0,-10 6 0,-3 1 0,1 0 0,2-2 0,1 1 0,2-2 0,2 0 0,-2 1 0,-2 1-23,-2 2 1,-2 1-1,0 0 1,-1 0 22,2 0 0,0 0 0,0 0 0,0 0 0,0 1 0,-1 0 0,1 0 0,-1 0-30,15-6 0,0 1 0,-1 0 0,-2 1 0,-1 1 0,0-1 171,-3 2 1,-1-1-1,2 0-231,-5 1 0,2-1 0,0 0 0,-4 2 0,2-1 0,-3 1 1,3-1-46,2-1 0,4-2 0,-1 0 0,-6 3 0,5-4 0,-2 2-105,-2 1 0,3-1 0,-6 2-75,-10 3 1,-3 1-91,7-1 0,-2 0 698,10-7 0,-23 9 0,0-2 0</inkml:trace>
+  <inkml:trace contextRef="#ctx0" brushRef="#br0" timeOffset="20073">20102 4439 9961,'-36'18'360,"0"-14"-270,2 27 180,2-28-180,4 28 0,2-16-90,5 17 180,5-4-180,5 4-90,6 1 180,3 2-450,26 17 0,-18-13-450,38 0 1,8-3-1,-12 0 548,-2-16 1,8 1 0,-5-4 0,15 2 0,-19-8 0,1 1 0</inkml:trace>
+  <inkml:trace contextRef="#ctx0" brushRef="#br0" timeOffset="20341">20957 4228 10681,'0'-13'630,"-20"2"359,16 4-989,-16 27 0,20 0 0,0 24 90,0 21-90,0-11-1119,0-14 0,0 0 1029,0 21-180,0 0 578,0-1-668,0-20 1,0-1-451,0 19 180,-1-14 1,2-2-91,13 1-989,-11 15 1709,10-32 0,-13 3 0,0-16 0</inkml:trace>
+  <inkml:trace contextRef="#ctx0" brushRef="#br0" timeOffset="20684">20720 4771 9062,'-11'-27'0,"1"1"0,6 2 0,1-22 0,23 21 0,8-24 0,12 34 0,16-4 90,-19 13-90,27 2 0,-27 25 0,11-16 0,-26 21 0,-2 3 90,11-7-90,-6 11 0,-1 2 90,-1 1-90,-4-6 0,-1 1 90,-1 3-180,4 8 90,-9-16 90,-2-3 179,-1-3 721,-1 0-900,-1-8-90,0-2 90,-4-25-90,-1-14 0,-2-11-90,0-8 0,0 9-810,0-24 361,0 16-46,-1 7 0,2 2-494,14-3 1079,-11-7 0,24 20 0,-12 3 0</inkml:trace>
+  <inkml:trace contextRef="#ctx0" brushRef="#br0" timeOffset="21084">21732 4709 9332,'1'-29'719,"-1"-2"-629,0 7 90,0 1-270,0 5 90,0 6-719,0 4 719,0 28-900,0-8 900,-17 13 0,13-18 0,-13-7 0</inkml:trace>
+  <inkml:trace contextRef="#ctx0" brushRef="#br0" timeOffset="21718">21548 4843 9152,'22'-36'539,"14"3"-449,-31 4 270,30-13-180,-12 9-2029,5-15 1849,1 13 0,-10-2 0,-3-2 90,1-1-90,-3 0 90,-2-2 180,0-19-90,-3 13-1,-6 9 1,0 0 90,-1-5-90,-2-11-89,0 23-1,0 4 359,-19 5-359,14 4-90,-14 5 0,8 1 1456,8 7-1456,-18 2 672,18 19-672,-13-11 81,14 40-81,-7-17 90,8 30-390,-6-4 345,6-10 0,1 2-551,-1-9 0,-1-1 506,2 13 0,0-1-180,0 16-180,23 0-450,-11-23 1,3 0 134,5-11 1,2 0-91,0 5 1,0-1 764,16 6 0,6-6 0,3-2 0</inkml:trace>
+  <inkml:trace contextRef="#ctx0" brushRef="#br0" timeOffset="22785">20427 5938 11041,'0'-5'629,"0"0"-539,0 0 90,-9 2-90,-2 0-90,-12 21 0,6 8 0,-5 24 0,12-8-180,0 13 180,6-23-360,3 15 360,1-24-179,0 2-811,16-14 810,8-6 180,12-20 0,3-9 90,-20-11 90,9-1-180,-19 9 90,9 0 450,-8-10-450,-1 11-90,-1-9 90,-4 18-90,0 5-90,-2 7 0,0 25-810,4 3 361,-1 2-721,10 24 541,-2-33-541,8 25 1260,-2-30 0,4 5 0,0-5 0</inkml:trace>
+  <inkml:trace contextRef="#ctx0" brushRef="#br0" timeOffset="22984">20977 5977 10501,'0'-15'1079,"-20"6"-989,16 1 0,-51 7-180,31 11 90,-24-6-359,31 27-631,8-13-269,28 18 449,8-7-1438,29-6 2248,-8-10 0,8-7 0,-15-6 0</inkml:trace>
+  <inkml:trace contextRef="#ctx0" brushRef="#br0" timeOffset="23191">21420 5752 10681,'0'-12'989,"0"0"-989,0 4 180,-15 0-270,11 2 270,-10 2-180,4 22 0,8 8-90,-8 14-90,10-1-90,0-6-179,0 1-91,0 1-90,0 0-629,15 16 629,-11-14-1079,10 22 1709,-14-28 0,0 4 0,0-15 0</inkml:trace>
+  <inkml:trace contextRef="#ctx0" brushRef="#br0" timeOffset="23335">21175 6094 9152,'0'-25'90,"0"1"-90,0 1 0,19 0-270,9-8 0,-3 7-90,26-3-539,-14 11 89,14 7 810,-3 1 0,-12 6 0,-1 2 0</inkml:trace>
+  <inkml:trace contextRef="#ctx0" brushRef="#br0" timeOffset="23555">21892 6033 10141,'0'31'-1889,"0"-1"-359,11-3 2248,-8-1 0,16-12 0,-9-4 0</inkml:trace>
+  <inkml:trace contextRef="#ctx0" brushRef="#br0" timeOffset="23707">21882 5843 9781,'0'-13'0,"-11"1"-359,9 4-1,-9-3 360,11 6 0,0-1 0,0 5 0</inkml:trace>
+  <inkml:trace contextRef="#ctx0" brushRef="#br0" timeOffset="23984">22338 5984 10141,'-43'0'900,"2"0"-810,5 0 0,4 17-180,6 5 90,13 10 90,6-1-180,7-7 90,0 0 0,0 1-450,17 7 360,-13-9-360,36 6 90,-17-17-449,20-3 629,-8-7-899,-8-16 1079,-12-6 0,-7-20 0,-8-3 0</inkml:trace>
+  <inkml:trace contextRef="#ctx0" brushRef="#br0" timeOffset="24368">22458 5943 9242,'8'20'360,"-1"-1"-91,2 5-179,-3-6 0,4 19 0,-5-16-90,3 18 0,-2-16 0,-1 7 0,-3-14 0,-1 0-450,-1-6 450,0-25 0,0-14 0,0-8 180,0-5 180,15 7-180,-11 10 720,23-10-811,-16 24 1,10 0-90,-12 27-90,3-11-359,-8 36-1980,8-4-89,-3 12 2279,4 5 1,-2-15 0,-1 2 0</inkml:trace>
+  <inkml:trace contextRef="#ctx0" brushRef="#br0" timeOffset="26385">23578 5921 9242,'-6'0'899,"3"-12"-719,19 9 90,10-19-985,14 13 805,4-3 45,-2 3 0,4 1-91,-2 4 1,1 2-45,9-5 0,2-1 0,5 5 0,-2 0 0,-24 1 0,2 0 0,11-1 0,7 1 0,-5 0 0,-10 0 0,-1 1-120,10-1 0,4 0 1,-6 0-106,-12 1 0,-1-1-495,32-1 1,-1 0 89,-2-2-540,-7 1 1,-4 1 1169,-10 0 0,9 0 0,-22 1 0</inkml:trace>
+  <inkml:trace contextRef="#ctx0" brushRef="#br0" timeOffset="26759">24672 5633 9422,'-15'-2'180,"1"1"-180,2-3-90,5 1 719,2 1-629,22 1 0,8 0 0,-3 14 0,24-10 90,-8 22-90,13-22 45,-16 8 0,1 1-45,9 1 45,2 4 0,2 0-45,2 6 0,-5-3 0,-1-2 0,-5 1-3302,16 13 3392,-31-12-90,2 4-90,-15-1 90,-6-6-810,-24 23 91,13-17-1530,-39 27 2249,14-26 0,2 10 0,3-13 0</inkml:trace>
+  <inkml:trace contextRef="#ctx0" brushRef="#br0" timeOffset="27852">26385 5500 10681,'8'15'540,"5"-12"-450,-9 31-90,5-18 0,-4 17 0,-2-5 0,1 3-90,-2 1 269,1 17-268,-3-11-485,1 10 574,-1-16 0,0-3 0,0-3-180,0-2 180,0-5-90,0-2-539,0-5-990,0-4 2012,0-23-483,0-9 90,17-27 0,-12 8 90,26-15 0,-14 21-777,0-7 687,11 15 180,-24 5 180,34-4-180,-26 14 90,24-2-90,-23 14 0,6 21-91,-9 8 688,1 10-777,-6 3 180,-1-8-270,-1 0 180,-1 0-90,0-2 0,-1-4 0,0 4 90,0-12-270,1 2 180,0-15-90,0 0 90,0-23 0,2 13 90,0-30-180,2 20 90,4-26 90,-2 14-90,7-17 0,-6 21 0,5-11 360,-7 25-180,2-8-90,-1 16-90,-2-4 90,6 21-90,-6-11 0,5 27 0,-4-28 90,2 32-270,-2-19-270,2 19 0,-1-8-179,2 0-901,6 11 181,-2-12 1349,8 7 0,-4-15 0,3-2 0</inkml:trace>
+  <inkml:trace contextRef="#ctx0" brushRef="#br0" timeOffset="28167">27442 5739 10411,'0'-11'540,"0"-1"-270,-19 1-180,-3 5-1,-22 0 1,-1 24-90,-1 5 90,7 22-180,17-10 90,10 3 0,12-2 0,0-9 0,0 6 0,17-9-90,5-8 90,16 1-89,-2-12 89,-5-2-270,-13-21 90,-1-6 0,-15-20-90,6 10 90,-8 0-360,-18 12-89,13-1-1350,-31 5 1979,20 5 0,-5 7 0,10 6 0</inkml:trace>
+  <inkml:trace contextRef="#ctx0" brushRef="#br0" timeOffset="28605">27905 5739 9871,'-21'-8'450,"16"-4"-450,-37 11 0,36-7 180,-54 8-90,37-3-180,-29 3 90,36 18 0,-9-14 0,21 28 0,-10-11 0,14 16 0,24-1 0,6-6 0,14-14 0,-4-7 0,3-9 0,-12 0 0,18-20 0,-25 15 0,8-51 0,-23 30 0,-3-11 0,-2-4 0,-4-3-433,0-20 613,0 17 0,-17-5-1,12 0-44,-13 15 0,-1 0-45,14-18-90,-11 13 0,0 2-90,13 0 90,-9-2 270,12 23-90,0 8-270,18 71 270,-13-23-270,11 22 0,0 5-985,-13-3 805,3-19 1,1-1-451,4 17-90,-8-2-179,16-3-630,-17-1 1619,14-4 0,-8-2 0,8-2 0</inkml:trace>
+  <inkml:trace contextRef="#ctx0" brushRef="#br0" timeOffset="29168">28200 5896 9512,'0'-16'0,"0"3"-90,0-1 180,0 4-90,17 0 0,-13 0 0,27 0 0,-27-1 0,24 2-90,-24-1 0,21-4 0,-15 3 270,3-10-180,-6 9 90,-7-4 0,0 5 89,-17 1-179,13 2 0,-27-2 0,13 7 270,-11-2-360,3 25 90,13 1 0,5 21 90,28-2-270,-14-9 90,34-3 0,-12-11-89,9-1 89,16-8 90,-20-1-90,9-7 180,-12 0-90,-4-18-90,0 14 90,3-48 0,-9 28 0,-8-10 0,-3-4 90,-2-5-340,-4-16 520,-3 12-90,0-2-90,-19-3 224,9 14 1,0 0-45,-13-21-90,7 11 0,2 2-90,-1-5-90,7 15 0,-1 3 0,-14 1 90,21 2 90,-9 18 0,11 30-3430,0 38 3250,0 3 0,6-17 0,1-1-766,-4 15 856,10 2-180,-1 0-90,-10 1-270,21-2-450,-20-2-44,13-19 0,2-1-586,-3 18 1530,1-21 0,3-1 0,4 7 0,1-2 0</inkml:trace>
+  <inkml:trace contextRef="#ctx0" brushRef="#br0" timeOffset="29553">29075 5608 11580,'0'-17'360,"0"-1"-270,0 5 90,-16-3-90,12 4 0,-13-1-90,5 1 0,9 3 0,-20 2-360,20 2 270,-7 21 90,10-1-90,14 17-90,-11-8-179,22-2 179,-23-6-1170,9-18 1350,-11-2 0,0-9 0,0 7 0</inkml:trace>
+  <inkml:trace contextRef="#ctx0" brushRef="#br0" timeOffset="30357">26210 4937 10051,'-16'-24'900,"-7"-5"-810,15 7 0,-9-4 269,8 15 1,2 2-180,4 7-90,1 2 0,0 25 0,-1-1 0,0 27-90,-2-2-565,3-2 1,0 3 609,0-10 0,2 3-16,-1 8 1,0 6 0,0-5-75,1-1 1,0-1-417,0-6 0,0 2 1,0-2 460,0 4 0,0-3 45,0 3 0,0-1-135,0-1 0,0 2-934,0-4 1,0 2 0,0-1 798,0 5 0,0 1-225,4 1 0,1 5 1,0-6-177,-4-7 1,1-1-679,10 21 0,0-3 1304,-10 0 0,4-26 0,-1-3 0,-5 4 0</inkml:trace>
+  <inkml:trace contextRef="#ctx0" brushRef="#br0" timeOffset="31175">26090 4889 8522,'-3'-35'180,"2"-1"180,0-12-90,1 12-180,24-8 179,-18 17-89,40 2-90,-25 3-90,24 2 180,0 1-947,7 1 767,-4 5 0,5 1-451,-12 3 0,4 0 481,10 0 0,7-1 0,-3 2-804,0 1 0,1 0 774,-7 2 0,3-1 0,1 1 30,8 1 0,2 1 0,-2 0-30,-13 1 0,-1 0 0,4 0 0,-1 0 0,5 1 0,3-1 0,-2 0 0,-6 1-684,8 0 1,-5 0 0,3 1 660,-3-1 1,4 0 0,-1 1-1,-4-1 53,0 1 0,-3 0 0,-1-1-60,0 1 0,-1 0 0,3 0-325,-3 0 1,2 0 0,1 0 0,-3 0 354,1 0 0,-3 0 0,2 0-30,11 0 0,2-1 0,-2 2-122,-5 3 0,-2 0 1,-3 0 151,7-3 0,1 0-127,0 3 1,5 0 0,-7 0 216,-9-4 0,-3 0 60,0 1 0,3 2 0,-6 0 276,-8 0 1,-4 1-427,8 2 0,-3 2 1792,14 6-1522,-17 0 90,10 11-270,-24-3 0,7 27 0,-15-11 0,2 18 1059,-7-8-1149,0 5 0,2 3 0,-1 4 0,1 1 0,2 3 0,-2-18 0,1 0 0,-2-11 0,0 1 0,6 23 0,-1 0-45,-5-25 0,0-1 1116,2 12 1,-1-2-1072,0 15 90,-3 1-90,-3-3 0,-2 1 0,0-2 0,0-1 0,-7-17 0,-2-1-90,5 18 90,-12-11 0,-4-1 0,2 2 0,-4 9 893,-2-22-893,21-4 229,-14-3-229,10-2 442,-2-7-352,0 0 485,5-10-575,-1 0 431,-3-5-431,3 1 0,-11-1 0,2 0 0,-22 0 0,7-14 0,-4 12 0,-3 1 0,-17-13-199,14 13 1,-3 2 377,-13-1 1,-2 0-593,11 0 1,-4 0 412,-10 0 0,-7 0 0,4 0-521,1 0 1,-1 0 497,8 3 1,-6 1 0,-1 1-1,6-1-647,5 1 1,4 0-1,-3 1 670,1-2 0,-3 0 0,0 1 0,3 1 0,-2 2 0,3 1 0,-1-2-30,-3-5 0,0-3 0,0 3-30,0 6 0,1 2 0,-5-1-53,1-3 1,-5-2 0,0-1 0,3 2-38,-1 3 0,2 2 0,-4-2-120,7-2 0,-5 0 0,-1-1 0,1 0 1,7 0-61,0 1 0,5-1 0,-4 0-322,-3 0 0,-5 0 0,2-1 0,6 1 652,-6 0 0,5-1 0,-13 1 0,4-1 0,23-2 0,1 1 0</inkml:trace>
+  <inkml:trace contextRef="#ctx0" brushRef="#br0" timeOffset="32137">19125 3870 10411,'-1'45'720,"0"-5"-630,15 14-1530,-11 2 1485,4-22 0,-1 1-507,-5 7 1,-2 1 461,1 5 0,0 2-509,0 5 1,0 2 508,4 2 0,0 6 22,-2-18 1,0 4 0,1 2-1,0-4-52,1 4 0,2-2 0,-1 5 48,-1-3 0,1 6 0,-1 1 0,0-1 0,1-6-78,0 6 0,-1-6 0,1 6-12,0-5 0,0 6 0,0 1 0,0-1 1,0-6-827,0 4 1,-1-5-1,1 3 740,-1-4 1,0 2 0,0 1-1,1-1-180,-1-3 1,0 0 0,1-1 0,-1-2-41,0 2 0,0-3 0,1 4 378,1 4 0,0 4 0,0 0 0,0-7 0,1 8 0,0-4 0,0-10 0,-1 1 0,0 0 0</inkml:trace>
+  <inkml:trace contextRef="#ctx0" brushRef="#br0" timeOffset="33087">19468 3549 8342,'25'-12'450,"3"1"-90,28-5 0,-4 4-2181,1 2 1,5 1 1865,-19 4 0,2 0-75,8 1 0,7 0 0,-4 1 75,1 1 0,1 1-45,-7 0 0,4 0 0,-3 0 0,10 1 0,-2 0 0,4 0 0,0 0 0,2-1 0,4 2 0,-19 2 0,4 2 0,1 0 0,-3-1 0,4-3 0,-2 0 0,5 1-36,-4 3 0,6 2 0,2 1 0,-2-1 0,-5-2-24,5-3 0,-6-3 0,6 4 24,-6 2 0,6 2 0,1 2 0,-2-1 1,-5-1-441,1-3 0,-4 0 1,1 1 445,14 5 0,2 1 0,-5 0 75,-3 0 0,-4-1-90,-3 2 0,0 0-50,-7-1 1,-1 1 139,-4 1 0,0 0-379,-6-1 1,-1 1 333,22 15 503,-25-8 1,-1 0-235,6 13-44,-12-5 0,-3 1-225,-5 8 180,0 14-90,-10-11 0,-1 6 90,-1 4-45,-1-8 0,1 2-45,-1-8 0,0 0 210,1 13 1,0 0-301,0-11 0,1-2 0,0 2 0,0 1 0,6 17 0,0 2 0,-1-15 0,1 1 45,3 12 0,3 1-45,4 0 0,2-3 0,-6-12 0,2 2-302,3 2 0,2 4 0,-2-5 302,-1-3 0,-1 1 30,2 2 0,2 6 0,-2-5-329,-3-4 0,0 0 344,4 11 0,0 3-307,-2 0 0,-2-3 262,-3-12 0,-1 2 0,1 3 0,1 5 0,-2-5 0,-2-5 0,0 0 30,0 3 0,1 4 0,-2-5-30,-1-5 0,-1-1 0,2 10 0,-2 0 525,3 12-435,-3-2-90,-2-4 45,-4-19 0,-1 0-45,0 16 90,-1-13 0,0 0 0,0 1 90,-18 14-180,13-27 0,-33 1 2012,34-13-2012,-28-3 1971,29-3-1971,-27 2 1760,9-5-1760,-19 1 524,9-4-524,-14 0-90,17 0 90,-13-1 90,-12 3-90,6-1-462,-1 2 1,-2 1 461,16-2 0,-2 1 30,-10 1 0,-6 0 0,3 1 15,-2 0 0,-2 0-802,4 0 0,-7 0 1,-1 1-1,5-1 817,1 0 0,3 0 0,-3 1-60,1-1 0,-2 0 0,-2 1 0,-2-1-506,-7 2 0,-3 0 0,1 0 0,1 0 528,12-2 1,2 0 0,-1 1-1,-6-1-263,-1 1 1,-6 1-1,-4-1 1,0 1-1,3 0 1,5-2 240,-2 1 0,6-1 0,-1 1 0,-5-1-111,9-1 0,-5 1 1,-2-1-1,-2 1 0,1-1 1,4 0-1,4-1 88,-9 1 1,6-1-1,0 0 1,-2 0 27,1 0 0,-2-1 1,-1 1-1,1-1 1,2-1-479,-6 0 1,1-1 0,2 0 0,3 0-158,0-1 1,3 1-1,-2-1 630,2 1 0,-4-1 0,2-1 0,8 1 0,1 0 0,6 0 0,-6 0 0,1 0 0</inkml:trace>
+  <inkml:trace contextRef="#ctx0" brushRef="#br0" timeOffset="34485">21115 7147 9691,'-11'36'1080,"8"-4"-990,-8 1 0,11 1 0,-9 29 0,2-8-2689,2-3 1,0 2 2553,1-21 0,1 1-360,2 26 1,1 0-39,-1-24 0,-1 0-7,2 9 1,0 1-637,0-3 1,0-3 1085,0 21 0,7-23 0,3-2 0,12 12 0</inkml:trace>
+  <inkml:trace contextRef="#ctx0" brushRef="#br0" timeOffset="34884">20802 7897 10141,'-9'-2'90,"1"1"180,3 1 0,-1 0 90,1 22-270,2-2 0,0 23-1,3-1-713,0 8 714,0 8-821,17 6 731,-16-30 0,2 0 45,11 0 0,3 1 44,-6 13 1,1 1-90,2-14 0,3 0 45,4 19 0,0-1-45,7 1 45,-11-23 0,0-2-414,8 4 369,1-8 0,-1-6 90,12-6-90,-8-6 0,20-26-90,-17-2-315,-6-12 0,-1-6-1396,6-17 1396,-11 16 0,0-4-764,-1-9 0,-1 0 1169,-4 12 0,0-1 0,4-14 0,-1 1 0,-5 17 0,0 0 0</inkml:trace>
+  <inkml:trace contextRef="#ctx0" brushRef="#br0" timeOffset="35751">19940 9685 12120,'-4'-6'-90,"1"2"180,-1 3 90,2 15 0,0 17-90,2 10 0,0 15-1416,0-6 1326,16 6 45,-15-15 0,2 1-45,15-11 0,1 0-1522,-8 17 1,0-2 1701,23 1-180,-5 6 160,-8-27-160,-1-6 0,1-10 0,1-5 0,0-5 0,1-23-270,8-17 0,-6-14-603,-7 9 1,0-1-117,1-13-226,-7 6 1,-1-1-855,-2-4 2069,-4 22 0,0 0 0,0-6 0,1 4 0</inkml:trace>
+  <inkml:trace contextRef="#ctx0" brushRef="#br0" timeOffset="35952">20733 10005 10321,'13'19'1709,"-2"-5"-1529,1 6-360,-5-10 270,0 6-90,-5-7-90,0 6-360,0-3 1,0 0-271,2 1-1349,-1 5 630,3-5 1439,0 5 0,1-7 0,-1 0 0</inkml:trace>
+  <inkml:trace contextRef="#ctx0" brushRef="#br0" timeOffset="36105">20677 9611 10501,'-3'-12'-1259,"0"4"539,0 0-89,2 5 809,1-1 0,21 4 0,6-2 0</inkml:trace>
+  <inkml:trace contextRef="#ctx0" brushRef="#br0" timeOffset="36439">21207 9981 10411,'4'11'450,"0"-2"-360,-1-2 90,0-3-90,0-2-180,0-1 90,6-1 0,-1 0 0,10-15 0,-4-1-90,5-2 0,-4-8 0,-2 15 90,-2-14-90,-2 1 180,-5 5-180,-1-7 180,-3 11 360,-20 1-181,-1 8 1,-20 3-180,4 23-90,5 5 90,13 12-180,9 11 0,10-14-90,0 7-359,20-8-451,-15-2 1,34 0-360,-35-2 1349,41-4 0,-22-3 0,23-3 0</inkml:trace>
+  <inkml:trace contextRef="#ctx0" brushRef="#br0" timeOffset="36668">21717 9847 10861,'-22'-7'1079,"5"21"-1079,41-11 0,-18 33 0,38-19 0,-38 18-270,40-4-1425,-27 3 1156,24 0-181,-12 0-774,-4-7 0,2 0 1494,6 3 0,-9-8 0,0-2 0,-1-7 0</inkml:trace>
+  <inkml:trace contextRef="#ctx0" brushRef="#br0" timeOffset="36868">22178 9736 10681,'-26'0'630,"0"19"-630,0 6 0,5 11 0,2 0-180,5-8-180,2 0-270,1 0 91,1-3-181,1-1-809,-1 1 90,3-7 1439,1-4 0,1-6 0,1-4 0</inkml:trace>
+  <inkml:trace contextRef="#ctx0" brushRef="#br0" timeOffset="37037">21902 9739 9691,'28'-11'1350,"12"1"-1170,-19 6-90,17 16-180,-6-9 90,-1 29-180,3-1-180,-5 8-270,-6-8 1,-1-1-361,5 9 990,-4-7 0,-1 1 0,4 3 0,8 10 0</inkml:trace>
+  <inkml:trace contextRef="#ctx0" brushRef="#br0" timeOffset="37235">22683 9750 11131,'-43'0'180,"19"15"-180,-18-12 0,36 29-270,-35-28-90,28 34-360,-8-21-989,0 28-90,14-17 1799,-7 6 0,10-13 0,4-2 0</inkml:trace>
+  <inkml:trace contextRef="#ctx0" brushRef="#br0" timeOffset="37502">22955 9764 11580,'0'-9'360,"-22"3"-360,16-2 270,-34 6-90,24-1-270,-14 21 180,16 7-180,5 37 90,9-19 0,12-7 0,0-2 0,-6-2-90,38 18 180,-22-25-419,3 4 239,4-13-269,-26-3-451,8-1-1888,-11 4 153,-22-3 2545,17 2 0,-51-5 0,14-1 0</inkml:trace>
+  <inkml:trace contextRef="#ctx0" brushRef="#br0" timeOffset="42920">17462 2827 7982,'0'-4'180,"0"-1"-90,0 0 0,0 0 0,0-2 0,0 0 0,0-6-90,0 2 90,14-4-90,-11 2 0,11 0 0,3 0 0,-12 1 90,26-1 0,3-15-90,0 7 45,-1-1 0,1-1-45,4-2 90,1 2 0,1 1-90,7-6 90,-15 11 0,1-1-90,-1 2 0,-1 0-524,18-7 569,-17 8 0,-1 0-45,12-2 0,0-1 89,18-1-89,-15 3 45,-5 5 0,0-1-45,7-2-45,-15 5 0,0 0 135,15-4-90,4 1-90,1-1 180,-12 3 0,2 1-180,21-6 135,-7 4 0,0 0 0,-24 5 0,1 1 0,24-3 0,1 1-45,-24 3 0,-1 2-763,10-1 0,0 0 763,17 2 90,-3 1 0,-1 0-90,-18 0 0,1 0 0,17 0-281,-10-1 1,-1 2 280,6 13 45,-10-13 0,-1 2 45,6 23-180,11-23 180,-21 21-90,0-14 0,-2 10 270,14 5-180,-12-6-159,-5-1 1,-1-1-22,7 3 135,-6-2 0,1 0-45,8 2 0,12 6-90,6-1 270,-13-6-180,-4-3 0,0-1 0,9 2 0,-4-3 0,0-1 0,13 2-45,-6-5 0,1-2 90,-20-4 0,0-1-90,11 1 0,2-2 90,4-1 0,-2-1-45,-11 0 0,1 0 0,4-4 0,3-1 0,-3-1 0,-5-2 0,0-2 0,26-6 0,-1-2-238,-27 4 1,-3-1 237,13 1 0,-3 0 0,13-8 0,-2 0 0,-2-1 0,-19 6 0,-1-1 0,17-9 45,-9 3 0,-1-1 1016,4-4-1016,-7 4 0,-1-1-135,6-4-129,10-10 309,-17 13-180,0 0 516,-2 1-516,11-10 90,-13 9 90,16-15 0,-22 19 1117,3-4-1117,-8 5 32,-6 9-32,4-7 1075,-9 13-1165,0-3 90,-4 6-90,-3 1 0,-1 2 0,-1 0 0</inkml:trace>
+  <inkml:trace contextRef="#ctx0" brushRef="#br0" timeOffset="44235">22653 1923 7982,'7'0'1080,"-2"0"-990,-2 0-90,0 0 90,-2 12 0,1-9 180,-1 10-181,1-2 91,0-8 0,1 21-180,0-21 90,0 27-90,2-17 90,6 23-90,-1-17 0,6 7 0,0-9-90,3 2 180,2-2-90,4 1 0,1-1 0,3-2-90,14 7 270,-9-7-270,25 9 0,-23-10 90,10 2-90,4 1-180,-9-5 180,-5-2 1,0-1-1,10 1 45,-6-2 0,0-2 135,10 1-135,4-3 0,0-1 45,4-1 0,-5-1 0,0-1 0,-2 0 45,-10 0 0,0 0-45,6 0-45,-8-5 0,-1-1 135,6 3-90,10-8 0,-2 11 0,-14 0 0,-4 0 0,1 0 0,3 0-1696,-1 0 0,0 0 1696,5 0 0,17 0-168,-19 0 168,1 0 0,1 0 89,-1 12-178,2-9 178,-1 9-178,20-3 178,-14-7-89,-5 6 0,0 0 0,9-6-486,-18 3 0,1-1 486,16-4 0,1 0-112,3 0 112,-14 0 0,2 0 90,21 0 763,-4 0 1,0 0-854,-26 0 0,1 0 0,27-5 0,1 0 0,-26 3 0,-2 1 0,12-4 0,1 0 0,0 5 0,-1 0 0,-12 0 0,1 0 45,25-2 0,-1-1-45,-24 0 0,0 0 45,22-1 0,0-1-99,-24 3 0,-1-1 54,22 0 0,0 1 0,6 1 0,-22-1 0,1 0 45,-2 2 0,-2 0-135,19 0 135,-8 0 0,1 0-45,6 0 45,-7 6 0,1 1-135,8-4 219,-19 3 1,-1 0-130,17 2 0,0-6 0,3 5 45,-14-3 0,2-1-45,-10 1 0,1 0 0,26 3 0,1 1 45,-23-3 0,-2 0-45,13 0 0,-1 0 45,-13-1 0,-2-1 90,0 1 0,-1-1-90,0 1 0,1-1 135,30 5-90,-2 0-90,0 1-45,-19-1 0,1 1 90,-10-3 0,0 1-45,23 8 0,0 0 0,-23-6 0,0 1 0,9 4 0,-1 0-638,15 6 638,-3 0 0,-3 3 0,-4 1 0,-4 2 90,-4 3-1349,8 17-360,-14-6 1619,6 14 0,-20-13 0,-1 2 0</inkml:trace>
+  <inkml:trace contextRef="#ctx0" brushRef="#br0" timeOffset="62668">19385 575 10501,'0'-6'1979,"-14"1"-810,10 1-1079,-10 22-90,14 5 0,19 13 90,-15-1-90,15-5-90,-19 4 90,0 1 0,0 0 0,9 0-450,-7 19 271,7-23-451,-9 16 450,0-34 90,5-3 0,-2-7-450,9-2 450,-4-1 90,6-21 0,8-5 0,-3-12 0,15-15 0,-14 20 0,13-21 0,-16 29 0,4-4 0,-5 12 0,-4 9 450,4-3-270,-9 10 0,1-2-90,-4 3-90,1 0 0,-2 0 0,3 14 0,-1 5-900,6 18 181,-3-18-1260,9 30 630,-5-31 1349,6 24 0,0-22 0,0 0 0</inkml:trace>
+  <inkml:trace contextRef="#ctx0" brushRef="#br0" timeOffset="63051">20207 737 9512,'-19'-8'1349,"0"2"-1169,-18 3-180,3 16 0,1 2 90,3 16-90,13-6 0,-1 2-90,13 2 90,-2-5-90,4 13-180,3-17 270,0 9-90,0-17-90,16 0 180,1-9 0,2-17 0,7 10 0,-23-26 0,17 26 90,-17-28 90,11 16-180,-8-3 0,1-1 90,0 18 270,-6-6-270,3 8 0,-1 0-90,2 0 0,0 0 0,2 14 0,1-10-450,-1 24-180,3-25-179,1 25-181,-1-25-179,1 23 1169,0-23 0,1 19 0,2-9 0</inkml:trace>
+  <inkml:trace contextRef="#ctx0" brushRef="#br0" timeOffset="63585">20377 822 10771,'0'32'0,"0"6"0,0-7 0,0 1 90,11-9-90,-8-3 90,8-1-180,-11-2 0,0-4-180,6-3-719,-4-2 989,9-4-180,-7-16 180,5 8 0,0-28 0,1 28 0,0-38 0,1 24 90,-1-21 90,3 3-180,-4 12 179,2-7 271,-6 21 0,1 1-270,-4 9 0,2 0-180,-1 0 90,1 17-90,1-13 0,0 27 0,1-10 0,0 16 90,-1-15-270,-2 8 270,-1-26-90,0 15-90,0-17-540,0 6 630,1-8 0,1-19-90,0-4 90,3-11 0,-1 3 0,-1 7 0,1 11 90,1-11 180,-2 13 90,4-4-270,-3 7 0,5 8-90,-3 17 0,3-13-450,3 27-180,-1-8-1888,8 15 2518,-9-5 0,6-4 0,-5-9 0</inkml:trace>
+  <inkml:trace contextRef="#ctx0" brushRef="#br0" timeOffset="63919">20950 945 8792,'14'14'450,"2"-2"-270,14-25 0,-4-4 629,-2-10-719,-11-2 270,-4 3-450,-9 5 270,0 4-90,0 4 180,-20 8-1,4-2-269,-6 22-180,10 3-269,12 20-541,0-1 271,19-3-1800,5 3 2519,11-17 0,1 2 0,-9-10 0</inkml:trace>
+  <inkml:trace contextRef="#ctx0" brushRef="#br0" timeOffset="64191">21623 786 9781,'-17'-9'540,"13"0"-180,-29 0-270,29 4 0,-27 0 0,20 4-90,-6 19 0,9 5 0,8 21-90,0-7 180,0 10-90,17-19 0,-1 23 90,4-29-180,-8 14 90,-12-25 90,0 2-270,0-8-2789,-41-1 2969,11-18 0,-30 10 0,23-11 0</inkml:trace>
+  <inkml:trace contextRef="#ctx0" brushRef="#br0" timeOffset="64653">21938 782 10141,'0'38'1170,"-17"-17"-1081,12 14 181,-13-23-270,18 30 0,-11-16 0,8 13 90,-8-12-180,11 1 180,0-1-90,0 11 0,0-11-90,14 15 90,-10-23 0,10 6-180,-14-14-1169,0-3 810,0-25 269,0-25 270,0-5-45,0 6 0,0 0-480,0-10 525,-1 18 0,2-1 0,6-2 0,1 2 0,-4-16 179,8 12 1,4 0 900,13-11-631,2 12-89,6 13 180,-13 42-540,-10-13 0,-2 31 0,-9-12 525,-3 10-525,0 1-283,-17-9 103,12 0 1,-26-3-361,27 0-90,-30-4-1978,13 3 527,-2-9 2081,-4-3 0,24-7 0,-9-3 0</inkml:trace>
+  <inkml:trace contextRef="#ctx0" brushRef="#br0" timeOffset="65042">22323 694 10231,'-36'13'1080,"0"-10"-1080,16 30 89,-11-28-89,27 35-89,-24-23 89,25 18 89,-18-8-89,19-1-89,-5-1-361,7 13-540,19-10 541,2-1 449,18-15 0,-4-26 629,-4-20-788,-8 13 968,-10-25-629,-7 30 450,-6-9-630,0 29-1080,0 25 271,0 8-360,0 10-361,0-20 1530,0 0 0,0-2 0,0 0 0</inkml:trace>
+  <inkml:trace contextRef="#ctx0" brushRef="#br0" timeOffset="65257">22668 831 10231,'-32'-3'450,"0"0"-450,15 19 0,-7-12-90,21 29-360,-14-28-179,16 27-1710,-6-1 1276,7 0 0,21 7 0,5-18 0</inkml:trace>
+  <inkml:trace contextRef="#ctx0" brushRef="#br0" timeOffset="65589">22767 913 9242,'37'0'-90,"2"0"180,-3 0-180,-6 0 90,-4-12 0,-11 9 0,-6-19 0,4 20 0,-12-16 90,6 5 0,-7-4 180,0-2 359,-19 12 1,-2 0-180,-20 7-271,5 21-89,7 4 0,11 11-90,10-3 0,8-7-90,0 2 0,0 2-449,0 0-541,23-2-449,-17-1-809,42-3 2338,-24-3 0,23-3 0,-6-1 0</inkml:trace>
+  <inkml:trace contextRef="#ctx0" brushRef="#br0" timeOffset="65725">23748 1061 10591,'0'0'0</inkml:trace>
+  <inkml:trace contextRef="#ctx0" brushRef="#br0" timeOffset="70785">10423 9285 8252,'-6'9'450,"1"0"-90,5 6-180,0-3-180,0-6 90,16-1-90,4-3 0,18-1 0,2-18 0,-8 13 270,-2-26-91,-11 15 1,-9-10-90,0 3-90,-25 11 0,-1 3 0,-14 8-90,14 14-449,4 1 179,12 9-2519,16-11 2879,3-6 0,1-7 0,-5 0 0</inkml:trace>
+  <inkml:trace contextRef="#ctx0" brushRef="#br0" timeOffset="72735">11243 8542 10591,'0'-13'1529,"-15"2"-1259,11 1-90,-12 2-180,16 1 1079,0 1-1079,0 29 0,0-2 0,0 30 0,0-8-543,0 11 543,0 3 0,0 8 0,-1-20 0,2 0 0,6-10 0,0 0-360,-6 19 1,2-1-91,20 4-225,-21-13 1,-2-1-316,9 4-89,-9 7-270,0-20-793,0-6 2142,0-3 0,0-3 0,0-1 0</inkml:trace>
+  <inkml:trace contextRef="#ctx0" brushRef="#br0" timeOffset="72922">10993 9053 9781,'-2'-8'180,"-1"0"-90,3-3-90,30-1 0,-7-2 0,30-1-585,-21 4 1,0 0-406,22-6 990,-8 5 0,2 2 0,7-2 0,-20 7 0,1 0 0</inkml:trace>
+  <inkml:trace contextRef="#ctx0" brushRef="#br0" timeOffset="74204">11113 8495 11580,'0'33'450,"0"-1"-360,0 3-90,0 2 0,0 5 90,0 6 0,20 4-1334,-16 0 1244,31 1 90,-31-3-180,29-1 180,-29-1-90,29-4 0,-22-3 0,12-3 0,-15-3 0,5-3 0,-8-4 0,6 4-90,-7-11 460,-1 1-460,-2-12 190,-1-4-1269,0-1 899,0-20 90,0-20 180,0-4 0,0-11 594,0 20-594,0-1 0,0 2 0,14-9 0,-10 13 360,20-11-270,-21 21 629,19-6-359,-11 15-270,7-1 180,2 6-90,-7 1-180,10 15 90,-8 5-90,11 19 0,-10-7 0,4 1 0,-7-11 0,-1 1-180,-1 0-450,3 6 181,-3-5-1081,7 8 361,-7-14 1169,10 4 0,-5-12 0,5 0 0</inkml:trace>
+  <inkml:trace contextRef="#ctx0" brushRef="#br0" timeOffset="74502">11917 8499 11490,'0'-4'1530,"0"1"-1351,0 16-179,0 30 90,0 2-135,-1 0 0,2 0 135,11 9-90,-11-5 0,1-1-978,24 8 798,-25-20 1,1-1-91,18 9-90,-18-2 0,12-3-920,-7 10 380,1-15-1031,2 12 402,-9-25 1529,3 1 0,-4-10 0,0-3 0</inkml:trace>
+  <inkml:trace contextRef="#ctx0" brushRef="#br0" timeOffset="74652">11733 9026 10231,'-5'-14'360,"18"-2"-270,-8 4-1439,32-4 359,-4 7-899,9-1 1889,6 5 0,-12 3 0,2 1 0</inkml:trace>
+  <inkml:trace contextRef="#ctx0" brushRef="#br0" timeOffset="75123">12380 9008 10321,'-10'-5'1079,"1"-5"-899,-2 6 0,0-2-180,4 2 90,-2 4-90,0 16 0,3-12 90,0 30 0,-1-6-180,3 7 90,1 13 90,3-22-180,0 5 0,23-14-90,-2 0-90,23-9 181,-8 0 89,0-8-90,-4-20 90,-15-4-90,1-12 270,-16-11-91,7 19 361,-8-20-360,2 24 0,-3-10 360,0 19-450,0 17-180,0 13-90,18 24-719,0 6-1,4-9-179,12 0 1169,-6-6 0,13-9 0,1 3 0</inkml:trace>
+  <inkml:trace contextRef="#ctx0" brushRef="#br0" timeOffset="75369">13155 8891 11221,'-16'-14'1259,"-5"5"-719,-20-3-361,9 9 1,-2 0-180,10 3 90,0 17-90,0-13 0,-4 46 0,8-28-90,4 42-179,11-28-361,5 25 180,23-26-269,-17 8-361,41-19-398,-27-4 39,25-2 1458,-12-6 0,4-2 0,0-4 0</inkml:trace>
+  <inkml:trace contextRef="#ctx0" brushRef="#br0" timeOffset="75601">13482 8900 11580,'-20'-3'1530,"-1"1"-1441,-17 19-89,4 4 0,17 11-89,-8-2-271,17 7 90,-4-7-720,7 20 91,5-23-180,23 6-1,-17-14-449,39-4 1529,-27-3 0,18-5 0,-8-2 0</inkml:trace>
+  <inkml:trace contextRef="#ctx0" brushRef="#br0" timeOffset="75940">13643 9088 11490,'36'0'0,"-15"-13"0,11 9-90,-14-9 90,3 3-89,0 8 89,-15-17-90,2 9 180,-4-6-90,-4 3 179,-21-4 91,16 5 90,-31-9-180,14 13 270,-15-2-180,1 8-270,5 0 0,14 22 0,7 1 0,10 25-180,0-11-180,0 3-4022,21 2 3393,-15-9-180,32 7-271,-34-13 1440,31-4 0,-19-3 0,17-2 0</inkml:trace>
+  <inkml:trace contextRef="#ctx0" brushRef="#br0" timeOffset="76241">14037 8923 11041,'-18'-7'809,"13"0"-809,-12 1 180,3 1-270,11 23 90,-10 3 0,13 15 0,16-4 0,-12-8 0,23 9 0,-24-9 0,8 12 0,-11-18 90,0 1-90,0-8-90,0-4 90,0 0 0,0-2-450,-18-2-809,-6-2-540,-19 0 1799,4-1 0,7-14 0,5-3 0</inkml:trace>
+  <inkml:trace contextRef="#ctx0" brushRef="#br0" timeOffset="76552">14292 8949 11580,'-15'-3'360,"11"20"-360,-11 3-90,15 24 180,0-13-90,0 2 0,16-1 0,-12-9 90,22 14-90,-24-16 0,9 3 0,-11-9 0,0-2 0,0-1-540,-22 5-269,17-7-2249,-51 6 3058,33-10 0,-30 2 0,20-5 0</inkml:trace>
+  <inkml:trace contextRef="#ctx0" brushRef="#br0" timeOffset="84439">10767 10571 10501,'-33'0'899,"2"0"-629,6 0 90,0 0-180,0 15-180,1-11 0,1 20 0,0-22 0,2 21 0,5-12 0,2 13 0,6-4-360,3 12-90,4-7-89,27 9-181,-20-10-179,49-1-608,-29-1-22,29-2 1529,-10-3 0,3-3 0,3-3 0</inkml:trace>
+  <inkml:trace contextRef="#ctx0" brushRef="#br0" timeOffset="84754">11235 10700 10411,'-35'-3'1169,"1"2"-1169,3 1 0,7 14 0,10 2 0,7 17 90,7-1-90,24-5 0,-17-1-90,26-11 0,6-3 90,-13 4 0,11-6 0,3-2 0,-8-5 0,18-3-90,-25 0 180,4-18-90,-17 13-269,-5-27 89,-3 10-180,-4-6 0,0-1-809,-27 1 449,-1 9 720,-28-10 0,29 17 0,3-4 0</inkml:trace>
+  <inkml:trace contextRef="#ctx0" brushRef="#br0" timeOffset="85369">11627 10607 10141,'4'17'540,"-1"-4"-360,2 2-180,0-12 90,0 27 0,2-17-90,-1 14 0,5 4 0,-3-6 0,3 7 0,-2-1 0,-2-8 0,-1 11 0,-2-17-540,-2 4-359,0-13 539,-2-2 90,1-5 90,2-19 180,4-11-90,1-11 450,4-21-180,-1 21 179,-6 5 1,1 1 0,3-5-90,-4-7-180,0 22 0,-2 4 0,0 4 539,1 5-359,-1 5-90,1 0-90,3 6-180,-1-3 270,9 19-180,-6 5 0,8 21 90,-7-9-180,-1 2 90,-1-3 0,-3-8 0,0 4 0,-1-9-809,-3-3 809,0-21 0,-1-13 0,0-25 0,0 4 0,0-10 0,16 19 0,-12-2 449,11 10-179,-4 13-360,0-1 180,3 27-180,-1-13-360,-2 44 1,1-27-361,4 28-1529,2-5 2339,0-12 0,6 11 0,-2-16 0</inkml:trace>
+  <inkml:trace contextRef="#ctx0" brushRef="#br0" timeOffset="85860">12537 10603 10951,'-25'-5'899,"5"1"-899,20 19 90,0 10-90,0 12 0,18 21 0,-13-20-1148,30 14 1148,-31-18 0,27-1 185,-27-1-185,21-3-90,-23-2 0,16-3 90,-16 3-90,5-11-990,-7 5 811,-17-16-451,-2-46 630,-17 12 45,19-15 0,4-3 562,-5-2-517,5 3 0,4-1-669,7-10 714,-3 20 0,1-1-45,4-11 90,0 3 0,0 6 360,0-5-360,19 15 449,-15-4-359,32 22 270,-18 1-360,17 9 0,-1 22-90,-11-15 90,6 45-90,-17-31 249,5 36-339,-12-27-90,0 7-450,-5 0 180,0-10-629,-24 14 449,4-18-899,-19 5 1529,22-14 0,5-1 0,12-6 0</inkml:trace>
+  <inkml:trace contextRef="#ctx0" brushRef="#br0" timeOffset="86202">13003 10493 11580,'-17'15'90,"12"10"-90,-13-8 0,18 6 0,0 1 0,0-7 0,0 2-90,0-2 90,22 4-180,-17-6 270,37 4-359,-14-12 179,31-2 90,-19-4 0,9-14 0,-32 10 0,2-29-90,-13 13 90,-3-19-180,-3 12-90,-20 2-989,-4 3-630,-21 5 1889,2 1 0,8 8 0,2 4 0</inkml:trace>
+  <inkml:trace contextRef="#ctx0" brushRef="#br0" timeOffset="86770">13468 10461 10861,'0'-8'90,"0"2"-90,0 3 0,0 16-90,0 5 180,0 21-180,0-9 90,19 5 90,-15-13-180,15 1 90,-5 6-90,-10-10-270,18 11 90,-20-20-539,6 4 719,-22-12 180,10-17-90,-10-2-90,14-16 180,17 2-90,-13 6 0,31-5 0,-10 13 0,10-3 0,0 6 0,-9 2 90,-2-1 0,0 2 89,-3 0 1,0 1 90,1-3-90,-8 2 90,2-6-180,-12 6 0,0-3 90,-4 3 90,0 1-91,-16 0 181,12-4-180,-33 7-180,19-5 180,-6 8-180,-1 1 90,23 19-180,-10 6-90,34 22-449,-1 1 89,5-7-1079,9 4 719,-12-18-449,9 2 1349,-2-12 0,-10-3 0,1-1 0</inkml:trace>
+  <inkml:trace contextRef="#ctx0" brushRef="#br0" timeOffset="87102">14010 10335 10051,'0'-10'1349,"16"20"-1259,-13 5-90,29 4 0,-28 17 90,23-20-90,-24 22 0,16-12 0,-11 10 0,2-10 270,1 10-90,-8-20 90,3 2-270,-2-12 0,-2-22 0,1 12 0,1-41 0,1 23 0,0-10 0,1-2-90,5-10-1696,-2 5 0,2 1 1336,4-5-89,5-9-104,-4 21-77,0 3 1,3 5-271,0 4-1079,1 4 2069,0 3 0,0 5 0,0 2 0</inkml:trace>
+  <inkml:trace contextRef="#ctx0" brushRef="#br0" timeOffset="91435">9605 9145 9961,'5'0'540,"2"0"-540,1 0 180,2 0-180,4 0 0,3 0 0,5 0 0,16 0 0,-8-14 0,10 11 0,-4-11 0,-11 4-720,10 7 181,-19-7-901,6 10 451,-11 0 989,1 0 0,-4 0 0,-1 0 0</inkml:trace>
+  <inkml:trace contextRef="#ctx0" brushRef="#br0" timeOffset="91687">9857 8858 8882,'-13'0'360,"1"0"-90,2 22-180,-6 4-90,1 14 0,-11 13 89,12-18-178,-7 13-541,9-3 270,2-11-899,0 17 179,8-25 1080,-1 4 0,2-15 0,1-2 0</inkml:trace>
+  <inkml:trace contextRef="#ctx0" brushRef="#br0" timeOffset="91892">9660 9021 9691,'13'-3'900,"-9"19"-990,9 8 0,-2 26 0,3-9-315,-1-10 1,0 1-316,8 7-540,-7-6 1,0 0 1259,3 5 0,5 7 0,-8-15 0</inkml:trace>
+  <inkml:trace contextRef="#ctx0" brushRef="#br0" timeOffset="92536">9763 10613 10051,'11'-26'990,"-3"6"-720,-2-8 269,-5 13-449,11 0-90,-7 10 0,6 1 0,-1 4 90,3 0-180,2 0 90,14 13-360,-7 3-539,19 15 359,-16-15-89,7 14-91,-11-26 0,-2 25-359,-1-25 1079,-3 19 0,-2-20 0,-1 7 0</inkml:trace>
+  <inkml:trace contextRef="#ctx0" brushRef="#br0" timeOffset="92737">10007 10435 9691,'-19'-7'720,"8"-2"-720,-3 8 90,8-1-90,-10 25 0,7-17 0,-5 54 0,6-36 0,0 31-360,4-11-179,2-13-721,1 16 451,1-22 809,-1 8 0,0-17 0,0 2 0</inkml:trace>
+  <inkml:trace contextRef="#ctx0" brushRef="#br0" timeOffset="92953">9825 10546 9871,'0'-10'1170,"12"4"-1170,-9 21 0,9 14 0,-4 10 0,-6 6-450,12 8 90,-13-11-135,7-7 1,0-1-136,-3 4-90,9 6-89,-8-17-180,0-4 989,-1-3 0,-3-4 0,0-2 0</inkml:trace>
+  <inkml:trace contextRef="#ctx0" brushRef="#br0" timeOffset="93070">9770 10827 9332,'0'-22'90,"26"-3"-6290,-20-1 5705,22 10 0,5 2-1484,-2-18 2123,0 15 0,4 1 1,22-17-1,-26 16 1,-1 0-1</inkml:trace>
+  <inkml:trace contextRef="#ctx0" brushRef="#br0" timeOffset="94041">18497 827 9602,'15'-8'269,"-2"1"-89,-4 1 180,-7 0-360,17-1 270,-5-1-270,4 3 0,2 0 90,1 5 0,-3 0-450,11 21 90,-11 6-719,11 26 269,-15-11-1102,6 4 113,-9-14 1709,0 3 0,-3-4 0,-1-1 0</inkml:trace>
+  <inkml:trace contextRef="#ctx0" brushRef="#br0" timeOffset="94289">18753 841 9691,'-34'-1'900,"7"0"-900,5 1 90,7 18-90,-1-14 0,0 31 0,0-20-90,-1 18-180,0-4 0,0 1 0,2 1-809,-5 14 449,8-12-89,-1 7-181,5-17 900,3-2 0,0-4 0,0-1 0</inkml:trace>
+  <inkml:trace contextRef="#ctx0" brushRef="#br0" timeOffset="94486">18512 852 9152,'0'-4'-360,"0"17"-180,0 5-89,0 13-541,0-2 1170,0-2 0,0-1 0,0 2 0</inkml:trace>
+  <inkml:trace contextRef="#ctx0" brushRef="#br0" timeOffset="94770">18428 1038 8162,'35'0'-449,"2"-18"-451,-6 14 900,6-13 0,1 1 0,1-3 0</inkml:trace>
+  <inkml:trace contextRef="#ctx0" brushRef="#br0" timeOffset="100692">26057 6427 8612,'27'0'360,"0"0"-360,-9 0 0,3 0 0,-2 0 0,18-13 0,-5 9 0,14-20-240,-9 21 240,3-14 0,3 15 0,1-13 0,3 13 0,0-11-45,-14 10 0,0 0 135,19-4-1837,-10 3 1,0 2 1566,7 0 180,12 0-413,-19 2 323,0 0 0,1 0 0,-2 0 90,1 0-90,0 0 90,21-12-89,-13 9-1,-8-9 0,0 1 90,11 8-45,-20-6 0,1-1 45,15 8 90,-2-6-180,1 1 135,-14 5 0,-1-1-45,17-5-45,-10 6 0,-1 1 135,3 1-90,-7 0 0,-1 0 0,4 0 0,12 0 90,0 0-90,-11 0-90,27 0 90,-27 0 90,26 0-90,-26 0 0,10 0 90,-3 0-1,-11 0-89,24 0 90,-24 0-90,11 0 0,-14 0 90,0 0-90,0 0 0,2 0 0,-1 0 90,0 0-90,16 0 0,-12 0 0,29 0 90,-25 0-90,-7 0 0,1 0 0,7 0 0,14 0-90,-18 0 180,1 0-90,-1 0 0,16 0 0,-11 0 0,-7 1 0,0-2 0,6-14 0,-5 14 0,-1-1 0,8-25 0,14 24 90,-16-17-180,-1 18 90,-2-12 90,17 5-90,-16-2 0,25-2-90,-33 5 90,23-3 90,-25 4-180,9-2 180,-13 4-90,0-1 0,0 2-450,6-1 181,-9 2-361,5 1-180,-13 0 849,-2 1 0,-2 0 0,-2 0 0</inkml:trace>
+  <inkml:trace contextRef="#ctx0" brushRef="#br0" timeOffset="108237">26122 7799 9961,'-6'-4'1260,"2"2"-901,3-3 1,0 1-180,1-2 0,0 1-90,0 1 90,0 1-180,0 1 899,0 0-899,11 1 0,-8 14 0,17 8-180,-10 20-89,0-4-1,4 3-180,-13-8-90,10-1-179,-7-1-271,3 0-269,-2-1-90,-2-2 1349,1-1 0,-1-3 0,1 0 0</inkml:trace>
+  <inkml:trace contextRef="#ctx0" brushRef="#br0" timeOffset="108432">26208 7569 10231,'-14'-10'-180,"11"2"-90,-22 1-89,23 2 359,-14 1 0,15 1 0,-4 0 0</inkml:trace>
+  <inkml:trace contextRef="#ctx0" brushRef="#br0" timeOffset="109256">26492 8110 8792,'0'-42'0,"15"4"0,-11 1 180,12 3-90,-3-4 90,-10-22 90,22 13-91,-23 5 1,-1-1-1074,10-5 1254,-11-15 179,0 5-179,0 15-90,0-21-270,-18 33 490,13-8-490,-12 22 540,6 2-334,8 28-206,-14 20 0,15 5 0,-4 13 0,6-18 0,0 2 0,0 2-90,16 17 0,-12-11 0,12-6 0,0-1-89,-11 6-1419,9-5 1,3-1 1508,2 3-91,7 11-264,-1-18 354,-10-4-147,1-4 237,-2-3-90,0-4 0,-1-3 3234,4-4-3144,-3-5 517,8-2-517,-8-21 0,7-7 0,-10-12 0,4-1 322,-7 6-142,-1-2-90,-1-1 0,-2-19 90,-2 12-46,-2 6 1,1 0-45,-1-6-40,0-12 40,-16 19 0,12 2 0,-13 3 270,3-8-181,10 12-89,-22-8-90,23 19 0,-16-3 0,17 11 270,-10 0-180,11 24-90,-3 24 0,4 2-715,16 13 715,-12-21 0,11 3 0,-1-1-90,2 18-90,1-14-45,-1-6 0,-1 0-45,-5 5-45,6-8 1,1 0-226,-2 2-180,5 7 91,-7-17-181,1-4-89,0-3 899,8-2 0,-5-8 0,6 0 0</inkml:trace>
+  <inkml:trace contextRef="#ctx0" brushRef="#br0" timeOffset="109654">27160 7913 9961,'1'-8'270,"1"2"-270,-1 3 90,1 2-90,-1 0 0,0 14 90,2 4-270,-1 0 270,1 11-90,1-10-90,2 1-270,2 8 180,0-15 1,2 2 89,-1 2-90,-1-15 90,4 6 90,-4-7 180,2-20 0,-5 15 179,2-45 1,-5 30 90,1-27 449,-3 11-629,1 11-270,-1-6 720,0 13-810,0 30 90,14 20-270,-11 12-90,11-10 0,0 0-269,-10-1-181,23 12-269,-24-16-90,23-4-810,-13-1 1979,13-3 0,-5-5 0,2-2 0</inkml:trace>
+  <inkml:trace contextRef="#ctx0" brushRef="#br0" timeOffset="110502">27702 7843 10951,'0'35'0,"0"-5"90,0-2-90,9-4 0,-6 0 0,6 9 0,-9-9 0,5 11 0,-4-18 0,3 1-90,-4-7-540,0-5 450,0-15 180,0-11-90,0-10 90,0-3 0,0 4 0,0-2 90,0-11-90,0 9 0,14-11 270,-11 23-180,10 0 90,-2 14-90,-2 3-90,3 21 0,7 3 0,-12 1 0,12 23 0,-10-27-90,3 29 180,-7-26-90,2-3 0,-4-2 0,-1-12-900,1 10 720,-1-29 180,-2 1 0,0-26 90,0-2-180,0 7 180,17-3 90,-13 20 90,12-3 90,-3 15-360,-2 1 0,14 6 0,-5 19 0,-3 3 0,4 22 0,-10-10 0,10 12-90,-11-19-90,6 5 0,-1-7 180,-2-10-90,8 2-90,-9-12 180,4-1 90,-5-4-90,-1 0-90,-3-19 180,2 14 0,-4-33 0,2 34 450,-4-47-270,1 32 359,-3-33-539,0 29 0,-1-3 360,1 10-360,1 8-90,3 16 0,-1-4 0,2 29 0,-1-17-90,1 18-90,1-6-360,7 12 1,-5-11-900,13 16 629,-11-23-1798,11 6 2608,-9-19 0,4 3 0,-6-8 0</inkml:trace>
+  <inkml:trace contextRef="#ctx0" brushRef="#br0" timeOffset="110660">28302 7614 10501,'-7'-4'-180,"2"1"180,-2 2 0,4 0 0,3 0 0</inkml:trace>
+  <inkml:trace contextRef="#ctx0" brushRef="#br0" timeOffset="111086">28563 7855 10861,'-14'5'899,"2"6"-719,12-4-180,0 16 0,0-6 0,17 8 0,-13-3 0,13 2 0,-6-1 0,-8 10-180,18-11-90,-18 9 91,14-18-1261,-15 4 1440,7-12 0,-5-23 0,3-10 0,6-27 90,-3 13 0,3-1 0,1 9 270,-5 9 180,5-1-450,-9 18 90,5 2-91,-3 6-89,2 15 0,0-11 0,-1 29 0,3-29 0,-1 35-89,2-23-91,-2 18-900,6 2 361,-7-12-990,12 17 180,-9-23 1529,6-1 0,-3-7 0,0-5 0</inkml:trace>
+  <inkml:trace contextRef="#ctx0" brushRef="#br0" timeOffset="111685">29085 7869 10861,'-17'-13'809,"13"2"-719,-13 6 90,3 2-180,0 2-90,-12 22 180,14 2-90,-5 2-90,15 14 0,-5-25-90,7 19 0,0-13-89,0 0 89,0-3-540,20-3 450,-15 0-179,31-7 449,-22-2 0,13-5 0,-15-15 90,5 11 359,-9-28-269,1 11 360,0-15-540,-8 5 180,3 7-180,-4 30 0,0 9 0,0 25 0,14-2-540,1 1-269,13-11 539,1-12-90,-6-8 180,3-8 180,5-16 0,-6-11 0,14-24 180,-18 5-180,4-3 360,-8-7-1,-6 14 1,-5 6 0,-2-1 0,-1-3 269,-2-24-269,-1 33 0,0-22-270,-16 35 270,13-8-180,-13 40-270,16 8 180,0 14-180,0 5 90,13 9-90,-9-8-180,2-8 0,1 1-90,3 5-629,-7 21 269,15-29 91,-15 5-1,11-17 0,-13-4-629,7-3 1259,-7-6 0,1-2 0,-2-4 0</inkml:trace>
+  <inkml:trace contextRef="#ctx0" brushRef="#br0" timeOffset="111819">29332 7829 10411,'-7'-20'0,"2"3"0,5 5-450,0 4 1,18 1-271,-14 3-90,33-1-809,-33 3 1619,39 0 0,-23 1 0,22 1 0</inkml:trace>
+  <inkml:trace contextRef="#ctx0" brushRef="#br0" timeOffset="112137">29700 8015 10321,'0'6'270,"0"0"-180,17-3-180,-13-18-90,27 0 90,-27-16 0,23 17-90,-24-10 180,9 7 90,-12-14-180,0 7 180,-18-2-90,-2 14 540,-15-2-540,6 10 0,12 23 90,6 2-90,11 23-180,0-14-90,20 2-360,-15-10-89,37-2-91,-23-2-629,23-4 1439,-9-6 0,3 2 0,-1-3 0</inkml:trace>
+  <inkml:trace contextRef="#ctx0" brushRef="#br0" timeOffset="112402">30167 7344 10591,'-11'17'1259,"-3"-14"-1169,13 37 0,-6-20 0,4 23 0,-4-3-135,1-7 0,0 2 45,-4 21-562,0-3 1,-1 0 426,4-20 1,-1 0-1,-2 10 0,-2 3-405,-1-2 0,0-1 45,2-10 1,0-1-1305,-5 21 0,-1-2 1799,0 2 0,6-20 0,1-2 0,-2 7 0</inkml:trace>
+  <inkml:trace contextRef="#ctx0" brushRef="#br0" timeOffset="113019">30507 7982 8882,'-26'36'90,"5"-1"-90,9-5-180,6 0-90,6-7 0,21-9 270,0-6 0,23-8 0,-24-20 0,15 15 90,-31-35 0,25 21-90,-26-19 270,20 5 180,-16-21-270,10 10 179,-12 5 1,-2-1-293,4-8 203,-4-13 270,-2 9-540,-1 16 90,0-10 90,0 28 449,0 1-629,0 52 0,0-9 0,-1 14 0,2 3 0,15 7-135,-15-4 1,1 0-52,26 11-893,-22-9 0,-2 1-1596,10 5 2675,-6-20 0,-1-1 0,0 8 0,7-4 0</inkml:trace>
+  <inkml:trace contextRef="#ctx0" brushRef="#br0" timeOffset="113404">31047 7947 11760,'-17'-25'180,"12"8"-90,-24-6 0,26 14 0,-20 1-90,13 6 0,-2 20 0,-1-13 0,12 32 0,-8-32-270,8 49 90,-3-33 0,4 40-89,0-33-91,19 5-90,-14-14 180,14-3-180,-1-8 271,2-3 268,17-5-89,-18-15 180,9 11 270,-19-31-90,12 8 0,-14-11 359,-1-8-449,-6 20-90,0-4-360,0 12-450,0 24-269,0 4 179,0 27-89,17-9-91,-13 3 900,24-7 0,-10-12 0,12 1 0</inkml:trace>
+  <inkml:trace contextRef="#ctx0" brushRef="#br0" timeOffset="113669">31473 7585 12030,'2'-18'810,"0"3"-720,-2 3 90,0 5 89,1 1 181,0 4-360,1 0-90,-1 1 0,4 24 0,1 9 0,0 14-345,0 4 76,-1-9-1,2 3 0,0 2-90,2-1 90,-2 0-719,6 14 449,-5-16-899,7 18 989,-7-32-359,0 3-1530,-4-15 2339,-3-8 0,0-1 0,-1-8 0</inkml:trace>
+  <inkml:trace contextRef="#ctx0" brushRef="#br0" timeOffset="113808">31395 7948 10861,'-9'-27'719,"7"1"-629,-12 2-180,13 3 90,-5 3-90,6 3 90,0 2 90,0 3-989,23 2-360,3 4 539,27 1-1079,2 19 1799,-8-12 0,1 13 0,-13-17 0</inkml:trace>
+  <inkml:trace contextRef="#ctx0" brushRef="#br0" timeOffset="114170">31873 7895 11311,'0'-29'1799,"-16"3"-1799,12 2 0,-22 11 0,15 6 0,-9 27-270,6-14 270,6 35-90,0-25 0,4 19-90,-1-10-90,3 0 180,2-3-180,0 7 180,22-9-270,3 6 360,16-17 0,-4-1 0,-9-24 0,-11-8 180,3 3 270,-14-34-270,4 35-90,-3-34-180,-6 30-360,2 22 1,-3 15-91,0 21-1169,0 12 539,18-18-808,-13 7 1978,27-22 0,-29 11 0,10-6 0</inkml:trace>
+  <inkml:trace contextRef="#ctx0" brushRef="#br0" timeOffset="114636">32192 7512 11670,'0'40'180,"0"-7"-90,14 3-180,-10-5 90,11 2 90,-15 2-90,11 0-90,-8 2 90,18 13 0,-19-14-360,14 20 360,-10-29-179,1 3-91,0-14-630,-6-7 810,2-19 90,-3-12-90,0-24 90,0 9 180,0-13-180,0 23 90,0-7 180,0 17 0,14 2 0,4 8 0,11 19-270,-1 10 89,-4 20-89,-5-8 90,-4 0-90,-6-11 90,-4 0 0,-2-3-90,-2 3 0,-1-7-180,0 2-1888,-18-12-361,-5-1 2429,-12-5 0,13-16 0,10-4 0</inkml:trace>
+  <inkml:trace contextRef="#ctx0" brushRef="#br0" timeOffset="115086">32693 7888 11041,'-17'-13'449,"13"-7"-449,-26 18 90,15-8-180,-8 24 90,4 4-90,10 16 1,3 2-271,6-8-90,0 3 180,16-11 90,-12-3 270,28-7 0,-18-6-90,14-4 90,-15-20 90,3 15 270,-14-33-270,5 15 89,-7-9 91,0 1-90,0 6-90,0 3 90,0-5-270,0 7-90,0-1 0,0 28-450,0 8 270,0 25-269,16-5-91,-12 0-1169,24 2 360,-25-12 1439,19 7 0,-20-14 0,8 0 0</inkml:trace>
+  <inkml:trace contextRef="#ctx0" brushRef="#br0" timeOffset="115688">32912 7783 11311,'0'-14'809,"-14"2"-719,11-4-90,-10 6 0,13-2-360,0 8 90,0 18 1,0 7-1,0 21 90,0-8 90,0 0-90,0 0 90,0-10 0,14 4 90,-10-10-90,11-4 0,-5-1-180,-8 3 180,15-8-179,-15 4-361,9-8 720,-10-11 0,3-2-90,-4-8 0,0 2 90,0 6-90,19-4 0,-14 8 270,29-5-360,-20 6 359,14-2 1,-9 2-180,-1-2 180,-2-1-180,-5 0 180,4-7-90,-8 2-90,-1-3 270,-4-5-1,-1 3-179,-1-13 90,0 13-90,0-3 180,-18 4-360,13 6 0,-23-3 0,25 7 180,-17 3-270,12 2 90,-2 16 0,5 6-90,5 22 0,0-6 0,0 3-540,21 1 180,2-10 1,2 8-361,11-15-89,-21-2-181,17-3 1080,1 3 0,-10-10 0,7 3 0</inkml:trace>
+  <inkml:trace contextRef="#ctx0" brushRef="#br0" timeOffset="117919">20175 10634 8252,'23'0'270,"1"0"-5840,1 0 5750,0 0 1265,2 0-1265,0 0-90,0 0-1,1 0-89,1 0 880,0 0-790,28 0-90,-21 0-285,21 0 285,-25 0 90,-2 0 180,15 0-270,-11 0 3100,10 0-3100,2 0 0,-9 0 0,-2 0 0,0 0-89,12 0 133,-6 0 1,2 0 45,12 0-90,-5 0 0,0 0-1389,12 0 1344,-22 1 0,2-2 45,0-4 0,-1 0-64,22 3 109,-9-4 0,-2 2-45,9 4 0,-10 0 0,-1 0-78,9-6 123,-20 6 0,-1-1-45,14-8-90,1 8 180,-1-5-90,1 3 0,-2-1 0,-1 1 0,-15 2 0,-1 0-90,17-1 135,-9 1 0,0 1-45,4 0-45,-6 0 0,-1 0 135,5 0-90,2 0 0,-1 0 0,1 0 0,-2 5 0,-1 0 0,1-3-45,-8 4 0,1-2 135,8-4-90,15 0 0,-18 0 0,3 0 0,-1 0 0,0 0 90,0 0-90,-2-12-90,18 9-360,-17-10-90,-8 9 1,-2 1-540,4 1 1079,4-5 0,-17 2 0,-3-2 0</inkml:trace>
+  <inkml:trace contextRef="#ctx0" brushRef="#br0" timeOffset="125154">20207 11551 10411,'0'-5'989,"0"1"181,0 1-990,0 22-180,0 10 0,0 15 90,0 3-531,0-3 441,13 3-90,-10 3 180,11 2-90,-14-1 0,6 2 0,-4-3 0,5-2 0,-7-3 0,0-4 0,0-3 130,-17 5-130,13-14-180,-31 1-810,13-15 271,-19-8-181,10-1-359,2-6-180,8-24 1439,2 19 0,0-45 0,2 17 0</inkml:trace>
+  <inkml:trace contextRef="#ctx0" brushRef="#br0" timeOffset="125736">20497 11796 9512,'14'0'269,"-1"-15"-269,-4 12 0,0-23 0,0 24 0,1-23 0,1 22 0,5-24 0,-7 12 0,2-10 180,-7 6-180,-2 5-90,-1 3 180,-1 1 0,0-1 0,0 5 540,-21-2-360,2 7 0,-19-2-181,22 20 271,-9 2-360,14 17 0,-3-7 90,6-1-180,8 10 90,0-9-449,16 23-271,-12-22-180,28 8-1618,-5-7 2518,9-9 0,5 2 0,-10-10 0</inkml:trace>
+  <inkml:trace contextRef="#ctx0" brushRef="#br0" timeOffset="126153">21043 11639 11490,'0'26'0,"0"-4"0,0 1 0,0-4 0,0 3 0,0 0 90,0 1-180,0 0 90,0-1 0,0-1 0,0 7 0,12-9 270,-9 9 0,9-17 0,-12 3-1709,0-8 269,-24-2-359,17-16 1529,-36 8 0,19-26 0,-20 10 0</inkml:trace>
+  <inkml:trace contextRef="#ctx0" brushRef="#br0" timeOffset="126522">21502 11587 10141,'-26'-4'1170,"-11"1"-991,19 1-89,-16 0 0,4 2-90,8 16 0,9 0 0,8 21 0,24-10 0,-14 5 0,30-6 0,-31 1 0,31 13 0,-14-10 0,14 19 0,-16-22 0,2 4 0,-19-13 0,7-2 0,-9-4 0,0 2-270,-25-5-359,-5-2 89,-15-5-359,-10-2 449,23-14-90,-8 10-359,16-25-540,12 8 1439,1-15 0,32 6 0,5 1 0</inkml:trace>
+  <inkml:trace contextRef="#ctx0" brushRef="#br0" timeOffset="126802">21612 11758 8522,'35'0'900,"10"0"-810,-13 0 269,11 0-179,-21 0-90,0 0-180,-4 0 270,-8 0-180,7 0 0,-11-14 0,3 10 90,-6-24 90,0 9-90,-2-13 90,-1 5 90,-15 1-180,11 10 269,-26 4-269,16 5 0,-13 7 0,14 23-90,-4 3 0,15 13 0,-12 11-90,13-19-719,-5 24-1,23-25-89,-13 7-181,30-14-898,-29-4 1978,35-2 0,-21-5 0,20-2 0</inkml:trace>
+  <inkml:trace contextRef="#ctx0" brushRef="#br0" timeOffset="129370">20878 11692 10051,'4'-3'450,"0"-1"-90,1 2-180,0-1-90,-2 1 0,0 1-90,-2 0 719,2-1-629,-1 2 90,2-1-180,-1 1 0,3 16 180,1 5-180,-1 10 0,4 14 0,-5-15 0,1 24 0,-4-22 0,0 7 0,0-16 0,-1-3 0,0-3 0,-1-1 0,0-5-360,0-3 180,0-22-90,0-15 270,0-6 0,0-16 0,0 21-90,15-7 180,-11 12-180,11 1 90,3 3-90,2-3 180,3 8-90,6-5 180,-11 13 0,11 0-90,-6 7 90,-5 0-180,-7 16 0,-3-11-90,0 29 90,-1-8 90,0 10-540,-4 10-179,0-16-2160,-1 25 900,1-27 1889,0 12 0,2-21 0,0-2 0</inkml:trace>
+  <inkml:trace contextRef="#ctx0" brushRef="#br0" timeOffset="130189">21935 11614 9871,'5'-15'990,"-1"1"-540,1 1-1,-2 0-179,0-1-90,-2 1 0,0-1 0,-1 4-90,0-2-90,0 3 90,0 1-90,-20 4 0,-4 22 0,-13-13 90,2 36-90,7-22-715,1 19 715,0-7 0,6 16 0,1-11-270,10 26 270,2-28-270,8 10 270,0-15-89,16-1 89,-12-1 0,31 8 0,-10-10 0,19 14 0,-9-19 0,5 10 0,-19-16 0,3 2 0,-8-4 89,-8-5 91,4 2 445,-11-5-715,3 0 180,-4-1-270,-35 2-270,26-2-225,-23-1 1,-4-1-405,16-1 1079,-27 0 0,21 0 0,1 0 0</inkml:trace>
+  <inkml:trace contextRef="#ctx0" brushRef="#br0" timeOffset="130569">22338 11820 10861,'-17'-7'899,"13"0"-899,-13-1 90,17 2-180,0-7 90,0 5 0,0-8 90,16 6-180,-12-6 90,27-1 90,-10 3-90,12-7 90,-12 9-90,3-2 180,-22 5-90,8-1-90,-10 4-90,0-2 450,0 2-90,-25 3-270,-5 0 90,-24 23-90,13 3-730,5 13 640,23-2-293,-7-7 203,17 0-90,-7 1-90,10 0-359,0 0-1710,23 8 450,11-8 1899,13 2 1,4-11 0,-11-3 0</inkml:trace>
+  <inkml:trace contextRef="#ctx0" brushRef="#br0" timeOffset="131472">22902 11678 9512,'-6'-11'539,"-2"-5"-449,-2 14 0,-1-10 90,3 11-90,-1-4 0,-1 5-180,-1 0 90,-3 15 90,3 7-90,-3 20-90,9-8-180,2 12 0,3-21-89,0 6-1,21-14 90,-15-1-90,33-4 360,-13-5 0,8-3-3302,12-4 3392,-19-15-113,6 11 202,-15-29 91,-3 29 90,-7-34 270,2 10-360,-9-8 359,5-9-359,-6 21-187,0-9 7,-17 17 180,13 0-180,-12 27-90,7 24 90,7 5-90,-3-2 0,1 0 0,4 6 2199,0 19-2199,0-19 0,0 2 90,0-2-221,17 14 221,-13-16-90,13 6 0,-17-21 0,0-5 9,0-5-189,0-4 0,0-4-180,0-4 186,-15-2-185,-9-3 349,3-18-170,-10-8 90,28-25 90,-8 8 0,24 10 0,2 1 90,-7-9 0,27 8 0,7 1-1,-12-5-786,5 14 1,2 3 966,4-6-180,2 5 90,-3 2-90,14-3 0,-16 6 90,22-7 0,-30 10-90,11-8-90,-20 5 0,1-3 90,-11 2 89,-3 0-89,-3-17 1483,-4 12-1573,-1-15 0,-19 21 0,14-2 180,-30 11-90,19 2-90,-13 21 0,15 9-90,-3 10 90,15 16-180,-6-20-89,8 10-1,19-15-270,-15-1 0,30-3-899,-13 4 720,-2-11 719,28 4 0,-39-14 0,22 0 0</inkml:trace>
+  <inkml:trace contextRef="#ctx0" brushRef="#br0" timeOffset="131786">23727 11659 9961,'0'-29'1439,"0"5"-1259,15 12-180,-11 24 0,30 11 0,-29 11 90,25-2 0,-27-7-90,19 2 0,-19 11 0,15-10 0,-15 15 90,5-22-90,-8 3 0,0-14 180,0-3-270,-16-3 180,12-22-90,-11-9 0,15-28 0,0 5-1108,0-4 1108,16 11 90,-12 1-180,34 1 0,-6-12-270,9 15-405,-13 13 1,0 1-405,5 2-810,10 2 1918,-14 13 1,-3 3 0,-1 4 0</inkml:trace>
+  <inkml:trace contextRef="#ctx0" brushRef="#br0" timeOffset="132547">24635 11435 9691,'0'-8'180,"-21"0"-90,15 2 270,-29 2-360,11 2 0,-5 1 0,-4 1 0,10 0 0,-4 17 0,8-13 0,3 24 0,11-12 0,5 14 0,0-4 0,22 1 0,-17-8 0,40 0 0,-25-1 0,32 5 0,-18-7 180,4 2 450,-14-4-450,-4-5-180,-9 3 0,-2-6 0,-9 2 0,0-2 0,-26 1-540,19 0-180,-45-1 1,31 1-1,-23-1 720,5-2 0,7-1 0,-6-3 0</inkml:trace>
+  <inkml:trace contextRef="#ctx0" brushRef="#br0" timeOffset="132837">25260 10979 10951,'0'-5'1169,"-16"2"-1169,13 23 90,-23-14 90,23 39 90,-18-4-270,18 12 90,-9-11 0,-1 1-90,6 14 0,-6-7 0,0 1-569,-2 13 254,2-10 1,-1-1-1766,-5 11 1720,7-25 0,-1 2-765,-1-3 1,-1-2-1661,-6 17 2785,7-20 0,0-1 0,-2 5 0,1-2 0</inkml:trace>
+  <inkml:trace contextRef="#ctx0" brushRef="#br0" timeOffset="133552">25488 11090 11041,'-11'-4'359,"2"0"-269,3 2 270,2 1-180,2 20-180,1 10 0,1 13 0,0 5-235,0-6 325,0 4-180,0 1 180,0 20-90,0-16-45,7-10 0,0-2 45,-3 2-180,10 8 0,-14-24 0,0-4 90,0-4-270,0-5-1383,0-4 1743,0-23-90,0-7 90,0-13 0,0 0 0,20 8 180,-14 0 0,14 4 179,0 11 1,-16-6 0,30 16-180,-20-8 90,12 29-90,-4 9 0,-11 9-1,-3 4-179,-8-9 0,0 14 0,0-9 0,-22 16-269,17-24-1440,-31 7-900,16-18 2609,-15-4 0,15-9 0,4-4 0</inkml:trace>
+  <inkml:trace contextRef="#ctx0" brushRef="#br0" timeOffset="133903">26157 11518 9602,'-19'18'629,"-7"-9"-269,23 7-180,-18-8-90,7 4 90,0-1-180,-10-2 0,15 1 0,-11 1 0,1 9 0,9-5 0,-5 16 0,12-14-180,0 7 180,3-10-270,0-1 270,20-3-180,-15-3 0,32-2 180,-13-4-180,17-16-90,-1-5 91,-7-21-361,-14 10-180,-4-3-539,-14 11 1259,4 2 0,-5 0 0,0 2 0</inkml:trace>
+  <inkml:trace contextRef="#ctx0" brushRef="#br0" timeOffset="134386">25883 11785 8792,'52'-37'899,"-23"7"-719,16-8 450,-18-12-450,13 9 0,-18 2 0,-3-1-90,2-8 0,-8 5 0,-1-1-616,2-8 571,-10 18 0,-1 0-45,6-14 0,-8 4 90,2 0 270,-3-9-450,0 17 90,0-10 270,0 28 420,-14 2-510,10 28 0,-10 14-90,6 10 0,7-2 0,0 0-90,-7 14 0,4 0 0,2 1-296,1 12 161,-2-7 0,1 1-1222,2 9 1267,0-22 0,0 0-360,0 12-180,0-1-179,0-6-1265,19 14 455,-2-20 1619,4 8 0,11-21 0,-8-4 0</inkml:trace>
+  <inkml:trace contextRef="#ctx0" brushRef="#br0" timeOffset="134769">26665 11613 10951,'0'-24'1259,"-20"1"-989,15 5-180,-33 0 0,34 2-90,-36 2 90,22 5-90,-18 5 0,10 2 0,-8 2 0,11 19-180,-6 5 180,15 11-360,6 10 270,3-16 0,5 8-180,19-12 0,-14-4 91,35-2-271,-10-3 360,8-5 0,15-5 90,-25-2 90,18-18-90,-25-7 450,3-17-181,-14 5-89,-4-1 180,-3 0-450,-3 10 90,0-7 0,0 36-360,0 6 91,17 30-451,-12-8-1079,29 1 360,-9-8 1439,8-13 0,2 10 0,-10-12 0</inkml:trace>
+  <inkml:trace contextRef="#ctx0" brushRef="#br0" timeOffset="135302">27183 11534 9332,'0'-15'1259,"-17"4"-1169,13 4-90,-29 5 90,12 1 0,-16 17-90,2 4 90,9 16-90,11 10-90,8-12 90,25-5 0,-13-9 0,26-18 0,-8 6 0,16-8 0,-5-20 0,-1 14 0,-3-52 0,-7 34 0,-6-13 0,-3-2 0,0-3-1516,-5 4 0,-2 0 1695,-2-8 91,-1-16-121,-3 20 210,-1-2-179,0 4 90,0-13-360,0 18 360,0-11 270,0 28-630,0 28 90,0 9 0,0 27 0,0-3-315,-1-4 0,2 2 180,5-9 0,1 2-1165,-6 27 1,2 0 849,10-25 1,0-1-136,-12 11 0,1-1 1244,21 11-2368,-14-6 1709,9-7 0,-2-7 0,0-5 0</inkml:trace>
+  <inkml:trace contextRef="#ctx0" brushRef="#br0" timeOffset="135620">27615 11540 10231,'6'-12'90,"-2"2"0,8 10 0,-2 0-180,14 0 90,-2 0 90,6 0-90,-2 0 0,3 13 0,15-9 0,-11 9 0,11-13 0,-9 0 0,-11 0 0,7 0 360,-20-18 90,-1-5-271,-10-19 181,-23 9-180,18 3 360,-42 12-360,14-1 0,-13 10 0,-12 0-91,25 9-178,-6 21 89,26 12-90,4 11-90,9 6-1353,20-10 813,3 1-539,14-11 0,6-1 44,-12-7 1,2-2 1214,16 8 0,2-3 0,-12-10 0,0-2 0,2-1 0,-1 1 0</inkml:trace>
+  <inkml:trace contextRef="#ctx0" brushRef="#br0" timeOffset="149071">15017 6023 7263,'0'0'0</inkml:trace>
+  <inkml:trace contextRef="#ctx0" brushRef="#br0" timeOffset="149501">14852 5925 6813,'0'0'0</inkml:trace>
+  <inkml:trace contextRef="#ctx0" brushRef="#br0" timeOffset="149706">14877 6074 8342,'0'0'0</inkml:trace>
+  <inkml:trace contextRef="#ctx0" brushRef="#br0" timeOffset="149851">14877 6482 6363,'0'0'0</inkml:trace>
+  <inkml:trace contextRef="#ctx0" brushRef="#br0" timeOffset="150439">15063 6343 9781,'0'49'630,"-14"-7"-360,11 6-1668,-11-6 1488,14 2-90,-11 4 0,11-12 0,-2-1 89,-18 22-134,15-11 1,1-1-46,-10 7-180,7-11 0,0 1-90,1 0 0,-2 12-535,3-16 175,3-12 720,-1 4 0,2-18 0,1 0 0</inkml:trace>
+  <inkml:trace contextRef="#ctx0" brushRef="#br0" timeOffset="150689">15343 6559 9961,'-17'35'630,"-4"8"-540,-1-4-614,-13 5 524,31-10 90,-34 1-90,34 0-90,-29-4 90,29 0-360,-21-2-539,19 7 539,-5-11-487,6 9 128,5-20-559,0 0 1278,20-11 0,-15-2 0,15-1 0</inkml:trace>
+  <inkml:trace contextRef="#ctx0" brushRef="#br0" timeOffset="150903">15557 6559 10771,'12'-6'180,"-2"1"-90,-2 4 359,-3 0-449,-3 22 0,-19 14 0,13 7-90,-14 4-179,1-17-181,13-3-90,-13-2-89,4-2-1,10-1 0,-10-3-1349,13 3 1979,0-8 0,0-1 0,0-9 0</inkml:trace>
+  <inkml:trace contextRef="#ctx0" brushRef="#br0" timeOffset="151103">15848 6419 10321,'6'0'810,"-1"0"-720,-3 15 0,-1 5-90,-1 24 0,-20-9-270,15 16-180,-29-19-450,30 15 451,-10-23-1440,14 8 1889,0-18 0,18-3 0,4-8 0</inkml:trace>
+  <inkml:trace contextRef="#ctx0" brushRef="#br0" timeOffset="151292">16123 6338 9961,'14'-10'180,"-5"1"450,1 5-270,-4 2-270,-2 19-90,-2 5-90,-2 21 0,-14-10-90,11 3-270,-11-12-899,14 7 809,0-9-179,0 2 719,0-11 0,0-6 0,0-3 0</inkml:trace>
+  <inkml:trace contextRef="#ctx0" brushRef="#br0" timeOffset="151498">16443 6195 10411,'7'-4'360,"-1"3"-180,-2-2 0,-2 18-180,-1 6-90,-1 11 90,-16 13 0,12-15-450,-12 18 0,16-21 90,-11 6-449,8-9 449,-8-8 360,11 2 0,17-14 0,6 0 0</inkml:trace>
+  <inkml:trace contextRef="#ctx0" brushRef="#br0" timeOffset="151697">16727 6115 10591,'11'-8'809,"-1"3"-629,-3 2-180,-3 20 0,-1 4 0,-20 23 0,13-10 0,-12 3-180,16-11-719,-16 7 539,12-9-359,-13 9-361,17-18 1080,0 1 0,0-11 0,0-1 0</inkml:trace>
+  <inkml:trace contextRef="#ctx0" brushRef="#br0" timeOffset="151905">16997 5931 10681,'8'-3'989,"0"0"-629,-3 3-360,-2 19 0,-2 4 0,-21 23 0,16-12 0,-16 2-540,8-3 271,9-10-91,-10 6-1439,13-9-270,0-6 2069,23-2 0,6-27 0,22-10 0</inkml:trace>
+  <inkml:trace contextRef="#ctx0" brushRef="#br0" timeOffset="152057">17295 5871 10321,'14'-19'630,"0"4"-360,-4 3 359,-3 8-179,1 1-90,-4 3-360,-1 15-90,-1 5-180,-21 23-270,15-8-359,-28 6-540,29-11 1439,-23 17 0,22-8 0,-10 11 0</inkml:trace>
+  <inkml:trace contextRef="#ctx0" brushRef="#br0" timeOffset="155269">14237 4476 13739,'0'36'0,"0"1"90,9 18-90,-6-10 0,6-3 0,-1 1 0,-5 7-90,3-9 0,0-1 0,-5 4-90,7 18 90,-6-31 0,2 3 90,-3-16 0,-1-4 0,0-4-899,0-1 449,0-24 180,0-9 90,0-16 1,0-5 89,0 4-264,0-4 354,0-3 0,0-3 0,0 1 0,0 16 0,0-1 90,0-16-180,0-10 180,0 25-90,0 6 90,0 4-90,0-1 0,0 8 90,0-3-180,0 13 90,0 0 354,0 4-354,9 2 89,-1 1-89,7 2 0,-5 17-359,-5-13-811,-1 22 181,-4-6-630,0 3 1619,0 5 0,0-8 0,0 0 0</inkml:trace>
+  <inkml:trace contextRef="#ctx0" brushRef="#br0" timeOffset="155739">14657 4087 10861,'1'42'450,"0"-5"-361,1 3-89,-1-5 0,0 3 90,2 22-180,-1-12-1920,0 14 1920,0-20 90,-2-2 647,0-1-557,0 9-180,0-14 90,0 12 0,0-26 163,-14 2-703,11-14-629,-10-1 1169,13-27 1021,0-4-1021,0-24 269,0 14 271,15-6-180,-11 18 360,24 5-451,-16 8-89,13 9-270,-8 0 180,11 31-270,-13-24-450,0 22 1,-2 4-630,0-14 1259,8 37 0,-10-28 0,5 8 0</inkml:trace>
+  <inkml:trace contextRef="#ctx0" brushRef="#br0" timeOffset="156153">15143 4541 11850,'14'34'180,"-10"-6"-180,10 0 90,-14-4-180,10 14 180,-8-9-180,8 17 180,-10-22-90,0 3 90,0-11-90,0-8-180,0-35 90,0 6-90,0-13 0,0-2-89,0-4-226,0 4 0,0 0-135,0-9-135,7 11 1,2 1-315,-5 0 1079,12-5 0,-1 22 0,4 2 0</inkml:trace>
+  <inkml:trace contextRef="#ctx0" brushRef="#br0" timeOffset="156473">15672 4531 11131,'-22'-10'989,"-12"7"-989,15-7 0,-17 10 0,3 19 0,4 5 0,12 19-90,7-3 90,10-9-90,20 0 0,2-13 90,21-5 0,-5-6 0,-2-7-90,-16-17 0,-2 12-90,-16-26-629,4 12 359,-6-14-2158,-18 2 2608,-4 5 0,0 6 0,5 5 0</inkml:trace>
+  <inkml:trace contextRef="#ctx0" brushRef="#br0" timeOffset="156853">15857 4529 11311,'0'27'179,"0"1"-358,0-7-1,0 2-90,0-9 0,0-2-90,17-7 90,-13-1-89,26-3 269,-13 1 90,6-2 0,1-21 0,-8 16 269,5-34-89,-6 14 270,0-10 0,-7 2-90,-4 12-270,-2 2 89,-2 2 271,0 2-810,0 59 91,15-26-226,-14 19 0,2 2-135,28-15-1079,-11 7 360,10-14 1349,-2-8 0,-7-1 0,0-8 0</inkml:trace>
+  <inkml:trace contextRef="#ctx0" brushRef="#br0" timeOffset="157069">16418 4070 10951,'0'-7'1169,"0"1"-899,1 4-180,0 2 0,1 0-90,3 17 90,1 8-90,3 27 0,-2-7-90,0-10 0,-1-1-180,2 11-1410,2 15 1141,-5-20-451,1 0 1,-2-3-1980,4 10 2969,-5-15 0,3 6 0,-5-18 0</inkml:trace>
+  <inkml:trace contextRef="#ctx0" brushRef="#br0" timeOffset="157209">16342 4376 9961,'-3'-10'0,"2"2"0,-2 0-629,20 1-1,-13 2-1619,31 1 2249,-7 3 0,7 1 0,3 0 0</inkml:trace>
+  <inkml:trace contextRef="#ctx0" brushRef="#br0" timeOffset="157520">16802 4498 10861,'5'6'270,"5"-2"-270,-4-3 90,11-1-180,-4-18 180,6 14-180,-2-26 180,2 27-180,-1-22 0,7 9 0,-10 0 0,5-8 270,-15 12-270,1-8 90,-6 7 0,-17 4 180,12 3 359,-31 1-539,9 3 180,-10 16-90,-8-10 0,14 26-90,9-6 0,8 8 0,14 3-360,0-9-179,23 0-2610,22 6 3149,13-11 0,-19-8 0,1-1 0,-8-6 0,1 0 0</inkml:trace>
+  <inkml:trace contextRef="#ctx0" brushRef="#br0" timeOffset="161870">13335 4523 8702,'-2'-14'720,"1"0"-451,1 6-179,0-4 540,0-1-90,0-1-270,0 1-91,0 4 181,0 1-270,0 4 630,0-1-720,15 3 0,0 1 0,19 16-90,-9-12-90,3 23-360,4-9 91,-9-3-361,12 21 180,-15-23-89,0 16-810,-4-11 809,-7-6 720,2 2 0,-7-8 0,-1 0 0</inkml:trace>
+  <inkml:trace contextRef="#ctx0" brushRef="#br0" timeOffset="162070">13590 4330 9152,'-11'-7'989,"2"2"-989,-3 19 0,1-11 0,7 28 0,-3-27-90,0 34-270,2-20 1,-2 22-181,0-10-180,0 0-1537,-1 11 2257,1-11 0,0 7 0,3-12 0</inkml:trace>
+  <inkml:trace contextRef="#ctx0" brushRef="#br0" timeOffset="162287">13458 4255 9602,'-14'18'269,"2"6"-269,12 11 0,0 1 0,0-5 0,0 3 0,0 2-90,0 1-269,0-2-181,0 0-629,0 11 359,0-13 810,0 7 0,0-15 0,0-4 0</inkml:trace>
+  <inkml:trace contextRef="#ctx0" brushRef="#br0" timeOffset="162420">13408 4554 9152,'0'-16'180,"18"-10"-270,11 8-1799,28-15 1889,-5 15 0,9-2 0,-13 8 0</inkml:trace>
+  <inkml:trace contextRef="#ctx0" brushRef="#br0" timeOffset="163537">18368 12162 9602,'-5'0'2158,"2"-14"-1978,22 10 0,0-22-180,23 23 90,-24-17-180,18 17 90,-10-5 0,9 8 0,7 0-450,-15 0-1798,31 13 1528,-29-10-1169,24 21 1889,-35-21 0,6 8 0,-10-11 0</inkml:trace>
+  <inkml:trace contextRef="#ctx0" brushRef="#br0" timeOffset="163709">18928 11824 10231,'0'-7'450,"0"1"-270,0 1-180,-18 4 0,13 18 90,-25-12-90,27 35-450,-23-5 90,10 8-90,2-12 1,-1 0-91,-5 3-1079,-1 19 1619,10-28 0,-2 4 0,4-14 0</inkml:trace>
+  <inkml:trace contextRef="#ctx0" brushRef="#br0" timeOffset="163942">18668 11769 9781,'17'17'1440,"-12"5"-1440,12 16-90,-3-1 90,-10-6 90,11 2-270,-5 2-90,-7 0-540,14 17 451,-9-14-721,2 24 361,-4-29-1170,-3 18 1889,-3-26 0,0 4 0,0-13 0</inkml:trace>
+  <inkml:trace contextRef="#ctx0" brushRef="#br0" timeOffset="164073">18560 12235 9961,'0'-21'540,"23"2"-810,14-8-809,14 4 346,-7-1 0,2 0 1,-13 8-1,0 0 0,14-6 1,1 0-1</inkml:trace>
+  <inkml:trace contextRef="#ctx0" brushRef="#br0" timeOffset="165104">25175 7922 10321,'0'-5'1079,"0"1"-1079,0 1 360,0 0 180,0-1-540,16 1 0,7 20 0,9-12-90,3 35-90,-7-22-90,1 21-269,11 7-1,-11-9-810,6 10 720,-14-16 181,-4-2-1257,0 5 716,-5-12 990,-2 3 0,-6-15 0,0-1 0</inkml:trace>
+  <inkml:trace contextRef="#ctx0" brushRef="#br0" timeOffset="165303">25565 7863 9152,'-20'-9'360,"3"2"89,5 3-359,-3 3 0,-17 16-180,6 10 180,-4 9-90,6 5 90,-2-7-1419,-1 2 970,0 2-271,1-2 0,1 1-1528,-5 10 2158,8-13 0,-2 6 0,9-15 0</inkml:trace>
+  <inkml:trace contextRef="#ctx0" brushRef="#br0" timeOffset="165493">25167 7975 9422,'0'12'359,"0"6"-359,15 13-449,-11 3-91,12-7-180,-4 5-1258,-9 13 1978,20-10 0,-20 9 0,7-15 0</inkml:trace>
+  <inkml:trace contextRef="#ctx0" brushRef="#br0" timeOffset="165638">25183 8245 8972,'19'-21'-630,"20"-13"-449,12 4 947,-17 10 1,1-1 0,-3 5 0,0 0 0,3 0 0,0 0-1</inkml:trace>
+</inkml:ink>
+</file>
+
+<file path=ppt/ink/ink15.xml><?xml version="1.0" encoding="utf-8"?>
+<inkml:ink xmlns:inkml="http://www.w3.org/2003/InkML">
+  <inkml:definitions>
+    <inkml:context xml:id="ctx0">
+      <inkml:inkSource xml:id="inkSrc0">
+        <inkml:traceFormat>
+          <inkml:channel name="X" type="integer" min="-2.14748E9" max="2.14748E9" units="cm"/>
+          <inkml:channel name="Y" type="integer" min="-2.14748E9" max="2.14748E9" units="cm"/>
+          <inkml:channel name="F" type="integer" max="32767" units="dev"/>
+        </inkml:traceFormat>
+        <inkml:channelProperties>
+          <inkml:channelProperty channel="X" name="resolution" value="1000" units="1/cm"/>
+          <inkml:channelProperty channel="Y" name="resolution" value="1000" units="1/cm"/>
+          <inkml:channelProperty channel="F" name="resolution" value="0" units="1/dev"/>
+        </inkml:channelProperties>
+      </inkml:inkSource>
+      <inkml:timestamp xml:id="ts0" timeString="2021-09-26T02:38:38.393"/>
+    </inkml:context>
+    <inkml:brush xml:id="br0">
+      <inkml:brushProperty name="width" value="0.09071" units="cm"/>
+      <inkml:brushProperty name="height" value="0.09071" units="cm"/>
+      <inkml:brushProperty name="color" value="#FF0000"/>
+    </inkml:brush>
+    <inkml:brush xml:id="br1">
+      <inkml:brushProperty name="width" value="0.12095" units="cm"/>
+      <inkml:brushProperty name="height" value="0.12095" units="cm"/>
+      <inkml:brushProperty name="color" value="#FF0000"/>
+    </inkml:brush>
+  </inkml:definitions>
+  <inkml:trace contextRef="#ctx0" brushRef="#br0">3352 2286 10231,'0'25'90,"0"-6"0,0-2-720,0-7 271,17-4 179,0-3 0,16-20 180,-8 13 90,-9-27-180,1 28 180,-16-19 0,6 11 180,-7-8-180,0 3-90,0 4 179,0 5-179,-14 2 0,10 2 180,-20 2-270,16-1 90,-3 16 0,5-1 0,25 3 0,-15 1 180,29-16 270,-20 6-450,-13-7-90,-5 0-719,-15 10 809,-1-7 0,19 7 0,-9-10 0</inkml:trace>
+  <inkml:trace contextRef="#ctx0" brushRef="#br0" timeOffset="1355">4065 1531 9512,'0'29'1169,"0"-1"-899,0-6 90,0 3-181,-10 0-179,7 5 270,-7 1-270,10 4 0,0 3 180,0 1-180,0 21 0,0-15 0,0-8 0,0 0 0,0 5 0,0 8 0,0-19 0,11-6 0,-8-4-90,8 1 90,-11-8-719,0-2 449,6-8-270,0-19 450,5-11 90,-1-9 0,8-21 0,-2 19 0,0 5 0,2 0 0,3-3 90,10-5 180,-12 18 90,1 6 0,-4 8 179,5 0-359,-6 7 0,8 21 0,-8-15-90,6 54 0,-7-36-90,1 31 0,-3-8 0,-3-11 0,2 19 0,-3-26-450,5 14 180,-4-22-359,5 4-631,-4-13 1,3-2-450,1-4 1709,4-2 0,0-2 0,2-1 0</inkml:trace>
+  <inkml:trace contextRef="#ctx0" brushRef="#br0" timeOffset="1788">4878 1499 10861,'6'-1'1799,"-1"1"-1349,-1 0-181,0 16-89,-2-11 0,1 33 0,-2-20-180,3 41 0,0-20 45,-1-2 0,1 1-135,2 5-1101,1 15 832,-1-21-91,0 0-701,1-2 611,-2 0-360,1-2-89,-3-1-1859,1 8 2848,-2-11 0,1 5 0,-3-14 0</inkml:trace>
+  <inkml:trace contextRef="#ctx0" brushRef="#br0" timeOffset="1938">4697 1951 10321,'-4'-4'450,"2"-6"-450,1 6-1259,25-9-91,6 7 1350,15-3 0,-1 6 0,-9 0 0</inkml:trace>
+  <inkml:trace contextRef="#ctx0" brushRef="#br0" timeOffset="2427">5422 1942 10321,'0'-9'1169,"-14"2"-989,10 2 90,-23 3-90,14 1-180,-12 19 90,8-14-90,1 30 0,6-29 0,1 32 0,2-22 0,1 28 0,3-19 0,2 7-90,1-9-90,0-7-270,16 1 91,-13-9-271,32-3 360,-19-2 270,18-18 0,-10-4 0,-3-18 90,-11 9 450,0-10-180,-9 16 89,2-11 811,-3 15-1260,0 26 0,17 10-90,-13 19-1080,26 8 1,-26-16-3418,21 18 4587,-8-20 0,4 6 0,1-11 0</inkml:trace>
+  <inkml:trace contextRef="#ctx0" brushRef="#br0" timeOffset="2704">5888 1924 12030,'-19'-6'990,"3"0"-811,16 2 1,-12-1 270,10 4-450,-21-1 0,8 1 90,-6 22-90,2-16 0,5 35 0,2-35 0,2 35-270,4-23-90,3 17-179,2-10 89,1-1-450,0 0-3057,19 6 3957,5-9 0,0 2 0,-4-9 0</inkml:trace>
+  <inkml:trace contextRef="#ctx0" brushRef="#br0" timeOffset="2939">6165 1939 12030,'-32'0'1259,"1"-1"-1079,5 15-180,4 2 0,2 19 0,9-10-270,4 2 1,6-6-271,1-1-1169,0 12 90,21-9 1619,1 14 0,4-19 0,-10 3 0</inkml:trace>
+  <inkml:trace contextRef="#ctx0" brushRef="#br0" timeOffset="3323">6363 2120 12930,'37'0'0,"-6"0"90,-1 0-90,-5 0 0,1 0 0,3 0 0,1-14 0,1 11 0,12-20 0,-11 10 0,15-12 0,-25 4 0,2 0 0,-15 5 90,-4 0-90,-4-1 0,-1-8 89,-21 7 361,-6-6-360,1 13 90,-10 5 0,1 2-180,11 1 0,-39 22 0,36-14 0,14 32-180,0-11-629,13 20 359,0-7-270,0-2-1259,24-2 630,2-9 1349,28 11 0,-17-21 0,4 3 0</inkml:trace>
+  <inkml:trace contextRef="#ctx0" brushRef="#br0" timeOffset="3605">7085 1927 11400,'0'-9'1350,"-16"2"-1080,12-1-91,-13 2-89,1 0-90,12 3 0,-26 1 0,15 1-90,-11 18-359,6 2 359,9 20-180,5-8 0,6-1 180,0-5-270,0-4 1,17 11 89,-13-9 0,13 11 0,-4-16-180,-10 6 270,10-13-1439,-13 4 1619,-20-10 0,16 0 0,-16-5 0</inkml:trace>
+  <inkml:trace contextRef="#ctx0" brushRef="#br0" timeOffset="4005">7257 1879 11490,'3'-6'990,"0"0"-720,-2 1-270,1 1 0,0 0 0,-1 1 90,0 1-90,-1 18 0,-19 5 0,15 22 0,-15-8 0,5 1 0,11-9 0,-11-3 0,14 0 0,0-2-90,0 6 90,16-9 0,1 12 0,3-17 0,6 3 0,-13-6 0,3-4 90,1 2-900,-15-5 270,6-1-2158,-8 0 269,-26 0 2429,19 2 0,-45-1 0,18 1 0</inkml:trace>
+  <inkml:trace contextRef="#ctx0" brushRef="#br0" timeOffset="5057">3165 2806 10681,'51'-17'809,"-3"12"-539,-8-26-897,4 28 717,10-26-714,7 26 714,-28-11 0,1 0-350,1 12 0,1 1 350,2-9 0,2-1 0,21 5 0,3 3-135,-14-3 0,2 1 75,9 2 0,5 1 0,-4 1-915,-1 1 0,-1 0 885,-7-1 0,4 0 0,-3 3 0,8 7 0,-2 1 0,4-9 0,1 2 0,-22 7 0,0 4 0,4-2 22,1-5 1,3-2 0,1 0-1,-3 0-52,4 1 0,-3 1 0,5 1 48,-5 0 0,6 2 0,1 0 0,-2 0 0,-4-3-48,2 0 0,-4-3 0,5 3 52,7 3 1,6 3 0,-1 1-1,-6-3-22,-11-1 0,-4-2 0,2 0 0,12 2 0,2 0 0,-4 0 0,1 1 0,-3-1 0,-1-2 0,-1 0 0,-3 1 0,2-1 0,13 0 0,0-2 0,-17 0 0,1-2 30,-3-1 0,4 0 0,-5-1-75,-9-1 0,-2-1 90,9 1 0,-2-2-335,2 1 379,-3 0 252,-6 0-431,-5-12 754,-5 9-664,-4-10 1994,-1 3-1994,-6 8 185,1-8 0,-10 10 1,0 0-1</inkml:trace>
+  <inkml:trace contextRef="#ctx0" brushRef="#br1" timeOffset="-160735.73">8197 1847 5146,'0'-4'9830,"0"-1"-2017,0 3-5675,0-1-460,0 1 41,0 0-2022,10 0 1,-7-7-1,7-1 1</inkml:trace>
+  <inkml:trace contextRef="#ctx0" brushRef="#br1" timeOffset="-160396.73">8100 2503 6315,'-1'3'4915,"0"-1"0</inkml:trace>
+  <inkml:trace contextRef="#ctx0" brushRef="#br1" timeOffset="-157886.73">9675 2083 6135,'13'0'810,"-2"-17"4677,-2 13-5064,-1-32 2777,2 21-2156,1-17 388,2 6-520,0-1 1365,3-3-77,-1-1-1922,2-1 1233,-2 0-1782,0 1 668,-2 3-476,2-5 195,-5 11-74,0-2 584,-6 16-580,-2 18 429,-2 14 399,0 11-167,0 20-123,0-18-123,-13 14-747,9-15 261,-9 0-715,13 0 7,0-1-437,0-1-679,0 0 1849,0 0 0,0 0 0,0 0 0</inkml:trace>
+  <inkml:trace contextRef="#ctx0" brushRef="#br1" timeOffset="-157730.73">9645 2437 5955,'21'-20'5932,"12"-4"-5444,18-13-922,3 4-1402,-10 9 1809,3-1 1,1 1 0,1 1 0</inkml:trace>
+  <inkml:trace contextRef="#ctx0" brushRef="#br1" timeOffset="-157120.73">9655 1370 4516,'-37'29'5393,"-2"1"-4374,10-7 0,0 1 181,-18 14-791,8-4 0,2 1 227,-6 8-236,10-5 0,2 1 160,-1 7 527,10-5 1,3 0-145,2 11-244,10-20 0,1 2 80,2 2 1,5-1 843,26 21-1228,-8-8 0,3 0-172,6-19 1,2-2-317,2 10 1,0-1-108,-6-10 1,0-3-220,3 1 1,1 0-203,1-1 0,-1-1-177,3 0 1,-1-1-159,2-1 0,-1-1 330,0 0 1,2-1 126,14 3 1,1-1 65,-12-7 1,2-1-114,25 4 1,0-4-29,-27-7 0,1-3 17,26-8 1,0-4 131,-25 1 0,-3-2 217,12-9 0,-1-3 162,-13 4 0,-2-1 236,0-3 0,-1-2 51,0 1 0,1-3 163,8-17 1,-2-1 320,-10 10 0,-1-2-129,-1-5 0,0-6 0,-5 3 336,-3 3 0,-5-2-272,-1-6 1,-1-6 0,-2 5 275,-5 2 0,-2 1 11,1-18 1,-2 0-84,0 20 1,-4 1-218,-9-1 1,-1 1-103,11 2 1,-4 1-493,-30-14 0,-4 1-433,22 17 0,-3 1-407,-14 2 0,-8 0 1,1 6-587,4 8 1,-2 4 996,-15-2 1,-1 5-1,10 9 1,0 4 0,-2 1-1,0 0 1</inkml:trace>
+  <inkml:trace contextRef="#ctx0" brushRef="#br1" timeOffset="-154671.73">12312 1800 5775,'0'-25'9830,"-15"1"-3439,11 4-4360,-25 3-3355,26 3 2510,-21 6-2538,22 4 1589,-27 3-140,16 0-3079,-17 1 983,1 22 522,6 3 2066,-7 14-1475,11-2 2137,0-6-1758,0 16 2288,7-9-669,1 24 993,9-26-2012,23 19-545,-16-26 326,40 3 0,-22-16 0,21-2 0</inkml:trace>
+  <inkml:trace contextRef="#ctx0" brushRef="#br1" timeOffset="-153987.73">12662 1956 6045,'0'-11'9830,"-18"2"-7690,13 0-494,-29 2-3461,9 4 471,-19 0 168,8 19 1011,-5 3 625,14 19-1765,8-2 2122,6-4-1286,13 3 2917,0-17-394,22 4-994,3-8-1073,29-7-642,-13 0-991,4-7-386,-1-15 616,-12 11-709,16-23 407,-33 12 2022,14 1 456,-27-9 2212,8 10-1466,-10-8 1566,0 5-995,0 22 407,0 11-946,14 1-1644,-10 11 1087,44-19-3882,-25 4 1920,9-9 1,3-3-2155,4-2 63,11 0 0,-12 0 180,-5-13 2294,-2 9-1117,6-23 3082,-13 11 217,5-12 268,-20 12 610,-1-4 96,-7 11-96,-1 13-609,17 7-1067,8 6-885,-2 6 305,18-20-1623,-25 5 392,18-8-1353,-10 0-534,-4 0 20,0 0 2166,-6-13 1198,-1 10-1064,-4-10 2913,-5 1-1300,-1 0 394,-3 17-682,0 6 180,0 31-316,19-21 1,-14 15 0,14-15 0</inkml:trace>
+  <inkml:trace contextRef="#ctx0" brushRef="#br1" timeOffset="-153719.73">12663 1587 5955,'-2'-10'9830,"-1"1"-5343,3-2-1698,0 0-899,23-5-3142,4 5-329,28-5 148,-14 11 1695,2 0-2651,-14 4-654,-1 1-568,-2 0-181,-2 17 2792,-3-12-942,0 27 2229,-3-29 0,1 29 0,-2-10 0</inkml:trace>
+  <inkml:trace contextRef="#ctx0" brushRef="#br1" timeOffset="-153550.73">13387 1200 5686,'-19'37'7395,"15"-2"-3851,-15-2-2955,19 3 0,0 5 1,0 3-1</inkml:trace>
+  <inkml:trace contextRef="#ctx0" brushRef="#br1" timeOffset="-152886.73">14480 1212 6495,'-16'-10'5223,"13"2"-564,-21 21-4894,22 19 3306,-6 12-2083,7-2 1,2 2 548,-1 17-943,0-18 1,0 2 941,0 2 0,0 0-563,0-11 0,0 2-542,0 23 1,0 0 554,0-27 1,0 0-1334,-8 20 1,-1-2-488,5 2 725,-12 10-1012,16-21 582,0-16-1260,0-1 1529,0-40 285,0-12 444,21-17-607,-15 1 316,35 8-861,-18-11 33,10 12-538,5-13 305,-16 31-686,3-10 469,-11 23-803,-1-5 224,-1 7 432,-1 0-886,-1 16 2666,-1-12-1398,4 31 1945,-3-9-182,8 21 1037,-9-9-744,6-3 750,-4-12-192,2-3-2238,0-4 829,4-7-2420,1 3 197,6-10-1037,15 4 861,-6-21 1966,24-5-599,-25 1 471,8-16 538,-17 31-396,-6-29 1409,-3 30-698,-4-20 1670,-4 14-1263,-3 17-493,-3 8 779,0 30-1712,0-1 1068,0-8 1,0-6 0,0-12 0</inkml:trace>
+  <inkml:trace contextRef="#ctx0" brushRef="#br1" timeOffset="-152736.73">15188 1713 5775,'-14'-16'5081,"10"1"-808,-21 4-5980,22 3 2501,-14 1-952,15 4 1,-4-1-1,6 4 1</inkml:trace>
+  <inkml:trace contextRef="#ctx0" brushRef="#br1" timeOffset="-152382.73">15607 1984 5955,'5'16'9830,"0"1"-5858,0 3-1918,-2-4-921,2 2-324,-1 1-232,0-4-553,2 8 2184,-4-11-2319,3 2-249,-3-8-436,1-1-1014,2-3-185,-2 0 42,6-23 1986,-3 15-391,9-33 276,-4 13 524,7-13 91,-8 13 222,3 2 1048,-1 22-2134,-4-7-109,6 30 916,-6-15-1824,4 54 1696,-5-34-383,1 33-113,-1-26-96,0-1 1529,1-2-2050,1-4 747,3-3 1,2-11-1,2-4 1</inkml:trace>
+  <inkml:trace contextRef="#ctx0" brushRef="#br1" timeOffset="-152003.73">16215 1426 7215,'-17'15'7018,"4"12"-3118,13 11-148,-10 11-2117,8-5-84,-8 5-813,10 3 280,0 2 1964,17-1-2350,-16-17 0,3-1 85,33 18-1256,-29-13 1,0-1 374,15 0-941,-3 7 478,-17-22 426,6-5-783,-1-3 219,-6-7 115,5-2-3,-3-5-1041,0-17 2514,4-7-502,-1 0-769,2-17 929,-2 34-1234,1-32 847,-2 33-335,3-13 1265,-2 17-3613,6 0 203,-5 18 1925,4-14-1851,-2 38 2988,-1-23-2323,0 23-391,1 2 2168,-2-11 0,0 5 1,-2-15-1</inkml:trace>
+  <inkml:trace contextRef="#ctx0" brushRef="#br1" timeOffset="-151820.73">15400 1322 8114,'-3'-6'6695,"28"2"-11392,21 2 4380,17 0 1,-25 2 0,1 0 0,26 0 0</inkml:trace>
+  <inkml:trace contextRef="#ctx0" brushRef="#br1" timeOffset="-151219.73">18548 1752 6135,'-26'-5'2071,"3"2"-1435,-26 1-712,10 2-199,-3 0 93,0 23 1148,1-18-940,1 38 1578,-7-15-914,16 8 754,-1 11 190,23-22 157,4 14 750,31-20-2521,-20 1 1999,50-13-3394,-32-4 441,28-3-761,5 0-104,-14-14 1258,21-2-1246,-29-13 2437,-2 3-1891,-20 2 2421,-7 29-581,-6 10 1754,0 20-271,0 0-800,0-9-403,0 0-678,20-3 0,-15-2 1,15-1-1</inkml:trace>
+  <inkml:trace contextRef="#ctx0" brushRef="#br1" timeOffset="-150766.73">19003 1973 7485,'-23'24'6761,"5"-3"-4179,18 24 1406,0-5-1686,0 5-706,0 6-457,0 4-667,0-15 1,0 1 2598,0 21-2358,0-22 1,0 0 679,0 12-1483,16-3-262,-9-12 0,1-2-80,11 5-1073,-8 17 49,-3-44 87,-6-23 390,5-28 327,-7-14 475,-7 20 0,-2-2 236,8-12 1,-1 0-40,-13 9 0,1-3 254,11-6 0,4-5 0,-3 4-129,-8 4 0,-1-1 255,8-3 0,4-4 0,-1 6-143,-4 5 0,0 2-73,3-10 1,2 3 53,-1-8 78,18 9-523,-13 8 459,27 4-986,-10 13-712,19 4-755,-5 13-574,10 20 609,-17 10 793,7 11 702,-13 6 67,0-6 1096,-5 2 3,-8-9 0,-1 0 1378,2 17-656,-6-9 0,-2-1 549,0 5-1747,-12-11 1,-5-3-329,-18 2-1276,-11 2 1250,-17-17 1,26-8-1,-11-3 1</inkml:trace>
+  <inkml:trace contextRef="#ctx0" brushRef="#br1" timeOffset="-150354.73">19940 1781 6855,'-47'15'3104,"-4"1"-2345,11 2 92,12 11 896,-4-15-1626,27 16 2181,-29-8-2212,30 1 2683,-17-1-1780,20 1 1175,-6-2-512,7-2-446,0-1 784,18-3-3736,5 0 1649,0-7-2122,19-2 828,-24-5-1384,20-1 297,-11 0-598,-1-20 1378,-3 14 1032,-2-30 2235,-4 16-248,-1 0 273,-3-10 838,-5 17-902,-4 17-437,-4 14 147,0 21 496,0 1-1708,0-8-13,0 0-2,24-4 1,-4-1 0,22-3 0</inkml:trace>
+  <inkml:trace contextRef="#ctx0" brushRef="#br1" timeOffset="-150136.73">20687 1851 7215,'-23'-16'5370,"17"1"-472,-38 7-6404,15 2 485,-12 5-38,1 16 1023,12-11-419,4 34 2428,3-17-1856,10 21-59,3-6 1827,8-1 303,0 0-346,18 9-959,16-13-1484,-6-13 0,4-2 225,23 1 1,3-9 0,-17-3 0</inkml:trace>
+  <inkml:trace contextRef="#ctx0" brushRef="#br1" timeOffset="-149537.73">20957 1397 6855,'-17'-33'9123,"12"3"-4529,-12 7-3378,6 3-383,8 27 57,-8 19-381,10 7 1,2 4 77,-1-3 1,0 2 846,9 21 1,1 0-1088,-9-21 1,2 0-451,15 12 0,0 0 675,-14 16-273,11-32 1,-1 0-450,-11 29-274,8-21 0,0-1-398,0 17 646,-3-15 1,0-2-80,1-2-454,-5 4 416,-4-23-678,0-9 1623,0-23-303,0-17 667,0-14 167,0-21-426,0 22-107,19-11-1127,-14 19 574,14 6-935,-3 4 226,-3 7-458,14 9-1311,-3 5-242,5 26 808,-3 9 1079,2 12-153,3 15 826,-6-23-179,-2-6 0,0-1-188,7 1 1045,10 5 179,-10-17-1174,1-7-852,0 1-169,13-9-535,-10 4 428,16-23 495,-25-6 1566,8-24 275,-20 7 902,-3-4 599,-7 11 367,-3 1 591,0 0-145,-23-7-1618,-4 12-1189,-26-5-1050,11 22-1119,-14 2-353,24 9-758,-7 25 1071,25-5 617,-5 23 1437,17-7 1106,-8 24 207,41-14-1115,-7-5 0,4-2-75,4-16 0,7-3-858,-1 1 1,4 0 0,-1-2-571,2-4 0,0-3 885,18 1 0,1-3 0,-15-6 0,-2-2 0,2-2 0,0 0 0</inkml:trace>
+  <inkml:trace contextRef="#ctx0" brushRef="#br0" timeOffset="-138052.73">9892 4250 9332,'-11'0'1529,"1"0"-1439,5 0-90,2 0 0,1 0 0,-1 0 90,-1 0-90,1 0 0,-3 0 0,1 0 0,-2 0 0,-1 0 0,0 15 0,-3-11 0,0 11 0,-2-15 0,-1 11 0,-1-9 0,0 9 0,-1-3 0,0-5 0,-7 5-90,6-8-90,-4 0-270,5-15 450,6 12-90,-2-28 90,8 8 0,1-15 0,3 5 0,0 6 0,21 11 0,-16-1 0,33 9 270,-21 0-270,12 25 180,-14 8-180,-3 10 0,-11 4 90,3-6-90,-4 4 0,0 3 0,0 2 0,-18-1 0,13 19-90,-30-15 90,26-9 0,2-1-180,-14 3-270,-4 20 270,5-26 0,-5 6-539,-7-8 359,14-11-180,-8 6 540,11-19 0,-3 1 90,8-7-90,1 0 180,4-14 810,2 0-541,21-3-359,-1 6-90,21 11 0,-2 0 90,-4 0-270,14 0-359,-18 0-1080,27 0 359,-23 0 1260,13 0 0,-13 0 0,0 0 0</inkml:trace>
+  <inkml:trace contextRef="#ctx0" brushRef="#br0" timeOffset="-137550.73">9628 3760 8432,'-29'-8'540,"-1"2"-360,-1 2 0,-2 2-90,-1 1 90,-14 1-1,9 16-44,8-5 0,0 2-45,-9 22 0,7-7 0,1 0-898,-8 14 898,14-13 0,1 1 0,-10 21 0,-1 3-45,19-25 0,1 2 90,-5 16 0,0 2-90,7-11 0,0 1-15,0 7 0,0 4 0,2-3-523,3-3 0,2-1 538,-2 16 0,3-1-45,3-18 0,2-1 0,1 1 0,0-1 0,-2-2 0,4 0 45,12 0 0,1-2-45,-8 31 45,20-35 0,5-1-45,-8 8 0,2-2 0,4-9 0,5-3 45,16 12 0,0-4-45,-17-17 0,0-3-45,12 4 0,0-4 45,-11-7 0,0-3 0,1 0 0,0-1 0,1 1 0,0-4 0,1-8 0,0-3 45,0 5 0,0-3-45,-1-8 0,1-5 0,14-4 0,1-2 0,-14 6 0,1-2-30,1-5 0,2-4 0,-3 2-15,-6 2 0,-2-1-860,9-12 0,-3-1 860,-14 13 0,-4 0 45,-1-2 0,-3 0-163,-2 0 0,-3-2 163,-2-17 0,-4-2-45,1 14 0,-5-2-194,-12-4 0,-7-3 1,-1 4 193,3 4 0,-6 2-75,-12-3 0,-9-2 0,2 6-60,2 5 0,-1 4 30,5 4 0,-3 0 1,-2 4-241,-4 5 0,-4 4 0,2 2-60,-7-2 1,-4 3 449,10 4 0,-5-1 0,-1 3 0,5 3 0,-13 9 0,1 5 0,7-3 0,-1-1 0,1 1 0</inkml:trace>
+  <inkml:trace contextRef="#ctx0" brushRef="#br0" timeOffset="-113331.73">12255 4578 9332,'0'-9'1169,"0"1"-899,0 2 0,0-1 0,0-5-91,0 3 1,0-3 0,0 3 0,0 3-90,0-1-90,0 1 0,0 2 0,0 0 0,-17 3 0,13 14 90,-35-9-135,19 25 0,1 5 45,-22-5 0,10 12 0,6 2 0,9-5-3662,-13 22 3392,27-31 1,-7 6-1,9-16-450,19-2 90,-15-4-809,59-5 630,-31-4 809,16-8 0,3-6 0,8-17 0,-19 4 0,1 0 0</inkml:trace>
+  <inkml:trace contextRef="#ctx0" brushRef="#br0" timeOffset="-112551.73">12760 3914 9062,'-16'-12'450,"13"4"179,-29 2-359,16 4-90,-15 23-90,5 12 0,11 14-90,1 7 45,13-19 0,1 1-363,-4 25 363,3-8 0,2 2-548,-1-20 0,0-1 503,-1 10 0,2 1 0,7 0 0,0-2 0,-4 22 0,10-13 0,0-1-90,-11 4-90,3-15 1,0-1-474,-6 1 653,0 1-360,7-16-180,-5-12 717,6-16-177,-8-18 1063,0-20-1153,0 6 270,0-1-90,0 3 539,14 6 18,-2 6-647,4 31 90,1-4-90,-11 38 0,8-22-90,-3 20 0,2-8-180,10 11-89,-3-13-271,19 13 180,-13-25 180,9-3 0,-7-12 180,-1-5 1,1 0 89,7-22 89,-9 16 181,-6-22 0,-4-4 0,-1 7 90,-6-9 0,-3-1-91,-2 0 91,-3-8 0,-1 10-360,0 11 180,-14-3-180,10 36 0,-11 10 90,15 17-180,0 18-90,0-20-360,17 20 181,2-27-91,2 3 270,11-21-270,-27 3 180,33-12-269,-13 5 539,11-21 0,4-9 180,-18-8 359,5-17-89,-15 17 0,-2-9-180,-8 14 179,-1 2-269,-1 3-270,0 0 180,0 7-180,-14 4 90,10 21-449,-10 10-1,14 20-180,0-7-539,22 13-180,-16-22 1349,38 6 0,-38-22 0,16-2 0</inkml:trace>
+  <inkml:trace contextRef="#ctx0" brushRef="#br0" timeOffset="-111551.73">13738 4825 9602,'-16'-7'-450,"12"18"-90,4 5-90,20 14 451,22-16-1,-8-4 180,3-10 0,-10 0 90,0 0 179,-3 0 1,-1-14 90,-6 10 180,-2-25-270,-5 25 179,-5-26 541,-2 11-720,-3-14-180,-17 6 179,13 7-269,-12 31 0,16 17 0,0 19-996,0 7 906,0-6 90,0 3-273,0-14 1,0 1 182,0 19 90,8-22 0,0 1 0,-4 26-180,13-18 91,-8 19-271,-7-34-720,7 7 631,-9-24 89,-15-1 90,11-30 180,-22-13 180,23-11-135,-2 9 0,-1 1 45,6-11 45,8 6 0,5 0-135,13-4-255,0-11 435,20 20-90,-26 3 90,24 2-90,-11 4 90,1 0-90,1 5 711,13-7-711,-13 9 360,18-8-180,-29 13 745,6-1-655,-16 4-90,-5 4-180,-2-2 598,-6-1-418,0 2 191,-1-4-371,-19 5 0,15-2 180,-29 3-90,18 2-90,-2 17 0,7 4-90,10 19 0,0-9 90,0 1-90,0-11-270,21 0 0,-15-3-359,34 2 359,-15-10 90,10 4 0,0-11 90,-10 2 90,-1-3 0,-2 0 180,0-17-90,-4 13 450,3-26-270,-8 10 630,1-14-451,-11 5 1,1 4-90,-4 9-270,0-1 180,0 5-180,0 18 0,0 11 90,0 21-270,18-6 0,-14 0-90,14-10 90,-3-10-89,-11 10-91,20-10 0,-13 4 360,10-8 0,-4-8 0,0-17 0,-4 13 90,1-33 90,-1 17 449,6-35-359,-7 21-90,4-21-270,-8 36 270,-1-14 0,-3 30-90,0-10-90,0 13 90,7 0-90,-3 0-90,12 16 90,-7 9-360,5 8-180,-4 4-89,-1-8-1,2 1-1079,4 9 1709,-6-11 0,3 5 0,-7-13 0</inkml:trace>
+  <inkml:trace contextRef="#ctx0" brushRef="#br0" timeOffset="-111346.73">14303 4502 9332,'-12'-17'90,"3"3"0,5 3-180,3 2 270,1-1-270,0 1 90,23 0 0,-18 3-90,38 1-90,-14 3-360,8 2-90,2 0-1438,-2 18 2068,-8-14 0,6 14 0,-12-18 0</inkml:trace>
+  <inkml:trace contextRef="#ctx0" brushRef="#br0" timeOffset="-111170.73">14793 4067 9781,'18'-25'450,"-1"4"-270,-1 5-90,-1 5-90,-2 4 0,1 3-90,1 19-450,-2-12-450,-3 26 1,-1 6 989,4 2 0,-4 2 0,-1 3 0,6 16 0</inkml:trace>
+  <inkml:trace contextRef="#ctx0" brushRef="#br0" timeOffset="-110668.73">16370 4731 10591,'-33'-22'450,"-18"0"-270,30 4-90,-21 4 89,10 4-179,0 6 180,-14 2-180,14 21 0,-16 8 0,32 10 0,-8 15 0,23-20-90,-4 8 0,33-7-89,8-18 89,-3-2 0,3-3-90,20-8 180,-19-5 0,-1-5 0,6-24 0,9-10-45,-30 6 0,-3-3 45,7-15 0,-10 0 0,-3-2-607,-7 20 1,-2-2 815,-1-5 1,-1-5 0,0 3-30,0 3 0,-2 0 0,-5-2 0,-2-5 0,1 5-90,6 6 0,-3 2 162,-14-9 0,1 2-252,14-17 0,-27 23 485,26 0-395,-19 26-90,21 24 0,-5 6 0,7 23 0,0-2-509,0 9 509,0 6-225,9-11 0,3 2 90,-4-12 0,2 2-135,9 23 1,1 0 44,-12-25 0,0-1 0,9 9 0,-3-2-315,-10 11-89,21-6-43,-22-5-228,16-6 1,-17-6-802,5-6 1701,-7-5 0,0-6 0,0-3 0</inkml:trace>
+  <inkml:trace contextRef="#ctx0" brushRef="#br0" timeOffset="-110519.73">16177 4308 9691,'0'-10'0,"0"3"0,0-1-359,26 5-991,8-1-179,16 3 987,2 0 0,-11 1 0,4 0 0</inkml:trace>
+  <inkml:trace contextRef="#ctx0" brushRef="#br0" timeOffset="-110285.73">16895 4632 10861,'-15'7'270,"3"0"-90,12 4-91,-8-1-89,6 4 0,-6 2 0,8 3 90,0 16-90,18-7-449,0 23-181,3-21-1259,1-1 0,-2 0 1889,-13-3 0,39 11 0,-25-24 0</inkml:trace>
+  <inkml:trace contextRef="#ctx0" brushRef="#br0" timeOffset="-110100.73">16882 4087 10411,'-11'0'-1709,"5"15"-720,1 4 2429,27 21 0,-16-9 0,16 4 0</inkml:trace>
+  <inkml:trace contextRef="#ctx0" brushRef="#br0" timeOffset="-109519.73">16977 4639 9691,'-6'0'270,"1"0"270,1 0-360,2 18-90,1 16-180,0 3 90,1 8 0,22-16 0,-17-2 0,23-4 0,1 0 0,-20 2 0,17-3 0,3-3 0,-9-8 0,16 2 90,-13-11-90,-2 0-180,-11-2 180,1-21 90,-2 16-90,-1-38 90,-1 24-270,-4-20 720,0-9-181,-3 11-89,0-10 0,0 7-360,-17 14 90,12-5 270,-12 18-180,17 22-180,0 15 180,21 16-225,-11-8 0,1 0-135,13 12-160,-6-15 1,-1 0-381,-1 12-269,17-5-1350,7 11 2429,-8-17 0,11 4 0,-11-18 0</inkml:trace>
+  <inkml:trace contextRef="#ctx0" brushRef="#br0" timeOffset="-109218.73">17707 4734 10681,'-14'-10'1259,"1"5"-1169,-3 16-90,7 13-90,9 9 90,0 5 0,0-8 0,16 16-90,4-14 90,17 16 0,-17-26-90,13-2 90,-13-6 0,8-12 0,3 6 90,-14-23-90,7-8 0,-12-9-90,1-6 90,-8-9-90,-2 8-539,-2-26-1,-1 26-629,-19-18 269,0 29-89,-4-1 1079,-9 20 0,28 4 0,-14 5 0</inkml:trace>
+  <inkml:trace contextRef="#ctx0" brushRef="#br0" timeOffset="-108935.73">18272 4793 11580,'0'16'-629,"0"6"-181,0 28-359,0-13-180,14-2 1349,-11-13 0,11-10 0,-14-3 0</inkml:trace>
+  <inkml:trace contextRef="#ctx0" brushRef="#br0" timeOffset="-108767.73">18543 4771 10771,'4'-4'-1080,"-2"17"-1078,-1 4 2158,-1 18 0,0-18 0,0-2 0</inkml:trace>
+  <inkml:trace contextRef="#ctx0" brushRef="#br0" timeOffset="-108550.73">17775 4403 10411,'-3'-47'630,"1"2"-630,2 5 270,0 1-270,24 4 0,6-3 0,13 13 0,-5 5-2249,18 29 360,-23-7 1629,-5 17 0,-2 4 0,-5 5 0,0 25 0</inkml:trace>
+  <inkml:trace contextRef="#ctx0" brushRef="#br0" timeOffset="-108052.73">18972 5042 10681,'36'-20'270,"24"16"-90,-35-39-2258,28 22 2258,-15-21-354,-12 16 1,-1 1 173,11-14 135,-15 6 0,-2-2 44,6-6-268,-14-10 772,7 16-593,-16 4 0,4 3-90,-6 4 0,0 3 1080,0 6-1080,0 2 1015,-13 8-1015,10 19-90,-22 20-90,22 12-1262,-8 12 1082,11-8-360,0-10 1,0 1-91,0 23-135,0-10 1,0 0 944,0 7 0,7-22 0,4-1 0,11 14 0</inkml:trace>
+  <inkml:trace contextRef="#ctx0" brushRef="#br0" timeOffset="-107901.73">19208 5323 10951,'-15'-41'180,"2"8"-180,13-3 0,0 7-900,24-16 450,14 10-1781,-4 5 0,4 1 1871,-7 12 1,0 2-181,4-5 0,-2 0 642,16-4 0,0 2 1,1 1-1</inkml:trace>
+  <inkml:trace contextRef="#ctx0" brushRef="#br0" timeOffset="-107746.73">19850 4747 10231,'-21'13'-90,"-7"3"-270,26 18-89,-9-8-91,11 5-180,0-8-539,0 0 1259,0-2 0,0-2 0,0-2 0</inkml:trace>
+  <inkml:trace contextRef="#ctx0" brushRef="#br0" timeOffset="-107563.73">19765 4195 10771,'-11'-29'-180,"-5"3"270,15 10-90,-10 4-1619,10 5-630,-2 20 2249,23 14 0,-14 11 0,14 7 0</inkml:trace>
+  <inkml:trace contextRef="#ctx0" brushRef="#br0" timeOffset="-107217.73">20177 5068 10681,'2'3'180,"1"0"-270,1-3 90,1-17 90,8-11-180,-1-9 180,7-8-1194,-4 6 1014,5-4 180,-1-4-90,3-2 0,-1-3-90,-1-2 0,-1-3 90,-3-2 0,-3-2-45,-7 15 0,-1-1 45,-2 12 0,-1-1 45,1-24 0,-2 0 135,-1 25 0,0 2-45,1-9 0,-2 0-187,-18-19 52,14 21 630,-25 0-630,27 54 180,-16 47-225,17-27 0,1 3-99,-3 12 0,0 2-126,4 0 0,0-2 90,0-10 1,0 0-631,8 26 1,4-1 404,-4-28 0,3-1 405,9 21 0,1-1 0,-2 0 0,-10-21 0,0 1 0</inkml:trace>
+  <inkml:trace contextRef="#ctx0" brushRef="#br0" timeOffset="-106886.73">20637 4814 10951,'23'-9'-990,"7"1"900,11 8 0,-3-14-89,-4 11 179,-9-23 0,4 23 0,-12-30 359,-8 19-89,-2-28 90,-7 20 90,-22-13-91,16 18-89,-33 1 360,20 9-630,-17 4 0,17 25 0,-7-16 45,23 24 0,3 7-135,-10-7-315,6 14 0,8 3-134,20 1 44,-14-14 0,3-1-944,21-2 0,6-3 1135,-11-7 0,1-1 0,13 7 0,2-2 1,-8-11-1,0 1 0</inkml:trace>
+  <inkml:trace contextRef="#ctx0" brushRef="#br0" timeOffset="-77697.73">9193 6778 9152,'-5'-6'989,"0"1"-629,2 0 270,-3-2-450,4 2 179,-2-3-359,3 5 630,1 0-450,12 18-180,-10 9 0,22 11 0,-21 6 0,20-7 90,-13 2-180,9 0 90,5 13-90,-4-12-270,-2-9 0,2-1 180,6 1-449,8 6-181,-9-14-89,1-3-91,0-2-359,0-3 1349,0-3 0,-2-3 0,1-1 0</inkml:trace>
+  <inkml:trace contextRef="#ctx0" brushRef="#br0" timeOffset="-77402.73">9515 6842 8792,'-12'-2'810,"-2"1"-451,-8 0-179,3 1 90,-17 16-360,14-12 180,-9 30-90,9-19 0,1 18 0,-2-7 0,-6 20-270,6-12 45,4-2 0,1 0-134,-2 6-226,5-7 0,1 1-314,-2 3 899,0 8 0,9-15 0,1-2 0</inkml:trace>
+  <inkml:trace contextRef="#ctx0" brushRef="#br0" timeOffset="-77117.73">9317 6718 9422,'0'39'359,"0"-7"-359,0 3 0,0-6-90,0 17 90,0-9-179,0 25-91,0-26-180,0 11-90,0-17-179,0-1-541,0-3 1260,0-1 0,0-3 0,0-1 0</inkml:trace>
+  <inkml:trace contextRef="#ctx0" brushRef="#br0" timeOffset="-76915.73">8978 7115 8972,'-1'-9'0,"17"0"0,-12-1 0,33 1-360,-32 1-180,43-1 540,-7-2 0,12 4 0,3-2 0</inkml:trace>
+  <inkml:trace contextRef="#ctx0" brushRef="#br0" timeOffset="-76152.73">9237 6531 7713,'-18'-9'179,"3"1"-89,-3-1-90,3 0 0,-3 2 90,-6 0-90,3 4 90,-15-1 0,12 4 0,-9 14 0,8-10 0,-2 25 0,0-25 0,-16 43 0,12-25 0,3 10 0,0 2-1359,-2 3 1359,-10 13 90,15-12-426,1 0 246,2 2 90,-5 17 90,10-11-135,6-9 0,1 0 45,3 8-90,0 11 90,6-17-90,1-1 45,7-5 0,5 0-45,13 8 45,-1-3 0,4-3-45,17-4 45,-11-7 0,2-1-45,12 0 0,-15-9 0,1-1 0,16 1 90,5-5-90,0-2 45,-14-5 0,2-1-45,23 0 45,-12-8 0,1 0-45,-22 6 0,0-2 45,21-10 0,-2-3-45,11-6-802,-24 7 0,-1-2 712,13-16 180,-2 5-90,-2 0 0,-16 6 0,-1-2 0,14-12 0,-12 4 0,-2-2 90,2-7-135,-12 5 0,-2-2 638,-5-8-593,-1-16 90,-10 16-270,-2 0 270,-21-1-135,6 14 0,-3 0 90,-4 8 0,-3 0-90,-12-15 0,-3 3 0,13 16 0,-3 3-135,-25-11 1,-3 4-311,20 13 1,0 3 219,-12-2 0,-4 2-495,-3 5 1,2 3-1,11-1 1,1 3 764,-14 10 0,1 1 0,18-10 0,2 2 0,0 7 0,0 1 0</inkml:trace>
+  <inkml:trace contextRef="#ctx0" brushRef="#br0" timeOffset="-72884.73">11450 6851 9422,'-17'-7'989,"4"1"-629,13-1-90,-9 2 0,7-3-91,-7 1 1,0-1-90,7 1 90,-7 0-180,2 0 90,6 1 0,-12-3-180,9 6 90,-7-2 0,3 5-90,-12 19 90,3-14 0,-9 39 0,-5-3 0,8 11 0,6-16 0,1-1 0,4 5-180,1 17 0,10-30 90,21 1-89,-15-14-271,35-7 90,-8-3 180,10-4-90,7-16-3571,5-11 3481,-11-10 225,-15 15 0,0 0-256,8-16 121,-3-4 90,-4-3 135,-11 9 0,-3-1 45,6-24 270,-8 8 0,-2-1-225,-7 21 0,-1-1 134,0-22 1,0 2-367,-3-9 322,1 26 0,-2 0 225,-16-19-270,12 18-90,-25-2 0,27 21 0,-11 7 3420,14 2-3330,0 25-90,0 16 0,0 13 0,0 9 0,0-6 0,7-9 0,0 2 20,-4 21-20,10-8 0,2 0-1000,-2 9 955,-4-23 0,0 0-225,10 13-250,-17-3 160,18-3-809,-9 12 539,4-17-1349,3 18 1979,-8-32 0,2 2 0,-3-14 0</inkml:trace>
+  <inkml:trace contextRef="#ctx0" brushRef="#br0" timeOffset="-72699.73">11945 6905 8612,'7'0'180,"-1"20"-180,2 1 0,0 3 90,4 13-180,-2-22-90,5 17-90,-1-11-449,12 5-1,-5-14 720,18 10 0,-14-20 0,9 5 0</inkml:trace>
+  <inkml:trace contextRef="#ctx0" brushRef="#br0" timeOffset="-72352.73">12288 6905 9781,'0'-15'540,"-14"5"-270,10 3-270,-11 25 0,15 3 0,0 25 0,0-9 0,0-1-90,0-11-180,15-2 0,2 4 180,1-8-179,10-4 89,-24-4 90,26-9 90,-11 3-90,7-5 90,-3-20 90,-6-6 90,-5 1 449,1-31-269,-10 37 90,0-37-450,-3 29 360,0 0-271,0 31-178,0 16-1,0 15-180,0 3-90,0-9-180,0 2-179,21-1-1440,5 5 2159,12-9 0,0 2 0,-9-13 0</inkml:trace>
+  <inkml:trace contextRef="#ctx0" brushRef="#br0" timeOffset="-72102.73">13017 6851 10051,'-53'0'1260,"12"0"-1081,4 0-89,12 18 0,3-14-90,-4 29 0,9-12 0,3 18 0,9-8 0,5 0-90,0-11 0,25-2-89,-19-1-91,45-4-180,-30-1 90,25-6-539,7-2 269,-11-4-405,-7-7 1,-2 0 1034,4 3 0,4-23 0,-16 10 0</inkml:trace>
+  <inkml:trace contextRef="#ctx0" brushRef="#br0" timeOffset="-71452.73">12742 6922 9062,'-15'-6'270,"-1"-1"0,-10 0-1,3 1 451,-24 2-450,15 2-90,-28 23-90,22-16-1738,-12 36 1738,18-36-90,1 38 0,7-25 601,0 31-511,14-22 182,1 19-272,28-23 0,14 12 0,12-20-90,11-2 45,-19-11 0,0-1-422,27-1 332,-8-9 0,0-1 90,-22 8 0,-1-1-180,21-14 1,-2-5 313,1-5-134,-20 10 1,-3-3 133,8-31-89,-17 21 450,-3-21-360,-15 23 1185,-29-15-1365,19 21 180,-39-3-85,40 14 85,-35 2 0,36 5 0,-32 1 411,20 3-411,-2 17-90,6 5 0,13 20 0,17-8-90,10 10-180,8-17-180,-7-6 1,0-1-361,8 2-45,-4-6 1,1-1-675,7 0 1349,11 1 1,-17-10 0,-2 0-1</inkml:trace>
+  <inkml:trace contextRef="#ctx0" brushRef="#br0" timeOffset="-71135.73">12220 6487 8792,'24'-22'180,"13"1"-90,-32 4 0,31 1 180,-17 4-180,14 5-90,-16 24-180,3 27-450,-18 3-405,-7-7 1,0-1 1034,1 4 0,-14-13 0,-3-2 0,-6 13 0</inkml:trace>
+  <inkml:trace contextRef="#ctx0" brushRef="#br0" timeOffset="-70879.73">11290 6469 9602,'-10'-11'359,"4"-1"-179,2 0-180,4-3 0,45-15-270,-10 6-2201,19 1 0,6 2 2471,-23 7 0,0 2 0,17-3 0,0 1 0,-13 6 0,0 0 0</inkml:trace>
+  <inkml:trace contextRef="#ctx0" brushRef="#br0" timeOffset="-70183.73">14480 6813 11041,'-16'-6'809,"-2"3"-719,-23 1-90,9 2 90,-4 19-90,7-15 0,0 38 0,1-23-90,2 21 0,4-9-270,4 1-1079,9 13 270,3-12 1169,30 19 0,-18-27 0,17 6 0</inkml:trace>
+  <inkml:trace contextRef="#ctx0" brushRef="#br0" timeOffset="-69784.73">14975 6886 10861,'-26'-6'989,"4"1"-629,-41 3-360,23 1 0,-15 1 0,18 0 0,3 18 0,-6 0 0,14 4 0,3 6-180,16-8 90,7 14-90,23-5 90,-17-6-90,25-12 1,5-3-91,-8 2 180,11-4 0,3-2 0,-2-2 90,26-2 0,-33-20 0,6 15 180,-21-29 539,-1 13-449,-10-15 0,-1 2-270,-6 5 0,-15 14 0,11 2-90,-12 31-270,16 0 180,0 29-359,0-11-271,25-1-179,-19-11-271,44-4-808,-28-8 2068,25 6 0,-5-15 0,1 8 0</inkml:trace>
+  <inkml:trace contextRef="#ctx0" brushRef="#br0" timeOffset="-69599.73">15643 6862 10591,'-51'0'1169,"3"16"-1169,0 2 0,16 19 0,12-8-90,13 1-269,7-7-91,0-2-1259,25 5 719,10-9 990,-2-8 0,3-2 0,20-2 0,4-5 0</inkml:trace>
+  <inkml:trace contextRef="#ctx0" brushRef="#br0" timeOffset="-69435.73">15908 6041 10411,'-54'-13'0,"0"3"90,9 8-1310,-2 20 680,-4 1-719,0 22-990,1 2 2128,26-17 1,2 1 0,1 2 0,2 1-1,1 1 1,-1 0 0</inkml:trace>
+  <inkml:trace contextRef="#ctx0" brushRef="#br0" timeOffset="-68929.73">16722 6731 11221,'11'43'179,"-2"-8"-179,-9 21 90,0-18-90,0 16 0,0-15 0,0-2 0,0 10 0,0-14 0,0 9 90,0-24-270,0-3 1,20-28-271,-15-17-180,12 0 1,3-2-91,2-23-719,-3 14 0,2 2 1157,9-6 1,-1-10-1,-11 23 1</inkml:trace>
+  <inkml:trace contextRef="#ctx0" brushRef="#br0" timeOffset="-68635.73">17323 7093 9512,'10'4'0,"-1"-1"0,2-3 0,7 0 0,-3-21 0,12-5 0,-12-12 0,5 1 179,-9 10-179,-5-1 90,-3 2 0,-3 1-90,0 3 180,0 2 0,-17 0 90,-7 10 90,-18 2-270,-1 27-90,5 10-90,15 10 90,9 20-360,14-21-315,-3-4 1,6-1-136,24 6 810,-9-9 0,4-1 0,34-1 0,-27-11 0,0 0 0</inkml:trace>
+  <inkml:trace contextRef="#ctx0" brushRef="#br0" timeOffset="-68252.73">18192 6830 10411,'-26'-16'810,"20"3"-631,-46 5-89,31 5 0,-27 2 90,12 1-90,-1 14-90,-13 9 0,15 9 0,-6 17-90,18-16-641,12 8 461,3-11-270,8-4 180,22 0 91,-17-4-181,43-3 180,-26-4-180,43-7 450,-24-3 0,-5-3 0,1-4 0,2-21 540,21-5-90,-33-13-90,3 2 539,-18-3-449,-5 10 89,-4-16-539,-3 23 642,-20-1-642,16 12 0,-31 7 0,31 21 0,-12 5 0,6 41-270,7-12-315,-5 1 1,-1 1-646,8 15 105,-3-8 1,1 0-1721,3 9 2845,0-23 0,0-1 0,0 13 0,0-3 0</inkml:trace>
+  <inkml:trace contextRef="#ctx0" brushRef="#br0" timeOffset="-67751.73">18447 7276 9781,'9'-20'0,"-1"-1"0,4 1 0,5-13 90,1 9-270,14-21 270,-11 20-90,15-19-90,-17 19 180,6-8-90,-10 10 0,-2 2 180,-2 0 270,-1-5-450,-2 8 90,-3-6-90,-3 15 450,-2 0-450,0 25 0,0 8 0,0 28 0,0-5 0,0-12 0,0 0-151,0 9 61,0 11 0,0-20-90,17-5-90,-12-2-90,26 1 91,-7-13 89,16 0 180,-4-13-90,6-23 90,-17 16 90,4-39-90,-12 24 359,-3-20-179,-4 7 450,-4-16 0,-4 10-91,-1-22-539,-1 29 0,0-10 90,-15 25 151,11 24-241,-11 21-180,15 18-180,0 2-348,0-7-11,17 1-1350,-9-6 0,3 0 2069,29 8 0,-25-11 0,1-3 0,17-3 0</inkml:trace>
+  <inkml:trace contextRef="#ctx0" brushRef="#br0" timeOffset="-67417.73">19373 7149 10951,'-22'-12'0,"4"1"0,18 5 0,0 1 0,17 0 0,-12 2 0,52-5 0,-31 2-844,37-4 754,-25 2 0,3 0 90,-2-1 0,9-5-90,-15 2 180,8-10 0,-27 9 0,-2-11 0,-12 12 844,-21-5-485,-12 6-449,-9 6 270,-21 0-270,25 4-723,-13 1 723,18 21 90,5-16-258,10 23 1,2 5 77,1-11-135,5 11 0,3 2-224,7-5-1081,26 19 631,11-22-1578,16 5 2477,1-15 0,-8-3 0,1-3 0</inkml:trace>
+  <inkml:trace contextRef="#ctx0" brushRef="#br0" timeOffset="-67085.73">20150 6785 10771,'-14'-20'180,"10"3"-180,-10 2 0,-2 2 90,12 5 90,-20 2-180,21 29 0,-5 7 0,8 14 0,18 16 0,4-21 0,-2-4 0,1 0 90,1 6-135,-3-8 0,0-1 135,1 5-90,2 6 0,7-16 269,-26-5 1,18-3-180,-15-2-90,2-6-629,-4-2-541,-28-7 451,-4-16-1,-15 10-179,4-25-271,11 26 1170,1-30 0,13 16 0,3-16 0</inkml:trace>
+  <inkml:trace contextRef="#ctx0" brushRef="#br0" timeOffset="-66851.73">20465 6633 10771,'9'0'1439,"-3"15"-1349,-4 6-90,-2 11 0,0 3 90,0-4-180,0 5 90,0 1 0,0 2-180,0 1 0,0-2-719,0 16 269,0-16-629,0 19 719,0-26 0,0 2-179,12-14-630,-9-4 1349,10-2 0,-13-5 0,0 0 0</inkml:trace>
+  <inkml:trace contextRef="#ctx0" brushRef="#br0" timeOffset="-66734.73">20315 7054 11221,'0'-28'269,"0"0"-269,20-15-90,17 10-1475,-2 5 0,4 1 1115,-4 11 1,1 1-361,6-4 1,0 2 809,-9 5 0,0 3 0,1 1 0,1 1 0,0 0 0,1 0 0</inkml:trace>
+  <inkml:trace contextRef="#ctx0" brushRef="#br0" timeOffset="-65202.73">21405 7178 9961,'23'-15'540,"18"11"-450,-36-32 90,42 18-1833,-27-22 1563,22 7 180,-10-3-90,-1-5 90,-2-3-90,-2-2 0,-3-4-90,-5 0 90,-1-3 0,-6-2 0,-3-2 45,-6 17 0,-1-1 134,0-20-89,-2 15 0,1 1-90,-1 1 450,-19-13-360,15 38 197,-28 17-197,28 17 0,-17 43-180,19-10 180,-7 2 0,1 2-540,6-17 1,2-1 359,-5 12 0,1 0-359,4 20-91,0-5-450,9-18 1,5-1-450,12 19 1439,-13-23 0,2-2 0,32 9 0,-15-4 0</inkml:trace>
+  <inkml:trace contextRef="#ctx0" brushRef="#br0" timeOffset="-64881.73">22102 7185 10681,'17'-23'0,"-13"-8"0,34 28 0,-5-28 0,9 7-628,3-9 448,-17 2 180,1 9 0,-5 0 86,3-9-86,-14 9 0,0-16 0,-13 18 179,-19-9 1,14 18 180,-37 0-270,12 10-90,-12 18 180,-10 7-180,33 9 90,-18 16-180,34-18 180,-11 11-87,14-14-273,0 1-270,17 0-269,-13-3-91,36 0-89,-20-3 989,38 3 0,-20-8 0,13 2 0</inkml:trace>
+  <inkml:trace contextRef="#ctx0" brushRef="#br0" timeOffset="-64515.73">22675 6945 10411,'0'31'180,"0"6"-180,0-6 0,16 4 0,-12-10 0,13 1 0,-6-2 0,-8-3 90,8-2-90,-3-4 180,-6-3-270,6-3 0,-8-22 90,5 12 0,-2-37 0,9 4 0,-4-9-980,5-7 1070,-3 15-90,2 0 0,-1 3 270,4-4-180,-4 14 0,6 3-90,-8 15-90,6 19-180,-6-11-90,2 33-359,-4-18-91,-1 19-179,1-5 989,-4 14 0,0-12 0,-2 11 0</inkml:trace>
+  <inkml:trace contextRef="#ctx0" brushRef="#br0" timeOffset="-64295.73">22088 6675 9871,'-2'-21'90,"1"-8"-90,24 8-90,7-14-539,15 16-1776,-3 0 1146,-8 13 1377,-3 3 1,1 3 0,-2 0 0</inkml:trace>
+  <inkml:trace contextRef="#ctx0" brushRef="#br0" timeOffset="-63601.73">24163 6851 10681,'-22'-21'270,"-16"1"-90,32 0-180,-39 2 180,24 2-180,-38 4 89,17 5-44,7 2 0,0 6-135,-7 22 90,9-10 0,3 3-89,1 25-869,-2-2 958,23-8-120,4-1 120,4 2 0,43 10-90,-14-9 0,14-7 1,4-3 179,5 3-135,-6-5 0,0-2 135,6 1-90,-20-8 0,0 0 179,14 6-179,-18-7 0,1 2-269,-21-7-1261,-28-3-898,-26-1 2428,-2-2 0,5 0 0,29 0 0</inkml:trace>
+  <inkml:trace contextRef="#ctx0" brushRef="#br0" timeOffset="-63265.73">24610 6918 11490,'0'-9'0,"0"1"0,-13 1 270,9 2-270,-9 20 0,30-11 0,-13 34 0,34-11 0,-33 9-90,33 12 180,-18-23-90,1 8 90,16-11 0,-25-10-90,24 3 0,-19-15 0,11-17 0,-11 12 0,5-42 0,-6 25-180,-3-24-180,1 7-269,-5-2-980,1-3 439,-3 2 1105,2-14 0,-3 17 0,3-9 1</inkml:trace>
+  <inkml:trace contextRef="#ctx0" brushRef="#br0" timeOffset="-62884.73">25582 7076 10681,'20'11'719,"3"-2"-719,14-9-539,0 0-271,-6 0-1438,23 0 266,-9 0 1487,14 0 0,-15 0 0,-1 0 0</inkml:trace>
+  <inkml:trace contextRef="#ctx0" brushRef="#br0" timeOffset="-62534.73">25745 6954 9871,'-7'-13'900,"2"0"-720,4 2-90,1 0 180,0 0-181,20 2-89,-15 0 0,37 2 0,-22 1 90,23 3-90,-6 0 0,25 3 0,-13 0 0,-7 9 0,0 2-1211,6-6 1211,-19 12 0,0 2-473,21 5 473,-16 8 0,13 11 0,-28-16 90,0 17-180,-15-17-82,-2 6 82,-2-11-359,-27-1-271,20 0-269,-47-2 89,34-2-629,-24-1 1529,12-2 0,2-1 0,1-1 0</inkml:trace>
+  <inkml:trace contextRef="#ctx0" brushRef="#br0" timeOffset="-61252.73">27198 6935 10951,'-17'18'360,"-5"13"-360,20 9 0,-5 7 89,7-7-805,0 2 356,0 1-123,0-1-1406,0 12 360,0-14 1440,0 5 1,0-18-1,0-3 1</inkml:trace>
+  <inkml:trace contextRef="#ctx0" brushRef="#br0" timeOffset="-61050.73">27148 6677 10681,'0'-11'-720,"0"1"271,0 1-901,0 3 1350,16 2 0,2 1 0,15 3 0</inkml:trace>
+  <inkml:trace contextRef="#ctx0" brushRef="#br0" timeOffset="-60618.73">27675 7094 10501,'0'7'90,"-14"2"-90,10 1 270,-10 11-270,14-4 90,0 20-90,0-12 0,0 20 0,0-19 0,0 9 0,0-6 0,12-8 0,-9 5-90,9-15-900,-12-1 361,7-7 359,2-19 90,5 12 0,9-47 180,-4 28 45,0-10 0,-1-1 135,6-4 0,-2 7 0,-1 2 90,0-2-1,9-5 181,-16 19 90,-3 9-270,-1 2-180,-5 6-180,2 0 90,-3 0 90,3 20-90,-3 7-360,6 26-360,-4-9-1079,5 16 270,-2-26 1392,4 11 1,0-19 0,3-1-1</inkml:trace>
+  <inkml:trace contextRef="#ctx0" brushRef="#br0" timeOffset="-60185.73">28487 7107 10951,'-19'-12'449,"15"2"-269,-34 4 0,14 3-180,-20 17 90,4 9-180,16 8 180,-1 4-180,22-7 90,-6 0-90,9 1-180,0 9 91,25-11-271,6 9 270,13-24-360,11 5 360,-21-16 90,21-17 0,-25 10 90,6-40 0,-11 7 0,-9-13 45,-8 12 0,-3 0 45,-1-14-702,-4 16 0,0 1 1061,0-19 181,-17-3-180,13 2-475,-13 17 1,0 0 294,12-14-564,-10 15 0,-1 2 294,13 6 539,-11-2-539,14 43 1230,0 19-1140,0 15-90,15 11 0,-11-6-225,9-10 0,2 1 374,2 23-734,-2-9 1,0-1-233,2 9 277,-3-23 1,0-1-720,-2 11-810,13-3 2069,-8-2 0,0-5 0,1-2 0</inkml:trace>
+  <inkml:trace contextRef="#ctx0" brushRef="#br0" timeOffset="-59847.73">28970 7365 11400,'0'-15'-89,"0"-2"89,0 6 89,0-1-178,24 3-91,-18 1 0,45-1-270,-13-3 270,16 3 0,-18 1 0,-1-1-45,6 0 225,11-3-90,-24 5 0,-4-2 90,-6-1 0,-9-1 0,0-1 180,-8 0 585,-15-6-675,10 4 450,-36-7-360,8 12-91,-25-1 1,11 8 0,5 1 180,17 1-270,0 14 0,12 4 0,0 21-180,12-9-90,19 3-179,-14-10-271,42 2 91,-25-2-361,26-1 990,9 5 0,-12-8 0,15 3 0</inkml:trace>
+  <inkml:trace contextRef="#ctx0" brushRef="#br0" timeOffset="-59647.73">29485 7160 11221,'0'-12'269,"0"3"-269,0-2 90,0 6-180,22-2 180,7 6-270,14 17-269,-2-12-541,-8 22 1,0 3 179,8-8 810,2 10 0,-2 1 0,-2-4 0,13 6 0</inkml:trace>
+  <inkml:trace contextRef="#ctx0" brushRef="#br0" timeOffset="-59443.73">29867 7056 10951,'-21'-13'449,"2"2"-449,9 2 0,-7 4 0,9 3 0,-7 0 0,3 21 0,3-14-630,-3 30 1,2 9 0,-4-8-631,3 16 1,1 2 1259,4-3 0,1 12 0,5-22 0</inkml:trace>
+  <inkml:trace contextRef="#ctx0" brushRef="#br0" timeOffset="-59201.73">30297 7343 6004,'0'19'0,"0"-3"0</inkml:trace>
+  <inkml:trace contextRef="#ctx0" brushRef="#br0" timeOffset="-58545.73">30590 7115 11311,'1'37'449,"0"-4"-359,-1 5 0,0-3-180,0 6 180,0 2-90,-1-9 0,2 0 0,14 18 0,-14-9 0,2 0-436,25 4 346,-26 10 269,10-23-179,-4-7 18,-5-3 72,9-2-90,-11-8-270,4-3 0,-5-24 0,0-11-89,0-32 89,0 7 135,0 7 0,0-2 45,0-13-637,0 16 1,0 0 726,0-20 0,0-2 0,14-1 0,-11 2-1021,11 2 1111,-1 6-534,0-8 534,2 22 55,3-7-145,-5 32 180,9 3-90,-4 11 1210,-1 23-1300,-6-17 1187,0 41-1187,-4-26 0,-1 38-90,-4-23-810,1 24 271,-3-28-1620,0 12 2249,-16-24 0,12-3 0,-11-12 0</inkml:trace>
+  <inkml:trace contextRef="#ctx0" brushRef="#br0" timeOffset="-58118.73">31182 6385 11311,'7'0'629,"0"25"-449,-2 5 90,3 36-270,-6-12-1166,3 9 1166,-4-12 0,0 1 0,-1 2 45,0-17 0,0 2-135,1 18 45,0-11 0,1-2-45,1 4-90,0-14 0,0-1 0,2-2 463,-1 3-553,1-15 193,-2-10-103,3-1 180,-1-7 90,4-19 691,0-8-242,5-23-179,-3 8-180,1 0 0,0 14-180,-4 1 90,1 13-90,-4 1 0,-2 34-90,2-16-180,-5 42 0,4-27-180,-3 24-449,2-10 89,0 0-1438,6 11 2248,-2-13 0,4 5 0,-3-16 0</inkml:trace>
+  <inkml:trace contextRef="#ctx0" brushRef="#br0" timeOffset="-57715.73">31550 7161 11400,'0'7'450,"0"11"-450,0 17 0,0 4 0,15-9 0,-11 1 0,10 0 0,0 12 0,-2-13 0,3 16 90,0-25 0,-14 7-360,4-17 180,-22-19 0,-1-15 90,-17-28-90,17 5 45,6 9 0,1-1-505,9-14 550,-2 18 0,-1-3 0,5-2 0,0 2 90,0-21-90,7 11 0,3 2 0,9-1 8,0 13 0,1 3-8,0 3 180,30 0-1,-32 19-89,27 5 0,-13 20 0,-9-13-180,8 34 180,-19-10-450,-2 22-89,-7-9-721,-3-1 1170,-26 0 0,-12-8 0,6-12 0,-1 0 0</inkml:trace>
+  <inkml:trace contextRef="#ctx0" brushRef="#br1" timeOffset="-155449.46">10907 11025 4336,'0'0'0</inkml:trace>
+  <inkml:trace contextRef="#ctx0" brushRef="#br1" timeOffset="-154505.46">8978 8738 6405,'-12'8'4552,"-1"-6"-4615,2 6 1979,2-8-2999,5 6 2759,25 1-1718,-16 4 1463,44 2-1030,-23-1-566,25 3 332,-17-3 0,0 1-805,19 10 953,-19-8 0,0 0-1538,13 9 982,-5-1-1364,-4 2 1629,-5-2-320,-4 0 308,-5-1 204,3 5 1,-11-9 0,3 4 0</inkml:trace>
+  <inkml:trace contextRef="#ctx0" brushRef="#br1" timeOffset="-154276.46">9525 8618 6495,'-8'-16'9342,"1"2"-6187,7 5 89,-5 2-3473,1 5-537,-6 0-682,2 2-79,-4 20 3575,-1-15-3515,-16 54 1376,6-31-452,-1 12 0,0 4 747,-4 4-139,4-6 0,-1-1 973,-2 7-1037,6-9 0,0-2-1777,0 2 2132,-5 8 1,14-23-1,1-2 1</inkml:trace>
+  <inkml:trace contextRef="#ctx0" brushRef="#br1" timeOffset="-154055.46">9123 8522 7934,'0'52'9830,"17"-6"-5020,-12 6-4107,11-16 1,1-1-564,-13 21-176,10-6 1,2-1-661,5 6 337,-13-19 0,2-1 1513,24 7-1410,-22-1 0,14-5 0,-9-2 0</inkml:trace>
+  <inkml:trace contextRef="#ctx0" brushRef="#br1" timeOffset="-153887.46">8972 9117 5416,'0'-12'9830,"26"-2"-9400,-3 3-1828,29-3 158,-16 2 1,0-1 1098,26-6 1,-19 6 0,0 1 0,21-5 0</inkml:trace>
+  <inkml:trace contextRef="#ctx0" brushRef="#br1" timeOffset="-153419.46">9243 8343 4606,'-51'-11'1801,"-1"3"-1406,0 5-589,-1 1 156,-2 2 71,2 0-23,0 25 1012,-1-4-492,29 1 1,1 2 710,-27 15-645,19-5 1,2 2 215,8-6 1,1 1 176,-5 10 0,4 4 227,7 7 1,4-1 133,4-10 1,2 1-691,-1 5 1,2 4 0,3-4 316,9-4 0,2-1-568,-1 4 1,0 4 0,3-5 82,7-5 0,4-1-412,6 9 1,5 6 0,-2-7-53,-3-11 0,2-2-331,9 6 1,6 2 0,-3-7-429,-8-13 1,1-4 9,5 0 1,4-1 0,-3-4-493,-3-5 1,-1-3-30,14 3 1,-1-6 99,-15-9 0,-2-4 325,2 2 0,-1-3 309,0-7 0,-1-5 289,14-9 1,-1-3 205,-14 9 1,0-4 263,-1-5 0,0-4 0,-4 1 468,-7 3 1,-4-2-7,-2-5 0,-2-5 0,-3 4 532,-3 2 0,-5 2-39,-10-15 1,-2 1-191,10 16 0,-5 2-523,-22-1 1,-4 2-182,15 0 1,-1 1-312,-15 2 1,-4 3-444,6 0 0,-1 2-268,0 2 0,-4 3-1224,-18-4 1,-3 3 1578,13 8 1,0 2-1,-16-2 1,-1 3-1,18 8 1,0 1-1</inkml:trace>
+  <inkml:trace contextRef="#ctx0" brushRef="#br1" timeOffset="-150191.46">11117 9137 4876,'-31'26'5708,"-1"1"-3880,5 0-585,1 0-357,6 0-21,5-1-82,7 0 106,4-3 1410,3-1-1486,1-4-197,26-3-828,-20-4 0,46-1 0,-19-3 0</inkml:trace>
+  <inkml:trace contextRef="#ctx0" brushRef="#br1" timeOffset="-149793.46">11537 9207 5686,'-34'0'1169,"15"18"2867,-14-13-4502,28 28 4221,-33-10-3582,20 7 1066,-4 9-342,9-14 657,13 11 1338,17-18-3158,-13 5 2348,35-12-4524,-34-2 3190,44-4-2666,-28-4-78,24-1-97,-14 0-889,9-15 2258,-12-1-320,3-19 2607,-12 18-1271,-10-15 2794,-2 14-526,-7-10 422,-17 6-2172,13 25-1188,-13 6-541,34 9-1459,8 10 2289,10-11 0,1 2 0,-8-5 0</inkml:trace>
+  <inkml:trace contextRef="#ctx0" brushRef="#br1" timeOffset="-149609.46">12240 9269 6225,'-44'0'1439,"-1"0"-1259,21 14 1879,-15-11-2194,35 22 3446,-28-22-4195,29 23 2784,-9-7-479,12 7 662,0 0-1260,18-11-2202,13 4 1481,9-11 0,6 6 0,-10-9 0</inkml:trace>
+  <inkml:trace contextRef="#ctx0" brushRef="#br1" timeOffset="-149442.46">12572 8639 7125,'-47'-14'2891,"1"5"-2631,-7 5-619,8 21-113,7-3 0,1 3-219,-6 24 293,15-16 1,3 2 743,-7 16 1,6 7 0,2 0 0</inkml:trace>
+  <inkml:trace contextRef="#ctx0" brushRef="#br1" timeOffset="-147808.46">13383 9144 6855,'1'42'9830,"0"-6"-3048,-1-1-4769,0-6-661,0 1-511,0 1-240,0 9-240,15-12 1763,-11 14-2256,27-23-1830,-27 4 1622,12-13-1647,-3-3-71,-9-1 957,16-5-1810,-11 1 1209,4-21 679,-1-3 2092,-6-2-953,-1-14 1595,-3 23 197,0-17-727,-1 11 1841,-1 1-372,0 1-1543,0 0 96,0 5-798,0 19-489,16 10-1750,-12 23 1100,27-7-2373,-15 12 1349,1-19 1425,15 16 1,-19-19 0,16 7 0</inkml:trace>
+  <inkml:trace contextRef="#ctx0" brushRef="#br1" timeOffset="-147493.46">13873 9246 6045,'-14'17'7870,"2"2"-4751,12 23 570,0-10-1476,18 2-2042,-13-8 665,13-1-1073,-4 1 2332,-10-2-982,20 1-1593,-21-6 227,15 1-1205,-16-7 2174,11 1-1796,-12-5 1879,10-3-1997,-8-3-75,4-2-427,0-19 1045,-1-12 989,6-27-1020,-3 6 498,-1 14 1,0 1-1263,1-5 1813,5-13 0,-4 24 1,1 1-1</inkml:trace>
+  <inkml:trace contextRef="#ctx0" brushRef="#br1" timeOffset="-147172.46">14398 9413 5056,'18'5'2326,"0"-1"-1544,12-4-1379,-8-16 2352,21-10-865,-18-7 632,10-8-462,-9 9 677,-2-2-73,0-3 130,6-19 591,-9 12-1608,-8 5 0,-2 0 1029,-2-8-902,-5 8 0,-1 0 541,-2-3-89,-1-9-169,-22 24-1400,16 5 690,-16 7-1057,7 5-812,11 25 1283,-20-12-2643,22 47 2726,-8 3-226,9-20 1,2 2 692,-3 6 1,4-1-672,20 21 528,-16 3-235,15-33 0,6 1-173,-4 13 1,1 0-1,6-10 1,1-1-1,6 10 1,-1-1-1</inkml:trace>
+  <inkml:trace contextRef="#ctx0" brushRef="#br1" timeOffset="-146409.46">16238 9232 6045,'-20'-14'5721,"0"5"-5054,-27 5-1593,15 24 1789,-16 9-278,23 11 161,9-10 0,2 1 571,3 7 1232,4 13-913,7-18 538,0-3 653,19-3-2112,-15-6 315,36-4-2539,-13-9-252,11-4-746,1-4-402,0-23 775,-7-9 1434,-8 0 1,-2-2 757,2-20-261,-9 22 0,-2 2 1901,-1-17 400,-2-4 557,-6-2-914,-2 11 0,-1 0-556,-1 9 1,0-1-39,0-25 1,0 1-409,1 23 0,-2 1-146,-7-28 0,-1 2-112,5 8-48,-6 6 1,3 18-557,7 29 274,0 23-151,0 21 0,0 17 0,0-8-77,0-10 1,0 0-4,0-10 1,0 1-233,0 22 0,0 0 271,0 7-814,0-14 1,0-2 134,0 5-89,8 8-80,-6-26-662,6-6 1505,-8-4 0,0-7 1,0-2-1</inkml:trace>
+  <inkml:trace contextRef="#ctx0" brushRef="#br1" timeOffset="-146292.46">16158 9138 6135,'0'-39'9830,"0"2"-3096,20 2-6784,-16 4 665,38 3-2622,-37 3 1909,42 4-2450,-26 4 2684,22 6 0,-8 4 0,0 4 0</inkml:trace>
+  <inkml:trace contextRef="#ctx0" brushRef="#br1" timeOffset="-145887.46">16955 9179 8024,'-43'0'360,"3"0"-360,13 0 0,-10 0 0,13 0 0,-6 13 956,14-9-766,7 27 2188,2-6-139,7 10 384,0-3 179,24-9-1693,-18-2 509,37 5-1752,-14-7 146,18 4-1932,-5-15-508,-4 0-324,-11-8-320,-4 0 1783,0 0-1049,-5-19 3250,-3 14-273,-3-32 1930,-7 12 372,-2-14-337,-3 3 738,-15 10-1734,11 32-196,-11 11-3087,29 31 2781,-10-11-3574,26 11 2278,-9-21 0,-1 6 1,-4-13-1</inkml:trace>
+  <inkml:trace contextRef="#ctx0" brushRef="#br1" timeOffset="-145537.46">17353 9272 6765,'0'9'9830,"0"7"-2197,0 27-5585,13-8-1906,-10 1 632,10-13-1160,0 0-193,-10-4 3215,19-2-4565,-13-3 650,0-2-334,2-5 298,-6-2 52,3-5-818,-1 0 20,1-20 1694,0 15 96,3-35 1230,3 10-474,-3-8 1086,6-8-711,-9 30 1601,3-14-73,-4 27-3908,0-8 2419,-2 11-3471,1 0 359,1 17 2009,6 8-512,-2 9-184,12 18-244,-7-21 26,20 23 1023,-10-26 0,12 6 0,-7-14 0</inkml:trace>
+  <inkml:trace contextRef="#ctx0" brushRef="#br1" timeOffset="-145193.46">18105 9299 7215,'-16'-6'3389,"12"-4"1883,-27 9-7117,28 14 4716,-11 12-2063,14 10 1152,0 2-602,0-6 1354,20 12-1566,-15-10-903,35 4 952,-34-14-1299,36-6-1388,-16-7-759,17-4-270,-8-6 259,-16-20 2649,-9-5-323,-10-19 1473,0 4-1007,0 8 1790,-15 15-1407,-1 30-740,-2 43 2096,6-1-2202,11-6 1,2 0-153,-1 0-1085,0-10 1,0 0 1169,0 0 0,0 4 0,0-19 0</inkml:trace>
+  <inkml:trace contextRef="#ctx0" brushRef="#br1" timeOffset="-144973.46">16983 8611 7035,'-43'19'3382,"7"-15"-3883,3 32 2947,18-13-865,2 9-408,13 1 27,26-7-2145,-4 1 1122,11-7 0,4 0 0,15 7 0,-16-9 1,0 0-1</inkml:trace>
+  <inkml:trace contextRef="#ctx0" brushRef="#br1" timeOffset="-144820.46">17493 8568 7305,'0'-8'9830,"0"0"-3727,22 3-10092,-17 0 2416,46 4-2100,-26 0 3293,32 1 0,-11 0 0,5 0 0</inkml:trace>
+  <inkml:trace contextRef="#ctx0" brushRef="#br1" timeOffset="-144372.46">19995 9078 7305,'-27'-19'4182,"3"2"-2447,0 3-1226,8 5-218,2 1-265,8 6-331,4 22 2263,2 9 883,16 12-2341,-5-10 0,3 0 637,21 10-833,-8-4 1,0 0 496,9 4-190,-7-7 1,-1 0 892,1-1-2181,-3 6-177,-7-20 9,-17-6 1280,9-1-999,-11-6 985,-26-2-2373,-6-2-705,-30-17 783,15 12-1136,2-11 2873,15 2 0,15 0 0,2-12 0</inkml:trace>
+  <inkml:trace contextRef="#ctx0" brushRef="#br1" timeOffset="-143671.46">20858 9167 6945,'11'-7'5644,"-4"0"-2567,-5 1-16,-2 1 91,-29 0-4829,-12 4 972,4-1 1,-3 2-590,-22 16 1785,0-12-1526,21 30 815,6-30-1980,7 34 759,3-12 2532,13 12 952,3 7 330,9-18-62,28 5-1148,-21-13-388,48-3-732,-31-2-1088,25-3-293,-11-4-990,0-4-336,13-2-271,-17-1 1914,16-18-37,-28-1 2221,-3-17 214,-13 6 674,-22 4-418,12 5 973,-24 11-2160,25 23 1740,-9 8-1257,31 22-852,2-5-548,20-1-1400,10-8 910,-15-14-981,16-6 1708,-31-9-1772,12-21 1512,-21 16 107,4-34 1408,-13 15 513,0-12 265,-3 4 791,-14 16-1320,10 22 750,-11 16-1360,15 19 1455,21-18-3004,-16 17 496,30-27-1907,-13 18 1036,7-19 105,-1 4 63,-7-15-666,-2 5-831,8-6 1059,-11 0-1014,9-18 3350,-17-5 354,2-21 1007,-7 9 111,-2-7 691,-1 19-551,0-4-332,0 42-89,0 10-1596,18 22-395,-8-12 0,1 0 0,11 14 0,-13-16 0,-1 0 0</inkml:trace>
+  <inkml:trace contextRef="#ctx0" brushRef="#br1" timeOffset="-143271.46">22690 8983 8474,'0'-14'9830,"16"3"-7813,-2 31-1712,13 32 263,-15 7-141,-6-21 0,-3-1 142,-3 12-120,4 0 409,-3-14 0,-1 1-1422,4 17 1015,-4-19 1,0 0-253,0 24 0,-17-16 1,-5 8-1</inkml:trace>
+  <inkml:trace contextRef="#ctx0" brushRef="#br1" timeOffset="-143159.46">22597 9567 5686,'0'-23'9830,"0"1"-5526,23-4-6489,-17-1 2051,42-3 0,-30-1 0,22-1 1</inkml:trace>
+  <inkml:trace contextRef="#ctx0" brushRef="#br1" timeOffset="-142439.46">23085 8920 7035,'0'57'9830,"0"-10"-3007,0 8-4595,0-7-999,0 5-821,8 4 1,0 2-266,-6-22 0,0 2-96,8 7 1,2 6 0,-3-6 2456,-5 19-2901,8-14 1,1-2-387,-1 0-226,0 16-70,5-39-1418,-15-1 2466,5-41-286,-3-17 753,0-1 0,0-1 129,6-25-116,-2 20 1,-1 0-351,2-2 146,1-10 1283,0 27-1965,-2 3 805,7 12-2089,-3 2 61,4 27 711,0-14-1173,2 40 1846,1-21-751,2 25 1104,-1-9-448,-1 2 778,-3-12 0,0-1 150,6 15-727,-2-11 1,2-2 1204,3-1-2057,9 4 420,-10-21-798,2-6-313,0-4-343,0-3-46,-2-19 1335,-1 14-449,7-53 1885,-12 31 111,-5-9 0,-3-2 1534,-4 0 319,-2-8 108,-4 18 421,0 7-1043,0 0 825,0 27-2111,0 13 162,0 18-501,0 7-301,0-5-95,0 16-278,21-14-1168,0 20 685,4-31-1064,22 2-274,-28-17 114,26-7-868,-12-3 63,-8-23 931,11-10 970,-19-11 1198,2-20 625,-13 19 933,-1-13-271,-5 19 1050,1 4-9,-1 4-885,0 7-610,0 32-714,18 13-1641,-14 20 422,31 0-1369,-31-12 663,33 1-1949,-21-3 2979,20-3 1,-10-2-1,1-3 1</inkml:trace>
+  <inkml:trace contextRef="#ctx0" brushRef="#br1" timeOffset="-142209.46">23903 9146 6135,'0'-7'9830,"22"3"-10030,11 1-1640,10 2 417,20 17 893,-25-13-578,10 34 1110,-19-21-146,-12 23-2702,9-7 3370,-22 5 0,12 4 0,-16 2 1</inkml:trace>
+  <inkml:trace contextRef="#ctx0" brushRef="#br1" timeOffset="-141276.46">25272 9430 6855,'16'-11'5346,"-12"1"-486,26 6-6540,-10 1 653,13 21 1351,1 14 408,-16 11 641,2 8 964,-19-8-1467,3-9 0,-1-1-273,-3 17 665,0-10 0,0-2 1476,0 1-1004,0 12-494,0-30-1274,0-1-1210,0-13 745,0-25 235,18-26-393,0-6 859,2 8 1,-1 0-704,0-4 145,-1 17 1,0 0-291,-4-6 476,15 4-960,-12 8 315,6 10-436,-9 7-223,8 23 550,-14-13-92,5 56 1799,-7-31-502,2 35 969,-3-25-117,1-1 448,-2-3-83,4 7-291,-1-14 252,2-5-2129,-3-7 63,3-13-2138,4 5 882,1-8-972,5-23 1674,3-8 336,-3-13 768,-4 13 0,-1 1 257,2-9-9,-4 8 0,0 0 1930,-1-3-664,1-4 1738,-3 17-2574,-4 6 235,4 7-1786,-5 18 1173,6 17-74,-4 9 173,3 7-108,-1-8-59,1 1 50,1-1-467,9 8 924,-6-12-1491,17 1-343,-13-15-284,8-9-907,-8-1 335,1-7-546,0-19 1532,-1 14-623,-1-37 1840,-2 22 591,4-37 408,-8 19 1734,4-24-666,-10 28 588,0-6-1316,-4 20 1640,0 5-2469,0 23 504,0 14-983,0 29-147,16-6-1046,-12 2-1048,25 0-497,-6-13 2119,8 8 0,6-20 0,-7-3 0</inkml:trace>
+  <inkml:trace contextRef="#ctx0" brushRef="#br1" timeOffset="-141075.46">26997 9527 7305,'0'-8'9830,"-23"3"-8896,4 2-2629,-22 3 187,9 13 1406,13 7 815,-8 9-709,25 13 2570,-10-12-5023,32 17 3270,-15-19 344,47 4-1018,-21-15 0,32-9 1,-9-2-1</inkml:trace>
+  <inkml:trace contextRef="#ctx0" brushRef="#br1" timeOffset="-140876.46">26453 10434 4966,'0'6'-167,"21"-2"1,5-3 0</inkml:trace>
+  <inkml:trace contextRef="#ctx0" brushRef="#br1" timeOffset="-140326.46">28458 9309 8294,'-52'-14'1773,"2"4"-1682,14 6 1,1 2-529,-15-1 284,11 8 1,3 5 492,1 16 729,-6 21 112,29-4 626,2 12 146,36-24-956,-19 6-508,30-25 0,6-4-267,-7 11-260,15-14 1,3-2-1119,0 5 475,-10-14 0,-2-2-1371,1 4-310,8-26 2100,-27 26-733,-12-27 3080,0 26-1414,-11-28 2497,3 14-411,-23-11-1088,-4 13-438,-20 7-1830,6 10 299,15 25-514,8-3 2231,4 25-1867,7 0 893,-7 4 276,10 10 102,-2-14 1,4 2 397,8-12 1,3 2 106,-3 27 0,1-2-783,2-26 1,1-2-311,3 11 0,-4-2-466,-9 10 212,23-4-563,-24-6 568,20 6-794,-21-20 540,8 7-1119,-10-27-157,-25 0 1182,1-25 1,-20-14-1,7-18 1</inkml:trace>
+  <inkml:trace contextRef="#ctx0" brushRef="#br1" timeOffset="-139976.46">29242 9611 7754,'0'-8'9830,"-17"3"-8818,-11-1-2638,-20 5 67,5-2 667,1 3 92,15 0 201,3 14 1609,2-11-3964,11 27 4569,1-15-195,31 14 285,14-6-728,12-11-462,8-4-229,-11-8-1296,20 0 712,-16-14-617,-14 6 0,-1-1-453,-3-9 479,-3-22 1713,-20 23 824,-7-23 1047,-27 9-1301,20 7-1200,-27 7 0,-5 2-623,13-1-412,-11 6 0,-2 4 636,8 1 0,-12 1 0,16 4 0</inkml:trace>
+  <inkml:trace contextRef="#ctx0" brushRef="#br1" timeOffset="-139687.46">30003 9488 7754,'-19'-11'4407,"14"-3"988,-36 12-7505,35-10 4344,-43 11-3507,29-4 884,-24 5-408,15 0 797,-9 22 78,8 5-982,6 14 2734,11-1-1747,13-10 2850,0 2-412,27-1-1047,-20-2 1062,51-2-2985,-33-5 215,28-3-1656,4-4-434,-16-8-1831,25-1 351,-37-6 981,0-15-305,-15 11 3499,-13-26 0,5 26 0,-6-12 0</inkml:trace>
+  <inkml:trace contextRef="#ctx0" brushRef="#br1" timeOffset="-139452.46">28978 9086 7664,'21'-16'5501,"-16"1"-613,37-2-5652,-37 0 3040,43-2-3079,-26 2 789,25-1-557,-13 5 1296,0 1-1420,-2 4-1469,0 2 1463,-1 3-2512,8 2 1559,-12 1-2319,12 21 4179,-22 1 1,3 3 0,-11-8 0</inkml:trace>
+  <inkml:trace contextRef="#ctx0" brushRef="#br1" timeOffset="-139275.46">30163 8624 8474,'0'-16'9830,"0"3"-6245,-20 7-7505,-14 3-368,-13 20 4160,-9-13 1,31 17 0,0 4-1,-29 11 1</inkml:trace>
+  <inkml:trace contextRef="#ctx0" brushRef="#br1" timeOffset="-138509.46">10502 11031 6765,'0'44'9830,"0"6"-5255,0 9-2977,-15 5-1605,13-29 0,0 1-428,-5 1 1,-1 0 524,7 2 1,2 0 0,-1 0 0,0 0 0,0-1 0,0 0 0</inkml:trace>
+  <inkml:trace contextRef="#ctx0" brushRef="#br1" timeOffset="-138175.46">10358 11383 7395,'0'-21'9830,"0"3"-2557,0 6-5225,0 4-730,20 4-4075,10 3 460,32 18 1003,-8 10 1725,-10-2 0,-1 4-1440,-16-7 0,0 2 132,20 12 1,0-2-19,-20-12 1,-2 0 45,8 6 1,-1-1 1859,6 8 333,-5-5-323,-7-2-38,1 0-656,-12-11-37,-1-1 78,-10-32 960,-21 12-2381,12-43 2224,-27 23-1817,29-26 1375,-25 8-2060,25-20 1432,-10 15 157,12 9 0,2 2 0,-1 0 0,0-8 0</inkml:trace>
+  <inkml:trace contextRef="#ctx0" brushRef="#br1" timeOffset="-137859.46">11490 11676 6495,'19'3'2636,"1"1"-2074,3-4-934,-5-17 2476,6-6-645,-12-12 748,5-15-445,-9 16 989,-2-25-187,-5 26 207,-1-10 391,0 13-1613,-19 8-1435,14 2 310,-30 13-2505,20 3-104,-3 23 873,-3 26 466,12 1 453,3-6 1,1 0-236,-2 2 896,18-7 1,1-1-1501,-6 3 2644,37 7-1122,-38-19-63,36-5-2756,-22-5 1994,18-4 0,-8-5 0,-2-3 1</inkml:trace>
+  <inkml:trace contextRef="#ctx0" brushRef="#br1" timeOffset="-137541.46">11875 11585 7215,'1'-10'9830,"1"2"-3850,0 8-9708,2 0 1582,0 14 3874,7 7-754,-2-3-286,9 33 1713,-8-32-3211,7 37 400,-10-33 2736,4 9 25,-7-23-2830,1 8 575,0-16-1756,-2 5 1339,5-26 422,0 15-1368,8-53 1379,-3 31-88,5-33 460,-3 24-465,-1 3 1872,0 3-1657,4-2-317,-4 16 569,10 0-1844,-9 16-1107,9 20 1012,-9-15-870,3 43 1408,-4-26-408,-3 23 403,1-10 1137,-2-1 0,0-1 0,-1-1 0</inkml:trace>
+  <inkml:trace contextRef="#ctx0" brushRef="#br1" timeOffset="-137309.46">11258 11086 7035,'0'-53'9830,"0"1"-6287,20 19 1,4 1-3551,7-17-142,13 10 0,5 2-197,-21 16 1,0 3-270,23-11 1,1 3-584,11 5 572,-10 9 0,0 3-3549,5 5 1729,-19 12 0,-2 4 2290,11 8 0,-4 26 0,-1-5 0</inkml:trace>
+  <inkml:trace contextRef="#ctx0" brushRef="#br1" timeOffset="-136776.46">14050 11402 7664,'-57'0'0,"4"22"2065,4-17-1563,21 21 0,1 4 1473,-9-7-1393,15 9 0,4 2 1040,6 2-123,5 7 319,34-11-341,10-13-1735,17-2-358,0-14-1051,-12-3 74,0-21 95,-2 16 700,-16-22 0,0-3-262,11 5 1009,-16-2 0,-3-4 1325,6-27 656,-13 10-491,-4 4 0,-3-2 1755,-3-10-1979,2 16 0,-4 0 1160,-21-17-1255,18-3-401,-15 30 1,0-1-156,9-12 0,3-1 85,-12-19-736,5 15 0,4 2-242,8 2 772,-9-9-606,12 36 997,0 23-305,19 28-789,-15 17 228,13-21 1,1 2-166,-7 12 0,-2 1 77,0-10 1,2 2-228,-1 6 1,0 6 0,-1-5 49,-1-3 1,0-1-175,-1 15 0,2-2-241,3-16 1,-2-3 344,-5 0 1,-1 0-886,11 30 1316,-2-7 0,-1-5 0,1-3 0</inkml:trace>
+  <inkml:trace contextRef="#ctx0" brushRef="#br1" timeOffset="-136342.46">14665 11495 8114,'0'-14'9830,"0"3"-5165,0 40-2887,0-11-999,19 18-1424,2-16-279,19-18-981,-7 6 2732,-13-28-2176,2 15-186,-20-35 1795,6 15-509,-8-10 1572,0 4 327,0 10 1593,0-1-548,-13 12-2845,10 16 1847,-9 27-2479,12 12 1391,18 12-1132,-13-7 295,12-10 0,3 1-679,7 19 465,-5-7 0,2-1 789,-4-23 0,0-1-446,3 19 1,-2-1-124,4 2-608,2 9 577,-18-25 76,5-7-289,-12-5-267,5-5-877,-28-8-864,-11-22 2325,1 0 0,-2-3 0,6-4 0,0-2 0,-2-2 0,-1 0 0</inkml:trace>
+  <inkml:trace contextRef="#ctx0" brushRef="#br1" timeOffset="-136192.46">14727 10876 7934,'51'-5'321,"-11"3"1,2 1-602,-9 0 0,1 1-720,27 7 1,0 1 31,-23-7 0,-2 1 1032,13 12 0,-1 0 1,16-11-1,-1 10 1</inkml:trace>
+  <inkml:trace contextRef="#ctx0" brushRef="#br1" timeOffset="-135534.46">13803 11123 8114,'17'-14'5857,"16"-2"-5366,-14-3 881,20-1-2119,-2-2-705,-5 5 0,3 0 1421,24-11 1,-18 11-1,0 0 1,-10 5-1,0 0 1</inkml:trace>
+  <inkml:trace contextRef="#ctx0" brushRef="#br1" timeOffset="-134808.46">16703 11221 6315,'-25'-9'2820,"19"1"1090,-41 3-4840,28 3 570,-37 1-383,17 26 1028,6-10 0,-1 2-72,-5 31 576,15-24 1,2 0-80,-5 14-751,9 0 1954,8-3 2,6 13 412,4-17-1049,28 7-870,11-27-1332,-1-4 0,2-6 109,-6-10 0,-2-2-57,5 10 0,-2-3 173,-8-19 1,-1-3-287,26 1 188,-28 1 1,1-5 434,5-2 1,0-1 525,11-19 846,-13 6 1,-4 0 1337,-2-10-746,-10 10 1,-3-1 907,-3-7-670,-3-12 567,-20 12-1452,13 16 379,-28-9-674,28 28-141,-13 27-2016,17 27 1875,0 19-598,-1-8 0,2 2 89,9-16 1,0 1 60,-9 13 1,2 1-340,15-13 1,1-1 366,-10 1 1,-1 0-420,8 0 0,1-1 551,-3-2 0,0 0-1066,2-2 1,0-1-1789,17 24 2475,3-7 1,2-10 0,1-5 0</inkml:trace>
+  <inkml:trace contextRef="#ctx0" brushRef="#br1" timeOffset="-134471.46">17472 11350 7754,'-29'-19'4656,"-10"3"-3950,18 5 7,-15 5-1369,1 27 1303,7 11 337,11 13 393,8 0 1137,9-10-831,0-2 272,17-3-1124,-12-2 1100,33-5-2660,-8-4-54,10-3-1145,14-8-394,-23-2-371,19-21 302,-24-9 2119,4 3-863,-16-21 2988,-6 24-186,-4-20 1161,-4 2 142,0 10-277,0-4-33,0 12-1399,0 28 82,0 10-1974,0 35 727,0-8-1036,17 3 745,1-4 1,3-14-1,-7 7 1</inkml:trace>
+  <inkml:trace contextRef="#ctx0" brushRef="#br1" timeOffset="-134138.46">17932 11442 7395,'1'-8'9830,"2"1"-5508,-1 7-7636,1 0 1273,0 20 4517,0-15-1716,0 38 741,0-26 1177,2 20-2563,1-10 133,0-3 2274,1-1-154,0-11-3225,0 8 1301,-1-18-2664,0 15 1868,-1-16-2036,4 4 694,-2-23 1479,9-8-289,-3-11 1075,6-1-409,5-8 1381,-6 12-1199,11-16 1093,-14 32-630,9-6-1759,-11 22-926,4 10 160,-7-4-197,0 35 2078,-2-18-1401,2 41 612,-4-23 867,-1-4 0,-2 0 0,-1 2 0,0 11 0</inkml:trace>
+  <inkml:trace contextRef="#ctx0" brushRef="#br1" timeOffset="-133907.46">17455 10947 7395,'18'-23'7279,"-14"3"-2640,31 4-5925,-9 2 673,-4 6-890,34 1-74,-36 6 140,29 16 685,-17 4-1012,-5 0 1448,14 12 1,-18-12 0,7 15-1</inkml:trace>
+  <inkml:trace contextRef="#ctx0" brushRef="#br1" timeOffset="-133726.46">18170 10775 7305,'15'-11'5986,"-1"-5"-2564,4 14-4927,-6-7 2187,9 9-1828,-7 0-302,19 20 1419,-9-15-401,14 27-923,-6-28-2205,4 23 3621,7-24 1,3 10-1,3-13 1</inkml:trace>
+  <inkml:trace contextRef="#ctx0" brushRef="#br1" timeOffset="-132178.46">19777 11794 6135,'36'12'2844,"-1"-9"-3240,-3 9 1367,4-12-1565,5 0 109,7 0-338,3 0-289,4 0 33,0 0-1521,1 0 2633,-3 0 0,0 14 0,-3 4 0</inkml:trace>
+  <inkml:trace contextRef="#ctx0" brushRef="#br1" timeOffset="-131975.46">20080 12190 6765,'21'-18'5887,"15"2"-6512,3-2 1,3 2-92,-7 8 0,0 1-314,5-5 1,-1 1 872,21 9 0,3-7 0,0 9 0</inkml:trace>
+  <inkml:trace contextRef="#ctx0" brushRef="#br1" timeOffset="-131653.46">20232 11572 6855,'-29'-9'2674,"4"0"-1219,2 5-1210,12-1 321,29 3-968,4 0 98,27 18 622,-8-11-124,4 29 466,4-16-643,4 19 389,-15-11 1,0 1-223,-9-6 1,-1 2 481,17 20 0,-2 1 68,-20-16 1,-3 0-155,7 11 1,-4 0 1241,-1 18-836,-10 2 845,-6 4-1336,-17-17 0,-5 1-270,6-10 0,-3 1-927,-8 4 1,-5 3 0,2-4 742,0-4 0,0 0 0,-9 12 1,1-2-1,9-15 0,0 0 1</inkml:trace>
+  <inkml:trace contextRef="#ctx0" brushRef="#br1" timeOffset="-130525.46">22583 11636 5775,'-18'-16'6152,"13"2"-1302,-36 4-6158,36 1 2793,-45 5-2964,27 1 560,-24 2-18,11 1 937,2 20-360,1-15-1795,7 30 3578,5-31-3123,10 32 4062,5-19-323,6 18 1097,0-7-154,18 2-1927,-13 3-183,24-8 1,4 0-1437,-6 14 1209,5-13 1,1 0-1890,5 8 364,0 1-736,-1-3-44,-4-1 1200,-4-2 20,-4-3 866,-7 5-33,-9-8 641,-3 7 277,-27-14-1571,16 1 1063,-41-8-2422,23-2-27,-22-3-1502,-6-2-50,14-2 2807,-9-23 1,20 17 0,2-18 0</inkml:trace>
+  <inkml:trace contextRef="#ctx0" brushRef="#br1" timeOffset="-130309.46">22335 11348 5775,'13'-14'7039,"-10"2"-1662,9 5-4970,-2 2-962,-1 3-472,5 22 2068,-3-15-1382,-3 42 3191,3-22-2224,-1 28-513,3-5 1444,-1 8 197,1 3-655,-6-27 0,-1 2-1183,5 16 0,-1 2 859,-2-13 0,0 1-1278,0 5 0,2 3 0,-1-3 220,-2-5 0,-1 0 293,2 4 1,0 3 0,-1-3-1,-1-5 1,-2-2 0,3 12-1,-1-1 1</inkml:trace>
+  <inkml:trace contextRef="#ctx0" brushRef="#br1" timeOffset="-129142.46">23175 11796 6855,'0'-10'9830,"-16"1"-8410,13 23 1052,-13 19-1587,16 12 852,0 12-497,0-11-310,16 3 1520,-12-1-2616,33-2 743,-20-4-904,7-16 1,4-2-672,6 10 68,-2-11 0,1-4-1108,4-6-439,13 0 326,-18-13-665,-2 0 1048,-1 0-221,-7-22 2202,0 16-1192,-7-39 2550,0 11 115,-9-10 1162,-1-19 151,-5 26 253,0-11 90,-17 16-2655,13 4 1589,-13 3-2816,5 2 611,9 8-183,-9 20-2043,29 16 724,-12 12 1000,26 3-352,-28-8-245,28 15 180,-9-10-912,17 18-398,-7-23 2324,-2 4 0,-8-14 1,0-2-1</inkml:trace>
+  <inkml:trace contextRef="#ctx0" brushRef="#br1" timeOffset="-128809.46">24007 11938 5865,'0'-22'9830,"0"4"-1657,-17 2-9252,13 3 2043,-12 3-2161,16 1 3107,0 4-972,0 19 2134,0 11-3072,0 12 90,16 6 761,-12-7-459,13 4 795,-2-1-1924,-11 0 543,22-2-1088,-23-2 1135,17 4-681,-11-12 856,8 4-767,-8-19 192,-3-3-36,-4-7-275,1-2-1022,-1-16 1804,1 12-505,1-38 1103,4 18-282,-1-12 0,1-4 609,7-13-640,0 1 0,0-1-153,-4 21 1,-1 0 939,4-11 1,1 1-2133,6-14 1200,0 4-1281,0 7-496,10-2-589,-9 19 1963,9 2 1,-13 20 0,1 4 0</inkml:trace>
+  <inkml:trace contextRef="#ctx0" brushRef="#br1" timeOffset="-128440.46">24658 12163 7125,'0'-38'9830,"22"7"-6227,-17-8-1404,37 7-3091,-36-3 2283,37-2-2070,-15-19 874,11 11 739,-21 16 0,-1 0-1911,4-13 1246,-2-1-822,-3 1 1644,-4-1-1359,-5-1 1747,-1 2-398,-6-20 375,3 17-956,-12 10 0,-1 1-60,6-1 125,-15-2-316,3 16-735,1 12-1131,-3 20 65,-1 24 581,17 12 1024,-2-7 0,0 0 314,4 16-341,-2-18 1,4 1-7,6 3 0,4-2 30,-1-8 1,1 0-142,10 22 0,4-2 87,-9-21 1,2 0-7,7 19 0,1-1 0,7 5 0,-12-20 1,0 0-1</inkml:trace>
+  <inkml:trace contextRef="#ctx0" brushRef="#br1" timeOffset="-128308.46">25645 12156 7125,'4'-9'7266,"-2"-3"-3933,1 10-6387,-2-2 3404,1-1 0,0 4 1,-1-3-1</inkml:trace>
+  <inkml:trace contextRef="#ctx0" brushRef="#br1" timeOffset="-127425.46">22062 12742 5146,'11'-4'4095,"-1"0"-2940,13 1-1342,15 3-254,1-3 245,22 3-64,-2 0 194,-25 7 0,3-1 174,3-4 1,3 0-372,3 3 0,1 3 116,8 0 1,1 0 73,4-6 1,6 0 132,-13 3 1,5 3 0,1-1-1,-2-2-78,5-3 1,-1-2 0,7 1 16,-13 1 0,6 1 1,4 1-1,0-1 0,-2 0 1,-5 0-3,4-2 1,-4-1 0,-1 0-1,4 1-13,1 0 1,3 1 0,1 0 0,-2 0-1,-2 0-22,-2-2 1,-2 0 0,-1 0 0,0 0-37,2 0 0,-1 0 0,0 1 1,1-2 14,0-2 0,1-2 0,-1 1 1,1 1-91,0 1 0,-1 2 0,1 0 1,0-2 109,0-4 1,0-2 0,0 1-1,0 1-80,-3 4 1,0 2-1,2 1 1,2-3-313,1-1 0,4-2 0,1-1 0,-1 1 0,-4 1 434,-2 3 0,-3 1 0,0 0 1,3-2-1,-4 0 0,4-2 0,0-1 1,-2 1-1,-5 0 0,7 1 1,-1-1-1,0 1 0</inkml:trace>
+</inkml:ink>
+</file>
+
+<file path=ppt/ink/ink16.xml><?xml version="1.0" encoding="utf-8"?>
+<inkml:ink xmlns:inkml="http://www.w3.org/2003/InkML">
+  <inkml:definitions>
+    <inkml:context xml:id="ctx0">
+      <inkml:inkSource xml:id="inkSrc0">
+        <inkml:traceFormat>
+          <inkml:channel name="X" type="integer" min="-2.14748E9" max="2.14748E9" units="cm"/>
+          <inkml:channel name="Y" type="integer" min="-2.14748E9" max="2.14748E9" units="cm"/>
+          <inkml:channel name="F" type="integer" max="32767" units="dev"/>
+        </inkml:traceFormat>
+        <inkml:channelProperties>
+          <inkml:channelProperty channel="X" name="resolution" value="1000" units="1/cm"/>
+          <inkml:channelProperty channel="Y" name="resolution" value="1000" units="1/cm"/>
+          <inkml:channelProperty channel="F" name="resolution" value="0" units="1/dev"/>
+        </inkml:channelProperties>
+      </inkml:inkSource>
+      <inkml:timestamp xml:id="ts0" timeString="2021-09-26T03:07:24.498"/>
+    </inkml:context>
+    <inkml:brush xml:id="br0">
+      <inkml:brushProperty name="width" value="0.09071" units="cm"/>
+      <inkml:brushProperty name="height" value="0.09071" units="cm"/>
+      <inkml:brushProperty name="color" value="#FF0000"/>
+    </inkml:brush>
+  </inkml:definitions>
+  <inkml:trace contextRef="#ctx0" brushRef="#br0">2260 1327 10861,'0'-4'899,"0"1"1,0 0-720,0 20-90,19 5-90,-15 12 0,15 2 90,8 22-90,-20-19-90,20 21 180,-16-29-90,-8-1-180,14 10 90,-15-12-270,4 12 180,-6-23-1349,0 1 1439,17-74 90,-12 26-620,12-13 1,1 0 709,-14 1 0,32 0-90,-32 4 270,32-5 0,-19 15 0,15-1-90,-10 17 0,-5 5-1,-6 3-179,-1 4 0,-1 19 1239,1-14-1239,-3 35 90,0-22-630,2 34-89,-2-18-1080,8 20 629,-3-24 1080,14 15 0,-5-24 0,8 4 0</inkml:trace>
+  <inkml:trace contextRef="#ctx0" brushRef="#br0" timeOffset="381">3178 1456 10771,'0'-11'899,"-23"1"-539,17 1-90,-34 4-180,37 1 0,-33 2-90,10 1 0,-19 26 90,12 6-135,17-2 0,3 2 45,0 15 0,5 2-180,4-16 90,4-1-270,20-3 0,8 4 91,-2-11-91,36 2 90,-38-17 270,9-1 0,2-6 0,-3-19 270,19-21 0,-29-1 89,-7 8 1,-3 1 90,-7 0 90,-2-19-450,-3 27-90,0-4 0,0 16-360,0 26-989,0 19 449,0 8 1,18 7-181,-14-22-269,32-2 1349,-21-3 0,16-10 0,-7-3 0</inkml:trace>
+  <inkml:trace contextRef="#ctx0" brushRef="#br0" timeOffset="898">3623 1425 10951,'-21'22'899,"4"4"-809,17 14-90,0-3 0,0-8 0,0 0 0,0-1-360,16 7 180,-13-12-89,26 5 89,-25-12-450,18-8 450,-15 0 0,7-25 180,-8-10 0,2-10 90,-4-5 0,3 7 0,0 0 360,2-13-360,-3 17 629,4-12-449,-7 30 90,3-1-270,-1 14 90,1 0 0,2 0-90,7 23 0,-3 9-90,13 27 0,-11-11 0,-2-16 0,1-1-90,-1 2-180,6 7 90,-8-19 90,0-4 0,-1-9-180,2 3 0,-3-10 91,4-16 179,-4 10 0,7-55 0,-5 34 89,3-36 91,-2 14-90,-5 14 90,4-12 360,-8 32-360,6-6-180,-4 19 0,2-4 90,1 24-90,0-14 0,2 34-540,8-10-180,-1 9-1258,16 12 538,-7-23 1440,22 14 0,-16-28 0,12 3 0</inkml:trace>
+  <inkml:trace contextRef="#ctx0" brushRef="#br0" timeOffset="1215">4528 1625 10771,'-22'28'1169,"19"-12"-1169,25-6-90,22-10 90,-7 0-90,5-16 90,-11 11 0,-1-28 0,0 29 0,-6-32 0,-6 22 0,-8-17 90,-6 10 0,-4 0 180,0-5 180,-25 10-180,-3-3-90,-23 13-180,8 23 0,18 9 0,9 11-90,16 1-630,0 4 180,20-9-269,-14 9-631,27-21 1,5-5 1439,-4 10 0,5-10 0,2-3 0,9 3 0</inkml:trace>
+  <inkml:trace contextRef="#ctx0" brushRef="#br0" timeOffset="1682">5500 1445 11041,'-19'-8'719,"5"0"-629,-3 4 0,13 0 0,-29 1-90,20 2 0,-17 1 0,8 0-270,-10 18 180,9-14-180,-6 29 91,19-14 179,3 17-90,27-8 90,-15 1-90,41-11 180,-23 0-90,23 0-90,-11 0 90,-1-1 90,0 0 179,-6 5-89,3-3 0,-10 5-180,-4-12-90,-11 5 90,-6-9-270,-22 2-1079,-3-3 360,-2-3-2249,-11 0 3238,21-3 0,-5-1 0,8 0 0</inkml:trace>
+  <inkml:trace contextRef="#ctx0" brushRef="#br0" timeOffset="2099">5770 1603 10501,'6'12'989,"3"-9"-719,-5 26-90,3-6 0,-4 12-90,1 0-90,-2-3 0,0 0 0,0 3 0,1-1 0,-2 1 0,0-3 0,3 13 0,-2-14 0,2 13-180,-1-23-90,-2 1-719,-1-13 629,0-27 180,0-12 180,-16-18 0,14-2 0,0-2 0,-14-10-511,14-2 1,4-1 780,-2 1-180,0 14 0,0 1 90,0 2 48,19-16-228,-14 39 360,26 0 0,-16 17-90,11 4-270,-11 24 0,10-16 0,-16 54 0,6-35-531,-9 34 531,-6-24-180,0 0-180,0-3 494,-17 9-854,13-12-1528,-27 11 359,14-21 1924,0 0 0,-7-13 1,11-3-1</inkml:trace>
+  <inkml:trace contextRef="#ctx0" brushRef="#br0" timeOffset="2499">6433 1450 11041,'-52'15'629,"-3"4"-629,15 0 0,1 17 0,15-20 0,12 16 0,-10-7 0,19-3 0,-10 0-180,13-2 180,0-2-539,0 1 269,25-6-180,1-2 360,28-8 90,-3-20 0,-10-7 360,5-23-180,-31 7 180,14-11 89,-21 20-179,4-7-90,-6 8-90,-5 10 540,0-3-810,-1 63-989,0 13 854,-1-16 0,2 1-765,6 3 1,3-4-360,15-3 1439,11 4 0,2-18 0,-7-3 0</inkml:trace>
+  <inkml:trace contextRef="#ctx0" brushRef="#br0" timeOffset="2715">7090 1453 11221,'-16'-6'899,"12"-2"-719,-27 5-180,16 14-90,-12 9 0,6 20-180,10-7 0,4 0-1079,7 6 630,0-17-901,21 15 361,0-29 1259,3 7 0,6-14 0,-12 3 0</inkml:trace>
+  <inkml:trace contextRef="#ctx0" brushRef="#br0" timeOffset="3054">7198 1562 10861,'10'0'1079,"2"0"-989,-4 0 90,8 10-180,-4-8 0,8 8 0,-5-10 90,3 0-90,2 0 0,12 0 0,-6 0 0,19-13 0,-20 10 0,12-27 0,-21 25 0,-1-25 0,-11 15 90,-3-11 0,-22 12 0,15-1 90,-35 13 0,15-4-90,-18 6 89,19 20-179,-6-14 0,28 33 0,-10-12-89,13 21-181,0-7-180,0-3-90,27-13-269,-21-2-810,26-10 0,4-1 1619,-11 5 0,37 0 0,-25-9 0</inkml:trace>
+  <inkml:trace contextRef="#ctx0" brushRef="#br0" timeOffset="7606">2463 2247 9152,'33'0'809,"-6"0"-719,-9-11-90,2 8 0,-11-8 90,6 11-90,-4 0 180,-4 0-180,-1 0 0,2 0 180,1-7 90,2 5-270,8-5 0,-2 7 90,10 0-90,-2 0 90,2 0-180,4 0 180,20 0-180,-7-13 135,-4 12 0,1-2-135,9-20-104,-15 21 0,0 2 104,14-9 90,1-2 0,-4 8 0,1-1 90,12-14-90,-4 12 0,0 0 0,-5-4 0,-10 5 0,0 1 0,6-3 0,-11 5 0,1 0 0,4-1 0,10 3-332,-3 0 332,-12 0 90,20 13-90,-23-9 90,22 21-90,-20-23 90,10 18 0,-11-18 0,0 15-90,4-15 0,19 12 0,-12-8 0,-5-3 0,0 0 0,7 2 0,16-5 0,-21 0 0,0 0 0,-4 0-180,1 0-90,-4 0-179,0-15-541,4 11 181,-9-20-1350,6 21 2159,-19-13 0,0 15 0,-9-6 0</inkml:trace>
+  <inkml:trace contextRef="#ctx0" brushRef="#br0" timeOffset="8766">2643 3294 11041,'1'-7'629,"0"1"-359,-1 1 630,0 2-990,0 24 180,0 6-90,0 13 0,0 1-450,0 9 90,0-11-539,0 27 449,0-29-540,0 21 451,0-27-91,0 6-719,0-11 180,0-8 1169,0 0 0,0-11 0,0-3 0</inkml:trace>
+  <inkml:trace contextRef="#ctx0" brushRef="#br0" timeOffset="8931">2505 3521 9602,'0'-10'89,"19"5"-89,-14 0 0,14 4-179,-4-1-361,6 1 0,8 1-809,12 0 90,-15 0 1259,8 12 0,-10-9 0,0 10 0</inkml:trace>
+  <inkml:trace contextRef="#ctx0" brushRef="#br0" timeOffset="9218">2973 3672 9242,'13'8'360,"-1"0"-271,1-4-89,0-1 0,6-3 0,-2 0-89,13-18 89,-8 0 0,13-19 0,-16 19 89,3-8-89,-11 23 90,-2-15 270,-3 16-90,-19-4-90,11 21-180,-32 3 90,29 18-90,-24-17 0,26 16 0,-8-22-90,11 14-360,0-10-629,0 4 179,23-6 900,0 5 0,5-13 0,-11 0 0</inkml:trace>
+  <inkml:trace contextRef="#ctx0" brushRef="#br0" timeOffset="9554">3407 3669 9691,'0'31'630,"0"-3"-540,0-5-90,17-11 90,-13 10-90,13-14-90,-7 4 90,-7-1-90,17-5-270,-18 1 360,12-3-90,-12-17 90,4 9 0,-4-23 180,1 7 0,1 2-90,0-13 0,0 18 0,3-3 0,-2 6-180,2 10 180,4 0-180,-2 0 0,8 15-180,-6-11-269,5 23-1,-6-24-180,1 22-179,-1-22-630,-2 22 1529,-1-22 0,-2 19 0,-1-10 0</inkml:trace>
+  <inkml:trace contextRef="#ctx0" brushRef="#br0" timeOffset="9754">3212 3502 9242,'0'-19'719,"0"0"-629,17 1 0,-13 2-90,31-3 0,-12 7-180,21 0-449,-9 9-1,-2 3 630,0 18 0,-9 10 0,8 19 0</inkml:trace>
+  <inkml:trace contextRef="#ctx0" brushRef="#br0" timeOffset="10834">5418 2300 9512,'-23'0'1439,"47"0"-1349,-2 0-90,32 0 0,-16 0 90,-10 0-90,4 0 0,2 0 90,5 0 0,3 0-655,5 0 565,3-15 0,-9 13 0,2 1 45,-9-7 0,2 1-919,11 5 1,2 4 873,-10-2 0,-1 0 0,3-6 0,0 1-292,1 4 0,3-1 292,0-3 0,3-1 0,-1 1-464,6 3 0,2 2 404,7-3 0,6-2 0,-6 1 15,-5 3 0,-1 1-75,5-2 0,4-1 1,-5 0-326,-6 2 0,-3 0 310,13 0 0,1-1-225,-7 0 0,-4 1 90,-15 0 1,1 1-226,21-1 0,-2 1-314,0 0 809,-15 0 0,-3 0 0,1 0 0,5 0 0</inkml:trace>
+  <inkml:trace contextRef="#ctx0" brushRef="#br0" timeOffset="12749">5782 3364 9152,'-12'-6'539,"9"2"-359,-9-1 0,4 1 0,6 0-90,-14 2 0,11 1-90,-8 1 180,4 0-180,-2 0 90,1 0-90,-2 18 0,-1 2 0,4 1 90,-2 14-90,6-12 0,2 10 0,2 6 0,18-18 0,-13 6 180,32-13-270,-31-3 0,40-5 180,-24-3-90,25-3 0,-10 0 90,18-15-180,-14-4 135,-8 2 0,-1-1-45,0-2-90,3-17 90,-19 32-270,-5-30 0,-5 23-449,-2-12-541,-23 6 451,-6 9-720,-13 0 1529,0 9 0,7 0 0,-1 0 0</inkml:trace>
+  <inkml:trace contextRef="#ctx0" brushRef="#br0" timeOffset="12948">5733 3914 10051,'12'3'990,"7"-1"-990,5-17 90,13-6-180,-12 2-225,-2-6 0,1 0-315,8 6-270,-3-9 1,1 0-540,6 2 1074,17-7 1,-16 13 0,4 1-1</inkml:trace>
+  <inkml:trace contextRef="#ctx0" brushRef="#br0" timeOffset="13422">6832 3307 9691,'-18'-5'0,"-12"1"180,15 2 90,-14 0-90,4 2-180,-1 0 90,-1 14-90,-1-10 0,2 25 0,3-26 0,-1 26 0,11-11-270,1 12 180,11-7-270,28-9 271,3-7 89,29-7 89,-14 0-89,-2-16 0,-15 12 270,-2-26 90,1 11 360,-7-15-361,-5 3-269,-8 6-90,-21 11 90,11 46 0,-10-6-1786,11 13 0,4 3 1696,-2 5 0,0 16-213,0-19 213,0-2 0,0-2-180,17-4 1,-13-1-91,13-5-810,-17 8 271,0-13-2070,0 9 2879,0-20 0,0 0 0,0-9 0</inkml:trace>
+  <inkml:trace contextRef="#ctx0" brushRef="#br0" timeOffset="13632">7175 3312 10231,'9'0'540,"4"18"-450,-4-14-90,6 26 0,-6-10-90,6 16-180,-6-5-270,1 0-1079,1-2 180,-3-10 1439,3 6 0,-5-12 0,1 0 0</inkml:trace>
+  <inkml:trace contextRef="#ctx0" brushRef="#br0" timeOffset="13798">7205 3036 9961,'-9'-10'-180,"7"4"-1709,-11 3 1889,11 22 0,20 2 0,10 19 0</inkml:trace>
+  <inkml:trace contextRef="#ctx0" brushRef="#br0" timeOffset="14170">7702 3227 10501,'-40'9'1259,"17"0"-1169,-18 11-90,11-3 0,-10 6 0,5-2 0,23 0 0,-10 1 0,19-1 0,-10-1-90,13-1-270,0 4 181,17-7-271,8 6 90,-2-14 270,33-1-90,-35-7 180,39-18 0,-34 14 0,-3-29 180,-4 29 90,-16-28 0,14 27 180,-16-28-1,5 18-359,-6-12-90,0 8-270,-15 10-539,11 18-450,-10 7-181,14 15-890,19-2 2330,1-3 0,3-11 0,-7-7 0</inkml:trace>
+  <inkml:trace contextRef="#ctx0" brushRef="#br0" timeOffset="14486">7950 3326 11490,'1'30'90,"0"3"-359,-1-10-91,13 6-270,-10-9 450,11 0-719,-6-10 809,3-4 90,4-6 0,7-20 270,-6-3-180,4-1 449,5-25-269,-8 33 90,11-30-90,-15 34 179,6-7-269,-11 17-90,1-4 0,-3 6-90,-2 0 0,1 17-539,2 2-541,-2 2 1080,6 22 0,-3-25 0,3 24 0</inkml:trace>
+  <inkml:trace contextRef="#ctx0" brushRef="#br0" timeOffset="14622">8833 3459 11940,'0'0'0</inkml:trace>
+  <inkml:trace contextRef="#ctx0" brushRef="#br0" timeOffset="23015">13743 1934 11490,'6'0'720,"0"0"-630,-3 0 0,2 0-90,2 0 90,9-13-90,-1-10-90,17-20 180,-12 3-180,13-13 270,-16 21-180,3-6-90,-13 15 180,1 3-180,-3 0 90,-2 7 0,-1 1-90,-2 8 90,0 23-360,-17 10 0,13 13-179,-13 4 179,6-8-90,8 3-455,-8 0 275,11 3-90,-9-2 91,7 2-1342,-7 16 1971,5-14 0,2 11 0,-4-19 0</inkml:trace>
+  <inkml:trace contextRef="#ctx0" brushRef="#br0" timeOffset="23150">13785 2366 9781,'16'-20'180,"-12"-7"-180,28 24-270,-28-23-899,45 6 450,-28 2-1275,28-11 1994,-20 26 0,-1-17 0,0 10 0</inkml:trace>
+  <inkml:trace contextRef="#ctx0" brushRef="#br0" timeOffset="23515">14350 2247 9242,'8'0'270,"3"-16"-270,0 13 0,10-41 0,-4 25 0,14-35 0,-12 26 0,5-9 0,-8 14 0,-2 0 90,-2 3-1,-2-4-89,-3 9 0,-1-3 270,-4 12-90,-1 16 90,-15 8-180,10 21 0,-10-10 0,3 14 90,8-17-180,-8 6 90,11 1-90,0-10 0,0 14 90,0-17-270,0 8-90,0-15 0,0 0-539,11-7-1170,-8-2 1979,20-2 0,-20-2 0,9 0 0</inkml:trace>
+  <inkml:trace contextRef="#ctx0" brushRef="#br0" timeOffset="24110">14582 2071 11760,'0'33'360,"-16"-4"-270,12 2 0,-11-1-180,15 6 90,0 4 90,0 6-90,0 4 45,0-10 0,0 2-135,0 24 90,6-10 0,2 0-826,-7-21 0,1-2 736,6 10 0,-2-2 0,-6 13 90,12-5-180,-9-5-80,9 8-10,-12-16 4,0 11-364,0-26-989,-23 2 1619,2-16 0,-23-1 0,7-6 0</inkml:trace>
+  <inkml:trace contextRef="#ctx0" brushRef="#br0" timeOffset="24252">14435 2590 8882,'16'-10'90,"-13"-2"-180,32 0-270,-23-1-90,18-3-269,-11 1 719,13-9 0,-9 5 0,9-6 0</inkml:trace>
+  <inkml:trace contextRef="#ctx0" brushRef="#br0" timeOffset="24465">15023 2186 10591,'-18'31'720,"-9"1"-720,24-9 0,-9 1-270,12-3-540,0 9 270,0-8-269,0 5 89,0-12-539,0-2 1259,0-3 0,20-4 0,4-3 0</inkml:trace>
+  <inkml:trace contextRef="#ctx0" brushRef="#br0" timeOffset="24631">14990 1787 9691,'-9'-3'-449,"2"0"-1080,-7 25-403,8 0 1932,2 16 0,4-7 0,0-5 0</inkml:trace>
+  <inkml:trace contextRef="#ctx0" brushRef="#br0" timeOffset="24966">15358 2384 10411,'0'-41'270,"0"7"-180,21-8-180,-16 7 0,32-4-661,-34-1 751,29-4 0,-28 0 0,26-1 89,-23 13 1,-3-1 180,12-16 0,-11 9 0,-2 1-90,-3-3-180,0-7 0,0 23 272,0 6-92,0 6 229,-15 6-409,11 24 90,-22 3-90,23 23 0,-16 21 0,17-9-757,-2-16 1,0 1 845,4 18-268,0 0 92,0-1-453,8-19 1,2-1-91,9 19-1569,0-13 0,0-2 1390,-1 4-360,19 5 1074,-21-21 1,18-6 0,-9-2 0</inkml:trace>
+  <inkml:trace contextRef="#ctx0" brushRef="#br0" timeOffset="25265">15823 2387 11041,'49'-30'-180,"-8"12"90,-6-9 0,-8 24 90,-4-26 90,0 18-90,-13-13-90,7 9 180,-15-1-90,6 2 0,-8-1 180,0 1-90,0 2 269,-18 2 91,-4 1-270,-16 4-90,5 1-90,15 24 0,6 3-180,12 23-360,0-11-359,20 2-2339,17-3 3238,13-9 0,-19-10 0,2-1 0,22 3 0</inkml:trace>
+  <inkml:trace contextRef="#ctx0" brushRef="#br0" timeOffset="26866">17880 1867 10321,'0'-8'1169,"-20"0"-809,15 1-180,-15 0 0,3 1-180,13 0 90,-27 2 0,12 1-90,-7 3 0,-5 18 0,15-14 0,2 32 90,9-9-180,5 7 180,18 13-90,-13-21-180,37 12 180,-10-24-639,11 9 639,0-21-308,-15 10 308,-2-11 0,-3 2 0,1-3-89,-8-17-271,-4-2 90,-8-20-2878,-27-7 809,-3 21 2493,-2-13 1,-11 35-1,14-9 1</inkml:trace>
+  <inkml:trace contextRef="#ctx0" brushRef="#br0" timeOffset="27048">17727 2483 10231,'14'15'810,"-11"-2"-810,29-9 0,-19-1-720,30-24 90,-14 16-179,15-34-91,-8 34-1386,5-35 2286,3 22 0,5-20 0,1 10 0</inkml:trace>
+  <inkml:trace contextRef="#ctx0" brushRef="#br0" timeOffset="27270">18872 1878 10501,'-41'0'1169,"-11"0"-1169,18 0 0,-18 15 0,23 1 0,-5 16-359,22-5 89,2 2-180,33-13-180,-17 4 91,44-17-181,-27 10 90,26-12-449,-8 3 795,2-4 1,4-20-1,0-5 1</inkml:trace>
+  <inkml:trace contextRef="#ctx0" brushRef="#br0" timeOffset="27672">19140 1452 11311,'0'-24'629,"0"4"-629,-15 5 0,11 3 810,-10 4-630,14 23 0,0 32-180,0 5-809,7-3 0,0 1 809,-3 7 0,3-17 0,1 1 0,-2-2 0,1-1 0,3 20-45,0-13 0,0-1 45,-2 0-450,6 18 270,-11-36-629,10 9 539,-8-26-360,8 1 450,-2-33 180,16-7 0,-6-13 1362,9 2-1272,-7 9 0,1 2 0,-3 2-180,4-3 539,-8 16 91,5-9-540,-11 22 90,0-7-90,-3 9 0,0 0 0,-2 23 0,1-17 0,1 40 0,-2-27-720,8 36 361,-6-21-1080,12 23 629,-3-27-227,8 7-403,-2-20 1440,4-7 0,2-4 0,3-6 0</inkml:trace>
+  <inkml:trace contextRef="#ctx0" brushRef="#br0" timeOffset="27933">19923 1969 10771,'-21'-9'270,"1"2"-90,-18 7-90,7 16-90,15 3 0,2 16-270,39-3 270,7-5 0,14-12 0,-3-8 0,-10-7 0,8 0 0,-13-18-90,5-3-90,-24-18 90,-29 1 0,-16 3-360,-16 14-89,2-1-721,-3 20 91,15-6 1169,-8 8 0,30 0 0,6 0 0</inkml:trace>
+  <inkml:trace contextRef="#ctx0" brushRef="#br0" timeOffset="28433">20745 1965 10951,'0'-11'719,"0"1"-539,0 31 0,0-5-90,0 28-90,17 11 180,-13-10-1417,13 18 1147,-6-20 180,-8 2-406,8-9 0,0 1 316,-9 7-151,6-7 1,0-2 60,-7-12-360,4 4 271,-5-36-271,-19-28 270,-1-9 180,8 2 0,1-1 0,-15-12 205,24 19 0,2 0-115,-10-18 0,10 2 0,0 4-90,0 5 180,0 6-180,0 7 802,20 4-802,-16 11 180,30 5 347,-19 9-438,2 18-89,3-12 90,-18 29 676,15-8-766,-16 8-90,6 0-360,-7-3 90,0-8-964,-20 7-1104,1-19 2428,-19 1 0,21-10 0,3 0 0</inkml:trace>
+  <inkml:trace contextRef="#ctx0" brushRef="#br0" timeOffset="28986">21155 1299 10861,'12'19'539,"-1"22"-89,7 3-270,-6 12 0,-1-12 0,-1-1-2962,-1 14 2782,-3-21 0,-1 2 45,-2 1 0,-1-2 809,1 16-854,-1-10 0,-1-1 0,-1 2-450,3 16 180,-2-31 644,1 0-554,-1-15 0,0-5-269,0-3 1373,1-4-1104,0-1 180,5-22 0,0 15 180,8-46 0,-6 32-180,6-25 90,-6 22 180,1 10-90,-3-8-90,1 18 90,-3-10-180,2 13 89,6 0-89,0 0 90,13 18-90,-7 2 0,8 1 0,-6 14 0,1-31 0,2 29-269,10-19 269,-8 4-90,18-7 0,-20-11 0,5 0 90,-14 0 0,-2 0 0,-5-19 360,-1-1-91,-5-20 1,-19 7-180,13 4 0,-30 13 0,20 8-90,-4 26-270,8 7 90,10 10-179,17 2-181,-13-10 180,27-1-270,-27-1-809,27 5 270,-4-10 1169,21 2 0,-8-15 0,-1-1 0</inkml:trace>
+  <inkml:trace contextRef="#ctx0" brushRef="#br0" timeOffset="29398">22077 1949 11850,'0'-14'810,"0"2"-810,0 41 90,0-12 0,0 35-90,0-20-90,0 2 90,0 2 0,12-1 0,-10-2 0,10-1-90,-1 6 0,-9-12 180,16 7-180,-16-20-360,5-2 180,-3-9-90,-3-21 181,3-28 179,-4-3 0,-2-5 0,4-2 179,15-1-134,-17 2 0,4 2 45,27 6 90,-27-16 0,20 37 90,-21 1-180,14 19-90,-10 22 90,5-11-180,-4 33 180,-2-20-90,-2 18 0,0-5-180,-2 12-90,0-10-719,-2 18 89,0-24 1,0 5-451,-20-14-538,15-3 1888,-29-4 0,31-3 0,-10-3 0</inkml:trace>
+  <inkml:trace contextRef="#ctx0" brushRef="#br0" timeOffset="29570">22245 1029 11760,'0'-9'0,"-18"3"-180,0 29-359,-4-1-181,-12 27-2499,19-6 880,-19 9 2339,10 4 0,0 5 0,1 1 0</inkml:trace>
+  <inkml:trace contextRef="#ctx0" brushRef="#br0" timeOffset="30572">23717 1405 12120,'-10'-19'0,"1"1"630,-4 4-450,7 6-180,-2 3 90,5 32-180,-1-4 180,-1 26-180,1-6-180,-1 5-180,2-10 0,0 1 180,-2 22-180,3-11 1,0-1-91,0 7 90,2-14 1,0-1-44,-2 2-316,-2 7 449,-1-24 360,-3-5 0,-2-6 90,-4-4 180,0-5 0,-4-4 582,-7-1-492,2-19 359,-10-6-359,14 1-360,0-19 0,11 23 0,4-19-90,3 9-90,0-10-90,30 9-89,11-15 89,17 23-309,-16 7 0,1 1 399,13 3 90,3 5 0,1 2 180,-1 1-90,-4 1 0,-2 4 90,-9 13 270,19-12-1,-32 21 1,0-21 270,-14 7-180,-7-1-181,-2-7 91,-5 15-360,-1-5 180,-1 12 798,-17-2-888,13 11-90,-13-12-90,4 5 180,10-9-90,-10-2-90,13-2-90,0 0 0,0-3 90,21-2-269,5-1 179,25-4 180,-11-1-90,2-2 90,-14-16-180,-1 11 270,-3-26 0,-2 28 270,1-29-180,-7 10 449,-1-18-449,-11 11-90,-1 4-180,-3 9 90,0 5-270,-13 22-449,9 10 359,-9 27-1169,34 0 809,-15-10 180,38-12-539,-24-3 1079,21-20 0,-5 17 0,1-12 0</inkml:trace>
+  <inkml:trace contextRef="#ctx0" brushRef="#br0" timeOffset="30815">24925 1835 11490,'-21'-16'720,"2"7"-630,-19 4-180,20 20 90,-9-12-90,23 26-90,-9-9-90,32 13 270,9-5-90,11-11 0,3-8 180,-10-9-90,1 0-90,-4 0-89,-3 0-91,-2-18-720,-11 2 181,-3-15-1710,-31 17 2519,-12 5 0,-13 9 0,-2 0 0</inkml:trace>
+  <inkml:trace contextRef="#ctx0" brushRef="#br0" timeOffset="30965">24512 2426 10501,'0'14'0,"16"-3"-1079,-12-4-2429,23-3 3508,-13-2 0,6-2 0,-1 0 0</inkml:trace>
+  <inkml:trace contextRef="#ctx0" brushRef="#br0" timeOffset="31422">25923 1671 12210,'0'42'90,"0"-7"-90,0 4 0,0-9 0,0 0 0,0-2 0,0-1 0,15-4 0,-11-2 0,11-4 90,-15-3 90,7-6-270,-5 2-90,5-23 90,-7-4 0,-13-14 0,10-4 90,-11 5-180,14-2 0,0-2-179,0 1-1,0 1-270,0 3-539,18-5 719,-13 10 450,30-2 0,-16 17 0,18 3 0</inkml:trace>
+  <inkml:trace contextRef="#ctx0" brushRef="#br0" timeOffset="31802">26500 1755 10771,'-46'0'450,"-5"0"-360,14 0-90,-2 0 0,14 0 179,-4 19-269,7 8 90,4 9 0,10 12 90,8-21-180,0 9-89,22-15 89,-16-3-180,37-5 360,-14-2-270,9-6 180,12-2 0,-22-3 0,14-21 270,-20-3 0,1-25 89,-15 13 91,-4-2 270,-4 1-540,0 10-270,0-10 90,0 20-90,-14 4-540,10 28 90,8 13-359,1 11-630,32 1 1529,-7 5 0,11-8 0,3 9 0</inkml:trace>
+  <inkml:trace contextRef="#ctx0" brushRef="#br0" timeOffset="35156">28067 1693 12120,'-24'-1'810,"4"0"-630,20-2-91,-12 2-89,10-1 0,-30 1-89,20 0 178,-19 0-89,-1 1-89,5-1-181,-25-1 270,20 0-360,-13-2 0,17-1 270,1-2 0,6-2 0,2-2 0,4-2 180,7-3-270,2-9 180,6 6-90,0-12 180,20 16 0,-15 0-90,36 11 180,-20 21-90,19 15-90,-24-3 0,-4 4 180,5 25-180,-11-13 0,-3 0-295,-3 11 340,-11-8 0,-2-1-742,7 7 652,-16-21 0,-5 0-225,-7 21 180,-14-17-135,17-10 0,1-3-314,-5-3 179,-15 1 360,26-16-90,-2-4 180,18-19-90,3-8 540,5-22-271,19 8 1,6-10-180,26 18 17,-10 6-107,6 4 782,-12 20-782,22-5-180,-14 6-315,-4 6 1,-1 5-406,8 11-854,-6-2 0,0 3 1754,9 11 0,-17-16 0,-1 0 0,13 9 0</inkml:trace>
+  <inkml:trace contextRef="#ctx0" brushRef="#br0" timeOffset="35602">28907 1805 12390,'-20'-3'450,"-6"21"-450,-1 1 0,0 4-90,-11 22-1351,17-16 1,2 0 630,-1 7-179,9 1 198,-2 0 791,12 11 0,-5-15 0,6 8 0</inkml:trace>
+  <inkml:trace contextRef="#ctx0" brushRef="#br0" timeOffset="35982">29203 2046 11221,'-29'0'0,"30"-13"-90,12-1 0,35-17 0,-10 5-219,2-2 309,-14 4 76,-1-2-76,-13-2 0,11-2 0,-20-3 0,17-2 180,-19-1 0,5-2 90,-6-2 0,0 2 0,-23-15-180,17 18-90,-17-8 0,9 23 180,10 6-180,-25 8 90,25 20-90,-19-10 89,14 58-89,-3-29-90,8 14 1,2 4-1392,2 6 1346,0-20 1,0 1-361,-2-1 0,4-2-314,19 18-46,-9-12 1,4-2-226,25 0 845,-1 8 0,-7-24 0,0-4 0</inkml:trace>
+  <inkml:trace contextRef="#ctx0" brushRef="#br0" timeOffset="36333">29772 1888 11221,'-24'-12'269,"-13"4"-269,32-1 360,-30 8-270,18-4 0,-11 20-90,7 6-90,11 19 90,3-5-180,7 0-90,21-1 91,-16-11-91,35 5 180,-18-11 90,18-8 0,-8-2 0,2-7 0,-21-21 90,13 16 449,-15-33-269,2 15 180,-1-10-360,-11-2-90,3 12-90,-4 24-630,0 29 271,0 8-271,0 14-359,19-24 179,-14 0-719,32-4 1619,-21-2 0,17-5 0,-7-1 0</inkml:trace>
+  <inkml:trace contextRef="#ctx0" brushRef="#br0" timeOffset="36616">30345 1867 11940,'-25'-18'810,"5"3"-720,4 1-90,13 3 0,-24 0 90,14 6-270,-5 32 180,7 4-90,6 31 0,5-21 0,0 6 0,17-20 0,-13 11 0,13-19-90,-17 2 90,0-9-180,0-4-89,0 1-811,0-3 1170,0-2 0,0 0 0,0-4 0</inkml:trace>
+  <inkml:trace contextRef="#ctx0" brushRef="#br0" timeOffset="36932">30678 1953 11041,'0'-9'989,"0"-1"-809,0 1-90,-20 0 180,15-5-450,-34 4 180,21-3 0,-16 9 0,10 19 0,11 6 0,22 22 0,-5-10 0,31 1 0,-9-1 0,-2-10 0,19 14 90,-22-18 0,4 3 0,1-11-90,-24-2-90,8-3-90,-10 1-90,0-4-270,0 1-1798,-17-2 539,-17 3 1799,-10-1 0,-14 3 0,9-1 0</inkml:trace>
+  <inkml:trace contextRef="#ctx0" brushRef="#br0" timeOffset="37834">19525 3852 11670,'0'32'90,"0"-3"-90,0-1-629,14 16-91,-10-6-45,8-1 1,0 2-315,-9 10 1079,1-6 0,2 1 0,3 7 0,-4-18 0,1 1 0</inkml:trace>
+  <inkml:trace contextRef="#ctx0" brushRef="#br0" timeOffset="38166">19368 4337 10141,'0'-16'270,"30"-2"-270,-23 4 0,55-3 90,-36 2 90,31 1-180,6-1 0,-14 5 0,-9 6 0,-1 1-334,5 1 334,9 2 180,-22 0-90,-4 18 82,-4-13 98,0 27-180,-10-13 270,-1 12-180,-10-1 0,-1-7-270,-18-10-90,-1-7-90,-2-23 0,-2 12-269,20-31-181,-7 20 0,0-18 252,7 8-431,-7 0-541,9 0 1440,0 1 0,23 1 0,5 0 0</inkml:trace>
+  <inkml:trace contextRef="#ctx0" brushRef="#br0" timeOffset="38917">20337 4115 10951,'1'31'1259,"-1"-7"-1079,0 3-90,0-10-90,0 5 90,0 5-180,0-6 180,0 16-90,0-17-90,0 5-180,0-5 90,14-7-360,-11 3 1,27-11 89,-10-1 270,11-19 90,-4 11 0,-4-31 90,-2 18 0,1-19 270,6-5 180,-9 10 179,4-18-359,-16 25 0,0-3 450,-6 12-720,0 29 0,-1 2-180,0 31 0,0-15-180,14 2-90,-10-12-179,10-2 89,-2-1-719,3 1 809,7-9 90,-1 5-179,-4-15 89,1 3 0,-1-4 180,1 0 270,-2-19 90,-1 15 1439,1-30-989,-5 14 0,1 1-91,-8-11 91,0 26 0,-1-21-450,-2 17 270,2-4-271,-1 5 1,1 7 0,2 0-90,0 16-90,1 3-449,4 28 89,-3-15-449,6 16 539,-6-28 0,2 3 180,-2-15-180,-2 3 0,2-10-89,-1 5 359,2-6 90,0 0 539,5-22-179,-2-5 450,7-22-450,-7 12 539,6-6-539,-9 28-90,2-14-180,-5 26 359,-2-13-89,0 14-90,-1-4-270,0 6 0,2 0 0,0 20 0,4 3-360,-2 13-90,3-4-89,-1-5-1,1-1-269,3 1-631,13 6 361,-2-11 1079,10 4 0,-5-19 0,2-2 0</inkml:trace>
+  <inkml:trace contextRef="#ctx0" brushRef="#br0" timeOffset="39282">21512 4189 10501,'0'-11'1079,"-17"0"-989,12 1 90,-26 2-90,28 3-180,-23 3 180,23 16-270,-9 3 0,12 16 180,0 0-90,18-2 0,1-13 270,3 0 0,8-17 270,-17 5-90,4-20-270,-8-3-90,-9 15 0,0 36 0,19 11-1176,-15 21 1176,15-24 0,-2-2-549,-13-1 459,13-4 0,-6-4 0,-9-3-539,9 5 89,-11-11-90,0 3-89,-26-13-451,20-3-89,-45-6 1259,30 0 0,-25-3 0,11 0 0</inkml:trace>
+  <inkml:trace contextRef="#ctx0" brushRef="#br0" timeOffset="39449">20713 3667 11400,'0'-7'0,"23"2"0,-18 1-135,29 1 1,8 4-316,-5-2-927,5 1 1,2 0 297,15 0 359,-27 9 1,1 1 719,1-9 0,0 2 0,3 15 0,-1 1 0,1-7 0,-1 0 0</inkml:trace>
+  <inkml:trace contextRef="#ctx0" brushRef="#br0" timeOffset="39682">22555 3721 12030,'-14'-7'360,"10"23"-360,-10 16 0,14 12-270,0 6 0,0-10-90,0 3-89,18 0-1530,-13 16 809,12-16-779,-5 12 1949,-9-20 0,9-4 0,-12-2 0</inkml:trace>
+  <inkml:trace contextRef="#ctx0" brushRef="#br0" timeOffset="40470">22407 4058 10861,'0'-22'-90,"0"3"0,0 1 90,25 4-180,-19 2 0,43 1 0,-29 4-180,21 1-269,7 4 359,-11 1-270,28 1 360,-28 14 90,11-10 90,-19 21 90,-2-22 90,-3 22 90,-4-22-90,-2 26 90,-5-17 629,2 20-449,-7-15 450,3 7-631,-7-14-89,1 0-90,-1-5 0,1-4-180,1 1 180,6-2 0,-4-14-90,10-1 90,-7-3-180,3-8 90,-6 8-90,-3-13-90,-3 5 180,-2 7 0,-20 9 0,-1 4 0,-19 23 0,8 6 0,13 11-270,-1 15 1,18-16-451,-6 25 180,8-22-413,18 8 593,-13-17-180,29-2 90,-30-5-899,31-2 809,-8-9 91,19-2 449,-8-7 719,1-18 361,-19-6-181,3 1-449,-11-18-90,-6 25-1,1-19 541,-5 3-450,2 10-360,-4-12-90,0 16 773,0 0-773,0 26 0,15 8 0,2 21-179,12 0 89,-12-7 90,4-11-90,-18 0 0,16-11 90,-10 4-90,7-8 90,-6-4 90,5-16-90,-5-5 180,4 0 269,2-28-359,-2 30 180,9-25-360,-8 16 270,4 9-180,-9 3 90,2 9-180,-5 7 180,0 0-90,0 0 0,7 18-180,-3 4-360,11 21 91,-10-8-1,4 0-180,-8-10-89,-1-3-91,-1-1-449,-2-4 1259,-2-1 0,0-7 0,-2-4 0</inkml:trace>
+  <inkml:trace contextRef="#ctx0" brushRef="#br0" timeOffset="40666">23030 3758 10501,'0'-39'1169,"27"3"-1259,-21 1 180,45 5-90,-33 3 0,22 4-90,-10 4 0,0 5-179,-2 6-181,1 4-1799,4 18-90,-9-10 2339,2 37 0,-14-18 0,-1 24 0</inkml:trace>
+  <inkml:trace contextRef="#ctx0" brushRef="#br0" timeOffset="43215">28798 2444 9602,'56'0'899,"4"0"-809,5 0-1923,-29 0 1,1 0 1922,2 0 0,0 0-90,4 0 0,0 0 90,4 0 0,1 0-45,3 0 0,0 0-1055,4 0 0,0 0 1055,2 0 0,0 0-90,3 0 0,-1 0-143,1-1 1,0 2 142,0 7 0,-1 0 0,0-7 0,-1 2-45,-2 11 0,-1 1-45,-2-14 0,-1 1-513,-2 13 0,-2 1 468,-3-9 0,0 0 0,-3 6 1,-1 2-136,-3-3 0,0 0-73,8 4 0,-1 0 388,-13-2 0,-1-1 0,7 3 0,-2 0 0,8 6 0</inkml:trace>
+  <inkml:trace contextRef="#ctx0" brushRef="#br0" timeOffset="43882">28900 3266 11850,'4'-3'360,"-2"24"-270,2 10 0,-4 14-1878,0 3 1788,0-10 17,0 18-17,0-12-135,2-9 0,0-2 135,1 2-539,5 14 359,-4-29 302,1 4-392,-2-17-89,0-2 179,-1-5 1029,0 0-849,2-14 439,2-7-439,0 2 360,5-31-270,-4 30 0,4-24 180,-6 18 89,2 14-179,-5 0-270,2 12 180,0 0-180,-1 0 180,4 0-180,-1 18-359,8 7-181,-2 11-989,11 14 809,-8-17 810,15 22 0,-11-25 0,8 8 0</inkml:trace>
+  <inkml:trace contextRef="#ctx0" brushRef="#br0" timeOffset="44250">29527 3623 11580,'-41'-9'540,"17"-2"-450,-9 10 0,19-3-90,-15 4-90,9 20 90,3-15 0,3 37 0,-3-11-180,10 10 0,-2 0-90,9-14 270,0 0-90,17-5 0,-13-1-269,29-5 179,-8-2 180,16-8 0,3-17 90,-6-12 180,-9-18-1,-13 5 91,-8-8-270,-8 20 90,0-6-270,0 12 90,0 4-180,-14 5-539,10 24-361,-10 7 451,14 22-1,0-13-1169,16 0 1799,5-5 0,11-13 0,1 2 0</inkml:trace>
+  <inkml:trace contextRef="#ctx0" brushRef="#br0" timeOffset="44766">29838 3721 11580,'-21'9'0,"4"7"-269,17 26-451,0-9 450,0 6 180,12-25-450,-9 14 271,21-25 179,-14 8 90,8-11 0,-5-14 0,-2 10 180,0-28 449,5 8-269,-5-10 180,6-6-450,-9 25-90,0-13 90,-4 26 0,-2-9-90,1 11 0,-1 0 0,1 0 179,-1 0-89,1 0-90,-2 18 0,2-2-90,-3 15-89,2-16-1,-1 3 0,1-16 270,0 6-180,0-8 0,6 0 90,-4 0 0,12-14 90,-5 10-180,7-22 90,-5 23 90,0-21 90,-1 21 449,4-17-359,-5 18-180,6-7-90,-8 9 0,5 17 0,-7-13 0,5 33-90,-6-32-180,4 37 0,-3-23-89,2 17-271,-1-10-180,0-5-1078,0 7 358,-3-15 1530,1 10 0,-3-21 0,0 6 0</inkml:trace>
+  <inkml:trace contextRef="#ctx0" brushRef="#br0" timeOffset="44982">29375 3318 12390,'0'-17'450,"0"3"-360,50-4-90,-12 6-45,18 5 0,6 2-1289,-26 2 0,1 1 1154,15 1 1,0 0-46,-13 0 0,-2 2 0,2 6 0,0 1-270,-1-7 1,-1 2-91,-2 13 0,0 1-135,-1-9 1,0 0 719,-2 9 0,-1 1 0,28 12 0,-3 2 0</inkml:trace>
+  <inkml:trace contextRef="#ctx0" brushRef="#br0" timeOffset="45135">30995 4023 12750,'15'0'-2969,"-2"0"2969,-7 0 0,-1 0 0,-2 0 0</inkml:trace>
+  <inkml:trace contextRef="#ctx0" brushRef="#br0" timeOffset="74532">4878 6643 8972,'-2'5'2428,"13"-12"-2338,-7 49-90,10-22 45,-6 16 0,-4 4 45,-1 5-331,6-10 0,-1 0 241,-7 2 0,4-4 0,-1 11 0,-1-15 111,2 5-21,-2-17-90,-3-4 90,0-2-90,1-3-270,-1-25 634,1-9-364,-1-16-90,0-1 90,16 7 7,-12-1-7,29-15 0,-29 17 0,24-17 0,-12 32 180,6-3 0,0 18-90,-8 1-90,1 4 180,5 17-180,-3-12-90,8 44 90,-10-28 0,3 26 0,-8-18-360,0 0 90,-1 0-989,6 9 360,-3-10-1890,14 12 2789,-6-22 0,10 1 0,-4-11 0</inkml:trace>
+  <inkml:trace contextRef="#ctx0" brushRef="#br0" timeOffset="74906">5747 6682 10771,'-47'-4'1079,"0"19"-989,-3 10-180,14 11 90,4 1 0,13 6 0,9-10-180,1 23 90,9-25-179,23 15-1,-18-25-90,41 1 90,-16-15 270,11-3 0,10-19 0,-23 12 0,13-30 0,-27 5 450,11-22-90,-17 9-680,3 1 590,-6 17-90,-5 1-90,0 4 90,0 2-270,0 27 90,0 9-360,0 17 90,0 2-90,0-10-1079,0 13 630,0-11-1080,15 16 1889,-11-25 0,24 3 0,-10-11 0</inkml:trace>
+  <inkml:trace contextRef="#ctx0" brushRef="#br0" timeOffset="75449">6030 6787 11580,'4'20'0,"0"17"90,0-5-180,-1 10 180,5 17-180,-4-25 180,4 9-180,-4-19 90,2-2-180,-3-5 1,4-1-91,-4-9-360,3 0 450,-3-7-90,4-15 180,-1-11 180,2-9-180,0-7 0,-1 6 270,1-2-180,2-17 90,-1 15 270,4-18-90,-6 32 450,6 0-541,-6 18 1,4 4-180,-4 4 90,-1 20-180,1-15 270,2 52-180,-2-34 0,-1 11 0,0 1 0,-1 0 0,2 21-90,-4-26 0,1 3 0,-3-15-90,2-5-89,-2-6-91,2 0 90,0-7 90,5-16 0,-1 11 135,2-24 0,1-7 135,1 10 0,2-12 0,-1-1 0,2 7 0,4-9 0,-5 20 180,-2 2-90,5 10-90,-5 3 0,10 22 0,-11-12-810,9 45 90,-9-29-269,3 30-271,-3-22-539,1 0 1709,1-2 0,1-3 0,1-2 0</inkml:trace>
+  <inkml:trace contextRef="#ctx0" brushRef="#br0" timeOffset="75783">6735 7003 10861,'39'-12'180,"-16"1"-180,13 1 0,-20-1 0,17 1 0,-9-2 0,-2 1 0,-1-2 0,-1 1-90,-2-6 180,-8 3-180,-2-13 180,-8 12 359,-18-8-89,-3 16-90,-21 0-270,1 6 0,17 21 90,-9-14-90,29 31 0,-18-8 0,20 7-90,-6 16-180,8-23-90,22 10-89,-16-15-181,39 0 0,-25-4-89,21-3-1,-7-3-539,1-3 1259,2-6 0,0-1 0,1-3 0</inkml:trace>
+  <inkml:trace contextRef="#ctx0" brushRef="#br0" timeOffset="76100">7467 6672 9961,'-20'-7'720,"15"1"-450,-34 4-270,22 0 90,-16 21-90,18 3-90,4 21 90,11-11-180,0 10 180,26-17 0,-19 9-90,43-13 90,-44 1 90,40-2-90,-40-2 0,35 0 0,-37-2 0,27-1 180,-28-2-90,10-2 0,-13 2-90,0-5 90,-24 1-90,17-7-540,-40 0 0,18-1-179,-11-1-451,3 0-449,14 0 1619,11-15 0,-8 11 0,6-11 0</inkml:trace>
+  <inkml:trace contextRef="#ctx0" brushRef="#br0" timeOffset="76583">7923 6757 11490,'0'41'630,"0"-8"-630,0-1 0,-14-5 0,11 3 0,-11 18 0,14-9 45,0-5 0,0-1-45,0 7 0,0 8 0,0-16 0,15-4-90,-11-2-90,12 4 90,-16-9-270,0 5-1079,0-16 810,-17-22 179,13-18 270,-12-1 0,-1-4 180,13-26-644,-5 10 0,1-2 734,7 19 0,2-1 45,-1-26 0,0 0-45,-1 26 0,2 1 45,7-8 0,4 1 494,15-20-179,12 24-218,9-2 127,-18 29-27,18 4-152,-21 26-90,4-15 90,-8 54-90,-9-34-90,-7 11 0,-3 2 0,-1 0 0,-12-6 0,-2 0-90,5 2 0,-37 10-180,38-18-753,-44-2 214,30-2-417,-32-2-303,34-7 1529,-20-4 0,33-7 0,-11-2 0</inkml:trace>
+  <inkml:trace contextRef="#ctx0" brushRef="#br0" timeOffset="76990">8697 6582 10321,'-55'15'1259,"11"-12"-1169,-3 26 0,10-25-90,13 18 0,0 2 0,-12-4-1507,-5 28 1597,27-19-180,-3-1 566,15-1-746,-7 8 338,26-10-518,8 8 270,-3-18-180,37 0 180,-36-10 964,32-3-874,-17-18 90,-10 12 0,12-28 90,-27 6 450,8-20-270,-18 7 629,5-16-809,-7 31 180,-1-11-180,0 45-90,0 8-90,0 16-270,0 3-629,0 7 89,20-11-2158,5 20 3058,12-28 0,1 5 0,-6-14 0</inkml:trace>
+  <inkml:trace contextRef="#ctx0" brushRef="#br0" timeOffset="77216">9432 6640 10681,'0'-7'1259,"-21"2"-899,2 2-360,-23 2 90,24 20-90,-19-14 0,22 34 0,-15-19 90,11 34-270,1-18-90,9 12-270,2-16-269,7-1 89,0-3-1708,26 8 2428,6-13 0,14 3 0,-2-13 0</inkml:trace>
+  <inkml:trace contextRef="#ctx0" brushRef="#br0" timeOffset="77533">9675 6796 11041,'0'-7'0,"18"0"0,-14-2 0,35 0 0,-34-3 0,40-2 0,-25-2 0,19-1 0,-10-2 0,7-9 0,-12 6 90,4-14 0,-21 16 0,-1-6 89,-6 11 1,0 2 90,-27 2 90,-8 4-360,-14 4 90,-12 20-90,25-12 0,13 21 0,1 5 0,-6-6 90,13 34-900,3-5-89,12-12-496,9-5 1,7-2 1394,23 4 0,-12-14 0,2-2 0,2-9 0,-1 1 0</inkml:trace>
+  <inkml:trace contextRef="#ctx0" brushRef="#br0" timeOffset="78282">12077 5917 11670,'1'40'540,"-1"0"-270,0 2-1212,0 7 1032,-14 10-319,12-25 1,1 0 228,-5 2 0,-2 0 0,-1 1 0,1 1 0,0 15 0,0 0 0,-2-15 0,0 0 0,-3 23 0,1-2 0,-2 3 0,2-17 0,0-2-90,-6-1-90,4 1 120,5-20-660,4-13 540,1-25-269,19-25 359,-11-15-738,14 6 0,-1-1 873,-14 14 0,-1 0-45,13-15 0,2-2-341,-7-6 1,-2 1 520,0 14 0,2-1-742,2-2 1,1-4-1,-1 5 652,-6 7 0,1 2 0,12-16 0,1 2-204,-4 7 474,5-1 1376,-3 27-1557,-4 10 1322,9 2-1501,-9 30 89,12 15 1,-11 13 1806,7 8-1896,-10-10 0,1 2 0,-3 1-315,-4-16 0,-1 1-225,2 17 45,-3-12 1,-1-2 134,0 4-828,0 20 378,-3-31-53,0 4-216,0-15-271,0-4 1350,-16-2 0,12-3 0,-11-2 0</inkml:trace>
+  <inkml:trace contextRef="#ctx0" brushRef="#br0" timeOffset="78416">11998 6658 11131,'-4'-26'1079,"0"4"-989,4-1-180,24 4 90,-17-2-90,48-1-949,-27 1 500,31-1-856,-20 7 1,0 1 45,-8 4 0,2 0 1135,11-3 0,1 1 0,-12 4 1,0 2-1,1 0 0,0-1 1</inkml:trace>
+  <inkml:trace contextRef="#ctx0" brushRef="#br0" timeOffset="79083">13243 6349 11850,'-8'0'-270,"0"0"270,1 0-269,0 0-361,4-15-270,-2 11 900,3-11 0,0 15 0,1 0 0</inkml:trace>
+  <inkml:trace contextRef="#ctx0" brushRef="#br0" timeOffset="79500">13277 6719 11490,'4'3'1350,"4"-1"-631,3 2-449,1-3-90,12 3-90,-9-1-90,7 1 90,-5 0 0,0 3-90,-2 1 90,5 7-90,-9-3-720,2 18 91,-10-9-181,-2 11-179,-31-5-541,4 5 74,-2-15 1,-3-1 1455,-22 23 0,23-20 0,-2-1 0,-2 2 0,0-1 0</inkml:trace>
+  <inkml:trace contextRef="#ctx0" brushRef="#br0" timeOffset="81355">5207 9158 11131,'43'-39'539,"-7"5"-539,0-4-549,-10 5 638,-1-3 1,0 0-90,-3-1 0,-2 0 0,-4 2 90,-3 1 180,-5 2-180,-2 4-90,-5 4 91,0 4-91,-1 4 90,0 7 180,-16 4 9,13 19-189,-32-10-90,30 57 0,-26-28-282,27 3 0,5 4 282,-13 11 0,12 5 0,0 0-180,10-15 0,4-1-45,-1-9 0,3 0-180,10 17 1,2 0 44,13 4-732,-21-20 1,0-1 372,7 6-91,-3-2-89,-1-5 899,-5 7 0,0-11 0,-1 5 0</inkml:trace>
+  <inkml:trace contextRef="#ctx0" brushRef="#br0" timeOffset="81487">5458 9455 9961,'0'-23'270,"0"-2"-270,0-16 0,0 6-360,25-11-89,-19 14-682,46 0 321,-27 1 810,7 8 0,3 2 0,8-12 0,-14 13 0,-1-1 0</inkml:trace>
+  <inkml:trace contextRef="#ctx0" brushRef="#br0" timeOffset="82006">6027 8875 11400,'0'28'360,"0"1"-270,0-5-90,0 3 0,0-5-90,18 1-90,-13 0-89,13-1-91,0-1 180,-13-1-720,35 1 541,-24-8-451,28-1 630,-20-10 0,7-1 180,-12-20-90,2 14 90,-3-35 180,-2 23 90,-2-20 90,-1 8 629,-2-10-629,-1 11-90,-4-5 449,-1 13-719,-4 29 0,1 19 0,14 12 0,-12 16-269,26-29 89,-17 10-360,10-17 270,-2-6 90,-7-7 0,9-23 180,-8 12-90,6-28 180,-5 27-90,0-35 270,-1 25 270,5-30-540,-7 30 360,3-17 0,-9 23-91,2-5-269,-4 7 0,0 7 0,-1 17 0,1-13 0,1 29 0,1-29-359,1 32-91,0-31-989,9 34 539,-1-18-1528,16 10 2428,-7-13 0,9-9 0,-7-9 0</inkml:trace>
+  <inkml:trace contextRef="#ctx0" brushRef="#br0" timeOffset="82189">7123 8916 11670,'-19'17'90,"3"3"-90,16 13 90,0-4-180,0-4-90,0 0-89,0 0-91,0-1-900,16 6 361,12-9-1530,29 1 2429,-5-15 0,8-3 0,-14-4 0</inkml:trace>
+  <inkml:trace contextRef="#ctx0" brushRef="#br0" timeOffset="82569">7730 8538 11490,'-16'-19'1080,"13"2"-720,-26 3 89,25 7-539,-17 1 180,19 55-90,-6-20-519,7 6 1,2 2 518,-1 3 0,18 2 0,-13 21-90,30-13-90,-30 12-1153,22-3 1064,-24-17-451,7 22 270,-10-32 91,0 7-1,0-16 90,0-4 0,0-2 180,-21-5 90,15-3-90,-34-4 1498,18-3-1048,-18-23 512,10-5-602,11-26-270,10 12 90,9-1-180,0 13 90,26 1-270,-19 2 0,43 3-180,-30 2 1,21 3-721,4 4 361,-10 1 809,23 7 0,-25 0 0,9 5 0</inkml:trace>
+  <inkml:trace contextRef="#ctx0" brushRef="#br0" timeOffset="82734">8103 8916 10591,'3'13'899,"-1"0"-629,0 8-180,0-5-180,1 15 90,0-12 90,0 8-360,1-8-89,1-1-271,1 0-1169,3 4 630,0-7 1169,10 3 0,-7-12 0,5 1 0</inkml:trace>
+  <inkml:trace contextRef="#ctx0" brushRef="#br0" timeOffset="82916">8165 8698 10681,'0'-14'270,"-10"2"-360,7 6-540,-7 1 1,10 19 89,21-12-180,-15 27-1874,48-8 2594,-32-3 0,29 13 0,-19-14 0</inkml:trace>
+  <inkml:trace contextRef="#ctx0" brushRef="#br0" timeOffset="83182">8635 8812 10861,'-46'0'1169,"0"0"-1079,8 16-90,6 8 0,15 7 90,8 4-180,9-11 90,0 2-90,24-3 90,-18-1-180,47-2 90,-27-5 0,9-7 0,3-1-90,13 1 135,-7-4 1,1-2 44,6 0-45,-10-7 0,-3-5-135,-1-8 90,3 0-270,-24-12-450,-8 9-89,-27-13 179,-14 2-539,-11 15 1049,-4-2 0,13 18 0,-1-6 0</inkml:trace>
+  <inkml:trace contextRef="#ctx0" brushRef="#br0" timeOffset="83533">9153 8889 11041,'4'15'449,"0"-2"-359,-1-4-90,0 2 90,1 4-90,-2 0 0,4 7 0,-4-8-90,3 1 0,-3-7-89,-1-3 89,0-2-360,2-2 270,-1 0 90,10-18 90,-3 13 0,17-31 90,-9 6 0,8-8 360,-1-13-270,-6 22 449,10-5-629,-15 15 0,8 9 0,-11 18-180,3 21-269,-6 10-361,-1 12-854,-2-18 0,1 1 1664,2 20 0,0-18 0,0 0 0,6 16 0</inkml:trace>
+  <inkml:trace contextRef="#ctx0" brushRef="#br0" timeOffset="84667">10973 8594 13199,'47'15'450,"4"3"-360,-16 1-90,5 17-450,-11-19-179,1 20-1423,-1-8 793,1 2-270,-1 0-720,0 2 2249,-1-1 0,0 0 0,-3-1 0</inkml:trace>
+  <inkml:trace contextRef="#ctx0" brushRef="#br0" timeOffset="84867">11455 8584 11490,'-36'0'270,"0"25"-270,-3-4-2262,-1 24 2262,0-8-45,11-5 0,0 1-135,8-8 0,1 3-765,-13 19 1,3 2-585,2 7 1529,11-20 0,4-2 0,4 8 0,6-2 0</inkml:trace>
+  <inkml:trace contextRef="#ctx0" brushRef="#br0" timeOffset="85251">11958 8864 9602,'0'-14'629,"0"-2"-269,0-4-180,0-2 0,0-5 0,0-2 0,17-5-91,-13 0 1,12-7 270,-3-17-270,-10 9 180,8 8 0,0 1 0,-9-5-1178,8-11 998,-10 25 371,0 3-461,0 7-180,0 6 180,0 4 450,0 6-450,0 18 0,0 17 0,0 9-249,0 13-21,0-7-90,0 5-180,0 2 1,0-2-1,16-1-270,-12-4-899,28 13 720,-28-15 989,9-11 0,-1-2 0,-9 3 0,6 7 0</inkml:trace>
+  <inkml:trace contextRef="#ctx0" brushRef="#br0" timeOffset="85388">11987 9019 11760,'10'1'-180,"-12"-20"-989,58-1 180,-29-4-496,11 8 1,4 2 1253,6-4 0,-15 9 0,-1 0 0,15-5 1</inkml:trace>
+  <inkml:trace contextRef="#ctx0" brushRef="#br0" timeOffset="85667">12945 8001 11490,'-31'-12'630,"12"4"-360,-37 20-180,29-8-90,4 25 0,1 6 0,-2 1-1515,8 2 1,2 2 1514,-1 18-90,4 2-90,6 2-225,2-18 0,4-1-224,23 19-438,-7-13 0,4-3 527,3-21 0,3-4 540,13 11 0,1-4 0,13-3 0,-18-12 0,0 0 0</inkml:trace>
+  <inkml:trace contextRef="#ctx0" brushRef="#br0" timeOffset="85917">13430 8025 10861,'0'-13'719,"0"-1"-449,17 8 270,5-1-360,21 7 0,2 21 0,-6 14-180,-16-1 0,-3 2 0,4 26-833,-14-27 1,0 1 742,5 18-270,-13 6-1396,6 1 946,-8 0-359,0-1-540,-25 0 1575,19-1 0,-18-30 0,-5-2 0,-5 28 0</inkml:trace>
+  <inkml:trace contextRef="#ctx0" brushRef="#br0" timeOffset="101541">14680 7523 9242,'-5'0'719,"-1"0"91,3 0 269,1 11-1079,1 3 90,23 0 270,-17 2-360,32-14 90,-33 13 0,26-9 90,-27 9-90,25-4-90,-12 10 0,1-2 90,5 17-90,-12-11 0,6 24 0,-8-18 90,-4 26-90,-4-23-671,0 14 581,-16-17 90,12 3-90,-13-1-179,-5 12 179,2-12-407,-17 14 317,19-25-180,-3 6 270,18-18-269,-14 0 179,15-7 937,12-14-308,10 9 51,13-10-500,2 12 270,-9 15-180,3-11-90,-11 34 90,-1-17-180,-4 21 180,-4-8-180,1 17 0,-2-11-405,-3-6 1,1-1-586,3 5-269,2 11-900,-3-17 2249,1-2 0,2-3 0,1 0 0</inkml:trace>
+  <inkml:trace contextRef="#ctx0" brushRef="#br0" timeOffset="102133">16363 7561 10771,'-20'-4'1259,"1"0"-1169,-23 2-90,5 1 90,1 18-180,6 4 180,13 11-90,8 0 0,9-4 0,0 24 0,18-11-45,-7-3 0,0 1-45,11 7-458,-3-17 1,-2 0 367,-12 9-90,35-5 270,-24-3-180,19-4-337,-13-3 428,0-6 20,5 0 69,-8-9 0,8 0 180,-18-7 1146,0-19-1056,-8 1 97,-19-16-367,13 11 90,-27 9-193,28 28-167,-10 14-359,14 33-91,18-11-225,-17-11 1,2-2-2287,29 10 3231,-28 18 0,10-22 0,-14 0 0</inkml:trace>
+  <inkml:trace contextRef="#ctx0" brushRef="#br0" timeOffset="102299">16763 8691 9152,'-23'12'0,"5"-2"0</inkml:trace>
+  <inkml:trace contextRef="#ctx0" brushRef="#br0" timeOffset="106466">5143 12591 11490,'-15'-10'900,"2"26"-900,13-4 0,0 23 0,0-2 0,0-5 0,0 1 0,0 0 0,0 0 90,0-2-180,0 9 90,0-11 90,0 5-180,0-14 90,0-2 90,0-3-180,0-2 0,10-5 0,-3-17 90,13-11 0,-7-9 0,12-16 0,-9 17 0,15-22 0,-13 24-274,5-6 184,-10 19 180,-1 7 180,-2-2 90,3 10-270,-3-6 0,4 28-90,-7-16 0,5 48 90,-6-31-90,4 40-90,-6-29-90,4 8 274,0-15-454,1-1 90,2-4-719,10 3 269,-2-8-539,20-2 629,-13-9-449,25-4 629,-18-20 90,11 15 450,-3-47 720,-12 32-181,-7-9 1,-3-1-450,-1 1 540,3-16-361,-16 21 91,0-4 0,-5 12-180,0 3-90,0 2-1,-15 1 1,11 5-180,-26 0 0,27 19 90,-19 4-90,19 19-90,-5-7 90,8 1 0,0-1-90,0-8-179,18 9-1,-13-16 0,26-2 180,-28-5-90,26-7 180,-11 2 0,1-20 0,8 13 180,-14-28-180,3 7 0,-3-6 360,-12-2-180,3 7 269,-4 3-539,0 26-90,0 7-179,13 33-271,-9-13-179,9 1-990,-2-3 359,0-15 1440,2 13 0,4-23 0,-6 8 0</inkml:trace>
+  <inkml:trace contextRef="#ctx0" brushRef="#br0" timeOffset="107000">6127 12738 9512,'5'-6'1439,"2"1"-1169,-2 5 89,5 19-359,-4-15 90,3 30-180,1-9 180,-3 7-180,7 12 180,-8-17-90,4 6-90,-4-14 90,0-1-269,4 1-1,-5-8-270,7-1 450,-5-9 0,3-21 90,-2-5 90,0-13-90,0 1-90,-3 8 180,3-1 0,2-9-90,0 12 540,7-4-270,-7 14-1,9 9-89,-8 2-90,5 6-90,-5 0 0,2 20 90,0-15-180,6 33 90,-4-14-90,8 17 0,-9-7-449,7 0 449,-10-22 0,4 9-270,-3-19 360,-3 6 0,5-8 0,-7-16 0,5-6 0,-7 2 360,4-18 0,-5 16-1,0-14-269,-2 16 270,0 1-270,0 17 0,0-5-90,0 7 0,1 14 0,-1 3-270,1 0-1079,3 14 449,1-11-1078,6 9 448,-3 1 1530,4-19 0,-3 8 0,0-9 0</inkml:trace>
+  <inkml:trace contextRef="#ctx0" brushRef="#br0" timeOffset="107304">6862 12885 9602,'13'0'1529,"-3"0"-1170,8 0-359,-5 0 90,9 0 0,-2 0-90,4 0 0,4 0 0,0 0 0,5-17 0,-2 13 0,14-25 0,-13 13 0,13-11 0,-23 10 0,-1-7 0,-14 15 0,-3-10 90,-4 6 270,0-3-90,-22 5 180,0-2-270,-22 9-180,9 15 0,4 8 0,14 19 0,7 6-360,10-8-540,17 12 181,-13-20-541,31 10 1260,-6-3 0,10-11 0,5 7 0</inkml:trace>
+  <inkml:trace contextRef="#ctx0" brushRef="#br0" timeOffset="107783">8280 12493 9422,'-15'-7'449,"3"4"-179,-14-1-270,8 4-90,-16 21 180,13 3-90,-7 1-90,15 15 90,4-24 0,5 18-90,2-4 180,25-8 0,10 11-270,10-18 225,-10-4 0,-1-1 45,6-2-180,12 1 540,-11-5-360,-20-1 0,9 1 0,-26-1-90,-15 5 90,8-1-180,-39 4 90,23-1-270,-23 1-540,11 1-1438,-12 5 2248,13-6 0,5 4 0,16-8 0</inkml:trace>
+  <inkml:trace contextRef="#ctx0" brushRef="#br0" timeOffset="108232">8762 12780 10411,'0'36'1079,"0"-5"-809,0 3-90,0-7-90,0 3-90,0 3 0,0 3 0,0 1 180,0 15-180,0-11 0,-13 20 0,10-28 0,-10 12 0,13-26-180,0 2-450,0-12 361,-8-3 89,6-18-180,-10 8-360,4-51 451,-2 26 89,5-3 0,1-4 90,-1-2 0,1-1 90,2-23 90,-1 5 0,1-1-202,1 24 0,2 0 337,6-22 0,3 1-1529,14-4 1439,-15 23 0,4 3 135,30-4-630,-24 7 720,21 8-168,1 6 78,-12 8 0,19 4-270,-24 26 180,4-17-90,-13 39 212,-5-27-302,-4 21 90,-3-10-180,-3 1 90,0-1-180,-18 10-90,-7-9-809,-23 15 269,21-20 991,-20 2-1170,41-12 100,-31-5 889,33-3 0,-13-4 0,17-1 0</inkml:trace>
+  <inkml:trace contextRef="#ctx0" brushRef="#br0" timeOffset="108619">9382 12551 11670,'-28'15'540,"-11"-11"-540,16 30 0,-15-13 0,14 10 0,-2-3 0,23-8-180,-6 10 0,9-7-270,19 13 91,-14-18 89,33 2-180,-10-9 360,9-6 0,16-2 90,-22-3 0,17-17 90,-23-4 90,3 0 450,-13-13 89,-3 12-179,-7-16-270,1 6-180,-6 8-360,-13 35-180,10 8-179,-10 20-1350,13 8 809,0-18 1170,17 15 0,-12-21 0,12 5 0</inkml:trace>
+  <inkml:trace contextRef="#ctx0" brushRef="#br0" timeOffset="108985">9890 12678 11490,'-18'12'630,"19"-9"-810,20 19 0,19-19-90,-5 7 91,0-10 179,-7 0-90,-1 0 180,-1 0-180,-2 0 90,-4 0 0,-2-16 90,-2 2 179,-8-18-179,-2 7 180,-26 1 90,-2 11-270,-24 4 90,11 9-180,-2 0 90,0 14-90,11-10 0,-5 26 0,13-5-90,9 20-180,1-6-90,8 1-1169,21-1 180,10-10 1349,-2-7 0,3-2 0,23 0 0,4 4 0</inkml:trace>
+  <inkml:trace contextRef="#ctx0" brushRef="#br0" timeOffset="110203">10242 12643 10051,'16'-16'1889,"-2"2"-1709,-14 5 90,-17 5-180,-6 1 0,-16 3 0,7 15-90,4-11 0,8 26 0,1-26 90,1 30-90,-2-7-90,7 10 90,-1-2 90,10-9-90,1-3-90,3 0 90,0 6-180,20-8-540,12 7 181,14-16-412,7-1 231,-2-9-1145,9-1 1370,-28 0 1,3-2 494,18-6 0,2-1 0,-13 6 0,1 0 0,13-5 0,1-1 0</inkml:trace>
+  <inkml:trace contextRef="#ctx0" brushRef="#br0" timeOffset="110719">10830 12773 9961,'0'15'990,"21"-6"-900,1-4 0,24-18-180,-14 10 90,2-10 90,-12-3-180,0 13 180,-2-25 90,-3 25-91,-1-21 1,-6 15 90,-4-16-90,-2 11-90,-4-3 180,0 8 0,-23 2-90,17 3 90,-38 1-90,24 3-90,-19 0 180,-6 15-180,13-11 0,-15 28 90,31-7-90,-1 20-270,17-5-180,0-1-1439,43-2 270,-12-11 1619,15-7 0,6-4 0,8 0 0,-17-8 0,-1 1 0</inkml:trace>
+  <inkml:trace contextRef="#ctx0" brushRef="#br0" timeOffset="112283">12702 12052 12300,'0'40'270,"0"0"-180,0-3 0,0 5-90,0 9 0,0 0 0,0-11 0,0 0 0,0 20 0,0-12 0,0 0-1378,0 3 1378,0 10-227,0-16 227,0-16-180,0 6-359,0-23 359,0-17 90,0-20 0,0-10-90,0-32 180,0 18-90,0-1 0,0-2 334,0 18 1,0-2-335,0-30 0,0-1-306,0 24 1,0 1 440,0-14 0,0 0-45,0 17 0,0 2-45,0 0 0,0 2 45,0-31-45,10 27 0,4 2 225,13-14-135,-1 18 0,3 4-45,11 4 90,11 4 0,-22 16 0,6 3-90,-8 25 90,-8 10-770,-3 13 770,-11 3-180,-5-10 262,0 22-172,-19-15-180,8-7 0,0 0-180,-13 5 270,-10 8-270,29-8 270,-24-16 1108,26 11-1018,-8-21 0,57 5 90,-15-10-45,2-6 0,4 0-45,-2 2 0,-1 0 269,17 5-89,-5 1 0,-1 2 90,4 4-617,10 10 617,-27-8 0,-6 1 249,-7 1-519,-9 0 0,-6 0 90,-4 0-90,-20 12 90,-17-10-90,3-3 0,-3-2 0,3-8 0,0-3-741,-4 5 0,1-1 561,-23 2-360,2-3-180,-1-2-539,0-6-1397,4-1 2656,3-4 0,6-1 0,3 0 0</inkml:trace>
+  <inkml:trace contextRef="#ctx0" brushRef="#br0" timeOffset="113189">13970 12138 12930,'0'41'0</inkml:trace>
+  <inkml:trace contextRef="#ctx0" brushRef="#br0" timeOffset="113425">14038 12649 9961,'-10'7'360,"7"0"-180,-7-2 0,10 0 90,0 1 0,17 7-180,-13-1 89,27 6 1,-27-3-180,24 1 270,-24 0-270,22-2 0,-23 0 90,10-2-360,-13 7-449,0-4-2160,-37 13 2879,6-9 0,-2-6 0,-2 0 0,-19 6 0</inkml:trace>
+  <inkml:trace contextRef="#ctx0" brushRef="#br0" timeOffset="114487">5225 15176 10681,'24'-37'899,"0"1"-719,-5 3-704,1-6 613,1-4-89,0-4 0,-2-3 90,-3 2 180,-2 1-180,-3 2 0,-4 1 90,-4 5 309,0-10-399,-3 18-180,0-4 479,-17 20-389,0 27 0,-3 47 0,7 3-1009,12-14 1,2 1 918,-1-15 0,0-1-90,0 2 0,0 1-546,-1 1 0,2-1 501,7 0 0,0 0-427,-7-1 1,2-1 336,13-2 0,2 2-540,-8 9 1,-1 0-135,12 19 989,-7-14 0,-3-1 0,-8 2 0,8 10 0</inkml:trace>
+  <inkml:trace contextRef="#ctx0" brushRef="#br0" timeOffset="114619">5262 15565 10411,'0'-40'0,"0"2"0,17-10-180,-13 12-315,22 3 1,5 0-226,-3-5 720,11 6 0,4 2 0,4-6 0,-15 14 0,-1 0 0</inkml:trace>
+  <inkml:trace contextRef="#ctx0" brushRef="#br0" timeOffset="115182">5917 14799 10591,'-23'15'1169,"6"4"-1169,17 11 0,0 1 0,0-3 0,16 19 0,-12-10-45,13-6 0,0 0-135,-12 0 1,26 9-91,-28-22-180,24-3 90,-23-5-539,31-6 629,-23-1-90,23-21 360,-19-7 90,4-11 0,-8-4 90,-2 7 90,0 0-90,-2-1 179,0 2-89,-4 2 0,2-3 90,-2 11 359,1 4-629,0 13 90,0 5-180,1 0 90,3 19 0,0-14-90,8 53 0,-3-36 0,-1 11 0,1 2-180,3-3-180,10 16 1,-11-32-1,4 12-450,0-26 630,-4 7 1,10-24 179,-7 11-90,1-34 180,-2 20 179,-4-21 901,7-13-900,-9 20-91,4-18 271,-11 38-180,-1 0-90,0 12-180,-2 0 0,3 0 90,-2 16-90,1-12 0,1 44 0,1-27-540,3 40 1,-2-31-631,9 17 451,-3-23-91,6 2-89,0-14-361,1-6 1260,2 2 0,2-7 0,1 4 0</inkml:trace>
+  <inkml:trace contextRef="#ctx0" brushRef="#br0" timeOffset="115333">6982 15031 10771,'7'0'450,"1"19"-271,-2-15-89,1 32 0,-1-31-90,1 31 90,1-20-90,2 17-719,10 1-1,-5-8-2518,20 12 3238,-12-18 0,14 3 0,-10-10 0</inkml:trace>
+  <inkml:trace contextRef="#ctx0" brushRef="#br0" timeOffset="115635">7575 14740 10861,'-15'10'809,"1"-7"-539,0 20-90,0-13-180,-7 17 90,5-9-180,-6 16 180,12-9-90,2 11-540,7 5 181,1-8-1261,25 20 451,9-24 1169,-2-9 0,3-3 0,19-4 0,4-1 0</inkml:trace>
+  <inkml:trace contextRef="#ctx0" brushRef="#br0" timeOffset="115884">7955 14428 12300,'-10'16'270,"2"7"-270,8 10 0,0 19 0,0-14-1276,17 16 1096,-12-13-270,13 0 284,-6 3-1543,-9 17 629,21-14-324,-22-10 0,-1 0 1249,17 3 0,-17 8 0,6-19 0</inkml:trace>
+  <inkml:trace contextRef="#ctx0" brushRef="#br0" timeOffset="116006">7848 14971 10861,'0'-26'180,"0"-11"-180,0 10-990,23-20 271,5 22-1708,13-6 1258,0 15 1169,-9 3 0,4 2 0,0 2 0</inkml:trace>
+  <inkml:trace contextRef="#ctx0" brushRef="#br0" timeOffset="116233">8377 14694 11850,'-21'0'630,"8"15"-630,5 4 0,8 9 0,0 1-270,0-4-450,0 15 181,14-9-1350,-10 19 630,23-23-450,-24 3 1709,11-14 0,-2-5 0,2-2 0</inkml:trace>
+  <inkml:trace contextRef="#ctx0" brushRef="#br0" timeOffset="116385">8392 14521 10951,'-18'-13'0,"4"3"-90,4 2-2968,7 4 3058,13 16 0,14 4 0,20 14 0</inkml:trace>
+  <inkml:trace contextRef="#ctx0" brushRef="#br0" timeOffset="116653">8853 14630 10771,'-47'0'1349,"0"15"-1349,4 3 0,8 18 0,14-7 90,11-1-270,10-8 0,18 6-90,-14-7-89,53 6 179,-31-17 180,33 0 0,-6-8 0,-14 0 0,17-19 0,-27 0-360,-6-17 0,-14 6-359,-36 13 89,20-5-809,-46 19 1439,32-6 0,-23 3 0,11-1 0</inkml:trace>
+  <inkml:trace contextRef="#ctx0" brushRef="#br0" timeOffset="117016">9153 14723 10411,'5'15'720,"0"6"-630,-3-14 89,4 12-268,-2-8 268,4 6-89,-3-8-90,1 2 0,-2-7 0,0 0-90,-1-2-89,1 0-1,-1-2-90,1 0 180,3-19-90,0 15 180,9-44 90,-6 29 270,13-40-90,-9 29-433,5-9 343,-5 14 145,-1 3-145,2 4 179,4 4-359,-5 7 90,8 3-180,-10 24-359,9 10-91,-8 11 71,3 4-3218,4 12 3687,-2-12 0,6 15 0,-4-19 0</inkml:trace>
+  <inkml:trace contextRef="#ctx0" brushRef="#br0" timeOffset="117521">11220 14346 11940,'0'-10'720,"0"0"-360,0 5 89,0 0-359,19 3-90,3 19 90,25 10-90,-11 11-180,-9-8 0,-1 0-269,7 10-137,-11-12 1,0 0-315,8 12 1,2 0-360,-2-2-91,1-2 1350,0-4 0,-2-4 0,-1-2 0</inkml:trace>
+  <inkml:trace contextRef="#ctx0" brushRef="#br0" timeOffset="117716">11725 14301 11041,'-28'0'270,"-15"0"-270,5 20 0,4-5 0,0 4 89,-9 27-1817,13-18 1,1 0 1727,-12 20-180,20-22 0,0 2-398,-4 11 1,0 2 82,6-10 1,2-1-91,-3 10 1,2-1 584,-1 12 0,7-4 0,2 1 0</inkml:trace>
+  <inkml:trace contextRef="#ctx0" brushRef="#br0" timeOffset="118133">12310 14553 9332,'0'-33'449,"0"7"-269,0-5 180,0 6-270,15-3 90,-11 1 629,10-30-629,-14 22 0,4 1 0,0 1-90,-2 6 0,5-9-90,-7 21 270,0 2-270,0 30-90,0 11-270,0 32-90,0-10-45,7-13 1,0 0-503,-3 9 187,10 13 1,-1-20-181,-10-2-359,11-2 1349,-14-3 0,0-2 0,0-1 0</inkml:trace>
+  <inkml:trace contextRef="#ctx0" brushRef="#br0" timeOffset="118269">12250 14867 11580,'0'6'810,"0"-2"-1260,21-16 0,7 9-449,11-28-450,2 27-1280,-9-25 2629,3 25 0,0-19 0,1 9 0</inkml:trace>
+  <inkml:trace contextRef="#ctx0" brushRef="#br0" timeOffset="118533">13145 13946 11041,'-32'0'359,"2"0"-89,-3 24-90,4-18-180,-1 45 90,3-26-90,11 11 0,4 4 0,-5 11-135,7-5 0,2 0-314,5 7-541,14-10 1,2-2-1280,-7 4 2269,20-18 0,4-2 0,-4 2 0,27-2 0</inkml:trace>
+  <inkml:trace contextRef="#ctx0" brushRef="#br0" timeOffset="118800">13573 13873 11670,'0'-9'630,"0"1"-540,19 6 0,-15 15 270,31 14-270,-13 9-90,-4-4 0,0 2 90,3 13-90,-6-1 0,-2 1-1296,-4 13 1206,-1-20 0,-1 0-270,-1 15-89,-6 0-271,0-1-359,-27-3-271,20-1 271,-20-27 0,0 0 1079,20 18 0,-46-3 0,20-3 0</inkml:trace>
+  <inkml:trace contextRef="#ctx0" brushRef="#br0" timeOffset="119150">14538 14070 7083,'0'-4'0,"0"0"0</inkml:trace>
+  <inkml:trace contextRef="#ctx0" brushRef="#br0" timeOffset="119817">14483 13591 9332,'-7'0'1889,"2"0"-1170,3 12-719,1 8 0,1 17 0,0-4 180,0 19-180,0-18 45,8-1 0,0 1-45,-4 8-943,11 15 943,-4-18 0,-9-1-76,9-1 166,-11-2-90,0 0 0,0-5 0,0 8 0,0-15-180,0 12 0,-16-21-89,12 2-271,-23-10 756,10-3-486,-14-1 443,1-20 187,4-5-90,9-18 90,8 9 89,6 3 1,3 5 90,16 6-360,4 5-90,11 6-90,-2 28 0,-16 5 0,8 11 0,-9 13 0,5-17 0,2 28-360,-8-25-180,3 28 0,-6-26-854,0 9 315,-3-15-453,-2-1-626,0-2 2158,-1 0 0,-1-3 0,1 0 0</inkml:trace>
+  <inkml:trace contextRef="#ctx0" brushRef="#br0" timeOffset="120435">15378 13458 11760,'0'-25'630,"0"10"-450,0-4 360,0 14-540,0 17 89,0 15-89,0 13 0,0 6 0,0 17 0,0-14 0,10-8 0,1 1 0,-6 5-435,14-19 1,0 0 434,-15 5-274,31-4 94,-20-4 1,16-3 89,-9-4-90,1-3 90,4-2 90,-10-6-360,6-1 360,-16-4 869,0-18-599,-7-2-180,-16-1 360,12-11-446,-31 13-4,18-2 0,-5-1 180,-3 18-180,11-6 0,-2 30 90,-4-16-90,15 57 0,-5-34 0,7 12 0,2 3 0,1 5 0,9-6 0,1-1-622,-6 8 532,15 14-270,-7-5 180,-9-15-405,9-11 1,-1 0-1035,-9 3 1614,8 18 1,-10-25 0,0 6 0</inkml:trace>
+  <inkml:trace contextRef="#ctx0" brushRef="#br0" timeOffset="120573">15910 14514 10051,'10'11'-607,"-1"-8"0,-6 9 0,-2-12 0</inkml:trace>
+  <inkml:trace contextRef="#ctx0" brushRef="#br0" timeOffset="123566">18348 5984 8522,'0'30'990,"0"-5"-721,0 4 91,-11-6-270,8 5 360,-14 21-270,15-5-1663,-11 18 1753,8-12-90,-6 5-45,5-10 0,1 1-90,0-8 0,0-1 0,-1 16 0,-1 0 45,2-12 0,-1-1-45,1 1 0,-1 2 0,0 1 0,-1 2-876,0-2 0,0 3 1,0-2 875,-1 8 0,-1 2-15,0 8 0,-2 7 0,2-6-721,0-1 1,0-1 720,1-6 0,0 3 0,1-2-30,1-12 0,2-1 0,-1 0 30,0 2 0,-1 1 0,1 0-30,1 1 0,-1 1 0,1 3 22,0 2 1,0 4 0,0 1-1,0-3-22,0 3 0,0-2 0,0 4 0,1-4 0,0 6 0,0 2 0,0-2 0,1-6-428,-1 5 1,2-4-1,-1 2 428,1-3 0,-1 3 0,1 0 0,0-3 0,1 0 0,-1-3 0,1 0 0,0 3 0,0-1 0,0 1-256,0 0 1,-1 0 0,1 1 285,0 0 0,0 1 0,0 0-30,0 0 0,0-1 0,0 1 188,0-1 0,0 0 1,0 4-189,0-2 0,0 3 0,0 1 0,0-3 0,0 1 0,-1-1 0,2 4 0,1-7 0,1 7 0,1 1 0,-1-2 0,0-7-78,-2 6 1,0-6 0,1 2 77,0-2 0,2 3 0,0-1 0,0-3 0,1-1 0,0-3 0,-1 1 0,-3 0 0,0 0 0,0 0 0,3 1 0,1-1 0,-1 1-30,1-1 0,-2 0 0,0-1 30,-2 0 0,0 0 0,0-1 0,4 0 0,2-1 0,-2 0 0,-3-2 0,-3 0 0,2 0-30,1-1 0,0 0 0,0 0 30,-2-3 0,0 0 0,0 3 30,0 14 0,0 4 0,0-3 166,0-15 1,0-2 0,0 3-220,0 7 1,1 6-1,0-1 1,-3-6 22,-8 12 0,0-2 22,9-13 1,1 4-1,0 1 1,-3-7 329,-15 12 1,2-4-383,13-9 0,4 3 0,-3-3 75,-12 19 0,1-5-90,11-16 0,1 1-45,-5-1 0,-2 2 0,1-4 0,6-8 0,0-2-225,-5 17 0,0-3 71,2 0-746,-2 5 1723,0-26-2353,3-6 1891,0-5 0,2-6 0,1-1 0</inkml:trace>
+  <inkml:trace contextRef="#ctx0" brushRef="#br0" timeOffset="129983">14935 14275 10141,'0'-30'1439,"0"5"-1349,0 6 0,0 3 0,0 3-180,0 0 90,15-5 0,-11 5 0,24-15 0,-24 11 0,10-6 0,-4 6 0,-8 4 90,8-2 0,-7 0-90,-2 5 0,3-3-90,-4 8 90,1 19-360,0 22 1,0 4 89,-1-6 0,0 1-270,0 4-532,0 12 442,0-16 90,0-3-89,0-2-271,0-1-89,0-3 989,0-5 0,0-1 0,0-3 0</inkml:trace>
+  <inkml:trace contextRef="#ctx0" brushRef="#br0" timeOffset="130100">14998 14511 10231,'-14'4'990,"2"1"-1530,31-3-539,-14-16-361,38 10 1440,-23-24 0,24 26 0,-9-9 0</inkml:trace>
+  <inkml:trace contextRef="#ctx0" brushRef="#br0" timeOffset="131350">15653 8352 8252,'-22'0'270,"9"-15"-360,1 11 90,11-24 0,-5 25 0,6-26 90,-2 17-180,2-15 180,0 8-180,0 1 180,0 3-180,0 0 90,0 2 0,0 2 90,14 1 0,-10 3 270,11 1-180,-5 2-90,-1 1 0,2 26-90,-4 3-90,-7 27 180,0-13-90,0 14-90,0-24-90,-14 17-180,10-24 180,-10 4 90,3-13-180,8-4 180,-8 0 0,11-4 1170,0-1-451,16-3-269,2-1-360,21-1 90,4 0-90,-3 0-629,16 14-541,-21-10 1170,11 10 0,-12 0 0,1 3 0</inkml:trace>
+  <inkml:trace contextRef="#ctx0" brushRef="#br0" timeOffset="140354">6893 17286 12480,'19'7'1619,"5"2"-1529,10 6-90,-1 11 0,-9-12 0,-2 17-270,-2-6-180,-3 3-269,-3 2-1,-8 2-1619,4 17 810,-9-11 1529,2-5 0,-1 1 0,-2 4 0,0 12 0</inkml:trace>
+  <inkml:trace contextRef="#ctx0" brushRef="#br0" timeOffset="140585">7358 17377 11400,'0'-6'1350,"-17"3"-1170,-10 1 0,-16 18-270,15 7-715,-12 9 805,35 1 0,-27-7 0,29 2-165,-10 0-284,13 0-181,0 1-1079,23 10 450,-17-10-540,44 7 1746,-27-15 1,26-3 0,-10-2 0</inkml:trace>
+  <inkml:trace contextRef="#ctx0" brushRef="#br0" timeOffset="140934">7758 17647 9332,'0'-16'359,"17"0"-269,-13-4 0,29-17 0,-29 6 90,24-28 90,-15 23-941,0-12 941,4 18 11,-16 2 79,6 3 0,-7-2-360,0 10 180,0-3 180,0 15 205,0 17-475,-13-8 94,10 34-184,-9-18 0,12 37-90,0-18-315,0-4 0,0 0-224,0 7-766,0-8 1,0-1-939,0 5 2333,0 11 0,0-19 0,0 0 0</inkml:trace>
+  <inkml:trace contextRef="#ctx0" brushRef="#br0" timeOffset="141100">7790 17918 11041,'52'-33'-3059,"-9"15"3059,-1-8 0,-8 22 0,2-9 0</inkml:trace>
+  <inkml:trace contextRef="#ctx0" brushRef="#br0" timeOffset="141423">8633 16959 10681,'-32'-13'989,"1"3"-719,8 3 90,-4 3-90,0 3 90,-17 24-180,9-2-136,4 10 1,2 4-45,-6 14-2117,7-1 1,2 2 2116,12-18 0,3 0 0,-4 11 0,3-2 808,3 15-808,5-2 0,2-5-540,25 12 0,-18-19-180,26-12 1,6-4-360,-5 1-541,15-10 1,5-4 1619,7-4 0,-18-5 0,0 0 0,18-4 0</inkml:trace>
+  <inkml:trace contextRef="#ctx0" brushRef="#br0" timeOffset="141700">9003 16910 11221,'0'-20'719,"0"0"-629,0 5 0,20 1 0,-15 6 0,41 4 0,-26 2-180,25 2 180,-12 25-90,15 11 90,-13 15-90,-7-14 0,-2 1-227,2 13 227,-12-4 0,-1 0-901,0 12 856,-11-20 0,0 0-225,0 15-180,-4 1-179,-24-3-721,9-16 1,-1-1-1158,-14 15 2507,4-19 0,2-1 0,4 3 0,-22-2 0</inkml:trace>
+  <inkml:trace contextRef="#ctx0" brushRef="#br0" timeOffset="141917">9892 17241 12390,'0'-10'-2339,"0"2"-449,-16-7 2788,12 10 0,-11-2 0,15 6 0</inkml:trace>
+  <inkml:trace contextRef="#ctx0" brushRef="#br0" timeOffset="142169">10047 17543 10681,'0'17'360,"-16"-2"-270,12-3 179,-11-1-179,15-3 0,0-1 360,0 0-450,0 0 90,0 6 0,16-3 270,4 7 90,0-5 179,7-1-179,-24-2-450,9-4-270,-12 0-180,0-3-1349,-54 1 0,12 0 1799,-21 0 0,-6 1 0,26-1 0,1 1 0,-18 1 0,0-1 0</inkml:trace>
+  <inkml:trace contextRef="#ctx0" brushRef="#br0" timeOffset="142721">11417 17255 11490,'50'0'90,"-9"0"-180,6 0-359,-8 0-792,4 0 161,3 0-269,0 0 1349,0 0 0,-1 0 0,-2 0 0</inkml:trace>
+  <inkml:trace contextRef="#ctx0" brushRef="#br0" timeOffset="142906">11560 17539 11760,'-8'3'900,"28"-2"-1080,14-14-360,18 9 0,1-11-359,-11 2-1924,5 10 1384,-1-10 1439,4 2 0,0 9 0,2-9 0</inkml:trace>
+  <inkml:trace contextRef="#ctx0" brushRef="#br0" timeOffset="143150">12008 17136 11221,'-37'-24'1259,"2"1"-719,-5-5-540,15 8 90,2-3 629,10 12-719,31 4 0,-2 21 0,8 9 0,18 12 0,-37 1-614,37-3 434,-38 3-315,11-5 1,0 3-136,-12 18-584,5-2 0,-5 1-91,-16-19 1,-2 0 1182,13 12 0,-3-1 0,-23-10 0,-5-2 0,13 1 1,-1 1-1</inkml:trace>
+</inkml:ink>
+</file>
+
+<file path=ppt/ink/ink17.xml><?xml version="1.0" encoding="utf-8"?>
+<inkml:ink xmlns:inkml="http://www.w3.org/2003/InkML">
+  <inkml:definitions>
+    <inkml:context xml:id="ctx0">
+      <inkml:inkSource xml:id="inkSrc0">
+        <inkml:traceFormat>
+          <inkml:channel name="X" type="integer" min="-2.14748E9" max="2.14748E9" units="cm"/>
+          <inkml:channel name="Y" type="integer" min="-2.14748E9" max="2.14748E9" units="cm"/>
+          <inkml:channel name="F" type="integer" max="32767" units="dev"/>
+        </inkml:traceFormat>
+        <inkml:channelProperties>
+          <inkml:channelProperty channel="X" name="resolution" value="1000" units="1/cm"/>
+          <inkml:channelProperty channel="Y" name="resolution" value="1000" units="1/cm"/>
+          <inkml:channelProperty channel="F" name="resolution" value="0" units="1/dev"/>
+        </inkml:channelProperties>
+      </inkml:inkSource>
+      <inkml:timestamp xml:id="ts0" timeString="2021-09-27T03:34:24.912"/>
+    </inkml:context>
+    <inkml:brush xml:id="br0">
+      <inkml:brushProperty name="width" value="0.09071" units="cm"/>
+      <inkml:brushProperty name="height" value="0.09071" units="cm"/>
+      <inkml:brushProperty name="color" value="#FF0000"/>
+    </inkml:brush>
+    <inkml:brush xml:id="br1">
+      <inkml:brushProperty name="width" value="0.12095" units="cm"/>
+      <inkml:brushProperty name="height" value="0.12095" units="cm"/>
+      <inkml:brushProperty name="color" value="#FF0000"/>
+    </inkml:brush>
+  </inkml:definitions>
+  <inkml:trace contextRef="#ctx0" brushRef="#br0">2878 4428 12840,'-17'-19'1619,"13"-8"-1529,-13 14 0,17-11-180,0 3 180,19-1-90,-15 2 0,34-1 0,-22-6 0,18 0-214,-7-3 124,1-2 0,1 0 0,-1 0 0,-2-2 90,5-15-90,-10 11 90,-8 5 0,-1 0-90,-5-5 90,0-23 0,-7 28 0,0-6-180,-19 13 180,15 9 0,-15 1 0,5 11 0,11 23-90,-24 1-180,24 21-89,-19 19-91,11-8 0,4-3 0,0 1-55,-3 11-215,7-7 0,2 0-726,1 8 1131,0-20 1,0-2-406,0 18 1,18-1-181,-14 1 900,14-3 0,-5-1 0,4-2 0</inkml:trace>
+  <inkml:trace contextRef="#ctx0" brushRef="#br0" timeOffset="150">3022 4856 9602,'-14'-22'449,"3"-7"-449,11-13-90,18-1-269,13-11-361,10 10-1312,-7 4 0,1 0 2032,11-7 0,-14 15 0,0 1 0,15-11 0</inkml:trace>
+  <inkml:trace contextRef="#ctx0" brushRef="#br0" timeOffset="466">3540 3985 8702,'0'-5'900,"-15"-1"-721,11 3-179,-10-1 0,1 3 540,10-2-450,-10 18-90,13 4 0,0 23 0,0 4 0,0-8 0,19 9 0,-3-23 0,5 5 90,0-8-90,-9-8 0,7 2 0,-3-11 0,-6-22 0,-3-8 0,-4-13 0,-2 5 0,-1-2-90,0 6-450,-17 6-719,12 0 1259,-13 16 0,18-2 0,0 4 0</inkml:trace>
+  <inkml:trace contextRef="#ctx0" brushRef="#br0" timeOffset="816">3907 4011 8522,'-15'-5'990,"11"-3"-990,-11 27 0,29-1 0,4 36 0,0-21 0,4 7 0,-20-17 359,6-6-359,-2 2-90,-5-29 180,5-25-180,-6-5-180,0 4 1,0 0-181,0-2-90,0-12-89,0 17-181,0 3 810,20 2 0,-16 4 0,16 1 0</inkml:trace>
+  <inkml:trace contextRef="#ctx0" brushRef="#br0" timeOffset="1383">4297 3937 8792,'-23'17'989,"4"0"-1079,19 15 90,15-3 90,-11-5-90,10-3-90,-6-8 90,-5-23 0,11 8-89,-13-33 178,9 31-178,-6-33 89,5 23 0,-3-17 0,1 20 0,-3-10 89,3 13 91,-3-5-90,5 7 0,-2 6 90,4 0-180,-2 20 0,1-15 0,1 31 90,3-13-90,-4 7 0,5 9 0,-8-17 0,1 7 90,-3-19-180,-2 5 0,0-14 90,-2 4 0,2-19 90,2 10-180,3-42 90,-1 25 90,5-28-90,3 8-90,-2 11 180,9-5 180,-11 14 90,7 11-360,-7 1 0,6 9 90,-6 22-90,4-16-720,1 48-179,-1-32-496,-1 10 1,-1 2 1394,7 2 0,7 11 0,-3-14 0</inkml:trace>
+  <inkml:trace contextRef="#ctx0" brushRef="#br0" timeOffset="2333">5815 3679 10231,'0'-23'540,"-18"2"-450,0-3 0,-4 7-90,-9 1-90,9 11 90,-17 20 90,9-11-90,11 31 0,2-31 0,14 38 0,-6-23-90,9 34 180,0-20-90,23 24-90,2-24 135,-2-5 0,1 0-135,-1 2 270,8 5-180,-28-15 0,19-5 90,-20-3-90,7-2-180,-27-6-540,-2-17-359,-16-4 629,7-18 90,12 9-269,7-12 269,10 14 0,20-19 360,-14 17 0,27 2 0,5 0 0,-13 1 360,13 4 0,0 4 89,-10 6 451,6 1-271,-11 7-449,-5 1 0,-5 16 90,-2-12-270,-7 31 0,2-30 0,-1 27 0,-1-15 0,2 0 0,0 8-180,2-16 270,0 10-270,4-9 90,1-1-90,2-4-89,9-2 269,-4-3 0,12-18-90,-13 14 180,2-31-180,-7 31 90,-4-34 0,1 33 180,-4-36-180,0 28 0,-2-9 0,1 0 359,-4 11 271,2-4-450,-3 6-90,2 9 0,1 0-90,2 0-90,1 20 90,5 3 90,1 13-90,10 6 0,-6-16-270,15 14 270,-12-20-90,6 4 0,0-11 90,-7-6-90,7 2 180,-14-8-180,3-15 90,-9 9 90,-1-28 90,-4 10-180,-1-13 0,0 4 90,-13 14-270,9 27-270,11-4-179,-2 28-991,29-12 271,-10-1 1349,5 10 0,5-26 0,-10 9 0</inkml:trace>
+  <inkml:trace contextRef="#ctx0" brushRef="#br0" timeOffset="2816">6743 3423 9152,'0'-12'629,"-12"3"451,10 0-451,-10 5-359,12 16-360,0 10 90,0 24 90,15-7-90,-6-2 0,0-1 0,10 3 0,-4-3 0,-4-1-90,-8-4 0,16 13 90,-18-23 0,6 2-180,-7-14-269,0-2-91,0-3 360,0-18 90,0-3 180,0-20-90,0 2-90,0 2 270,17 8 0,2 13 180,16 7-90,-5 24-1,-5 4-89,-6 19-180,-9-2 0,-5-2 0,-25-7 0,-9-8-269,-28-7-91,7-8-180,-3-3-539,-7-5 269,20 0-1529,-22-17 2339,38 0 0,1-3 0,18 7 0</inkml:trace>
+  <inkml:trace contextRef="#ctx0" brushRef="#br0" timeOffset="3652">7175 3637 10951,'0'31'270,"0"6"-270,0-7 0,14 4-90,-10-10 90,10 8 90,-14-9-270,9 8 180,-6-17-360,6 0 180,-5-11 90,-2-13 90,6-10 0,-2 2 0,2-21-90,-1 21 90,3-19 0,0 11 0,6-8-90,-5 9 270,8-3-180,-9 12 180,7 8-180,-7 1 90,2 7-90,-3 19 0,-1-15 0,0 34 0,0-33 0,-1 37 0,-1-25 0,1 30 0,-4-23 0,4 5 0,-3-11 0,0-9-90,0 3-90,-2-11 0,1 3 90,3-4 90,-2-16-90,9-5 90,-5 1 0,12-32 0,-8 33 0,4-26 0,-3 18 90,-3 15 0,5-7-90,-6 17 0,5 12 0,-6-6 0,3 30 90,-3-29-90,0 35-90,1-25 90,4 27 90,-2-20-180,8 10 180,-6-22-180,8 7 90,-7-16 0,4 4-90,-6-5 90,1-16 0,-1 12 90,4-31-90,-4 9 90,2-20 90,-8 10-90,0 2 0,-5 15 989,-1-1-1079,0 24 0,0 9-270,0 26 91,14-5-361,-10 1-90,10-11-809,-4 7 540,-8-11 899,18 7 0,-11-13 0,10 2 0</inkml:trace>
+  <inkml:trace contextRef="#ctx0" brushRef="#br0" timeOffset="3820">7820 3378 9512,'-4'-8'0,"2"2"0,-4 2 0,4 2-180,-1 1-900,1 1 1080,1 16 0,-1 3 0,2 15 0</inkml:trace>
+  <inkml:trace contextRef="#ctx0" brushRef="#br0" timeOffset="4052">8153 3392 9781,'7'0'1080,"3"0"-810,1 18-270,2 1 0,11 26 0,-8-13-270,13 19-270,-11-20-360,1 3 1,0 0 90,3 2 809,-3-4 0,-1-1 0,-2-5 0,3 4 0</inkml:trace>
+  <inkml:trace contextRef="#ctx0" brushRef="#br0" timeOffset="4217">8092 3667 7623,'0'-7'0,"0"0"-90,17 1 180,-13-1-90,35 0-270,-19-2-450,20 1 720,-5-1 0,1 2 0,1 0 0</inkml:trace>
+  <inkml:trace contextRef="#ctx0" brushRef="#br0" timeOffset="5301">9045 3771 8612,'40'-17'900,"19"-9"-541,-13-10-2050,-14 14 0,2 2 1736,-6 2 0,1 0-45,2-2 0,3-1 45,17-12 0,3-1-90,-10 6 0,0 0 75,-6 4 0,2-2 0,-2 1-75,5-2 0,-1 0-45,-1-2 0,0 1-90,0 2 1,0-2-676,12-8 1,0 0 134,-15 10 0,-1 0 720,9-4 0,-3 0 0,6-5 0,-6 3 0</inkml:trace>
+  <inkml:trace contextRef="#ctx0" brushRef="#br0" timeOffset="5699">10908 2089 9781,'-16'18'1260,"2"5"-1170,14 16-180,0 0-270,0-4 90,0 0-270,0 5 91,0-1-91,0 3-90,0-1-1528,0 16 2158,0-16 0,0 9 0,0-20 0</inkml:trace>
+  <inkml:trace contextRef="#ctx0" brushRef="#br0" timeOffset="5867">10835 2008 8432,'0'-18'90,"-16"3"-180,13 3 0,-13 4 90,16 1-2338,0 1 2338,16 4 0,-12 0 0,13 2 0</inkml:trace>
+  <inkml:trace contextRef="#ctx0" brushRef="#br0" timeOffset="6300">11568 2000 9152,'-40'0'1079,"16"15"-809,-8-11-90,28 28-90,-32-17 0,18 28-90,-4-12 0,1 9 90,19-11-90,-5-3 0,7-2 0,20 5 0,-15-10-90,33 5 90,-12-15-90,21-2 90,-8-6 0,-2-19 0,0-10 0,-12-11-45,-5 7 0,-2-2 45,-6-12 0,-1 3 0,-2-2 0,-8-10 359,3 8 1,-2 1-1103,-2-5 923,0-11-356,0 20 86,0 14 900,-12 2-900,9 39 0,-10 17-180,13 17-90,0 7-315,7-19 1,0 0-316,-3 24-477,2-6 0,2 1 542,-2-20 0,0-1 925,-4 14 0,-1-1 0,6-11 0,-1-2 0,-6 3 0,0-1 0</inkml:trace>
+  <inkml:trace contextRef="#ctx0" brushRef="#br0" timeOffset="6736">9135 4101 8432,'45'-28'0,"3"1"0,5 9-2660,6-1 2480,2-2-180,1 2 45,-30 9 1,0 1 314,14-3 0,-1 1 0,-10 3 0,0 0 0,9-1 0,1 0 0</inkml:trace>
+  <inkml:trace contextRef="#ctx0" brushRef="#br0" timeOffset="6967">11042 3722 9691,'8'0'-629,"5"0"-181,-2 0 810,12 0 0,-4 0 0,7 0 0</inkml:trace>
+  <inkml:trace contextRef="#ctx0" brushRef="#br0" timeOffset="7118">11760 3767 8342,'10'0'-180,"1"0"-539,2 0 719,4 0 0,3-13 0,2-2 0</inkml:trace>
+  <inkml:trace contextRef="#ctx0" brushRef="#br0" timeOffset="7316">13290 3521 9332,'34'0'449,"0"0"-449,-2 0 0,-1 0 0,-1-16-539,15 0 89,-8-3-360,-2 5 1,2 1 327,9-5 1,-13 5 0,-1-1 0,15-10 0</inkml:trace>
+  <inkml:trace contextRef="#ctx0" brushRef="#br0" timeOffset="7418">14273 3266 9871,'23'0'-90,"-8"0"90,-2 0 0,-28 11 0,-6 3 0</inkml:trace>
+  <inkml:trace contextRef="#ctx0" brushRef="#br0" timeOffset="9567">11792 1382 7892,'-32'-12'270,"-1"-9"-180,-3 11 90,-2-10-580,-2 5 580,-2 3-180,0 1 90,-3 6 0,-3-1 0,-1 5-463,-4-1 373,-2 2-305,-4 18 305,-3-13 45,29 13 0,0 1 45,-1-10 0,0-1-45,-1 10 0,0 1-505,0-4 1,-1 0 459,0 1 0,-1 1 45,1 0 0,1 0 0,0 1 0,1 0 0,2-1 0,0 1-1,-10 7 1,2 2 0,10-7 0,2 1-45,-8 5 0,3 1 0,-7 12 90,6 1 0,2 2-90,10-8 0,1 1 90,-10 21-90,8-7 0,1 2 0,-1 12 45,11-22 0,2-1-45,3 18-90,4-1 270,3 1-180,20 1-90,-15 0 90,16-29 0,6 0 45,-5 13 0,2-1 0,5-9 0,4-1-45,-1 2 0,3 2 0,-1-5 0,2-3 0,0-4-777,14 9 0,1-4 777,-9-11 0,-1-4 0,3-1 0,1-1 0,2-2 0,1-2-45,1-2 0,1-1 45,1-2 0,0-1 0,0 1 0,4-3-30,-6-4 0,3-3 0,-2 2-287,8 4 1,2-2 293,-13-7 1,4-5-1,0-1 1,-5 3-342,11 1 0,-2-2 364,-8-4 0,2-5 0,-3 2 0,1 0 0,-4 0 0,1-3 0,-2-1 0,-2 0 0,-1-3-45,12-14 0,-2-3 45,-13 11 0,-1-2 30,0-6 0,1-4 0,-4 2-75,-5 3 0,-2-1 75,0-7 0,1-5 0,-4 3-30,-4 3 0,-2 1 30,-2 6 0,0-2 0,-1 0 150,0-23 0,-3 1-135,-2 16 0,-2-2-45,-1-3 0,-1-4 0,-1 5-45,0 6 0,-5 1 15,-9-1 0,-6-4 0,-1 6 101,3 6 0,-6 3-251,-14-1 0,-10-1 1,2 6-46,0 6 0,-2 4 235,4 3 1,-4 1-1,-3 4-550,-12 5 0,-3 4 1,1 2-364,10-2 1,2 2-1,-3 2 903,-1 3 0,-2 3 0,-1 1 0,3 1 0,-5-1 0,4 1 0,-1 3 0,-3 5 0,0 0 0,0-1 0</inkml:trace>
+  <inkml:trace contextRef="#ctx0" brushRef="#br0" timeOffset="13566">3052 6837 8342,'0'-7'540,"0"1"-180,0 1 0,0 0 269,0 2-449,14 2-90,-10 24 0,28-3-90,-28 24 0,28-6-90,-28 6 135,14-6 0,2 1-413,-6 22 368,5-7 0,1-1 0,-2 8 0,-5-13 0,-1 0 0,1 1 0,1 11-90,-6-16 180,-4-16-270,0 6 0,-3-23 90,-1-23-90,-21-19 90,3-18 135,-2 10 0,2-1-45,1-18 0,3 4 0,3-1-547,9 20 1,1 1 546,-5-12 0,1 1 0,5-16-90,0 3 90,0 5 0,0 4-649,19 6 649,-14 5 0,30-3 0,-14 16 487,13-4-487,-6 21 0,-12 20 0,-8 13 0,-8 22-450,0-10 1054,0 1-1863,-14-4 540,10-9-361,-24 5 1080,24-16 0,-9-5 0,13-3 0</inkml:trace>
+  <inkml:trace contextRef="#ctx0" brushRef="#br0" timeOffset="13986">3798 6264 9602,'0'50'179,"0"-7"-89,0 4-90,0-5 0,8-9 0,1 1 0,-4 19-880,10-18 0,0 0 790,-12 11 90,25 0 429,-24-5-609,26 11 0,-14-16 90,14 12 90,-10-28-270,1 3 180,-11-16 0,3-2 90,-5-5 1422,0-19-1422,-1 15 0,2-48 0,-2 30-90,5-40 180,-6 30-90,4-14 0,-5 23 90,1 5 90,-1 4-180,-2 12 180,0-5-180,3 7 0,-1 16 0,6 7 0,-3 9-270,2 3-90,0-8-270,-1 3-269,2 0 899,7 10 0,-3-10 0,6 5 0</inkml:trace>
+  <inkml:trace contextRef="#ctx0" brushRef="#br0" timeOffset="14417">4510 6754 9242,'0'44'360,"0"-8"-271,0 4-89,14-8 0,-10 2 0,10 0 0,0 14 0,0-12 0,16 18 0,-16-26 0,7 5 90,-19-14-180,13-6 90,-14-2-89,6-5-91,-7-25 180,-18-11-90,-1-18-1269,-3-2 1359,-9 4 0,27-5 0,-25-3 0,21 12 0,2-1-90,-10-20 90,6 11 0,3 1 0,5-3 90,-4-10-646,6 29 556,17 5 0,-13 7 90,29 3 90,-11 10-91,14 2-89,-3 31 1191,-15 6-1236,-10 6 0,-4 4-225,-4 12-315,2-11 1,-4-1-406,-18 0 1148,16 8 1,-29-17 0,16-1 0</inkml:trace>
+  <inkml:trace contextRef="#ctx0" brushRef="#br0" timeOffset="15367">5403 6665 7713,'0'0'0</inkml:trace>
+  <inkml:trace contextRef="#ctx0" brushRef="#br0" timeOffset="15538">5467 6879 7173,'0'0'0</inkml:trace>
+  <inkml:trace contextRef="#ctx0" brushRef="#br0" timeOffset="15733">5398 6315 6094,'0'0'0</inkml:trace>
+  <inkml:trace contextRef="#ctx0" brushRef="#br0" timeOffset="17000">7058 6290 8162,'0'-12'540,"0"0"-450,-17 3 0,13-1-90,-33 0 90,32 3-90,-31 1-90,15 4 90,-9 2 90,-3 13-180,15 3 90,-1 17 0,13 1 0,2-6 90,22-1-180,-13-9 90,31 11 90,-10-5-180,19 16 180,-19-14-90,12 7 0,-34-8 0,27-2 90,-28 0 0,16-2-90,-18-1 0,4-2 0,-5 5-90,0-8-720,0 6 91,-19-13 719,15 2 0,-15-8 0,19-1 0</inkml:trace>
+  <inkml:trace contextRef="#ctx0" brushRef="#br0" timeOffset="17306">7427 6455 7353,'18'0'360,"-1"0"-360,0 0 0,0-17 0,5-2 0,-6-3 0,9-20 0,-14 25 90,5-34-1,-10 27 1,0-8 360,-6 7-270,0 7 270,-21-2-180,-2 15 0,-22 17-270,7 11 0,2 22 0,16-8 0,8 3 0,12-12-360,0 13-90,0-11-2159,22 18 2609,5-23 0,13 5 0,-2-13 0</inkml:trace>
+  <inkml:trace contextRef="#ctx0" brushRef="#br0" timeOffset="17650">7802 6524 8072,'21'-18'90,"11"13"0,-28-37-90,38 2 0,-25-12 0,12 0 0,1-1 180,-7-7-1767,-1 0 0,-3-2 1856,-9 0 46,-3 11 0,0-1 45,-7-6-135,2 21 0,-1 1 801,-1-10-487,-23 5-359,17 5-90,-38-2 0,39 15 725,-26 1-725,18 15-90,-11 30 90,11-1-90,-5 24-231,16-6 231,-5 5 1569,7 5-1659,-2-11 0,4 1-450,15 20-606,-4-6 0,0 0 247,10 8 899,6-9 0,1 0 0,-6 3 0,4-19 0,0 0 0</inkml:trace>
+  <inkml:trace contextRef="#ctx0" brushRef="#br0" timeOffset="17984">8367 6497 7803,'18'-18'0,"5"-8"0,0 10 0,14-13 0,-14 5 0,14-6 89,-16 12 631,-3-14-540,-17 12 270,4-10-270,-5 14 89,-21-1 361,-2 8-630,-23 5 0,5 16 0,3 8 0,16 20 0,8-6-90,14 0-180,0-9-989,19 9 90,11-9 1169,27 9 0,-6-19 0,2 1 0</inkml:trace>
+  <inkml:trace contextRef="#ctx0" brushRef="#br0" timeOffset="18204">8958 6157 8972,'-18'14'719,"-7"3"-719,23 14 0,-8 0 90,29-12-269,-15 8 179,35-23-180,-34 17-540,29-18 0,7-4 91,-11 9 629,13-14 0,2-4 0,-9 6 0,10-11 0</inkml:trace>
+  <inkml:trace contextRef="#ctx0" brushRef="#br0" timeOffset="18416">9363 5713 8522,'-23'-12'360,"5"3"-90,18 1 719,-12 5-809,2 17-180,-3 11 0,6 10 0,7 6 0,0-7 0,0 4 0,20 2 0,-15 0-225,11-9 0,2 0-314,2 14-46,-4-6 0,0-1-224,4 5 809,-7-10 0,-1-2 0,-2 2 0,9 5 0</inkml:trace>
+  <inkml:trace contextRef="#ctx0" brushRef="#br0" timeOffset="18550">9245 6062 7533,'0'-21'0,"21"1"0,-16 2-270,36 1-450,-35 3 720,37 2 0,-24 4 0,21 4 0</inkml:trace>
+  <inkml:trace contextRef="#ctx0" brushRef="#br0" timeOffset="18833">10187 5783 8162,'12'0'90,"1"0"0,5 0-90,8 0 0,-1 0-90,18 15 180,-15-12-899,20 23-91,-22-24 900,10 9 0,-13 0 0,0 2 0</inkml:trace>
+  <inkml:trace contextRef="#ctx0" brushRef="#br0" timeOffset="19070">10468 5510 8702,'-12'0'450,"0"0"-180,-1 21-180,0-16-90,1 33 0,-3-23 0,-5 31 0,5-16 0,-9 26-270,13-23-782,-3 10 513,7-13-40,0-4-50,1 0-631,0-3 1260,1-3 0,0-4 0,1-4 0</inkml:trace>
+  <inkml:trace contextRef="#ctx0" brushRef="#br0" timeOffset="19300">10182 5576 8612,'-2'-5'2339,"0"0"-2339,1 21 0,18-13 0,-13 31-90,13-20 90,-2 16-90,-11-4-540,21 14 180,-8-6-494,-1-1 0,3 1 134,6 0 810,4 19 0,-16-29 0,-1-1 0</inkml:trace>
+  <inkml:trace contextRef="#ctx0" brushRef="#br0" timeOffset="19454">10202 5911 7713,'0'-16'0,"0"-1"0,20-3-270,-14 1-540,34-2 810,-35 0 0,38 1 0,-14 1 0</inkml:trace>
+  <inkml:trace contextRef="#ctx0" brushRef="#br0" timeOffset="19952">10948 6054 8972,'0'5'899,"16"-2"-539,-12-24-90,31-8-270,-30-13 0,35-2 0,-26 10 0,16-2 0,-4-16 90,-7 13 90,-6 6 0,0 1 0,-1-3-90,2-15-90,-9 26 0,-1-1 90,-4 14-90,0 6 0,1 2 0,-1 23 0,1 13 89,-1 13-179,8-9 1,0 1-181,-4 15-761,11-17 1,0 1 670,-12 19-90,25-1-285,-24 1 60,10-19 0,1 0 46,1 19 629,-4-13 0,-1-2 0,3 0 0,-8 8 0</inkml:trace>
+  <inkml:trace contextRef="#ctx0" brushRef="#br0" timeOffset="20102">11208 6222 8072,'0'-27'270,"0"0"-180,0-18-90,0 11-45,8 2 0,4 0 45,12-4-2355,0-12 1905,21 16-180,-25 3-539,23 0 1230,-12 3 1,1 2-1,-1 2 1</inkml:trace>
+  <inkml:trace contextRef="#ctx0" brushRef="#br0" timeOffset="20382">11655 5636 8972,'3'19'360,"0"9"-180,0-25-1,1 24-89,1-14-90,1 14 270,2 5-270,-1-6 0,4 13 0,-5-17 180,2 2 90,-5-12-90,1-3-180,-1-3 0,0-23 0,-1-9 0,0-16 0,0-3 0,1 6-90,3-21 90,1 13-315,-1 8 0,0 1-494,3-3-630,9-19 719,-8 32 720,7-1 0,-5 16 0,3 2 0</inkml:trace>
+  <inkml:trace contextRef="#ctx0" brushRef="#br0" timeOffset="20700">12075 5602 9332,'0'7'0,"0"-2"90,0 0-90,-14-1 0,10 0 90,-10 1-90,0 2 90,11 1-90,-21 10 0,22-5 0,-8 8 0,10-6 0,0 0 0,0-2 0,0 5-90,24-8 90,2 4 0,25-10-90,-14-1 0,-2-3 90,-12-19 90,4-3-180,-6-22 90,-5 9 90,-8 1-360,-8-1-180,0 10-809,-20-15 1259,-1 26 0,-20-2 0,5 16 0</inkml:trace>
+  <inkml:trace contextRef="#ctx0" brushRef="#br0" timeOffset="21283">12387 5528 7892,'7'16'270,"2"2"-270,-4 1 0,3 19 0,-2-24 0,0 20 0,-1-15 0,0-2 0,0-1 0,1 3 0,-1-8-180,1 4 90,-2-12 1,-1 0-1,1-3 0,0 0 90,1-20 0,7-5 90,-3-11-90,12-9 179,-9 17 1,9-14-90,-10 27 360,0-10 270,-3 22-450,-4-5-91,0 24-89,-3 6-90,0 20 90,-1-1 90,0 0-90,0-9-90,13-14 90,0-9-90,14-26-90,-7 13 90,2-32 0,-4 19-90,9-30 180,-8 16-180,14-19 180,-19 23 450,6-3-450,-12 14 90,1 8 90,-3-1-181,0 9-89,1-3 0,-2 3 0,7 20 0,-6 6-449,12 24-271,-5-10-565,6 1 115,-1-11-449,5-1 1619,7 0 0,5-4 0,2-1 0</inkml:trace>
+  <inkml:trace contextRef="#ctx0" brushRef="#br0" timeOffset="22072">13917 5507 9062,'12'0'1439,"4"-13"-1349,28-2-90,-12-1 0,5-7 0,-14 20 90,-1-22-90,-3 16 0,-2-11 180,-4 7-90,-6-1-180,0 0 180,-6 0 0,2 0-90,-3-3 0,0 6 0,-17-2 0,-7 9 0,-11 2 0,12 21 0,-2 4-90,23 22 90,-9-11-360,11 1-450,25-1 181,-19-9-1260,38 10 1889,-17-18 0,12 1 0,0-10 0</inkml:trace>
+  <inkml:trace contextRef="#ctx0" brushRef="#br0" timeOffset="22810">14457 5281 8792,'8'16'360,"0"-12"-360,1 26 0,-1-8-90,2 6 180,-2 3-90,1-9 90,-2 2-270,4 6 270,-5-9 0,3 7-540,-5-17 180,0-1 180,-3-24 90,1 9 0,3-29 0,1 7 0,7-21 0,-3 7 90,7-7 0,-6 23-90,2-4 540,-5 14-270,-2 4 269,-2 5-629,0 2 270,-1 23-180,2-14 0,1 30 0,0-12 90,2 8-90,-2 7 0,0-24 0,1 13 90,-4-17-90,2 3-90,-2-5 180,1-8-90,0 0 0,3 0 0,0 0-90,2-21 90,8-4 0,-1-13 0,14-12 0,-9 18 0,11-20 180,-14 23 90,3-4-90,-10 16 270,-2 4-1,-2 6-269,-2 4-180,-1 3 90,2 21-90,-3-16 0,5 50 0,-3-35 0,1 29 90,2-11-180,-3-11 90,5 13-180,-5-22 180,4 4 0,-6-15-360,3-2 271,-4-5-1,8 0 90,-5-17-90,10 1 90,-6-3-90,4-7 90,-4 23 0,0-21 0,-3 21-90,0-16 180,-2 17-90,0-12-90,2 12-180,-3-9-270,1 10 1,-3-4-991,2 5 1530,0 0 0,0 0 0,-2 0 0</inkml:trace>
+  <inkml:trace contextRef="#ctx0" brushRef="#br0" timeOffset="23399">15212 5212 9062,'0'37'719,"0"6"-719,14-10 0,-10 5 0,11-8 0,-15 1-90,13 16 180,-10-11-90,19 20 0,-20-27 0,13 14-90,-10-27-629,1 2 179,-2-30 90,-4-21 271,-16-2-271,13-29 360,-27 26 90,26-14 0,-22-7 90,13 13-90,6 8 0,0-1 90,-4-2-90,11-10 90,0 22-90,0 5 90,17 4 0,-13 4 269,27 3-89,-27 4 90,28 5-90,-10 1-90,16 18-180,-5 8 90,-14 9-180,-2 2 180,-16-7-180,5 14 90,-6-10-1170,-20 20-179,16-25 1349,-30 7 0,30-14 0,-11-1 0</inkml:trace>
+  <inkml:trace contextRef="#ctx0" brushRef="#br0" timeOffset="23767">15582 5271 7892,'12'-34'450,"6"-13"-360,-5 13 90,-2 3 0,0-2-90,0-11 0,1-15-90,-8-6-276,-2 14 321,-2 6 0,1 0 45,-1-7 180,-7 8 0,-1 2-91,4-4-134,-9 9 0,-1 1 225,12 9 150,-19-7-420,19 53 0,-15 2 0,15 27 0,-5-12 0,-1 0-90,4 26-109,0-20 1,0 4-117,3 1 0,0 0 45,0-11 1,2 1-901,7 22 1,4-1 1169,-2-25 0,1-1 0,1 7 0,0-1 0,5 11 0</inkml:trace>
+  <inkml:trace contextRef="#ctx0" brushRef="#br0" timeOffset="24070">15985 5191 8612,'-35'-4'720,"-1"1"-720,7 3 90,10 16-90,-9 1-90,17 19 90,-9-1 0,13 0 0,26-4-90,1-10 90,17-9-90,-4-8 90,-1-22 0,-15-6-270,7-21 90,-17 9-90,5-1-90,-8 12-89,-4 2-1080,0 3 1529,0 0 0,-16 10 0,-3 0 0</inkml:trace>
+  <inkml:trace contextRef="#ctx0" brushRef="#br0" timeOffset="24599">16193 5116 8432,'0'29'-90,"17"1"-360,2-2 91,17-4 359,-3-11 0,-6-6-90,-2-7 180,-8 0-90,-2 0 0,4-18 90,-8-3 90,3-20-1,-10 20 721,0-12-540,-3 16 0,-1-9 89,-15 11-269,-1 31-90,-2 15 0,5 15-424,13 0 424,0-7-90,0 2 90,0 2 90,0 3-135,11-15 0,0 2-135,-6 16 135,13-9 0,3-2-45,4 4-45,-5-10 0,3-2 135,11 1-90,-3 3 0,-10-13 90,-11-9-720,3 0-719,-30-23-900,0-4 2249,-24-19 0,22 9 0,0-4 0</inkml:trace>
+  <inkml:trace contextRef="#ctx0" brushRef="#br0" timeOffset="24975">16918 5096 8792,'7'-8'630,"1"-5"-450,-3 3-91,3-12 1,-4 5 0,0-6-90,-3-6 0,-1 7 0,0-18 0,-16 17 180,13-14-180,-31 17 90,30-2-90,-28 8 0,16 9 90,-11 0-90,12 19 0,5 10 0,10 8-90,0 34 90,23-28-405,-11-1 1,4-2-316,25-3-315,-13-8 1,-1 0 1034,7-1 0,10 4 0,-15-13 0</inkml:trace>
+  <inkml:trace contextRef="#ctx0" brushRef="#br0" timeOffset="25338">17187 4984 8522,'38'0'90,"-6"12"-90,-2-9-90,5 9 180,-8-12-90,8 0 0,-10 0 0,-2 0 0,-1 0 0,3-15-90,-8 11 90,0-22 90,-11 8 0,-3-13 180,-3 6 90,-24 1 269,0 6-359,-24 6-90,8 2 0,5 7-270,15 19 90,2-13 90,17 30-180,-6-9 0,7 21 0,16-7-719,5 9-91,-1-19 1,19 3-361,-23-12 1260,21-4 0,-10-2 0,2-2 0</inkml:trace>
+  <inkml:trace contextRef="#ctx0" brushRef="#br0" timeOffset="25638">18025 4699 8252,'-20'-6'720,"-9"1"-630,-9 4 0,-11 1 90,16 16-180,8 4 90,2 1-180,21 12 90,-6-17 90,8 17-180,0 4 90,22-7 90,2 20-180,3-20 180,11 16-90,-13-20 0,-1 4 0,12-4 0,-20-9 0,10 6 0,-12-13-180,-4 3-270,-10-8 450,-20 6 0,14-6 0,-18 4 0</inkml:trace>
+  <inkml:trace contextRef="#ctx0" brushRef="#br0" timeOffset="26388">18528 4477 9781,'0'-9'1889,"0"0"-1619,0 2-180,22 2 90,0 3-180,25 19 0,-12-13-90,0 26-630,5-9 91,-11-3-316,6 11 1,1-1 134,0-9 810,4 9 0,-1-1 0,-3-9 0,14 3 0</inkml:trace>
+  <inkml:trace contextRef="#ctx0" brushRef="#br0" timeOffset="26583">19573 4299 9152,'5'-16'809,"-2"3"-539,-1 5-270,-25 27 0,-4 11-90,-2 16-332,5-22 0,1 0 63,3 14-91,-22 0-90,15 0-269,1-4-1,2-1 810,2-5 0,2-3 0,1-4 0</inkml:trace>
+  <inkml:trace contextRef="#ctx0" brushRef="#br0" timeOffset="26784">19385 4192 8792,'24'0'630,"-4"0"-450,-8 0-91,1 0 1,1 16-90,9 6 0,-6-1 0,14 31-90,-11-31-270,-2 9 1,0 3-361,6-3-359,10 8 1079,-6-14 0,2-5 0,2-1 0</inkml:trace>
+  <inkml:trace contextRef="#ctx0" brushRef="#br0" timeOffset="26972">20267 4225 9062,'-51'18'360,"-1"7"-360,11 8-2416,0 3 2416,11-7-61,-13 17-478,13-10-406,5-7 1,2-1 944,1 4 0,-2 3 0,12-13 0</inkml:trace>
+  <inkml:trace contextRef="#ctx0" brushRef="#br0" timeOffset="27599">20353 3747 9152,'13'0'989,"-2"0"-989,2 0 90,0 20 180,2-15 0,3 35 0,7-7-360,-4 10 135,-5-8 0,0 0-45,1 10 0,-4-3 0,-2 2-821,0 8 821,-4-16 0,-1 0-90,1 15-89,-1-1 107,-2-2-557,0 11 449,-1-18-180,-2 12-90,0-33-899,-1 0 1349,19-60 270,1 3-225,-10 6 0,2-2 225,21-21 359,-17 26 443,12-6-892,-8 24-90,-3 0 0,-6 10 89,10 20-269,-9-15 180,15 29-90,-10-15 0,8-2-90,-4 11 90,0-25 0,3 10-89,3-5-1,2-6 0,2 6-180,10-8 270,-11-19-90,14-6 90,-26-11 0,3-13 0,-17 18 0,-1-10 0,-27 6 180,18 11 180,-38-3-181,15 12 1,-13 7-180,2 2 90,21 20-180,6 9 90,13 22-90,0-5-359,19 19-181,9-25-1107,12 8 928,2-16-630,-9-5 1303,0-2 0,1-10 0,0-3 0</inkml:trace>
+  <inkml:trace contextRef="#ctx0" brushRef="#br0" timeOffset="27883">21428 4129 8072,'0'11'1350,"0"4"-1260,0 21-90,17-7-90,-13 2 180,12-7-90,-7 0 0,-7-1 0,7-2 0,-2-3 0,-5 1 0,12-10 0,-11 1 0,5-32 0,-3 16-90,-1-41 0,1 24 0,0-23-360,2 11-719,2-15 359,-1 14 810,2-8 0,-1 20 0,2 2 0</inkml:trace>
+  <inkml:trace contextRef="#ctx0" brushRef="#br0" timeOffset="28183">21875 4298 7803,'11'14'719,"0"-1"-629,-3-6 90,4-2-180,-2-5 0,4 0 180,3-20-270,-3-3 180,8-24-90,-9 11 0,2-12 180,-10 21 0,-1-10 359,-3 7-359,-1 10-90,-17-8 90,12 18-180,-25 0 0,27 27 0,-11 9-90,14 10-180,0 2-179,0-10-811,18 17 1,7-14 1259,-3 10 0,23-16 0,-15-2 0</inkml:trace>
+  <inkml:trace contextRef="#ctx0" brushRef="#br0" timeOffset="43270">23002 3768 8702,'0'-13'810,"0"0"-541,0 2 1,0-1-270,0 4 1170,0 1-1170,0 24 90,0 8-90,18 13-180,-13 2-360,13-8-90,-1 4 1,-13 0-374,21 1 283,-23 0 720,17 11 0,-7-13 0,9 9 0</inkml:trace>
+  <inkml:trace contextRef="#ctx0" brushRef="#br0" timeOffset="43442">23108 3537 7353,'-6'-10'0,"4"3"0,-5 0 0,7 5 0,0 0 0</inkml:trace>
+  <inkml:trace contextRef="#ctx0" brushRef="#br0" timeOffset="43900">23797 3719 7533,'-40'22'270,"8"-3"-181,-3 18 1,15-10-90,-3 20-90,11-18 90,5 27 90,23-29-90,11 11-90,14-27 90,16-3 0,-19-6-1451,12-25 1361,-16 17 90,-3-45 0,-3 26 0,-4-28 0,-4 9 0,-5-6 0,-11 12 0,-1-1 180,3-23 270,-6 10 0,0 1-90,0-7-226,-8 22 1,-1 2 315,5-7-270,-12 7-107,2 5 17,10 8 376,-10 6-377,14 6 1,-11 4-90,8 23 0,-8 13 0,11 12-179,0 5 226,0-5-407,0 2-179,17 3 89,-12 1-90,26 0-360,-19-14 1,-2 2 899,8 17 0,1-19 0,2-1 0,5 14 0</inkml:trace>
+  <inkml:trace contextRef="#ctx0" brushRef="#br0" timeOffset="44216">24652 3831 8162,'-1'-6'0,"0"0"0,1 0-359,17-2-1530,5 5 1889,22 0 0,-21 3 0,-1 0 0</inkml:trace>
+  <inkml:trace contextRef="#ctx0" brushRef="#br0" timeOffset="44368">24743 4049 6723,'53'-14'-231,"-8"10"1,9-10-1,-11 14 1</inkml:trace>
+  <inkml:trace contextRef="#ctx0" brushRef="#br0" timeOffset="46416">12453 1858 6993,'39'0'360,"-8"0"-270,2-16-90,-4 11 0,6-11 90,3-1-90,6 13-1981,4-25 1981,5 26 0,4-22 90,5 14-90,-29-1 0,1 0-399,1 3 1,2 1 443,-1-1 0,3 0-90,22-5 0,1 0-359,-13 2 0,0 0 434,-4 2 0,1 0 0,-1 0-30,5-2 0,-1 1 0,2-1 0,1 1 0,0-1 0,0 0 0,1 0 0,0 0 0,1 0 0,0-1-45,-1 0 0,3 0 105,-2 0 0,3 0 0,-1-1-60,-12 4 0,-1 0 0,4-1 0,10-3 0,7-1 0,0 0 0,-5 2 0,-6 1 0,-4 1 0,4-1-441,-1 0 0,5 0 0,2 0 1,-2 0-1,-4 1 441,5-1 0,-5 2 0,3-1 0,-2 1 0,2-1 0,0 0 0,-3 1-170,-1 1 0,-4 0 0,0 0 170,1 0 0,-1 0 0,0 0 0,-2 0 0,0 0 0,2-1 45,0 0 0,3-1 0,0 0 0,-2 1-45,2-1 0,-2 0 0,5-1 0,-4 0 0,6 0 0,1-1 0,-1 1 0,-4 1 0,5-2 0,-5 2 0,6-1 0,-2 1 0,5-1 0,2 0 0,-1 0 0,-5 2-285,6-1 1,-4 1-1,2 0 307,-3 0 1,3 1 0,1 0-1,-1 0 0,0 1 1,0 0 0,0 0-1,-4 1-22,4 0 0,-2 0 0,4 0 18,-7 1 0,6-1 0,2 1 0,-3 0 0,-5 0-18,3 1 0,-6 0 0,5 0 18,-4 0 0,5 1 0,2-1 0,-1 1 0,-6 0-18,5 0 0,-5 0 0,2 1-23,-2-1 1,2 1 0,1 0-1,0 0 45,1 0 1,1 1 0,-1-1-1,-2 1-22,3 1 0,-2-1 0,5 1 0,-5-1 0,6 1 0,1 0 0,-2 0 0,-5 0-194,4 1 0,-5-1 1,2 1 193,-5 0 0,4 0 0,-1-1 0,0 1 0,-3 0 0,0-1 0,-2 1 0,-1 1 204,1 3 0,-2 2 1,4-1-183,8-4 1,6-2-1,0 0 1,-7 5-84,-9 6 0,-5 4 0,2-4 61,15-8 0,2-3 0,-4 5 0,-16 7 0,-2 3 0,-1-2 0,23-4 0,0 0 0,-22 2 0,-1 1 0,3 1 0,15 2 0,4-1 0,-3 1 0,-15-3 0,-2 0 0,4 1 22,6 2 1,6 2-1,-1 1 1,-7-2-23,11 4 0,-2 0 0,-14-3 0,4 2 0,0 0 0,-6-2 0,9 4 0,-3 1 0,-7-4 0,0 1 0,-3-1 0,1 2 0,-3-1 0,0-1 0,-1 1 660,-3-2 0,2 2-660,14 6 0,0 1 0,-14-6 0,2 0 352,4 2 1,4 2 0,-4-2-308,-3-3 0,-1 1-75,5 1 0,5 3 0,-4-3 30,-3 0 0,-1-1 45,11 5 0,3 0-90,-1 1 0,-2-1 90,-12-7 0,1 1-75,3 1 0,4 3 0,-5-3 75,-4-3 0,-1 0-45,4 2 0,3 2 0,-4-2 0,-4-2 0,-2-1 0,11 4 0,-1 0 0,16 6 0,-4-2 0,0 0 0,-19-7 0,0-1 982,21 9-982,-9-4 0,1 1 1405,10 2-1450,-20-7 0,-1-1 45,20 6 90,2-1-90,-1 2 0,-2-2-90,-3 2 180,-2-1-90,-20-6 0,0 0 0,15 9 0,-10-3 0,0 0 0,3 6 0,14 8 0,-19-10 90,2 0-180,0 1 90,1-1 90,-1 1-90,2-1 0,-11-7 0,1 1-26,17 8 26,-8-4 0,1 0 90,5 3-90,-9-4 0,-1 1 0,0 3 0,7 8 0,-13 4-180,-10-9-270,8 22 180,-17-22 559,7 18-289,-12-21 0,3 4 0,-5-11 0</inkml:trace>
+  <inkml:trace contextRef="#ctx0" brushRef="#br0" timeOffset="46901">25303 2847 7892,'18'23'540,"-13"-4"-180,27 0-270,-28-2-90,32 2 90,-17 2 0,20 1-90,-4 2 90,22 8-90,-9-6-377,-4-5 0,0-1 377,10 1 0,-6-5 0,1 0 0,7-3 0,-18-5 0,0-1 45,0-5 0,-1-1-45,20 1-1587,-9-11 1,0-1 1676,6 5-90,-18-15 0,-2-5-365,13 2 365,-4-27-270,-9 6 0,-1-3 0,-13 17 0,-2-2-120,2-6 1,0-6-1,-5 5-599,-1-20 989,-8 22 0,-1 2 0,-4-10 0,-1 3 0</inkml:trace>
+  <inkml:trace contextRef="#ctx0" brushRef="#br0" timeOffset="51799">8580 6856 9781,'0'-5'360,"0"0"810,-18 1-1170,3 3 0,-6 18 89,10 10-178,11 12-181,-7 4-180,6-8-180,-6 4-469,7 0 379,0 2-1798,0 17 2518,0-15 0,0 11 0,0-19 0</inkml:trace>
+  <inkml:trace contextRef="#ctx0" brushRef="#br0" timeOffset="52033">8895 6828 8702,'0'-9'540,"0"1"-1,-19 4 181,14 0-630,-32 4 90,18 20-180,-12 11 0,10-1 0,2 3-360,-7 21-554,7-24 0,0 0 464,-4 15-89,0 0-381,5 1 21,-1-4-180,5 0 1079,2-6 0,3-1 0,2-4 0</inkml:trace>
+  <inkml:trace contextRef="#ctx0" brushRef="#br0" timeOffset="52333">8083 7154 8792,'-6'17'720,"2"10"-541,2-8-179,1 10 90,1 1 0,0-2-90,17 0-90,-13 2 180,31-1-180,-18-1 180,19-3-90,15 5-90,-8-10-276,16 1 276,-14-12 90,0-3-90,0-4-90,0-1-269,0-1-271,-3-20-270,-11 6 1,-2-3 989,12-27 0,-14 18 0,-1 1 0,6-16 0</inkml:trace>
+  <inkml:trace contextRef="#ctx0" brushRef="#br0" timeOffset="53167">4392 9226 9602,'-8'-24'449,"0"0"1,-2 1 0,1 1-360,-2 5 90,1 1-180,-3 6 179,0 5-268,-3 2 89,-15 3 0,4 23 0,-22 8 0,22 14-1192,-5 1 1281,19-9-178,5-1 89,4 1-90,35 11 90,-5-13 0,11-7 0,4-3-295,11 0 340,-6-7 0,0-2-614,8-1 614,-21-6 0,-1-2-45,12 2-90,-22-4-607,7 0-922,-44-4 360,-3-14 1259,-20 9 0,-3-27 0,5 10 0</inkml:trace>
+  <inkml:trace contextRef="#ctx0" brushRef="#br0" timeOffset="53400">4288 8821 9152,'11'-6'2698,"-8"21"-2608,8 14-90,-11 13 0,5-6 0,1 1 0,2 16-1823,5-1 1,2 1 1732,-6-19 0,1-1-45,5 12 0,2 1-180,4 4 0,0-3 0,-4-10 1,1 1-286,3 4 0,1 4 1,-1-4-31,-1-3 0,-1-1 630,7 13 0,0-2 0,-8-14 0,-1-2 0,1 1 0,-1-1 0</inkml:trace>
+  <inkml:trace contextRef="#ctx0" brushRef="#br1" timeOffset="73616">4600 9118 3617,'-14'-11'6500,"-2"0"-4245,15-6 1896,-20 8-5074,1 6-331,-16 3-86,-5 0 402,6 0 1028,-14 0-1557,17 12 1113,-21-9-2454,23 20 3214,-7-20-578,16 7 1169,1 2 54,4-9-783,0 21 1736,6-16-1561,0 17 1816,8-11-932,0 5 1370,2-4-533,0 1-233,0 1 693,0 0-1466,17 1-812,-13-2-220,41 6-1844,-23-6 657,12-4 1,3-3-1432,11 0 1119,-13-4 0,1-1-1497,23-1-198,3-2 1602,1 0-1104,-2-1 1677,0 1 39,-6 0 751,-20 3 0,-1 0 179,14 1 315,13 10 150,-34-6 271,-4 9 522,-16-6 844,-4 5 683,-24 3-1455,-11-2-1022,2-1 0,-3-1 224,-21 7-208,-5 5-195,16-8-644,0-3-978,0 1-811,3-5 1182,1 1 167,1-6-425,-13 1 133,13-6-1501,-22 0 2606,28-3 1,-6-21 0,15-6 0</inkml:trace>
+  <inkml:trace contextRef="#ctx0" brushRef="#br1" timeOffset="73908">4177 8752 5416,'-15'18'7894,"3"11"-3864,12 11-575,21 8-2605,-15-3 440,35 5-1630,-37 7 601,17-28 1,3 2 847,-7 17 0,0 1-1027,5-12 1,2 3-426,-3 5 0,0 6 0,-1-4-357,-2-3 1,0 1 213,4 8 1,1 4 0,-2-3 431,-3-4 0,0 0 0,-2-7 0,0 3 0,-1-3 1,-1 4-1,1-1 0</inkml:trace>
+  <inkml:trace contextRef="#ctx0" brushRef="#br1" timeOffset="77316">5708 9356 3617,'33'0'0,"-15"-14"3543,14 10-3970,-17-22 3153,16 22-3332,-7-23 1691,-1 15-913,0-13 1739,4-4-234,-11 8-857,5-20 1228,-16 20-1491,1-7 2055,-6 15-1110,0 3 799,-19 0-2786,-5 6-763,-12 0-276,3 21 406,18 2 270,-3 2-175,16 10 898,-6-8-559,8 8 2600,0 0-83,23 1-878,4-9-929,28 14 0,-13-18 0,2 4 0</inkml:trace>
+  <inkml:trace contextRef="#ctx0" brushRef="#br1" timeOffset="77949">6415 9002 4426,'-8'15'8608,"1"-1"-5434,28 3-3329,-16 6 2158,16-11-2895,-1 11 1014,-14-6 818,30 1-46,-32-3-427,27 3-1867,-27-4 2524,22 3-2635,-13-6 1130,5 2-247,-5-9-1383,-8-21 3622,-2-8-1418,-2-13 2050,3-13-1802,-1 17 1724,4-24-763,-2 27 267,2-7 641,-1 18-2105,0 4-431,0 4-474,3 6-879,-2 3-479,8 3-842,-3 14 1934,9 5-312,-4-1 448,1 17 569,-2-30-1318,-5 33 2858,0-25-326,-2 17 1446,-1-12-2059,0-1 318,3 1-307,-3-9-1252,2 5 2061,-3-13-3413,-1 4 1870,0-5-2195,0-17 2936,1 12-1490,7-44 1628,-4 28 352,11-39-188,-10 29 1503,8-16-1115,-11 24 1514,3 3-2639,-5 7 1582,-1 11-3378,0-5 1550,3 7-2002,-1 0-99,8 14 1558,-5 4 520,6-1-370,-6 17 389,3-20 813,-2 18-633,3-11 1369,-1 2-763,2-2 0,1-1 1,0-2-1</inkml:trace>
+  <inkml:trace contextRef="#ctx0" brushRef="#br1" timeOffset="78388">7480 8867 4426,'5'21'9830,"1"15"-5155,0-31-5284,2 37 2234,-1-22-1001,3 21 141,1-8-418,5 15 2083,-1-11-2709,8 20-114,-10-25 1176,4 5-1280,-7-15 419,0-3-543,-3-5-552,-1-1 755,-2-27 423,-3-11 529,-22-15-965,16-6 978,-16 7-880,3-6 519,13-4 651,-27-4-933,29-3 802,-18-2-828,18 16 0,3 0 1141,-8-22-804,8 15 0,0 1 967,0-3-654,8 16 0,3 2-804,8 2 618,4-1-1143,8 18-757,-27 7 688,26 4-1750,-16 2-336,3 25 1946,0 10 706,-15 13 1312,6 2-563,-8-11 1204,0 2-1498,0 1 464,-18 15 0,13-14 0,-12 11 0</inkml:trace>
+  <inkml:trace contextRef="#ctx0" brushRef="#br1" timeOffset="78750">7992 8973 3707,'0'-41'9830,"0"6"-3007,0-8-4685,0 5-819,0-4-500,0-4-144,0-3-146,0-3 1141,0 12 1,0-2-1401,0-23-180,0 22 0,0-2 90,0 0 0,0 2 90,0-22-270,0 16 0,0 3-90,0 1 270,-11-3 92,8 31-579,-8 26-1189,11 8 1496,0 25 45,0-8 0,0 1-135,0 24 135,0-3 0,0 0-99,-1-21 1,2-1-50,6 11 0,1-1-486,-4 13 1411,28-2-2559,-28-5 769,34-1-1493,-19-5 2122,19-3 1,-4-6-1,2-2 1</inkml:trace>
+  <inkml:trace contextRef="#ctx0" brushRef="#br1" timeOffset="79038">8608 8601 4426,'-49'0'720,"10"0"-540,2 0-180,12 19 2043,-7 2-789,12 3 213,1 12 82,7-11 658,10 10 411,15 4-256,-8-19-107,38 8-2589,-11-19-519,26 1-499,-13-10-962,-3 0 18,-11-16 259,-16-6 1362,9-21-23,-22 8 2363,5-3 394,-7 11 409,-21 3-1245,15 0 523,-36 4-1744,37 2 1,-40 4 0,16 1-1</inkml:trace>
+  <inkml:trace contextRef="#ctx0" brushRef="#br1" timeOffset="79540">9013 8392 3977,'0'37'9830,"0"1"-3097,0-6-4775,19-6-3020,3 3 316,26-10-958,-13-4 422,6-3 1771,-12-11-3667,1 3 298,-3-4-282,7 0 1477,-11-17 1192,0 13 562,-10-30 1801,-7 10 623,-1-19 716,-5 6 211,-18-4-1172,13 18 425,-13-1-2182,18 13 2948,-15 5-5048,11 23 1648,-11 16-531,15 32 492,0-7 316,10-15 0,1-1-407,-6 13 475,14-20 0,4 2-840,-9-1 0,1 0 1152,3-9 0,1 1-990,6 15 0,-2 1 56,4 4-759,6 9 175,-14-22 359,-3-4 24,-5-4 412,-4-5-3,0-4-9,-7-5 84,3-2-730,-20-6 300,-6-1 0,-22-24 0,-1-5 0</inkml:trace>
+  <inkml:trace contextRef="#ctx0" brushRef="#br1" timeOffset="79870">9740 8538 4066,'5'0'360,"1"0"-360,0 0 0,3 0 0,1-15 2672,1 11-2278,1-30 1611,0 19-213,9-30 410,-7 14 414,8-24-14,-13 21 402,0-22-2246,-6 27 1516,-2-7-1632,-1 17 638,0 5-320,0 4 216,-18 5-2885,14 21 1497,-24 22-994,25 1 659,-7 14-331,30-21-848,-15 2 717,32-4 680,-11 11 1,-2-12 0,-3 7-1</inkml:trace>
+  <inkml:trace contextRef="#ctx0" brushRef="#br1" timeOffset="80204">10228 8310 3977,'15'-2'1149,"0"1"-880,3-3 370,7-5 113,-3 0 104,12-11-32,-15 5-47,5-6 722,-10 4 63,-2-2 398,-1-1 280,-4-12 3,-2 6 137,-2-18-383,-3 18 445,-20-11-1389,-4 21-1532,0 0-348,-15 12-1008,23 3-535,-25 18 419,15 9 463,6 23 537,10-6 830,10 3 1215,0-11 106,0 0 678,25 0-1433,-19 0-316,50-5 0,-27-2 1,28-3-1</inkml:trace>
+  <inkml:trace contextRef="#ctx0" brushRef="#br0" timeOffset="101605">4745 11410 7892,'-22'0'90,"1"0"0,3 0 0,-21 30-90,15-22 90,-17 40-90,16-26 0,6 9 0,-5 5 180,15-14-180,-1 12 90,8-13-90,1 5 0,1-7 180,16-1-90,-12 2 180,27 7-270,-8-6 90,18 14 90,-5-13-180,-1 7 0,-8-7 90,-2 0 0,0 0 0,-1 2-90,-3-1 179,-1-2-89,3 8 0,-7-8 0,6 10 0,-14-14-90,2 1 0,-8-9 0,1 0 0,-3-1-270,0 5 90,-18-4-539,-7 10 179,3-8-1349,-36 6 1889,35-9 0,-31-1 0,25-6 0</inkml:trace>
+  <inkml:trace contextRef="#ctx0" brushRef="#br0" timeOffset="101900">4535 11216 8882,'0'-12'180,"0"4"180,0 1 809,0 4-989,0 20 0,20-13-90,-15 40-3482,34 0 3482,-34 14-45,14-24 0,1-1-436,-5 20 481,17 2 0,-9 2-135,-6-16 0,1 1 45,-6-11 0,1 2-450,8 21 1,0 0 224,-10-22 0,-1 0-450,7 21 1,-1 1-136,-1 9-704,-5-22 0,-1-1 1514,1 15 0,-3-4 0,-2 1 0</inkml:trace>
+  <inkml:trace contextRef="#ctx0" brushRef="#br0" timeOffset="102282">5300 11627 8522,'5'15'270,"-2"10"-180,-1 8-180,0 21 90,1-18-360,0 13-1169,2 0 1529,-1-14 0,2 9 0,-2-18 0</inkml:trace>
+  <inkml:trace contextRef="#ctx0" brushRef="#br0" timeOffset="102483">5175 11315 8792,'-7'-2'-518,"1"14"1,6-8 0,0 10 0</inkml:trace>
+  <inkml:trace contextRef="#ctx0" brushRef="#br0" timeOffset="103066">5515 11650 9062,'10'25'719,"-1"1"-449,0 1-90,0 1-180,-2-1 90,0-1 90,-1 0-180,0 0 0,4 17 0,-4-17 0,2 16 180,-5-29-360,2 1 90,-3-10 0,0-20 90,0-13-90,0-11 90,2-6 0,1-15 90,1 12-135,-1 7 0,1 1 135,0-4-787,4-7 697,-6 22-90,3 6 270,-3 5 360,3 6-450,-1 7 90,4 3-90,-2 17 607,3-10-697,-4 29 0,1-17 0,-1 17 0,-1-5 0,0-1 0,-3 1 0,2 5 0,-2-9 179,1 5-538,-2-15 269,0-19 90,-2-13 0,0-14 0,18-14-90,-14 15 90,14-8 0,-3 8 180,-11 10 89,24 4-179,-18 12-90,12 5 0,-14 18 90,6-13-180,-5 48 90,4-32-540,-4 11 1,0 2-270,1-1-1350,12 24 2159,-8-26 0,9 10 0,-5-16 0</inkml:trace>
+  <inkml:trace contextRef="#ctx0" brushRef="#br0" timeOffset="103620">6377 11395 9961,'-28'-1'360,"0"0"-180,-1 1-90,2 15 0,1-11-90,3 26 0,1-26 0,1 42 0,9-28 0,1 35-90,9-28-270,22 14 90,-15-19 90,37 4-179,-23-12-1,21-6 90,-7-3-90,1-3 270,2 0 0,-3 0 90,11-16 0,-16-4 450,11-18-180,-22-2 0,-4 1 90,-9 9-1,-4 5-359,0 10 90,-19 4-90,0 4 90,-4 24-90,1 9 0,20 12 90,-6 18-90,8-18 0,10-2 0,1 2-1141,-5 6 1186,11-14 0,2 1-661,-1 28 706,0-13-90,-3-11 0,-3 0 0,-9 1 90,19 17-90,-20-29 0,8 5 0,-10-15-360,0-1 270,-20-4-364,-6-2-535,-26-3 989,12-3 0,-2-19 0,14-4 0</inkml:trace>
+  <inkml:trace contextRef="#ctx0" brushRef="#br0" timeOffset="104566">6933 10830 9781,'-5'0'1260,"0"15"-811,3 6-359,1 21 0,1-5 0,0 5-90,0-9 90,20 2-90,-15-1-90,28 0 180,-29-2-90,25 11 0,-10-12-180,16 16 180,-7-24 0,5 6 0,-14-18-90,6-2 0,1-9 0,-8-19-89,13-11 89,-16-11 45,-4 10 0,-1-1 45,-3-12-1205,2-16 1295,-7 15-90,-1 0 0,-1-1 180,0-14 0,0 16 0,0-16-90,-13 33 180,9-4 359,-9 21-719,13 18 180,0 17-180,0 12 90,21 24-180,-3-20-135,2-3 1,-1-1 690,-2 7-1095,13 11-181,-26-18-89,26-5-271,-19 0 1260,15-4 0,-8-5 0,1 0 0</inkml:trace>
+  <inkml:trace contextRef="#ctx0" brushRef="#br0" timeOffset="105050">7732 10960 9332,'0'12'809,"0"-3"-809,0 3 90,0-3 90,0 2-180,0 2 0,13 4 0,-10 10 0,11-4 0,-6 15 90,-6-15-90,12 4 180,-9-5-180,2-6 270,0 2-270,-5-12 0,4 0 0,-4-6-90,1-15 180,-1-10-90,-2-9-90,3-26 90,-2 19-90,0 3 0,0 0 0,0-5-450,1 9 1,0 0-91,2 0-90,2-5-1618,3 14 2338,-2 10 0,6 1 0,-3 8 0</inkml:trace>
+  <inkml:trace contextRef="#ctx0" brushRef="#br0" timeOffset="105418">8060 11021 8972,'19'-35'360,"-5"-2"-270,-3 6 90,-9-12-91,9 12 271,-11-22-180,0 20 450,0-23-450,0 25 269,-15-16-359,11 25-90,-11-5 180,5 16 360,7 2-540,-7 29 90,10 9-90,16 33 0,-13-13-90,29 4-450,-7-2 91,9-14-586,-6-7 1,2-3-136,10 0 604,0-7 1,2-4 0,12-2 0,-16-7 0,0 0-1</inkml:trace>
+  <inkml:trace contextRef="#ctx0" brushRef="#br0" timeOffset="105683">9208 10631 9422,'35'0'-1350,"-2"0"541,-8 0 809,2-12 0,2 9 0,1-10 0</inkml:trace>
+  <inkml:trace contextRef="#ctx0" brushRef="#br0" timeOffset="105850">9370 10816 9332,'0'6'270,"0"-1"-450,27-1-720,10-2-809,15-1 1709,2-1 0,-13-16 0,1-4 0</inkml:trace>
+  <inkml:trace contextRef="#ctx0" brushRef="#br0" timeOffset="107172">11185 9605 10321,'0'-13'450,"-22"-3"-360,16 7 0,-35-2-90,15 9 0,-18 0 0,8 19 0,1 6 0,22 10 0,-1 0 0,14 10 0,0-7 0,12-3 0,0 1 0,-6 6-171,15-13 1,-1 0 170,-15 9 0,31-1 0,-31-2 90,33 11-180,-19-13 516,12 16-156,-4-26-90,-17 2 0,5-10-1439,-14-5 629,-16-2-2248,-10-40 2878,-22 12 0,12-31 0,-1 22 0</inkml:trace>
+  <inkml:trace contextRef="#ctx0" brushRef="#br0" timeOffset="107406">10937 9420 10051,'0'-10'720,"0"2"179,0 3 361,10 1-1080,3 3-91,5 0 91,7 21-90,-8 5-90,16 33 0,-10-10-348,-8-18 1,1 0 347,6 20 0,1 4-270,-2 3-90,-7-13 1,0-1 179,-4-9 0,1 0-450,4 23 1,1 0-451,1 6 1080,0-2 0,0-1 0,0-5 0,-3-13 0,-1-1 0</inkml:trace>
+  <inkml:trace contextRef="#ctx0" brushRef="#br0" timeOffset="107886">11850 9839 9871,'14'17'540,"4"-20"-630,-1-16 90,6-2 270,-21-10-180,7 13 0,-9-12 0,-20 6-90,2 11 90,-17 6-90,19 23 0,-7-12 0,21 32 0,-9-18 90,11 19-180,0-7-180,0 1-90,0 0-899,18 13 359,7-15 900,20 14 0,-6-30 0,1 1 0</inkml:trace>
+  <inkml:trace contextRef="#ctx0" brushRef="#br0" timeOffset="108438">12202 9660 10231,'0'33'450,"0"5"-540,14-8 90,-11 2 0,11-10 90,-14 1-180,10-2 0,-8-1 180,8-2-180,-5-5 90,-4-2-90,9-3 0,-7-4-90,2-1 180,-2-3-180,0-19 180,1 14 0,0-36-90,1 23 90,0-22 0,6-9 90,-2 10 0,7-22-90,-8 30 270,4-9 180,-7 27-90,0-3-270,-3 15 0,0-3 89,0 4-89,3 20 0,-1-14-90,7 43 0,-6-32 0,3 24 0,-3-19 0,-1-2 0,-1-2 0,0 1 0,-1-8-90,1 3 0,-1-13 0,1 4 90,1-5-89,0-21 89,6-6 0,-1-12 0,11-12-90,-7 20 180,10-15-90,-13 30 269,11-10-179,-13 24-90,10-7-90,-10 30 90,12 9-359,-8 12-862,7 1 681,-4-9-179,1 0-91,1 1 810,10 15 0,-6-14 0,8 9 0</inkml:trace>
+  <inkml:trace contextRef="#ctx0" brushRef="#br0" timeOffset="108904">13103 9577 10411,'0'48'630,"0"-8"-630,0-3 90,17-6-180,-13 1 90,30 16 0,-30-11 90,25 21-90,-16-27 0,0 8 0,3-10 0,-10-10-90,5 6 0,-6-16-540,-2 0 90,-3-27 361,-15-11-361,11-34 450,-27 6-775,29 23 1,0 1 864,-25-23 0,24-2-383,-7 15 0,0 0 293,8-21 90,-2 23 0,-1 0 135,5 6 0,0 2 45,0-16 809,0-12-449,17 35-185,-13-1-85,28 20-90,-18 2-90,4 20 1480,3-12-1570,-11 29 0,2-7-180,-5 20-179,-7-7-181,0 0-270,0-10-89,0-2-1,0 1-269,-20-3 1169,15 0 0,-15-2 0,20-2 0</inkml:trace>
+  <inkml:trace contextRef="#ctx0" brushRef="#br0" timeOffset="109283">13552 9528 9062,'6'-18'270,"0"14"-180,-1-35 0,5 7-90,0-10 0,-1 10 0,-1 0 0,5-10 89,-4 4 1,-1-1-90,3-7 135,-5 4 0,-2 0-45,-1-8 360,-2-2 0,0 1-90,-1-1-136,-9 6 1,-2 2-225,7 11-90,-31-10 360,31 28-90,-21 2-90,23 29-90,-13-12 0,13 43 90,-10-19-90,11 30-45,-2-19 0,1 1 45,2 22-1273,-2-7-1,4-1 1185,20 8-226,-21-22 0,3-1-532,37 10 217,-36-1-269,35-5-1620,-9 9 2519,11-16 0,2 4 0,-13-17 0</inkml:trace>
+  <inkml:trace contextRef="#ctx0" brushRef="#br0" timeOffset="109570">14167 9226 9691,'-39'-5'900,"4"0"-720,16 20 0,-2-12-180,19 25 0,-15-8-90,15 13 90,-5 1-180,23-5 90,9-7 0,10-11-270,0-6 180,-11-23 90,-10-5 90,-6-11-180,-8 2 1,0 6-91,0 1-90,-19 1 0,15 1-180,-29 3-89,29 2 629,-22 3 0,24 1 0,-10 2 0</inkml:trace>
+  <inkml:trace contextRef="#ctx0" brushRef="#br0" timeOffset="110066">14493 9153 9332,'0'36'0,"0"0"90,0-1-90,0-10-90,0-1 180,0-10-360,17-1-270,2 0-180,18-6 361,-2-1 359,1-6 0,-8-21 0,-5 16 270,-8-49-1,-6 33 271,0-43-360,-9 31-236,2-10 506,-2 15-74,0 4-106,0 2-90,-15 1 539,11 7-539,-24 3 0,26 24-180,-10 14 90,12 8-90,0 6 90,0-6-90,0 21-90,18-12 135,-9-5 0,1-1-18,12 9-27,-4-17 0,-3 1 0,-10 11-90,32-1 180,-24-2-180,23 12 1,-16-16-117,2 13-423,-8-26 629,-8-2 0,-20-29 0,-11-9 0</inkml:trace>
+  <inkml:trace contextRef="#ctx0" brushRef="#br0" timeOffset="110383">15057 9184 8702,'13'-8'270,"-2"-1"-180,11 1-90,-4-2 90,0 0-90,1-3 0,-1-1 0,0-2 90,0-1 0,1-2-90,-1-3 180,0 1 269,3-12-269,-7 8 630,4-15-630,-10 19-90,-2-7 0,-5 15 179,-1 3-89,-23 7-90,2 19-90,-22 7-90,24 24 90,-8-7-360,24 15-89,-8-22-181,11 9-1169,23-6 450,-1-11 1349,5 4 0,12-14 0,-11-2 0</inkml:trace>
+  <inkml:trace contextRef="#ctx0" brushRef="#br0" timeOffset="110787">15640 9015 8072,'23'0'90,"0"0"-90,-6 0 0,1-17 180,7-2-90,-6-2 360,11-19-180,-16 24 539,1-39-539,-11 33 180,-2-18-180,-2 27 90,-21 1 89,-1 8-359,-21 4 0,8 20-90,5 1-90,12 21 180,9-11-270,9 0-719,21 1-1,-15-9-269,37 7-720,-23-12 1889,20-3 0,-9-1 0,1-3 0</inkml:trace>
+  <inkml:trace contextRef="#ctx0" brushRef="#br0" timeOffset="111182">16592 8745 7713,'41'-15'-210,"4"12"0,2-12 0</inkml:trace>
+  <inkml:trace contextRef="#ctx0" brushRef="#br0" timeOffset="111474">16755 8415 10321,'54'0'810,"-11"0"-720,0 10 0,-11-7 269,19 7-269,-13-2 90,20 1-180,-28 5 0,1 1-180,-15 5-90,-8-2-989,-4 20 540,-22-12-1620,-14 27 2339,-9-19 0,16-11 0,1 0 0,-14 10 0</inkml:trace>
+  <inkml:trace contextRef="#ctx0" brushRef="#br0" timeOffset="111966">17590 8309 11311,'5'0'449,"0"17"-359,0-12-90,0 25 0,3-10-90,0 7-539,3 14-91,-2-16 0,-1 9-449,-1-13-360,-1-1 1529,2-1 0,0-2 0,1-1 0</inkml:trace>
+  <inkml:trace contextRef="#ctx0" brushRef="#br0" timeOffset="112899">17880 8183 9422,'-16'-12'449,"13"3"-179,-33 0 90,20 3 0,-20 2-180,7 1 179,-18 3-359,11 20 0,4-9 0,1 3 90,-4 24 0,-8 0-90,16 7 0,10-9 0,4 25 0,10-27-90,28 15 0,-19-24 1,48 2-123,-30-14-58,27-3 180,-10-5-179,21-3 179,-16-1-90,-10-9 0,-2-1 90,0 4 180,4-26-180,-19 28 90,-5-28 0,-7 18 0,0-17 0,-6 9 0,2-3 360,-3-9-180,-17 8 269,13-16-179,-25 21-180,25-5-90,-9 12 211,13 2-211,-9 2 90,7 3 270,-7 2-450,9 17 90,19 8 0,-15 18-90,33-7-270,-32-1-899,27 1 450,-16-10-271,1 6-449,10-11 1529,-19-3 0,13-1 0,-7-1 0</inkml:trace>
+  <inkml:trace contextRef="#ctx0" brushRef="#br0" timeOffset="113216">18263 8017 11041,'6'-1'270,"0"20"-91,3 1-179,-1 3 90,4 13-90,-1-19 0,1 17 0,2-10-90,0 1 180,0-1-90,0-1 0,5 8 0,-5-11 0,9 8 0,-12-17 0,4-1 0,-6-7-90,1-3 90,1 0-90,9-24-89,-4-11-46,0 3 0,-1-3-315,3-23-90,-3 15 1,0 2-856,1-9 496,1-14 989,-6 25 0,-2 4 0,0 3 0</inkml:trace>
+  <inkml:trace contextRef="#ctx0" brushRef="#br0" timeOffset="113652">19005 7884 9602,'-29'-12'1709,"4"2"-1620,1 10-89,8 0 0,6 19 90,3-14 0,6 36-270,-3-21 270,3 18-180,0-8 90,1-1 0,0-3 0,19 6 0,-14-11-179,27 5-271,-14-17 270,14-2 90,1-27 90,0-5 0,-10-12-90,1-13 90,-13 19 90,4-24 0,-8 27-90,-1-6 540,0 17-271,-4 4-269,4 6 0,-2 2 0,4 23 0,-1 7-179,14 38-361,-8-18-135,1-10 1,1-2-496,2-2 1170,15 9 0,-9-26 0,6-2 0</inkml:trace>
+  <inkml:trace contextRef="#ctx0" brushRef="#br0" timeOffset="113933">19688 7293 10231,'-20'-10'2159,"4"3"-2159,16 23 0,0 10 0,0 14 0,0 1 0,0-4 0,0 3 0,0 2 0,14 0-270,-10 4 90,9-14 0,0 0-180,-10 17-135,5-10 1,2-1 44,-4 3-359,2 20 449,-4-32-180,-4 6-89,0-19-361,0-3 990,0-4 0,-20-4 0,-5-3 0</inkml:trace>
+  <inkml:trace contextRef="#ctx0" brushRef="#br0" timeOffset="114050">19540 7774 8162,'0'-25'180,"0"0"-180,0 2 0,24-7-90,4 10-1079,7 1 0,3 2 1169,10 3 0,16-6 0,-28 13 0</inkml:trace>
+  <inkml:trace contextRef="#ctx0" brushRef="#br0" timeOffset="114465">20148 7529 9961,'-30'0'1260,"-3"14"-1170,7-11-90,-1 23 0,11-23 0,0 27 0,2-15 89,-1 27-178,8-14 89,0 18 0,7-19-180,0 14-180,23-20-630,-2 9 811,26-21 89,-7 3 90,-6-12-90,4-22 180,-20-5-180,4-12 180,-16 2 89,3 9 91,-8-1 180,3 2 0,-4 2-270,0 3-90,0 3-90,0 4 449,0 1-449,0 20-90,0 7-89,0 22-181,0-5-180,0-1-359,13-2 269,-9-7-449,18 7 359,-13-17 720,1 6 0,2-15 0,-5 5 0</inkml:trace>
+  <inkml:trace contextRef="#ctx0" brushRef="#br0" timeOffset="114772">20353 7550 9242,'6'-9'539,"0"6"91,-1-10-180,2 11 179,-1-2-539,-1 4 90,0 0-90,-1 16-90,-1-12 180,1 26-180,-1-26 90,1 25 0,-1-25 0,0 27 90,-2-14 0,-1 11 180,0-7-360,1-25-90,1 6 90,1-35 90,6 2-90,-2-9-180,6-6 90,5-4-90,-5 12-450,13-22 270,-12 30-269,5-5-181,-7 20 91,-2 3-181,2 7 900,3 2 0,-2 2 0,4 1 0</inkml:trace>
+  <inkml:trace contextRef="#ctx0" brushRef="#br0" timeOffset="115934">21105 7277 6723,'0'0'0</inkml:trace>
+  <inkml:trace contextRef="#ctx0" brushRef="#br0" timeOffset="116268">21470 8049 10591,'0'21'720,"0"-1"-720,-19-7 0,14-3 0,-34-5-180,9-3-1170,-26-2 181,4-12-1350,3 9 2519,12-10 0,3 0 0,0-3 0</inkml:trace>
+  <inkml:trace contextRef="#ctx0" brushRef="#br0" timeOffset="151018">11577 7940 9871,'29'0'1170,"0"0"-1170,-9-12 0,2 9 0,-2-20-90,4 20-630,0-20-179,3 20-181,0-17-809,0 18 1889,-1-12 0,0 13 0,-2-4 0</inkml:trace>
+  <inkml:trace contextRef="#ctx0" brushRef="#br0" timeOffset="151223">11615 8401 10141,'51'-36'90,"-8"15"-270,4-12-1382,-7 29 572,2-30-629,3 21 1619,1-13 0,2 8 0,2 2 0</inkml:trace>
+  <inkml:trace contextRef="#ctx0" brushRef="#br0" timeOffset="151586">12625 7370 10321,'0'-17'1259,"0"3"-629,-16-3-540,12 6 809,-13-2-809,17 27-90,0 11 0,17 15 0,-12 26-90,29-20-1534,-29 18 1354,25-17-180,-28 0-1266,16-3 1,2 1 726,-6 12 989,5-5 0,0-2 0,-4-8 0,2 10 0</inkml:trace>
+  <inkml:trace contextRef="#ctx0" brushRef="#br0" timeOffset="151816">12508 7365 9332,'-16'-19'359,"4"-1"-89,5 1-90,4-2 180,3-14-270,28 6-90,-8 2 0,2 0 0,36-7-1446,-15 6 0,1 0 816,14-3 360,-20 11 1,2 1-868,-1 4 0,-2 3 327,19-4 657,-22 8 0,-2 1 0,5 3 0,-5 3 1</inkml:trace>
+  <inkml:trace contextRef="#ctx0" brushRef="#br0" timeOffset="152018">12750 7595 8072,'59'-15'0,"-10"12"-269,2-24-1106,-12 24 65,0-23 1310,-2 22 0,-2-20 0,-1 11 0</inkml:trace>
+  <inkml:trace contextRef="#ctx0" brushRef="#br0" timeOffset="152216">12722 7955 8792,'63'0'90,"-9"-20"-90,9 15-740,-36-16 1,-1 0 199,31 15 135,-27-16 1,0-2-1297,31 8 1701,-31-2 0,-1-1 0,28-6 0,-4 0 0</inkml:trace>
+  <inkml:trace contextRef="#ctx0" brushRef="#br0" timeOffset="153104">13598 7514 12210,'0'33'180,"14"-15"-180,-10 20 0,20-19 0,-22 21 0,16-6 0,-16-2 90,14 1-180,-14-4 90,14-4-180,-10 5 90,6-10 90,-4 2-270,-4-15 0,1-3 90,-2-4 91,0 0 89,2-19 0,1 15-180,2-41 180,-1 23-90,-1-10 0,-1-3 180,2-9-135,-2 6 0,-1 0 45,0-6 0,0-6 0,-2 20 0,0 6 0,1 4 270,0 2-1,1 10-179,2-1 90,-3 9-180,9 0 0,-4 17 0,6-13 0,3 30 90,-5-11-90,8 18 0,-9-9 0,5 4-90,-7-18 180,1 4-180,-3-11-90,-2-2-179,0-2-631,-2-1 1,0-2 989,0-1 0,-2-3 0,0 0 0</inkml:trace>
+  <inkml:trace contextRef="#ctx0" brushRef="#br0" timeOffset="153870">14052 7533 9152,'0'-29'0,"17"12"270,-12-6-1,30 10-179,-18-9 450,12 2-270,-15 8 180,2 5-180,-8 5-91,4 2-179,-1 0 0,-3 0 90,2 18-90,-2 1-269,6 20-91,-6-12 0,2 1-270,-4-8 91,0 1-451,-1 0 990,2 8 0,-1-8 0,2 7 0</inkml:trace>
+  <inkml:trace contextRef="#ctx0" brushRef="#br0" timeOffset="154384">14605 7434 9871,'-19'-4'1619,"3"19"-1619,34 16 0,-14 5 0,14 5-90,-4-14 180,-10 1-90,22 0-90,-14 13 180,2-13-90,7 15 0,-18-22 0,13 1 0,-15-12 90,6-3-180,-6-2 0,3-4 90,-3-14 0,0-11-269,-1-26 89,-13 6-929,9-11 929,-9 12 270,13-5-981,0-1 891,0-1 0,0 1 0,0 3 0,0-11 0,0 20 270,0-12-1,16 33 361,3-1-540,10 13 990,-11 19-1080,1-11 1010,-17 46-920,7-28-810,-9 43 181,0-30-271,0 12-1079,-23-4 540,5-12 1349,-7 4 0,12-15 0,13-2 0</inkml:trace>
+  <inkml:trace contextRef="#ctx0" brushRef="#br0" timeOffset="154757">15030 7477 8522,'3'-15'720,"1"-11"-540,1 22 89,1-28 1,2 15-90,2-20 90,2 4-90,7-23-180,-5 10-748,-3 3 1,0-1 837,-1-13-45,-3 19 0,-1 0 315,-1-20-1251,-2 1 1160,0 0-262,-2 20 1,0 1-8,0-15-106,-1-12 106,0 39 360,0 4 964,-17 16-1234,13 25-90,-25 18 0,12 14 210,3-8 0,1 1-210,-4 16 0,9-19 0,4-1-180,4 16 0,0-3-180,0-4 0,8-17 1,1 0 267,-4 15-493,11-10 1,4-2-46,8 1-1055,-4 9 336,23-23 1349,-26-2 0,20-8 0,-10-2 0</inkml:trace>
+  <inkml:trace contextRef="#ctx0" brushRef="#br0" timeOffset="155083">15597 7157 9961,'0'-10'990,"-17"0"-630,12 3-181,-29 2-89,18 2-90,-4 19 90,-5-13-180,22 29 90,-23-11 0,18-1 0,-5 25 0,8-32-180,5 22 180,0-18 0,16-8-179,-12 3 269,30-12-180,-16 4 90,3-26 90,3-3-180,-21-13 0,7-18-90,-10 27-270,0-20-90,-21 37-179,16-8-2070,-28 18 2789,30 8 0,-10-2 0,13 9 0</inkml:trace>
+  <inkml:trace contextRef="#ctx0" brushRef="#br0" timeOffset="155554">15853 7114 10051,'0'25'-180,"15"-10"270,-1-5-90,13-10 0,-15-20 0,1 15 90,-12-33 180,4 23 180,-5-15 0,2 8-91,-2 2-269,0-2 270,0 5-360,0 27 90,-11 16-90,8 21-45,-3-13 0,1 1 135,5 12-45,9-15 0,2 0-135,-6 12-248,31 1 248,-32-3 90,33 0 0,-19-3 0,17-1 0,2 6-90,-11-14 90,12 12 0,-21-25-360,2 2-2339,-14-12 721,-24-25 1978,-6-8 0,-2-16 0,7 2 0</inkml:trace>
+  <inkml:trace contextRef="#ctx0" brushRef="#br0" timeOffset="155935">16262 7093 9422,'17'-17'269,"-12"-12"-179,30 14 0,-20-15 0,5 9 0,1 0 0,-19 7 90,15-2 450,-15-6-540,5 6 180,-7-9-181,0 11 1,0 0 0,-16 8-90,-9 3 90,-11 19-180,0 6 90,19 20-180,-2-9-269,17 0-1,-5-10-1079,25 10 449,-14-11 1080,32 13 0,-11-19 0,19 4 0</inkml:trace>
+  <inkml:trace contextRef="#ctx0" brushRef="#br0" timeOffset="156267">16590 7026 8162,'0'-6'90,"0"-3"-90,21 2 0,-15-5 0,34 2 90,-36-1-90,34-1 180,-19-5 0,3 2 450,4-12-450,-16 10 539,3-15-449,-5 13 0,-8-6 180,0 4-271,0 7 181,-19-3-180,0 12-180,-20 1 90,20 21 0,-24 19-270,37 2 90,-8-7 0,1-1-270,13 1-269,0 10-271,0-15-89,19-2-270,-14-2 1259,34-3 0,-35-2 0,16-2 0</inkml:trace>
+  <inkml:trace contextRef="#ctx0" brushRef="#br0" timeOffset="156638">17502 6457 10951,'-9'-4'-180,"2"0"180,-3-3 0,6 4 0,-1-2 0</inkml:trace>
+  <inkml:trace contextRef="#ctx0" brushRef="#br0" timeOffset="156830">17603 6746 9871,'0'3'0,"0"0"0</inkml:trace>
+  <inkml:trace contextRef="#ctx0" brushRef="#br0" timeOffset="157072">17848 6335 9961,'0'28'0</inkml:trace>
+  <inkml:trace contextRef="#ctx0" brushRef="#br0" timeOffset="157254">18005 6833 10951,'2'5'629,"0"1"-449,-2-3-180,2-1 0,-2-15 0,1-3 0</inkml:trace>
+  <inkml:trace contextRef="#ctx0" brushRef="#br0" timeOffset="157902">18405 6567 8792,'19'-17'1169,"1"-12"-719,-2 25 0,1-33-90,-3 18-181,0-20 91,-1 4 0,3-17-90,-5 9-45,-5 7 0,-2 0-45,-1-6 90,-1-25-90,-4 32-90,0-4 0,0 14 0,0 10 0,-14 0-90,10 34 180,-10-3-90,14 25 0,0 16 0,0-8-45,-1-5 0,2 0-738,16 11 648,-16-20 1,2-1-136,32 10 0,-30-2-270,31-3-179,-32-1 89,32-1 180,-32-2-899,27 11 629,-20-13 720,5 16 0,-8-23 0,-8 5 0</inkml:trace>
+  <inkml:trace contextRef="#ctx0" brushRef="#br0" timeOffset="158033">18627 6819 8342,'19'-36'0,"-14"6"0,30-5-90,-31 5-180,30-2-269,-29-3-1694,33-1 2233,-24-1 0,18-2 0,-10-1 0</inkml:trace>
+  <inkml:trace contextRef="#ctx0" brushRef="#br0" timeOffset="158235">19008 5984 10591,'0'30'989,"14"-1"-899,-10 0-90,20-6 0,-21 0 0,15-8-180,-15 1-359,11-3-181,-13 1-809,12 3 630,-8-4 899,6 6 0,-6-10 0,-1 2 0</inkml:trace>
+  <inkml:trace contextRef="#ctx0" brushRef="#br0" timeOffset="158416">19038 5869 9602,'-4'-6'0,"3"2"0,-4 0 0,3 2-3598,2 0 3598,14 1 0,-9 1 0,12 0 0</inkml:trace>
+  <inkml:trace contextRef="#ctx0" brushRef="#br0" timeOffset="158816">19395 5865 10321,'10'20'990,"-1"-15"-901,-2 34 1,5-9-90,-1 9-90,5 17 180,-5-24-90,4 17 0,-5-24 0,5 13 0,-9-23-90,3 2 180,-6-15-90,2-20 0,-2 14-90,4-53 180,-2 31-90,3-31 0,4 7 0,-4 13 0,8-14 0,-9 27 90,2-1 90,-4 18-90,-1-1 0,-1 7-90,-1-2 0,2 3 0,2 0 0,5 18-90,-2 4-449,10 21-181,-6-9 270,3 0-179,-2-10-1,-2-1 0,4-3-269,2-1-360,3-9 1259,3 3 0,0-11 0,1 4 0</inkml:trace>
+  <inkml:trace contextRef="#ctx0" brushRef="#br0" timeOffset="159217">20025 5895 9871,'0'-19'1260,"0"0"-811,0 0 181,-16 6-450,-4 3-90,0 27-180,-5-12 90,22 45-90,-6-30 90,9 35-90,0-28 90,0 7-90,20-9 0,-1-7 0,19-3 0,-7-9 90,-13-27 0,9 16 0,-24-41 0,22 25 0,-22-24 0,17-10 0,-17 11-45,3 3 0,0-1 135,-6-7-90,1 7 0,0 0-76,-1-4 76,0-10 90,0 24-90,0 6 90,0 6 1169,0 4-1259,0 25 0,0 11 256,0 16-301,7 2 0,3 2-224,7 7-91,-7 2 0,0-1-360,16 2-494,-18-8 0,0 0-315,15 7 1295,-11-17 1,0-1 0,8 10-1,2 0 1</inkml:trace>
+  <inkml:trace contextRef="#ctx0" brushRef="#br0" timeOffset="159571">21167 5205 9512,'-16'-29'899,"-9"3"-269,7-3-181,-8 10-89,-2-1 90,-4 12-180,5 5-90,-21 27-180,18-4 135,6 11 0,1 4-1958,0 8 1868,9-11 0,3 2-90,5 3 0,2 0 385,0 22-430,12-10 0,2 0-270,-5 7-315,22-11 1,5-1-1059,-6 5 1148,3-17 1,3-2-1215,7 9 1799,5-1 0,1-5 0,2-2 0</inkml:trace>
+  <inkml:trace contextRef="#ctx0" brushRef="#br0" timeOffset="160249">21897 5334 9512,'-20'-14'539,"2"2"-179,-33 0-90,16 6-180,-13 2 90,0 3-90,13 1 0,-16 20-90,31 1 90,1 23-180,15-12 90,25-1 0,6-2 90,3 3-90,14 0 0,3-2 0,-2-2 134,-9-7 1,0 0-135,1 1-302,6 2 482,-28-10-90,5-4 90,-17-3-90,14-1-180,-16-2-90,4 0-90,-5-2 393,0 1-843,-27-2 90,-5 0-269,-18-1-1,4 0 1,9 0-563,3-14 1462,1 11 0,7-26 0,-1 11 0</inkml:trace>
+  <inkml:trace contextRef="#ctx0" brushRef="#br0" timeOffset="160499">21600 5180 9961,'0'-13'1080,"0"-1"-721,0 4 1530,0 0-1709,0 25-90,17-13-90,-13 39-90,29-23 180,-29 22-90,28-6 90,-18 4-90,5-9 0,2 2 0,4 17-225,-4-8 0,0 1-134,7 6-483,-12-16 0,1-1 482,8 9-180,-3-1-1086,0-4 816,-1-1-808,-1-4 359,-2-2 1259,-3-4 0,-1-4 0,-1-3 0</inkml:trace>
+  <inkml:trace contextRef="#ctx0" brushRef="#br0" timeOffset="160719">22267 5428 10411,'1'-6'1079,"0"1"-809,0 1-270,0 2 0,1 1 0,3 0-90,0 1-269,2 0-271,0 13-360,1-9-89,1 21 1079,2-8 0,-4-2 0,1 0 0</inkml:trace>
+  <inkml:trace contextRef="#ctx0" brushRef="#br0" timeOffset="160917">22167 5156 10141,'-5'-7'90,"2"2"-1979,0 0 1889,21 3 0,5 0 0,18 2 0</inkml:trace>
+  <inkml:trace contextRef="#ctx0" brushRef="#br0" timeOffset="161368">22728 5306 10141,'-38'0'990,"1"0"-990,2 0 0,16 21 90,-12-16-90,27 37-90,-20-14 180,22 9-90,-8-1 0,10-13 0,0-2 0,23-2-90,-18 3 180,40-9-180,-24-1 180,21-9-180,-5-21 90,-9 14 90,-3-37-180,-9 21 180,-1-23-270,3-14 270,-7 9-411,-5 3 1,0 0 590,-4-10 89,-1 9 1,0 1-180,-1-4 0,-16-10-90,12 20-90,-13 16 720,17-1-720,0 42 0,0 25-180,0 9-135,8-10 0,1 0-135,-4 3-2100,10-5 1,1 0 1200,-13 5-900,19 14 2226,-19-20 0,14-2 1,-6-2-1</inkml:trace>
+  <inkml:trace contextRef="#ctx0" brushRef="#br0" timeOffset="161784">23010 4524 9691,'48'-1'1620,"-7"0"-1306,-6 6 1,0 4-45,16 9-2965,-2 1 0,0 1 2784,-18-4 1,-1 0-45,11 3 0,-1 1 964,10 13-919,-4 5-180,-7 4 135,-18-8 0,-4 2-135,3 22-135,-8-4 0,-7 1-90,-13-21 1,-6 0-451,-7 26 1,-5-1 241,-2-22 0,-4-3-197,-7 12 1,0-1 719,6-13 0,1-2 0,-2-1 0,-1 0 0,1 0 0,-1 0 0</inkml:trace>
+  <inkml:trace contextRef="#ctx0" brushRef="#br0" timeOffset="162537">24112 4873 11670,'0'-5'720,"0"1"-1080,0 1 360,0 0 0,0 1 0,0 2 0</inkml:trace>
+  <inkml:trace contextRef="#ctx0" brushRef="#br0" timeOffset="162783">24095 5362 10141,'21'11'1259,"-15"0"-989,35 2 270,-17 2-450,9-3 180,-1 1 90,-6 0-270,-13-3-90,8 3-90,-19-5-810,6 6 360,-39-4-359,3 6-270,-32-2-1988,5 3 3157,-8 2 0,29-9 0,0 0 0,-2 1 0,0-1 0</inkml:trace>
+  <inkml:trace contextRef="#ctx0" brushRef="#br0" timeOffset="197005">22912 6550 9602,'-19'-8'1079,"4"0"-809,15 3 90,0 0-360,0 0 89,0 2 451,0 0-450,0 18-90,14 6 0,2 14 0,1 2 0,9 15 0,-7-8-774,-3-3 0,1 0 774,8 9 45,-13-17 0,-2 0-605,4 11 470,-1-2 0,-1-4 90,4 11-180,-5-14 180,5 12 0,-8-26 1465,0 5-1465,-5-18 373,0 0-373,-3-21-90,1-9 1,-16-11-1,11-5 90,-10 2 90,0-5-90,7 6 0,0-3-90,-10-21 90,6 4 0,2 0 0,4 22 0,1 0 0,-2-21 0,1 2-587,-2-3 587,7-10-90,0 32 90,0 6 90,0 7-180,22 5 90,-1 9 90,27 3-90,-14 23-2805,19 11 2715,-17 11 180,10 5-426,-13-8 336,-2 2-180,-2 3 90,-12-13 0,-2 1-179,6 17-136,-10-8 0,-4-1 45,-2 5-135,-2-9 1,-5 0-136,-20 2-89,16 8 684,-33-11 1,21-13 0,-15 4 0</inkml:trace>
+  <inkml:trace contextRef="#ctx0" brushRef="#br0" timeOffset="197555">23755 6872 9152,'5'0'809,"2"0"-629,-1 15-180,2-12 0,0 12 180,0 3-180,2-14 90,3 28-180,-1-29 90,3 26 0,9-14 0,-4 2 0,18 1-90,-13-16 90,20 4-90,-17-6-90,9 0 270,-13-19-90,-2 14 0,-2-33 0,3 10-90,-8-10 180,2-16 90,-11 21 360,-1-23-360,-5 27-90,1-4-90,-1 13 90,0 10 269,0 0-359,0 28 0,14 2 0,-11 22 0,25-12-269,-10 4-1,15-10 90,-6-7-90,0 0-90,-9-15 0,0 4 1,-1-6-271,6 0 450,-6 0 180,8-18 0,-13 13 0,3-28 0,-8 29 270,-2-21 270,-2 15-540,-3-7 0,0 8 0,0 3 0</inkml:trace>
+  <inkml:trace contextRef="#ctx0" brushRef="#br0" timeOffset="197906">24002 6447 9152,'-1'-6'450,"0"1"89,1 2-539,18 2-90,3-1 180,0 19-450,7 1 91,-15 3-631,1 19 360,2-25-1618,-15 32 2158,5-26 0,-6 8 0,0-12 0</inkml:trace>
+  <inkml:trace contextRef="#ctx0" brushRef="#br0" timeOffset="198118">24253 6205 8972,'11'0'360,"0"15"-270,0-11 0,-1 10-90,0-14 0,5 14 0,-3-10-540,15 9-180,-8-13 720,21-17 0,-12 12 0,10-12 0</inkml:trace>
+  <inkml:trace contextRef="#ctx0" brushRef="#br0" timeOffset="198757">25042 6862 8702,'0'-42'720,"0"6"-540,0-2-91,0 5-89,0-5-89,0-24 89,0 11-867,0 16 0,0 0 1047,0-18-90,0 1-90,0-3 180,0 2-555,0 1 734,0 4-179,0-10-180,0 22-66,0-9 335,-11 32-179,8 27-90,-8 5 90,11 28-90,0-9 90,0 28-90,0-13-45,5-8 1,4-1 44,10 4 0,0 10 918,13-25-918,-27-3-90,32-4 0,-12 6 0,9-9-90,8 6 90,-20-17 90,15 1-270,-17-10 434,5-1-434,-3-2 270,-7-19 0,7-2 0,-12-2 1674,1-9-1494,-7 16 319,-1-10-499,-3 29-270,0 7-180,19 10-629,-15 9-810,31-14 1889,-20 10 0,18-11 0,-6-7 0</inkml:trace>
+  <inkml:trace contextRef="#ctx0" brushRef="#br0" timeOffset="198916">25437 6159 6993,'-3'18'0,"1"-4"0</inkml:trace>
+  <inkml:trace contextRef="#ctx0" brushRef="#br0" timeOffset="199616">25767 6594 9781,'0'-39'0,"15"-5"0,-11 8 0,12-2 0,-6-3 0,-7 10 180,7-18-180,-10 24-90,0-7 450,0 19-270,-11 20-90,8 17 90,-8 27-180,11-6 180,19 17-90,-14-26-622,30 8 622,-31-18-314,27-3 135,-27-4-1,28 1 0,-13-8-180,14-2 270,-10-8-180,1-2 270,-12-20 525,1 15-615,-6-33 180,-3 33-90,-1-30 231,-2 13-51,0-9 90,-1 4-180,0 6 539,0 6-629,0 20 90,17 9-180,-13 16 90,25-12 90,-17 0-180,10-16 180,-4 7-90,-3-9-90,-3-18 90,-4 14 90,-3-32-90,-1 20-90,-1-29 270,-2 14 450,-1-23-540,0 23 90,0-8-180,0 18 0,0 2 629,0 3-1348,16 44 89,2-6-90,1 29-89,7-20-271,-24-12-449,21 1 1529,-20-4 0,18-6 0,-9-4 0</inkml:trace>
+  <inkml:trace contextRef="#ctx0" brushRef="#br0" timeOffset="199835">25653 6103 9152,'-4'-16'1259,"1"-8"-1079,2 5-180,22-14 0,-16 13-90,16-4-1169,0 9-1080,-1 4 2339,21 3 0,-22 6 0,-4 2 0</inkml:trace>
+  <inkml:trace contextRef="#ctx0" brushRef="#br0" timeOffset="200020">26085 7220 11041,'5'2'-2879,"1"-14"2879,4 8 0,1-26 0,4 11 0</inkml:trace>
+  <inkml:trace contextRef="#ctx0" brushRef="#br0" timeOffset="200690">27000 5984 11490,'-23'-4'-179,"10"1"628,-10 1-89,13 1-360,-4 16 0,7 7 0,7 9 90,0 2-180,0-5 0,0-1 0,23 2-90,-17-3 0,37-3-449,-16 4 269,11-10-540,7 4 451,-18-15 89,4 0 90,-10-6 90,-3 0 90,0 0 90,3-20 0,-7-1 450,2-22 0,-11 12 269,-1-11-179,-4 21-450,0-11 809,0 19-809,0 20-90,0 11 90,0 25-90,14-3 0,4-2 0,13-10-90,-6-13 90,-2-7-90,-4-8 0,-1 0 90,3 0 0,7-18 0,-7 14-89,9-45 89,-16 28 0,2-27 89,-9 19-89,-3-2 270,-1 3-180,-3 0 0,1 5 90,-1 2-180,0 3 630,0 7-630,0 37-180,16-20 90,-12 51-270,13-40-899,0 27-900,0-18 2159,15 6 0,-6-15 0,0 2 0</inkml:trace>
+  <inkml:trace contextRef="#ctx0" brushRef="#br0" timeOffset="200985">27275 5481 8882,'17'-15'1079,"-13"2"-809,30 2 90,-30 2 0,28 1 0,-28 3-91,27 0-89,-14 3-180,15 1 0,-1 1 90,-7 15-90,-4-12-90,-6 11 270,-1-14-180,-1 12-90,1-10 90,0 10-270,1-12-1349,13 0 180,-4 0 1439,25-19 0,-17 14 0,14-13 0</inkml:trace>
+  <inkml:trace contextRef="#ctx0" brushRef="#br0" timeOffset="201785">23295 8159 8522,'38'-17'1080,"1"-1"-721,-5-3-89,8-1-2578,4-4 2488,9-3-90,-23 13 0,1 1-45,4-2 0,1 1 45,6-3 0,1 1-90,2 0 0,3 0 45,3-1 0,4-1 15,1 1 0,4-2 0,-1 2-492,-12 3 1,-2 2 0,6-2 449,-2 1 0,7-2 0,1 0 0,-1 1 0,-5 1-480,9-2 0,-6 2 0,4-1 462,0 0 0,2 0 0,1 0 0,-3 0 30,2 1 0,-3 0 0,1 1-60,2-2 0,1 0 0,0 1 60,0 0 0,1 0 0,0-1-60,0 1 0,1-1 0,-1 1 30,0-1 0,1 1 0,-1-1 30,-2 2 0,1-1 0,3-1 6,-16 3 0,2 0 0,2-1 0,-1 1 0,-2 0-36,-2 1 0,-2 0 0,0 0 0,5-1 18,7-3 0,7-2 0,1 0 0,-2 0 0,-6 2-48,3-2 0,-6 2 0,6-2 48,-6 1 0,5-2 0,1 0 0,-1 0 0,-6 2-18,6-3 0,-6 2 0,2-1 0,-5 1 0,2 0 0,1 0 0,-1-1-23,-2 0 1,1 0-1,-2-1 1,-3 2-8,2-1 0,-3 1 0,3-2-15,6-2 0,5-3 0,-2 0 0,-5 3-45,7-5 0,-1 1-120,-1-1 0,5-2 0,-7 3-147,-10 4 1,0 0 26,-2 1 0,2-1 0,-4 2 15,-9 4 1,-3 1-46,9-2 0,-2 0 360,12-9 0,-16 12 0,3-4 0</inkml:trace>
+  <inkml:trace contextRef="#ctx0" brushRef="#br0" timeOffset="249987">4790 13500 8522,'21'0'3598,"-3"-9"-3598,-11-7 0,-18 3-180,-10-11 450,-10 22-360,-4-8 90,1 10 0,-5 0 0,-2 0 0,-4 0 0,0 17-180,-15-13 270,17 28-180,-7-29 0,28 22-90,10-16 90,36 2 90,5 1 0,15-8 0,4-1-942,-13 2 1,-1 1 941,14-1 0,0 1 0,-10-2 0,-1 1-374,-1 0 1,0 1 373,-1-1 0,0 1 0,10 4 0,-2 2 0,16 5 45,-17-1 0,-4 2 44,-5 2-89,-1 7 90,-23-8-90,-6 0 180,-22 2-180,-17 8-90,-11-5 90,8-6 0,0-1-90,-13 2-315,11-7 1,0-1 1275,-5-2-1590,-7-2 616,24-6-527,8-1 1,9-17 629,-2-11 0,11-12 0,-5-5 0</inkml:trace>
+  <inkml:trace contextRef="#ctx0" brushRef="#br0" timeOffset="250216">4743 13078 9152,'0'-13'899,"0"2"-359,0 3-360,0 2 629,15 2-719,3 2 0,0 18 0,14-11-90,-27 39-90,29-19 180,-29 27-90,26-4 45,-25-10 0,-1 2-303,7-8 0,1 1-102,-3 25 1,-3 0-428,0-21 1,0-1 471,0 11 0,-2 0-314,1 18-271,0-1-89,0-2 989,-1-2 0,-1-4 0,1-1 0</inkml:trace>
+  <inkml:trace contextRef="#ctx0" brushRef="#br0" timeOffset="250666">5508 13616 10051,'0'-8'270,"0"1"0,0 2-180,0 2 629,0 1-449,0 15-180,0 20 0,0 2 0,0 12 90,0-16-180,0 1 0,12 14 0,-9-12 0,18 8 0,-12-5 90,1-9-180,3 4 180,-12-11 0,9-3-180,-8-3 180,4-1 90,-3-3-90,-1-2 180,0-4-450,-2-2-450,1-17-449,-15-1-540,10-16-540,-22 4 2159,23-1 0,-8 7 0,11 2 0</inkml:trace>
+  <inkml:trace contextRef="#ctx0" brushRef="#br0" timeOffset="251071">5323 14138 9512,'18'-18'359,"5"-9"-359,2-15-2444,21-4 2534,-25 7-90,21-4 90,-12-2 629,-1-3-584,-10 12 0,-1-1-45,6-18-371,-8 18 1,-2 0 640,-1-11-270,-5 1 90,2 4 90,-9-11-270,4 19 1146,-5-10-1146,0 27 448,-19 2-359,-2 34 1323,-12 14-1367,17 0 0,5 5-135,-2 24-231,8-26 0,1 0 231,4 21 90,0 0-135,0-15 0,0 1-45,0 19 0,10-22 0,0 1-315,-9-5 1,3-3-46,34 18-90,-29-13 1,-2-2 89,13 2-180,1 6-269,-19-20 989,8-2 0,-10-5 0,0-3 0</inkml:trace>
+  <inkml:trace contextRef="#ctx0" brushRef="#br0" timeOffset="251235">5422 14103 10141,'-14'-9'0,"2"7"90,6-13 0,3 8-90,3-3-180,24-2-90,-18 3-269,50-2-631,-9-6 451,15 4 719,-17 1 0,-1-2 0,10-2 0,-18 5 0,0-1 0</inkml:trace>
+  <inkml:trace contextRef="#ctx0" brushRef="#br0" timeOffset="251453">6027 13426 9691,'-21'-27'1620,"-8"-8"-1531,25 12 1,-18-10 90,20 20 0,-7 0-180,9 32-90,0 11-539,0 33-1,0-9-1140,0 4 871,0-16 179,13-1 1,-9-3 719,20 10 0,-21-15 0,8 8 0</inkml:trace>
+  <inkml:trace contextRef="#ctx0" brushRef="#br0" timeOffset="251616">5970 13335 9422,'-6'-17'-90,"0"4"90,6 3 0,0 5 0,16 2 0,3 2 0</inkml:trace>
+  <inkml:trace contextRef="#ctx0" brushRef="#br0" timeOffset="251983">6540 13840 9691,'0'-45'720,"0"6"-630,15-4-90,-11 4 0,10-4-45,-5 7 0,-1-1 135,8-22-1799,-7 18 1,2 0 1888,9-21 0,-17-1 720,6 0-720,-8 19 0,-2-1-90,1-19 180,0 14 0,0 1-180,0 1-90,-9 14 0,-2 4 89,6 2 763,-32 3-762,20 17-90,-17 26 0,19 2 0,-9 22 0,13 22 0,-3-8-373,8-1 1,4 2 192,10-21 0,1-1-90,-8 13 0,3 0-346,15-14 1,2-2 255,-12 0 0,1 1 0,10-3 0,2 1-495,2 9 1,0 0-748,13 15 1602,-12-20 0,-1-2 0,9 5 0,-1-1 0</inkml:trace>
+  <inkml:trace contextRef="#ctx0" brushRef="#br0" timeOffset="252283">6887 13747 10231,'-14'-27'450,"11"0"-540,-10 7 90,13 2 90,20 2-90,-14 3-45,27-4 0,7 0 135,-11-5-135,15 0 0,1 0 135,-7 1-1831,-7 3 0,-2 1 1831,1-5 180,3-6-90,-18 9-90,-8 1 0,-2 2 449,-5-4-359,0 8 90,-24 0 3212,0 9-3392,-22 19-90,13 8 0,12 9 0,10 2 90,11-6-630,0 16 90,21-9-450,-6-5 1,2-2-180,27 3 1079,-10-7 0,2-1 0,13-1 0,-14-10 0,-1 1 0</inkml:trace>
+  <inkml:trace contextRef="#ctx0" brushRef="#br0" timeOffset="252491">8038 13440 10501,'-15'-8'270,"2"0"-180,13 2-540,0-4-1079,23 8-90,4-3 450,26 21 1169,-12-12 0,-1 25 0,-12-14 0</inkml:trace>
+  <inkml:trace contextRef="#ctx0" brushRef="#br0" timeOffset="252637">8158 13692 10861,'-18'6'539,"3"0"181,5-3-720,28 0-540,9-19 1,25-1-530,-20 8 0,0-1 169,-1-6 1,0 1 899,4 8 0,1 0 0,5-8 0,1-1 0,2 4 0,0 1 0</inkml:trace>
+  <inkml:trace contextRef="#ctx0" brushRef="#br0" timeOffset="253516">10492 12505 10501,'3'-12'989,"-1"1"-629,-1-1-90,-1 2-180,-17-2 0,13 1 0,-37 1-90,20 2-90,-26 2 0,6 3 180,-7 1-225,10 1 0,-1 2-615,-22 18 705,22-17 0,0 1-45,6 13 0,4 4 90,-11 4-148,0 18 58,28-4 180,47 11-180,-3-15-930,16-5 0,4-1 1020,-19-9 0,0-2 0,12 7 0,3 1 0,-2-2 0,-2 0 0,-10-5 0,-1 1 134,15 10 1,-4-1-429,-3 3 294,0 5 0,-29-16 489,-5-2-579,-7-2-150,-31 1-480,5-3 45,-14-4 1,-4-2-46,-14 0 485,17-3 1,-1-2-1385,-19-2 1619,4-1 0,3-17 0,5-4 0</inkml:trace>
+  <inkml:trace contextRef="#ctx0" brushRef="#br0" timeOffset="253755">10260 12340 9871,'7'-8'990,"-1"2"719,-3 3-1439,-2 19-90,17 9-180,-14 32 90,10-7-1666,-14 13 1486,0-9 180,0 5-462,0 3 192,0-14 0,0 2-45,0-13 0,0 3-710,5 3 0,2 4 1,-2-4 439,-3-2 0,1-1-764,4 26 0,3 0 1259,-2-28 0,-2-1 0,-4 10 0,0-1 0,13 14 0</inkml:trace>
+  <inkml:trace contextRef="#ctx0" brushRef="#br0" timeOffset="254387">10885 13057 10681,'-4'0'1349,"0"9"-1259,30 0-90,9 7 0,16-8-1902,1 2 1092,-10-7-179,4 4-400,3-2-320,3-3 1709,2 2 0,2-3 0,1 0 0</inkml:trace>
+  <inkml:trace contextRef="#ctx0" brushRef="#br0" timeOffset="254682">12018 12369 11850,'5'-20'1170,"-3"7"-451,1-4-539,-2 13-90,3-1-90,0 25 0,1-15 0,1 39 0,-1-22 0,2 24-270,-1-7-90,1 3 1,-1 2-991,3 20 361,-2-17-136,0-8 1,0 0-405,1 1 1529,3 9 0,-2-22 0,-1-2 0</inkml:trace>
+  <inkml:trace contextRef="#ctx0" brushRef="#br0" timeOffset="254883">11975 12461 9961,'-5'-29'990,"2"0"-541,23-10-359,-14 8-90,24 7 0,6 1 0,-4-4-450,16 6 1,3 2-540,6-3-541,5 8 1,1 2 843,2 2 0,-16 5 0,-2 1 1,0 4-1</inkml:trace>
+  <inkml:trace contextRef="#ctx0" brushRef="#br0" timeOffset="255083">12082 12705 10141,'-8'4'1170,"3"0"-1081,2-1-89,26-3-89,8 1-541,14-1-1259,15 0 720,-21 0 1169,27 0 0,-27 0 0,10 0 0</inkml:trace>
+  <inkml:trace contextRef="#ctx0" brushRef="#br0" timeOffset="255283">12117 13046 10141,'-5'3'990,"23"0"-1440,11-15-360,12 9-179,4-9-934,-9-1 124,7 10 1799,1-18 0,4 19 0,1-7 0</inkml:trace>
+  <inkml:trace contextRef="#ctx0" brushRef="#br0" timeOffset="257682">12153 12307 8792,'0'-5'810,"0"-2"-541,0 2 1,0-1 1349,0 3-1259,10 1 0,-8 22-270,12 7-180,-12 14 270,2 0-180,-4-5 90,0 20-90,0-11 0,0-5 0,0 0-968,0 6 968,0 15-721,0-4 811,0-13-135,0-9 0,0-1-45,0 5-270,0 20 270,0-30 90,0 7-90,0-17 90,0-5 90,0-2-360,0-2 632,0-4-632,0-16 698,0-9-518,0-22 180,0 5-360,0-23 270,-11 20-1741,9 1 0,1-1 1831,-10-10-180,4-16-778,6 18 958,-6 1-679,7-1 589,0 2-90,0 1 270,0 0 180,0-15-90,0 15-224,7 10 1,2 0 223,-6-1-270,13-14 270,-6 27 2583,-7-1-2224,14 15 503,-9 3-1043,3 24 888,-1-14-797,2 60-180,-3-33 45,-3 15 0,0 3-583,1 6 582,-4-18 1,-1 1-45,-1 0 0,0-1 0,0 22 0,-1-13 0,0 0-89,0 6 89,0 11 89,0-24-178,0-4-394,-13 15 303,10-22 0,-10 15 0,13-34-269,0 3-361,-6-11 540,0 0-809,-10-30 1574,6 21-1214,-4-52 359,6 38 0,-1-26 51,3 16-501,2 0 810,-1-2 0,3 0 0,0 0 0</inkml:trace>
+  <inkml:trace contextRef="#ctx0" brushRef="#br0" timeOffset="258116">12137 12398 8522,'35'-11'1259,"1"-1"-1079,-7-2-90,-1-6-90,-5 17 180,3-19-90,2 13-90,25-18 90,-11 12-1817,21-7 1727,-15 8 90,5 1-180,3 0-45,-13 7 0,1-1 9,-12 2 0,2 0-279,23-1 0,0 1-45,8 1-135,-16 2 1,-2 1-406,1 1 990,7 0 0,-28 0 0,-4 0 0</inkml:trace>
+  <inkml:trace contextRef="#ctx0" brushRef="#br0" timeOffset="258466">12212 12689 8702,'0'5'720,"0"1"-1,0-3-539,22 0-90,5-2-90,30-1 0,-11-16-135,-10 15 0,0-2-225,9-25-225,-6 26 1,1 0-136,6-19-1083,10 18 1803,-19-6 0,-6 9 0,-1 0 0</inkml:trace>
+  <inkml:trace contextRef="#ctx0" brushRef="#br0" timeOffset="259217">13582 12205 10411,'0'11'2519,"0"9"-2519,0 15 0,-14 6 0,10-6 0,-10 2 0,6 20-270,6-12-1474,-6 13 1294,8-20 90,0-2 493,0-2-1392,0 9 629,0-13-719,-6 16 630,5-26 783,-4 9 0,5-19 0,0 2 0</inkml:trace>
+  <inkml:trace contextRef="#ctx0" brushRef="#br0" timeOffset="259583">13302 12287 9961,'-1'-24'1260,"23"-2"-1260,10 1 0,15 4-2180,4 1 1911,-9 8-271,4 2-90,0 2-89,0 4 406,-5 3-497,-1 1-359,-5 0 1267,-4 15 0,-6-11 0,-3 11 1</inkml:trace>
+  <inkml:trace contextRef="#ctx0" brushRef="#br0" timeOffset="259801">13108 13104 9781,'21'4'360,"16"-1"-360,1-3 0,10 0-540,-7-8 1,0-2-640,11-7 1179,-5 0 0,0 1 0,8 1 0,-19 9 0,0 0 0</inkml:trace>
+  <inkml:trace contextRef="#ctx0" brushRef="#br0" timeOffset="260105">14382 12268 11131,'7'-6'1079,"-2"2"-629,-2 1-270,-1 2 90,0 1-181,1 20 1,-2 9-90,1 12-90,-2 4 180,0 15-90,0-10-180,-7-18 1,-1 2-181,6 1 0,0-1-270,-13 16-225,14-10 1,2-1 45,-1 1-91,0 7-89,0-23 989,0-4 0,0-6 0,0-1 0</inkml:trace>
+  <inkml:trace contextRef="#ctx0" brushRef="#br0" timeOffset="261019">14318 13023 9961,'9'4'1260,"3"-1"-991,-8-2-89,6 0 90,-2-1-180,2 0-90,4 0 0,1 0 0,3 0 0,2 0-90,2 0-180,1 0-179,3 0-181,1 0 90,1 0-89,3 0-181,-3 0-89,2 0 899,11 0 0,-12 0 0,8 0 0</inkml:trace>
+  <inkml:trace contextRef="#ctx0" brushRef="#br0" timeOffset="261416">15393 12210 11221,'-10'-3'1349,"7"17"-1349,-7 14 90,10 10-180,0 6 90,0-6 0,-18 4-1811,14 3 1811,-14 0-90,18 1-90,-13-2-612,9 17 252,-16-19-809,18 22 629,-10-33 180,11 4 398,-4-17-757,5-4 899,0-4 0,0-2 0,0-3 0</inkml:trace>
+  <inkml:trace contextRef="#ctx0" brushRef="#br0" timeOffset="261632">15385 12257 9961,'12'-18'1439,"11"-7"-1439,-1 5 0,19-10 0,-12 12 0,9-3-809,7 7 269,-10 4-449,24 0 359,-23 7 90,8 2-89,-17 1-810,-3 0 1439,-2 18 0,-5-13 0,1 14 0</inkml:trace>
+  <inkml:trace contextRef="#ctx0" brushRef="#br0" timeOffset="261849">15408 12604 9512,'0'4'1079,"0"1"-809,0-3-180,17 0-90,6-1 0,23-1-450,-9 0-1439,30 0 1259,-33 0-1568,27 0 2198,-38 0 0,5 12 0,-14 4 0</inkml:trace>
+  <inkml:trace contextRef="#ctx0" brushRef="#br0" timeOffset="262032">15290 12941 9961,'-5'5'1619,"2"-1"-1529,20-2-90,12-1 0,9-1-270,9 0-179,-9 0-91,7-12-359,0 9-1440,20-10 2339,-14 4 0,11 7 0,-21-8 0</inkml:trace>
+  <inkml:trace contextRef="#ctx0" brushRef="#br0" timeOffset="262521">16555 12182 11400,'11'-12'1080,"-1"0"-720,-1 3-1,-1 0-179,-1-1-270,-3 5 90,-22-1-90,-11 24-89,-26 5 179,10 10 0,14-9 0,2 0-90,-2 6 90,1 14-90,10-12 0,17-1 90,-8 0-180,11 15 180,0-11 0,20 24 0,7-26 0,5 2 0,3-2-90,11 0 180,-10-2 0,-2-1-90,-2-6 180,16 11-180,-25-19 270,7 3-91,-17-11-179,-1 0-539,-8-5-271,-22-2-719,-30 1 360,0-2-1101,-17-11 561,25 8 1709,1-8 0,4 1 0,1-1 0</inkml:trace>
+  <inkml:trace contextRef="#ctx0" brushRef="#br0" timeOffset="263183">17707 12052 9602,'0'-7'899,"0"0"-359,-18-3-181,13 1-359,-12-3 0,-4-3 90,-7 4-90,-31-6-90,8 11-1299,-8-1 1209,12 5 90,-1 1-465,2 1 376,1 0 89,6 0 90,3 18 0,5-14 0,13 30-90,4-17 180,33 19-180,-14-11 180,37 3-90,-37-7 0,40 2-90,-27 2 180,9 3 0,5 16 89,-16-9-179,-4-3 0,-2 1 0,2 6 0,-12 13 90,0-15-90,-17 0 90,13-1 0,-32 12-180,12-12 135,3-7 0,-1 1 1304,-3 3-1259,-10 20 90,21-22 145,-5 6-145,10-5-180,9-9 0,23 10 0,-18-17-90,25-4 0,6-4-179,-8 2-328,36-1-123,-21-6-539,1 0-450,3-3 1709,7 0 0,2 0 0,5 0 0</inkml:trace>
+  <inkml:trace contextRef="#ctx0" brushRef="#br0" timeOffset="263700">18298 11790 10771,'11'-18'1349,"-9"2"-1079,9 5-180,-11 1-90,0 4 90,0 1-90,-14 3-1170,-5 38 541,1-16-226,3 11 1,3 1 44,-1-3-1649,-7 19 2459,9-21 0,4 3 0,7-11 0</inkml:trace>
+  <inkml:trace contextRef="#ctx0" brushRef="#br0" timeOffset="263801">18283 11989 8972,'14'38'-510,"-3"-6"0,-4 1 1</inkml:trace>
+  <inkml:trace contextRef="#ctx0" brushRef="#br0" timeOffset="264299">18608 12573 11760,'0'34'-360,"0"3"-629,0-9-180,0 3-270,0-7 1439,0 1 0,0 0 0,0 0 0</inkml:trace>
+  <inkml:trace contextRef="#ctx0" brushRef="#br0" timeOffset="264484">18792 12394 9242,'8'-4'-2609,"1"1"2609,-2 2 0,2 1 0,-2 0 0</inkml:trace>
+  <inkml:trace contextRef="#ctx0" brushRef="#br0" timeOffset="264733">18965 12737 9422,'0'15'809,"0"0"-269,16 3-540,-13-5 0,13 2 0,-16-6 0,10 0 90,-8-1-270,8 3-180,-10-4-449,0 4 449,0-6-1259,4 1 1169,2-4-809,8-1 1259,0-18 0,3 12 0,-1-12 0</inkml:trace>
+  <inkml:trace contextRef="#ctx0" brushRef="#br0" timeOffset="265049">19187 12703 9242,'16'-19'629,"-1"8"-89,-4-6-90,-1 15-90,-2-8-181,-2 10 181,2 0-270,-5 0 0,2 15-90,-3-11-90,-1 28 180,0-7-180,-1 8 180,0 1-180,0-3 0,0-9-90,0 3 90,0-12-449,0-2-91,0-2 450,14-4 180,2-22-90,19-9 180,-6-11 90,14-12 180,-16 18-858,7-8 588,-14 15 360,-4 4-90,-4 10-180,3-4-90,-7 12-90,3-6 0,-5 30 0,0 5 0,-2 12 317,0-2-1486,2 6 359,0-11-899,10 20 450,-3-23 1259,8 3 0,-1-14 0,3-2 0</inkml:trace>
+  <inkml:trace contextRef="#ctx0" brushRef="#br0" timeOffset="265399">20035 12661 9422,'-17'-12'1259,"13"3"-719,-31 3-361,19 4-268,-16 22-181,18 3 0,2 21-180,12-2 180,0-5 0,21-15 1,-16 0 89,33-20 180,-12 7 0,7-9-90,-1 0 90,-10-15 360,-4-4-91,3 0 631,-12-12-540,1 12-360,-10-12 269,0 8-269,-14 11-269,10 26-181,-10 11 0,14 12-179,0-2-1,0-9-180,0-1-269,17-1 1079,-13-3 0,31 0 0,-11-2 0</inkml:trace>
+  <inkml:trace contextRef="#ctx0" brushRef="#br0" timeOffset="266102">20795 12605 9871,'0'-10'1440,"-17"3"-1351,-8 2-89,-12 2 0,12 23-269,11 0 89,14 20 0,0-7 0,16-3-90,4-13 0,19 0 180,-2-16 0,1 6 180,-17-22 90,2-4 0,-21-16 270,7 6-360,-9 2 90,0 7 0,0 2-90,0 3-1,-19 6 541,15-4-450,-29 11-180,29 13 180,-19 17-180,21 11 0,-7 5 0,9-7 0,0 3 0,0 0 0,0 18 0,0-13-180,-1-10 0,2 0 0,13 2-359,-11 17 179,10-28-270,-13 3-449,0-11 719,0-8-719,-15-1 629,-2-27 450,-1-6 90,28-21 0,-4 9 89,26 11 1,6 3 0,-5-6-1741,14 5 0,3 1 1651,3-3 0,-17 8 0,-1 2-209,12-6 298,-3 0 1,-2 0 90,10-10-90,-16 6 180,14-17-90,-31 16 449,2-17-359,-15 18-90,-3-6 0,-3 12 0,-18 1-180,13 2 0,-30 3 89,30 3 1,-29 4 3198,11 3-3288,-15 23 134,8 8-359,19 6 0,5 2-225,-2 14-180,15-10 1,7-3-91,16 0-135,-3-9 1,2-1-315,20 1 1079,-14-9 0,-2-1 0,10-3 0,13 2 0</inkml:trace>
+  <inkml:trace contextRef="#ctx0" brushRef="#br0" timeOffset="266616">21990 11824 10591,'9'-12'0,"-7"0"360,13 4-360,-10 3-540,2 25 0,-3 9-179,-4 14 89,0-2-1079,-17 4 1709,12-10 0,-12 8 0,17-15 0</inkml:trace>
+  <inkml:trace contextRef="#ctx0" brushRef="#br0" timeOffset="266799">22070 11834 10861,'14'-7'539,"1"-1"-359,-5 7-270,3-2 90,0 3 90,1 15-899,6 6-181,-6 9-1438,5 18 2428,-9-15 0,-1 15 0,-3-13 0</inkml:trace>
+  <inkml:trace contextRef="#ctx0" brushRef="#br0" timeOffset="267317">22573 11579 10861,'0'-18'0,"0"2"0,0 5 0,0 0 90,0 4 0,20 1 0,5 24-90,11-13 0,-2 30 180,-8-20-91,-1 15 91,-2-4 0,1 16-90,-7-8 0,0 29-90,-8-26 0,-4 14 90,-2 0-180,-3-12 180,0 27-90,0-27 0,-7-5 0,-1-1 0,4 6-786,-11 13 786,15-15 0,0 2 0,0 0 0,0 19 0,0-12 45,8-6 0,1-1-45,-4 8 0,4-9 0,-1 0 0,-8 4 0,0 11 0,0-20-177,0-3 177,0-4 90,0 5-90,0-13 0,-15 8 0,11-17-540,-41-1 0,22-6-179,-31-2-567,9 0 206,-5 0-313,-5-14 1393,0 11 0,-2-24 0,1 13 0</inkml:trace>
+  <inkml:trace contextRef="#ctx0" brushRef="#br0" timeOffset="271499">5718 15224 11041,'0'-15'449,"0"0"-449,0 6 90,0 0 180,0 4-270,-23 1 0,-5 19 90,-14-11-90,2 32-90,8-19 90,0 19 0,3-7 0,3 5 0,13-2-90,-5 2 0,16 0 0,-6-1 90,8 0 0,21 0 0,-15-1 0,43-1 0,-6 12 0,13-14 0,-19-5 0,-1-1-115,3-2 205,7 5-90,-32-14 0,7-3 0,-18-1-989,8-2-540,-32-3 449,-10 0 1080,-28-3 0,9-14 0,-3-4 0</inkml:trace>
+  <inkml:trace contextRef="#ctx0" brushRef="#br0" timeOffset="271755">5658 14919 10231,'0'-4'2429,"0"18"-2339,0 19-45,-6 1 0,-2 2-45,6-2 0,1 0-1063,-7 6 1,2 0 1152,6 25-90,0-31 0,0 0-45,0 0 0,0 1-225,-2 15 0,4 0 85,7-13 1,2 1-536,-2 24 0,1 0 270,2-27 1,0-1-91,4 9 1,-3 0-901,-9 13 1440,24-5 0,-24-3 0,11-3 0</inkml:trace>
+  <inkml:trace contextRef="#ctx0" brushRef="#br0" timeOffset="271983">6253 15650 10861,'5'-1'-4138,"-2"16"4138,-2 0 0,-1 4 0,0-8 0</inkml:trace>
+  <inkml:trace contextRef="#ctx0" brushRef="#br0" timeOffset="272600">6082 15860 9961,'-7'0'360,"3"-19"-90,1-5-270,3-30 0,22 8-282,-17-7 282,23 18 0,3 1 90,-7-20 45,10 5 0,3 0-827,-2-7 827,-11 20 0,-2 2 224,5-8-179,-5 5-180,-10 5 0,3 2 540,-13 14-450,5 25 0,-24 27-90,-2 17 0,2-8 0,0 1-90,-1 17 90,9-6 0,4 1-305,5-22 1,0-2 214,0 11 0,0 0-269,0 15-91,0-3-405,23-9 1,2 1 44,-12 11 90,27-8 1,2-4-450,-22-8 1367,28 4 1,-35-21 0,-3-2 0</inkml:trace>
+  <inkml:trace contextRef="#ctx0" brushRef="#br0" timeOffset="272749">6327 16124 9871,'-21'-12'450,"4"2"-180,6-12-450,-2 4 270,11-2-90,-4-2-90,6-1-1259,23-16 539,-18 7 70,19 10 0,3 0 740,0-11 0,26-2 0,-9 1 0</inkml:trace>
+  <inkml:trace contextRef="#ctx0" brushRef="#br0" timeOffset="272937">6928 15441 9961,'6'32'900,"1"6"-810,-5-9-90,3 17-180,-4-19-360,4 11-269,-1-12-1,2-1-179,-1-2 989,7 8 0,-4-10 0,5 5 0</inkml:trace>
+  <inkml:trace contextRef="#ctx0" brushRef="#br0" timeOffset="273119">6942 15011 10141,'-11'-31'0,"-3"3"0,12 6 0,-5 4 0,7 5-1799,0 6 360,0 25 1439,20-13 0,-16 41 0,16-17 0</inkml:trace>
+  <inkml:trace contextRef="#ctx0" brushRef="#br0" timeOffset="273467">7302 15828 9512,'10'0'719,"1"-16"-359,1 12-180,0-34-180,4 17 0,1-22 0,3 3 225,-5 6 0,1-2-225,9-22-1537,-5 3 0,0-2 1672,-10 20 0,-2 1 45,4-13 0,-2 0-293,-5 12 0,-2 2 293,-1 0 0,0 0 0,-1 1 0,0 0 90,-1-29-180,0 5-90,-19 8-596,15-1 776,-35 22 0,19 3-180,-20 41 0,21 3 90,-10 26-225,23 4 0,3 4 0,-6-17 0,3 2-346,8 12 0,5 7 0,-1-6 211,-6-8 0,5-2-420,12 5 1,8 3-1,-4-4 47,-8-5 0,2-2-167,17 12 1,1-3 809,-12-16 0,-1-3 0,1 0 0,0-1 0,21 22 0</inkml:trace>
+  <inkml:trace contextRef="#ctx0" brushRef="#br0" timeOffset="274151">7762 15569 9332,'36'0'539,"8"0"-449,-8 0 90,19-14-90,-20-5 135,-5 2 0,-1-1-45,3-1 449,11-25-179,-25 29-270,-2-28-180,-12 26 180,-4-5 90,-21 9-180,-6 6 0,-22 1 0,2 26-90,18 11 0,-4 11-360,30 23-90,-10-22-360,10-5 1,6 0-450,27 5 1259,-10-11 0,4-2 0,7-13 0,2-3 0,1 3 0,-1 0 0</inkml:trace>
+  <inkml:trace contextRef="#ctx0" brushRef="#br0" timeOffset="274666">9663 14757 10771,'0'-12'450,"0"-1"-360,0 2 89,-21-7-179,15 5 0,-36-4 0,6 1 0,-12 5-45,8 2 0,-1 1 45,-13 0-484,4 3 0,-1 1 574,-9 2-90,1 1 0,0 1-90,4 0 45,8 7 0,3 1 45,14-4 0,-3 28 0,23-20-4,3 15-86,7-5 180,0 3-180,0 4 180,24 20-90,1-6-45,-1-5 0,0 2 135,-1 11-325,-6-18 0,-4 0 235,-10 14 90,9 0 0,-12-1-180,0 0 180,0-2-90,-17-2 90,13 0 0,-36-1-180,19 0 90,-5-14 0,-3 0 90,-8 11-90,-8 8 90,17-19-180,4-3 116,11-5-116,-4-3 1002,15-2-912,-7-1 95,28 3-185,-15-5-180,29-2 0,7-2-180,-3 2-405,5-4 0,3-1 225,12 2-180,3-1-1491,-1 0 2301,-3 2 0,-2 0 0,-3 0 0</inkml:trace>
+  <inkml:trace contextRef="#ctx0" brushRef="#br0" timeOffset="275165">10260 14558 12030,'0'-5'360,"0"1"-180,-16 1-630,-1 22-899,-10 5 359,3 22-809,14-4 810,1-8 989,9-7 0,0-10 0,0-3 0</inkml:trace>
+  <inkml:trace contextRef="#ctx0" brushRef="#br0" timeOffset="275305">10318 14708 10231,'-23'-10'1080,"18"20"-1170,-35-6 0,35 31-270,-23-19-450,25 18-1348,-16 13 2158,17-7 0,-6 15 0,8-13 0</inkml:trace>
+  <inkml:trace contextRef="#ctx0" brushRef="#br0" timeOffset="275653">10703 15200 10591,'-26'-9'540,"-14"7"-540,15-11 90,-8 12-90,5-3-90,10 4 180,10 16-180,1 7 180,28 22-90,9-8-45,-3-10 0,3-1 135,16 8-45,-15-8 0,-3 1 44,2 2 91,-2 6 0,-8-14 0,-17-4-90,8-2-90,-11-1-180,0-3-90,-18 1-179,-13-7-91,-9-1-360,-5-3-89,11-1-180,2 0 1169,1 0 0,4-20 0,0-5 0</inkml:trace>
+  <inkml:trace contextRef="#ctx0" brushRef="#br0" timeOffset="275835">11027 15236 9781,'12'0'1080,"-2"0"-810,2 17-1,-3-13-89,9 27-180,-4-8 0,12 19-90,-11-4-449,3 1-900,-3 4 449,-5-11 990,6 22 0,-8-26 0,2 7 0</inkml:trace>
+  <inkml:trace contextRef="#ctx0" brushRef="#br0" timeOffset="276023">11337 14894 10411,'0'-18'0,"-14"2"0,11 4 0,-10 25 0,13 7 0</inkml:trace>
+  <inkml:trace contextRef="#ctx0" brushRef="#br0" timeOffset="276299">11673 15109 10411,'19'0'1709,"9"0"-1349,-7 0 90,14 19-270,-17-15-91,2 31-89,-10-31 0,-4 34 0,-3-21 90,-3 21-180,0-8 1,-22 3-451,-3 16 90,-3-11-90,7-8 1,5 0-181,11 2-1079,-25 10 630,27-22 1169,-10 0 0,32-11 0,5-3 0</inkml:trace>
+  <inkml:trace contextRef="#ctx0" brushRef="#br0" timeOffset="276619">12107 15439 12660,'38'0'180,"6"0"-180,-9 0-90,2 0 180,-7 0-90,-2 0 0,1 0 0,-1 0 0,-2-18-180,-3 14 270,-1-28-270,-1 12 180,-6-6 0,-4-11 0,-7 16 0,-4-7-90,-19 13 90,14 1 90,-33 5-90,10 4-90,-19 18 180,0 14-360,12 23-180,15-5-1156,11 2 797,9-12-271,0-2-179,26-1 1182,6 9 0,16-15 0,-4 7 0</inkml:trace>
+  <inkml:trace contextRef="#ctx0" brushRef="#br0" timeOffset="276950">12788 14402 8972,'22'21'-90,"-17"9"-90,17-18-450,-5 20 91,-1-11-361,5 5 900,-10-7 0,-1-2 0,3-1 0</inkml:trace>
+  <inkml:trace contextRef="#ctx0" brushRef="#br0" timeOffset="277121">13145 14393 10681,'28'0'719,"-2"0"-539,-2 0-180,-2 20 180,-3-16-450,4 48-359,-10-29-541,0 29 1170,-10 5 0,-2-10 0,-1 19 0</inkml:trace>
+  <inkml:trace contextRef="#ctx0" brushRef="#br0" timeOffset="277983">13743 14444 10321,'9'-10'450,"3"-2"-270,-4 3 0,3 1 179,-5 3-269,1 4 0,-1 1 0,5 0-90,-3 0 0,5 19 0,-4 4-180,4 11 90,-2 1-89,0-7 89,0 5-90,-1 2 90,1 2 90,0 2 0,-2 1-90,1 2 180,-2 0-180,-3-9 0,-1 0 270,1 17-935,-3-15 1,0-1 754,-1 12 0,-1 1-550,0-14 0,0 1 550,0 17-109,1-18 0,-2 1 109,-13 29 0,10-14-90,-3-10 1,0-1 89,7 6 0,8-11 0,5-1 89,10 3-178,2 5 178,12-16 1,-32-3 180,29-3 1312,-30-2-1402,10-2 1104,-14-2-1284,0 3 50,0-5-1219,-20 5-90,-18-9-669,-13 4 1928,-10-7 0,9-1 0,-1 0 0</inkml:trace>
+  <inkml:trace contextRef="#ctx0" brushRef="#br0" timeOffset="279266">3333 15709 10951,'5'-16'539,"-2"0"-359,-2 6 0,-1 1 630,0 3-810,0 18 0,0 11-180,0 9-180,0 7-90,0-7-179,0 2-271,0 2 1,11-2-1,-8-2-179,8-2 1079,-11-4 0,6-4 0,3-2 0</inkml:trace>
+  <inkml:trace contextRef="#ctx0" brushRef="#br0" timeOffset="279419">3442 15491 9332,'0'-24'-630,"0"3"360,0 6-180,0 2 450,0 6 0,0 2 0,0 5 0</inkml:trace>
+  <inkml:trace contextRef="#ctx0" brushRef="#br0" timeOffset="279733">3835 16015 9781,'5'7'360,"2"-2"-360,-2-2 90,3-20 0,-4 13-180,3-35 90,-1 21 90,2-20-90,2 5 360,1-17-90,-2 10 44,-5 7 1,0 0-225,-3-3-90,0-17-90,-1 29 270,0 0-180,0 39 0,0 1 0,0 25-180,0 18-179,0-9-848,-1-4 1,2 0 576,16 9 225,-16-20 1,2-1-946,13-3 1,2-3 1349,4 13 0,-1 8 0,-2-21 0</inkml:trace>
+  <inkml:trace contextRef="#ctx0" brushRef="#br0" timeOffset="279948">3727 16202 9781,'55'0'0,"2"-17"0,-3 13-2077,-23-17 1,0-2 1851,3 12 1,0 1-136,2-12 0,2-2-849,16-2 0,1 0 1209,-13 6 0,-1 0 0,11-7 0,-2 0 0,-17 9 0,0 0 0</inkml:trace>
+  <inkml:trace contextRef="#ctx0" brushRef="#br0" timeOffset="280333">4712 14635 10951,'0'-10'1079,"0"3"-809,0 20-180,-19 24 0,15 11-628,-15-15 0,1 2 718,14 28-644,-15-28 1,1 2 463,15 2 0,1 2 45,-16 2 0,0 0-45,15 0 0,2 1 0,-7 0 0,0 1-180,5 15 0,6-1-45,9-15 1,5 0-436,-2 1 0,3 2 1,4-6-16,10-6 1,7-3 674,1-1 0,5 2 0,-2-6 0,1-5 0,0-4 0,17 5 0,0 0 0</inkml:trace>
+  <inkml:trace contextRef="#ctx0" brushRef="#br0" timeOffset="282087">15103 14577 11850,'0'-19'1349,"-15"2"-1079,11 6 0,-12 2-270,16 1-90,0 2 270,-10 4-180,7 21 0,18 8 0,6 13-771,29 1 681,-6-7 0,-2-7 0,2 0 45,-9-5 0,1-1-1055,12 8 1,1-1 1099,-12-7 0,-3-2 0,-1 2 0,0 0-269,-1-1 0,-1 0 269,21 22 0,-9-2 0,-14 2 0,-14 17 90,-8-13-90,-32-6 0,-9-2-90,-8 6-754,-5-13 0,-4-3 664,15-8 0,1-2-45,-3 0 0,0 0-432,1-1 1,0-1 116,1-1 1,1 0 458,3-1 1,0-1-1000,-22 9 1109,11 4 1,13-11-1,7 5 1</inkml:trace>
+  <inkml:trace contextRef="#ctx0" brushRef="#br0" timeOffset="282434">16512 14701 11670,'0'-28'900,"-21"9"-360,-7 3-540,-13 12 89,-16 22-89,19 17-1125,6-4 1,3 4 1169,12-4 0,3 1-45,-2 2 0,3 1-275,6 4 0,6-2 185,25 20-1322,-1-12 0,6-3 1367,1-19 0,5-5 0,7 7 0,2-4-208,-8-11 1,0-3 207,2-2 0,0-2 0,1 1 0,1-4-90,15-10 0,-1-4 0,-14 6 0,0-4 45,18-18 0,-6-5 45,-25 13 0,-5-3-225,2-19 0,-7-2-269,-6-12 224,-21 20 0,-6 2-494,-11-13 404,0 26 0,-2 2-854,-24-15 1259,-6 7 0,28 18 0,-1 1 0,-1 2 0,0 0 0</inkml:trace>
+  <inkml:trace contextRef="#ctx0" brushRef="#br0" timeOffset="283121">17825 13994 10501,'0'-6'1529,"19"1"-1169,8 3-180,13 1-90,3 1 0,-3 16-2100,3-11 2010,5 34 90,3-17-45,-15 9 0,0 5-90,-9-13 0,0 3 75,4 14 0,2 7 0,-6-3-30,-7-7 0,-3 2 29,1 11 1,-1 6 0,-5-5-30,-5-9 0,-7-1-90,-11 6 0,-7 5 1,-1-4-91,0-3 0,-4-1-1001,-5-4 1,-4 1 0,-1-3 685,-4 4 1,-1-3-181,-5 2 0,0-1-90,-2-2 1,-3 1 689,3-5 0,-4 0 1,2-2-1,-6 4 1,-1-2-1,8-6 1,-1 1-1,1-1 0</inkml:trace>
+  <inkml:trace contextRef="#ctx0" brushRef="#br0" timeOffset="284205">18888 14656 11490,'47'0'90,"-20"12"-180,16-9-179,-24 9-271,23-4-90,-11-6 91,3 15 179,-2-8-180,-1 10 0,-1-2-809,3 15 1349,-11-4 0,-2 8 0,-12-7 0</inkml:trace>
+  <inkml:trace contextRef="#ctx0" brushRef="#br0" timeOffset="284339">18968 15155 9691,'-32'3'540,"9"0"-540,3-19-540,41-1-179,4-2-1843,30-13 1482,-3 18 1080,-22-2 0,2-1 0,3 5 0,2 2 0,0-2 0,1 1 0</inkml:trace>
+  <inkml:trace contextRef="#ctx0" brushRef="#br0" timeOffset="284637">19348 14648 9602,'-24'-13'1079,"8"4"-90,2 0-1079,35 6 90,39 15 0,-29-3 0,2 2-245,12-4 0,2 4 155,0 15 0,-1 1 45,-11-15 0,2 2-75,-1 9 0,3 6 0,-5-2 30,-6-4 0,-3 3-270,6 19 1,-7 2-833,-8 15 1012,-7-20 0,-9-1-45,-15-10 0,-4-1-45,3 2 0,-2-1-597,-15 1 1,-3-1 461,3 0 1,1 0 404,-4 0 0,0-1 0,-3 0 0,0 0 0,-1-1 0,1 0 0</inkml:trace>
+  <inkml:trace contextRef="#ctx0" brushRef="#br0" timeOffset="285519">21230 14458 10951,'-25'-14'629,"-13"2"-359,34 2-90,-31 2 0,31 3-90,-32 3-90,23 1 0,-18 1 0,11 16 0,-1-13-360,0 32-180,1-31 1,4 37-271,4-22 91,6 22-181,3-9 1,3 1-271,21-1 1170,-16-2 0,44-1 0,-14-2 0</inkml:trace>
+  <inkml:trace contextRef="#ctx0" brushRef="#br0" timeOffset="285784">21537 14722 10231,'-59'-10'990,"10"2"-990,4 8 90,12 0-1,2 0 91,-5 0-180,18 14-90,-10-10 180,26 22-90,-7-6-90,31 11 90,16-11 0,-3-6 0,3-3 0,-5-8 0,1-3-739,14 6 0,-2-1 829,7-5-90,11 0-180,-32 0-720,-6-19-179,-13 0 449,-4-18-179,-33 19-91,18-12 900,-42 19 0,43-13 0,-18 8 0</inkml:trace>
+  <inkml:trace contextRef="#ctx0" brushRef="#br0" timeOffset="285983">21708 14220 9871,'7'-5'720,"-2"1"-450,-5 0 269,0 2-1708,0 20-720,-13 22 630,9 4 1003,-9 13 1,13-18 0,0 2 0</inkml:trace>
+  <inkml:trace contextRef="#ctx0" brushRef="#br0" timeOffset="286787">22597 14735 9691,'-14'-13'630,"3"1"-180,11 0 179,0-5-539,0 4-90,-6-6 0,4 9-269,-4 0 89,6 4 90,0 2-180,-3 1-180,2 2 450,-2 14 0,2 2 360,1 12 629,0-7-989,0-19 0,-13-10-90,-5-5 90,-9 2 90,-2 12-90,2 0 0,-4 0 0,-3 0 0,-4 15 0,-16 3 0,10 0 0,13-4 0,1 2 0,-1 6-90,-1 9 90,19-1-179,6-8 89,4-1-90,3 2 0,20-2-90,-15-1 135,25-8 0,5-3-135,-5 4 270,14-6 0,3-3 0,3-2 0,-9-12 0,0-1-362,2 6 362,7-30 0,-25 31 90,-7-27 270,-9 11-270,-3-15 90,-6 8-90,0 2 182,-17 9-272,12 1 90,-23 6-360,25 25-270,-8 5 270,11 23-989,0-3 719,0-6 540,17 9 0,-12-21 0,12 8 0</inkml:trace>
+  <inkml:trace contextRef="#ctx0" brushRef="#br0" timeOffset="287169">22728 14839 9961,'0'-14'900,"0"1"-720,0 4 269,0 3-539,0 19 1,0 4-91,12 1 0,-9 14-540,9-9 450,-12 10-179,0 2-1,7-16 180,-5 3 0,10-15 270,-7 0 0,3-7 0,-1-17 90,6-7 270,-1-11 0,6 1-1,-5 7 1,1 1-270,-3 4 270,3-4 270,-5 15-361,0-1-89,-4 12-180,2 0 0,-1 17 0,4-13-90,-1 34-179,2-19-361,0 20-899,5 8 629,-3-10 900,10 23 0,-9-30 0,5 8 0</inkml:trace>
+  <inkml:trace contextRef="#ctx0" brushRef="#br0" timeOffset="287566">23437 14335 11490,'0'45'810,"0"-4"-810,0 3 90,0-4-90,0 3-1951,13 2 1951,-10 3 0,11 3 0,-14 0 0,-1-15 0,2 1-180,7 17 45,-7-11 0,0-2 135,7 0-128,-8 13-232,4-33 349,-2-1 11,6-15-90,-6-3 0,7-2 1159,2-21-1069,7 16 0,7-39 90,20 7 90,-9-9-90,-4 15 0,-1 4-90,2 7 180,6-16 391,-21 33-571,-7-10-180,-5 13-449,-3 16-91,-3 6-89,-17-2-1,12 21-89,-29-23-630,30 18 1529,-28-12 0,28-3 0,-11-1 0</inkml:trace>
+  <inkml:trace contextRef="#ctx0" brushRef="#br0" timeOffset="287799">22620 13964 9871,'21'-22'540,"-15"1"-450,43 6 0,-26 3 0,25 4-90,-9 3 0,-1 3-180,1 2-180,-2 21 0,-6-16-359,-2 44-1170,-7-3 1889,-3 13 0,-14-24 0,-1 0 0,3 18 0</inkml:trace>
+  <inkml:trace contextRef="#ctx0" brushRef="#br0" timeOffset="288215">24032 14584 10231,'5'18'90,"2"12"-90,-3-26 0,1 33 0,1-20-90,-1 20 180,5-13-180,-1 1-90,7 4 180,-3-9 0,8 2 0,-6-12 0,1-4-90,-4-3 180,-2-3-90,2-20 0,-2 15 360,0-35-180,-1 23 180,-1-19 0,0 10 89,-3 0-179,-2-6-270,0 16 0,-2-11-1079,1 20 179,-2 37-989,0 3 630,19 29 1053,-14-16 0,27-14 0,-17 0 0</inkml:trace>
+  <inkml:trace contextRef="#ctx0" brushRef="#br0" timeOffset="288655">24605 14795 9781,'3'-25'1440,"0"10"-991,-2 7-179,2 8 0,5 0-180,-1 17 0,11 9-180,-7 12 90,11 23 0,-11-16 45,-2-4 0,0 2-1446,0 9 1401,-3-19 0,-1 2-360,2 28 180,-2-18-180,2 20 360,-5-36-1079,3 8-181,-4-25 631,0-23 359,-1-23-90,-13-14 135,11 8 0,1-1 225,-13-16-662,13 3 0,2-1 797,-1 19 0,0 2-45,-1-11 0,2 0 1017,16-16-747,-13 5 179,30 6-179,-30 7 90,36 7 0,-22 8 109,34 2-469,-19 14 270,24 1-270,-25 10-90,8 16 90,-10 6-90,-13-2-180,1 27-90,-13-28-1169,-25 36 270,14-26-181,-43 8 1350,11 1 0,-14-11 0,0 10 0</inkml:trace>
+  <inkml:trace contextRef="#ctx0" brushRef="#br0" timeOffset="289021">25577 14792 9512,'0'-42'1169,"0"7"-719,17-7-1,-13 6-269,26 5 0,5 0 90,-4-18-1613,12 3 1,4 0 1476,-24 17 1,-2 1-90,9-11 0,-2-1 91,-9 12 0,-2 0 134,15-30-91,-3 0-89,-5 0 0,-5 4 180,-5 0-270,-4-10 0,-6 21 0,-1-7 0,-26 53 0,18 6 0,-36 33-180,26-4 0,2 2 918,-5-7 1,1 3-889,4 7 0,1 5 0,0-4-120,-1 0 1,2 0-301,5 3 0,3 5 1,-1-5-757,-2-4 1,1-1 785,3 10 1,4 1 539,8-4 0,1-3 0,-9-12 0,1-1 0,7 10 0,1-1 0</inkml:trace>
+  <inkml:trace contextRef="#ctx0" brushRef="#br0" timeOffset="289333">26017 14853 10141,'9'-14'540,"1"-9"-450,3 14 0,4-10 0,12 2-90,-2 3-180,21-3 0,-17 6-90,9 0 180,-12 3 0,-2 2-90,0-2 0,-3 1 90,-3-2 180,-5 1-90,-3-8 90,-7 3 0,-1-11-90,-4 10 270,-18-6 0,-1 11-180,-3 1 180,-10 6-270,12 1-90,-13 16 180,15 6-720,7 21 360,11-6-359,0 5-811,0 1 451,20-8 989,-14 8 0,31-15 0,-17-1 0</inkml:trace>
+  <inkml:trace contextRef="#ctx0" brushRef="#br0" timeOffset="289698">26613 14663 9602,'6'-7'629,"-2"-4"-359,-1 10 180,0-5-360,3 6 0,-1 0 0,5 15 0,-4 5-90,7 20-90,-5-7 180,4 0-90,-2-3 0,-3-8-90,6 6 90,-7-18-270,4 3 270,-5-12 0,2 3 0,0-4-90,3-21 180,2 16 180,14-48-180,-3 34 134,-1-10 1,0-1-135,8 4 0,14-7 90,-23 13-180,4 9 0,-12 2 0,-1 9 0,-2 0 0,0 17-540,-3-12-449,3 44 269,-3-29-1079,-2 42 720,-3-30 996,-2 10 1,0-14 0,0-2-1</inkml:trace>
+  <inkml:trace contextRef="#ctx0" brushRef="#br0" timeOffset="289932">26307 14336 9961,'34'-18'1350,"-4"1"-1081,33 2-2377,-11 0 2198,4 0-90,1 4 0,0 1-90,-4 3-513,-3 4 63,-7 1 60,-7 2-149,-5 0-1620,-4 20 2249,-13 8 0,-1 12 0,-13 2 0</inkml:trace>
+  <inkml:trace contextRef="#ctx0" brushRef="#br0" timeOffset="290116">28133 15024 10951,'15'0'-2339,"-2"0"1260,-5 0 1079,-3 0 0,-1 0 0,-2 0 0</inkml:trace>
+  <inkml:trace contextRef="#ctx0" brushRef="#br0" timeOffset="290705">28107 14175 10861,'0'-15'719,"0"0"-269,0 3 0,0 1-270,0 1 0,21 2-270,1 2 180,21 3-90,-4 1 90,5 2-270,-1 0-630,16 19 360,-19-14-225,-15 19 1,-4 4-315,1-5-1,-10 29 1,-5-17 989,-36 4 0,3 1 0,-1-19 0,1 0 0</inkml:trace>
+  <inkml:trace contextRef="#ctx0" brushRef="#br0" timeOffset="290835">27840 14855 11760,'0'16'900,"21"-1"-900,-15-5 0,48-3 0,-26-4-810,11-2 1,2-1-1260,10 0 2069,-8 1 0,-1-1 0,2 0 0,10 0 0</inkml:trace>
+  <inkml:trace contextRef="#ctx0" brushRef="#br0" timeOffset="388790">5445 16447 7443,'-5'-5'90,"-1"0"-90,3 1 180,-2-2-1,1 1-179,0-1 90,1 2-90,-2 1 0,3-2 0,-3 2 0,3-1 270,-2 2-270,18 1 0,-11 14 90,25-10-90,-13 20 0,15-20 0,-8 13 90,2-14-90,-5 4 0,1-1 0,3-4 0,0 7 0,3-5 0,-1 1 0,2-2 0,13 1 90,-8-2-180,23 2 90,-22-3 90,24 3-90,-23-1-90,10 0 180,-13 0-180,0 0 180,1 0-90,14 1 0,-8 0 0,28 4 0,-24-2 0,-5 0 0,1 0-475,10 1 475,15 3 45,-29-5 0,-1 0-135,19 3 90,-8-1 0,1-1 0,11 1 0,-9-1 0,0 0 0,12-1 45,-8 1 0,0 0-135,12-1 135,-23 0 0,2-1-90,1-1 0,-1 0 45,23 0 0,-10 0 0,-1-1 0,10 0 0,-12-1 0,-1 1 0,7-1-679,-19 0 0,-2 1 679,13-1 0,0 0 0,-2 0 0,-14 0 0,1 1 0,18 0 0,-8 0 0,1 0-521,8 1 521,-18-2 0,1 1 0,15 0 0,6-1 0,3 0 0,-28 0 0,1 0 45,1 0 0,1 0-90,2 1 0,2-2 90,18-5 0,2-2-45,-13 7 0,1-1-710,5-2 1,5-1-1,-5 0 755,-4 0 0,-1 0-45,15 4 0,-1-1-196,-18-3 1,-2 0 240,1 4 0,0 2-197,-1-4 0,2 1 197,18-1 0,1 0-45,-15 0 0,1 0-202,5 0 0,6 0 0,-6 0 202,-3 2 0,0-1 30,5 0 0,6-1 0,-5 0-75,-5 0 0,2 1 67,-1 0 1,9-1-1,0 1 1,-6 0-23,7 0 0,0 0 0,-5 1 0,7-1 0,1 0 0,-9 1 0,3 0 0,-1 1 0,5-1 0,5 1 0,-7 0 0,-5 0 0,-2 0 0,5 0 0,4 0 0,-6 0 0,-6 0 0,-3 0 0,16 0 0,1 0 0,-2 0 0,-4 0 44,-13 0 1,2 0-45,3 0 0,5 0 0,-4 0 0,-6 0 0,2 0 0,4-4 0,6 0 0,-5 0 45,-2 2 0,-2 1-45,-6-2 0,3-1 0,-3-1 0,6-2 0,-1 0 0,1 6 0,0-1 0,1-10 0,-1 1 45,1 10 0,0 0-90,0-9 0,0 0 45,-2 6 0,2 0 0,-5-3 0,2-1 0,-2 1 679,5 0 0,1 1-649,2-1 0,5 0 0,-5 1 15,-6 0 0,-3 0 295,14-1 0,-1 0-295,-20 2 0,-2 1-45,1 0 0,-1 0 90,-1-1 0,0 1-90,-1 0 0,0 1 90,0-2 0,0 1-90,-2 0 0,3 0 44,15-2 1,1 0 0,-13 1 0,2 1-45,5-1 0,5-1 0,-5 1 45,-2 0 0,0 0-15,6 0 0,5-1 0,-3 1-30,-3 0 0,-1-1 0,16-1 0,2 0 0,-19 2 0,0 0 0,-2 1 0,9-2 0,2-1 0,4 1 0,7-1 0,-6 0-439,-4 2 1,-1-1 438,-8 1 0,3 0 0,-3 0 0,2 1 0,-2 0 45,1-1 0,1 1-90,-4 0 0,0 0 45,1 1 0,0-1 45,-3 1 0,0 0-45,-2 0 0,2 1-45,14-1 0,0 0 45,-15 1 0,1 0 30,2 0 0,4 1 0,-5 0-30,-5 0 0,-1 0-45,27 0 0,-1 1 90,-27-1 0,-1 0-45,12 1 0,-2 0 905,18 0-905,-2 0 0,0 0 0,-20 0 0,0 0 0,20 0 0,-12 0 0,-2 0 0,6 0 45,-11 0 0,-2 0-135,5 0 821,11 0-1181,-8 0 181,-14 0-541,16 0 180,-27 0-989,7 0 1619,-19 0 0,-1 0 0,-7 0 0</inkml:trace>
+</inkml:ink>
+</file>
+
+<file path=ppt/ink/ink18.xml><?xml version="1.0" encoding="utf-8"?>
+<inkml:ink xmlns:inkml="http://www.w3.org/2003/InkML">
+  <inkml:definitions>
+    <inkml:context xml:id="ctx0">
+      <inkml:inkSource xml:id="inkSrc0">
+        <inkml:traceFormat>
+          <inkml:channel name="X" type="integer" min="-2.14748E9" max="2.14748E9" units="cm"/>
+          <inkml:channel name="Y" type="integer" min="-2.14748E9" max="2.14748E9" units="cm"/>
+          <inkml:channel name="F" type="integer" max="32767" units="dev"/>
+        </inkml:traceFormat>
+        <inkml:channelProperties>
+          <inkml:channelProperty channel="X" name="resolution" value="1000" units="1/cm"/>
+          <inkml:channelProperty channel="Y" name="resolution" value="1000" units="1/cm"/>
+          <inkml:channelProperty channel="F" name="resolution" value="0" units="1/dev"/>
+        </inkml:channelProperties>
+      </inkml:inkSource>
+      <inkml:timestamp xml:id="ts0" timeString="2021-09-27T03:39:25.811"/>
+    </inkml:context>
+    <inkml:brush xml:id="br0">
+      <inkml:brushProperty name="width" value="0.09071" units="cm"/>
+      <inkml:brushProperty name="height" value="0.09071" units="cm"/>
+      <inkml:brushProperty name="color" value="#FF0000"/>
+    </inkml:brush>
+    <inkml:brush xml:id="br1">
+      <inkml:brushProperty name="width" value="0.05292" units="cm"/>
+      <inkml:brushProperty name="height" value="0.05292" units="cm"/>
+      <inkml:brushProperty name="color" value="#FF0000"/>
+    </inkml:brush>
+  </inkml:definitions>
+  <inkml:trace contextRef="#ctx0" brushRef="#br0">4337 1689 11041,'-40'0'2878,"0"0"-2518,7 0-270,2 0 0,7 0-90,4 0 0,6 0 0,2 0 90,-2 0-180,4 0 180,-2 14-90,0-11 0,2 23 0,-3-23-180,2 25-810,-2-5 361,4 6-1530,1 13 720,6-18-90,1 10 1529,1-10 0,24-1 0,6 1 0</inkml:trace>
+  <inkml:trace contextRef="#ctx0" brushRef="#br0" timeOffset="306">4833 1853 11670,'-44'0'1260,"-3"0"-1260,25 13 90,-17-9-90,35 21 0,-29-22 0,30 23 0,-21-22 90,22 26-90,-8-18 0,10 13-90,0-9 90,24-1 0,-17-3-45,23-5 0,6-3 45,-9 2 0,11-4 0,2-1 90,-1-1 0,9-18-180,-22-2 90,-3-2-180,-12-11-180,-2 11-809,-35-17 89,19 8-1798,-46-2 2878,20 16 0,-14-3 0,3 8 0</inkml:trace>
+  <inkml:trace contextRef="#ctx0" brushRef="#br0" timeOffset="484">5202 1112 11041,'-20'-5'-2249,"-1"46"630,-3-13 1229,14 5 0,5 2 0,5 8 0,0 3 0</inkml:trace>
+  <inkml:trace contextRef="#ctx0" brushRef="#br0" timeOffset="1001">6298 1904 9781,'-39'-3'450,"-4"0"-360,3 2 90,-3 0 0,-13 1-180,17 0-818,-10 16 908,21-12-134,4 29 44,6-29-180,5 29 0,7-19 0,3 15-360,3-2-359,26-7 629,6 4 0,14-15 90,-1-2 610,-10-7-430,-1 0 0,1-15 90,9-3 90,-14 0 612,12-13-522,-30 11 1169,7-14-1169,-18 4-360,4 6 360,-20 11-630,11 23-629,-12 10-541,32 18 451,-12-4 1079,30-13 0,-30 7 0,15-11 0</inkml:trace>
+  <inkml:trace contextRef="#ctx0" brushRef="#br0" timeOffset="1352">6680 1906 9422,'8'15'359,"-2"-11"-359,0 23 0,-1-7-90,-1-3 1,1 14-181,-1-27 180,1 24 0,3-16 90,-3 4 0,1-3 0,-2-12-180,-1 2 180,1-3 90,2 0 0,-1-16 270,7-3 89,-4-1 271,6-15-540,-6 14 0,3-2 539,-4-5-449,-1 25-90,1-9-180,-2 12 90,6 0-90,-1 14-270,4-10-360,6 25-89,-2-9-1170,15 14 900,-9-14 989,16 4 0,-13-22 0,7 7 0</inkml:trace>
+  <inkml:trace contextRef="#ctx0" brushRef="#br0" timeOffset="1720">7263 1479 9781,'0'-7'2519,"0"22"-2429,0 9-90,0 15 90,0 2-180,17-6 180,-12 2-180,26 14 90,-27-12 0,21 7-360,-12-9 270,0-12-90,5 7 180,-11-19-539,5 0 359,-6-9 90,1-2 90,-1-16 0,6-5-90,1 1 270,3-19-180,-1 21 270,1-17-91,-1 20 181,5-8-360,-4 18 0,6-8 0,-10 11-360,6 18 91,-10 7-451,1 10 0,-5 0-269,-3-9 0,0 0 989,-1 6 0,0-10 0,0 5 0</inkml:trace>
+  <inkml:trace contextRef="#ctx0" brushRef="#br0" timeOffset="1933">6712 1064 10501,'0'-5'450,"18"2"-810,-2 23-1079,5 15 90,-10 16 956,-11 12 1,-21-5-1,7-27 1,1 0-1</inkml:trace>
+  <inkml:trace contextRef="#ctx0" brushRef="#br0" timeOffset="2767">8288 1616 11131,'7'-9'989,"2"0"-359,-5 4-630,1 16 90,-3 9-180,-2 23 90,0-6 0,0 3 0,0-9-180,0-3 0,0 0 90,0-4-180,0-2-539,0 2-91,21-8-269,1 0 629,26-12 180,-13-2 360,5-20 0,-10 13 0,1-33 180,-2 33 0,-3-36 899,2 15-629,-12-9 270,1-1 809,-14 17-1619,-1 20 90,-2 12-180,0 24-270,0-5-809,19 7 450,0-15-271,4 5 181,11-12-541,-19 0 1440,17-3 0,-9-3 0,1-1 0</inkml:trace>
+  <inkml:trace contextRef="#ctx0" brushRef="#br0" timeOffset="3188">9087 1774 12300,'14'43'180,"-10"-9"-180,11 4 90,0-9-180,-11 5 90,10 0 90,-1 1-180,-10-1 180,16 12-180,-17-12-90,8 16 90,-9-27-180,3 4 0,-4-16-449,0-3 629,-17-4-90,13-25 180,-31-11-90,20-29 0,-5 8 180,9-4-135,7 23 0,2 0 45,0-20 45,-3 7 0,3 0 45,25-8 90,-10 12 0,1 2-838,14-2 793,-6 18 0,1 1 30,7-6 15,12 13 90,6 0-90,-22 14-90,10 18-180,-20 4-719,-3 19-91,-8 0-269,-27-6-360,17-1 1529,-37-1 0,13-8 0,-22 6 0</inkml:trace>
+  <inkml:trace contextRef="#ctx0" brushRef="#br0" timeOffset="3554">9852 1749 9961,'6'-13'720,"2"9"-450,2-32 90,2 15-226,1-9 1,0-4 45,8-13-90,-1 3 0,0-1 0,3-11-45,-6 7 0,-1-2-858,0-8 903,-8 19 0,-1 0 0,-2-15 0,-2 1 180,-3 4-90,0-13-180,0 22-148,-16-12 148,13 36 0,-13 23 90,4 16-90,9 24-90,-9 1 180,12 9-180,-3-10 0,-1 3-288,3-11 1,0 1 17,-3 25 1,1 0 89,2-27 0,2-1-675,6 19 1,2-1 45,-5 3 449,11-22 0,0-2 116,-11 6 334,29-6 0,-29-5 0,15-3 0</inkml:trace>
+  <inkml:trace contextRef="#ctx0" brushRef="#br0" timeOffset="3856">10257 1772 11400,'18'-19'270,"-13"3"-270,24 3 0,-26 1-90,26-3 90,-9-9-180,-1 5 1,11-7 89,-27 10-90,19-2 180,-20 0 0,6 0 0,-8 0-90,0 1 180,-18-8 0,14 8 180,-30-7-181,13 14 1,0 0 0,-9 8-90,18 0 90,-3 22-90,5 5-359,10 24-1,0-9-810,17 12 541,-13-21-271,31 5-179,-30-14 1079,34-3 0,-21-3 0,19-3 0</inkml:trace>
+  <inkml:trace contextRef="#ctx0" brushRef="#br0" timeOffset="4217">10687 1622 10321,'0'8'1619,"0"5"-1619,13 24 0,-10-2 0,11-6-90,-2-5 90,-10-7 0,17-8-180,-17 4-90,8-11 360,-6 3-180,3-5 90,-1-18 90,1 14-90,-1-32-90,2 21 270,3-18 90,3-4-270,-2 10 270,6-6-90,-11 11-90,6 12-90,-8 0-90,5 27-180,-4-12-719,5 30 179,-4-9-1259,5 17 720,-7-8 1349,5-5 0,-7-19 0,1-3 0</inkml:trace>
+  <inkml:trace contextRef="#ctx0" brushRef="#br0" timeOffset="4417">10555 1110 9781,'19'-32'1260,"-15"3"-990,38-9-270,-8 12-504,11-1 504,1 13-105,-15 8-614,-3 2-181,-1 4-629,-13 22 1529,9-2 0,-19 22 0,9-6 0</inkml:trace>
+  <inkml:trace contextRef="#ctx0" brushRef="#br0" timeOffset="6618">5670 3751 10411,'-19'-13'1709,"5"-4"-1529,26-1-90,-9-10 180,10 17 0,-13-13-90,7 5-810,-5 4-270,6 21-629,-8 26 630,0 8-1,0 11-809,0 0 1709,0-13 0,0 14 0,0-16 0</inkml:trace>
+  <inkml:trace contextRef="#ctx0" brushRef="#br0" timeOffset="6767">5592 4134 11131,'16'-14'-2789,"2"12"1350,5-32 1439,12 30 0,-19-25 0,19 13 0</inkml:trace>
+  <inkml:trace contextRef="#ctx0" brushRef="#br0" timeOffset="7240">5593 3277 9781,'-50'34'900,"11"-5"-765,4-7 0,0 1-45,-7 10-45,7-2 0,1 2 45,-5 11-1659,15-14 0,3 1 1659,-6 15-180,7 0 1011,7 1-876,8-13 0,2 0-135,0 18 90,17-8 0,1-1 0,-8 6-45,30-8 0,4-1-237,-9 5 237,4-15 0,2-2-45,8 8 90,1-3-90,-1-3 0,-14-14 0,1-1 0,16 5 0,-10-10 0,1-2-90,5-3 135,-8-9 0,-1-6 45,6-19 0,-14 11 0,-2-2 0,9-29 0,-2 5 0,-3-4 180,-13 9 0,-1-1 0,4-23-45,-10 9 0,-2-1 135,-4-9-225,-16 10 0,-3 1-45,8-5 0,-19 21 0,-6 1-90,11 5 0,-1 3-135,-6 7 0,-2 2-585,-9-8 1,0 2 89,-5 4-565,9 9 0,0 4 1285,2 3 0,-9 2 0,20 3 0</inkml:trace>
+  <inkml:trace contextRef="#ctx0" brushRef="#br0" timeOffset="8320">6862 3925 8882,'24'6'0,"-18"-18"0,37 8 0,-38-33 90,36 19-662,-35-20 751,38 5 91,-39-4-90,30-3 90,-32-1 0,8 9 0,0 0 0,-9-16-46,1 5 1,1 1 135,-4-3-225,-11 9 0,-2 1-135,7 2 0,-36-4 0,38 21 180,-31 8 7,23 27-97,-5 2-135,7 11 0,4 5 135,-2 13-135,3 12 0,1 3-58,0-30 0,3 1-17,6 7 0,3 6 0,-1-7 30,-1 18-360,11-12 0,3-2-89,5 3-227,-9-18 0,2-2 226,16 3 1,-7-3-1,-1-6-270,14-5 540,-10-8 1,20-4 718,-23-22 811,12-6-991,-21 2 271,2-18-90,-12 33 90,-3-32-181,-4 23 805,0-14-984,-1 6 180,0 4-360,-13 6 1229,10 20-1229,-9 10 0,27 2-360,-11 9-269,29-12 359,-16 13 90,15-8-270,-3-9 450,-7-7-90,3-6 180,-12 0-90,3-17 0,-7 13 270,-2-26 90,-2 27 0,0-21-90,-3 20-180,0-18 179,-2 13-179,0 13-180,0 6-89,0 24-181,19-17 0,-15 13-90,33-17 90,-19 10 270,17-12 1,-12-5 89,0-6 0,-9 0-90,-1-15 180,-2 11 359,0-27 271,-6 12-360,1-16 269,-6 8-539,0-3-90,0 12-719,0 1 179,0 42-1259,15-7 720,6 18 1079,20-9 0,-6-15 0,1 13 0</inkml:trace>
+  <inkml:trace contextRef="#ctx0" brushRef="#br0" timeOffset="8618">7418 3663 9691,'20'-8'900,"-15"-2"-810,35 3 0,-36-2 90,33 3 90,-18-1-540,10 4-810,-12 14 271,-9 11-361,-8 9-808,-19 3 1978,15-6 0,-30 3 0,16 1 0</inkml:trace>
+  <inkml:trace contextRef="#ctx0" brushRef="#br0" timeOffset="9352">8703 3781 10861,'0'-7'809,"-23"2"-449,18 1-90,-40 1-90,11 1-270,-11 0 180,-3 2-90,14 16 90,3-12-180,4 26 90,3-27-90,12 29 90,-2-28-180,12 38 0,-4-28-90,27 19 90,9-13 0,14-11 91,17 5 89,-21-13 89,10 2-89,-19-3 0,-1 0 0,0-15 0,-5 11 450,-7-27-180,-6 17-270,-11-11-180,3 7-90,-4 24-899,0 3-270,0 24-360,0-1 1799,16-4 0,-2-5 0,14-6 0</inkml:trace>
+  <inkml:trace contextRef="#ctx0" brushRef="#br0" timeOffset="9702">8970 3839 11041,'0'36'359,"0"5"-359,0-11 90,0 4-269,0-10 179,0-1-180,0 4 0,0-10-90,0 4-540,12-15 630,0 0 180,16-26 0,-8-3 0,7-22 180,-10 10 180,2 1 90,-3 1-360,-5 11 899,4-7-899,-9 20 90,0 0-180,-2 9 0,-1 17 0,2-13-90,0 28-270,5-9-269,-1-2-900,12 16 449,-9-18 1080,18 9 0,-13-12 0,10-9 0</inkml:trace>
+  <inkml:trace contextRef="#ctx0" brushRef="#br0" timeOffset="10086">9562 3360 12480,'3'21'719,"-1"14"-359,2-4-360,-2 8 90,2 26-90,0-24-1656,1 16 1566,-2-18 90,3 1 369,-1-4-549,2 0 0,-1-4 0,0-4-270,3 5 270,-4-12 396,6 3-306,-8-16 0,7-2 180,-5-5 638,4-1-638,0-18-16,1 14-74,2-28 0,8 12 90,-5 2 270,9-10-360,-13 25 90,6-9-90,-11 12 0,3 0-630,-3 21 180,-2 7-1349,3 25 720,-5-11 1079,0 10 0,-2-28 0,0 8 0</inkml:trace>
+  <inkml:trace contextRef="#ctx0" brushRef="#br0" timeOffset="10318">8703 3180 11311,'49'-10'89,"-4"1"1,-3 4-90,-7 0-90,-5 4-989,-6-2-1619,-12 24 2698,-4 13 0,-39 12 0,-8 7 0</inkml:trace>
+  <inkml:trace contextRef="#ctx0" brushRef="#br0" timeOffset="11251">5650 5456 10141,'-29'10'540,"-3"-3"-540,7-3-90,-1-4-180,9 0 0,1 0 0,3-15 180,0 11-89,6-22 269,0 24-180,5-22 90,1 7 0,20-8 0,-14 2 90,35 7 179,-34 3 181,52 3 90,-37 4-180,37 16-270,-28-6-1,-2 29 91,-13-6 90,-9 21-270,-6-7 90,-21 7-90,15-20 0,-35 5 0,12-5-90,-8-9-180,-15 8 1,23-15-541,-18 3 450,23-10 0,-4 0 181,14-5 89,2 0 90,6-16 0,2-2 359,24-15 181,5 4-180,21 12-180,-1 6-180,0 11 0,-6 17-90,-9-13-360,0 23-270,-12-24-1258,10 21 359,-12-14 1619,5 6 0,-7-10 0,1-6 0</inkml:trace>
+  <inkml:trace contextRef="#ctx0" brushRef="#br0" timeOffset="11702">5702 4797 9691,'-35'0'1170,"-1"15"-720,-5-11-271,-1 31 91,8-21 0,-1 2-180,8 4 0,0 4-1426,-20 10 1,0 2 1380,19-12 0,2 2-45,-8 8 0,1 1 134,-7 18-134,4 1 90,8 2-135,14-14 0,2 0 135,0 21-90,6-10 0,1 0 0,5 8 0,11-11 0,7-2 0,20 5-45,-12-18 0,4-3 45,9-3 0,1-4-90,15 12 90,-6-13 0,1-3 0,13-6 0,-10-6 0,0-5-90,11-19 120,-22 2 0,5-3 0,-6-2-120,-7-4 0,-1-2 60,7-5 0,3-3 0,-6 2-60,-11 4 0,-3-1 45,15-22 0,-4-2-45,-17 20 0,-3-1-546,5-11 1,-4 1 635,-5-20 0,-5 0-90,-4 1-597,-14 19 1,-1 1 326,7-18-315,-27 15 0,-5 5-224,10 2 899,-14 15 0,-3 6 0,1 5 0,-17 6 0</inkml:trace>
+  <inkml:trace contextRef="#ctx0" brushRef="#br0" timeOffset="13174">6995 5574 11940,'27'13'-989,"2"4"89,-5-16-89,2 11 179,-6-11-89,2 9-450,2-4 1349,-2 4 0,0-1 0,-1-1 0</inkml:trace>
+  <inkml:trace contextRef="#ctx0" brushRef="#br0" timeOffset="13333">7068 5763 9602,'-22'4'269,"-5"0"181,24-1-1529,16-1 269,18-1-1871,30-16 2681,-9 11 0,1-21 0,-14 12 0</inkml:trace>
+  <inkml:trace contextRef="#ctx0" brushRef="#br0" timeOffset="13567">7293 5481 10321,'-14'-3'1799,"-2"1"-1799,15 14 0,19-9 0,-12 24 0,37-24 0,-19 38 0,0-23-180,-5 10 0,-1 3-269,-4 3-181,5 16-1439,-9 8 810,-10-11 1198,0 17 0,-22-19 0,-5 1 0</inkml:trace>
+  <inkml:trace contextRef="#ctx0" brushRef="#br0" timeOffset="14240">8428 5439 11221,'0'-7'1079,"0"0"-989,-20 1 90,14-1-90,-14-1 0,-3 1-90,18 3-90,-50 1 90,37 2-180,-38 0 90,34 1-180,-5 16 90,18 2 0,4 19 90,5-7 180,24 2-270,7 6 180,-1-9-45,4-5 0,-4 1-45,-20 2 90,48 6 0,-54-12 0,27-4-89,-28-1-361,10 1 180,-13-3-899,-21 2 539,16-9-1169,-39-1 1799,16-5 0,0-1 0,6 0 0</inkml:trace>
+  <inkml:trace contextRef="#ctx0" brushRef="#br0" timeOffset="14418">8555 5482 9961,'5'35'630,"-2"0"-540,-3 1-360,0-8-450,0-5 1,0-8-181,0-1-449,0-2 1349,0-1 0,0-3 0,0-1 0</inkml:trace>
+  <inkml:trace contextRef="#ctx0" brushRef="#br0" timeOffset="14586">8652 5286 9062,'0'11'0,"0"4"0</inkml:trace>
+  <inkml:trace contextRef="#ctx0" brushRef="#br0" timeOffset="14972">8927 5551 9871,'0'12'1170,"0"0"-811,0 0-89,0-1-90,0 0 90,0 0-270,0 0 0,0 7 0,0-6 0,0 9-90,0-9 0,0 2 0,0-6-180,0-2 1,0-1-1620,0-2 1619,10-1 90,-7-18-90,17-5 270,-4 0 0,5-18 180,10 8 0,-13-10 449,12-6-179,-14 24 0,1 2-90,-8 8-180,-3 12 0,1-6-1,-4 7-89,2 17-90,-2-13 0,3 30 90,-2-8-449,4 20-91,-4-7-989,7 6 629,-5-20-179,5 1-540,-2-10 1529,1-10 0,2 0 0,0-6 0</inkml:trace>
+  <inkml:trace contextRef="#ctx0" brushRef="#br0" timeOffset="15356">9363 5082 11400,'0'47'990,"0"-7"-810,14 3-180,-10-6 90,20 21-90,-21-13 0,15 14 0,-15-3 90,14-15-270,-8 20 90,2-31-180,0 10 90,-8-24-90,5 1-179,-1-12 269,-3-2 0,8-18 180,-4 11 0,6-29 90,-1 15-90,-1-15 90,3 5 90,0 0-91,-2 2 91,-1 2 360,-1 5-270,-2 8-270,-1-1 90,-2 11-90,-2-5 0,1 23-180,-2 8-989,5 25 89,-1-8-483,2 6-326,0-12 1889,3 1 0,3-1 0,3-1 0</inkml:trace>
+  <inkml:trace contextRef="#ctx0" brushRef="#br0" timeOffset="15783">10443 5373 12930,'0'45'90,"0"-7"-180,0-1 90,0 6 0,0-10 90,0 9-90,0-14 0,0-4-90,0-1 270,0-1-180,0-7-180,0-1 90,0-43 90,0-3-90,0-24-90,12-8 90,-9 22-225,7 6 0,2 1-135,2-6-809,10-18 720,-5 32-181,0-2-1169,2 21 1889,-5 3 0,7 5 0,-7 0 0</inkml:trace>
+  <inkml:trace contextRef="#ctx0" brushRef="#br0" timeOffset="16183">10970 5511 10411,'-23'-27'989,"-10"9"-719,29 0-180,-25 16 0,17-7-90,-12 9 90,14 20-90,-5-16-90,13 37-90,-8-21 0,9 31-89,-3-18-271,22 25 0,1-34 360,17 11 180,-1-29 0,-1-1 0,-2-24 90,-14-4-90,0 0 180,-17-17 90,5 23 90,-6-20 449,0 0-719,0 10 0,0-12 180,0 21-180,0-1-180,0 29-1079,17 8 179,-13 27-1618,30 5 2608,-29-7 0,25 0 0,-13-15 0</inkml:trace>
+  <inkml:trace contextRef="#ctx0" brushRef="#br0" timeOffset="16751">12192 5296 11850,'0'-11'450,"0"2"-270,-17 2 450,13 1-451,-22 4-179,24 16 90,-8 8-180,5 12 90,4-1 0,-4 5 0,5-9-90,0 7 90,17-16-179,-13-2 89,32 0 0,-19-6-90,16-2 180,-8-7 0,-12-17-180,6 10 270,-17-24-180,12 8 90,-11-7 0,5-8 90,-6 13-180,0-4 630,-2 8-540,0 29-180,0 5-90,19 32-720,-14-1 181,31-9-91,-32-4-269,27-14 90,-28-3-450,27-7 1529,-19 3 0,15-11 0,-8 4 0</inkml:trace>
+  <inkml:trace contextRef="#ctx0" brushRef="#br0" timeOffset="17084">12557 5340 10231,'0'-9'810,"0"3"-1,0 1-449,-9 3-270,7 16-90,-7 5 90,9 21-180,0-9 180,12 4-90,-9-11-90,10 8 180,-13-10-90,9 9 270,-7-17-360,11 1 90,-8-11-90,3-1 90,1-22 90,-4-6-90,10-26 0,-5 9-450,14-18 90,-9 22-1032,7-10 763,-5 17-361,1 3 181,0 3-1350,11 0 2159,-7 10 0,6 2 0,-9 10 0</inkml:trace>
+  <inkml:trace contextRef="#ctx0" brushRef="#br0" timeOffset="17422">13065 5594 9961,'8'0'630,"0"-17"-360,0 13-90,1-33 0,0 32 89,1-40-179,-1 27 0,-1-24 180,1 10-270,0-2 0,-2-1 270,1-18-180,-2 11-1007,-1-14 1007,-4 17 180,0 0-651,-1 2 561,0 1-91,0 4-89,0 4 90,-16 0 360,12 12-270,-13 21-180,17 23 946,0 14-946,0 24-90,16-21-360,-15-6 0,2 0-90,28 9-270,-23-10 1,-1 1-848,11 6 397,5 9 1103,-6-6 0,5-15 1,1 9-1</inkml:trace>
+  <inkml:trace contextRef="#ctx0" brushRef="#br0" timeOffset="17554">13602 5597 12030,'7'0'720,"0"0"-720,-1 0 0,0 0 0,-3 0 0,-1 0 0</inkml:trace>
+  <inkml:trace contextRef="#ctx0" brushRef="#br0" timeOffset="20340">5558 7129 10501,'25'16'1979,"5"-17"-1979,15-2 0,-4-12 90,-12 15-90,-2-8 0,-3 5 90,-2-5-90,-11 22-360,-56 5 90,17 19 225,-7-23 0,-1-1-45,3 16-180,14-10 270,-14-9-180,29 7 91,-15-7 89,19 9 0,0-6 0,19 4 0,-14-6 0,33 5 0,-34-4 0,31 2 89,-32-1 1,26 1-90,-26-1-90,9-1 1,-12 5-271,0-5-810,0 8 271,-20-10-180,14 1-361,-28-3 1440,31-4 0,-23-2 0,10-2 0</inkml:trace>
+  <inkml:trace contextRef="#ctx0" brushRef="#br0" timeOffset="20776">5543 6835 9062,'-27'-3'989,"-7"1"-899,9 0 180,-23 2-270,16 16 135,0-5 0,0 3-135,-10 21-1107,12-14 1,1 1 1106,-18 17 90,-1 7-45,24-22 0,-1 1 0,1 2 0,1 2 0,0 0 0,1 0 0,1 0 0,1 3-90,-4 12 0,3 2 90,6-13 0,3 2-1140,-3 21 0,5 1 1005,4 7 135,16-23 0,2-2-811,-7 11 811,23-26 0,4-3-45,1 19 0,0-23 0,4-3 0,22 12 0,-28-18 0,3-1 0,15-2 0,2-2 0,-12 1 0,1-4 0,3-10 0,3-4 0,-4 0 0,-4 3 0,-1-3 30,2-10 0,1-5 0,-3 3-75,-5 3 0,-2 0 45,8-8 0,-3-3-45,-6-1 0,-5-1 90,-7 8 0,-2-3-45,4-19 0,-5-1-158,-4-12 113,-4 10 0,-7 0-135,-26-7-450,6 5 1,-5 2 269,2 27 0,-3 3-585,-9-16 1,1 6 944,0 13 0,-11 3 0,15 14 0</inkml:trace>
+  <inkml:trace contextRef="#ctx0" brushRef="#br0" timeOffset="21699">6768 7381 10951,'57'0'270,"-11"0"-270,6 0-360,-10-16-360,1 12-179,1-13-900,12 17 899,-14 0 754,5 0 1,-21 0 0,-4 0-1</inkml:trace>
+  <inkml:trace contextRef="#ctx0" brushRef="#br0" timeOffset="21851">6830 7546 8972,'-18'7'450,"8"-1"-91,-1 0-359,29-3-269,11-2-361,17-14-716,10 10 357,-6-22-360,3 22 1349,4-22 0,0 22 0,-1-10 0</inkml:trace>
+  <inkml:trace contextRef="#ctx0" brushRef="#br0" timeOffset="22101">7232 7129 9332,'-16'-7'719,"12"2"720,-20 2-1349,42 2 0,6 18-90,18-12 0,7 28-351,-14-30 441,2 32-90,-4-17 0,-3 33 0,0-16-815,-16 15 635,-1-12-90,-13 4-270,0 1-449,-9-9 0,-5 0-361,-23 20 1350,13-18 0,-2-1 0,-1-9 0,1-1 0,-14 24 0</inkml:trace>
+  <inkml:trace contextRef="#ctx0" brushRef="#br0" timeOffset="30604">9283 7105 9691,'-31'0'1170,"-2"0"-900,0 0-90,0 0-180,1 0-90,4 12 180,2-9 179,8 9-179,7-3 0,24-6 90,-8 15-90,44-11 90,-26 8-90,30-2 90,3 9-90,-14-2-686,10 6 776,-25-5-357,-12 0 267,6 0 0,-19 0-90,10 0 0,-12-2 89,-20 7 665,14-7-754,-54 8-180,36-14-414,-35 1 145,28-7-271,1-4 0,3 0-1258,3-3 898,1 0 1080,10-18 0,2-6 0,11-19 0</inkml:trace>
+  <inkml:trace contextRef="#ctx0" brushRef="#br0" timeOffset="30851">9198 6842 10411,'-23'-12'1529,"5"1"-1259,4 2-90,11 2 0,-10 1 1079,13 2-1079,0 16-90,0 10 0,17 10-90,-12 23 0,26-14-1003,-28 18 913,11-13-360,-14 3 1,0 1-271,0-11 1,0 0-361,0 21-539,-8-7 0,0 1 1619,4 10 0,-4-22 0,1 0 0,7 17 0</inkml:trace>
+  <inkml:trace contextRef="#ctx0" brushRef="#br0" timeOffset="31201">9777 7322 10771,'-7'-3'1259,"-1"1"-1079,2 1-180,1 1 0,3 20-90,1 3-450,1 11-449,0-2-1350,0 5 630,0-7 1709,0 8 0,0-13 0,0 1 0</inkml:trace>
+  <inkml:trace contextRef="#ctx0" brushRef="#br0" timeOffset="31402">9812 7040 10591,'0'-9'-180,"0"1"90,0 3 90,0 1 0,0 2 0,0 0 0</inkml:trace>
+  <inkml:trace contextRef="#ctx0" brushRef="#br0" timeOffset="31967">10210 7290 9781,'1'16'1350,"0"2"-901,-1 10-269,0-6-90,0 18-90,0-18 0,0 18 0,0-17 0,12 4 0,-9-4-90,10-8-270,-13 6-1438,0-13 1798,0-21 0,16 9 0,-13-40 179,30 8 91,-29-10 0,11 14 0,1 2-90,-5-3-90,5-8 449,-2 21 91,-10 1-540,4 10 90,-3 1 90,1 24-180,-3-11 0,4 41-90,-4-25 0,3 25 0,-5-17 0,2-1 0,-3-1 0,1-1 0,0-4 0,0-2 0,1 1 0,2-8-450,-1 0 270,2-9 90,-2-1 0,0-2 90,0-1 0,1-17 0,6-5 0,-1 1 0,11-20 90,-7 17-180,10-17 90,-9 19 90,2 2-180,-6 19 180,-2-5-90,2 6 0,3 17-90,-2-13-719,7 34 179,-5-10-1259,8 22 720,-5-9 1014,6-3 1,-4-15-1,3-1 1</inkml:trace>
+  <inkml:trace contextRef="#ctx0" brushRef="#br0" timeOffset="32433">11148 7353 10051,'-43'-2'1349,"2"20"-1349,8 3 0,14 21 0,9-11 0,10-1 0,0-3-89,17-7-271,4 7 270,17-13-180,-4-3 270,-3-7 180,-7-25-90,-10-2 0,-7-14 449,-7-5-269,0 17-90,0-7-90,0 14-90,0-2 270,-15 10-270,11 24 0,-19 38 0,21 1 0,-4-8 0,5 0 90,20 4-90,-10-6 0,1-1 0,13 8-587,-8-19 0,-2 0 677,-10 8-684,20-5 774,-21-3-90,14 0-270,-14-12-180,4-2-360,-23-13 1,-10-2-91,-13-22-89,-5 15 548,6-36-1268,0 22 1619,1-20 0,5 4 0,3-2 0</inkml:trace>
+  <inkml:trace contextRef="#ctx0" brushRef="#br0" timeOffset="32966">11797 6837 12210,'0'36'810,"0"-4"-720,0 5-90,0-2 0,0 4 0,-11 22 89,8-12-2260,-3-7 1,1-1 2080,5 7-90,0 12 786,20-22-786,-14-3-89,31-3 89,-33-5 0,31-4-90,-18-4-540,27-3 541,-14-9-1,18 0 180,-19-25 0,7 14 90,-13-36 0,-3 21-90,-1-24 270,1-10 0,-7 7 89,-5 7 1,-2 0-90,0-8 135,-4 10 0,0 0 45,-1-1-90,-1-24-181,0 38 991,0-6-990,0 47 0,0 12-90,0 19 0,0 3-180,0 13-270,0-14-90,0-7 1,0-1-361,0 5 1979,0 12-2428,0-22-630,0-2 1974,0-4 1,0-2-1,0-2 1</inkml:trace>
+  <inkml:trace contextRef="#ctx0" brushRef="#br0" timeOffset="33358">12523 7409 11311,'-17'14'1978,"3"1"-1888,26 17-90,-9-8 0,10 0 0,-13-5 90,0 1-270,0-2 270,0 9-90,5-10 0,-4 8 90,8-15-360,-5 2 360,4-9-269,0 0 179,2-27 89,8-8-178,-1-15-1102,6-1 1191,-4 7 0,0 0-90,1-3-973,6-12 703,-6 16-1706,4-16 1167,-11 33-1170,1 0 2069,-7 17 0,0 3 0,-2 3 0</inkml:trace>
+  <inkml:trace contextRef="#ctx0" brushRef="#br0" timeOffset="33734">12963 7620 10141,'0'-36'1080,"0"5"-901,0-1-89,18 4 540,2-35-360,17 20-180,-17-1 0,-3-1 0,3-2 45,-4 5 0,-1-1 45,-1-10-46,-4 7 1,1 0-1106,5-6 1151,-10-14-628,-2 14 448,-4 19 809,0-5-719,-17 27 0,12 19-90,-24-4 180,14 57-270,0-29 447,3 2 1,3 4-358,6 9-90,-7 4-360,10-2-135,0-14 1,0 1-225,0 17-406,6-10 1,5 0 314,17 6-440,-10-17 0,3-2 1340,27 8 0,-4-3 0,5-3 0</inkml:trace>
+  <inkml:trace contextRef="#ctx0" brushRef="#br0" timeOffset="34050">14123 7458 12390,'0'-8'630,"0"3"-540,0 0-90,0 2 0,17-1-900,4 3 180,19-1-269,-10 2-180,0 0-1080,1 0 2249,-9 0 0,6 0 0,-12 0 0</inkml:trace>
+  <inkml:trace contextRef="#ctx0" brushRef="#br0" timeOffset="34184">14077 7725 10501,'-9'17'1169,"7"1"-989,-7-1-90,29 3-90,-14-6-810,23-2 1,6-3-810,-4 0 282,3-3 1,1-1 1336,11-2 0,1-1 0,0-2 0</inkml:trace>
+  <inkml:trace contextRef="#ctx0" brushRef="#br0" timeOffset="35986">13677 5408 9062,'24'-8'1079,"21"1"-629,-22-1-90,25-1-707,-6-2 617,2 1-8,5-2-82,-9 5 0,0 0-180,24-3 90,-6 3 0,1 2-116,-24 2 0,1 2 71,25-1 0,0 1-536,-23 0 0,-2 2 491,12 8 0,-1 1 0,-12-9 0,-3 3 0,3 14 0,-1 2 0,0-11 0,1-1 45,0 9 0,0 2-45,0-3 0,0 0 0,0 1 0,1 2 0,15 10 0,1 3 0,-13-7 0,1 2 0,3 4 0,2 4 0,-4-1 0,-3 0 0,-2 0-450,10 12 0,-2 1 450,-15-11 0,-3 0 0,0 1 0,-2 2 0,-2-1 0,-1 3 45,3 18 0,-2 2 0,-7-15 0,-2 2-45,-2 4 0,-1 4 0,-2-4 0,-4-6 0,-1-1 30,0 4 0,0 4 0,-5-5-30,-7-5 0,-1-2-45,9 11 0,-3 1-739,-12-7 1,-2-2 513,9-12 0,0 1-585,-6 15 1,0-2-405,-2 1 1264,-7 15 0,22-35 1,-10 4-1</inkml:trace>
+  <inkml:trace contextRef="#ctx0" brushRef="#br0" timeOffset="36404">15218 6910 11580,'13'18'990,"8"3"-900,-13 2 0,16 30-90,-9-31 45,0 8 0,0 2 45,5-1 0,20 20 0,-14-25-90,8 8 179,3-8-89,-13-10 0,20 5-90,-22-14 0,22 0 0,-18-6 0,12-1 0,-13-19-359,3 14-181,-4-33-180,0 33-449,-4-37-630,-1 23 1799,-2-33 0,-7 20 0,2-9 0</inkml:trace>
+  <inkml:trace contextRef="#ctx0" brushRef="#br0" timeOffset="37167">17295 7280 11490,'-20'-3'-539,"3"0"539,17 1 0,0 18 0,0 5 0</inkml:trace>
+  <inkml:trace contextRef="#ctx0" brushRef="#br0" timeOffset="37400">17132 7895 10051,'0'31'1529,"0"-2"-809,0 14-540,21-12 360,5 22-361,1-24 181,15 20-270,-19-22 90,13 21-270,-16-25-899,-10 19 359,-42-23-719,5-2 0,-4 0 269,-7-6 1,-3-2 670,-7 5 1,0-1 0,5-4 0,0-1 0,-2 1 0,1 0 0</inkml:trace>
+  <inkml:trace contextRef="#ctx0" brushRef="#br0" timeOffset="92800">19867 464 7892,'0'-6'270,"0"-3"-90,0 2 90,0-1-90,0 0 0,0 0 90,0 1-180,-14 0 0,11 2 0,-10 0-90,13 1 0,0 1 449,0 0-89,0 21-90,0 19-270,0 6 135,0-5 0,0 1-45,0 12-864,-4-15 1,1 2 773,1 23 45,-1-27 0,0 2 0,2 21 0,2 3 0,-1-12 0,0 1-15,-1-6 0,-1 2 0,1 2 0,1 3 0,0 1 0,-1-2-30,-2 10 0,0 2 22,2-13 1,1 6-1,0 0 1,0-4-884,-1 12 0,-1-1 861,2-8 0,0 3 0,0-4 0,0 6 0,0-2 45,0 2 0,0 1 0,-1 0 0,2 4-75,3-2 0,2 4 0,-2-2 60,-2-13 0,-1-1 0,0 4-30,2-2 0,0 6 0,1 1 0,-1 0 0,-1-6 30,-2 6 0,0-5 0,0 5-12,2-3 0,0 6 0,1 1 0,0-1 0,-1-6-708,-1 5 0,0-5 0,0 3 690,1-3 0,1 3 0,0 0 0,1-4 30,-1-1 0,1-2 0,-1-1 0,-2 2 0,-1 0 0,2 0-30,3-2 0,1 1 0,0 3 0,-2 1 0,-1 3 0,-1 0 0,1-2 0,1 2 0,1-2 0,0 5 18,-1-5 0,1 5 0,-1 2 0,0-2 0,0-6-18,-1 4 0,0-5 0,1 4 0,0-4 0,0 4 0,0 3 0,0-3 0,0-5 0,-1 4 0,1-6 0,0 3 0,-1-3 0,1 3 0,-1-1 0,1-3 0,-1-1 0,0-2 0,0-1 0,0 2 0,0-1 0,0 1 0,-1-2 0,1 1 0,-1 2-23,1 0 1,-1 4-1,0 0 1,0-3 22,0 1 0,0-2 0,0 4 0,1 8 0,-1 5 0,1 1 0,-1-8 30,0-10 0,0-5 0,0 4-429,0 7 1,1 6-1,-1-1 1,0-6 398,1 12 0,-1-2 0,-1-10 0,1 2 0,-1-1-249,-1 0 0,0-1 0,0-3 249,0 8 0,0 2-27,0 3 1,0 5-1,0-6 27,0-8 0,0 0 0,0 4 0,0 4 0,0-5-90,1-7 1,-2-1 44,-6 13 0,-3 1 113,3-3 1,-1-2-69,-2-15 0,0 0 30,2 1 0,-1 4 0,2-5-30,0-6 0,0-1 0,-7 27 0,-2-2 0,5-25 0,0-1-90,-1 12 0,0 0-360,-5 16 547,-1 0-367,2-2 693,5-20 0,1 1-1052,-1 21-505,2-10 0,2 0-215,3 9 1349,0-22 0,0-2 0,1 13 0,0-4 0</inkml:trace>
+  <inkml:trace contextRef="#ctx0" brushRef="#br0" timeOffset="94467">21372 1401 10141,'-11'-8'1979,"-6"0"-1709,15 2 180,-5-1-360,7 18-90,0 10-630,0 26 180,0-3-315,0-9 1,0-1-225,0 10-1,0 15-1438,13-4 2428,-10-14 0,9 8 0,-12-19 0</inkml:trace>
+  <inkml:trace contextRef="#ctx0" brushRef="#br0" timeOffset="94628">21442 1084 8162,'0'-7'-158,"-14"2"1,11 3 0,-10 2 0</inkml:trace>
+  <inkml:trace contextRef="#ctx0" brushRef="#br0" timeOffset="94870">21823 1453 9242,'0'22'629,"0"-1"-539,0-1 90,-14-2-180,11 1 0,-11-1 90,14 1-90,0 1-90,0 11-90,0-7-539,0 18 269,0-19 0,0 7-359,0-9 269,0-8 540,16 0 0,-12-10 0,12-2 0</inkml:trace>
+  <inkml:trace contextRef="#ctx0" brushRef="#br0" timeOffset="95038">21902 1616 8702,'4'-30'1259,"-1"2"-989,2 3-180,-3 4 0,-1 5 0,1 7 809,0-3-719,-1 11 90,3-6-270,1 7 0,5 17 0,-1 2 0,5 1-180,-4 14-359,2-19-271,0 18 1,0-9-91,0 0 1,1 0 899,8 5 0,-2-8 0,6 4 0</inkml:trace>
+  <inkml:trace contextRef="#ctx0" brushRef="#br0" timeOffset="95488">22338 1548 10411,'0'41'360,"0"-5"-360,0 1 0,0-4 0,0 2 0,0 1 90,0 0-180,14-1 180,-10 12 0,10-14-450,-1 16 270,-10-25 90,17 7-180,-17-18-809,9 0 719,-11-29 180,4-29 90,-5-3-45,-6 4 0,-1 0-1229,4-8 1274,-4 16 0,1 1 0,6-17-319,0 2 319,0 3 270,0-11-90,22 18 359,-3-10-359,5 29 180,4 3-90,-11 13-90,11 3-90,-11 24 1391,0-17-1481,-15 36 472,4-14-652,-6 20 0,0-10-270,0-4-1079,-19-12 539,14 1-179,-30-11 1169,32 6 0,-13-15 0,16 4 0</inkml:trace>
+  <inkml:trace contextRef="#ctx0" brushRef="#br0" timeOffset="96067">22748 1417 9242,'6'31'1439,"-2"2"-1439,-4-4 0,2-11 90,-1 7-180,3-21 180,-1 18-180,2-20 90,1 16-270,2-12 180,0 5-360,9-6 181,-3-2-1,16-2 270,-11-1 0,6-16 0,1-3 180,-9-1 179,7-11-359,-13 12 0,2-9 720,-8 12-720,1 7 0,-4 24 0,3-11-90,5 27 90,3-9-90,6-2-360,1 12 91,1-28-1,7 19 0,3-21 0,5 6 180,5-8-180,21-23 270,-14 17-620,-8-24 0,-2-3 800,3 6-45,-17-3 0,-2-3-559,2-6 874,-7-4-180,-6 0 629,-5-23-359,-4 15 44,0 8 1,-4 2-135,-18-5-180,14-19-270,-27 35 180,30-1 1863,-10 18-1953,13 27 0,0 35 90,0 3-90,-1-16 0,2 0-225,7-2 0,-1-1 656,-3 18-1061,9-10 1,3-1 179,-2 4-135,-2-11 1,0-1 134,1 1 270,3 5-269,-14-18-271,12-5-179,-13-3 899,4-4 0,-5-4 0,0-2 0</inkml:trace>
+  <inkml:trace contextRef="#ctx0" brushRef="#br0" timeOffset="96184">23462 1377 9152,'-11'-29'809,"9"0"-539,-9 3-180,11 1-90,20-7-90,-15 10 0,43-3-539,-23 13-271,28 1-359,-10 5 1143,4 1 0,2 4 0,1 1 1</inkml:trace>
+  <inkml:trace contextRef="#ctx0" brushRef="#br0" timeOffset="96650">24735 1025 12030,'-12'-11'90,"0"0"270,0 5-360,3 1 0,-1 26 0,6-16 0,-1 42-450,3-5-90,0 12-180,2-15 1,0 0-180,0 9 179,10-8 1,0-1-993,-4 4 812,29 13 900,-31-24 0,11-3 0,-15-3 0</inkml:trace>
+  <inkml:trace contextRef="#ctx0" brushRef="#br0" timeOffset="96800">24585 1414 9512,'0'-21'269,"0"0"-179,0 2-180,0 1 180,0 0-180,23 1-269,-17 1-361,43 3 90,-26 1-269,24 4 837,-9-1 1,2 5 0,2 1 0</inkml:trace>
+  <inkml:trace contextRef="#ctx0" brushRef="#br0" timeOffset="97193">25155 1377 9332,'0'14'539,"0"0"-269,0 5-270,0-5 0,0 8 0,0-10 0,0 1-539,19-3 269,6-5-360,25-1 630,-11-3-180,14-1 180,-25-17 90,21-2 90,-34-20 540,9-1-451,-23 6 451,1-8-450,-2 19-360,-18-3 989,14 12-899,-26 8 180,27 24-90,-9 22 0,12 14-685,0 10 685,0-8-90,18 2 90,-13 3-90,11-32 0,0 1 0,-12 29 0,27-2 0,-20-18 0,-2 0 0,11 17-45,-5-13 0,-1-2-45,-1 1-899,2 15 89,-5-32-89,-10 0 989,0-15 0,-19-6 0,-5-1 0</inkml:trace>
+  <inkml:trace contextRef="#ctx0" brushRef="#br0" timeOffset="97652">25903 1452 9961,'0'35'1080,"0"2"-900,0-8-90,0 1-90,0-4 0,0 0 0,0 13 0,0-10 0,0 6 0,0-12 0,0-2-90,0-3 90,0-1 0,0-4 0,0-3-1350,0 0 901,0-22 179,0-10 270,0-14 0,0-8 0,0 5 0,0-6 0,-14-2 0,12 9 0,1 0-245,-13-21 335,12 7 0,4 1 0,-2-8 90,0 14 0,0 1-90,0-2 179,21-7 271,1 23-270,3 12 360,7 4-541,-12 12-89,13 23 0,-14 13 0,6 10 0,-21-9 0,0 1-89,9 8-361,-9-5 0,-3 1-270,-1 3-989,0 22 900,0-34-181,-14 5 990,10-19 0,-10-5 0,14-2 0</inkml:trace>
+  <inkml:trace contextRef="#ctx0" brushRef="#br0" timeOffset="97972">26220 1361 9512,'16'0'629,"8"0"-539,-7 0-90,9 0 90,6 0-180,-7 0 90,25-15 0,-19 11 90,23-28-90,-22 28-90,6-26 90,-16 27 0,-6-24 0,-5 15 0,-5-17 270,-3 11-90,-22-5 0,14 13 270,-33 1-271,10 7 1,-19 24-180,1 7 0,11 27 90,16-11-360,10 17 1,28-27-1261,12 23 451,14-30 0,8 6 1079,-19-23 0,2-2 0,22 4 0,-20-8 0,1 1 0</inkml:trace>
+  <inkml:trace contextRef="#ctx0" brushRef="#br0" timeOffset="98167">27215 1322 9961,'17'13'-539,"4"-1"-181,1-3 0,15-7-89,-21 14 809,17-15 0,-9 14 0,-1-5 0</inkml:trace>
+  <inkml:trace contextRef="#ctx0" brushRef="#br0" timeOffset="98306">27300 1601 9691,'0'5'-539,"0"1"-1350,19-6 1889,10 2 0,11-2 0,4 0 0</inkml:trace>
+  <inkml:trace contextRef="#ctx0" brushRef="#br0" timeOffset="98684">28312 492 11221,'-19'-7'0,"4"-1"90,0 3-90,3 2 0,0 1-90,1 2 180,2 0-360,-4 17-180,5 3-899,-5 17 89,9-3-359,0-1 1619,4-7 0,19-11 0,5-7 0</inkml:trace>
+  <inkml:trace contextRef="#ctx0" brushRef="#br0" timeOffset="98784">28287 604 8612,'0'50'-420,"0"-8"0,0 2 1</inkml:trace>
+  <inkml:trace contextRef="#ctx0" brushRef="#br0" timeOffset="99370">28682 1759 11041,'20'-21'-90,"12"16"180,-28-40-90,22 25 0,-14-38-90,1 19 90,-4 3 0,-3 0 0,-4-9-1915,7-14 2095,-9 18 0,3 0 505,-3 4-595,0 4-90,0 4-90,0 6 782,0 4-692,0 31 0,0 16 0,0 20-1145,0 6 1145,0-7 0,0 1-180,15 2 0,-11-2-180,11-1-90,-3-2 381,-3 13-290,5-14-1,-8 7 90,-6-20 19,0-4-379,0 7 360,0-13 1,-21 3-451,-3-10 180,-2-6 91,-26 0 539,33-7 1318,-25-1-508,19-15 413,14-4-1313,-2-12 0,37 13 0,-18-8-135,26 15 1,4 2-496,-8-17 630,13 7 0,3 3 0,-2-6 0,15-7 0</inkml:trace>
+  <inkml:trace contextRef="#ctx0" brushRef="#br0" timeOffset="99568">29262 1268 9781,'-17'15'720,"4"3"-720,13 15 90,0-6-180,0 1-360,0 7 1,0-8-721,0 20 361,0-22-361,13 8 1170,-10-14 0,11-3 0,-14-2 0</inkml:trace>
+  <inkml:trace contextRef="#ctx0" brushRef="#br0" timeOffset="99734">29305 885 9242,'0'-6'-315,"0"19"0,0 9 0,0 18 0</inkml:trace>
+  <inkml:trace contextRef="#ctx0" brushRef="#br0" timeOffset="100124">29567 1629 9602,'0'13'989,"0"-3"-359,0-3-540,0-20 89,37-21-89,-28-3-368,19 12 1,0 0 367,-24-10-90,31-2 180,-31-4-180,10 10 0,1-1 179,-2-21-89,-5 6 0,-1-2 90,2-15-956,-8 21 1,-2 0 1045,1-21-90,0-2-256,0 3 301,-7 21 0,0 1-225,3-16 0,-4 19 0,1 3 0,7 6 180,0 4-90,-10 18 235,7 29-325,-7-3 0,10 27 0,0-5 1522,0 8-1972,0 9 180,0 4-225,0-13 1,0 1 179,0-13 0,0 1-720,0 25 1,0 0 584,-1-27 1,2-1-945,6 19 0,3-1 1394,10 2 0,-9-22 0,-1-2 0,5 5 0</inkml:trace>
+  <inkml:trace contextRef="#ctx0" brushRef="#br0" timeOffset="100467">29983 1482 10861,'17'-10'270,"7"2"-360,16 8 90,-6 0-90,-3 0-180,-8 0 270,-1 0-180,0 0 90,-3 0 0,0-12 90,1-3 0,-8-1 0,1-20 360,-9 20 270,-2-28-541,-2 21 1,-16-3 0,12 9 0,-13 4 180,0 2-90,-2 6-90,-19 18-90,6 11-90,5 24 90,11-7-676,9 6 316,7-14 1,0 0-361,21-1-1259,7 8 540,13-12 1439,0 6 0,-7-17 0,2-1 0</inkml:trace>
+  <inkml:trace contextRef="#ctx0" brushRef="#br0" timeOffset="100792">30530 505 10771,'14'17'-1080,"-10"12"1,10-14-360,-14 13 1439,0-4 0,0-5 0,0-1 0</inkml:trace>
+  <inkml:trace contextRef="#ctx0" brushRef="#br0" timeOffset="100917">30680 571 9961,'14'-11'630,"3"2"-900,8 9-719,-3 23-1,-13 10-1504,1 14 2494,-9 5 0,3-8 0,-4 2 0</inkml:trace>
+  <inkml:trace contextRef="#ctx0" brushRef="#br0" timeOffset="103538">25028 2780 10411,'4'-3'2159,"-1"1"-1889,-1 1-90,1 1-90,1 0-1,0 22 1,2-4-90,0 22 90,1-6-90,0 5 0,1 4-1622,0 6 1622,1 1 0,-2 1-250,0-1 71,0-1-91,-2 0-2952,1-3 2772,-1 0-359,0-4-197,-2 0-74,1-3-89,-2-1 1169,3 9 0,-3-13 0,1 6 0</inkml:trace>
+  <inkml:trace contextRef="#ctx0" brushRef="#br0" timeOffset="103933">24810 3452 10141,'0'43'1170,"16"-9"-991,-12 0-89,13-8 0,-3 5-90,-10 0 0,21 4 90,-22-1 0,20 1-180,-20 0 90,22 0 90,-12 16-90,6-14-811,-2 10 811,-5-18 218,0-4-218,0-2 180,3-1-180,-2-8 0,5-2 0,-4-9-90,14-25 90,-6 16-360,10-41 149,-3 24-778,2-23-1,3 7-494,-9 9 0,1 0 1484,14-16 0,-14 16 0,-1 0 0,10-11 0</inkml:trace>
+  <inkml:trace contextRef="#ctx0" brushRef="#br0" timeOffset="104338">25947 3091 9602,'-36'-3'449,"1"0"-179,1 1 0,-12 1-270,14 1 0,-15 0 0,24 12 0,-1-9 0,14 21 90,5-6-90,23 15 0,-13-4-45,23-9 0,4-3 135,-5 5-135,18-1 0,3-2 45,-7-1 45,-4-2 0,-4-2 135,-16-3-180,11 2-630,-26-9-539,-9 0-360,-14-3 1529,-15-17 0,3 0 0,1-15 0</inkml:trace>
+  <inkml:trace contextRef="#ctx0" brushRef="#br0" timeOffset="104683">26195 3070 9691,'16'18'900,"-1"-13"-450,0 26-450,-5-13 0,3 16 0,-7-5 0,5 11-180,-5-17-180,2 7 0,3-6 0,-2-8-449,11 4 449,-6-14 0,13 0 360,-8-6 0,19-31 180,-19 24 360,12-40-270,-22 26 269,3-12-449,-9 5 630,1 14-810,-3 21-899,18 11 359,-14 18-1259,27-3 1889,-10-13 0,8 1 0,2-12 0</inkml:trace>
+  <inkml:trace contextRef="#ctx0" brushRef="#br0" timeOffset="105121">26838 2780 9062,'-14'14'1889,"2"8"-1799,12 15 0,14 1-90,-10-5 0,11 3 0,-1 2 90,-10 1-180,19-1 180,-20 0-90,15-1 0,-16-3-90,21 10 90,-20-14-90,19 10 90,-18-24-360,6 1 90,-7-12-180,-1-3 270,0-1-89,3-18 269,-1 12-180,7-47 180,-2 28 0,0-9 0,2-2 0,3-2 0,6-8 359,-1 8 91,-4 13 90,6-3-270,-11 18 90,1 3-271,-5 23 1,-1-13 0,-2 32-90,-1-8 0,-2 20 0,0-7-449,0 4-181,-17-22-90,13 4 181,-13-11-1080,4-5 1619,1 0 0,-11-6 0,4-1 0</inkml:trace>
+  <inkml:trace contextRef="#ctx0" brushRef="#br0" timeOffset="105933">27598 3029 9332,'0'27'809,"0"3"-809,0-6 0,0 3 90,0-3-90,0-1 0,0 2 0,-14-3 0,10 2 0,-11-2 0,15-3 0,0-2-90,0 0-180,0-5-1619,0-2 1710,0-35 179,0-1 0,0-18 0,0 11-90,21 9 180,-16-8 449,31 10-359,-32-6 450,26 19-450,-17 1-180,13 23 90,-5 7-90,-6-3 0,3 35 0,-7-34 0,5 41-90,-6-35 90,4 6-90,-5-22 0,1 5-270,0-13 180,1 6-90,-1-8 90,3 0 90,4-21 90,-1 16 90,7-36-90,-7 13 450,7-20-270,-12 10 0,3 5 180,-6 14 449,-3 1-629,0 9-90,-2 1 0,-1 25 0,0-13-90,3 46 90,0-28-180,2 26 90,6-6-90,-3-14 0,12 17 180,-8-25-180,13 4 0,-8-17-90,5-1 90,-6-6 0,-1 0 90,1-18 0,-2 13 0,-1-30 0,-1 30 90,2-42 180,-6 29 90,3-32-270,-6 36-90,-1-14 180,-3 25 269,-2-13-359,1 15-90,-1-4 0,2 5 0,2 16 0,0 5 0,5 21-449,-3-9-1350,9 19 809,-8-27-1438,7 12 2428,-9-22 0,3-8 0,-4 0 0</inkml:trace>
+  <inkml:trace contextRef="#ctx0" brushRef="#br0" timeOffset="106088">28412 2866 9152,'0'-5'-2789,"0"19"2789,0 4 0,14 3 0,3-6 0</inkml:trace>
+  <inkml:trace contextRef="#ctx0" brushRef="#br0" timeOffset="106350">28772 2852 11041,'0'12'1349,"0"8"-1349,0 13 0,0 5 0,0-4 0,0 3-720,0 21 181,0-14-1862,0 13 1591,0-20 90,0-4 52,12-1-51,-9-6-249,10-2 968,-13-6 0,0-4 0,0-2 0</inkml:trace>
+  <inkml:trace contextRef="#ctx0" brushRef="#br0" timeOffset="106468">28703 3220 10501,'-12'-12'270,"3"3"-360,9-10 0,17 4-540,-12 1-269,39-1-540,-23 2 1439,26 1 0,-10 1 0,3 1 0</inkml:trace>
+  <inkml:trace contextRef="#ctx0" brushRef="#br0" timeOffset="108087">31158 1470 9152,'0'28'1349,"15"-2"-1349,-11 1 90,11-7-90,-15 0-90,0-4 180,0 0-90,9 3 0,-7-2 0,7-2 0,-9-1 0,0-4 0,0-1 90,0-4-630,0-1 540,0-16-270,0-2 270,0-19 90,0 1-90,0 4 0,17 9 0,-12 0 630,26 9-540,-18-4-90,9 25-90,-5 9 180,-8 1-180,-1 13-540,-3-21 91,-1 18-271,1-12-89,0 1-541,2-5 1440,1-5 0,0 4 0,1-5 0</inkml:trace>
+  <inkml:trace contextRef="#ctx0" brushRef="#br0" timeOffset="108442">31460 1569 10141,'-26'0'540,"10"12"-540,0 3-90,14 14-360,-5-1 360,7 1-359,0-7 89,15-1-90,-11-10 360,23-3 90,-16-4 360,3-20-90,1 12 269,-14-25 1,4 18-720,-5 13-629,0 7 449,0 27-360,15-19-1169,-11 10 1889,21-16 0,-22 4 0,8-6 0</inkml:trace>
+  <inkml:trace contextRef="#ctx0" brushRef="#br0" timeOffset="108800">31635 1628 9512,'0'35'0,"14"-14"0,-10 6 0,10-10 0,-14 11-1620,0-6 1441,0-28 269,9-8 89,2-24-89,7 3 90,-1 0-90,-6 15 270,-2-2-90,-4 20-180,-1-6 90,1 8-180,0 0 0,-2 0 0,2 18 0,-2-14-180,2 27-540,3-15 360,-1 0-629,5 8 359,-5-14 91,3 3 539,-4-6 0,-1-7 0,1 0 0</inkml:trace>
+  <inkml:trace contextRef="#ctx0" brushRef="#br0" timeOffset="109068">31857 1737 8882,'1'-17'989,"2"-4"-989,11 19 0,-2-10 0,16 8 0,-12-1-90,12-2 90,-13 3-179,7-4-1,-12 2 270,0-3-90,-6-2 90,-3 2 449,0-8-179,-1 8-180,-16-3 90,12 5-270,-11 2 90,1 1 90,11 1-360,-20 2 90,14 20-540,-2 2 360,4 23-899,7-3 179,0-9-359,19-4 1349,-15-12 0,32-2 0,-13 0 0</inkml:trace>
+  <inkml:trace contextRef="#ctx0" brushRef="#br0" timeOffset="109267">32215 1577 9422,'32'0'-1709,"-14"12"1709,12-10 0,-14 10 0,15-12 0</inkml:trace>
+  <inkml:trace contextRef="#ctx0" brushRef="#br0" timeOffset="109405">32192 1821 8702,'0'5'-540,"0"0"540,18-1 0,3-2 0,18 0 0</inkml:trace>
+  <inkml:trace contextRef="#ctx0" brushRef="#br0" timeOffset="109674">32560 969 11311,'-13'20'-1260,"10"11"-269,-17-10-90,18 13 1619,-5-2 0,7-5 0,0-4 0</inkml:trace>
+  <inkml:trace contextRef="#ctx0" brushRef="#br0" timeOffset="109819">32618 1015 9781,'0'32'-2968,"0"4"2968,0-10 0,0 5 0,0-9 0</inkml:trace>
+  <inkml:trace contextRef="#ctx0" brushRef="#br0" timeOffset="110120">32817 1664 10501,'0'24'-1259,"0"1"449,0-9-179,0 0 989,0-1 0,0-5 0,0 1 0</inkml:trace>
+  <inkml:trace contextRef="#ctx0" brushRef="#br0" timeOffset="110302">32848 1433 10051,'-12'-2'-2968,"3"13"2968,9 7 0,0-1 0,0-2 0</inkml:trace>
+  <inkml:trace contextRef="#ctx0" brushRef="#br0" timeOffset="110907">33030 1528 8972,'5'16'899,"1"8"-809,-3-22 180,4 18-270,-6-8 0,2 6 0,-2 0 0,0-3 0,1 0 0,0 5 0,-1-5 0,0 9 0,0-13-90,0 2-180,-1-6-719,0-3 899,0-15 90,2-3 0,0-17 180,4 0-90,-2 4 0,4 1 180,2 4-180,-3 5 449,4-2-269,-7 12-180,3 1 0,-4 6-90,0 14 90,-2-10-180,0 22 90,0-9-360,-1 11 0,1-3 91,1-11 89,0 1-360,0-13 540,1 4 0,0-6-90,1 0 180,0-17-90,-1 13 0,3-27 0,-2 28 0,2-11 180,-3 6-180,-1 6 90,1-6-180,-1 8-180,1 15-180,0-11-1169,2 26 1619,1-27 0,2 12 0,-1-15 0</inkml:trace>
+  <inkml:trace contextRef="#ctx0" brushRef="#br0" timeOffset="111258">33362 1516 10051,'-28'16'180,"10"0"-720,9 16 181,9-7-1,0-1-180,0-6 540,13-8 630,-2-17-360,4-10 89,-8-8-628,-7 27-541,0 5-719,0 25 1529,14-6 0,-10-4 0,10-3 0</inkml:trace>
+  <inkml:trace contextRef="#ctx0" brushRef="#br0" timeOffset="111905">33527 1489 9512,'-15'18'0,"3"-2"-90,12 15-270,0-9 180,0-4 180,13-7 90,-9-21 270,9-9 449,-13-12-629,0 31-90,0 11-90,0 20 0,0 1 90,0-7-180,0 0 180,0 0-180,0-1 90,11 7 0,-8-8 0,8 2-180,-4-11-270,-5-4 91,6-2-721,-8-3 990,0-17 90,-14-4 90,11-17 0,-10 1-90,13-1 180,0 3-180,20 7 0,-15 4 90,30 9-90,-31 0 90,12 4-180,-2 2 180,-10 1-90,20-3 0,-15 3 0,7-9 0,-5 2 0,-4-3 90,-3 0 180,-3 0 0,0-2 359,-1-5-269,0 4-90,0-2 0,0 8-90,0 2 0,0 2 89,-12 3-269,10 21-359,-10 3-541,12 20-539,0-5 270,0-3 1169,14-7 0,2-12 0,14-7 0</inkml:trace>
+  <inkml:trace contextRef="#ctx0" brushRef="#br0" timeOffset="112167">33813 1070 10411,'0'29'-1169,"0"1"-1,0 1-629,-13 0 1799,10 0 0,-11-15 0,14-5 0</inkml:trace>
+  <inkml:trace contextRef="#ctx0" brushRef="#br0" timeOffset="118340">21093 5678 10141,'0'-13'1349,"0"1"-1079,-15 2 90,11 1-4342,-12 1 4072,-1 1 860,12 0-860,-26 4-180,28-1 180,-40 2-180,28 1 90,-23 0 0,24 1 0,1 0 3212,-2 17-3302,5 3 90,-1 1 0,8 14-90,1-19 90,2 19 0,0 8 0,22-7 0,-11-3 0,0 0-90,15 9 135,-8-6 0,0 1-45,4 7 0,1 11-90,10-5 180,-18-16 0,9 12 0,-12-27-2339,-7 0 810,-25-32 899,-2-9-89,-3-14-181,1 10 1,1-1 809,5-9 0,-4 9 0,0 0 0,-2-13 0</inkml:trace>
+  <inkml:trace contextRef="#ctx0" brushRef="#br0" timeOffset="118567">20765 5632 8522,'0'-26'900,"0"2"-181,19-8-359,-15 10 450,34-9-451,-18 16 271,20-1-360,-12 11 90,6 1-180,-14 18-91,3-10 1,-5 42 90,-8-22-135,-3 10 0,-1 3-45,-4 7-336,1 16 336,-3-12-180,0 0-90,0 3-179,-17 0-1,12 4-180,-12-1-584,9-14 0,2 1-225,3 19 1303,-5-20 1,2-1-1,6 12 1,0 0-1</inkml:trace>
+  <inkml:trace contextRef="#ctx0" brushRef="#br0" timeOffset="119500">21320 6215 10951,'48'5'90,"2"-3"-810,-28 6-269,22-8-451,-29 3-628,22-1 2068,-14-1 0,0 2 0,-2-1 0</inkml:trace>
+  <inkml:trace contextRef="#ctx0" brushRef="#br0" timeOffset="120050">21948 5491 9871,'-11'-5'990,"8"2"-900,-8-1 270,11 3 899,-6-1-1259,4 22 180,12 24-180,-6 4 0,12 14 0,-16 2 0,8-14-670,-7-7 0,0 1 310,7 7-360,-7-8 1,-2-1-180,1 3-91,0 11 1,0-24-812,0-4 1801,0-3 0,0-5 0,0-2 0</inkml:trace>
+  <inkml:trace contextRef="#ctx0" brushRef="#br0" timeOffset="120317">21968 5595 9242,'0'-7'539,"0"2"-359,0-3-180,0 3-90,0-1 90,14 2-989,-10 1-720,23 1 1709,-12 2 0,1 0 0,-5 0 0</inkml:trace>
+  <inkml:trace contextRef="#ctx0" brushRef="#br0" timeOffset="120523">21915 6004 9062,'-3'5'90,"1"-2"-1260,0 0 1170,27-2 0,3-1 0,24 0 0</inkml:trace>
+  <inkml:trace contextRef="#ctx0" brushRef="#br0" timeOffset="120968">22477 5600 9602,'0'-9'1349,"-12"1"-989,9 3-1,-17-6 91,18 6-360,-6 18 0,8 16-180,0 13 0,0 4 90,0-9-180,0 5-90,0 0-809,0 16 359,0-15-90,0-9 1,0 0-90,0 2 899,0 15 0,0-26 0,0 3 0</inkml:trace>
+  <inkml:trace contextRef="#ctx0" brushRef="#br0" timeOffset="121518">21908 5609 9781,'41'0'-449,"2"0"-361,-6 0-179,0 0-450,-11 0 1439,2 0 0,-2 0 0,1 0 0</inkml:trace>
+  <inkml:trace contextRef="#ctx0" brushRef="#br0" timeOffset="121868">22030 5994 10771,'19'-13'-1169,"15"10"89,-11-22-179,11 22 1259,-1-9 0,-6 1 0,0-2 0</inkml:trace>
+  <inkml:trace contextRef="#ctx0" brushRef="#br0" timeOffset="122442">22152 5602 9871,'-7'-2'810,"3"-1"-450,3 1-1,1-1-359,0 1 90,19 0-180,3 1-269,13 1-1350,12-1 899,-14 1-1798,22 0 2608,-22 0 0,9 0 0,-15 0 0</inkml:trace>
+  <inkml:trace contextRef="#ctx0" brushRef="#br0" timeOffset="122757">22245 6464 9422,'-2'3'719,"1"1"-719,18-3-1169,5-13 179,26 8-359,-7-27 1242,6 26 0,-9-29 0,0 14 0</inkml:trace>
+  <inkml:trace contextRef="#ctx0" brushRef="#br0" timeOffset="123517">22925 5507 11490,'0'47'90,"0"-8"-90,0 4-5570,-15 12 5570,11-10 0,-10 16 1142,14-16-1052,0 0-90,0 0 0,-11 17-90,9-15 135,-4-11 0,1-2-135,5 3 90,0 4 0,0-17 986,0-5-986,0-2 0,0-4 0,0-3 3188,17-1-3008,-1 0 74,4-4-344,18 1-269,-23-5-91,23 1-90,-14-2-90,0 0 1,2 0-1170,13 0 360,-8 0 1439,11 0 0,-13-10 0,1-4 0</inkml:trace>
+  <inkml:trace contextRef="#ctx0" brushRef="#br0" timeOffset="124167">23462 5640 10501,'-13'-3'1709,"-4"2"-1529,16 16-180,-5 11 0,6 12 0,0 6-1185,0-2 1185,0 2 0,0 5 0,0 0-270,7-13 1,0 0-41,-3 18-275,8-12 1,1-2-226,-10 4 91,8 5-900,0-15 1619,-2-13 0,4 0 0,-6-12 0</inkml:trace>
+  <inkml:trace contextRef="#ctx0" brushRef="#br0" timeOffset="124366">23517 5636 9422,'17'-10'539,"-13"0"-539,29 2 0,-29-2 0,31 0 0,-18 1-270,17 0-269,-6 4-1080,9 1 180,-8 3 1439,5 0 0,-13 1 0,-1 0 0</inkml:trace>
+  <inkml:trace contextRef="#ctx0" brushRef="#br0" timeOffset="124567">23575 5952 9332,'-4'6'629,"2"1"-449,1-2-180,1 0-539,18-2-631,0-1-989,21-2 2159,-4 0 0,-12 0 0,-6 0 0</inkml:trace>
+  <inkml:trace contextRef="#ctx0" brushRef="#br0" timeOffset="124750">23583 6391 10321,'15'4'-360,"7"-1"-359,20-19-271,-5 12-1744,3-12 2734,-9 2 0,1 11 0,1-10 0</inkml:trace>
+  <inkml:trace contextRef="#ctx0" brushRef="#br0" timeOffset="125220">24438 5671 10321,'0'-16'540,"0"0"89,0 4-269,0-2-270,-16 2 90,12 0-90,-12 2-180,-1 1 180,-4 5-180,-19 1 180,8 3-180,-7 21-90,17 2 90,-1 14 90,15-3 0,5-7-90,3 2 0,0 0-90,17 3 180,-12-2-90,36 15 90,-7-10 45,-5-7 0,1-1-409,19 3 364,-5 7 0,-19-14 0,-1-2 0,-6-2 270,-2 3-90,-8-7-180,1 5 0,-8-11 0,2 1 184,-28-5-454,19 0-495,-25-4 1,-5-1-315,8 1 1079,-12 0 0,-2-2 0,-1 1 0,-14 0 0</inkml:trace>
+  <inkml:trace contextRef="#ctx0" brushRef="#br0" timeOffset="125750">25550 5323 10321,'0'-8'990,"-16"2"-901,12 0 181,-13 1-180,5 2 90,10-2-180,-21 3 0,12 0 0,-9 2 0,3 0-270,-2 0 180,5 18-539,-10-1 179,10 3-629,-11 17 179,11-22-179,-4 20 1079,9-15 0,1 0 0,3 0 0</inkml:trace>
+  <inkml:trace contextRef="#ctx0" brushRef="#br0" timeOffset="126533">25613 5373 10051,'0'-9'1349,"-13"-4"-1169,0 6-90,-12-7 90,8 8-90,-8-4-90,6 6 0,-8 1 0,5 2 0,-3 1 0,-2 0-90,-15 14 90,10-11-270,-23 23 90,25-24-269,-14 20 269,22-13-90,0 2-90,9 4 90,7-4 1,1 9 179,4-4-90,1 4 180,0-7-90,17 4 0,-13-6 0,12 2 90,-1-1-180,-1 5 90,3-2-90,4 10 90,-10-9 0,8 11 0,-9-9 90,2 5-90,-10-6 90,5 2-90,-5 1 180,0 12-90,-1-5 0,-1 25 0,-19-18 90,14 28 180,-29-23-886,30 11 706,-10-15 90,3-4-1,9-2-179,-9 4 90,11-10-90,0 4 90,0-14-90,0-2 797,23-8-887,7-1-270,13-2-90,1-16-989,10 11 107,-13-28 1279,13 29 0,-18-12 1,-1 16-1</inkml:trace>
+  <inkml:trace contextRef="#ctx0" brushRef="#br0" timeOffset="126886">26223 5142 10141,'0'-5'270,"-13"2"-270,1 2 0,-4 16-90,1-12-809,7 27 269,0-9-1079,-2 14 1709,8-1 0,-2-7 0,4-5 0</inkml:trace>
+  <inkml:trace contextRef="#ctx0" brushRef="#br0" timeOffset="127017">26197 5187 9512,'-11'6'-540,"8"12"0,-8 17 0,11 5 1</inkml:trace>
+  <inkml:trace contextRef="#ctx0" brushRef="#br0" timeOffset="127436">26670 5871 10951,'-6'0'989,"0"0"-899,2 0-180,-2 13 90,3-9 0,-3 19-629,-1-5-1,1 4-1259,-3 10 900,6-12 989,-1 6 0,4-12 0,0 0 0</inkml:trace>
+  <inkml:trace contextRef="#ctx0" brushRef="#br0" timeOffset="127617">26687 5539 7083,'0'21'0,"0"-5"0</inkml:trace>
+  <inkml:trace contextRef="#ctx0" brushRef="#br0" timeOffset="128167">26955 5878 9422,'-21'15'359,"4"1"-179,17-2-180,0 0 90,-10-2-90,8-1 0,-8 0-90,10-2 90,0 2-90,0-2-179,0 2 89,0-3-1350,0 0 1261,13-5 269,-1-32 180,12 0-1,-12-19 91,7 14 360,-7 2-450,3 7 90,-1-2-90,-6 9 539,-2 10-449,1 0-270,-5 8 90,0 18-90,-1 5 0,-1 1 0,2 14 0,0-14 0,1 9-180,2 4 90,0-19 0,2-3-90,-2-3 0,0-10 90,0 4 0,4-6 1,-2-18 178,6-4-178,-4 0 178,4-24 1,-4 38 180,1-39-180,-4 34 90,-1-7-180,0 0 540,1 11-360,-1-5-180,-1 8 90,-1 6-90,1 18-90,0-14 90,1 29-360,2-29-180,0 31-89,2-21-1350,9 27 230,-2-20 1749,10 6 0,-3-13 0,3 0 0</inkml:trace>
+  <inkml:trace contextRef="#ctx0" brushRef="#br0" timeOffset="128550">27557 5772 9871,'-31'-1'450,"5"0"-450,12 17 0,0-12-90,13 25-90,-5-10-90,6 25 1,0-16-91,21 5-90,-16-14-90,34-7 360,-20 3 90,16-10 90,-10-2 360,-5-21 180,-11 1 359,-4-17-179,-5 4-540,0 3 180,-13 5-360,10 29-810,-11 6-629,31 26-1259,-1-5 2698,24-3 0,-12-14 0,6-6 0</inkml:trace>
+  <inkml:trace contextRef="#ctx0" brushRef="#br0" timeOffset="129267">28060 5758 9871,'-36'-3'90,"6"1"-90,13 19 0,8 0-359,32 12 359,0-14-90,4 2 180,9-15-90,-14 6 0,15-8 179,-8-14 181,-14-6 450,-7-10-450,-8 0-181,-14 9-89,0 9 0,-3 21-90,7 15 0,10 10 0,0 2 90,0-6-90,0 2 0,21 16-90,-16-13 135,14-5 0,0-1-45,-15 1 0,13 16-180,-17-26-179,0 9-1,-24-22 0,-4 3 270,-25-10 90,25-19 0,-9 14-90,34-44 90,-10 29 0,13-26 180,43 7-180,-14 10 0,14 5 0,4 2-545,6-1 545,-18 9 0,1 1 0,14-1 0,-2 2 0,-1 2 0,-4 2 0,-3 2 0,-2 0 0,7 0 0,-14 2-427,10-4 427,-24 2-90,1-7 90,-14 2 0,-1-5 90,-3 1 708,0 0-618,-18-2 540,13-5-451,-33 4-89,21-5-180,-6 12 444,1 1-354,11 6-90,-7 19 0,8 6-180,1-1 0,8 17-809,-2-12 269,3 9-179,21-3-91,-16-12-269,34-1 1259,-35-3 0,35-2 0,-12-1 0</inkml:trace>
+  <inkml:trace contextRef="#ctx0" brushRef="#br0" timeOffset="129586">28887 5247 8702,'10'16'0,"3"-12"-90,-12 24-270,5-17 360,-6 9 0,0-11 0,0-2 0</inkml:trace>
+  <inkml:trace contextRef="#ctx0" brushRef="#br0" timeOffset="129733">28928 5184 9152,'29'0'180,"-14"17"-540,5-13-360,-18 33-359,6-21 1079,-4 19 0,-3-7 0,4 0 0</inkml:trace>
+  <inkml:trace contextRef="#ctx0" brushRef="#br0" timeOffset="130335">29198 5042 10861,'0'-6'180,"0"2"0,0 0-270,0 1 180,0 0-90,20 1 0,2 0 0,13 18 0,-4-13 0,6 28 90,-9-27-180,20 24 90,-21-14 0,11 10 0,-21-11 0,1 5 90,-9-13-1,-5 8-89,-1-3 0,-3 6 90,0-2-180,0 14 90,-17-8 90,13 19-90,-13-14 0,17 12-90,0-11 180,0 4-180,0 1 90,0 3 0,0 1-89,17 0 89,7 18 0,-2-13 0,5-5 0,-1-1-348,-7 4 393,3-13 0,2-1-135,-3 7 90,-1-1 90,-3-3-180,-4 4 90,-5-9 0,-3 5 0,-5-16-450,-28 1 360,-10-8 0,-16-3 0,14 0 0,-1-1-449,-12 0-46,5 2 0,-1-4-44,-6-12 629,9 13 0,2-1 0,-1-22 0,-13 12 0</inkml:trace>
+  <inkml:trace contextRef="#ctx0" brushRef="#br0" timeOffset="130652">30293 5653 12210,'0'-4'-2069,"0"0"2069,0 3 0,0-1 0,0 2 0</inkml:trace>
+  <inkml:trace contextRef="#ctx0" brushRef="#br0" timeOffset="132058">33085 2149 8432,'0'22'1619,"0"-1"-1529,-19-1-90,14-3 0,-32 4 0,21 0 270,-32 17-270,15-3 45,0-2 0,-1 2-947,-9 11 947,13-14 0,0 0-45,-14 16 45,20-22 0,0 0 89,2-1 1,-3 3-45,-13 12 0,-1 0-45,9-10 0,-1 2 15,-6 3 0,-4 3 0,2-3-1227,2-3 1,-1-2 1226,5-3 0,-2 2 0,-1-1-60,-4 0 0,-2-1 0,2 0 0,-8 5 0,-3 1-580,8-7 0,-5 4 0,0-1 0,4-2 580,4-4 0,3-2 0,-4 2-23,-8 5 1,-6 2-1,0 1 1,5-3-382,5-4 1,3-3 0,-2 2 373,-12 7 0,-3 1 0,4-3-30,12-7 0,3-2 0,0 0 0,-2 0 0,1 1 1,0-1 29,1-2 0,-1 1 0,-2 0-120,-12 5 0,-3 2 0,2-2 30,14-6 0,2-1 0,-3 1-83,-3 2 1,-4 0 0,1 0 0,6-1-158,-7 2 0,4-1-90,-10 2 0,3-1-455,-2 5 905,14-7 0,10-4 0,9-3 0</inkml:trace>
+  <inkml:trace contextRef="#ctx0" brushRef="#br0" timeOffset="132490">30388 3683 11760,'-17'17'630,"-27"4"-450,23 13-135,-12-9 0,-4 1-1287,-6 11 1242,12-11 0,0 1 90,-16 14-90,1 0 0,0 2 0,17-13 0,0 0 90,-13 14-90,13-9 0,3 0 0,5 0-81,1 16 81,16-27 334,4 2-784,20-10 0,9-7-719,30-1 90,-10-7-720,-10-1 0,0 0 1592,12 0 1,-16-6 0,-1-3 0,17-11 0</inkml:trace>
+  <inkml:trace contextRef="#ctx0" brushRef="#br0" timeOffset="141684">20638 7107 8162,'11'2'810,"4"0"-91,-8-1-539,3-1-90,0 0 0,-2 0 0,4 0 90,15-12 0,0 10 90,34-18 0,-10 18-270,3-4 0,3-1-829,-14 4 1,0 0 873,19 0 0,2-1-864,-9-1 0,1 0 819,5 2 0,3 2-777,-18-2 0,1 0 1,1 0 776,2 1 0,1 0 0,1 0 0,3 0 0,1 0 0,0-1-426,1 1 0,0 0 1,6-1 389,-10 1 0,5 0 0,2 0 0,0 0 0,-3 0-148,1 0 0,-3 0 0,2 0 0,6-1 171,-6 1 0,5 0 0,4 0 0,1 0 1,0 0-1,-3 0 0,-4 0-88,-1-1 0,-4 1 0,-1 1 1,0-1-1,4 0 101,2 0 0,3 0 0,1 0 0,2 0 0,-1 0 0,1 0 25,-8 1 1,2-1 0,0 1 0,0-1-1,-1 1 1,-1-1 0,-1 1-8,9 0 0,-4-1 0,0 1 0,3 0 0,5 0-52,-13 0 0,4-1 1,4 1-1,2 0 0,0-1 1,0 1-1,-3 0 1,-2 0-1,-4 0 4,2 0 0,-4 0 0,-3 0 0,1 1 0,1-1 0,6 0 58,-2 0 0,4 0 0,4 0 0,1 0 0,2 0 0,-2-1 1,-1 1-1,-4 0 0,-4 0-28,2 0 0,-4 0 0,-4 1 0,1-1 0,2 0 0,5 1 0,-2-1 0,4 0 0,2 0 0,3 0 0,0 0 0,0 0 0,-2 0 0,-4 0 0,-4 0 0,13 0 0,-5 1 0,-3-1 0,1 0 0,3 1-13,-10-1 0,3 1 0,1-1 0,0 0 1,0 1-1,0-1 0,-1 1 28,8 0 0,0 0 0,0-1 0,-1 1 0,-2 0 0,-2 0 3,-2 0 0,-4 0 1,0 0-1,2 0 1,4 0-19,-7 0 0,4 0 0,3 0 0,1 0 0,0 0 0,-2 0 0,-3 0 0,-5 0 0,17-1 0,-7 1 0,-1 0 0,6 1-39,-14 0 0,5 1 1,2 0-1,1 1 1,-1-1-1,-4 0 1,-5 0-30,6-1 1,-5-1-1,-2 1 1,2 0-46,12 2 1,2 1 0,-1 0-1,-7 0-7,-5 0 0,-6 0 1,0 0 144,18-4 1,-2 3-251,-8 7 0,-2 1 0,-7-10 0,-3 1-102,-7 8 1,-2 1 326,19-1 0,-17 9 0,-20-6 0,-7-1 0</inkml:trace>
+  <inkml:trace contextRef="#ctx0" brushRef="#br0" timeOffset="142950">24045 7322 10051,'2'-4'1260,"2"1"-991,-3 1 631,3-2-900,-2 24 90,0 9-3752,-2 33 3392,0-7-90,0 4-410,0-13 51,0-1-91,0-1-1169,0 18 720,0-16 1259,0 12 0,0-23 0,0-3 0</inkml:trace>
+  <inkml:trace contextRef="#ctx0" brushRef="#br0" timeOffset="143536">24267 7344 11131,'2'30'1439,"1"2"-1439,-3-1 0,0 1 180,0 13-180,0-9 0,0-2 0,0 1 0,0 10-45,0-5 0,0-1-225,0 10-135,0-8 0,0-1-2289,0 6 1974,0 13-938,0-9 668,0-15 990,0 16 0,0-28 0,0 5 0</inkml:trace>
+  <inkml:trace contextRef="#ctx0" brushRef="#br0" timeOffset="143951">23820 7871 9691,'-8'0'1799,"4"13"-1709,1 0-90,3 11 0,0-4 180,0 14-180,0-4 0,13 14 90,-9-7-90,9 3 0,-13 1 0,10 21 90,-1-15-90,0-9 0,1 0 0,3 2 90,0-6 0,0-1 0,2-5 0,20 10 0,-13-30-90,28-3 90,-13-25-1495,19 15 1405,-32-17 0,0-3-90,25 0 0,-22 0 0,0-3-135,0 6 0,0 1-616,-1-2 0,0-1 346,0 1 1,-1-2-1260,7-9 0,-1-1 1754,-9 9 0,0 0 0,4-7 0,-3 1 0,4-10 0</inkml:trace>
+  <inkml:trace contextRef="#ctx0" brushRef="#br0" timeOffset="145071">22942 8998 11490,'0'35'1080,"0"4"-900,0-6-180,0 4 90,0-7-90,0 1 0,0 15 0,14-12 0,-10 11 0,11-17 0,-15 0 0,0-5-270,8 5 360,-6-11-1170,6 3 900,-2-36 91,-2 14-1,5-41 180,-2 22-90,7-37 0,-2 20 0,-2 5 0,1 1 0,3-2 0,1-6 0,-6 18 359,-2 7-89,-1 6-90,-1 0-180,0 7 90,1-3 180,0 25-180,2-16-90,1 50 0,-3-30 0,1 28 0,-4-18 0,0-1 0,2-2 90,-1 10-180,0-15 180,0 9-180,-1-21 90,2-3-180,-1-8 180,0-3 0,4-23 0,-2 17 0,8-55 90,-5 36-45,-1-11 0,-1-1-45,1 3 0,2-9 0,-6 16 90,-1 14 270,-2-8-360,2 20-90,-2-6 180,3 26 0,0-14-180,1 34 90,3-22 0,0 20-810,5 6 450,-1-8-809,13 22 449,-7-25-629,22 15 629,-12-25-505,14 1 325,-8-12 900,2-7 0,1-1 0,1-3 0</inkml:trace>
+  <inkml:trace contextRef="#ctx0" brushRef="#br0" timeOffset="145433">23873 9328 9781,'0'-15'1350,"-17"4"-991,13-4-89,-33 9-180,17 1-90,-18 4 0,6 16 0,14 2-270,-5 17-179,20-1 179,-6 3 0,9-10-180,20 2 0,2-15 361,23 3 178,-11-11-178,10-1 178,-17-4-89,11-16 630,-18-2-180,4-14 269,-17 2-449,0 4-270,-7 5-270,0 25-989,0 8 630,0 24-91,0-8-180,15 0-179,-11-8 1079,24-9 0,-25 8 0,10-5 0</inkml:trace>
+  <inkml:trace contextRef="#ctx0" brushRef="#br0" timeOffset="145805">24282 9309 11131,'-13'33'180,"10"4"-180,-10-7-90,13 9-90,0-16-270,0 12 270,16-17 90,-12 2-719,11-11 449,-6-4 180,3-20 180,5 10-180,-1-33 360,3 7-180,-4-8 180,10-13 0,-10 24 90,1-5 89,-6 22 91,-3-5-180,1 14-180,-2-7 90,1 9-90,0 0-90,0 20 0,-1-16 0,4 33-360,-2-11-719,5 21 359,-1-8-90,2-2 810,9-8 0,-2-14 0,6 1 0</inkml:trace>
+  <inkml:trace contextRef="#ctx0" brushRef="#br0" timeOffset="146200">24857 9297 9871,'-34'0'270,"14"14"-180,-2 2-180,20 15 0,-9-2 0,30 2-90,4-6 270,21-10-180,-9-6 180,-1-9-90,-12 0 0,0 0 540,2-18 360,-5-1-181,-4-17-539,-8 6-180,-7 5 0,-13 10 90,10 29-180,-10 15 180,13 28-90,0-10-180,0 17 0,0-26 180,17 7-540,-12-6 271,12-13-451,-17 10 0,0-21-2428,0 1 3148,-17-12 0,12-18 0,-12-8 0</inkml:trace>
+  <inkml:trace contextRef="#ctx0" brushRef="#br0" timeOffset="146371">24957 8446 10141,'13'-3'270,"-2"0"-360,5 21-450,-1 6-449,-14 10-540,6 1 1529,-7-5 0,0 2 0,0 2 0</inkml:trace>
+  <inkml:trace contextRef="#ctx0" brushRef="#br0" timeOffset="147983">21123 10071 10411,'0'-9'1439,"0"1"-1079,0 1 0,0 0-90,0-1-90,0 0-90,0 0-1,-12-3-89,10 3 0,-21-5-89,21 8-1,-33-2 0,16 6 0,-24 0 0,7 15-90,-4-10 45,-3 25 0,-2 4 135,-12-7-1589,4 12 1,3 2 1318,8-6 90,13-7 0,3 1-454,4 3 364,0 9-397,16-1 487,3-9-180,20 24 360,9-22-135,-3-3 0,2 0 135,15 7-774,2 11 774,-17-13-90,-10 1 2314,10 2-2224,-21 0 90,18 1-90,-21 0 0,6 16 0,-7-12 45,-9-9 0,-3 0 45,-13 3-90,-1 9 541,-9-18-541,31-4 0,-25-4 166,26-4-166,-11-3 1155,7-3-1335,5-2-2,-5-2-538,24-2-179,-12-1-271,31-1 1170,-31 1 0,36-2 0,-12 0 0</inkml:trace>
+  <inkml:trace contextRef="#ctx0" brushRef="#br0" timeOffset="148545">21970 11100 11221,'0'-12'1349,"0"4"-1259,-13 2-720,0 4-449,-9 21 359,4 2 1,5 4-91,3 11 180,2-21-89,4 8 719,1 2 0,2-12 0,1 14 0</inkml:trace>
+  <inkml:trace contextRef="#ctx0" brushRef="#br0" timeOffset="148678">21897 11185 9691,'0'0'0</inkml:trace>
+  <inkml:trace contextRef="#ctx0" brushRef="#br0" timeOffset="149653">22558 11560 10951,'-5'-1'1529,"2"19"-1529,1 4 0,2 21 0,0-12 0,0 1 0,0-10 0,0-3-270,11 0-90,-8-3 0,8-1 91,-11-2-361,0-3-719,7-2 1259,1-4-90,9-21 180,-3-9 0,0-14 0,8-13 0,-5 18 450,11-19-91,-13 27 541,5-3-630,-11 21-180,1 2 180,-5 7-181,0 17 91,-1-13-270,3 46 90,-5-28 0,5 42-359,-4-29-991,3 22 721,0-25-271,3 7 900,9-13 0,-1-14 0,8 0 0</inkml:trace>
+  <inkml:trace contextRef="#ctx0" brushRef="#br0" timeOffset="150034">23160 11547 10591,'-22'22'630,"-9"-17"-451,27 35-179,-22-24 90,14 28-90,-3-14 0,1 17-179,13-20-361,-4 14 270,5-20-180,0 3 1,17-12-361,-13-3 360,34-4 360,-16-3 0,23-22 180,-15-5 0,7-22 180,-20 9 90,4 2 0,-12 12-90,-1 4-91,-3 0 181,-1 2 180,-2 4-630,1 24-180,-3 8-360,0 26-899,0-3-629,15 0 2158,4-9 0,0-15 0,-4-8 0</inkml:trace>
+  <inkml:trace contextRef="#ctx0" brushRef="#br0" timeOffset="150410">23553 11585 10501,'-16'18'540,"2"4"-540,14 13 90,0-4-90,0-5-90,0 10 180,0-9-450,14 16 180,-10-20 90,10 3-540,-14-11 91,9-9 359,-7-20 0,17-23 90,-12-5 90,9-8 180,2 5-90,-3 11 270,11-18-1,-11 25 451,4 0-540,-9 17 0,-1 6-180,-5 4 89,2 0-89,-2 21 90,1 7-180,-3 11 0,0 12-90,-2-20-449,0 9-181,0-15 0,0-2 91,0-3 629,0 3 0,0-12 0,0 1 0</inkml:trace>
+  <inkml:trace contextRef="#ctx0" brushRef="#br0" timeOffset="150854">24005 11734 9691,'0'-6'180,"0"-1"-180,15-13 0,-11-6 0,10 8 0,-4 1 90,-8-9 90,8 19 360,-10-11-270,-17 12-180,-4 18-180,-9 10 180,11 12-90,0 10-360,17-15-540,-7 19 271,9-23-271,0 7 900,21-10 0,-16-7 0,16 1 0</inkml:trace>
+  <inkml:trace contextRef="#ctx0" brushRef="#br0" timeOffset="151355">23828 11717 8342,'24'-7'900,"-10"1"-810,7 2 0,-12 2 90,7 1-180,-3 1 0,5 0-90,-4 0 180,10 15-180,-11 3-360,2 1 90,-5 10-180,-3-25-89,0 30 629,-2-11 0,-3 7 0,0-3 0</inkml:trace>
+  <inkml:trace contextRef="#ctx0" brushRef="#br0" timeOffset="151853">24225 11797 8972,'21'16'90,"0"-2"-90,4-31 0,10 13 0,-31-24-90,31 12 90,-20 1 180,8-12 0,-11 10 0,-6-7 359,-6 2-179,0 9-360,0 0 180,-17 3-90,12 1 270,-12 4-90,0 2-181,-3 2-89,-2 18 0,6 3-179,16 19-361,0-10-180,0-1-179,0-8-2339,23-2 3238,4 2 0,0-11 0,-5 2 0</inkml:trace>
+  <inkml:trace contextRef="#ctx0" brushRef="#br0" timeOffset="152180">24738 10997 10321,'0'-5'-1169,"0"16"-450,0 4 1619,0 11 0,0-11 0,0-7 0</inkml:trace>
+  <inkml:trace contextRef="#ctx0" brushRef="#br0" timeOffset="152305">24782 10975 9691,'32'0'540,"-13"17"-720,3-13-719,-20 34-450,6-20-687,-4 22 2036,-2-7 0,2 2 0,-4 2 0</inkml:trace>
+  <inkml:trace contextRef="#ctx0" brushRef="#br0" timeOffset="152753">25428 11684 12030,'61'-16'-360,"-10"-7"-89,0 20-896,-9-8 535,2 1 90,-1 8-179,0-7-270,-3 9 1169,-4 0 0,-2 0 0,-4 0 0</inkml:trace>
+  <inkml:trace contextRef="#ctx0" brushRef="#br0" timeOffset="152899">25662 11827 9062,'-10'7'629,"8"-2"-629,-8-1-719,29-2-271,12-1-269,13-1 947,5 0 0,-5 0 0,2 0 0</inkml:trace>
+  <inkml:trace contextRef="#ctx0" brushRef="#br0" timeOffset="153154">25922 11402 10591,'-21'-7'1799,"5"1"-1709,29 3-90,16 18 0,16-11 0,5 30 0,4-10 0,-15 10-90,-9-8 0,-3 1-270,-7 10-270,-3-2 1,-3 1-271,-12 12-269,8 17 1169,-18-29 0,-4-2 0,-13 19 0,3-19 0,-1 0 0</inkml:trace>
+  <inkml:trace contextRef="#ctx0" brushRef="#br0" timeOffset="153523">27408 11121 11760,'-9'-25'1080,"6"3"-900,-13 5-180,14 1 90,-4 4 269,1 4-449,4 19 90,-3 15-90,4 12-225,0-5 1,0 1-136,0 13-1266,0 19 1177,0-19-181,13-2 0,-10-2-981,11 13 1071,-2-17-899,-9 16 1529,19-31 0,-20 3 0,7-14 0</inkml:trace>
+  <inkml:trace contextRef="#ctx0" brushRef="#br0" timeOffset="153666">27305 11471 10141,'-23'-17'1170,"-11"5"-1170,30-14 0,-21 10-90,22-7 0,-6 7-810,37-7 271,-21 12-181,53 0-1079,-8 8 1889,13 0 0,-29 2 0,0 1 0,15 0 0</inkml:trace>
+  <inkml:trace contextRef="#ctx0" brushRef="#br0" timeOffset="153933">27795 11518 10141,'0'13'990,"0"-1"-541,0-4-539,20-18 90,-15-8-90,29 0 90,-30-11-89,21 26 89,-22-20 0,8 11 89,-11-9 1,0 5-269,-15 7-361,11 21-629,-11 4-451,15 19 1620,15-9 0,4-2 0,14-4 0</inkml:trace>
+  <inkml:trace contextRef="#ctx0" brushRef="#br0" timeOffset="154266">28063 11442 9961,'0'35'450,"0"-5"-450,12-3 90,-9-5-180,19-7 90,-19 3-180,13-11-719,-11 4 809,1-20 90,-3-5 90,-3-17 180,0 4 179,0 1-89,0 5-270,16 9-540,0 22-89,3 7-1350,6 16 270,-15-15 1619,7 13 0,-5-27 0,-5 12 0</inkml:trace>
+  <inkml:trace contextRef="#ctx0" brushRef="#br0" timeOffset="154485">27638 11105 10591,'31'-9'0,"23"1"-450,4 2-89,5 3-406,-16 0 1,-1 4-1614,0 17 2558,10-13 0,-25 33 0,-1-14 0</inkml:trace>
+  <inkml:trace contextRef="#ctx0" brushRef="#br0" timeOffset="154967">29023 11304 10681,'0'-9'899,"-17"2"-809,-6 4-180,-24 1 90,9 18-90,-14 8-89,24-2-46,7 6 0,3 1 45,5-7-360,0 44 180,13-36-359,45 18 809,-9-28-90,-4-7 0,0-4 0,8-5 360,-14-21-91,4 13-89,-15-29 0,8 29 450,-21-29-450,6 15 0,-8-13-270,-16 7 180,-3 11-90,-13 26 0,14 19 0,6 12 45,11-11 0,2 1-45,-1 8-45,0-5 0,0 1 45,0 4 0,-1-8 0,2 0 0,12 1 0,-9 7-180,9-19-450,-13-4 90,0-4-2608,0-5 3148,-19-5 0,15-18 0,-15-7 0</inkml:trace>
+  <inkml:trace contextRef="#ctx0" brushRef="#br0" timeOffset="155300">29435 11382 10951,'-22'-4'1259,"0"1"-1169,-27 3-90,10 0 0,-5 17 0,12-13-180,12 28-180,10-16 180,10 13 0,25-15-179,-19 4 269,46-16 0,-31 10-90,26-11 90,-13 4 180,15-5-90,-15 0-270,14-18 180,-32 0-360,8-18 1,-22 3-631,-14 4 91,-11 5 989,-20 12 0,9 5 0,1 7 0</inkml:trace>
+  <inkml:trace contextRef="#ctx0" brushRef="#br0" timeOffset="155519">29855 11446 10231,'-20'-13'1349,"-2"3"-1259,-21 3 0,5 6-90,5-5-449,13 20-181,2 2-899,16 16 629,-5-2 900,28-2 0,5-12 0,20-7 0</inkml:trace>
+  <inkml:trace contextRef="#ctx0" brushRef="#br0" timeOffset="155784">29227 11133 10861,'-6'-7'1079,"2"0"-719,2 0-180,2 0 90,20-2-180,-15 1 0,35-1 0,-35 1-90,38 0 0,-37 2-90,39 0-450,-24 4-719,19 1 359,-10 1-89,-14 14-271,1-10-449,-12 10 1709,4-2 0,-4-9 0,0 9 0</inkml:trace>
+  <inkml:trace contextRef="#ctx0" brushRef="#br0" timeOffset="155951">29928 10796 10951,'-18'15'-1170,"-2"7"1,-2 15-810,-9 2 1979,27-5 0,-32 3 0,11 1 0</inkml:trace>
+  <inkml:trace contextRef="#ctx0" brushRef="#br0" timeOffset="156635">30488 11546 11311,'0'-16'1799,"8"-2"-1440,-6 3 451,9 0-1080,-9 29-270,2 15-360,-10 6 1,-6 3 179,1-5 1,-4 1 234,-13 24 1,-3 0-1,5-18 1,0-1-1,-6 15 1,1 0-1</inkml:trace>
+  <inkml:trace contextRef="#ctx0" brushRef="#br0" timeOffset="157533">22265 12830 10591,'0'-14'1529,"-17"-3"-1349,-1 7-180,-18 0-180,7 26-270,10 7-989,-4 22 540,12-7-91,-3 0 1,4-9-549,9-2 1538,-1-1 0,2-3 0,0-2 0</inkml:trace>
+  <inkml:trace contextRef="#ctx0" brushRef="#br0" timeOffset="157684">22188 12920 9871,'0'41'-2338,"0"-7"2338,0 4 0,0-6 0,0 3 0</inkml:trace>
+  <inkml:trace contextRef="#ctx0" brushRef="#br0" timeOffset="158538">22650 13288 10321,'0'-13'900,"0"4"-451,0 3 181,0 2-540,7 2-90,-6 15 0,10-9 0,-10 32 0,5-18-540,-4 40 1,1-19-316,-2-2 1,0 1-46,0 8-1085,2 11 635,-1-20 1350,3-3 0,0-3 0,1-2 0</inkml:trace>
+  <inkml:trace contextRef="#ctx0" brushRef="#br0" timeOffset="158807">22582 13553 11131,'47'0'-2339,"-7"0"1170,1-14-6291,-8 10 7460,2-10 0,0 14 0,-1 0 0</inkml:trace>
+  <inkml:trace contextRef="#ctx0" brushRef="#br0" timeOffset="159616">23030 13448 9871,'-10'17'1709,"2"2"-1619,8 20-90,0-11 0,0 3-180,14 0 1,-11-7-541,11 12 540,-14-17-360,8 5 91,-6-15-721,5 0 1170,-7-26 0,0-4 0,0-21 180,0 10-90,0 1 450,14 10 89,-10-2 271,21 7-630,-14 3-180,9 29 0,-2 9-90,-5 13 90,-1-1-90,1 6-90,-2-9 180,0 7-180,1-7 90,-5-11 0,7 4-270,-8-18 0,2-2 180,-3-7 0,-2 0 0,2 0-90,2-17 180,0-8 90,6-25-180,-4 8 180,7-19 90,-8 26-468,5-9 468,-6 17-1,2 4 91,-4 3 540,4 4-540,-4 6-90,7 3 89,-4 4 380,8 20-649,-7 6 0,5-1 0,-3 30 0,-2-32 90,3 37-180,-7-32 90,4 9-90,-7-22-90,3 8-270,-2-15 0,0 3 360,0-5 0,0-3-89,6-18 179,-3-4 0,3-12 0,-1 1 0,-1 4 0,2 2 0,2-11 0,-1 13 449,2-7-179,-4 15 0,3 8-270,-3 2 0,2 7 0,-4 19 0,1-15 0,0 34-450,4-9-89,-3 10-1710,7 14 720,-4-20 1437,2 8 1,-1-14 0,-1-1 0</inkml:trace>
+  <inkml:trace contextRef="#ctx0" brushRef="#br0" timeOffset="160133">24062 13583 10681,'-17'16'719,"-7"-12"-629,22 26-180,-9-8 180,11 7-90,0 3 0,0-7 0,0 0 0,15 14 0,-11-12-449,23 27 359,-25-30 90,10 18-90,-12-29-450,0 5-359,0-12 719,-14-15 90,11-10-270,-25-22 270,25 7-180,-20-21 360,21 20-774,-8-16 684,10 12 0,0-2 179,0-2 451,0-15-180,0 13-225,9 12 0,0 1 44,-5-1-89,14-3 270,-5 19-180,-9 5 0,19 3-180,-10 6 90,5 1 504,10 21-684,-11-14 90,14 31-90,-14-13 0,3 8-90,-9 1-180,-2-9-89,-2 0-271,-4-1-180,0-1 1,-3 1-810,0 6 180,-24-6 1439,18 3 0,-36-9 0,19-3 0</inkml:trace>
+  <inkml:trace contextRef="#ctx0" brushRef="#br0" timeOffset="160433">24548 13616 11580,'19'15'-989,"3"-3"-810,22-12 630,-1 0-630,-6 0 1799,-3 0 0,-12 0 0,1 0 0</inkml:trace>
+  <inkml:trace contextRef="#ctx0" brushRef="#br0" timeOffset="160900">24918 13374 11940,'0'30'90,"0"6"-90,14-9 0,-11 7 0,10-8 0,-13 0 0,0-1-90,11-1-90,-9-1 0,9-4 90,-11-3 90,0-3-719,4-3 539,0-6 180,2-19 0,-3-11 0,-2-9 0,1-17 0,0 18 0,4-28 270,-2 26 180,7-19-181,-3 26 1,3-2 0,-2 17 0,3 5-180,0 4 270,8 3-270,-4 2-90,10 20 0,-12 5 0,9 27-90,-12-13-270,3 4-540,-2-3 181,-3-9-900,10 16 719,-6-24-1438,14 9 2338,-8-19 0,8-2 0,-4-8 0</inkml:trace>
+  <inkml:trace contextRef="#ctx0" brushRef="#br0" timeOffset="161267">25600 13378 10231,'-24'-11'1619,"3"-1"-1259,-7 4-90,-7 1-180,8 5 0,-8 0-90,3 17 0,13-12 0,-5 26 0,13-6 0,-8 14-90,18-3-90,-5-5 0,6-8-90,18-3 90,-13-2-180,28 2 181,-11-11-181,16 5 360,0-11 0,-4-15 0,-9-6 450,-10-17-1,-8 4-269,-5 1-180,-2 9-360,0 25-539,0 11-720,0 23 90,13-2 359,-9-3 1170,23-14 0,-23-6 0,10-11 0</inkml:trace>
+  <inkml:trace contextRef="#ctx0" brushRef="#br0" timeOffset="161801">25745 13353 10051,'0'11'1979,"14"4"-1889,-10 23-90,10-8 0,-14 0 0,7 0-90,-5-8-180,10 8 90,-8-14-89,2-4-91,-2-7 270,-2-5-180,2-38 270,0 18 0,3-44 90,-1 37 90,1-10-90,0 15 0,-2 2 269,0 4 1,2 1-90,-1 8-90,3 1-180,-2 6 180,2 18-180,-2 2 0,2 2 0,-1 25 0,0-30-90,0 35 0,-1-31-180,1 5 270,-4-9-270,2-9-89,-3 0 359,0-8 0,2 0 0,-1-18 0,5-2 0,-4-2 179,7-12-89,-5 14-90,2-2 270,-3-4 0,-3 18-270,3-4 90,-2 6-180,1 6 180,0 17-180,0-13-180,2 28-180,-1-28-269,0 28-990,4-11 809,-2 9 900,7 2 0,-4-14 0,3 2 0</inkml:trace>
+  <inkml:trace contextRef="#ctx0" brushRef="#br0" timeOffset="162111">26337 13514 9961,'4'0'1439,"0"0"-1259,-1 0-90,-1 0-90,3 0 0,-2 0 90,2 0-90,0 0-90,3 0 90,5 0 0,-2 0 0,7-12 0,-9 9-90,2-18 0,-7 6 90,-1-12 90,-3 5 90,0-1 0,-18 6-180,14 4 360,-27 2-270,19 6-270,-2 43-719,5-7-1,9 33 180,18-29-269,-13-6 989,27-11 0,-12 1 0,15 0 0</inkml:trace>
+  <inkml:trace contextRef="#ctx0" brushRef="#br0" timeOffset="162393">26647 12952 12030,'14'16'-270,"-10"8"-539,11-10-271,-15 8-359,8-4 1439,-6-6 0,6-6 0,-8-3 0</inkml:trace>
+  <inkml:trace contextRef="#ctx0" brushRef="#br0" timeOffset="162535">26707 12872 10051,'34'0'1619,"-2"0"-1619,-10 19-270,-3 4-539,-10 11-270,2 0-451,-10-6 1530,2 5 0,0 0 0,-1 2 0</inkml:trace>
+  <inkml:trace contextRef="#ctx0" brushRef="#br0" timeOffset="162833">27362 13753 10861,'22'-14'-180,"10"3"-630,30 2 271,-8 1-766,-17 3 1,0 0 834,10-7 0,10 11 0,-19-4 0</inkml:trace>
+  <inkml:trace contextRef="#ctx0" brushRef="#br0" timeOffset="163000">27550 13722 10861,'53'0'-2249,"-10"0"990,-3 0 1259,-8 0 0,0 0 0,1 0 0</inkml:trace>
+  <inkml:trace contextRef="#ctx0" brushRef="#br0" timeOffset="163237">27682 13335 10681,'0'-8'1439,"17"4"-989,11 1-360,24 3 0,-7 13-368,0-10 278,-15 24 0,-3-23 0,-2 29-180,-4-3-270,-2 11-899,-10 21 180,-1-20-1069,-8 16 349,-16-14 1889,12-1 0,-29 0 0,11 0 0</inkml:trace>
+  <inkml:trace contextRef="#ctx0" brushRef="#br0" timeOffset="164500">28718 13276 10681,'-39'14'989,"-3"8"-989,4 10-1428,1 2 1428,12-2-90,3-1-180,-3 17 180,10-15 93,2 18-363,9-27-125,4 4-144,21-19 359,2-17 180,21 4 0,-4-45 90,-16 27 0,-7-11 0,-4-2 0,-10-1 90,17-14-180,-18 15 270,5-1-180,-7 1 270,0-1-1,0 1-179,0 3 180,0-12 0,-14 16 651,10-15-921,-10 25 540,14-5 899,0 15-1259,0 22 0,0 14-270,0 30 180,0-7-135,0-14 0,0 0 45,0 10-360,5 1 0,0 1-89,-3 2-226,7-7 0,1-1-134,-2-5-990,8 16 360,-6-27 1439,-4 3 0,-4-15 0,-2-3 0</inkml:trace>
+  <inkml:trace contextRef="#ctx0" brushRef="#br0" timeOffset="165458">28500 13248 10861,'0'-10'1079,"7"-1"-989,-5 3 0,6 0 630,-8 3-720,5 2 180,4 21-180,1 7 0,6 27 0,-7-10 0,7 19 0,-5-28 0,0 12 0,-2-18 0,-3-1-90,1-3 0,-1-4 270,-2-4-180,0-3-1080,-2-4 900,-1-18 0,-1-9-89,0-13 269,0-2 0,-12 1 0,9-2 0,-10-5 0,13-19 89,18 14 46,-17 8 0,2 2 135,32-1 270,-20-12-270,5 30 90,2 3-181,-8 12-179,10 25 0,-7-17 0,0 40 0,-1-11 0,-4 12-269,3 3-1710,1 14 899,-4-23 135,-2-5 1,1-1-405,1-5 501,3 4 0,-3-16 0,1-2 0</inkml:trace>
+  <inkml:trace contextRef="#ctx0" brushRef="#br0" timeOffset="165750">29067 13369 10051,'0'-13'1349,"-15"3"-989,11 2-180,-11 2 270,15 1-360,-9 2-90,-1 17 0,-2 7 90,0 1-180,11 14 180,-5-20-180,6 22 0,22-11 90,1-1-90,21-12 90,-4-7-90,-3-23 90,-7-4 0,-12-20-540,-10-12 270,-8 14-809,-18-11 360,14 29-2789,-33-4 3508,17 16 0,-3 1 0,8 7 0</inkml:trace>
+  <inkml:trace contextRef="#ctx0" brushRef="#br0" timeOffset="165950">29435 13362 10411,'0'12'1169,"0"-2"-1169,0 11 0,0-6 0,0 6-90,0-3-629,0 1-1,0 2-89,0 0-181,0-1-179,13 0 1169,-9-1 0,9-1 0,-13 0 0</inkml:trace>
+  <inkml:trace contextRef="#ctx0" brushRef="#br0" timeOffset="166105">29572 13308 9512,'0'-3'-60,"0"0"0,0 3 0</inkml:trace>
+  <inkml:trace contextRef="#ctx0" brushRef="#br0" timeOffset="166350">29122 12911 10771,'37'0'1259,"-2"0"-1169,-4 15-90,-13 0 0,4 2-270,-20 11-180,8-14-269,-10 16-1530,0 11 450,0-7 1799,0 14 0,-16-14 0,-3 1 0</inkml:trace>
+  <inkml:trace contextRef="#ctx0" brushRef="#br0" timeOffset="167523">29715 13682 9422,'36'0'629,"-8"-17"-449,2 13 0,-10-32-90,2 32-90,-3-37 90,6 8 0,-7-11 0,-1-1 0,-8-6 90,-5 10-90,-3 4 0,0 0-90,-1-10-801,0-11 891,0 19 0,-19 1-52,15-7 52,-15 14-90,3-4 90,12 17 0,-12 7 0,7 4-90,1 21 975,-8 15-1065,6 10 180,0 8-372,4-4 282,2 4 0,2 3 0,1-13 0,2 0-180,-1 18-135,8-10 0,1-2-378,-4 3 333,27 10-89,-29-26 179,29-4 0,-17-5 0,16-5 0,-8-5 0,0-4 238,6-5 32,-7-1 90,9-17 0,-15-5 180,0 1 0,-8-20 90,-4 23-1,0-19 541,-3 3-630,0 8-270,-1-2 0,0 8 525,0 7-345,0 18-270,0 13-180,0 23-450,15 4 360,-11-7 1,24-5-361,-8-14 360,-2 2 0,25-11 180,-28-1 91,28-10 178,-25 0-178,2-19 178,-10 14 181,-4-33 360,-2 22-270,-3-25 0,-1 15-91,0-5-89,0 7 540,-16 5-720,13 20 0,-13 9 0,33 26-270,-13-1 90,29-13 90,-29 7-180,25-26 90,-25 19 180,24-20-179,-18 7 179,17-9-90,-12 0 90,4-16 90,-9 12 269,-1-27 451,-6 9-360,-2-13-270,-1 1 179,0 9-359,0 27 0,0 9 0,17 27 0,-12-6-90,25-11 180,-27 3-270,19-22 270,-20 15-90,13-16 0,-7 5 0,5-6 90,-4-20 270,-3-3-270,-1-2 90,-2-13 0,-1 23 90,-1-17-90,-1 10-180,2 3 0,-2-2-720,1 8 270,-1 40 1,0-11-1081,13 46 631,-10-33-1800,20 16 2699,-20-19 0,6 1 0,-9-11 0</inkml:trace>
+  <inkml:trace contextRef="#ctx0" brushRef="#br0" timeOffset="167755">30212 13255 10051,'23'-4'270,"0"1"-270,20 2-90,-10 1-539,-16 16-91,3-13-1259,-17 28 1979,5-9 0,-8 7 0,0 1 0</inkml:trace>
+  <inkml:trace contextRef="#ctx0" brushRef="#br0" timeOffset="168067">31400 12951 11940,'14'0'1080,"-1"0"-631,-5 0-269,1 15 180,-2 1-360,0 2 0,1 24 90,-6-23-180,0 25-360,-2-1 180,0-9-629,0 24 359,0-25-1169,0 21 900,0-27-1530,0 20 1260,0-28 1079,0 7 0,-18-21 0,-4-1 0</inkml:trace>
+  <inkml:trace contextRef="#ctx0" brushRef="#br0" timeOffset="168202">31305 13346 10501,'-14'-18'1079,"-7"-5"-989,19-7 0,-8-6-90,10 18 0,0-4-360,18 10-89,-13 3-181,32 2-719,-9 2 449,10 2 900,15 2 0,-19 1 0,10 0 0</inkml:trace>
+  <inkml:trace contextRef="#ctx0" brushRef="#br0" timeOffset="168577">31822 13251 11670,'-42'-29'1440,"3"13"-1440,4 4-90,6 12 180,6 0-180,5 0 90,5 17-180,2 4-90,4 0 180,3 15-270,1-22 270,3 22 0,18-23-90,-13 13 270,29-23-180,-30 16 0,28-17 90,-12 5 0,14-7 0,-6-14 90,-12-3 180,0 0 0,-14-10 0,4 12-270,-6-11-450,0 30-359,0 8 179,0 27-90,0-9 1,14-10-810,-10 2 1529,21-9 0,-12 7 0,10-5 0</inkml:trace>
+  <inkml:trace contextRef="#ctx0" brushRef="#br0" timeOffset="169067">31975 13281 11311,'0'-14'899,"0"2"-899,0 33 90,0-4-180,14 13-270,-10-3 270,10-12 0,-5 2 0,-6 3-179,12-14 269,-10 3 0,7-6 0,-4-17 0,0 10 0,4-25 0,-3 4 269,4-6 1,0-2-270,-2 5 0,1 3 180,-5 7 0,-2 7 90,-2 11-270,-2 17 0,2 4 0,-1 0 0,0 16 0,3-13-90,-1 8-90,3 3 180,-2-24 0,2 12-90,-2-21-90,1 9 90,1-10 90,7 2 0,-3-20 90,8 13-90,-6-28 0,2 28 90,0-32 90,5 16 0,-7-4-270,2-2 90,-8 23 90,-2-7-270,-1 10-719,-3 17-1,-1 7-1529,0 22 361,0-8 1985,0 0 1,0-12 0,0 0 0</inkml:trace>
+  <inkml:trace contextRef="#ctx0" brushRef="#br0" timeOffset="169236">31777 13763 10771,'0'0'0</inkml:trace>
+  <inkml:trace contextRef="#ctx0" brushRef="#br0" timeOffset="169634">30297 14340 12480,'-2'-8'180,"0"2"180,0 6-630,0 20-90,1 4 0,15 0-90,-11 17-89,10-25-811,-13 33 721,0-22-451,0 17 181,0-21-90,0 1 989,0-9 0,0-5 0,0-1 0</inkml:trace>
+  <inkml:trace contextRef="#ctx0" brushRef="#br0" timeOffset="169757">30185 14603 10411,'0'-35'450,"0"9"-450,19-2 0,-15 9-360,43-2-809,-1-8 269,14 7-994,-27 8 0,0 0 365,16-7 1529,-1 2 0,-1 1 0,-1 0 0</inkml:trace>
+  <inkml:trace contextRef="#ctx0" brushRef="#br0" timeOffset="170153">30668 14084 10141,'-14'18'2069,"2"0"-1889,12 19 0,0-11-90,0 2 0,0-6-90,0 3 0,14 0 0,-11 3 90,11 12-180,-14-7 180,9 21-180,-7-22-90,7 8 0,-9-15-90,0-2 180,0-2-90,0-5 0,0-2-90,0-5-809,0-2 1079,0-19 90,0-5 270,0-21 180,16 2-271,-12 0-89,25 17-90,-26-1 0,19 18-90,-12-5 90,8 7-540,3 18-89,-7 2-91,4 2-179,-9 11-181,1-29-89,0 30 1079,9-18 0,-3 3 0,7-7 0</inkml:trace>
+  <inkml:trace contextRef="#ctx0" brushRef="#br0" timeOffset="170437">31047 14451 11311,'-20'-7'989,"-1"3"-989,-13 4 0,16 14-90,7 4 0,11 15-180,17-2 90,5-3 0,17-12 180,2-5-179,-3-11 179,-7 0-90,-14-19-270,-8 1-270,-9-19-269,-20 9-541,0 4 1440,-17 11 0,19 6 0,4 7 0</inkml:trace>
+  <inkml:trace contextRef="#ctx0" brushRef="#br0" timeOffset="170651">31317 14497 11760,'0'27'-90,"0"-3"-180,0 0-89,0-3-271,0 0 0,0 1-719,0 10 540,0-11 809,0 11 0,0-18 0,0 1 0</inkml:trace>
+  <inkml:trace contextRef="#ctx0" brushRef="#br0" timeOffset="170800">31453 14563 10861,'0'-19'270,"0"4"-1282,0 6 0,-13 21 0,-4 5 0</inkml:trace>
+  <inkml:trace contextRef="#ctx0" brushRef="#br0" timeOffset="171027">30945 14241 10591,'19'-9'899,"-5"0"-809,-14 4-90,14 1-539,-4 2-1260,6 15 1799,-9 7 0,-7 11 0,0 0 0</inkml:trace>
+  <inkml:trace contextRef="#ctx0" brushRef="#br0" timeOffset="171216">31063 13964 11311,'37'-3'0,"2"1"0,-2 2-360,3 0-630,11 17 91,-15-13-1401,9 29 321,-22-29 2062,-2 31 1,-5-21 0,-2 17 0</inkml:trace>
+  <inkml:trace contextRef="#ctx0" brushRef="#br0" timeOffset="171500">32183 14774 12930,'-28'0'269,"12"20"-718,-6-15-1,14 38-270,-12-26-1528,-1 35 898,0-20-1939,-7 13 3289,1-15 0,-3 2 0,-4-1 0</inkml:trace>
+  <inkml:trace contextRef="#ctx0" brushRef="#br0" timeOffset="172467">22442 15696 11041,'-18'27'-630,"13"-1"0,-24-13-179,26 9 89,-9-12 1,2 9-361,7-6 1080,-7-1 0,10-1 0,0-1 0</inkml:trace>
+  <inkml:trace contextRef="#ctx0" brushRef="#br0" timeOffset="172588">22422 15783 9512,'10'19'-720,"-2"4"-719,-4 12 1439,-2-2 0,6-5 0,-4 0 0</inkml:trace>
+  <inkml:trace contextRef="#ctx0" brushRef="#br0" timeOffset="173806">22990 16163 11670,'0'-18'270,"0"3"-270,0 6 0,0 3 0,-13 3 0,9-2 0,-9 0 0,13-2 0,-9 1 0,7-1 90,-14 0-90,14 0 90,-15 0-90,11 0-90,-15-1 90,7 3 0,-13 2 0,9 3 0,-4 0-90,5 14 90,4-10-90,2 11 0,2 2 90,4 2 0,2 17 0,22-9 0,3 7 0,1-13 0,14 5 0,-12 1 0,-1-10 90,11 11 90,-21-15 270,4 5-360,-2-10-180,-15 0-540,-18-6-809,-4-1-990,-23-15 900,13 10 1529,11-22 0,9 23 0,11-9 0</inkml:trace>
+  <inkml:trace contextRef="#ctx0" brushRef="#br0" timeOffset="174001">23370 16240 10681,'2'26'1259,"-1"-4"-1259,-18-1 0,13-5-450,-13 3-89,17-5-271,0 0-269,0-4 89,0-1-629,0 0 1619,0-1 0,0-1 0,0-1 0</inkml:trace>
+  <inkml:trace contextRef="#ctx0" brushRef="#br0" timeOffset="174200">23342 15965 10951,'-8'-10'629,"5"1"-629,-8 2-90,10 2 90,-3 0-5486,4 3 5486,21 0 0,-15 17 0,15 4 0</inkml:trace>
+  <inkml:trace contextRef="#ctx0" brushRef="#br0" timeOffset="174422">23665 16057 10591,'25'0'1529,"-1"12"-1439,-4 5-90,-5-2-90,-9 16 90,-3-17-450,-3 29-89,0-16-1080,0 21 719,-15-21-179,11 6-360,-12-14 1439,16-2 0,0-4 0,0 0 0</inkml:trace>
+  <inkml:trace contextRef="#ctx0" brushRef="#br0" timeOffset="174737">23817 16309 10321,'11'0'720,"1"0"-450,4 0-360,-3 0 269,6 0-179,-1 0 0,12 0 0,-6 0-89,17-15-1,-18 11 90,3-21-180,-7 11 180,-10 1 90,0-19-90,-8 21 90,-1-16-90,-15 12 269,11 3-179,-12-1 270,-1 1 0,-2 5-270,-16 0 0,8 7-90,11 17-180,5 4-90,11 19-360,0-9-1258,26 10 718,-19-18 1170,25-4 0,5-3 0,-11-5 0,36 2 0</inkml:trace>
+  <inkml:trace contextRef="#ctx0" brushRef="#br0" timeOffset="175033">24397 15747 11760,'36'11'-180,"-13"2"-359,0 0-1260,-21 7 809,9-8-269,-11 4 1259,0 0 0,0-7 0,0 0 0</inkml:trace>
+  <inkml:trace contextRef="#ctx0" brushRef="#br0" timeOffset="175182">24570 15716 10591,'24'0'270,"-10"20"-270,7-15-90,-19 33-630,17-23-359,-13 19-450,6-6 1529,-4 3 0,0 1 0,0 1 0</inkml:trace>
+  <inkml:trace contextRef="#ctx0" brushRef="#br0" timeOffset="175534">25087 16279 11760,'33'0'180,"5"0"-630,-12 0-269,6-11-181,-7 8-1258,14-9 359,-9 3 1799,8 7 0,-13-7 0,-1 9 0</inkml:trace>
+  <inkml:trace contextRef="#ctx0" brushRef="#br0" timeOffset="175700">25243 16404 11490,'48'1'-1439,"-8"1"360,5-17-1851,-9 12 2930,4-12 0,1 15 0,1 0 0</inkml:trace>
+  <inkml:trace contextRef="#ctx0" brushRef="#br0" timeOffset="175968">25385 16061 12390,'29'14'225,"7"-13"0,1 1-225,-6 25-1161,5-25 1,2-1 1250,3 24-180,-1-15 888,-2 12-977,3 7-1,-20-4-270,8 25-180,-27-16-269,7 13-181,-29-10-174,14 3-815,-39 1 2069,39 0 0,-44 1 0,17-2 0</inkml:trace>
+  <inkml:trace contextRef="#ctx0" brushRef="#br0" timeOffset="176289">26687 15769 12120,'-11'14'450,"2"4"-450,9 11 90,17 1-90,-13-1-90,13 4 90,-17 3-180,0 4-180,13 0-809,-10 19 179,9-16-134,-11-8 0,-2-1 969,1 1 1,0 6 0,0-17-1</inkml:trace>
+  <inkml:trace contextRef="#ctx0" brushRef="#br0" timeOffset="176516">26813 16032 11311,'-33'0'1169,"1"0"-1169,13 18 0,-5-14 0,21 28-270,-13-11-90,14 6-90,-4 4-269,6-10-181,0 3-89,25-2-180,-19 0-630,41-4 1799,-28-2 0,22-3 0,-9-1 0</inkml:trace>
+  <inkml:trace contextRef="#ctx0" brushRef="#br0" timeOffset="176685">27145 16182 11221,'0'-13'629,"0"19"-1798,0 8-720,0 22 1889,0-1 0,13 1 0,4-1 0</inkml:trace>
+  <inkml:trace contextRef="#ctx0" brushRef="#br0" timeOffset="176867">27185 15949 10681,'0'-8'-2069,"0"2"1080,0 15-853,17-7 1842,-13 25 0,30-24 0,-14 11 0</inkml:trace>
+  <inkml:trace contextRef="#ctx0" brushRef="#br0" timeOffset="177073">27623 16058 10501,'-22'-12'1439,"-3"2"-1259,-3 3 0,-10 5-180,16-6 0,-12 8 0,14 20-540,9 2 180,11 19-359,0-9 89,18-12-359,-13 5-91,37-20-539,-21 20 1619,25-23 0,-9 8 0,1-10 0</inkml:trace>
+  <inkml:trace contextRef="#ctx0" brushRef="#br0" timeOffset="177467">28020 15446 12480,'0'51'719,"0"-8"-629,0 6-626,0-7 446,0 3 180,0 3-90,13 1-824,-9 0 824,9 0 0,-5-17 0,0 1 0,5 15-180,-1-13 0,1 0 0,-2-2 288,1 5-197,-11-22-181,7-3-90,-7-6 428,4-2-158,-1-3 776,0-2-596,6-18-42,-3 14 42,11-30 0,-4 12 270,9-12-270,-8 13 0,2 0-90,-7 19 90,-1-6-90,-2 8 0,0 0 0,-2 21-540,0 7-89,-4 10-181,-1 0-359,0-11-181,0 0-718,0-1 2068,0-5 0,-15-8 0,-5-6 0</inkml:trace>
+  <inkml:trace contextRef="#ctx0" brushRef="#br0" timeOffset="177653">27348 15371 9332,'-15'49'-342,"6"-15"0,1 1 0,1 13 0,0 18 1</inkml:trace>
+  <inkml:trace contextRef="#ctx0" brushRef="#br0" timeOffset="178051">29355 16116 11940,'-21'-3'270,"4"1"0,-2 0-180,0 0-180,-16 2-270,7 21-270,4 0-269,12 20 179,4-4-1079,29-8 450,-15 1 1349,36-20 0,-36 6 0,15-9 0</inkml:trace>
+  <inkml:trace contextRef="#ctx0" brushRef="#br0" timeOffset="178367">29567 16100 10321,'-33'-6'1259,"14"19"-1259,6 9-90,13 20-89,14-9-181,-10 0 90,29-11 0,-29-1 0,35-1 90,-21-3-90,17-3 181,-7-7 89,-1 2 0,6-8-90,-10 3 180,3-4-1,-13-14 91,-3 10 90,-6-23 180,-2 10-180,-2-13-270,-21 13 0,15-8 0,-32 13-90,20-1-1529,-13 0-180,6 12 1799,11 14 0,5-9 0,9 14 0</inkml:trace>
+  <inkml:trace contextRef="#ctx0" brushRef="#br0" timeOffset="179003">29677 15919 10951,'0'-7'809,"0"1"-539,0 2-90,0 1 180,0 0-1350,0 16-539,0 3-180,0 12-860,0-1 2569,0-6 0,0-9 0,0-3 0</inkml:trace>
+  <inkml:trace contextRef="#ctx0" brushRef="#br0" timeOffset="179204">29982 15775 10141,'5'0'900,"0"0"-810,-1 0-90,1 0 90,1 14-90,0-10-90,2 10 0,2-14-1080,8 12 181,-1-9 989,16 8 0,-9-11 0,8 0 0</inkml:trace>
+  <inkml:trace contextRef="#ctx0" brushRef="#br0" timeOffset="180823">30458 15952 8072,'0'-5'630,"0"0"-180,0-3 179,0-2-179,0-1 0,0-1 0,0 2-91,15 1-179,-11 0 90,11 1 90,-15 0-180,0 2 90,0-2 269,0 4-539,0 23 0,0 11 90,-20 14-180,15 3-404,-35-6 134,22 4-269,-18 2-181,15-12 1,1 2-361,-11 17-629,7-8 0,1 1 1799,1 5 0,9-18 0,1-2 0,0 11 0</inkml:trace>
+  <inkml:trace contextRef="#ctx0" brushRef="#br0" timeOffset="181690">30888 16208 9691,'-16'-13'1080,"2"3"-630,4-1-540,7 5 180,-7-1 0,1 5-90,-2 1 89,-12 17-178,6-12 89,-7 25 0,13-10 89,-3-2-89,10 11-179,2-14 179,23 2 0,1-5 0,24-28-90,-6-8 90,-1-22-90,-18 6 90,3-18 0,-22 22-90,12-13 90,-12-3 0,2 12 180,-4 7 0,0 1-180,0-1 89,0-15 181,0 31 180,0-1-450,0 58 0,0 8 0,0-10 0,0 1 90,0 27-135,8-29 0,2-1-45,8 18-90,-1-11 0,1-2-90,8 3 0,-8-12 1,-1-2 89,5-2-899,20 8 719,-23-24-90,15 0 360,-23-11 90,4-20 0,-7 15 90,-2-34 90,-2 35 270,-3-35-181,0 25 361,-1-18-180,0 7-450,0 4 629,-16 2-629,13 26 0,-13 9 0,32 23-89,-12-9-721,29 7 450,-29-16-449,26 4 359,-12-6-450,14-11 721,-7 1-1,6-9 180,-18-14 809,6-2-89,-15-14-270,-1 3 179,-3 3-629,-11 11-180,8 18-539,-8 11-361,11 15 451,0-4-91,17-10 720,-13 3 0,13-17 0,-17 5 0</inkml:trace>
+  <inkml:trace contextRef="#ctx0" brushRef="#br0" timeOffset="181884">31540 16190 10051,'8'0'450,"-3"0"-270,-1 0-180,0 0 0,-1 0 90,1 14-180,-1-11 90,3 22-360,0-9-539,2 10 449,-2-11 90,1 4-180,-2-17-269,1 11-360,-1-12 1169,-1 3 0,2-4 0,-1 0 0</inkml:trace>
+  <inkml:trace contextRef="#ctx0" brushRef="#br0" timeOffset="182041">31698 16175 9062,'0'37'90,"0"-2"-270,0-2-720,18-3 541,-13-2-361,32-12-359,-33 1 1079,30-15 0,-30 5 0,11-7 0</inkml:trace>
+  <inkml:trace contextRef="#ctx0" brushRef="#br0" timeOffset="182305">31865 16127 8792,'-19'-2'1619,"5"16"-1259,14 3-360,14 35 90,-10-16 0,9-4 0,2 0 0,0 0 179,13 27-179,-13-25-968,8 11 878,-14-16 185,8-1 84,-10-2 1,5 2-180,-10-9-90,5 0-90,-7-10 628,0-4-1527,-17-2-654,-6-3 473,-19 0-359,19-15 1529,-11 11 0,30-27 0,-11 13 0</inkml:trace>
+  <inkml:trace contextRef="#ctx0" brushRef="#br0" timeOffset="182641">32325 16288 9691,'12'0'540,"0"0"-90,10 0-90,-6-17-180,8 13-90,1-44-1,-6 27 1,-3-10 0,-2-2 90,2-3-90,-5 4 0,-2-1-842,2-7 932,-1-13-320,-5 1 320,-3 13 270,-1-23-360,-1 30-90,0-5 0,0 17 0,-17 5 0,13 4 0,-13 5 90,8 28-90,7-3 0,-7 24 90,9 12-270,0-8-135,0-4 0,0 0 76,0 9-300,0 13-271,20-22 91,-15-5-91,32-1-1079,-9 6 1889,7-15 0,4 4 0,-10-16 0</inkml:trace>
+  <inkml:trace contextRef="#ctx0" brushRef="#br0" timeOffset="182983">32895 16116 10411,'-19'-13'989,"14"-3"-719,-28 15-270,30 13-180,-10 5-89,13 18 269,16-18-180,-12 9 90,33-16 0,-10 3 90,23-6 0,-13-7 90,-1 0-90,-8-16 90,-8 12 269,4-27-179,-16 10 0,1 2 450,-8-16-360,0 16-450,-1-11 180,-15 8-450,2 27-539,-4 23 179,7 8-269,10 11 89,0-17-539,0 2 1529,0-1 0,0 0 0,0-1 0</inkml:trace>
+  <inkml:trace contextRef="#ctx0" brushRef="#br0" timeOffset="183123">32880 16662 10771,'-5'-12'0,"2"-4"0</inkml:trace>
+  <inkml:trace contextRef="#ctx0" brushRef="#br0" timeOffset="183733">28942 17545 11940,'39'-22'0,"-4"-4"0,-15-12 90,9 1-180,-18 9 90,14-2 0,-11 1 0,-1-2-90,-2 4 180,0-12-90,-4 12-90,-1-10 90,-5 19 0,0 2 90,-1 10-90,0 23 0,0 26 0,0 3-360,0-6 1,0-1-181,0 6-180,0 12 271,0-20-271,20-3 0,-15-2 1,28-4-361,-30-2 1080,9-4 0,2-1 0,2-2 0</inkml:trace>
+  <inkml:trace contextRef="#ctx0" brushRef="#br0" timeOffset="183866">29117 17648 9691,'-12'-8'0,"2"-1"-539,10-9-271,24 6-179,-17-3 989,44 4 0,-29-3 0,24 0 0</inkml:trace>
+  <inkml:trace contextRef="#ctx0" brushRef="#br0" timeOffset="184089">29563 17005 10861,'0'32'450,"0"0"-450,13-15-180,-10 13-450,10-17-719,-4 21 539,-6-13-1438,12 12 2248,-13-17 0,7 6 0,-4-11 0</inkml:trace>
+  <inkml:trace contextRef="#ctx0" brushRef="#br0" timeOffset="184255">29635 16878 10141,'0'33'-1169,"11"-15"89,-8 20-808,21-19 1888,-15 20 0,13-9 0,-6 0 0</inkml:trace>
+  <inkml:trace contextRef="#ctx0" brushRef="#br0" timeOffset="184601">29928 17457 10591,'18'-35'1079,"-1"-7"-989,4 7 0,5-5-90,-23 10 0,23-3 90,-24 0-90,20-1 0,-20-1 90,12 0 0,-12-1 0,2-12 90,-4 11-180,0-9 90,0 18-90,0 2 0,0 5 0,-14-1 0,10 10 90,-10 0-180,3 9 180,8 19-90,-8 15-90,5 8-135,5-4 0,0 0-225,-6 13-180,5-4 1,4 0 89,16 6-180,-8-8 1,1-2-919,11 2 559,12 9 1079,-30-22 0,33-5 0,-14-2 0</inkml:trace>
+  <inkml:trace contextRef="#ctx0" brushRef="#br0" timeOffset="184900">30273 17371 11041,'3'-14'719,"-1"-8"-629,5 13 0,1-7-90,4 1 0,2 1 0,3-1 0,4-1-180,3-2 90,1 0-90,1-1 90,1 0-269,8-6 269,-9 5-90,8-11 270,-19 14-180,-3-4 90,-9 9 90,-2 1-90,-1 2 180,0 1 179,-17 4-269,-5 18 0,0 9-90,-10 11-90,28 1 180,-11 5-359,15-8-811,0 18 271,22-22-2070,2 14 2879,2-22 0,15 4 0,-12-11 0</inkml:trace>
+  <inkml:trace contextRef="#ctx0" brushRef="#br0" timeOffset="186035">22700 18200 5914,'0'0'0</inkml:trace>
+  <inkml:trace contextRef="#ctx0" brushRef="#br0" timeOffset="186267">22792 17929 9242,'-16'0'270,"7"16"-270,-5-12 0,9 24-90,-7-26-180,6 22-270,1-21-899,2 23 1439,2-13 0,0 7 0,1-4 0</inkml:trace>
+  <inkml:trace contextRef="#ctx0" brushRef="#br0" timeOffset="186417">22838 18038 8612,'-22'13'-899,"4"5"-91,8 15 990,7-4 0,-7-1 0,10-6 0</inkml:trace>
+  <inkml:trace contextRef="#ctx0" brushRef="#br0" timeOffset="186866">23020 18378 8792,'-6'7'90,"18"-6"-180,7 6 0,0-20 90,8 10-90,-17-26 270,3 13 180,-5-15 0,-8 6 89,0 6-359,0 4 180,-19 9 90,15-3-180,-28 8-180,19 16 0,-3 8-270,6 23-90,10-12-90,22 1-1169,2 0 180,3-10 1439,13 7 0,-34-13 0,15 0 0</inkml:trace>
+  <inkml:trace contextRef="#ctx0" brushRef="#br0" timeOffset="187217">23418 18227 9691,'0'33'900,"0"1"-810,0-5-90,17 1 0,-12-6 90,12 1-180,-5-1 90,-10 2 0,19 9 90,-19-12 90,7 19-180,-9-27-180,0 10 0,0-36 0,0-3 180,-13-29-360,10-7 180,-11 3-719,14-16 359,0 24 0,0-8-1258,0 7 1798,17 14 0,-12-3 0,12 14 0</inkml:trace>
+  <inkml:trace contextRef="#ctx0" brushRef="#br0" timeOffset="187550">23685 18340 9602,'0'6'539,"0"1"-269,0-3-180,0 1 0,0 8-90,0-1 0,13 17 90,-9-12-180,9 10 180,-4 0-90,-7-9 0,14 10 270,-14-17 179,9 6-538,-8-13 89,0-16-90,-1-11-360,-2-40 270,0 20-270,-1 7 0,2 0-179,17 2-630,-13-15 449,26 24 810,-27-2 0,24 14 0,-10 2 0</inkml:trace>
+  <inkml:trace contextRef="#ctx0" brushRef="#br0" timeOffset="187869">24102 18305 10681,'-21'5'1259,"-2"-1"-1169,-13-4-180,5 0 90,10 0 0,9 16 0,6 7 0,6 13 0,17-15-180,-13 9 180,31-19-90,-31 12 0,38-14 0,-11 3 90,12-10 0,8 3-90,-22-5 90,3 0-89,-13-13 89,-6 9 0,-6-25-90,-3 8-270,-25-20 90,15 6-450,-34 3-629,15 6 450,1 10 899,-16-3 0,22 13 0,-19 1 0</inkml:trace>
+  <inkml:trace contextRef="#ctx0" brushRef="#br0" timeOffset="188220">24398 18259 9781,'0'31'810,"0"1"-900,0-8 180,0 1-180,0-4 180,0 0-90,0-2-90,0 1 90,14-1 90,-11 0-90,10-3 0,-5 5 0,-5-8 90,5 4-270,-8-11 180,0-15 0,3 6 0,-2-33-270,10 3 270,-6-10-309,7-6 129,-1 11 0,1 1-270,2 0-719,5-8 359,-3 13 810,7-11 0,-7 23 0,2-2 0</inkml:trace>
+  <inkml:trace contextRef="#ctx0" brushRef="#br0" timeOffset="188634">24887 17932 9871,'0'-4'540,"0"1"-810,0 16-719,0 2-1,10 17 1,-7-4 989,7 0 0,-10-5 0,0-4 0</inkml:trace>
+  <inkml:trace contextRef="#ctx0" brushRef="#br0" timeOffset="188766">24943 17923 9602,'16'-7'449,"-2"1"-449,4 22-360,3-12-359,-18 31-450,17-17 1169,-10 19 0,6-6 0,-4 2 0</inkml:trace>
+  <inkml:trace contextRef="#ctx0" brushRef="#br0" timeOffset="189032">25602 18393 12750,'49'0'-90,"0"0"-360,-9 0-1869,3 0 1600,4 0-91,1 0 1,0 0-1170,19 0 1979,-19 15 0,13-11 0,-23 11 0</inkml:trace>
+  <inkml:trace contextRef="#ctx0" brushRef="#br0" timeOffset="189499">25863 18589 9871,'44'0'-1259,"2"-14"180,-8 11 1079,0-11 0,-9 4 0,0-2 0</inkml:trace>
+  <inkml:trace contextRef="#ctx0" brushRef="#br0" timeOffset="189785">26022 18228 10861,'-6'0'2069,"25"15"-2069,6 2 0,25 17 0,-12-6 0,-2 1 0,-12-4 0,-3 0-180,-8 3-180,5 15-90,-15-8-90,7 10-1348,-10 2 718,0-13 1170,-17 22 0,12-26 0,-13 5 0</inkml:trace>
+  <inkml:trace contextRef="#ctx0" brushRef="#br0" timeOffset="191503">22087 18732 9332,'-9'-10'1079,"2"-1"-719,0 2 0,2-2-91,-1-1 1,0 0-180,1-4-90,1 6 0,2-3 0,1 7 0,1 2 0,0 1 90,17 21-270,1 1 0,16 24 90,-17-12 1,11 2-91,-12 2 0,7-8 90,-10 8 0,3-2 90,-11-9 0,7 11 0,-10-16 0,-1 1 0,-1-8 0,0-1 0,0-2-90,-16 2 90,12-4 90,-11 1-180,0-4 90</inkml:trace>
+  <inkml:trace contextRef="#ctx0" brushRef="#br0" timeOffset="195417">23152 15115 7623,'-37'-24'539,"7"6"-449,-11-7 0,9 8 180,-4 0-270,-1 0 90,-3 2-444,-2 0 354,-3 4-3216,-2 1 3216,-1 4 0,-4 2-223,0 2 223,-2 2 0,-2 0 90,-2 16-90,-1-12 0,30 10 0,-2 2 45,-13-3 0,0-1 45,11 3 0,-1 2-45,-22 8 0,1 0-1,23-10 1,1 2-15,-8 7 0,-4 4 0,5-3 60,9-4 0,0 2-45,-21 20 0,3 1-45,8 3 135,9-5 0,1 2-45,-2 12 0,8-7 0,2 1 0,1 11-90,7-21 0,2 1 90,6 0 0,1-1 0,-1 23-90,3-10 0,1-1 90,1 9-1143,9-10 0,4-1 1053,9 7 45,-10-20 0,2-1-74,21 11 29,-20 0 0,17-2 0,-12-15 0,0 1 90,12 14-90,0-7 0,1-2 0,12 4 0,-3-7 0,3-1 0,-16-15 0,0 0 804,9 4 0,1 0-804,19 6 0,-2-2 0,0-1 0,0-5 0,0 0 0,0-2 0,-16-7 0,2-1 0,20 4 0,-7-4 0,0-1 45,-21-4 0,0-1-45,28 0 0,0 0 0,-22-2 0,0 0 0,12-1 0,4 0 0,7-7 0,-1 0 0,-14 6 0,3-2 0,4-3 0,6-4 0,-5 1-207,-5 2 0,0-1 267,3-2 0,5 0 0,-6 0 692,-5 3 0,-3-2-797,13-6 0,-3 2 45,-18 11 0,-2 0 0,-3-10 0,0-2 90,30 6-45,-22-4 0,0 0-135,17-1 135,-12 3 0,-1-1 45,1-3-145,-9 2 0,0-1 145,1-5 90,21-15-180,-26 12 0,6-9 180,-13 9 399,-4-1-579,-1-2 0,5-12 0,-7 9 180,10-23-180,-14 21 0,7-22 0,-12 21 0,3-7 0,-2 1 90,-4 8-90,6-16 0,-7 17 750,4-17-750,-4 18 0,0-9 0,-2 11-90,-1-3 180,0 1-90,1-15 90,-2 11-180,-1-25 180,0 22-180,0-11 180,-17 13-90,13-2 0,-28-1 0,28 0 0,-31-2 1343,18-1-1343,-10 11 0,-2-1 90,-10-13-420,1 6 0,-2 1 330,-12-6-45,6 7 0,-3 0 45,18 13 0,-1 1 0,-9-5 0,-1 1 45,9 6 0,2 1-90,-3 0 0,-1-1 45,0 2 0,-2-1 0,-22-6 0,-3 1-45,14 5 0,-2 0 15,-9 0 0,-6-2 0,5 2-609,2 2 0,0 0 549,9 4 0,-5-1 0,0 0 0,5 2-852,-13-2 0,2 1 792,8 1 0,-2 1 1,0 0-451,2 2 0,0 0 1,3 0-76,-10 0 1,-1 1 674,11 1 0,-2 0 0,3 1 0,-4 1 0,3 0 0,0 1 0,0 0 0</inkml:trace>
+  <inkml:trace contextRef="#ctx0" brushRef="#br0" timeOffset="231265">3258 757 9961,'0'-9'1529,"0"2"-1259,0-2 180,0 1-180,0-3-90,0 0 90,0 1-180,0-1 89,0 2 1,0 0 0,0 1 0,0 1 0,0 0 0,0 0 0,0 1 0,0 0 90,0 2-180,0 0-90,0 17-270,-43 3 180,19 20-601,-6-21 1,-1-1 510,0 19 0,-1-7 0,1 0-90,-7 10 180,13-10-270,-3 14 450,19-18-180,2 14 180,6-15-180,27 4 90,-20-6 90,45-3-180,-29 1 180,26-2-90,-9 0 0,1 0-90,18 5 90,-18-5-90,19 10 180,-32-12-90,2 5 1112,-21-1-1202,-2-4-270,-6 15 90,-26-9-719,-9 15 269,-15-13-405,17-7 1,1 0-225,-9-2 1349,-10-2 0,18-7 0,2-3 0</inkml:trace>
+  <inkml:trace contextRef="#ctx0" brushRef="#br0" timeOffset="231505">3097 628 10141,'0'-4'2339,"4"2"-2159,1 22-90,2-15 0,2 59-90,-3-32 0,-2 1 0,0 5-45,1 1 0,0 0-135,3 24-180,-1-7 0,1 0-244,-3-23 1,1 1-72,2 22 1,1 0-226,3 7-315,-2-12 1,0 0 1214,2 4 0,-4-20 0,0-1 0,2 10 0</inkml:trace>
+  <inkml:trace contextRef="#ctx0" brushRef="#br0" timeOffset="231899">3648 1464 8702,'18'-17'0,"-3"13"90,11-52 0,-8 30 0,-1-12 0,-1-3 90,2-2 44,-2 5 1,-2 1-1597,-1-6 1731,2-11 211,-9 11-481,-2 14 91,-2-6 450,-1 22-143,-1 26-577,0 17 180,0 35-180,0-10 45,0-15 0,0-1-636,0 7 51,0 13 1,15-22-91,-11-3-90,12-3-1258,-5 8 2068,-1-12 0,3 5 0,-6-13 0</inkml:trace>
+  <inkml:trace contextRef="#ctx0" brushRef="#br0" timeOffset="232050">3797 1552 9781,'0'-23'180,"0"4"-180,22-3 0,-17 2-855,27-4 1,5-1-315,-11-10 1038,7 6 1,1 0 0,1-7 0,2-1 0</inkml:trace>
+  <inkml:trace contextRef="#ctx0" brushRef="#br0" timeOffset="232235">4252 786 10231,'0'39'540,"0"2"-450,0-10-180,0 0 180,0-7-270,0 2-180,18-2-1259,-1 8 630,5-10 989,5 10 0,-9-18 0,15 1 0</inkml:trace>
+  <inkml:trace contextRef="#ctx0" brushRef="#br0" timeOffset="232417">4270 546 9602,'-8'-6'-360,"3"17"-1709,18 5 2069,-8 19 0,33-8 0,-11 1 0</inkml:trace>
+  <inkml:trace contextRef="#ctx0" brushRef="#br0" timeOffset="232759">4702 1266 9512,'6'0'449,"5"-34"-269,-2 10-45,0-13 0,0-3-45,4-6-1342,-4 13 0,0 1 1252,3-19 90,-2-1 0,-1-1 135,-6 16 0,0-1-45,0-17-91,-2 20 1,-1 1 360,0-8-270,0 4 692,0 7-872,-14-1 90,10 14 690,-11 1-690,4 12-90,8 20 0,-8 15 0,11 32-180,15-6 123,-7-12 1,1 0-394,9 11-225,-4-9 1,1 0-136,10 3 360,-10-18 1,2-2-1890,29 19 2339,-19-16 0,7 6 0,-14-18 0</inkml:trace>
+  <inkml:trace contextRef="#ctx0" brushRef="#br0" timeOffset="233050">5097 1103 11131,'14'-15'269,"-10"3"-269,11 0 0,4 2 0,-15-1-89,31-4 89,-31 0 0,29-2 0,-22-1-90,7 1 90,1-1 90,-12-8-90,9 5 359,-11-14-89,-1 14-90,-4-2-180,-16 8 180,13 4-90,-13 4 180,0 4-360,1 20 180,-5 10-360,9 26 0,11-8-703,0 5 73,21-15-359,-16 1-450,43-4 1709,-21-3 0,25-4 0,-6-4 0</inkml:trace>
+  <inkml:trace contextRef="#ctx0" brushRef="#br0" timeOffset="233891">6152 532 11311,'0'-10'809,"-20"1"-719,16-1 0,-16 1 90,7-4-270,-4 5 180,1-2-90,-25 7-90,24 1-180,-35 1 90,25 17-360,-17-12 361,21 28 89,-6-28-180,12 24 180,5-12-360,1 13 90,8-5 270,0 0 0,3-8-89,0 1-91,0-2-360,0 7 540,17-6-450,-12 16 360,12-14-179,-5 20 179,-10-17-90,10 10-270,-12 1 270,0-7 1,0 16 269,0-15 269,-16 17 1,12-18 360,-12 6 89,5-6-539,8-9 360,-8 5-270,11-14-180,19-2 0,2-4-90,23-15-180,1 11-270,-6-22-1439,14 22 1889,-22-17 0,12 17 0,-13-6 0</inkml:trace>
+  <inkml:trace contextRef="#ctx0" brushRef="#br0" timeOffset="234267">6603 445 11670,'0'-12'180,"-14"1"180,11 4-360,-11 3 0,14 1-720,-10 1 91,3 2-720,-4 15-271,7 0-358,4 12 1978,0-6 0,0-9 0,0-4 0</inkml:trace>
+  <inkml:trace contextRef="#ctx0" brushRef="#br0" timeOffset="234375">6572 487 9152,'0'31'-698,"0"3"1,0-6 0,0 2 0</inkml:trace>
+  <inkml:trace contextRef="#ctx0" brushRef="#br0" timeOffset="234766">6985 604 10141,'-24'-3'0,"1"1"-90,7 19 90,4-13-360,5 28 181,4-15 269,3 16-180,0-7 90,21-2 0,-15-7 0,34 7 90,-16-7 89,18 10 91,-18-13 180,7 2 90,-28-7-181,16 0 1,-17-2-360,4 0 90,-6-2-180,0 1 90,0-3-629,-20-2-1260,1 0 0,-19-1 1889,11 0 0,10-19 0,7-4 0</inkml:trace>
+  <inkml:trace contextRef="#ctx0" brushRef="#br0" timeOffset="234949">7262 636 9512,'7'18'719,"1"-14"-269,4 29-360,-4-30-180,5 31 180,-6-21-630,2 26-89,-2-17-91,-1 8-180,-2-9-449,-1-1 1349,0-3 0,0-1 0,0-2 0</inkml:trace>
+  <inkml:trace contextRef="#ctx0" brushRef="#br0" timeOffset="235134">7292 504 9332,'19'17'-780,"-14"8"1,14-13-1</inkml:trace>
+  <inkml:trace contextRef="#ctx0" brushRef="#br0" timeOffset="235391">7617 576 10771,'4'0'1259,"3"0"-989,-3 0-270,4 13 0,-3-10 0,3 29 0,-4-18-360,1 28 0,-4-19 1,-1 11-541,0-1 360,1-6-719,1 11 629,2-18-1461,2 3 2091,-1-13 0,2-3 0,-2-4 0</inkml:trace>
+  <inkml:trace contextRef="#ctx0" brushRef="#br0" timeOffset="235703">7758 752 9961,'9'0'720,"1"0"-540,-1 0 0,2 0-90,4 0-180,-3 0 90,12 11 0,-10-8-90,6 7-270,1-10 90,-5 0 90,7 0 180,-13-15-180,1 12 180,-8-28 180,-2 15 90,-21-11-90,16 6 270,-34 10 179,18 4-449,-11 7 0,14 15-180,8 7 0,9 18-180,0-6-180,17-1-89,-12-11-1,28-1-270,-29-4-359,35-1 1079,-3-2 0,11-7 0,4-1 0</inkml:trace>
+  <inkml:trace contextRef="#ctx0" brushRef="#br0" timeOffset="236005">8147 354 11041,'0'-5'270,"0"0"-91,0 1-718,0 16-1440,17 4 1259,-3 1-1169,6 9 1889,-10-17 0,-4 3 0,2-5 0</inkml:trace>
+  <inkml:trace contextRef="#ctx0" brushRef="#br0" timeOffset="236150">8255 347 11041,'22'14'-1529,"-1"5"269,-3 20-539,-4-5 1612,-1 2 0,-5-7 0,-1-1 0</inkml:trace>
+  <inkml:trace contextRef="#ctx0" brushRef="#br0" timeOffset="236807">8612 300 10411,'-16'0'270,"4"0"90,1 0-360,30 0 90,3 0-90,32 0 0,-14 0-616,3 11 526,-12-9-96,-2 10 276,0-12-90,2 7 0,-7-6 0,-1 6 90,-10-2 90,-5-1-90,-3 6 507,-1-4-597,-4 7 384,0-4-384,-16 5 0,12 7-90,-29-3 90,19 19 0,-5-13-90,9 9 90,10 4-90,0-9 1,0 25 89,15-21-90,5 22 90,-1-23 0,11 7 0,-12-3 0,1-10 90,5 11 89,-21-18-89,14 6 0,-16-14-90,6 1 0,-7-5 0,0 0 0,-24-2-90,-3 2-179,-2-2-901,-34 0 361,39-1-586,-11-3 1,-1 0 1394,6 1 0,-9-1 0,16 0 0</inkml:trace>
+  <inkml:trace contextRef="#ctx0" brushRef="#br0" timeOffset="237333">9417 339 11850,'-7'-6'720,"-3"2"-540,4-1 0,-3 3 179,6 0-269,0 15-180,19 3 180,-11 20-90,26-10 0,-28 5 0,28-10 0,-16 1-90,25 10 90,-14-9-90,18 18 1,-19-18 178,7 5-89,-5-4 0,-8-8-89,4 9 178,-13-14-89,-1 6-89,-6-9 89,-3 2-180,0-5-90,-17-1-90,12 1-899,-29-2-900,12 0-908,-16-1 3067,6-2 0,12 0 0,10 0 0</inkml:trace>
+  <inkml:trace contextRef="#ctx0" brushRef="#br0" timeOffset="237683">10075 421 12210,'-19'-3'360,"-13"1"-90,12 0-180,-13 2 90,1 19-180,9 5-90,7 11 180,6 15-180,6-19-90,1 23 90,29-25-90,6 10 180,16-25-45,-8-6 0,-1-2 45,6-6 45,-3-8 0,-2-7-45,-7-14-416,7-13 416,-22 2 0,-8 12-180,-4-2-539,-6-12-91,0 10-1528,-44-18 718,15 23 1373,-4 11 0,-3 3 0,-10-3 0,-5 3 0</inkml:trace>
+  <inkml:trace contextRef="#ctx0" brushRef="#br0" timeOffset="238917">1287 1171 12030,'0'37'270,"0"-6"-180,0 7-180,-14-5 90,11 18-90,-10-12-270,13 11 0,0-18-359,0-4-1260,0 5 990,0-11-631,0 0 1620,0-12 0,14-6 0,3-1 0</inkml:trace>
+  <inkml:trace contextRef="#ctx0" brushRef="#br0" timeOffset="239083">1197 1020 5824,'0'16'0,"0"-3"0</inkml:trace>
+  <inkml:trace contextRef="#ctx0" brushRef="#br0" timeOffset="239467">1652 1650 9242,'0'-18'270,"0"-3"-91,15-9 1,-11 2 90,24-31-90,-18 24 180,4-27-90,-7 33 179,-7-13-359,0 22-90,0-2 0,0 12 270,0 4-270,0 19 90,-14 10-90,10 11-180,-10 3-629,14 10 89,0-10-708,0 13 349,0-17-180,0 0 1259,0-1 0,0 0 0,0-1 0</inkml:trace>
+  <inkml:trace contextRef="#ctx0" brushRef="#br0" timeOffset="239634">1718 1930 9871,'-14'-19'-2248,"23"-1"808,15-23 1440,1 12 0,20-4 0,-14 9 0</inkml:trace>
+  <inkml:trace contextRef="#ctx0" brushRef="#br0" timeOffset="240000">2252 522 11311,'-18'-9'539,"13"3"1,-26 2 0,10 3-360,-14 19-91,-4 13 1,8 11 0,1 10-135,16-15 0,3 2-162,1-7 0,2 1 207,-1 29 0,3 2 45,1-24 0,4 1-105,7 13 0,4 8 0,-1-7-120,-8-11 0,4-1-120,17 9 0,10 5 1,-4-8-522,-9-14 1,3-3 10,15 3 1,9 1 0,-2-4-1186,-4-4 1,0-2 1994,16 7 0,2-2 0,-13-10 0,-1-3 0,3 0 0,-1 0 0</inkml:trace>
+  <inkml:trace contextRef="#ctx0" brushRef="#br0" timeOffset="240833">10568 239 10771,'19'11'2069,"-15"4"-1799,39-9-91,-36 6 91,46 0-180,-30 0-785,29 3 695,-12 4 0,-9-3 0,-1 2 90,14 14-405,-1 9 0,-2 4-225,-9 10-30,-15-16 1,1 6-1,-6-3-15,-5-4 1,-6 1-496,-9 9 1,-5 6 0,-1-4 805,-1 1 1,-3-1-1,-3-4 1,-3 2 0,0-2-1,-3 5 1,-1 0 0</inkml:trace>
+  <inkml:trace contextRef="#ctx0" brushRef="#br0" timeOffset="242333">3458 2682 9512,'0'-8'1079,"0"2"-899,0-1-180,0 2 1889,0 1-1709,0 28 90,0 19-270,18 19-133,-16-24 1,1 2 222,12 15 0,1 1-414,-14-9 1,-1 4 353,6 8 0,2 7 0,-3-4-1063,-4-1 1,-2 0 1032,3-6 0,1 2 0,-2-2 0,-2 8 0,0-3 0,3 3 0,0 1-45,-2 0 0,0 1 90,3-1 0,1 0-45,-2 2 0,-1-1 0,1-3 0,2 3 0,-1-6 0,1 3 0,0-2 0,-1-15 0,-1-1 0,0 3-45,2 6 0,1 6 0,-1-1 0,1-5 0,0 10 0,0-1-15,-1-10 0,0 1 0,0-2-30,1 0 0,-1-3 45,0-1 0,0-1-743,-1-1 1,1-2 652,0-2 1,-1-1-349,0-2 1,0 0 392,-1-4 0,1 1-229,0 8 1,-1 0-312,2 18-315,-2-17 1,-1-2-315,0 0 1259,-1 4 0,-1-22 0,0-4 0</inkml:trace>
+  <inkml:trace contextRef="#ctx0" brushRef="#br1" timeOffset="1.71733E6">8086 12328 24575,'0'0'0</inkml:trace>
 </inkml:ink>
 </file>
 
@@ -1803,7 +3095,7 @@
   <inkml:trace contextRef="#ctx0" brushRef="#br0" timeOffset="-180431.73">19820 16625 8972,'0'35'-90,"-14"0"180,10-2 90,-10-2 0,14-3-90,0 4-90,0-11 90,0 1-90,19-15 0,7-4 0,25-22 0,-9 14 0,-13-21 0,-1-4 0,5 5-613,-12-2 0,-1-2 613,2-6 111,-10 2 429,3 1-91,-12 2-89,5 2-180,-8 4-270,0-2 180,-19 9-90,-5 4 90,-15 36-90,16-2 394,-8 28-394,27-8-540,-26 8-899,18 6-540,-11 4 1979,7 3 0,2 1 0,-1 1 0</inkml:trace>
   <inkml:trace contextRef="#ctx0" brushRef="#br0" timeOffset="-174167.73">18757 16927 9242,'0'-6'1799,"0"18"-1619,0 14-180,0 10 90,0 8-284,0-5 284,0 6-90,0 3 0,0 2 90,0 0-90,0 0 0,0-2 0,0-3 0,0-2 0,9-5 0,-7-1 38,13 6 52,-7-12-180,7 10 90,-5-22 180,4 6-180,-7-15 370,3 0-370,-5-8 55,-1-1-55,1-1 0,-3-15 0,0-3 0,-2-18 0,0-3 0,0 9-180,0 1 270,0 13-90,-11 7 0,8 27 90,-8 2-90,11 43 0,0-19 45,0-1 0,0 1-45,0 13-686,0-18 1,0-1 685,0 15 0,0-1 0,0-2 0,0 16-540,0-17-630,0-12 1,0 0-630,0 1 1799,0 8 0,0-20 0,0-1 0</inkml:trace>
   <inkml:trace contextRef="#ctx0" brushRef="#br0" timeOffset="-168381.73">18137 6970 7623,'0'20'359,"0"0"-359,0 1 90,0 0 0,0 0 0,0-1 0,0 2 0,0 0 0,0 2-90,0 1 90,0 1 0,0 3-90,0 1 0,0 3 90,0 2-90,0 2 90,0 3 0,-12 2-399,9 4 309,-9 1 0,12 4 0,0 0-226,0 5 316,0-2-90,0-14 0,0 1 0,0 22 0,0-13 0,0 1 90,0 8-90,0-22 0,0-2 0,0 13 0,0-2 0,0-1 90,0 18-90,0-16 0,0-7 0,0 0 0,0 7 0,0-6 0,0 0 0,0 8 90,0 0 0,0 0 90,0 2-135,0-4 0,0-1-45,0-5 45,0-6 0,0-1 45,0 5-90,0 10 0,0-16 0,0-3-235,0 0 235,0-2 0,0 0 90,0 0-90,0-1 0,0 1 0,0 0 286,0 12-286,0-8 0,0 20 0,0-18 90,0 17-90,0-17 0,0 6 0,0 3 0,0-10 360,0 26-360,0-22-299,0 12 299,0-13 0,0-1 204,0 1-114,0-1-90,0 2 0,0-2 179,5 14-179,-4-10 0,8 25 0,-6-28 90,1 26-90,-3-28-592,-1 13 592,1-14-2,0 0 2,1 1 0,0 1 0,1 2 0,-1-2 90,3 18-90,-4-15 90,2-4 0,0 0-90,-3 3 0,4 25 0,-2-26 763,0 9-763,1-1 0,-2-11 0,2 20 0,-1-24 0,3 22 0,-2-25 0,2 11 32,-2-13-32,1 1 0,-2 1 0,4 12 0,-4-6 0,5 22 90,-3-19-180,5 25 180,-3-24-90,-1 12 0,1-15 0,-3 1 0,2-1 735,-3-1-825,3-2 180,-3-1-88,1 12-2,-2-13 0,0 20 0,0-22 0,-1 15 0,0-17 0,0 6-449,0-1 179,0-8-630,0 17 181,0-15 719,0 13 0,0-14 0,0 5 0</inkml:trace>
-  <inkml:trace contextRef="#ctx0" brushRef="#br0" timeOffset="-167095.73">18153 13461 9871,'5'-2'900,"-1"1"-810,-2 1 0,1 0 270,3 16-181,-2-12 91,5 23-180,-4-7-90,3 6 90,-2 3-90,-1-4-90,1 3 180,-3 2-90,3 5 0,-2 1 90,2 22-90,0-11 0,-3-4 0,0 0-1517,4 11 1517,-5-17 0,1-1 90,1 17-670,-2 1 580,1 3 0,-1-16 0,-1 2 0,1 23 0,-1-9 0,1 1-315,-2-23 0,0 0 270,0 25 0,1 1 45,-1-24 0,0-2-689,0 12 1,0-1 58,0 19-269,0-1-361,0 0 1260,0-19 0,0 0 0,0-11 0,0 0 0,0 9 0,0 0 0</inkml:trace>
+  <inkml:trace contextRef="#ctx0" brushRef="#br0" timeOffset="-167095.75">18153 13461 9871,'5'-2'900,"-1"1"-810,-2 1 0,1 0 270,3 16-181,-2-12 91,5 23-180,-4-7-90,3 6 90,-2 3-90,-1-4-90,1 3 180,-3 2-90,3 5 0,-2 1 90,2 22-90,0-11 0,-3-4 0,0 0-1517,4 11 1517,-5-17 0,1-1 90,1 17-670,-2 1 580,1 3 0,-1-16 0,-1 2 0,1 23 0,-1-9 0,1 1-315,-2-23 0,0 0 270,0 25 0,1 1 45,-1-24 0,0-2-689,0 12 1,0-1 58,0 19-269,0-1-361,0 0 1260,0-19 0,0 0 0,0-11 0,0 0 0,0 9 0,0 0 0</inkml:trace>
 </inkml:ink>
 </file>
 
@@ -2321,10 +3613,10 @@
   <inkml:trace contextRef="#ctx0" brushRef="#br0" timeOffset="-207547.73">26902 15347 9961,'19'-11'1529,"6"-7"-1259,-23 4-180,27-12-180,-16 11 90,18-5 90,-13 8-90,3 3 0,-1 2-539,11 2-91,-9 3-1259,16 16 720,-19-10 1169,11 24 0,-17-11 0,2 14 0</inkml:trace>
   <inkml:trace contextRef="#ctx0" brushRef="#br0" timeOffset="-207389.73">27382 15092 10501,'15'-12'90,"-3"9"180,-1-10-180,0 13 0,-4 17-270,-1 12-3778,-3 30 3958,-3-4 0,-20 6 0,-5-15 0</inkml:trace>
   <inkml:trace contextRef="#ctx0" brushRef="#br0" timeOffset="-207226.73">27898 15608 12120,'19'-10'-2429,"-2"-4"2429,7 5 0,-8-3 0,5 0 0</inkml:trace>
-  <inkml:trace contextRef="#ctx0" brushRef="#br0" timeOffset="-160076.73">25915 10719 10141,'-9'-10'1170,"7"3"-6561,-7 0 5571,2 2 1589,6 0-1859,-6 19 629,43 2-539,-27 23 0,18-18 0,2-1 0,-6 16 90,0 2 680,9-10-770,-28 2 0,20 0 90,-13 14-90,4-9 90,1 23-180,-9-21-270,4 22-180,-4-24-419,-1 7 59,0-14 3086,-3-2-3176,1-4 990,-1 4 0,2-8 0,-1 4 0</inkml:trace>
-  <inkml:trace contextRef="#ctx0" brushRef="#br0" timeOffset="-159676.73">25898 10993 8972,'-6'0'180,"0"0"989,2 0-629,1 14-450,2 3 0,1 10 0,0 2 269,13-2-269,-10 4-90,10 4 0,-3 3 0,-7 3 90,17 1-90,-18 1-807,16 0 807,-16-2 180,18 16-180,-13-15 0,13 21 0,-11-31-166,2 4 166,-4-17 360,0-3-180,0-3-180,-1-6 0,4-2 881,0-4-791,19-25-180,-2 0 135,4-12 0,1-6-716,-9 12 1,0-1 625,11-13 0,-1-2-225,-8 10 1,-1 0-136,1 0 0,-1 0-475,-2 1 0,0 0 880,5-10 0,-2 1 0,-8 13 0,-1 1 0,2-7 0,1 0 0</inkml:trace>
-  <inkml:trace contextRef="#ctx0" brushRef="#br0" timeOffset="-157124.73">9055 12570 9422,'0'34'449,"0"-4"-449,0 7 0,8-2-368,-6 7 368,6 5-562,-1 6 562,-5 3 90,10 2-90,-7 3 90,6 2-1389,-3-1 1299,1 1 90,-1 0-90,0-1-971,-1 0 432,-2-1-271,1-4-179,-3-2 989,0-4 0,-2-3 0,-1-3 0</inkml:trace>
-  <inkml:trace contextRef="#ctx0" brushRef="#br0" timeOffset="-156712.73">8917 13300 8252,'9'22'270,"6"-4"180,-7 21-270,11 9-90,-5-10 45,-2-1 0,-1 0-135,5 9 0,-4-5 0,1 0-1081,3 9 1171,7 13-90,-7-19 90,2-4 270,0 0 118,11 6-388,-7-15 0,20 6-90,-15-26 0,31-19 90,-19-13-45,-11 2 0,1-5-900,5-15 1,-2-3-1130,-6 7 0,0-1 1984,8-17 0,-2-2 0,-11 11 0,-3 1 0,0-3 0,0 0 0</inkml:trace>
+  <inkml:trace contextRef="#ctx0" brushRef="#br0" timeOffset="-160076.75">25915 10719 10141,'-9'-10'1170,"7"3"-6561,-7 0 5571,2 2 1589,6 0-1859,-6 19 629,43 2-539,-27 23 0,18-18 0,2-1 0,-6 16 90,0 2 680,9-10-770,-28 2 0,20 0 90,-13 14-90,4-9 90,1 23-180,-9-21-270,4 22-180,-4-24-419,-1 7 59,0-14 3086,-3-2-3176,1-4 990,-1 4 0,2-8 0,-1 4 0</inkml:trace>
+  <inkml:trace contextRef="#ctx0" brushRef="#br0" timeOffset="-159676.75">25898 10993 8972,'-6'0'180,"0"0"989,2 0-629,1 14-450,2 3 0,1 10 0,0 2 269,13-2-269,-10 4-90,10 4 0,-3 3 0,-7 3 90,17 1-90,-18 1-807,16 0 807,-16-2 180,18 16-180,-13-15 0,13 21 0,-11-31-166,2 4 166,-4-17 360,0-3-180,0-3-180,-1-6 0,4-2 881,0-4-791,19-25-180,-2 0 135,4-12 0,1-6-716,-9 12 1,0-1 625,11-13 0,-1-2-225,-8 10 1,-1 0-136,1 0 0,-1 0-475,-2 1 0,0 0 880,5-10 0,-2 1 0,-8 13 0,-1 1 0,2-7 0,1 0 0</inkml:trace>
+  <inkml:trace contextRef="#ctx0" brushRef="#br0" timeOffset="-157124.75">9055 12570 9422,'0'34'449,"0"-4"-449,0 7 0,8-2-368,-6 7 368,6 5-562,-1 6 562,-5 3 90,10 2-90,-7 3 90,6 2-1389,-3-1 1299,1 1 90,-1 0-90,0-1-971,-1 0 432,-2-1-271,1-4-179,-3-2 989,0-4 0,-2-3 0,-1-3 0</inkml:trace>
+  <inkml:trace contextRef="#ctx0" brushRef="#br0" timeOffset="-156712.75">8917 13300 8252,'9'22'270,"6"-4"180,-7 21-270,11 9-90,-5-10 45,-2-1 0,-1 0-135,5 9 0,-4-5 0,1 0-1081,3 9 1171,7 13-90,-7-19 90,2-4 270,0 0 118,11 6-388,-7-15 0,20 6-90,-15-26 0,31-19 90,-19-13-45,-11 2 0,1-5-900,5-15 1,-2-3-1130,-6 7 0,0-1 1984,8-17 0,-2-2 0,-11 11 0,-3 1 0,0-3 0,0 0 0</inkml:trace>
 </inkml:ink>
 </file>
 
@@ -3156,7 +4448,7 @@
           <a:p>
             <a:fld id="{0965995D-2BF5-6E43-877C-6996BD5C01C0}" type="datetimeFigureOut">
               <a:rPr lang="en-VN" smtClean="0"/>
-              <a:t>20/09/2021</a:t>
+              <a:t>27/09/2021</a:t>
             </a:fld>
             <a:endParaRPr lang="en-VN"/>
           </a:p>
@@ -3356,7 +4648,7 @@
           <a:p>
             <a:fld id="{0965995D-2BF5-6E43-877C-6996BD5C01C0}" type="datetimeFigureOut">
               <a:rPr lang="en-VN" smtClean="0"/>
-              <a:t>20/09/2021</a:t>
+              <a:t>27/09/2021</a:t>
             </a:fld>
             <a:endParaRPr lang="en-VN"/>
           </a:p>
@@ -3566,7 +4858,7 @@
           <a:p>
             <a:fld id="{0965995D-2BF5-6E43-877C-6996BD5C01C0}" type="datetimeFigureOut">
               <a:rPr lang="en-VN" smtClean="0"/>
-              <a:t>20/09/2021</a:t>
+              <a:t>27/09/2021</a:t>
             </a:fld>
             <a:endParaRPr lang="en-VN"/>
           </a:p>
@@ -3766,7 +5058,7 @@
           <a:p>
             <a:fld id="{0965995D-2BF5-6E43-877C-6996BD5C01C0}" type="datetimeFigureOut">
               <a:rPr lang="en-VN" smtClean="0"/>
-              <a:t>20/09/2021</a:t>
+              <a:t>27/09/2021</a:t>
             </a:fld>
             <a:endParaRPr lang="en-VN"/>
           </a:p>
@@ -4042,7 +5334,7 @@
           <a:p>
             <a:fld id="{0965995D-2BF5-6E43-877C-6996BD5C01C0}" type="datetimeFigureOut">
               <a:rPr lang="en-VN" smtClean="0"/>
-              <a:t>20/09/2021</a:t>
+              <a:t>27/09/2021</a:t>
             </a:fld>
             <a:endParaRPr lang="en-VN"/>
           </a:p>
@@ -4310,7 +5602,7 @@
           <a:p>
             <a:fld id="{0965995D-2BF5-6E43-877C-6996BD5C01C0}" type="datetimeFigureOut">
               <a:rPr lang="en-VN" smtClean="0"/>
-              <a:t>20/09/2021</a:t>
+              <a:t>27/09/2021</a:t>
             </a:fld>
             <a:endParaRPr lang="en-VN"/>
           </a:p>
@@ -4725,7 +6017,7 @@
           <a:p>
             <a:fld id="{0965995D-2BF5-6E43-877C-6996BD5C01C0}" type="datetimeFigureOut">
               <a:rPr lang="en-VN" smtClean="0"/>
-              <a:t>20/09/2021</a:t>
+              <a:t>27/09/2021</a:t>
             </a:fld>
             <a:endParaRPr lang="en-VN"/>
           </a:p>
@@ -4867,7 +6159,7 @@
           <a:p>
             <a:fld id="{0965995D-2BF5-6E43-877C-6996BD5C01C0}" type="datetimeFigureOut">
               <a:rPr lang="en-VN" smtClean="0"/>
-              <a:t>20/09/2021</a:t>
+              <a:t>27/09/2021</a:t>
             </a:fld>
             <a:endParaRPr lang="en-VN"/>
           </a:p>
@@ -4980,7 +6272,7 @@
           <a:p>
             <a:fld id="{0965995D-2BF5-6E43-877C-6996BD5C01C0}" type="datetimeFigureOut">
               <a:rPr lang="en-VN" smtClean="0"/>
-              <a:t>20/09/2021</a:t>
+              <a:t>27/09/2021</a:t>
             </a:fld>
             <a:endParaRPr lang="en-VN"/>
           </a:p>
@@ -5293,7 +6585,7 @@
           <a:p>
             <a:fld id="{0965995D-2BF5-6E43-877C-6996BD5C01C0}" type="datetimeFigureOut">
               <a:rPr lang="en-VN" smtClean="0"/>
-              <a:t>20/09/2021</a:t>
+              <a:t>27/09/2021</a:t>
             </a:fld>
             <a:endParaRPr lang="en-VN"/>
           </a:p>
@@ -5582,7 +6874,7 @@
           <a:p>
             <a:fld id="{0965995D-2BF5-6E43-877C-6996BD5C01C0}" type="datetimeFigureOut">
               <a:rPr lang="en-VN" smtClean="0"/>
-              <a:t>20/09/2021</a:t>
+              <a:t>27/09/2021</a:t>
             </a:fld>
             <a:endParaRPr lang="en-VN"/>
           </a:p>
@@ -5825,7 +7117,7 @@
           <a:p>
             <a:fld id="{0965995D-2BF5-6E43-877C-6996BD5C01C0}" type="datetimeFigureOut">
               <a:rPr lang="en-VN" smtClean="0"/>
-              <a:t>20/09/2021</a:t>
+              <a:t>27/09/2021</a:t>
             </a:fld>
             <a:endParaRPr lang="en-VN"/>
           </a:p>
@@ -6323,8 +7615,8 @@
           <a:chExt cx="0" cy="0"/>
         </a:xfrm>
       </p:grpSpPr>
-      <mc:AlternateContent xmlns:mc="http://schemas.openxmlformats.org/markup-compatibility/2006">
-        <mc:Choice xmlns:p14="http://schemas.microsoft.com/office/powerpoint/2010/main" Requires="p14">
+      <mc:AlternateContent xmlns:mc="http://schemas.openxmlformats.org/markup-compatibility/2006" xmlns:p14="http://schemas.microsoft.com/office/powerpoint/2010/main">
+        <mc:Choice Requires="p14">
           <p:contentPart p14:bwMode="auto" r:id="rId2">
             <p14:nvContentPartPr>
               <p14:cNvPr id="2" name="Ink 1">
@@ -6343,7 +7635,7 @@
             </p14:xfrm>
           </p:contentPart>
         </mc:Choice>
-        <mc:Fallback>
+        <mc:Fallback xmlns="">
           <p:pic>
             <p:nvPicPr>
               <p:cNvPr id="2" name="Ink 1">
@@ -6404,8 +7696,8 @@
           <a:chExt cx="0" cy="0"/>
         </a:xfrm>
       </p:grpSpPr>
-      <mc:AlternateContent xmlns:mc="http://schemas.openxmlformats.org/markup-compatibility/2006">
-        <mc:Choice xmlns:p14="http://schemas.microsoft.com/office/powerpoint/2010/main" Requires="p14">
+      <mc:AlternateContent xmlns:mc="http://schemas.openxmlformats.org/markup-compatibility/2006" xmlns:p14="http://schemas.microsoft.com/office/powerpoint/2010/main">
+        <mc:Choice Requires="p14">
           <p:contentPart p14:bwMode="auto" r:id="rId2">
             <p14:nvContentPartPr>
               <p14:cNvPr id="2" name="Ink 1">
@@ -6424,7 +7716,7 @@
             </p14:xfrm>
           </p:contentPart>
         </mc:Choice>
-        <mc:Fallback>
+        <mc:Fallback xmlns="">
           <p:pic>
             <p:nvPicPr>
               <p:cNvPr id="2" name="Ink 1">
@@ -6485,14 +7777,14 @@
           <a:chExt cx="0" cy="0"/>
         </a:xfrm>
       </p:grpSpPr>
-      <mc:AlternateContent xmlns:mc="http://schemas.openxmlformats.org/markup-compatibility/2006">
-        <mc:Choice xmlns:p14="http://schemas.microsoft.com/office/powerpoint/2010/main" Requires="p14">
+      <mc:AlternateContent xmlns:mc="http://schemas.openxmlformats.org/markup-compatibility/2006" xmlns:p14="http://schemas.microsoft.com/office/powerpoint/2010/main">
+        <mc:Choice Requires="p14">
           <p:contentPart p14:bwMode="auto" r:id="rId2">
             <p14:nvContentPartPr>
-              <p14:cNvPr id="3" name="Ink 2">
+              <p14:cNvPr id="2" name="Ink 1">
                 <a:extLst>
                   <a:ext uri="{FF2B5EF4-FFF2-40B4-BE49-F238E27FC236}">
-                    <a16:creationId xmlns:a16="http://schemas.microsoft.com/office/drawing/2014/main" id="{4299E59A-72E6-884F-8369-6CA610AD3B9A}"/>
+                    <a16:creationId xmlns:a16="http://schemas.microsoft.com/office/drawing/2014/main" id="{A74A7A32-42EA-1945-9AED-6B053FFAF7FD}"/>
                   </a:ext>
                 </a:extLst>
               </p14:cNvPr>
@@ -6500,18 +7792,18 @@
               <p14:nvPr/>
             </p14:nvContentPartPr>
             <p14:xfrm>
-              <a:off x="958320" y="442080"/>
-              <a:ext cx="4203360" cy="732600"/>
+              <a:off x="39600" y="322200"/>
+              <a:ext cx="10963440" cy="5113800"/>
             </p14:xfrm>
           </p:contentPart>
         </mc:Choice>
-        <mc:Fallback>
+        <mc:Fallback xmlns="">
           <p:pic>
             <p:nvPicPr>
-              <p:cNvPr id="3" name="Ink 2">
+              <p:cNvPr id="2" name="Ink 1">
                 <a:extLst>
                   <a:ext uri="{FF2B5EF4-FFF2-40B4-BE49-F238E27FC236}">
-                    <a16:creationId xmlns:a16="http://schemas.microsoft.com/office/drawing/2014/main" id="{4299E59A-72E6-884F-8369-6CA610AD3B9A}"/>
+                    <a16:creationId xmlns:a16="http://schemas.microsoft.com/office/drawing/2014/main" id="{A74A7A32-42EA-1945-9AED-6B053FFAF7FD}"/>
                   </a:ext>
                 </a:extLst>
               </p:cNvPr>
@@ -6526,8 +7818,8 @@
             </p:blipFill>
             <p:spPr>
               <a:xfrm>
-                <a:off x="936720" y="425880"/>
-                <a:ext cx="4241160" cy="765000"/>
+                <a:off x="23400" y="306000"/>
+                <a:ext cx="10995840" cy="5146200"/>
               </a:xfrm>
               <a:prstGeom prst="rect">
                 <a:avLst/>
@@ -6566,6 +7858,57 @@
           <a:chExt cx="0" cy="0"/>
         </a:xfrm>
       </p:grpSpPr>
+      <mc:AlternateContent xmlns:mc="http://schemas.openxmlformats.org/markup-compatibility/2006" xmlns:p14="http://schemas.microsoft.com/office/powerpoint/2010/main">
+        <mc:Choice Requires="p14">
+          <p:contentPart p14:bwMode="auto" r:id="rId2">
+            <p14:nvContentPartPr>
+              <p14:cNvPr id="2" name="Ink 1">
+                <a:extLst>
+                  <a:ext uri="{FF2B5EF4-FFF2-40B4-BE49-F238E27FC236}">
+                    <a16:creationId xmlns:a16="http://schemas.microsoft.com/office/drawing/2014/main" id="{AE3573E2-3D14-504D-8DA5-07647F003D70}"/>
+                  </a:ext>
+                </a:extLst>
+              </p14:cNvPr>
+              <p14:cNvContentPartPr/>
+              <p14:nvPr/>
+            </p14:nvContentPartPr>
+            <p14:xfrm>
+              <a:off x="1408680" y="201600"/>
+              <a:ext cx="10578960" cy="4236480"/>
+            </p14:xfrm>
+          </p:contentPart>
+        </mc:Choice>
+        <mc:Fallback xmlns="">
+          <p:pic>
+            <p:nvPicPr>
+              <p:cNvPr id="2" name="Ink 1">
+                <a:extLst>
+                  <a:ext uri="{FF2B5EF4-FFF2-40B4-BE49-F238E27FC236}">
+                    <a16:creationId xmlns:a16="http://schemas.microsoft.com/office/drawing/2014/main" id="{AE3573E2-3D14-504D-8DA5-07647F003D70}"/>
+                  </a:ext>
+                </a:extLst>
+              </p:cNvPr>
+              <p:cNvPicPr/>
+              <p:nvPr/>
+            </p:nvPicPr>
+            <p:blipFill>
+              <a:blip r:embed="rId3"/>
+              <a:stretch>
+                <a:fillRect/>
+              </a:stretch>
+            </p:blipFill>
+            <p:spPr>
+              <a:xfrm>
+                <a:off x="1392480" y="185400"/>
+                <a:ext cx="10611360" cy="4268880"/>
+              </a:xfrm>
+              <a:prstGeom prst="rect">
+                <a:avLst/>
+              </a:prstGeom>
+            </p:spPr>
+          </p:pic>
+        </mc:Fallback>
+      </mc:AlternateContent>
     </p:spTree>
     <p:extLst>
       <p:ext uri="{BB962C8B-B14F-4D97-AF65-F5344CB8AC3E}">
@@ -6596,6 +7939,57 @@
           <a:chExt cx="0" cy="0"/>
         </a:xfrm>
       </p:grpSpPr>
+      <mc:AlternateContent xmlns:mc="http://schemas.openxmlformats.org/markup-compatibility/2006" xmlns:p14="http://schemas.microsoft.com/office/powerpoint/2010/main">
+        <mc:Choice Requires="p14">
+          <p:contentPart p14:bwMode="auto" r:id="rId2">
+            <p14:nvContentPartPr>
+              <p14:cNvPr id="2" name="Ink 1">
+                <a:extLst>
+                  <a:ext uri="{FF2B5EF4-FFF2-40B4-BE49-F238E27FC236}">
+                    <a16:creationId xmlns:a16="http://schemas.microsoft.com/office/drawing/2014/main" id="{6B512B29-E866-6742-A668-EF7916456EE9}"/>
+                  </a:ext>
+                </a:extLst>
+              </p14:cNvPr>
+              <p14:cNvContentPartPr/>
+              <p14:nvPr/>
+            </p14:nvContentPartPr>
+            <p14:xfrm>
+              <a:off x="1139400" y="377640"/>
+              <a:ext cx="10324080" cy="4243680"/>
+            </p14:xfrm>
+          </p:contentPart>
+        </mc:Choice>
+        <mc:Fallback xmlns="">
+          <p:pic>
+            <p:nvPicPr>
+              <p:cNvPr id="2" name="Ink 1">
+                <a:extLst>
+                  <a:ext uri="{FF2B5EF4-FFF2-40B4-BE49-F238E27FC236}">
+                    <a16:creationId xmlns:a16="http://schemas.microsoft.com/office/drawing/2014/main" id="{6B512B29-E866-6742-A668-EF7916456EE9}"/>
+                  </a:ext>
+                </a:extLst>
+              </p:cNvPr>
+              <p:cNvPicPr/>
+              <p:nvPr/>
+            </p:nvPicPr>
+            <p:blipFill>
+              <a:blip r:embed="rId3"/>
+              <a:stretch>
+                <a:fillRect/>
+              </a:stretch>
+            </p:blipFill>
+            <p:spPr>
+              <a:xfrm>
+                <a:off x="1123200" y="356040"/>
+                <a:ext cx="10356480" cy="4286880"/>
+              </a:xfrm>
+              <a:prstGeom prst="rect">
+                <a:avLst/>
+              </a:prstGeom>
+            </p:spPr>
+          </p:pic>
+        </mc:Fallback>
+      </mc:AlternateContent>
     </p:spTree>
     <p:extLst>
       <p:ext uri="{BB962C8B-B14F-4D97-AF65-F5344CB8AC3E}">
@@ -6626,6 +8020,57 @@
           <a:chExt cx="0" cy="0"/>
         </a:xfrm>
       </p:grpSpPr>
+      <mc:AlternateContent xmlns:mc="http://schemas.openxmlformats.org/markup-compatibility/2006" xmlns:p14="http://schemas.microsoft.com/office/powerpoint/2010/main">
+        <mc:Choice Requires="p14">
+          <p:contentPart p14:bwMode="auto" r:id="rId2">
+            <p14:nvContentPartPr>
+              <p14:cNvPr id="2" name="Ink 1">
+                <a:extLst>
+                  <a:ext uri="{FF2B5EF4-FFF2-40B4-BE49-F238E27FC236}">
+                    <a16:creationId xmlns:a16="http://schemas.microsoft.com/office/drawing/2014/main" id="{BF8C2FB6-7888-6145-A2C2-DAF9F5C193E5}"/>
+                  </a:ext>
+                </a:extLst>
+              </p14:cNvPr>
+              <p14:cNvContentPartPr/>
+              <p14:nvPr/>
+            </p14:nvContentPartPr>
+            <p14:xfrm>
+              <a:off x="813600" y="365040"/>
+              <a:ext cx="10360080" cy="6085800"/>
+            </p14:xfrm>
+          </p:contentPart>
+        </mc:Choice>
+        <mc:Fallback xmlns="">
+          <p:pic>
+            <p:nvPicPr>
+              <p:cNvPr id="2" name="Ink 1">
+                <a:extLst>
+                  <a:ext uri="{FF2B5EF4-FFF2-40B4-BE49-F238E27FC236}">
+                    <a16:creationId xmlns:a16="http://schemas.microsoft.com/office/drawing/2014/main" id="{BF8C2FB6-7888-6145-A2C2-DAF9F5C193E5}"/>
+                  </a:ext>
+                </a:extLst>
+              </p:cNvPr>
+              <p:cNvPicPr/>
+              <p:nvPr/>
+            </p:nvPicPr>
+            <p:blipFill>
+              <a:blip r:embed="rId3"/>
+              <a:stretch>
+                <a:fillRect/>
+              </a:stretch>
+            </p:blipFill>
+            <p:spPr>
+              <a:xfrm>
+                <a:off x="797400" y="348840"/>
+                <a:ext cx="10392480" cy="6118200"/>
+              </a:xfrm>
+              <a:prstGeom prst="rect">
+                <a:avLst/>
+              </a:prstGeom>
+            </p:spPr>
+          </p:pic>
+        </mc:Fallback>
+      </mc:AlternateContent>
     </p:spTree>
     <p:extLst>
       <p:ext uri="{BB962C8B-B14F-4D97-AF65-F5344CB8AC3E}">
@@ -6656,6 +8101,57 @@
           <a:chExt cx="0" cy="0"/>
         </a:xfrm>
       </p:grpSpPr>
+      <mc:AlternateContent xmlns:mc="http://schemas.openxmlformats.org/markup-compatibility/2006">
+        <mc:Choice xmlns:p14="http://schemas.microsoft.com/office/powerpoint/2010/main" Requires="p14">
+          <p:contentPart p14:bwMode="auto" r:id="rId2">
+            <p14:nvContentPartPr>
+              <p14:cNvPr id="2" name="Ink 1">
+                <a:extLst>
+                  <a:ext uri="{FF2B5EF4-FFF2-40B4-BE49-F238E27FC236}">
+                    <a16:creationId xmlns:a16="http://schemas.microsoft.com/office/drawing/2014/main" id="{53482C47-785C-0D47-A6F7-5EAD0DE5D3F4}"/>
+                  </a:ext>
+                </a:extLst>
+              </p14:cNvPr>
+              <p14:cNvContentPartPr/>
+              <p14:nvPr/>
+            </p14:nvContentPartPr>
+            <p14:xfrm>
+              <a:off x="1022400" y="217080"/>
+              <a:ext cx="9476640" cy="5771520"/>
+            </p14:xfrm>
+          </p:contentPart>
+        </mc:Choice>
+        <mc:Fallback>
+          <p:pic>
+            <p:nvPicPr>
+              <p:cNvPr id="2" name="Ink 1">
+                <a:extLst>
+                  <a:ext uri="{FF2B5EF4-FFF2-40B4-BE49-F238E27FC236}">
+                    <a16:creationId xmlns:a16="http://schemas.microsoft.com/office/drawing/2014/main" id="{53482C47-785C-0D47-A6F7-5EAD0DE5D3F4}"/>
+                  </a:ext>
+                </a:extLst>
+              </p:cNvPr>
+              <p:cNvPicPr/>
+              <p:nvPr/>
+            </p:nvPicPr>
+            <p:blipFill>
+              <a:blip r:embed="rId3"/>
+              <a:stretch>
+                <a:fillRect/>
+              </a:stretch>
+            </p:blipFill>
+            <p:spPr>
+              <a:xfrm>
+                <a:off x="1006200" y="200880"/>
+                <a:ext cx="9509040" cy="5803920"/>
+              </a:xfrm>
+              <a:prstGeom prst="rect">
+                <a:avLst/>
+              </a:prstGeom>
+            </p:spPr>
+          </p:pic>
+        </mc:Fallback>
+      </mc:AlternateContent>
     </p:spTree>
     <p:extLst>
       <p:ext uri="{BB962C8B-B14F-4D97-AF65-F5344CB8AC3E}">
@@ -6686,6 +8182,57 @@
           <a:chExt cx="0" cy="0"/>
         </a:xfrm>
       </p:grpSpPr>
+      <mc:AlternateContent xmlns:mc="http://schemas.openxmlformats.org/markup-compatibility/2006">
+        <mc:Choice xmlns:p14="http://schemas.microsoft.com/office/powerpoint/2010/main" Requires="p14">
+          <p:contentPart p14:bwMode="auto" r:id="rId2">
+            <p14:nvContentPartPr>
+              <p14:cNvPr id="2" name="Ink 1">
+                <a:extLst>
+                  <a:ext uri="{FF2B5EF4-FFF2-40B4-BE49-F238E27FC236}">
+                    <a16:creationId xmlns:a16="http://schemas.microsoft.com/office/drawing/2014/main" id="{8CA89A9A-F698-6142-B55F-BD91E27EF839}"/>
+                  </a:ext>
+                </a:extLst>
+              </p14:cNvPr>
+              <p14:cNvContentPartPr/>
+              <p14:nvPr/>
+            </p14:nvContentPartPr>
+            <p14:xfrm>
+              <a:off x="430920" y="86040"/>
+              <a:ext cx="11742120" cy="6771960"/>
+            </p14:xfrm>
+          </p:contentPart>
+        </mc:Choice>
+        <mc:Fallback>
+          <p:pic>
+            <p:nvPicPr>
+              <p:cNvPr id="2" name="Ink 1">
+                <a:extLst>
+                  <a:ext uri="{FF2B5EF4-FFF2-40B4-BE49-F238E27FC236}">
+                    <a16:creationId xmlns:a16="http://schemas.microsoft.com/office/drawing/2014/main" id="{8CA89A9A-F698-6142-B55F-BD91E27EF839}"/>
+                  </a:ext>
+                </a:extLst>
+              </p:cNvPr>
+              <p:cNvPicPr/>
+              <p:nvPr/>
+            </p:nvPicPr>
+            <p:blipFill>
+              <a:blip r:embed="rId3"/>
+              <a:stretch>
+                <a:fillRect/>
+              </a:stretch>
+            </p:blipFill>
+            <p:spPr>
+              <a:xfrm>
+                <a:off x="414720" y="69840"/>
+                <a:ext cx="11774520" cy="6804360"/>
+              </a:xfrm>
+              <a:prstGeom prst="rect">
+                <a:avLst/>
+              </a:prstGeom>
+            </p:spPr>
+          </p:pic>
+        </mc:Fallback>
+      </mc:AlternateContent>
     </p:spTree>
     <p:extLst>
       <p:ext uri="{BB962C8B-B14F-4D97-AF65-F5344CB8AC3E}">
@@ -7574,8 +9121,8 @@
           </a:prstGeom>
         </p:spPr>
       </p:pic>
-      <mc:AlternateContent xmlns:mc="http://schemas.openxmlformats.org/markup-compatibility/2006">
-        <mc:Choice xmlns:p14="http://schemas.microsoft.com/office/powerpoint/2010/main" Requires="p14">
+      <mc:AlternateContent xmlns:mc="http://schemas.openxmlformats.org/markup-compatibility/2006" xmlns:p14="http://schemas.microsoft.com/office/powerpoint/2010/main">
+        <mc:Choice Requires="p14">
           <p:contentPart p14:bwMode="auto" r:id="rId3">
             <p14:nvContentPartPr>
               <p14:cNvPr id="4" name="Ink 3">
@@ -7594,7 +9141,7 @@
             </p14:xfrm>
           </p:contentPart>
         </mc:Choice>
-        <mc:Fallback>
+        <mc:Fallback xmlns="">
           <p:pic>
             <p:nvPicPr>
               <p:cNvPr id="4" name="Ink 3">

--- a/bai-giang.pptx
+++ b/bai-giang.pptx
@@ -23,8 +23,13 @@
     <p:sldId id="271" r:id="rId17"/>
     <p:sldId id="272" r:id="rId18"/>
     <p:sldId id="273" r:id="rId19"/>
-    <p:sldId id="274" r:id="rId20"/>
-    <p:sldId id="275" r:id="rId21"/>
+    <p:sldId id="276" r:id="rId20"/>
+    <p:sldId id="277" r:id="rId21"/>
+    <p:sldId id="278" r:id="rId22"/>
+    <p:sldId id="279" r:id="rId23"/>
+    <p:sldId id="280" r:id="rId24"/>
+    <p:sldId id="274" r:id="rId25"/>
+    <p:sldId id="275" r:id="rId26"/>
   </p:sldIdLst>
   <p:sldSz cx="12192000" cy="6858000"/>
   <p:notesSz cx="6858000" cy="9144000"/>
@@ -601,47 +606,47 @@
   <inkml:trace contextRef="#ctx0" brushRef="#br0" timeOffset="-168529.73">18008 1864 8792,'-14'-15'1709,"11"4"-1439,-11-3 449,14 9-719,0 21 0,0 11 90,14 14-90,-11 2-90,11-7 180,-5 3 0,-7 2-180,18 17-449,-18-15-136,8-8 0,1 0-44,-5 3-1080,11 19 630,-11-29 1169,0 6 0,-3-17 0,-1-1 0</inkml:trace>
   <inkml:trace contextRef="#ctx0" brushRef="#br0" timeOffset="-168196.73">17948 2174 7892,'0'-10'90,"0"-1"-90,0 2 0,20-2 0,-15 2 0,31 0 90,-32 3-90,31 1 0,-9-1 0,9 4 0,10-2 0,-18 4 90,14 14-90,-17-11-90,4 11 180,-6 0-90,-6-1 90,4 11 450,-10-12 449,1 1-629,-6-11-270,-3-16-180,0-6-629,-2-20-631,0 5-808,0 1 2158,15 7 0,-11 12 0,12 7 0</inkml:trace>
   <inkml:trace contextRef="#ctx0" brushRef="#br0" timeOffset="-167795.73">18793 2096 9062,'-33'0'90,"-3"0"-90,0 0 0,7 0 0,-2 14 0,11-10 0,-6 23 0,11-9 90,-3 12-90,14-1 0,1-3 0,24-13-360,2 2 360,23-13-180,-13 3 270,1-5-90,-2-13 0,-9-5 0,4 1 90,-10-14 90,-8 10 449,-1-16-179,-8 9-540,0 2-90,0 14 270,0 18-719,0 8-91,0 22 0,16-9-269,-13 0 989,24-8 0,-24-2 0,8 1 0</inkml:trace>
-  <inkml:trace contextRef="#ctx0" brushRef="#br0" timeOffset="-167429.74">19093 2121 8702,'15'17'90,"-11"10"-90,21-13 0,-22 10-720,15-7 720,-12-23-90,4-6 90,0-22 0,-4 17-90,7-14 90,-4 16-89,1-2 448,1-1-269,-4 17 0,6-6-90,-6 7 90,6 14-90,-4 1 90,0 1-90,0 12 0,-2-25-270,2 30-359,0-21-361,0 15 990,2-11 0,2-1 0,2-2 0</inkml:trace>
-  <inkml:trace contextRef="#ctx0" brushRef="#br0" timeOffset="-167029.74">19607 2075 8342,'-40'0'-90,"16"13"90,0-10 90,21 25-90,-6-14 0,9 13 0,21-14 90,-15 4-90,30-15 0,-32 9 0,27-10 0,-11 3 180,11-4 0,-12-18 360,-3 0-360,-15-15-360,5 8 180,-6 5 0,0 27 0,0 11 90,0 36-90,0-10-211,0 8 211,16-15 90,-12 1-90,11 0 0,-3-2 0,-9-1 180,9-4-90,-12 5-1,0-13-178,0 6-451,-24-20-1349,1 0 1889,-23-22 0,12-11 0,3-16 0</inkml:trace>
-  <inkml:trace contextRef="#ctx0" brushRef="#br0" timeOffset="-166762.74">20490 1965 9422,'-44'-1'359,"0"0"-359,-6 1 0,23 18 0,-15-13 0,38 26 0,-25-27 180,26 25-180,-7-10 0,10 8-719,17-1 89,11-17-90,10 1-449,25-10 1169,-21 0 0,15 0 0,-17 0 0</inkml:trace>
-  <inkml:trace contextRef="#ctx0" brushRef="#br0" timeOffset="-166213.74">20692 1650 8702,'-17'-13'90,"13"2"540,-12 5-450,16 20-91,0 27-89,0 3-1184,0 16 1273,0-19-178,0 0 392,13 0-214,-9 15-178,9-16 178,-3 19 1,-7-29-90,13 8 90,-11-21-180,3 0 180,-4-10-90,-2-3-269,0-2 1150,0-1-970,2-1-1,5-17 90,-1-4-90,17-28 0,-12 26 90,14-19-90,-18 30 90,7-5 0,-9 9 0,6 8 0,-6 0 90,6 17-90,-3 2 0,1 2 90,8 10-90,-5-12 0,16 11 90,-9-12-180,19-2 0,-12-14 90,9 4 0,2-25-90,-11 15 180,16-45-180,-22 31-336,1-27 606,-12 19 13,-3 1 167,-5 1-180,-1 3-180,-2 2 0,0 5 0,0 3 596,0 36-596,0 1-89,0 23-811,0-12-1169,15-2 2069,2-10 0,1 4 0,-4-12 0</inkml:trace>
-  <inkml:trace contextRef="#ctx0" brushRef="#br0" timeOffset="-165338.74">21180 1932 9152,'16'14'90,"-13"11"-180,29-9 180,-29 8-90,25-3 0,-25-5 0,20 2 0,-20-1 0,16 0 0,-12-2 90,8-2-90,-4-1 0,2 1 90,-1-6-360,4 0 90,-4-7 180,3 0 0,1-16 0,-6 12 0,8-25 0,-12 11 450,1-13-181,-6 1-179,0 3-180,-1 7 180,0 25 0,16 8 0,-1 14-1349,19-3 90,-6-12 1169,-3-4 0,-1-8 0,-6 0 0</inkml:trace>
-  <inkml:trace contextRef="#ctx0" brushRef="#br0" timeOffset="-165062.74">21507 1338 8612,'16'-9'360,"-12"2"0,28 2-180,-28 2-1,24 1-179,-25 23 0,10 8 0,-13 13-269,0 1-721,-17-8-359,12 3 1125,-28 2 0,29 0 0,-12 0 0</inkml:trace>
-  <inkml:trace contextRef="#ctx0" brushRef="#br0" timeOffset="-162529.74">17980 3216 8792,'0'-16'1079,"0"0"-449,0 0-180,0-1-180,0-1-180,0-3-90,0 8-90,0-1 269,0 9-89,13 23-3482,-1 15 3392,2 8 0,4 6 0,-16-19 0,14-1 0,-12-3 0,6-2 0,-5-3 0,0-3 0,0 1 3392,-2-8-3302,0 2-90,-2-7 0,1-2 90,-1-1-180,3-1-719,8-12-1,0-3-89,9 1-181,-2-14-89,4 16 1169,2-16 0,0 9 0,2-1 0</inkml:trace>
-  <inkml:trace contextRef="#ctx0" brushRef="#br0" timeOffset="-162210.74">18405 3466 10141,'6'4'180,"1"-1"-180,4-1-90,-1-22 180,4 15-90,-1-29 0,1 30 90,2-30-90,0 29 90,0-30 0,-1 22 270,0-20-360,-4 21 180,-2-11-360,-6 16 180,-19-4 0,-1 38 0,-3 1 0,7 18 90,13-16-540,0-10-1079,0 6 539,17-9 990,4 8 0,1-17 0,-5 1 0</inkml:trace>
-  <inkml:trace contextRef="#ctx0" brushRef="#br0" timeOffset="-162002.74">18528 3117 8522,'-4'-4'90,"0"1"-90,4 1-180,18 1-1169,5 1 1349,12 0 0,-13 14 0,-10 4 0</inkml:trace>
-  <inkml:trace contextRef="#ctx0" brushRef="#br0" timeOffset="-161846.74">18668 2953 7533,'36'0'-450,"-15"14"-539,8-10 989,-16 24 0,15-24 0,-6 10 0</inkml:trace>
-  <inkml:trace contextRef="#ctx0" brushRef="#br0" timeOffset="-161629.74">19217 3175 8702,'-49'0'450,"11"0"-450,0 0 0,11 15 0,3-12 0,1 25 90,2-9-90,10 7 0,2 0 90,9 0-450,19-6-899,12 9 269,11-15 746,6-2 1,-7-9 0,3-3 0</inkml:trace>
-  <inkml:trace contextRef="#ctx0" brushRef="#br0" timeOffset="-161030.74">19435 2857 8612,'0'-7'180,"-13"2"-90,-1 4 0,-2 19 0,6 10-90,10 29 0,0-6 45,-2-11 0,4 0-569,13 11 479,-13-17 0,0-1 225,14 11-180,1-1 0,-13-4 0,23-2 0,-24-6 0,17-3 180,-18 2-90,16-12-900,-16 2 540,11-16 180,-11 0 0,6-19 524,-3 11-434,6-30 0,-1 8 0,8-21-90,-8 11 90,4 2 0,-7 23 0,-1-8 360,-1 16-90,1-8-90,0 11-90,2 0-90,-3 14 0,5 6 0,-4-1 90,3 16-90,-2-21 0,-2 17 90,3-12 0,7 1-90,-2-2-360,18-9 90,-10 0-180,19-9 360,-15-15 0,7 11 90,-12-27 90,-2 26-90,-3-31 0,-3 31 180,-4-35 180,-3 26 90,-3-15-450,-1 7 0,-1 6 0,0 17 0,0 10 90,0 26 0,0-3-180,0 2-270,20-16-1259,3 2 1169,23-20-449,-13 6 899,-3-8 0,-8-16 0,-3-3 0</inkml:trace>
-  <inkml:trace contextRef="#ctx0" brushRef="#br0" timeOffset="-160311.74">20215 3242 8882,'3'-8'360,"-1"1"-270,1 26-90,-1-15 0,5 32 0,-3-11 90,8 17-180,-5-9-810,9 5 630,-6-20-539,5 5 539,-6-16-90,3 0 90,-1-7 270,-2 0 630,5-21-270,-6-1 179,0-21-269,-3 21-90,-3-12-180,-1 17 720,-1-8-630,0 28-90,12-5 90,-9 33 0,18-10-90,-18 15-360,15-7 0,-7 3-90,5-21 1,-2 9-181,5-14 360,-4 2 90,6-4-90,-3-4 360,-1 0 0,1-17 630,5-1-270,-6-3 89,6-8-179,-12 12 180,-1-11-450,-5 12-90,-3 1 90,-1 29-90,-1-4 90,0 19-270,0-5-90,18-10 180,-13 1-180,26-14 270,-15 6 0,10-7 0,-10-20 0,1 15 180,-15-31 90,6 12 90,-8-16-91,0 7-359,0 6-89,0 8 269,-13 6-90,10 23 0,-10 26 0,31 8-757,-13 10 757,12-21-90,0 1 160,-12-2-70,23 0 90,-25-3-90,17-1 720,-17 5-630,12-11 0,-14 5-1,4-16-2157,-26-2 2068,-2-6 0,-23-20 0,1-5 0</inkml:trace>
-  <inkml:trace contextRef="#ctx0" brushRef="#br0" timeOffset="-160129.74">20595 2594 8882,'-32'45'-720,"15"-9"-179,-8 0 899,23-6 0,-9 4 0,11 3 0</inkml:trace>
-  <inkml:trace contextRef="#ctx0" brushRef="#br0" timeOffset="-159872.74">21378 2924 10411,'-14'18'270,"10"15"-270,-11-5 90,15 10 0,0 21-90,0-21 0,0 15-720,0-1 91,16-13-541,-12 21 631,13-29-1081,-17 10 1620,0-23 0,0 0 0,0-12 0</inkml:trace>
-  <inkml:trace contextRef="#ctx0" brushRef="#br0" timeOffset="-159740.74">21152 3289 8342,'-11'-24'180,"2"-4"-270,9 8 180,21-8-90,-15 15-450,56-2 91,-34 11-316,12 2 0,2 1 512,3 1 0,13 0 0,-19 0 0</inkml:trace>
-  <inkml:trace contextRef="#ctx0" brushRef="#br0" timeOffset="-159463.74">21710 3262 9422,'-21'6'180,"15"-2"-180,-31 0 0,33-1-90,-34 9 90,32-4 90,-17 12-180,23-10 180,0 10-90,0-8 89,16 3-89,-13-4 90,27-2 180,-9 0-180,14-5 0,0 0-90,-7-22 0,-12-2 0,-8-19-90,-8 3-539,-24 2-91,0 15 0,-4 2-1438,-7 15 2158,21-3 0,-6 5 0,10 0 0</inkml:trace>
-  <inkml:trace contextRef="#ctx0" brushRef="#br0" timeOffset="-159274.74">22038 3223 9242,'5'0'180,"-2"10"-90,-2 2-90,0 9 0,-1-1-90,0-2-450,0 3-90,0-1-89,0 3 719,0 6 0,0-9 0,0 3 0</inkml:trace>
-  <inkml:trace contextRef="#ctx0" brushRef="#br0" timeOffset="-159114.74">22148 3223 9242,'4'-5'-90,"-2"1"90,4 4 0,-3 0 90,-1 0 0,1 0-1440,0 0 361,1 14 989,-1-10 0,-2 9 0,0-13 0</inkml:trace>
-  <inkml:trace contextRef="#ctx0" brushRef="#br0" timeOffset="-158904.74">21672 2942 8432,'25'-14'0,"-6"1"0,24 1 0,-15 3 0,-1 1 90,-3 3-90,2 2 0,-6 21 0,1 5 0</inkml:trace>
-  <inkml:trace contextRef="#ctx0" brushRef="#br0" timeOffset="-157962.74">18370 4694 9422,'0'-19'1529,"0"-1"-1169,10 0-1,-7-1-179,7 1 180,-10 1-180,0 2-180,0 2-90,0 4 90,0 1 0,0 4-90,-17 1 90,-4 3 0,-20 21 0,8-14 0,0 34 90,12-21-180,9 16-180,-6-6-629,16 9 179,-8-10-2248,30 10 1430,12-25 1538,10 2 0,6-14 0,-10 0 0</inkml:trace>
-  <inkml:trace contextRef="#ctx0" brushRef="#br0" timeOffset="-157408.74">18598 4294 9062,'0'-9'360,"0"2"-450,-14 2 449,10 1-269,-11 18-90,15 24 0,0 1 0,-1-1 0,2 0 90,13 6-1128,-10 16 1128,10-17-90,-14 0 0,10-2-566,-2 11 566,3-16 8,-2 13-8,-5-27-900,1 0 631,0-16 871,-2-1-871,1-20 701,6-4-432,0 1 111,12-27-111,-7 27-90,12-24 180,-10 18-180,2 12 180,-6-6 180,-3 17-180,1-5 180,3 6-180,-4 0 270,5 17-270,-7 2-90,5 19 0,-5-19 0,2 13 90,1-21-90,-4 16 90,6-11-90,-5-4 0,11-6 0,-7-6 0,21-31 90,-18 23-180,14-41 359,-20 27-179,3-12-180,-9 14 90,3-1-89,-4 19 178,1-6-89,-1 8 0,2 0 90,-1 16-90,2-12 90,-2 29-180,0-28-269,3 32-361,-2-22-179,3 17-451,1-10 1350,1-10 0,1 11 0,1-8 0</inkml:trace>
-  <inkml:trace contextRef="#ctx0" brushRef="#br0" timeOffset="-157229.74">19125 4354 8522,'24'15'-495,"-18"10"0,41-22 1,-17 8-1</inkml:trace>
-  <inkml:trace contextRef="#ctx0" brushRef="#br0" timeOffset="-156994.74">19665 4297 9512,'-14'-7'899,"10"15"-989,-10 15 90,14 10 90,0 21 0,0-15-45,0-3 0,0 0-45,0 6-315,9-5 0,0 0-314,-4 2-1325,12 13 1325,-17-22 276,11-3-996,-8-5 1411,8-4 1,-11-6 0,0-2 0</inkml:trace>
-  <inkml:trace contextRef="#ctx0" brushRef="#br0" timeOffset="-156863.74">19453 4643 8432,'0'-14'0,"0"0"90,0 1-90,24 1 0,-18 0-360,43 1-1079,-11 1 1439,13 3 0,4 2 0,-14 3 0</inkml:trace>
-  <inkml:trace contextRef="#ctx0" brushRef="#br0" timeOffset="-156546.74">19873 4689 8432,'16'4'0,"3"-2"0,0-16 90,6 10-90,-12-22 0,8 14 360,-3-10-180,-6 2 0,-5 6 0,-4 1-90,-2 6 0,-1 1-90,0 2 179,1 1-179,0 2 0,2 18 0,-2-13 0,2 28 0,0-28 180,4 41-180,-3-26-1079,6 32 269,-2-27-269,2 4 1079,-1-14 0,-2-2 0,1-4 0</inkml:trace>
-  <inkml:trace contextRef="#ctx0" brushRef="#br0" timeOffset="-156388.74">20042 4396 8162,'0'0'0</inkml:trace>
-  <inkml:trace contextRef="#ctx0" brushRef="#br0" timeOffset="-155746.74">20333 4647 8702,'18'0'270,"-4"0"-90,-5-17-90,-3 13-90,-2-14 0,0 0 0,0 14 0,-2-28 90,-1 16-90,-1-11 180,0 5-90,-19 10-1,15 2-89,-29 9 0,19-2 0,-2 22 0,-4 5 90,18 25-90,-7-11 0,9 14 0,17-21 180,3 21-90,20-30-90,-20 7-90,20-24 180,-24-2-90,32-3 0,-20-15 0,21-9 0,-23-9-45,-4 2 0,-2-2 135,-2-5-135,-7 1 0,-1-1 45,-5 2 180,-3-23-90,-2 30-90,0-6 0,0 18 0,0 4 0,0 4 270,0 3-270,0 21 0,0 7 0,0 24 0,0-8 0,0 1 0,10-10 90,-7 11 0,7-10-720,-3 17 1,-5-23-631,4 12 451,-6-20-271,0 3 1080,0-11 0,0-3 0,0-1 0</inkml:trace>
-  <inkml:trace contextRef="#ctx0" brushRef="#br0" timeOffset="-155626.74">20587 4642 8612,'0'-17'180,"16"7"-180,-12-5-270,50 4-449,-32-4 719,12 6 0,1 2 0,-4 0 0,11-1 0</inkml:trace>
-  <inkml:trace contextRef="#ctx0" brushRef="#br0" timeOffset="-155346.74">20158 4280 8522,'0'-15'360,"0"-1"-270,27 0 90,-20-1-180,24 4 0,5 0 0,-10-5-913,33-6 913,-25 11-90,-3 2 421,-1 4-241,7 2-90,-12 3-540,9 1-359,-20 18-271,1-13 1170,-9 27 0,-2-27 0,-3 10 0</inkml:trace>
-  <inkml:trace contextRef="#ctx0" brushRef="#br0" timeOffset="-155179.74">20730 4038 8342,'0'39'-495,"0"-6"0,0 0 1,0-7-1</inkml:trace>
-  <inkml:trace contextRef="#ctx0" brushRef="#br0" timeOffset="-154856.74">21303 4404 9422,'-52'-11'539,"24"-6"-629,-20 15 90,25-6 0,-16 8 90,19 19-180,9 2 90,30 22 0,-14-10 0,35 1 0,-35-9 0,39-1 0,-39-1 0,36-1 0,-36-3 90,24-1 0,-26-5 270,9 0-270,-12-5-180,0-2-809,-18-4-1080,-3-2 1979,-21-13 0,9-2 0,0-14 0</inkml:trace>
-  <inkml:trace contextRef="#ctx0" brushRef="#br0" timeOffset="-154474.74">21470 4520 8432,'4'31'180,"0"-1"-90,3 2-90,-3-7 0,1 7 0,-2 1 0,1-7 90,2 15-90,-3-19 180,3 7 360,-3-16-450,-1-1-180,-1-7-360,-1-19 90,0-6 270,-14-11 90,11-2-90,-10 4 180,13-4-180,0-3 90,0-4 0,17-2 0,-13-3 225,10 14 0,3 0-135,4-15 45,-3 12 0,2 1-135,12 2 0,10-7 359,-19 24-179,7 3 90,-12 9-90,-2 2-90,-2 0 90,-1 22-270,-7-17 270,0 33-360,-6-12-3058,-26 22 3238,19-7 0,-18-19 0,-6-2 0,-5 10 0</inkml:trace>
-  <inkml:trace contextRef="#ctx0" brushRef="#br0" timeOffset="-152860.74">18463 5977 9062,'15'17'1259,"3"-17"-1259,14-20 0,-5 2 90,-2-19-90,-5 22 0,-1-21 90,-1 13-90,-2-3 0,-1 1 0,-1-2 0,-2 2 0,-4-2 0,-3 2 0,-3-12 0,-1 9-90,-1-14 90,0 21-180,-19-4 180,14 14 90,-14 3-180,3 3 0,1 3 180,-14 24-90,4 8 0,3 28 0,8-11 0,7-5 0,2-1 90,4 3-45,6-4 0,2 0-45,-3-7-450,28 18 91,-6-28-695,8 6 694,5-16-335,-10-1 425,2-6 90,0-2 180,0-3 0,-3-1 0,9-17 90,-11 12 360,8-26-180,-18 13-180,-4 1 540,-8-8 302,-3 15-1022,-1-8 636,-14 9-456,10 20-360,-10 6-359,14 19-91,17-19-89,-13 16 809,29-15 0,-29 7 0,13-4 0</inkml:trace>
-  <inkml:trace contextRef="#ctx0" brushRef="#br0" timeOffset="-152696.74">18972 5725 8252,'11'10'-780,"-12"-10"1,19 13 0</inkml:trace>
-  <inkml:trace contextRef="#ctx0" brushRef="#br0" timeOffset="-152388.74">19270 6082 8882,'12'0'90,"-1"0"-90,1-15 0,0 11 0,2-25 0,0 25 90,1-25-90,0 26-90,-3-27 90,2 12 0,-9-6 90,2-4-180,-7 13 90,0-2 90,-21 5-90,2 7 0,-22 0 0,10 25 0,3 2 90,11 21-90,9-12-630,8 7-719,22-17 180,5 9 1169,14-20 0,-3 6 0,-7-9 0</inkml:trace>
-  <inkml:trace contextRef="#ctx0" brushRef="#br0" timeOffset="-152029.74">19640 5918 9152,'15'11'-90,"-11"1"90,27 6 0,-27 5 90,22-8 90,-23 7-270,13-8 90,-12-7-90,4-24 90,-3 12 0,8-31 0,-3 10-90,22-28 90,-14 19 90,15-5-90,-20 31 90,6 0-90,-10 9 0,6 0 90,-6 20-90,2-16-540,0 34-90,-4-14-1528,3 18 2158,-5-10 0,0-4 0,-3-12 0</inkml:trace>
-  <inkml:trace contextRef="#ctx0" brushRef="#br0" timeOffset="-151846.74">19342 5643 7892,'50'-13'0,"-1"2"-269,3 1-361,-13 6 630,10 0 0,-19 4 0,-3 0 0</inkml:trace>
-  <inkml:trace contextRef="#ctx0" brushRef="#br0" timeOffset="-151129.74">20465 5502 10591,'0'-17'0,"0"2"0,0 5 90,0 3 540,0 3-630,0 26 0,0 28 0,0 2 0,0-7 0,0-2-416,0 4 506,11 14-90,-8-23 0,8-1 0,-2-4 90,-7 5 0,7-13-90,-5 7-180,-2-23-1259,2 2 1169,-4-25 416,0-5-146,0-22 0,0 5 0,0-3-90,0 11 0,0 2 0,17-5 270,0 10-180,11 3-90,-13 33 180,0-10-90,-13 37 90,12-37-90,-10 38 0,5-25 180,3 29-180,-2-21-360,13 10 0,-5-25-180,14 7 450,-10-17 0,4 4 90,-7-5 90,-3-20 0,-1 14 0,0-33 270,-6 14 270,-2-19-271,-5 10-89,-2 3-270,0 9 90,-20 11-90,16-6 0,-33 15 0,22-4 0,-5 20 0,0 7 0,18 20 0,-7-6 0,9 3 90,0-12 90,0 10-180,21-11-1169,7 10 539,24-19-90,-10-1 1,0-11-653,-14-4 1372,-1 0 0,-3-21 0,-1-4 0</inkml:trace>
-  <inkml:trace contextRef="#ctx0" brushRef="#br0" timeOffset="-150912.74">20697 5621 8612,'0'-9'720,"0"0"-540,0-1-90,17 0 89,-12-1-179,28 1 0,-29-1 90,29 0-90,-11 4-1619,15 1 450,-1 6 1169,-17 19 0,4-14 0,-12 14 0</inkml:trace>
-  <inkml:trace contextRef="#ctx0" brushRef="#br0" timeOffset="-150766.74">20732 6648 10411,'-1'9'-450,"1"-1"450,-1-3 0,1-3 0,0-1 0</inkml:trace>
+  <inkml:trace contextRef="#ctx0" brushRef="#br0" timeOffset="-167429.75">19093 2121 8702,'15'17'90,"-11"10"-90,21-13 0,-22 10-720,15-7 720,-12-23-90,4-6 90,0-22 0,-4 17-90,7-14 90,-4 16-89,1-2 448,1-1-269,-4 17 0,6-6-90,-6 7 90,6 14-90,-4 1 90,0 1-90,0 12 0,-2-25-270,2 30-359,0-21-361,0 15 990,2-11 0,2-1 0,2-2 0</inkml:trace>
+  <inkml:trace contextRef="#ctx0" brushRef="#br0" timeOffset="-167029.75">19607 2075 8342,'-40'0'-90,"16"13"90,0-10 90,21 25-90,-6-14 0,9 13 0,21-14 90,-15 4-90,30-15 0,-32 9 0,27-10 0,-11 3 180,11-4 0,-12-18 360,-3 0-360,-15-15-360,5 8 180,-6 5 0,0 27 0,0 11 90,0 36-90,0-10-211,0 8 211,16-15 90,-12 1-90,11 0 0,-3-2 0,-9-1 180,9-4-90,-12 5-1,0-13-178,0 6-451,-24-20-1349,1 0 1889,-23-22 0,12-11 0,3-16 0</inkml:trace>
+  <inkml:trace contextRef="#ctx0" brushRef="#br0" timeOffset="-166762.75">20490 1965 9422,'-44'-1'359,"0"0"-359,-6 1 0,23 18 0,-15-13 0,38 26 0,-25-27 180,26 25-180,-7-10 0,10 8-719,17-1 89,11-17-90,10 1-449,25-10 1169,-21 0 0,15 0 0,-17 0 0</inkml:trace>
+  <inkml:trace contextRef="#ctx0" brushRef="#br0" timeOffset="-166213.75">20692 1650 8702,'-17'-13'90,"13"2"540,-12 5-450,16 20-91,0 27-89,0 3-1184,0 16 1273,0-19-178,0 0 392,13 0-214,-9 15-178,9-16 178,-3 19 1,-7-29-90,13 8 90,-11-21-180,3 0 180,-4-10-90,-2-3-269,0-2 1150,0-1-970,2-1-1,5-17 90,-1-4-90,17-28 0,-12 26 90,14-19-90,-18 30 90,7-5 0,-9 9 0,6 8 0,-6 0 90,6 17-90,-3 2 0,1 2 90,8 10-90,-5-12 0,16 11 90,-9-12-180,19-2 0,-12-14 90,9 4 0,2-25-90,-11 15 180,16-45-180,-22 31-336,1-27 606,-12 19 13,-3 1 167,-5 1-180,-1 3-180,-2 2 0,0 5 0,0 3 596,0 36-596,0 1-89,0 23-811,0-12-1169,15-2 2069,2-10 0,1 4 0,-4-12 0</inkml:trace>
+  <inkml:trace contextRef="#ctx0" brushRef="#br0" timeOffset="-165338.75">21180 1932 9152,'16'14'90,"-13"11"-180,29-9 180,-29 8-90,25-3 0,-25-5 0,20 2 0,-20-1 0,16 0 0,-12-2 90,8-2-90,-4-1 0,2 1 90,-1-6-360,4 0 90,-4-7 180,3 0 0,1-16 0,-6 12 0,8-25 0,-12 11 450,1-13-181,-6 1-179,0 3-180,-1 7 180,0 25 0,16 8 0,-1 14-1349,19-3 90,-6-12 1169,-3-4 0,-1-8 0,-6 0 0</inkml:trace>
+  <inkml:trace contextRef="#ctx0" brushRef="#br0" timeOffset="-165062.75">21507 1338 8612,'16'-9'360,"-12"2"0,28 2-180,-28 2-1,24 1-179,-25 23 0,10 8 0,-13 13-269,0 1-721,-17-8-359,12 3 1125,-28 2 0,29 0 0,-12 0 0</inkml:trace>
+  <inkml:trace contextRef="#ctx0" brushRef="#br0" timeOffset="-162529.75">17980 3216 8792,'0'-16'1079,"0"0"-449,0 0-180,0-1-180,0-1-180,0-3-90,0 8-90,0-1 269,0 9-89,13 23-3482,-1 15 3392,2 8 0,4 6 0,-16-19 0,14-1 0,-12-3 0,6-2 0,-5-3 0,0-3 0,0 1 3392,-2-8-3302,0 2-90,-2-7 0,1-2 90,-1-1-180,3-1-719,8-12-1,0-3-89,9 1-181,-2-14-89,4 16 1169,2-16 0,0 9 0,2-1 0</inkml:trace>
+  <inkml:trace contextRef="#ctx0" brushRef="#br0" timeOffset="-162210.75">18405 3466 10141,'6'4'180,"1"-1"-180,4-1-90,-1-22 180,4 15-90,-1-29 0,1 30 90,2-30-90,0 29 90,0-30 0,-1 22 270,0-20-360,-4 21 180,-2-11-360,-6 16 180,-19-4 0,-1 38 0,-3 1 0,7 18 90,13-16-540,0-10-1079,0 6 539,17-9 990,4 8 0,1-17 0,-5 1 0</inkml:trace>
+  <inkml:trace contextRef="#ctx0" brushRef="#br0" timeOffset="-162002.75">18528 3117 8522,'-4'-4'90,"0"1"-90,4 1-180,18 1-1169,5 1 1349,12 0 0,-13 14 0,-10 4 0</inkml:trace>
+  <inkml:trace contextRef="#ctx0" brushRef="#br0" timeOffset="-161846.75">18668 2953 7533,'36'0'-450,"-15"14"-539,8-10 989,-16 24 0,15-24 0,-6 10 0</inkml:trace>
+  <inkml:trace contextRef="#ctx0" brushRef="#br0" timeOffset="-161629.75">19217 3175 8702,'-49'0'450,"11"0"-450,0 0 0,11 15 0,3-12 0,1 25 90,2-9-90,10 7 0,2 0 90,9 0-450,19-6-899,12 9 269,11-15 746,6-2 1,-7-9 0,3-3 0</inkml:trace>
+  <inkml:trace contextRef="#ctx0" brushRef="#br0" timeOffset="-161030.75">19435 2857 8612,'0'-7'180,"-13"2"-90,-1 4 0,-2 19 0,6 10-90,10 29 0,0-6 45,-2-11 0,4 0-569,13 11 479,-13-17 0,0-1 225,14 11-180,1-1 0,-13-4 0,23-2 0,-24-6 0,17-3 180,-18 2-90,16-12-900,-16 2 540,11-16 180,-11 0 0,6-19 524,-3 11-434,6-30 0,-1 8 0,8-21-90,-8 11 90,4 2 0,-7 23 0,-1-8 360,-1 16-90,1-8-90,0 11-90,2 0-90,-3 14 0,5 6 0,-4-1 90,3 16-90,-2-21 0,-2 17 90,3-12 0,7 1-90,-2-2-360,18-9 90,-10 0-180,19-9 360,-15-15 0,7 11 90,-12-27 90,-2 26-90,-3-31 0,-3 31 180,-4-35 180,-3 26 90,-3-15-450,-1 7 0,-1 6 0,0 17 0,0 10 90,0 26 0,0-3-180,0 2-270,20-16-1259,3 2 1169,23-20-449,-13 6 899,-3-8 0,-8-16 0,-3-3 0</inkml:trace>
+  <inkml:trace contextRef="#ctx0" brushRef="#br0" timeOffset="-160311.75">20215 3242 8882,'3'-8'360,"-1"1"-270,1 26-90,-1-15 0,5 32 0,-3-11 90,8 17-180,-5-9-810,9 5 630,-6-20-539,5 5 539,-6-16-90,3 0 90,-1-7 270,-2 0 630,5-21-270,-6-1 179,0-21-269,-3 21-90,-3-12-180,-1 17 720,-1-8-630,0 28-90,12-5 90,-9 33 0,18-10-90,-18 15-360,15-7 0,-7 3-90,5-21 1,-2 9-181,5-14 360,-4 2 90,6-4-90,-3-4 360,-1 0 0,1-17 630,5-1-270,-6-3 89,6-8-179,-12 12 180,-1-11-450,-5 12-90,-3 1 90,-1 29-90,-1-4 90,0 19-270,0-5-90,18-10 180,-13 1-180,26-14 270,-15 6 0,10-7 0,-10-20 0,1 15 180,-15-31 90,6 12 90,-8-16-91,0 7-359,0 6-89,0 8 269,-13 6-90,10 23 0,-10 26 0,31 8-757,-13 10 757,12-21-90,0 1 160,-12-2-70,23 0 90,-25-3-90,17-1 720,-17 5-630,12-11 0,-14 5-1,4-16-2157,-26-2 2068,-2-6 0,-23-20 0,1-5 0</inkml:trace>
+  <inkml:trace contextRef="#ctx0" brushRef="#br0" timeOffset="-160129.75">20595 2594 8882,'-32'45'-720,"15"-9"-179,-8 0 899,23-6 0,-9 4 0,11 3 0</inkml:trace>
+  <inkml:trace contextRef="#ctx0" brushRef="#br0" timeOffset="-159872.75">21378 2924 10411,'-14'18'270,"10"15"-270,-11-5 90,15 10 0,0 21-90,0-21 0,0 15-720,0-1 91,16-13-541,-12 21 631,13-29-1081,-17 10 1620,0-23 0,0 0 0,0-12 0</inkml:trace>
+  <inkml:trace contextRef="#ctx0" brushRef="#br0" timeOffset="-159740.75">21152 3289 8342,'-11'-24'180,"2"-4"-270,9 8 180,21-8-90,-15 15-450,56-2 91,-34 11-316,12 2 0,2 1 512,3 1 0,13 0 0,-19 0 0</inkml:trace>
+  <inkml:trace contextRef="#ctx0" brushRef="#br0" timeOffset="-159463.75">21710 3262 9422,'-21'6'180,"15"-2"-180,-31 0 0,33-1-90,-34 9 90,32-4 90,-17 12-180,23-10 180,0 10-90,0-8 89,16 3-89,-13-4 90,27-2 180,-9 0-180,14-5 0,0 0-90,-7-22 0,-12-2 0,-8-19-90,-8 3-539,-24 2-91,0 15 0,-4 2-1438,-7 15 2158,21-3 0,-6 5 0,10 0 0</inkml:trace>
+  <inkml:trace contextRef="#ctx0" brushRef="#br0" timeOffset="-159274.75">22038 3223 9242,'5'0'180,"-2"10"-90,-2 2-90,0 9 0,-1-1-90,0-2-450,0 3-90,0-1-89,0 3 719,0 6 0,0-9 0,0 3 0</inkml:trace>
+  <inkml:trace contextRef="#ctx0" brushRef="#br0" timeOffset="-159114.75">22148 3223 9242,'4'-5'-90,"-2"1"90,4 4 0,-3 0 90,-1 0 0,1 0-1440,0 0 361,1 14 989,-1-10 0,-2 9 0,0-13 0</inkml:trace>
+  <inkml:trace contextRef="#ctx0" brushRef="#br0" timeOffset="-158904.75">21672 2942 8432,'25'-14'0,"-6"1"0,24 1 0,-15 3 0,-1 1 90,-3 3-90,2 2 0,-6 21 0,1 5 0</inkml:trace>
+  <inkml:trace contextRef="#ctx0" brushRef="#br0" timeOffset="-157962.75">18370 4694 9422,'0'-19'1529,"0"-1"-1169,10 0-1,-7-1-179,7 1 180,-10 1-180,0 2-180,0 2-90,0 4 90,0 1 0,0 4-90,-17 1 90,-4 3 0,-20 21 0,8-14 0,0 34 90,12-21-180,9 16-180,-6-6-629,16 9 179,-8-10-2248,30 10 1430,12-25 1538,10 2 0,6-14 0,-10 0 0</inkml:trace>
+  <inkml:trace contextRef="#ctx0" brushRef="#br0" timeOffset="-157408.75">18598 4294 9062,'0'-9'360,"0"2"-450,-14 2 449,10 1-269,-11 18-90,15 24 0,0 1 0,-1-1 0,2 0 90,13 6-1128,-10 16 1128,10-17-90,-14 0 0,10-2-566,-2 11 566,3-16 8,-2 13-8,-5-27-900,1 0 631,0-16 871,-2-1-871,1-20 701,6-4-432,0 1 111,12-27-111,-7 27-90,12-24 180,-10 18-180,2 12 180,-6-6 180,-3 17-180,1-5 180,3 6-180,-4 0 270,5 17-270,-7 2-90,5 19 0,-5-19 0,2 13 90,1-21-90,-4 16 90,6-11-90,-5-4 0,11-6 0,-7-6 0,21-31 90,-18 23-180,14-41 359,-20 27-179,3-12-180,-9 14 90,3-1-89,-4 19 178,1-6-89,-1 8 0,2 0 90,-1 16-90,2-12 90,-2 29-180,0-28-269,3 32-361,-2-22-179,3 17-451,1-10 1350,1-10 0,1 11 0,1-8 0</inkml:trace>
+  <inkml:trace contextRef="#ctx0" brushRef="#br0" timeOffset="-157229.75">19125 4354 8522,'24'15'-495,"-18"10"0,41-22 1,-17 8-1</inkml:trace>
+  <inkml:trace contextRef="#ctx0" brushRef="#br0" timeOffset="-156994.75">19665 4297 9512,'-14'-7'899,"10"15"-989,-10 15 90,14 10 90,0 21 0,0-15-45,0-3 0,0 0-45,0 6-315,9-5 0,0 0-314,-4 2-1325,12 13 1325,-17-22 276,11-3-996,-8-5 1411,8-4 1,-11-6 0,0-2 0</inkml:trace>
+  <inkml:trace contextRef="#ctx0" brushRef="#br0" timeOffset="-156863.75">19453 4643 8432,'0'-14'0,"0"0"90,0 1-90,24 1 0,-18 0-360,43 1-1079,-11 1 1439,13 3 0,4 2 0,-14 3 0</inkml:trace>
+  <inkml:trace contextRef="#ctx0" brushRef="#br0" timeOffset="-156546.75">19873 4689 8432,'16'4'0,"3"-2"0,0-16 90,6 10-90,-12-22 0,8 14 360,-3-10-180,-6 2 0,-5 6 0,-4 1-90,-2 6 0,-1 1-90,0 2 179,1 1-179,0 2 0,2 18 0,-2-13 0,2 28 0,0-28 180,4 41-180,-3-26-1079,6 32 269,-2-27-269,2 4 1079,-1-14 0,-2-2 0,1-4 0</inkml:trace>
+  <inkml:trace contextRef="#ctx0" brushRef="#br0" timeOffset="-156388.75">20042 4396 8162,'0'0'0</inkml:trace>
+  <inkml:trace contextRef="#ctx0" brushRef="#br0" timeOffset="-155746.75">20333 4647 8702,'18'0'270,"-4"0"-90,-5-17-90,-3 13-90,-2-14 0,0 0 0,0 14 0,-2-28 90,-1 16-90,-1-11 180,0 5-90,-19 10-1,15 2-89,-29 9 0,19-2 0,-2 22 0,-4 5 90,18 25-90,-7-11 0,9 14 0,17-21 180,3 21-90,20-30-90,-20 7-90,20-24 180,-24-2-90,32-3 0,-20-15 0,21-9 0,-23-9-45,-4 2 0,-2-2 135,-2-5-135,-7 1 0,-1-1 45,-5 2 180,-3-23-90,-2 30-90,0-6 0,0 18 0,0 4 0,0 4 270,0 3-270,0 21 0,0 7 0,0 24 0,0-8 0,0 1 0,10-10 90,-7 11 0,7-10-720,-3 17 1,-5-23-631,4 12 451,-6-20-271,0 3 1080,0-11 0,0-3 0,0-1 0</inkml:trace>
+  <inkml:trace contextRef="#ctx0" brushRef="#br0" timeOffset="-155626.75">20587 4642 8612,'0'-17'180,"16"7"-180,-12-5-270,50 4-449,-32-4 719,12 6 0,1 2 0,-4 0 0,11-1 0</inkml:trace>
+  <inkml:trace contextRef="#ctx0" brushRef="#br0" timeOffset="-155346.75">20158 4280 8522,'0'-15'360,"0"-1"-270,27 0 90,-20-1-180,24 4 0,5 0 0,-10-5-913,33-6 913,-25 11-90,-3 2 421,-1 4-241,7 2-90,-12 3-540,9 1-359,-20 18-271,1-13 1170,-9 27 0,-2-27 0,-3 10 0</inkml:trace>
+  <inkml:trace contextRef="#ctx0" brushRef="#br0" timeOffset="-155179.75">20730 4038 8342,'0'39'-495,"0"-6"0,0 0 1,0-7-1</inkml:trace>
+  <inkml:trace contextRef="#ctx0" brushRef="#br0" timeOffset="-154856.75">21303 4404 9422,'-52'-11'539,"24"-6"-629,-20 15 90,25-6 0,-16 8 90,19 19-180,9 2 90,30 22 0,-14-10 0,35 1 0,-35-9 0,39-1 0,-39-1 0,36-1 0,-36-3 90,24-1 0,-26-5 270,9 0-270,-12-5-180,0-2-809,-18-4-1080,-3-2 1979,-21-13 0,9-2 0,0-14 0</inkml:trace>
+  <inkml:trace contextRef="#ctx0" brushRef="#br0" timeOffset="-154474.75">21470 4520 8432,'4'31'180,"0"-1"-90,3 2-90,-3-7 0,1 7 0,-2 1 0,1-7 90,2 15-90,-3-19 180,3 7 360,-3-16-450,-1-1-180,-1-7-360,-1-19 90,0-6 270,-14-11 90,11-2-90,-10 4 180,13-4-180,0-3 90,0-4 0,17-2 0,-13-3 225,10 14 0,3 0-135,4-15 45,-3 12 0,2 1-135,12 2 0,10-7 359,-19 24-179,7 3 90,-12 9-90,-2 2-90,-2 0 90,-1 22-270,-7-17 270,0 33-360,-6-12-3058,-26 22 3238,19-7 0,-18-19 0,-6-2 0,-5 10 0</inkml:trace>
+  <inkml:trace contextRef="#ctx0" brushRef="#br0" timeOffset="-152860.75">18463 5977 9062,'15'17'1259,"3"-17"-1259,14-20 0,-5 2 90,-2-19-90,-5 22 0,-1-21 90,-1 13-90,-2-3 0,-1 1 0,-1-2 0,-2 2 0,-4-2 0,-3 2 0,-3-12 0,-1 9-90,-1-14 90,0 21-180,-19-4 180,14 14 90,-14 3-180,3 3 0,1 3 180,-14 24-90,4 8 0,3 28 0,8-11 0,7-5 0,2-1 90,4 3-45,6-4 0,2 0-45,-3-7-450,28 18 91,-6-28-695,8 6 694,5-16-335,-10-1 425,2-6 90,0-2 180,0-3 0,-3-1 0,9-17 90,-11 12 360,8-26-180,-18 13-180,-4 1 540,-8-8 302,-3 15-1022,-1-8 636,-14 9-456,10 20-360,-10 6-359,14 19-91,17-19-89,-13 16 809,29-15 0,-29 7 0,13-4 0</inkml:trace>
+  <inkml:trace contextRef="#ctx0" brushRef="#br0" timeOffset="-152696.75">18972 5725 8252,'11'10'-780,"-12"-10"1,19 13 0</inkml:trace>
+  <inkml:trace contextRef="#ctx0" brushRef="#br0" timeOffset="-152388.75">19270 6082 8882,'12'0'90,"-1"0"-90,1-15 0,0 11 0,2-25 0,0 25 90,1-25-90,0 26-90,-3-27 90,2 12 0,-9-6 90,2-4-180,-7 13 90,0-2 90,-21 5-90,2 7 0,-22 0 0,10 25 0,3 2 90,11 21-90,9-12-630,8 7-719,22-17 180,5 9 1169,14-20 0,-3 6 0,-7-9 0</inkml:trace>
+  <inkml:trace contextRef="#ctx0" brushRef="#br0" timeOffset="-152029.75">19640 5918 9152,'15'11'-90,"-11"1"90,27 6 0,-27 5 90,22-8 90,-23 7-270,13-8 90,-12-7-90,4-24 90,-3 12 0,8-31 0,-3 10-90,22-28 90,-14 19 90,15-5-90,-20 31 90,6 0-90,-10 9 0,6 0 90,-6 20-90,2-16-540,0 34-90,-4-14-1528,3 18 2158,-5-10 0,0-4 0,-3-12 0</inkml:trace>
+  <inkml:trace contextRef="#ctx0" brushRef="#br0" timeOffset="-151846.75">19342 5643 7892,'50'-13'0,"-1"2"-269,3 1-361,-13 6 630,10 0 0,-19 4 0,-3 0 0</inkml:trace>
+  <inkml:trace contextRef="#ctx0" brushRef="#br0" timeOffset="-151129.75">20465 5502 10591,'0'-17'0,"0"2"0,0 5 90,0 3 540,0 3-630,0 26 0,0 28 0,0 2 0,0-7 0,0-2-416,0 4 506,11 14-90,-8-23 0,8-1 0,-2-4 90,-7 5 0,7-13-90,-5 7-180,-2-23-1259,2 2 1169,-4-25 416,0-5-146,0-22 0,0 5 0,0-3-90,0 11 0,0 2 0,17-5 270,0 10-180,11 3-90,-13 33 180,0-10-90,-13 37 90,12-37-90,-10 38 0,5-25 180,3 29-180,-2-21-360,13 10 0,-5-25-180,14 7 450,-10-17 0,4 4 90,-7-5 90,-3-20 0,-1 14 0,0-33 270,-6 14 270,-2-19-271,-5 10-89,-2 3-270,0 9 90,-20 11-90,16-6 0,-33 15 0,22-4 0,-5 20 0,0 7 0,18 20 0,-7-6 0,9 3 90,0-12 90,0 10-180,21-11-1169,7 10 539,24-19-90,-10-1 1,0-11-653,-14-4 1372,-1 0 0,-3-21 0,-1-4 0</inkml:trace>
+  <inkml:trace contextRef="#ctx0" brushRef="#br0" timeOffset="-150912.75">20697 5621 8612,'0'-9'720,"0"0"-540,0-1-90,17 0 89,-12-1-179,28 1 0,-29-1 90,29 0-90,-11 4-1619,15 1 450,-1 6 1169,-17 19 0,4-14 0,-12 14 0</inkml:trace>
+  <inkml:trace contextRef="#ctx0" brushRef="#br0" timeOffset="-150766.75">20732 6648 10411,'-1'9'-450,"1"-1"450,-1-3 0,1-3 0,0-1 0</inkml:trace>
   <inkml:trace contextRef="#ctx0" brushRef="#br0" timeOffset="-39713.73">14177 11590 11131,'0'33'180,"0"0"-180,10-2 179,-7-1 1,7-4-180,-10 0 0,7 4-90,-5 0 180,12 0-90,-13 2 0,10-2 0,-7 1 0,6 0 0,-3-1 0,0 0 0,0-2 90,2 12-90,-3-9 0,4 23 90,-6-23 180,3 23-270,-5-22 45,2 1 0,0 1-45,0 3 0,0-3 0,0 0 0,0-2 0,1 20 0,0-25 0,1 16 0,-1-20 0,0 2-90,-1-3 180,-2-7-90,3 10 0,-5-11 0,3 7 0,-3-10 90,0 1-180,0-5-5937,0-2 6027,0-17 0,0 10 0,0-12 0</inkml:trace>
   <inkml:trace contextRef="#ctx0" brushRef="#br0" timeOffset="-38510.73">14250 11485 8432,'16'-3'540,"-12"-2"-360,13 1 90,0 0-270,-13 0 269,33-1-179,-20-1 0,36-7-90,-14 1 180,0 1 0,2 0 0,17-3-1049,-17 5 0,1-1 1004,-9 3 0,0 1-180,2-1 0,1 1-442,1-1 0,0 0 487,3 0 0,0 1-45,1 0 0,1-1 45,0 1 0,2 0 45,19-2 0,1 1-45,-16 1 0,1 1 0,5 0 0,5-1 0,-4 1 0,-5 1 0,-2 0-488,17-1 1,-2 0 487,-16 0 0,-3 1 0,1 0 0,0 0 0,2 0 0,0-1 0,1 1 0,-1 0 0,1-1 0,0 1 0,0 0 0,3 0 60,-4 0 0,3 0 0,-2 0-60,7-1 0,3 0 0,5 0 0,6-1 0,-6 1-667,-4 0 0,-1 1 667,-8 0 0,3 0 0,-4-1 0,4 2 0,-3-1 0,1-1 0,0 1 0,-3 1 0,1 0-45,17-2 0,-1 1 90,-18 1 0,2 1-45,0-1 0,4-1 0,-5 2 362,-7 0 0,-1-1-362,27-2 0,-2 0 0,-29 2 0,0 0 0,10-3 0,5-2 0,-6 2 45,-10 1 0,0 0-90,28-6 0,-2 0 45,-9 0 45,-12 2 0,-2 1-45,2-3 726,19-3-636,-29 5-90,5 1 1084,-6 2-994,-10 2-180,9 0 180,-14 2 1837,6 1-1927,-11 1 678,4-1-767,-7 1 240,-1 0-61,0 0-90,2 0 0,-2 0 269,3 12-179,-5-9 0,3 9-90,-3 0 90,-1 5-180,-1 6 180,-1 2-180,0-7 180,-16 13-180,12-7 180,-11 19-90,15-17 0,-11 9-90,8-11 180,-8 1-90,11-1 0,0 11 0,0-9 0,-6 21 0,5-19 0,-4 19 0,5-21 0,0 8 0,0-4 0,0-6 0,0 13 0,0-16 0,0 14 0,0-15 0,-13 20 0,10-20 0,-9 19 0,4-21 90,6 14-90,-11-11 0,8 14-90,-2-12 180,-2 29-90,6-24 0,-6 28 0,4-29 0,0 9 0,1-8 0,0-2 0,1 3 0,0-2 0,2 2 0,-1 0 0,0 12 0,0-10 0,1 17 0,0-21 0,-1 6 0,1-12 0,-1 0 0,1-2 90,-1 0-90,-1-2-90,2 0 180,-1 5-90,2-6 0,-1 8 0,-1-13 0,1 2 0,-1-6 0,1-2 0,0-1-1799,0-1 450,-1-3 1349,-1 1 0,0-1 0,-1 0 0</inkml:trace>
   <inkml:trace contextRef="#ctx0" brushRef="#br0" timeOffset="-36658.73">13912 10456 8072,'0'44'270,"0"-2"-270,0-12 0,0 1 0,0 0 180,0-4-180,0 0 0,0-3 270,0-4 0,0-3 90,0-4 179,0-4-179,0-2 0,0-3 180,11-2-630,-8-15 90,20-7 0,-21-23 90,17-9-90,-15 5-180,5 1-450,-4 13-269,-1 2-181,1 0 1080,4-8 0,-1 12 0,3-4 0</inkml:trace>
@@ -691,27 +696,27 @@
   <inkml:trace contextRef="#ctx0" brushRef="#br0" timeOffset="-17597.73">30780 9144 11580,'-17'-17'0,"13"2"0,-32 4 90,32 2-90,-34 3 0,16 2 90,-9 1-90,5 21 0,7 8 0,9 9 0,0 2-989,10 2 269,0-9-1169,24 16 540,6-24 1191,13-3 0,-2-4 1,-10-5-1</inkml:trace>
   <inkml:trace contextRef="#ctx0" brushRef="#br0" timeOffset="-17363.73">30892 9193 10861,'-39'-19'539,"3"4"-449,4 8 0,15 19-90,6 4 0,31 16 0,3-3-269,21-2 269,-6-2-360,-4-12-2519,-16-1 2879,-7-25 0,-34 0 0,-6-17 0</inkml:trace>
   <inkml:trace contextRef="#ctx0" brushRef="#br0" timeOffset="-16463.73">31068 9194 10681,'9'17'540,"-1"-2"-540,-5 5 90,1 15-90,-2-21 0,0 20 0,0-16 0,-1 0 0,1-4 89,-1 3-268,0-8-1351,-1 0 1441,0-23 89,0-3 0,0-24 179,0-1-179,0 7 360,0-4 90,0 17-360,13 5-90,-10 23-90,21 13-540,-13-1-89,9 18-1710,0-11 2429,-3 9 0,3-11 0,-3-13 0</inkml:trace>
-  <inkml:trace contextRef="#ctx0" brushRef="#br0" timeOffset="-16214.74">31455 8968 10411,'0'-8'1079,"0"3"-809,0 18-270,0 10 0,18 10 0,-14 5 0,14-7 0,-3 3 0,-11 17 90,23-11-90,-24 8 0,17-15-180,-18-3-179,5-2-271,-1-5-270,-4-1 1,4-6-810,-6 0 360,0-8 1349,-22-1 0,17-6 0,-17-1 0</inkml:trace>
-  <inkml:trace contextRef="#ctx0" brushRef="#br0" timeOffset="-15930.74">31392 9134 9152,'23'-18'450,"29"-3"-361,-30 7 181,41 0 0,-31 9-180,23 3-90,-23 2 0,8 18 90,-11-13-180,-5 30 90,2-31 0,3 31 0,-9-12 90,7 17 0,-16-10 270,2-1-360,-10-14 0,-14-3-90,7-43 90,-11 3-450,15-22-809,0 20-810,0 4 2069,0 4 0,15 5 0,4 7 0</inkml:trace>
-  <inkml:trace contextRef="#ctx0" brushRef="#br0" timeOffset="-15097.74">32168 9233 11760,'-22'-12'450,"-17"9"-450,18-20 0,-16 21 0,11-8 0,13 26 0,5 1 0,8 16-90,21-3 90,2-5 0,20-9-360,-7-8-89,-7-8 89,-13-15 180,-8-5-90,-8-17-360,-15-1 271,-7 3 359,2 8 0,22 12 90,23 22 179,23-3-179,-11 10 90,-1-5-180,-13-6 90,-2 6 90,-1-9-90,2 0 0,-7-16 0,5-6 0,-13 1 90,0-22-180,-6 22 270,-1-22-91,0 8 181,0-17-180,0 11-815,-16-11 725,13 17 90,-13 4-180,16 4-90,-13-3 90,9 12 0,-16 1 90,18 27-180,-6 15 180,8 29-90,0-3 45,7-11 0,0 0-661,-3 12 616,9-18 0,1-1-568,2 29 568,1-17-166,2-13 0,0-1 76,-3-1 0,12-9 0,2-4 90,-4-5 0,23-1 0,-27-25-220,3 10 220,-11-30 90,-3 17-180,-5-18 0,-1-11 180,-3 9-45,0 1 0,-4 0 45,-18-8 89,15-17 1,-15 20 90,1 2-270,14 2 1352,-14 4-1442,5 5 90,10 6 625,-10 3-535,7 9 316,5 23-406,-5 15 169,7 15-169,0 23 90,0-20-1205,0 17 1025,0-19-180,18-1-270,-13-4-899,26 13 360,-15-17-443,0 6 443,12-19-352,-16-5 1431,12-4 0,-9-5 0,0-2 0</inkml:trace>
-  <inkml:trace contextRef="#ctx0" brushRef="#br0" timeOffset="-14741.74">32762 9146 10501,'0'-19'360,"0"2"-360,0 6 0,19 4 90,-14 3-90,31 2 0,-13 2 0,18-1 0,-8 0 90,2-1-90,-16-1 0,1 0 0,-9-2 0,-4 0 0,-1-4 180,-4-6-90,-1 1-1,-1-4 181,0 3-90,-16 1 0,13 0 0,-25-3-180,25 5 0,-9 0-90,12 7 180,-9 2-180,6 21 180,-6 1-90,26 34 0,-12-18 0,29 18-180,-17-26-1979,23 19 1440,-16-25-361,11 10 361,-22-22-720,4-1 1439,-10-6 0,-1-2 0,-3 0 0</inkml:trace>
-  <inkml:trace contextRef="#ctx0" brushRef="#br0" timeOffset="-14462.74">33155 9124 10411,'0'-34'1349,"0"4"-1439,0 7 360,0 9-270,0 22 90,0 7-90,14 19 0,-10 0-90,19-7 180,-20 5-90,12-21 180,-14 10-270,4-15 90,-2 3 0,0-6 0,2-20 0,0 13 0,1-34 0,9 6 0,-2-10 0,2 10 0,0 2-90,8-8-924,10-11 1014,-6 19 0,1 2-269,0 5-1081,12 1 361,-12 10-630,7 2 1619,-16 9 0,-4 1 0,-3 0 0</inkml:trace>
-  <inkml:trace contextRef="#ctx0" brushRef="#br0" timeOffset="-13660.74">28232 10217 10861,'0'49'90,"0"-10"0,-11 5-90,8 11 0,-8-12 90,6-6 0,2 1-90,0 2 0,-5 10 90,8-14-1,0-12 91,-3 2-270,2-17 180,-4-2-359,3-26 269,-1-9 0,1-14-270,2-24 270,0 17 0,9 3 0,1 0-90,-5-10 90,11 9 0,3 2-797,6-3 707,8-9 90,2 28 90,-11 5 103,-2 9-103,6 6 0,-10 6 270,4 22-360,-13-14 90,-3 34-180,-4-11 180,-2 9-90,-19 0 0,14-14-899,-31-2-1287,15 1 2186,-13-11 0,2 0 0,4-11 0</inkml:trace>
-  <inkml:trace contextRef="#ctx0" brushRef="#br0" timeOffset="-12980.74">28647 9978 10231,'5'19'1080,"-3"17"-811,1-18-89,-1 18-90,-1-8 0,1 0-90,0 15 0,1-9 0,2 23 90,-2-23-180,6 19 180,-4-25-180,3 6-180,-1-17-359,0-1 179,1-6-360,6-3 631,-3-3 268,12-18-89,-7 10 0,10-25 90,-9 5 360,4-13-90,-10 13-90,1-6-180,-6 26-180,-1-17 180,-2 19-90,0-6 0,-1 8 0,2 0 0,-1 20 90,4 4-90,0 0 90,2 17-90,2-26 0,-1 18-360,2-12-720,7-3 451,-4 0-91,14-9 360,-11-1 181,4-8 89,-7-15 180,-1 12 719,6-49-449,-10 32 629,4-40-449,-12 37-450,0-6-90,-2 9 0,0 25 0,0 3 0,0 27-180,17-16-90,-12 11-90,27-27 270,-29 20 1,26-21-1,-11 7 180,8-9 359,1 0 1,-10-19 719,1 1-899,-10-4-450,-2-4 180,-6 14 0,1-4-90,1 22-539,0-2-271,3 27-269,-1-26-360,3 31 1529,0-21 0,2 18 0,1-10 0</inkml:trace>
-  <inkml:trace contextRef="#ctx0" brushRef="#br0" timeOffset="-12791.74">29135 9980 10861,'0'-10'0,"25"3"-720,11 3 1,14 2-1060,3 1 70,-9 1 1709,1 15 0,1-11 0,-2 10 0</inkml:trace>
-  <inkml:trace contextRef="#ctx0" brushRef="#br0" timeOffset="-12211.74">29753 10033 10861,'0'-16'1169,"0"2"-899,0 2-180,0-1-90,0 6 180,14 19-270,-10 17 90,10 13 45,-8-8 0,-2 2-45,-2 13 0,3-3 0,0 0 0,-1 9 0,-3-11 0,-1-2 0,5 1-360,-2 16 180,-3-36-90,4-1-449,-3-16-631,1-4 991,0-20 269,1 13 0,1-46 90,0 31 0,3-30 0,1 21 0,0-1 0,3 2 270,-1 3 179,1 3-269,0 5-90,5 8-90,-5 3 90,9 6-180,-11 20 180,9 9-360,-8 11-765,2-6 1,1 0-45,3-1 1079,0 0 0,1-3 0,4-8 0,6 5 0</inkml:trace>
-  <inkml:trace contextRef="#ctx0" brushRef="#br0" timeOffset="-11912.74">30288 10328 10321,'-22'-21'990,"17"1"-901,-37 5-178,37 0 89,-33 5 0,17 4 89,-12 3-89,15 18 90,7 8-180,11 18 90,26 5-179,-19-9-648,44-4 827,-32-14 90,24-9-180,-12 6 270,11-14-180,-14 7 0,8-9 0,-17 0 90,-8-19-90,-2-1 736,-9-19-825,-22 19-1,16-12-1260,-36 17 721,18-3 629,-15-2 0,16 19 0,9-7 0</inkml:trace>
-  <inkml:trace contextRef="#ctx0" brushRef="#br0" timeOffset="-11488.74">30488 10374 10591,'9'2'809,"-4"0"-809,1 2 180,-4-1-180,1 2 0,-3 7 90,0-1 0,0 26-90,0-13 0,0 28 0,0-24 0,0 19 0,12-20 0,-9 4 0,9-13 90,-12-4 0,0-3-450,7-3 360,-6-21 0,6-9 0,-7-12-90,0-23 90,0 17 0,4-18 0,-2 24 0,2 0 0,3-18 135,-1 8 0,0 1-135,2-3 0,6-17 180,-7 36 270,8 1-450,-7 19 0,10 21 0,-9-9 90,9 29-180,-8-9 90,2 16-180,-5-6-1979,-3 1 0,-1-13 2159,-23 0 0,-6-12 0,-20-5 0</inkml:trace>
-  <inkml:trace contextRef="#ctx0" brushRef="#br0" timeOffset="-11313.74">30028 10090 10501,'44'0'360,"1"16"-1799,-3 5-1,-6 20-718,-17-5 2158,-8 3 0,-11-7 0,0 1 0</inkml:trace>
-  <inkml:trace contextRef="#ctx0" brushRef="#br0" timeOffset="-11176.74">30155 10858 11580,'14'11'720,"-10"-1"-720,22-4-360,-23-1-2428,22-3 2788,-13 0 0,11-19 0,-3-5 0</inkml:trace>
-  <inkml:trace contextRef="#ctx0" brushRef="#br0" timeOffset="-11007.74">31152 10528 13199,'20'-8'-3508,"-2"-1"3508,-5 0 0,-6-2 0,-4 0 0</inkml:trace>
+  <inkml:trace contextRef="#ctx0" brushRef="#br0" timeOffset="-16214.75">31455 8968 10411,'0'-8'1079,"0"3"-809,0 18-270,0 10 0,18 10 0,-14 5 0,14-7 0,-3 3 0,-11 17 90,23-11-90,-24 8 0,17-15-180,-18-3-179,5-2-271,-1-5-270,-4-1 1,4-6-810,-6 0 360,0-8 1349,-22-1 0,17-6 0,-17-1 0</inkml:trace>
+  <inkml:trace contextRef="#ctx0" brushRef="#br0" timeOffset="-15930.75">31392 9134 9152,'23'-18'450,"29"-3"-361,-30 7 181,41 0 0,-31 9-180,23 3-90,-23 2 0,8 18 90,-11-13-180,-5 30 90,2-31 0,3 31 0,-9-12 90,7 17 0,-16-10 270,2-1-360,-10-14 0,-14-3-90,7-43 90,-11 3-450,15-22-809,0 20-810,0 4 2069,0 4 0,15 5 0,4 7 0</inkml:trace>
+  <inkml:trace contextRef="#ctx0" brushRef="#br0" timeOffset="-15097.75">32168 9233 11760,'-22'-12'450,"-17"9"-450,18-20 0,-16 21 0,11-8 0,13 26 0,5 1 0,8 16-90,21-3 90,2-5 0,20-9-360,-7-8-89,-7-8 89,-13-15 180,-8-5-90,-8-17-360,-15-1 271,-7 3 359,2 8 0,22 12 90,23 22 179,23-3-179,-11 10 90,-1-5-180,-13-6 90,-2 6 90,-1-9-90,2 0 0,-7-16 0,5-6 0,-13 1 90,0-22-180,-6 22 270,-1-22-91,0 8 181,0-17-180,0 11-815,-16-11 725,13 17 90,-13 4-180,16 4-90,-13-3 90,9 12 0,-16 1 90,18 27-180,-6 15 180,8 29-90,0-3 45,7-11 0,0 0-661,-3 12 616,9-18 0,1-1-568,2 29 568,1-17-166,2-13 0,0-1 76,-3-1 0,12-9 0,2-4 90,-4-5 0,23-1 0,-27-25-220,3 10 220,-11-30 90,-3 17-180,-5-18 0,-1-11 180,-3 9-45,0 1 0,-4 0 45,-18-8 89,15-17 1,-15 20 90,1 2-270,14 2 1352,-14 4-1442,5 5 90,10 6 625,-10 3-535,7 9 316,5 23-406,-5 15 169,7 15-169,0 23 90,0-20-1205,0 17 1025,0-19-180,18-1-270,-13-4-899,26 13 360,-15-17-443,0 6 443,12-19-352,-16-5 1431,12-4 0,-9-5 0,0-2 0</inkml:trace>
+  <inkml:trace contextRef="#ctx0" brushRef="#br0" timeOffset="-14741.75">32762 9146 10501,'0'-19'360,"0"2"-360,0 6 0,19 4 90,-14 3-90,31 2 0,-13 2 0,18-1 0,-8 0 90,2-1-90,-16-1 0,1 0 0,-9-2 0,-4 0 0,-1-4 180,-4-6-90,-1 1-1,-1-4 181,0 3-90,-16 1 0,13 0 0,-25-3-180,25 5 0,-9 0-90,12 7 180,-9 2-180,6 21 180,-6 1-90,26 34 0,-12-18 0,29 18-180,-17-26-1979,23 19 1440,-16-25-361,11 10 361,-22-22-720,4-1 1439,-10-6 0,-1-2 0,-3 0 0</inkml:trace>
+  <inkml:trace contextRef="#ctx0" brushRef="#br0" timeOffset="-14462.75">33155 9124 10411,'0'-34'1349,"0"4"-1439,0 7 360,0 9-270,0 22 90,0 7-90,14 19 0,-10 0-90,19-7 180,-20 5-90,12-21 180,-14 10-270,4-15 90,-2 3 0,0-6 0,2-20 0,0 13 0,1-34 0,9 6 0,-2-10 0,2 10 0,0 2-90,8-8-924,10-11 1014,-6 19 0,1 2-269,0 5-1081,12 1 361,-12 10-630,7 2 1619,-16 9 0,-4 1 0,-3 0 0</inkml:trace>
+  <inkml:trace contextRef="#ctx0" brushRef="#br0" timeOffset="-13660.75">28232 10217 10861,'0'49'90,"0"-10"0,-11 5-90,8 11 0,-8-12 90,6-6 0,2 1-90,0 2 0,-5 10 90,8-14-1,0-12 91,-3 2-270,2-17 180,-4-2-359,3-26 269,-1-9 0,1-14-270,2-24 270,0 17 0,9 3 0,1 0-90,-5-10 90,11 9 0,3 2-797,6-3 707,8-9 90,2 28 90,-11 5 103,-2 9-103,6 6 0,-10 6 270,4 22-360,-13-14 90,-3 34-180,-4-11 180,-2 9-90,-19 0 0,14-14-899,-31-2-1287,15 1 2186,-13-11 0,2 0 0,4-11 0</inkml:trace>
+  <inkml:trace contextRef="#ctx0" brushRef="#br0" timeOffset="-12980.75">28647 9978 10231,'5'19'1080,"-3"17"-811,1-18-89,-1 18-90,-1-8 0,1 0-90,0 15 0,1-9 0,2 23 90,-2-23-180,6 19 180,-4-25-180,3 6-180,-1-17-359,0-1 179,1-6-360,6-3 631,-3-3 268,12-18-89,-7 10 0,10-25 90,-9 5 360,4-13-90,-10 13-90,1-6-180,-6 26-180,-1-17 180,-2 19-90,0-6 0,-1 8 0,2 0 0,-1 20 90,4 4-90,0 0 90,2 17-90,2-26 0,-1 18-360,2-12-720,7-3 451,-4 0-91,14-9 360,-11-1 181,4-8 89,-7-15 180,-1 12 719,6-49-449,-10 32 629,4-40-449,-12 37-450,0-6-90,-2 9 0,0 25 0,0 3 0,0 27-180,17-16-90,-12 11-90,27-27 270,-29 20 1,26-21-1,-11 7 180,8-9 359,1 0 1,-10-19 719,1 1-899,-10-4-450,-2-4 180,-6 14 0,1-4-90,1 22-539,0-2-271,3 27-269,-1-26-360,3 31 1529,0-21 0,2 18 0,1-10 0</inkml:trace>
+  <inkml:trace contextRef="#ctx0" brushRef="#br0" timeOffset="-12791.75">29135 9980 10861,'0'-10'0,"25"3"-720,11 3 1,14 2-1060,3 1 70,-9 1 1709,1 15 0,1-11 0,-2 10 0</inkml:trace>
+  <inkml:trace contextRef="#ctx0" brushRef="#br0" timeOffset="-12211.75">29753 10033 10861,'0'-16'1169,"0"2"-899,0 2-180,0-1-90,0 6 180,14 19-270,-10 17 90,10 13 45,-8-8 0,-2 2-45,-2 13 0,3-3 0,0 0 0,-1 9 0,-3-11 0,-1-2 0,5 1-360,-2 16 180,-3-36-90,4-1-449,-3-16-631,1-4 991,0-20 269,1 13 0,1-46 90,0 31 0,3-30 0,1 21 0,0-1 0,3 2 270,-1 3 179,1 3-269,0 5-90,5 8-90,-5 3 90,9 6-180,-11 20 180,9 9-360,-8 11-765,2-6 1,1 0-45,3-1 1079,0 0 0,1-3 0,4-8 0,6 5 0</inkml:trace>
+  <inkml:trace contextRef="#ctx0" brushRef="#br0" timeOffset="-11912.75">30288 10328 10321,'-22'-21'990,"17"1"-901,-37 5-178,37 0 89,-33 5 0,17 4 89,-12 3-89,15 18 90,7 8-180,11 18 90,26 5-179,-19-9-648,44-4 827,-32-14 90,24-9-180,-12 6 270,11-14-180,-14 7 0,8-9 0,-17 0 90,-8-19-90,-2-1 736,-9-19-825,-22 19-1,16-12-1260,-36 17 721,18-3 629,-15-2 0,16 19 0,9-7 0</inkml:trace>
+  <inkml:trace contextRef="#ctx0" brushRef="#br0" timeOffset="-11488.75">30488 10374 10591,'9'2'809,"-4"0"-809,1 2 180,-4-1-180,1 2 0,-3 7 90,0-1 0,0 26-90,0-13 0,0 28 0,0-24 0,0 19 0,12-20 0,-9 4 0,9-13 90,-12-4 0,0-3-450,7-3 360,-6-21 0,6-9 0,-7-12-90,0-23 90,0 17 0,4-18 0,-2 24 0,2 0 0,3-18 135,-1 8 0,0 1-135,2-3 0,6-17 180,-7 36 270,8 1-450,-7 19 0,10 21 0,-9-9 90,9 29-180,-8-9 90,2 16-180,-5-6-1979,-3 1 0,-1-13 2159,-23 0 0,-6-12 0,-20-5 0</inkml:trace>
+  <inkml:trace contextRef="#ctx0" brushRef="#br0" timeOffset="-11313.75">30028 10090 10501,'44'0'360,"1"16"-1799,-3 5-1,-6 20-718,-17-5 2158,-8 3 0,-11-7 0,0 1 0</inkml:trace>
+  <inkml:trace contextRef="#ctx0" brushRef="#br0" timeOffset="-11176.75">30155 10858 11580,'14'11'720,"-10"-1"-720,22-4-360,-23-1-2428,22-3 2788,-13 0 0,11-19 0,-3-5 0</inkml:trace>
+  <inkml:trace contextRef="#ctx0" brushRef="#br0" timeOffset="-11007.75">31152 10528 13199,'20'-8'-3508,"-2"-1"3508,-5 0 0,-6-2 0,-4 0 0</inkml:trace>
   <inkml:trace contextRef="#ctx0" brushRef="#br1" timeOffset="13108.27">28259 12334 24575,'0'0'0</inkml:trace>
   <inkml:trace contextRef="#ctx0" brushRef="#br0" timeOffset="21919.27">9792 3048 7803,'22'-2'269,"-3"9"-269,-3-4 90,-5 14 0,0-15 0,-4 14-90,2-15 0,-2 16 0,1-9 360,1 15-360,-1-7 0,0 6 90,-3-5-90,0 2 0,-2 0 0,0 2 0,0 0 0,-2 2 90,0 12-90,-1-8 0,0 22 180,0-20-90,0 8 0,-16-10-90,12-3 0,-12 2 90,-1 11 0,-2-9-90,-17 21 90,9-22-648,-2 8 558,9-12 0,-2-1 90,0-2-325,1 0 235,-3-1 0,0 1 0,-13 6 90,7-5-90,-18 11 90,18-14-180,-19 13 90,20-13 0,-9 4 0,10-6 0,1-1 0,-3 1 90,-15 7-90,9-7 0,3-2 0,-1 0-90,-8 2-814,-16 6 994,13-5-90,-5-1 0,-1 3-90,-4-2 90,-2 3 90,-2 0-90,15-5 0,0 0 0,10-4 0,-2 0 0,-22 8 0,0-1 0,23-7 0,2 0 0,-11 3 0,1-1 0,-16 6 90,0-2-90,2 0 180,17-7 0,0 0 0,-22 7-135,12-5 0,-1-1-45,-8 2 0,21-5 0,1-1 90,-14 2 311,1 0-86,6-4 0,-1 0-405,-10 3 135,6-3 0,3-1-135,7 0 315,-16-1-225,28-1 0,-10-1 0,19-1 1070,1 0-1160,5 0 90,6 0 0,0 0 0,5 0 0,0 0 0</inkml:trace>
   <inkml:trace contextRef="#ctx0" brushRef="#br0" timeOffset="22403.27">7497 4266 8972,'3'-4'719,"0"1"-539,-1 3 0,0-1 450,0 1-720,-1 13 180,-20 4-180,-4 9 180,-2 0-180,-29 7 180,32-5-90,-10-2 0,-2-1-360,1 7 450,-9 10-180,13-12 90,2-1 0,1-1 0,-3 5 0,10-11-90,-3 10 90,15-17 90,1 7 0,5-10 90,1 3 0,0-1-270,18-3 90,-14 7 0,30-7 0,-18 6 90,3-6-900,24 12 91,-25-11-1440,39 12 2159,-28-13 0,12 6 0,-10-6 0</inkml:trace>
   <inkml:trace contextRef="#ctx0" brushRef="#br0" timeOffset="24847.27">6538 4081 7353,'0'-5'270,"0"0"179,0 1-269,0 20-180,0-1 90,0 15 90,0 11-90,0-9 0,0 34-90,-14-20-511,10 19 601,-11-14 0,15 2-90,0 3 90,0-14 0,0 0 0,0 24-45,0-9 0,0-1-915,0 9 870,0-21 0,0-1 0,0 14 89,0 1-89,0-2 90,0-1-90,0-3 0,0 0 45,0-17 0,0 0 45,0 17-90,0-10 0,0-1 0,0 4-169,0-8 0,0-1 259,0 4-90,0 10 0,0-18-160,0-3 160,0 0 0,0 6 0,0-10 0,0 10 0,0-16 529,0 0-529,0-6 865,0-4-865,0 1 473,0-1-563,-9-1-167,7-1-643,-7 3 450,9-4-629,0 4 1079,0-8 0,0 2 0,0-3 0</inkml:trace>
   <inkml:trace contextRef="#ctx0" brushRef="#br0" timeOffset="25786.27">6713 3946 7892,'-12'13'360,"3"4"-360,2 10 90,5 3 270,-8 18-270,5-5-2126,2 0 0,0 1 2126,-1 19-45,3-21 0,1 1 213,0-8 0,0-2-78,-1 2 0,0 0-180,1 0 0,0 2 90,-1 16 0,0 0-90,1-12 0,0 0 120,0 3 0,0 4 0,0-4-380,0-3 0,0-2 260,0 11 0,0 0 0,0-16 0,0-1 90,0 34 0,0-2-90,0-1 0,0 0 90,0-2 90,1-19 0,-2 1-90,-11 21-45,11-11 0,0-2-45,-11 8 45,11-12 0,2 0-45,-1 7 0,0-21 0,0-1 0,0 14 0,0-5 0,0 0 90,0 12-180,0-12 90,0 21 0,0-28 2830,0 8-2830,0-5 0,0-10 90,0 13-90,0-20 578,0 10-578,0-17 1117,0 6-1117,0-10 0,0 1 179,0-6-3327,0-1 1979,-13-15 1169,3-5 0,-10-12 0,6 1 0</inkml:trace>
-  <inkml:trace contextRef="#ctx0" brushRef="#br0" timeOffset="37156.26">8328 4860 9062,'0'-7'989,"0"0"-719,0 1-180,0-1 0,0 0-90,0 0 0,0 1 90,0 1 0,0 1-90,0 18-90,0 6 180,0 11 0,-18 2-180,13-4 180,-33 3-90,34 1-90,-33 0 180,32-3-180,-30-1 180,31-5-90,-25-2 0,26-4-180,-18-2 180,19-3 0,-11-1 0,12-4 0,-6 0 180,26-6-180,3 1 0,15-3 90,0-16-90,13-1-90,-12-2-180,-3 6 0,0 0-180,5-5-1037,13 1 1127,-19-9 0,-2 24-146,-5-17 147,-3 17-1,-4-9 0,-4 10 360,-2-5 0,-7 5 0,-1-1 0</inkml:trace>
-  <inkml:trace contextRef="#ctx0" brushRef="#br0" timeOffset="37368.26">8462 4903 8522,'-5'15'990,"1"3"-900,4 12-1,0-1 1,0 1 0,0 3-1169,0 4-1260,0 4 2181,0 2 0,0 5 0,0 2 0</inkml:trace>
+  <inkml:trace contextRef="#ctx0" brushRef="#br0" timeOffset="37156.25">8328 4860 9062,'0'-7'989,"0"0"-719,0 1-180,0-1 0,0 0-90,0 0 0,0 1 90,0 1 0,0 1-90,0 18-90,0 6 180,0 11 0,-18 2-180,13-4 180,-33 3-90,34 1-90,-33 0 180,32-3-180,-30-1 180,31-5-90,-25-2 0,26-4-180,-18-2 180,19-3 0,-11-1 0,12-4 0,-6 0 180,26-6-180,3 1 0,15-3 90,0-16-90,13-1-90,-12-2-180,-3 6 0,0 0-180,5-5-1037,13 1 1127,-19-9 0,-2 24-146,-5-17 147,-3 17-1,-4-9 0,-4 10 360,-2-5 0,-7 5 0,-1-1 0</inkml:trace>
+  <inkml:trace contextRef="#ctx0" brushRef="#br0" timeOffset="37368.25">8462 4903 8522,'-5'15'990,"1"3"-900,4 12-1,0-1 1,0 1 0,0 3-1169,0 4-1260,0 4 2181,0 2 0,0 5 0,0 2 0</inkml:trace>
   <inkml:trace contextRef="#ctx0" brushRef="#br0" timeOffset="43103.27">9528 4053 6813,'25'0'360,"-3"0"-360,-5 10 180,-5-7-90,0 7-90,-2-4 0,0-5 0,1 11 0,0-11 90,-1 10-90,1-7 0,-1 7 0,1-4 0,0 1 0,-1 2 0,7 5 0,-4-2 90,11 14-180,-8-9 180,3 8 0,-4-4-90,0 0 0,0 4 90,5 12-90,-4-7 0,2 10 0,-5-12 0,-2 1 89,5 12-178,-5-9 178,4 8-89,0 0 0,-4-11 0,9 21 0,-10-23 0,5 9 90,-7-12-90,1 1 180,6 24-90,-6-16 0,4 28-90,-9-32 90,0 18-90,-3-20 90,0 6-90,-1-10 0,0-2 0,0 2 0,0-2 90,0 2 0,-13-1-90,10 12 90,-9-8-90,-1 19 0,3-20 0,-5 9 0,0-12 90,13 0-180,-12-1 180,9-2-180,-6 0 180,2 0-180,-4 9 180,3-7-90,-10 14 270,9-15-270,-6 6 90,0 1-90,1-5 90,-11 16-90,8-13 90,-14 17-90,12-17 0,-13 16 0,12-18 90,-18 23-180,17-22 90,-18 23 90,19-26-90,-14 18-90,14-16 90,-16 16 90,14-16-90,-6 6 0,-1 1 0,9-7 0,-20 15-90,18-15 90,-20 14 90,16-14-773,-10 4 683,9-6 0,-4-1 0,2 0-90,-23 11 180,13-8-90,3-2 0,-1-1 0,-10 5 0,7-4 0,0-1-90,-10 5 135,20-10 0,0 0 45,-13 5-90,3 1-90,0-2-202,-11 7 202,13-7 90,-8 4 0,17-7 0,4 0 0,-1-1 0,2 0 90,0 0-90,0 0-90,-11 8 90,9-5 90,-21 14-180,20-13 180,-24 17-90,20-16 0,-3 3 0,-2 0-90,-3 1 90,1 0 0,-1 0 90,1-1-90,5-5 0,0 1-90,-5 3-874,-13 5 964,18-10 0,1 1 166,4-3-166,0 1 0,3-3 0,0 1 211,-6 4-211,10-5 0,-14 8 0,17-11 0,-12 11-90,14-10 180,-8 6-90,8-5-10,-2 0 10,1 2 996,-13 7-996,9-4 0,-22 14 0,17-14 0,-9 7-90,9-9 656,1 1-566,-1 0 0,-11 10 0,8-7 0,-20 16-90,21-16 180,-23 15-90,22-15-45,-1-1 0,-1 0 135,-2 0-90,3-2 0,0 0-90,3-1 358,-18 9-268,23-11 12,-16 10-12,19-10 90,-6 3-270,3-1 270,5-4-90,-13 9 0,15-8 0,-14 8 0,14-7 0,-5 1 90,6-4-90,1-1-90,0 0 180,-5 2-180,4-3 90,-9 7 0,10-10 0,-2 5 0,6-6 0,-1 1 0,2 0 0,-4 0 90,5 0-180,-5 2 90,7-3 90,-4 2-180,7-5 90,-1 1 0,3-2 0,0 0 0,0-1 0,0 2-990,2-1 1,0 1 359,0 1 630,0-1 0,0 0 0,0 0 0</inkml:trace>
   <inkml:trace contextRef="#ctx0" brushRef="#br0" timeOffset="43570.27">6188 7990 7623,'0'-10'359,"0"-4"-269,0 3 180,12-6-180,-9 9 540,9-2-540,-12 7-90,0 12 90,-27 6-180,21 13 180,-34-13-90,36 14-90,-22-16 180,22 12-180,-19 2 90,13-7 90,-9 14-90,8-14 0,3 5 0,5-6 0,1-2 0,1 2 0,1-1 0,-1 0 0,1 0 0,0 7 90,15-6-90,-11 6 0,10-10 0,5 0-360,-15 0-270,34-1 1,-23 0-181,17-2 810,-7 0 0,2 0 0,2-1 0</inkml:trace>
   <inkml:trace contextRef="#ctx0" brushRef="#br0" timeOffset="47805.27">9223 7055 8522,'-5'0'450,"0"0"-90,0-6-180,-1 4 89,0-4-179,1 2-90,0 3 0,0-4-90,2 4 90,-1-1 0,1 2 0,0 0 0,2 15 0,0 6 0,0 9 0,1-1 90,21-15-180,-16 3 90,31-9 0,-13 5 0,19-1 0,-8-4 0,0 2 90,-4-2-90,-8 0-90,11 3 180,-17-5-90,2 2 0,-9-2 0,-3 0 90,-2-3-90,-1 2 0,-18-4 0,-6 1 0</inkml:trace>
@@ -1614,27 +1619,27 @@
   <inkml:trace contextRef="#ctx0" brushRef="#br0" timeOffset="3605">7085 1927 11400,'0'-9'1350,"-16"2"-1080,12-1-91,-13 2-89,1 0-90,12 3 0,-26 1 0,15 1-90,-11 18-359,6 2 359,9 20-180,5-8 0,6-1 180,0-5-270,0-4 1,17 11 89,-13-9 0,13 11 0,-4-16-180,-10 6 270,10-13-1439,-13 4 1619,-20-10 0,16 0 0,-16-5 0</inkml:trace>
   <inkml:trace contextRef="#ctx0" brushRef="#br0" timeOffset="4005">7257 1879 11490,'3'-6'990,"0"0"-720,-2 1-270,1 1 0,0 0 0,-1 1 90,0 1-90,-1 18 0,-19 5 0,15 22 0,-15-8 0,5 1 0,11-9 0,-11-3 0,14 0 0,0-2-90,0 6 90,16-9 0,1 12 0,3-17 0,6 3 0,-13-6 0,3-4 90,1 2-900,-15-5 270,6-1-2158,-8 0 269,-26 0 2429,19 2 0,-45-1 0,18 1 0</inkml:trace>
   <inkml:trace contextRef="#ctx0" brushRef="#br0" timeOffset="5057">3165 2806 10681,'51'-17'809,"-3"12"-539,-8-26-897,4 28 717,10-26-714,7 26 714,-28-11 0,1 0-350,1 12 0,1 1 350,2-9 0,2-1 0,21 5 0,3 3-135,-14-3 0,2 1 75,9 2 0,5 1 0,-4 1-915,-1 1 0,-1 0 885,-7-1 0,4 0 0,-3 3 0,8 7 0,-2 1 0,4-9 0,1 2 0,-22 7 0,0 4 0,4-2 22,1-5 1,3-2 0,1 0-1,-3 0-52,4 1 0,-3 1 0,5 1 48,-5 0 0,6 2 0,1 0 0,-2 0 0,-4-3-48,2 0 0,-4-3 0,5 3 52,7 3 1,6 3 0,-1 1-1,-6-3-22,-11-1 0,-4-2 0,2 0 0,12 2 0,2 0 0,-4 0 0,1 1 0,-3-1 0,-1-2 0,-1 0 0,-3 1 0,2-1 0,13 0 0,0-2 0,-17 0 0,1-2 30,-3-1 0,4 0 0,-5-1-75,-9-1 0,-2-1 90,9 1 0,-2-2-335,2 1 379,-3 0 252,-6 0-431,-5-12 754,-5 9-664,-4-10 1994,-1 3-1994,-6 8 185,1-8 0,-10 10 1,0 0-1</inkml:trace>
-  <inkml:trace contextRef="#ctx0" brushRef="#br1" timeOffset="-160735.73">8197 1847 5146,'0'-4'9830,"0"-1"-2017,0 3-5675,0-1-460,0 1 41,0 0-2022,10 0 1,-7-7-1,7-1 1</inkml:trace>
-  <inkml:trace contextRef="#ctx0" brushRef="#br1" timeOffset="-160396.73">8100 2503 6315,'-1'3'4915,"0"-1"0</inkml:trace>
-  <inkml:trace contextRef="#ctx0" brushRef="#br1" timeOffset="-157886.73">9675 2083 6135,'13'0'810,"-2"-17"4677,-2 13-5064,-1-32 2777,2 21-2156,1-17 388,2 6-520,0-1 1365,3-3-77,-1-1-1922,2-1 1233,-2 0-1782,0 1 668,-2 3-476,2-5 195,-5 11-74,0-2 584,-6 16-580,-2 18 429,-2 14 399,0 11-167,0 20-123,0-18-123,-13 14-747,9-15 261,-9 0-715,13 0 7,0-1-437,0-1-679,0 0 1849,0 0 0,0 0 0,0 0 0</inkml:trace>
-  <inkml:trace contextRef="#ctx0" brushRef="#br1" timeOffset="-157730.73">9645 2437 5955,'21'-20'5932,"12"-4"-5444,18-13-922,3 4-1402,-10 9 1809,3-1 1,1 1 0,1 1 0</inkml:trace>
-  <inkml:trace contextRef="#ctx0" brushRef="#br1" timeOffset="-157120.73">9655 1370 4516,'-37'29'5393,"-2"1"-4374,10-7 0,0 1 181,-18 14-791,8-4 0,2 1 227,-6 8-236,10-5 0,2 1 160,-1 7 527,10-5 1,3 0-145,2 11-244,10-20 0,1 2 80,2 2 1,5-1 843,26 21-1228,-8-8 0,3 0-172,6-19 1,2-2-317,2 10 1,0-1-108,-6-10 1,0-3-220,3 1 1,1 0-203,1-1 0,-1-1-177,3 0 1,-1-1-159,2-1 0,-1-1 330,0 0 1,2-1 126,14 3 1,1-1 65,-12-7 1,2-1-114,25 4 1,0-4-29,-27-7 0,1-3 17,26-8 1,0-4 131,-25 1 0,-3-2 217,12-9 0,-1-3 162,-13 4 0,-2-1 236,0-3 0,-1-2 51,0 1 0,1-3 163,8-17 1,-2-1 320,-10 10 0,-1-2-129,-1-5 0,0-6 0,-5 3 336,-3 3 0,-5-2-272,-1-6 1,-1-6 0,-2 5 275,-5 2 0,-2 1 11,1-18 1,-2 0-84,0 20 1,-4 1-218,-9-1 1,-1 1-103,11 2 1,-4 1-493,-30-14 0,-4 1-433,22 17 0,-3 1-407,-14 2 0,-8 0 1,1 6-587,4 8 1,-2 4 996,-15-2 1,-1 5-1,10 9 1,0 4 0,-2 1-1,0 0 1</inkml:trace>
-  <inkml:trace contextRef="#ctx0" brushRef="#br1" timeOffset="-154671.73">12312 1800 5775,'0'-25'9830,"-15"1"-3439,11 4-4360,-25 3-3355,26 3 2510,-21 6-2538,22 4 1589,-27 3-140,16 0-3079,-17 1 983,1 22 522,6 3 2066,-7 14-1475,11-2 2137,0-6-1758,0 16 2288,7-9-669,1 24 993,9-26-2012,23 19-545,-16-26 326,40 3 0,-22-16 0,21-2 0</inkml:trace>
-  <inkml:trace contextRef="#ctx0" brushRef="#br1" timeOffset="-153987.73">12662 1956 6045,'0'-11'9830,"-18"2"-7690,13 0-494,-29 2-3461,9 4 471,-19 0 168,8 19 1011,-5 3 625,14 19-1765,8-2 2122,6-4-1286,13 3 2917,0-17-394,22 4-994,3-8-1073,29-7-642,-13 0-991,4-7-386,-1-15 616,-12 11-709,16-23 407,-33 12 2022,14 1 456,-27-9 2212,8 10-1466,-10-8 1566,0 5-995,0 22 407,0 11-946,14 1-1644,-10 11 1087,44-19-3882,-25 4 1920,9-9 1,3-3-2155,4-2 63,11 0 0,-12 0 180,-5-13 2294,-2 9-1117,6-23 3082,-13 11 217,5-12 268,-20 12 610,-1-4 96,-7 11-96,-1 13-609,17 7-1067,8 6-885,-2 6 305,18-20-1623,-25 5 392,18-8-1353,-10 0-534,-4 0 20,0 0 2166,-6-13 1198,-1 10-1064,-4-10 2913,-5 1-1300,-1 0 394,-3 17-682,0 6 180,0 31-316,19-21 1,-14 15 0,14-15 0</inkml:trace>
-  <inkml:trace contextRef="#ctx0" brushRef="#br1" timeOffset="-153719.73">12663 1587 5955,'-2'-10'9830,"-1"1"-5343,3-2-1698,0 0-899,23-5-3142,4 5-329,28-5 148,-14 11 1695,2 0-2651,-14 4-654,-1 1-568,-2 0-181,-2 17 2792,-3-12-942,0 27 2229,-3-29 0,1 29 0,-2-10 0</inkml:trace>
-  <inkml:trace contextRef="#ctx0" brushRef="#br1" timeOffset="-153550.73">13387 1200 5686,'-19'37'7395,"15"-2"-3851,-15-2-2955,19 3 0,0 5 1,0 3-1</inkml:trace>
-  <inkml:trace contextRef="#ctx0" brushRef="#br1" timeOffset="-152886.73">14480 1212 6495,'-16'-10'5223,"13"2"-564,-21 21-4894,22 19 3306,-6 12-2083,7-2 1,2 2 548,-1 17-943,0-18 1,0 2 941,0 2 0,0 0-563,0-11 0,0 2-542,0 23 1,0 0 554,0-27 1,0 0-1334,-8 20 1,-1-2-488,5 2 725,-12 10-1012,16-21 582,0-16-1260,0-1 1529,0-40 285,0-12 444,21-17-607,-15 1 316,35 8-861,-18-11 33,10 12-538,5-13 305,-16 31-686,3-10 469,-11 23-803,-1-5 224,-1 7 432,-1 0-886,-1 16 2666,-1-12-1398,4 31 1945,-3-9-182,8 21 1037,-9-9-744,6-3 750,-4-12-192,2-3-2238,0-4 829,4-7-2420,1 3 197,6-10-1037,15 4 861,-6-21 1966,24-5-599,-25 1 471,8-16 538,-17 31-396,-6-29 1409,-3 30-698,-4-20 1670,-4 14-1263,-3 17-493,-3 8 779,0 30-1712,0-1 1068,0-8 1,0-6 0,0-12 0</inkml:trace>
-  <inkml:trace contextRef="#ctx0" brushRef="#br1" timeOffset="-152736.73">15188 1713 5775,'-14'-16'5081,"10"1"-808,-21 4-5980,22 3 2501,-14 1-952,15 4 1,-4-1-1,6 4 1</inkml:trace>
-  <inkml:trace contextRef="#ctx0" brushRef="#br1" timeOffset="-152382.73">15607 1984 5955,'5'16'9830,"0"1"-5858,0 3-1918,-2-4-921,2 2-324,-1 1-232,0-4-553,2 8 2184,-4-11-2319,3 2-249,-3-8-436,1-1-1014,2-3-185,-2 0 42,6-23 1986,-3 15-391,9-33 276,-4 13 524,7-13 91,-8 13 222,3 2 1048,-1 22-2134,-4-7-109,6 30 916,-6-15-1824,4 54 1696,-5-34-383,1 33-113,-1-26-96,0-1 1529,1-2-2050,1-4 747,3-3 1,2-11-1,2-4 1</inkml:trace>
-  <inkml:trace contextRef="#ctx0" brushRef="#br1" timeOffset="-152003.73">16215 1426 7215,'-17'15'7018,"4"12"-3118,13 11-148,-10 11-2117,8-5-84,-8 5-813,10 3 280,0 2 1964,17-1-2350,-16-17 0,3-1 85,33 18-1256,-29-13 1,0-1 374,15 0-941,-3 7 478,-17-22 426,6-5-783,-1-3 219,-6-7 115,5-2-3,-3-5-1041,0-17 2514,4-7-502,-1 0-769,2-17 929,-2 34-1234,1-32 847,-2 33-335,3-13 1265,-2 17-3613,6 0 203,-5 18 1925,4-14-1851,-2 38 2988,-1-23-2323,0 23-391,1 2 2168,-2-11 0,0 5 1,-2-15-1</inkml:trace>
-  <inkml:trace contextRef="#ctx0" brushRef="#br1" timeOffset="-151820.73">15400 1322 8114,'-3'-6'6695,"28"2"-11392,21 2 4380,17 0 1,-25 2 0,1 0 0,26 0 0</inkml:trace>
-  <inkml:trace contextRef="#ctx0" brushRef="#br1" timeOffset="-151219.73">18548 1752 6135,'-26'-5'2071,"3"2"-1435,-26 1-712,10 2-199,-3 0 93,0 23 1148,1-18-940,1 38 1578,-7-15-914,16 8 754,-1 11 190,23-22 157,4 14 750,31-20-2521,-20 1 1999,50-13-3394,-32-4 441,28-3-761,5 0-104,-14-14 1258,21-2-1246,-29-13 2437,-2 3-1891,-20 2 2421,-7 29-581,-6 10 1754,0 20-271,0 0-800,0-9-403,0 0-678,20-3 0,-15-2 1,15-1-1</inkml:trace>
-  <inkml:trace contextRef="#ctx0" brushRef="#br1" timeOffset="-150766.73">19003 1973 7485,'-23'24'6761,"5"-3"-4179,18 24 1406,0-5-1686,0 5-706,0 6-457,0 4-667,0-15 1,0 1 2598,0 21-2358,0-22 1,0 0 679,0 12-1483,16-3-262,-9-12 0,1-2-80,11 5-1073,-8 17 49,-3-44 87,-6-23 390,5-28 327,-7-14 475,-7 20 0,-2-2 236,8-12 1,-1 0-40,-13 9 0,1-3 254,11-6 0,4-5 0,-3 4-129,-8 4 0,-1-1 255,8-3 0,4-4 0,-1 6-143,-4 5 0,0 2-73,3-10 1,2 3 53,-1-8 78,18 9-523,-13 8 459,27 4-986,-10 13-712,19 4-755,-5 13-574,10 20 609,-17 10 793,7 11 702,-13 6 67,0-6 1096,-5 2 3,-8-9 0,-1 0 1378,2 17-656,-6-9 0,-2-1 549,0 5-1747,-12-11 1,-5-3-329,-18 2-1276,-11 2 1250,-17-17 1,26-8-1,-11-3 1</inkml:trace>
-  <inkml:trace contextRef="#ctx0" brushRef="#br1" timeOffset="-150354.73">19940 1781 6855,'-47'15'3104,"-4"1"-2345,11 2 92,12 11 896,-4-15-1626,27 16 2181,-29-8-2212,30 1 2683,-17-1-1780,20 1 1175,-6-2-512,7-2-446,0-1 784,18-3-3736,5 0 1649,0-7-2122,19-2 828,-24-5-1384,20-1 297,-11 0-598,-1-20 1378,-3 14 1032,-2-30 2235,-4 16-248,-1 0 273,-3-10 838,-5 17-902,-4 17-437,-4 14 147,0 21 496,0 1-1708,0-8-13,0 0-2,24-4 1,-4-1 0,22-3 0</inkml:trace>
-  <inkml:trace contextRef="#ctx0" brushRef="#br1" timeOffset="-150136.73">20687 1851 7215,'-23'-16'5370,"17"1"-472,-38 7-6404,15 2 485,-12 5-38,1 16 1023,12-11-419,4 34 2428,3-17-1856,10 21-59,3-6 1827,8-1 303,0 0-346,18 9-959,16-13-1484,-6-13 0,4-2 225,23 1 1,3-9 0,-17-3 0</inkml:trace>
-  <inkml:trace contextRef="#ctx0" brushRef="#br1" timeOffset="-149537.73">20957 1397 6855,'-17'-33'9123,"12"3"-4529,-12 7-3378,6 3-383,8 27 57,-8 19-381,10 7 1,2 4 77,-1-3 1,0 2 846,9 21 1,1 0-1088,-9-21 1,2 0-451,15 12 0,0 0 675,-14 16-273,11-32 1,-1 0-450,-11 29-274,8-21 0,0-1-398,0 17 646,-3-15 1,0-2-80,1-2-454,-5 4 416,-4-23-678,0-9 1623,0-23-303,0-17 667,0-14 167,0-21-426,0 22-107,19-11-1127,-14 19 574,14 6-935,-3 4 226,-3 7-458,14 9-1311,-3 5-242,5 26 808,-3 9 1079,2 12-153,3 15 826,-6-23-179,-2-6 0,0-1-188,7 1 1045,10 5 179,-10-17-1174,1-7-852,0 1-169,13-9-535,-10 4 428,16-23 495,-25-6 1566,8-24 275,-20 7 902,-3-4 599,-7 11 367,-3 1 591,0 0-145,-23-7-1618,-4 12-1189,-26-5-1050,11 22-1119,-14 2-353,24 9-758,-7 25 1071,25-5 617,-5 23 1437,17-7 1106,-8 24 207,41-14-1115,-7-5 0,4-2-75,4-16 0,7-3-858,-1 1 1,4 0 0,-1-2-571,2-4 0,0-3 885,18 1 0,1-3 0,-15-6 0,-2-2 0,2-2 0,0 0 0</inkml:trace>
-  <inkml:trace contextRef="#ctx0" brushRef="#br0" timeOffset="-138052.73">9892 4250 9332,'-11'0'1529,"1"0"-1439,5 0-90,2 0 0,1 0 0,-1 0 90,-1 0-90,1 0 0,-3 0 0,1 0 0,-2 0 0,-1 0 0,0 15 0,-3-11 0,0 11 0,-2-15 0,-1 11 0,-1-9 0,0 9 0,-1-3 0,0-5 0,-7 5-90,6-8-90,-4 0-270,5-15 450,6 12-90,-2-28 90,8 8 0,1-15 0,3 5 0,0 6 0,21 11 0,-16-1 0,33 9 270,-21 0-270,12 25 180,-14 8-180,-3 10 0,-11 4 90,3-6-90,-4 4 0,0 3 0,0 2 0,-18-1 0,13 19-90,-30-15 90,26-9 0,2-1-180,-14 3-270,-4 20 270,5-26 0,-5 6-539,-7-8 359,14-11-180,-8 6 540,11-19 0,-3 1 90,8-7-90,1 0 180,4-14 810,2 0-541,21-3-359,-1 6-90,21 11 0,-2 0 90,-4 0-270,14 0-359,-18 0-1080,27 0 359,-23 0 1260,13 0 0,-13 0 0,0 0 0</inkml:trace>
-  <inkml:trace contextRef="#ctx0" brushRef="#br0" timeOffset="-137550.73">9628 3760 8432,'-29'-8'540,"-1"2"-360,-1 2 0,-2 2-90,-1 1 90,-14 1-1,9 16-44,8-5 0,0 2-45,-9 22 0,7-7 0,1 0-898,-8 14 898,14-13 0,1 1 0,-10 21 0,-1 3-45,19-25 0,1 2 90,-5 16 0,0 2-90,7-11 0,0 1-15,0 7 0,0 4 0,2-3-523,3-3 0,2-1 538,-2 16 0,3-1-45,3-18 0,2-1 0,1 1 0,0-1 0,-2-2 0,4 0 45,12 0 0,1-2-45,-8 31 45,20-35 0,5-1-45,-8 8 0,2-2 0,4-9 0,5-3 45,16 12 0,0-4-45,-17-17 0,0-3-45,12 4 0,0-4 45,-11-7 0,0-3 0,1 0 0,0-1 0,1 1 0,0-4 0,1-8 0,0-3 45,0 5 0,0-3-45,-1-8 0,1-5 0,14-4 0,1-2 0,-14 6 0,1-2-30,1-5 0,2-4 0,-3 2-15,-6 2 0,-2-1-860,9-12 0,-3-1 860,-14 13 0,-4 0 45,-1-2 0,-3 0-163,-2 0 0,-3-2 163,-2-17 0,-4-2-45,1 14 0,-5-2-194,-12-4 0,-7-3 1,-1 4 193,3 4 0,-6 2-75,-12-3 0,-9-2 0,2 6-60,2 5 0,-1 4 30,5 4 0,-3 0 1,-2 4-241,-4 5 0,-4 4 0,2 2-60,-7-2 1,-4 3 449,10 4 0,-5-1 0,-1 3 0,5 3 0,-13 9 0,1 5 0,7-3 0,-1-1 0,1 1 0</inkml:trace>
+  <inkml:trace contextRef="#ctx0" brushRef="#br1" timeOffset="-160735.74">8197 1847 5146,'0'-4'9830,"0"-1"-2017,0 3-5675,0-1-460,0 1 41,0 0-2022,10 0 1,-7-7-1,7-1 1</inkml:trace>
+  <inkml:trace contextRef="#ctx0" brushRef="#br1" timeOffset="-160396.74">8100 2503 6315,'-1'3'4915,"0"-1"0</inkml:trace>
+  <inkml:trace contextRef="#ctx0" brushRef="#br1" timeOffset="-157886.74">9675 2083 6135,'13'0'810,"-2"-17"4677,-2 13-5064,-1-32 2777,2 21-2156,1-17 388,2 6-520,0-1 1365,3-3-77,-1-1-1922,2-1 1233,-2 0-1782,0 1 668,-2 3-476,2-5 195,-5 11-74,0-2 584,-6 16-580,-2 18 429,-2 14 399,0 11-167,0 20-123,0-18-123,-13 14-747,9-15 261,-9 0-715,13 0 7,0-1-437,0-1-679,0 0 1849,0 0 0,0 0 0,0 0 0</inkml:trace>
+  <inkml:trace contextRef="#ctx0" brushRef="#br1" timeOffset="-157730.74">9645 2437 5955,'21'-20'5932,"12"-4"-5444,18-13-922,3 4-1402,-10 9 1809,3-1 1,1 1 0,1 1 0</inkml:trace>
+  <inkml:trace contextRef="#ctx0" brushRef="#br1" timeOffset="-157120.74">9655 1370 4516,'-37'29'5393,"-2"1"-4374,10-7 0,0 1 181,-18 14-791,8-4 0,2 1 227,-6 8-236,10-5 0,2 1 160,-1 7 527,10-5 1,3 0-145,2 11-244,10-20 0,1 2 80,2 2 1,5-1 843,26 21-1228,-8-8 0,3 0-172,6-19 1,2-2-317,2 10 1,0-1-108,-6-10 1,0-3-220,3 1 1,1 0-203,1-1 0,-1-1-177,3 0 1,-1-1-159,2-1 0,-1-1 330,0 0 1,2-1 126,14 3 1,1-1 65,-12-7 1,2-1-114,25 4 1,0-4-29,-27-7 0,1-3 17,26-8 1,0-4 131,-25 1 0,-3-2 217,12-9 0,-1-3 162,-13 4 0,-2-1 236,0-3 0,-1-2 51,0 1 0,1-3 163,8-17 1,-2-1 320,-10 10 0,-1-2-129,-1-5 0,0-6 0,-5 3 336,-3 3 0,-5-2-272,-1-6 1,-1-6 0,-2 5 275,-5 2 0,-2 1 11,1-18 1,-2 0-84,0 20 1,-4 1-218,-9-1 1,-1 1-103,11 2 1,-4 1-493,-30-14 0,-4 1-433,22 17 0,-3 1-407,-14 2 0,-8 0 1,1 6-587,4 8 1,-2 4 996,-15-2 1,-1 5-1,10 9 1,0 4 0,-2 1-1,0 0 1</inkml:trace>
+  <inkml:trace contextRef="#ctx0" brushRef="#br1" timeOffset="-154671.74">12312 1800 5775,'0'-25'9830,"-15"1"-3439,11 4-4360,-25 3-3355,26 3 2510,-21 6-2538,22 4 1589,-27 3-140,16 0-3079,-17 1 983,1 22 522,6 3 2066,-7 14-1475,11-2 2137,0-6-1758,0 16 2288,7-9-669,1 24 993,9-26-2012,23 19-545,-16-26 326,40 3 0,-22-16 0,21-2 0</inkml:trace>
+  <inkml:trace contextRef="#ctx0" brushRef="#br1" timeOffset="-153987.74">12662 1956 6045,'0'-11'9830,"-18"2"-7690,13 0-494,-29 2-3461,9 4 471,-19 0 168,8 19 1011,-5 3 625,14 19-1765,8-2 2122,6-4-1286,13 3 2917,0-17-394,22 4-994,3-8-1073,29-7-642,-13 0-991,4-7-386,-1-15 616,-12 11-709,16-23 407,-33 12 2022,14 1 456,-27-9 2212,8 10-1466,-10-8 1566,0 5-995,0 22 407,0 11-946,14 1-1644,-10 11 1087,44-19-3882,-25 4 1920,9-9 1,3-3-2155,4-2 63,11 0 0,-12 0 180,-5-13 2294,-2 9-1117,6-23 3082,-13 11 217,5-12 268,-20 12 610,-1-4 96,-7 11-96,-1 13-609,17 7-1067,8 6-885,-2 6 305,18-20-1623,-25 5 392,18-8-1353,-10 0-534,-4 0 20,0 0 2166,-6-13 1198,-1 10-1064,-4-10 2913,-5 1-1300,-1 0 394,-3 17-682,0 6 180,0 31-316,19-21 1,-14 15 0,14-15 0</inkml:trace>
+  <inkml:trace contextRef="#ctx0" brushRef="#br1" timeOffset="-153719.74">12663 1587 5955,'-2'-10'9830,"-1"1"-5343,3-2-1698,0 0-899,23-5-3142,4 5-329,28-5 148,-14 11 1695,2 0-2651,-14 4-654,-1 1-568,-2 0-181,-2 17 2792,-3-12-942,0 27 2229,-3-29 0,1 29 0,-2-10 0</inkml:trace>
+  <inkml:trace contextRef="#ctx0" brushRef="#br1" timeOffset="-153550.74">13387 1200 5686,'-19'37'7395,"15"-2"-3851,-15-2-2955,19 3 0,0 5 1,0 3-1</inkml:trace>
+  <inkml:trace contextRef="#ctx0" brushRef="#br1" timeOffset="-152886.74">14480 1212 6495,'-16'-10'5223,"13"2"-564,-21 21-4894,22 19 3306,-6 12-2083,7-2 1,2 2 548,-1 17-943,0-18 1,0 2 941,0 2 0,0 0-563,0-11 0,0 2-542,0 23 1,0 0 554,0-27 1,0 0-1334,-8 20 1,-1-2-488,5 2 725,-12 10-1012,16-21 582,0-16-1260,0-1 1529,0-40 285,0-12 444,21-17-607,-15 1 316,35 8-861,-18-11 33,10 12-538,5-13 305,-16 31-686,3-10 469,-11 23-803,-1-5 224,-1 7 432,-1 0-886,-1 16 2666,-1-12-1398,4 31 1945,-3-9-182,8 21 1037,-9-9-744,6-3 750,-4-12-192,2-3-2238,0-4 829,4-7-2420,1 3 197,6-10-1037,15 4 861,-6-21 1966,24-5-599,-25 1 471,8-16 538,-17 31-396,-6-29 1409,-3 30-698,-4-20 1670,-4 14-1263,-3 17-493,-3 8 779,0 30-1712,0-1 1068,0-8 1,0-6 0,0-12 0</inkml:trace>
+  <inkml:trace contextRef="#ctx0" brushRef="#br1" timeOffset="-152736.74">15188 1713 5775,'-14'-16'5081,"10"1"-808,-21 4-5980,22 3 2501,-14 1-952,15 4 1,-4-1-1,6 4 1</inkml:trace>
+  <inkml:trace contextRef="#ctx0" brushRef="#br1" timeOffset="-152382.74">15607 1984 5955,'5'16'9830,"0"1"-5858,0 3-1918,-2-4-921,2 2-324,-1 1-232,0-4-553,2 8 2184,-4-11-2319,3 2-249,-3-8-436,1-1-1014,2-3-185,-2 0 42,6-23 1986,-3 15-391,9-33 276,-4 13 524,7-13 91,-8 13 222,3 2 1048,-1 22-2134,-4-7-109,6 30 916,-6-15-1824,4 54 1696,-5-34-383,1 33-113,-1-26-96,0-1 1529,1-2-2050,1-4 747,3-3 1,2-11-1,2-4 1</inkml:trace>
+  <inkml:trace contextRef="#ctx0" brushRef="#br1" timeOffset="-152003.74">16215 1426 7215,'-17'15'7018,"4"12"-3118,13 11-148,-10 11-2117,8-5-84,-8 5-813,10 3 280,0 2 1964,17-1-2350,-16-17 0,3-1 85,33 18-1256,-29-13 1,0-1 374,15 0-941,-3 7 478,-17-22 426,6-5-783,-1-3 219,-6-7 115,5-2-3,-3-5-1041,0-17 2514,4-7-502,-1 0-769,2-17 929,-2 34-1234,1-32 847,-2 33-335,3-13 1265,-2 17-3613,6 0 203,-5 18 1925,4-14-1851,-2 38 2988,-1-23-2323,0 23-391,1 2 2168,-2-11 0,0 5 1,-2-15-1</inkml:trace>
+  <inkml:trace contextRef="#ctx0" brushRef="#br1" timeOffset="-151820.74">15400 1322 8114,'-3'-6'6695,"28"2"-11392,21 2 4380,17 0 1,-25 2 0,1 0 0,26 0 0</inkml:trace>
+  <inkml:trace contextRef="#ctx0" brushRef="#br1" timeOffset="-151219.74">18548 1752 6135,'-26'-5'2071,"3"2"-1435,-26 1-712,10 2-199,-3 0 93,0 23 1148,1-18-940,1 38 1578,-7-15-914,16 8 754,-1 11 190,23-22 157,4 14 750,31-20-2521,-20 1 1999,50-13-3394,-32-4 441,28-3-761,5 0-104,-14-14 1258,21-2-1246,-29-13 2437,-2 3-1891,-20 2 2421,-7 29-581,-6 10 1754,0 20-271,0 0-800,0-9-403,0 0-678,20-3 0,-15-2 1,15-1-1</inkml:trace>
+  <inkml:trace contextRef="#ctx0" brushRef="#br1" timeOffset="-150766.74">19003 1973 7485,'-23'24'6761,"5"-3"-4179,18 24 1406,0-5-1686,0 5-706,0 6-457,0 4-667,0-15 1,0 1 2598,0 21-2358,0-22 1,0 0 679,0 12-1483,16-3-262,-9-12 0,1-2-80,11 5-1073,-8 17 49,-3-44 87,-6-23 390,5-28 327,-7-14 475,-7 20 0,-2-2 236,8-12 1,-1 0-40,-13 9 0,1-3 254,11-6 0,4-5 0,-3 4-129,-8 4 0,-1-1 255,8-3 0,4-4 0,-1 6-143,-4 5 0,0 2-73,3-10 1,2 3 53,-1-8 78,18 9-523,-13 8 459,27 4-986,-10 13-712,19 4-755,-5 13-574,10 20 609,-17 10 793,7 11 702,-13 6 67,0-6 1096,-5 2 3,-8-9 0,-1 0 1378,2 17-656,-6-9 0,-2-1 549,0 5-1747,-12-11 1,-5-3-329,-18 2-1276,-11 2 1250,-17-17 1,26-8-1,-11-3 1</inkml:trace>
+  <inkml:trace contextRef="#ctx0" brushRef="#br1" timeOffset="-150354.74">19940 1781 6855,'-47'15'3104,"-4"1"-2345,11 2 92,12 11 896,-4-15-1626,27 16 2181,-29-8-2212,30 1 2683,-17-1-1780,20 1 1175,-6-2-512,7-2-446,0-1 784,18-3-3736,5 0 1649,0-7-2122,19-2 828,-24-5-1384,20-1 297,-11 0-598,-1-20 1378,-3 14 1032,-2-30 2235,-4 16-248,-1 0 273,-3-10 838,-5 17-902,-4 17-437,-4 14 147,0 21 496,0 1-1708,0-8-13,0 0-2,24-4 1,-4-1 0,22-3 0</inkml:trace>
+  <inkml:trace contextRef="#ctx0" brushRef="#br1" timeOffset="-150136.74">20687 1851 7215,'-23'-16'5370,"17"1"-472,-38 7-6404,15 2 485,-12 5-38,1 16 1023,12-11-419,4 34 2428,3-17-1856,10 21-59,3-6 1827,8-1 303,0 0-346,18 9-959,16-13-1484,-6-13 0,4-2 225,23 1 1,3-9 0,-17-3 0</inkml:trace>
+  <inkml:trace contextRef="#ctx0" brushRef="#br1" timeOffset="-149537.74">20957 1397 6855,'-17'-33'9123,"12"3"-4529,-12 7-3378,6 3-383,8 27 57,-8 19-381,10 7 1,2 4 77,-1-3 1,0 2 846,9 21 1,1 0-1088,-9-21 1,2 0-451,15 12 0,0 0 675,-14 16-273,11-32 1,-1 0-450,-11 29-274,8-21 0,0-1-398,0 17 646,-3-15 1,0-2-80,1-2-454,-5 4 416,-4-23-678,0-9 1623,0-23-303,0-17 667,0-14 167,0-21-426,0 22-107,19-11-1127,-14 19 574,14 6-935,-3 4 226,-3 7-458,14 9-1311,-3 5-242,5 26 808,-3 9 1079,2 12-153,3 15 826,-6-23-179,-2-6 0,0-1-188,7 1 1045,10 5 179,-10-17-1174,1-7-852,0 1-169,13-9-535,-10 4 428,16-23 495,-25-6 1566,8-24 275,-20 7 902,-3-4 599,-7 11 367,-3 1 591,0 0-145,-23-7-1618,-4 12-1189,-26-5-1050,11 22-1119,-14 2-353,24 9-758,-7 25 1071,25-5 617,-5 23 1437,17-7 1106,-8 24 207,41-14-1115,-7-5 0,4-2-75,4-16 0,7-3-858,-1 1 1,4 0 0,-1-2-571,2-4 0,0-3 885,18 1 0,1-3 0,-15-6 0,-2-2 0,2-2 0,0 0 0</inkml:trace>
+  <inkml:trace contextRef="#ctx0" brushRef="#br0" timeOffset="-138052.74">9892 4250 9332,'-11'0'1529,"1"0"-1439,5 0-90,2 0 0,1 0 0,-1 0 90,-1 0-90,1 0 0,-3 0 0,1 0 0,-2 0 0,-1 0 0,0 15 0,-3-11 0,0 11 0,-2-15 0,-1 11 0,-1-9 0,0 9 0,-1-3 0,0-5 0,-7 5-90,6-8-90,-4 0-270,5-15 450,6 12-90,-2-28 90,8 8 0,1-15 0,3 5 0,0 6 0,21 11 0,-16-1 0,33 9 270,-21 0-270,12 25 180,-14 8-180,-3 10 0,-11 4 90,3-6-90,-4 4 0,0 3 0,0 2 0,-18-1 0,13 19-90,-30-15 90,26-9 0,2-1-180,-14 3-270,-4 20 270,5-26 0,-5 6-539,-7-8 359,14-11-180,-8 6 540,11-19 0,-3 1 90,8-7-90,1 0 180,4-14 810,2 0-541,21-3-359,-1 6-90,21 11 0,-2 0 90,-4 0-270,14 0-359,-18 0-1080,27 0 359,-23 0 1260,13 0 0,-13 0 0,0 0 0</inkml:trace>
+  <inkml:trace contextRef="#ctx0" brushRef="#br0" timeOffset="-137550.74">9628 3760 8432,'-29'-8'540,"-1"2"-360,-1 2 0,-2 2-90,-1 1 90,-14 1-1,9 16-44,8-5 0,0 2-45,-9 22 0,7-7 0,1 0-898,-8 14 898,14-13 0,1 1 0,-10 21 0,-1 3-45,19-25 0,1 2 90,-5 16 0,0 2-90,7-11 0,0 1-15,0 7 0,0 4 0,2-3-523,3-3 0,2-1 538,-2 16 0,3-1-45,3-18 0,2-1 0,1 1 0,0-1 0,-2-2 0,4 0 45,12 0 0,1-2-45,-8 31 45,20-35 0,5-1-45,-8 8 0,2-2 0,4-9 0,5-3 45,16 12 0,0-4-45,-17-17 0,0-3-45,12 4 0,0-4 45,-11-7 0,0-3 0,1 0 0,0-1 0,1 1 0,0-4 0,1-8 0,0-3 45,0 5 0,0-3-45,-1-8 0,1-5 0,14-4 0,1-2 0,-14 6 0,1-2-30,1-5 0,2-4 0,-3 2-15,-6 2 0,-2-1-860,9-12 0,-3-1 860,-14 13 0,-4 0 45,-1-2 0,-3 0-163,-2 0 0,-3-2 163,-2-17 0,-4-2-45,1 14 0,-5-2-194,-12-4 0,-7-3 1,-1 4 193,3 4 0,-6 2-75,-12-3 0,-9-2 0,2 6-60,2 5 0,-1 4 30,5 4 0,-3 0 1,-2 4-241,-4 5 0,-4 4 0,2 2-60,-7-2 1,-4 3 449,10 4 0,-5-1 0,-1 3 0,5 3 0,-13 9 0,1 5 0,7-3 0,-1-1 0,1 1 0</inkml:trace>
   <inkml:trace contextRef="#ctx0" brushRef="#br0" timeOffset="-113331.73">12255 4578 9332,'0'-9'1169,"0"1"-899,0 2 0,0-1 0,0-5-91,0 3 1,0-3 0,0 3 0,0 3-90,0-1-90,0 1 0,0 2 0,0 0 0,-17 3 0,13 14 90,-35-9-135,19 25 0,1 5 45,-22-5 0,10 12 0,6 2 0,9-5-3662,-13 22 3392,27-31 1,-7 6-1,9-16-450,19-2 90,-15-4-809,59-5 630,-31-4 809,16-8 0,3-6 0,8-17 0,-19 4 0,1 0 0</inkml:trace>
   <inkml:trace contextRef="#ctx0" brushRef="#br0" timeOffset="-112551.73">12760 3914 9062,'-16'-12'450,"13"4"179,-29 2-359,16 4-90,-15 23-90,5 12 0,11 14-90,1 7 45,13-19 0,1 1-363,-4 25 363,3-8 0,2 2-548,-1-20 0,0-1 503,-1 10 0,2 1 0,7 0 0,0-2 0,-4 22 0,10-13 0,0-1-90,-11 4-90,3-15 1,0-1-474,-6 1 653,0 1-360,7-16-180,-5-12 717,6-16-177,-8-18 1063,0-20-1153,0 6 270,0-1-90,0 3 539,14 6 18,-2 6-647,4 31 90,1-4-90,-11 38 0,8-22-90,-3 20 0,2-8-180,10 11-89,-3-13-271,19 13 180,-13-25 180,9-3 0,-7-12 180,-1-5 1,1 0 89,7-22 89,-9 16 181,-6-22 0,-4-4 0,-1 7 90,-6-9 0,-3-1-91,-2 0 91,-3-8 0,-1 10-360,0 11 180,-14-3-180,10 36 0,-11 10 90,15 17-180,0 18-90,0-20-360,17 20 181,2-27-91,2 3 270,11-21-270,-27 3 180,33-12-269,-13 5 539,11-21 0,4-9 180,-18-8 359,5-17-89,-15 17 0,-2-9-180,-8 14 179,-1 2-269,-1 3-270,0 0 180,0 7-180,-14 4 90,10 21-449,-10 10-1,14 20-180,0-7-539,22 13-180,-16-22 1349,38 6 0,-38-22 0,16-2 0</inkml:trace>
   <inkml:trace contextRef="#ctx0" brushRef="#br0" timeOffset="-111551.73">13738 4825 9602,'-16'-7'-450,"12"18"-90,4 5-90,20 14 451,22-16-1,-8-4 180,3-10 0,-10 0 90,0 0 179,-3 0 1,-1-14 90,-6 10 180,-2-25-270,-5 25 179,-5-26 541,-2 11-720,-3-14-180,-17 6 179,13 7-269,-12 31 0,16 17 0,0 19-996,0 7 906,0-6 90,0 3-273,0-14 1,0 1 182,0 19 90,8-22 0,0 1 0,-4 26-180,13-18 91,-8 19-271,-7-34-720,7 7 631,-9-24 89,-15-1 90,11-30 180,-22-13 180,23-11-135,-2 9 0,-1 1 45,6-11 45,8 6 0,5 0-135,13-4-255,0-11 435,20 20-90,-26 3 90,24 2-90,-11 4 90,1 0-90,1 5 711,13-7-711,-13 9 360,18-8-180,-29 13 745,6-1-655,-16 4-90,-5 4-180,-2-2 598,-6-1-418,0 2 191,-1-4-371,-19 5 0,15-2 180,-29 3-90,18 2-90,-2 17 0,7 4-90,10 19 0,0-9 90,0 1-90,0-11-270,21 0 0,-15-3-359,34 2 359,-15-10 90,10 4 0,0-11 90,-10 2 90,-1-3 0,-2 0 180,0-17-90,-4 13 450,3-26-270,-8 10 630,1-14-451,-11 5 1,1 4-90,-4 9-270,0-1 180,0 5-180,0 18 0,0 11 90,0 21-270,18-6 0,-14 0-90,14-10 90,-3-10-89,-11 10-91,20-10 0,-13 4 360,10-8 0,-4-8 0,0-17 0,-4 13 90,1-33 90,-1 17 449,6-35-359,-7 21-90,4-21-270,-8 36 270,-1-14 0,-3 30-90,0-10-90,0 13 90,7 0-90,-3 0-90,12 16 90,-7 9-360,5 8-180,-4 4-89,-1-8-1,2 1-1079,4 9 1709,-6-11 0,3 5 0,-7-13 0</inkml:trace>
@@ -2120,97 +2125,97 @@
   <inkml:trace contextRef="#ctx0" brushRef="#br0" timeOffset="200690">27000 5984 11490,'-23'-4'-179,"10"1"628,-10 1-89,13 1-360,-4 16 0,7 7 0,7 9 90,0 2-180,0-5 0,0-1 0,23 2-90,-17-3 0,37-3-449,-16 4 269,11-10-540,7 4 451,-18-15 89,4 0 90,-10-6 90,-3 0 90,0 0 90,3-20 0,-7-1 450,2-22 0,-11 12 269,-1-11-179,-4 21-450,0-11 809,0 19-809,0 20-90,0 11 90,0 25-90,14-3 0,4-2 0,13-10-90,-6-13 90,-2-7-90,-4-8 0,-1 0 90,3 0 0,7-18 0,-7 14-89,9-45 89,-16 28 0,2-27 89,-9 19-89,-3-2 270,-1 3-180,-3 0 0,1 5 90,-1 2-180,0 3 630,0 7-630,0 37-180,16-20 90,-12 51-270,13-40-899,0 27-900,0-18 2159,15 6 0,-6-15 0,0 2 0</inkml:trace>
   <inkml:trace contextRef="#ctx0" brushRef="#br0" timeOffset="200985">27275 5481 8882,'17'-15'1079,"-13"2"-809,30 2 90,-30 2 0,28 1 0,-28 3-91,27 0-89,-14 3-180,15 1 0,-1 1 90,-7 15-90,-4-12-90,-6 11 270,-1-14-180,-1 12-90,1-10 90,0 10-270,1-12-1349,13 0 180,-4 0 1439,25-19 0,-17 14 0,14-13 0</inkml:trace>
   <inkml:trace contextRef="#ctx0" brushRef="#br0" timeOffset="201785">23295 8159 8522,'38'-17'1080,"1"-1"-721,-5-3-89,8-1-2578,4-4 2488,9-3-90,-23 13 0,1 1-45,4-2 0,1 1 45,6-3 0,1 1-90,2 0 0,3 0 45,3-1 0,4-1 15,1 1 0,4-2 0,-1 2-492,-12 3 1,-2 2 0,6-2 449,-2 1 0,7-2 0,1 0 0,-1 1 0,-5 1-480,9-2 0,-6 2 0,4-1 462,0 0 0,2 0 0,1 0 0,-3 0 30,2 1 0,-3 0 0,1 1-60,2-2 0,1 0 0,0 1 60,0 0 0,1 0 0,0-1-60,0 1 0,1-1 0,-1 1 30,0-1 0,1 1 0,-1-1 30,-2 2 0,1-1 0,3-1 6,-16 3 0,2 0 0,2-1 0,-1 1 0,-2 0-36,-2 1 0,-2 0 0,0 0 0,5-1 18,7-3 0,7-2 0,1 0 0,-2 0 0,-6 2-48,3-2 0,-6 2 0,6-2 48,-6 1 0,5-2 0,1 0 0,-1 0 0,-6 2-18,6-3 0,-6 2 0,2-1 0,-5 1 0,2 0 0,1 0 0,-1-1-23,-2 0 1,1 0-1,-2-1 1,-3 2-8,2-1 0,-3 1 0,3-2-15,6-2 0,5-3 0,-2 0 0,-5 3-45,7-5 0,-1 1-120,-1-1 0,5-2 0,-7 3-147,-10 4 1,0 0 26,-2 1 0,2-1 0,-4 2 15,-9 4 1,-3 1-46,9-2 0,-2 0 360,12-9 0,-16 12 0,3-4 0</inkml:trace>
-  <inkml:trace contextRef="#ctx0" brushRef="#br0" timeOffset="249987">4790 13500 8522,'21'0'3598,"-3"-9"-3598,-11-7 0,-18 3-180,-10-11 450,-10 22-360,-4-8 90,1 10 0,-5 0 0,-2 0 0,-4 0 0,0 17-180,-15-13 270,17 28-180,-7-29 0,28 22-90,10-16 90,36 2 90,5 1 0,15-8 0,4-1-942,-13 2 1,-1 1 941,14-1 0,0 1 0,-10-2 0,-1 1-374,-1 0 1,0 1 373,-1-1 0,0 1 0,10 4 0,-2 2 0,16 5 45,-17-1 0,-4 2 44,-5 2-89,-1 7 90,-23-8-90,-6 0 180,-22 2-180,-17 8-90,-11-5 90,8-6 0,0-1-90,-13 2-315,11-7 1,0-1 1275,-5-2-1590,-7-2 616,24-6-527,8-1 1,9-17 629,-2-11 0,11-12 0,-5-5 0</inkml:trace>
-  <inkml:trace contextRef="#ctx0" brushRef="#br0" timeOffset="250216">4743 13078 9152,'0'-13'899,"0"2"-359,0 3-360,0 2 629,15 2-719,3 2 0,0 18 0,14-11-90,-27 39-90,29-19 180,-29 27-90,26-4 45,-25-10 0,-1 2-303,7-8 0,1 1-102,-3 25 1,-3 0-428,0-21 1,0-1 471,0 11 0,-2 0-314,1 18-271,0-1-89,0-2 989,-1-2 0,-1-4 0,1-1 0</inkml:trace>
-  <inkml:trace contextRef="#ctx0" brushRef="#br0" timeOffset="250666">5508 13616 10051,'0'-8'270,"0"1"0,0 2-180,0 2 629,0 1-449,0 15-180,0 20 0,0 2 0,0 12 90,0-16-180,0 1 0,12 14 0,-9-12 0,18 8 0,-12-5 90,1-9-180,3 4 180,-12-11 0,9-3-180,-8-3 180,4-1 90,-3-3-90,-1-2 180,0-4-450,-2-2-450,1-17-449,-15-1-540,10-16-540,-22 4 2159,23-1 0,-8 7 0,11 2 0</inkml:trace>
-  <inkml:trace contextRef="#ctx0" brushRef="#br0" timeOffset="251071">5323 14138 9512,'18'-18'359,"5"-9"-359,2-15-2444,21-4 2534,-25 7-90,21-4 90,-12-2 629,-1-3-584,-10 12 0,-1-1-45,6-18-371,-8 18 1,-2 0 640,-1-11-270,-5 1 90,2 4 90,-9-11-270,4 19 1146,-5-10-1146,0 27 448,-19 2-359,-2 34 1323,-12 14-1367,17 0 0,5 5-135,-2 24-231,8-26 0,1 0 231,4 21 90,0 0-135,0-15 0,0 1-45,0 19 0,10-22 0,0 1-315,-9-5 1,3-3-46,34 18-90,-29-13 1,-2-2 89,13 2-180,1 6-269,-19-20 989,8-2 0,-10-5 0,0-3 0</inkml:trace>
-  <inkml:trace contextRef="#ctx0" brushRef="#br0" timeOffset="251235">5422 14103 10141,'-14'-9'0,"2"7"90,6-13 0,3 8-90,3-3-180,24-2-90,-18 3-269,50-2-631,-9-6 451,15 4 719,-17 1 0,-1-2 0,10-2 0,-18 5 0,0-1 0</inkml:trace>
-  <inkml:trace contextRef="#ctx0" brushRef="#br0" timeOffset="251453">6027 13426 9691,'-21'-27'1620,"-8"-8"-1531,25 12 1,-18-10 90,20 20 0,-7 0-180,9 32-90,0 11-539,0 33-1,0-9-1140,0 4 871,0-16 179,13-1 1,-9-3 719,20 10 0,-21-15 0,8 8 0</inkml:trace>
-  <inkml:trace contextRef="#ctx0" brushRef="#br0" timeOffset="251616">5970 13335 9422,'-6'-17'-90,"0"4"90,6 3 0,0 5 0,16 2 0,3 2 0</inkml:trace>
-  <inkml:trace contextRef="#ctx0" brushRef="#br0" timeOffset="251983">6540 13840 9691,'0'-45'720,"0"6"-630,15-4-90,-11 4 0,10-4-45,-5 7 0,-1-1 135,8-22-1799,-7 18 1,2 0 1888,9-21 0,-17-1 720,6 0-720,-8 19 0,-2-1-90,1-19 180,0 14 0,0 1-180,0 1-90,-9 14 0,-2 4 89,6 2 763,-32 3-762,20 17-90,-17 26 0,19 2 0,-9 22 0,13 22 0,-3-8-373,8-1 1,4 2 192,10-21 0,1-1-90,-8 13 0,3 0-346,15-14 1,2-2 255,-12 0 0,1 1 0,10-3 0,2 1-495,2 9 1,0 0-748,13 15 1602,-12-20 0,-1-2 0,9 5 0,-1-1 0</inkml:trace>
-  <inkml:trace contextRef="#ctx0" brushRef="#br0" timeOffset="252283">6887 13747 10231,'-14'-27'450,"11"0"-540,-10 7 90,13 2 90,20 2-90,-14 3-45,27-4 0,7 0 135,-11-5-135,15 0 0,1 0 135,-7 1-1831,-7 3 0,-2 1 1831,1-5 180,3-6-90,-18 9-90,-8 1 0,-2 2 449,-5-4-359,0 8 90,-24 0 3212,0 9-3392,-22 19-90,13 8 0,12 9 0,10 2 90,11-6-630,0 16 90,21-9-450,-6-5 1,2-2-180,27 3 1079,-10-7 0,2-1 0,13-1 0,-14-10 0,-1 1 0</inkml:trace>
-  <inkml:trace contextRef="#ctx0" brushRef="#br0" timeOffset="252491">8038 13440 10501,'-15'-8'270,"2"0"-180,13 2-540,0-4-1079,23 8-90,4-3 450,26 21 1169,-12-12 0,-1 25 0,-12-14 0</inkml:trace>
-  <inkml:trace contextRef="#ctx0" brushRef="#br0" timeOffset="252637">8158 13692 10861,'-18'6'539,"3"0"181,5-3-720,28 0-540,9-19 1,25-1-530,-20 8 0,0-1 169,-1-6 1,0 1 899,4 8 0,1 0 0,5-8 0,1-1 0,2 4 0,0 1 0</inkml:trace>
-  <inkml:trace contextRef="#ctx0" brushRef="#br0" timeOffset="253516">10492 12505 10501,'3'-12'989,"-1"1"-629,-1-1-90,-1 2-180,-17-2 0,13 1 0,-37 1-90,20 2-90,-26 2 0,6 3 180,-7 1-225,10 1 0,-1 2-615,-22 18 705,22-17 0,0 1-45,6 13 0,4 4 90,-11 4-148,0 18 58,28-4 180,47 11-180,-3-15-930,16-5 0,4-1 1020,-19-9 0,0-2 0,12 7 0,3 1 0,-2-2 0,-2 0 0,-10-5 0,-1 1 134,15 10 1,-4-1-429,-3 3 294,0 5 0,-29-16 489,-5-2-579,-7-2-150,-31 1-480,5-3 45,-14-4 1,-4-2-46,-14 0 485,17-3 1,-1-2-1385,-19-2 1619,4-1 0,3-17 0,5-4 0</inkml:trace>
-  <inkml:trace contextRef="#ctx0" brushRef="#br0" timeOffset="253755">10260 12340 9871,'7'-8'990,"-1"2"719,-3 3-1439,-2 19-90,17 9-180,-14 32 90,10-7-1666,-14 13 1486,0-9 180,0 5-462,0 3 192,0-14 0,0 2-45,0-13 0,0 3-710,5 3 0,2 4 1,-2-4 439,-3-2 0,1-1-764,4 26 0,3 0 1259,-2-28 0,-2-1 0,-4 10 0,0-1 0,13 14 0</inkml:trace>
-  <inkml:trace contextRef="#ctx0" brushRef="#br0" timeOffset="254387">10885 13057 10681,'-4'0'1349,"0"9"-1259,30 0-90,9 7 0,16-8-1902,1 2 1092,-10-7-179,4 4-400,3-2-320,3-3 1709,2 2 0,2-3 0,1 0 0</inkml:trace>
-  <inkml:trace contextRef="#ctx0" brushRef="#br0" timeOffset="254682">12018 12369 11850,'5'-20'1170,"-3"7"-451,1-4-539,-2 13-90,3-1-90,0 25 0,1-15 0,1 39 0,-1-22 0,2 24-270,-1-7-90,1 3 1,-1 2-991,3 20 361,-2-17-136,0-8 1,0 0-405,1 1 1529,3 9 0,-2-22 0,-1-2 0</inkml:trace>
-  <inkml:trace contextRef="#ctx0" brushRef="#br0" timeOffset="254883">11975 12461 9961,'-5'-29'990,"2"0"-541,23-10-359,-14 8-90,24 7 0,6 1 0,-4-4-450,16 6 1,3 2-540,6-3-541,5 8 1,1 2 843,2 2 0,-16 5 0,-2 1 1,0 4-1</inkml:trace>
-  <inkml:trace contextRef="#ctx0" brushRef="#br0" timeOffset="255083">12082 12705 10141,'-8'4'1170,"3"0"-1081,2-1-89,26-3-89,8 1-541,14-1-1259,15 0 720,-21 0 1169,27 0 0,-27 0 0,10 0 0</inkml:trace>
-  <inkml:trace contextRef="#ctx0" brushRef="#br0" timeOffset="255283">12117 13046 10141,'-5'3'990,"23"0"-1440,11-15-360,12 9-179,4-9-934,-9-1 124,7 10 1799,1-18 0,4 19 0,1-7 0</inkml:trace>
-  <inkml:trace contextRef="#ctx0" brushRef="#br0" timeOffset="257682">12153 12307 8792,'0'-5'810,"0"-2"-541,0 2 1,0-1 1349,0 3-1259,10 1 0,-8 22-270,12 7-180,-12 14 270,2 0-180,-4-5 90,0 20-90,0-11 0,0-5 0,0 0-968,0 6 968,0 15-721,0-4 811,0-13-135,0-9 0,0-1-45,0 5-270,0 20 270,0-30 90,0 7-90,0-17 90,0-5 90,0-2-360,0-2 632,0-4-632,0-16 698,0-9-518,0-22 180,0 5-360,0-23 270,-11 20-1741,9 1 0,1-1 1831,-10-10-180,4-16-778,6 18 958,-6 1-679,7-1 589,0 2-90,0 1 270,0 0 180,0-15-90,0 15-224,7 10 1,2 0 223,-6-1-270,13-14 270,-6 27 2583,-7-1-2224,14 15 503,-9 3-1043,3 24 888,-1-14-797,2 60-180,-3-33 45,-3 15 0,0 3-583,1 6 582,-4-18 1,-1 1-45,-1 0 0,0-1 0,0 22 0,-1-13 0,0 0-89,0 6 89,0 11 89,0-24-178,0-4-394,-13 15 303,10-22 0,-10 15 0,13-34-269,0 3-361,-6-11 540,0 0-809,-10-30 1574,6 21-1214,-4-52 359,6 38 0,-1-26 51,3 16-501,2 0 810,-1-2 0,3 0 0,0 0 0</inkml:trace>
-  <inkml:trace contextRef="#ctx0" brushRef="#br0" timeOffset="258116">12137 12398 8522,'35'-11'1259,"1"-1"-1079,-7-2-90,-1-6-90,-5 17 180,3-19-90,2 13-90,25-18 90,-11 12-1817,21-7 1727,-15 8 90,5 1-180,3 0-45,-13 7 0,1-1 9,-12 2 0,2 0-279,23-1 0,0 1-45,8 1-135,-16 2 1,-2 1-406,1 1 990,7 0 0,-28 0 0,-4 0 0</inkml:trace>
-  <inkml:trace contextRef="#ctx0" brushRef="#br0" timeOffset="258466">12212 12689 8702,'0'5'720,"0"1"-1,0-3-539,22 0-90,5-2-90,30-1 0,-11-16-135,-10 15 0,0-2-225,9-25-225,-6 26 1,1 0-136,6-19-1083,10 18 1803,-19-6 0,-6 9 0,-1 0 0</inkml:trace>
-  <inkml:trace contextRef="#ctx0" brushRef="#br0" timeOffset="259217">13582 12205 10411,'0'11'2519,"0"9"-2519,0 15 0,-14 6 0,10-6 0,-10 2 0,6 20-270,6-12-1474,-6 13 1294,8-20 90,0-2 493,0-2-1392,0 9 629,0-13-719,-6 16 630,5-26 783,-4 9 0,5-19 0,0 2 0</inkml:trace>
-  <inkml:trace contextRef="#ctx0" brushRef="#br0" timeOffset="259583">13302 12287 9961,'-1'-24'1260,"23"-2"-1260,10 1 0,15 4-2180,4 1 1911,-9 8-271,4 2-90,0 2-89,0 4 406,-5 3-497,-1 1-359,-5 0 1267,-4 15 0,-6-11 0,-3 11 1</inkml:trace>
-  <inkml:trace contextRef="#ctx0" brushRef="#br0" timeOffset="259801">13108 13104 9781,'21'4'360,"16"-1"-360,1-3 0,10 0-540,-7-8 1,0-2-640,11-7 1179,-5 0 0,0 1 0,8 1 0,-19 9 0,0 0 0</inkml:trace>
-  <inkml:trace contextRef="#ctx0" brushRef="#br0" timeOffset="260105">14382 12268 11131,'7'-6'1079,"-2"2"-629,-2 1-270,-1 2 90,0 1-181,1 20 1,-2 9-90,1 12-90,-2 4 180,0 15-90,0-10-180,-7-18 1,-1 2-181,6 1 0,0-1-270,-13 16-225,14-10 1,2-1 45,-1 1-91,0 7-89,0-23 989,0-4 0,0-6 0,0-1 0</inkml:trace>
-  <inkml:trace contextRef="#ctx0" brushRef="#br0" timeOffset="261019">14318 13023 9961,'9'4'1260,"3"-1"-991,-8-2-89,6 0 90,-2-1-180,2 0-90,4 0 0,1 0 0,3 0 0,2 0-90,2 0-180,1 0-179,3 0-181,1 0 90,1 0-89,3 0-181,-3 0-89,2 0 899,11 0 0,-12 0 0,8 0 0</inkml:trace>
-  <inkml:trace contextRef="#ctx0" brushRef="#br0" timeOffset="261416">15393 12210 11221,'-10'-3'1349,"7"17"-1349,-7 14 90,10 10-180,0 6 90,0-6 0,-18 4-1811,14 3 1811,-14 0-90,18 1-90,-13-2-612,9 17 252,-16-19-809,18 22 629,-10-33 180,11 4 398,-4-17-757,5-4 899,0-4 0,0-2 0,0-3 0</inkml:trace>
-  <inkml:trace contextRef="#ctx0" brushRef="#br0" timeOffset="261632">15385 12257 9961,'12'-18'1439,"11"-7"-1439,-1 5 0,19-10 0,-12 12 0,9-3-809,7 7 269,-10 4-449,24 0 359,-23 7 90,8 2-89,-17 1-810,-3 0 1439,-2 18 0,-5-13 0,1 14 0</inkml:trace>
-  <inkml:trace contextRef="#ctx0" brushRef="#br0" timeOffset="261849">15408 12604 9512,'0'4'1079,"0"1"-809,0-3-180,17 0-90,6-1 0,23-1-450,-9 0-1439,30 0 1259,-33 0-1568,27 0 2198,-38 0 0,5 12 0,-14 4 0</inkml:trace>
-  <inkml:trace contextRef="#ctx0" brushRef="#br0" timeOffset="262032">15290 12941 9961,'-5'5'1619,"2"-1"-1529,20-2-90,12-1 0,9-1-270,9 0-179,-9 0-91,7-12-359,0 9-1440,20-10 2339,-14 4 0,11 7 0,-21-8 0</inkml:trace>
-  <inkml:trace contextRef="#ctx0" brushRef="#br0" timeOffset="262521">16555 12182 11400,'11'-12'1080,"-1"0"-720,-1 3-1,-1 0-179,-1-1-270,-3 5 90,-22-1-90,-11 24-89,-26 5 179,10 10 0,14-9 0,2 0-90,-2 6 90,1 14-90,10-12 0,17-1 90,-8 0-180,11 15 180,0-11 0,20 24 0,7-26 0,5 2 0,3-2-90,11 0 180,-10-2 0,-2-1-90,-2-6 180,16 11-180,-25-19 270,7 3-91,-17-11-179,-1 0-539,-8-5-271,-22-2-719,-30 1 360,0-2-1101,-17-11 561,25 8 1709,1-8 0,4 1 0,1-1 0</inkml:trace>
-  <inkml:trace contextRef="#ctx0" brushRef="#br0" timeOffset="263183">17707 12052 9602,'0'-7'899,"0"0"-359,-18-3-181,13 1-359,-12-3 0,-4-3 90,-7 4-90,-31-6-90,8 11-1299,-8-1 1209,12 5 90,-1 1-465,2 1 376,1 0 89,6 0 90,3 18 0,5-14 0,13 30-90,4-17 180,33 19-180,-14-11 180,37 3-90,-37-7 0,40 2-90,-27 2 180,9 3 0,5 16 89,-16-9-179,-4-3 0,-2 1 0,2 6 0,-12 13 90,0-15-90,-17 0 90,13-1 0,-32 12-180,12-12 135,3-7 0,-1 1 1304,-3 3-1259,-10 20 90,21-22 145,-5 6-145,10-5-180,9-9 0,23 10 0,-18-17-90,25-4 0,6-4-179,-8 2-328,36-1-123,-21-6-539,1 0-450,3-3 1709,7 0 0,2 0 0,5 0 0</inkml:trace>
-  <inkml:trace contextRef="#ctx0" brushRef="#br0" timeOffset="263700">18298 11790 10771,'11'-18'1349,"-9"2"-1079,9 5-180,-11 1-90,0 4 90,0 1-90,-14 3-1170,-5 38 541,1-16-226,3 11 1,3 1 44,-1-3-1649,-7 19 2459,9-21 0,4 3 0,7-11 0</inkml:trace>
-  <inkml:trace contextRef="#ctx0" brushRef="#br0" timeOffset="263801">18283 11989 8972,'14'38'-510,"-3"-6"0,-4 1 1</inkml:trace>
-  <inkml:trace contextRef="#ctx0" brushRef="#br0" timeOffset="264299">18608 12573 11760,'0'34'-360,"0"3"-629,0-9-180,0 3-270,0-7 1439,0 1 0,0 0 0,0 0 0</inkml:trace>
-  <inkml:trace contextRef="#ctx0" brushRef="#br0" timeOffset="264484">18792 12394 9242,'8'-4'-2609,"1"1"2609,-2 2 0,2 1 0,-2 0 0</inkml:trace>
-  <inkml:trace contextRef="#ctx0" brushRef="#br0" timeOffset="264733">18965 12737 9422,'0'15'809,"0"0"-269,16 3-540,-13-5 0,13 2 0,-16-6 0,10 0 90,-8-1-270,8 3-180,-10-4-449,0 4 449,0-6-1259,4 1 1169,2-4-809,8-1 1259,0-18 0,3 12 0,-1-12 0</inkml:trace>
-  <inkml:trace contextRef="#ctx0" brushRef="#br0" timeOffset="265049">19187 12703 9242,'16'-19'629,"-1"8"-89,-4-6-90,-1 15-90,-2-8-181,-2 10 181,2 0-270,-5 0 0,2 15-90,-3-11-90,-1 28 180,0-7-180,-1 8 180,0 1-180,0-3 0,0-9-90,0 3 90,0-12-449,0-2-91,0-2 450,14-4 180,2-22-90,19-9 180,-6-11 90,14-12 180,-16 18-858,7-8 588,-14 15 360,-4 4-90,-4 10-180,3-4-90,-7 12-90,3-6 0,-5 30 0,0 5 0,-2 12 317,0-2-1486,2 6 359,0-11-899,10 20 450,-3-23 1259,8 3 0,-1-14 0,3-2 0</inkml:trace>
-  <inkml:trace contextRef="#ctx0" brushRef="#br0" timeOffset="265399">20035 12661 9422,'-17'-12'1259,"13"3"-719,-31 3-361,19 4-268,-16 22-181,18 3 0,2 21-180,12-2 180,0-5 0,21-15 1,-16 0 89,33-20 180,-12 7 0,7-9-90,-1 0 90,-10-15 360,-4-4-91,3 0 631,-12-12-540,1 12-360,-10-12 269,0 8-269,-14 11-269,10 26-181,-10 11 0,14 12-179,0-2-1,0-9-180,0-1-269,17-1 1079,-13-3 0,31 0 0,-11-2 0</inkml:trace>
-  <inkml:trace contextRef="#ctx0" brushRef="#br0" timeOffset="266102">20795 12605 9871,'0'-10'1440,"-17"3"-1351,-8 2-89,-12 2 0,12 23-269,11 0 89,14 20 0,0-7 0,16-3-90,4-13 0,19 0 180,-2-16 0,1 6 180,-17-22 90,2-4 0,-21-16 270,7 6-360,-9 2 90,0 7 0,0 2-90,0 3-1,-19 6 541,15-4-450,-29 11-180,29 13 180,-19 17-180,21 11 0,-7 5 0,9-7 0,0 3 0,0 0 0,0 18 0,0-13-180,-1-10 0,2 0 0,13 2-359,-11 17 179,10-28-270,-13 3-449,0-11 719,0-8-719,-15-1 629,-2-27 450,-1-6 90,28-21 0,-4 9 89,26 11 1,6 3 0,-5-6-1741,14 5 0,3 1 1651,3-3 0,-17 8 0,-1 2-209,12-6 298,-3 0 1,-2 0 90,10-10-90,-16 6 180,14-17-90,-31 16 449,2-17-359,-15 18-90,-3-6 0,-3 12 0,-18 1-180,13 2 0,-30 3 89,30 3 1,-29 4 3198,11 3-3288,-15 23 134,8 8-359,19 6 0,5 2-225,-2 14-180,15-10 1,7-3-91,16 0-135,-3-9 1,2-1-315,20 1 1079,-14-9 0,-2-1 0,10-3 0,13 2 0</inkml:trace>
-  <inkml:trace contextRef="#ctx0" brushRef="#br0" timeOffset="266616">21990 11824 10591,'9'-12'0,"-7"0"360,13 4-360,-10 3-540,2 25 0,-3 9-179,-4 14 89,0-2-1079,-17 4 1709,12-10 0,-12 8 0,17-15 0</inkml:trace>
-  <inkml:trace contextRef="#ctx0" brushRef="#br0" timeOffset="266799">22070 11834 10861,'14'-7'539,"1"-1"-359,-5 7-270,3-2 90,0 3 90,1 15-899,6 6-181,-6 9-1438,5 18 2428,-9-15 0,-1 15 0,-3-13 0</inkml:trace>
-  <inkml:trace contextRef="#ctx0" brushRef="#br0" timeOffset="267317">22573 11579 10861,'0'-18'0,"0"2"0,0 5 0,0 0 90,0 4 0,20 1 0,5 24-90,11-13 0,-2 30 180,-8-20-91,-1 15 91,-2-4 0,1 16-90,-7-8 0,0 29-90,-8-26 0,-4 14 90,-2 0-180,-3-12 180,0 27-90,0-27 0,-7-5 0,-1-1 0,4 6-786,-11 13 786,15-15 0,0 2 0,0 0 0,0 19 0,0-12 45,8-6 0,1-1-45,-4 8 0,4-9 0,-1 0 0,-8 4 0,0 11 0,0-20-177,0-3 177,0-4 90,0 5-90,0-13 0,-15 8 0,11-17-540,-41-1 0,22-6-179,-31-2-567,9 0 206,-5 0-313,-5-14 1393,0 11 0,-2-24 0,1 13 0</inkml:trace>
-  <inkml:trace contextRef="#ctx0" brushRef="#br0" timeOffset="271499">5718 15224 11041,'0'-15'449,"0"0"-449,0 6 90,0 0 180,0 4-270,-23 1 0,-5 19 90,-14-11-90,2 32-90,8-19 90,0 19 0,3-7 0,3 5 0,13-2-90,-5 2 0,16 0 0,-6-1 90,8 0 0,21 0 0,-15-1 0,43-1 0,-6 12 0,13-14 0,-19-5 0,-1-1-115,3-2 205,7 5-90,-32-14 0,7-3 0,-18-1-989,8-2-540,-32-3 449,-10 0 1080,-28-3 0,9-14 0,-3-4 0</inkml:trace>
-  <inkml:trace contextRef="#ctx0" brushRef="#br0" timeOffset="271755">5658 14919 10231,'0'-4'2429,"0"18"-2339,0 19-45,-6 1 0,-2 2-45,6-2 0,1 0-1063,-7 6 1,2 0 1152,6 25-90,0-31 0,0 0-45,0 0 0,0 1-225,-2 15 0,4 0 85,7-13 1,2 1-536,-2 24 0,1 0 270,2-27 1,0-1-91,4 9 1,-3 0-901,-9 13 1440,24-5 0,-24-3 0,11-3 0</inkml:trace>
-  <inkml:trace contextRef="#ctx0" brushRef="#br0" timeOffset="271983">6253 15650 10861,'5'-1'-4138,"-2"16"4138,-2 0 0,-1 4 0,0-8 0</inkml:trace>
-  <inkml:trace contextRef="#ctx0" brushRef="#br0" timeOffset="272600">6082 15860 9961,'-7'0'360,"3"-19"-90,1-5-270,3-30 0,22 8-282,-17-7 282,23 18 0,3 1 90,-7-20 45,10 5 0,3 0-827,-2-7 827,-11 20 0,-2 2 224,5-8-179,-5 5-180,-10 5 0,3 2 540,-13 14-450,5 25 0,-24 27-90,-2 17 0,2-8 0,0 1-90,-1 17 90,9-6 0,4 1-305,5-22 1,0-2 214,0 11 0,0 0-269,0 15-91,0-3-405,23-9 1,2 1 44,-12 11 90,27-8 1,2-4-450,-22-8 1367,28 4 1,-35-21 0,-3-2 0</inkml:trace>
-  <inkml:trace contextRef="#ctx0" brushRef="#br0" timeOffset="272749">6327 16124 9871,'-21'-12'450,"4"2"-180,6-12-450,-2 4 270,11-2-90,-4-2-90,6-1-1259,23-16 539,-18 7 70,19 10 0,3 0 740,0-11 0,26-2 0,-9 1 0</inkml:trace>
-  <inkml:trace contextRef="#ctx0" brushRef="#br0" timeOffset="272937">6928 15441 9961,'6'32'900,"1"6"-810,-5-9-90,3 17-180,-4-19-360,4 11-269,-1-12-1,2-1-179,-1-2 989,7 8 0,-4-10 0,5 5 0</inkml:trace>
-  <inkml:trace contextRef="#ctx0" brushRef="#br0" timeOffset="273119">6942 15011 10141,'-11'-31'0,"-3"3"0,12 6 0,-5 4 0,7 5-1799,0 6 360,0 25 1439,20-13 0,-16 41 0,16-17 0</inkml:trace>
-  <inkml:trace contextRef="#ctx0" brushRef="#br0" timeOffset="273467">7302 15828 9512,'10'0'719,"1"-16"-359,1 12-180,0-34-180,4 17 0,1-22 0,3 3 225,-5 6 0,1-2-225,9-22-1537,-5 3 0,0-2 1672,-10 20 0,-2 1 45,4-13 0,-2 0-293,-5 12 0,-2 2 293,-1 0 0,0 0 0,-1 1 0,0 0 90,-1-29-180,0 5-90,-19 8-596,15-1 776,-35 22 0,19 3-180,-20 41 0,21 3 90,-10 26-225,23 4 0,3 4 0,-6-17 0,3 2-346,8 12 0,5 7 0,-1-6 211,-6-8 0,5-2-420,12 5 1,8 3-1,-4-4 47,-8-5 0,2-2-167,17 12 1,1-3 809,-12-16 0,-1-3 0,1 0 0,0-1 0,21 22 0</inkml:trace>
-  <inkml:trace contextRef="#ctx0" brushRef="#br0" timeOffset="274151">7762 15569 9332,'36'0'539,"8"0"-449,-8 0 90,19-14-90,-20-5 135,-5 2 0,-1-1-45,3-1 449,11-25-179,-25 29-270,-2-28-180,-12 26 180,-4-5 90,-21 9-180,-6 6 0,-22 1 0,2 26-90,18 11 0,-4 11-360,30 23-90,-10-22-360,10-5 1,6 0-450,27 5 1259,-10-11 0,4-2 0,7-13 0,2-3 0,1 3 0,-1 0 0</inkml:trace>
-  <inkml:trace contextRef="#ctx0" brushRef="#br0" timeOffset="274666">9663 14757 10771,'0'-12'450,"0"-1"-360,0 2 89,-21-7-179,15 5 0,-36-4 0,6 1 0,-12 5-45,8 2 0,-1 1 45,-13 0-484,4 3 0,-1 1 574,-9 2-90,1 1 0,0 1-90,4 0 45,8 7 0,3 1 45,14-4 0,-3 28 0,23-20-4,3 15-86,7-5 180,0 3-180,0 4 180,24 20-90,1-6-45,-1-5 0,0 2 135,-1 11-325,-6-18 0,-4 0 235,-10 14 90,9 0 0,-12-1-180,0 0 180,0-2-90,-17-2 90,13 0 0,-36-1-180,19 0 90,-5-14 0,-3 0 90,-8 11-90,-8 8 90,17-19-180,4-3 116,11-5-116,-4-3 1002,15-2-912,-7-1 95,28 3-185,-15-5-180,29-2 0,7-2-180,-3 2-405,5-4 0,3-1 225,12 2-180,3-1-1491,-1 0 2301,-3 2 0,-2 0 0,-3 0 0</inkml:trace>
-  <inkml:trace contextRef="#ctx0" brushRef="#br0" timeOffset="275165">10260 14558 12030,'0'-5'360,"0"1"-180,-16 1-630,-1 22-899,-10 5 359,3 22-809,14-4 810,1-8 989,9-7 0,0-10 0,0-3 0</inkml:trace>
-  <inkml:trace contextRef="#ctx0" brushRef="#br0" timeOffset="275305">10318 14708 10231,'-23'-10'1080,"18"20"-1170,-35-6 0,35 31-270,-23-19-450,25 18-1348,-16 13 2158,17-7 0,-6 15 0,8-13 0</inkml:trace>
-  <inkml:trace contextRef="#ctx0" brushRef="#br0" timeOffset="275653">10703 15200 10591,'-26'-9'540,"-14"7"-540,15-11 90,-8 12-90,5-3-90,10 4 180,10 16-180,1 7 180,28 22-90,9-8-45,-3-10 0,3-1 135,16 8-45,-15-8 0,-3 1 44,2 2 91,-2 6 0,-8-14 0,-17-4-90,8-2-90,-11-1-180,0-3-90,-18 1-179,-13-7-91,-9-1-360,-5-3-89,11-1-180,2 0 1169,1 0 0,4-20 0,0-5 0</inkml:trace>
-  <inkml:trace contextRef="#ctx0" brushRef="#br0" timeOffset="275835">11027 15236 9781,'12'0'1080,"-2"0"-810,2 17-1,-3-13-89,9 27-180,-4-8 0,12 19-90,-11-4-449,3 1-900,-3 4 449,-5-11 990,6 22 0,-8-26 0,2 7 0</inkml:trace>
-  <inkml:trace contextRef="#ctx0" brushRef="#br0" timeOffset="276023">11337 14894 10411,'0'-18'0,"-14"2"0,11 4 0,-10 25 0,13 7 0</inkml:trace>
-  <inkml:trace contextRef="#ctx0" brushRef="#br0" timeOffset="276299">11673 15109 10411,'19'0'1709,"9"0"-1349,-7 0 90,14 19-270,-17-15-91,2 31-89,-10-31 0,-4 34 0,-3-21 90,-3 21-180,0-8 1,-22 3-451,-3 16 90,-3-11-90,7-8 1,5 0-181,11 2-1079,-25 10 630,27-22 1169,-10 0 0,32-11 0,5-3 0</inkml:trace>
-  <inkml:trace contextRef="#ctx0" brushRef="#br0" timeOffset="276619">12107 15439 12660,'38'0'180,"6"0"-180,-9 0-90,2 0 180,-7 0-90,-2 0 0,1 0 0,-1 0 0,-2-18-180,-3 14 270,-1-28-270,-1 12 180,-6-6 0,-4-11 0,-7 16 0,-4-7-90,-19 13 90,14 1 90,-33 5-90,10 4-90,-19 18 180,0 14-360,12 23-180,15-5-1156,11 2 797,9-12-271,0-2-179,26-1 1182,6 9 0,16-15 0,-4 7 0</inkml:trace>
-  <inkml:trace contextRef="#ctx0" brushRef="#br0" timeOffset="276950">12788 14402 8972,'22'21'-90,"-17"9"-90,17-18-450,-5 20 91,-1-11-361,5 5 900,-10-7 0,-1-2 0,3-1 0</inkml:trace>
-  <inkml:trace contextRef="#ctx0" brushRef="#br0" timeOffset="277121">13145 14393 10681,'28'0'719,"-2"0"-539,-2 0-180,-2 20 180,-3-16-450,4 48-359,-10-29-541,0 29 1170,-10 5 0,-2-10 0,-1 19 0</inkml:trace>
-  <inkml:trace contextRef="#ctx0" brushRef="#br0" timeOffset="277983">13743 14444 10321,'9'-10'450,"3"-2"-270,-4 3 0,3 1 179,-5 3-269,1 4 0,-1 1 0,5 0-90,-3 0 0,5 19 0,-4 4-180,4 11 90,-2 1-89,0-7 89,0 5-90,-1 2 90,1 2 90,0 2 0,-2 1-90,1 2 180,-2 0-180,-3-9 0,-1 0 270,1 17-935,-3-15 1,0-1 754,-1 12 0,-1 1-550,0-14 0,0 1 550,0 17-109,1-18 0,-2 1 109,-13 29 0,10-14-90,-3-10 1,0-1 89,7 6 0,8-11 0,5-1 89,10 3-178,2 5 178,12-16 1,-32-3 180,29-3 1312,-30-2-1402,10-2 1104,-14-2-1284,0 3 50,0-5-1219,-20 5-90,-18-9-669,-13 4 1928,-10-7 0,9-1 0,-1 0 0</inkml:trace>
-  <inkml:trace contextRef="#ctx0" brushRef="#br0" timeOffset="279266">3333 15709 10951,'5'-16'539,"-2"0"-359,-2 6 0,-1 1 630,0 3-810,0 18 0,0 11-180,0 9-180,0 7-90,0-7-179,0 2-271,0 2 1,11-2-1,-8-2-179,8-2 1079,-11-4 0,6-4 0,3-2 0</inkml:trace>
-  <inkml:trace contextRef="#ctx0" brushRef="#br0" timeOffset="279419">3442 15491 9332,'0'-24'-630,"0"3"360,0 6-180,0 2 450,0 6 0,0 2 0,0 5 0</inkml:trace>
-  <inkml:trace contextRef="#ctx0" brushRef="#br0" timeOffset="279733">3835 16015 9781,'5'7'360,"2"-2"-360,-2-2 90,3-20 0,-4 13-180,3-35 90,-1 21 90,2-20-90,2 5 360,1-17-90,-2 10 44,-5 7 1,0 0-225,-3-3-90,0-17-90,-1 29 270,0 0-180,0 39 0,0 1 0,0 25-180,0 18-179,0-9-848,-1-4 1,2 0 576,16 9 225,-16-20 1,2-1-946,13-3 1,2-3 1349,4 13 0,-1 8 0,-2-21 0</inkml:trace>
-  <inkml:trace contextRef="#ctx0" brushRef="#br0" timeOffset="279948">3727 16202 9781,'55'0'0,"2"-17"0,-3 13-2077,-23-17 1,0-2 1851,3 12 1,0 1-136,2-12 0,2-2-849,16-2 0,1 0 1209,-13 6 0,-1 0 0,11-7 0,-2 0 0,-17 9 0,0 0 0</inkml:trace>
-  <inkml:trace contextRef="#ctx0" brushRef="#br0" timeOffset="280333">4712 14635 10951,'0'-10'1079,"0"3"-809,0 20-180,-19 24 0,15 11-628,-15-15 0,1 2 718,14 28-644,-15-28 1,1 2 463,15 2 0,1 2 45,-16 2 0,0 0-45,15 0 0,2 1 0,-7 0 0,0 1-180,5 15 0,6-1-45,9-15 1,5 0-436,-2 1 0,3 2 1,4-6-16,10-6 1,7-3 674,1-1 0,5 2 0,-2-6 0,1-5 0,0-4 0,17 5 0,0 0 0</inkml:trace>
-  <inkml:trace contextRef="#ctx0" brushRef="#br0" timeOffset="282087">15103 14577 11850,'0'-19'1349,"-15"2"-1079,11 6 0,-12 2-270,16 1-90,0 2 270,-10 4-180,7 21 0,18 8 0,6 13-771,29 1 681,-6-7 0,-2-7 0,2 0 45,-9-5 0,1-1-1055,12 8 1,1-1 1099,-12-7 0,-3-2 0,-1 2 0,0 0-269,-1-1 0,-1 0 269,21 22 0,-9-2 0,-14 2 0,-14 17 90,-8-13-90,-32-6 0,-9-2-90,-8 6-754,-5-13 0,-4-3 664,15-8 0,1-2-45,-3 0 0,0 0-432,1-1 1,0-1 116,1-1 1,1 0 458,3-1 1,0-1-1000,-22 9 1109,11 4 1,13-11-1,7 5 1</inkml:trace>
-  <inkml:trace contextRef="#ctx0" brushRef="#br0" timeOffset="282434">16512 14701 11670,'0'-28'900,"-21"9"-360,-7 3-540,-13 12 89,-16 22-89,19 17-1125,6-4 1,3 4 1169,12-4 0,3 1-45,-2 2 0,3 1-275,6 4 0,6-2 185,25 20-1322,-1-12 0,6-3 1367,1-19 0,5-5 0,7 7 0,2-4-208,-8-11 1,0-3 207,2-2 0,0-2 0,1 1 0,1-4-90,15-10 0,-1-4 0,-14 6 0,0-4 45,18-18 0,-6-5 45,-25 13 0,-5-3-225,2-19 0,-7-2-269,-6-12 224,-21 20 0,-6 2-494,-11-13 404,0 26 0,-2 2-854,-24-15 1259,-6 7 0,28 18 0,-1 1 0,-1 2 0,0 0 0</inkml:trace>
-  <inkml:trace contextRef="#ctx0" brushRef="#br0" timeOffset="283121">17825 13994 10501,'0'-6'1529,"19"1"-1169,8 3-180,13 1-90,3 1 0,-3 16-2100,3-11 2010,5 34 90,3-17-45,-15 9 0,0 5-90,-9-13 0,0 3 75,4 14 0,2 7 0,-6-3-30,-7-7 0,-3 2 29,1 11 1,-1 6 0,-5-5-30,-5-9 0,-7-1-90,-11 6 0,-7 5 1,-1-4-91,0-3 0,-4-1-1001,-5-4 1,-4 1 0,-1-3 685,-4 4 1,-1-3-181,-5 2 0,0-1-90,-2-2 1,-3 1 689,3-5 0,-4 0 1,2-2-1,-6 4 1,-1-2-1,8-6 1,-1 1-1,1-1 0</inkml:trace>
-  <inkml:trace contextRef="#ctx0" brushRef="#br0" timeOffset="284205">18888 14656 11490,'47'0'90,"-20"12"-180,16-9-179,-24 9-271,23-4-90,-11-6 91,3 15 179,-2-8-180,-1 10 0,-1-2-809,3 15 1349,-11-4 0,-2 8 0,-12-7 0</inkml:trace>
-  <inkml:trace contextRef="#ctx0" brushRef="#br0" timeOffset="284339">18968 15155 9691,'-32'3'540,"9"0"-540,3-19-540,41-1-179,4-2-1843,30-13 1482,-3 18 1080,-22-2 0,2-1 0,3 5 0,2 2 0,0-2 0,1 1 0</inkml:trace>
-  <inkml:trace contextRef="#ctx0" brushRef="#br0" timeOffset="284637">19348 14648 9602,'-24'-13'1079,"8"4"-90,2 0-1079,35 6 90,39 15 0,-29-3 0,2 2-245,12-4 0,2 4 155,0 15 0,-1 1 45,-11-15 0,2 2-75,-1 9 0,3 6 0,-5-2 30,-6-4 0,-3 3-270,6 19 1,-7 2-833,-8 15 1012,-7-20 0,-9-1-45,-15-10 0,-4-1-45,3 2 0,-2-1-597,-15 1 1,-3-1 461,3 0 1,1 0 404,-4 0 0,0-1 0,-3 0 0,0 0 0,-1-1 0,1 0 0</inkml:trace>
-  <inkml:trace contextRef="#ctx0" brushRef="#br0" timeOffset="285519">21230 14458 10951,'-25'-14'629,"-13"2"-359,34 2-90,-31 2 0,31 3-90,-32 3-90,23 1 0,-18 1 0,11 16 0,-1-13-360,0 32-180,1-31 1,4 37-271,4-22 91,6 22-181,3-9 1,3 1-271,21-1 1170,-16-2 0,44-1 0,-14-2 0</inkml:trace>
-  <inkml:trace contextRef="#ctx0" brushRef="#br0" timeOffset="285784">21537 14722 10231,'-59'-10'990,"10"2"-990,4 8 90,12 0-1,2 0 91,-5 0-180,18 14-90,-10-10 180,26 22-90,-7-6-90,31 11 90,16-11 0,-3-6 0,3-3 0,-5-8 0,1-3-739,14 6 0,-2-1 829,7-5-90,11 0-180,-32 0-720,-6-19-179,-13 0 449,-4-18-179,-33 19-91,18-12 900,-42 19 0,43-13 0,-18 8 0</inkml:trace>
-  <inkml:trace contextRef="#ctx0" brushRef="#br0" timeOffset="285983">21708 14220 9871,'7'-5'720,"-2"1"-450,-5 0 269,0 2-1708,0 20-720,-13 22 630,9 4 1003,-9 13 1,13-18 0,0 2 0</inkml:trace>
-  <inkml:trace contextRef="#ctx0" brushRef="#br0" timeOffset="286787">22597 14735 9691,'-14'-13'630,"3"1"-180,11 0 179,0-5-539,0 4-90,-6-6 0,4 9-269,-4 0 89,6 4 90,0 2-180,-3 1-180,2 2 450,-2 14 0,2 2 360,1 12 629,0-7-989,0-19 0,-13-10-90,-5-5 90,-9 2 90,-2 12-90,2 0 0,-4 0 0,-3 0 0,-4 15 0,-16 3 0,10 0 0,13-4 0,1 2 0,-1 6-90,-1 9 90,19-1-179,6-8 89,4-1-90,3 2 0,20-2-90,-15-1 135,25-8 0,5-3-135,-5 4 270,14-6 0,3-3 0,3-2 0,-9-12 0,0-1-362,2 6 362,7-30 0,-25 31 90,-7-27 270,-9 11-270,-3-15 90,-6 8-90,0 2 182,-17 9-272,12 1 90,-23 6-360,25 25-270,-8 5 270,11 23-989,0-3 719,0-6 540,17 9 0,-12-21 0,12 8 0</inkml:trace>
-  <inkml:trace contextRef="#ctx0" brushRef="#br0" timeOffset="287169">22728 14839 9961,'0'-14'900,"0"1"-720,0 4 269,0 3-539,0 19 1,0 4-91,12 1 0,-9 14-540,9-9 450,-12 10-179,0 2-1,7-16 180,-5 3 0,10-15 270,-7 0 0,3-7 0,-1-17 90,6-7 270,-1-11 0,6 1-1,-5 7 1,1 1-270,-3 4 270,3-4 270,-5 15-361,0-1-89,-4 12-180,2 0 0,-1 17 0,4-13-90,-1 34-179,2-19-361,0 20-899,5 8 629,-3-10 900,10 23 0,-9-30 0,5 8 0</inkml:trace>
-  <inkml:trace contextRef="#ctx0" brushRef="#br0" timeOffset="287566">23437 14335 11490,'0'45'810,"0"-4"-810,0 3 90,0-4-90,0 3-1951,13 2 1951,-10 3 0,11 3 0,-14 0 0,-1-15 0,2 1-180,7 17 45,-7-11 0,0-2 135,7 0-128,-8 13-232,4-33 349,-2-1 11,6-15-90,-6-3 0,7-2 1159,2-21-1069,7 16 0,7-39 90,20 7 90,-9-9-90,-4 15 0,-1 4-90,2 7 180,6-16 391,-21 33-571,-7-10-180,-5 13-449,-3 16-91,-3 6-89,-17-2-1,12 21-89,-29-23-630,30 18 1529,-28-12 0,28-3 0,-11-1 0</inkml:trace>
-  <inkml:trace contextRef="#ctx0" brushRef="#br0" timeOffset="287799">22620 13964 9871,'21'-22'540,"-15"1"-450,43 6 0,-26 3 0,25 4-90,-9 3 0,-1 3-180,1 2-180,-2 21 0,-6-16-359,-2 44-1170,-7-3 1889,-3 13 0,-14-24 0,-1 0 0,3 18 0</inkml:trace>
-  <inkml:trace contextRef="#ctx0" brushRef="#br0" timeOffset="288215">24032 14584 10231,'5'18'90,"2"12"-90,-3-26 0,1 33 0,1-20-90,-1 20 180,5-13-180,-1 1-90,7 4 180,-3-9 0,8 2 0,-6-12 0,1-4-90,-4-3 180,-2-3-90,2-20 0,-2 15 360,0-35-180,-1 23 180,-1-19 0,0 10 89,-3 0-179,-2-6-270,0 16 0,-2-11-1079,1 20 179,-2 37-989,0 3 630,19 29 1053,-14-16 0,27-14 0,-17 0 0</inkml:trace>
-  <inkml:trace contextRef="#ctx0" brushRef="#br0" timeOffset="288655">24605 14795 9781,'3'-25'1440,"0"10"-991,-2 7-179,2 8 0,5 0-180,-1 17 0,11 9-180,-7 12 90,11 23 0,-11-16 45,-2-4 0,0 2-1446,0 9 1401,-3-19 0,-1 2-360,2 28 180,-2-18-180,2 20 360,-5-36-1079,3 8-181,-4-25 631,0-23 359,-1-23-90,-13-14 135,11 8 0,1-1 225,-13-16-662,13 3 0,2-1 797,-1 19 0,0 2-45,-1-11 0,2 0 1017,16-16-747,-13 5 179,30 6-179,-30 7 90,36 7 0,-22 8 109,34 2-469,-19 14 270,24 1-270,-25 10-90,8 16 90,-10 6-90,-13-2-180,1 27-90,-13-28-1169,-25 36 270,14-26-181,-43 8 1350,11 1 0,-14-11 0,0 10 0</inkml:trace>
-  <inkml:trace contextRef="#ctx0" brushRef="#br0" timeOffset="289021">25577 14792 9512,'0'-42'1169,"0"7"-719,17-7-1,-13 6-269,26 5 0,5 0 90,-4-18-1613,12 3 1,4 0 1476,-24 17 1,-2 1-90,9-11 0,-2-1 91,-9 12 0,-2 0 134,15-30-91,-3 0-89,-5 0 0,-5 4 180,-5 0-270,-4-10 0,-6 21 0,-1-7 0,-26 53 0,18 6 0,-36 33-180,26-4 0,2 2 918,-5-7 1,1 3-889,4 7 0,1 5 0,0-4-120,-1 0 1,2 0-301,5 3 0,3 5 1,-1-5-757,-2-4 1,1-1 785,3 10 1,4 1 539,8-4 0,1-3 0,-9-12 0,1-1 0,7 10 0,1-1 0</inkml:trace>
-  <inkml:trace contextRef="#ctx0" brushRef="#br0" timeOffset="289333">26017 14853 10141,'9'-14'540,"1"-9"-450,3 14 0,4-10 0,12 2-90,-2 3-180,21-3 0,-17 6-90,9 0 180,-12 3 0,-2 2-90,0-2 0,-3 1 90,-3-2 180,-5 1-90,-3-8 90,-7 3 0,-1-11-90,-4 10 270,-18-6 0,-1 11-180,-3 1 180,-10 6-270,12 1-90,-13 16 180,15 6-720,7 21 360,11-6-359,0 5-811,0 1 451,20-8 989,-14 8 0,31-15 0,-17-1 0</inkml:trace>
-  <inkml:trace contextRef="#ctx0" brushRef="#br0" timeOffset="289698">26613 14663 9602,'6'-7'629,"-2"-4"-359,-1 10 180,0-5-360,3 6 0,-1 0 0,5 15 0,-4 5-90,7 20-90,-5-7 180,4 0-90,-2-3 0,-3-8-90,6 6 90,-7-18-270,4 3 270,-5-12 0,2 3 0,0-4-90,3-21 180,2 16 180,14-48-180,-3 34 134,-1-10 1,0-1-135,8 4 0,14-7 90,-23 13-180,4 9 0,-12 2 0,-1 9 0,-2 0 0,0 17-540,-3-12-449,3 44 269,-3-29-1079,-2 42 720,-3-30 996,-2 10 1,0-14 0,0-2-1</inkml:trace>
-  <inkml:trace contextRef="#ctx0" brushRef="#br0" timeOffset="289932">26307 14336 9961,'34'-18'1350,"-4"1"-1081,33 2-2377,-11 0 2198,4 0-90,1 4 0,0 1-90,-4 3-513,-3 4 63,-7 1 60,-7 2-149,-5 0-1620,-4 20 2249,-13 8 0,-1 12 0,-13 2 0</inkml:trace>
-  <inkml:trace contextRef="#ctx0" brushRef="#br0" timeOffset="290116">28133 15024 10951,'15'0'-2339,"-2"0"1260,-5 0 1079,-3 0 0,-1 0 0,-2 0 0</inkml:trace>
-  <inkml:trace contextRef="#ctx0" brushRef="#br0" timeOffset="290705">28107 14175 10861,'0'-15'719,"0"0"-269,0 3 0,0 1-270,0 1 0,21 2-270,1 2 180,21 3-90,-4 1 90,5 2-270,-1 0-630,16 19 360,-19-14-225,-15 19 1,-4 4-315,1-5-1,-10 29 1,-5-17 989,-36 4 0,3 1 0,-1-19 0,1 0 0</inkml:trace>
-  <inkml:trace contextRef="#ctx0" brushRef="#br0" timeOffset="290835">27840 14855 11760,'0'16'900,"21"-1"-900,-15-5 0,48-3 0,-26-4-810,11-2 1,2-1-1260,10 0 2069,-8 1 0,-1-1 0,2 0 0,10 0 0</inkml:trace>
-  <inkml:trace contextRef="#ctx0" brushRef="#br0" timeOffset="388790">5445 16447 7443,'-5'-5'90,"-1"0"-90,3 1 180,-2-2-1,1 1-179,0-1 90,1 2-90,-2 1 0,3-2 0,-3 2 0,3-1 270,-2 2-270,18 1 0,-11 14 90,25-10-90,-13 20 0,15-20 0,-8 13 90,2-14-90,-5 4 0,1-1 0,3-4 0,0 7 0,3-5 0,-1 1 0,2-2 0,13 1 90,-8-2-180,23 2 90,-22-3 90,24 3-90,-23-1-90,10 0 180,-13 0-180,0 0 180,1 0-90,14 1 0,-8 0 0,28 4 0,-24-2 0,-5 0 0,1 0-475,10 1 475,15 3 45,-29-5 0,-1 0-135,19 3 90,-8-1 0,1-1 0,11 1 0,-9-1 0,0 0 0,12-1 45,-8 1 0,0 0-135,12-1 135,-23 0 0,2-1-90,1-1 0,-1 0 45,23 0 0,-10 0 0,-1-1 0,10 0 0,-12-1 0,-1 1 0,7-1-679,-19 0 0,-2 1 679,13-1 0,0 0 0,-2 0 0,-14 0 0,1 1 0,18 0 0,-8 0 0,1 0-521,8 1 521,-18-2 0,1 1 0,15 0 0,6-1 0,3 0 0,-28 0 0,1 0 45,1 0 0,1 0-90,2 1 0,2-2 90,18-5 0,2-2-45,-13 7 0,1-1-710,5-2 1,5-1-1,-5 0 755,-4 0 0,-1 0-45,15 4 0,-1-1-196,-18-3 1,-2 0 240,1 4 0,0 2-197,-1-4 0,2 1 197,18-1 0,1 0-45,-15 0 0,1 0-202,5 0 0,6 0 0,-6 0 202,-3 2 0,0-1 30,5 0 0,6-1 0,-5 0-75,-5 0 0,2 1 67,-1 0 1,9-1-1,0 1 1,-6 0-23,7 0 0,0 0 0,-5 1 0,7-1 0,1 0 0,-9 1 0,3 0 0,-1 1 0,5-1 0,5 1 0,-7 0 0,-5 0 0,-2 0 0,5 0 0,4 0 0,-6 0 0,-6 0 0,-3 0 0,16 0 0,1 0 0,-2 0 0,-4 0 44,-13 0 1,2 0-45,3 0 0,5 0 0,-4 0 0,-6 0 0,2 0 0,4-4 0,6 0 0,-5 0 45,-2 2 0,-2 1-45,-6-2 0,3-1 0,-3-1 0,6-2 0,-1 0 0,1 6 0,0-1 0,1-10 0,-1 1 45,1 10 0,0 0-90,0-9 0,0 0 45,-2 6 0,2 0 0,-5-3 0,2-1 0,-2 1 679,5 0 0,1 1-649,2-1 0,5 0 0,-5 1 15,-6 0 0,-3 0 295,14-1 0,-1 0-295,-20 2 0,-2 1-45,1 0 0,-1 0 90,-1-1 0,0 1-90,-1 0 0,0 1 90,0-2 0,0 1-90,-2 0 0,3 0 44,15-2 1,1 0 0,-13 1 0,2 1-45,5-1 0,5-1 0,-5 1 45,-2 0 0,0 0-15,6 0 0,5-1 0,-3 1-30,-3 0 0,-1-1 0,16-1 0,2 0 0,-19 2 0,0 0 0,-2 1 0,9-2 0,2-1 0,4 1 0,7-1 0,-6 0-439,-4 2 1,-1-1 438,-8 1 0,3 0 0,-3 0 0,2 1 0,-2 0 45,1-1 0,1 1-90,-4 0 0,0 0 45,1 1 0,0-1 45,-3 1 0,0 0-45,-2 0 0,2 1-45,14-1 0,0 0 45,-15 1 0,1 0 30,2 0 0,4 1 0,-5 0-30,-5 0 0,-1 0-45,27 0 0,-1 1 90,-27-1 0,-1 0-45,12 1 0,-2 0 905,18 0-905,-2 0 0,0 0 0,-20 0 0,0 0 0,20 0 0,-12 0 0,-2 0 0,6 0 45,-11 0 0,-2 0-135,5 0 821,11 0-1181,-8 0 181,-14 0-541,16 0 180,-27 0-989,7 0 1619,-19 0 0,-1 0 0,-7 0 0</inkml:trace>
+  <inkml:trace contextRef="#ctx0" brushRef="#br0" timeOffset="-179509.73">4790 13500 8522,'21'0'3598,"-3"-9"-3598,-11-7 0,-18 3-180,-10-11 450,-10 22-360,-4-8 90,1 10 0,-5 0 0,-2 0 0,-4 0 0,0 17-180,-15-13 270,17 28-180,-7-29 0,28 22-90,10-16 90,36 2 90,5 1 0,15-8 0,4-1-942,-13 2 1,-1 1 941,14-1 0,0 1 0,-10-2 0,-1 1-374,-1 0 1,0 1 373,-1-1 0,0 1 0,10 4 0,-2 2 0,16 5 45,-17-1 0,-4 2 44,-5 2-89,-1 7 90,-23-8-90,-6 0 180,-22 2-180,-17 8-90,-11-5 90,8-6 0,0-1-90,-13 2-315,11-7 1,0-1 1275,-5-2-1590,-7-2 616,24-6-527,8-1 1,9-17 629,-2-11 0,11-12 0,-5-5 0</inkml:trace>
+  <inkml:trace contextRef="#ctx0" brushRef="#br0" timeOffset="-179280.73">4743 13078 9152,'0'-13'899,"0"2"-359,0 3-360,0 2 629,15 2-719,3 2 0,0 18 0,14-11-90,-27 39-90,29-19 180,-29 27-90,26-4 45,-25-10 0,-1 2-303,7-8 0,1 1-102,-3 25 1,-3 0-428,0-21 1,0-1 471,0 11 0,-2 0-314,1 18-271,0-1-89,0-2 989,-1-2 0,-1-4 0,1-1 0</inkml:trace>
+  <inkml:trace contextRef="#ctx0" brushRef="#br0" timeOffset="-178830.73">5508 13616 10051,'0'-8'270,"0"1"0,0 2-180,0 2 629,0 1-449,0 15-180,0 20 0,0 2 0,0 12 90,0-16-180,0 1 0,12 14 0,-9-12 0,18 8 0,-12-5 90,1-9-180,3 4 180,-12-11 0,9-3-180,-8-3 180,4-1 90,-3-3-90,-1-2 180,0-4-450,-2-2-450,1-17-449,-15-1-540,10-16-540,-22 4 2159,23-1 0,-8 7 0,11 2 0</inkml:trace>
+  <inkml:trace contextRef="#ctx0" brushRef="#br0" timeOffset="-178425.73">5323 14138 9512,'18'-18'359,"5"-9"-359,2-15-2444,21-4 2534,-25 7-90,21-4 90,-12-2 629,-1-3-584,-10 12 0,-1-1-45,6-18-371,-8 18 1,-2 0 640,-1-11-270,-5 1 90,2 4 90,-9-11-270,4 19 1146,-5-10-1146,0 27 448,-19 2-359,-2 34 1323,-12 14-1367,17 0 0,5 5-135,-2 24-231,8-26 0,1 0 231,4 21 90,0 0-135,0-15 0,0 1-45,0 19 0,10-22 0,0 1-315,-9-5 1,3-3-46,34 18-90,-29-13 1,-2-2 89,13 2-180,1 6-269,-19-20 989,8-2 0,-10-5 0,0-3 0</inkml:trace>
+  <inkml:trace contextRef="#ctx0" brushRef="#br0" timeOffset="-178261.73">5422 14103 10141,'-14'-9'0,"2"7"90,6-13 0,3 8-90,3-3-180,24-2-90,-18 3-269,50-2-631,-9-6 451,15 4 719,-17 1 0,-1-2 0,10-2 0,-18 5 0,0-1 0</inkml:trace>
+  <inkml:trace contextRef="#ctx0" brushRef="#br0" timeOffset="-178043.73">6027 13426 9691,'-21'-27'1620,"-8"-8"-1531,25 12 1,-18-10 90,20 20 0,-7 0-180,9 32-90,0 11-539,0 33-1,0-9-1140,0 4 871,0-16 179,13-1 1,-9-3 719,20 10 0,-21-15 0,8 8 0</inkml:trace>
+  <inkml:trace contextRef="#ctx0" brushRef="#br0" timeOffset="-177880.73">5970 13335 9422,'-6'-17'-90,"0"4"90,6 3 0,0 5 0,16 2 0,3 2 0</inkml:trace>
+  <inkml:trace contextRef="#ctx0" brushRef="#br0" timeOffset="-177513.73">6540 13840 9691,'0'-45'720,"0"6"-630,15-4-90,-11 4 0,10-4-45,-5 7 0,-1-1 135,8-22-1799,-7 18 1,2 0 1888,9-21 0,-17-1 720,6 0-720,-8 19 0,-2-1-90,1-19 180,0 14 0,0 1-180,0 1-90,-9 14 0,-2 4 89,6 2 763,-32 3-762,20 17-90,-17 26 0,19 2 0,-9 22 0,13 22 0,-3-8-373,8-1 1,4 2 192,10-21 0,1-1-90,-8 13 0,3 0-346,15-14 1,2-2 255,-12 0 0,1 1 0,10-3 0,2 1-495,2 9 1,0 0-748,13 15 1602,-12-20 0,-1-2 0,9 5 0,-1-1 0</inkml:trace>
+  <inkml:trace contextRef="#ctx0" brushRef="#br0" timeOffset="-177213.73">6887 13747 10231,'-14'-27'450,"11"0"-540,-10 7 90,13 2 90,20 2-90,-14 3-45,27-4 0,7 0 135,-11-5-135,15 0 0,1 0 135,-7 1-1831,-7 3 0,-2 1 1831,1-5 180,3-6-90,-18 9-90,-8 1 0,-2 2 449,-5-4-359,0 8 90,-24 0 3212,0 9-3392,-22 19-90,13 8 0,12 9 0,10 2 90,11-6-630,0 16 90,21-9-450,-6-5 1,2-2-180,27 3 1079,-10-7 0,2-1 0,13-1 0,-14-10 0,-1 1 0</inkml:trace>
+  <inkml:trace contextRef="#ctx0" brushRef="#br0" timeOffset="-177005.73">8038 13440 10501,'-15'-8'270,"2"0"-180,13 2-540,0-4-1079,23 8-90,4-3 450,26 21 1169,-12-12 0,-1 25 0,-12-14 0</inkml:trace>
+  <inkml:trace contextRef="#ctx0" brushRef="#br0" timeOffset="-176859.73">8158 13692 10861,'-18'6'539,"3"0"181,5-3-720,28 0-540,9-19 1,25-1-530,-20 8 0,0-1 169,-1-6 1,0 1 899,4 8 0,1 0 0,5-8 0,1-1 0,2 4 0,0 1 0</inkml:trace>
+  <inkml:trace contextRef="#ctx0" brushRef="#br0" timeOffset="-175980.73">10492 12505 10501,'3'-12'989,"-1"1"-629,-1-1-90,-1 2-180,-17-2 0,13 1 0,-37 1-90,20 2-90,-26 2 0,6 3 180,-7 1-225,10 1 0,-1 2-615,-22 18 705,22-17 0,0 1-45,6 13 0,4 4 90,-11 4-148,0 18 58,28-4 180,47 11-180,-3-15-930,16-5 0,4-1 1020,-19-9 0,0-2 0,12 7 0,3 1 0,-2-2 0,-2 0 0,-10-5 0,-1 1 134,15 10 1,-4-1-429,-3 3 294,0 5 0,-29-16 489,-5-2-579,-7-2-150,-31 1-480,5-3 45,-14-4 1,-4-2-46,-14 0 485,17-3 1,-1-2-1385,-19-2 1619,4-1 0,3-17 0,5-4 0</inkml:trace>
+  <inkml:trace contextRef="#ctx0" brushRef="#br0" timeOffset="-175741.73">10260 12340 9871,'7'-8'990,"-1"2"719,-3 3-1439,-2 19-90,17 9-180,-14 32 90,10-7-1666,-14 13 1486,0-9 180,0 5-462,0 3 192,0-14 0,0 2-45,0-13 0,0 3-710,5 3 0,2 4 1,-2-4 439,-3-2 0,1-1-764,4 26 0,3 0 1259,-2-28 0,-2-1 0,-4 10 0,0-1 0,13 14 0</inkml:trace>
+  <inkml:trace contextRef="#ctx0" brushRef="#br0" timeOffset="-175109.73">10885 13057 10681,'-4'0'1349,"0"9"-1259,30 0-90,9 7 0,16-8-1902,1 2 1092,-10-7-179,4 4-400,3-2-320,3-3 1709,2 2 0,2-3 0,1 0 0</inkml:trace>
+  <inkml:trace contextRef="#ctx0" brushRef="#br0" timeOffset="-174814.73">12018 12369 11850,'5'-20'1170,"-3"7"-451,1-4-539,-2 13-90,3-1-90,0 25 0,1-15 0,1 39 0,-1-22 0,2 24-270,-1-7-90,1 3 1,-1 2-991,3 20 361,-2-17-136,0-8 1,0 0-405,1 1 1529,3 9 0,-2-22 0,-1-2 0</inkml:trace>
+  <inkml:trace contextRef="#ctx0" brushRef="#br0" timeOffset="-174613.73">11975 12461 9961,'-5'-29'990,"2"0"-541,23-10-359,-14 8-90,24 7 0,6 1 0,-4-4-450,16 6 1,3 2-540,6-3-541,5 8 1,1 2 843,2 2 0,-16 5 0,-2 1 1,0 4-1</inkml:trace>
+  <inkml:trace contextRef="#ctx0" brushRef="#br0" timeOffset="-174413.73">12082 12705 10141,'-8'4'1170,"3"0"-1081,2-1-89,26-3-89,8 1-541,14-1-1259,15 0 720,-21 0 1169,27 0 0,-27 0 0,10 0 0</inkml:trace>
+  <inkml:trace contextRef="#ctx0" brushRef="#br0" timeOffset="-174213.73">12117 13046 10141,'-5'3'990,"23"0"-1440,11-15-360,12 9-179,4-9-934,-9-1 124,7 10 1799,1-18 0,4 19 0,1-7 0</inkml:trace>
+  <inkml:trace contextRef="#ctx0" brushRef="#br0" timeOffset="-171814.73">12153 12307 8792,'0'-5'810,"0"-2"-541,0 2 1,0-1 1349,0 3-1259,10 1 0,-8 22-270,12 7-180,-12 14 270,2 0-180,-4-5 90,0 20-90,0-11 0,0-5 0,0 0-968,0 6 968,0 15-721,0-4 811,0-13-135,0-9 0,0-1-45,0 5-270,0 20 270,0-30 90,0 7-90,0-17 90,0-5 90,0-2-360,0-2 632,0-4-632,0-16 698,0-9-518,0-22 180,0 5-360,0-23 270,-11 20-1741,9 1 0,1-1 1831,-10-10-180,4-16-778,6 18 958,-6 1-679,7-1 589,0 2-90,0 1 270,0 0 180,0-15-90,0 15-224,7 10 1,2 0 223,-6-1-270,13-14 270,-6 27 2583,-7-1-2224,14 15 503,-9 3-1043,3 24 888,-1-14-797,2 60-180,-3-33 45,-3 15 0,0 3-583,1 6 582,-4-18 1,-1 1-45,-1 0 0,0-1 0,0 22 0,-1-13 0,0 0-89,0 6 89,0 11 89,0-24-178,0-4-394,-13 15 303,10-22 0,-10 15 0,13-34-269,0 3-361,-6-11 540,0 0-809,-10-30 1574,6 21-1214,-4-52 359,6 38 0,-1-26 51,3 16-501,2 0 810,-1-2 0,3 0 0,0 0 0</inkml:trace>
+  <inkml:trace contextRef="#ctx0" brushRef="#br0" timeOffset="-171380.73">12137 12398 8522,'35'-11'1259,"1"-1"-1079,-7-2-90,-1-6-90,-5 17 180,3-19-90,2 13-90,25-18 90,-11 12-1817,21-7 1727,-15 8 90,5 1-180,3 0-45,-13 7 0,1-1 9,-12 2 0,2 0-279,23-1 0,0 1-45,8 1-135,-16 2 1,-2 1-406,1 1 990,7 0 0,-28 0 0,-4 0 0</inkml:trace>
+  <inkml:trace contextRef="#ctx0" brushRef="#br0" timeOffset="-171030.73">12212 12689 8702,'0'5'720,"0"1"-1,0-3-539,22 0-90,5-2-90,30-1 0,-11-16-135,-10 15 0,0-2-225,9-25-225,-6 26 1,1 0-136,6-19-1083,10 18 1803,-19-6 0,-6 9 0,-1 0 0</inkml:trace>
+  <inkml:trace contextRef="#ctx0" brushRef="#br0" timeOffset="-170279.73">13582 12205 10411,'0'11'2519,"0"9"-2519,0 15 0,-14 6 0,10-6 0,-10 2 0,6 20-270,6-12-1474,-6 13 1294,8-20 90,0-2 493,0-2-1392,0 9 629,0-13-719,-6 16 630,5-26 783,-4 9 0,5-19 0,0 2 0</inkml:trace>
+  <inkml:trace contextRef="#ctx0" brushRef="#br0" timeOffset="-169913.73">13302 12287 9961,'-1'-24'1260,"23"-2"-1260,10 1 0,15 4-2180,4 1 1911,-9 8-271,4 2-90,0 2-89,0 4 406,-5 3-497,-1 1-359,-5 0 1267,-4 15 0,-6-11 0,-3 11 1</inkml:trace>
+  <inkml:trace contextRef="#ctx0" brushRef="#br0" timeOffset="-169695.73">13108 13104 9781,'21'4'360,"16"-1"-360,1-3 0,10 0-540,-7-8 1,0-2-640,11-7 1179,-5 0 0,0 1 0,8 1 0,-19 9 0,0 0 0</inkml:trace>
+  <inkml:trace contextRef="#ctx0" brushRef="#br0" timeOffset="-169391.73">14382 12268 11131,'7'-6'1079,"-2"2"-629,-2 1-270,-1 2 90,0 1-181,1 20 1,-2 9-90,1 12-90,-2 4 180,0 15-90,0-10-180,-7-18 1,-1 2-181,6 1 0,0-1-270,-13 16-225,14-10 1,2-1 45,-1 1-91,0 7-89,0-23 989,0-4 0,0-6 0,0-1 0</inkml:trace>
+  <inkml:trace contextRef="#ctx0" brushRef="#br0" timeOffset="-168477.73">14318 13023 9961,'9'4'1260,"3"-1"-991,-8-2-89,6 0 90,-2-1-180,2 0-90,4 0 0,1 0 0,3 0 0,2 0-90,2 0-180,1 0-179,3 0-181,1 0 90,1 0-89,3 0-181,-3 0-89,2 0 899,11 0 0,-12 0 0,8 0 0</inkml:trace>
+  <inkml:trace contextRef="#ctx0" brushRef="#br0" timeOffset="-168080.73">15393 12210 11221,'-10'-3'1349,"7"17"-1349,-7 14 90,10 10-180,0 6 90,0-6 0,-18 4-1811,14 3 1811,-14 0-90,18 1-90,-13-2-612,9 17 252,-16-19-809,18 22 629,-10-33 180,11 4 398,-4-17-757,5-4 899,0-4 0,0-2 0,0-3 0</inkml:trace>
+  <inkml:trace contextRef="#ctx0" brushRef="#br0" timeOffset="-167864.73">15385 12257 9961,'12'-18'1439,"11"-7"-1439,-1 5 0,19-10 0,-12 12 0,9-3-809,7 7 269,-10 4-449,24 0 359,-23 7 90,8 2-89,-17 1-810,-3 0 1439,-2 18 0,-5-13 0,1 14 0</inkml:trace>
+  <inkml:trace contextRef="#ctx0" brushRef="#br0" timeOffset="-167647.73">15408 12604 9512,'0'4'1079,"0"1"-809,0-3-180,17 0-90,6-1 0,23-1-450,-9 0-1439,30 0 1259,-33 0-1568,27 0 2198,-38 0 0,5 12 0,-14 4 0</inkml:trace>
+  <inkml:trace contextRef="#ctx0" brushRef="#br0" timeOffset="-167464.73">15290 12941 9961,'-5'5'1619,"2"-1"-1529,20-2-90,12-1 0,9-1-270,9 0-179,-9 0-91,7-12-359,0 9-1440,20-10 2339,-14 4 0,11 7 0,-21-8 0</inkml:trace>
+  <inkml:trace contextRef="#ctx0" brushRef="#br0" timeOffset="-166975.73">16555 12182 11400,'11'-12'1080,"-1"0"-720,-1 3-1,-1 0-179,-1-1-270,-3 5 90,-22-1-90,-11 24-89,-26 5 179,10 10 0,14-9 0,2 0-90,-2 6 90,1 14-90,10-12 0,17-1 90,-8 0-180,11 15 180,0-11 0,20 24 0,7-26 0,5 2 0,3-2-90,11 0 180,-10-2 0,-2-1-90,-2-6 180,16 11-180,-25-19 270,7 3-91,-17-11-179,-1 0-539,-8-5-271,-22-2-719,-30 1 360,0-2-1101,-17-11 561,25 8 1709,1-8 0,4 1 0,1-1 0</inkml:trace>
+  <inkml:trace contextRef="#ctx0" brushRef="#br0" timeOffset="-166313.73">17707 12052 9602,'0'-7'899,"0"0"-359,-18-3-181,13 1-359,-12-3 0,-4-3 90,-7 4-90,-31-6-90,8 11-1299,-8-1 1209,12 5 90,-1 1-465,2 1 376,1 0 89,6 0 90,3 18 0,5-14 0,13 30-90,4-17 180,33 19-180,-14-11 180,37 3-90,-37-7 0,40 2-90,-27 2 180,9 3 0,5 16 89,-16-9-179,-4-3 0,-2 1 0,2 6 0,-12 13 90,0-15-90,-17 0 90,13-1 0,-32 12-180,12-12 135,3-7 0,-1 1 1304,-3 3-1259,-10 20 90,21-22 145,-5 6-145,10-5-180,9-9 0,23 10 0,-18-17-90,25-4 0,6-4-179,-8 2-328,36-1-123,-21-6-539,1 0-450,3-3 1709,7 0 0,2 0 0,5 0 0</inkml:trace>
+  <inkml:trace contextRef="#ctx0" brushRef="#br0" timeOffset="-165796.73">18298 11790 10771,'11'-18'1349,"-9"2"-1079,9 5-180,-11 1-90,0 4 90,0 1-90,-14 3-1170,-5 38 541,1-16-226,3 11 1,3 1 44,-1-3-1649,-7 19 2459,9-21 0,4 3 0,7-11 0</inkml:trace>
+  <inkml:trace contextRef="#ctx0" brushRef="#br0" timeOffset="-165695.73">18283 11989 8972,'14'38'-510,"-3"-6"0,-4 1 1</inkml:trace>
+  <inkml:trace contextRef="#ctx0" brushRef="#br0" timeOffset="-165197.73">18608 12573 11760,'0'34'-360,"0"3"-629,0-9-180,0 3-270,0-7 1439,0 1 0,0 0 0,0 0 0</inkml:trace>
+  <inkml:trace contextRef="#ctx0" brushRef="#br0" timeOffset="-165012.73">18792 12394 9242,'8'-4'-2609,"1"1"2609,-2 2 0,2 1 0,-2 0 0</inkml:trace>
+  <inkml:trace contextRef="#ctx0" brushRef="#br0" timeOffset="-164763.73">18965 12737 9422,'0'15'809,"0"0"-269,16 3-540,-13-5 0,13 2 0,-16-6 0,10 0 90,-8-1-270,8 3-180,-10-4-449,0 4 449,0-6-1259,4 1 1169,2-4-809,8-1 1259,0-18 0,3 12 0,-1-12 0</inkml:trace>
+  <inkml:trace contextRef="#ctx0" brushRef="#br0" timeOffset="-164447.73">19187 12703 9242,'16'-19'629,"-1"8"-89,-4-6-90,-1 15-90,-2-8-181,-2 10 181,2 0-270,-5 0 0,2 15-90,-3-11-90,-1 28 180,0-7-180,-1 8 180,0 1-180,0-3 0,0-9-90,0 3 90,0-12-449,0-2-91,0-2 450,14-4 180,2-22-90,19-9 180,-6-11 90,14-12 180,-16 18-858,7-8 588,-14 15 360,-4 4-90,-4 10-180,3-4-90,-7 12-90,3-6 0,-5 30 0,0 5 0,-2 12 317,0-2-1486,2 6 359,0-11-899,10 20 450,-3-23 1259,8 3 0,-1-14 0,3-2 0</inkml:trace>
+  <inkml:trace contextRef="#ctx0" brushRef="#br0" timeOffset="-164097.73">20035 12661 9422,'-17'-12'1259,"13"3"-719,-31 3-361,19 4-268,-16 22-181,18 3 0,2 21-180,12-2 180,0-5 0,21-15 1,-16 0 89,33-20 180,-12 7 0,7-9-90,-1 0 90,-10-15 360,-4-4-91,3 0 631,-12-12-540,1 12-360,-10-12 269,0 8-269,-14 11-269,10 26-181,-10 11 0,14 12-179,0-2-1,0-9-180,0-1-269,17-1 1079,-13-3 0,31 0 0,-11-2 0</inkml:trace>
+  <inkml:trace contextRef="#ctx0" brushRef="#br0" timeOffset="-163394.73">20795 12605 9871,'0'-10'1440,"-17"3"-1351,-8 2-89,-12 2 0,12 23-269,11 0 89,14 20 0,0-7 0,16-3-90,4-13 0,19 0 180,-2-16 0,1 6 180,-17-22 90,2-4 0,-21-16 270,7 6-360,-9 2 90,0 7 0,0 2-90,0 3-1,-19 6 541,15-4-450,-29 11-180,29 13 180,-19 17-180,21 11 0,-7 5 0,9-7 0,0 3 0,0 0 0,0 18 0,0-13-180,-1-10 0,2 0 0,13 2-359,-11 17 179,10-28-270,-13 3-449,0-11 719,0-8-719,-15-1 629,-2-27 450,-1-6 90,28-21 0,-4 9 89,26 11 1,6 3 0,-5-6-1741,14 5 0,3 1 1651,3-3 0,-17 8 0,-1 2-209,12-6 298,-3 0 1,-2 0 90,10-10-90,-16 6 180,14-17-90,-31 16 449,2-17-359,-15 18-90,-3-6 0,-3 12 0,-18 1-180,13 2 0,-30 3 89,30 3 1,-29 4 3198,11 3-3288,-15 23 134,8 8-359,19 6 0,5 2-225,-2 14-180,15-10 1,7-3-91,16 0-135,-3-9 1,2-1-315,20 1 1079,-14-9 0,-2-1 0,10-3 0,13 2 0</inkml:trace>
+  <inkml:trace contextRef="#ctx0" brushRef="#br0" timeOffset="-162880.73">21990 11824 10591,'9'-12'0,"-7"0"360,13 4-360,-10 3-540,2 25 0,-3 9-179,-4 14 89,0-2-1079,-17 4 1709,12-10 0,-12 8 0,17-15 0</inkml:trace>
+  <inkml:trace contextRef="#ctx0" brushRef="#br0" timeOffset="-162697.73">22070 11834 10861,'14'-7'539,"1"-1"-359,-5 7-270,3-2 90,0 3 90,1 15-899,6 6-181,-6 9-1438,5 18 2428,-9-15 0,-1 15 0,-3-13 0</inkml:trace>
+  <inkml:trace contextRef="#ctx0" brushRef="#br0" timeOffset="-162179.73">22573 11579 10861,'0'-18'0,"0"2"0,0 5 0,0 0 90,0 4 0,20 1 0,5 24-90,11-13 0,-2 30 180,-8-20-91,-1 15 91,-2-4 0,1 16-90,-7-8 0,0 29-90,-8-26 0,-4 14 90,-2 0-180,-3-12 180,0 27-90,0-27 0,-7-5 0,-1-1 0,4 6-786,-11 13 786,15-15 0,0 2 0,0 0 0,0 19 0,0-12 45,8-6 0,1-1-45,-4 8 0,4-9 0,-1 0 0,-8 4 0,0 11 0,0-20-177,0-3 177,0-4 90,0 5-90,0-13 0,-15 8 0,11-17-540,-41-1 0,22-6-179,-31-2-567,9 0 206,-5 0-313,-5-14 1393,0 11 0,-2-24 0,1 13 0</inkml:trace>
+  <inkml:trace contextRef="#ctx0" brushRef="#br0" timeOffset="-157997.73">5718 15224 11041,'0'-15'449,"0"0"-449,0 6 90,0 0 180,0 4-270,-23 1 0,-5 19 90,-14-11-90,2 32-90,8-19 90,0 19 0,3-7 0,3 5 0,13-2-90,-5 2 0,16 0 0,-6-1 90,8 0 0,21 0 0,-15-1 0,43-1 0,-6 12 0,13-14 0,-19-5 0,-1-1-115,3-2 205,7 5-90,-32-14 0,7-3 0,-18-1-989,8-2-540,-32-3 449,-10 0 1080,-28-3 0,9-14 0,-3-4 0</inkml:trace>
+  <inkml:trace contextRef="#ctx0" brushRef="#br0" timeOffset="-157741.73">5658 14919 10231,'0'-4'2429,"0"18"-2339,0 19-45,-6 1 0,-2 2-45,6-2 0,1 0-1063,-7 6 1,2 0 1152,6 25-90,0-31 0,0 0-45,0 0 0,0 1-225,-2 15 0,4 0 85,7-13 1,2 1-536,-2 24 0,1 0 270,2-27 1,0-1-91,4 9 1,-3 0-901,-9 13 1440,24-5 0,-24-3 0,11-3 0</inkml:trace>
+  <inkml:trace contextRef="#ctx0" brushRef="#br0" timeOffset="-157513.73">6253 15650 10861,'5'-1'-4138,"-2"16"4138,-2 0 0,-1 4 0,0-8 0</inkml:trace>
+  <inkml:trace contextRef="#ctx0" brushRef="#br0" timeOffset="-156896.73">6082 15860 9961,'-7'0'360,"3"-19"-90,1-5-270,3-30 0,22 8-282,-17-7 282,23 18 0,3 1 90,-7-20 45,10 5 0,3 0-827,-2-7 827,-11 20 0,-2 2 224,5-8-179,-5 5-180,-10 5 0,3 2 540,-13 14-450,5 25 0,-24 27-90,-2 17 0,2-8 0,0 1-90,-1 17 90,9-6 0,4 1-305,5-22 1,0-2 214,0 11 0,0 0-269,0 15-91,0-3-405,23-9 1,2 1 44,-12 11 90,27-8 1,2-4-450,-22-8 1367,28 4 1,-35-21 0,-3-2 0</inkml:trace>
+  <inkml:trace contextRef="#ctx0" brushRef="#br0" timeOffset="-156747.73">6327 16124 9871,'-21'-12'450,"4"2"-180,6-12-450,-2 4 270,11-2-90,-4-2-90,6-1-1259,23-16 539,-18 7 70,19 10 0,3 0 740,0-11 0,26-2 0,-9 1 0</inkml:trace>
+  <inkml:trace contextRef="#ctx0" brushRef="#br0" timeOffset="-156559.73">6928 15441 9961,'6'32'900,"1"6"-810,-5-9-90,3 17-180,-4-19-360,4 11-269,-1-12-1,2-1-179,-1-2 989,7 8 0,-4-10 0,5 5 0</inkml:trace>
+  <inkml:trace contextRef="#ctx0" brushRef="#br0" timeOffset="-156377.73">6942 15011 10141,'-11'-31'0,"-3"3"0,12 6 0,-5 4 0,7 5-1799,0 6 360,0 25 1439,20-13 0,-16 41 0,16-17 0</inkml:trace>
+  <inkml:trace contextRef="#ctx0" brushRef="#br0" timeOffset="-156029.73">7302 15828 9512,'10'0'719,"1"-16"-359,1 12-180,0-34-180,4 17 0,1-22 0,3 3 225,-5 6 0,1-2-225,9-22-1537,-5 3 0,0-2 1672,-10 20 0,-2 1 45,4-13 0,-2 0-293,-5 12 0,-2 2 293,-1 0 0,0 0 0,-1 1 0,0 0 90,-1-29-180,0 5-90,-19 8-596,15-1 776,-35 22 0,19 3-180,-20 41 0,21 3 90,-10 26-225,23 4 0,3 4 0,-6-17 0,3 2-346,8 12 0,5 7 0,-1-6 211,-6-8 0,5-2-420,12 5 1,8 3-1,-4-4 47,-8-5 0,2-2-167,17 12 1,1-3 809,-12-16 0,-1-3 0,1 0 0,0-1 0,21 22 0</inkml:trace>
+  <inkml:trace contextRef="#ctx0" brushRef="#br0" timeOffset="-155345.73">7762 15569 9332,'36'0'539,"8"0"-449,-8 0 90,19-14-90,-20-5 135,-5 2 0,-1-1-45,3-1 449,11-25-179,-25 29-270,-2-28-180,-12 26 180,-4-5 90,-21 9-180,-6 6 0,-22 1 0,2 26-90,18 11 0,-4 11-360,30 23-90,-10-22-360,10-5 1,6 0-450,27 5 1259,-10-11 0,4-2 0,7-13 0,2-3 0,1 3 0,-1 0 0</inkml:trace>
+  <inkml:trace contextRef="#ctx0" brushRef="#br0" timeOffset="-154830.73">9663 14757 10771,'0'-12'450,"0"-1"-360,0 2 89,-21-7-179,15 5 0,-36-4 0,6 1 0,-12 5-45,8 2 0,-1 1 45,-13 0-484,4 3 0,-1 1 574,-9 2-90,1 1 0,0 1-90,4 0 45,8 7 0,3 1 45,14-4 0,-3 28 0,23-20-4,3 15-86,7-5 180,0 3-180,0 4 180,24 20-90,1-6-45,-1-5 0,0 2 135,-1 11-325,-6-18 0,-4 0 235,-10 14 90,9 0 0,-12-1-180,0 0 180,0-2-90,-17-2 90,13 0 0,-36-1-180,19 0 90,-5-14 0,-3 0 90,-8 11-90,-8 8 90,17-19-180,4-3 116,11-5-116,-4-3 1002,15-2-912,-7-1 95,28 3-185,-15-5-180,29-2 0,7-2-180,-3 2-405,5-4 0,3-1 225,12 2-180,3-1-1491,-1 0 2301,-3 2 0,-2 0 0,-3 0 0</inkml:trace>
+  <inkml:trace contextRef="#ctx0" brushRef="#br0" timeOffset="-154331.73">10260 14558 12030,'0'-5'360,"0"1"-180,-16 1-630,-1 22-899,-10 5 359,3 22-809,14-4 810,1-8 989,9-7 0,0-10 0,0-3 0</inkml:trace>
+  <inkml:trace contextRef="#ctx0" brushRef="#br0" timeOffset="-154191.73">10318 14708 10231,'-23'-10'1080,"18"20"-1170,-35-6 0,35 31-270,-23-19-450,25 18-1348,-16 13 2158,17-7 0,-6 15 0,8-13 0</inkml:trace>
+  <inkml:trace contextRef="#ctx0" brushRef="#br0" timeOffset="-153843.73">10703 15200 10591,'-26'-9'540,"-14"7"-540,15-11 90,-8 12-90,5-3-90,10 4 180,10 16-180,1 7 180,28 22-90,9-8-45,-3-10 0,3-1 135,16 8-45,-15-8 0,-3 1 44,2 2 91,-2 6 0,-8-14 0,-17-4-90,8-2-90,-11-1-180,0-3-90,-18 1-179,-13-7-91,-9-1-360,-5-3-89,11-1-180,2 0 1169,1 0 0,4-20 0,0-5 0</inkml:trace>
+  <inkml:trace contextRef="#ctx0" brushRef="#br0" timeOffset="-153661.73">11027 15236 9781,'12'0'1080,"-2"0"-810,2 17-1,-3-13-89,9 27-180,-4-8 0,12 19-90,-11-4-449,3 1-900,-3 4 449,-5-11 990,6 22 0,-8-26 0,2 7 0</inkml:trace>
+  <inkml:trace contextRef="#ctx0" brushRef="#br0" timeOffset="-153473.73">11337 14894 10411,'0'-18'0,"-14"2"0,11 4 0,-10 25 0,13 7 0</inkml:trace>
+  <inkml:trace contextRef="#ctx0" brushRef="#br0" timeOffset="-153197.73">11673 15109 10411,'19'0'1709,"9"0"-1349,-7 0 90,14 19-270,-17-15-91,2 31-89,-10-31 0,-4 34 0,-3-21 90,-3 21-180,0-8 1,-22 3-451,-3 16 90,-3-11-90,7-8 1,5 0-181,11 2-1079,-25 10 630,27-22 1169,-10 0 0,32-11 0,5-3 0</inkml:trace>
+  <inkml:trace contextRef="#ctx0" brushRef="#br0" timeOffset="-152877.73">12107 15439 12660,'38'0'180,"6"0"-180,-9 0-90,2 0 180,-7 0-90,-2 0 0,1 0 0,-1 0 0,-2-18-180,-3 14 270,-1-28-270,-1 12 180,-6-6 0,-4-11 0,-7 16 0,-4-7-90,-19 13 90,14 1 90,-33 5-90,10 4-90,-19 18 180,0 14-360,12 23-180,15-5-1156,11 2 797,9-12-271,0-2-179,26-1 1182,6 9 0,16-15 0,-4 7 0</inkml:trace>
+  <inkml:trace contextRef="#ctx0" brushRef="#br0" timeOffset="-152546.73">12788 14402 8972,'22'21'-90,"-17"9"-90,17-18-450,-5 20 91,-1-11-361,5 5 900,-10-7 0,-1-2 0,3-1 0</inkml:trace>
+  <inkml:trace contextRef="#ctx0" brushRef="#br0" timeOffset="-152375.73">13145 14393 10681,'28'0'719,"-2"0"-539,-2 0-180,-2 20 180,-3-16-450,4 48-359,-10-29-541,0 29 1170,-10 5 0,-2-10 0,-1 19 0</inkml:trace>
+  <inkml:trace contextRef="#ctx0" brushRef="#br0" timeOffset="-151513.73">13743 14444 10321,'9'-10'450,"3"-2"-270,-4 3 0,3 1 179,-5 3-269,1 4 0,-1 1 0,5 0-90,-3 0 0,5 19 0,-4 4-180,4 11 90,-2 1-89,0-7 89,0 5-90,-1 2 90,1 2 90,0 2 0,-2 1-90,1 2 180,-2 0-180,-3-9 0,-1 0 270,1 17-935,-3-15 1,0-1 754,-1 12 0,-1 1-550,0-14 0,0 1 550,0 17-109,1-18 0,-2 1 109,-13 29 0,10-14-90,-3-10 1,0-1 89,7 6 0,8-11 0,5-1 89,10 3-178,2 5 178,12-16 1,-32-3 180,29-3 1312,-30-2-1402,10-2 1104,-14-2-1284,0 3 50,0-5-1219,-20 5-90,-18-9-669,-13 4 1928,-10-7 0,9-1 0,-1 0 0</inkml:trace>
+  <inkml:trace contextRef="#ctx0" brushRef="#br0" timeOffset="-150230.73">3333 15709 10951,'5'-16'539,"-2"0"-359,-2 6 0,-1 1 630,0 3-810,0 18 0,0 11-180,0 9-180,0 7-90,0-7-179,0 2-271,0 2 1,11-2-1,-8-2-179,8-2 1079,-11-4 0,6-4 0,3-2 0</inkml:trace>
+  <inkml:trace contextRef="#ctx0" brushRef="#br0" timeOffset="-150077.73">3442 15491 9332,'0'-24'-630,"0"3"360,0 6-180,0 2 450,0 6 0,0 2 0,0 5 0</inkml:trace>
+  <inkml:trace contextRef="#ctx0" brushRef="#br0" timeOffset="-149763.73">3835 16015 9781,'5'7'360,"2"-2"-360,-2-2 90,3-20 0,-4 13-180,3-35 90,-1 21 90,2-20-90,2 5 360,1-17-90,-2 10 44,-5 7 1,0 0-225,-3-3-90,0-17-90,-1 29 270,0 0-180,0 39 0,0 1 0,0 25-180,0 18-179,0-9-848,-1-4 1,2 0 576,16 9 225,-16-20 1,2-1-946,13-3 1,2-3 1349,4 13 0,-1 8 0,-2-21 0</inkml:trace>
+  <inkml:trace contextRef="#ctx0" brushRef="#br0" timeOffset="-149548.73">3727 16202 9781,'55'0'0,"2"-17"0,-3 13-2077,-23-17 1,0-2 1851,3 12 1,0 1-136,2-12 0,2-2-849,16-2 0,1 0 1209,-13 6 0,-1 0 0,11-7 0,-2 0 0,-17 9 0,0 0 0</inkml:trace>
+  <inkml:trace contextRef="#ctx0" brushRef="#br0" timeOffset="-149163.73">4712 14635 10951,'0'-10'1079,"0"3"-809,0 20-180,-19 24 0,15 11-628,-15-15 0,1 2 718,14 28-644,-15-28 1,1 2 463,15 2 0,1 2 45,-16 2 0,0 0-45,15 0 0,2 1 0,-7 0 0,0 1-180,5 15 0,6-1-45,9-15 1,5 0-436,-2 1 0,3 2 1,4-6-16,10-6 1,7-3 674,1-1 0,5 2 0,-2-6 0,1-5 0,0-4 0,17 5 0,0 0 0</inkml:trace>
+  <inkml:trace contextRef="#ctx0" brushRef="#br0" timeOffset="-147409.73">15103 14577 11850,'0'-19'1349,"-15"2"-1079,11 6 0,-12 2-270,16 1-90,0 2 270,-10 4-180,7 21 0,18 8 0,6 13-771,29 1 681,-6-7 0,-2-7 0,2 0 45,-9-5 0,1-1-1055,12 8 1,1-1 1099,-12-7 0,-3-2 0,-1 2 0,0 0-269,-1-1 0,-1 0 269,21 22 0,-9-2 0,-14 2 0,-14 17 90,-8-13-90,-32-6 0,-9-2-90,-8 6-754,-5-13 0,-4-3 664,15-8 0,1-2-45,-3 0 0,0 0-432,1-1 1,0-1 116,1-1 1,1 0 458,3-1 1,0-1-1000,-22 9 1109,11 4 1,13-11-1,7 5 1</inkml:trace>
+  <inkml:trace contextRef="#ctx0" brushRef="#br0" timeOffset="-147062.73">16512 14701 11670,'0'-28'900,"-21"9"-360,-7 3-540,-13 12 89,-16 22-89,19 17-1125,6-4 1,3 4 1169,12-4 0,3 1-45,-2 2 0,3 1-275,6 4 0,6-2 185,25 20-1322,-1-12 0,6-3 1367,1-19 0,5-5 0,7 7 0,2-4-208,-8-11 1,0-3 207,2-2 0,0-2 0,1 1 0,1-4-90,15-10 0,-1-4 0,-14 6 0,0-4 45,18-18 0,-6-5 45,-25 13 0,-5-3-225,2-19 0,-7-2-269,-6-12 224,-21 20 0,-6 2-494,-11-13 404,0 26 0,-2 2-854,-24-15 1259,-6 7 0,28 18 0,-1 1 0,-1 2 0,0 0 0</inkml:trace>
+  <inkml:trace contextRef="#ctx0" brushRef="#br0" timeOffset="-146375.73">17825 13994 10501,'0'-6'1529,"19"1"-1169,8 3-180,13 1-90,3 1 0,-3 16-2100,3-11 2010,5 34 90,3-17-45,-15 9 0,0 5-90,-9-13 0,0 3 75,4 14 0,2 7 0,-6-3-30,-7-7 0,-3 2 29,1 11 1,-1 6 0,-5-5-30,-5-9 0,-7-1-90,-11 6 0,-7 5 1,-1-4-91,0-3 0,-4-1-1001,-5-4 1,-4 1 0,-1-3 685,-4 4 1,-1-3-181,-5 2 0,0-1-90,-2-2 1,-3 1 689,3-5 0,-4 0 1,2-2-1,-6 4 1,-1-2-1,8-6 1,-1 1-1,1-1 0</inkml:trace>
+  <inkml:trace contextRef="#ctx0" brushRef="#br0" timeOffset="-145291.73">18888 14656 11490,'47'0'90,"-20"12"-180,16-9-179,-24 9-271,23-4-90,-11-6 91,3 15 179,-2-8-180,-1 10 0,-1-2-809,3 15 1349,-11-4 0,-2 8 0,-12-7 0</inkml:trace>
+  <inkml:trace contextRef="#ctx0" brushRef="#br0" timeOffset="-145157.73">18968 15155 9691,'-32'3'540,"9"0"-540,3-19-540,41-1-179,4-2-1843,30-13 1482,-3 18 1080,-22-2 0,2-1 0,3 5 0,2 2 0,0-2 0,1 1 0</inkml:trace>
+  <inkml:trace contextRef="#ctx0" brushRef="#br0" timeOffset="-144859.73">19348 14648 9602,'-24'-13'1079,"8"4"-90,2 0-1079,35 6 90,39 15 0,-29-3 0,2 2-245,12-4 0,2 4 155,0 15 0,-1 1 45,-11-15 0,2 2-75,-1 9 0,3 6 0,-5-2 30,-6-4 0,-3 3-270,6 19 1,-7 2-833,-8 15 1012,-7-20 0,-9-1-45,-15-10 0,-4-1-45,3 2 0,-2-1-597,-15 1 1,-3-1 461,3 0 1,1 0 404,-4 0 0,0-1 0,-3 0 0,0 0 0,-1-1 0,1 0 0</inkml:trace>
+  <inkml:trace contextRef="#ctx0" brushRef="#br0" timeOffset="-143977.73">21230 14458 10951,'-25'-14'629,"-13"2"-359,34 2-90,-31 2 0,31 3-90,-32 3-90,23 1 0,-18 1 0,11 16 0,-1-13-360,0 32-180,1-31 1,4 37-271,4-22 91,6 22-181,3-9 1,3 1-271,21-1 1170,-16-2 0,44-1 0,-14-2 0</inkml:trace>
+  <inkml:trace contextRef="#ctx0" brushRef="#br0" timeOffset="-143712.73">21537 14722 10231,'-59'-10'990,"10"2"-990,4 8 90,12 0-1,2 0 91,-5 0-180,18 14-90,-10-10 180,26 22-90,-7-6-90,31 11 90,16-11 0,-3-6 0,3-3 0,-5-8 0,1-3-739,14 6 0,-2-1 829,7-5-90,11 0-180,-32 0-720,-6-19-179,-13 0 449,-4-18-179,-33 19-91,18-12 900,-42 19 0,43-13 0,-18 8 0</inkml:trace>
+  <inkml:trace contextRef="#ctx0" brushRef="#br0" timeOffset="-143513.73">21708 14220 9871,'7'-5'720,"-2"1"-450,-5 0 269,0 2-1708,0 20-720,-13 22 630,9 4 1003,-9 13 1,13-18 0,0 2 0</inkml:trace>
+  <inkml:trace contextRef="#ctx0" brushRef="#br0" timeOffset="-142709.73">22597 14735 9691,'-14'-13'630,"3"1"-180,11 0 179,0-5-539,0 4-90,-6-6 0,4 9-269,-4 0 89,6 4 90,0 2-180,-3 1-180,2 2 450,-2 14 0,2 2 360,1 12 629,0-7-989,0-19 0,-13-10-90,-5-5 90,-9 2 90,-2 12-90,2 0 0,-4 0 0,-3 0 0,-4 15 0,-16 3 0,10 0 0,13-4 0,1 2 0,-1 6-90,-1 9 90,19-1-179,6-8 89,4-1-90,3 2 0,20-2-90,-15-1 135,25-8 0,5-3-135,-5 4 270,14-6 0,3-3 0,3-2 0,-9-12 0,0-1-362,2 6 362,7-30 0,-25 31 90,-7-27 270,-9 11-270,-3-15 90,-6 8-90,0 2 182,-17 9-272,12 1 90,-23 6-360,25 25-270,-8 5 270,11 23-989,0-3 719,0-6 540,17 9 0,-12-21 0,12 8 0</inkml:trace>
+  <inkml:trace contextRef="#ctx0" brushRef="#br0" timeOffset="-142327.73">22728 14839 9961,'0'-14'900,"0"1"-720,0 4 269,0 3-539,0 19 1,0 4-91,12 1 0,-9 14-540,9-9 450,-12 10-179,0 2-1,7-16 180,-5 3 0,10-15 270,-7 0 0,3-7 0,-1-17 90,6-7 270,-1-11 0,6 1-1,-5 7 1,1 1-270,-3 4 270,3-4 270,-5 15-361,0-1-89,-4 12-180,2 0 0,-1 17 0,4-13-90,-1 34-179,2-19-361,0 20-899,5 8 629,-3-10 900,10 23 0,-9-30 0,5 8 0</inkml:trace>
+  <inkml:trace contextRef="#ctx0" brushRef="#br0" timeOffset="-141930.73">23437 14335 11490,'0'45'810,"0"-4"-810,0 3 90,0-4-90,0 3-1951,13 2 1951,-10 3 0,11 3 0,-14 0 0,-1-15 0,2 1-180,7 17 45,-7-11 0,0-2 135,7 0-128,-8 13-232,4-33 349,-2-1 11,6-15-90,-6-3 0,7-2 1159,2-21-1069,7 16 0,7-39 90,20 7 90,-9-9-90,-4 15 0,-1 4-90,2 7 180,6-16 391,-21 33-571,-7-10-180,-5 13-449,-3 16-91,-3 6-89,-17-2-1,12 21-89,-29-23-630,30 18 1529,-28-12 0,28-3 0,-11-1 0</inkml:trace>
+  <inkml:trace contextRef="#ctx0" brushRef="#br0" timeOffset="-141697.73">22620 13964 9871,'21'-22'540,"-15"1"-450,43 6 0,-26 3 0,25 4-90,-9 3 0,-1 3-180,1 2-180,-2 21 0,-6-16-359,-2 44-1170,-7-3 1889,-3 13 0,-14-24 0,-1 0 0,3 18 0</inkml:trace>
+  <inkml:trace contextRef="#ctx0" brushRef="#br0" timeOffset="-141281.73">24032 14584 10231,'5'18'90,"2"12"-90,-3-26 0,1 33 0,1-20-90,-1 20 180,5-13-180,-1 1-90,7 4 180,-3-9 0,8 2 0,-6-12 0,1-4-90,-4-3 180,-2-3-90,2-20 0,-2 15 360,0-35-180,-1 23 180,-1-19 0,0 10 89,-3 0-179,-2-6-270,0 16 0,-2-11-1079,1 20 179,-2 37-989,0 3 630,19 29 1053,-14-16 0,27-14 0,-17 0 0</inkml:trace>
+  <inkml:trace contextRef="#ctx0" brushRef="#br0" timeOffset="-140841.73">24605 14795 9781,'3'-25'1440,"0"10"-991,-2 7-179,2 8 0,5 0-180,-1 17 0,11 9-180,-7 12 90,11 23 0,-11-16 45,-2-4 0,0 2-1446,0 9 1401,-3-19 0,-1 2-360,2 28 180,-2-18-180,2 20 360,-5-36-1079,3 8-181,-4-25 631,0-23 359,-1-23-90,-13-14 135,11 8 0,1-1 225,-13-16-662,13 3 0,2-1 797,-1 19 0,0 2-45,-1-11 0,2 0 1017,16-16-747,-13 5 179,30 6-179,-30 7 90,36 7 0,-22 8 109,34 2-469,-19 14 270,24 1-270,-25 10-90,8 16 90,-10 6-90,-13-2-180,1 27-90,-13-28-1169,-25 36 270,14-26-181,-43 8 1350,11 1 0,-14-11 0,0 10 0</inkml:trace>
+  <inkml:trace contextRef="#ctx0" brushRef="#br0" timeOffset="-140475.73">25577 14792 9512,'0'-42'1169,"0"7"-719,17-7-1,-13 6-269,26 5 0,5 0 90,-4-18-1613,12 3 1,4 0 1476,-24 17 1,-2 1-90,9-11 0,-2-1 91,-9 12 0,-2 0 134,15-30-91,-3 0-89,-5 0 0,-5 4 180,-5 0-270,-4-10 0,-6 21 0,-1-7 0,-26 53 0,18 6 0,-36 33-180,26-4 0,2 2 918,-5-7 1,1 3-889,4 7 0,1 5 0,0-4-120,-1 0 1,2 0-301,5 3 0,3 5 1,-1-5-757,-2-4 1,1-1 785,3 10 1,4 1 539,8-4 0,1-3 0,-9-12 0,1-1 0,7 10 0,1-1 0</inkml:trace>
+  <inkml:trace contextRef="#ctx0" brushRef="#br0" timeOffset="-140163.73">26017 14853 10141,'9'-14'540,"1"-9"-450,3 14 0,4-10 0,12 2-90,-2 3-180,21-3 0,-17 6-90,9 0 180,-12 3 0,-2 2-90,0-2 0,-3 1 90,-3-2 180,-5 1-90,-3-8 90,-7 3 0,-1-11-90,-4 10 270,-18-6 0,-1 11-180,-3 1 180,-10 6-270,12 1-90,-13 16 180,15 6-720,7 21 360,11-6-359,0 5-811,0 1 451,20-8 989,-14 8 0,31-15 0,-17-1 0</inkml:trace>
+  <inkml:trace contextRef="#ctx0" brushRef="#br0" timeOffset="-139798.73">26613 14663 9602,'6'-7'629,"-2"-4"-359,-1 10 180,0-5-360,3 6 0,-1 0 0,5 15 0,-4 5-90,7 20-90,-5-7 180,4 0-90,-2-3 0,-3-8-90,6 6 90,-7-18-270,4 3 270,-5-12 0,2 3 0,0-4-90,3-21 180,2 16 180,14-48-180,-3 34 134,-1-10 1,0-1-135,8 4 0,14-7 90,-23 13-180,4 9 0,-12 2 0,-1 9 0,-2 0 0,0 17-540,-3-12-449,3 44 269,-3-29-1079,-2 42 720,-3-30 996,-2 10 1,0-14 0,0-2-1</inkml:trace>
+  <inkml:trace contextRef="#ctx0" brushRef="#br0" timeOffset="-139564.73">26307 14336 9961,'34'-18'1350,"-4"1"-1081,33 2-2377,-11 0 2198,4 0-90,1 4 0,0 1-90,-4 3-513,-3 4 63,-7 1 60,-7 2-149,-5 0-1620,-4 20 2249,-13 8 0,-1 12 0,-13 2 0</inkml:trace>
+  <inkml:trace contextRef="#ctx0" brushRef="#br0" timeOffset="-139380.73">28133 15024 10951,'15'0'-2339,"-2"0"1260,-5 0 1079,-3 0 0,-1 0 0,-2 0 0</inkml:trace>
+  <inkml:trace contextRef="#ctx0" brushRef="#br0" timeOffset="-138791.73">28107 14175 10861,'0'-15'719,"0"0"-269,0 3 0,0 1-270,0 1 0,21 2-270,1 2 180,21 3-90,-4 1 90,5 2-270,-1 0-630,16 19 360,-19-14-225,-15 19 1,-4 4-315,1-5-1,-10 29 1,-5-17 989,-36 4 0,3 1 0,-1-19 0,1 0 0</inkml:trace>
+  <inkml:trace contextRef="#ctx0" brushRef="#br0" timeOffset="-138661.73">27840 14855 11760,'0'16'900,"21"-1"-900,-15-5 0,48-3 0,-26-4-810,11-2 1,2-1-1260,10 0 2069,-8 1 0,-1-1 0,2 0 0,10 0 0</inkml:trace>
+  <inkml:trace contextRef="#ctx0" brushRef="#br0" timeOffset="-40706.73">5445 16447 7443,'-5'-5'90,"-1"0"-90,3 1 180,-2-2-1,1 1-179,0-1 90,1 2-90,-2 1 0,3-2 0,-3 2 0,3-1 270,-2 2-270,18 1 0,-11 14 90,25-10-90,-13 20 0,15-20 0,-8 13 90,2-14-90,-5 4 0,1-1 0,3-4 0,0 7 0,3-5 0,-1 1 0,2-2 0,13 1 90,-8-2-180,23 2 90,-22-3 90,24 3-90,-23-1-90,10 0 180,-13 0-180,0 0 180,1 0-90,14 1 0,-8 0 0,28 4 0,-24-2 0,-5 0 0,1 0-475,10 1 475,15 3 45,-29-5 0,-1 0-135,19 3 90,-8-1 0,1-1 0,11 1 0,-9-1 0,0 0 0,12-1 45,-8 1 0,0 0-135,12-1 135,-23 0 0,2-1-90,1-1 0,-1 0 45,23 0 0,-10 0 0,-1-1 0,10 0 0,-12-1 0,-1 1 0,7-1-679,-19 0 0,-2 1 679,13-1 0,0 0 0,-2 0 0,-14 0 0,1 1 0,18 0 0,-8 0 0,1 0-521,8 1 521,-18-2 0,1 1 0,15 0 0,6-1 0,3 0 0,-28 0 0,1 0 45,1 0 0,1 0-90,2 1 0,2-2 90,18-5 0,2-2-45,-13 7 0,1-1-710,5-2 1,5-1-1,-5 0 755,-4 0 0,-1 0-45,15 4 0,-1-1-196,-18-3 1,-2 0 240,1 4 0,0 2-197,-1-4 0,2 1 197,18-1 0,1 0-45,-15 0 0,1 0-202,5 0 0,6 0 0,-6 0 202,-3 2 0,0-1 30,5 0 0,6-1 0,-5 0-75,-5 0 0,2 1 67,-1 0 1,9-1-1,0 1 1,-6 0-23,7 0 0,0 0 0,-5 1 0,7-1 0,1 0 0,-9 1 0,3 0 0,-1 1 0,5-1 0,5 1 0,-7 0 0,-5 0 0,-2 0 0,5 0 0,4 0 0,-6 0 0,-6 0 0,-3 0 0,16 0 0,1 0 0,-2 0 0,-4 0 44,-13 0 1,2 0-45,3 0 0,5 0 0,-4 0 0,-6 0 0,2 0 0,4-4 0,6 0 0,-5 0 45,-2 2 0,-2 1-45,-6-2 0,3-1 0,-3-1 0,6-2 0,-1 0 0,1 6 0,0-1 0,1-10 0,-1 1 45,1 10 0,0 0-90,0-9 0,0 0 45,-2 6 0,2 0 0,-5-3 0,2-1 0,-2 1 679,5 0 0,1 1-649,2-1 0,5 0 0,-5 1 15,-6 0 0,-3 0 295,14-1 0,-1 0-295,-20 2 0,-2 1-45,1 0 0,-1 0 90,-1-1 0,0 1-90,-1 0 0,0 1 90,0-2 0,0 1-90,-2 0 0,3 0 44,15-2 1,1 0 0,-13 1 0,2 1-45,5-1 0,5-1 0,-5 1 45,-2 0 0,0 0-15,6 0 0,5-1 0,-3 1-30,-3 0 0,-1-1 0,16-1 0,2 0 0,-19 2 0,0 0 0,-2 1 0,9-2 0,2-1 0,4 1 0,7-1 0,-6 0-439,-4 2 1,-1-1 438,-8 1 0,3 0 0,-3 0 0,2 1 0,-2 0 45,1-1 0,1 1-90,-4 0 0,0 0 45,1 1 0,0-1 45,-3 1 0,0 0-45,-2 0 0,2 1-45,14-1 0,0 0 45,-15 1 0,1 0 30,2 0 0,4 1 0,-5 0-30,-5 0 0,-1 0-45,27 0 0,-1 1 90,-27-1 0,-1 0-45,12 1 0,-2 0 905,18 0-905,-2 0 0,0 0 0,-20 0 0,0 0 0,20 0 0,-12 0 0,-2 0 0,6 0 45,-11 0 0,-2 0-135,5 0 821,11 0-1181,-8 0 181,-14 0-541,16 0 180,-27 0-989,7 0 1619,-19 0 0,-1 0 0,-7 0 0</inkml:trace>
 </inkml:ink>
 </file>
 
@@ -2504,35 +2509,377 @@
   <inkml:trace contextRef="#ctx0" brushRef="#br0" timeOffset="189785">26022 18228 10861,'-6'0'2069,"25"15"-2069,6 2 0,25 17 0,-12-6 0,-2 1 0,-12-4 0,-3 0-180,-8 3-180,5 15-90,-15-8-90,7 10-1348,-10 2 718,0-13 1170,-17 22 0,12-26 0,-13 5 0</inkml:trace>
   <inkml:trace contextRef="#ctx0" brushRef="#br0" timeOffset="191503">22087 18732 9332,'-9'-10'1079,"2"-1"-719,0 2 0,2-2-91,-1-1 1,0 0-180,1-4-90,1 6 0,2-3 0,1 7 0,1 2 0,0 1 90,17 21-270,1 1 0,16 24 90,-17-12 1,11 2-91,-12 2 0,7-8 90,-10 8 0,3-2 90,-11-9 0,7 11 0,-10-16 0,-1 1 0,-1-8 0,0-1 0,0-2-90,-16 2 90,12-4 90,-11 1-180,0-4 90</inkml:trace>
   <inkml:trace contextRef="#ctx0" brushRef="#br0" timeOffset="195417">23152 15115 7623,'-37'-24'539,"7"6"-449,-11-7 0,9 8 180,-4 0-270,-1 0 90,-3 2-444,-2 0 354,-3 4-3216,-2 1 3216,-1 4 0,-4 2-223,0 2 223,-2 2 0,-2 0 90,-2 16-90,-1-12 0,30 10 0,-2 2 45,-13-3 0,0-1 45,11 3 0,-1 2-45,-22 8 0,1 0-1,23-10 1,1 2-15,-8 7 0,-4 4 0,5-3 60,9-4 0,0 2-45,-21 20 0,3 1-45,8 3 135,9-5 0,1 2-45,-2 12 0,8-7 0,2 1 0,1 11-90,7-21 0,2 1 90,6 0 0,1-1 0,-1 23-90,3-10 0,1-1 90,1 9-1143,9-10 0,4-1 1053,9 7 45,-10-20 0,2-1-74,21 11 29,-20 0 0,17-2 0,-12-15 0,0 1 90,12 14-90,0-7 0,1-2 0,12 4 0,-3-7 0,3-1 0,-16-15 0,0 0 804,9 4 0,1 0-804,19 6 0,-2-2 0,0-1 0,0-5 0,0 0 0,0-2 0,-16-7 0,2-1 0,20 4 0,-7-4 0,0-1 45,-21-4 0,0-1-45,28 0 0,0 0 0,-22-2 0,0 0 0,12-1 0,4 0 0,7-7 0,-1 0 0,-14 6 0,3-2 0,4-3 0,6-4 0,-5 1-207,-5 2 0,0-1 267,3-2 0,5 0 0,-6 0 692,-5 3 0,-3-2-797,13-6 0,-3 2 45,-18 11 0,-2 0 0,-3-10 0,0-2 90,30 6-45,-22-4 0,0 0-135,17-1 135,-12 3 0,-1-1 45,1-3-145,-9 2 0,0-1 145,1-5 90,21-15-180,-26 12 0,6-9 180,-13 9 399,-4-1-579,-1-2 0,5-12 0,-7 9 180,10-23-180,-14 21 0,7-22 0,-12 21 0,3-7 0,-2 1 90,-4 8-90,6-16 0,-7 17 750,4-17-750,-4 18 0,0-9 0,-2 11-90,-1-3 180,0 1-90,1-15 90,-2 11-180,-1-25 180,0 22-180,0-11 180,-17 13-90,13-2 0,-28-1 0,28 0 0,-31-2 1343,18-1-1343,-10 11 0,-2-1 90,-10-13-420,1 6 0,-2 1 330,-12-6-45,6 7 0,-3 0 45,18 13 0,-1 1 0,-9-5 0,-1 1 45,9 6 0,2 1-90,-3 0 0,-1-1 45,0 2 0,-2-1 0,-22-6 0,-3 1-45,14 5 0,-2 0 15,-9 0 0,-6-2 0,5 2-609,2 2 0,0 0 549,9 4 0,-5-1 0,0 0 0,5 2-852,-13-2 0,2 1 792,8 1 0,-2 1 1,0 0-451,2 2 0,0 0 1,3 0-76,-10 0 1,-1 1 674,11 1 0,-2 0 0,3 1 0,-4 1 0,3 0 0,0 1 0,0 0 0</inkml:trace>
-  <inkml:trace contextRef="#ctx0" brushRef="#br0" timeOffset="231265">3258 757 9961,'0'-9'1529,"0"2"-1259,0-2 180,0 1-180,0-3-90,0 0 90,0 1-180,0-1 89,0 2 1,0 0 0,0 1 0,0 1 0,0 0 0,0 0 0,0 1 0,0 0 90,0 2-180,0 0-90,0 17-270,-43 3 180,19 20-601,-6-21 1,-1-1 510,0 19 0,-1-7 0,1 0-90,-7 10 180,13-10-270,-3 14 450,19-18-180,2 14 180,6-15-180,27 4 90,-20-6 90,45-3-180,-29 1 180,26-2-90,-9 0 0,1 0-90,18 5 90,-18-5-90,19 10 180,-32-12-90,2 5 1112,-21-1-1202,-2-4-270,-6 15 90,-26-9-719,-9 15 269,-15-13-405,17-7 1,1 0-225,-9-2 1349,-10-2 0,18-7 0,2-3 0</inkml:trace>
-  <inkml:trace contextRef="#ctx0" brushRef="#br0" timeOffset="231505">3097 628 10141,'0'-4'2339,"4"2"-2159,1 22-90,2-15 0,2 59-90,-3-32 0,-2 1 0,0 5-45,1 1 0,0 0-135,3 24-180,-1-7 0,1 0-244,-3-23 1,1 1-72,2 22 1,1 0-226,3 7-315,-2-12 1,0 0 1214,2 4 0,-4-20 0,0-1 0,2 10 0</inkml:trace>
-  <inkml:trace contextRef="#ctx0" brushRef="#br0" timeOffset="231899">3648 1464 8702,'18'-17'0,"-3"13"90,11-52 0,-8 30 0,-1-12 0,-1-3 90,2-2 44,-2 5 1,-2 1-1597,-1-6 1731,2-11 211,-9 11-481,-2 14 91,-2-6 450,-1 22-143,-1 26-577,0 17 180,0 35-180,0-10 45,0-15 0,0-1-636,0 7 51,0 13 1,15-22-91,-11-3-90,12-3-1258,-5 8 2068,-1-12 0,3 5 0,-6-13 0</inkml:trace>
-  <inkml:trace contextRef="#ctx0" brushRef="#br0" timeOffset="232050">3797 1552 9781,'0'-23'180,"0"4"-180,22-3 0,-17 2-855,27-4 1,5-1-315,-11-10 1038,7 6 1,1 0 0,1-7 0,2-1 0</inkml:trace>
-  <inkml:trace contextRef="#ctx0" brushRef="#br0" timeOffset="232235">4252 786 10231,'0'39'540,"0"2"-450,0-10-180,0 0 180,0-7-270,0 2-180,18-2-1259,-1 8 630,5-10 989,5 10 0,-9-18 0,15 1 0</inkml:trace>
-  <inkml:trace contextRef="#ctx0" brushRef="#br0" timeOffset="232417">4270 546 9602,'-8'-6'-360,"3"17"-1709,18 5 2069,-8 19 0,33-8 0,-11 1 0</inkml:trace>
-  <inkml:trace contextRef="#ctx0" brushRef="#br0" timeOffset="232759">4702 1266 9512,'6'0'449,"5"-34"-269,-2 10-45,0-13 0,0-3-45,4-6-1342,-4 13 0,0 1 1252,3-19 90,-2-1 0,-1-1 135,-6 16 0,0-1-45,0-17-91,-2 20 1,-1 1 360,0-8-270,0 4 692,0 7-872,-14-1 90,10 14 690,-11 1-690,4 12-90,8 20 0,-8 15 0,11 32-180,15-6 123,-7-12 1,1 0-394,9 11-225,-4-9 1,1 0-136,10 3 360,-10-18 1,2-2-1890,29 19 2339,-19-16 0,7 6 0,-14-18 0</inkml:trace>
-  <inkml:trace contextRef="#ctx0" brushRef="#br0" timeOffset="233050">5097 1103 11131,'14'-15'269,"-10"3"-269,11 0 0,4 2 0,-15-1-89,31-4 89,-31 0 0,29-2 0,-22-1-90,7 1 90,1-1 90,-12-8-90,9 5 359,-11-14-89,-1 14-90,-4-2-180,-16 8 180,13 4-90,-13 4 180,0 4-360,1 20 180,-5 10-360,9 26 0,11-8-703,0 5 73,21-15-359,-16 1-450,43-4 1709,-21-3 0,25-4 0,-6-4 0</inkml:trace>
-  <inkml:trace contextRef="#ctx0" brushRef="#br0" timeOffset="233891">6152 532 11311,'0'-10'809,"-20"1"-719,16-1 0,-16 1 90,7-4-270,-4 5 180,1-2-90,-25 7-90,24 1-180,-35 1 90,25 17-360,-17-12 361,21 28 89,-6-28-180,12 24 180,5-12-360,1 13 90,8-5 270,0 0 0,3-8-89,0 1-91,0-2-360,0 7 540,17-6-450,-12 16 360,12-14-179,-5 20 179,-10-17-90,10 10-270,-12 1 270,0-7 1,0 16 269,0-15 269,-16 17 1,12-18 360,-12 6 89,5-6-539,8-9 360,-8 5-270,11-14-180,19-2 0,2-4-90,23-15-180,1 11-270,-6-22-1439,14 22 1889,-22-17 0,12 17 0,-13-6 0</inkml:trace>
-  <inkml:trace contextRef="#ctx0" brushRef="#br0" timeOffset="234267">6603 445 11670,'0'-12'180,"-14"1"180,11 4-360,-11 3 0,14 1-720,-10 1 91,3 2-720,-4 15-271,7 0-358,4 12 1978,0-6 0,0-9 0,0-4 0</inkml:trace>
-  <inkml:trace contextRef="#ctx0" brushRef="#br0" timeOffset="234375">6572 487 9152,'0'31'-698,"0"3"1,0-6 0,0 2 0</inkml:trace>
-  <inkml:trace contextRef="#ctx0" brushRef="#br0" timeOffset="234766">6985 604 10141,'-24'-3'0,"1"1"-90,7 19 90,4-13-360,5 28 181,4-15 269,3 16-180,0-7 90,21-2 0,-15-7 0,34 7 90,-16-7 89,18 10 91,-18-13 180,7 2 90,-28-7-181,16 0 1,-17-2-360,4 0 90,-6-2-180,0 1 90,0-3-629,-20-2-1260,1 0 0,-19-1 1889,11 0 0,10-19 0,7-4 0</inkml:trace>
-  <inkml:trace contextRef="#ctx0" brushRef="#br0" timeOffset="234949">7262 636 9512,'7'18'719,"1"-14"-269,4 29-360,-4-30-180,5 31 180,-6-21-630,2 26-89,-2-17-91,-1 8-180,-2-9-449,-1-1 1349,0-3 0,0-1 0,0-2 0</inkml:trace>
-  <inkml:trace contextRef="#ctx0" brushRef="#br0" timeOffset="235134">7292 504 9332,'19'17'-780,"-14"8"1,14-13-1</inkml:trace>
-  <inkml:trace contextRef="#ctx0" brushRef="#br0" timeOffset="235391">7617 576 10771,'4'0'1259,"3"0"-989,-3 0-270,4 13 0,-3-10 0,3 29 0,-4-18-360,1 28 0,-4-19 1,-1 11-541,0-1 360,1-6-719,1 11 629,2-18-1461,2 3 2091,-1-13 0,2-3 0,-2-4 0</inkml:trace>
-  <inkml:trace contextRef="#ctx0" brushRef="#br0" timeOffset="235703">7758 752 9961,'9'0'720,"1"0"-540,-1 0 0,2 0-90,4 0-180,-3 0 90,12 11 0,-10-8-90,6 7-270,1-10 90,-5 0 90,7 0 180,-13-15-180,1 12 180,-8-28 180,-2 15 90,-21-11-90,16 6 270,-34 10 179,18 4-449,-11 7 0,14 15-180,8 7 0,9 18-180,0-6-180,17-1-89,-12-11-1,28-1-270,-29-4-359,35-1 1079,-3-2 0,11-7 0,4-1 0</inkml:trace>
-  <inkml:trace contextRef="#ctx0" brushRef="#br0" timeOffset="236005">8147 354 11041,'0'-5'270,"0"0"-91,0 1-718,0 16-1440,17 4 1259,-3 1-1169,6 9 1889,-10-17 0,-4 3 0,2-5 0</inkml:trace>
-  <inkml:trace contextRef="#ctx0" brushRef="#br0" timeOffset="236150">8255 347 11041,'22'14'-1529,"-1"5"269,-3 20-539,-4-5 1612,-1 2 0,-5-7 0,-1-1 0</inkml:trace>
-  <inkml:trace contextRef="#ctx0" brushRef="#br0" timeOffset="236807">8612 300 10411,'-16'0'270,"4"0"90,1 0-360,30 0 90,3 0-90,32 0 0,-14 0-616,3 11 526,-12-9-96,-2 10 276,0-12-90,2 7 0,-7-6 0,-1 6 90,-10-2 90,-5-1-90,-3 6 507,-1-4-597,-4 7 384,0-4-384,-16 5 0,12 7-90,-29-3 90,19 19 0,-5-13-90,9 9 90,10 4-90,0-9 1,0 25 89,15-21-90,5 22 90,-1-23 0,11 7 0,-12-3 0,1-10 90,5 11 89,-21-18-89,14 6 0,-16-14-90,6 1 0,-7-5 0,0 0 0,-24-2-90,-3 2-179,-2-2-901,-34 0 361,39-1-586,-11-3 1,-1 0 1394,6 1 0,-9-1 0,16 0 0</inkml:trace>
-  <inkml:trace contextRef="#ctx0" brushRef="#br0" timeOffset="237333">9417 339 11850,'-7'-6'720,"-3"2"-540,4-1 0,-3 3 179,6 0-269,0 15-180,19 3 180,-11 20-90,26-10 0,-28 5 0,28-10 0,-16 1-90,25 10 90,-14-9-90,18 18 1,-19-18 178,7 5-89,-5-4 0,-8-8-89,4 9 178,-13-14-89,-1 6-89,-6-9 89,-3 2-180,0-5-90,-17-1-90,12 1-899,-29-2-900,12 0-908,-16-1 3067,6-2 0,12 0 0,10 0 0</inkml:trace>
-  <inkml:trace contextRef="#ctx0" brushRef="#br0" timeOffset="237683">10075 421 12210,'-19'-3'360,"-13"1"-90,12 0-180,-13 2 90,1 19-180,9 5-90,7 11 180,6 15-180,6-19-90,1 23 90,29-25-90,6 10 180,16-25-45,-8-6 0,-1-2 45,6-6 45,-3-8 0,-2-7-45,-7-14-416,7-13 416,-22 2 0,-8 12-180,-4-2-539,-6-12-91,0 10-1528,-44-18 718,15 23 1373,-4 11 0,-3 3 0,-10-3 0,-5 3 0</inkml:trace>
-  <inkml:trace contextRef="#ctx0" brushRef="#br0" timeOffset="238917">1287 1171 12030,'0'37'270,"0"-6"-180,0 7-180,-14-5 90,11 18-90,-10-12-270,13 11 0,0-18-359,0-4-1260,0 5 990,0-11-631,0 0 1620,0-12 0,14-6 0,3-1 0</inkml:trace>
-  <inkml:trace contextRef="#ctx0" brushRef="#br0" timeOffset="239083">1197 1020 5824,'0'16'0,"0"-3"0</inkml:trace>
-  <inkml:trace contextRef="#ctx0" brushRef="#br0" timeOffset="239467">1652 1650 9242,'0'-18'270,"0"-3"-91,15-9 1,-11 2 90,24-31-90,-18 24 180,4-27-90,-7 33 179,-7-13-359,0 22-90,0-2 0,0 12 270,0 4-270,0 19 90,-14 10-90,10 11-180,-10 3-629,14 10 89,0-10-708,0 13 349,0-17-180,0 0 1259,0-1 0,0 0 0,0-1 0</inkml:trace>
-  <inkml:trace contextRef="#ctx0" brushRef="#br0" timeOffset="239634">1718 1930 9871,'-14'-19'-2248,"23"-1"808,15-23 1440,1 12 0,20-4 0,-14 9 0</inkml:trace>
-  <inkml:trace contextRef="#ctx0" brushRef="#br0" timeOffset="240000">2252 522 11311,'-18'-9'539,"13"3"1,-26 2 0,10 3-360,-14 19-91,-4 13 1,8 11 0,1 10-135,16-15 0,3 2-162,1-7 0,2 1 207,-1 29 0,3 2 45,1-24 0,4 1-105,7 13 0,4 8 0,-1-7-120,-8-11 0,4-1-120,17 9 0,10 5 1,-4-8-522,-9-14 1,3-3 10,15 3 1,9 1 0,-2-4-1186,-4-4 1,0-2 1994,16 7 0,2-2 0,-13-10 0,-1-3 0,3 0 0,-1 0 0</inkml:trace>
-  <inkml:trace contextRef="#ctx0" brushRef="#br0" timeOffset="240833">10568 239 10771,'19'11'2069,"-15"4"-1799,39-9-91,-36 6 91,46 0-180,-30 0-785,29 3 695,-12 4 0,-9-3 0,-1 2 90,14 14-405,-1 9 0,-2 4-225,-9 10-30,-15-16 1,1 6-1,-6-3-15,-5-4 1,-6 1-496,-9 9 1,-5 6 0,-1-4 805,-1 1 1,-3-1-1,-3-4 1,-3 2 0,0-2-1,-3 5 1,-1 0 0</inkml:trace>
-  <inkml:trace contextRef="#ctx0" brushRef="#br0" timeOffset="242333">3458 2682 9512,'0'-8'1079,"0"2"-899,0-1-180,0 2 1889,0 1-1709,0 28 90,0 19-270,18 19-133,-16-24 1,1 2 222,12 15 0,1 1-414,-14-9 1,-1 4 353,6 8 0,2 7 0,-3-4-1063,-4-1 1,-2 0 1032,3-6 0,1 2 0,-2-2 0,-2 8 0,0-3 0,3 3 0,0 1-45,-2 0 0,0 1 90,3-1 0,1 0-45,-2 2 0,-1-1 0,1-3 0,2 3 0,-1-6 0,1 3 0,0-2 0,-1-15 0,-1-1 0,0 3-45,2 6 0,1 6 0,-1-1 0,1-5 0,0 10 0,0-1-15,-1-10 0,0 1 0,0-2-30,1 0 0,-1-3 45,0-1 0,0-1-743,-1-1 1,1-2 652,0-2 1,-1-1-349,0-2 1,0 0 392,-1-4 0,1 1-229,0 8 1,-1 0-312,2 18-315,-2-17 1,-1-2-315,0 0 1259,-1 4 0,-1-22 0,0-4 0</inkml:trace>
-  <inkml:trace contextRef="#ctx0" brushRef="#br1" timeOffset="1.71733E6">8086 12328 24575,'0'0'0</inkml:trace>
+  <inkml:trace contextRef="#ctx0" brushRef="#br0" timeOffset="-198231.73">3258 757 9961,'0'-9'1529,"0"2"-1259,0-2 180,0 1-180,0-3-90,0 0 90,0 1-180,0-1 89,0 2 1,0 0 0,0 1 0,0 1 0,0 0 0,0 0 0,0 1 0,0 0 90,0 2-180,0 0-90,0 17-270,-43 3 180,19 20-601,-6-21 1,-1-1 510,0 19 0,-1-7 0,1 0-90,-7 10 180,13-10-270,-3 14 450,19-18-180,2 14 180,6-15-180,27 4 90,-20-6 90,45-3-180,-29 1 180,26-2-90,-9 0 0,1 0-90,18 5 90,-18-5-90,19 10 180,-32-12-90,2 5 1112,-21-1-1202,-2-4-270,-6 15 90,-26-9-719,-9 15 269,-15-13-405,17-7 1,1 0-225,-9-2 1349,-10-2 0,18-7 0,2-3 0</inkml:trace>
+  <inkml:trace contextRef="#ctx0" brushRef="#br0" timeOffset="-197991.73">3097 628 10141,'0'-4'2339,"4"2"-2159,1 22-90,2-15 0,2 59-90,-3-32 0,-2 1 0,0 5-45,1 1 0,0 0-135,3 24-180,-1-7 0,1 0-244,-3-23 1,1 1-72,2 22 1,1 0-226,3 7-315,-2-12 1,0 0 1214,2 4 0,-4-20 0,0-1 0,2 10 0</inkml:trace>
+  <inkml:trace contextRef="#ctx0" brushRef="#br0" timeOffset="-197597.73">3648 1464 8702,'18'-17'0,"-3"13"90,11-52 0,-8 30 0,-1-12 0,-1-3 90,2-2 44,-2 5 1,-2 1-1597,-1-6 1731,2-11 211,-9 11-481,-2 14 91,-2-6 450,-1 22-143,-1 26-577,0 17 180,0 35-180,0-10 45,0-15 0,0-1-636,0 7 51,0 13 1,15-22-91,-11-3-90,12-3-1258,-5 8 2068,-1-12 0,3 5 0,-6-13 0</inkml:trace>
+  <inkml:trace contextRef="#ctx0" brushRef="#br0" timeOffset="-197446.73">3797 1552 9781,'0'-23'180,"0"4"-180,22-3 0,-17 2-855,27-4 1,5-1-315,-11-10 1038,7 6 1,1 0 0,1-7 0,2-1 0</inkml:trace>
+  <inkml:trace contextRef="#ctx0" brushRef="#br0" timeOffset="-197261.73">4252 786 10231,'0'39'540,"0"2"-450,0-10-180,0 0 180,0-7-270,0 2-180,18-2-1259,-1 8 630,5-10 989,5 10 0,-9-18 0,15 1 0</inkml:trace>
+  <inkml:trace contextRef="#ctx0" brushRef="#br0" timeOffset="-197079.73">4270 546 9602,'-8'-6'-360,"3"17"-1709,18 5 2069,-8 19 0,33-8 0,-11 1 0</inkml:trace>
+  <inkml:trace contextRef="#ctx0" brushRef="#br0" timeOffset="-196737.73">4702 1266 9512,'6'0'449,"5"-34"-269,-2 10-45,0-13 0,0-3-45,4-6-1342,-4 13 0,0 1 1252,3-19 90,-2-1 0,-1-1 135,-6 16 0,0-1-45,0-17-91,-2 20 1,-1 1 360,0-8-270,0 4 692,0 7-872,-14-1 90,10 14 690,-11 1-690,4 12-90,8 20 0,-8 15 0,11 32-180,15-6 123,-7-12 1,1 0-394,9 11-225,-4-9 1,1 0-136,10 3 360,-10-18 1,2-2-1890,29 19 2339,-19-16 0,7 6 0,-14-18 0</inkml:trace>
+  <inkml:trace contextRef="#ctx0" brushRef="#br0" timeOffset="-196446.73">5097 1103 11131,'14'-15'269,"-10"3"-269,11 0 0,4 2 0,-15-1-89,31-4 89,-31 0 0,29-2 0,-22-1-90,7 1 90,1-1 90,-12-8-90,9 5 359,-11-14-89,-1 14-90,-4-2-180,-16 8 180,13 4-90,-13 4 180,0 4-360,1 20 180,-5 10-360,9 26 0,11-8-703,0 5 73,21-15-359,-16 1-450,43-4 1709,-21-3 0,25-4 0,-6-4 0</inkml:trace>
+  <inkml:trace contextRef="#ctx0" brushRef="#br0" timeOffset="-195605.73">6152 532 11311,'0'-10'809,"-20"1"-719,16-1 0,-16 1 90,7-4-270,-4 5 180,1-2-90,-25 7-90,24 1-180,-35 1 90,25 17-360,-17-12 361,21 28 89,-6-28-180,12 24 180,5-12-360,1 13 90,8-5 270,0 0 0,3-8-89,0 1-91,0-2-360,0 7 540,17-6-450,-12 16 360,12-14-179,-5 20 179,-10-17-90,10 10-270,-12 1 270,0-7 1,0 16 269,0-15 269,-16 17 1,12-18 360,-12 6 89,5-6-539,8-9 360,-8 5-270,11-14-180,19-2 0,2-4-90,23-15-180,1 11-270,-6-22-1439,14 22 1889,-22-17 0,12 17 0,-13-6 0</inkml:trace>
+  <inkml:trace contextRef="#ctx0" brushRef="#br0" timeOffset="-195229.73">6603 445 11670,'0'-12'180,"-14"1"180,11 4-360,-11 3 0,14 1-720,-10 1 91,3 2-720,-4 15-271,7 0-358,4 12 1978,0-6 0,0-9 0,0-4 0</inkml:trace>
+  <inkml:trace contextRef="#ctx0" brushRef="#br0" timeOffset="-195121.73">6572 487 9152,'0'31'-698,"0"3"1,0-6 0,0 2 0</inkml:trace>
+  <inkml:trace contextRef="#ctx0" brushRef="#br0" timeOffset="-194730.73">6985 604 10141,'-24'-3'0,"1"1"-90,7 19 90,4-13-360,5 28 181,4-15 269,3 16-180,0-7 90,21-2 0,-15-7 0,34 7 90,-16-7 89,18 10 91,-18-13 180,7 2 90,-28-7-181,16 0 1,-17-2-360,4 0 90,-6-2-180,0 1 90,0-3-629,-20-2-1260,1 0 0,-19-1 1889,11 0 0,10-19 0,7-4 0</inkml:trace>
+  <inkml:trace contextRef="#ctx0" brushRef="#br0" timeOffset="-194547.73">7262 636 9512,'7'18'719,"1"-14"-269,4 29-360,-4-30-180,5 31 180,-6-21-630,2 26-89,-2-17-91,-1 8-180,-2-9-449,-1-1 1349,0-3 0,0-1 0,0-2 0</inkml:trace>
+  <inkml:trace contextRef="#ctx0" brushRef="#br0" timeOffset="-194362.73">7292 504 9332,'19'17'-780,"-14"8"1,14-13-1</inkml:trace>
+  <inkml:trace contextRef="#ctx0" brushRef="#br0" timeOffset="-194105.73">7617 576 10771,'4'0'1259,"3"0"-989,-3 0-270,4 13 0,-3-10 0,3 29 0,-4-18-360,1 28 0,-4-19 1,-1 11-541,0-1 360,1-6-719,1 11 629,2-18-1461,2 3 2091,-1-13 0,2-3 0,-2-4 0</inkml:trace>
+  <inkml:trace contextRef="#ctx0" brushRef="#br0" timeOffset="-193793.73">7758 752 9961,'9'0'720,"1"0"-540,-1 0 0,2 0-90,4 0-180,-3 0 90,12 11 0,-10-8-90,6 7-270,1-10 90,-5 0 90,7 0 180,-13-15-180,1 12 180,-8-28 180,-2 15 90,-21-11-90,16 6 270,-34 10 179,18 4-449,-11 7 0,14 15-180,8 7 0,9 18-180,0-6-180,17-1-89,-12-11-1,28-1-270,-29-4-359,35-1 1079,-3-2 0,11-7 0,4-1 0</inkml:trace>
+  <inkml:trace contextRef="#ctx0" brushRef="#br0" timeOffset="-193491.73">8147 354 11041,'0'-5'270,"0"0"-91,0 1-718,0 16-1440,17 4 1259,-3 1-1169,6 9 1889,-10-17 0,-4 3 0,2-5 0</inkml:trace>
+  <inkml:trace contextRef="#ctx0" brushRef="#br0" timeOffset="-193346.73">8255 347 11041,'22'14'-1529,"-1"5"269,-3 20-539,-4-5 1612,-1 2 0,-5-7 0,-1-1 0</inkml:trace>
+  <inkml:trace contextRef="#ctx0" brushRef="#br0" timeOffset="-192689.73">8612 300 10411,'-16'0'270,"4"0"90,1 0-360,30 0 90,3 0-90,32 0 0,-14 0-616,3 11 526,-12-9-96,-2 10 276,0-12-90,2 7 0,-7-6 0,-1 6 90,-10-2 90,-5-1-90,-3 6 507,-1-4-597,-4 7 384,0-4-384,-16 5 0,12 7-90,-29-3 90,19 19 0,-5-13-90,9 9 90,10 4-90,0-9 1,0 25 89,15-21-90,5 22 90,-1-23 0,11 7 0,-12-3 0,1-10 90,5 11 89,-21-18-89,14 6 0,-16-14-90,6 1 0,-7-5 0,0 0 0,-24-2-90,-3 2-179,-2-2-901,-34 0 361,39-1-586,-11-3 1,-1 0 1394,6 1 0,-9-1 0,16 0 0</inkml:trace>
+  <inkml:trace contextRef="#ctx0" brushRef="#br0" timeOffset="-192163.73">9417 339 11850,'-7'-6'720,"-3"2"-540,4-1 0,-3 3 179,6 0-269,0 15-180,19 3 180,-11 20-90,26-10 0,-28 5 0,28-10 0,-16 1-90,25 10 90,-14-9-90,18 18 1,-19-18 178,7 5-89,-5-4 0,-8-8-89,4 9 178,-13-14-89,-1 6-89,-6-9 89,-3 2-180,0-5-90,-17-1-90,12 1-899,-29-2-900,12 0-908,-16-1 3067,6-2 0,12 0 0,10 0 0</inkml:trace>
+  <inkml:trace contextRef="#ctx0" brushRef="#br0" timeOffset="-191813.73">10075 421 12210,'-19'-3'360,"-13"1"-90,12 0-180,-13 2 90,1 19-180,9 5-90,7 11 180,6 15-180,6-19-90,1 23 90,29-25-90,6 10 180,16-25-45,-8-6 0,-1-2 45,6-6 45,-3-8 0,-2-7-45,-7-14-416,7-13 416,-22 2 0,-8 12-180,-4-2-539,-6-12-91,0 10-1528,-44-18 718,15 23 1373,-4 11 0,-3 3 0,-10-3 0,-5 3 0</inkml:trace>
+  <inkml:trace contextRef="#ctx0" brushRef="#br0" timeOffset="-190579.73">1287 1171 12030,'0'37'270,"0"-6"-180,0 7-180,-14-5 90,11 18-90,-10-12-270,13 11 0,0-18-359,0-4-1260,0 5 990,0-11-631,0 0 1620,0-12 0,14-6 0,3-1 0</inkml:trace>
+  <inkml:trace contextRef="#ctx0" brushRef="#br0" timeOffset="-190413.73">1197 1020 5824,'0'16'0,"0"-3"0</inkml:trace>
+  <inkml:trace contextRef="#ctx0" brushRef="#br0" timeOffset="-190029.73">1652 1650 9242,'0'-18'270,"0"-3"-91,15-9 1,-11 2 90,24-31-90,-18 24 180,4-27-90,-7 33 179,-7-13-359,0 22-90,0-2 0,0 12 270,0 4-270,0 19 90,-14 10-90,10 11-180,-10 3-629,14 10 89,0-10-708,0 13 349,0-17-180,0 0 1259,0-1 0,0 0 0,0-1 0</inkml:trace>
+  <inkml:trace contextRef="#ctx0" brushRef="#br0" timeOffset="-189862.73">1718 1930 9871,'-14'-19'-2248,"23"-1"808,15-23 1440,1 12 0,20-4 0,-14 9 0</inkml:trace>
+  <inkml:trace contextRef="#ctx0" brushRef="#br0" timeOffset="-189496.73">2252 522 11311,'-18'-9'539,"13"3"1,-26 2 0,10 3-360,-14 19-91,-4 13 1,8 11 0,1 10-135,16-15 0,3 2-162,1-7 0,2 1 207,-1 29 0,3 2 45,1-24 0,4 1-105,7 13 0,4 8 0,-1-7-120,-8-11 0,4-1-120,17 9 0,10 5 1,-4-8-522,-9-14 1,3-3 10,15 3 1,9 1 0,-2-4-1186,-4-4 1,0-2 1994,16 7 0,2-2 0,-13-10 0,-1-3 0,3 0 0,-1 0 0</inkml:trace>
+  <inkml:trace contextRef="#ctx0" brushRef="#br0" timeOffset="-188663.73">10568 239 10771,'19'11'2069,"-15"4"-1799,39-9-91,-36 6 91,46 0-180,-30 0-785,29 3 695,-12 4 0,-9-3 0,-1 2 90,14 14-405,-1 9 0,-2 4-225,-9 10-30,-15-16 1,1 6-1,-6-3-15,-5-4 1,-6 1-496,-9 9 1,-5 6 0,-1-4 805,-1 1 1,-3-1-1,-3-4 1,-3 2 0,0-2-1,-3 5 1,-1 0 0</inkml:trace>
+  <inkml:trace contextRef="#ctx0" brushRef="#br0" timeOffset="-187163.73">3458 2682 9512,'0'-8'1079,"0"2"-899,0-1-180,0 2 1889,0 1-1709,0 28 90,0 19-270,18 19-133,-16-24 1,1 2 222,12 15 0,1 1-414,-14-9 1,-1 4 353,6 8 0,2 7 0,-3-4-1063,-4-1 1,-2 0 1032,3-6 0,1 2 0,-2-2 0,-2 8 0,0-3 0,3 3 0,0 1-45,-2 0 0,0 1 90,3-1 0,1 0-45,-2 2 0,-1-1 0,1-3 0,2 3 0,-1-6 0,1 3 0,0-2 0,-1-15 0,-1-1 0,0 3-45,2 6 0,1 6 0,-1-1 0,1-5 0,0 10 0,0-1-15,-1-10 0,0 1 0,0-2-30,1 0 0,-1-3 45,0-1 0,0-1-743,-1-1 1,1-2 652,0-2 1,-1-1-349,0-2 1,0 0 392,-1-4 0,1 1-229,0 8 1,-1 0-312,2 18-315,-2-17 1,-1-2-315,0 0 1259,-1 4 0,-1-22 0,0-4 0</inkml:trace>
+  <inkml:trace contextRef="#ctx0" brushRef="#br1" timeOffset="-656.92">8086 12328 24575,'0'0'0</inkml:trace>
+</inkml:ink>
+</file>
+
+<file path=ppt/ink/ink19.xml><?xml version="1.0" encoding="utf-8"?>
+<inkml:ink xmlns:inkml="http://www.w3.org/2003/InkML">
+  <inkml:definitions>
+    <inkml:context xml:id="ctx0">
+      <inkml:inkSource xml:id="inkSrc0">
+        <inkml:traceFormat>
+          <inkml:channel name="X" type="integer" min="-2.14748E9" max="2.14748E9" units="cm"/>
+          <inkml:channel name="Y" type="integer" min="-2.14748E9" max="2.14748E9" units="cm"/>
+          <inkml:channel name="F" type="integer" max="32767" units="dev"/>
+        </inkml:traceFormat>
+        <inkml:channelProperties>
+          <inkml:channelProperty channel="X" name="resolution" value="1000" units="1/cm"/>
+          <inkml:channelProperty channel="Y" name="resolution" value="1000" units="1/cm"/>
+          <inkml:channelProperty channel="F" name="resolution" value="0" units="1/dev"/>
+        </inkml:channelProperties>
+      </inkml:inkSource>
+      <inkml:timestamp xml:id="ts0" timeString="2021-10-01T03:51:53.770"/>
+    </inkml:context>
+    <inkml:brush xml:id="br0">
+      <inkml:brushProperty name="width" value="0.12095" units="cm"/>
+      <inkml:brushProperty name="height" value="0.12095" units="cm"/>
+      <inkml:brushProperty name="color" value="#FF0000"/>
+    </inkml:brush>
+    <inkml:brush xml:id="br1">
+      <inkml:brushProperty name="width" value="0.09071" units="cm"/>
+      <inkml:brushProperty name="height" value="0.09071" units="cm"/>
+      <inkml:brushProperty name="color" value="#FF0000"/>
+    </inkml:brush>
+  </inkml:definitions>
+  <inkml:trace contextRef="#ctx0" brushRef="#br0">1957 1608 4516,'-18'2'4938,"4"0"-4401,14-13 5227,0-1-2431,0-9-991,17-1-2214,-13 1 728,28-5 469,-28-2 1426,29-2-1677,-13-16-1862,9 14-634,-6-20 694,-15 27 1375,-1-5-863,-7 13 1963,0 6-1401,0 2 1284,0 29-753,0 28 545,0 4-1058,0-8 0,0-1 262,0 4-768,0-8 1,0 1-489,0 4-269,14 12-1863,1-6 764,3-13 1799,6 8 1,-20-17 0,9-1 0</inkml:trace>
+  <inkml:trace contextRef="#ctx0" brushRef="#br0" timeOffset="550">2043 997 3707,'-20'-24'7585,"2"2"-5199,-1 7-1782,-1 2-429,-1 7-1013,-2 1 41,-3 5 144,1 0 653,-4 25-123,-14 11-129,8 15 543,12-24 0,0 0 448,-8 18 685,0 4 284,3 4-597,11-13 1,1 2 72,4-10 0,1 1-659,-2 11 1,0-1 671,0 19-289,3-1 71,4-1-415,4-19 1,1 0 460,0 19-653,10-12 1,1-2-75,-6 3-350,28-4 1,5-2-715,-7-3 152,16-5 0,5-5-1090,2-8 907,-11-12 1,8-1 0,-4-3-580,-6-1 0,1-3 401,12-5 0,6-3 0,-5 1-300,-10 4 1,-2-3 625,5-12 0,3-7 0,-4 2 110,-4 9 0,-3-2 301,3-10 1,1-6-1,-5 2 321,-4 4 1,-3 0 268,6-7 0,-1-3 336,-7-4 0,-4-1 202,-6 9 1,-3-1 178,6-25 1,-3-2-145,-12 23 1,-1 0 125,0-12 1,-2 0 766,-3-20-930,-10 34 0,-1-1-172,9 0 1,-3 1-371,-18 0 1,-3 2-727,-1-30 148,1 33 0,-4 1-708,-8-8 0,-1 2-4,8 9 1,-3 2-143,-6 1 1,-5 0 0,2 5 723,2 3 0,0 4 0,-15-2 0,1 4 1,15 5-1,-1 1 0</inkml:trace>
+  <inkml:trace contextRef="#ctx0" brushRef="#br0" timeOffset="2377">4195 1421 4966,'0'-6'9830,"-14"0"-8048,10 2-1024,-10 0-2170,5-1 1055,7 3 291,-7-1 79,9 1 1,0 1 0,0 0 0</inkml:trace>
+  <inkml:trace contextRef="#ctx0" brushRef="#br0" timeOffset="2567">4255 1853 2088,'0'0'0</inkml:trace>
+  <inkml:trace contextRef="#ctx0" brushRef="#br0" timeOffset="2961">4652 1565 7754,'-24'0'1033,"9"-11"1,7 9 0,8-9 0</inkml:trace>
+  <inkml:trace contextRef="#ctx0" brushRef="#br0" timeOffset="3163">4738 1960 4696,'-16'6'930,"2"-2"1,14-2 0</inkml:trace>
+  <inkml:trace contextRef="#ctx0" brushRef="#br0" timeOffset="4200">5402 1562 5236,'0'-6'9830,"0"3"-1298,0-2-6304,0 3-909,-17 0-4250,2 17 2276,-4 2 19,-1 18 2606,18-1-2459,-7-2-581,9-2 531,16-8-1072,-12-6 3666,28-8-3465,-28-3 1470,24-4-2176,-17 0-432,12-1 96,-5-14 884,-4 11 407,-5-12 632,-4 6 2688,-3 7-2470,0-8 3117,1 10-3111,2 16 2706,2-12-2465,6 23 1740,-3-14-1711,6 1-822,-3 6 1418,3-17-3132,2 5 3535,2-8-3364,4 0 1229,3 0-1074,18 0 404,-8-23 1486,-5 9 0,0-3-741,6-27 2518,9-1-802,-19 9 1085,-3-4 254,-4-3-854,-9 8 0,-3-1 1534,4-19-1752,-7 4 0,-2 0 1264,-3-9-1268,1 9 1,-4 1 971,-19-4-1248,18 19 1,0 3 413,-18-5-1287,4 6-98,12 7 527,-26 5-2040,16 9-4,-3 27 382,7 37 1610,11 3-20,0-8 1,0 0 1034,0 9-709,8-10 1,3 1-527,10 9 712,0-10 0,-1-2 621,1 6-865,-1-18 1,-1-2-1094,-4 6-204,20-2-554,-12-5 291,15 3-71,-9-11 211,9-3-329,-10-14-488,-2-4-320,28-18 474,-21-13 1567,0 2 0,-2-3-162,-4-21 628,-6 10 1,-2 0 720,-3-10-231,-6 5 1,-3-2 1547,-2-8-871,-4 20 0,-1-1-17,0 3 1,0 1 700,0-14-1202,-8 13 1,-1 2-469,5 2 265,-27-4-1419,27 22 417,-10 21-1572,14 25 1833,0 11-12,0-3 1,0 1 192,0 15 16,6-4 0,4 0-390,1-20 0,2-2 357,3 10 1,2-2-809,18 16 709,-5-4-1925,2-2 17,-7-18 0,2-1 1481,18 12 1,-14-17-1,-1-3 1,17 4 0</inkml:trace>
+  <inkml:trace contextRef="#ctx0" brushRef="#br0" timeOffset="4621">7507 930 5955,'-18'-4'2852,"-1"19"113,-12 16-1025,7 31 524,12-5-370,6 7-396,6-15-310,0-2-181,8-14 0,1 0 464,-4 15-1316,12-18 0,1 0-574,-14 8-90,34-3-1731,-22-4 1679,31 6 1,-17-14 0,9 4 0</inkml:trace>
+  <inkml:trace contextRef="#ctx0" brushRef="#br0" timeOffset="4850">7863 1043 4516,'0'-10'9830,"0"3"-1927,15 4-10881,2 23 3186,12 10-57,-14-1 0,-3 3 651,2 20-446,-5-12 1,-1 1 1876,-2 11-3819,0 8 1,-4 2 1545,-9-28 1,-1 0 0,7 20 0,-2-1 0,-16 8 0</inkml:trace>
+  <inkml:trace contextRef="#ctx0" brushRef="#br0" timeOffset="5884">4223 2015 6765,'0'-9'4915,"0"1"0</inkml:trace>
+  <inkml:trace contextRef="#ctx0" brushRef="#br0" timeOffset="6201">4642 2183 5416,'0'0'0</inkml:trace>
+  <inkml:trace contextRef="#ctx0" brushRef="#br0" timeOffset="7839">8893 1471 6225,'-3'-12'9830,"19"9"-10860,8-8 838,0-1-139,21 9-1358,-24-9 1232,23 4-1451,3 6 1273,-11-6-3301,22 8 3987,-26 0 1,5 19-1,-16 5 1</inkml:trace>
+  <inkml:trace contextRef="#ctx0" brushRef="#br0" timeOffset="8007">9058 1765 4516,'16'-14'4247,"6"11"-6059,17-23 1909,0 23 0,-5-18 1,1 9-1</inkml:trace>
+  <inkml:trace contextRef="#ctx0" brushRef="#br0" timeOffset="8267">9373 1308 3887,'0'-4'9830,"24"1"-9361,6 3-2580,13 14 1825,-2-10-451,2 37 1617,-9-23-797,6 24 1243,-15-11-3009,-5 6 3004,-4 3 317,-7 5-223,-4 5 379,-5 4-1487,0 3 1,-20 2-1,-5 1 1</inkml:trace>
+  <inkml:trace contextRef="#ctx0" brushRef="#br0" timeOffset="9186">10502 1365 4786,'-4'-7'8340,"1"0"-3664,0 2-2904,3 22 377,20-13-4190,-15 38 3314,15-24-1666,-2 19 2564,-13-7-1441,25 0-1394,-27 0 1267,19-1-1760,-20-2 3467,15 6-3096,-15-9 2010,9 5-1210,-10-15-1015,5-2 1519,-5-8-1161,2-2 28,0-23 569,2-6 635,0-13-703,7-14 404,-2 19-706,5-12 743,5 5-150,-6 14 1021,8-9-1768,-13 26-163,7 0-663,-9 11-1168,3 0 131,-2 19 2274,0-14-880,1 33 1596,4-11-502,-2 8 728,5 12 425,-10-21 1372,3 6 76,-6-13-2236,2-4 869,-3-2-1143,1-3 188,-1-6-1007,1 2 444,0-6-2132,1 3 1049,4-18 715,-2-7 678,4-10-381,-3-2 495,2 6 164,1-1-341,1 0 2044,-3 3-873,2 2-879,0 5-443,-3 0 74,2 10-1071,-4 1 770,-2 8-2047,2 0 35,-1 17 2515,1-13-1200,5 42 1390,-3-27-1052,11 36 1201,-6-26-1118,16 16 2076,-8-23-222,11 5-1704,7-14 1,-4-6 0,12-3-1</inkml:trace>
+  <inkml:trace contextRef="#ctx0" brushRef="#br0" timeOffset="9583">11533 1384 4606,'0'-15'9830,"-17"2"-6831,-1-3-3017,-3 5-665,-7 1-29,8 6-243,-12 4-22,13 17 2432,-3-13-4149,20 32 4343,-12-21-1320,13 17 1669,-5 7 143,6-10 2,20 21 84,-16-23-1407,31 14 404,-12-23-3052,-2 2 1729,17-12-2595,-23-4 349,17-2-613,-3-2 602,-7-16 868,7-4 1068,-15-1 1294,1-13 297,-10 14 1427,-2-15-285,-3 8 645,0 7-66,0 28-1687,0 8 326,0 22-1624,14-3-573,5-2 324,11-6 1,2-13 0,-3-6 0</inkml:trace>
+  <inkml:trace contextRef="#ctx0" brushRef="#br0" timeOffset="9933">11842 1440 4426,'4'0'90,"1"0"0,-3 16 5590,1-12-3943,3 24 573,-2-7-631,5-4-1091,-1 26 1846,-1-36-1392,5 31 1321,-5-27-3542,5 7 1111,-5-9-919,5-5-1181,-5-4-14,3-19 1557,2-3 1370,-3-1-606,7-25 471,-7 32-310,4-30 549,-6 34 925,-1-10 1211,-3 19-3638,-1-6 1195,1 9-2865,-1 0-127,1 16 3136,-1-12-1184,2 27 866,2-8-655,0 7 896,8 13-1356,-4-20 2198,6 8-1017,-2-14 1,2-1-1,1-2 1</inkml:trace>
+  <inkml:trace contextRef="#ctx0" brushRef="#br0" timeOffset="10358">12278 1425 3527,'-12'17'7419,"3"-3"-4805,9 17 819,20-7-3590,0-1 130,19-5-913,-7-4 129,-2-7 1346,-7-4-1955,-5-3 109,-11-17 866,-3 0 1776,-4-14 53,0 35 805,0 14 106,0 22 422,0 4 10,21-9-605,-16 4-1577,35-1-1795,-24 2 791,6-13 1,2 0-957,4 15 808,-2-8 1,-1-1-693,2 5 102,11 9 928,-19-17-790,-1-3 1370,-6-3-521,-4-3 855,-4-3-388,-4-4-569,-27-2 0,-10-6 1,-29-2-1</inkml:trace>
+  <inkml:trace contextRef="#ctx0" brushRef="#br0" timeOffset="10583">12023 539 4066,'16'-5'2432,"-1"2"-2637,0 1-1205,-8 21 2446,0 15 0,-7 15 1,0 8-1</inkml:trace>
+  <inkml:trace contextRef="#ctx0" brushRef="#br0" timeOffset="11535">13658 910 5596,'-11'15'8737,"8"10"-3498,-8 13-3296,2 6-420,7-6-290,-7 5-1319,8-1 0,2 1 433,-1 12 964,0-12 0,0-1-1098,0 18-445,17-16-165,-16-10 0,3-1 59,24 0 211,-25 15 1,8-26 0,-11 3 0</inkml:trace>
+  <inkml:trace contextRef="#ctx0" brushRef="#br0" timeOffset="11683">13582 1503 4246,'-15'-15'6350,"-6"4"-5828,19-20 3670,-7 14-3483,9-10 1005,0 13-952,21-6-1655,8 11 985,12-1 0,3 5 0,-9 1 0</inkml:trace>
+  <inkml:trace contextRef="#ctx0" brushRef="#br0" timeOffset="12417">14130 1335 4516,'-33'29'6239,"14"-1"-3141,-4-6-2281,20-2 1796,-7-4-2028,10 2 1108,0 0-423,0 1 1532,0-1-1312,0-1-551,17-1-1179,-13-2-451,33 1-751,-32-5 313,31-2-1761,-15-6-93,14-2-89,-8-18 1138,-3 14 859,-8-30 926,-3 30 30,-1-32 869,0 11 1139,-3-6 682,-1-5 168,-5 25-816,-2-8 678,1 17-3662,-1-4 3268,3 23-1912,5 2-213,2 2-607,20 32-203,-9-44 8,3 17 1,0 0-965,7-15 793,25 5-1531,-20-9 96,11-7-98,-14-15 1092,0 12-466,-1-31 2190,9 5-739,-15-9 1116,-6 10 0,-3-1 909,-3-5 398,-1-14 684,-10 14-310,-4-1 818,0 0-1311,0 3 454,0 2-820,-15 3-1414,11-1 344,-12 10-745,4-1-715,9 35 684,-10 7-720,13 17 885,21 2-985,-2 10 1056,5-11-765,-9-7 1,-2 1 1041,4 3-488,1 11-501,7-20-168,-22-3 415,19-4-531,-13 3 465,6-10-210,-7 1 813,-24-11-1315,-6-23 631,0-6 830,-12-1-1542,13-26 2233,0 33-1752,-6-38 1476,17 32-841,-3-21 1757,7 24-1459,25-13-499,-14 21 394,35-2 0,-35 6 1,16 1-1</inkml:trace>
+  <inkml:trace contextRef="#ctx0" brushRef="#br0" timeOffset="12699">14222 1010 4606,'-10'-18'9141,"4"2"-5473,3-1-1041,3 3-511,0-2-676,0 1-385,23-1-2222,1-2 2429,3 6-2557,10-2-988,-13 9-447,17 2-644,-7 3-148,-8 0-719,-4 18 3303,-8-14 1051,3 13 0,-9-1 0,0 3 0</inkml:trace>
+  <inkml:trace contextRef="#ctx0" brushRef="#br0" timeOffset="12867">14692 608 4606,'0'-6'9830,"0"15"-4176,-13 12-6711,10 12 1387,-10 5 0,13-1 0,0 3 1</inkml:trace>
+  <inkml:trace contextRef="#ctx0" brushRef="#br0" timeOffset="13233">16072 1164 6315,'-14'-13'6955,"2"2"-5147,2 2-1055,1 4-569,1 0-244,1 3-399,-1 0-347,1 2 716,-1 0-1402,1 22 2229,-1-16-1387,1 35 1104,1-12 547,1 9-2,4 13 1001,1-23-1469,24 8 0,-18-17 1,17-1-1</inkml:trace>
+  <inkml:trace contextRef="#ctx0" brushRef="#br0" timeOffset="13587">16505 1162 4966,'-40'-4'1390,"-1"1"-1246,8 3-370,12 17 2308,-4-13-2187,15 28 2523,-2-14-1347,6 13 1494,6-8 47,20-4-1493,3-4-134,19-5-1868,-3-2 964,-3-6-2473,-15-20 1903,3 14-1539,-17-29 2426,5 12 677,-8-10 558,-4 1 723,0 11-228,0 29 0,0 9-1004,0 28 962,19-14-2291,1 8 1,2-27-1,-6 3 1</inkml:trace>
+  <inkml:trace contextRef="#ctx0" brushRef="#br0" timeOffset="13804">16587 643 4156,'0'-21'9830,"0"4"-2467,0 1-5315,16 4-3663,-12 1 2193,26 2-2370,-13 2 522,11 4 695,-13 16-1840,4 12 131,-16 8 2253,5 11 0,-8-4 1,0 5-1</inkml:trace>
+  <inkml:trace contextRef="#ctx0" brushRef="#br0" timeOffset="14354">17643 1155 4516,'-27'0'90,"1"0"-90,-10 0 0,12 14 1788,-5-10-1746,15 23 2337,7-7-495,2 12 879,29 1-1043,5-6-1265,6-18 0,4-4-102,9 3-928,-9-16 1,-1-3 865,-4 7-896,-8-19 0,-1-4-244,0 7-606,2-28 1705,-12 17 944,-4-2 988,-2-3 498,-3-20-347,-2 10-1178,-3 5 0,-1 0 730,0-8 329,0-14-753,-17 21-1253,13 6 278,-13 3-1033,5 1 61,9 13 917,-9 1-1534,12 29 1283,0 13-270,20 32 90,-15-3-403,10-11 0,2 1-24,-2 12 272,-8-18 0,1 0-615,19 15 239,-16-3-617,12-2 968,-9-16 0,-1 0 1,9 12-1,8 10 0</inkml:trace>
+  <inkml:trace contextRef="#ctx0" brushRef="#br0" timeOffset="14720">18392 1173 5416,'-44'-8'1863,"5"1"-1448,1 24 712,10-1-58,6 20 730,11-7-135,6 2-176,24-5 251,0-5-499,21-10-1041,-5-5-696,2-22 346,-5-4-387,-5-20 528,-10 0-544,-8 3 1334,-6 7 77,-3 34 1312,0 13 147,17 19-1546,-12-2 422,26-9-1298,-8 10 1,8-11 0,4 8 0</inkml:trace>
+  <inkml:trace contextRef="#ctx0" brushRef="#br0" timeOffset="14983">19310 718 5596,'0'-18'9830,"0"4"-2557,-16 4-8038,13 5 634,-13 23-27,7-13-696,7 42 2092,-7-23 1228,9 27-2556,0-6-180,0 4 1766,0 4-373,0-3-172,0 5-437,9-19 1,1 0-1399,-5 20 533,11-14 1,-1-2-808,-12 3 394,9 5 713,-12-22 1,0-4 0,0-3 0</inkml:trace>
+  <inkml:trace contextRef="#ctx0" brushRef="#br0" timeOffset="15149">19107 1103 4786,'0'-32'9830,"0"9"-3546,20-7-6892,-14 18 538,35 0-2187,-11 10-377,26 2 461,-8 19 2383,0-14 1,-11 30 0,0-16-1</inkml:trace>
+  <inkml:trace contextRef="#ctx0" brushRef="#br0" timeOffset="15499">19887 1144 4606,'-19'-15'6523,"15"-8"-1006,-29 20-7746,29-16 4976,-26 17-4439,10-5 1107,-16 7-509,3 18 2044,5 7-814,13 10-745,4 19 2924,10-20-1993,-2 27 2456,20-27-1453,-13 19 1679,34-27-2872,-33 3 1147,31-11-2613,-20-7-599,9-2-556,-10-22 892,-8-10 1888,-7-9-224,0-2 1834,0 5-1560,0-14 1890,-17 9-1701,13-21 1221,-13 26-1727,7-6-421,7 17-610,-7 4 856,10 4 1,0 5 0,0 2-1</inkml:trace>
+  <inkml:trace contextRef="#ctx0" brushRef="#br0" timeOffset="16033">19882 1253 4246,'0'17'9830,"0"-2"-937,0 5-6486,0-4-1178,0 5-410,0 11-324,0-6-506,14 25 2072,-10-20-3912,35 20-761,-23-23 2210,22 7 0,-11-16 0,1 1 0</inkml:trace>
+  <inkml:trace contextRef="#ctx0" brushRef="#br0" timeOffset="16533">20627 730 6585,'9'13'7865,"-2"13"-3526,-7 15-1111,0 10-2350,0-15 1,0 1-398,0 23-1010,0-7 1,0 0 141,0 11 1001,0-23 0,0-1 1,0 14-1,0-1 0</inkml:trace>
+  <inkml:trace contextRef="#ctx0" brushRef="#br0" timeOffset="16882">20853 1164 3527,'37'0'450,"0"0"-361,-1 18 1730,-2-14-1504,12 31 1182,-14-10-328,17 18-200,-24-7 1092,4-6-18,-10-10-166,-5-2-851,0-3 198,-9-4-900,-1-27 724,-3-9-165,-1-26-142,0 11-522,0-17 58,0 22 0,17-9 0,4 15 0</inkml:trace>
+  <inkml:trace contextRef="#ctx0" brushRef="#br0" timeOffset="17215">21758 1232 4696,'-20'13'5246,"-5"-3"-4595,-22 5-633,10-5-146,-1 8 417,23-6 601,-7 5-395,19-4 2263,-5 0-1876,8 0 1549,0 6-72,18-5-1592,7 5-216,11-10-1594,17 0 110,-17-7-1616,13-1 698,-2-1-1221,-15-18 1182,15 0 1311,-30-4 850,1-18 1341,-14 24-14,-23-43 219,-9 34-1787,4 2 1,-2 1 337,-18 6-427,4-3 1,24 13 0,5 1 0</inkml:trace>
+  <inkml:trace contextRef="#ctx0" brushRef="#br0" timeOffset="17606">22222 1239 4246,'4'8'9058,"0"1"-5654,-1 3-806,-2 1-859,0 11-255,-1-3-328,0 9-357,0 3 2273,0-9-2107,0 13-122,0-18-425,0 1-271,0-10 5,0-3-602,0-4 270,0-15 90,0-7 180,14-22-741,-10 7 627,22-12-972,-24 20 952,20-5-968,-20 11 866,14 11-1828,-11-1 891,6 28 398,-4-14-1885,8 43 2432,-4-29-1949,18 36 2040,-9-29 1,13 7 0,-5-13 0</inkml:trace>
+  <inkml:trace contextRef="#ctx0" brushRef="#br0" timeOffset="18017">22818 1309 5416,'-48'-5'842,"1"2"-679,7 3-392,16 13 1739,3-9-1464,19 27 2923,-6-12-1203,26 3-132,8 5-234,-3-12-1028,9-3 0,-1 0 313,-6 1-897,10-7 0,1-4 13,-4-2-2758,6 0 709,-16 0 883,-5 0 677,-2-18 2201,-8 0 151,-2-14 393,-21 15-548,13 27 924,-13 21-281,16 12 920,0 22 0,0-22-2383,0-6 1,0 0 33,0 8-315,0 10 956,0-17-635,0-3 191,0 0-1550,0 6 0,0-12-989,-18 12 7,-9-23 968,-28 2 1,7-14 0,-4-2 0</inkml:trace>
+  <inkml:trace contextRef="#ctx0" brushRef="#br0" timeOffset="18499">20467 1004 5865,'29'-7'1807,"1"0"-1553,5-4-142,2-1-482,5 3-734,3-1 1059,4 2 1,3 3 0,2 0 0</inkml:trace>
+  <inkml:trace contextRef="#ctx0" brushRef="#br0" timeOffset="19183">24002 722 6495,'0'-13'9830,"0"0"-1388,0 27-6394,-12 16-1817,10 3 0,1 3 180,-11 29-865,7-18 0,3 0-107,0 12 1145,-2-9 1,0-2-1716,4 9 1131,0-23 0,0 0 0,0 10 0,0-3 0</inkml:trace>
+  <inkml:trace contextRef="#ctx0" brushRef="#br0" timeOffset="19324">23763 1273 4516,'0'-20'9830,"24"-1"-10068,-18 9-205,47-1 0,-28 4 1,27 0-1</inkml:trace>
+  <inkml:trace contextRef="#ctx0" brushRef="#br0" timeOffset="19703">24582 1186 4966,'-47'14'2687,"2"-2"-1971,12 14 1221,1-6-1082,0 2-134,7-2-22,0 11 233,3-7 759,10 16 262,1-19-505,11 11 208,20-16-1810,21 7-41,1-16-358,-7-3 0,0 0-1129,3-4 80,24-14-559,-28-4 1044,8 0-1160,-20-14 2961,-2 27-1025,-6-33 2598,-3 23-288,-6-17 1141,-2 12-584,-3 2-389,0 0 139,0 5-1532,-14 4-578,10 29 15,-10 7-212,14 15-816,17 8-230,-13-20 726,27 16 0,-9-31 1,16 2-1</inkml:trace>
+  <inkml:trace contextRef="#ctx0" brushRef="#br0" timeOffset="20166">25120 937 6045,'0'37'9830,"0"-5"-2287,0 7-5225,0 14-1089,0-11-841,-1-5 0,2 1 124,14 6-476,-14-8 1,2-1 2878,22 1-4088,-23 18 1078,15-31-1128,-15 4-159,5-15-41,-7-22 1222,0-7 582,0-26-224,0 8 1016,0-2-1078,20 1 358,0 12-1278,19-6 233,-5 20-1769,-7 2-54,-2 8-477,-6 22 1593,-4-17-935,2 40 2763,-3-26-316,3 36 899,-5-21 832,2 21 178,-9-24 388,-2 5-1773,-3-15 1138,0-3-1635,-18-2-1131,13-3 177,-33-4-1956,33-1 602,-38-5 1400,18-1 0,-2-1 1,8-1-1</inkml:trace>
+  <inkml:trace contextRef="#ctx0" brushRef="#br0" timeOffset="20532">25575 1418 4606,'23'0'270,"0"0"-180,0 0 0,-2 0 90,1 0-180,-1 0 90,0 0 90,12-12 611,-14-8 646,14-17 328,-23 3 795,2-15 60,-9 16 299,-2-11 176,-1 11 67,0-2-611,0 0-736,-20-20-921,15 13-500,-4 6 1,-2 0-340,-2-4-532,9-19 434,-9 31-823,13-3 1136,0 17 180,0 5 232,0 28-330,0 16 225,0 18 143,0 6-700,0-9 846,0 5-1136,0 1-180,0 1 0,13 1-536,-9-3 184,9-18 1,0-1-676,-10 17 583,10-14 1,2-2-660,-5 1 1304,14 3 1,-9-21 0,0-3 0</inkml:trace>
+  <inkml:trace contextRef="#ctx0" brushRef="#br0" timeOffset="20852">26008 1491 5775,'4'-15'9830,"-1"3"-5136,3 6-4951,0 4-1607,11-4 924,-2 6-389,27 0 198,-15-3 1267,27 0-2564,-27-1 213,16-2 927,-20 2 1065,3-2 21,-12 1 706,-5-1 544,-2-1 218,-4-7 1294,-2 1 320,-18-12-877,13 8 654,-28-8-1747,13 12-69,-12-3-1051,3 12-1073,14 15-126,4 12 842,10 10 1282,20 4-1207,-15-6 1871,47 3-1870,-20-3 392,-2-15 1,5-1-443,12 3 0,2 0-480,-10-6 1,2-1 763,7 0 1,5-2-1,-3-1 1,-3-3 0,0-2-1,15 0 1,1 0 0</inkml:trace>
+  <inkml:trace contextRef="#ctx0" brushRef="#br0" timeOffset="23350">2040 3964 4516,'-8'5'7322,"-3"-3"-8164,8 3 4035,-2-5-4588,2 0 465,1 0 266,-2 0-194,-4 0 498,1 0-1066,-4 0 535,-5 0-1358,4-11 3248,-6 8-703,9-21 1986,-1 13-623,6-11 1055,0 5-194,2-3 364,1-8 176,1 5-1437,16-13 229,-12 17-1572,12-3 151,4 8-1747,1 5-223,17 2-886,-4 5-168,-3 19 583,-9 4 1366,-1 21 167,-15-6 1388,1 4 581,-7-7 868,0 3-1305,-19 1 0,-2 2 924,10 12-1559,-28-2 1,-4-1-558,17-3-130,-2-17 0,-3-2-1706,-16 18 370,14-15-421,-20 9 504,27-23 268,-10 0-226,22-11 393,-2-2-321,12-16 2773,1-4 637,38 0-2395,-5 4 297,36 14-831,-23 0 141,0 0 322,-9 0 228,1 17-1435,-1-13-922,19 25 2266,-14-18-366,-6-4 1,0 0 469,5 8 4,7-13 250,-14 5 0,-6-7 0,0 0 1</inkml:trace>
+  <inkml:trace contextRef="#ctx0" brushRef="#br0" timeOffset="23918">1618 3426 4066,'-32'0'540,"0"13"1664,-2-9-2069,1 22 894,-2-8 1,0 1-239,-11 18-204,1-2 0,0 2 405,3 5-140,8-2 0,1 2 926,-2 11-1112,14-18 0,1 2 385,4 1 0,3 1 249,-3 22-428,7-21 1,3 1 574,3 17 190,2 4-226,1-1-858,10-15 1,6 0-365,0-11 1,4-1-245,4 12 1,3-2-199,0-13 1,1-3-278,-5 0 1,0-1 25,1-1 0,2 0-297,15 6 0,2-2-115,-11-8 1,3-1 269,5 0 0,4 0 0,-3-4-102,-2-3 0,1-3 104,18-1 0,9-1 0,-6-3-136,-11-1 0,1-3 369,-3-4 0,7-1 1,0-3-1,-7-2-184,5-8 1,-3-5 319,7-1 1,5-3-1,-7-1 169,-5-6 1,-1-2 176,2 0 1,4-2 0,-6 1 185,-9 4 0,-3-4 101,6-11 0,2-8 0,-7 6 465,-12 9 0,-4-1-114,0-7 1,0-6 0,-6 5 367,-9 13 1,-5 1-54,-13-24 1,-6 2-273,6 22 0,-4 1-412,-10-2 1,-6-3-1,1 4-157,0 3 1,0 3-309,-13-10 0,-4 1-223,-8 6 1,-1 4-326,12 6 1,-3 3-200,-5 0 1,-6 1 0,4 4-546,2 4 0,2 3 513,6 1 1,-2 0 0,2 1-266,-3 2 0,2 3 139,-2 7 0,1 0 82,2-8 0,-2 4 910,5 13 1,-1 6 0,1-2-1,-6-6 1,1 2 0,7 6 0,0 1-1,-1 0 1</inkml:trace>
+  <inkml:trace contextRef="#ctx0" brushRef="#br0" timeOffset="24733">4103 4010 7035,'-5'-5'7518,"-1"1"-6436,4-2 2470,-3 3-3701,4-4 2093,-1 4-1544,2-3 1,0 20-1,0 3 1</inkml:trace>
+  <inkml:trace contextRef="#ctx0" brushRef="#br0" timeOffset="24874">4190 4386 5236,'0'0'0</inkml:trace>
+  <inkml:trace contextRef="#ctx0" brushRef="#br0" timeOffset="25229">4552 3946 9913,'0'-5'9830,"-11"1"-11424,8 2 1346,-8 1 1,11-1 0,0 2 0</inkml:trace>
+  <inkml:trace contextRef="#ctx0" brushRef="#br0" timeOffset="25433">4705 4415 6855,'0'-9'2896,"0"8"1,0-12 0</inkml:trace>
+  <inkml:trace contextRef="#ctx0" brushRef="#br0" timeOffset="25983">4128 4498 4696,'16'-7'4152,"-12"1"-342,11 4-4963,-4 1 154,-1 0 412,11 10 803,-7-6-391,0 6 1331,-4-9-2104,-1 0-910,-2 0 1529,-1 0 193,-1 0 7,-1-12 1932,-2-4 744,-17 0-2110,11-8 2323,-31 21-2603,31-15 2387,-29 17-2451,17-5 185,-12 6-3080,5 0-1420,9 11 4465,7 6 0,7 8 1,0 1-1</inkml:trace>
+  <inkml:trace contextRef="#ctx0" brushRef="#br0" timeOffset="26684">5490 4280 5686,'19'0'1259,"-9"-19"4735,10-11-3281,-14-9 180,10-6-1496,-7 11-139,1-1-320,-2-2 1727,3-13 168,-5 11-1868,0-20 115,-4 28-821,-2-12 315,0 24-59,0 0 27,0 11-134,-14 3-2356,10 25 1792,-11 12-732,15 16 615,7-10 0,2 1-483,12 15 77,-10-13 0,2 6 1,2-5 41,5-6 1,0-1 72,-5 10 0,-1 5 1,0-6 1207,2-10 0,0-2-1032,-1 9 1,-3 0 122,-3 12-547,4-4 882,-11 12 1,4-17 0,-6 10 0</inkml:trace>
+  <inkml:trace contextRef="#ctx0" brushRef="#br0" timeOffset="26800">5543 4804 3797,'-10'-25'9285,"7"-19"-4464,-7 24-4025,10-24 887,0 9-1011,22-20-1141,-16 13 401,22 5 0,5 1 1,-7-6-1,3 14 1,0 1-1</inkml:trace>
+  <inkml:trace contextRef="#ctx0" brushRef="#br0" timeOffset="26999">6080 4017 6405,'3'30'9830,"-1"4"-4002,-2-6-3846,15 3-2377,-11-7 499,10 2-1196,3-1-916,2 11 2466,1-10 1,8 6-1,-10-11 1</inkml:trace>
+  <inkml:trace contextRef="#ctx0" brushRef="#br0" timeOffset="27166">6082 3722 4336,'-11'-5'2078,"1"0"-1131,3 2-890,3 1 0,1 2 0,3 0 1</inkml:trace>
+  <inkml:trace contextRef="#ctx0" brushRef="#br0" timeOffset="27567">6523 3865 4606,'9'18'9489,"0"3"-5796,9 12-2408,-5-6-304,17 20-685,-12-17-56,16 18-261,-16-17 2131,7 5-2586,-12-13-136,0 0 270,-2-3 175,1 3 284,-5-7-582,3 0 223,-5-11-466,-1-20 1228,0 11-811,0-50 1277,0 29-449,1-9 1,-1-3 388,2-2-157,6-22 278,-6 32 499,3-5-834,-4 20 113,0 6-1287,5 3-1526,-4 23 1581,11 6-470,-7 11 80,9 2-537,-6-6 142,3 2-137,2 2 1325,1 0 1,2 2 0,1 0 0</inkml:trace>
+  <inkml:trace contextRef="#ctx0" brushRef="#br0" timeOffset="28650">7720 3768 4966,'-19'-12'5259,"-20"5"-5556,12 2 126,-15 5-535,5 17 1478,7-13-959,0 31 1480,0-30-1066,4 37 763,3-26-358,6 21 1405,7-13 338,5 8-506,5-9 940,19 9-2555,-15-17 1906,35-3-3625,-9-8 929,3-14 1,2-2-1067,14 6 835,-14-22 0,-3-4-443,-4 8 550,-8-12 0,-3-3 890,-1-1-393,-3-14 2261,-10 14 681,-3 0-362,0 0-6,0-2-615,0 1-296,0 0 19,-20-14-1380,14 17 45,-30-16-1145,32 31 1440,-22-3-2002,24 42 1299,7 35 28,-1 9 20,13-5 0,0 0 299,-13 11-415,12-8 0,1 0 239,-8-22 0,0-1-526,3 10 0,1 1 9,3 0 1,-1-2-128,-5-11 1,0 0 612,2 9 0,0-1 0,7 10 0,-2-2 1</inkml:trace>
+  <inkml:trace contextRef="#ctx0" brushRef="#br0" timeOffset="28967">8683 3399 6495,'0'-5'9830,"-17"-1"-8200,-1 4-3536,-20 18 1855,0 17 654,5 11-44,11-7 0,3 3 474,-2 14 164,8-15 1,2 0-1911,5 21 2754,2 2 446,4 2-1752,11-19 1,1 1-322,-11-12 0,3 1-1225,27 23 0,5-1 270,-22-24 0,1-2 439,13 4 0,7 1 0,-3-4 0,-3-3 0,-1-3 0,12 8 0,-1 0 0</inkml:trace>
+  <inkml:trace contextRef="#ctx0" brushRef="#br0" timeOffset="29456">9538 3749 6225,'0'9'9830,"0"8"-1927,0 23-6485,14-6-2167,-11 4 727,10-9-1016,-13 1-70,11 10 1782,-8-10 0,8 5 0,-11-12 0</inkml:trace>
+  <inkml:trace contextRef="#ctx0" brushRef="#br0" timeOffset="29626">9562 3614 4426,'-6'-10'7947,"5"1"-7010,-4 3 0,5 3 0,0 1 0</inkml:trace>
+  <inkml:trace contextRef="#ctx0" brushRef="#br0" timeOffset="30135">10012 3779 4516,'-28'0'720,"4"0"-630,10 13 2640,-5-10-2666,13 22 2877,-7-13-2079,7 13 881,2 8 1030,2-7 32,1 23 237,19-19-2481,-14 6 1859,28-13-3815,-28-5 2625,24-2-2841,-24-5 1105,27-5-2122,-17-3-158,20-3 770,-11-16 187,6-8 2049,-11 3-1239,-1-25 2359,-7 24-1533,-5-23 2772,-2 9-116,-2-17 762,-1 10-2169,-9 6 1,-1-1 338,5-7-575,-15 7 1,1 0-712,14-4 929,-29-11-1922,31 23 1026,-20 4-1645,21 6 2393,-15 4-1943,16 25 1259,12 13-109,-7 16-184,30 7-1043,-14 16 87,-1-10 452,5-6 0,-2 0-1247,-5 11 1520,4-20 1,0-2 166,1 13 1,1-2 0,0-2 0</inkml:trace>
+  <inkml:trace contextRef="#ctx0" brushRef="#br0" timeOffset="31816">10878 3214 5236,'5'-4'6925,"1"1"-5846,1-1-347,2 0-887,3 1 80,0-1 200,2-1-8,2 2 427,2 0-1633,2 2 255,0 1-240,1 0 472,11 18 1057,-7 10 729,8 13-458,-16-8 0,-1 1 1160,6 15-848,-5-4 0,-2 2 1299,-1 13-974,-8-8 0,-1 0 1344,-2 13-1938,0-22 1,-6-2 233,-23 18-1292,19 0-232,-18-32 1,-6 2-1215,9 11 0,-1 1 1629,-6-9 1,-2-1-1,-3 9 1,2 0-1,7-12 1,0 0 0</inkml:trace>
+  <inkml:trace contextRef="#ctx0" brushRef="#br0" timeOffset="32866">12345 3157 5775,'0'-14'9830,"-4"3"-3372,3-1-4387,-4 4-882,4-1-128,0 23-98,17 14-1212,-12 16 1600,12-4 1,0 1-2092,-11 21 895,9-5 0,1 1-289,-7-20 1,-2-1 364,1 12 1,1-1-655,2-14 1,-2-1-599,-5 33 978,11-2-1114,-9-21 1,-2 1-53,7 22 1229,-6-24 1,0-1 0,0 14-1,0-2 1</inkml:trace>
+  <inkml:trace contextRef="#ctx0" brushRef="#br0" timeOffset="33649">13500 3964 5236,'18'-23'7511,"-14"-10"-2283,29 12-5887,-29-9 3080,20-10-1878,-22 15 1016,16-14-1059,-16 18 2655,6-13-2488,-8 21-224,0-3 1478,0 49-1771,0-12 579,0 34-993,20-19-225,-16 5-92,28 3-221,-21-10 1,-2 1-116,7 19 25,5-9 1,-1 1 751,-7 7 0,2-21 1,1 0-1,-3 12 0</inkml:trace>
+  <inkml:trace contextRef="#ctx0" brushRef="#br0" timeOffset="33782">13533 4392 3707,'0'-24'9830,"0"0"-3547,0-2-4684,25-2-3158,-19-1 1353,43-2 0,-28 0 1,22 0-1</inkml:trace>
+  <inkml:trace contextRef="#ctx0" brushRef="#br0" timeOffset="33984">14163 3772 6225,'0'39'9830,"0"3"-3186,0-8-4596,0 1-1089,0-10-590,0 1-324,0-2-235,0 0 2452,0 0-2262,0 3 0,0-6 0,0 2 0</inkml:trace>
+  <inkml:trace contextRef="#ctx0" brushRef="#br0" timeOffset="34152">14123 3400 4246,'0'-8'2103,"-4"2"0,3 3 1,-4 1-1</inkml:trace>
+  <inkml:trace contextRef="#ctx0" brushRef="#br0" timeOffset="34538">14563 3783 4516,'0'23'9830,"2"2"-2865,-2 2-4896,2 0-1036,-1-1-227,1 0-295,1 8-179,-2-9 2280,4 13-2932,-3-20 33,1 1 56,-1-10-353,-1-3-219,2-3-1019,4-1-745,-2-2-585,13-16 1633,-6-8 920,20-23-16,-13 6 410,8-2 58,-1 1 669,-9 14 2043,9-6-584,-15 16-840,2 9-2167,-7 1 1023,4 26-116,-5 5 449,9 24-288,-5-8-320,14 13 207,-7-19-516,10 7 345,-5-15 89,3-3 0,2-6 0,1-1 1</inkml:trace>
+  <inkml:trace contextRef="#ctx0" brushRef="#br0" timeOffset="34966">15267 3698 5056,'-15'-11'6100,"11"3"-1714,-24 3-5893,25 20 4179,-20 10-2140,20 8 1285,-6 21-663,9-19 1918,0 10-1277,24-16-2303,-18-3 2807,39-3-4108,-16 2 1544,8-13-2365,10 5 506,-21-16-1047,15-17 835,-20 11 1105,4-39 687,-11 7 1955,-6-11-730,-4 12 0,-1 0 1672,-3-12-1133,1 6 0,-2 0 1974,-16-12-1752,16 9 0,-3 0 1370,-27-8-2885,27-11 807,-11 16-698,5 17 737,7-3-622,-7 42-1937,10 16 2138,20 19-1064,-15 11 1602,15-5-1195,-11-9 1,0 1-91,1-8 1,0 1 99,9 25 0,0 0-362,-5-22 1,-1-2 644,1 11 0,-2 0-2046,7 15 354,2-3 1548,0-3 0,4-3 0,1-3 1</inkml:trace>
+  <inkml:trace contextRef="#ctx0" brushRef="#br0" timeOffset="35733">16913 3050 5686,'-20'-14'5890,"4"3"-4054,-1 0-814,13 2 1284,-26 0-2758,9 2-9,-7 4-104,-3 1 684,4 2-1164,0 23 1143,-6-3 54,7 9 0,1 4-631,-17 10 926,3 1 1,1 3 105,14-16 1,1 0 190,-10 12 1,2 1 127,8-11 0,1-1 99,0 2 0,1 1-671,0-1 0,0 0-2,2 1 0,1 0-207,0-1 1,2 0 94,2-1 0,2 1 102,-5 30-257,9-2 96,5-4-713,30-21 0,9-2-80,-12-10 0,3-2 473,26 7 0,6-5 0,-13-11 0,-2-4 0,5 0 0,0 0 0</inkml:trace>
+  <inkml:trace contextRef="#ctx0" brushRef="#br0" timeOffset="36550">17800 3325 6315,'1'-8'9830,"0"0"-3038,-1 0-4287,0 0-1019,0-1-466,0 1-356,-20-3-2173,-5-1 2501,0 0-3072,-39-3-345,35 5 1125,-3 5 1,-2 1-1539,-24-3-115,13 4 1306,11 1 1,0 1 573,0 0-55,-11 0 292,28 1 117,2 0 66,10 0 329,4 15 3042,-1 3 145,16 20-660,-10-7 423,10 4-234,-14-6 590,0 3 90,0 3 0,0 21-2926,0-13-66,0-5 0,0 0 618,0 5-602,1-9 1,-2 0 579,-11 2-1300,9 8 313,-9-18-815,12-3 946,0-4 1,0 4 179,0-7 28,0 3 39,0-11 557,15-1-2670,-11-4 1095,26-1-2031,-26-1 335,34-1-687,-19 1-33,21-1-515,11 0 271,-10 0 3478,-4 1 1,0-2-1,9-11 1,14-3 0</inkml:trace>
+  <inkml:trace contextRef="#ctx0" brushRef="#br0" timeOffset="38400">18340 3721 6945,'21'-18'5538,"-3"14"-6097,-4-29 4107,2 10-2237,-5-7 464,7-10-527,-10 17-146,1-6 1364,-5 10-1090,0 3 942,-2 1-1894,-1 4 637,0 1-532,-1 4 292,0 19-189,0 10-206,0 14-160,0 1-422,0-5-154,0 0-250,0 1-909,0 12 569,0-12 783,15 18 0,-11-26 0,12 6 0</inkml:trace>
+  <inkml:trace contextRef="#ctx0" brushRef="#br0" timeOffset="38608">18773 3771 5506,'0'40'9830,"17"2"-4760,-13-11-3044,12 1-2001,-16-9 496,0 10-200,8-8-1833,-6 17 2234,6-20 1,-8 7-1,0-13 1</inkml:trace>
+  <inkml:trace contextRef="#ctx0" brushRef="#br0" timeOffset="38966">19305 3442 4336,'22'0'810,"-1"0"-360,4 0-360,-8 13 2284,6-1-1222,-14 3 1135,-2 19-66,-6-18 852,-1 34 88,-17-23-1089,13 10 773,-13-12-2049,-1 0 97,13-2-338,-26 10-1617,27-9 592,-10 15-567,14-18 1677,0 4-1042,0-9 1026,23-5-2220,-17-3-818,57-3 2037,-35-3 0,36-1 0,-23-1 0</inkml:trace>
+  <inkml:trace contextRef="#ctx0" brushRef="#br0" timeOffset="39333">19945 3733 4696,'14'14'6885,"7"-10"-7631,-7 20 3725,-2-11-2024,14 12-416,-18-4 932,9 3-986,-11-4 1596,-4 0-1720,0 3 1261,-2 10-1392,0-6-75,-23 6 0,17-12 0,-17-1 1</inkml:trace>
+  <inkml:trace contextRef="#ctx0" brushRef="#br0" timeOffset="39717">20247 3515 4336,'14'-1'1029,"-1"-1"-827,0 2-465,4 0 105,-6 14 2349,2 1-628,-10 19 756,-1-8 585,-2 3-44,-20-7-1432,14 0 1096,-14 0-921,20-2-162,-12 6-919,9-7 2,12 7-857,-3-11 203,53 7-536,-35-9 157,19 2 0,3 1-187,-5 2-92,-5 0 1,-2 1-372,-8 2-279,-5 11 912,-15-11-314,-25 13 1698,14-13-1741,-33 2 0,-9-3-110,13 0 948,-10-4 0,0-2 0,8-5 0,2-2 0</inkml:trace>
+  <inkml:trace contextRef="#ctx0" brushRef="#br0" timeOffset="40548">20662 3131 4516,'0'-8'9830,"0"3"-2107,17 2-11127,5 1 1292,13 1 552,0-1 500,-2 0 257,2 0 1095,3 1-3104,2-1-12,1 2 2553,1 0 272,-2 0 182,-1 0-205,-3 13 734,6 5 132,-12-1 108,2 14 581,-18-15 59,-5 14 919,-4-3 285,-3 13 249,-1-7-811,-1 26 152,-15-23-1282,11 25 338,-10-25-840,14 24-41,0-25-195,0 9-249,21 2-926,2-11 224,0-2 1,2-1-44,11 8-301,-10-4 1,0-1 452,6 8-148,-11-15 0,0 0-366,14 23-86,-12-12 1130,8 20 182,-23-28 557,1 7 105,-9-15 335,-20-2-1437,16-3 957,-45-1-2189,22-2-11,-28-1 108,18-6 1,0-1-1473,-21 3 770,6-5 1,1-2-2150,-7 0 3872,21-2 0,1-1 0,-5 0 1,1 0-1</inkml:trace>
+  <inkml:trace contextRef="#ctx0" brushRef="#br0" timeOffset="41068">21610 2852 5236,'0'-8'9830,"0"0"-938,18 4-11780,11 1 832,12 1 715,9 21 1214,-5-14-574,4 39 2295,5-21-2586,-26 0 1,0 2 222,1-3 0,1 0 1195,-1 3 1,0 2 221,-1 1 1,0 3 215,9 17 0,-1 4-265,-11-12 1,-1 3-8,0 5 0,0 4 1,-4-2-101,-5-4 1,-4 2 17,-2 3 1,-1 5 0,-1-5 147,-2-4 1,-6-1 10,-11 12 0,-8 1-597,-5-1 0,-5-3-107,-4-12 0,-5 0-795,0 3 0,-3 4 0,2-4-248,1-6 0,-1 0 965,-3 3 1,-5 3 0,4-5-1,6-5 1,1-1 0,-10 11-1,0-1 1</inkml:trace>
+  <inkml:trace contextRef="#ctx0" brushRef="#br0" timeOffset="43604">6547 6364 5416,'40'0'0,"-2"0"0,-11 0-495,7 0 0,1 0-584,5 0 1079,3 0 0,-2 0 0,-8 0 0,7 0 0</inkml:trace>
+  <inkml:trace contextRef="#ctx0" brushRef="#br0" timeOffset="43782">6518 6714 4246,'-3'1'2893,"0"0"-2238,27 0-1611,4 0-231,17-1-82,-4 0 1300,-6 0 0,2-12 0,1-3 1</inkml:trace>
+  <inkml:trace contextRef="#ctx0" brushRef="#br0" timeOffset="44086">6662 6198 4516,'-6'-5'6331,"1"1"-3759,4 0 623,1 0-304,21 1-4729,10 1 385,14 2 204,1 0 1249,14 16-729,-14-12 269,-6 17 1,-2 3-823,5-2 307,-17 1 1,-2 3 2445,5 11 169,-8 3 484,-6 5 203,-7 2-264,-4 6 46,-4 2-1782,-8-13 1,-4 1-222,-2-10 1,-4 1-55,-9 22 1,-4-2 0,5-21 0,1-3 0,-2 10 0,1-1 0</inkml:trace>
+  <inkml:trace contextRef="#ctx0" brushRef="#br0" timeOffset="45450">8555 6507 4696,'21'-19'6648,"2"-3"-4270,-6-13 62,0 1-791,-4 5-242,5-19-511,-5 10-303,-2 3 0,-1 0 2031,0-6-1831,-3 6 0,-1 1 596,-2-4-573,0-7 119,-3 16 21,-1 6-258,0 4-65,0 1-96,0 8-106,0 0-99,0 29-98,0 13-246,0 16-297,0 5-96,0-18 0,0 1-314,0 21-235,6-6 1,1 1-373,-4 9 519,3-20 0,0 0 753,1 12 1,-5-1 0,4-1-1</inkml:trace>
+  <inkml:trace contextRef="#ctx0" brushRef="#br0" timeOffset="45616">8633 6898 4516,'17'-16'6244,"-12"-10"-887,31 23-8109,-8-31 3001,12 21-332,-11-5 0,-1-1 0,9 1 0,12-7 0</inkml:trace>
+  <inkml:trace contextRef="#ctx0" brushRef="#br0" timeOffset="46416">9558 5878 6675,'6'20'9830,"0"11"-5358,0-15-3149,1 17-154,1 1-316,6 23-340,-3-9-289,-2-5 0,0 1 2445,2 9-2640,-2-10 0,0 0-65,2 5 171,1 7-118,-5-24-124,-1-5 109,-1-7-248,-2-4-68,-1-6-146,0-4-520,0-3 171,2-2-1847,3-17 2331,0-8 243,9-21-106,-2 6 8,6 1-67,5 2 104,-6 21-140,8-14 2018,-8 27-3669,1-7 414,9 10-797,-8 18 1375,9-14-546,-4 53 1991,-5-31-16,-6 12 0,-1 3 295,2 1 433,-5-8 0,-3 0 537,1 3 891,-3 6-1177,-5-19 1108,-1-3-1651,0-5 89,-23-1-2458,-6-8-552,-27 0-530,14-7-265,-1-15 147,15 11-753,2-32 1170,5 17-139,2-20 2674,10 7 728,-4-3-390,12-1 1,-5 0-1,6-1 1</inkml:trace>
+  <inkml:trace contextRef="#ctx0" brushRef="#br0" timeOffset="46836">10505 6283 5416,'-46'0'1349,"7"0"-1349,0 0 90,9 19 1641,13 6 524,5 10-134,12 0 176,0 3 685,0-9-180,24 18-939,2-23-933,27 11-1055,-15-21-702,-4-5 0,-1-2-1206,1-3-734,29-19 127,-38 11-19,10-29 2211,-21 9 1174,0-9 685,-10 1 1028,-3 8 382,-1 3 305,0 1-486,0 1 20,0 4-914,-13 4-2589,9 26 918,-9 7-2174,30 23 612,0-12-432,3 1 1622,8-12 1,-24-1 0,12 0-1</inkml:trace>
+  <inkml:trace contextRef="#ctx0" brushRef="#br0" timeOffset="47216">11033 6345 5326,'0'32'9830,"0"4"-3007,0-6-4775,18 3-2362,-13-8 926,12-1-1205,-3-2 317,-10-2 3093,20 3-4286,-22-8 1153,12 0-1144,-9-10 790,9-37 281,-4 12 774,4-31 244,1 8-759,-2 8 1256,9-20-1101,-9 26 1281,5-9-574,-8 26-1128,1 1-233,-4 11-1901,-1 0 202,1 16 2221,3 12 150,-1 9-100,7 22-186,-6-21 428,2 14-218,-3-17 1711,0-2-90,1-3-1576,-1-3 0,0-5 0,-1-1 0</inkml:trace>
+  <inkml:trace contextRef="#ctx0" brushRef="#br0" timeOffset="47449">10862 5542 5056,'34'-34'6836,"19"3"-5811,-47 7 2574,46 5-4479,-23 6 355,22 7-463,-24 17 228,6-8 78,-29 38-1000,15 5 2043,-18 14 1,2-24 0,0-1 0,-3 22 0</inkml:trace>
+  <inkml:trace contextRef="#ctx0" brushRef="#br0" timeOffset="47991">12513 6083 5146,'-61'25'1843,"33"-4"1,0-1-1150,-4-7 1,0-1-567,-8 14 632,-2 8 32,29-16 394,6 7 333,7-2 1553,25-14-3466,10-1-146,15-8 284,-16-8 1,-1-1-457,8 5 324,-8-10 1,-2-4-310,0-4-436,-3-8-72,-7-10 2992,-18 16 1144,9-13-564,-12 20 293,-20-3-1463,1 14-1660,-5 26 637,10 16 581,14 16-302,-1-12 0,2-1-284,17 15-106,-6-7 0,2 0-691,9 10 923,-1-21 0,2 0 490,-9-1 0,0-2 81,25 17-1044,-21-12 0,-2 0-619,8 0-249,-13 8 1088,0-24-452,-12-2 1310,0-5 59,0-3-395,-22-3-2179,-14-5-1237,-12-2 97,-6-2-1766,-6-20 4354,15-13 1,16 11-1,3-3 1,-9-26-1</inkml:trace>
+  <inkml:trace contextRef="#ctx0" brushRef="#br0" timeOffset="48568">12962 5688 4966,'14'18'8171,"-4"9"-3604,10 23-2314,-9-4-1369,0-12 1,0 1 107,2 11-607,-4-14 1,1 0-115,-1 3 1,0 0 2281,8 18-2163,-6-8 1,1-1-165,2 5-192,-3-11 0,-1-2-61,2 1-594,9 19 194,-11-34-736,8 5 190,-10-22-757,8-2-734,-4-25 2172,5 17-1558,-3-39 1725,2 27-479,-1-21 993,7-1-72,-7 10 1097,9-6 441,-12 13-1754,6 11 504,-10 0-1223,4 11-862,-5 15 1277,2-12-1036,-1 29 1681,7-5-212,-3 9 65,10 10 709,-8-20-592,12 5 1316,-8-10-2395,2-10 848,-3 3-1484,-1-13-664,-1 3-12,5-4-216,-6-18 1941,5 14-926,-10-31 2022,1 31-530,-1-42 1289,-2 30 721,-1-15-161,-3 8 1004,-2 11-2055,1-4 1232,0 7-2234,2 9-898,0 15 614,1-12-1258,0 28 1110,3-26-3184,4 32 2066,-3-11 1294,9 17 0,-7-19 0,3-6 0</inkml:trace>
+  <inkml:trace contextRef="#ctx0" brushRef="#br0" timeOffset="48746">13790 5760 6045,'-12'-27'9308,"9"5"-4900,-19 5-5391,19 5 2495,-12 2-2667,14 3 1285,-8 2 1,9 21 0,-3 5 0</inkml:trace>
+  <inkml:trace contextRef="#ctx0" brushRef="#br0" timeOffset="51804">8312 6725 5056,'1'-7'9830,"-1"1"-3418,0 1-3497,-17-7-4570,12 4 1943,-30-6-1730,30 8 1558,-26-1 307,14 3-2806,-11 2-335,4 2-483,-7 0 2055,10 17 340,-8-13 281,8 29 549,0-30-200,0 33 1701,-6-8-172,8 10 571,-6 14 100,16-22-1013,1 23 1284,7-21-1306,1 8 1567,16 1-2231,-12-10 835,28 22-1323,-27-20 687,23 22-900,-15-22-55,1 11-27,6-14-792,-18 1 1818,14-2-1293,-15 16 1740,5-12-1108,-6 12 1101,0-15-361,0 1 36,0 12 387,0-13-829,0 8 725,0-7-902,0-10 283,0 9-257,0-16-270,0 2-270,20-7-2475,-15-3 971,40-1-1830,-24-2 3034,25-1 0,-7-2 0,2 0 1</inkml:trace>
+  <inkml:trace contextRef="#ctx0" brushRef="#br0" timeOffset="52768">8925 8074 5056,'0'-32'9830,"0"-4"-2017,0 4-5585,13-2-2019,-10 7 494,9 0-927,-12 0 917,0 2 2649,0-1-3252,8 3-617,-6 2 359,5 4 145,-7 2 248,0 4 727,0 3-952,0 24 0,0 10-540,0 33 438,0-9-714,0-12 0,0 0 723,0 9-1256,0 16 1349,0-20 0,0 0 0,0-1 0</inkml:trace>
+  <inkml:trace contextRef="#ctx0" brushRef="#br0" timeOffset="52933">8927 8387 4156,'22'-16'5509,"19"11"-6660,-36-29 5678,52 10-5248,-37-8 404,9 12 1,1 3 300,-1-2 1,7-3-1,-10 9 1</inkml:trace>
+  <inkml:trace contextRef="#ctx0" brushRef="#br0" timeOffset="53566">9598 7920 4876,'11'21'8673,"0"-16"-9116,-1 35 3650,12 2-2034,-7 0-650,0-8 0,1-1 104,-2 0-36,9 19 1574,-11-25-2095,2 5 1412,-7-16-1781,-2-3 440,0-5-467,-1-1-75,-2-5-666,1 0-346,0-2-1027,0-20 2874,2 15-1217,4-56 1299,0 35-326,-1-13 1,1-2 582,2-1 600,4-13 330,-5 22 922,-1 3-2801,0 5 1838,2 0-2124,-2 13-16,5 1-905,-5 11-995,7 19 1595,-4-14-964,3 35 1677,1-12-379,-4 10 679,9 10 247,-11-20 588,5 6 1224,-8-14-1663,1-2 877,-2-5-1702,0-2 390,-2-6-1274,-1-2 503,2-3-1875,-3 0 75,4-17 2314,-3-9 620,3-10 91,-1-4-27,3 9 626,-1-4-361,1 2 1903,-1 0-115,1 3-2345,0-4-308,-2 12 214,1 0-641,-2 14-160,0 4-807,1 4-1320,-1 15 2506,3-12-1489,1 29 1522,1-28-1746,2 35 1325,9-8-357,-3 9 540,19 14 1667,-11-25-3139,12 7 1906,-4-16 0,0-5 1,3-3-1</inkml:trace>
+  <inkml:trace contextRef="#ctx0" brushRef="#br0" timeOffset="53950">10887 7869 5146,'-23'-15'5585,"17"2"-764,-34 3-5845,19 2 742,0 3-383,-10 1 173,18 3 7,-4 20 2130,2-14-2157,14 31 1244,-5-11 1495,6 6-28,25 2-896,-19-11 905,36 0-1544,-18 4-662,-2-9 560,15 3-2706,-19-15 41,12-1-599,-6-20 1990,-12-4 536,-5-19 2221,-7 1-530,0 2 291,0 7 408,-12 14-1230,9 29 1139,9 14-1116,-1 13-967,24-3-1869,-26-7 741,23-3-2163,-7 10 2922,7-12 1,0 5 0,-8-13 0</inkml:trace>
+  <inkml:trace contextRef="#ctx0" brushRef="#br0" timeOffset="54300">11278 7885 5686,'-12'-5'4627,"9"15"992,-10 8-4056,13 18 1206,0-8-863,0 2-544,0-8-341,16-4 601,-13 2 263,13-5-2823,-16-2 1510,10 0-1827,-1-25 10,7-7-253,-4-16 966,-3-2 1327,-1 9-954,0-1 1279,-1 5-1718,3-2 1169,-5 14-20,2-6 147,-5 17-2180,2-5 995,0 25 615,1-15-1315,0 34 1428,2-21-962,1 20 340,3-9-920,8 14 1730,-1-11-1563,8 7 839,-4-16 0,5-3 0,1-2 0</inkml:trace>
+  <inkml:trace contextRef="#ctx0" brushRef="#br0" timeOffset="54715">11890 7950 5056,'-38'0'899,"15"16"2412,9 4-419,14 11 783,18-12-3245,-14-1 978,32-16-2691,-11 10 2089,9-11-734,0 4-1029,-11-5-813,-1 0-1392,-2-15 3127,0-2-705,-4-18 3656,-6 0-1123,-4 0 968,-6 8 206,0 3 105,0 32 0,0 2-1253,0 25-156,0 1-1364,10-4 1,3 1-481,11 17-93,-2-4 0,0 0-697,1 4 478,-6-9 1,-2-1-396,-3 0-289,4 20 210,-8-31-1108,-8 8 1468,-21-24-1599,-6 0 1741,1-28 1,-20 11-1,14-12 1</inkml:trace>
+  <inkml:trace contextRef="#ctx0" brushRef="#br0" timeOffset="54900">10995 7066 5596,'33'-13'3548,"21"2"-3396,-31 6 59,25 2-578,-13 2-85,2 1-67,-4 0-275,-2 18-844,3 11 1997,-18 13 1,8 7 0,-17-6-1</inkml:trace>
+  <inkml:trace contextRef="#ctx0" brushRef="#br0" timeOffset="55338">13615 7395 6495,'19'17'5694,"-3"12"-1934,-6 14-776,-7 8-681,7-7-1326,-10 3-149,0 3-1068,0-14 0,0 1 2412,0 19-1742,0-20 1,0 0-191,0 31 1,0-19-1,0 13 1</inkml:trace>
+  <inkml:trace contextRef="#ctx0" brushRef="#br0" timeOffset="55484">13487 8066 5056,'0'-20'9830,"21"-1"-7378,-15-1-859,36-16-2657,-9 9 297,-4 2 0,1 0-715,21-4 1383,-1-10 0,-13 12 0,0 1 0</inkml:trace>
+  <inkml:trace contextRef="#ctx0" brushRef="#br0" timeOffset="55684">14105 7385 5865,'-17'19'8057,"4"6"-4628,13 15 180,0 1-1443,0 17-722,-7-8-1038,6-15 0,0 0 346,-7 22 1795,5 1-2760,1-14 1,-1 0-63,0-11 1,-1 2 255,0 22 0,1-1 1,0 6-1,1-22 1,1 0-1</inkml:trace>
+  <inkml:trace contextRef="#ctx0" brushRef="#br0" timeOffset="57070">14848 7884 6405,'-2'42'9830,"-1"-7"-3500,3 3-4114,0-7-886,0 1-444,0 0-252,0 0-249,13-3 1973,-10-3-2551,10-2-640,-13-4 833,0-4-180,0 0-810,0-8 720,7-2-1749,-5-25 2635,11-7-1260,-9-14 1392,5 2-1231,0 7 23,8-17 10,-3 11 61,12-21 1516,-11 31-1701,5-3 577,-8 22-1515,1 3-271,-3 5-558,5 20 1915,-6-15-835,7 53 1634,-7-34-173,-2 10 1,0 2 570,1-2 707,1 9 454,-1-9 639,-4-12-1936,3 7 907,-4-21-2277,0 4 559,0-12-2145,0-12 2315,3 8-1666,0-29 1602,10 3-464,-1-9 296,13-19 77,-10 24-258,5-8 2228,-8 18-2306,-2 5 1356,-2 9-2010,2-1 551,-4 10-1661,8 19 1712,-8-13-609,8 51 1457,-7-33-85,4 29-110,-3-20-15,2-2-55,1 1 385,12 7 1,-5-11 0,8 6 0</inkml:trace>
+  <inkml:trace contextRef="#ctx0" brushRef="#br0" timeOffset="57452">15808 7948 5056,'-21'-10'4247,"15"1"494,-29 6-5972,15 0 574,2 17 1603,-13-10-1480,27 27 2682,-23-27-1851,18 48 1665,-5-30-2019,8 41 2741,6-32 54,24 18-1867,-18-23 1435,36 10-3846,-18-19 2413,-1-3-2563,15-9-108,-19-4-966,15-17 558,-8-5 1382,-8-22 476,-8 10 1591,-5-1 504,-4 11 162,0 2 782,-1-3 256,0 9-1011,0 21-1295,0 12-560,0 28-271,19-13-1182,-15 2 1102,26-5 0,-16-8 0,11 6 0</inkml:trace>
+  <inkml:trace contextRef="#ctx0" brushRef="#br0" timeOffset="57831">16118 8073 5596,'0'32'9830,"0"6"-3007,0-8-4775,0 5-819,0-9-410,14-1-1368,-10-1 842,10-3 1623,-4-3-2840,-7 2 676,16-8-1737,-8-1 456,4-8-1218,4-18 1983,-7-9 162,9-23 906,-5 5 32,9-13-755,-11 22 2338,12-13-1240,-16 22 1405,9 5-1937,-13 11-406,5 30 133,-4-16-758,1 40 1268,0-26-481,0 21 470,0-9-1432,4 13 1181,-4-12-1314,5 19 1287,-7-27 1,2 2 0,-4-13 0</inkml:trace>
+  <inkml:trace contextRef="#ctx0" brushRef="#br0" timeOffset="58099">15745 7339 5686,'39'-4'1674,"0"15"-459,-9-7-1251,-2 24 2096,-7-24-2198,1 27 1669,1-26-1934,10 30 1722,-6-19-2369,4-1 1,1-2-249,4 2 1303,23-8 1,-24-7 0,2 0 0</inkml:trace>
+  <inkml:trace contextRef="#ctx0" brushRef="#br0" timeOffset="58749">17823 7987 5326,'-35'0'0,"1"15"2231,2-11-2311,3 29 2500,-4 4-953,17 0 569,-2 18-523,17-31 1499,20 11-1030,7-24-1978,24 7 260,-9-17-1945,3 5 22,2-23-9,-12 13 762,-6-20 1,-2-3-616,2 5 1268,-7-12 1,-2-3 1529,-1-4 288,2-17 701,-12 14 222,-3-2-307,-4-2 90,0-4-628,-1-1 41,0-2-920,0 17 0,0-1 341,0-18-691,0 15 1,0 1 189,0 2 1219,0-5-1650,0 49-173,0 27 0,16 14 0,-15-5 0,2 0-67,28 8-308,-28-15 0,-3-1 335,14 17-498,-4 3 255,-9-2 1,0 1-209,9 13-221,-9-5 0,-2-1 76,1-9-236,0-13 0,0-1 362,0-2 520,0 3 0,0-19 0,0-4 0</inkml:trace>
+  <inkml:trace contextRef="#ctx0" brushRef="#br0" timeOffset="59038">18910 7343 6045,'-25'20'5346,"-7"-15"-6201,29 33 5891,-21-21-4852,21 21 2437,-23-3-2107,10 28 696,0-10 54,0 10 1,1 2-571,11-30 1,0 0 63,-4 10 0,-1 4 1,1-5-1215,0 20 527,4-12 1,-1-2-798,-1 5 276,3-14 1,1-1 546,0-1 1,1 8-1,1-21 1</inkml:trace>
+  <inkml:trace contextRef="#ctx0" brushRef="#br0" timeOffset="59388">19322 7897 4966,'-46'-4'976,"-7"2"-994,8 21 1433,-2-14-1402,15 30 1828,4-30-2058,12 31 2042,-8-19-674,20 18 1594,-10 4-344,14-8-201,0 11 669,25-14-2815,-19 2 2333,41-2-3493,-15 11 1684,8-10-1193,-14-6 0,-3-1-105,-7 0-244,18 10-602,-31-17 2525,10 1-2004,-13-7 3042,0-4-1283,-24 0-2629,-6-3-507,-25-1 20,5-1-182,21-15 2256,-3 12 1,29-25 0,-9 13 0</inkml:trace>
+  <inkml:trace contextRef="#ctx0" brushRef="#br0" timeOffset="59799">19735 8049 5686,'-31'14'3391,"-15"-11"-4134,41 26 5570,-35-26-5947,35 30 3696,-29-18-2794,30 18 1912,-11-7 358,7 0-401,6 9 1174,-6-9-3088,8 4 3168,20-13-4428,-14-1 2938,34-6-3933,-36 0 2528,37-6-2301,-24-1-409,29-3 230,-18 0-692,12-18 2632,-26-2 74,11-21 2022,-19 9-924,5-1 2093,-8-2-38,-3 9 555,0-12-180,-15 20-2031,11-3-298,-12 30-1749,16 6 1013,0 27 145,14-7-1325,-10 3 451,22-12-1443,-23-1 2528,23-2-672,-13-2 0,12-3 0,-6-1 0</inkml:trace>
+  <inkml:trace contextRef="#ctx0" brushRef="#br0" timeOffset="60016">20223 8144 4876,'-35'-6'2440,"-1"1"-2000,4 23 1248,4 3-296,12 23 1088,7-12-564,9 4-49,0-1 935,20-7-2189,6 12 596,0-20-2223,35 4-792,-37-16 1263,34-1 1,-26-7-1,-1 0 1</inkml:trace>
+  <inkml:trace contextRef="#ctx0" brushRef="#br0" timeOffset="60454">20497 7416 5955,'0'39'9830,"0"-7"-1837,0 6-5765,14-5-2088,-11 4 644,11 5-695,-7-7 1,0 2 128,7 20 1147,-7-18-1,2 2-1648,7 1 0,-1-2-428,-2 23 460,4-13 0,2-1 331,-2 3-361,-3-14 1,1-1-16,-1-3-35,4 5-445,-7-17 162,-6-9 148,2-4-275,-4-6-301,2-22 1118,3 15-91,3-27 1,0-5 371,5 12-307,0-13 0,0 1 314,-1 18-596,8-17 360,-11 31-1073,2-9-59,-6 13-1042,1 0-434,-3 18 2793,5 11-404,-5 9 1105,5 17-453,-6-21 754,2 19-865,-2-26 1459,-2 4-486,0-20-1348,-1 3 1,-1-12 0,-1 6-1</inkml:trace>
+  <inkml:trace contextRef="#ctx0" brushRef="#br0" timeOffset="60682">20172 6647 6315,'-15'47'9565,"1"3"-6977,2-5-2571,4-8 0,-1 2-93,-3 24 259,4-20 0,0-1 0,-2 22 0,1 1 1</inkml:trace>
+  <inkml:trace contextRef="#ctx0" brushRef="#br0" timeOffset="61099">22238 8008 7125,'40'21'3825,"-1"5"-2020,-20 11 1080,9 1-1620,-19-7 428,5 4-890,1 2-432,-13 1 1868,11-1-2809,-12 13 1202,3-14-413,-4 7 1,0-20-1,0-2 1</inkml:trace>
+  <inkml:trace contextRef="#ctx0" brushRef="#br0" timeOffset="61274">22213 7648 4696,'-4'15'4915,"0"3"0</inkml:trace>
+  <inkml:trace contextRef="#ctx0" brushRef="#br0" timeOffset="61772">23035 8049 5596,'-39'0'1439,"-2"0"-1259,4 19 1785,15-3-272,-7 18-51,25-6 870,-16 19-1208,18-8 111,-2-4 0,0-1 1460,4 7-1626,20-4 0,2-1-190,-12-4-726,19-7 0,4-4-1058,-9-10-1549,21-1 57,-10-9-847,4-18 886,-19-10 1202,4-11 771,-10-24 942,-4 16 46,-6 2 1,-2-3 1349,1-14-832,-2 17 1,-2 1 94,-8 8 1,1 2-362,5-3 1,1-1-344,-5-1 1,-3 0-248,1 0 0,1 0-178,5 0 0,1 0-83,-6 3 1,-2-1-256,2-7 1,2 0 46,3-14 434,-5 21 0,2 4 38,6 11-194,0 28 316,0 58-309,0 1-170,6-4 0,2 1-53,-7-26 1,1 0-451,6 5 1,4 5-1,-2-5-86,-2-2 0,-1-1-99,1 13 0,2-2-511,2-17 0,0-1 968,-2 29 0,11-6 0,-5-3 0</inkml:trace>
+  <inkml:trace contextRef="#ctx0" brushRef="#br0" timeOffset="61934">24410 8214 2627,'15'0'0,"0"0"0</inkml:trace>
+  <inkml:trace contextRef="#ctx0" brushRef="#br0" timeOffset="62816">18392 4253 4606,'0'33'9830,"0"-4"-2287,0 5-5135,0-2-1000,0 4-318,-14 7-1006,11 6 398,-10 8 999,5-9 1,3 2-1512,4-12 0,-1 3 13,-4 6 1,-3 4 0,3-3-60,5-2 1,0-1 0,-6 16 0,-1 0-39,4-16 0,-1-2 281,-2 2 1,-2-1-240,1-1 0,-1 3 36,0-3 1,0 2 0,-1-2-122,-2 6 1,-2 2 85,-2 5 0,-1 6 0,0-6-194,0-6 0,0 2-179,-1-3 0,-2 7 0,0 0 1,2-7-195,-2 4 1,0 0 118,3-8 1,-3 6-1,1 0 1,2-9-160,1-1 1,1-4 601,-4 9 1,1-3-1,-2 7 1,1-7-1</inkml:trace>
+  <inkml:trace contextRef="#ctx0" brushRef="#br0" timeOffset="63199">17605 5883 7035,'0'43'9830,"0"-4"-2377,14 8-6376,-10-3 227,10 9-1089,-7-10 0,-1 2 90,-5-11 0,1 3-135,11 27 0,0 0 1229,-11-26 1,-1 0-1502,13 25 1,1-2-95,-11-27 0,1-1 313,7 7 1,1 0-503,9 20 144,-3-21-519,19 7-372,-9-33-1633,32 0-342,-16-39 1572,-12 15 0,1-4-420,6-20 1,-2-6 1824,-7 13 1,0 0 0,11-12 0,-2 0 0,-13 9 0,1 0 0</inkml:trace>
+  <inkml:trace contextRef="#ctx0" brushRef="#br0" timeOffset="64165">7747 4615 4156,'-12'-13'7662,"-4"-6"-5120,5 5-580,-6-12-647,10 12 386,-2-9-526,7 11-40,-2-2 1616,4 5-1031,-1 3-381,1 0 39,0 2 25,0 1-459,22 2-3158,8 0-363,31 16 470,-8-11 867,-23 12 1,1 0-648,16-11-1005,5 34 1003,1-19 887,-10 7 0,1 3 1434,-10-12 1,2 1-128,5 3 1,4 2 0,-3-1-69,-2-3 0,0 1-109,6 2 1,3 3 0,-3-2-187,-4-2 1,-1-1 433,13 7 1,0 0-624,-19-9 0,-1 0 207,0 0 1,-1 0-176,-2-2 0,1 2-136,10 7 1,-1 0 26,-11-7 1,0 0-524,17 12 1,-2 0-95,1 1 993,-16-12 0,-2-1 1,5 5-1,-1-1 0</inkml:trace>
+  <inkml:trace contextRef="#ctx0" brushRef="#br0" timeOffset="64716">9193 5018 5416,'0'25'9830,"19"-9"-5824,-15 1-1880,30-15-4629,-30 13 4091,30-8-2929,-4 13 1059,8-5 1085,4 6-3053,-10-3 1887,1 1-1151,0 4 2562,16 10-2384,-14-4 1762,-5-5 0,0-1-286,3 6 736,13 13-345,-24-19 66,2 3-16,-17-9 508,-1-3 85,-6 2 493,-17-2-1645,12 2 1107,-47-1-2367,-6 8 526,22-14 1,-5 0-648,-19 4 0,-1 1-164,23-8 1,-1 0 1221,-26 4 1,0-1 0,29-4 0,1-1 0,-10 1-1,0 0 1</inkml:trace>
+  <inkml:trace contextRef="#ctx0" brushRef="#br1" timeOffset="98169">1835 10565 10231,'-14'0'1349,"3"0"-899,4 0-270,3-11-90,20-1 0,-11-10-90,26 11 0,-27-4 0,24 11-90,-24-7 180,24 5-90,-9 0 0,6 3 0,7 0 90,-15 3-180,11 0 90,-13 0 180,2 16-270,0-11 180,-8 28-180,6-15-90,-11 10-90,1 5 90,-5-11 0,0 6-269,-17-2 179,12-7-90,-29 9 90,30-12 180,-23 2 0,25-6 0,-9-2 90,11 0 90,0 3-90,0-3-90,17 3 180,-13-4-90,30 1 0,-30-1 0,35 2 90,-23-3-180,19 3 360,2 3 90,-12-3-90,13 7-90,-27-8-90,3 4-90,-14-4 0,0 3 89,0-1-178,-28 10-91,-10-5-270,3-3 0,-3 0-790,-21 1 71,-5 1-91,22-8 1260,0-4 0,4-2 0,2-2 0</inkml:trace>
+  <inkml:trace contextRef="#ctx0" brushRef="#br1" timeOffset="98816">1882 10166 7803,'-28'20'359,"-2"-15"-179,0 29 0,-2-31-180,-13 40-1872,11-25 1872,-9 25 270,1-1 0,9-5-180,7-4 0,0 1 90,-4 10-180,11-15 0,1 3 90,3 1 0,2 1 0,-5 20-90,7-17 0,2-1 90,3 16 0,1 1-45,4-15 0,1 0-45,0 20 45,8-22 0,4 2 89,-1-1 1,2-2-45,11 20-90,6-9 0,0-1 90,-5 8 0,6-19 0,2-1 0,5 9 90,5-3-180,2-6-1425,-10-14 1,1-2 1424,22 7 45,-19-11 0,1-3 90,19-3-45,4-3-180,2-4 90,1 0 0,-32-11 0,1-3 0,-2 5 0,2-3 0,14-18 0,0-4 0,-13 13 0,1-2 0,7-12 0,5-6 0,-7 3 0,-10 5 0,-2 1 0,1-3 0,0-2 0,-5 3 0,-7 4 0,-5 0-103,11-30 103,-14 15 0,-2 0 0,-3 11 0,-3-1 3,-8-23 0,-1 0-3,1-8-90,-24 11 0,-6 2 0,18 22 0,-1 3-45,-18-10 0,-6 2-270,-3 5 1,-1 3 89,9 8 0,-2 0-105,-6 2 0,-5-1 1,4 4 14,2 4 0,-1 3 405,-3 1 0,-5 1 0,5 2 0,4 2 0,1 1 0,-11 1 0,-1 0 0</inkml:trace>
+  <inkml:trace contextRef="#ctx0" brushRef="#br1" timeOffset="102274">4160 10855 8612,'0'4'0,"0"-1"0</inkml:trace>
+  <inkml:trace contextRef="#ctx0" brushRef="#br1" timeOffset="102774">4148 11206 8792,'0'6'1079,"0"-1"-899,0-2-90,0 0-90,0-2 90,0 1 0,0 0 90,0 0-180,0-13 0,0 8 0,0-9 0</inkml:trace>
+  <inkml:trace contextRef="#ctx0" brushRef="#br1" timeOffset="103182">4620 10953 9242,'-6'-4'1349,"-4"-1"-1079,6 4-270,-4-4 0,5 5-90,-1-2-450,3 13-3418,10-8 3958,-6-2 0,8-3 0,-11-8 0</inkml:trace>
+  <inkml:trace contextRef="#ctx0" brushRef="#br1" timeOffset="103516">4540 11288 10141,'-12'-13'-877,"2"18"0,25-17 0,4 21 0</inkml:trace>
+  <inkml:trace contextRef="#ctx0" brushRef="#br1" timeOffset="103899">5125 10914 12750,'16'21'90,"-12"12"-90,13-18 90,1 13-270,-13-2-720,27 13 91,-15-7-181,0 11 91,10-13-271,-19 2 91,12-1 1079,-8-3 0,0 0 0,0-3 0</inkml:trace>
+  <inkml:trace contextRef="#ctx0" brushRef="#br1" timeOffset="104138">5555 10970 10141,'0'-6'1889,"0"25"-1889,-14 4 90,10 15-180,-24 10-270,25-18-629,-23 24 269,10-24-449,-10 17 539,5-24-89,4 4-1,5-16 720,2-2 0,0-4 0,0-3 0</inkml:trace>
+  <inkml:trace contextRef="#ctx0" brushRef="#br1" timeOffset="104332">5348 10921 8522,'26'-18'1619,"6"4"-1079,-29 4 269,20 6-449,-8 2-270,7 2-90,0 22 90,-6-17-90,-3 24 0,-2 4 90,8-6-270,-2 12 0,-2 2-449,3 3-271,-3-7 1,0 1-1342,2 6 982,6 12 1259,-7-21 0,3-2 0,-1-3 0</inkml:trace>
+  <inkml:trace contextRef="#ctx0" brushRef="#br1" timeOffset="104549">6165 10894 9512,'-34'-1'1709,"-3"18"-1709,5-13 0,-1 31-90,7-19 0,-1 17-360,1-3-180,-1 1-989,-3 15 540,10-11-360,-2 9 1439,15-17 0,3-3 0,2 0 0</inkml:trace>
+  <inkml:trace contextRef="#ctx0" brushRef="#br1" timeOffset="105248">6378 10384 12120,'0'54'630,"0"-6"-540,0 5-90,0-4 0,0-10 0,0 2-3121,0 24 3166,0-21 0,0-1-135,0 21 90,0-1 90,0 0-422,0-20 1,0 0 241,0 20-1050,0-14 0,0-2 960,0 1-180,0 10 180,0-31-90,0-4 616,0-8-1965,0-5 2416,0-28-887,20-30 0,5-4 1157,-13 18 1,1 2-978,23-9 90,-32 3-515,25 2 515,-26 7 144,18 5 36,-18 5 270,11 5-360,-7 7 1546,6 2-1636,-3 25-90,-1-15 0,0 36-90,1-23 0,1 21 0,10 8 90,-4-10-90,0-5 0,1-1-90,8 3-180,-3-8 0,1-2 91,11-1 396,9-1-667,6-15 360,-14-4-180,26-21 270,-31 13-45,-6-20 0,-2-5 45,-1 8 133,1-35 137,-12 8 0,-6 9 360,-2-25-360,-3 30 359,-19-17-629,14 27 180,-33-8 0,33 21 90,-30 1-180,22 24-90,-4 13 0,8 8-3392,9 23 3392,0-21-180,0 16-253,20-17-196,-14 0-181,30-2-809,-15 9 630,-1-11-900,24 8 1889,-29-22 0,23-1 0,-18-9 0</inkml:trace>
+  <inkml:trace contextRef="#ctx0" brushRef="#br1" timeOffset="105882">7323 11055 9691,'0'-16'720,"0"2"-90,-13 1 629,10 3-1169,-11 24 0,31 11 0,-12 31-90,24-11 0,-28-11 0,0-1 0,22 7 0,-22-6 0,0 0 0,19 2 90,-18 8 0,7-20-90,-4-5 0,-4-5-90,4-6 90,-5-19-90,3-17 90,-2-11 0,2-10-180,-1 7-339,0-4 339,1-4 0,0-1-180,0 1-180,0 16 1,0-1-91,2-12 45,-1 11 1,0 2 314,3 3-270,5-4 270,-2 25 0,4 3-179,3 25 359,-3-14 0,8 50 180,-9-30 89,-3 10 1,0 2 90,1 3-398,2 11 308,-4-15 0,-1-2-90,-1-1 359,3 6-179,-2-11 450,4 10-360,-3-20-180,6 3 0,-4-13-1,5-2-89,-4-5 1008,4 0-1008,-3-15 90,5 11 0,-4-29-91,2 29 91,2-48 0,-5 32 180,2-42-180,-9 32 0,-2-9 0,-2 12 0,-2 3-90,0 2 0,-18-1 269,13 9-89,-32 1-270,18 11 90,-4 25 0,-5-17-180,25 45 90,-17-12-90,18 15-362,-5 3 182,28-15-359,-16 0-406,30-13 1,7-1-495,-1 11 146,4-13 0,4-4 1383,-16-8 0,0-3 0,2 0 0,0-2 0,1-1 0,-1-1 0</inkml:trace>
+  <inkml:trace contextRef="#ctx0" brushRef="#br1" timeOffset="107949">9357 10298 7263,'7'-4'450,"-1"-1"-181,-6-1 1,0 0-90,0 0 90,0-1-90,0 2 0,0 0 270,0-2-181,0 3-89,0-1 270,0 0-270,0 2 90,-11-2-180,8 2 90,-18 1 0,12 1-91,-9 1 91,3 0 0,-1 0 0,-2 18 0,-2-14 0,-3 34 90,-15-3-180,7 11-506,4-8 1,-1 0 595,-7 15-180,7-6 0,3 2 0,9-17 0,3-2 0,-3 9 0,2 2 45,7 1 0,2-2-45,-1 20-135,13-7 0,2-1-224,-5 7-46,23-10 0,4-2-225,-5 7-510,6-21 1,8 2 0,-4-5 284,-9-6 1,1-2 854,18 14 0,0-3 0,5-5 0,0 0 0</inkml:trace>
+  <inkml:trace contextRef="#ctx0" brushRef="#br1" timeOffset="110349">10127 10809 10321,'0'-5'2069,"0"1"-630,0 2-1349,0 21-90,0 6 0,0 15 0,0-1-90,0-6-180,0 1-90,0 1-899,0 15 360,0-12-361,0 7-808,0 0 1078,0-13 990,0 9 0,0-15 0,0-3 0</inkml:trace>
+  <inkml:trace contextRef="#ctx0" brushRef="#br1" timeOffset="110532">9967 11176 9152,'17'-9'539,"-12"-3"-449,31 8 0,-31-4-180,34 2 0,-21-1-359,18 2-91,-8 1-989,11 0 450,-8 2 1079,9 1 0,-15 1 0,1 0 0</inkml:trace>
+  <inkml:trace contextRef="#ctx0" brushRef="#br1" timeOffset="110849">10448 11274 8702,'0'10'630,"0"-1"-1,0 4-359,0-6-90,0 1 0,0-5-90,0-1-90,19 0 0,1-1 90,20-18-90,-20-1 0,24-19 0,-31 19 0,15-15-90,-16 14 270,-7-9 0,1 1-90,-3 12 179,-21 3-358,-2 7 178,-2 42-178,-3-28-316,22 25 0,3 2-135,-10-17-179,10 26-91,0-20-179,19-1-450,-15-1 1439,31-3 0,-31-4 0,12-1 0</inkml:trace>
+  <inkml:trace contextRef="#ctx0" brushRef="#br1" timeOffset="111207">10900 11157 9691,'0'34'450,"0"5"-450,0-6 90,13 2-180,-9-8 90,9 0 0,-13-2 0,12-1 0,-9 2 0,16-8-809,-13 5 719,3-36 90,-5-4 360,-4-32-181,0 13 1,0-10 0,0 18-180,17 0-180,-3 14-629,5 28-451,-2 8 451,-15 20 809,8-12 0,-9 7 0,3-6 0</inkml:trace>
+  <inkml:trace contextRef="#ctx0" brushRef="#br1" timeOffset="111432">10515 10985 8792,'0'-13'899,"0"1"-629,20-3-180,6 4-90,24-2 0,-9 7-539,0 2-91,-12 2-180,0 2-179,-1 0 989,-1 17 0,-2-13 0,-1 12 0</inkml:trace>
+  <inkml:trace contextRef="#ctx0" brushRef="#br1" timeOffset="111736">11597 11123 10411,'-22'32'270,"-9"-14"-180,27 15-180,-11-17 90,3 18-360,9-9-90,-9 1 91,12-1-811,0 8 451,17-10 719,1 12 0,2-22 0,-6 3 0</inkml:trace>
+  <inkml:trace contextRef="#ctx0" brushRef="#br1" timeOffset="112025">11827 11217 10141,'0'-8'1170,"-17"2"-1170,12 20 0,-12 2 0,17 18 0,0-5 0,23-11 0,-18 5 0,32-21 0,-33 14 0,25-15-360,-12 5 180,9-6-180,-11-15-180,-7-6-89,-8-17-361,-20 0-539,2 4 1529,-18 6 0,20 14 0,2 5 0</inkml:trace>
+  <inkml:trace contextRef="#ctx0" brushRef="#br1" timeOffset="112315">12153 11024 12030,'0'30'180,"0"6"-180,0-5-90,15 4-180,-11-8-180,11 1-89,-15 1-181,9 0 91,-6 1-811,13 10 721,-14-9-720,4 13 1439,-6-22 0,0 1 0,0-11 0</inkml:trace>
+  <inkml:trace contextRef="#ctx0" brushRef="#br1" timeOffset="112430">12160 11308 8972,'0'-32'90,"0"9"-630,16-12 90,-13 18-1169,13-7 1619,0 14 0,-13-1 0,13 5 0</inkml:trace>
+  <inkml:trace contextRef="#ctx0" brushRef="#br1" timeOffset="112665">11705 10939 8792,'0'-10'810,"18"1"-631,-14 1-269,31 0 90,-31 0 0,30 3-359,-30 0-901,28 3 1260,-14 1 0,15 21 0,-3 5 0</inkml:trace>
+  <inkml:trace contextRef="#ctx0" brushRef="#br1" timeOffset="112819">11905 11785 8702,'13'10'-450,"-10"0"-1888,9-4 2338,-1-1 0,-8-4 0,8-1 0</inkml:trace>
+  <inkml:trace contextRef="#ctx0" brushRef="#br1" timeOffset="113239">12943 11327 9332,'28'-2'1259,"-4"0"-1079,-10 20 0,1-14-180,-13 31 90,9-31-90,-10 50-90,3-30-495,-12 11 0,-3 1-494,7 3-2094,-21-4 0,-4-1 3173,3 8 0,-2-14 0,-3-1 0,-11 13 0</inkml:trace>
+  <inkml:trace contextRef="#ctx0" brushRef="#br1" timeOffset="114271">14027 11091 10321,'0'40'1349,"0"-8"-1169,0 1 180,0 10-360,0-8 90,0 0 0,0 0-90,0 7 0,0 15 0,0-5 0,0-14 0,0 16 0,0-30 0,10 6-1079,-7-18 269,7-18 360,-10-18-89,-14-28 359,10 2 135,-3 9 0,0-1 135,7-12-784,0 16 1,0 0 693,0-17 0,0 4-827,21 0 917,-16 6-432,30 5 432,-31 6 114,25 1 425,-11 15 826,15 3-1275,-7 12 947,-11 24-1037,0-15-90,-14 37 0,4-26 0,-5 21 0,0-10 771,0 12-1220,-19-10-631,-2 13 271,-2-21-361,-9 3 91,27-14 1166,-26-4 0,27-3 0,-11-4 0</inkml:trace>
+  <inkml:trace contextRef="#ctx0" brushRef="#br1" timeOffset="115265">14355 10712 10321,'8'21'1349,"0"15"-1169,-3-9 90,4 24-180,-4-7-1401,4 0 1221,-3-10 90,1-1 417,1 0-417,3 14-90,-2-13-270,3 20 180,-5-28 216,-2 6-216,-2-17 1,-2-4-1,0-2 498,-1-5-1307,2-2 899,0-1 180,7-29-90,-2 20 0,5-36 359,4 25-179,-4-1 180,10-4-360,-11 22 180,7-7 0,-9 9 0,5 16-180,-6-12 0,2 26 0,0-10 0,-1-1-180,8 11-90,-3-18-180,10 9 270,-7-10 1,6-6-181,0-5 450,-5 0 0,8-17-90,-13-3 719,1-17-89,-10 3-90,-2 4-91,-16 6-449,10 31 0,-10 11 0,14 17 0,0 0-180,0-6 0,0 1-269,0-1-631,20 11 361,-15-12-361,34 12 181,-21-21-91,18 1 631,-5-14 319,-9-2 80,0-21 319,-9 13 1081,5-29-991,-6 8 271,2-17-270,-8 8 449,-2-5-539,-4 19-90,0-5 0,0 9 269,0 6-539,0 36 0,17 6 0,-12 24 0,9-24 0,0-1 0,-11 9 0,8-7 0,1 0 0,-2 6-180,4 5 91,-7-17 89,-3-5 0,-3-4-630,2 0 180,-3-8 360,-16-1 0,12-24 0,-30-10 0,29-10 0,-25-7 90,27 6 0,-10-4 90,13-22-90,0 15 135,0 7 0,0 0-135,0-1 270,0-11-180,21 24 180,-16 6-90,29 5-90,-30 5 180,23 5-270,-12 3 89,13 22 1,-6 6-90,-5 21-90,-8-9 1,-6 1-181,-3-13-720,0 7 271,0-10-2160,-16 9 2879,-1-16 0,-2-2 0,6-7 0</inkml:trace>
+  <inkml:trace contextRef="#ctx0" brushRef="#br1" timeOffset="115466">15233 10588 9961,'-20'17'-359,"-15"4"-91,17 21-270,-4-8 1,-4 2-451,23-7 1170,-15-1 0,16 3 0,-4-1 0</inkml:trace>
+  <inkml:trace contextRef="#ctx0" brushRef="#br1" timeOffset="115789">15817 11038 9691,'-43'0'1170,"8"0"-1170,-1 0 90,10 16-180,5 2 90,10 16 90,6-8-180,5-2 90,0-6 0,0 6 0,16-7 0,-12 3 90,13-9-270,-17-1 0,0-4 0,0-1-90,0-1 0,0-1-1259,-25 1-180,-2-3 1709,-25 1 0,25-2 0,6 0 0</inkml:trace>
+  <inkml:trace contextRef="#ctx0" brushRef="#br1" timeOffset="116121">16233 10979 11490,'-48'0'360,"19"13"-360,-8-10 0,16 23 0,-12-11 0,14 16 0,10-8 0,9 3 0,0-6 0,0 2 90,22 1-90,3 10-90,2-6 90,13 13 0,-15-17 0,1 2 180,8-10 0,-30-3-180,18-2 0,-20 2 0,6-5-360,-36 7 90,21-6-360,-30-1 1,-7-1-180,7 3-558,-5-5 0,-1-1-72,-10 4 1439,1-5 0,2 0 0,3-1 0</inkml:trace>
+  <inkml:trace contextRef="#ctx0" brushRef="#br1" timeOffset="116548">16725 11279 9512,'39'0'629,"-9"0"181,-1 0-361,-11 16-269,-4-12-180,-1 29 0,-6-16 0,1 15 0,-7-5-269,2 1-451,-3 3-1169,-23 19 360,17-12 1463,-17-12 0,-2-1 1,3 10-1,-23 1 0</inkml:trace>
+  <inkml:trace contextRef="#ctx0" brushRef="#br1" timeOffset="117565">17938 10855 9422,'-16'-4'899,"-3"0"-809,-21 2 0,9 1-90,-17 18 0,18-13-90,-16 30 90,22-14-180,5 13 0,12-4 270,36-6-90,8-12 0,15-5 0,-2-6 270,1 0-90,-13-15 719,15 11-269,-26-23-450,-6 45-180,-10-3 0,-11 25 90,-12 1-180,9-7 90,-9 3 90,12 0-90,0 1 0,0 0 0,0 2 0,16 11 0,-13-11 0,13 17 90,-16-28-90,0 4 0,0-17-450,0-2 0,0-5-5216,0 0 5666,-16-22 0,13 12 0,-13-15 0</inkml:trace>
+  <inkml:trace contextRef="#ctx0" brushRef="#br1" timeOffset="117799">18403 10637 10681,'3'27'1529,"-1"15"-1259,0-14-90,-1 10-180,0 1 0,-1-8 0,0 2 0,0 2 0,0 0-180,0 0-540,0 15 271,0-14-901,0 21 541,0-28 89,0 6-899,0-8 1619,0-8 0,0 3 0,0-10 0</inkml:trace>
+  <inkml:trace contextRef="#ctx0" brushRef="#br1" timeOffset="118081">18222 11111 7982,'0'-15'630,"23"-1"-450,-17 0-90,35 1 180,-19-3 0,0 6-1,23-3 1,-37 9-90,35 2 90,-32 3-180,13 1 180,-9 0-90,0 0-90,-1 0 90,-1 12 89,2-9-89,-6 9 270,4-12-270,-6 8-270,0-6 90,-3 6 0,-1-8-90,-2 0-90,5 0-90,0-18-719,10-2 359,-5-2-989,13-11 720,-8 14-1,7-2 900,-7-5 0,0 24 0,0-9 0</inkml:trace>
+  <inkml:trace contextRef="#ctx0" brushRef="#br1" timeOffset="118298">19008 11058 9422,'0'9'1259,"0"0"-1169,0-1 270,0-3-360,0 1 180,0-2-180,0 0 89,0 1-358,0 9 89,0-2-990,0 12 451,0-10-1,14 4-269,-11-6-181,10 0 1170,-13-3 0,0-1 0,0-2 0</inkml:trace>
+  <inkml:trace contextRef="#ctx0" brushRef="#br1" timeOffset="118483">19102 10539 9961,'-15'-4'-3508,"11"15"3508,-11 7 0,15 10 0,0-1 0</inkml:trace>
+  <inkml:trace contextRef="#ctx0" brushRef="#br1" timeOffset="118682">19095 11441 8972,'0'7'-113,"0"0"1,0-5-1,0 0 1</inkml:trace>
+  <inkml:trace contextRef="#ctx0" brushRef="#br1" timeOffset="119115">19690 10203 9781,'11'-6'1799,"1"0"-1529,1 3-90,3 2 90,3 1 0,2 0-90,3 0 0,2 20 0,3-16 44,-7 23 1,-1 4-135,13-4 45,-7 11 0,-2 5-135,3 6-1014,-8-4 1,-3 2 1013,-2 12 0,-6-5 0,-4 0 0,-2-20 0,-2-1-120,1 10 1,-4 2-61,-8 1 0,-4-2-135,-1-9 0,-3 0-851,-2 4 1,-2 4 0,-1-5 40,-4-2 1,-1-1 1124,0 4 0,-1 4 0,1-5 0,0-2 0,0-2 0,-10 11 0,-1 0 0</inkml:trace>
+  <inkml:trace contextRef="#ctx0" brushRef="#br1" timeOffset="121616">4190 12849 9332,'-4'0'1079,"-3"0"-629,4 0-360,-2 0 90,1 0 0,0 0 539,2 0-809,0-15 180,-13 2-270,12-9-3328,-21 11 1260,22 18 2248,9-4 0,-3 22 0,13-9 0</inkml:trace>
+  <inkml:trace contextRef="#ctx0" brushRef="#br1" timeOffset="121959">3995 13406 8252,'0'-11'270,"13"11"-720,-10-26 450,9 38 0,-12-5 0,0 25 0</inkml:trace>
+  <inkml:trace contextRef="#ctx0" brushRef="#br1" timeOffset="122334">4612 12925 9691,'-19'15'1080,"4"-1"-900,15 11-180,0-27 0,0 7 0,0-20 0</inkml:trace>
+  <inkml:trace contextRef="#ctx0" brushRef="#br1" timeOffset="122515">4565 13480 8882,'-16'-12'-270,"5"9"0,6-10 0</inkml:trace>
+  <inkml:trace contextRef="#ctx0" brushRef="#br1" timeOffset="123039">5258 13004 12480,'18'47'0,"-15"-6"-180,31 1-180,-31-5-728,26 2 368,-25 1-269,29 1 179,-21-1-5861,24 13 6671,-17-16 0,6 7 0,-11-17 0</inkml:trace>
+  <inkml:trace contextRef="#ctx0" brushRef="#br1" timeOffset="123282">5773 13037 10771,'-21'23'899,"-9"-17"-899,26 38 90,-23-26-90,23 22 0,-25-8-90,25 2 0,-24-2-359,25-2-1,-19-2-180,20-3 181,-14-3-991,12 0 721,-6-12-900,4 3 1619,1-13 0,0 3 0,0-3 0</inkml:trace>
+  <inkml:trace contextRef="#ctx0" brushRef="#br1" timeOffset="123451">5610 13016 9062,'12'-5'1709,"0"1"-1439,15 4-180,-8 14 90,1-11-180,-6 28 0,1-26 0,-1 33-270,8-8-90,-5 11-360,5-1-1079,1-2 810,-7-11 989,13 12 0,-11-23 0,5 3 0</inkml:trace>
+  <inkml:trace contextRef="#ctx0" brushRef="#br1" timeOffset="123633">6228 12946 10051,'-50'21'1170,"0"5"-1170,9 13-45,16-13 0,0 1-405,-5 10-360,6-3 1,1 0-361,-1 7 1170,7-7 0,2 0 0,3 1 0,0 9 0</inkml:trace>
+  <inkml:trace contextRef="#ctx0" brushRef="#br1" timeOffset="124299">6390 12777 10861,'0'40'1349,"0"4"-1259,0-9 0,0 4-90,0-8 0,0 4 0,0 21 0,0-11-90,0 15-360,0-1 180,0-16-359,0 23 269,0-35 90,0 4-90,0-20-269,0-3-811,0-5 1261,0-19 89,0-11 180,19-23 89,-15 7-708,32-2 709,-32 12 180,25 4-1,-26 2 91,21 2 180,-11 11-450,9 1-90,-5 9 90,-2 20-180,-5-15 0,1 37 0,-1-25 0,1 22 0,1-11 90,0 0-1,8 10-178,-3-12-271,14 10 90,-9-24-90,18 5 180,-12-15 90,7 2-90,-9-20 180,-2 12 0,-3-32-90,6 8 180,-12-8 180,3-16-90,-14 21 180,-1-21-90,-3 23-90,0-5 179,-20 10-89,15 10 710,-31-1-621,20 12-269,-14 1-90,16 24 0,-4 18 0,16 4-45,-1-10 0,-1-1-314,4 2-1081,19 23 631,-14-25-1980,33 17 2789,-19-29 0,4 3 0,-9-18 0</inkml:trace>
+  <inkml:trace contextRef="#ctx0" brushRef="#br1" timeOffset="124905">7085 13188 10591,'0'36'450,"0"-6"-450,0 3 0,0-3 0,16 1 0,-13 2 0,13 0 0,-16 0 0,10-3 0,-7-1 0,7-5 270,-2 1-181,-6-10-268,9 0-1,-7-11 180,3-23-180,-1 13-90,3-58 90,-1 34-315,1-23 1,0-3 224,2 3-225,0 2 0,-1 2 136,2 8-541,7-17 360,-7 34 1,11-3 496,-9 20 21,4 2 67,-4 5 65,-1 18 1239,10 20-1169,-8 3 44,-2-7 1,-1-1 45,2 3 180,4 23-180,-6-28 0,2 6-90,-4-16-90,-1-6 0,0-1 89,1-5-268,0-4 178,-1-2-178,7-3 178,-6-14-89,12-6 90,-11 2 90,7-32-90,-12 30 90,2-29 0,-6 23 0,-1 0 0,-1 1 360,-16-6-361,12 9 1,-13-2 0,0 13 0,13 4 90,-26 4-180,15 1-90,-1 22 90,-6 8-90,19 11-90,-6 16-90,9-21-1169,20 29 179,-14-27-1122,37 11 583,-22-20 1709,22-2 0,-9-5 0,2 0 0</inkml:trace>
+  <inkml:trace contextRef="#ctx0" brushRef="#br1" timeOffset="125531">9055 12583 10231,'0'-4'1169,"0"0"-269,-19 3-540,-7-1-180,-17 19-180,4-13-816,4 37 816,7-20 0,-1 24 0,3-5 90,0 4-90,4 5-90,4 3 135,10-12 0,3 2-315,-2 22-90,2-9 1,6-1-46,10-22 0,4-1-854,3 19 0,5-3 584,4-20 0,3-3 675,2 6 0,1-3 0,20 2 0,3-5 0</inkml:trace>
+  <inkml:trace contextRef="#ctx0" brushRef="#br1" timeOffset="125949">9402 13255 9242,'42'0'360,"-7"0"-360,-13-13 89,4 9-268,-11-24 179,9 12 0,-6-15 90,-9 8-1,-5 3 1,-4 4 90,0 1 90,0 1-90,-21 1 90,16 3 90,-30 1-270,31 2 179,-26 2-89,12 3-90,-13 0-90,14 17 0,-1-12 0,17 26-90,-6-7-359,7 6-181,0 3 0,17-7-269,-13-1-1,29 1-89,-29-2 989,34 0 0,-33-3 0,17-1 0</inkml:trace>
+  <inkml:trace contextRef="#ctx0" brushRef="#br1" timeOffset="126571">9855 13118 9242,'-19'16'1619,"3"5"-1619,32 16 0,-12-2 90,13-5-90,-4-1 0,-10 3-180,19-4 0,-20 0 0,6-3 180,1-4-270,-7-4-1709,11-5 1709,-11-24 270,2-9 0,-4-14 90,3-14-90,-1 17 270,7-22-180,-5 23 360,6-14-90,-4 24-90,2 3-1,-2 9-89,-1 8-90,1-3 270,4 4-270,-2 20 180,6 6-90,-6 12-90,1-1-90,-4-7 0,-1 2 0,0 10 0,-2-12 90,1 5 90,-3-19-990,1-2 630,-1-21 0,0-10 180,0-25 90,0 5-90,18-15 90,-13 21 0,30-19 180,-30 27 0,12-5 269,-5 16-89,2 6-360,8 2-90,-4 25 90,-7 3-180,1 26 180,-5-11-270,0 3-359,3-1-1,-3-10-180,5 7-89,-3-17-1,1-1-1079,6-1 1889,-4-7 0,4-2 0,-3-7 0</inkml:trace>
+  <inkml:trace contextRef="#ctx0" brushRef="#br1" timeOffset="127147">10523 13257 9871,'0'-7'1440,"-17"2"-901,13-3-269,-13 5 90,2-2-360,-2 5 0,-1 17 0,-3-12 0,18 27 0,-13-8 90,10 7-270,-4 10 90,6-17-360,4 8 360,0-15-809,17 0 449,6-11 90,13-2 270,0-24 180,-7-3-90,-4-20 90,-11 11 90,-2 0 0,-11 11 90,6 1 90,-7 3-1,3 1-269,-3 23-270,0 5 270,15 7-90,-11 11-90,24-9-359,-15 7 359,3 2 0,4-19-180,-6 7 270,7-16 0,5 5 0,-10-7 0,5-14 90,-9 10 90,0-25 629,5 8-539,-7-13 180,4 2-450,-7 14 0,-2 2 90,-1 14-270,-3 18-180,0 11-539,-1 27 179,16-12-1349,-12 11 810,24-24 1259,-25 5 0,8-17 0,-11-3 0</inkml:trace>
+  <inkml:trace contextRef="#ctx0" brushRef="#br1" timeOffset="127311">10915 13027 9242,'-17'-12'-450,"-3"1"180,18 3 0,-6 1 270,8 2 0,0 3 0,0 0 0</inkml:trace>
+  <inkml:trace contextRef="#ctx0" brushRef="#br1" timeOffset="127655">11098 13425 9062,'14'0'180,"-3"-19"-180,5 14 90,-2-36-90,0 21 90,12-38 0,-6 18-1249,8-13 1249,-10 13 90,-1 2 0,-1-1-36,0-13 215,-5 13 451,-1-23-540,-8 28 0,-1-8-180,-1 18 89,0 4 1,0 4 540,-17 4-630,-2 5 0,-1 19 952,-5-8-1042,14 49 0,-2-28 550,-2 36-640,13-22 180,-5 5-360,7 0-180,0 2 91,0-1-271,18-1-1259,1 17 720,3-18-181,-7-11 1,2-2 1349,5-2 0,9 1 0,-1-15 0</inkml:trace>
+  <inkml:trace contextRef="#ctx0" brushRef="#br1" timeOffset="128283">9275 12656 12570,'-17'26'-450,"-9"-10"90,23 8-1079,-20-5 720,20 4-811,-13 3 631,15-14 179,-3 2 720,4-7 0,0-1 0,0 0 0</inkml:trace>
+  <inkml:trace contextRef="#ctx0" brushRef="#br1" timeOffset="128416">9277 12698 8792,'0'30'-540,"0"-12"0,0-6 1</inkml:trace>
+  <inkml:trace contextRef="#ctx0" brushRef="#br1" timeOffset="129131">11628 12576 10681,'-5'0'2878,"0"0"-2878,3 16 90,1 1-180,17 11 0,-13-5-180,13-3-89,-16-2-1,0 3-450,9-3 91,-7 1-91,7-3-989,-9 5 1170,0-8-721,5 5 1350,-4-11 0,5-1 0,-6-3 0</inkml:trace>
+  <inkml:trace contextRef="#ctx0" brushRef="#br1" timeOffset="129249">11682 12695 8972,'17'-11'989,"10"9"-1618,-14-9-1710,2 31 2339,-2 8 0,-12 11 0,3 0 0</inkml:trace>
+  <inkml:trace contextRef="#ctx0" brushRef="#br1" timeOffset="129689">12102 13271 10321,'0'34'810,"17"-14"-720,-12 13-90,28-16 90,-29 18-90,26-6 0,-26 2-90,21 1-360,-23 1-180,8 2 1,-10-3-271,0 3-7279,-20 14 8179,-16-11 0,14-13 0,-3-2 0,-31 8 0</inkml:trace>
+  <inkml:trace contextRef="#ctx0" brushRef="#br1" timeOffset="131765">13172 12728 12120,'-31'0'90,"13"15"-180,-6-12 0,21 21-180,-18-21 0,18 17-179,-14-17-721,15 18 541,-4-10-1,6 7-90,0-4-539,0-3 630,0-3 629,15-1 0,-11-5 0,12-1 0</inkml:trace>
+  <inkml:trace contextRef="#ctx0" brushRef="#br1" timeOffset="131899">13173 12762 9062,'1'-9'-1349,"-1"17"269,1 14 1080,-1 10 0,0 2 0,0-7 0</inkml:trace>
+  <inkml:trace contextRef="#ctx0" brushRef="#br1" timeOffset="132598">13465 13678 7982,'19'-20'180,"-3"-15"-90,20 16 0,-8-20 0,3 4-90,-8 5 0,0-1 0,14-20 0,-7 5 0,0-2 0,-13 18 0,0 0 135,10-22 0,-1 0-603,-12 21 1,-1 0 602,4-8 0,-2 1 45,3-12 269,-4 4-179,-2 6 0,-5 3-18,0 7-72,-5 6-90,1 2 630,-3 10-540,-17 20 0,13 16 716,-29 13-896,18 25 90,-4-17-384,8 18 294,4-15 90,5 1-90,-2-12 0,1 1-90,3 17 45,-2-18 0,4-1-45,15 10-180,-12-2 0,13-5-269,3 8 269,2-15-90,22 7 0,-12-24-89,7 0 269,-18-13 180,8 0 0,-12-18 0,0 12 180,-1-29-1,-2 28 181,-3-31 0,-2 31 450,-3-34 259,-3 20-889,-1-12 180,-3 9-360,-13 11 0,10 21-180,-9 13-90,12 20-719,0 2 89,0-8 1,0-4-1440,16-7 2339,-12-9 0,12-1 0,-16-10 0</inkml:trace>
+  <inkml:trace contextRef="#ctx0" brushRef="#br1" timeOffset="132773">14232 13110 9691,'-8'-6'0,"5"0"0,-5 2 0,8 1 0,0 20 0,0 3 0</inkml:trace>
+  <inkml:trace contextRef="#ctx0" brushRef="#br1" timeOffset="133035">14600 12938 12120,'0'43'450,"0"-7"-540,0 0 180,0-4-180,0 21 0,0-12-270,0-2 0,0 0-179,0 6-1792,0 15 1522,0-22-181,0-2 586,0-4 404,0 6 0,0-14 0,0 5 0</inkml:trace>
+  <inkml:trace contextRef="#ctx0" brushRef="#br1" timeOffset="133267">14962 13151 10231,'-40'-1'2339,"3"0"-2069,0 17-270,8 2 90,10 15-180,2-7 90,15-1-270,-6-6-90,8 1-180,0 1-269,0-1-361,20 1-89,-16-2 1259,46 5 0,-28-8 0,26 4 0</inkml:trace>
+  <inkml:trace contextRef="#ctx0" brushRef="#br1" timeOffset="134166">15138 13425 8432,'30'8'360,"-6"-3"-270,-3-2 90,-6-3-180,0 0 90,-1 0 90,2 0 0,-3 0 269,-1-15 181,-7 0-90,-1-12-181,-27 14-179,4 4-180,-21 9 90,10 16-90,13 0-180,4 16-809,13-1 269,0 0-269,0-6-1530,21 0 2519,2-16 0,2 7 0,-7-9 0</inkml:trace>
+  <inkml:trace contextRef="#ctx0" brushRef="#br1" timeOffset="134483">15617 12801 8972,'9'14'360,"4"-10"-450,-12 21-90,4-8-180,-5 14 0,0-5-179,0 0-1,0-8-90,0-2-179,0-1 809,0-2 0,-13-3 0,-2 0 0</inkml:trace>
+  <inkml:trace contextRef="#ctx0" brushRef="#br1" timeOffset="134617">15715 12823 9602,'23'-5'719,"-5"1"-809,-5 4-270,-7 19-539,0-14-450,-6 35 1349,2-22 0,-2 20 0,0-7 0</inkml:trace>
+  <inkml:trace contextRef="#ctx0" brushRef="#br1" timeOffset="135215">16510 13392 12930,'0'27'539,"20"-5"-539,-15 2 0,34-6 0,-35 3 90,31 13-450,-18-4-449,2 27-1,-6-18-539,-25-3 0,-7 0-2621,-8 13 3970,-1-16 0,-5 0 0,7-7 0,-2-2 0,-2 2 0,-1 0 0</inkml:trace>
+  <inkml:trace contextRef="#ctx0" brushRef="#br1" timeOffset="136131">17780 12664 12480,'2'32'-1529,"-1"0"0,-1-3-180,0-5 1709,0-3 0,0-12 0,0-4 0</inkml:trace>
+  <inkml:trace contextRef="#ctx0" brushRef="#br1" timeOffset="136281">17805 12671 10591,'0'34'-1799,"0"-4"810,0-5-451,0-4 1440,0 3 0,0-1 0,0 3 0</inkml:trace>
+  <inkml:trace contextRef="#ctx0" brushRef="#br1" timeOffset="136616">18603 12959 10771,'4'-4'1079,"-1"2"-629,0 0-360,-3 17-90,0 9 90,-20 11-90,14 7-464,-31-2 554,32 5-270,-17-10 0,-4 1-269,8 20-136,-4-20 1,-1-1-136,0 14-89,-1-4-180,2-3-1350,-9 6 2339,11-16 0,-5 3 0,11-17 0</inkml:trace>
+  <inkml:trace contextRef="#ctx0" brushRef="#br1" timeOffset="136925">18270 12712 10951,'-10'33'0,"8"-3"-360,-8-5 180,10-6-360,20-8 450,-5-5-1619,7-18 1709,-12-2 0,-10-1 0,0 4 0</inkml:trace>
+  <inkml:trace contextRef="#ctx0" brushRef="#br1" timeOffset="137283">18530 13704 10411,'0'4'270,"0"0"-270,0-3 0,0 1-360,0 0 270,16-1-90,2-1 90,19 0-180,-8-15 270,1 11 0,-10-23 270,4 7-360,-8-11 0,-3-1-179,-8 8-451,-24 11-899,-5 6 261,-23 7 1358,22 20 0,-19-15 0,17 15 0</inkml:trace>
+  <inkml:trace contextRef="#ctx0" brushRef="#br1" timeOffset="138031">19445 13194 12930,'16'21'90,"-14"10"-90,32-28 0,-30 31-270,35-19-180,-34 17-225,23-16 1,4-1-316,-10 10-179,10-5 0,2-2-181,-1 5 1114,9 2 0,-16-10 0,-2-1 1</inkml:trace>
+  <inkml:trace contextRef="#ctx0" brushRef="#br1" timeOffset="138232">19862 13216 10861,'-30'0'1079,"0"0"-809,5 15-270,-4-12 0,5 20 0,1 4 0,-17 0-270,5 10 0,0 4-3519,-8 6 3339,14-16 1,2 1-540,-9 11 177,4-1-717,4-3 1529,6-4 0,5-4 0,3-3 0</inkml:trace>
+  <inkml:trace contextRef="#ctx0" brushRef="#br1" timeOffset="138485">20153 13387 11041,'11'13'809,"2"-9"-629,-3 10-180,4 0 0,4-1 0,-1 4-450,13 2-269,-11-5-181,7 5-899,-3 4 900,-4-10 899,11 5 0,-14-10 0,5 1 0</inkml:trace>
+  <inkml:trace contextRef="#ctx0" brushRef="#br1" timeOffset="138698">20388 13251 10591,'-22'-1'989,"0"-1"-809,-3 20-180,4-14 90,-7 33-180,8-20-180,-1 19-89,2-7-1170,-11 18 539,9-10-180,4-6 1,1 0 1169,-2 3 0,0 8 0,6-16 0</inkml:trace>
+  <inkml:trace contextRef="#ctx0" brushRef="#br1" timeOffset="138966">20628 13218 10051,'8'14'1170,"-1"-11"-901,2 12-179,1 1 90,4-12-180,-1 22 0,4-23 90,2 21-450,8-3 1,-4 7-541,14 12 181,-15-15 179,7 8-180,-12-11 1,0-1-361,-3-4 1080,-1-1 0,-3-4 0,-1 0 0</inkml:trace>
+  <inkml:trace contextRef="#ctx0" brushRef="#br1" timeOffset="139148">20880 13289 9961,'-20'0'450,"3"0"-450,1 20-270,-6 4-180,2 12-269,-4-1-1080,-3 10 1799,8-8 0,-5 12 0,10-14 0</inkml:trace>
+  <inkml:trace contextRef="#ctx0" brushRef="#br1" timeOffset="139799">21888 12791 10591,'-22'35'1349,"17"-4"-1259,-33 0 0,34-2-90,-18-4 0,-4 2 0,6 19 0,-9-2 0,-2 2-657,-1 11 297,4-8 1,0 0-181,-4 10-764,2-7 0,0-1 224,4-3 1080,6-14 0,2-3 0,5-8 0,2-3 0</inkml:trace>
+  <inkml:trace contextRef="#ctx0" brushRef="#br1" timeOffset="140132">21523 12696 11221,'-29'14'809,"-1"-10"-719,16 30-180,-7-29 180,19 31-90,-13-32-360,13 29-179,-5-16-1,7 12 0,16-10 360,4-8 270,12-23-180,-13-5-269,-7-16-631,-12 4 990,0 3 0,-12 12 0,-3 5 0</inkml:trace>
+  <inkml:trace contextRef="#ctx0" brushRef="#br1" timeOffset="140482">21708 13603 9871,'0'7'1529,"0"-2"-1169,0 0-180,0 1-180,0-3 0,0 3 0,0-2 0,0 4 0,0-3 0,0 5-90,0-3 90,13 4-90,-10-5 0,22-2-180,-14-2 360,10-2-180,-11-18-359,3 1-181,-12-18 0,4 4 1,-25 13-1,15-7-449,-31 22-450,32-16 1529,-27 17 0,27-11 0,-11 6 0</inkml:trace>
+  <inkml:trace contextRef="#ctx0" brushRef="#br1" timeOffset="140833">22182 12593 8702,'4'0'90,"-1"17"-180,-2 1-180,-1 17 0,0-10-719,0 6 359,0-15 630,0 9 0,0-15 0,0 1 0</inkml:trace>
+  <inkml:trace contextRef="#ctx0" brushRef="#br1" timeOffset="140982">22233 12612 10231,'13'20'-1169,"-2"6"-90,-11 11-720,0 0 1979,0-6 0,-16 1 0,-3 1 0</inkml:trace>
+  <inkml:trace contextRef="#ctx0" brushRef="#br1" timeOffset="141681">22677 12376 10771,'-15'-2'1079,"3"-1"-719,12 2 270,0-1-540,0 15 90,15 22-180,-11 3-296,27 15 296,-27-14 0,31 2 0,-20 4 0,16 3 90,-8 2-90,0 1 90,-8-12 0,-2 1-90,6 21 45,-8-5 0,-1 0-498,-7-22 0,0 0 453,-1 11 0,-1 1 90,-1 16-180,-17 2 90,12-3-90,-22-17 0,-4-1-90,19-11 0,-3 0-150,-10 2 0,-7 2 1,2-3-121,5-4 0,-2-2-450,-5 2 1,-4 2 0,2-4 89,3-4 1,-1-1 809,-9 6 0,-1-2 0,-13 3 0,1-1 0</inkml:trace>
+  <inkml:trace contextRef="#ctx0" brushRef="#br1" timeOffset="146348">1612 12756 9062,'0'-11'1079,"0"-1"-539,0 1-90,0-2-1,-17 3-89,12-1-90,-12 2 0,17 0 90,0 2-180,0 0 89,0 1-89,0 2 360,0-1-450,0 19 0,0 11-90,0 12 180,0 8-270,0-3 90,-14 4 0,11-8 0,2 2 90,-14 21-962,15-20 1,0 0 871,-11 13 90,8-1-180,-8-3-270,11 16 270,0-20-45,8-11 0,1-1-392,-5 0 347,13 4-270,6-15 271,5-11-245,25-2 244,-9-26 45,-13 3 0,-1-4 303,9-22-213,-14 16 0,1-2-135,1-7 0,-2 1-272,13-20 452,-5 5 0,-1 0-90,3-11-456,-13 21 0,-2-1 546,7-13 90,-5 2 222,-3 2 228,0-14-270,-8 17 0,-1-19-180,-9 33 1270,-1-9-1270,0 24 186,0 0 534,-12 10 1131,9 22-1941,-10 7 0,13 32 0,0-9-90,9-11 0,0-1-360,-5 10-45,11-7 1,1-1-405,0 5-623,0 15 83,8-22-360,-14 0 1799,12-3 0,-3 0 0,1-1 0</inkml:trace>
+  <inkml:trace contextRef="#ctx0" brushRef="#br1" timeOffset="146965">2800 12998 10051,'-37'-6'1080,"0"2"-1080,4 2 0,4 2 90,5 18-180,7 2 0,3 21 90,8-11 0,29 15 0,-17-18 0,14-2 0,4 0-90,3 4 90,17 20-90,-17-25 180,3 8-180,-27-10-90,10-7-360,-13 3 90,0-11-179,-16-1-91,-7-5 450,-17-1 90,17-14 1,-13 10 89,32-24 90,-22 9 90,24-17 0,-8 7-1,33 0 1,-17 10 90,39 0 0,-40 2 0,58-4-90,-39 6 45,10 3 0,1 2 45,-5-1 0,8-4-90,-18 6 90,-2 0-90,-5 2 179,-5-3 1,2 2-180,-9-1 360,4-4-90,-5 5-270,0-8 0,-16 9 0,12-3 89,-12 5 91,2 1-90,0 2-180,-3 17 0,-1-11 0,16 29 0,-5-17-90,7 15-90,0-5-90,0 0-89,0 1-271,0-2-719,16 9 629,-13-11-539,32 10 359,-15-19 900,3 1 0,8-11 0,-11-1 0</inkml:trace>
+  <inkml:trace contextRef="#ctx0" brushRef="#br1" timeOffset="147265">3117 13117 9871,'0'-16'1170,"0"1"-361,-12 4-809,9 21 0,6 6 0,1 17 0,10-3 90,3 9-180,-13-8-3302,25 22 3392,-26-24 90,18 6 90,-19-18-90,7-3-90,-5-5-90,-3-2 0,3-23-90,4-31 180,-1-1-270,9-7 1,3-1-1,3 1 814,5 2 0,1 2-1353,1 7-136,-3 12 1,1 3-675,3 1 1619,8-2 0,-13 19 0,-4 3 0</inkml:trace>
+  <inkml:trace contextRef="#ctx0" brushRef="#br1" timeOffset="148248">1352 15276 11221,'-6'8'989,"2"1"-989,24 1-90,11-4-540,12-6-449,4 0-90,-7 0-181,3 0-1457,2 0 2807,1 0 0,-3 0 0,0 0 0</inkml:trace>
+  <inkml:trace contextRef="#ctx0" brushRef="#br1" timeOffset="148416">1365 15729 9512,'-9'2'0,"-1"-2"-810,5 2 0,16-2 810,11-15 0,-1 12 0,-1-11 0</inkml:trace>
+  <inkml:trace contextRef="#ctx0" brushRef="#br1" timeOffset="148715">1508 15109 10411,'-22'-16'900,"2"1"-721,9 3 181,-4 1 0,13 3 90,-6 0-360,35 4 90,11 1-180,-1 11 0,2 0 180,26-4-1076,-31 13 1,0 1 895,14-1 90,-2 19-90,-11-2 0,-1 2 0,6 14 0,-12 2 0,-5 2-174,-13 2-276,-17 9 1,-4 1 89,10-30 0,-3-2-653,-15 10 0,-7 4 0,3-6-246,-3 19 539,-4-23 1,-2-2 719,1 10 0,4-4 0,1-3 0</inkml:trace>
+  <inkml:trace contextRef="#ctx0" brushRef="#br1" timeOffset="149398">3163 15246 9691,'-44'0'360,"18"16"-360,-5-12 0,27 29 90,-9-14-90,32 17 180,-15-9-90,42-2 180,-23-6-180,24-1 450,4 7-451,-15-7 91,10 6 270,-11 4-450,-18-11 0,2 15-90,-36-19-180,12 4-89,-40-7-451,21-2-269,-25-1-1350,-4-4 2429,14-1 0,-9-2 0,18 0 0</inkml:trace>
+  <inkml:trace contextRef="#ctx0" brushRef="#br1" timeOffset="149717">3492 15457 8792,'20'15'1259,"-2"-3"-629,3 0-540,-8-9 90,7 8-180,-9-11 90,3-19-90,-2 14-90,0-35 180,2 22-180,6-34 90,-5 18 0,4-26 90,-10 24 359,-3-22-179,-4 26-270,-2-7 90,0 17-90,0 3 180,-17 6 360,12 4-450,-29 6 0,19 24-90,-15 9 0,17 12 0,2 2 0,11-10-720,0 16 270,0-12-1708,26 22 718,-20-29 1440,23-8 0,4-3 0,-10-3 0,32 2 0</inkml:trace>
+  <inkml:trace contextRef="#ctx0" brushRef="#br1" timeOffset="150121">3928 15421 9871,'-13'11'1440,"24"-23"-1351,16 1-178,16-7-2167,-1-24 2256,-6 21 0,-9-8 0,1-4 0,12-10 0,-5 5 0,-2-2 0,1-12 0,-7 7 0,-3-1 0,-3-12 45,-8 20 0,-3 1-45,-3-16 0,-3 1 270,-4 0-1,1 17 1,-2-1 511,-16-18-511,16 13 0,-3 2-270,-30-2 90,29-11 179,-26 31 638,28 2-727,-11 32-90,14 21-90,0 11 0,0-3 0,0 1-270,0 17 225,9-2 0,3 2-173,-1-22 1,0 0-8,0 12 1,2 2-226,9 2 0,-1-2 135,-13-13 1,0 2-346,6 1 0,4 3 1,-3-4 164,-4-6 0,1-2-629,8 17 0,1-3 900,4-2 1,7 4-1,-11-23 1</inkml:trace>
+  <inkml:trace contextRef="#ctx0" brushRef="#br1" timeOffset="150465">4760 15413 10411,'-17'-6'1079,"4"1"-1079,13-4 90,20 1-90,-15 0-180,31-6 91,-12 0-1,-2-5 90,17 5 0,-34-2-90,29 0 180,-20-9 0,3 6 269,-6-16-179,-11 15 270,0-14-360,0 15 90,0-3-90,0 11 270,-20 2-270,2 5-1,-14 16-178,16 9-541,7 33 180,9-16-1259,20 24 630,-14-34-810,31 18 450,-14-23 1439,9 4 0,1-14 0,-8-2 0</inkml:trace>
+  <inkml:trace contextRef="#ctx0" brushRef="#br1" timeOffset="150665">5200 15239 10141,'-19'-22'1799,"14"6"-1259,-27-6-540,29 12 0,-22 0 630,23 5-630,-10 20-180,12 5-90,0 24-630,20 4 181,3-6-1260,22 5 899,-10-22-572,2 3 1652,-7-19 0,1 1 0,1-4 0</inkml:trace>
+  <inkml:trace contextRef="#ctx0" brushRef="#br1" timeOffset="150925">5703 14816 10411,'-23'-14'720,"5"4"-181,18 1 631,-13 4-990,10 24-180,-10 10 0,13 17 0,0 4-288,0-8 198,0 5-90,0 1-90,17 1-90,-13-1 0,12-1-899,-2 14 629,-1-18-449,12 18 629,-13-33-269,2 2 719,-13-16 0,5-6 0,-6-3 0</inkml:trace>
+  <inkml:trace contextRef="#ctx0" brushRef="#br1" timeOffset="151065">5555 15229 9332,'-14'-30'1079,"4"-10"-899,-6 9 0,9-16-180,7 23 0,0-3 0,18 13-540,-13 4-1079,32 3 360,-6 3 1259,9 2 0,4 2 0,-10 0 0</inkml:trace>
+  <inkml:trace contextRef="#ctx0" brushRef="#br1" timeOffset="151421">6682 15010 11850,'34'16'630,"-8"9"-540,0-22-90,-7 21-90,10-6 0,-6 7-270,6 0-629,-4 5 269,-6-9-719,8 15 809,-11-20-1169,4 7 1799,-10-16 0,-1-1 0,-5-6 0</inkml:trace>
+  <inkml:trace contextRef="#ctx0" brushRef="#br1" timeOffset="151614">6903 14927 9871,'-16'-5'810,"-10"1"-630,18 4-90,-12 0 0,7 0-90,-2 19 0,4-14-360,-7 34-90,8-12-539,-6 20 269,10-8 1,1-5 89,4-12-180,1-4 810,0-2 0,0-8 0,0-3 0</inkml:trace>
+  <inkml:trace contextRef="#ctx0" brushRef="#br1" timeOffset="151831">6703 14814 11041,'0'38'809,"0"-6"-809,0 6 0,0-6 0,15 6-539,-11 20-1,20-12-90,-22-7 1,-1 0-181,16 4 90,-16-9 1,0-1-271,6 1 990,-7 5 0,0-20 0,0-2 0</inkml:trace>
+  <inkml:trace contextRef="#ctx0" brushRef="#br1" timeOffset="151981">6510 15175 9242,'0'-18'90,"27"0"-360,-20 1-90,50 1-180,-32 0-584,10 6 0,4 1 1124,7-3 0,19 0 0,-21 7 0</inkml:trace>
+  <inkml:trace contextRef="#ctx0" brushRef="#br1" timeOffset="152537">7387 15446 10771,'-10'5'989,"3"-21"-1079,25 12 90,-14-35 0,32 22 0,-32-21 0,34 9-3392,-15-15 3482,1 11-90,8-10 0,-28 15 0,18 1 180,-20 2 180,6-6-270,-8 9-180,0-6 180,0 17 3662,0 0-3752,0 27 0,0 10-180,0 32 0,0-7-45,0-12 0,0 0-135,0 10 0,7-7 1,4-1 89,6 5 45,-2-9 0,1-2-341,-1 1 476,-4 8-454,-3-16 364,-6-8 180,6 2 0,-27-12 360,-3 0-90,-22-6 202,1-2-112,-4-18-270,22-2 8,3-23-98,22 9-450,0-21-89,24 18-91,-10 1 0,3 1-674,27-8 944,-22 15 0,0-2 360,3 1 0,-1 1 0,12-12 0,-11 13 0,-1 0 0</inkml:trace>
+  <inkml:trace contextRef="#ctx0" brushRef="#br1" timeOffset="152849">7953 15076 9602,'0'32'1619,"0"-5"-1529,0 8 89,0-12 1,0 5-180,0-7 180,0 11-180,0-9 0,0 19 0,0-17 0,13 25 0,-10-26 270,17 15-270,-18-27-180,5-1 90,-7-30 90,0-23-90,0-6 45,0 8 0,0 1-135,0-9-135,8 7 1,0 0-303,-4-9 78,11-11-631,1 7 631,0 17-615,18-12 525,-11 27 629,11 4 0,-13 12 0,7 5 0</inkml:trace>
+  <inkml:trace contextRef="#ctx0" brushRef="#br1" timeOffset="153182">8538 15164 10771,'-36'0'1439,"-1"0"-1079,5 0-360,1 0 0,6 0 0,12 15 0,-1 3 0,13 16 0,-5-8 0,6 0-90,24-17 90,0 10 0,4-12-90,8 6 90,-14-8 0,14-5 0,-16-15-90,0 11 90,-18-26-270,5 5-90,-7-16 90,-23 7-179,18 0-181,-37 14-179,37 1-1,-38 2-899,19-2 810,-2 6 899,-6-1 0,28 10 0,-9 0 0</inkml:trace>
+  <inkml:trace contextRef="#ctx0" brushRef="#br1" timeOffset="153731">8698 15141 10321,'3'4'630,"-1"1"89,-1-3-539,1 1-90,-1 1 180,2 1-270,0 0 90,1 9-180,0-5 90,1 13-90,-2-9-270,-1 16 270,0-16-90,-1 6-629,1-13 809,-1-21 90,7-6 0,0-21 180,10 9-90,-7-3 89,4 21 1,-6-9-90,0 22-90,-1-7 180,4 9-180,-4 0 0,7 18-90,-7-13 0,6 32 90,-8-12-180,3 9 90,-3-2 0,-1-9 90,2-4-180,1 4 0,-2-12-180,3 6 180,-4-15-90,3 3 180,-1-5 0,1-20 0,1 15 0,0-35 90,2 23 270,8-30-180,-7 17 90,8-13-180,-13 28 359,4-11-269,-7 23-180,2-7 0,-2 10 0,2 0-90,1 0-449,8 17-91,-2 4-2158,13 21 989,-8-8 1799,7 1 0,-4-11 0,4 1 0</inkml:trace>
+  <inkml:trace contextRef="#ctx0" brushRef="#br1" timeOffset="154581">10077 15045 11940,'0'33'360,"0"8"-450,0-9 180,0 4-90,0-11-90,0 1 90,0-4-180,0 1-90,0-5 90,0 0 90,0-6-719,17-1 629,0-6 180,13-1 0,-16-26 0,2 17 0,-14-38 90,10 26 270,-7-33 0,1 20 89,-2-19-269,-4 23-180,0-3 90,0 13-90,0 4 90,0 3-720,0 35-89,0 2-271,15 21-1618,-11 1 2608,28-20 0,-27 6 0,12-13 0</inkml:trace>
+  <inkml:trace contextRef="#ctx0" brushRef="#br1" timeOffset="155148">10548 15011 9422,'-38'0'1619,"3"16"-1439,17 3-180,-1 1 0,18 16 0,-6-4 0,26 10 0,-15 1 0,35-10-180,-34 0-525,36 1 615,-35 0-90,34-2 0,-35-2-295,28 6 205,-23-12-270,6 6 270,-9-17-90,-7-1 181,0-8-541,-22-2 540,-4-1 0,-1-15 0,-13 10 180,21-26 90,-5 6 360,10-19-90,14 6-90,0 1 517,19 11-607,-15 2-180,43 0 171,-21 2 9,26 2 0,-7 3 0,-13 6 0,1 0 0,18-3-90,-10 3 0,0 1 0,2 2 180,10-3-1,-24 6 91,-4 0-270,-4 0 90,-3-1-90,-9 0 0,-2-5 221,-6 3-41,-18-6-270,13 5 90,-13-3 0,-6 5 90,-1 2-90,-20 1-90,8 16 0,7 6 0,15 17-90,5-4-90,9-1-629,0 4 179,24-10-629,3 18 629,3-22 0,17 4 1,-27-12-181,24-3-140,-12-5 950,-3-2 0,0-3 0,-2 0 0</inkml:trace>
+  <inkml:trace contextRef="#ctx0" brushRef="#br1" timeOffset="155482">11162 15122 9512,'0'-11'449,"-15"1"1,11 3 180,-11 2-1,7 3-449,6 18-180,11 6 0,-5 13 0,13-3 0,2-3 0,-15 0 0,28 0 90,-29 1-180,21-2 90,-21 0 0,19 7 90,-12-12-90,6 8 0,-7-19-90,-6-2 0,-3-22 90,0-10 0,-15-25-90,11 6 90,-4 8 0,0 0-180,8-7-225,10-3 1,1 1-226,-6 1-90,11 4 1,4 3-1,-1 9-1168,19-5 1888,-8 21 0,1 0 0,-11 9 0</inkml:trace>
+  <inkml:trace contextRef="#ctx0" brushRef="#br1" timeOffset="155805">11780 15111 10681,'-41'-24'1619,"-2"1"-1619,10 11 90,1 3 0,12 9-90,2 0 0,0 0 90,-1 19-180,9 6 180,1 21-270,9-6 270,17 13-90,7-20 0,-2-6 0,-1-2 0,4 3-90,13 7 180,-33-16-90,27-2 90,-29-3-180,19-4 90,-20-2-270,5-2-719,-7-3 269,-21-1-179,15 1-271,-42-3-1458,10 1 2628,-12 0 0,-1-1 0,15 1 0</inkml:trace>
+  <inkml:trace contextRef="#ctx0" brushRef="#br1" timeOffset="156135">12282 15171 11400,'0'-7'1080,"0"2"-810,17 2-180,3 2-180,19 18 180,0 4-3842,1 23 3482,-8-8-90,-6 2 0,-7-10-359,-2-1-91,0-1-89,-2-1 89,-2-3-179,0-2 989,5 2 0,-4-10 0,5 1 0</inkml:trace>
+  <inkml:trace contextRef="#ctx0" brushRef="#br1" timeOffset="156519">12943 15108 11311,'-39'18'899,"0"2"-899,1 23-90,8-11 0,1 2-90,9-11-90,1 1 1,-1-4-91,4 0-1259,-13 4 1259,15-13-180,-15 2 270,20-13 90,-9-14 90,10 10 90,-3-27 0,6 27 0,2-34 180,1 21 360,2-32-270,0 19 270,17-20-91,-13 25 91,13-5 180,-3 16-271,2 6-449,18 3 180,-9 5-180,18 17 0,-17 5-135,-1-2 0,1 2-404,5 13-393,10 0 123,-13-9-91,-1-2-179,-1 0-270,1-3 1349,-1-1 0,0-4 0,0-1 0</inkml:trace>
+  <inkml:trace contextRef="#ctx0" brushRef="#br1" timeOffset="156715">13305 15161 10681,'-34'-7'989,"15"17"-899,-3-6-180,20 29-180,-19-18-989,6 30 540,-6-15-181,3 10 1,8-10-1,3-3 900,4 1 0,2-3 0,1-2 0</inkml:trace>
+  <inkml:trace contextRef="#ctx0" brushRef="#br1" timeOffset="157331">13623 14714 11400,'3'24'810,"-1"15"-630,1-20-180,-1 38 90,0-18-90,-1-2 0,-1 0 0,1 7-45,0-7 0,0 0-135,2 3-180,-1 19 180,1-30 0,0 3 1,-1-16 89,2-5-180,-3-4-360,3-2 540,-1-4 0,3 0 90,-1-17 0,4 0 0,-2-3 180,3 7 0,-3-1 90,1 10-270,2-10 180,-2 13-90,3 0 0,0 0 90,9 15-180,-4 5 0,21 16 0,-14-15 0,0 3 0,2-2 0,6-6-90,11 24-90,8-23 90,-12 0 0,-4-12 0,1-1 90,5 4-90,22-23 90,-30 12-90,3-28 0,-17 6 180,-10-8 90,-1-14 90,-27 18 179,-9-19-269,-11 21-768,-1-5 768,10 13-180,1 3 90,3 5-90,3 3-90,10 4 360,-6 3-450,17 21-90,-8 6-539,31 24 89,-14-11 86,34 1-356,-36-14 1,42 0-181,-28-3 1170,24-2 0,-15-4 0,1-2 0</inkml:trace>
+  <inkml:trace contextRef="#ctx0" brushRef="#br1" timeOffset="157681">14413 15204 10591,'-16'-17'1709,"2"4"-1709,14 26 0,17 7 0,-12 25 0,24-11-90,-27 1 180,18-10-90,-17 1-90,5-3 90,-1 6-90,-1-10-270,2 4 180,-4-32 180,-4-9 0,0-17-269,0-20 179,0 17-45,8 5 0,1 0-225,-5-6 90,12 9 0,2 1-90,0 0-539,14-8 449,-16 22-179,9 1-1260,-8 10 1889,6 2 0,0 2 0,-7 0 0</inkml:trace>
+  <inkml:trace contextRef="#ctx0" brushRef="#br1" timeOffset="157981">15002 15336 9871,'4'7'1350,"1"0"-541,-2-1-719,1-2-90,-1-3 90,1-1 0,3-13-90,-2-1-90,3-15 90,-6 5-90,-1-7 90,-1 12-90,-19-12 90,-5 15 180,-20-7 90,2 14-180,6 0 0,15 24 0,9 6-90,12 22-180,21-8-90,0 5 45,8-19 0,4-3-314,15 13-1171,2-6 1,4-2 210,-16-10 1,1-2 1498,15 5 0,2-2 0,-11-6 0,0-2 0,2 1 0,0-1 0</inkml:trace>
+  <inkml:trace contextRef="#ctx0" brushRef="#br1" timeOffset="159115">16358 15220 12300,'48'0'180,"7"0"-920,-14-15 650,4 12 90,-12-26 0,-2 26 0,1-28 359,-4 17-359,-4-14 89,-3 7 139,-1-8-138,-12 7 0,1-13 0,-9 18 0,0-4 0,-17 12 423,13 1-423,-29 4-90,9 3 0,2 17 0,-14 11 90,19 10-449,-3 22 89,7-19-180,13 15-1079,0-1 270,0-12-1,8-9 1,5-2 1259,13 6 0,13 3 0,-4-14 0</inkml:trace>
+  <inkml:trace contextRef="#ctx0" brushRef="#br1" timeOffset="159730">16918 15174 9781,'0'-14'810,"0"2"-180,0 4 359,0 2-989,0 26 0,15 9 0,-11 14-247,11 3 247,2-8-180,-4 22-90,6-14-90,-10 13-539,1-9 629,-8-17-90,8 12 0,-10-29-809,0 1 1079,0-35 90,0-24 0,0-5 90,0 9 0,0 2 90,0-5-645,0-12 735,0 17-90,14 4 139,-11 1 311,24 0-360,-24 11 179,20 3-89,-10 12-180,10 22-180,-3 11 180,-2 24-180,-8-6 0,-1 15 0,-6-27 842,0 16-842,-2-26-90,0 1-629,-1-12 539,0-24 90,0-6 0,0-15 180,0-3-180,19 5 180,-15-2-90,31-1 360,-15-11-180,0 10 269,14-14-269,-15 26 0,1-2 0,7 16-90,-17 4 90,10 4-90,-7 0-90,0 0 0,-1 20 90,3 7-90,-5 11-360,7 16-90,-8-20-779,3 11 510,-2-13-91,1-4-89,2 0-91,2-4-89,1-2 1079,1-3 0,1-4 0,2-2 0</inkml:trace>
+  <inkml:trace contextRef="#ctx0" brushRef="#br1" timeOffset="160299">17825 15290 10231,'0'-15'1349,"-18"-2"-1079,3 6 360,-17 0-540,7 8-90,11 16 0,-7-9 90,15 42-180,-10-26 45,11 15 0,4 3-225,-4-3-45,15-3 0,3-1-134,-7-5-181,34 11 450,-17-20-90,-2 0 180,17-12 90,-16-2-90,17-3 180,-19-22 180,2-1 0,-15-3 540,4-23-541,-6 32 91,-2-32-360,-3 26 270,0 1-270,0 29 0,0 10 0,0 26-90,18-10 90,-13 1-270,27-2 180,-14-11-180,16 4 91,-6-11 89,9-8 0,-16 0 180,8-6-90,-10-21-90,-2 16 180,0-34 0,-5 24 179,0-18-269,-3 8 630,-1-11-360,-2 11-90,-1-14-90,-4 21 359,-1-3-449,0 33-449,0 8-1,0 27-90,0-9-179,15 0-361,-11-11-179,10 0 90,-3-1-450,-9-2 1619,9-2 0,-2-2 0,3-1 0</inkml:trace>
+  <inkml:trace contextRef="#ctx0" brushRef="#br1" timeOffset="160482">18238 15066 9332,'-6'-24'0,"1"3"0,-2 7-3418,2 5 3418,5 28 0,17-16 0,6 20 0</inkml:trace>
+  <inkml:trace contextRef="#ctx0" brushRef="#br1" timeOffset="160832">18583 15703 9602,'7'-18'539,"0"13"-269,1-33 0,2 21 180,7-37-450,-3 18-1332,3-18 1332,-5 14 180,0-4-229,-5 11 1,1-1 137,3-20-44,-3 19 0,-2-1 135,-1-3 0,0 1 90,2-19-135,-4 7 0,0 1 135,-1-7-180,-1 21 0,-1 1 90,0-7-521,0 6 341,0 7 360,0 5-91,-17 11-179,-2 30-90,-2 4 0,5 11 0,4 5 90,9 14-135,-7-1 0,0 2 139,9-19 1,0 1-545,-2 26 1,0 0 134,1-24 0,4 0-675,6 22 1,6 0-312,-2-26 0,1-1 536,7 8 1,1-1 764,17 6 0,-2-4 0,3-4 0</inkml:trace>
+  <inkml:trace contextRef="#ctx0" brushRef="#br1" timeOffset="161965">19555 15701 9242,'25'-15'899,"16"11"-539,-22-31-180,21 16-90,-7-21 45,-7 13 0,0 0-1488,14-18 1308,-13 15 0,-2-2 135,10-14 0,-3-3 0,-1 1 0,-12 12 0,-1-1 90,8-15 89,-10 8 1,-2 1-90,-3-2 0,-2-21-180,-7 37 0,-2-2 180,0 20 180,-16 5 187,12 23-458,-33 2 1,31 24-135,-11-10 0,-3 1 45,-2 25-451,5-3 0,2 1 451,4-21 0,1 1-90,3 24 0,4-1 90,2-24 0,2-3-90,8 11 0,1-2-838,-5 9 568,37-3 649,-20-5-604,7-18 0,3-2 45,12 7 0,-5-10 0,1-4 180,8-6 0,-7-4 1,0-3 89,1-3 0,11-19 269,-16-5 1,-13 0 360,2-29-270,-19 33 89,-1-36-269,-6 31 1201,0-4-1291,-19 13 655,15 3-745,-15 1 43,4 6-1213,11 0-539,-10 21-629,28 0 809,-10 20 1529,30-18 0,-30 14 0,15-11 0</inkml:trace>
+  <inkml:trace contextRef="#ctx0" brushRef="#br1" timeOffset="162133">20487 15274 9602,'0'-6'-2159,"0"1"2159,20 3 0,1 1 0,19 1 0</inkml:trace>
+  <inkml:trace contextRef="#ctx0" brushRef="#br1" timeOffset="162400">20955 14932 10861,'-16'21'2338,"4"9"-2248,12 14 0,0 4-90,0-6 0,0 4 0,0-10 0,0 0-2281,0 22 2146,0-20 0,0 0-135,0 17-133,0-4-496,0 0-1350,0 15 900,0-19 1349,-1-11 0,2-2 0,10-1 0,3 7 0</inkml:trace>
+  <inkml:trace contextRef="#ctx0" brushRef="#br1" timeOffset="162782">21310 15365 10501,'-41'-13'1529,"7"2"-1169,-2 11-180,7 0-90,-2 0 0,-1 0 0,-2 21-180,1-16 180,2 36-90,3-24-180,7 19-180,5-8-450,6 12-89,6-10-90,22 8-1350,15-6 900,11-11 1373,9 4 0,-9-14 0,4-2 1</inkml:trace>
+  <inkml:trace contextRef="#ctx0" brushRef="#br1" timeOffset="163115">21410 15618 11580,'31'11'0,"17"-9"0,-30 9-180,32-11 91,-20 0-181,15 0 270,-22 0 0,3-18 0,-13 2 90,-6-18 90,-3 10-1,-4 1 361,-21-1-360,15 7-180,-31-7 270,33 14-180,-22 1-270,24 21-540,-9 8 1,11 20-91,23-4-539,7 14 449,15-19-2322,1 8 3222,-4-14 0,5-2 0,4-2 0</inkml:trace>
+  <inkml:trace contextRef="#ctx0" brushRef="#br1" timeOffset="164032">23195 14722 9871,'-29'0'2339,"11"10"-2609,-6-8-629,20 21-630,-22-10-270,15 15 629,-2-1 1170,5-3 0,8-2 0,0-6 0</inkml:trace>
+  <inkml:trace contextRef="#ctx0" brushRef="#br1" timeOffset="164231">23238 14774 10411,'-28'0'-450,"12"15"-269,-2-11-91,16 28-89,-11-18-361,12 16 1260,-4-3 0,5 2 0,0 3 0</inkml:trace>
+  <inkml:trace contextRef="#ctx0" brushRef="#br1" timeOffset="164715">23867 15281 12030,'38'17'540,"-7"12"-540,0-25 0,-7 27-180,0-18-989,11 25 269,-8-13-1079,17 22 810,-20-20 1169,7 9 0,-14-15 0,0 0 0</inkml:trace>
+  <inkml:trace contextRef="#ctx0" brushRef="#br1" timeOffset="164918">24182 15217 11131,'-14'0'539,"2"0"-449,0 0-90,1 15 0,-12 7-270,3 10-1169,-18 20 540,12-16-1961,-8 16 1601,10-11 1259,3 0 0,3 1 0,2-2 0</inkml:trace>
+  <inkml:trace contextRef="#ctx0" brushRef="#br1" timeOffset="165582">24588 15263 12030,'8'-8'1259,"4"-1"-899,-4 1 90,13 3-450,-9 2 90,15 2-90,-11 21 0,5-15 0,-7 36 0,-1-22-270,1 20-90,-2-7-89,0 3-541,-1-4 1,-1 2-271,3 6 136,-1-4 0,1-2-316,-2-8 1440,5 4 0,-6-17 0,-1-1 0</inkml:trace>
+  <inkml:trace contextRef="#ctx0" brushRef="#br1" timeOffset="165799">24988 15248 11850,'-17'14'90,"-14"6"-180,27 15-270,-30-1-179,19-3-181,-16 0-89,6 2-990,-9 12 449,8-10 1350,-5 7 0,12-15 0,3-1 0</inkml:trace>
+  <inkml:trace contextRef="#ctx0" brushRef="#br1" timeOffset="166065">25317 15277 10501,'26'0'989,"1"14"-629,12-11-270,-11 26-90,10-25 0,-3 25-270,-10-10-899,13 12 449,-20-6-1169,7 3 900,-11-13 989,0 4 0,-4-10 0,-1-1 0</inkml:trace>
+  <inkml:trace contextRef="#ctx0" brushRef="#br1" timeOffset="166273">25657 15228 11221,'-15'26'359,"11"23"-539,-26-30-270,18 12 1,0 1-540,-22 2-3011,10-2 1,-1 1 3999,-7 2 0,-7 13 0,12-18 0</inkml:trace>
+  <inkml:trace contextRef="#ctx0" brushRef="#br1" timeOffset="166881">23742 14776 10321,'-17'33'990,"-3"7"-721,-1-8-823,-14 8 554,19-9 0,-18 6 0,7 2 90,-1 1-405,9-11 1,1 1-226,-11 13-675,3-1 1,0 0-45,2-2 1259,7-10 0,0-2 0,4-4 0,1-3 0</inkml:trace>
+  <inkml:trace contextRef="#ctx0" brushRef="#br1" timeOffset="167205">23498 14776 10231,'-17'-4'1259,"3"1"-1259,6 1-359,5 18 89,-5 1-180,8 11 90,12-13 270,-9-22 0,16 3-449,-17-24-361,6 12 900,-8-8 0,0 9 0,0 6 0</inkml:trace>
+  <inkml:trace contextRef="#ctx0" brushRef="#br1" timeOffset="167516">23347 15650 9781,'-9'4'1260,"7"0"-990,-7-3-181,9 4-89,0-1 90,0 4-90,20-2 0,3 5-90,23-6-179,-1 2-91,-6-6-630,4-1 541,-20-17-181,2 13-989,-16-26 1619,-4 9 0,-5-14 0,0-5 0</inkml:trace>
+  <inkml:trace contextRef="#ctx0" brushRef="#br1" timeOffset="168281">26517 14796 10771,'0'-14'540,"0"0"-181,0 5-89,0 2-90,0 1 180,0 3-180,-14 1-180,10 16 0,-24-10 0,16 32 0,-13-15 0,1 24-180,6-13 0,-2 1-1852,-12 20 1807,12-16 0,-2 2-495,1 0 1,0-1 224,5-8 1,-1 0-451,-9 17 1,1 0 944,-3 3 0,12-19 0,-1-1 0,-2 7 0</inkml:trace>
+  <inkml:trace contextRef="#ctx0" brushRef="#br1" timeOffset="168609">26127 14760 10141,'-21'15'-180,"5"4"-179,16 10 269,18-2 90,-14-8-90,29-9-180,-21-3 90,13-7-270,-15-19-180,-2 2 1,-8-14 629,-16 15 0,12-2 0,-13 7 0</inkml:trace>
+  <inkml:trace contextRef="#ctx0" brushRef="#br1" timeOffset="168948">26430 15520 9242,'-23'5'629,"-16"-1"-539,33 1 180,-32-1-180,33 1-90,-27 0 0,28 1 0,-17 1 0,20 4 90,-5-2-90,6 5 0,22-7 0,2 1 0,25-5-90,-13-1 0,-1-2-180,-12-17 90,-2 13-269,-9-31-1,6 31-899,-15-44 629,7 29 720,-10-26 0,0 20 0,0 0 0</inkml:trace>
+  <inkml:trace contextRef="#ctx0" brushRef="#br1" timeOffset="169298">26938 14553 8702,'8'-1'0,"-1"0"630,1 1-360,-1 0 179,4 18-359,-4 2-90,3 21 0,-6-8-360,2 16-179,-5-16-91,0 11-899,-1-1 1529,0-10 0,0 4 0,0-14 0</inkml:trace>
+  <inkml:trace contextRef="#ctx0" brushRef="#br1" timeOffset="169485">27027 14718 9062,'14'-1'-630,"-4"0"1,-2 19-91,-5-14 720,-1 28 0,-1-8 0,-1 17 0</inkml:trace>
+  <inkml:trace contextRef="#ctx0" brushRef="#br1" timeOffset="169773">27315 15628 11490,'7'3'1709,"0"-1"-1529,0 0-180,-1-1 90,0-1-449,0 0 359,-1 0 0,-2 0 0,-2 0 0</inkml:trace>
+  <inkml:trace contextRef="#ctx0" brushRef="#br1" timeOffset="182065">2545 17044 10681,'-27'0'2429,"10"15"-2429,-11 4 0,23 10 0,-35 0 0,23-4 0,-19 4 89,-4 13-178,8-9 44,10-8 0,0 0-45,-1 1-90,-4 23 90,17-27 0,1 16 90,7-24-90,2 3 90,20-9 0,-16-1-270,36-3 0,-10-1-90,10-2-1349,16-1 720,-20 0-1170,22-15 2159,-23 11 0,8-28 0,-13 12 0</inkml:trace>
+  <inkml:trace contextRef="#ctx0" brushRef="#br1" timeOffset="182313">2577 17286 8612,'-14'0'720,"1"0"-181,-7 13-449,6-10-90,-3 26 90,5-24-90,1 27 90,0-18-90,-2 26-90,4-16-539,-3 21-91,7-18-719,-1 20 359,4-21 1080,1 9 0,0-15 0,0 2 0</inkml:trace>
+  <inkml:trace contextRef="#ctx0" brushRef="#br1" timeOffset="182831">2400 16837 8972,'-26'-9'540,"-2"1"-181,2 5-89,-13 1-90,8 2-180,-2 17 0,0 6 90,-5 2-2171,0 14 1,1 4 2169,-2 4-89,14-15 0,1 3 43,-1 4 0,2 0 2,7-9 0,0 0-45,-9 23 0,2 0 90,1 8-135,9-9 0,2-1 135,3 7-135,4-22 0,4 1 0,8-4 0,2-2-135,-5 16 90,23-11 1,7-4-242,-3 1 196,17-10 0,6-6 45,-22-9 0,1-2-113,12 1 1,4-2 67,8-2 0,0-5 45,-13-6 0,1-3 30,5 4 0,5-2 0,-6-2 1104,-4-6 1,-1-3-1075,2 1 0,3-2 0,-5 1-15,-6 1 1,-3-2 89,10-6 0,-3-3 45,6-14 90,-6-1-90,-9-5 0,-18 14 0,-3-2 0,1-21-90,-5 7 0,-7 0 90,-22-10-90,5 11 0,-4 0-45,-3 23 0,-4 1-135,-13-15 0,-2 3-45,14 18 0,-2 2 45,-9-4 0,-1 3-719,-19 0 179,1 5 720,-2 7 0,1 4 0,0 3 0</inkml:trace>
+  <inkml:trace contextRef="#ctx0" brushRef="#br1" timeOffset="192698">4250 17195 8882,'-8'0'1349,"2"0"-1079,0-6 90,3 4 0,0-4-270,1 3 359,1 2 541,1-4-900,15 5-90,-12 11 90,26-8-90,-17 10 90,14 0-90,0-9 0,3 17 0,6-18-90,5 5 180,2 0-571,5-6 301,-2 6-180,4-2 90,-2-5-269,-2 7-721,15-5 541,-17 2-720,22 0 809,-34-2-179,5 1 809,-18-1 0,-4-1 0,-2 0 0</inkml:trace>
+  <inkml:trace contextRef="#ctx0" brushRef="#br1" timeOffset="193220">4823 17071 9871,'0'-7'1529,"0"3"-1349,0-1-180,0 3 810,0 0-810,20 1 90,3 13-90,24-10 0,-11 10 0,2-12 0,-9 12-90,1-9 90,1 9 0,-4-3 90,0-7-90,3 21 90,-11-14 0,3 18-180,-16-11 180,-1 18-180,-22-10 180,13 11 0,-35-7-90,33 2-180,-41 1-360,15 13 90,-13-12-315,20-5 1,1 1-925,-2 2 789,-4 8-179,13-13 1079,4-1 0,6 0 0,3-1 0</inkml:trace>
+  <inkml:trace contextRef="#ctx0" brushRef="#br1" timeOffset="193848">5692 17255 8972,'0'-6'1079,"0"1"-809,-17 2-180,-2 23 0,-18 8-90,10 11 0,0 1-90,15-8 90,-9 2 0,18 0 0,-15 1-180,16-3 0,-4-1 180,6-3-90,0-4-180,0-2 181,25-6-361,-1-2 360,26-7 90,-6-2 0,-1-27 0,-18-6 180,5-11 0,-18-13 89,2 20 181,-3-24-270,-11 24 270,2-16-450,-2 25 0,0-3-90,0 13 270,-14 7 0,10-2-180,-11 28 90,15 5-180,0 34 180,0-9-465,18 6 375,-14-15 0,28 2 90,-28-3-90,25 2 0,-25-2-90,26-3-270,-15 9 180,2-14-359,-1 14-1,-14-25-629,4 8 89,-26-17 91,-3 0 989,-19-10 0,19-2 0,6 0 0</inkml:trace>
+  <inkml:trace contextRef="#ctx0" brushRef="#br1" timeOffset="194456">6250 17483 7623,'20'-26'449,"-1"0"-269,1-15 90,-8 9 270,0-24-270,-9 21-180,-2-8 179,-1 4 91,-18 11-90,13-12-270,-29 23 270,20-3-180,-17 15 90,7 20-180,3 13 0,8 12 0,0 3 90,12 11-90,-5-10 0,4-7 0,4 0-906,15 6 906,-13 11-910,30-11 550,-5-14 90,-3-9 0,3-3-89,23-4 44,-13-6 0,0-3 45,12-2 90,-18-11 0,0 0 90,13 4 0,0-35 90,-3 21 0,-15-8 0,-1-4 90,11-11-1425,-10 5 1,-2-2 1694,-2-10-226,-10 16 1,-2 0 22,0-14 203,-5 1-90,-3 1 90,-2 4-1,-2 1 1,0 5 270,-16-7-270,12 13-180,-26-8-270,27 23 593,-11-1-323,14 8 932,-10 4-932,7 23 3237,-7 10-3417,10 15 135,0-10 0,0 0-225,0 13 135,0-15 0,0 2-90,0 0 0,0 0 330,0 18-375,6-9 1,1-1-181,-3 5-45,1-10 0,3-1-135,5 3-719,-2 19 449,4-29 91,-1 4-451,-8-11 451,2-8 629,-3 0 0,-5-11 0,0-1 0</inkml:trace>
+  <inkml:trace contextRef="#ctx0" brushRef="#br1" timeOffset="194598">6745 17473 9242,'-28'-23'1169,"2"1"-989,1 1 0,5 2-90,2 0 90,9 2-90,3 2 0,6 1-90,0 2-180,20-5-270,14 5-1966,-2 2 1,3 1 1425,27 2 405,-27 2 1,0 0 538,17 4 0,2-1 0,-1 2 0</inkml:trace>
+  <inkml:trace contextRef="#ctx0" brushRef="#br1" timeOffset="194965">7692 16848 9961,'0'-7'900,"0"0"-540,0 2 449,-14 3-359,-7 0-450,-24 24 90,11 12-90,9-2 0,2 4 90,1 24-90,6-14 0,2-1-798,2 12 798,6-20 0,2 0-180,1 14-90,3-2 90,0-1-405,10-16 1,5 0-136,14 14-315,0-10 1,3-3-225,17 2 1259,5 4 0,-12-20 0,2-2 0</inkml:trace>
+  <inkml:trace contextRef="#ctx0" brushRef="#br1" timeOffset="195284">8358 16781 9152,'38'0'2338,"2"20"-2068,-16-15-90,12 47-90,-14-29-45,-5 12 0,-1 4-45,2 5 0,-6-2 0,-2 1-838,-1 10 658,-5-17 0,-1 0-539,-2 16-541,-21 1-179,14-1 1439,-28-12 0,-8 0 0,22-10 0,0 0 0,-25 11 0,1 0 0</inkml:trace>
+  <inkml:trace contextRef="#ctx0" brushRef="#br1" timeOffset="198138">9200 17181 8972,'-19'-14'-180,"5"11"0,14-11 0</inkml:trace>
+  <inkml:trace contextRef="#ctx0" brushRef="#br1" timeOffset="198384">9133 17595 9602,'-17'-12'0,"3"-3"0</inkml:trace>
+  <inkml:trace contextRef="#ctx0" brushRef="#br1" timeOffset="216381">9970 16990 8612,'5'-4'810,"-1"2"-271,-1 1-359,-2-1-90,2 1 720,-1 0-630,0 0-1,0 1 91,1 0-90,0 0 0,2 0 90,3 17-180,-3-13-90,6 40 90,-7-23-90,2 42 0,-3-23 0,-2 4 0,0 0 0,1 2 0,-1-3 0,0-2 0,0-8-90,3 16 0,-4-28 90,3 7-90,-3-20-450,2 1 450,0-7-179,1-21 179,0 15 0,2-48 90,2 28 0,-2-29 0,2 16 0,-1 1 0,1-3 0,1 2-90,-1 1 180,2 2-180,2-7 90,1 11 0,5-7 0,-4 19 90,2 3 0,-4 9 89,-1 5-179,1 1 0,3 19 90,-2-15-180,4 47 90,-9-29 90,1 41-90,-6-31 0,1 11 0,-3-9-90,0-8 180,0 9-90,0-19 0,0 4-359,0-12 269,0-23 180,14-20-180,-10-6 180,21-7-90,-22 19-90,18 0 180,-18 1-180,19-8 90,-12 13 539,7-6-359,-5 21 0,-2 1-180,-3 7 90,2 17-90,-1-12 0,0 33 0,0-21 90,1 35-180,-2-18 90,3 26-90,-4-27-604,1 10 244,-1-18-181,0-1-179,0-2-269,7 4 359,-4-8-809,14 6 1529,-9-13 0,8-1 0,-5-6 0</inkml:trace>
+  <inkml:trace contextRef="#ctx0" brushRef="#br1" timeOffset="216781">10838 17241 8792,'0'-12'899,"0"0"-629,0 1-90,-14 2-180,10 1 90,-11 0-90,15 4 90,-10 0-90,8 19 0,-15-12 0,11 27 0,-11-6 0,8-4-540,-5 37 450,11-40-449,-2 37 449,5-38-90,0 4-90,19-9 180,1-6 180,15-17 360,-4-10-270,-7-21 90,-10 7 449,1-9-449,-11 17 0,2-3-270,-3 12-90,-3 4 360,0 1-450,0 42-270,0-4 0,0 28-179,0-17-810,13 1 719,-10-11 720,10 9 0,-1-15 0,2 0 0</inkml:trace>
+  <inkml:trace contextRef="#ctx0" brushRef="#br1" timeOffset="217181">11090 17206 8612,'0'-6'1079,"0"18"-1079,0 6 0,0 22 0,0-8 0,0 1-89,0-11-1,0-1-90,0 0 0,0-4 180,0 4-90,0-8 0,0 1 90,9-10 0,-7-21 270,28-20 0,-18-3-1,5 8 1,1 2 0,-5-1-180,5-9 90,-8 18-180,-1 3-90,-3 10 180,1-6 360,-4 14-450,0-7 0,-1 8 0,1 16 90,1-12-270,-1 28-90,2-28-270,0 35-89,0-21-1,0 19-809,2 2 539,0-11 900,2 8 0,-2-14 0,1 0 0</inkml:trace>
+  <inkml:trace contextRef="#ctx0" brushRef="#br1" timeOffset="217604">11520 17215 9602,'0'-14'359,"-15"3"181,11 3-360,-10 3-180,3 3 0,9 19 0,-16 6-360,16 22-180,-5 3 181,7-8 89,17 5 180,-12-22 90,30 3 0,-31-10 180,26-9 269,-18-14 181,2-13-180,-5-19 0,-9 7-360,0-8-90,0 14 269,0 1-179,0 30-180,0 18 90,0 16 90,0 6-180,0-8 90,0 4-824,12 1 734,-9 0-89,9-2-1,-12 0-270,0 13 270,0-13-836,-16 18 296,13-28-899,-26 9 1619,8-22 0,4 1 0,0-12 0</inkml:trace>
+  <inkml:trace contextRef="#ctx0" brushRef="#br1" timeOffset="217864">10805 16496 8432,'40'-18'1080,"21"-2"-990,-13 7 44,-9 6 1,0 1-135,4 3 0,15 0-1259,-39 22 450,1 11-271,-20 12 1080,-25 7 0,19-5 0,-18 3 0</inkml:trace>
+  <inkml:trace contextRef="#ctx0" brushRef="#br1" timeOffset="218466">12625 17100 10501,'0'-15'1259,"-16"2"-899,12-2-180,-28 6-90,17 1 0,-15 5-180,16 24 90,-10-15-495,16 29 0,3 5-134,-9-11-271,7 14 1,4 2-91,3-9-89,0 9 1079,27-18 0,-20-4 0,19-2 0</inkml:trace>
+  <inkml:trace contextRef="#ctx0" brushRef="#br1" timeOffset="218847">13093 17212 9691,'-22'-11'1530,"-16"4"-1261,33-2-89,-35 6-180,34-2 180,-36 3-90,16 1-90,-18 20 0,11 5 0,5 23-90,18-10 0,1 1-180,9-12 1,0-1 89,0-2-450,23 5 270,3-8 180,27 0 180,-12-13-90,14-4 90,-23-3 0,9-18 90,-10-3 270,-11-2 540,2-23-631,-16 29 271,-3-31-540,-3 25 90,-14-1-90,-3 13-540,-1 28-809,6 8 720,12 24-361,0-13-1438,16 8 2428,12-20 0,9 4 0,5-13 0</inkml:trace>
+  <inkml:trace contextRef="#ctx0" brushRef="#br1" timeOffset="219046">13605 17261 8761,'-21'-16'1349,"4"4"-535,-5 2-544,17 2 66,-31 5-246,18 0-101,-12 22 101,6 5-90,9 14-209,8-3-1679,7 18 988,19-21-1349,7 25 2249,-2-37 0,21-2 0,-14-12 0</inkml:trace>
+  <inkml:trace contextRef="#ctx0" brushRef="#br1" timeOffset="219231">13745 16544 9512,'-44'-10'719,"2"3"-629,11 4 0,-15 22-90,10-14-2167,-8 42 1267,15-22-269,1 30-180,5-7 1349,2 7 0,7 3 0,2 3 0</inkml:trace>
+  <inkml:trace contextRef="#ctx0" brushRef="#br1" timeOffset="220664">14543 17101 8342,'-15'-3'720,"-22"1"-540,20 2 0,-20 0-90,1 17-90,8 5 0,-17 23 0,20-10 0,-7 16 0,21-22-90,0 10 180,10-16-90,1-1 0,0-3 0,18-3-90,-13-3 180,32-6-180,-8-2 0,10-4 90,16-23 0,-21 17-217,10-40 127,-13 27 90,-6-23 90,1 8-90,-5-4-90,-3-3 90,-2-3 45,-8 9 0,-1-1 45,3-20 90,-4 5 0,-1 1 0,-3-11 269,0 12 1,-1 0-180,-1-3-270,0-7 0,0 20 180,-15 16 450,11 2-540,-11 34 0,15 18-90,0 1 0,0 4 0,0 27 0,0-12 0,0 0-399,0 12 354,0-6 0,0-1-225,0 6-90,8-2 1,1-2 89,-4-4 135,9-9 0,3-3 45,-2-12-270,10 6 90,-12-23 28,11-1 63,-13-11 179,14-1 0,1-21-90,-7-5 180,14-22 0,-15 9 449,8-10-179,-16 20-180,1-4 0,-7 13 947,-1 3-1127,-2 25 0,-1 8 0,0 17 0,0 2-90,0-9 180,0 0-90,0 0-90,0 8 90,0-10-90,19 9 90,-14-19 0,27-2 0,-13-10 90,5-3-180,3 0 90,-9-16 0,4 12 0,3-44 90,-5 26 134,-5-8 1,-2-2-45,0 0 360,2-21-540,-9 26 90,-2-5-180,-3 17 180,-1 2-90,0 21-450,0 8 90,0 25-269,0-6-271,0 2-1169,15-1 900,-11-10 1169,23 6 0,-25-14 0,10-1 0</inkml:trace>
+  <inkml:trace contextRef="#ctx0" brushRef="#br1" timeOffset="220914">15245 16931 9152,'-8'-9'180,"6"0"719,-6 5-899,8 19 90,0 4-180,15 2-90,-11 14-90,12-20-809,-16 26 449,0-18-809,0 13 1439,0-18 0,0 1 0,0-10 0</inkml:trace>
+  <inkml:trace contextRef="#ctx0" brushRef="#br1" timeOffset="221120">15580 16682 9152,'8'0'1079,"1"0"-899,-1 0 270,3 17-360,-2-12-180,8 24 90,-5-26-900,16 9 1,-8-12-181,12 0 1080,7-18 0,-6 14 0,9-13 0</inkml:trace>
+  <inkml:trace contextRef="#ctx0" brushRef="#br1" timeOffset="221750">15863 17532 7623,'36'-47'449,"-16"8"-449,11 2-337,-26 6 337,29-4 180,-11-19-90,6 10-1,-11 4 1,-2-3 180,2-9-1055,-8 16 0,1 0 965,1-17 90,-3-1 257,-2 1-167,-2 1 89,-3 5-269,-1 5-415,-1-2 325,0 19 270,0-1-11,-17 20-349,13 29 0,-30-1 0,30 26 0,-24-5 960,25 4-960,-18 6 0,18 3 0,-6-2 0,9 1-135,0-21 0,0 0-135,0 16 180,9-13 0,0-1-89,-4 0 100,18-8 1,0-1-12,-16-5-180,44 5 90,-35-21 90,29-3 90,-23-3 278,14-19-278,-17-1 449,10-21 1,-16 22 0,2-14 516,-8 16-966,-4-1 299,1-4-209,-4 42-629,0 9-181,0 13-719,14 15 539,-10-30 900,21 14 0,-22-20 0,8 4 0</inkml:trace>
+  <inkml:trace contextRef="#ctx0" brushRef="#br1" timeOffset="221931">16573 16881 9871,'0'-9'-90,"-12"2"-1439,10 2 1529,-10 19 0,12 7 0,0 18 0</inkml:trace>
+  <inkml:trace contextRef="#ctx0" brushRef="#br1" timeOffset="222600">16707 17430 8882,'8'-18'899,"6"-9"-899,-3 8 0,3 2 180,1-28-180,-6 27 360,4-34-180,-9 26 630,-1-16-810,-3 20 0,0-11 89,0 21 1,-14-2-90,11 28 0,-22 10-90,23 23 1,-9-5-316,10-6 0,2 1 135,-1 1-45,-2-3 1,4-3 134,19-5-360,0 9 360,3-22 90,8 0 0,-12-10 90,8-3 90,5-20-90,-16 15 450,8-33-90,-13 12-1,1-9 1,-8 2 0,-1 10 180,-4 2-630,0-3 180,0 6-90,0 24-180,0 7-90,0 29 90,14-22 0,-10 16 0,22-18 90,-9 2-90,14 3 270,-5-21-90,0 6-90,0-9 90,-7-15 270,11-10 90,-15-8 360,7-18-271,-13 17 181,4-29-720,-10 35 90,1-15-450,-2 51 1,0 10-361,0 16-989,3 18 810,-1-20 989,4 25 0,-1-28 0,2 9 0</inkml:trace>
+  <inkml:trace contextRef="#ctx0" brushRef="#br1" timeOffset="222848">16562 16676 8702,'17'-14'989,"-12"0"-539,54 3-540,-31 3-1549,34 3 1639,-23 4 0,0 1-450,-1 0-663,12 23 214,-18 4 899,-7 0 0,-4 3 0,-8 16 0,4 5 0</inkml:trace>
+  <inkml:trace contextRef="#ctx0" brushRef="#br1" timeOffset="223002">16892 17840 7083,'20'2'0,"-4"0"0</inkml:trace>
+  <inkml:trace contextRef="#ctx0" brushRef="#br1" timeOffset="223750">18228 16753 9691,'-13'-12'1709,"10"2"-1079,-23 4-540,15 25 90,-3 0-90,-6 43-90,11-17-376,1-12 1,-1 0 375,-2 19-90,3 2-180,-1 0-180,0 0-179,2-2-271,-1-1-899,0 14 900,3-17 899,1-13 0,0-1 0,1 0 0,-1 7 0</inkml:trace>
+  <inkml:trace contextRef="#ctx0" brushRef="#br1" timeOffset="223915">17815 17301 9332,'-1'-14'90,"0"1"90,1 0-270,28 0 90,-21 1-180,53 0-2037,-29 0 1317,31 1-269,-8 0 1169,1 1 0,5 0 0,0 0 0</inkml:trace>
+  <inkml:trace contextRef="#ctx0" brushRef="#br1" timeOffset="224147">18603 16829 9422,'-22'44'1439,"3"-9"-1079,0 22-360,7-18 0,3-2 0,0 1-90,0 11-3280,0-7 0,0 1 2560,-1 8 405,3-18 1,1-1 722,-5 14-1667,1-2 1349,1-1 0,2-1 0,-1-1 0</inkml:trace>
+  <inkml:trace contextRef="#ctx0" brushRef="#br1" timeOffset="224772">18678 17378 10051,'0'31'990,"-13"-14"-990,10 13 90,-11-15-90,14 26-90,0-15 0,0 16 0,0-20 90,0 10-180,0-19-630,0 1 720,12-31 0,-1-22 180,14-6-1232,-7-12 1142,2 20 180,-5-1 89,0 0 1,3-8-180,-4 13 180,4-9 180,-11 29-360,2 0 0,-6 13 0,2 0-90,-1 0 1142,1 16-1052,0-11-90,0 32 0,3-7 90,-2 10-90,1 16-90,-4-24 90,0 8-270,-2-15 91,1-3-91,-2-3 90,0 0 90,1-8-450,2-1 360,1-7 0,16-23 90,-3 15 90,21-36 90,-12 13 90,17-21-180,-20 10 90,9 6 360,-19 12 0,1 11-270,-8 0 0,-3 10-180,0 15 0,1 6 0,-2 20 0,4-7-270,-1 2-180,0-10-90,0 0-539,5 9 449,-1-9-989,13 13 1619,-6-20 0,10 2 0,-6-11 0</inkml:trace>
+  <inkml:trace contextRef="#ctx0" brushRef="#br1" timeOffset="225154">19498 17401 9242,'-17'-15'539,"12"2"-449,-13 2 180,18 3 270,-14 2-450,1 3 90,-10 15-180,12 8 0,0 18 0,6-4 0,-1 12-90,3-19-450,3 24 540,19-27-180,-14 12-180,27-24 360,-14-3 0,7-21 270,0-8 90,-9-16 0,-2-1-270,-6 14-90,-3-6 180,-4 19-450,-1 10-540,0 11 361,0 25-811,0 2 541,14-6 179,-10-3-629,10-11 1169,-2-3 0,-9 0 0,10-2 0</inkml:trace>
+  <inkml:trace contextRef="#ctx0" brushRef="#br1" timeOffset="225502">19748 17483 8972,'0'11'1619,"0"2"-1529,0 25-90,0-3 0,0-6 0,0-5 0,0-9 0,0-2 0,11-6 0,-9 4 0,15-10 0,-11-11 0,5 6 0,0-27 180,3 27 180,1-34-181,2 33-89,-1-35 0,1 35-90,-2-28 360,1 23-360,-5-6 0,1 10 0,-7 6-360,2 15 1,-4 6-181,2-1-1259,-3 31 809,-1-32 990,-1 40 0,0-34 0,0 9 0</inkml:trace>
+  <inkml:trace contextRef="#ctx0" brushRef="#br1" timeOffset="225802">19288 16867 9602,'40'0'1169,"-9"16"-899,0-11-180,-11 11 0,1 0-90,0-11 0,8 23 0,-4-15-270,14 9-270,-15-11-90,8-4-89,-10-7-1,2 0-269,0 0-540,0 0 1529,2 0 0,1-20 0,0-6 0</inkml:trace>
+  <inkml:trace contextRef="#ctx0" brushRef="#br1" timeOffset="226220">20817 17320 10861,'-27'0'539,"3"0"-269,4 0-90,3 14-90,5-10 0,2 27-180,2-27 90,1 33 0,3-20-719,2 28 179,1-17-899,20 16 629,-14-20 810,27-4 0,5-2 0,-8-3 0,6-5 0,0 0 0</inkml:trace>
+  <inkml:trace contextRef="#ctx0" brushRef="#br1" timeOffset="226966">21248 17384 9152,'-20'-6'1259,"15"-3"-539,-31 8-451,13-3-179,-18 4 0,8 18 90,1 3-180,10 1 0,10 16 0,-5-22-90,15 18-90,-5-9-449,7 9 359,0-9-630,17 11 361,-13-19-91,34 3 360,-13-15 90,21 0 90,-13-5 90,-4-17 0,-3-5 0,-9 0 270,6-24 0,-13 29 360,0-32-360,-7 27-180,-2-4 809,-1 11-899,0 21 0,0 6 0,0 25 90,0-6-450,0 11 90,0-17 90,0 12-89,15-18-631,-11 4 270,24-16 91,-3 0 449,1-7 90,12-19 90,-20-3 270,11-19-91,-17 20 91,2-12-90,-9 29-180,-3-25 989,0 18-1079,-2 12 0,0 12 0,0 27 90,0-8-90,0 9-90,0-17-89,0 10 179,0-16-270,15 2 180,1-13 0,17-2 90,-2-22 0,1-4 0,-8 0 180,-2-28 0,-12 29 1079,0-46-989,-7 38-90,0-12-270,-3 24 719,0 3-719,-12 22-539,9 23-91,-9 4-809,12 24 450,0-29 1079,0 18 0,16-23 0,3 6 0</inkml:trace>
+  <inkml:trace contextRef="#ctx0" brushRef="#br1" timeOffset="227264">20823 17026 8612,'30'-13'450,"17"-3"-450,14 2-2786,-15 5 1,-2 1 2695,8 1 0,-17 3 1,-1 1 1128,5 3-1399,-2 0-1619,8 17 1979,-19 9 0,4 11 0,-21 3 0</inkml:trace>
+  <inkml:trace contextRef="#ctx0" brushRef="#br1" timeOffset="227764">22512 17327 10321,'-18'-20'720,"13"2"-540,-27 4 89,28 3 181,-26 2-360,11 5-90,-17 1 90,3 26-180,12 7 90,-4 28-180,22-12-180,-8 12 181,11-25-91,0 7-90,20-10 90,3-12 90,22 3 90,-11-16 0,10 0 90,-18-22-90,19-17 90,-30-2 360,13-24 0,-25 28 359,4-21-629,-5 24-90,-2-10 450,0 22-270,-14 3-90,0 36-90,-10 29 0,12 4-360,4-11 0,2 0-782,2 2 63,-4 18-90,3-22-181,0 0 1350,0-2 0,-2-3 0,0-1 0</inkml:trace>
+  <inkml:trace contextRef="#ctx0" brushRef="#br1" timeOffset="228284">22648 17656 8612,'10'-20'450,"1"-1"0,7-16-450,-3 7 269,14-27-179,-12 22 180,4-11 90,-2 2-90,-6 10 0,6-15-270,-10 24 180,3-5 179,-8 17-89,3 3-270,-4 7 90,3 25-90,-3 8 90,2 30-90,-1-11-45,-2-14 0,0-1-820,0 8 775,1 11-637,1-6 547,-1-14 0,4 14 180,-4-26-90,4 3 0,-2-17-180,2-1 270,1-6 0,2 0 0,0-21-90,7-7 90,-3-12 90,12-15-90,-12 19-956,-2 5 0,-1 0 1136,0-6 0,4-8 112,-7 17-292,0 6 0,-2 3 0,-1 3 180,0 8-270,-1 0 3482,0 8-3662,0 21-179,0-16-271,1 34-899,3-13 720,-1 10 899,4 12 0,-2-19 0,0 8 0</inkml:trace>
+  <inkml:trace contextRef="#ctx0" brushRef="#br1" timeOffset="228614">23280 17521 8702,'8'-11'450,"0"-6"-270,2 11-180,3-8 180,1 4-180,16-8 90,-11 5 89,16-10-89,-20 11 180,4-10 0,-10 9 0,-1-5-90,-6 3 0,0 3-180,-2-1 270,0-5-91,-17 6 181,-3-5-360,-19 13 90,8-1-90,1 5 0,1 18 0,15 7 0,-12 10-450,20 14 91,-5-16-721,7 25 361,4-24-565,19 9 475,-14-16-181,34-3 990,-35-4 0,39-3 0,-15-1 0</inkml:trace>
+  <inkml:trace contextRef="#ctx0" brushRef="#br1" timeOffset="228980">23703 17255 9332,'0'-10'539,"0"4"1170,0 0-1349,0 19-270,0 6 0,0 20 0,0-6-90,0 3 0,0-10 0,0 0 0,0 0-90,0-2 180,0-1-90,0-2 0,0-2 0,0 6 0,0-12-270,0 3 180,18-60 90,-13 19-135,13-15 0,1-2-45,-15 4-90,18 3 1,2 1-271,-8-5-855,23-11 765,-15 18 0,-2 7-336,1 2 336,-2 5-509,0 6 1139,0 3 0,-2 6 0,0 2 0</inkml:trace>
+  <inkml:trace contextRef="#ctx0" brushRef="#br1" timeOffset="229480">24185 17321 10321,'-16'-9'1079,"-3"6"-1079,14 9-179,-3 14-1,4 17-180,4 0 180,0 0 90,23-17-90,-17 8 180,33-26-90,-36 18 90,31-18-90,-30 8 90,41-9 90,-30 2-90,25-22 90,-24 14 90,3-31 90,-12 14 90,0 1-1,-6-13-269,0 17 90,-1-12 90,-15 14-180,-2 22 0,-2 20-90,-5 10 90,21 7-90,-7-6 90,10 23 0,0-12-90,-2-6 0,4-1 0,19 7 0,-11-9 0,0-1-296,15 4 296,6 7 0,-27-13 90,24-13-450,-26 5-539,10-18 89,-33-2 0,-1-8-269,-11-8 0,-4-2-572,-19 5 1391,16-12 1,-1 0 0,6 14 0,1 1 0,0-7 0,-1 0 0</inkml:trace>
+  <inkml:trace contextRef="#ctx0" brushRef="#br1" timeOffset="229672">25155 17712 8792,'0'-28'0,"0"0"0</inkml:trace>
 </inkml:ink>
 </file>
 
@@ -2831,6 +3178,750 @@
   <inkml:trace contextRef="#ctx0" brushRef="#br0" timeOffset="164995">12815 15069 10861,'-11'-9'270,"8"3"-270,-14 0 0,16-1 0,11 5 0,10-2 0</inkml:trace>
   <inkml:trace contextRef="#ctx0" brushRef="#br0" timeOffset="165903">13942 14802 11131,'15'-1'2158,"-14"13"-2068,39-8-90,-36 20 0,42-21 0,-27 21 0,23-12 0,-12 13 0,1-3-989,12 18-180,-10-8-540,-8-2 0,0 2 1709,4 5 0,5 13 0,-11-18 0</inkml:trace>
   <inkml:trace contextRef="#ctx0" brushRef="#br0" timeOffset="166087">14545 14800 11940,'-19'-19'360,"5"5"-360,0 6 0,-8 4 90,-10 21-90,3 0 0,0 4-45,6 2 0,0 3-1423,-8 6 0,-4 4 0,2-2 568,0 3 1,1 1-1,2-3 1,-2 1 0,3 0 899,-2 6 0,2 0 0,-1 1 0,1 0 0,2 1 0,0 0 0</inkml:trace>
+</inkml:ink>
+</file>
+
+<file path=ppt/ink/ink20.xml><?xml version="1.0" encoding="utf-8"?>
+<inkml:ink xmlns:inkml="http://www.w3.org/2003/InkML">
+  <inkml:definitions>
+    <inkml:context xml:id="ctx0">
+      <inkml:inkSource xml:id="inkSrc0">
+        <inkml:traceFormat>
+          <inkml:channel name="X" type="integer" min="-2.14748E9" max="2.14748E9" units="cm"/>
+          <inkml:channel name="Y" type="integer" min="-2.14748E9" max="2.14748E9" units="cm"/>
+          <inkml:channel name="F" type="integer" max="32767" units="dev"/>
+        </inkml:traceFormat>
+        <inkml:channelProperties>
+          <inkml:channelProperty channel="X" name="resolution" value="1000" units="1/cm"/>
+          <inkml:channelProperty channel="Y" name="resolution" value="1000" units="1/cm"/>
+          <inkml:channelProperty channel="F" name="resolution" value="0" units="1/dev"/>
+        </inkml:channelProperties>
+      </inkml:inkSource>
+      <inkml:timestamp xml:id="ts0" timeString="2021-10-01T03:55:49.220"/>
+    </inkml:context>
+    <inkml:brush xml:id="br0">
+      <inkml:brushProperty name="width" value="0.09071" units="cm"/>
+      <inkml:brushProperty name="height" value="0.09071" units="cm"/>
+      <inkml:brushProperty name="color" value="#FF0000"/>
+    </inkml:brush>
+    <inkml:brush xml:id="br1">
+      <inkml:brushProperty name="width" value="0.12095" units="cm"/>
+      <inkml:brushProperty name="height" value="0.12095" units="cm"/>
+      <inkml:brushProperty name="color" value="#FF0000"/>
+    </inkml:brush>
+  </inkml:definitions>
+  <inkml:trace contextRef="#ctx0" brushRef="#br0">1925 1224 9602,'0'-5'1259,"0"-1"-1079,0 2 90,0 0-1,0 0 1,0 1 90,0-2-360,0 19 90,0 8-90,0 12-90,0 23 0,0-17-135,0-3 0,0 0-220,0 8 355,0 10-270,19-7 270,-14-15 45,20-9 0,5-3-45,-6-1 90,12-7 0,3-4-90,3-2 180,14-1 0,-6-5 0,-15-1 90,7 0-270,-25 0-630,-24-9-449,-16 7 449,-29-7 91,10 9 629,-17 0 0,23 0 0,-10 0 0</inkml:trace>
+  <inkml:trace contextRef="#ctx0" brushRef="#br0" timeOffset="202">2050 1233 8972,'9'-22'1169,"-7"0"-899,14 1 90,-5-8-450,5 8 90,2-3-180,8 7-270,-5 8-809,23-3 539,-15 10-269,10 0-180,-10 18 1169,-2-11 0,-1 32 0,-2-11 0</inkml:trace>
+  <inkml:trace contextRef="#ctx0" brushRef="#br0" timeOffset="880">2180 723 7623,'-34'-5'359,"0"2"181,-12 1-450,9 2-540,3 9 1,0 4 629,-9 17-46,14-10 1,-1 3-45,-2 9 0,2 1-45,5-11 0,0 2-460,-17 20 1,1 2 414,16-15 0,2 0 45,-8 9 0,2 3-45,2 3 0,4 0 45,5-12 0,1 3-45,-6 24 0,4 1-651,10-26 0,3-1 695,-1 10 1,1 1-45,3-2 0,5-3-59,9-9 1,4 0 103,2 19 0,5-1-45,4-21 0,2-3-68,2 8 1,-1 0 67,21 7 90,3-3-135,-25-22 0,2 1 135,13 3 0,2-2-135,-10-5 0,1-1 90,26 5 0,1-2-45,-26-9 0,2-2 90,14 1 0,7 0 0,-7-5-90,-9-9 0,0-2 0,10 2 0,6 0 0,-7-3 0,-14-8 0,-2-3 30,2 2 0,3-1 0,-4 0 15,-7 0 0,-1-2-45,15-17 0,-3-2 90,-6-12-90,-14 19 0,-5-1-90,-4-18 90,-8-2 0,-3-3-45,-15 14 0,-2-1 90,13 11 0,-3-1-75,-16-5 0,-9-2 0,4 2-14,10 4 0,0 2-1,-20-12 0,-3 2-45,15 16 0,1 2-45,-2 2 0,0 1 0,-1 2 0,-1 1-225,-28-13-539,-1 6 449,-1 10-180,16 11 1,0 3-361,-21-1 990,22 3 0,1 4 0,-10 15 0,2 5 0</inkml:trace>
+  <inkml:trace contextRef="#ctx0" brushRef="#br0" timeOffset="1264">3682 1397 8882,'-18'12'-1259,"2"-9"449,1 9 810,2-4 0,2-6 0,0 7 0</inkml:trace>
+  <inkml:trace contextRef="#ctx0" brushRef="#br0" timeOffset="3331">3680 1470 7533,'-10'0'3867,"7"0"-3867,30 0 0,-5 0 0,-1 0-89,-2 0 178,1 0-89,2 0-89,2 0 178,2 0-89,0 0-179,2 0-541,12 0 360,-8 0-629,19 6 539,-22-5-270,7 6-629,-6-5 483,-9 0 866,4 1 0,-14-1 0,0-2 0</inkml:trace>
+  <inkml:trace contextRef="#ctx0" brushRef="#br0" timeOffset="3747">4022 1280 10591,'0'10'1439,"22"-9"-1439,2 28 0,15-26 0,-4 24 0,-5-24 0,-1 22 0,1-14 90,8 20-90,-10-12 0,10 19 0,-21-16-450,-3 21 180,-10-15-179,-24 11-631,-20 8 271,-10-10-46,7-4 1,-1-1-238,15-13 0,1-1 1092,-8 7 0,0-2 0,-12 8 0,5-2 0</inkml:trace>
+  <inkml:trace contextRef="#ctx0" brushRef="#br0" timeOffset="4430">4732 1735 9602,'35'-41'449,"-14"6"-269,7 4 0,-24 7 0,26-1-90,-26 1-90,20-1 180,-22 0 270,16-11-450,-16 10 0,6-8 89,-8 13 1,0 2-90,0 1 0,0 2 0,0 5 90,0 1-90,0 21 0,-13-9 0,10 32 90,-11-17-180,14 23 180,0-8-180,0 5 90,0 1 90,0 3-360,0 21 1,21-13 44,-11-7 0,0 0-1424,15 8 1514,-9-18 0,-1 0-494,4 28 359,1-16-225,-6-11 0,-1 0 46,-4 2-91,5 6 90,-8-16-89,-6-3 539,0-1 0,-21-4 0,-6-1 0</inkml:trace>
+  <inkml:trace contextRef="#ctx0" brushRef="#br0" timeOffset="4581">4810 2116 7892,'0'-27'180,"21"-13"-180,-16 7 0,24 5 0,4-1 0,-6-6-1243,3 12 0,2 1 883,5-9 0,1 0 1,2 0 89,-1 1-534,1 0 435,-4 1 369,-1 1 0,-2 1 0,-1 0 0</inkml:trace>
+  <inkml:trace contextRef="#ctx0" brushRef="#br0" timeOffset="4754">5412 1466 8072,'0'-8'540,"0"1"-180,0 3 989,0 0-989,-14 18-270,11 2-180,-18 23 180,18-12-90,-5 6-90,8-2-270,0-6-899,0 16 449,0-18 91,0 6-91,0-11 810,0-1 0,0-2 0,0 0 0</inkml:trace>
+  <inkml:trace contextRef="#ctx0" brushRef="#br0" timeOffset="4947">5412 1243 8522,'-11'-15'180,"8"2"-180,-8 5-180,11 0 180,0 4 0,0 18 0,0 6 0</inkml:trace>
+  <inkml:trace contextRef="#ctx0" brushRef="#br0" timeOffset="5296">5598 1492 10321,'0'36'180,"0"-7"-180,14 4 0,-10-8 90,20 13-90,-21-11 0,15 18-90,-16-23 180,5 5 90,-3-13 0,-2-4-180,2-1 0,-4-4 0,3-3 0,-2-1 0,6-17-90,-4 12-90,6-47 180,-3 28-135,1-12 0,1-2-45,1-4-180,5-14-539,-1 3 449,-3 16-809,5-17 449,-6 31 810,2 0 0,-1 16 0,0 3 0</inkml:trace>
+  <inkml:trace contextRef="#ctx0" brushRef="#br0" timeOffset="5884">6273 1411 9512,'0'-16'1349,"0"0"-989,0 0-181,0 1-179,0-2 0,-17-2 0,0 7 0,-4 1 0,-10 9-89,16 2 178,-27 15-178,14-11 89,-6 29-90,7-8 0,15 9-270,0 14 180,12-17-90,0 21 270,23-22 0,-18 9 0,36-2 0,-19-11 90,14 15 0,-16-21 360,3 8-360,-21-15-90,7 1 90,-9-6-90,0-3 0,0-2-540,-23-1-719,-3-2 449,-28 0-89,15 0 899,-10 0 0,33-15 0,-5-5 0</inkml:trace>
+  <inkml:trace contextRef="#ctx0" brushRef="#br0" timeOffset="6136">6473 1180 11760,'0'38'630,"0"-4"-540,0-2-90,0-3 0,0 18 90,0-10-180,0 15-180,0 2 0,14-13-135,-13-6 1,2-2-316,26 4-4111,-25 21 4021,19-29 1,-21 5-91,13-15 900,-13-2 0,4-4 0,-6-2 0</inkml:trace>
+  <inkml:trace contextRef="#ctx0" brushRef="#br0" timeOffset="6270">6398 1647 8072,'23'-17'-90,"-17"1"-179,44 7-181,-26 0-90,25 0 430,-11 1 1,1-1 0,-1 2 0</inkml:trace>
+  <inkml:trace contextRef="#ctx0" brushRef="#br0" timeOffset="6552">7170 1049 9781,'-26'0'1799,"1"15"-1619,4-11 90,0 34-180,-1-17 0,-1 24-963,-2-4 873,0 6 0,4 5 0,7-14 0,3 1-90,-3 22-2105,6-12 0,3 0 1566,3 7 314,11-21 0,1-1 32,-5 7-616,45-4-270,-22-4-91,32-6 1260,-9-5 0,7-7 0,2-3 0</inkml:trace>
+  <inkml:trace contextRef="#ctx0" brushRef="#br0" timeOffset="6830">7692 1081 10591,'44'35'1439,"-1"4"-1349,-21-6 0,11 4 0,-29-6-180,24 3 180,-25 3-649,16 4 109,-17 3-673,5 3 494,-7 2-1821,-12-12 0,-1 1 1101,7 22 1349,-21-19 0,-4-2 0,4 17 0,-2-28 0,0 0 0</inkml:trace>
+  <inkml:trace contextRef="#ctx0" brushRef="#br0" timeOffset="7488">8470 1485 9422,'13'12'-810,"-3"-2"810,-10-8 0,0-7 0,0-20 0</inkml:trace>
+  <inkml:trace contextRef="#ctx0" brushRef="#br0" timeOffset="7698">8493 1917 7982,'0'-29'-315,"0"1"0,0 13 1,0 3-1</inkml:trace>
+  <inkml:trace contextRef="#ctx0" brushRef="#br0" timeOffset="8282">9685 1605 10231,'10'-10'0,"-7"-3"90,18-1 180,-18-4-180,21-5 360,-9-14-450,6 7 90,-3-12 0,-7 12 89,-3-1-89,-1 0 90,-4 1-180,1 1 270,-3 2-90,0-8-180,-1 13-90,0-9 360,-15 20-270,0 21 0,-2 19 0,-4 15-135,19-8 0,2 1-225,-10 14-270,9-4 1,2 0-789,-1 10 968,0-20 1,0 1-361,0-2 1,0-1-181,0 18 990,0 13 0,0-25 0,0-2 0</inkml:trace>
+  <inkml:trace contextRef="#ctx0" brushRef="#br0" timeOffset="8431">9670 2018 9961,'21'-20'0,"-16"-6"0,40 23-1259,-5-23 0,12 10 1038,5-9 0,-12 5 1,0 6-1</inkml:trace>
+  <inkml:trace contextRef="#ctx0" brushRef="#br0" timeOffset="8948">10973 1365 9602,'-24'-10'89,"18"2"181,-56 4-90,37 2-135,-11 7 0,-2 4-45,-4 16 0,8-3 0,1 2-732,-3 18 642,-3 2 90,22 1 0,9-10 0,3 18-90,28-24-1,7 11 1,13-22 90,17 1 90,-22-12-70,13-3-200,-9-4 180,-14 0-270,5-19 90,-24 0-128,-2-18-592,-27 5-506,-8 3 1406,-24 5 0,11 11 0,-2 6 0</inkml:trace>
+  <inkml:trace contextRef="#ctx0" brushRef="#br0" timeOffset="9532">11205 1017 9152,'-22'0'1259,"10"18"-989,-3-13-90,14 37-90,-4-22 270,1 44-360,2-18 0,-2 18 44,4-29 1,0-1-45,0 19 0,0-9 0,0-2 0,0 6-90,8-11 1,2-1-91,-6 1-180,14 15 270,-8-29-90,-7 0-2069,7-12 1979,-10-23 270,0-7 0,0-15 0,0 0 0,17 7 0,-13-2 90,28-8 180,-12 10 360,18-4-450,-16 12 270,18 11-91,-29 0-89,19 8-180,-18 17 90,-2-13 0,-1 34 0,0-8 0,-2 10-90,-2 16 0,-4-20 90,-1 21-1,-18-24-89,14 6 90,-27-7-180,10-12 0,-19 8-90,4-17-180,-4 0-179,9-8-1,-2-1-1079,-15-2 539,10-16 990,-18-3 0,26-1 0,-4 5 0</inkml:trace>
+  <inkml:trace contextRef="#ctx0" brushRef="#br0" timeOffset="9997">11705 1493 10411,'0'5'2609,"0"11"-2519,0 19-1,0 5-89,0 18 0,0-11 0,0-2 0,0 0-1173,0 10 1128,0-18 0,0 0-135,0 14-179,0-3-91,0-1-90,0-5-449,0-1-1,0-6-1168,0 7 2158,0-14 0,0 1 0,0-13 0</inkml:trace>
+  <inkml:trace contextRef="#ctx0" brushRef="#br0" timeOffset="10180">11630 1445 10051,'0'-6'0,"0"2"-1439,13 0 630,3 3-91,8-1 900,-3 2 0,-3 0 0,0 0 0</inkml:trace>
+  <inkml:trace contextRef="#ctx0" brushRef="#br0" timeOffset="10498">12007 1719 9062,'0'5'1079,"17"-1"-899,0-2 0,19-16-180,-19-2 180,26-16-90,-36-1 270,28-2-180,-33 8-180,5 2 0,-7 9 0,0 1 89,0 2 91,-17 3 90,-3 4-180,-19 3 0,5 20-90,3 8 0,14 9-180,7 1-90,10-9 1,0 1-901,21 11 361,-15-9-226,22-8 1,5-2-405,-7 1 1373,36 0 1,-22-13 0,2-3-1</inkml:trace>
+  <inkml:trace contextRef="#ctx0" brushRef="#br0" timeOffset="10714">12498 1552 9422,'-31'-4'2158,"13"14"-2248,6 6-179,35 16-91,7-2-90,14-11-90,-1 5-743,-5-21 654,0 15-1,4-16 90,0 5-89,-1-7-361,-1 0 990,-3 0 0,-3 0 0,-1 0 0</inkml:trace>
+  <inkml:trace contextRef="#ctx0" brushRef="#br0" timeOffset="10947">12967 1221 9602,'-12'-30'989,"9"2"-719,-9 4-180,4 5 539,6 4 181,-6 6-360,2 4-360,4 23-90,-4 13 0,6 12 45,0 2 0,0 0-45,0 8-135,0 1 0,0 0-135,0-2-225,0-10 0,0 0-224,0 2-540,0 22 629,0-33-90,0 3 91,0-17-1,0-5-90,0-4 720,0-2 0,0-5 0,0-1 0</inkml:trace>
+  <inkml:trace contextRef="#ctx0" brushRef="#br0" timeOffset="11064">12757 1635 9152,'0'-35'1079,"0"0"-899,21-13-180,19 13-1813,-5 7 1,3 3 1632,-3 11 0,1 3-180,2-4 0,0 1-92,19 2-1077,-2 3 1529,-2 5 0,-4 2 0,-3 2 0</inkml:trace>
+  <inkml:trace contextRef="#ctx0" brushRef="#br0" timeOffset="11548">14450 1285 11400,'0'-6'810,"0"1"-810,0 21-270,-16 11-4521,12 12 4071,-13 5-269,7-7 698,7 2-699,-7 1-89,1-1 1079,7 0 0,-13-2 0,8-1 0</inkml:trace>
+  <inkml:trace contextRef="#ctx0" brushRef="#br0" timeOffset="11714">14233 1625 9512,'24'-27'629,"21"-1"-719,-19-1-2543,27-1 2723,-3-2-405,-7 9 0,1 1-90,-9 4 1,1 1-226,4-1 0,5-2 1,-4 3 629,-3 1 0,-2 2 0,13-5 0,-1 1 0,-16 6 0,0 0 0</inkml:trace>
+  <inkml:trace contextRef="#ctx0" brushRef="#br0" timeOffset="11916">15010 917 9961,'-16'22'1350,"-3"-5"-1081,14 22-89,-6-6-90,3 5 0,0 5-1221,-1 8 1131,-2 3-90,-3 5-360,-2 4-674,3-17 0,-2 2 449,4-12 0,-1 1 675,-8 25 0,-1-1 0,8-25 0,0-2 0,-4 12 0,1-1 0</inkml:trace>
+  <inkml:trace contextRef="#ctx0" brushRef="#br0" timeOffset="13456">15253 1438 10771,'0'32'90,"0"4"-90,0-8 0,0 3 0,0-9 0,0-2 0,0 7-180,0-8 90,0 1-90,-10-9 90,7-3-360,-7-2-449,10-1 809,0-21 90,0-5 0,0-13 0,19 0 0,-1-9 90,5 11 180,4-23-180,-10 24 180,12-10-91,-14 23 1,4 3 90,-9 11-180,3 4 0,2 20-90,-7-15 90,2 52-180,-6-33-533,-1 32 713,-3-21-90,0-2 0,0 0 0,0-2 0,0-3 0,0-3 0,-16 0 0,13-8-450,-13-2 360,16-28 623,0-9-533,16-13 0,-13-1 0,28-9 0,-10 11 180,12-20-180,-12 26 450,5-8-270,-16 24-180,8-4 270,-5 15-270,-4-2 90,4 20 0,-5 7-90,6 21-180,-5-8-630,5 16 271,-6-22-1,3 9-360,4-3 451,-3-12-901,14 11 1350,-9-21 0,8 2 0,-5-11 0</inkml:trace>
+  <inkml:trace contextRef="#ctx0" brushRef="#br0" timeOffset="13831">15967 1591 8792,'0'-21'1169,"0"0"-899,0 2 90,0 5-360,0 0 0,-15 4 540,11 2-360,-25 3-180,26 17 0,-21 8 89,16 18-178,-2 4 178,4-8-268,6 6 89,0-20-270,17 10 180,0-17 90,20 0 90,-4-9 0,-13-23 0,10 14 0,-16-32 0,3 14 540,-1-16-630,-15 2 270,4 8-360,-5 30-720,0 12 271,14 29 89,-10-8-90,10 0-809,1-1 450,-11-9 989,20 6 0,-22-14 0,6-1 0</inkml:trace>
+  <inkml:trace contextRef="#ctx0" brushRef="#br0" timeOffset="14213">16260 1558 10141,'0'40'720,"0"1"-630,13-11-90,-10 0 0,9-8 0,-3 7 0,-7-7 180,7 1 0,-9-9-1,5-9-358,-4 4 179,7-28 0,-4 0 0,3-16 89,4-8 91,-2 15-90,3-8-90,2 4 180,-3 10 180,5-3-450,-7 14 180,2 4-90,-3 3-630,4 36 91,-5-24-1260,5 56 899,-9-45-1169,1 38 2069,-4-32 0,0 9 0,0-14 0</inkml:trace>
+  <inkml:trace contextRef="#ctx0" brushRef="#br0" timeOffset="14514">16092 997 8972,'15'18'1979,"-11"11"-1709,21-16-270,-14 11 90,11-12-180,-3-4 90,3-8-450,-2 0 90,2 0-809,12 0 359,-7 0-719,19-16 1529,-19 0 0,9-3 0,-13 7 0</inkml:trace>
+  <inkml:trace contextRef="#ctx0" brushRef="#br0" timeOffset="14947">17370 1541 10861,'-18'-18'1169,"-6"-3"-1079,7 6 90,-8 1-90,13 8-90,-2 3 90,3 3-90,4 21-630,-2 3 360,7 12-809,-1 8 539,21-18-1349,21 24 1260,2-35-181,-4 4 1,1-3 809,3-13 0,18 6 0,-18-9 0</inkml:trace>
+  <inkml:trace contextRef="#ctx0" brushRef="#br0" timeOffset="15647">17783 1542 9152,'0'-18'989,"0"-2"-719,0 7 450,-16-1-540,-7 10-180,-12 1 0,12 18 0,-5-11 89,25 28-178,-18 0-91,19 0 90,-5 9 0,7-22-90,19 1-360,2 3 270,2-7-269,11 1 449,-10-13 0,20-1 90,-11-3 0,13-33 0,-26 24 269,-4-20 1,-3-3 180,-6 16-360,-2-28-180,-5 22 360,0 2-180,0 29-90,0 8 0,0 25-90,0-4-90,0-7 0,12-4 90,-9-11-90,20-7 0,-20 6-359,28-9 359,-17 3-90,26-4 270,-18-5 0,13-20 0,-15-2 90,5-2 90,-8-20 180,-6 37-1,-1-43-359,-7 37 630,-2-15-540,-1 39-90,0 5-90,0 24 180,0-6-90,16-14 0,-13 6 0,27-16 0,-18 2 90,14-4-90,-5-8 0,-5-13 450,0-5-90,-9 2-181,0-15 91,-3 27-90,-1-26-270,-1 16 180,-1-8-90,1 9-90,0 7-180,1 21 1,-1-12-901,4 26 541,-2-4-1170,5 16 719,-4-5 1080,3-2 0,-3-12 0,0 0 0</inkml:trace>
+  <inkml:trace contextRef="#ctx0" brushRef="#br0" timeOffset="15881">17648 1150 8792,'23'-7'270,"12"0"-270,-12 5-720,19-1-899,0 19 1619,-4 6 0,-16 11 0,-8 1 0</inkml:trace>
+  <inkml:trace contextRef="#ctx0" brushRef="#br0" timeOffset="16365">19335 1572 11221,'-24'-16'269,"18"2"-89,-45 3 0,18-1-180,-14 7 0,2 0 0,14 5 0,0 16 0,5-12 0,4 31-270,5-31 180,4 38-179,8-12-1,1 10-450,26 9 450,10-26 135,-1-8 0,2-2 46,21 0-1,3-6 90,0-2 0,-16-20 0,18-5 90,-33 1 359,5-31-179,-22 30 360,-1-41-181,-8 32-269,0-8-90,0 8-90,0 11 360,-16-2-360,0 14 90,-3 26-450,-1 11 0,10 15-269,0 3-1440,-4 12 810,12-11 1259,-4 14 0,6-17 0,0 0 0</inkml:trace>
+  <inkml:trace contextRef="#ctx0" brushRef="#br0" timeOffset="16917">19663 1737 6543,'23'-24'450,"0"0"-90,-2-3 0,-1-1-181,6-8 226,-5 1 0,-2-1 135,-5 3 179,2-17-539,-10 25 90,-1-6 719,-4 19-809,-1 24-90,-15 15 0,11 32-180,-12-12-705,16 4 795,0-16 90,0 0-464,0-2 284,0-3 90,0-2-89,21-4-133,-2 4 132,5-11-270,4 1 270,-9-14 1,15-2 89,-7-21 0,-1 14 0,-9-36 0,-2 23 89,-1-21 1,1-8 180,-4 10 360,3-25-540,-9 29 580,1-15-670,-4 28 720,-1-2-317,1 34-403,2 25-180,0 4-270,3 11 1,-2-19-271,0-1-179,3-1-1,-3 0 91,4-4-181,-2 0-42,2-4 1032,0-3 0,2-3 0,-2-2 0</inkml:trace>
+  <inkml:trace contextRef="#ctx0" brushRef="#br0" timeOffset="17234">20352 1728 9062,'12'-12'450,"1"-5"-181,6 15 1,-1-14-90,6 10-90,-2-7 0,3 4-90,7-3 0,-7 4 180,11-5-270,-17 4 90,1 0 180,-10 0-180,-4 1 180,-3-7-180,-2 4 90,-1-4 359,-19 0-359,-4 6 360,-20-5-360,0 11 0,3-1-90,17 19 90,0 3-90,21 20-90,-7-9-270,9 4-629,20 0 359,-15-6-179,33 6 89,-33-11-89,36-2 89,-24-2 720,33 4 0,-20-8 0,10 2 0</inkml:trace>
+  <inkml:trace contextRef="#ctx0" brushRef="#br0" timeOffset="17563">20823 1630 9152,'-21'-13'809,"4"1"-809,17 1 990,0 1-91,0 4-719,0 21-180,0 5 0,0 22 0,13-12 0,-9 11 0,9-18 0,-6 14 0,-5-19 360,6 7-360,-5-16 0,0 0 0,3-7-90,-3-22 90,2 15-270,4-45 90,2 28-180,1-8 1,2-2-1,6-3-90,11-8-180,-6 14-89,2 2-91,1 3-809,16-4 1619,-13 11 0,10-1 0,-16 12 0</inkml:trace>
+  <inkml:trace contextRef="#ctx0" brushRef="#br0" timeOffset="18014">21332 1727 8882,'0'11'720,"-14"-1"-451,10-2 1,-10-3-180,14-2 0,0-1-90,12-1-90,4-1 90,9 0 0,0 0 450,0-32-90,-9 24 89,1-51 1,-13 43 270,1-30-630,-4 24-90,0-2 0,-1 11 0,0 3 180,0 3-90,0 20 0,-13 22-90,10 6 0,-10 13-208,13-14 118,0 2 180,0 4-135,9-12 0,1 1-45,-6 18 0,14-8 0,1-1-500,-4 5 500,5 13 90,1-26-180,-19-3 0,9-4 0,-5 1-90,-5-10-702,5 0-827,-25-15 720,-11-1-540,-13-4 1619,-4 0 0,3-15 0,-1-5 0</inkml:trace>
+  <inkml:trace contextRef="#ctx0" brushRef="#br0" timeOffset="18597">22847 859 10951,'0'-34'989,"0"2"-719,-17 8 0,13 2 0,-12 5 179,-3 6-449,-6 4 270,-27 24-270,8 20-1082,12-1 1,3 5 1081,11-5 0,1 2-135,-4 7 0,3-1-449,10-8 0,2-1 269,2 1 0,0 1-225,2-1 1,4 2-901,20 13 1,6 0 494,-9-12 1,3-3 695,19 13 1,6-3 0,-12-17 0,0-3 0,2 1 0,1 0 0</inkml:trace>
+  <inkml:trace contextRef="#ctx0" brushRef="#br0" timeOffset="19949">23708 1017 11400,'0'40'0,"0"5"-359,0-9-181,0 3-90,12-10-179,-9 2-91,9 0 1,-12 0-270,0-3 1169,0-1 0,0-1 0,0-2 0</inkml:trace>
+  <inkml:trace contextRef="#ctx0" brushRef="#br0" timeOffset="20181">23987 1144 9332,'0'-7'1889,"-19"3"-1530,0 1-179,-17 21-180,8 1 0,11 21 0,-2-11-180,17 0-269,-5-7-1,7 0-90,0 0-359,16-2-810,5 5 719,0-9 990,20 3 0,-21-11 0,21-2 0</inkml:trace>
+  <inkml:trace contextRef="#ctx0" brushRef="#br0" timeOffset="20764">24227 1309 8792,'-18'32'1439,"4"1"-1169,14-4-180,24-12 90,1 8-180,17-14 0,8 3 0,-13-6-90,24-8 180,-23 0-1128,8-17 949,-19 13 422,-3-28-333,-4 28 0,-7-30 0,-2 19 180,-6-17-90,-2-2 0,-2 9 180,-18-15-180,13 19 81,-12-3-261,0 12 90,12 3 270,-13 3 262,6 2-532,8 24 0,-8 7 0,11 13-180,0-1 1,0-8-451,23 12 360,-18-11-45,21-7 0,4-3-44,-8 3 44,10-8 0,2-3 45,3-3-180,27 1 360,-25-11 90,10 1 0,-8-18 0,-11-5 270,8-19 0,-19 7 270,-1-14-270,-11 18 179,-3-11 361,-3 2-450,-1 11-180,-15-12-180,11 23 899,-11-2-899,6 28 90,6 18-90,-6 7-630,9 23 91,0-24-900,0 24 719,0-24-90,0 9 91,13-15-271,-10-1 990,11-3 0,-14-3 0,0-1 0</inkml:trace>
+  <inkml:trace contextRef="#ctx0" brushRef="#br0" timeOffset="20914">24863 1410 8432,'0'-15'270,"0"-6"-360,23 4-630,10-13 1,14 10 719,-11 5 0,1 0 0,10-2 0,-13 7 0,-1 0 0</inkml:trace>
+  <inkml:trace contextRef="#ctx0" brushRef="#br0" timeOffset="21233">24418 910 9332,'20'-16'1439,"-15"0"-989,40 1-181,-25 0-89,22 2 90,-10 0-180,-1 2-180,-1 3 180,-3 0-180,6 3 0,-10 2-719,10 2 269,-18 1-359,4 17-631,-6 0 811,-3 3 719,3 4 0,-7-9 0,4 12 0</inkml:trace>
+  <inkml:trace contextRef="#ctx0" brushRef="#br0" timeOffset="21398">25002 715 8612,'0'6'-1619,"0"12"1619,0 19 0,0 8 0,0-7 0</inkml:trace>
+  <inkml:trace contextRef="#ctx0" brushRef="#br0" timeOffset="21830">26150 1210 9871,'-48'-13'1080,"10"3"-900,-6 10-90,14 0 0,-2 15-90,3-12 0,-5 43-90,12-26-270,3 41 180,13-28-90,6 9 0,0-14 0,20-3 1,-16-2-271,53 0 450,-35-8-45,12-7 0,1-3 135,-1-2 0,19-3 0,-24-21 0,2 15 90,-15-34 90,-5 23 90,-2-17 359,-3-6-269,-3 9 90,-2-8-180,-1 14-270,0 4 0,0 3 0,0 5 90,0 2 180,-14 7-270,11 24-180,-11 12-990,6 34 271,5-10-757,-6-3 1,-1-1 1655,5 5 0,-2-11 0,0-3 0,1 3 0</inkml:trace>
+  <inkml:trace contextRef="#ctx0" brushRef="#br0" timeOffset="22314">26392 1475 8522,'16'-28'1080,"-1"0"-541,0 0 451,6-13-631,-6 10-179,4-8 0,-8 10-180,-3 11 90,-1-3 360,-3 15-450,-3 21 0,0 11 0,-1 12 0,0 15-90,0-19-180,0 23 180,0-24 0,0 14-180,14-23 180,-10 3-89,24-12 89,-25-6-180,27-2 180,-11-4 0,10-1 90,3-23 0,-15 16 0,9-45 270,-13 30 0,2-25-1,-6 18 1,-3 1-90,-1 3-180,-1 3 270,0 1-360,-3 23-2235,0 8 4636,15 25-726,-13-5 442,13 1-1534,-4 0 737,3-9-837,9 6 0,0-13 0,-4-2 1</inkml:trace>
+  <inkml:trace contextRef="#ctx0" brushRef="#br1" timeOffset="22653">27222 1370 5596,'-22'-13'6263,"-15"-1"-5567,20 6-123,-17 3-1022,10 2-74,12 20 2031,3 2-139,9 16 1613,0-2-1116,16-15-973,-12 8 1034,26-23-2251,-26 16 2740,26-17-4140,-10 5 241,13-7-1589,0-19 1498,-9-2 1437,-6-15-333,-10 6 2655,-5 7-2788,-3 27 2293,0 10-210,0 27 693,16-7-3345,-13 10 1417,26-18 1,-26 5 0,9-12 0</inkml:trace>
+  <inkml:trace contextRef="#ctx0" brushRef="#br1" timeOffset="22897">27377 624 5686,'33'-2'456,"-5"17"1512,-14 9 848,-6 10-758,-8 8-558,0-6-1194,0 6 1,-21 4 0,-6 1 0</inkml:trace>
+  <inkml:trace contextRef="#ctx0" brushRef="#br1" timeOffset="23414">28478 1313 5865,'-51'0'0,"4"0"-90,-12 21 1506,20-16-1188,-4 31 1275,24-32-1401,7 33 1877,7-21 390,2 29 394,24-21-1553,12 13-399,11-19-859,-10-7 0,0-2-997,9-2 863,16-3-2126,-19-4-241,-4-15 386,-1 11 815,3-45 1384,-13 25 678,-9-10 0,-3-4 1303,-5-5-603,-3 3 0,-2-1 1557,-3-12-1270,1 17 1,-2 0 786,-17-16 83,13-3-719,-12 2-1278,6 18 1,2 0-416,5-14-34,-13 16 0,0 2-674,14 4 594,-11 4-1064,14 41 1658,0 4-480,0 23 451,0-3-522,-1-7 1,2 2 1,13 21-372,-14-6 0,3 0-381,25 9-89,-20-12 0,-2 0-749,11 5 1403,-6-21 1,-2-1 0,-7 7 0,8-5 0</inkml:trace>
+  <inkml:trace contextRef="#ctx0" brushRef="#br1" timeOffset="23581">28492 1109 4336,'20'-23'6788,"-15"4"-2183,34 2-5902,-34 3 2391,54 3-3132,-35 5 1821,10 2 1,2 4 0,-3 18-1,8 5 1</inkml:trace>
+  <inkml:trace contextRef="#ctx0" brushRef="#br1" timeOffset="24335">29102 1295 5686,'-46'0'1079,"10"0"-899,3 15 1662,10-11-1663,2 27 2178,3-27-2441,3 34 1905,2-21-41,6 18 847,2 5-80,5-11-755,0 20 600,23-23-3466,3 11 2225,15-20-3167,-4 0 564,9-12-1232,-13-2-159,26-17 129,-29 11-127,16-26 2375,-24 6 247,0-8 1571,-12-1 540,-4 7 806,-3 1 274,-2-1-284,-1 4 153,0 2-880,0-2-350,0 7-110,-16 3-2746,13 28 1156,-13 20-487,16 3 513,17 15-615,-13-29-84,26 15-746,-12-21-86,8-2 1283,-1-5-1620,-3-12-482,-1 5-440,11-6 279,-9-15 895,14-4 884,-19-1 1209,8-27 707,-14 30 565,3-37 1055,-10 31-562,0-7 593,-4 15-247,-1-1-402,0 47-763,0-9-613,0 36 198,0-21-661,20-18-1528,-15 4 754,32-21-2550,-17 7 777,16-9-809,-5-14 1003,-6-4 382,-9 1 735,-5-12 2280,-7 11-1371,0-11 2787,-2 7-1273,0 27-210,0 9 145,-2 24-940,0-10 1,0 8 0,0-8 0</inkml:trace>
+  <inkml:trace contextRef="#ctx0" brushRef="#br1" timeOffset="24599">29027 978 5416,'20'-7'3230,"5"3"-3218,23 2-394,-12 2-100,12 17 725,-20-13-1383,18 23 989,-22-11 494,15 10 1,-20-1 0,6-2 0</inkml:trace>
+  <inkml:trace contextRef="#ctx0" brushRef="#br1" timeOffset="24766">29528 913 4156,'21'-10'3539,"-2"5"-3199,19-2-967,9 7-575,-9-3 1222,-6 13 0,1 1 1,6-6-1,13 15 1</inkml:trace>
+  <inkml:trace contextRef="#ctx0" brushRef="#br1" timeOffset="25069">30987 873 7305,'-13'0'0,"4"18"5614,1-13-4753,5 35 2515,2-20-930,1 41-949,0-19-1509,0-3 0,0 0 2185,0 9-91,0 13-1919,0-2 0,14-16 0,4 13 0</inkml:trace>
+  <inkml:trace contextRef="#ctx0" brushRef="#br1" timeOffset="25248">30748 1312 5146,'28'-13'2972,"-21"0"1185,50 0-5330,-33 1 588,10 5 0,3 1-515,7-2-111,15-1 1077,-19 8 1,-4-1 0,0 2 0</inkml:trace>
+  <inkml:trace contextRef="#ctx0" brushRef="#br1" timeOffset="25414">31337 1298 4876,'-22'13'4750,"5"0"-2445,0 2-835,13 0 1273,-13-2-2631,17 2 2042,-10 4-1524,8-3 1604,-8 10-1460,10-12-498,21 9-992,-16-12 371,30 3 0,-31-7 0,10 0 0</inkml:trace>
+  <inkml:trace contextRef="#ctx0" brushRef="#br1" timeOffset="25597">31395 915 4516,'0'-10'787,"0"24"0,14-14 0,4 19 0</inkml:trace>
+  <inkml:trace contextRef="#ctx0" brushRef="#br1" timeOffset="25897">31650 1457 5686,'5'0'629,"1"-16"5926,0 12-5902,1-26 2205,1 27-3380,1-28 1983,-2 10-391,2-7 1500,-6-6 470,0 16-2539,-3-10 1391,0 15-1485,-14-5 526,10 13-1497,-23 13-1433,24 11 2019,-17 23-872,18-7 705,-6 5-433,8-10 218,0-1 1273,0 1-423,0-4 1346,20 0-3529,-15-4 1461,31 3 1,-15-11 0,17 1 0</inkml:trace>
+  <inkml:trace contextRef="#ctx0" brushRef="#br1" timeOffset="26247">32105 1328 5865,'6'14'9719,"0"2"-6286,-4 18-609,3 0-1447,-3-3-153,2-3-555,1-2-251,-1-9 2310,2 5-2469,-2-15-584,-1-1-351,0-6-2136,0 0-208,2 0 303,6-15 1789,-1 12-977,7-27 1273,-1 26-985,2-29 1459,0 19 1634,13-25 372,-6 15-171,15-11-2161,-16 17 1194,1-1-1392,-5 12 833,-9 4-1974,6 3 437,-11 0-2352,4 32 3378,-7-8 756,0 28 0,-3-20 1,0-2-1</inkml:trace>
+  <inkml:trace contextRef="#ctx0" brushRef="#br1" timeOffset="26467">31887 606 5506,'18'-18'6633,"17"3"-6294,-16 6 152,19 2-1115,-7 3 74,17 1-45,-12 3-645,23 17 1080,-28-12 186,-4 21 1,-2 7 0,-5-8 0,-5 6 0,-1 0 0</inkml:trace>
+  <inkml:trace contextRef="#ctx0" brushRef="#br1" timeOffset="27186">23645 2450 6765,'0'49'9830,"-21"-7"-5664,16 10-1913,-31-6-2743,32 6 1118,-26 3-1403,26 1 866,-21-1 1327,22-2-2411,-7-3 1127,6-16 1,1-1 0,1 14 0,-4 12-1</inkml:trace>
+  <inkml:trace contextRef="#ctx0" brushRef="#br1" timeOffset="27380">23343 2992 5326,'0'-18'9830,"0"-2"-2287,0 6-5405,0-6-910,23 12-3653,-18-3 1929,39 6-2086,-23 3 1989,21 0-4156,16 1 3984,-10 0 0,16 1 0,-19 0 1</inkml:trace>
+  <inkml:trace contextRef="#ctx0" brushRef="#br1" timeOffset="27549">23960 2912 5686,'-13'19'8420,"9"10"-3311,-9-16-5168,13 17 2388,0-10-1167,0 4-1449,0 1 431,0-6 492,13 16 0,-10-15 0,9 8 0</inkml:trace>
+  <inkml:trace contextRef="#ctx0" brushRef="#br1" timeOffset="27735">23990 2693 3437,'0'35'3276,"0"-14"1,0-8 0</inkml:trace>
+  <inkml:trace contextRef="#ctx0" brushRef="#br1" timeOffset="28313">24265 2899 5236,'6'15'9830,"0"-11"-9008,2 23 1742,0-12-1409,5 13-435,-5-5 87,2-1-411,-1-3 1765,-3-3-2592,3 8 1415,-4-13-1647,0 4 465,-3-10-658,0 1 153,0-6-1275,1-18 2340,0 14-914,5-43 1063,-1 30-211,9-36 6,-4 28-56,3-9 102,-3 15 1290,-2 8-2326,5-4 646,-3 13-2157,1-4 1131,1 20 190,-5-10-309,6 28 1140,-7-9 455,3 20 592,-5-10 229,0-3 1160,0-5-621,-2-14-1060,3 10 891,-4-20-3250,3 6 961,-1-7-2066,7-17 1827,-3-5 580,13-24-49,-9 8 565,10-14-169,-8 21 1866,8-16-1126,-9 24 1633,2 2-2048,-1 9-1227,-4 10-968,12-4-33,-11 24 1517,7-14-1246,-7 30 1590,2-30-1892,-1 31 1892,0-21-420,-1 19 1747,-3-11-1495,4 11 337,-4-10 0,0 5 1,-3-11-1</inkml:trace>
+  <inkml:trace contextRef="#ctx0" brushRef="#br1" timeOffset="28530">24460 2378 5416,'51'-2'-542,"-8"0"-1778,15 23 2700,-17 4 0,-12-7 0,1 0 0,16 16 0</inkml:trace>
+  <inkml:trace contextRef="#ctx0" brushRef="#br1" timeOffset="29035">26148 2966 7215,'-48'0'314,"13"0"1,1 0-225,-16 0-62,10-2 1,1 4 67,1 11 734,-6-10-806,24 26 1630,4-26-1361,8 30 1966,4-12 227,4 9 108,21 1-1024,8-20-1791,-1 8 1095,23-17-2954,-29 4 1968,24-6-2866,1-16 777,-14 12 988,-6-19 1,-2-4 905,-1 4 885,-6-11 1,-4-4 488,-2-6 1420,1-19-1362,-11 25 1,-2 0 1911,3-24-1619,-3 5 1,0-1-168,0 23 1,0 0-117,-9-24 1,0 1 136,4-4-809,-9 14 1,0 2 22,12 10 284,-9-4-1143,11 51 413,0 18-119,0 30 361,0-1 30,0 7-437,7-28 0,0 0-35,-3 20-455,8-9 1,0-1-84,-10 5-94,3-11 0,0-1-268,0 0 2,-4 8 16,7-22 998,-7-6 1,2-3 0,-3-4-1</inkml:trace>
+  <inkml:trace contextRef="#ctx0" brushRef="#br1" timeOffset="29203">25930 2644 5146,'0'-20'9830,"0"4"-2737,23 3-9128,-17 4 2488,44 1-2522,-28 0 946,28 5-564,-11 0 1361,2 3-3466,2 0-719,16 15 4416,-14 5 1,11-2 0,-18-2-1</inkml:trace>
+  <inkml:trace contextRef="#ctx0" brushRef="#br1" timeOffset="29414">26782 2755 5236,'-38'-13'4578,"0"-6"-2784,-4 17-2422,8-6 872,2 8-807,11 0 250,-4 18 1286,13 5 952,-7 12-735,17-2 459,-4-6 192,6 1-258,0 1 410,23-1-1293,-18-2-675,41 0 1,-26-4 0,21 0 0</inkml:trace>
+  <inkml:trace contextRef="#ctx0" brushRef="#br1" timeOffset="29580">26343 3623 3887,'0'5'129,"22"-1"1,-17-2 0,17-2 0</inkml:trace>
+  <inkml:trace contextRef="#ctx0" brushRef="#br1" timeOffset="29914">27438 2262 7664,'25'0'900,"10"0"-720,-8 14 1809,18 5-995,-20 10 1043,12 21-591,-21-12 7,0 20 1083,-11-9 282,-4 6-158,-1 5-1973,-9-13 0,-6 1-305,-2-11 0,-5 1-1179,-2 6 0,-4 4 0,0-6-261,-9-1 0,0-2 975,8-5 1,1 3-1,0-4 1,-6 3-1,0-2 1,0 1 0,0 0-1</inkml:trace>
+  <inkml:trace contextRef="#ctx0" brushRef="#br0" timeOffset="56019">3083 5679 8072,'28'0'-90,"-4"0"0,-4 0 1</inkml:trace>
+  <inkml:trace contextRef="#ctx0" brushRef="#br0" timeOffset="57897">3067 5509 9602,'0'-7'1349,"0"2"-1079,0 1-91,0 0 1,0 2-90,0-2 0,0 2 90,0 0 720,0 0-720,0 13 89,0 5-269,0 15 90,13-1-90,-10 2 90,11 15-180,-14-5 90,0-1 0,0 2 90,0 14-956,0-17 0,0-1 866,0 21 0,0 0-90,0 1-456,0-20 1,0-1 365,0 19 135,-2-15 0,4-3-45,20-1-90,0 9 1,5-33-81,12-2 170,-20-14 0,21-18 0,-9 14 180,2-43 176,-2 22-266,0-31-45,-11 18 0,-1 0 45,-4 8 0,-2-3 0,8-26 0,-2-2 0,-9 24 0,-1 0 0,2-14 0,-1 1 0,-4 14 0,-1 2 0,0-2 0,0 0 835,3-30-835,-4 20 0,0 0 180,1-19 45,-1 14 0,-1 3 168,-2-2-303,2-15-90,-2 37 449,-1-2-449,0 37 90,0 28 0,0 8-16,0 19-74,0-18 0,0 2 0,0 1-579,0 20 579,14-17-270,-12-9 0,0 0-179,12 4-91,-8-7 0,-2-2-359,-1 4-91,15 9-89,-16-17 0,5-3 1079,4 11 0,-5-12 0,9 9 0</inkml:trace>
+  <inkml:trace contextRef="#ctx0" brushRef="#br0" timeOffset="58536">4113 5744 11041,'0'-14'1439,"0"1"-1169,0 4-270,-19 0 90,14 3 0,-14 2 0,7 2-90,0 19-90,-2 34 0,5-6 0,9-11 0,0-1 0,0 1-698,0 2 698,20-1 0,1 14-180,2-9 135,-6-9 0,1-1 45,5 5 0,9 7-90,3-9 90,-23-8-248,12 3-22,-17-14-539,4-3 629,-26-7 270,-28-20 0,14 0-90,-25-18 90,41 7-2648,18-15 2648,-8 17 90,54-9-1007,-9 12 1007,15 6-90,-18 1 0,-1 1 90,10-3-1,-10 3 1,1-3 450,0-4 0,-2-2-450,17-8 135,-22 5 0,-7-1-46,-14 7 271,-3-13-270,-27 5-180,13 8 90,-31 3 3016,18 14-3196,-15 20 90,6 19 0,12 3 1316,6 8-1586,10-15-339,0-2 159,18 0-719,4 12 180,1-12 134,1-6 1,0-1-46,-6-1 80,28 4 0,-20-13 0,0-2 0</inkml:trace>
+  <inkml:trace contextRef="#ctx0" brushRef="#br0" timeOffset="58849">4905 5904 9512,'0'-13'989,"0"0"-90,-14 5-809,10 22-90,-10 8 0,14 13 0,0 0 90,14-7-90,-10 2 0,10 0 0,-14-2-90,0-1 180,0-2-90,0-3 180,0-4 90,0 0-270,0-9 0,0-40 0,0 6-45,0-13 0,0-3 135,0-5-135,7 5 0,4 0-385,9-8 340,1-14-450,12 12-179,-9 13-811,17-10 631,-7 24 895,9 1 0,-17 14 1,7 2-1</inkml:trace>
+  <inkml:trace contextRef="#ctx0" brushRef="#br0" timeOffset="59119">5653 5713 10501,'-16'11'-150,"2"-1"0,14 9 0</inkml:trace>
+  <inkml:trace contextRef="#ctx0" brushRef="#br0" timeOffset="59337">5625 6022 11221,'0'3'0,"0"-1"0</inkml:trace>
+  <inkml:trace contextRef="#ctx0" brushRef="#br0" timeOffset="59580">5853 5741 10501,'-14'17'-1169,"10"5"-900,-11-14 2069,15 9 0,0-4 0,0 1 0</inkml:trace>
+  <inkml:trace contextRef="#ctx0" brushRef="#br0" timeOffset="59781">5825 6257 8702,'0'-17'0,"0"3"0</inkml:trace>
+  <inkml:trace contextRef="#ctx0" brushRef="#br0" timeOffset="60230">6297 5724 10951,'-3'-13'1439,"1"2"-1079,1 2 359,0-2-269,1 5-360,21-1-90,2 25-90,20 4-90,-4 23-270,-9-8-809,2 20 450,-15-21-496,-4-3 1,-1 2-1092,1 4 2396,3 16 0,-7-18 0,0 0 0</inkml:trace>
+  <inkml:trace contextRef="#ctx0" brushRef="#br0" timeOffset="60647">6895 5720 11041,'-21'20'719,"-17"-15"-539,33 34 0,-37-35-180,27 36 0,-18-23 0,11 21-90,0-12 90,1 1-630,-7 7 91,9-9-451,-9 10 181,15-19 89,1 0-179,4-11 719,4-3 90,0-20 90,2-9 270,2-10-270,0-2 809,0-20-449,0 20-90,-1 2 0,2 2 0,13 4 629,-11-12-629,21 23 90,-22 0 179,19 14-359,-4 3-90,14 27 0,-2-18-135,-8 22 0,-1 5 135,6-9-2146,-4 9 1,-1 2 1245,3 0-89,9 9-258,-12-13-13,-1-3 1170,1-2 0,-1-2 0,2-3 0</inkml:trace>
+  <inkml:trace contextRef="#ctx0" brushRef="#br0" timeOffset="60830">7262 5709 11400,'-21'16'180,"-14"8"-180,30 9-269,-31 3-451,22-7-90,-6 4-1438,-3 16 629,11-12 1619,-4 10 0,8-18 0,8-2 0</inkml:trace>
+  <inkml:trace contextRef="#ctx0" brushRef="#br0" timeOffset="61481">7567 5235 11850,'0'39'1080,"0"4"-990,0-3-90,0 5 0,0-8-373,0 4 283,0 0 90,0 3 0,0 0 0,0 2 0,0-1-90,0 1 62,0 1-422,0 12 90,0-15-269,0 17 179,0-33-13,0 2-77,0-18-809,0-4 1349,0-21 0,0-10 180,0-11 180,15-18-180,-11 22 683,28-10-323,-18 14-180,15 13-90,-8 0-180,-2 27-90,-5-10 0,3 41 90,-8-26-90,9 39 0,-7-29-180,3 9-360,4-7 90,-4-10-269,12 3 359,-8-12-180,15-7 360,-12-2 180,5-21-90,-2-9 180,-9-11 0,2-3 180,-9 9 180,-3-2 359,-2-14-359,-2 11-90,-1-8 90,0 17-270,0 5-90,0 3 629,-16 1-629,1 10-90,-4 19 0,0 18 0,17 10 0,-5 4 0,7-8-90,0 0-899,0 15 269,0-13-989,19 19 630,-1-27 1079,21 7 0,-21-20 0,-2-2 0</inkml:trace>
+  <inkml:trace contextRef="#ctx0" brushRef="#br0" timeOffset="61835">8210 5661 9961,'0'-9'1979,"-14"1"-1889,10 22 0,-10 5-90,29 28 0,-11-11 0,11 5 90,-2 1-180,-10-9 90,11 19-90,-7-24 90,-5 13 180,10-24-630,-9 5 450,4-17 0,-3-16 0,1 6-180,1-51 180,0 29-955,2-35 775,-1 22-270,1-1 180,-1 2-958,3-11 688,-2 14-450,7-11 541,-4 27-271,6 3 180,-3 13 1,0 4 364,-3 13 175,-2-9 0,1 30 0,-1-9 0</inkml:trace>
+  <inkml:trace contextRef="#ctx0" brushRef="#br0" timeOffset="62105">8502 5871 8072,'7'27'540,"1"-3"-270,0-2 0,0-3-180,1-4 90,8-3 0,-3-7 269,18-2-359,-11-19 0,9 12 90,-8-32 0,-1 20 0,-1-18 360,5-7-181,-10 8 181,7-22-360,-15 21 270,0-16-270,-5 23 89,-19-10 1,12 21-90,-29 2-180,9 10 90,-10 3-90,-3 23 0,11-17-90,1 43 90,5-25-90,8 23-270,-2-7-89,13 0-1080,17 18 179,-10-14-1875,34-10 0,9-3 3225,0 2 0,5-13 0,5-3 0,-18-7 0,0 0 0</inkml:trace>
+  <inkml:trace contextRef="#ctx0" brushRef="#br0" timeOffset="62578">10475 4892 11490,'0'-15'1080,"0"4"-451,-17 3-449,-12 4 0,-11 18-1581,-8 4 1581,6 20-90,-3 3-45,21-18 0,0 4-45,-9 15 0,2 3 0,7-10 0,2 2 0,1 4 0,1 5 0,4-4-45,5-4 0,3 2-360,-2 24 0,3 1 90,5-28 1,4-2-181,10 10 0,7 0-1529,7-5 0,6-5 2024,5-9 0,4-2 0,9 7 0,2-2 0,-9-13 0,0 0 0</inkml:trace>
+  <inkml:trace contextRef="#ctx0" brushRef="#br0" timeOffset="63080">10908 5667 9422,'39'0'449,"-1"-15"-449,-3-1 0,-4-17 0,-6 0 0,-12 4 90,-5 2 180,-8 8 0,0 0-90,0 0 90,-16 1-90,12 3 89,-28 0-179,27 5 180,-28 1-270,15 6 0,-12 0 90,13 20-90,7 7 0,10 10 0,0 0-180,0-4-629,0 13 179,21-10-179,-15 9-900,34-7 719,-13-10 855,8 2 1,1-13 0,-11-3 0</inkml:trace>
+  <inkml:trace contextRef="#ctx0" brushRef="#br0" timeOffset="63663">11330 5521 9871,'0'-9'1529,"0"18"-1439,14 9-90,-10 25 0,24-6 0,-25 2 0,22 4 0,-13-12 0,1 9-90,4-16 90,-14-3-89,12-4 89,-13-4-270,11-2 0,-11-5-90,4-2 360,-5-3-180,3-19 180,0-8 0,2-10 0,-1-6 0,2 9 0,1-4 90,-1 0 180,1 1-90,-2 1 90,5-7-270,-5 13 539,3-3-449,-5 22 0,2 3-90,-2 7 0,1 24 90,-1-18-90,0 42 0,1-28 0,1 37 0,0-21-492,-1 10 492,-2-16 0,1-4 90,2 9-90,-2-20-270,3 9 270,-5-23-90,4-11 582,-2 6-492,3-28-3392,0 27 3392,1-36-282,2 22 282,2-19 0,1 9 180,5-8-180,-5 11 180,4-4 90,-5 16-180,-4 8 3252,2 1-3162,-7 5 242,3 15-512,-2-11 90,0 29 0,1-29-450,4 49 0,0-33-899,8 40 630,-6-32-181,6 6 180,-3-14-89,1-3 809,12-4 0,-5-6 0,8-3 0</inkml:trace>
+  <inkml:trace contextRef="#ctx0" brushRef="#br0" timeOffset="64197">12097 5609 10771,'0'-14'719,"-20"1"-449,16 2 0,-16 2-90,7 4-90,2 19-90,-5 8 0,8 21 0,8-10-90,0 2-90,0-11 0,15-3 90,-11-1-180,10-2-359,4 0 269,0-8-90,16 1 450,-6-10 90,-7-15-180,-2 10 180,-7-29 90,-2 29 0,-3-34 270,0 21 179,-4-27-359,0 19-90,-2-12 0,0 18-180,-1 21 0,0 12 0,0 26-90,0-8-270,16 0 0,-1-3 91,18-4 269,-1 0-180,-6-12 90,1-6 90,-10-7 0,1 0 180,9-21 90,-10-2 449,11-22-539,-20 14 270,3-5-450,-7 23 0,1-10 270,-2 21-270,-2 13-90,-1 14-720,0 23 360,0-12-449,0-1-270,0-11-91,0-3-179,0 0 1439,0-5 0,0-6 0,0-5 0</inkml:trace>
+  <inkml:trace contextRef="#ctx0" brushRef="#br0" timeOffset="64369">12557 5319 10231,'-11'-23'-90,"9"10"-899,-14 0-360,15 28 1349,17 18 0,-10 5 0,15 10 0</inkml:trace>
+  <inkml:trace contextRef="#ctx0" brushRef="#br0" timeOffset="64697">12820 5853 9422,'16'5'719,"0"-2"-539,3-2-90,1-1 90,0-21-180,-1 15 180,1-42-90,-1 27 0,2-25 180,6-11-91,-6 12-89,-4 3 0,-2 0-546,-1-10 501,-4 18 0,-2 0 135,0-13 90,-4-2 0,0 1 360,-4-18-451,0 18-89,-7 13 0,-2 2-90,5 2 540,-12-3-270,0 25-180,12 20-90,-24 8 0,25 20 0,-17 23 0,18-10-668,-2-2 0,1 0 308,3 13-540,10-2 1,6 0 224,-1-30 1,3-2-1215,14 23 0,4-4 1889,19-10 0,-25-16 0,0-2 0,16 2 0</inkml:trace>
+  <inkml:trace contextRef="#ctx0" brushRef="#br0" timeOffset="65230">10797 4853 10861,'11'-4'1889,"-2"2"-1350,-1 0-539,-4 15-359,-24 9-451,14 8-539,-33 6-3328,17 14 4677,-1-10 0,-5 17 0,15-16 0</inkml:trace>
+  <inkml:trace contextRef="#ctx0" brushRef="#br0" timeOffset="65751">13800 4873 11580,'19'-11'990,"10"2"-630,-25 3-180,21 3-91,-11 2-358,9 22-631,-5 9-629,-9 12 1529,-3 23 0,-6-21 0,0 17 0</inkml:trace>
+  <inkml:trace contextRef="#ctx0" brushRef="#br0" timeOffset="66314">14453 5612 11400,'17'18'720,"5"-14"-450,-20 25-180,13-26-90,-13 24 90,9-14-360,-10 28-630,4-12-449,-5 13-180,-19-10-720,14 5 2151,-41 0 0,23 2 1,-25 0-1</inkml:trace>
+  <inkml:trace contextRef="#ctx0" brushRef="#br0" timeOffset="66815">15630 4935 11311,'0'34'1529,"0"-5"-1619,0 6-90,-10-11-360,7 2-1709,-7-1 810,10-6 90,-6 2 1349,5-7 0,-4-2 0,5 0 0</inkml:trace>
+  <inkml:trace contextRef="#ctx0" brushRef="#br0" timeOffset="66980">15692 5031 9781,'3'21'90,"0"14"-180,-2-30-539,1 35-1890,1-7 2519,1 10 0,2 5 0,0-12 0</inkml:trace>
+  <inkml:trace contextRef="#ctx0" brushRef="#br0" timeOffset="67330">16232 5408 12660,'-7'-23'719,"1"3"-449,4 0 180,0 9-360,-1 2-90,2 32 0,0 11-360,1 16-135,0-13 1,-1 0-46,1 14-360,-1-6 1,0 1-180,-1 7-1,0-9 1,0-1-878,-2 4 1957,-2 11 0,0-25 0,-1-2 0</inkml:trace>
+  <inkml:trace contextRef="#ctx0" brushRef="#br0" timeOffset="67451">16043 5833 9422,'0'-31'90,"23"-15"-270,-17 10-180,23 4 0,4 2-1478,-6-7 1478,2 13 0,1 1-539,10-7 899,-2 0 0,2 2 0,0 0 0</inkml:trace>
+  <inkml:trace contextRef="#ctx0" brushRef="#br0" timeOffset="67997">16622 5082 10411,'-20'-9'2159,"16"3"-1979,-28 2 269,30 51-359,-10-17-90,10 15 0,4 3 0,-2 0 0,8-5 0,1 1-1738,-5 11 1783,4-19 0,1-2-45,7 17-73,-13-2-106,23-1-181,-11 16 90,-2-19 90,0-11 0,0-2 0,-5-3-190,12 3-80,-10-20 270,1-6 90,1-4 1351,6-22-1261,-5 15 180,12-56 0,-12 36-252,5-33 342,-8 25-90,0 2-24,-3 4-66,0 3-90,-1 5 0,-3 9 180,3-4-90,-4 13 509,2-6-509,-2 24 57,1-13-147,1 32 90,2-31-180,3 38 90,8-13-90,0 10-180,15 4 180,-7-21 0,15 5 90,-13-18 90,6-2-90,1-8 0,-10 0 0,11-16 270,-18-6 270,3-18-360,-12 18 89,-1-14-359,-5 22-809,-1 14 179,-1 15-359,0 21-2069,0 8 3148,0-17 0,15-4 0,3-13 0</inkml:trace>
+  <inkml:trace contextRef="#ctx0" brushRef="#br0" timeOffset="68163">17255 5338 10231,'-10'-8'0,"2"1"-3148,3 5 3148,22 18 0,-17-11 0,18 12 0</inkml:trace>
+  <inkml:trace contextRef="#ctx0" brushRef="#br0" timeOffset="68480">17555 5794 9781,'13'1'1170,"3"1"-990,-1-2 0,11-17-180,-7 13 0,7-28 0,-8 28 0,1-27 0,-1 26-270,3-36 180,-7 26-270,-2-28 360,-8 24 0,-3-5 0,-1 11 0,-22 2 0,-3 5 90,-23 2-90,5 25 0,6 4 0,16 13-90,10-1-270,11-9-269,0 3-1,0-3-180,19 2-1258,7 8 2068,-2-10 0,24 5 0,-15-15 0</inkml:trace>
+  <inkml:trace contextRef="#ctx0" brushRef="#br0" timeOffset="68847">18032 5724 9781,'-21'14'720,"5"3"-720,16 17 0,0 2 0,0-5 0,0-2 0,14-11 0,-10-1-360,20-1 180,-9-8 90,7-15 90,-2 3 0,-5-29 0,-3 16 0,6-34 180,-3 17 90,-3 2 0,1 1 90,0-5-180,6-17 269,-10 28 91,2-1-360,-4 18-180,1 4 0,0 26 0,-1-16-270,6 54-90,-3-35-180,-1 11 1,-1 2-271,5 2-1023,4 11 934,-2-18-451,1-2 1350,3-4 0,0-3 0,1-3 0</inkml:trace>
+  <inkml:trace contextRef="#ctx0" brushRef="#br0" timeOffset="69080">18710 5270 11131,'-15'21'1079,"3"9"-989,12 14-180,0 2 180,0-8-270,0 22-180,0-14-315,7-6 1,0 1-225,-3 5-496,3 0 1,0-1 1394,-7-1 0,0 19 0,0-34 0</inkml:trace>
+  <inkml:trace contextRef="#ctx0" brushRef="#br0" timeOffset="69229">18518 5717 9781,'0'-28'270,"0"0"-360,17-7 0,8 9-629,23-12 179,-6 19-135,-11 4 1,0 2-406,8-2 1080,14-2 0,-18 6 0,-1 0 0</inkml:trace>
+  <inkml:trace contextRef="#ctx0" brushRef="#br0" timeOffset="69801">18952 5165 10141,'-24'-3'1979,"10"24"-1979,-2 8 90,15 14 90,-9 21-270,9-20 135,0-3 0,-1 1-135,2 10 90,0-6 0,0 0-2653,0 5 2518,8-17 1,1 0-424,-5 21 288,12-15-269,-2 14-91,-10-32-90,21 3 956,-17-19-416,10-1 90,-6-5 90,-1-23 1353,0 18-993,6-58 0,-4 37 134,-2-12 1,0-1 45,2 0 90,6-20-450,-10 31 89,2-4 543,-6 22-362,0 4-450,-2 29 0,-1 6 0,-2 12 0,0 12-180,0-22 0,0 11-450,17-5 1,-13-10-271,27 12 540,-8-22-89,17 2 179,-3-15 180,21-20 90,-27 11 180,-3-20 0,-3-4 359,-4 6 91,-6-7 0,-2-3-1,-1 1-359,2-5-180,-8 16 0,-2 3 90,1 9 270,-3-2-540,-1 28 90,0 19-360,-1 5-1039,0 15 770,0-21-451,0 0-629,0 0 1709,0 12 0,18-12 0,4 11 0</inkml:trace>
+  <inkml:trace contextRef="#ctx0" brushRef="#br0" timeOffset="70897">19745 5516 10411,'0'-5'1259,"0"1"-989,-19 3-270,-4 0 45,-5 19 0,-2 6-45,-7-1 0,7 12 0,3 2 0,4-4 90,-5 21-180,14-23 90,7 6-90,3-15-180,4-2 0,0-5 1,0-1-1,21-4 0,-15-4-90,29-1 90,-15-4 90,13-1 180,-13-17-179,9 13 358,-25-29-179,19 30 270,-20-29 450,12 12-630,-14-12 719,4 5-809,-5 33 90,0 12-90,0 18 0,23 8-90,5-18-815,14 6 635,0-21-90,-9 6-89,6-14-181,20 6 450,-12-9 135,-8-5 0,-1-4 45,4-14 0,-10 2 0,-1-3 90,-2-18-90,3-7 90,-19-9-180,-7 9 225,-2 6 0,-5-1-45,-22-11 45,10 7 0,-3 1-111,-4 18 1,-3 2-25,2-10 0,0 0 90,-15-9 0,-2 1 0,-5 5-90,-1 7 180,-3 4-91,-2 7 136,12 14 0,0 2-135,-21-2-1509,9 11 0,0 7 1509,-9 19 0,20-10 0,2 3-505,10 3 0,2 1 415,-20 19 90,2 6 0,6 4 45,18-27 0,2 2-45,1 0 0,2 2-46,-3 13 1,3 2 45,6-11 0,1 1-90,-1 24 0,2 0-68,2-26 0,5 0 38,17 9 0,9 5 0,0-6-105,-5-10 0,4-2-605,20 6 0,10 1 0,-3-8 290,-8-9 1,1-5-511,10-1 1,7-2 0,-5-2 290,-3-3 1,0-3 668,-6-2 0,2 1 0,-3-2 0,2-2 0,-2 0 0,1 0 0,0 0 0</inkml:trace>
+  <inkml:trace contextRef="#ctx0" brushRef="#br0" timeOffset="71413">20717 5786 10861,'-5'-8'0,"2"-1"0,2-10-90,18 2 90,-12-7 0,26 3 0,-27 1 90,30-10-180,-14 8 90,3-7 0,6 4 0,-13 7-90,8-6 180,-10 13 1079,-4 1-1079,-9 29-90,3 28 0,-18 4 45,12-6 0,0 2-1483,-12 7 1348,14-18 0,0 2-360,-4 1 1,-1-1-317,3 21-44,-2-9 1,-1-2-1,-1 7-135,4-11 1,-1-2 774,-7 3 0,3 9 1,0-22-1</inkml:trace>
+  <inkml:trace contextRef="#ctx0" brushRef="#br0" timeOffset="71521">20605 6283 8972,'0'-28'-270,"21"-16"-270,15 8-3280,-2 1 1,4 0 3819,-3 13 0,0 1 0,5-8 0,0 0 0,-8 8 0,0 1 0</inkml:trace>
+  <inkml:trace contextRef="#ctx0" brushRef="#br0" timeOffset="71780">21498 5299 10231,'-15'20'2069,"-6"2"-1889,19 14 0,-6-3-90,3-2 90,4 2-180,-2 5 0,-1 2 0,4 10-45,-1 1 0,0 0-135,1-1-315,0-8 0,0 0-224,0 5-271,6-11 1,1 0-1,-4 1-269,11 5 1259,-14-18 0,0-7 0,0-2 0</inkml:trace>
+  <inkml:trace contextRef="#ctx0" brushRef="#br0" timeOffset="72367">21462 5517 9602,'10'-19'1798,"-2"4"-1528,13-12-180,-10 11 180,12-7-180,-12 13 0,6 2 0,-6 5-90,-1 2 180,-2 1-270,1 0 90,-1 16 0,1-12 0,-2 29-90,-3-5-540,-1 22 271,-3-6-271,0 0-270,-24-14-89,18 0-90,-40-3 1079,11 9 0,-10-11 0,-4 6 0</inkml:trace>
+  <inkml:trace contextRef="#ctx0" brushRef="#br0" timeOffset="72683">22058 5211 12300,'-14'18'899,"2"8"-899,12 16 0,0 1 0,0-6-359,0 22-91,0-13-844,0 14 394,0-20-359,0-1 90,14-3 1169,-10 8 0,21-14 0,-12 5 0</inkml:trace>
+  <inkml:trace contextRef="#ctx0" brushRef="#br0" timeOffset="72837">21735 5509 9961,'0'-14'-359,"21"-3"-271,14 6-315,-1 3 1,2 1 944,27 1 0,-27 3 0,-1 0 0,17 2 0</inkml:trace>
+  <inkml:trace contextRef="#ctx0" brushRef="#br0" timeOffset="73231">22383 5851 10951,'0'6'360,"0"-1"-2429,0 0 1799,9-3 0,-7-11 270,16-2 90,-6-10 1619,4-20-1529,-5 23-90,-7-17-90,-4 32 0,0-1 0,0 4 0</inkml:trace>
+  <inkml:trace contextRef="#ctx0" brushRef="#br0" timeOffset="73931">22915 5498 11670,'2'20'810,"2"-4"-630,0-16-90,5 0 90,11 9-180,-3-7 0,21 6 90,-13-8-180,23 0 180,-19-14-270,10 11 90,-5-24 0,-12 8 0,8-13 90,-21 5-90,1-5 90,-10 14 0,-20-2 90,-6 8 0,-21 6-90,-3 1 0,2 29 0,11 5 45,19-1 0,3 3-45,5 16-888,-1 3 708,11-14-270,0-1-269,20-2-1800,17 10 1080,12-15 1155,-19-10 1,1-2-1,21 0 1,4-2-1</inkml:trace>
+  <inkml:trace contextRef="#ctx0" brushRef="#br0" timeOffset="74730">23633 5521 9781,'-27'0'1260,"1"0"-1080,2 0-1,2 17 1,1 0-180,5 23 180,3-13-270,9 6 90,4 0-90,0-8 0,24 6-89,-17-14-271,36-3 180,-14-3 0,8-6 0,2-2 90,-2-22 180,-11 14 0,15-46 90,-22 29-180,4-27 180,-14 17-90,-4-2 90,-2-1 180,-3-21-180,0 11 270,1 5 0,-2 1-91,-17-8 1,16 10 0,-1 0-180,-14-1-90,6-7 180,8 18 360,-8 12-540,11 23 90,0 23-90,0 34-90,0-8-528,14 7 618,-10-17 90,11 0-180,-5-1-90,-7 15 0,20-19-359,-11 22 449,3-34-180,2 4-180,-10-20-90,6-4 91,-2-5 179,0-3 180,1-2-90,-1 0 180,9-19 0,-7-3 180,11-22-90,-11 21 270,2-17 89,-5 26-179,-4-8 528,0-1-259,-2 11-449,0-4-90,2 29 90,6 22-90,-3 4-180,16 12 0,-10-29-269,18 7 89,-13-9 90,10-9 90,-8 0 180,1-11-90,0 0 0,-1 0 180,-2 0-180,-1-20 270,-2-3 90,-6 0 450,-1-27-271,-8 31 91,-1-34-450,-1 29 0,0-2-90,-14 16 630,10-2-630,-10 24-450,14 2 0,0 27-449,0-5-361,17 3-269,-13-10-90,12-2 1619,-1 2 0,-11-4 0,10 2 0</inkml:trace>
+  <inkml:trace contextRef="#ctx0" brushRef="#br0" timeOffset="75096">24700 5678 10501,'4'0'1349,"2"12"-1079,-4-9 0,3 10-180,-3-13 90,3 9 90,-2-7-360,-1-5-5757,-1-9 5847,-1 12 0,0 9 0</inkml:trace>
+  <inkml:trace contextRef="#ctx0" brushRef="#br0" timeOffset="75446">25003 5428 11400,'4'-2'900,"1"15"-720,-2 6-90,6 30-90,-4-13 0,7 24-90,-5-30 180,8 18-90,-4-24 0,3 5 0,-1-16-90,-1-1 0,2-6-90,9-2 90,-5-3-270,17-23 0,-14 17-180,0-20 1,-2-5-91,4 8-269,8-28-90,-12 18-181,-2 1 1170,0 0 0,-2 1 0,1 1 0</inkml:trace>
+  <inkml:trace contextRef="#ctx0" brushRef="#br0" timeOffset="75900">25622 5481 14009,'11'39'0,"-8"-6"90,8 1-90,-11-6-90,0 1 90,0-1-90,0 2 90,6-4-180,-5-1 90,5-5-90,-2-2 0,0-1-89,1-7 89,-1-2-90,-1-5 0,1-3 270,3 0-90,5-16 180,0-7-90,13-23-90,-8 6 360,16-17-90,-14 22 0,-2 4 0,1 1-1,-4 4 271,8-8-360,-16 27-180,0 4 90,-4 25-360,-1 8-89,-1 13-1,0 0-1709,0 5 360,0-13 1799,0 22 0,21-29 0,6 8 0</inkml:trace>
+  <inkml:trace contextRef="#ctx0" brushRef="#br0" timeOffset="76149">26393 4794 9062,'11'24'-270,"-2"12"-90,-4-20 180,-2 25-629,-2-1 89,-18-3 720,12 6 0,-26-22 0,12 4 0</inkml:trace>
+  <inkml:trace contextRef="#ctx0" brushRef="#br0" timeOffset="76314">26487 4896 9512,'6'20'269,"-1"-15"-718,-2 31-271,-2-32-449,1 34 1169,-1-21 0,1 20 0,-1-11 0</inkml:trace>
+  <inkml:trace contextRef="#ctx0" brushRef="#br0" timeOffset="76828">27165 4622 10861,'0'-15'899,"0"2"-719,0 2-90,0 3-90,0 2 810,0 2-720,0 15 0,0 16-90,21 9 90,-16 12-1467,40-4 1467,-39 8-1,18-24 1,0 0-90,-19 33 45,16-32 0,1 3-45,-13 13 0,-2 2 45,4-11 0,0 0-45,-4 26 0,-3 0-45,-3-26 0,-2 0-90,-11 11 1,-2-1-406,8 17 90,-22-32 0,-3 0-899,2 28 404,-1-31 1,-3-1-136,7-1 1,0-1 1079,-2-1 0,-1-2 0,-1 0 0,0-1 0,-1-1 0,0 0 0</inkml:trace>
+  <inkml:trace contextRef="#ctx0" brushRef="#br0" timeOffset="77369">27998 5265 12210,'-22'-3'720,"29"1"-1710,-1 16-179,47-10-540,-28 10 1709,11-7 0,2-2 0,11-2 0,-16 3 0,1 0 0</inkml:trace>
+  <inkml:trace contextRef="#ctx0" brushRef="#br0" timeOffset="77618">28128 5191 10411,'-12'-6'1169,"-7"0"-629,17 2 360,-8 1-451,37 1-269,9 1-45,-1 9 0,1 4-45,18 9-1408,2 3 1318,-21 13 90,-4-22-180,-4 20-450,-4 4 91,-11-7-901,-2 24 181,-30-21-1709,-11 23 2878,4-25 0,2-12 0,-2-1 0,-7 7 0</inkml:trace>
+  <inkml:trace contextRef="#ctx0" brushRef="#br0" timeOffset="77814">28968 5284 6183,'-31'-10'0</inkml:trace>
+  <inkml:trace contextRef="#ctx0" brushRef="#br0" timeOffset="78496">28807 5642 9332,'20'-19'1439,"15"-5"-989,-31-13-91,31-2 1,-17-12-90,2 10-45,-6 4 0,-2-1-45,1-9 44,-3 8 1,1 1 135,0-7-1622,-1-8 1442,-10 23 257,3 4-527,-3 4 782,0 5-692,0 64 0,0-17-665,0 11 1,0 4 664,0 11 0,0 4 0,0 5-180,0 2 90,7-33 0,0 0 0,-5-1 0,0 1-135,10 13 0,2 0 90,-6-12 0,-1 0-180,0 22 1,0-2-226,13 4 360,-19-22 0,0-3 373,6 8-643,-7-7-269,0-5-721,-22-1 721,-4-12-900,-28-5 1619,11-9 0,-4-18 0,12-4 0</inkml:trace>
+  <inkml:trace contextRef="#ctx0" brushRef="#br0" timeOffset="78563">28858 5748 6633,'48'-32'0,"1"1"0</inkml:trace>
+  <inkml:trace contextRef="#ctx0" brushRef="#br0" timeOffset="78783">29438 5191 10231,'-19'35'1799,"3"4"-1799,16-7 90,0 5-90,0-8-180,0 17-270,0-9-989,8 3 0,0 1 180,-4-1 1259,10-3 0,2-3 0,0-7 0,13 5 0</inkml:trace>
+  <inkml:trace contextRef="#ctx0" brushRef="#br0" timeOffset="79139">29652 5031 7982,'0'0'0</inkml:trace>
+  <inkml:trace contextRef="#ctx0" brushRef="#br0" timeOffset="80069">29692 5230 10141,'-18'14'1529,"-9"-1"-1439,23 16 0,-20-6 180,14 17-180,-2-12-90,-2 28 90,13-21-90,-7 26-90,7-26-686,0 9 776,1-18 173,0-2-173,0-3 618,0-1-618,0-7 0,0-3 0,12-7 439,-10-18-439,10-8 90,-3-11-90,-7-4-90,14 3 90,-14-2 0,12-4 86,-7-1-176,12-21-90,-8 14-135,-1 11 0,1 0-224,2-2-1350,9-13 989,-12 29 1,3 1 899,-2 14 0,-3 6 0,3 2 0</inkml:trace>
+  <inkml:trace contextRef="#ctx0" brushRef="#br0" timeOffset="80480">30102 5317 10861,'-15'-20'1259,"11"3"-989,-11 0-180,6 3 90,6 4-90,-15-3-90,16 7 0,-21 0 0,14 6 90,-14 15-270,16 3 180,0 18 90,7-7-90,20 14 90,-14-16-180,31 11 90,-33-11 0,31 1 0,-30-1 0,32 1 0,-32-2 90,26-1 0,-21 5 90,6-8-270,-9 6 180,-7-16-1170,-21 1 450,-6-10 1,-13 0-181,1-3-89,10-18-1,-1 13 1,3-29-270,1 18 1169,13-15 0,3 4 0,10 0 0</inkml:trace>
+  <inkml:trace contextRef="#ctx0" brushRef="#br0" timeOffset="80687">30398 4970 10411,'9'0'1709,"0"0"-809,-4 18-721,-2 6-179,0 11 0,-3 0 0,0-4 0,0 1 0,0 3-89,0 2-181,0 0-180,0 2-270,0-3-1169,0 15 810,0-15-1170,0 19 2249,0-28 0,0 5 0,0-14 0</inkml:trace>
+  <inkml:trace contextRef="#ctx0" brushRef="#br0" timeOffset="80846">30208 5349 11311,'0'-18'539,"0"2"-539,22-4 0,7 7-6200,30-2 5481,-9 9-91,5 2 961,-14 4-1591,1 0 1440,-1 0 0,-3 0 0,0 0 0</inkml:trace>
+  <inkml:trace contextRef="#ctx0" brushRef="#br0" timeOffset="81119">30892 4825 12210,'-39'17'1169,"5"8"-989,14 12-270,-3 5-340,21-3 430,-18 4-90,18 3 0,-7 1-315,9-12 1,0 0-46,0 17-360,8-10 1,4-1-450,14 5-91,-1 7 1350,6-32 0,0-3 0,-5 8 0,5-11 0,-1 0 0</inkml:trace>
+  <inkml:trace contextRef="#ctx0" brushRef="#br0" timeOffset="81379">31323 4775 11760,'32'0'1080,"-1"16"-900,-8-12 629,12 32-629,-11-6-135,-6-2 0,-2 3 45,-3 21-90,-6-13 0,-2 1-1324,-4 10 1099,-13-15 0,-2-1-314,7 16 89,-21-25 0,-3 0-809,2 23-855,-11-15 0,-4-1 2114,16-8 0,-1-1 0,-9 7 0,0-1 0,-17 9 0</inkml:trace>
+  <inkml:trace contextRef="#ctx0" brushRef="#br0" timeOffset="82749">27617 7501 10861,'15'15'1349,"8"-3"-1799,10-12-449,5 0-360,-7 0-1146,4 0 966,1 0 1439,2 0 0,0 0 0,0 0 0</inkml:trace>
+  <inkml:trace contextRef="#ctx0" brushRef="#br0" timeOffset="83079">27773 7397 9602,'-13'-9'989,"1"1"-539,3 2 359,2 0-269,5 3-270,27 0-270,8 2 90,15 1-395,-3 0 395,-11 14-90,2-11 0,-1 11 0,13-3 0,-12-8-90,16 16 90,-25-17 0,5 12 0,-19-13 0,-2 10-90,-8-6-179,-3 5-721,-26 5-89,-10-2-1859,1 2 0,-2 0 1229,-21 5 1709,26-6 0,2 1 0,-13 7 0,2-1 0</inkml:trace>
+  <inkml:trace contextRef="#ctx0" brushRef="#br0" timeOffset="84080">28867 7276 10321,'-20'-14'1709,"4"-8"-1619,-20 19-90,21-15 0,-13 17 0,8-5 0,-7 6 90,-7 18-180,17-13-90,-7 31-90,17-13-359,18 18 449,-6-3 0,36-7 90,-7-15 90,25-8 90,-12-8-639,-3 0 729,-19-16 270,4-3 0,-8-20-270,-5 0 90,-8 7-91,-8 4 1,0 10-180,0-1 180,-15 6-180,11 24 90,-12 40-90,16 7-295,0-5 0,0 0 295,0 11 0,-1-9 0,2 0 0,7-21 0,1-1 0,-7 8 0,0 2-406,6-5 1,0-1 405,-8 15-135,0-14 1,0-2 44,0-3-270,0 1-180,0-20-269,0-5-2160,-30-5 3231,23-21 0,-32-15 1,27-22-1</inkml:trace>
+  <inkml:trace contextRef="#ctx0" brushRef="#br0" timeOffset="84429">29347 7407 8882,'11'15'1349,"6"9"-1079,-2-21-270,9 10 0,-7-13 0,5 0 0,-4 0 0,1-16 90,0 12-180,6-28 180,-7 8-180,5-19 90,-14 7 180,-2-6 0,-6 18 0,-1-3-90,-18 11 90,13 5-91,-30 5-89,12 3 0,-17 17 0,4 8 0,15 22-89,9-7-271,12 4 0,0-12 0,26-1-269,-4 0 89,9-12 0,3-2 0,8 7-45,-1-9 1,1-3-225,9-2 707,-15-5 0,-1 0 0,15-2 0,0 0 1</inkml:trace>
+  <inkml:trace contextRef="#ctx0" brushRef="#br0" timeOffset="84651">30083 7158 9332,'0'-41'1079,"0"2"-629,0 0 179,-18 3 1,13-11-450,-27 15 0,28-10 180,-23 25 179,24 1-359,-17 28-180,17 15 90,-8 10-180,10 12-787,-5-7 787,5 6 90,0-12 0,0 1-270,1 21-135,0-9 1,0-1-136,0 7-450,-1-11 1,2-2-90,12 3-91,-10 8-269,9-23 1439,-12-5 0,0-5 0,0-2 0</inkml:trace>
+  <inkml:trace contextRef="#ctx0" brushRef="#br0" timeOffset="84815">29775 7188 9422,'28'13'-1170,"26"-9"181,-25 10 989,31-2 0,-10-9 0,4 9 0</inkml:trace>
+  <inkml:trace contextRef="#ctx0" brushRef="#br0" timeOffset="85117">30613 6766 10951,'-24'19'629,"-12"-1"-359,32 19-180,-27-3-90,16 23 0,-2-7-1270,7-6 0,1 2 1180,1 12-45,3-19 0,0-1-232,-1 14-802,6-1-180,0-4 1349,20 12 0,8-20 0,-3-16 0,-1 1 0</inkml:trace>
+  <inkml:trace contextRef="#ctx0" brushRef="#br0" timeOffset="85396">30983 6826 11670,'8'0'1260,"2"0"-901,4 18-89,2-13 0,3 35 90,2-23-360,1 23 180,2-7-180,-4 3 0,0 3 90,-1 19-90,-7-12-135,-7-8 0,-1-1-315,-3 7-630,-9-2 1,-5-1-360,-15-1-585,1-4 1,-2-4 2023,-16-5 0,-3 2 0,15-13 0</inkml:trace>
+  <inkml:trace contextRef="#ctx0" brushRef="#br0" timeOffset="85533">31392 7526 12480,'12'0'-60,"-4"0"0,-3 0 0</inkml:trace>
+  <inkml:trace contextRef="#ctx0" brushRef="#br0" timeOffset="112379">2168 10034 9422,'0'-7'1349,"0"1"-899,0 0-91,0 1 1,0-3-90,0 1 0,0-4 270,0-6-450,0 4 89,11-4 91,-8 8 0,8 1 0,-11-2-180,0 4 0,0-2-90,-23 6 90,-23 48-90,-4-19-598,9 16 0,3 2 508,-3 1 90,16-16 0,0 2 0,5 1 0,3-2 90,-7 17-135,11-9 0,3-1-616,2 3 751,4 10-621,25-13 441,15-12-45,0-10 0,4-3 90,-5-7 0,1-3 0,6 1 0,0-1-45,23-3-303,-31 1 1,0-2 347,-1-7 0,0-1 45,31 5 0,-5-25 0,-8 26-270,3-22 0,-21 12 778,-2-10-1047,-48 12-1,-20 3-90,-20 8-196,24 10 0,-1 1-164,-19-5-359,14 12 0,1 5 1349,-18 2 0,21-9 0,3 2 0,-7 14 0</inkml:trace>
+  <inkml:trace contextRef="#ctx0" brushRef="#br0" timeOffset="112997">1977 9620 8522,'-47'0'1169,"0"0"-809,12 12 0,-1 0-3067,-20-6 2797,20 16 0,-1 4 135,-2-6 0,2 1-180,9 5 0,-1 3 90,-18 15 0,0 1-90,22-15 0,1 0-45,-6 10 0,2 3 89,6 3 1,6 0-45,5-11 0,2 3-45,-3 24 0,4 0 0,5-25 0,3-1 45,7 10 0,4 0-45,3-1 0,3-3 0,3-11 0,3 0-1205,13 19 0,2-2 1205,-14-22 0,4-3 30,13 4 0,10 1 0,-5-5 224,-5-6 1,2-4-255,14 1 0,7 0 0,-5-4-256,-9-5 0,0-4 226,8-5 0,5-2 1,-4 1 29,-5 4 0,0-3 0,5-13 0,5-6 0,-7 2-335,-5 7 1,-4-2 334,-7-3 0,0-5 0,-3 0-45,11-13 0,-6 0 926,-12 9 0,-2-4-881,-3-5 0,-1-5 0,-5 2 0,-6 2 0,-4-2 0,-1-7 0,-1-4 0,-5 3-285,-10 2 1,-3 0 329,11-14 0,-6 1-90,-19 15 0,-3 4 45,12 0 0,-1 1 0,-14 0 0,-5 1 0,-12-8 0,-3 2 0,10 13 0,-4 2-210,-6 1 0,-6 1 0,3 5-150,2 5 1,-1 5 89,9 1 0,-3 1 0,1 3-854,-19 2 0,2 3 224,15-1 1,1 3 899,-10 11 0,3 0 0,-11-5 0,6 16 0</inkml:trace>
+  <inkml:trace contextRef="#ctx0" brushRef="#br0" timeOffset="113820">4902 10128 9961,'0'-14'1170,"-20"0"-901,15 6 1,-29-1-90,30 6 180,-30 0-360,8 1 180,-11 2-180,-1 20 0,12-15 0,-2 35 90,-5-11-90,12 10 0,-1 12-90,16-20 180,3 7-90,24-7 0,-15-11 0,24-7 0,6-4 0,-6-2 0,14-4 0,2-1 0,4-2 0,-2-15 0,-1-1 0,-2 8-105,-13-17 1,-3-3 104,-8 11 0,-7-21 0,-7-3 0,-3 7 0,-4-8 0,-19 13-90,15 4-405,-25 5 0,-1 2-134,20-2-721,-49-8-539,40 22 1889,-14 2 0,16 22 0,7 5 0</inkml:trace>
+  <inkml:trace contextRef="#ctx0" brushRef="#br0" timeOffset="114196">5168 10136 9961,'2'-25'2069,"0"2"-1529,-2 10-450,0 21 0,17 10-90,-13 13 0,13 2 0,-6-5 0,-8 1 0,8 1 0,-11 1 0,0-2 0,0-2 0,0-2 90,0-4-90,0 4 0,0-10-90,0 3 90,0-73-90,0 25-45,9-22 0,1-4-225,-5 5-476,13 15 1,-1 2 295,-13-12-270,28 3-179,-27 5-900,38-5 270,-30 15 1619,23-2 0,-20 20 0,1 2 0</inkml:trace>
+  <inkml:trace contextRef="#ctx0" brushRef="#br0" timeOffset="114795">5665 10371 8972,'8'8'719,"6"-2"-539,0-4 270,14-22-270,-6 15-180,7-36 180,5 8 90,-7-10-90,-6 12 0,0 1-180,0-9 134,-8 7 1,-2 0-45,-3-4 90,-2-8-180,-5 11 0,-20 11 180,-4-1-180,-22 16 0,2 27 0,1 27 90,9 3-135,23-12 0,3 0 45,-2 0 0,26 25 0,-13-29-684,32 6 684,-32-18-90,40-4 0,-26-5-179,39-5 179,-24-4 0,28-24 90,-27 15 0,11-39 0,-17 21 0,-2-24 0,-3 6 0,-5-7-90,-2-2 90,-6-7 0,-4 12 0,-1-2 45,-3 11 0,0-2 90,1-27 0,-2-1-601,-1 27 1,0 1 554,0-13 1,0 3 90,0-13 90,0 6-90,0 8-90,-13 7-90,9 10 90,-9 7 630,13 7-720,0 26 0,0 16 89,0 15-89,0 11 447,-8-5-447,7-8 0,0 1 0,-7 23-18,7-8 0,2 0-341,-1 9-91,0-11 0,0-1-179,0 6 314,0-22 0,0-1-1394,0 27 809,16-20-1347,-1 19 2247,4-32 0,3 3 0,-8-15 0</inkml:trace>
+  <inkml:trace contextRef="#ctx0" brushRef="#br0" timeOffset="115113">6305 10277 9422,'7'5'1619,"1"-1"-1260,7-1-269,-1-2 90,19-1-180,-7 0 0,24-14 0,-14 10 0,8-22 90,-1 9 0,-12-8 270,15-11-360,-24 11-3122,4-22 3212,-18 19 90,0-11-90,-8 12-90,0 2 90,-18 2 90,-6-3-180,2 9 179,-17 1-89,11 12-90,-17 20 90,5 11-90,16 11 0,6 4 3392,17-9-3751,-5 18-1,26-13-45,-7-6 0,3-1-224,25 1-776,1 9 416,-7-19-270,2-3-91,2-3 1350,2-3 0,-1-4 0,1-3 0</inkml:trace>
+  <inkml:trace contextRef="#ctx0" brushRef="#br0" timeOffset="115614">6955 10051 9961,'10'-3'1889,"-7"15"-1799,7 4 0,-2 2 0,-6 12 0,5-14 0,-3 14 90,-2-6 0,2-2 90,-4 7-180,0-8 449,0 6-359,0-15-270,0 0 90,0-8 90,0-22-180,0-29 90,23-4 0,-12 5 0,3-1-470,6 19 0,0 0 425,-2-9 0,-1-2-135,3-1 1,0 1-181,9-18-135,-5 14 0,-1 1-314,3 0-1358,12-8 997,-18 31 1170,11 5 0,-16 12 0,6 2 0</inkml:trace>
+  <inkml:trace contextRef="#ctx0" brushRef="#br0" timeOffset="116213">6165 9960 9602,'0'-5'629,"0"1"-539,0 0-90,-16-1 0,12 1-90,-24 1 90,14 0-180,-9 2-719,-7-1 269,7 2-719,-15 14 270,12-11 1079,-6 22 0,8-22 0,2 8 0</inkml:trace>
+  <inkml:trace contextRef="#ctx0" brushRef="#br0" timeOffset="117329">7608 9595 9961,'6'-17'1350,"-1"3"-1081,-1 3 91,-1 3 360,-1 2-630,1 3 0,-3 19 90,1-12-90,0 63-90,-1-33-714,0 4 1,0 2 713,0 14 90,0 5-90,-14-2-573,10 2 573,-11-5 0,15 0 0,-6-20 0,0 0 90,3 13-90,-7-12 0,-1-2 0,9-3-100,-7 7-170,6-23 180,0-4-90,-2-7 1347,1-3-1347,1-24 740,0-12-695,2 1 0,1-4 45,-1-27-1132,-1 13 0,4-2 1177,7 19 0,0 0 45,-8-13 0,2-2-563,14-1 1,0 0 562,-15 14 0,-1-2 45,12-23 0,3 1-90,-8 29 0,0 1 45,-1-8 0,2 2-60,18-3 60,-16 5 90,14 8 90,0-1-180,-2 14 90,14 1 90,-14 12-90,17 17-90,-20-11 0,6 32 90,-14-19-90,-2 19 0,-5-4-90,-2 17 90,-3-8-225,-7-6 0,-3-1-45,-12 7 0,0 10 992,-13-17-812,30-4 996,-29 10-996,30-12 90,-21 7 0,23-5 0,-7-7 90,26 14-90,6-14 90,0 6 0,15-6 0,-34-2 270,32 1-270,-32 0 0,22-2 180,-24 0-191,8 6-79,-10-6 0,-18 11 0,14-16 1006,-35 5-1366,33-8-270,-43 0-179,28-1-1260,-35 0 2069,36-5 0,-22-1 0,22-4 0</inkml:trace>
+  <inkml:trace contextRef="#ctx0" brushRef="#br0" timeOffset="117795">8252 9983 9512,'7'0'1349,"0"16"-989,-3-12 179,2 28-359,-3-18-90,4 16 0,-2-15-90,7 15-90,-1-22 90,9 16 0,-6-17 0,5-1-90,5-4 90,-4-2 0,15-14 90,-12-6-180,12-21 90,-17 5-516,3-2 606,-11 11 7,-3 1 82,-3 2 1,-3-4 270,-1 8-450,0 24 90,-16-5-90,13 50 90,-13-23-620,16 31 620,0-6-90,0-11 0,0 1-90,0 25 135,0-11 0,0 1-135,0 8 135,8-10 0,0-1-45,-4 5 0,12-21 0,-1-1 90,-11 25 0,11-20-36,-6 14-54,-7-32-269,7 2-451,-33-18-629,-28-2 449,-1-21-224,7 4 0,3-2-976,-3-23 2100,16 17 0,1-2 0,-5-16 0,3-2 0</inkml:trace>
+  <inkml:trace contextRef="#ctx0" brushRef="#br0" timeOffset="118213">9782 9232 10951,'-38'0'1259,"-2"16"-809,-1-12-225,7 24 0,0 5-2221,-18 2 2041,16 3 0,2 4 0,10-11 0,3 1-45,0 2 0,0 4 0,-1 19 0,2 3-45,6-14 0,3 2-566,-2 15 1,4-1 340,5-17 0,4-3-135,12 1 1,3-1-136,-4-1 0,3 0-480,9-5 1,6 2 0,-1-3 1019,2 4 0,0-1 0,12 11 0,2-2 0,-10-17 0,-1-1 0</inkml:trace>
+  <inkml:trace contextRef="#ctx0" brushRef="#br0" timeOffset="118885">10538 9829 10231,'0'-19'900,"0"2"-541,0 5 451,-14 5-180,10 2-540,-11 23-90,3 32 0,9 4-45,-9-4 0,-1 0-1164,10 9 804,-6-20 1,0 1-586,6 14-359,-3 1-90,2-2-630,-1-3 2069,-1-2 0,-1-4 0,1-2 0</inkml:trace>
+  <inkml:trace contextRef="#ctx0" brushRef="#br0" timeOffset="119046">10248 10236 8432,'19'-20'90,"-15"0"-270,35 5-809,-10-5-1,12 8 990,1-4 0,-10 12 0,-1 0 0</inkml:trace>
+  <inkml:trace contextRef="#ctx0" brushRef="#br0" timeOffset="119336">10663 10329 8612,'0'7'540,"0"-2"-90,21-3-450,4 0 89,0-20 1,15 13 0,-25-27 90,24 15 0,-19-1-90,-2-10 90,-7 24-180,-10-21 360,4 16-90,-22-3-180,-8 20-180,-13 16 90,12 8 0,11 4 90,4-7-360,8 14-90,-8-9-989,32 17 629,-15-23-270,20-9 1,5-3 989,-7 0 0,31-3 0,-22-8 0</inkml:trace>
+  <inkml:trace contextRef="#ctx0" brushRef="#br0" timeOffset="119680">11198 10277 9332,'0'14'1529,"0"4"-1529,0 22 0,0-10 0,14-1 0,-11-11 0,20-2 0,-21 1 0,14-4 0,-9-3 0,4-5 0,-2-20 90,-1 12-180,1-30 90,1 29 0,3-35 90,1 24-90,-1-19 90,1 12 180,3-2-91,-5 13-179,9-7 90,-11 17-90,4-5-90,-5 6 90,-2 21-179,-1-15-91,-2 35-180,-2-25-90,-1 19-1079,-1 3 810,0-9 809,-17 16 0,13-21 0,-12 5 0</inkml:trace>
+  <inkml:trace contextRef="#ctx0" brushRef="#br0" timeOffset="119898">10892 9948 9242,'22'-19'989,"-17"2"-809,42 2 90,-25 1-180,22 1-90,-8 2-90,1 2 90,2 5-90,-1 1-1079,16 3 179,-16 19 990,21 6 0,-29 13 0,7-1 0</inkml:trace>
+  <inkml:trace contextRef="#ctx0" brushRef="#br0" timeOffset="120163">12180 10203 10411,'-47'-9'1799,"-2"2"-1619,13 7-180,0 0 90,10 0-180,1 16 90,3-11 0,3 29 0,9-18-90,-5 16-899,13 5 359,-6-10-1349,30 18 810,-16-23-540,40 6 1709,-25-15 0,24-3 0,-10-3 0</inkml:trace>
+  <inkml:trace contextRef="#ctx0" brushRef="#br0" timeOffset="120446">12387 10325 9422,'-17'-6'1439,"-3"1"-900,-15 5-359,3 15 90,5 0-180,13 17 0,5-3-90,9-1 0,23-11 0,-17 2-90,38-17 90,-13 6 90,10-8-3482,14 0 3392,-25-19 0,7 14 0,-16-33 0,-4 23-90,-8-17 0,1-5-270,-9 9-359,3-17-1,-24 21-179,15-5-181,-15 13 271,1 4-661,15 1 1470,-15 4 0,19 2 0,0 2 0</inkml:trace>
+  <inkml:trace contextRef="#ctx0" brushRef="#br0" timeOffset="120684">12897 9994 10051,'-20'-5'2789,"16"19"-2699,-16 11-90,20 10 0,0 0 0,0-7 0,0 1-270,0 16-90,14-11-629,-10 23 269,23-23-1529,-14 26 1440,3-31 809,-6 15 0,-10-29 0,0 1 0</inkml:trace>
+  <inkml:trace contextRef="#ctx0" brushRef="#br0" timeOffset="120829">12710 10347 9602,'-15'-24'629,"11"0"-269,-10 2-180,14 1-90,0 1-180,0 0 180,17 1-1170,29-10 181,-1 12-181,-5 3 1,-1 2 1079,3 4 0,10 0 0,-18 6 0</inkml:trace>
+  <inkml:trace contextRef="#ctx0" brushRef="#br0" timeOffset="121079">12282 9854 9422,'0'-17'1349,"0"0"-809,20 0 89,9-9-449,11 7-180,-10 3 0,0 1 0,8 0-315,-3 4 0,-1 2-314,6 2-990,-4 2 0,-2 5 1619,-3 21 0,9-15 0,-26 16 0</inkml:trace>
+  <inkml:trace contextRef="#ctx0" brushRef="#br0" timeOffset="121230">12380 10953 10051,'-4'16'-90,"-2"-3"0,2-2 90,-1-4 0,3-4 0,1 0 0</inkml:trace>
+  <inkml:trace contextRef="#ctx0" brushRef="#br0" timeOffset="124163">13865 9160 9422,'16'-7'1889,"-12"3"-1440,13 0 361,5 3-540,7 1-180,13 0 90,-2 0-576,-9 21 486,0-15 0,0 41 0,-3-23 0,-1 24 0,-5-3-90,0 3 45,-12-9 0,-2 3-45,2 23-45,-5-5 0,-2 1 45,-1-23 0,-4 0 0,-9 12 0,-5 1-225,-3 4 0,-3-2 90,-4-12 0,-4 1-345,2 4 1,-2 3-1,1-4-510,1-4 1,-2-1-91,-3 1 1,-3 3 0,3-4 786,3-5 0,1-2 0,-6 8 0,0-3 1,-8 11-1</inkml:trace>
+  <inkml:trace contextRef="#ctx0" brushRef="#br0" timeOffset="125680">15620 9875 10951,'46'0'0,"6"0"-630,-13 0-179,6 0-91,-12 0-89,1-11-361,-2 8 1350,-3-8 0,-3 11 0,-2 0 0</inkml:trace>
+  <inkml:trace contextRef="#ctx0" brushRef="#br0" timeOffset="125834">15515 10138 8432,'-8'7'360,"6"-1"-360,-6-2 90,28-1-90,14-2-180,11-17-360,10 12-817,-7-24 547,4 24 671,2-22 0,0 23 0,-1-10 1</inkml:trace>
+  <inkml:trace contextRef="#ctx0" brushRef="#br0" timeOffset="126096">15978 9834 8972,'-17'-5'180,"13"-1"-90,-26 2 449,27-4-179,-9 4 0,12-5-90,17 6-90,13-1-90,7 3 180,9 1-181,1 0-89,-12 14 90,5 11-180,-17 7 90,-11 24 90,-3-16-495,-16-2 1,-8 0-1184,-19 12 1183,12-18 1,-3 0-946,-10 2 1,1-2 1349,12-7 0,0 0 0,-6 7 0,1 0 0,-8 9 0</inkml:trace>
+  <inkml:trace contextRef="#ctx0" brushRef="#br0" timeOffset="126563">17102 9757 9422,'7'-29'1619,"-5"7"-990,5-10-539,-7 17 0,-17-9-90,13 15 90,-49 0-90,30 7 0,-12 9 0,-1 6 0,-1 17 0,-12 13 0,34-12 0,2 1-90,-12 10 90,17-6 0,2 0-180,-3 6-684,37 11 864,-21-18 0,49-3 0,-33-4 90,24-2-270,-13-6 270,-5-3-90,4-2-629,-18-5-271,-18-4 91,-27-4-91,5-17-1528,-28 11 2644,25-22 0,-5 24 0,12-8 0</inkml:trace>
+  <inkml:trace contextRef="#ctx0" brushRef="#br0" timeOffset="126946">17525 9917 9602,'-56'0'989,"3"0"-899,13 0-90,-13 17 90,17-13-90,-6 30 90,18-30-90,13 37 0,1-27-90,36 34 0,9-28 0,-3-4 0,3-1 180,18-9-135,-18-2 0,-2-1 45,4-3 0,6-15 0,-18 12 270,-5-28 180,-1 10-1,-11-15-449,1 2 90,-9 5-90,0 33-270,0 14-539,0 32 179,0-9-179,0-2-1,0-13-89,20-2-181,-15-3 1080,33-4 0,-34-7 0,14-4 0</inkml:trace>
+  <inkml:trace contextRef="#ctx0" brushRef="#br0" timeOffset="127348">17993 10015 9512,'4'-8'809,"-1"-5"91,3 12-721,-4-5 271,2 21-360,-2-11 180,3 51-270,-1-29 0,-1 12 0,1 2 0,0 3-980,1 13 890,-1-16 180,-1-2-591,0 22 501,-2-25-289,1 20 109,-2-40-1439,0 3 1349,-14-50 180,10 14-90,-10-36 90,14 2 90,0 11 0,11 3 0,2-1 906,-7-5-816,13 8 0,2 3 180,-1-2 180,1-2 631,7 20-631,-17 8-218,3 24-232,-6 13 90,-8 12-270,0-4 1,0-1-271,0 4-450,-8-3 1,0-2-1,4-5 900,-11 8 0,15-23 0,0-2 0</inkml:trace>
+  <inkml:trace contextRef="#ctx0" brushRef="#br0" timeOffset="127568">17525 9381 9781,'-32'0'270,"13"16"-180,4 5-180,31 0-539,20 30-181,10-31 80,-17 3 0,2 1 730,8-6 0,2-5 0,23 1 0,-20-5 0,-1-1 0</inkml:trace>
+  <inkml:trace contextRef="#ctx0" brushRef="#br0" timeOffset="127730">18177 9265 9152,'-16'-3'270,"-5"1"-270,-16 22-180,9-15-720,9 38-449,2-22 1349,14 21 0,-6-5 0,9 2 0</inkml:trace>
+  <inkml:trace contextRef="#ctx0" brushRef="#br0" timeOffset="128014">18902 9869 11490,'6'-1'90,"3"-1"-90,5 20 0,0-13 0,6 29-90,3-7-269,-2 8-1350,12 19 629,-12-19-798,5 10 1878,-7-15 0,2-1 0,0-2 0</inkml:trace>
+  <inkml:trace contextRef="#ctx0" brushRef="#br0" timeOffset="128213">19428 9861 9781,'-49'-16'1080,"0"4"-810,10 6-180,-6 4-135,11 0 0,0 4 45,-19 19 45,6-7 0,2 4-678,18 3 1,2 2 362,-9 1 0,3 0-809,-9 15 90,8 3-181,5 2 1170,8-2 0,7 0 0,4-2 0</inkml:trace>
+  <inkml:trace contextRef="#ctx0" brushRef="#br0" timeOffset="128530">19507 10217 8792,'17'-14'540,"3"-1"-270,-1 0-1,1-5-89,-2-2 90,-1-3 90,-2-1 449,2-24-629,-8 18 180,1-27-270,-9 37 90,-1-7-180,-16 19 0,0 2 0,-13 54-180,15-20-180,7 14 0,4 2-179,3-3-361,0 11 1,0-16-1,16-2-89,-13-3 989,32-3 0,-31-5 0,15-1 0</inkml:trace>
+  <inkml:trace contextRef="#ctx0" brushRef="#br0" timeOffset="128946">20008 10066 9961,'1'13'1799,"0"8"-1889,-1 21 90,0-1 0,0-9 0,0 2 0,0-1 0,0 10 0,0-11 0,0 13 0,0-23 0,0 3-719,0-16 539,17-42 180,-13 9-45,9-15 0,3-3 45,4-1-747,-8 11 1,2 0 746,16-15 0,-7-2 0,3 1-321,-8 17 0,1 2 681,9-13 90,15-9-270,-22 35-90,4 2-90,-14 14 90,-2 16-90,-4-13 0,-2 37 0,-2-19 0,-1 23 0,0 9-180,-20-11-180,11-6 0,-1-1 1083,-14 2-2342,-4 20 809,9-30-179,0 0 1229,-12-13 1,17-9-1,-13-1 1</inkml:trace>
+  <inkml:trace contextRef="#ctx0" brushRef="#br0" timeOffset="129184">19385 9553 8972,'0'-17'1259,"20"1"-899,-15 4-90,42 1 90,-24 0-181,25 2 91,10 1-360,-16 3 90,-5 2 0,-1 1 0,1 1-539,20 0 179,-33 1-360,6 0 1,-16 14-271,-4-10 1,-2 10 989,-3 0 0,-2-11 0,0 11 0</inkml:trace>
+  <inkml:trace contextRef="#ctx0" brushRef="#br0" timeOffset="129346">20278 9239 9781,'5'-10'630,"-1"2"-1799,-2 19-91,-19 12 1260,13 14 0,-14 7 0,18-6 0</inkml:trace>
+  <inkml:trace contextRef="#ctx0" brushRef="#br0" timeOffset="130030">21412 9566 10321,'10'-17'1439,"-2"2"-989,-8 4-360,4 2 0,-3 2 719,2 1-809,-3 21 0,0 32 0,0 4-716,1-15 1,-2 0 356,-13 14 89,11 4-90,-11-1-225,13-16 1,2 0-316,-12 18-1563,10-13 0,0-1 1563,-10 1-269,11 7 1169,0-25 0,0-3 0,0-3 0</inkml:trace>
+  <inkml:trace contextRef="#ctx0" brushRef="#br0" timeOffset="130330">21162 9587 9602,'-9'-25'1259,"5"2"-989,0 0 179,4 0-269,0 0 180,24-11-180,13 7-90,16-7 90,-11 16 0,0 2-278,17-11 323,-8 5 0,1 2-135,10-2-1,-16 5 1,-1 1-916,1 2 826,5-3 0,-21 10 0,-14 3 0,1 1-449,-14 21-1,-1 14 0,-2 12-1351,0 9 632,0-4-271,0 8-449,-12 5 1889,9 4 0,-4-32 0,1 0 0,6 1 0,0-1 0</inkml:trace>
+  <inkml:trace contextRef="#ctx0" brushRef="#br0" timeOffset="132350">3508 10526 9062,'17'8'1799,"8"-16"-1889,26-7 180,-7-3-556,5-6 466,-12 21 0,0-21 0,0 21 0,-3-20 0,-2 20-90,3-16-359,-13 11 152,0-1 297,-13 0 0,-5 8 0,-2-2 0</inkml:trace>
+  <inkml:trace contextRef="#ctx0" brushRef="#br0" timeOffset="133100">3533 10581 10141,'0'38'540,"0"-7"-450,0 7 0,0-5 0,0 6-90,0 22 0,0-10 0,0 15 0,0-30 0,0 0 0,0 20 45,0-7 0,0 1-555,0 11 510,0-9 0,0 1 90,0 9-90,0 4 0,0-1-90,0 1 135,-5-5 0,-2-1-45,5-10 44,-9-11 1,0-1-224,2 1 269,-6 19-90,6-29 0,3 5 103,2-8-13,2-7-90,-2 11-90,2-14 90,0 5 0,1-6 0,1 0 0,-1 0 317,1 1-317,0-1 0,0 0 0,0 5 0,0-5 0,0 5 0,0-8 0,-2 0 0,1-5 90,-1 0-90,1-1 0,-1-1 0,0 2 0,0 0 0,0 5 0,1-1 0,-1 7 0,1-8 90,-1 2-180,1-5 180,1-1-90,-1-2 0,1-2 0,16-1 0,2-13 90,19 9-180,-7-9 90,2 12-180,-8 0-270,0 0-180,0 0-179,-1 0-91,1 0 900,10 17 0,-7 2 0,8 16 0</inkml:trace>
+  <inkml:trace contextRef="#ctx0" brushRef="#br0" timeOffset="133562">4712 12328 9781,'0'-11'990,"0"-4"-900,0 4 180,0-3-1,-20 9-358,1 1 178,-21 25-178,8 3 178,12 22-89,-2-13-89,20-1 178,-5-11-178,28 3 89,8-7 0,23-3 0,3-8 0,-12-6 0,3-20 0,-30-2 0,12-23 0,-25 13-90,7-11-180,-10 19-90,0-6-719,0 7 359,-19 9-899,14-2 360,-14 8 1259,9 4 0,7 1 0,-7 3 0</inkml:trace>
+  <inkml:trace contextRef="#ctx0" brushRef="#br0" timeOffset="133864">5093 12222 9332,'5'0'449,"-2"18"-179,-1-13-90,-1 25-90,0-12 0,-1 8 0,0 13-90,0-13 0,0 19 0,0-20-90,0 14 270,0-19-270,0 3 180,0-12 0,0-1 0,0-3-180,0-3 0,10-1 180,-7-17-180,23-25 90,-16-1-180,3 3 0,2-1-270,-1-3-1213,6-15 944,-8 20-181,1 2-179,-3 5 1079,1 3 0,-2 7 0,0 2 0</inkml:trace>
+  <inkml:trace contextRef="#ctx0" brushRef="#br0" timeOffset="134429">5637 12502 8792,'10'-15'360,"2"11"-270,0-29 0,1 16-90,-3-16 90,-2 6 0,-3-1 0,-3-8 89,-1 8 1,-1-13-90,-21 22-90,16-3 270,-30 14-180,15 4 0,-14 22-90,0 11 0,15 10 0,-2 3 90,19 7-90,-5-12-90,7 10 0,23-9-90,5-11 0,26 1 90,-11-15-180,14-6 181,-21-3-454,8-25 543,-15 15 0,-2-38-90,-3 24 90,0-23 0,-6 6 0,-2-2 90,1-25 0,-7 12 134,-4 6 1,-2-2 45,-1-11-90,-3 20 0,0 0 360,0-14-180,0 3-91,0 3-89,-18 7 0,14 6 0,-14 6 720,18 7-900,-10 10 0,8 46 0,-8-5 0,9 16 0,2 5-268,-1 10 88,0-3 0,0 0-71,0-23 1,0 0-470,-1 24 1,2-1-451,17 5-854,-11-3 1,3-3 2023,25-4 0,-26-14 0,-2-2 0,7-5 0</inkml:trace>
+  <inkml:trace contextRef="#ctx0" brushRef="#br0" timeOffset="134734">6212 12498 10141,'8'-8'810,"2"-5"-630,0 7-90,5-6 0,1 3-1,4-2-178,1 2 89,4-3 89,1 3-89,12-8 0,-10 4 0,15-12-89,-21 9 178,1-7-89,-11-4 0,-7 7 360,-1-16-180,-24 19 270,-5-7-450,-24 17 0,1 0 0,19 30 0,-7 4 90,32 13-360,-11 10-180,15-19-89,0 12-361,19-16 1,-14 0-181,38-3-179,-37-2 1259,44-3 0,-29-3 0,23-1 0</inkml:trace>
+  <inkml:trace contextRef="#ctx0" brushRef="#br0" timeOffset="135050">6730 12355 10321,'0'11'1619,"0"2"-1709,0 23 90,13-1 90,-10-4-90,9-3 0,-12-9 0,0-3 90,0 1 0,0-5 0,0 2-180,0-23 90,0-8 0,0-16 90,0-7-180,0 4 90,22-4-270,1-22 0,3 15-1221,-1 8 0,0 1 502,-6-2-91,26-8-79,-20 23 1159,0 5 0,1 6 0,-2 2 0</inkml:trace>
+  <inkml:trace contextRef="#ctx0" brushRef="#br0" timeOffset="135780">5880 12293 8432,'0'-5'630,"0"0"-360,0-1-180,0 1 0,0 0-90,-14 0 0,10 1 0,-10-1 179,2 3-268,9-2 89,-23 3 0,5 0 0,-4 1-990,-15 16 181,19-11 809,-16 23 0,19-13 0,-5 13 0</inkml:trace>
+  <inkml:trace contextRef="#ctx0" brushRef="#br0" timeOffset="136816">7498 11919 10771,'1'-9'2069,"0"2"-1889,-1 29-1,0-4 1,0 26-180,-15-6-1159,11 4 1159,-10 6 90,14 1-90,-10 2 0,8-3-90,-8-1-94,6 12 184,2-16-180,-6 17 180,7-32-180,-5 7-89,4-22-1,-1-1 90,1-10 830,-2-1-740,0-17 423,-1 11-423,0-32-270,-2 3 271,3-12-1697,1 8 0,0-1 1696,2-14 90,0 15 0,1 1-779,0-22 779,0-1 0,0-1 0,0-1 0,18 4 0,-14 1 45,11 24 0,3 0-45,6-12-68,-4 14 1,3 4 157,16 3-90,16 3 90,-20 16 0,8 3-90,-3 17 90,-15 8-263,8 21 173,-22-4 0,-2 18 0,-8-23-225,-18 2 0,-3 0 135,11-1 90,-18-2 0,1-2 90,23-6-90,-26 7-90,26-13 2944,-9 1-2764,12 10-90,22-5 0,-17 7 180,34 3-1,-19-8 91,1 18-180,5-19-90,-23 7 0,7-13 0,-10-1 1105,-20 1-1105,15-2 0,-38 0-270,23-1-539,-22-1-271,8-2-269,1-3 1442,-9 2 1,13-7 0,-4 2-1</inkml:trace>
+  <inkml:trace contextRef="#ctx0" brushRef="#br0" timeOffset="137513">8020 12270 9871,'0'33'1799,"0"5"-1799,0-9 0,0 2 90,0-9-90,0 0 0,0 0 90,13-2-90,-10-2 0,21-3-90,-21-2 0,32 0 0,-19-5 0,33-2 0,-20-5 90,11-1 0,-12-21-89,-1 16 178,-1-33-89,-5 34 0,0-35 0,-6 23 90,1-29 0,-8 18 90,-1-6-90,-6 13 0,-1 2 270,0 5-90,-17 6-270,-7 19 90,-8 37-90,9 0 0,15-2 0,5 2 0,3 7 0,9 5 0,1 2 0,-6 3-1517,14-4 1,0-2 1516,-14-7 45,5-11 0,-1-2-45,-8 2-45,2-7 0,-4-2-45,-16-4-899,-14 10 179,-11-31-360,8-2 1,0-5-270,-10-16 1233,-16 11 1,23-34 0,0 10 0</inkml:trace>
+  <inkml:trace contextRef="#ctx0" brushRef="#br0" timeOffset="138129">9018 11822 10861,'9'0'809,"-4"0"-269,3 21-180,-4-16-180,0 55-90,-2-32-90,-2 13 0,0 3-549,0 4 459,0 19 90,0-1 90,0-16-135,0-10 0,0 0 45,0 3-259,0 22 79,0-33-179,0 15-1,0-29-810,0 3 721,0-32 650,0-25-381,0-3 90,0-19 15,0 17-15,0-6 90,0-4 0,0 12 0,0-2 0,0-22-997,0 8 1,0 0 1086,0-9-1,-1 23 1,2 1 148,12-11-58,-9 4-1,9 4 162,-2 5-71,-8 4-91,18 5 361,-5 1-360,4 11 0,10 1 90,-9 12-180,7 2 0,-7 19 0,0-13-90,0 38 180,5-1-180,-9 13 334,-6-22 0,-1 0-334,0 17 0,-3 1 0,-5-14 0,0 1 90,-1 18-45,1-20 0,-3-1-45,-11 0 0,-1-1 0,7 14 0,-26-7 0,-5-2-90,7 5-758,-13-7 1,-4-1 127,-2 3 225,16-14 1,0 0-766,-10 5-269,4-4 1529,7-2 0,4-4 0,5-2 0</inkml:trace>
+  <inkml:trace contextRef="#ctx0" brushRef="#br0" timeOffset="138734">9447 12422 8522,'32'0'630,"5"0"-720,-1 0 180,-4 0-90,-2 0 180,-10-19-90,2 15-90,-5-27 269,-1 28-269,-3-23 270,-5 23 0,0-26 90,-6 17-180,0-11 270,-2 3-271,0 7 181,-23-2-180,4 11-90,-20 1-90,10 21 90,14 7-90,3 11-360,12 14-89,0-17-1171,0 22 541,24-26-1619,0 15 2698,4-24 0,13 2 0,-13-12 0</inkml:trace>
+  <inkml:trace contextRef="#ctx0" brushRef="#br0" timeOffset="139036">10107 12208 9602,'0'-11'809,"0"2"-269,-17 5-450,-2 2 0,-2 38-90,6-4 45,12 2 0,6 0-45,16 8-90,2 8 90,2-23 180,3 13 89,-23-21-269,18 2 0,-19-12 0,8-2 90,-10-2-90,-17-3-359,-7-1-181,-22-1-809,-4-14 449,9 11 900,-7-27 0,21 14 0,-7-15 0</inkml:trace>
+  <inkml:trace contextRef="#ctx0" brushRef="#br0" timeOffset="139316">10705 12204 9602,'0'-13'1079,"0"1"-539,0 3-91,-19 1-89,15 0 180,-32 4-180,11 0-270,-15 19 0,-4 10-1,9 24-89,14-7-3392,10 23 3392,11-25-89,19 11-367,-14-16 6,42-2 0,-20-4-269,28-3-181,-7-4-269,6-4 1169,-11-9 0,1-2 0,-9-3 0,1 0 0,12-1 0,-1 0 0</inkml:trace>
+  <inkml:trace contextRef="#ctx0" brushRef="#br0" timeOffset="139796">12125 11578 11221,'-26'19'1619,"-1"13"-1170,-5-16-914,-1 19 645,-3-1-45,11-4 0,1 3-45,-12 19-90,10 0 0,2 1 44,11-20 1,3 1-135,-1 25 1,3-1-1157,3-23 1,4-3 840,12 12 1,6-1-496,10 10 405,-1-27 1,4-1-91,-4-2 1,3 0-1170,20 4 0,4-2 1754,-10-7 0,2 0 0,-4-5 0,3 0 0,-1-2 0,8-2 0,-1 1 0</inkml:trace>
+  <inkml:trace contextRef="#ctx0" brushRef="#br0" timeOffset="140944">13355 11881 11131,'-15'37'539,"11"0"-539,-10-5 0,14 2 90,0 3-180,0 1 0,-10 4-449,8-1-361,-8-2-269,10 0-270,0-5 1439,0 0 0,0-5 0,0 0 0</inkml:trace>
+  <inkml:trace contextRef="#ctx0" brushRef="#br0" timeOffset="141106">13277 12101 8792,'0'-6'-180,"0"1"-989,21 3 1169,5 15 0,25 2 0,1 13 0</inkml:trace>
+  <inkml:trace contextRef="#ctx0" brushRef="#br0" timeOffset="141412">13615 12341 8522,'22'3'90,"5"0"-90,12-3 0,12-20 0,-19 4-90,20-18 90,-25 19 0,2-6 0,-15 19 450,-7-15-180,-27 15 0,-7-6-270,-24 37 90,5-22-135,25 20 0,3 3 135,-4-14-360,10 33-270,12-25-989,20 12 270,-15-16 1259,41 0 0,-25-10 0,22-4 0</inkml:trace>
+  <inkml:trace contextRef="#ctx0" brushRef="#br0" timeOffset="141782">14082 12359 9512,'-17'15'899,"4"2"-809,13 18-90,0-8 0,0 3 0,0-10-90,16 9 180,-12-9-180,12 7 90,-5-14 0,-8 0 0,15-9 0,-12-1 0,6-3 0,-3-20 0,3-3 0,-1-14 0,3 5 0,-2 8 180,-2 0 0,0 2-90,0 1 180,-2 10 89,1-7-89,-1 16-270,0-8 0,4 10 0,-5 0 0,3 21-90,-4 4 0,1 12-359,-4-3-91,-2-9-180,-1 0-89,0-1-1,0-1-89,0-2 899,0 3 0,0-7 0,0 2 0</inkml:trace>
+  <inkml:trace contextRef="#ctx0" brushRef="#br0" timeOffset="141996">13743 11985 8972,'0'-17'899,"18"3"-629,-13 4 0,40 3-90,-2 1-180,13 3-2830,-15 2 0,-1 0 2470,9 1-270,11 18 1036,-20-14-1485,-6 33-270,-1-21 1349,-5 19 0,-4-7 0,-3 2 0</inkml:trace>
+  <inkml:trace contextRef="#ctx0" brushRef="#br0" timeOffset="142270">15008 12247 10591,'0'-14'1349,"-20"6"-989,15-3-270,-34 10-180,18-2 90,-2 26 90,-8-18-180,27 40 0,-21-26-270,23 20 0,-8-9-269,10 2-91,0-3-89,24 0-91,-18-2 91,48-4-4382,-6 4 5191,15-10 0,-28-10 0,-1 0 0,16-3 0</inkml:trace>
+  <inkml:trace contextRef="#ctx0" brushRef="#br0" timeOffset="142572">15433 12491 9332,'3'-40'1709,"-18"4"-1350,10 11 1,-32 5-90,10 8-270,-21 5 90,0 3-90,5 23 0,11 1 0,16 20-270,27-6 90,17-1 90,10-15 0,6 1 180,-9-17-180,16 4 0,-11-6 90,17-16 0,-29 12 0,-4-27 90,-9 27-180,-12-28 90,5 18 0,-8-24 0,0 15-539,-23-12 179,18 17-180,-35-1-269,35 9 269,-12 3 0,4 2 540,10 1 0,-10 2 0,13 1 0</inkml:trace>
+  <inkml:trace contextRef="#ctx0" brushRef="#br0" timeOffset="142814">15817 11947 9781,'0'-10'2609,"0"3"-2339,0 21-180,0 11-90,0 11 0,0 20 0,0-18-90,0 14 90,0-14-450,0-2 0,0 0-179,0-1-181,11-2-179,-8-3-91,8-2 91,-11-3-180,0-2 1169,0-4 0,0-3 0,0-2 0</inkml:trace>
+  <inkml:trace contextRef="#ctx0" brushRef="#br0" timeOffset="142946">15665 12320 8882,'21'-25'90,"-16"5"-90,39 4-540,-23 6-269,21 1-1488,-5 3 2297,-1-1 0,1 4 0,-2 0 0</inkml:trace>
+  <inkml:trace contextRef="#ctx0" brushRef="#br0" timeOffset="143196">15110 11842 9152,'0'-15'899,"24"1"-719,9-6-180,12 7-90,0-4 90,-11 8-180,0 4-1259,12 1 720,-14 4 719,13 23 0,-25 9 0,4 23 0</inkml:trace>
+  <inkml:trace contextRef="#ctx0" brushRef="#br0" timeOffset="143364">15273 12795 9152,'0'26'1169,"0"-2"-899,0-5 0,0-4-720,0-5-1619,18-5 2069,1-18 0,20 9 0,-3-12 0</inkml:trace>
+  <inkml:trace contextRef="#ctx0" brushRef="#br0" timeOffset="143762">16143 11671 10501,'19'-14'1709,"-1"0"-1259,3 1-180,-3 2-1,3 0-89,-2 2-90,1 4 90,7 1-180,-5 3 90,13 22 0,-14-16-1786,-3 26 0,-3 6 1786,1-6-45,-5 4 0,-2 2-348,-1 11 303,0 5 0,-5 2 0,-2-14 0,0 1 0,0 23-180,-1-9 0,0 0-179,0 8-271,-8-12 0,-1 0-269,5 5-96,-14-22 0,-1-1-444,15 8-270,-32-3 1684,32-4 1,-30-5-1,12-1 1</inkml:trace>
+  <inkml:trace contextRef="#ctx0" brushRef="#br0" timeOffset="144368">17248 12204 11221,'26'-7'269,"6"2"-628,33 0-181,-13 3-1484,0 1 1214,-18 1-89,-2 0 532,-7 0-533,-3 0 957,-12 17 0,-3-13 1,-7 13-1</inkml:trace>
+  <inkml:trace contextRef="#ctx0" brushRef="#br0" timeOffset="144496">17220 12366 8882,'-19'10'360,"9"-2"-360,1-1 90,32-4-450,12-3-450,16 0-1071,7 0 1881,-6-15 0,2 11 0,3-12 0</inkml:trace>
+  <inkml:trace contextRef="#ctx0" brushRef="#br0" timeOffset="144746">17603 12025 10501,'66'-2'899,"-14"0"-899,-2 2-548,-13 16 548,-2-12 0,-2 25 0,-7-7-90,-1 8-180,-13 5-270,-3-4 93,-9 2-273,-23 3 1,17 1-1034,-47 0 404,31 2 1349,-25-4 0,29 0 0,4-3 0</inkml:trace>
+  <inkml:trace contextRef="#ctx0" brushRef="#br0" timeOffset="145066">18723 12158 9602,'-18'-11'629,"13"1"1,-30 2-360,17 3-180,-2 20-90,6 10 0,14 12 0,0 0 90,16-8-90,-12 2 89,26 13 1,-26-11 0,23 19 0,-24-27-180,10 12 180,-13-20-180,-19 0 90,15-8-359,-38-4-271,23-2-180,-21-2-89,9-1-1,2 0 900,0-14 0,-2 11 0,2-11 0</inkml:trace>
+  <inkml:trace contextRef="#ctx0" brushRef="#br0" timeOffset="145462">19122 12222 9691,'0'-9'1440,"0"-2"-1081,0 2 1,-24-5-180,-5 7-90,-26-1 0,12 7-90,3 0 0,3 18 0,10 3 90,4 18-180,12-9-90,32 6 90,9-10-90,14-6 180,3 0-270,8-17 270,-14 5-90,24-7 90,-32-13 0,12-4 90,-25 0-180,-3-12 450,-8 10-270,-8-12 0,3 6-90,-20 12-90,12 25-449,-23 10-1,24 21-90,-7-9-269,10-2-720,20-1 359,-15-11 1260,30 5 0,-31-17 0,10-2 0</inkml:trace>
+  <inkml:trace contextRef="#ctx0" brushRef="#br0" timeOffset="145896">19555 12281 11580,'9'15'540,"0"-11"-450,-4 32-90,3-19 0,-1 21 0,6 9 0,-2-9 0,-2-4 0,0-1 0,1 4 0,-2-2 0,-1 0 0,-1-5-270,2 18 0,-7-35-1439,-1 1 990,0-28 269,-13-17 360,10-6 0,-9-24 90,12 24 0,0 3 0,0 0 0,0-10-915,17-14 1005,-12 19 180,30 1-442,-31 5 622,32 5 0,-21 3-181,19 6 275,-1 2-274,-7 9 269,13 1-449,-19 7-180,4 0 180,-12 20 819,-4-15-909,-3 28 488,-2-14-758,-3 13 0,-20-13-43,15 8-1306,-32-16 449,14 3 1170,-20-1 0,11-12 0,1 3 0</inkml:trace>
+  <inkml:trace contextRef="#ctx0" brushRef="#br0" timeOffset="146104">18860 11519 9422,'-7'25'0,"1"14"90,6-12-630,23 19-180,16-8-404,-1-15 0,3-4 936,-5-8 1,1-1 0,4 0 0,-1-1 0,21-3-1</inkml:trace>
+  <inkml:trace contextRef="#ctx0" brushRef="#br0" timeOffset="146279">19562 11502 6137,'-35'17'90,"5"-13"509,10 34-689,3-20-360,1 21-539,3-6 989,6 3 0,3 2 0,4 2 0</inkml:trace>
+  <inkml:trace contextRef="#ctx0" brushRef="#br0" timeOffset="146579">20488 12175 11940,'0'-12'900,"0"3"-810,17 1 0,-13 3-90,27 2 0,-7 1 0,6 2 0,4 16-450,5 4-90,-10 1 0,10 14-269,-12-30-1,-1 32-89,0-23-1170,7 19 2069,-8-21 0,5 10 0,-10-11 0</inkml:trace>
+  <inkml:trace contextRef="#ctx0" brushRef="#br0" timeOffset="146779">20992 12031 9871,'-16'-15'1350,"12"3"-721,-45 5-449,28 4-180,-29 3 0,19 20 0,0-15 0,-3 41 0,-14-7-90,11 15-405,6-16 1,2-1-226,-3 11-360,8-9 1,2 0-857,2 3 1936,-2 11 0,15-20 0,3-3 0</inkml:trace>
+  <inkml:trace contextRef="#ctx0" brushRef="#br0" timeOffset="147132">20965 12373 9242,'8'0'360,"0"0"-271,10-4 1,-3 1 0,19-9-90,-11 4 0,10-8 0,-9 4 0,1-4 0,-5 0 90,6-13 90,-10 6 180,6-22-270,-14 18 540,-1-19-361,-6 21-269,-1-4 0,0 13 90,0 4 270,0 3-90,-15 4-180,11 17-180,-22 12 90,23 24-180,-7-5-743,10 5 563,0-13-180,0-1-179,0-2-900,17 9 719,5-13 900,20 9 0,-19-22 0,-2 1 0</inkml:trace>
+  <inkml:trace contextRef="#ctx0" brushRef="#br0" timeOffset="147586">21590 12211 10051,'3'-11'810,"-2"-2"-271,1 12 1,0-3-540,2 4 270,1 15-360,0-11 180,0 29-180,1-29 180,0 37-180,0-22 180,0 34-90,1-21-90,1 21 90,-1-22-180,2 13 90,-3-22 0,1 0 90,-3-10-360,0-6 181,0-1-181,2-4 90,-1 0 180,2-17-90,-3 12 0,3-32-90,2 4 360,0-11-135,0 2 0,0-2 135,3-5-45,-1 0 0,0 0-45,0 1 180,0 11 0,0 0-180,1-2 360,5-4 90,-5 20-271,0 7 91,-1 5-90,5 5-90,-4 3-90,7 19 0,-8 7 0,1 22 90,-7-5-180,-1-1 90,-4-9-90,0-2-90,0-1-179,0-2-1,-16-3-270,12-4-809,-27 3 719,27-10-989,-24-1 1709,8-8 0,-7-3 0,-2 0 0</inkml:trace>
+  <inkml:trace contextRef="#ctx0" brushRef="#br0" timeOffset="147829">21102 11678 9871,'26'-5'1170,"-20"0"-811,45 2-89,-12-4-180,11 5-560,3-3 470,-16 4 0,-3 1 0,-4 0 64,4 0-333,-13 15-631,4-12-911,-18 28-1008,-2-13 2819,-5 16 0,0-10 0,0-2 0</inkml:trace>
+  <inkml:trace contextRef="#ctx0" brushRef="#br0" timeOffset="148016">21987 11350 9242,'-38'22'90,"-1"4"-270,21 15-450,-11-1-359,26-6-540,-18 3 1529,18 0 0,-5 2 0,8-1 0</inkml:trace>
+  <inkml:trace contextRef="#ctx0" brushRef="#br0" timeOffset="148316">22555 11614 11760,'2'-5'1709,"1"2"-1529,1 3-90,0 16 0,3 9-90,-3 9 0,4 19 0,-2-16-225,-2-3 0,-1 1-134,0 9-938,1 12 937,-2-18-180,-1-3-179,-1-1-990,0 8 629,0-12 1080,0 10 0,0-21 0,0 1 0</inkml:trace>
+  <inkml:trace contextRef="#ctx0" brushRef="#br0" timeOffset="148646">22353 11811 11850,'17'23'540,"-12"14"-540,12-21 90,0 16 0,-13-3-90,26 0 90,-27 0-180,21 12 180,-10-12-90,12 17 90,-6-25 0,-2 4 0,-5-13-90,-1-2 0,0-3 0,6-4 0,-5 0 0,12-18 0,-10 12-540,16-26 180,-10 6-359,8-7-361,-7-3-89,1 10-180,2-2 1349,2 2 0,2 0 0,1 1 0</inkml:trace>
+  <inkml:trace contextRef="#ctx0" brushRef="#br0" timeOffset="156664">6470 13911 11400,'-17'15'1799,"4"12"-1709,13 11 0,0 7 0,0 13-90,0-12 0,15 17 0,-11-21-276,10 0 276,3-4 90,-13 0-180,26-4 90,-18-2-90,13-4 90,-5-4-180,1-4-21,14-4 21,-6-7 90,26-3 90,-21-21 0,14 11 0,-17-31 0,0 16 0,-4-20-90,7-14 180,-12 12-45,-5 2 0,-3-1 225,-1-7-90,-4 9 0,-1 0-90,-1-3 0,0-7 117,-4 18-27,-2 11 0,1 4-180,0 10 0,3 23 0,0 11 90,2 11-90,0 6-873,1-6 693,2 1-809,6 20 359,-1-17-2001,-2-7 0,1-2 922,6 4-539,7 8 2169,-6-19 0,2-3 0,2-3 0</inkml:trace>
+  <inkml:trace contextRef="#ctx0" brushRef="#br0" timeOffset="157284">7723 14069 10591,'-17'-19'1349,"13"2"-1079,-13 5-90,4 2 270,9 2-360,-20 4-90,12 1 0,-1 24 0,-4-15 0,9 52 0,-2-33 0,4 32 0,6-22 0,0 0-90,0 0 0,0-3 0,20 0 0,-16-1 90,30 8-180,-14-10 180,14 11 0,-13-21 0,9 6 0,-17-15-180,3 0-90,-6-6 180,-28-3 180,-5-14-270,-18-2 180,5-2 0,15-1 0,26 16 0,45-14-90,0 11-562,-14-2 0,0 1 652,11-2 0,1-1 0,-2 1 0,19-9 0,-20 4 0,-10 1 0,0-1 0,-3-4 90,8-12 0,-25 9-90,-3-3 270,-10 6-180,-2 1 90,0 0 1484,-22-3-1574,-2 6 0,-21-3-90,7 11 0,4 1 90,16 20-90,-2 6 0,17 21 0,-5-5-180,8 0-270,23 3 0,-18-12-764,24-1 0,4-2 44,-12-2 1170,12-4 0,2-4 0,-4-6 0,11-1 0</inkml:trace>
+  <inkml:trace contextRef="#ctx0" brushRef="#br0" timeOffset="157613">8425 14261 10051,'0'-11'1619,"-9"5"-1349,7 17-270,-7 8 0,9 22 0,14-8 90,-10 3-180,10-11 90,-14 0 0,0-1 0,9 0 180,-7 3 0,7-9 0,-9 5-180,6-17 0,0-18 0,6-14 0,-3-12 0,8-20 0,-4 18-45,-1 4 0,0 0-1398,6-7 813,4-11-971,2 10 792,-6 16-1326,12-6 2135,-12 24 0,8 2 0,-8 8 0</inkml:trace>
+  <inkml:trace contextRef="#ctx0" brushRef="#br0" timeOffset="158398">9228 14096 11221,'0'-12'1619,"0"2"-1170,0 2 1,0 0-2699,0 3-809,0 16 3058,0 5 0,0 21 0,0 0 0</inkml:trace>
+  <inkml:trace contextRef="#ctx0" brushRef="#br0" timeOffset="158592">9190 14438 12120,'0'-21'0,"0"2"0</inkml:trace>
+  <inkml:trace contextRef="#ctx0" brushRef="#br0" timeOffset="158814">9525 14214 9512,'0'27'-1050,"0"-12"1,0-5-1</inkml:trace>
+  <inkml:trace contextRef="#ctx0" brushRef="#br0" timeOffset="158996">9525 14537 10051,'0'0'0</inkml:trace>
+  <inkml:trace contextRef="#ctx0" brushRef="#br0" timeOffset="159570">10380 14223 11760,'0'-21'1350,"0"1"-1081,0 7-89,0 0-180,0 2 0,-16 1 90,12 5-90,-27 1 0,9 3 0,-16 16 0,5 8 0,3-3 90,12 37-180,9-33-45,4 9 0,3 2-45,2-5-89,20 18 269,10-26 0,11-1-90,18-9 90,-21-11 0,24 5 90,-26-26-180,10-3 90,-24-2 0,-3-14 0,-14 22-90,-5-18 0,0 9-360,0-8 0,-22 9-719,-5-9 90,-1 18-1170,-15 3 2249,18 9 0,-2 4 0,7 0 0</inkml:trace>
+  <inkml:trace contextRef="#ctx0" brushRef="#br0" timeOffset="159946">10817 14214 10501,'2'10'1889,"-1"5"-1709,-1 19-180,0-1 0,0-7-90,0 1 90,0 12 0,0-11 90,0 15-90,0-23 0,0 3 0,0-14 0,0-2 0,0-19 0,16-7 0,-13-13 0,29-18 0,-10 13-338,-2-15 248,17 13 1,-23-1-91,16 0-810,-4-11-179,-9 16-630,6-12 630,-14 29 1169,2 3 0,-4 12 0,1 2 0</inkml:trace>
+  <inkml:trace contextRef="#ctx0" brushRef="#br0" timeOffset="160436">11785 14275 10231,'-25'-9'1259,"-16"7"-1169,8-6 90,-9 8-180,-2 0 90,12 0 0,-11 15-180,10-11 90,-4 30 0,17-7 0,5 9-270,7 9 90,3-20-539,24 5 179,5-11 360,25-9 0,-12-2 90,4-8 90,-12 0-89,0-22 178,-1 16-89,-9-20 0,-1-5 0,8 7 0,-7-11 0,-2-4 180,-1-4-90,-6 3 0,-1-2 180,-3-11 45,-3 6 0,-1-1-512,-2-10 332,0 21 0,0-2 405,0-27-360,0 18 0,-14-14 179,10 36 451,-11 0-810,15 43 0,0 1 90,0 29-135,0-13 0,0 0-225,0 23-180,0-3 1,0 0-271,0 10-135,5-10 1,1-2-670,-3 4 894,7-21 0,-1-1-899,-7 5 1529,14-5 0,-14-5 0,5-4 0</inkml:trace>
+  <inkml:trace contextRef="#ctx0" brushRef="#br0" timeOffset="160766">11942 14486 9871,'10'0'1440,"-1"0"-991,12 0-449,-5 0 90,34 0-90,-22 0 0,36-15 180,-34 11-180,24-26 90,-26 12-626,8-8 626,-19 1 166,-1 6-256,-6-2 270,-4-8-180,-3 6 180,-3-13-270,-23 19 90,0-7-90,-20 18 559,9-2-559,15 31 0,-4-17 0,21 39 90,-8-26-190,10 33-79,0-19-631,0 19 270,21-23-179,-16 5-181,16-14-89,-1-3-181,-15-3 1170,29-3 0,-15-4 0,15-1 0</inkml:trace>
+  <inkml:trace contextRef="#ctx0" brushRef="#br0" timeOffset="161111">12525 14263 10141,'0'10'2249,"0"4"-2159,0 19 0,0-5-90,0 1 0,0-7 0,12-1 0,-9 7 0,9-8 0,-7 5 0,-4-13 0,4-1 0,-5-2 0,0-3 90,0-2-90,0-21-90,0-6 90,0-12 90,17 1-90,-12 4-270,29-18-90,-10 10-225,-3 5 1,1 0-316,15-5-314,-14 9 0,-2 0 1214,6 2 0,4-5 0,-9 16 0</inkml:trace>
+  <inkml:trace contextRef="#ctx0" brushRef="#br0" timeOffset="162113">13260 13775 10231,'0'-20'1169,"0"2"-719,0 3 180,0 4-180,0 3-181,7 3-89,-5 28-90,9 15-90,-7 15 0,-1-12 0,1 1 0,-1 13-777,-1-17 0,0 0 687,1 14 1,0 0-837,1-3 746,-1-3-357,-1-5 357,-1-4-67,0 5 157,-1-14-270,0 3-89,0-19 1623,-15-4-1444,11-23 797,-23-7-797,16-26 180,-4 9 90,7 6 0,1-1 0,-1-11-45,1-9 0,0-2-45,0-5-771,5 2 0,0 1 771,2 4 90,-2 11 0,4 1 259,17-3-214,-10 12 0,1 1 135,12 1-90,8 9 0,0 2 90,-5 5-180,11 6 0,2 2 90,-6 6 0,18 15 0,-23 7-90,9 19 0,-22-5 0,-1 28 0,-10-29 0,-10 0 0,-6 0-270,-13-5 0,0 10 90,-17-16 90,38-1 0,-35-2 0,35-3 90,-22 0 2576,25-2-2576,-8 6 0,10-5 90,25 15-90,-19-12 180,37 19-90,-21-15 0,0 9 0,8-10 0,-26-1-90,9 0 0,-6-4 90,-5 0-180,6-2-90,-8 3-360,-22-6-1079,-1 6 450,-3-10 1169,-11-1 0,18-4 0,-18-2 0</inkml:trace>
+  <inkml:trace contextRef="#ctx0" brushRef="#br0" timeOffset="162612">13807 14189 10501,'0'27'1619,"0"-2"-1439,0-5-180,0-3 0,0-1 0,14-5 0,-11-4 0,11-3 0,1-2 0,2-1 0,9-1 0,-4 0 0,2-16 0,-7-2 0,9-18 0,-14 8 180,2-8 0,-7 15-90,-1-4 539,-4 9-539,-1 30-90,-1 26 0,0 9-1047,0 12 1047,0-23 0,0 0-79,0-1 79,0 1 0,0-2 0,0 0 0,17 13 0,-13-11 0,11-8 0,1 0 0,-5 5 0,10 18 90,-12-25-90,-4 4 0,-5-16 0,0-2-90,0-5-540,-20-1 181,-11-4-271,-12-2-269,-6-2-2070,-12-14 3059,13-4 0,-14 1 0,19 3 0</inkml:trace>
+  <inkml:trace contextRef="#ctx0" brushRef="#br0" timeOffset="164046">15338 13543 10141,'-52'-3'1889,"9"1"-1529,0 22-1233,4 0 1142,-8 22-692,21-21 0,-1 0 423,-1 4 0,0 0 45,-1 3 0,1 2-631,1 0 0,0 2 541,1 1 0,2 0 90,1 2 0,2 0-90,4-2 0,2 2 0,3-2 0,3 1-711,0 32 216,6-3-269,30-2-361,3-4-78,-1-29 1,4-3 123,-3 0 0,3-1 1124,3-3 0,3-1 0,3 0 0,2-2 0,2-2 0,0 1 0</inkml:trace>
+  <inkml:trace contextRef="#ctx0" brushRef="#br0" timeOffset="165680">15857 13940 10951,'3'-3'2338,"0"1"-2068,-2 19-360,0 6 180,-1 11-90,0 1 90,0-5-90,0 1 0,0 1 0,0 0 0,-13-2-90,10-1 90,-9-2 0,12-3-180,0-3 180,-11-4-90,9-3 0,-9-5-449,11-2 539,0-22-90,0-7 180,0-12-180,20-2 180,-3-6-90,5 10-90,4-19 180,-12 25 180,9-3-270,-10 14 90,1 8-90,-8 2-90,5 5 180,-2 0-90,0 20 0,2-15-90,2 35-810,5-12 270,-4 7-1528,13 14 808,-10-22 1350,20 15 0,-12-21 0,9 4 0</inkml:trace>
+  <inkml:trace contextRef="#ctx0" brushRef="#br0" timeOffset="166063">16458 14119 9691,'-25'-9'1350,"-15"0"-1080,34 2-1,-34 2-89,19 3 0,-16 1-180,9 20 0,9 1 90,10 22-90,4-12 0,5-1-90,0-8 0,17-11 0,-13 12-90,28-19 90,-28 17-89,30-18 179,-14 6 0,15-8 0,-4-15 0,-13-5 179,1-17 1,-11 16 0,1-13 0,-3 17 0,-6-10-270,0 30-450,0 10-89,0 27-271,0-9-719,14 6 630,-10-15-181,24-4 1170,-25-1 0,23-14 0,-11 7 0</inkml:trace>
+  <inkml:trace contextRef="#ctx0" brushRef="#br0" timeOffset="166646">16652 14138 9691,'0'9'1260,"0"5"-1260,0 26 0,0-8 0,0 0 0,0-10 0,0-2 0,0-3 90,0 4-270,0-5 0,0-23 180,0-11 0,9-31 0,2 9 0,0-2 0,9 12 0,-12 1 0,10 1 180,-2-5 0,-4 12 179,3-4-269,-7 18 180,1 1-270,-2 22 90,0-12-90,-2 30-90,1-29 180,0 36-180,1-13 180,-2 11-90,1 6 0,-5-22 0,2 10 0,-3-15-180,0-3 90,0-23 90,0-10-90,17-22 180,-13 9-90,13-1-90,-2 1 270,0 11-90,2-6 180,3 18-270,-10 0 180,4 8-180,1 21 0,-7-16 0,4 34 0,-3-34 0,2 33-270,-3-23-809,7 26 179,-7-17-1169,11 11 810,-9-17 1259,5 4 0,-5-11 0,2-1 0</inkml:trace>
+  <inkml:trace contextRef="#ctx0" brushRef="#br0" timeOffset="166970">17187 14290 10051,'42'10'630,"4"-7"-450,-2 8 0,-8-11 90,-7 0 179,-8-18 181,-5 0-450,-5-21 180,-5 13-180,-6-2 89,0 9-89,-17 0-180,-4-3 90,-1 7-90,-9-1 0,13 11 0,-11 19-360,6 8 91,10 12-271,7 1-1079,30 6 539,-18-8-494,23-7 0,6-1 1574,-7 4 0,2-12 0,1 0 0,8 3 0</inkml:trace>
+  <inkml:trace contextRef="#ctx0" brushRef="#br0" timeOffset="167368">17947 13610 10501,'31'-3'2249,"-6"1"-1889,0 2-1,-6 0-269,1 0 90,12 17-180,-7-13 90,15 44-90,-17-25 0,4 29 0,-10 6 0,-6-12-225,-5-2 0,-3 0-134,-1 8-271,1-7 0,-6 0-269,-20 4-630,10-8 0,-1-1 1310,-15 4 0,7-17 0,0 0 1,-6 8-1</inkml:trace>
+  <inkml:trace contextRef="#ctx0" brushRef="#br0" timeOffset="168128">15597 13464 9422,'7'0'449,"-3"15"-449,-2 4 0,-16 15 0,10-6-180,-10-4-359,14-7-91,-12-1-89,10 0-1,-10-2-449,12-1 1169,0-3 0,0-2 0,0-1 0</inkml:trace>
+  <inkml:trace contextRef="#ctx0" brushRef="#br0" timeOffset="168300">15672 13480 10321,'-16'18'90,"12"13"-180,-11-7-270,15 9-449,0 1-451,0-7 1260,0 13 0,0-7 0,0 8 0</inkml:trace>
+  <inkml:trace contextRef="#ctx0" brushRef="#br0" timeOffset="168946">17578 13734 10681,'-2'-14'1169,"0"1"-809,0 4-180,1 0 270,0 2-630,16 18-180,-11 6-180,21 2 91,-23 17-271,9-21-180,-1 18-1078,-1-1 718,3-9 1260,1 6 0,-9-11 0,4-2 0</inkml:trace>
+  <inkml:trace contextRef="#ctx0" brushRef="#br0" timeOffset="169100">17695 13823 9691,'0'-17'-359,"14"23"359,-10 21 0,23 9 0,-10 8 0</inkml:trace>
+  <inkml:trace contextRef="#ctx0" brushRef="#br0" timeOffset="170379">18773 14189 10951,'-13'-12'1439,"2"1"-989,4 0 89,2-3-269,1 4-180,2 0 0,1 3-90,1 2-90,26-5 180,9 3-180,16-1-457,0 3 7,-9 3 0,-1 1-179,0 1-91,-3 0-179,-1 0-990,7 14 810,-12-10 1169,5 26 0,-18-26 0,0 11 0</inkml:trace>
+  <inkml:trace contextRef="#ctx0" brushRef="#br0" timeOffset="170613">19092 14079 9871,'-24'-28'1170,"0"4"-631,1 7 181,-6-5-540,11 6 90,-3-2 90,13 10 269,4 2-539,26 3-90,11 1-90,15 20 90,-15-8 0,0 0-270,10 12-1020,13 11 930,-21-18-179,-2 16-361,-4-6-269,-6 1-270,-2 2-360,-12 0 1799,3 2 0,-11-1 0,4 0 0</inkml:trace>
+  <inkml:trace contextRef="#ctx0" brushRef="#br0" timeOffset="171917">20185 14124 10141,'0'-14'1259,"0"1"-1079,0 0 180,0-6-180,0 5-90,-19-3 0,14 9-90,-31 3 0,10 2 0,-10 2 0,-1 1 0,0 18-90,12 1-360,-2 19 270,18-3 0,4-6 91,24-4-91,11-9 180,9 1 0,6-9 90,0 0-180,-12-8 90,16 0 90,-32-21 0,12 16 179,-27-30-89,9 17-180,-11-13 0,0 5 90,-19 12-90,-1 25-90,-2 23 90,-7 11 45,26-8 0,2 2-615,-12 12 525,12-17 0,2 1 45,-1 14-90,0-3 0,0-1-180,0 9 0,0-16-180,0 10 1,0-28-1260,0-2 1529,0-28-90,-13-8 180,9-23 180,18-5 0,-8 5-1512,26 14 1,5 2 1511,-8-5-46,2 10 1,2 1 360,7-4-315,1 0 0,1 2 179,16-8-89,-13 7-90,8-6 0,-18 10 90,-3 0 0,-4-1-90,-3 1 90,-4-1 449,-3-9-539,-8 7 0,-2-7 180,-7 2-180,-1 9 3404,-16-8-3314,12 16 145,-29 0-235,16 8-90,-14 21 0,15 4 0,6 24 0,10-12 0,0 12-90,21-22 0,-16 7-90,40-15 90,-25-3-89,25-6-1,-12 0 0,4-7 90,-1 2 90,13-4-90,-11-19 90,18-8 0,-25-10-45,-9 10 0,-1-1 45,0-9-882,2-15 1062,-13 11 0,-2 1 179,-3-4 361,-2-16-360,-2 14-436,-1-19 166,0 34 170,0-6 369,0 23-629,0 26 0,0 19 0,0 15 0,0 5 724,0-11-724,12 4 182,-9 0-901,9 19 359,-12-16-135,3-9 1,1-2-226,-2 4-899,5 19 809,-7-31 91,0 4-349,0-16 1068,0-6 0,0-3 0,0-3 0</inkml:trace>
+  <inkml:trace contextRef="#ctx0" brushRef="#br0" timeOffset="172062">21018 14076 9602,'0'-20'359,"0"2"-179,18-3-180,-13 5-180,55-2-90,-33 9-1891,38 2 1172,-25 6-271,0 1 1183,1 0 1,-3 0-1,0 0 1</inkml:trace>
+  <inkml:trace contextRef="#ctx0" brushRef="#br0" timeOffset="172350">21662 13590 10681,'-36'14'1259,"1"10"-1079,18 8-90,-10 7-542,17-4 452,-5 4 0,1 4 58,12 1-327,-6 22-271,8-17-376,0 15 106,0-23-89,20-3-271,-15-4-449,31-4 1619,-32-3 0,31-5 0,-10-2 0</inkml:trace>
+  <inkml:trace contextRef="#ctx0" brushRef="#br0" timeOffset="172629">22073 13689 10051,'10'-3'1619,"0"2"-1259,3 1 0,2 0-90,4 16-90,2-12-180,0 31 90,2-17-180,0 19 180,-2-3-90,1 22 0,-9-10-135,-6-6 0,-3 1-225,-1 7-90,0-8 0,-6-1-449,-20 3-1215,13-5 0,-3 0 2114,-30-5 0,22 12 0,6-28 0</inkml:trace>
+  <inkml:trace contextRef="#ctx0" brushRef="#br0" timeOffset="172818">22588 13994 9152,'6'0'-225,"4"0"0,-8 0 0,5 0 0</inkml:trace>
+  <inkml:trace contextRef="#ctx0" brushRef="#br0" timeOffset="173079">22613 14346 9691,'0'13'1620,"0"0"-1171,0 1-89,0-1-90,0 0 0,0 9-180,0-4-90,0 5 90,13 5-90,-10-7 0,10 17 0,-13-15 0,0 7-180,0-10-90,0-2-1619,-17 5 90,-13-6-1161,-12 0 2770,-13-6 1,0-4 0,-5-2 0</inkml:trace>
+</inkml:ink>
+</file>
+
+<file path=ppt/ink/ink21.xml><?xml version="1.0" encoding="utf-8"?>
+<inkml:ink xmlns:inkml="http://www.w3.org/2003/InkML">
+  <inkml:definitions>
+    <inkml:context xml:id="ctx0">
+      <inkml:inkSource xml:id="inkSrc0">
+        <inkml:traceFormat>
+          <inkml:channel name="X" type="integer" min="-2.14748E9" max="2.14748E9" units="cm"/>
+          <inkml:channel name="Y" type="integer" min="-2.14748E9" max="2.14748E9" units="cm"/>
+          <inkml:channel name="F" type="integer" max="32767" units="dev"/>
+        </inkml:traceFormat>
+        <inkml:channelProperties>
+          <inkml:channelProperty channel="X" name="resolution" value="1000" units="1/cm"/>
+          <inkml:channelProperty channel="Y" name="resolution" value="1000" units="1/cm"/>
+          <inkml:channelProperty channel="F" name="resolution" value="0" units="1/dev"/>
+        </inkml:channelProperties>
+      </inkml:inkSource>
+      <inkml:timestamp xml:id="ts0" timeString="2021-10-01T03:59:10.885"/>
+    </inkml:context>
+    <inkml:brush xml:id="br0">
+      <inkml:brushProperty name="width" value="0.09071" units="cm"/>
+      <inkml:brushProperty name="height" value="0.09071" units="cm"/>
+      <inkml:brushProperty name="color" value="#FF0000"/>
+    </inkml:brush>
+  </inkml:definitions>
+  <inkml:trace contextRef="#ctx0" brushRef="#br0">2760 1568 8522,'5'-11'1080,"2"0"-631,-3-1 1,3-1-90,-1-3 90,-1-1-1,2-1-179,-1-2 0,0 1 0,2-2-90,-3 2 0,2-1-90,-1 2 0,-1 2-90,-1 2 0,-2 3 0,1 2 0,-2 1 0,1 2 0,-2 3 0,1 0-1260,-1 2 900,-17 14 181,-7 8-91,-16 13 180,6-2 0,5-4-180,0 8 180,8-10 0,-12 22 90,19-19 0,-1 15-90,12-19 90,2 6 0,18-12 90,-13-1-90,32-1-90,-8 5 180,8-7-180,15 8 180,-23-12-90,16 8 0,-20-10 0,2 3 90,-11-3-90,-4-1 0,-2 0 90,-2 1 0,-3-3-180,-1 4 90,-3-4 0,0 8-180,-23-5-270,17 5-269,-33-3-91,35-1-179,-27 0 989,27 0 0,-23-5 0,13 1 0</inkml:trace>
+  <inkml:trace contextRef="#ctx0" brushRef="#br0" timeOffset="314">3203 1752 8612,'21'-6'630,"-2"0"-540,-3-1 90,3-8-180,-8 4 0,7-12 0,-9 9 0,2-5 0,-6 8 90,-2-2-1,0 2 91,-2-4-180,0 4 90,-1-4 0,0 9 0,-21 0 90,1 5-90,-21 1-90,22 19 90,-13-15-180,15 32 90,-3-11 0,-1 20 0,18-9-360,-5 8-269,8-22-91,26 5-899,9-14 360,16-6 1259,2-3 0,-10-4 0,1 0 0</inkml:trace>
+  <inkml:trace contextRef="#ctx0" brushRef="#br0" timeOffset="652">3720 1700 9152,'0'-6'539,"-15"0"-449,11 0-90,-10-5-90,14 1 180,0-12-90,0 4 90,17-20-90,-12 11 0,30-10 90,-30 7 0,13-1-90,-6-2 180,-9-2 90,10-2-180,-13-2 360,0-20-1,0 14-314,-11 8 0,0 1-187,5-3 232,-35-6-270,37 17 180,-27 11 90,19 4-270,-10 31 180,12 17-90,-1 11 0,8-7 0,1 1 0,-3 13-180,3-6 0,1 0-270,1 7-180,10-10 1,0 0-271,-6 3-224,11-9 0,4-1 917,4 3 0,-5 11 0,2-20 1</inkml:trace>
+  <inkml:trace contextRef="#ctx0" brushRef="#br0" timeOffset="980">3932 1858 10501,'31'-25'0,"2"-5"90,-6 6-90,0-3-90,-8 8 180,-4-1-180,0-1 90,-5 1 0,-1-2 90,-4 2 0,-2-7-90,-2 7 90,-1-5-90,-21 14 180,16 1-90,-35 7-90,23 18 0,-15 7-90,10 21 0,10-8-270,6 1-989,6-2 539,23-7-1708,7 11 2518,14-20 0,3-2 0,-8-12 0</inkml:trace>
+  <inkml:trace contextRef="#ctx0" brushRef="#br0" timeOffset="1547">4627 1548 9242,'-25'-3'809,"-14"2"-539,22-2-270,-5 21-90,10-2 90,12 18-450,17-5 91,12-4-91,8-9 90,4-7-90,-10-9 180,2 0 1,0 0 89,24-14 270,-22-10-45,-6 3 0,-3-2 45,-8-17 359,-2-22-89,-11 21 90,-3 3 0,-3 0-1163,-18-8 1162,14-17 631,-30 7-720,17 15-181,-12-14-268,13 31 178,6 1 631,3 15-630,6 27-90,-6 28 0,27 5 0,-18-7 0,3-1-473,31 4 293,-32 16-90,13-22-90,-3-2 0,-10-2-539,17 12 359,-18-15 658,12 15-388,-13-27-719,6 6 809,-7-20 270,-21 0 270,0-29-91,-4-6 361,-7-24-270,12 12 90,-12-13-181,13 23 350,9-7-619,10 5 0,0 10 0,19-10-809,14 15-451,-1 6 1,3 1 1259,27 0 0,-26 5 0,0 0 0,19 0 0</inkml:trace>
+  <inkml:trace contextRef="#ctx0" brushRef="#br0" timeOffset="1947">6025 1214 9512,'10'-9'1079,"0"2"-989,6 3 0,-2 3 90,-2 1-180,0 0 0,11 14 0,-5 6-180,21 21-540,-15-6-1966,-1-9 1,1 0 1516,4 6 1169,11 10 0,-12-14 0,-1-3 0</inkml:trace>
+  <inkml:trace contextRef="#ctx0" brushRef="#br0" timeOffset="2181">6410 983 9691,'-22'-6'540,"1"3"-270,2 1-180,1 2-90,1 20 0,1-15 0,0 39 0,1-22 0,1 24 0,0-8-360,-3 20-269,6-13-46,2-8 0,1 0-134,-1 5-91,0 8 900,3-19 0,1-6 0,-1-1 0</inkml:trace>
+  <inkml:trace contextRef="#ctx0" brushRef="#br0" timeOffset="2402">6088 996 9242,'0'-17'809,"0"4"1,0 4-720,0 24-90,14 13 0,-10 12 0,10 9 0,-2-11-90,-9 26-180,20-16-360,-20 16-89,14-20-222,-15-2 132,10-3-1,-11-1 810,7-5 0,-8-1 0,2-4 0</inkml:trace>
+  <inkml:trace contextRef="#ctx0" brushRef="#br0" timeOffset="2534">6032 1426 8432,'0'-21'90,"18"0"-540,-13 0-269,43 0-720,-20-2 926,31 2 0,-6-1 1,4 0-1</inkml:trace>
+  <inkml:trace contextRef="#ctx0" brushRef="#br0" timeOffset="3097">7107 1587 9332,'16'-9'629,"-12"-1"-359,12-2 0,-1-10-270,-11 2 180,11-18-90,-5 11-90,-7-20 90,7 17-90,-10-9 450,0-1-361,0 12 1,0-17-90,-14 25-90,10-7 360,-10 18-270,14 24 0,0 16 0,7 0 0,3 3-90,9 21-90,2 4-180,-6-27 1,0-1-271,4 16-45,-3-7 1,0-1-46,3 5-224,-7-9 0,-3 0 944,-3 1 0,3 9 0,-5-18 0</inkml:trace>
+  <inkml:trace contextRef="#ctx0" brushRef="#br0" timeOffset="3252">7130 1800 8432,'-12'-13'450,"2"-4"-450,10-8 0,20-11 0,-16 14 0,37-18-360,-9 17-45,-4 4 1,2 0-561,20-3 425,0-8-90,-15 12 630,0-4 0,-2 4 0,-1-2 0</inkml:trace>
+  <inkml:trace contextRef="#ctx0" brushRef="#br0" timeOffset="3546">7637 1319 8432,'0'-5'810,"0"0"-450,0 0-271,0 2 721,0-2-810,0 20 0,14 1 0,3 18 0,1 0 0,5-6 270,-21 3 0,11-11-270,-11-2 0,2-23 0,-19 5 0,11-31 0,-10 4-270,3-8 0,8-5-719,-8-3 269,11 10-719,0-19 629,19 27 810,-14-5 0,32 15 0,-15 3 0</inkml:trace>
+  <inkml:trace contextRef="#ctx0" brushRef="#br0" timeOffset="3914">8172 1236 9871,'-25'-12'720,"-15"9"-630,22-10-90,-17 13 0,10 17 0,4 5 0,11 17 0,4-8 0,6-1 0,0-11 0,16 6 0,-12-6 0,32-3 0,-16-9 0,16-7-90,-18-14 90,5-6 0,-12 2 0,2-30 0,-5 29 0,-8-27 90,0 14-180,0 8-540,0-8 271,0 17-909,0 0 0,0 8 0</inkml:trace>
+  <inkml:trace contextRef="#ctx0" brushRef="#br0" timeOffset="4450">8413 1222 9691,'0'36'0,"12"-15"0,-9 9 0,9-18 0,0 14 0,-9-10 0,9 0 0,-4-3 0,-6-2 0,10-2-539,-10-2 539,2-23 0,-1-5-90,4-27 180,-1 12 90,6-14-180,-8 24 359,6-5-179,-5 12 0,3 10-90,-3 1 0,1 8 0,5 14-90,-5 6 0,12 18 0,-12-7 0,9 12 0,-9-20 0,2 6 0,-3-13 0,-2 1-360,1-6 90,-1-2 270,-1-5-89,3-4-1,1-20 90,3 15 0,1-35 0,3 23 0,9-31 179,-3 17 181,13-17 0,-16 23 90,9-5-180,-14 21-270,4 1 0,-6 8 0,-1 0 0,2 18-360,3 9-720,0 12 1080,7 18 0,-7-17 0,5 13 0</inkml:trace>
+  <inkml:trace contextRef="#ctx0" brushRef="#br0" timeOffset="5302">9952 920 9152,'0'-8'270,"0"2"-1,0 2 1171,0 1-1260,0 23-180,14-15 179,-10 40 91,25-5-270,-25 13 0,9-13 0,0 1 0,-11 9-643,4-17 0,0 0 733,0 12-90,-5-2 0,4-2 0,-5 11 0,0-15 90,0 16-90,0-28 0,0 2 0,-16-13 0,13-4 0,-13-1 1106,6-5-1286,-3-1-269,-11-38 359,8 12-90,2-31 180,7 20-180,1-4 180,0-4-90,3 7 0,0-2 180,0-20-600,1 5 1,1 0 419,1-7 135,9 11 0,2 2-45,-6-2 0,13 19 0,-1 2-540,-13-3 630,31 6-90,-30 5 270,40 5-180,-30 6 270,28 3-360,-24 20 969,5 7-969,-12-3 0,-5 16 0,-3 1 0,0-10-45,0 13 0,-5 1-315,-18-11-1259,0 19 630,-4-24 409,-6 6-499,25-14 1079,-26-1 0,26-5 0,-12-1 0</inkml:trace>
+  <inkml:trace contextRef="#ctx0" brushRef="#br0" timeOffset="5630">10373 1096 8792,'10'14'630,"-2"-10"-271,-1 20 91,0-9-270,-3 17-180,0-6 0,-3 3 90,-1-8-90,1 10 0,-1-8 0,0 10 0,0-17 0,0 3 0,0-12 0,0-18 0,0-14 0,0-31-90,0 8-353,15-7 173,-11 13-90,20 0-90,-22 1-449,28-13 449,-18 17-674,29-12 135,-19 29 989,10 5 0,-8 11 0,2 4 0</inkml:trace>
+  <inkml:trace contextRef="#ctx0" brushRef="#br0" timeOffset="5981">11097 1151 9332,'-18'-31'1079,"13"0"-899,-32 17-180,18 2 90,-23 12-90,14 0 90,-1 14-90,8-10-90,1 31 180,2-17-90,-2 34 0,8-19 0,1 21 0,9-24-90,21 5 0,-14-17 90,34-8 0,-35 1 0,53-9 0,-35 3 0,41-21 0,-37-9-90,9-24 0,-24 6 0,0-4-180,-11-9 90,0 13-135,-7 6 1,-3 1-136,-9-7-270,2 13 1,1 1-271,-3-1 990,7-2 0,-1 18 0,-3 2 0</inkml:trace>
+  <inkml:trace contextRef="#ctx0" brushRef="#br0" timeOffset="6904">11397 1254 7263,'-17'15'180,"4"-12"-90,6 26 0,4-13 90,3 14-180,0-3 89,0-7-89,0 0 0,0-8 90,0-1-180,0-1 180,0-1-90,0-2 180,0 0-90,0-2-90,16-2 0,0-19 0,3-7 0,9-11 0,-8-15 0,8 14 45,-12 3 0,-2-2-45,2-8-358,1-16 448,-8 16 0,-3-3 89,-2 0 91,-2-3-90,-2 0 180,0-1 539,0-15-719,0 17-180,-7 13 0,-1 3 0,4 2 180,-12-1 180,16 22-180,-10 2-270,7 28 180,-7-3-90,10 25 0,0-5 0,0 6 0,0 6 0,7-11 0,2 0 448,-6 22-448,17-2 0,0 1-89,-14-2-91,10-7 0,2-3-999,-7-9 729,6 7 180,-3-21 90,-6-5-179,3 2 179,-5-10 0,4-1 0,-7-10 90,2-1 90,1-17 909,-2 12-909,2-28 270,-1 10 0,-1 1-90,2-13-180,-4 20 629,1-5-359,-1 9-270,0 10 0,1 0 0,1 0 0,1 18 0,0-13 0,1 30 0,7-10-90,-3-3-270,6 17-89,-3-26 179,2 14-360,8-6 360,-3-12 90,6 1 0,-7-10 180,0 0-90,-1 0 270,6-20-90,-8 15 810,8-56-540,-17 40-130,2-32 130,-8 30 180,-1 4-540,0-3 180,0 7-90,-14 4-90,10 21-360,-10 10 129,14 22-488,20-8-91,-16 2-989,28 0 1799,-9-10 0,4 5 0,6-12 0</inkml:trace>
+  <inkml:trace contextRef="#ctx0" brushRef="#br0" timeOffset="7113">12445 1309 9512,'-16'-12'989,"13"1"-629,-32 6-270,16 2-90,-16 18 0,9 6 0,12 20 0,5-8-450,9 1-180,0-9 1,17-2-2789,9 7 3418,25-8 0,-7-3 0,5-11 0</inkml:trace>
+  <inkml:trace contextRef="#ctx0" brushRef="#br0" timeOffset="7363">12775 973 9602,'0'-19'719,"-19"2"-539,15 4 719,-15 4-539,10 4-90,6 21-270,-6 11 0,9 12 0,0 4-45,8-10 0,1 0-225,-5 12 135,10-11 0,0 0-584,-11 16 179,8-13-809,-1 19 719,-7-25-809,7 10 517,-10-21 922,0 0 0,0-11 0,0-2 0</inkml:trace>
+  <inkml:trace contextRef="#ctx0" brushRef="#br0" timeOffset="7497">12603 1328 8882,'-6'-22'360,"1"6"-360,5-4-90,22 9 90,4-1-180,2 4-450,18 2 1,-27 5-271,24 1 900,-12 0 0,0 0 0,1 0 0</inkml:trace>
+  <inkml:trace contextRef="#ctx0" brushRef="#br0" timeOffset="7780">13172 1233 9062,'-17'-7'180,"2"0"-180,-14 7 90,16 19-180,-2-14 90,14 31 90,-4-21-90,5 15-90,0-5 0,0 2 0,0 0-180,23 12 270,0-11-90,23 15 90,-24-21 0,12 4-90,-30-12-90,18-4-270,-19-2 181,5-3-1171,-8-2 1440,-18-1 0,13-1 0,-12-1 0</inkml:trace>
+  <inkml:trace contextRef="#ctx0" brushRef="#br0" timeOffset="8386">14222 1282 9691,'0'-8'1709,"0"1"-989,0 2-450,0 2-90,15 1-90,2 1-180,2 15 90,12-10 0,-16 26 0,15-26-900,1 48 451,-7-31-361,-6 11 1,-1 2-181,3-2-89,3 11 89,-8-15 990,-2-4 0,1-2 0,-1-3 0</inkml:trace>
+  <inkml:trace contextRef="#ctx0" brushRef="#br0" timeOffset="8597">14807 1274 9512,'-20'-5'629,"2"16"-629,-25 11 90,5 21-1743,4-7 1563,2 2-359,11-12-181,0 0-12,3-2-78,-1-2 440,3-4-825,2-3 1105,2-7 0,2 2 0,1-3 0</inkml:trace>
+  <inkml:trace contextRef="#ctx0" brushRef="#br0" timeOffset="8764">14623 1235 9062,'25'0'360,"-2"0"-360,-8 15 0,1-11 0,-1 29 0,11-5-90,-6 8-450,8 4-899,2 2 0,-6-11 1270,10 7 1,-7-15 0,4-3 0</inkml:trace>
+  <inkml:trace contextRef="#ctx0" brushRef="#br0" timeOffset="8947">15363 1294 9062,'-52'0'450,"10"20"-450,-3-15 0,12 34 0,-17-12-90,15 8-540,7-10 0,0-1-269,3 5 899,-4 7 0,21-14 0,3-2 0</inkml:trace>
+  <inkml:trace contextRef="#ctx0" brushRef="#br0" timeOffset="9548">15540 853 9602,'1'-4'1349,"0"1"-1079,3 22-1,-1-15 1,6 54-180,-3-31-90,4 36 90,1-2-90,-2-13 0,-2-6 0,0 0-90,-2 6 45,-1-10 0,-1 0-45,-2 4-90,0 7-269,-1-13 359,0-13-540,0 3-1349,0-16 1979,0-39 90,18 0-90,-13-22 180,33 12 0,-17 26 0,3-10 0,5 22 0,-14-7-90,8 8 0,-3 17-90,-6-13 0,9 28 0,-6-13 90,17 15-180,-13-15 90,20 8-90,-16-18-180,11 5 180,-13-7-90,2-7 90,-1 0 0,-2 0 0,-2-16 0,-4 12 90,-1-28 180,-8 11 0,-1-17 180,-5 7-270,-1 3 269,-18 5-179,14 7 0,-31-3-180,20 13 90,-4 18-180,8 10 0,11 21-180,0-8-179,0 2-901,21-2 541,-1-10 809,24 11 0,-25-19 0,1 2 0</inkml:trace>
+  <inkml:trace contextRef="#ctx0" brushRef="#br0" timeOffset="9848">16425 1319 9152,'0'15'809,"0"7"-719,0 17-180,0 0 90,0 5 0,0-11 90,0 10-90,0-15 0,13-3 0,-10-3 180,9 1-90,-12-8-180,8 0 180,1-32-180,11-28 90,-5-5-270,-4 8 0,1 1-179,1-6-136,-1 8 0,0 0-404,3-3 269,2-11 720,-6 26 0,-1 5 0,0 4 0</inkml:trace>
+  <inkml:trace contextRef="#ctx0" brushRef="#br0" timeOffset="10136">16777 1502 8792,'5'7'-90,"1"-3"90,-1-1 0,2-3 0,-1 0 90,1-14-90,0 10 90,0-25 0,-1 26 0,0-28 0,-2 27 270,-3-29 89,0 14-89,-1-12-90,0 7-180,-14 12-90,10 28 0,-20 11 0,21 13-540,-7 13-449,10-20 989,28 1 0,8-2 0,4-1 0,7-8 0,0-1 0</inkml:trace>
+  <inkml:trace contextRef="#ctx0" brushRef="#br0" timeOffset="12047">18440 1261 11311,'0'40'269,"0"-5"-89,0 8-648,0-6 558,0 3-180,0 2 90,0 0 90,-11 12-90,8-15 63,-8 6 27,11-12-12,0-12 102,0 2-360,0-15 180,0-38 147,0 9-147,0-33-90,0 21 90,0-26-90,0 13 135,0 3 0,0-1-135,0-7-492,0 17 1,0 0 581,0-8 0,0 3 0,0 7-90,18-2 90,-3 14 90,18 3-180,-7 13 180,-4 17-90,-2-9 1163,-7 28-1163,-3-28 0,-1 31 0,-3-20 0,-1 24 0,-3-15-359,1 12 89,-3-17-180,0 3-180,-17-9-89,13-2-1,-12-1-179,-2-2-451,14-2 1350,-24-2 0,25-3 0,-7 1 0</inkml:trace>
+  <inkml:trace contextRef="#ctx0" brushRef="#br0" timeOffset="12381">18922 1176 8972,'4'17'989,"1"-3"-449,-3 4-360,0 0-90,-2 20-90,0-11 0,0 10 90,0-15-90,0 17 0,0-19 0,0 7 0,0-11 0,0-1 0,0-1 0,0 2 0,0-6 0,0 1 0,0-29 0,0-8 0,0-17-180,0-16 0,0 18-1110,18-13 661,-14 16 89,27 3-780,-18 1 601,11 4-492,-4 2 1211,0 7 0,0 3 0,2 3 0</inkml:trace>
+  <inkml:trace contextRef="#ctx0" brushRef="#br0" timeOffset="12613">19397 1312 9781,'-20'5'450,"5"0"-450,15-3 90,0 2-90,0 5 0,0 1-90,0 13 90,0-5-809,0 18 179,0-13-90,0 7-1079,0-3 1799,0-6 0,0 0 0,0-8 0</inkml:trace>
+  <inkml:trace contextRef="#ctx0" brushRef="#br0" timeOffset="12781">19360 961 8612,'0'-5'-293,"0"14"1,16 6 0,5 15 0</inkml:trace>
+  <inkml:trace contextRef="#ctx0" brushRef="#br0" timeOffset="13000">19765 1186 9062,'-34'14'1439,"3"2"-1439,0 18 0,15-6 0,-10 3 0,23-7 0,-17 2 0,18 1-450,-5-1-899,7 10 450,0-9-361,20 7 1260,-15-13 0,39-4 0,-15-2 0</inkml:trace>
+  <inkml:trace contextRef="#ctx0" brushRef="#br0" timeOffset="13364">20008 1382 8972,'-20'-2'180,"23"13"-270,20-9 90,22 9 90,-11-11-180,6 0 180,-13 0-90,-7-17 180,-1 1 90,-17-17 179,5 5-269,-26 0-90,1 8 180,-18 8-90,9 8-180,11 25 0,-2 4 0,15 13-270,-5 13-360,8-17-89,23 13-2612,9 0 3331,14-12 0,-20-13 0,0-1 0,18 7 0</inkml:trace>
+  <inkml:trace contextRef="#ctx0" brushRef="#br0" timeOffset="14197">21455 965 9242,'-9'-13'1439,"7"0"-809,-14 1-181,15 0-89,-10 0-180,9 1-90,-7-1-90,7 5 540,-4 1-540,6 24 90,17-14-180,-12 32 180,27-32-90,-9 48 0,8-32 45,-8 10 0,-1 1-135,5-1 90,19 16 0,-23-20-380,8 4 470,-14-15-90,-3-1 90,-5-4 0,-2-1-90,-4-3-90,-2 4 0,-24-3-90,18 5-90,-47-2-179,27 3-1,-27 2-677,8 1 228,0 2 363,-2 1-1712,-9 9 2248,15-6 0,-2 8 0,19-8 0</inkml:trace>
+  <inkml:trace contextRef="#ctx0" brushRef="#br0" timeOffset="15247">22433 950 8792,'0'-12'540,"17"2"-360,-13 2-1,25 1-89,-25 0 90,25 0-180,-26 0 180,27 3-90,-15 2 90,8 16-180,-10 1-90,-6 17 180,-7-2-180,-23-3 90,18-2-90,-37-2-180,19-7 90,-1 3 90,-8-13 90,29 2 0,-10-5 0,13 4-89,0-4 178,17 2-89,-12-1 0,31 5 0,-13-1 0,0 4 180,8 7-90,-18-3 0,3 18 0,-7-12-90,-9 18 90,0-16-180,0 6 180,-16-9-180,13-3 90,-31 0-450,10 4-269,1-6-990,-15 4 540,20-11 1169,-4-2 0,1-5 0,12-1 0</inkml:trace>
+  <inkml:trace contextRef="#ctx0" brushRef="#br0" timeOffset="15579">22957 1073 9242,'-23'15'539,"-15"-11"-179,22 27-180,-27-13 0,27 10-180,-17 1 0,29 4 90,-10-6 0,14 17-180,0-19 270,24 10-270,8-18 180,29 0-180,-14-12-751,3-2 841,-17-3-430,-2 0 520,-4-20-90,4-2 0,-9-22-90,-4 11 90,-11-1-180,-7 8-450,-17-10 180,12 9-1079,-30-17 450,14 24 1079,0-6 0,-8 15 0,14 0 0</inkml:trace>
+  <inkml:trace contextRef="#ctx0" brushRef="#br0" timeOffset="15947">23428 1082 9152,'-21'-17'809,"15"-6"-629,-29 20-90,18-5 0,-14 8-90,15 22-90,2 9 180,14 11-90,0 2 0,0-11 0,0 0 0,23 0 0,-17-1 0,41-3 0,-9 6-90,11-13-993,4 4 1083,-14-17 0,1-3-90,0-3 180,10-3-90,-15-22 0,12-6 0,-28-13 0,0-15 0,-15 19-90,-3-12 90,-19-1-270,-7 14-242,2-8 62,-22 17 785,27 5-2314,-32 1 1979,17 11 0,8 1 0,11 9 0</inkml:trace>
+  <inkml:trace contextRef="#ctx0" brushRef="#br0" timeOffset="16281">24245 1061 9602,'-18'-10'539,"0"2"-449,-3 23-90,-2 7 0,20 8 0,-7 14 90,10-17-180,20 20 180,-14-22-180,37 6 90,-9-14-90,12-3 180,17-6-90,-26-3 0,21-25 0,-29 15 0,8-46 0,-25 31-495,-5-15 1,-3-3 224,-4 3-315,-8 1 1,-5 3-406,-17 3 990,-14-3 0,0 15 0,8 4 0</inkml:trace>
+  <inkml:trace contextRef="#ctx0" brushRef="#br0" timeOffset="17582">15558 3255 8882,'17'-12'1439,"-13"0"-1079,12-2 90,-16 1-1,0-2-179,0 1 0,0 0-180,0 3-90,0-1 0,0 4 0,0 1 0,0 2 0,-15 3 0,-5 24 0,-16 5-90,8 13-639,2-2 639,16-10-198,-3 12 108,12-11-180,-5 15 180,29-21-90,-17 1 90,39-12 180,-11-7 0,9-1-90,3-4 90,-15 0 0,7-18 90,-10-5-180,5-20 180,-22 11 450,-2-9-450,-9 18 632,0-5-542,0 7-65,0 9-115,0-3-179,-11 10-541,8 20 90,-8 6-2068,27 20 1529,5-1 1169,0-7 0,10-4 0,-12-10 0</inkml:trace>
+  <inkml:trace contextRef="#ctx0" brushRef="#br0" timeOffset="17948">16057 3308 9332,'0'-8'90,"1"1"-90,3 7 0,-2 0 0,4 15 90,0 3-90,-1 1 0,5 12 0,-5-11-90,4 13 90,-5-15 0,0 2-360,-1-19 360,-1 7 0,2-8-90,0 0 90,7-21 0,-2-5 0,15-25 90,-8 9 0,8 1 90,-7 13-90,1 2-90,-2 3 90,-2 4 89,0 4 1,-4 8-90,4-2-90,-6 8 0,0 17 0,-4-11-90,-3 38-359,1-25-91,-1 21-180,0-8-89,1-2-361,2 1 1170,3-3 0,4-3 0,2-1 0</inkml:trace>
+  <inkml:trace contextRef="#ctx0" brushRef="#br0" timeOffset="18336">16787 3173 9062,'-20'-12'719,"-2"6"-719,-14 1 0,16 23-90,-3 5 180,14-1-90,-3 31 0,5-35 0,7 27 0,0-23 0,17-3-90,2 2-89,20-10 89,0-1 90,-6-10 0,8-16 0,-18-8 0,3-11 0,-10-3 0,-2 3-90,-1-20 180,-4 10 179,-2-17 226,-6 28 0,0 1-45,0-17-181,-1 10 1,0 1-270,0 0 90,0-6 360,0 25 180,0 6-630,0 23 90,0 44-90,0 0-1469,-2 3 0,4 1 1064,6-24 0,1 0-225,-7 12 1,1 0-424,12-12 0,0-2 1053,-12 32 0,11-32 0,2-1 0,5 30 0</inkml:trace>
+  <inkml:trace contextRef="#ctx0" brushRef="#br0" timeOffset="18920">18903 3070 9422,'-21'-5'1259,"-17"2"-1079,12 2-90,-20 1-90,10 17 0,5-13 0,12 32 0,1-19 0,4 17-90,1 8-360,7-10-719,3 22 449,3-25-1259,23 15 1979,8-22 0,13 2 0,-1-12 0</inkml:trace>
+  <inkml:trace contextRef="#ctx0" brushRef="#br0" timeOffset="19316">19137 3174 9152,'-24'-6'809,"-10"5"-719,14-5 90,-14 6-180,3 15 90,6 3-90,12 18 0,5 0 0,8-1-90,22-14 90,-17 2-450,34-14 91,-13 2-1,18-5 270,-8-6-90,6-16 270,-19-5-180,4 1 180,-7-31-90,-8 33 630,2-38-630,-8 34 0,-1-6 179,-2 13-89,-2 6 0,2 2-180,-1 7 180,2 19 0,-1-14-270,7 44 270,-1-31-90,10 37-90,-3-29-179,4 6-181,0-12 0,0-4-180,3-7-269,19 1 449,-9-9 450,28-14 0,-25 9 0,10-14 0</inkml:trace>
+  <inkml:trace contextRef="#ctx0" brushRef="#br0" timeOffset="19502">19760 3023 8342,'0'-44'1260,"0"2"-721,0 1-179,0 3-90,-16 5-90,13-4-180,-13 15 1169,16 0-1169,0 35 0,0 14 90,0 33-180,0-7-225,9-13 0,0 0-224,-5 10-91,10-9 0,2 0-736,-1 4 377,0 11-180,9-23 1169,-21-3 0,18-6 0,-8-2 0</inkml:trace>
+  <inkml:trace contextRef="#ctx0" brushRef="#br0" timeOffset="19663">19690 3043 8792,'-10'-15'0,"2"2"90,2 7-90,4-2-270,-4 5-899,28-1 359,6 2 810,13 2 0,1 15 0,-10 4 0</inkml:trace>
+  <inkml:trace contextRef="#ctx0" brushRef="#br0" timeOffset="19950">20103 3245 8612,'12'0'360,"0"0"0,17-17-360,-11 12 90,15-26 0,-19 13 179,3-13-179,-11 1-90,0 3 90,-6 7 180,-23 9-180,0 6 0,-26 5-90,8 16 0,16 5 90,-7 19-180,28-8-90,-9 0-270,13-7-269,0-1-181,0 0 900,22 7 0,10-8 0,22 5 0</inkml:trace>
+  <inkml:trace contextRef="#ctx0" brushRef="#br0" timeOffset="20414">20783 3196 8702,'16'17'1349,"1"-4"-1349,12-13 0,-3 0-90,-3 6-989,16-5 269,-6 6-89,11-7 899,-10 3 0,-3-2 0,1 3 0</inkml:trace>
+  <inkml:trace contextRef="#ctx0" brushRef="#br0" timeOffset="20636">21332 3117 9961,'-9'13'-539,"3"1"-91,6 17-180,0-9 1,0 4 809,0-7 0,0 0 0,0 0 0</inkml:trace>
+  <inkml:trace contextRef="#ctx0" brushRef="#br0" timeOffset="20848">21433 2812 9512,'-10'-11'0,"7"2"90,-7 3-3239,10 2 3149,0 22 0,15-13 0,3 14 0</inkml:trace>
+  <inkml:trace contextRef="#ctx0" brushRef="#br0" timeOffset="21280">21805 2982 9602,'-14'-20'1349,"-2"2"-1259,-7 10-90,9 23 0,8 10-90,6 12 90,0 1 90,0-9-180,0 1 90,0 6 0,18-9-270,2 3 90,2-12-90,10-9 180,-6-1-90,8-8 180,9-20 0,-19-8 0,5-12 0,-11-2 0,-4 7-90,-1-2 180,-5-2-90,-2-3 90,-4-1 540,-1-21-180,-1 15-226,0 10 1,0 0-135,0-2 90,-14-11 90,10 31 360,-10 2-630,14 38 0,0 13-315,7 2 0,2 2-405,-6 23-128,5-25 1,0-1-503,4 18-539,-9 1 1889,19 0 0,-19-1 0,7-1 0</inkml:trace>
+  <inkml:trace contextRef="#ctx0" brushRef="#br0" timeOffset="21650">23002 3187 10861,'-7'0'539,"0"0"-1888,23 0-450,-2 0 1799,22 0 0,-7 0 0,3 0 0</inkml:trace>
+  <inkml:trace contextRef="#ctx0" brushRef="#br0" timeOffset="21800">22957 3367 8882,'0'7'450,"0"-1"-450,0 0-450,25-2-180,11-2-179,15-2-905,5-15 1714,-8 11 0,5-22 0,4 12 0</inkml:trace>
+  <inkml:trace contextRef="#ctx0" brushRef="#br0" timeOffset="22180">24018 2699 10501,'-15'-13'450,"11"0"-270,-26 1 0,13 3 89,-8 2-269,2 5 0,7 2 0,0 18 0,1-14 90,0 39-180,3-21 180,-1 42-90,7-20 0,2-6 0,2 1-317,2 5 317,24 12-90,-17-22-90,44-4 180,-29-4 0,25-6-90,-10-4 90,1-7 0,14-2 0,-16-5-179,12-1-91,-33-18-270,4 13 180,-18-28 0,-16 29-89,-23-12-361,-12 15-360,8 0 1,0 0 917,-15 0 0,20 6 0,1 3 0,-12 11 1</inkml:trace>
+  <inkml:trace contextRef="#ctx0" brushRef="#br0" timeOffset="22397">24920 3265 8792,'4'0'0,"-1"0"0</inkml:trace>
+  <inkml:trace contextRef="#ctx0" brushRef="#br0" timeOffset="37163">3083 5437 9602,'0'-11'1888,"0"-1"-1258,0 4-360,0-1 0,0 1 629,0 3-809,0 18-90,14 14 0,-10 32 90,10-3-588,-7-23 0,-1 0 498,-2 20 0,16 4 0,-18 1 89,12 1-178,-12 1 89,11 0 44,-9-18 1,-1 0-45,7 22-45,-5-15 1,-1-1-46,0 3 0,0 8 0,-3-26 398,0-8-397,-1-4-91,1-6-270,-1-6 90,0-21 270,-14-20 0,10-14-539,-10-11 539,14 7 90,0-7-90,-9-5 0,7-3 90,-2 31 0,-1-1 0,5 2 0,0-2 0,0-12 0,0-1-118,0 12 1,0 1 72,0-21 0,0 1 45,0-3 0,-1 24 0,2 0 0,15-17 0,-12 18 0,24-8 0,-17 25 180,13 2-180,-7 11 1183,0 2-1183,-3 1 459,0 15-369,1-11-90,6 29 0,-7-5 0,6 21 0,-13-4-180,0 13 0,-6-23-90,-1 11-179,0-16 89,-25 2 0,19-2-90,-44-2-179,31-3-1,-22-3-1169,0 3 1799,12-10 0,3 1 0,17-10 0</inkml:trace>
+  <inkml:trace contextRef="#ctx0" brushRef="#br0" timeOffset="37550">3728 5876 9152,'7'12'1169,"-2"-10"-179,-2 18-91,-3-13-719,0 5-90,0-5 180,0 2-270,0 0 0,0 5 0,0 12 90,0-4-90,0 26 0,0-16 0,0 13 0,0-13 0,0 1 0,0-2 0,0 0 0,0-4 0,0-2 0,0-1 90,0-7-540,0-2 180,0-37-270,0-34 270,0-5-515,0 9 0,0 0 335,0-5-45,8 10 1,4 1 134,4-3-180,6-9 90,7 27-89,-24 6 89,30 7 450,-8 5 0,8 7 0,1 3 0</inkml:trace>
+  <inkml:trace contextRef="#ctx0" brushRef="#br0" timeOffset="37913">4442 6113 9871,'-20'-23'900,"16"-7"-360,-31 15-540,14-1 89,-17-3 1,5 17 0,-12-5-90,20 26 0,-10-14 0,16 37 0,1-21 0,5 21 0,4 7-90,5-9-89,25 21-91,-16-26-582,43 3 852,-28-18-90,24-6-89,-11-7 179,3-3-90,-2-4 180,0 0-180,5-18 90,-12-10 0,3-27 0,-22 5-741,-2-3 651,-6 13-90,0 0-269,-23 3-203,18 1 22,-40 6-179,40 4-990,-41 1 1799,18 13 0,-2 2 0,9 10 0</inkml:trace>
+  <inkml:trace contextRef="#ctx0" brushRef="#br0" timeOffset="38788">4937 6094 9512,'0'-22'629,"0"1"-359,-19 5-180,15 1 360,-28 3-450,14 5 0,-14 3 0,14 24 90,-9 13-90,18 11 0,-6 5 0,9 7 0,6-15-90,17 22-90,5-33 90,-1 2 0,20-22-90,-35 0 180,39-9-180,-28 2 180,19-3-90,-11-24-90,4-10 180,-8-16 0,-6 13 0,-2-1-577,-4-14 577,-2 16 0,-2 0 90,-4-17-1,2-2 181,-3 0 90,0 17 0,0 1 90,0-18-91,-10 14 1,0 1-360,5 0 0,-29-9 180,30 31 180,-10 2-360,14 37 0,0-2 0,0 26 0,17 13 90,-12-8-1001,12-4 1,0 1 730,-12 12 45,9-20 0,3 1-90,-8-2 1,1-2 44,16 18-135,-8-12 0,0-2 45,6 1-90,8 4 1,-9-22 89,1-9-90,0-5 0,9-5 270,-9-3 90,14-22 90,-16-7 450,7-25-360,-15 9 90,0 0 89,-8 14 751,-3 2-840,-1 4-270,-2 3 180,0 3 1918,0 3-2098,0 22 0,0 25 0,0 6 0,0 15-180,0-21 0,0 0 1,0-3-631,17 7 270,3-14-179,21 6 449,-8-16 90,13-5 180,-19-2 0,6-22 180,-4-9 0,-10-10 359,5-17-89,-15 18-530,-1-11 530,-6 16-231,-1 4-129,-1 2 179,0-1 181,-14 10-540,10 23 90,-10 17-360,14 14-89,0 3-1081,0 4 631,20-10-1799,5 21 2698,0-28 0,20 5 0,-13-16 0</inkml:trace>
+  <inkml:trace contextRef="#ctx0" brushRef="#br0" timeOffset="39030">6330 5994 10141,'-20'-7'1170,"15"-4"-901,-36 9 91,35-5 270,-35 6-540,18-1-90,-1 20 0,-5-14-90,26 33 90,-8-9-360,11 25 0,0-10-90,23-2 1,-18-14-91,46-6 0,-26-2-45,8-9 1,4-4-46,11 2 0,-7-3 1,1-4-1297,6-21 1926,14 16 0,-25-37 0,1 15 0</inkml:trace>
+  <inkml:trace contextRef="#ctx0" brushRef="#br0" timeOffset="39396">6738 5853 8792,'0'-47'1259,"0"1"-809,0 3 539,-21-13-539,1 19-90,-6-14-90,-5 29 359,27-1-539,-20 16 0,22 20-90,-6 17 0,8 28 0,18-2-45,-9-15 0,1 1-414,12 12 189,-6-8 0,-1 0-635,6 7 725,-7-19 1,1 0-181,3 10 0,1-2-90,-16-3-449,17 6 539,-14-13-1169,4 5 539,-6-22 811,-21-4 538,-5-28 287,-20-9-287,19 0 1,0-2 90,-15-16-135,13 11 0,2 1 673,-3-7-628,7 6 0,2 0-180,5-1 0,0-9-180,12 9 0,0 9-180,44-10-270,-14 18-598,4 7 1,2 2 237,13-1-179,2 4 989,2 3 0,1 1 0,-1 1 0</inkml:trace>
+  <inkml:trace contextRef="#ctx0" brushRef="#br0" timeOffset="39800">7483 5751 10771,'-4'14'450,"0"-11"-450,3 20 0,0-13-90,1 6 90,0-4 0,0-4 0,12-4 0,-9-16-1080,9-7 1080,-12-10 0,0 12 0,0 6 0</inkml:trace>
+  <inkml:trace contextRef="#ctx0" brushRef="#br0" timeOffset="40048">7497 6265 9242,'-10'-14'-720,"3"2"-179,20-7 899,-10 1 0,9 16 0,-12-6 0</inkml:trace>
+  <inkml:trace contextRef="#ctx0" brushRef="#br0" timeOffset="40330">7825 5844 10411,'0'-15'900,"-16"2"-721,12-6-179,-13 8 0,17-2 0,-10 8-179,7 2-811,-7 15-449,10 3-360,16 15 1799,-12-6 0,27-9 0,-12-5 0</inkml:trace>
+  <inkml:trace contextRef="#ctx0" brushRef="#br0" timeOffset="40718">7875 6264 9512,'9'-17'0,"2"4"0</inkml:trace>
+  <inkml:trace contextRef="#ctx0" brushRef="#br0" timeOffset="41234">8627 5812 10231,'0'-16'1529,"0"2"-899,0-4-180,0 6 269,0-1-719,17 28-270,23 26 91,-1 5-753,-7-6 1,-1 2 481,0 5-270,-7-7 1,-1 1-360,3 6-1,4 10 1,-10-24 1079,-2-5 0,1-5 0,-1-4 0</inkml:trace>
+  <inkml:trace contextRef="#ctx0" brushRef="#br0" timeOffset="41468">9260 5770 10141,'0'-13'990,"0"3"-631,-19 5-269,-5 20-90,-14 10 0,16 12 0,-6 1 0,24-6 0,-25 0-180,19-1-629,-19 10 269,14-11-539,-8 11 269,12-24 271,-1-2-1,3-7 180,4-7-180,-2 2 540,-1-3 0,1-18 0,-3-5 0</inkml:trace>
+  <inkml:trace contextRef="#ctx0" brushRef="#br0" timeOffset="41613">8945 5925 8162,'0'-25'1170,"0"0"-811,19 4 541,-1-4-540,5 11-270,5 2 0,-4 8-90,18 4-90,-4 21 180,-1-16-180,-8 36-270,-1-24-360,2 20-1259,10 4 810,-8-9 1169,8 9 0,-12-16 0,-1-1 0</inkml:trace>
+  <inkml:trace contextRef="#ctx0" brushRef="#br0" timeOffset="41798">9678 5751 10411,'-40'37'90,"17"-5"-90,-10 5 0,22-4-360,-14 3-269,10 1-271,8 2 900,-5 15 0,10-15 0,-5 11 0</inkml:trace>
+  <inkml:trace contextRef="#ctx0" brushRef="#br0" timeOffset="42430">9943 5334 10591,'6'-4'989,"-2"1"-629,4 20-180,-2 10-90,4 11 0,-4 7 0,1-5-90,0 5-45,-3-12 0,0 1 135,2 20-135,-1-11 0,-1 1 45,0 6-2216,-1-11 1,0 1 1945,-1 3 0,0 9 860,0-23-770,-1-6-180,-1-3-360,0-3-1079,0-7 1889,0-36 0,15 1 450,-11-23 3212,27 15-3393,-27 13 1,25 7-360,-14 5 90,15 8-90,-8 20 0,10 2 0,-12 1 0,19 13-180,-14-13-179,21 8 179,-19-3 0,11-17-180,0-2 270,-10-9 0,15-15 90,-21 11 0,5-30 180,-17 6-90,-2-7 540,-6-14-361,-2 20 271,-21-18-270,16 20 0,-36-9-270,25 18 449,-7 1-269,2 11-270,19 20 90,-8 22-359,28 3-226,-9-6 0,1-2-134,12 4 89,12 9-269,-29-16-361,33-3 1260,-22-3 0,17-3 0,-8-1 0</inkml:trace>
+  <inkml:trace contextRef="#ctx0" brushRef="#br0" timeOffset="43018">10900 5787 9871,'-20'-7'270,"3"1"540,17 2-810,0 19 0,0 6 90,0 12-180,0 1 90,19 11 0,-15-9 45,12-6 0,-1 0-135,-12 5 90,9 14 90,-12-25-180,0 4 90,0-42 0,0-8 0,0-20-180,0 0-90,0 8 0,0-1-90,0 1-539,14-13 629,-10 14-450,27-11 541,-27 25-91,23 3 180,-13 13 180,6 3-90,0 0 0,-5 18 0,-2-14 359,5 32-179,-4-11 270,7 18-270,-9-9 270,7-4-360,-8-7 90,3-12-180,3 7 0,-3-16 0,12 4 0,-9-6 0,13-15 0,-15-4 0,10-16 180,-15 16-1,2-16-89,-9 16 180,-2-11 90,-1 2-180,-16 17 450,12-7-271,-29 17-269,14 9-90,-1 14 0,6 9 0,14 4 0,0 10-90,0-9-1207,29 11 397,-5-15 91,30-3 809,-1-7 0,1-3 0,-16-9 0,1-2 0,24 4 0,1 0 0</inkml:trace>
+  <inkml:trace contextRef="#ctx0" brushRef="#br0" timeOffset="45334">12557 5134 8252,'0'-19'1170,"0"-1"-901,0 0 91,0-1 90,0 0 180,0 0-1,0 0-269,0 1-90,0 3-90,0 3 0,0-2 90,0 8-180,-15-1-1,-4 47-89,-10-9-342,13 3 1,1 3 431,-13 16-524,13-22 1,-1 2 388,0 3 0,0 0 90,0 2 0,1 0-90,-1 1 0,2 1 45,0-2 0,1 2-45,-3 14 0,2 0-90,5-14 0,1 1-180,-1 23 1,2-1-406,4 3 405,13-23 0,1-2-584,-6 8 224,20-25 1,3-1-406,2 17 180,-2-20 1,4-3 899,22 11 0,3-6 0,5-3 0</inkml:trace>
+  <inkml:trace contextRef="#ctx0" brushRef="#br0" timeOffset="46963">13440 5211 9332,'0'-6'899,"0"1"-629,0 1-90,0 2 360,0-1-450,-13 2-180,10 20 90,-17-14-630,18 33 180,-10-14-359,11 7-91,-5 0-629,6-12 1529,0 4 0,0-12 0,0 2 0</inkml:trace>
+  <inkml:trace contextRef="#ctx0" brushRef="#br0" timeOffset="47138">13542 5130 9242,'0'-8'539,"0"1"-89,0 3-630,-13 17-719,10 10-91,-10 23-89,7-6 1079,5 4 0,-5-11 0,6-1 0</inkml:trace>
+  <inkml:trace contextRef="#ctx0" brushRef="#br0" timeOffset="47768">13745 5594 11311,'0'32'449,"0"-5"-449,0 5 0,0-4 0,0 21 0,0-10-1068,16 13 1068,-13-16 0,13 0 256,-16-1-346,0 9 0,10-13 0,-8 13 90,8-24-719,-5 3 629,-4-41 0,4-9 0,-5-20 45,0 13 0,0-1-45,0-12 90,0 3 0,0-1-515,0-9 515,0 18 0,0 1 0,0-12 90,0 4 588,0 2-588,18-3 90,-2 17 179,16-2-179,-7 21-90,-2 21-90,-5 14 0,-8 9 90,-2 1-90,-7 5 0,2-9-90,-3 20-180,0-24-70,-19 11-469,15-21-181,-29 1-89,29-11 1079,-10-3 0,4-3 0,-3-1 0</inkml:trace>
+  <inkml:trace contextRef="#ctx0" brushRef="#br0" timeOffset="48064">14123 5478 8792,'3'23'630,"-2"9"-450,2-29-1,0 28-89,-2-10-90,5 30 0,-4-18 90,5 13-90,-3-27 0,1 7-90,-2-12 180,1 1-90,-3-8 0,1-20 0,-2-8-180,0-24-269,0 11-181,0-5-180,0 11 1,0 0 809,0 0 0,0 2 0,0 0 0</inkml:trace>
+  <inkml:trace contextRef="#ctx0" brushRef="#br0" timeOffset="48300">14517 5640 10411,'0'4'810,"-11"-1"-720,8 0-90,-8 7 0,11 1 0,0 16-180,0-8-1799,0 29 989,0-22 990,0 20 0,0-26 0,0 2 0</inkml:trace>
+  <inkml:trace contextRef="#ctx0" brushRef="#br0" timeOffset="48497">14625 5354 9602,'0'-8'179,"-14"1"-179,10 3-2248,-10 1 2248,14 16 0,0 2 0,0 15 0</inkml:trace>
+  <inkml:trace contextRef="#ctx0" brushRef="#br0" timeOffset="48716">14932 5531 9871,'-39'0'1979,"3"0"-1979,21 17 90,-6-12 0,19 29-270,-17-19 180,17 15-629,-8 6-91,10-8-899,0 20 540,21-19 1079,8 15 0,12-22 0,2 4 0</inkml:trace>
+  <inkml:trace contextRef="#ctx0" brushRef="#br0" timeOffset="49065">15253 5693 9332,'-12'-7'0,"9"1"0,-10 3 0,13 0 0,0 0 0,0 1 90,23 0-180,3-2 180,3 1-180,15-5 180,-18 3-90,3-1 90,5 0 89,-31 0 1,18-2-180,-19 1 270,4-3 90,-6 0-90,0-6-90,-17 3 359,-3-5-359,0 9 180,-12 1-90,16 5-270,-12 3 0,14 14 90,5 3-90,9 22-180,0 3-180,0-3-179,26-1-1440,11 0 899,18-10 1080,-14-6 0,1-1 0,17 0 0,-19-9 0,0 1 0</inkml:trace>
+  <inkml:trace contextRef="#ctx0" brushRef="#br0" timeOffset="49502">16208 5159 9152,'0'32'-990,"0"-14"1,0-5-1</inkml:trace>
+  <inkml:trace contextRef="#ctx0" brushRef="#br0" timeOffset="49664">16405 5093 9422,'16'-7'719,"0"2"-719,-2 5 90,-1 0-90,-1 19-90,-4-15-1709,3 49 180,-5-29 1619,2 30 0,-3-17 0,-1 1 0</inkml:trace>
+  <inkml:trace contextRef="#ctx0" brushRef="#br0" timeOffset="50113">17413 5672 10321,'15'20'630,"-11"7"-360,27-7-270,-16 13 0,4-1 0,2-1 0,-19 7-540,8-8-1529,-10 26 810,-20-20 900,15 14 0,-42-12 1,14 0-1</inkml:trace>
+  <inkml:trace contextRef="#ctx0" brushRef="#br0" timeOffset="50813">18567 5060 10501,'-35'0'180,"14"15"-540,0-1-899,19 16-180,-6-5-90,8 0 1529,0-5 0,0-10 0,0-4 0</inkml:trace>
+  <inkml:trace contextRef="#ctx0" brushRef="#br0" timeOffset="50964">18648 5017 9691,'4'-7'450,"1"5"-270,-3-5 180,0 2-450,-1 18-2609,3 17 1080,2 6 1619,3 13 0,0-15 0,-1 2 0</inkml:trace>
+  <inkml:trace contextRef="#ctx0" brushRef="#br0" timeOffset="51381">19265 5116 11041,'-14'-8'1079,"-4"0"-719,13-1-270,-3 2 180,5 1-270,23 4 0,5 16 0,13 0 0,10 18 0,-17-18 90,17 24-180,-23-25 180,2 21-90,-11-7 90,-9-6-180,-1 19 90,-6-15 90,-21 22-90,-9-18-45,3-4 0,-2 0-542,-18 4 407,0 9-719,2-2 179,12-8-1169,-11 16 630,28-18-450,-6 7 1709,20-11 0,-5-1 0,7 0 0</inkml:trace>
+  <inkml:trace contextRef="#ctx0" brushRef="#br0" timeOffset="51874">19955 4983 11131,'14'27'-2069,"4"2"810,-16-4 179,10 0 1080,-11-5 0,4-9 0,-5-5 0</inkml:trace>
+  <inkml:trace contextRef="#ctx0" brushRef="#br0" timeOffset="51999">20135 4942 9152,'13'0'0,"-2"17"-720,-6 6-269,-2 10 989,-3 3 0,0-5 0,0 1 0</inkml:trace>
+  <inkml:trace contextRef="#ctx0" brushRef="#br0" timeOffset="52613">20957 5464 9961,'-8'-4'1529,"1"3"-989,1-5 180,3 5-450,18-2-270,-11 19 90,32-12-90,-31 29-180,26-7-90,-28 9-810,8 20 91,-11-17-300,-28 13-150,21-10 629,-21-20 0,-3-1 810,5 22 0,-27-2 0,13-1 0</inkml:trace>
+  <inkml:trace contextRef="#ctx0" brushRef="#br0" timeOffset="53182">21868 5116 9332,'0'-12'899,"0"0"-539,0 1 270,0-5-451,0 4-89,22-6-90,3 9 90,20 1-90,-5 7-90,-17 15 90,0-11 0,-20 27-90,5-7 1,-8 8-181,0 11 180,0-16 90,-17 14 0,12-18 0,-12 10-90,17-15 180,0 3-90,0-4-90,0-3 90,20 7 90,-3-9 0,5 7 0,4-9 0,-22 4-90,9 0 0,-13-2 0,0 10-270,-21-7-1259,-6 12 269,0-10-89,-18 5 1349,40-6 0,-37-3 0,19-1 0</inkml:trace>
+  <inkml:trace contextRef="#ctx0" brushRef="#br0" timeOffset="53529">22782 5156 9961,'-42'-4'2159,"-2"2"-2069,-1 0 0,0 19-90,18 3 0,-4 29 0,28-17 0,-9 19 0,12-28-90,26 11 90,8-17 0,29 3 0,-11-13 0,12-2-1261,-27-5 1351,7-14-80,-12-5-280,-11-16 0,-4 7 0,-12 0-89,-5 7-181,-25 1-90,19 0-89,-45 3-181,30 1-179,-25 4 1079,13 5 0,1-1 0,1 3 0</inkml:trace>
+  <inkml:trace contextRef="#ctx0" brushRef="#br0" timeOffset="53883">23268 5154 9512,'-22'-13'1978,"-1"2"-1798,-25 6-90,13 1-90,-12 21 0,21-13 0,1 34 0,2-21 0,20 21 0,-17-8 90,18 1-90,-4 0 0,28 10-90,-17-10 180,45 5-270,-1-12 270,14-9-135,-13-8 0,-1-2-705,14-2 705,-22-1 0,-1-4 135,13-15-90,-6 13-462,5-29 462,-20 7 0,0-7-269,-23-16-181,-6 19-443,-23-19 713,-15 22-405,3 6 1,-3 2-315,-24 1-946,-2-3 676,19 13 1169,6 3 0,6 2 0,4 3 0</inkml:trace>
+  <inkml:trace contextRef="#ctx0" brushRef="#br0" timeOffset="54247">24048 5092 9422,'-20'-8'1169,"14"-3"-809,-32 10-270,12-3 0,-20 21-90,10-13 0,2 32 90,12-7-90,11 10 0,0 2-90,11-12 90,0 0-90,28-2 0,-20-1 90,52-4 0,-15 1-90,18-8 90,-21-9 0,-1-1 0,8-2 0,-11-1 0,-1-4 0,0-14 90,5 12-90,-21-30-90,-6 30 180,-8-34-180,-3 7 0,-4-8-450,-24-13 90,-11 23-270,3 8 1,-3 1-450,-20 0 1169,17 7 0,2 2 0,-4 1 0,-10 0 0</inkml:trace>
+  <inkml:trace contextRef="#ctx0" brushRef="#br0" timeOffset="54566">24542 4445 9422,'25'-4'629,"1"1"-359,3 3 180,18 16-180,-11 8-621,13 13 441,-16 4 90,-3-3 0,-2 5-90,-12-8 0,-1 0-180,5 22 135,-9-5 0,-2 0-45,-3 12-45,-1-7 0,-7 0-90,-10-23 0,-5 1-375,-3 11 1,-3 7-1,-3-7 15,-7-7 1,-5-1 151,-4 9 0,-5 5 0,4-7 0,4-10 1,0-3-1,4-2 0,-1-1 0,1 0 0</inkml:trace>
+  <inkml:trace contextRef="#ctx0" brushRef="#br0" timeOffset="55747">8177 7397 10051,'-6'0'2069,"1"0"-720,1 0-1259,22 0-90,6-9-90,29 6 180,-11-7-923,4 10 383,-12 0-90,2 0-179,0 0-1170,20 16 809,-13-12-404,-5 9 0,-1 4 1484,8 2 0,9 7 0,-20 1 0</inkml:trace>
+  <inkml:trace contextRef="#ctx0" brushRef="#br0" timeOffset="56080">8720 7312 9422,'-22'-15'1799,"6"5"-1260,-7-5-449,12 10 0,-2-2 540,9 5-630,21 2 90,19 15-180,6 0 135,-10-2 0,-1 1-45,3 0 0,11 3 0,-15-15 0,-3 18 0,-3-13 0,2 17-180,-12-9 180,-1 7-180,-12-3 0,-1 3-629,-26 17 89,-13-4 315,13-11 0,-1 0-899,-12 3 0,1 1 1001,-7 14 1,16-14 0,2-1-1,-7 11 1</inkml:trace>
+  <inkml:trace contextRef="#ctx0" brushRef="#br0" timeOffset="56464">9557 7279 10141,'-10'-3'1349,"1"1"1,2 0-1350,21 16 0,4 6 0,3 9 0,11 4-180,-27-4-180,30 3-180,-30 3 0,15-9 1,2 1-271,-7 15-314,5-6 0,1-1-585,0 5 1530,5 10 0,-8-23 0,1-2 1</inkml:trace>
+  <inkml:trace contextRef="#ctx0" brushRef="#br0" timeOffset="56685">10280 7315 9871,'-21'-7'1260,"-1"1"-1080,-24 4-180,4 15 0,-19 7 0,21 17-360,11-17 0,2-1-360,3 3-359,-11 17 359,18-28-899,-6 18 1619,13-22 0,-4-1 0,5-6 0</inkml:trace>
+  <inkml:trace contextRef="#ctx0" brushRef="#br0" timeOffset="56863">9863 7315 8522,'15'-16'810,"-11"2"-361,28 3 1,-28 2 270,29 2-630,-13 4 0,9 0-90,-1 3 0,-9 16-90,1-12 90,-2 28-270,2-28-450,-3 36-989,10-9 630,-7 11 1079,7 0 0,-9-15 0,1-1 0</inkml:trace>
+  <inkml:trace contextRef="#ctx0" brushRef="#br0" timeOffset="57064">10605 7210 9332,'-19'-5'989,"-6"2"-989,1 19 0,-15-12-90,35 32 180,-31-20-180,31 18-270,-27-5-1439,20 15 810,-6-11 989,9 9 0,8-16 0,0-1 0</inkml:trace>
+  <inkml:trace contextRef="#ctx0" brushRef="#br0" timeOffset="57682">10775 6964 9691,'0'-6'1530,"0"16"-1530,0 8 0,0 12 0,0 4 0,16 12 90,-12-8-180,13 13 90,-17-15-90,12 1-180,-10-3-270,18 13 90,-18-12 91,5 6-91,-1-16 270,-5-4 0,10 1 180,-8-9-180,7 0 180,-2-10-90,4-18 90,-3 11 90,2-24 0,-2 25-90,1-24 180,-2 23 0,1-22 0,-2 23-90,1-9 90,0 3-90,-1 7 0,3-7-1,-2 9-89,8 19 0,-3-14 0,4 31 0,-3-32 0,2 29-89,-1-29-181,13 28 180,-4-19-180,20 4 180,-15-7 0,9-10 0,-12 0 90,0 0-90,-3-16 90,-3 12 0,-5-27 90,-2 28 90,-3-41 90,-5 27 269,0-33-449,-5 26 180,-19-7 180,15 5-360,-34 8 90,21-4-90,-5 14 180,1 1-270,12 6 180,-1 21-540,3 5 0,7 22-270,17-8-899,3 10 900,1-20 629,14 15 0,-9-23 0,20 4 0</inkml:trace>
+  <inkml:trace contextRef="#ctx0" brushRef="#br0" timeOffset="58030">11613 7270 9422,'0'-7'1439,"0"2"-1259,-10 2 0,7 18-180,-7 7 0,10 20 0,13-8 0,-9 0 0,9-9 0,-13-1 0,10 6 0,-7-7 179,14 6-89,-15-15-90,4-1 0,-3-9-90,-1-19 90,2 10 90,2-47-180,-2 28-45,1-8 1,0-3-226,1-2-809,6-22 629,-5 27 0,3-4 90,-3 17 91,1 6-1,2 6-630,7 2 451,-4 5 539,7 15 0,-6-12 0,0 12 0</inkml:trace>
+  <inkml:trace contextRef="#ctx0" brushRef="#br0" timeOffset="58298">11925 7428 7623,'10'18'719,"1"-1"-359,2-1-180,-2-5 270,7-3-360,-9-5 90,6-3-91,-6-19 91,2 14 0,-1-32 360,6 12-450,-7-8 540,6-10-361,-11 16 541,5-20-540,-8 25 0,1-12-270,-2 24 269,0 1-89,-16 6-180,-2 24 0,-17 6-90,2 27-179,14-8-541,-1 14 270,18-24-1618,21 21 898,5-29-1706,27 6 2966,-5-17 0,9-6 0,3-1 0</inkml:trace>
+  <inkml:trace contextRef="#ctx0" brushRef="#br0" timeOffset="58734">13660 6823 9422,'-11'-25'1439,"-1"2"-989,-1 3 449,-7-2-449,4 10-90,-16-2-270,12 10-1,-7 2 1,7 26-90,-4-5-90,4 25 180,-5-7-1224,5 7 1134,0 4-180,10-9 0,2 1-427,-2 22-113,4-9 1,5 0-720,26 8-147,-15-23 1,4-1 382,11-12 0,3-4 1203,24 20 0,-23-23 0,3-1 0,1-2 0,1 1 0</inkml:trace>
+  <inkml:trace contextRef="#ctx0" brushRef="#br0" timeOffset="59546">14693 7069 9871,'0'-8'1709,"-17"-1"-1169,-1 2-450,-20 3-90,3 3-90,-3 17-360,6 4-629,13 19 179,6 0 91,13-8-810,17-2 360,15-7 1259,10-10 0,10 5 0,-8-10 0</inkml:trace>
+  <inkml:trace contextRef="#ctx0" brushRef="#br0" timeOffset="60136">15135 7069 9602,'-25'-8'989,"19"-2"-449,-41 9-181,21-2-269,-20 3 90,8 0-270,15 18 180,3-2-270,17 17 0,-5-4 1,34-13-181,-19 7 90,40-20-90,-28 14 270,20-16-180,5 6 180,-10-7 90,9 0-90,-14 0 180,-4-17-90,-2 13 0,0-26 180,-8 13 540,1-13-540,-11 5-180,-1 5-90,-4 28 90,0 4-450,17 23 270,5-10-180,11-9 91,-1-7 89,-6-9-360,15 0 450,-9 0 0,22-19 90,-23 14 0,-8-20 0,-1-3 90,1 6 0,3-28 180,-15 19 0,-2 0-90,-5-2 449,-3-16 1,0 10 269,-1-23-539,-15 29-180,11-7 0,-10 20-90,14 3 90,0 5 719,-11 4-899,8 24-90,-8 28 90,11 6-405,8 2 1,2 1-46,-5 1-90,11-3 1,0-2-516,-12-5 245,10 8-89,-1-21 179,-9-4-89,16-5 89,-18-4 720,12-3 0,-13-7 0,5-1 0</inkml:trace>
+  <inkml:trace contextRef="#ctx0" brushRef="#br0" timeOffset="60297">15507 6986 9422,'-12'-7'629,"5"-4"-719,2 8 90,5-4 0,0 3-270,19 1-359,14 1-1170,31 2 1799,-7 0 0,8 0 0,-18 0 0</inkml:trace>
+  <inkml:trace contextRef="#ctx0" brushRef="#br0" timeOffset="60631">15997 7220 9512,'22'-12'90,"11"10"-180,-13-29 180,16 16-1,-3-15 1,-7 5 0,-12 2 90,-8 5 0,-6 2 0,0 5 0,0 1 90,0 1 180,-19 1-361,1 4-89,-15 14-89,17 9-721,5 17 90,11 2-899,21 3 540,-15-9 1079,40-6 0,-25-16 0,23-4 0</inkml:trace>
+  <inkml:trace contextRef="#ctx0" brushRef="#br0" timeOffset="60851">16577 7198 10051,'38'0'-270,"3"-7"-269,-11 6-91,1-5-179,-9 6-451,0 0 1260,-1 0 0,-2 0 0,0 0 0</inkml:trace>
+  <inkml:trace contextRef="#ctx0" brushRef="#br0" timeOffset="61080">17208 7080 9512,'7'0'179,"7"0"-179,-9 14 0,12 2-269,-12 1-361,5 10-90,-4-14-269,1 13 989,-2-5 0,2-2 0,-1 0 0</inkml:trace>
+  <inkml:trace contextRef="#ctx0" brushRef="#br0" timeOffset="61281">17283 6712 8882,'0'-4'-585,"0"17"0,18-11 1,4 14-1</inkml:trace>
+  <inkml:trace contextRef="#ctx0" brushRef="#br0" timeOffset="61730">17728 6925 9871,'-43'0'720,"2"0"-630,18 17 0,-4-13-90,24 27 0,-13-9 0,15 8 0,-5 0 0,6-7 0,0-4-180,20 0-180,2 1 90,23-5 90,-3-4 270,0-6-180,-18-24 90,7 15 90,-27-33-180,19 21 180,-21-17-90,10 5 0,-11-18 180,3 8 180,-4 3 0,0 0-90,0-8 179,-7 9 1,-1-1-180,4-3 90,-10-20 90,14 35 179,0-3-719,0 41 90,0 10 90,0 14-180,0 3-270,14-5-809,-11 20 450,22-12-541,-23-7 1,-1 0-630,20 5 1889,-19 11 0,14-21 0,-9 0 0</inkml:trace>
+  <inkml:trace contextRef="#ctx0" brushRef="#br0" timeOffset="62330">14223 6381 10411,'0'-9'989,"1"3"-719,-1 2-90,1 1-180,-1 0-899,0 21-720,0-1 90,0 22-360,0-5 1889,0-2 0,0-13 0,0-8 0</inkml:trace>
+  <inkml:trace contextRef="#ctx0" brushRef="#br0" timeOffset="62463">14272 6441 9602,'0'43'-563,"0"-7"1,19 5 0,5-7 0</inkml:trace>
+  <inkml:trace contextRef="#ctx0" brushRef="#br0" timeOffset="63151">18365 6403 9602,'-12'-9'1529,"2"0"-1170,5 2 1,2 2-90,0 0 450,2 1-810,1 15-450,-1 5 0,15 20-179,-10-6-91,10 0-89,-14-7-1,0-1-179,0-1 1079,0 7 0,0-10 0,0 5 0</inkml:trace>
+  <inkml:trace contextRef="#ctx0" brushRef="#br0" timeOffset="63297">18428 6450 9242,'23'0'90,"-11"13"-720,4-9-180,-14 27-359,9-14 1169,-6 16 0,6-2 0,-1 2 0</inkml:trace>
+  <inkml:trace contextRef="#ctx0" brushRef="#br0" timeOffset="64431">18985 7002 13919,'0'-18'0,"0"5"0,0 6 0,0 3 0,0 2 0,0 0 0,0-1 0,0 1-90,0 0 90,0 13 0,0 4 0,0 19-270,0-5 90,0 5-179,0-4-1,0 0-270,0 3-269,-18 0-271,14 1-629,-25-9 0,-6 0 1799,5 12 0,-4-12 0,-2-2 0,-6 7 0</inkml:trace>
+  <inkml:trace contextRef="#ctx0" brushRef="#br0" timeOffset="65130">20003 6643 9871,'0'-12'1350,"0"2"-811,-19-3-359,14 4 180,-31 0-270,18 6 0,-2 17-180,-8-11 90,10 44 0,-7-25 0,9 29 0,3-3 90,11-11-270,-4 22 90,26-27 0,-14 6 90,37-15 0,-38-5-90,59 1 90,-40-7 0,32-1 0,-28-7 0,1-3-360,-8 0-269,-6-15-541,-33 10 451,-18-10-181,-15 14-1439,-7 0 2339,11 0 0,0 0 0,-1 0 0</inkml:trace>
+  <inkml:trace contextRef="#ctx0" brushRef="#br0" timeOffset="65497">20540 6356 9961,'18'-8'450,"4"2"0,2 1-180,5 3 89,2 2-89,-1 0 0,15 15-270,-15 11-1206,7 11 1206,-17 6 90,-6-2-90,-4 3 0,-5-8 0,-2 2-270,-1 20-90,-14-4 0,-2-1-269,7 11-391,-20-20 1,-13 4 0,5-5 1019,15-8 0,-1-1 0,-12 1 0,-6 2 0,4-5 0,7-6 0,1 1 0</inkml:trace>
+  <inkml:trace contextRef="#ctx0" brushRef="#br0" timeOffset="66362">8125 8934 12300,'0'11'1169,"18"-3"-1169,-14-3 0,33 0 0,-23-2 0,19 1-270,-8-1-269,2 1-91,2-2-89,1 2-361,0-2-1438,18 3 719,-12-2 1799,14 1 0,-16-1 0,-1-1 0</inkml:trace>
+  <inkml:trace contextRef="#ctx0" brushRef="#br0" timeOffset="66663">8423 8830 9871,'-12'-11'1260,"-3"3"-361,6-7-539,2 4 90,4-7-360,23 5-90,-15-1 0,38 3 0,-22 2 0,35-1 90,-17 4-180,9 2 180,-3 3 0,-14 1-90,13 17 0,-23 1 0,-3 21 0,-11-9-270,-25 3 0,14-4-270,-39-1-1169,7 19 630,-11-13-451,16-5 1,4 1 1325,7 1 0,-22 8 0,22-15 1</inkml:trace>
+  <inkml:trace contextRef="#ctx0" brushRef="#br0" timeOffset="67197">9858 8691 10681,'0'-26'360,"0"2"-90,-23 2-91,17 4-179,-34 1 360,17 5-360,-19 4 0,6 5 0,2 26-90,3 5 0,10 14-90,2-1-179,13 1 179,6-9-90,0 7-90,26-17 90,-20-3 0,47-3 91,-33-9 179,26 3 0,-14-10 0,1 4 0,-5-5 89,-1 0 91,-6-17 270,2 0-90,-12-17-90,-1 6-270,-10 1 0,0 6 0,-15 9 90,11 28-180,-12 16 90,16 14 0,-1-12 0,2 0 0,16 10-1077,-13 16 1077,31-20 90,-31 0-809,34-3 719,-33-1-180,32-2 0,-33-2-359,27 7 179,-28-11-630,9 7 451,-12-20-451,0 0-359,-17-11 1599,-2-2 1,-2-19 0,7-4 0</inkml:trace>
+  <inkml:trace contextRef="#ctx0" brushRef="#br0" timeOffset="67728">10170 8988 8252,'35'-14'720,"1"1"-540,-1-1 180,15-7-270,-16 4-1,10-4 181,-6-3-180,-13 6 90,14-19-180,-21 15 180,1-11-90,-9 8 0,-6-1 90,-1 0-90,-3 1 90,0 1 0,0 0-1,-20-3-179,0 9 180,-19-3-90,6 16-90,3 17 0,13 14 0,6 9 0,11 3-90,0 6-90,0-11-89,22 21-1,10-27-450,12 5 360,6-21 1,-12 2-1,7-11 180,-11 2 0,0-1 90,20-3 45,-10-9 0,-1-5 45,6-15 0,-12 2 0,-3-3 180,2-17 90,3-2 270,-15-7-181,-11 15 1,-6 5 0,-2 0 90,-4-5 89,-1-24-179,-22 31-430,16-7 250,-16 20-90,5 3-90,13 5 618,-24 4-618,25 21 90,-8 29-90,11 3-1150,0 18 970,14-21-90,-10 1 0,11 2-450,-1 13 181,1-13-226,-1-10 1,0-1 262,0 2-1027,10 13 539,-10-27 990,0 0 0,2-13 0,-8-3 0</inkml:trace>
+  <inkml:trace contextRef="#ctx0" brushRef="#br0" timeOffset="67879">11008 8598 9512,'-15'-18'629,"2"1"-359,13 0-180,0-5-90,0 5-90,47-11-450,-20 17-270,14 3 1,3 2-360,-3 3 952,16 2 0,-17 1 0,0 0 0</inkml:trace>
+  <inkml:trace contextRef="#ctx0" brushRef="#br0" timeOffset="68151">11618 8232 10321,'-28'-1'1079,"1"-1"-539,9 2-180,-9 0-270,6 21 90,-6-16-180,9 39 0,1-24-90,3 25 90,-3 13-90,9-10-135,3-6 0,1 1-315,4 9-225,7-10 1,6-1-996,16 4 1175,-10-18 1,4-2 584,7-5 0,2-5 0,11 7 0,16 1 0</inkml:trace>
+  <inkml:trace contextRef="#ctx0" brushRef="#br0" timeOffset="68415">12065 8345 9781,'0'-12'1170,"0"2"-810,0 1-1,0 4 1,16 1-360,2 2 0,2 20 0,8-13 90,-12 48-90,0-29 0,5 33 0,-19-21-90,6 3 90,-4-1-360,-3 19 1,2-15-451,-10-7 0,-1 0-449,4 3 1259,-26 18 0,13-28 0,-13 6 0</inkml:trace>
+  <inkml:trace contextRef="#ctx0" brushRef="#br0" timeOffset="68599">12678 8779 9961,'-40'0'0</inkml:trace>
+  <inkml:trace contextRef="#ctx0" brushRef="#br0" timeOffset="69179">12685 8489 11760,'0'-11'90,"0"2"-450,0-2 360,0 6 0,0 1 0,0 2 0</inkml:trace>
+  <inkml:trace contextRef="#ctx0" brushRef="#br0" timeOffset="69478">12612 8947 9871,'0'17'1440,"19"0"-1081,-14 1 451,14 3-630,-5-6 0,-10 6-180,10-12 0,-14 5-180,0-8-990,-25 9-179,4-5-630,-25 5 1979,5-1 0,-5-1 0,-4 1 0</inkml:trace>
+  <inkml:trace contextRef="#ctx0" brushRef="#br0" timeOffset="81212">15178 3852 7982,'-4'0'270,"-2"-6"0,4 5-90,-3-8 0,2 8 0,0-7 0,0 5 180,1-5-181,1 3-89,0-2 180,1 2-270,0-1 90,-2 2-90,1 1 90,-1 0 450,2 1-450,25 1-3482,22 0 3482,4 1-90,12 0-102,-23 0 12,3 9 90,3-7 0,-11 3 0,1-1 0,21-4 0,-8 0 0,0 0 90,11 0-90,-10 0 0,-1 0 0,8 0-410,-21 0 1,0 0 409,10 0-90,-1 0 180,-1 0-90,15 0-90,-13 0 135,-8 0 0,-1 0 2756,7 0-2846,-7 0 0,0 0 45,7 0-512,12 0 512,-19 0-180,1 0 1242,-3 0-1241,15 0 89,-13 0-450,24 0 270,-26 0-270,1 0 1,0 0-91,0 0-1169,29 0 1799,-38 0 0,4 0 0,-12 0 0</inkml:trace>
+  <inkml:trace contextRef="#ctx0" brushRef="#br0" timeOffset="81837">16033 4319 8342,'0'-9'270,"0"0"-90,0-1-90,0 1-90,0 0 0,0 2 0,0 0 0,0 2 0,-16 1 90,-5 3-90,-14 17 0,6-12 0,3 30 0,8-30 0,1 31 0,3-20 0,3 26 0,5-17 90,3 14-180,3-17 180,22 10-90,-17-17 0,58 1 0,-33-11 90,31-18-180,-30-3 0,-13-17 90,-10 6-90,-27 11-90,15-3 90,-39 18-180,23-5-180,-22 7 91,9 0-181,2 0 540,-11 0 0,13 15 0,-8 3 0</inkml:trace>
+  <inkml:trace contextRef="#ctx0" brushRef="#br0" timeOffset="82230">16190 4371 8252,'0'-9'540,"0"3"-540,0-6 0,0 8 180,0-6-180,0 26 90,0 1-180,14 3 180,-10 11-180,19-9 180,-21 14-90,13-6 719,-13-2-269,5-11-360,-4-4-180,1-24 90,4-15 90,-2-10-90,5-21 0,-3 21 0,1-3 0,1 0-90,0 2-360,9-24 91,-10 40-1081,6-3 451,-5 17 989,4 1 0,-4 6 0,0 0 0</inkml:trace>
+  <inkml:trace contextRef="#ctx0" brushRef="#br0" timeOffset="86080">14717 3413 8432,'-17'-9'1080,"4"-2"-990,13-7-90,0 1 89,0 4-178,0 1 178,0 1-89,0 1 0,0-7 0,0 4 0,16-9 90,-12 10-90,12-3 180,-7 4-180,-7 3 0,7 0 90,-9 4-180,0 14-269,0 4-91,0 16-270,0-6-1169,-11 11 1889,8-13 0,-8 7 0,11-9 0</inkml:trace>
+  <inkml:trace contextRef="#ctx0" brushRef="#br0" timeOffset="86647">14700 2933 7263,'-19'0'270,"0"-1"-90,-2 1-90,0 0 179,-10 14-179,6-11 0,-10 11-90,12 3 180,-1-12-180,1 29 90,-7-9-90,7 10 0,-12 14 0,16-18 90,-8 28-90,14-24 0,-2 13 90,7-1 0,4-14 90,1 20-90,3-28-90,20 12 90,10-21-90,13 3-230,3-13 230,-5-1 0,6-3 45,-10-2 0,1 0-45,24 0 0,-10-7 0,1-3-425,9-7 470,-12-2 0,-1 1-663,4 1 573,-20-1 0,-2 1 135,5 3-90,-4-18-90,-5 9 90,-2-16 0,-10 8 38,-3-26-38,-10 21-450,-25-26 180,-8 27-1272,-15-10 1183,-2 19-181,9 3-255,-3 5 795,-1 3 0,-1 6 0,2 2 0</inkml:trace>
+  <inkml:trace contextRef="#ctx0" brushRef="#br0" timeOffset="88115">14642 4550 7173,'-14'-16'-360,"-5"12"180,17-26 180,-5 12 0,27-15 0,-15 8 0,30 2 0,-31 7 0,25 2 90,-25 1 0,26 2-90,-10 1 270,7 4-270,3 2 180,-15 3 0,5 1-180,-9 16 180,-2-12 0,-4 24-91,-2-12 1,-3 16-90,-17-6 0,13 1 90,-12-8 0,-3-1-90,14-1 0,-30 4 0,19-7 0,-15 4 90,16-12-90,-5 1-90,14-6 90,-6 0 0,26-1 0,5 0-90,22 0-179,-7 0-361,1 0 630,5 0 0,-8 0 0,9 0 0</inkml:trace>
+  <inkml:trace contextRef="#ctx0" brushRef="#br0" timeOffset="88611">14442 4250 7443,'-28'30'270,"1"1"-91,4 0 1,-5 16-90,8-9 0,8-5 0,1 1 0,1 8-1611,2 13 1701,6-17-90,2-1 506,0-1-326,19 10-270,5-12 0,2-9 0,2-2 90,16 2-90,4-8 0,1-2 0,8-4-1425,3-5 1,1-1 1424,3-5 0,-7-7 0,0-5-297,-23 1 0,-1-1 297,10 2 0,-1-3 0,-14-8 0,-2 0 0,21 3 0,-3-23 0,-20 18 0,-1-2 0,7-15 0,-11 4 0,-4-2-90,-6-10-135,-2 7 0,-6 0-45,-22-8-269,16-13-1,-44 23-90,24 4-89,-28 4 719,9 5 0,-6 6 0,-2 5 0</inkml:trace>
+  <inkml:trace contextRef="#ctx0" brushRef="#br0" timeOffset="89830">1518 6303 8612,'0'-6'450,"0"-2"-180,0 1 0,0-3-1,0 0-269,0-2 270,0-2-180,0-9 0,0 3 90,0-7 0,0-8-180,0 9 270,18-21-180,-13 21-90,23-16 0,-26 23 0,9-3 0,-11 16 0,0 18-90,0 12 90,0 11-180,-14 20-270,10-18-684,-10 13 235,14-16-1,-10 0-487,7-3 1387,-7-1 0,10-3 0,0-1 0</inkml:trace>
+  <inkml:trace contextRef="#ctx0" brushRef="#br0" timeOffset="90317">1330 5700 7892,'-21'0'810,"-4"0"-630,-3 15 180,-19 5-360,11 10 0,-15 2 90,25-10 0,2 1-90,-14 17 45,10-1 0,3 2-1879,1 12 1834,11-17 0,2 2 90,6 2 0,3-1-90,-1 22 0,22-11 0,7-1 89,6 5-89,6-23 0,11 0 0,-3-4 0,-10-7 0,1-3-30,13 2 0,7 0 1,-6-5 73,-10-7 1,0-2-45,3-1 0,5 0 0,-5-4-45,-3-8 1,-2-1 88,11 9 1,0-5-90,-4-23 1,-3-4 44,-11 18 0,-1-1 0,8-18 0,-4-3 0,3-11 0,-9-4-201,-19 10 1,-4-2 110,3-22 90,-14 22 0,-6-2-90,-8 2 0,-5 2 45,-1 9 0,-4 1-195,-4 1 0,-5-2 0,2 5-1034,-3 5 1,0 3 958,-13-6 0,-5 5 315,-5 10 0,-1 4 0,14 0 0,-1 2 0,-16 3 0,0-1 0</inkml:trace>
+  <inkml:trace contextRef="#ctx0" brushRef="#br0" timeOffset="92413">1623 11251 8882,'0'-6'2878,"-13"8"-2968,-4-23 0,-9 19-90,10-12-179,1 13 89,14-9 0,-8 7 0,8-8 90,-2 5-90,3-9 270,16 5 0,5-10 0,0 8 0,16-2 0,-14 2-90,11 5 180,1 0-90,-12 6 90,-3 17 0,-8 9-180,-8 9 270,-4 3-180,-19 10 0,14-9 90,-33 15-90,12 0-90,-9-13-1107,0 10 1107,11-17 90,0-4 0,4-3 0,-2 0-90,11-8-719,-6-1 899,15-30-90,12-8 0,9-3 0,18-18 0,-18 18 0,12-3 1377,-13-4-1287,14 29-90,-9-10 0,-2 12 0,-8 0-90,10 21-180,-6-16-1079,15 33 269,-13-15 1080,7-2 0,-6 15 0,0-15 0</inkml:trace>
+  <inkml:trace contextRef="#ctx0" brushRef="#br0" timeOffset="92862">1675 10851 8072,'-24'0'540,"1"0"-270,-6 0 270,-15 18-271,5 2-919,4 1 0,0 2 650,-12 10 90,0 3 0,1 1-90,0 4 0,6 2 0,4 2 0,12 1 0,10-16 0,3 2 90,4 34-90,4-15 0,10-7 0,7-2 0,18 8 0,-2-10 0,3-1 0,-5-18 0,2-1 45,1 5 0,3-2-90,5-3 0,1-4 45,-9-4 0,2-2 45,23 4 0,0-3-1539,9-4 1539,-24-3 0,1-3-90,-5-9 0,-2-1 440,15 5-350,-13-21 0,-3-3-45,-3 3-45,-12-1 0,-4-6-135,-1-30 0,-8 12-45,-1 3 0,-7 0-513,-26-8 648,27 18 0,-5 1-180,-30 2 1,-4 4 916,7-16-1367,-12 13 1,-5 3 719,-2 1 0,19 13 0,-1 2 0,-13 0 0</inkml:trace>
+  <inkml:trace contextRef="#ctx0" brushRef="#br0" timeOffset="93978">3783 10700 9152,'0'-28'1439,"0"0"-1169,0 2-270,0 3 0,0 3 90,0 3 629,0 6-719,0 24 0,0 40 0,0 2-967,0-4 0,0 0 1057,0 5-135,0-18 0,0 0-85,0 14 40,0-2 90,0-1 0,-14 15-180,10-17 180,-11 16 90,15-33-900,-10 3 631,3-23-1,-4-20-90,3 6-90,4-60 180,0 30 604,2-16 0,1-3-424,1-11 0,-1 21 0,2-1 0,7 11 0,1 1-90,-5-33 90,10 34 0,3-1 0,-5-9 0,-2 0 0,9-16 90,6 16 0,-1 2-90,-8 4 517,34-1-337,-31 25-90,5 5 0,-7 21-90,-7 13 90,2 26-90,-9-3 0,0-14 0,-4 0 0,-16 7-866,13 11 327,-29-18-1,30-5 91,-29-1-450,29-4-180,-26-4 1079,25-2 0,-9-3 0,13-2 0</inkml:trace>
+  <inkml:trace contextRef="#ctx0" brushRef="#br0" timeOffset="94280">4173 10877 7982,'4'27'450,"-1"-12"-270,1 10-90,-3-10-180,1 7 90,-1-3 0,2 1 90,0-5-180,2 7 180,-2-12-90,-1 3 0,-1-27 0,-1-5 0,0-26-90,0 9 90,0-1-180,0 10-90,0 5-179,0 1-271,0 3 720,15 0 0,2 8 0,14 2 0</inkml:trace>
+  <inkml:trace contextRef="#ctx0" brushRef="#br0" timeOffset="94617">4708 10988 8702,'-19'-19'900,"-1"-7"-811,-22 23 1,1-8-90,7 11 0,0 0 0,12 0 0,1 17 0,2-13 0,10 30 0,-5-30 0,13 33 0,-6-22 0,7 24 0,25-16-90,6 10 90,14-17-179,14 1 89,-20-12 90,10-2 0,-15-3 90,-6-16-180,-1 12 90,-7-28-90,-3 7-90,-10-18 90,-1 7-180,-26 4-90,16 11-180,-35 4-179,34 1 89,-36 8 630,35-4 0,-34 11 0,18-5 0</inkml:trace>
+  <inkml:trace contextRef="#ctx0" brushRef="#br0" timeOffset="95280">5218 10975 8522,'-37'0'720,"-10"0"-540,12 14-180,-6-10 90,12 22-90,4-23 0,2 34 0,3-21 0,9 21 90,3-9-180,8-8 0,25 11-90,6-19-360,30 2 450,-15-10-90,18-2 0,-28-24 180,-2 4 0,-3-5 0,-3-22-45,-7 9 0,-3-1 135,-7-4 45,-7 3 0,-1 0 135,0-9-597,-3-15 597,-15 19 180,11 6-270,-12 1-180,2 7 0,11 4 180,-11 6 179,14 6-89,-11 7-180,9 21-180,-9 15 90,11 12 90,0 7 327,16-9-507,-12 22 180,29-14-90,-23-9 0,-2 0-180,13 5-135,-7-11 0,0 0-44,4 3-91,7 4-180,4-12 270,-12-11-179,8-1 449,-10-11 90,5-18 0,-9 10 180,1-27 0,-7 26-91,-1-29 631,0 13-450,-3-14 90,2 7-360,-3 28 0,0 10 0,0 25 0,14-16-90,-10 11-630,23-17 270,-12 3-89,0 0-1,12-16 180,-15 4-179,13-5 539,-7 0 0,1-16 0,0-3 0</inkml:trace>
+  <inkml:trace contextRef="#ctx0" brushRef="#br0" timeOffset="95427">5835 11053 8072,'1'-19'900,"0"-2"-450,-1 4-360,-14 5 89,10 20-89,-10 12-180,14 21 90,0-6-179,0 2-91,0-11-540,0 0 91,0-2-91,20 0 810,-15-2 0,36-4 0,-15 0 0</inkml:trace>
+  <inkml:trace contextRef="#ctx0" brushRef="#br0" timeOffset="95646">6188 11025 8972,'0'-18'719,"-20"1"-539,14 2 90,-14 4 180,1 1-180,2 5-270,-15 18 0,9-9 90,10 31-90,5-9-90,8 11-90,0 1-180,0-12-180,19 1-89,-14-3-91,40-3-89,-23-2-115,10-11 1,4-2 923,9 2 0,17-4 0,-18-4 0</inkml:trace>
+  <inkml:trace contextRef="#ctx0" brushRef="#br0" timeOffset="95996">6633 10795 8972,'0'-40'1169,"0"11"-989,-16-8 720,12 21-900,-20 4 90,21 29-90,-5 11 89,2 27-178,4-10-91,-5 21-90,7-29-450,0 27 181,0-29-583,0 8 672,14-18 1,-11-3 89,10-4-360,-13 0 540,0-10 180,0 1 540,-20-8 491,-4-15-761,-21-3 0,11-1 0,11-13-90,-4 27 90,12-31-180,-5 15 90,10-16-180,10 10 90,47-1-180,-15 14-859,5 5 1,2 0 229,13 2-271,6 1 990,0 3 0,2 1 0,-1 1 0</inkml:trace>
+  <inkml:trace contextRef="#ctx0" brushRef="#br0" timeOffset="96299">7347 10894 9691,'-6'0'45,"1"0"0,3 0 0,1 0 0</inkml:trace>
+  <inkml:trace contextRef="#ctx0" brushRef="#br0" timeOffset="96507">7380 11223 9242,'-9'0'0,"1"0"0</inkml:trace>
+  <inkml:trace contextRef="#ctx0" brushRef="#br0" timeOffset="96746">7560 10916 10141,'-9'12'-585,"1"8"1,25 9-1,5 5 1</inkml:trace>
+  <inkml:trace contextRef="#ctx0" brushRef="#br0" timeOffset="96929">7605 11302 9332,'-8'0'0,"1"0"0</inkml:trace>
+  <inkml:trace contextRef="#ctx0" brushRef="#br0" timeOffset="97213">8030 10956 12210,'20'38'-90,"-15"-6"90,29-2-270,-30-4 0,24 1 1,-24 3-181,24 2-270,-24 0 91,22 1-1260,-13 12 719,8-12 1170,-9 8 0,1-18 0,-3-1 0</inkml:trace>
+  <inkml:trace contextRef="#ctx0" brushRef="#br0" timeOffset="97441">8502 10981 9602,'0'-10'1439,"0"4"-1080,-15 3-359,-8 17 90,-13 7-180,-10 22 90,14-8-946,-2 4 767,12-13-581,3 0 220,-2-2-724,-3 6 814,5-17-899,-3 12 1349,10-23 0,4 7 0,4-9 0</inkml:trace>
+  <inkml:trace contextRef="#ctx0" brushRef="#br0" timeOffset="97616">8350 10979 8612,'24'-7'1169,"-5"0"-539,11 7-450,-10 19-90,12 3-180,-10 1 180,4 16-90,-7-22-90,-1 18-90,0-10-1349,5 9 539,-5-8 990,17 14 0,-13-20 0,9 5 0</inkml:trace>
+  <inkml:trace contextRef="#ctx0" brushRef="#br0" timeOffset="97829">9255 10988 9422,'-51'0'1439,"10"17"-1349,-1-13-90,10 28 0,0-29 0,0 29 0,0-17 0,1 17-180,3-6-270,2-1-539,5 1 89,4 0-1618,4 7 2518,6-11 0,4 6 0,3-12 0</inkml:trace>
+  <inkml:trace contextRef="#ctx0" brushRef="#br0" timeOffset="98447">9378 10612 11400,'2'53'990,"0"-9"-900,-2 0-90,0-10 0,0 3 0,0-1 0,0 1 0,0-1 0,0 0-450,0 13 270,0-10-809,0 18 539,0-27 90,0 4 90,9-16 1,-6-4-181,6-3-1349,-9-4 1799,7-4 180,6-31-90,1 21 90,4-38 89,-6 40 1,0-26-180,1 28 0,-2-21 180,0 22-90,-3-7 180,5 9-360,-4 0 180,8 0-90,-4 15-90,10 4 0,-6-1 0,6 13 0,-4-27 0,2 24 0,2-24 0,14 19-90,-7-21 180,23 8 0,-21-10-180,8 0 90,-7-17 0,-10 12 0,5-28 0,-19 9 179,-1-18 1,-8 7 360,-19-7-540,14 19 90,-30-3 90,17 8-90,-2 7 0,-8 1-90,14 8 180,-2 18-270,-2 6 90,16 21-90,-4-7-720,25 16 181,-14-21-901,35 20 811,-35-25-91,33 5 810,-33-14 0,31-4 0,-13-3 0</inkml:trace>
+  <inkml:trace contextRef="#ctx0" brushRef="#br0" timeOffset="98763">10195 11048 9062,'0'-11'1799,"0"3"-1529,-13 2-180,9 22 0,-9 6-90,13 12 0,0-3 0,0-6-90,0-1 269,0 18-179,13-18 0,-9 15 0,19-31 0,-20-18 0,17 5 90,-11-35-269,18 7-1,-9-10-90,-2 13 0,-1 0-180,3-6-809,11-24 629,-13 28 91,3-6-1,-6 18 90,-2 4-359,2 6 809,1 3 0,1 5 0,1 2 0</inkml:trace>
+  <inkml:trace contextRef="#ctx0" brushRef="#br0" timeOffset="99046">10652 11204 7803,'10'10'449,"0"-4"-359,-1-2 0,1-4 0,2 0 180,8-18-180,-5 13 0,13-30 90,-10 10 180,9-19-181,-14 8 91,4 4 360,-11 4-540,0 9 90,-5-3 180,0 10-181,-18 5-179,-5 2 90,-20 25-180,19 7 90,-17 26-89,22-9-541,-5 16 0,10-23-989,13 24 990,0-28-811,24 8 1440,-18-18 0,49-4 0,-17-2 0</inkml:trace>
+  <inkml:trace contextRef="#ctx0" brushRef="#br0" timeOffset="99335">11655 10408 10501,'-38'-4'1259,"3"1"-989,12 3 90,-9 18-180,9-14-90,-7 40-371,12-21 371,1 26-135,6-3 0,0 2-225,2 15-90,1 3 0,3 0 135,4-31 1,2-2-631,8 23 1,6 0-3,-2-22 1,3-3 541,5 10 0,3-2-270,-2-11 1,0-3 584,18 21 0,4-1 0,5-5 0</inkml:trace>
+  <inkml:trace contextRef="#ctx0" brushRef="#br0" timeOffset="100914">12365 10150 9691,'0'-18'450,"0"3"-360,0 3-90,0 4 90,0 2-630,-13 21-179,9 8-1350,-20 26 2069,21-8 0,-8 0 0,11-11 0</inkml:trace>
+  <inkml:trace contextRef="#ctx0" brushRef="#br0" timeOffset="101663">12758 10856 8972,'0'12'1619,"0"-1"-1349,0 10-180,0-5 90,0 16-180,0-9 90,0 12 0,0 4-90,0-7 0,14 23-90,-11-23 180,10 19-90,-13-24-90,0 15 90,0-26-1350,0 4 1170,0-58 91,0 13-91,0-38 180,0 24-923,0-4 923,0-3 0,-1 12 0,2-1 0,16-18 0,-9 10 0,1 2 0,11-3 0,9-7-295,-14 25 475,14 6-227,-6 5 227,0 7-1,-2 3-89,1 4 959,3 17-959,-9-12 418,2 45-418,-14-28-180,-1 41 90,-22-31 158,14 10-698,-30-8 1,13-8-811,-15 7 271,15-17 1079,-6-3 0,25-9 0,-8-3 0</inkml:trace>
+  <inkml:trace contextRef="#ctx0" brushRef="#br0" timeOffset="101963">13268 10736 8432,'7'22'720,"0"8"-450,-3-26-1,-1 27 1,-1-26-270,-2 30 90,1-22 0,-1 15 0,0-7-90,0 7 0,0-7 0,1 8 90,-1-14 0,2 0 90,-2-8-180,2-1 0,-2-3 0,1-1 90,2-1-180,3-17 90,1-9 0,8-27 0,-4 6-1226,5-5 866,-6 12-180,1 0-89,-1 2-811,4-10 361,-4 13 1079,0-3 0,-3 17 0,0 4 0</inkml:trace>
+  <inkml:trace contextRef="#ctx0" brushRef="#br0" timeOffset="102229">13685 10873 9781,'0'1'1080,"0"8"-1170,0 23-180,0-1-180,0-7-809,0 7 629,0-7-719,0 11 360,0-18 989,0 1 0,0-12 0,0-3 0</inkml:trace>
+  <inkml:trace contextRef="#ctx0" brushRef="#br0" timeOffset="102371">13743 10572 8252,'0'-7'0,"0"3"0,0 2 0</inkml:trace>
+  <inkml:trace contextRef="#ctx0" brushRef="#br0" timeOffset="102601">14010 10784 9062,'-21'5'1349,"4"1"-539,-10 9-810,20-3 0,-30 19 0,23-11-180,-6 20-90,8-15-810,5 20 181,7-20-1,0 7 900,26-6 0,6-9 0,25 4 0</inkml:trace>
+  <inkml:trace contextRef="#ctx0" brushRef="#br0" timeOffset="102951">14278 10904 9152,'-23'-7'719,"5"0"-719,6 3 450,9 2-450,14 0 90,12 1-180,25 1 180,-7 0-180,-6 0 180,-6-13-180,-8-2 180,-11-15-90,0 1 270,-10 4-180,0 3 360,-19 6-181,-5 8-179,-24 0 90,12 8-180,-1 16 180,5 6-180,11 21 0,1-7-360,14 1-989,34 3 450,-4-10 899,24-2 0,8-3 0,-23-13 0,0-1 0,21 5 0,1-1 0</inkml:trace>
+  <inkml:trace contextRef="#ctx0" brushRef="#br0" timeOffset="103713">14947 10170 9961,'0'-6'810,"0"2"-1890,0 20-89,0 6-270,0 12 1439,0-1 0,0-5 0,0 1 0</inkml:trace>
+  <inkml:trace contextRef="#ctx0" brushRef="#br0" timeOffset="104513">15625 10795 10411,'17'15'720,"-13"6"-540,26-7-180,-27 4 0,20 2 0,-11 5 0,0-4 0,-3 7-630,-9 3-90,0-5-1528,-24 20 629,17-18 1400,-45 9 1,29-11 0,-26-2 0</inkml:trace>
+  <inkml:trace contextRef="#ctx0" brushRef="#br0" timeOffset="105103">16362 10226 9062,'-27'-1'3688,"6"0"-3688,22 11 0,14 3-90,22 10 180,-4-2-90,1 2 0,-7-4 0,2 4-421,1 0 421,2 4 0,9 11 0,-11-7-3183,11 20 3183,-22-20-90,-1 8 90,-13-12 0,-3-1-180,-2 1-270,-21 9 0,-11-8-315,4-6 1,-3-1-315,-17 1-1530,2 6 2609,11-16 0,19-1 0,-2-5 0</inkml:trace>
+  <inkml:trace contextRef="#ctx0" brushRef="#br0" timeOffset="105651">15773 9759 10141,'-14'38'0,"10"3"0,-11-11-90,2 1-359,10-10-1,-9-1 0,12-3-449,0 6-271,0-9 631,0 3 539,17-12 0,-13-2 0,13-3 0</inkml:trace>
+  <inkml:trace contextRef="#ctx0" brushRef="#br0" timeOffset="105763">15908 9823 8252,'5'-6'-270,"-1"22"-449,-4 6 719,0 33 0,0-7 0,0 3 0</inkml:trace>
+  <inkml:trace contextRef="#ctx0" brushRef="#br0" timeOffset="106062">16962 10071 9422,'7'13'-3239,"-17"5"3239,6 9 0,-13-9 0,17-9 0</inkml:trace>
+  <inkml:trace contextRef="#ctx0" brushRef="#br0" timeOffset="106197">17048 10048 8612,'19'0'270,"-1"0"-270,-9 15-1619,8 9 1619,-11 7 0,8 6 0,-7-8 0</inkml:trace>
+  <inkml:trace contextRef="#ctx0" brushRef="#br0" timeOffset="106846">17907 10586 11041,'19'15'539,"16"-12"-629,-30 29 90,27-18 0,-29 17 0,9-5-179,-2 2-271,-8 3-180,8 2-1349,-39 18 540,5-11 1075,-1-13 0,-2-2 1,-15 10-1,-3-1 0</inkml:trace>
+  <inkml:trace contextRef="#ctx0" brushRef="#br0" timeOffset="107347">18635 10217 9781,'4'-13'540,"0"0"-180,1 1-270,2 1 0,2 0 0,1 3 0,1 2-90,-1 2 0,8 3 0,-5 1 90,8 17-90,-9-13 90,-1 32-180,-7-8 90,-1 9-90,-3 15-90,-23-23 90,4 20 90,-7-24-90,-4 12 90,27-19 0,-13 3 0,16-4 90,0-4-180,0 7 90,0-9 90,14 6 0,-10-10-90,10 3 0,-14-5 90,0 1-540,0 4 0,-22-2-1259,-6 9 720,1-5-270,-21 5 1259,42-6 0,-34-1 0,21-1 0</inkml:trace>
+  <inkml:trace contextRef="#ctx0" brushRef="#br0" timeOffset="107713">19243 10241 9691,'-17'-8'1530,"12"2"-1081,-30 3-269,15 2 0,-1 17-180,-10-12 0,27 32 90,-26-5 0,21 9-270,-6 15 180,9-21-90,25-9 0,6-1 90,7 2 0,2-11 0,6-2-45,0-5 0,0-3-159,26 2 204,-6-3 0,-1-5 0,-24-7 0,0-3 0,19 0 0,-2-1-640,2-12 595,-23 3 0,-2 0 45,-1 4-90,-6-21-90,-13 11-180,-3-12 90,-25 10-449,-13-14-1,-10 23 45,9 8 1,0 2-225,-9 5-361,-11 1 1260,21 4 0,15 19 0,5 6 0</inkml:trace>
+  <inkml:trace contextRef="#ctx0" brushRef="#br0" timeOffset="108067">20377 10342 9152,'-20'-23'2338,"-7"2"-2248,-26 6-90,11 5 90,-2 6-90,14 4 0,2 0 0,4 16 0,-3 6-180,15 18 90,0 2-179,40-8-57,-5-13 146,27 2 180,-9-20 0,4 19 0,-11-20 0,0-2 0,18 9 0,-11-7 0,-2-4 0,2-12 0,4 10 0,-22-26 0,-7 26 90,-7-33-180,-5 8 90,-4-11-270,-21-11 0,15 21-815,-36-6 275,36 14 1,-37 4 179,38 5 630,-37 6 0,24 3 0,-19 4 0</inkml:trace>
+  <inkml:trace contextRef="#ctx0" brushRef="#br0" timeOffset="108413">21032 10314 9152,'-34'-11'1259,"-17"8"-809,30-8-270,-23 5-90,10 5-90,1-5 90,-9 6 89,12 15-179,-4 4 0,16 0 90,10 27-90,2-28-90,31 24 90,14-12 0,16-10-466,-14-5 1,1-2 465,14-4 45,0-4 0,1-1-45,-2-4-45,-13 2 0,-4-4 45,-8-18 90,-5 15-270,-3-31-90,-12 11-89,0-6 89,-10-3-450,0 11-89,-26-1-1710,-5-7 2519,-16 7 0,5-5 0,10 11 0</inkml:trace>
+  <inkml:trace contextRef="#ctx0" brushRef="#br0" timeOffset="108696">21743 9630 10771,'26'19'809,"-1"-14"-179,12 36-450,-11-10-180,9 13 45,-21-12 0,-2 0-45,5 12-90,-9-3 0,-2 2-270,-2 11-984,-11-4 0,-6 1 984,-4-19 0,-3 0-90,-4 10 1,-3 0-136,-4-10 1,-2-3-136,4 1 0,0 1 720,-2 0 0,-2-1 0,-2 0 0,-1-1 0,-1 0 0,-1 0 0</inkml:trace>
+  <inkml:trace contextRef="#ctx0" brushRef="#br0" timeOffset="109565">7355 12776 9512,'-9'-7'1619,"1"1"-1080,3 0 1,4 0 180,-4-1-630,5 3 0,20-3-90,12 6 0,13-3 0,7 4-360,-17-1 0,0 1-1545,22 0 1500,-20-1 1,2 2-541,-1 6 1,-2 1-315,17-4 1259,-11 11 0,-1 2 0,-1 1 0,9 16 0</inkml:trace>
+  <inkml:trace contextRef="#ctx0" brushRef="#br0" timeOffset="109879">7915 12524 10141,'-9'-6'630,"0"1"-450,1 2-180,1 2 539,1-1 91,2 2-630,2 15 0,17-12 90,-11 27-90,28-26 0,-28 28 0,32-17 0,-31 15 0,42 1 0,-31-7 0,26 15-90,-30-15 90,0 17-270,-12-14 90,0 9-719,-22 5 179,-12-8-180,4-4 1,-3 0-360,-18 6 1007,24-12 0,3 1 0,-5 9 1,2 0-1</inkml:trace>
+  <inkml:trace contextRef="#ctx0" brushRef="#br0" timeOffset="110496">9075 12671 9242,'-10'-5'1439,"0"0"-1079,-17 0-90,8 2-181,-15 1-89,11 1 90,-13 15-90,14 4 0,-3 0 0,10 14 90,7-9-90,2 18-90,33-18 0,-3 7 1,26-27-1,-9 19 0,6-20-45,-11 3 0,0-1 45,19-4 45,-11 2 0,-2-4-45,2-18-180,11-2 0,-36-19 270,-2 10-270,-17 3-89,0 8 89,-24 2-270,18 2-90,-45 2-1169,15 0 1799,-13 6 0,4 1 0,14 7 0</inkml:trace>
+  <inkml:trace contextRef="#ctx0" brushRef="#br0" timeOffset="110849">9550 12607 9781,'4'0'450,"0"0"-360,-1 14-90,0-10 90,0 24-90,1-24 0,0 27 0,1-17 90,0 14-90,1 1 0,-1-8 90,2 11-90,-3-16 270,1 3-270,-3-12 0,3-2 0,2-3 90,2-19-180,5 13 90,2-34-90,4 19 90,11-40 90,-7 20-270,-5 5 0,-1-1-270,1-4-540,-2 4 1,-1 3 360,-4 3 629,13-7 0,-17 29 0,5 4 0</inkml:trace>
+  <inkml:trace contextRef="#ctx0" brushRef="#br0" timeOffset="111212">10205 12842 10411,'0'-31'90,"0"1"-90,16 1 0,-12 5 0,13 1 0,0 8 0,-12 0 0,13 1 0,-8-1 0,-7 1 0,7-2 0,-10 4 180,0-5 0,-21 10 90,2-2-1,-17 6-269,8 1 270,14 16-270,-3 4 90,15 15-180,-4 1-1619,47 9 630,-30-14-360,29-10 0,6-3 1439,-18-2 0,5-6 0,2-1 0,4 1 0</inkml:trace>
+  <inkml:trace contextRef="#ctx0" brushRef="#br0" timeOffset="111812">10075 12229 9691,'0'-7'3239,"0"2"-2970,19 2 1,0 21-180,3 5 0,12 1-90,-12 27 0,11-30 45,-12 11 0,-2 2-45,6 0-1587,7 13 1138,-10-14-181,1 1 0,-1 1-89,-1 0-266,-2-1-4,0-1-1413,4 7 2402,-6-10 0,3 2 0,-9-13 0</inkml:trace>
+  <inkml:trace contextRef="#ctx0" brushRef="#br0" timeOffset="112096">10768 12247 10141,'0'-3'1349,"0"-1"-629,-15 3-630,-5 19-90,-15 9-90,5 11-1118,-1 1 1208,5-7-90,-2 1-90,1-1-180,1 1-432,0-2 252,2 1 90,1-4-89,2 0-386,3-4 205,2-2-209,-2 4 479,7-11 676,-1 1 0,7-10 1,1-4-1</inkml:trace>
+  <inkml:trace contextRef="#ctx0" brushRef="#br0" timeOffset="112311">10477 12330 8972,'12'-17'1349,"-3"3"-809,10 4 89,-7 3-269,0 4 180,1 1-270,2 2-180,9 17 0,-2-13-90,6 31 90,7-10-90,-10 8-720,21 14 270,-20-19-989,17 20 540,-17-22-554,7 9 463,-10-13-601,0-2 1591,1-3 0,2-2 0,1-3 0</inkml:trace>
+  <inkml:trace contextRef="#ctx0" brushRef="#br0" timeOffset="112512">11325 12306 9512,'0'-11'1169,"0"2"-719,0 3 629,-17 3-989,-6 20-90,-15 10 0,7 9-316,3 4-44,9-7-90,-1 2-180,2 1-359,3 0-1530,3 13 2519,4-12 0,3 10 0,2-15 0</inkml:trace>
+  <inkml:trace contextRef="#ctx0" brushRef="#br0" timeOffset="113212">11545 12210 9781,'3'-5'1619,"-1"1"-1079,-1 2-540,1 0 180,0 2-90,3 16 0,-2-13-90,2 32 90,0-18-90,3 34 0,-4-17 0,-1 28 0,-3-24-710,0 12 710,0-16 90,0 1-180,-16-2-73,12 13-17,-12-14 90,4 13 0,9-24-630,-9 6 451,12-35 883,19-5-614,1-30 0,3 6-635,11-2 635,-29 11-249,38-10 339,-30 12 90,28-11-90,-25 21 90,9 1-90,-11 11 0,7 4-90,-9 18 0,3-13 0,-5 31 0,-1-31 0,2 32 0,1-12 0,-2 9-270,7 4 90,-6-18 695,6 3-875,-3-11 448,3-5-358,0 0-90,14-6 181,-9 3-91,17-22 180,-18 13 90,7-28 90,-15 9 180,-2-28-91,-8 15 361,-2-13-360,-22 30 180,15-7-90,-35 16-180,24 2 0,-17 7-90,20 18 89,-3 5-89,15 19-89,-4-7-631,6 11 90,18-19-359,-13 7 89,32-12-89,-33-4 989,36-1 0,-22-3 0,18-1 0</inkml:trace>
+  <inkml:trace contextRef="#ctx0" brushRef="#br0" timeOffset="113546">12430 12467 9062,'-18'-4'2608,"14"-1"-2518,-14 21-90,18 1 0,0 21 90,13-2-180,-9-6 90,9 4 0,-3-15 0,-8 1 0,8-9 0,-10-1-90,4-5-90,5-42 180,1 15-179,5-35 89,-3 26-180,2-1-585,1 2 1,0 0 134,4-7-45,-1 6 1,0 3 764,-2 9 0,4 0 0,-5 12 0</inkml:trace>
+  <inkml:trace contextRef="#ctx0" brushRef="#br0" timeOffset="113846">12782 12698 8612,'12'0'270,"3"0"90,12-40-270,-6 31 0,-2-27 0,0-2 89,0 17 271,4-38-180,-11 31 0,-3-7 0,-6 14-180,-2 2 0,-1 3 0,0 3 449,0 4-269,-21 4-270,2 3 0,-18 17 90,20 7-180,-6 20 0,21-3-180,-8-1-179,10-8-271,0-2-179,28 0-900,8 10 90,20-12 1535,0 5 0,-5-16 1,2-2-1</inkml:trace>
+  <inkml:trace contextRef="#ctx0" brushRef="#br0" timeOffset="114862">14343 11929 9242,'-39'-2'2069,"-8"19"-1980,6-12-412,-4 34 503,12-19-90,1 21-90,10-13 0,2 1 0,-8 20-807,11-16 1,3 1 896,4 17-360,5 1-270,5 1-225,14-15 1,3 0-46,9 17-539,11-9 0,6-2 1349,-15-19 0,0-2 0,12 7 0,0-2 0,-9-10 0,0 0 0</inkml:trace>
+  <inkml:trace contextRef="#ctx0" brushRef="#br0" timeOffset="116080">15507 11913 9422,'0'-20'1259,"-19"3"-989,15 2 90,-15 2-271,8-1-89,8 5-89,-8 2-2250,4 5 720,1 20 1619,-2 1 0,4 17 0,4-5 0</inkml:trace>
+  <inkml:trace contextRef="#ctx0" brushRef="#br0" timeOffset="116221">15472 11906 9062,'0'29'-90,"-14"-13"-450,10 17-2068,-10-2 2608,14 8 0,0 4 0,0-11 0</inkml:trace>
+  <inkml:trace contextRef="#ctx0" brushRef="#br0" timeOffset="116481">16027 12254 9332,'-24'-10'2068,"-7"2"-1978,-24 8 0,13 0 0,-5 0-90,21 19-270,1 2-179,13 22-181,9-11-89,23 1-721,11-2 721,12-9 40,-10-6 1,0-2-1,11-5 1,17 0 0</inkml:trace>
+  <inkml:trace contextRef="#ctx0" brushRef="#br0" timeOffset="117047">16263 12342 9062,'-20'-23'1259,"0"3"-1169,-4 6 360,-7 7-450,18 4 0,-6 18 0,10 1 0,9 18-90,18-17-90,-13 15-180,33-28 0,-33 22 91,41-23-1,-24 15 180,23-16-90,-12 5 0,0-7 270,-2 0-180,-3 0 180,-1-16-90,1-3 180,-9-1 180,0-13 269,-14 12-539,-2-14-90,-3 7 450,-16 13-450,12 25 0,-11 9-270,15 20-270,20-5-179,3-2 449,22-14-90,-11-7-90,14-11 360,-19 0 180,21-19-90,-23-8 0,6-11 90,-15-2 0,-6 8 90,-2-1 180,-6-18-90,0 11-649,-3-11 829,-1 17-1,0 2-378,-16-6-71,13 13 90,-13-1 1259,16 13-1349,0 27 0,0 9 0,0 16 90,0 3-630,16 11 270,-12-13-270,11-4 1,2 0-181,-3 4-135,0-8 1,0 0-45,-1 2-1,-3 6 900,-4-18 0,-4-5 0,5-3 0</inkml:trace>
+  <inkml:trace contextRef="#ctx0" brushRef="#br0" timeOffset="117212">16677 12217 8972,'-9'-16'180,"7"-3"-90,-7 3-90,28-1 0,8 11-360,13 0-270,2 6 1,-3 0-1170,14 20 1799,-8 2 0,9 2 0,-17-6 0</inkml:trace>
+  <inkml:trace contextRef="#ctx0" brushRef="#br0" timeOffset="117484">17138 12439 8972,'0'-14'630,"20"13"-541,-16-30-89,31 11-89,-16 3 178,10-16-89,-12 15 90,-7-8 0,-10-2 0,0 12 90,-17-5-90,13 12 180,-26 0-180,12 7-90,-13 2 90,14 15-90,-7 5 0,22 21-900,-9 3 91,37-6-1440,4 10 2249,15-23 0,-3 8 0,-8-13 0</inkml:trace>
+  <inkml:trace contextRef="#ctx0" brushRef="#br0" timeOffset="117713">17710 12375 8702,'41'0'180,"-5"0"-270,-2 0 0,-6 0-360,0 0-899,14 0 1349,-9 12 0,10-9 0,-13 10 0</inkml:trace>
+  <inkml:trace contextRef="#ctx0" brushRef="#br0" timeOffset="117979">18278 12302 10231,'3'14'900,"0"6"-720,1-9-180,-1-1-90,3 18 90,-1-17-450,2 16-899,0-4 449,0-6-1259,1 10 2159,-3-14 0,1 2 0,-3-7 0</inkml:trace>
+  <inkml:trace contextRef="#ctx0" brushRef="#br0" timeOffset="118163">18323 11916 9152,'0'-5'-1619,"0"18"269,16-11 1350,-12 31 0,25-29 0,-13 12 0</inkml:trace>
+  <inkml:trace contextRef="#ctx0" brushRef="#br0" timeOffset="118597">18703 12133 9062,'-14'-13'1709,"-6"3"-1349,-7 10-180,-1 0-91,8 0-89,2 21 90,2-16-90,2 45 0,4-30 0,4 38-90,3-29 1,22 10-181,-14-15-90,34-2 0,-34-2 90,39-5-90,-25-3 181,21-6-91,-11-2 180,-2-4 0,1 0-180,7-22 270,-10 17 0,5-52-90,-20 34-399,0-30 489,-9 19 90,1-3 0,-2 0 269,0-2 1,-20 0 90,15 1-23,-32-10-338,33 16-89,-13-4 540,6 20 450,9 6-900,-9 25-90,11 11 0,0 14-360,17 22-180,-12-20-944,9 3 0,3 2 45,2 0 1439,-11-10 0,3-2 0,19-2 0,-11-2 0</inkml:trace>
+  <inkml:trace contextRef="#ctx0" brushRef="#br0" timeOffset="118869">19372 11723 9332,'0'31'-840,"0"-14"1,0-5-1</inkml:trace>
+  <inkml:trace contextRef="#ctx0" brushRef="#br0" timeOffset="119015">19473 11690 9242,'28'0'899,"-2"0"-899,-11 18 0,4-14-539,-11 46-541,2-27 1080,-5 10 0,-2 4 0,-2 5 0,-1 16 0</inkml:trace>
+  <inkml:trace contextRef="#ctx0" brushRef="#br0" timeOffset="119446">19970 12380 9512,'9'0'0,"0"0"90,-2 0-90,0 0 89,0 12-178,-2 5-541,-2 8-719,-3 15 449,-26-11 900,20 12 0,-49-10 0,18 1 0</inkml:trace>
+  <inkml:trace contextRef="#ctx0" brushRef="#br0" timeOffset="120515">20698 11808 8972,'38'-12'809,"-2"1"-539,-9 0 180,1 1-180,-3 0 0,-2 1-90,-4 2-1,-5 2-89,-3 1 450,-2 1 90,-5 1-540,-14 0-90,-4 2 0,-2 17 0,-13-2 0,13 19 0,-17-5 0,12-3 0,1 2 0,-9 16-1696,6-6 0,2 1 1696,4 5 0,0 13-79,14-20 79,2-1 0,1-3-90,20-2 0,-15-4 0,45-3 0,-2 3 0,17-12-532,-16-7 0,-1-1 622,13-4 0,-20-2 0,-2-1-129,10 0 39,-4-16 90,-8 12-90,0-26-90,-15 9 2718,-4-14-2538,-14 7-270,-25-5 180,-14 23 2,-10-10-272,6 18 1,0 2-91,-12-6-270,6 15 1,-1 2-181,-5-6 900,12 19 0,3 4 0,2-6 0,-5 29 0</inkml:trace>
+  <inkml:trace contextRef="#ctx0" brushRef="#br0" timeOffset="121013">21723 11429 9691,'14'-5'90,"-10"-3"180,10 5-270,-6-1-360,-6 25-989,6 3 0,-8 21 1349,-14-5 0,10-3 0,-11-3 0</inkml:trace>
+  <inkml:trace contextRef="#ctx0" brushRef="#br0" timeOffset="121149">21898 11462 9062,'14'0'0,"0"14"0,-5-10-540,0 29-359,-4-14-720,-3 21 1619,0-2 0,-2 6 0,0 4 0</inkml:trace>
+  <inkml:trace contextRef="#ctx0" brushRef="#br0" timeOffset="121913">7897 13869 9062,'-13'0'540,"1"0"-91,6 0 1080,0 0-1079,4 11-360,18-9-90,12 16 0,11-17 90,9 6-180,-9-1-540,-5-2 1,0-1-271,17 7-314,-7-4 0,0 0-526,5 3 1460,14 3 1,-22-1 0,-1-1 0</inkml:trace>
+  <inkml:trace contextRef="#ctx0" brushRef="#br0" timeOffset="122229">8417 13792 8792,'0'-8'720,"0"1"-451,0 0 181,0 1-180,12-1 0,-9 0-90,20 2 0,-20 0-90,19 3 179,-3-1-179,5 2 90,7 1-90,-13 0-90,2 0 180,-9 0-90,-1 15 90,-2-11-180,-1 11 0,-4 0 0,-1 1 0,-2 10-270,0-2-809,-19 7 449,-4-6-89,-1 9-361,-12-8-89,31 0-366,-30 1 1535,31 0 0,-28 0 0,14-1 0</inkml:trace>
+  <inkml:trace contextRef="#ctx0" brushRef="#br0" timeOffset="122757">9372 13869 9152,'-23'-13'809,"-14"-2"-719,6 6 0,-24 2-90,8 5-1210,2 2 1210,15 15-59,3-11 59,4 27 0,4-7 0,9 9-540,3 9 90,27-16 90,-15 3 91,45-11 89,-25-10 0,28 6 180,6-12 90,-15 5-90,22-7 180,-34-19 179,3 1-89,-16-4 572,-11-8-303,0 10-449,-8-15-90,0 8 692,-17 8-692,13 27 366,-22-8-366,23 43 0,-7 0 0,10 14 0,-2-14 0,4-1 90,14 11-783,-14-19 1,0 0 692,14 11 0,-2-3-96,-11-3-84,10-4-90,-13-4-90,0-4-449,0 4 269,0-12-629,-17 1 359,-5-15 1152,0-19 1,3-11-1,19-18 1</inkml:trace>
+  <inkml:trace contextRef="#ctx0" brushRef="#br0" timeOffset="123279">9678 14188 8072,'46'-16'270,"-2"2"-180,-2 2 0,-1-2 180,11-2-180,-14 1 270,17-9-360,-29 9 0,4-12 90,-19 11 0,-3-8 0,-7-1 179,-1 6 1,-21-14-270,16 16 180,-30-8-90,15 15-90,2 0 0,-15 7 180,13 2-180,-11 16 0,12 7 0,9 20 0,10-5-90,0 3 0,22-12-270,-16 0-45,24-11 1,5-1 44,-7 6 180,3-11 0,3-3-90,25 5 90,-14-12 45,-8 4 1,-2-3 224,3-21-90,6 15 0,-19-34 269,-5 21-179,-5-19 360,-3-10-360,-7 7 135,-2 3 0,-2-1-45,-1-8 224,-9 6 1,-1-1-45,6-3 90,-15-14-1,6 11-449,10 16 360,-20-12 270,21 27-450,-7 17-180,27 23 0,-13 13-45,11-5 0,0 0 45,-12 14-135,9-4 0,0 0-315,-10 9-1051,8 13 1052,-2-23 89,-6-4-360,6-3-899,-3 8 900,-4-13-1058,5 8 1777,-6-22 0,0-2 0,-1-10 0</inkml:trace>
+  <inkml:trace contextRef="#ctx0" brushRef="#br0" timeOffset="123397">10223 13915 8612,'0'-20'270,"0"0"-270,0 3-90,0 0 90,26 2-90,-19 2-540,48 2 1,-30 3 629,10 6 0,2 1 0,10-2 0,16 3 0</inkml:trace>
+  <inkml:trace contextRef="#ctx0" brushRef="#br0" timeOffset="123671">10940 13577 9422,'-23'0'809,"2"0"-179,-10 20-630,9-14 270,-14 46-270,19-29 0,5 10 0,3 3-90,3 4-180,1 14-720,28 2 181,-18-14-91,23-8 1,4-2 899,-7 3 0,2-14 0,3-1 0,4 3 0</inkml:trace>
+  <inkml:trace contextRef="#ctx0" brushRef="#br0" timeOffset="123929">11322 13655 9691,'14'-6'1350,"7"3"-1080,19 1-270,-7 22 0,2-15 0,-11 35 0,8-12 0,-9 11 0,2 2-90,-11 5-180,-7-10-1079,-2 30 359,-24-27-314,6-5 0,0-1 1065,-11 4 1,-18 9 0,15-18 0</inkml:trace>
+  <inkml:trace contextRef="#ctx0" brushRef="#br0" timeOffset="124129">12075 14030 9961,'0'0'0</inkml:trace>
+  <inkml:trace contextRef="#ctx0" brushRef="#br0" timeOffset="124363">12108 14263 9332,'0'7'1529,"11"2"-900,0 1-539,3-2 90,0 5-180,-7-5 0,3 5 90,-3-2-90,-5 2-90,-1 2-180,-18 14-179,13-4-451,-22 1 1,-5 1-720,2 7 1475,-3-9 1,-3-1 0,-16 10 0,-4 2 0</inkml:trace>
+</inkml:ink>
+</file>
+
+<file path=ppt/ink/ink22.xml><?xml version="1.0" encoding="utf-8"?>
+<inkml:ink xmlns:inkml="http://www.w3.org/2003/InkML">
+  <inkml:definitions>
+    <inkml:context xml:id="ctx0">
+      <inkml:inkSource xml:id="inkSrc0">
+        <inkml:traceFormat>
+          <inkml:channel name="X" type="integer" min="-2.14748E9" max="2.14748E9" units="cm"/>
+          <inkml:channel name="Y" type="integer" min="-2.14748E9" max="2.14748E9" units="cm"/>
+          <inkml:channel name="F" type="integer" max="32767" units="dev"/>
+        </inkml:traceFormat>
+        <inkml:channelProperties>
+          <inkml:channelProperty channel="X" name="resolution" value="1000" units="1/cm"/>
+          <inkml:channelProperty channel="Y" name="resolution" value="1000" units="1/cm"/>
+          <inkml:channelProperty channel="F" name="resolution" value="0" units="1/dev"/>
+        </inkml:channelProperties>
+      </inkml:inkSource>
+      <inkml:timestamp xml:id="ts0" timeString="2021-10-01T04:01:44.531"/>
+    </inkml:context>
+    <inkml:brush xml:id="br0">
+      <inkml:brushProperty name="width" value="0.09071" units="cm"/>
+      <inkml:brushProperty name="height" value="0.09071" units="cm"/>
+      <inkml:brushProperty name="color" value="#FF0000"/>
+    </inkml:brush>
+  </inkml:definitions>
+  <inkml:trace contextRef="#ctx0" brushRef="#br0">2537 1644 9152,'0'-13'1619,"0"2"-1079,0 3-361,0 2-89,0 0 1170,0 2-1170,0 23-90,0 9 90,0 33-90,12-10-1330,-9 7 1060,10-11-269,-13 1-91,0 3-45,0-14 1,0 1-316,0 21-179,1-10 0,-2 0 1169,-12 6 0,11-20 0,0-2 0,-11 12 0</inkml:trace>
+  <inkml:trace contextRef="#ctx0" brushRef="#br0" timeOffset="171">2318 2192 9062,'-12'-17'899,"3"3"-719,1-6-180,5 8 0,0-7-90,29 8-1079,11-2 449,17 5-1620,4 0 1069,-6 5 1271,2 0 0,5 3 0,0 0 0</inkml:trace>
+  <inkml:trace contextRef="#ctx0" brushRef="#br0" timeOffset="549">3115 2064 9332,'-44'17'1349,"6"-3"-1259,5-14 0,7 0 90,3 0-180,-3 10 0,5 0 90,5 22-90,8-12-90,8 18 180,0-21-180,22 14-90,3-16 0,2 2 90,16-9 0,-25-3 0,21-3 90,1-2 0,-11 0-90,17-18 90,-23-3 180,6-21 90,-16 22 270,-3-16-361,-6 18-179,-4-9 90,0 7-449,0 29-91,0 5 0,15 7-269,-11 11-901,40-12 451,-24 1 995,29 7 0,-16-25 0,4 9 0</inkml:trace>
+  <inkml:trace contextRef="#ctx0" brushRef="#br0" timeOffset="816">3790 2103 9512,'-21'-11'989,"0"2"-989,-4 4 90,-7 3 90,15-3-90,-10 20 0,12 0-90,27 14-90,16-4 180,24-4-180,-7-9 90,1-6 0,-15-6 0,-3 0 0,2 0 0,-16-19 0,0 1-360,-14-19-180,-26 20-269,20-9-91,-44 23-179,29-10 1079,-22 6 0,10 6 0,0-6 0</inkml:trace>
+  <inkml:trace contextRef="#ctx0" brushRef="#br0" timeOffset="984">3368 2755 9602,'-8'5'89,"-1"-2"-89,0 0-539,2-3-1530,3-17 2069,1-2 0,24-1 0,5 6 0</inkml:trace>
+  <inkml:trace contextRef="#ctx0" brushRef="#br0" timeOffset="1350">4273 2166 9062,'5'-2'1169,"1"0"-989,-2 2 0,2 0 0,-1 0-90,2 14-90,3 4-90,-2 0 180,2 13-90,-3-16 0,1 15 0,-3-7 0,0 7 0,-3-7 90,1 9 180,-3-16-180,3 0-360,11-66 90,6 21-45,-2-17 0,2-3-495,12 4-45,-9 9 1,-1 1-640,7-6 55,7-5 1349,-10 18 0,1 5 0,1 2 0</inkml:trace>
+  <inkml:trace contextRef="#ctx0" brushRef="#br0" timeOffset="1754">5223 2078 9242,'-34'0'989,"1"0"-809,-1 0-90,-12 0-90,12 0 90,-7 15-90,18-12 0,5 26 90,7-26-180,2 35 180,6-23-180,22 28-90,-13-24-90,56 5 90,-35-11 0,33-6 1,-8-2 179,-14-5 0,20-15 0,-31-5 269,8-17 271,-25 6 360,1-8-900,-11 10 0,0 0-1350,0 28-89,0 19-630,0 16 2069,0 6 0,23-7 0,7 2 0</inkml:trace>
+  <inkml:trace contextRef="#ctx0" brushRef="#br0" timeOffset="2466">6535 1844 10141,'-6'16'810,"0"3"-720,6 20-90,0-7 90,16 2-90,-12-11 90,25 0-90,-25-2-90,27-2 180,-16-2-180,14-2 180,4 0-90,-9-8 0,18 0 0,-21-7 0,15-15 0,-21-7 0,4-9-90,-11-2 180,-2 6-180,-2-1 90,-3 1 90,-1-1 89,0 2 1,0-5-180,-16 10 0,12-4 0,-13 33 0,17 4-269,15 8-271,-11 15 0,23-20-269,-24 17-91,26-11-179,-16-2-360,15 0 1439,-5-9 0,1 8 0,0-5 0</inkml:trace>
+  <inkml:trace contextRef="#ctx0" brushRef="#br0" timeOffset="2766">7202 1857 9062,'-22'-6'1619,"5"22"-1619,17 1 0,0 15 0,0-1 0,19-6 0,-15 0 0,15 1 90,-4-1-180,-11-1 90,10-2 90,-3 3 0,-4-9 0,10 5-180,-10-14 90,0-1 0,-3-26-90,4-6-90,-2-12-270,4 0-89,-2 7-181,0-1-90,1 1 181,-1 1-91,1 2 720,0 3 0,1 3 0,2 2 0</inkml:trace>
+  <inkml:trace contextRef="#ctx0" brushRef="#br0" timeOffset="3066">7683 2082 7982,'16'8'0,"0"-2"90,3-6 90,0-19 0,10-8 90,-7-12-90,-4 10 0,-1 0 0,2-10 179,-6-6 1,-3-2 0,-2-2 0,-3 0 0,-2 0-90,-3 5 44,-10 9 1,0 1-315,5 0 0,-34-4 270,35 20 90,-15 6-270,8 6 0,8 21-90,-16-11 0,17 60-90,-6-30-2146,5 14 0,6 4 1517,14 5 269,-17-19 0,4-1-1438,36 15-1,-19-2 1889,24-2 0,-5-1 0,3-4 0</inkml:trace>
+  <inkml:trace contextRef="#ctx0" brushRef="#br0" timeOffset="3328">8752 1833 10141,'-17'16'0,"4"-4"0</inkml:trace>
+  <inkml:trace contextRef="#ctx0" brushRef="#br0" timeOffset="3470">8797 1980 9242,'-14'5'-720,"11"-1"-269,-10 0 989,13-2 0,0 0 0,0 1 0</inkml:trace>
+  <inkml:trace contextRef="#ctx0" brushRef="#br0" timeOffset="4683">10215 1716 9512,'0'41'719,"0"-8"-539,0 2-90,0-5-90,0 4 0,0 2 0,0 3 0,0-3 0,0 3 0,0-4 0,0 0 0,0-2 0,0-3 0,0-4 90,0 1-90,0-11 0,0 1 0,0-35-90,0-28 90,0-8-2126,0 8 1,0-1 2125,0-8 0,0 18 0,0 0 648,0-16-648,0 1-90,0 2 90,0 3 0,19 6 0,-14 6 90,46 0 0,-31 15 0,40 3 0,-30 14-90,11 3 0,-16 19 0,0-14 90,-4 33-90,-5-34 0,-2 37 90,-7-23-180,-2 32 90,-4-20-360,-25 21 0,-5-23-652,-16 4 293,4-14-361,9-4 2720,3-3-1640,2-6 0,13-2 0,3-3 0</inkml:trace>
+  <inkml:trace contextRef="#ctx0" brushRef="#br0" timeOffset="4986">10885 1530 8522,'5'23'1439,"0"11"-1169,-3-12-90,0-2-180,-1 16 90,1-23 0,1 16-180,0-9 180,0 11-90,0-8 0,2 14 0,-1-16 0,1 8 0,-2-13 90,0-2-90,-1-6-90,0-4 90,0-2 0,1-1 90,0-1-180,5-21 0,-3-4-450,9-29 181,-6 12-690,4-4 689,-4 16-591,0 0 231,0 4 703,4-2 1,1 11 0,3-1 0</inkml:trace>
+  <inkml:trace contextRef="#ctx0" brushRef="#br0" timeOffset="5333">11658 1786 8972,'-24'-21'1079,"4"5"-809,-25 5-90,10 8-90,-20-16-90,12 17 0,8-1 0,0-1 90,-2 4-90,-16 15 90,31 3-90,2 16 0,16 1 0,29-15-180,-19 11 180,50-27-90,-10 19 90,14-21 0,-18 2 0,-3 1-341,6-5 251,10 0 180,-27-15-90,-5 12-6,-11-27-174,-1 9 91,-10-9-361,-21-10 90,14 17-315,-25 6 1,-1 1-406,22 0 1080,-53-3 0,40 13 0,-23 1 0</inkml:trace>
+  <inkml:trace contextRef="#ctx0" brushRef="#br0" timeOffset="6133">11863 1833 8522,'-17'10'180,"-8"0"90,22 6-90,-8-4-180,11 9 90,0-9-90,23 8 0,-18-10 0,39 0 0,-15-7 0,20-2-90,-10-19 180,6-4-90,-23-11 0,6 2 0,-13 2 0,-2-2 0,-3-4-90,0-24 90,-4 7-475,-2 5 1,-2-1 474,0-15 0,-2 21 0,0 1 180,0-19 360,0 2-180,0 4-180,0-10-270,0 22 1079,0-4-989,0 60 270,0 16-270,0 28 90,0 6-90,0-24 0,0-1-228,0 22 228,-1-8 0,2-2-778,11 6 598,-11-20 0,1-1-179,19 8 89,-19-2-180,17-6-540,-3 8 541,4-17 413,11 8-323,-13-24-91,16-1 360,-14-8 180,4-20 360,-6-3-181,-6-1 271,0-14 504,-9 16-774,-1-13 1305,-2 9-1575,-13 11 90,9 22-90,-9 12 0,13 19 0,0 3 0,0-8 0,0-4 0,17-13-270,-13-2 0,27-8-269,-11 7 359,-2-9 0,24 4 90,-28-7 90,19-17 0,-18 10 90,-1-26-180,-3 26 360,0-43 0,-6 30 629,1-33-809,-6 24 180,1 0-180,-1 28-180,0 25-270,0 7-90,0 10-359,0-19-1,21 0 810,5 6 0,12-9 0,-3 4 0</inkml:trace>
+  <inkml:trace contextRef="#ctx0" brushRef="#br0" timeOffset="6366">13090 1730 8972,'-18'-9'1259,"-10"4"-629,9 2-360,-12 3-270,-1 20 0,7 5 0,10 11 90,6-2-90,9-7-180,0 1 0,0 0-630,18 8 91,9-10-451,26 8 271,-6-20 899,-11-7 0,-1-2 0,7-2 0,15-3 0</inkml:trace>
+  <inkml:trace contextRef="#ctx0" brushRef="#br0" timeOffset="6600">13517 1319 9242,'0'-36'1169,"0"3"-1079,0 7 0,-16 6 270,12 5 539,-11 6-719,15 22-90,-11-11-90,8 42 90,-8 1-90,4 15-726,6-26 1,0 0 725,-5 17-180,6 0 0,0-1-315,0-15 1,0-1-136,0 16-135,0-11 1,0-1-135,0 1 899,0 20 0,0-32 0,0 6 0</inkml:trace>
+  <inkml:trace contextRef="#ctx0" brushRef="#br0" timeOffset="6766">13267 1688 8972,'-6'-8'270,"2"2"-270,4-6 0,23 8-360,5 1-270,15 2-89,-2 1-361,-8 0 1080,2 16 0,-1-12 0,0 13 0</inkml:trace>
+  <inkml:trace contextRef="#ctx0" brushRef="#br0" timeOffset="7049">13973 1668 9422,'-46'-8'539,"6"1"-629,17 27 180,9 3-90,14 12 0,0-3 0,19-8 0,-15 1-90,31-1 180,-31-1-90,31-2 0,-31-2 0,28-3 0,-29-1 90,19-5-360,-20 1-269,8-5-900,-10 0 269,-30-3 1170,5-1 0,-28-1 0,13-1 0</inkml:trace>
+  <inkml:trace contextRef="#ctx0" brushRef="#br0" timeOffset="8916">2270 4259 9242,'-8'0'1169,"3"0"720,-2 0-1799,27 0-90,20 0 0,5 10-428,14-8 158,-23 8-180,3-1-89,-1-7-1080,13 14 809,-14-7-1798,22 9 2608,-28-5 0,8 1 0,-18-5 0</inkml:trace>
+  <inkml:trace contextRef="#ctx0" brushRef="#br0" timeOffset="9116">2465 4420 8972,'-16'0'1259,"5"10"-1259,21-7-180,28 7-359,5-21-91,13 8-899,-2-9 270,-12 12 1118,13 0 0,-17 0 0,0 0 0</inkml:trace>
+  <inkml:trace contextRef="#ctx0" brushRef="#br0" timeOffset="9388">2968 4113 9512,'-32'-8'1349,"11"2"-1259,0 3-90,18 0 1349,-16 2-1259,17 19-90,34 13 0,-21 8 45,18-17 0,2 0-45,-8 27-90,2-10-90,-9-1 0,-4 1-270,-10 13-180,-8-4 1,-6 1-63,1-17 0,-5 0 692,-16 13 0,-10 5 0,3-6 0,5-7 0,-1-2 0,-3 2 0,-1 0 0,0 0 0</inkml:trace>
+  <inkml:trace contextRef="#ctx0" brushRef="#br0" timeOffset="10482">4657 3772 9781,'-19'21'720,"15"22"-450,-15-1-270,9 14 45,8-10 0,1 0-786,-9 16 741,6-8 0,2 2 0,0 9 0,-1-11 0,0 0 0,3 6 0,0-14 0,0-2 0,0 3 0,0 4-450,0-19-89,0-15 420,0-16-61,0-31 90,0-13-90,-12-16 135,10 16 0,1-1-82,-6 8 1,1-2 96,5-5 0,1-5 0,1 3 75,-1 3 0,0-1-45,-1-1 0,0-5 0,3 6-322,8 5 0,1 1 367,-10-9 0,3 2 135,33-7 90,-33 7-90,30 7 89,-19 7-36,14 6 37,-7 7-90,8 6-90,-7 6-9,10 26 9,-17-16-90,3 43 90,-11-25 0,-2 22-90,-4-8 0,-1 16 0,-1-13-135,-7-7 0,-4-1-315,-10 4-405,0-9 1,0-1-225,-1 3-180,-18 3 1345,26-14 0,-17-3 0,9-2 1</inkml:trace>
+  <inkml:trace contextRef="#ctx0" brushRef="#br0" timeOffset="10802">5053 4273 8792,'6'19'810,"1"2"-541,0-2-89,-1-1-90,-1 0 0,2 5 0,-4-5-90,1 12 0,-4-14 0,0 8 90,0-13 0,0 0 0,0-6-90,-14-2 0,11-23 0,-22-6-450,22-29 180,-8 12-700,11-6 611,0 15-181,21 2 0,-15 2-359,33-6 449,-13 13 450,24-7 0,-7 22 0,0 0 0</inkml:trace>
+  <inkml:trace contextRef="#ctx0" brushRef="#br0" timeOffset="11118">5595 4259 9062,'8'6'1619,"-2"-4"-1349,-20 4 0,-8-6-270,-25 0 0,8 0-909,-3 18 909,10-14 0,4 34 219,0-22-219,6 32 90,1-18-90,10 20 0,3-21 0,8 3-90,23-12 90,-17-4 0,43-8-179,-26-3 179,24-5 0,-9 0-90,14-18 90,-12 14 90,14-35-270,-29 10 180,-4-11-180,-14-1 509,-7 12-419,0-1-180,0 0-89,0 3-91,-21 1-1079,1-3 989,-4 11 540,-4-5 0,25 18 0,-9-1 0</inkml:trace>
+  <inkml:trace contextRef="#ctx0" brushRef="#br0" timeOffset="11954">6170 4308 9062,'-46'-13'1169,"3"2"-1079,14 25-90,-9-10 90,33 26-90,-26-26 0,27 35 0,-17-9 0,20 13 0,-6 5 0,7-20-90,24 7 0,3-23 90,16 5-180,-6-16 90,-7 3-90,0-4 180,13-20 0,-11-8 0,-7 0 0,-3-2 0,1-19 0,-6 10 0,-3 0-739,-2-11 739,-5 15 0,-2-1-45,-3-4 1,-1 0 133,0-22 181,1 9 0,-4 0 180,-14-6-315,14 13 0,0 3-45,-15 2 89,2-5 901,11 26-990,-19 27 0,21 36-90,-5 8-244,6-15 0,2 0 244,-1 16 0,0 0 0,14 0 0,-12-14 0,-1-1 0,13 17-135,-7-10 0,0 0-45,6 1-90,3 9 180,3-24 200,-10-4-110,9-5-180,-5-6-90,1-5 90,0-6 90,6-1 596,-6-3-506,9-23 0,-10-2 0,1-2 0,-5-15 432,-4 27 18,-1-20-361,-1 7 541,-3 5-630,0 26 0,0 15-90,0 35 90,18-11-540,-1 13 181,4-26-541,7 12 540,-6-21 181,8-3-361,11-8 450,-15-8 90,15 3 0,-17-27 0,7-5 90,-15-13 180,-1 3 449,-9-5-359,-4 10 270,-1-18-540,-1 27 90,-16-10 89,12 21-359,-11 22-179,15 28-181,0 5-899,0 20 719,17-32-270,-12 7 1,27-14 899,-18-4 0,13-3 0,-2-3 0</inkml:trace>
+  <inkml:trace contextRef="#ctx0" brushRef="#br0" timeOffset="12183">7208 4284 9781,'0'-15'1170,"-14"0"-810,10 2 359,-24 3-539,11 4-90,-8 40 0,9-13-135,9 12 0,5 2-225,2-1 90,0 13-629,22-3 359,-16-11-315,22-9 1,4-3-46,-7 0 225,12-9 1,2-4-226,4-2 810,14-3 0,-17-3 0,-1 0 0</inkml:trace>
+  <inkml:trace contextRef="#ctx0" brushRef="#br0" timeOffset="12449">7688 4030 8972,'0'-39'1169,"0"2"-539,0 5-270,-16 2-270,12 2 539,-12 9-179,16 4-90,-12 10-270,9 28 0,-9 11-135,11-1 0,2 2 135,-1 23-90,7-16 0,0-1-749,-3 10 614,2-18 0,2 0-135,5 10 0,-10-1-180,20-6-539,-20 9 449,16-16-269,-17 10 179,12-23-1906,-12 0 2536,-15-28 0,9 11 0,-13-15 0</inkml:trace>
+  <inkml:trace contextRef="#ctx0" brushRef="#br0" timeOffset="12550">7547 4308 8702,'-26'-26'989,"3"1"-629,3 4-90,9 1-90,4-3-180,7 8-90,20-5-90,16 12-2191,-3 3 1,2 1 1291,29 1 269,-30 2 0,-1 0 778,17 1 1,-2 0 0,-1 0 0</inkml:trace>
+  <inkml:trace contextRef="#ctx0" brushRef="#br0" timeOffset="13066">9503 3600 10501,'-25'-22'899,"6"3"-449,-26 6 0,10 6-270,-2 4 0,-4 3-180,0 20 180,-2-15-180,12 27 0,1 6-656,-15-4 656,11 15 0,3 4-90,1 5-180,13-8 0,3 0-90,5 11-827,5-22 1,4-1 646,20 15-449,-15-4 730,17-25 0,7-1-730,-6 6 0,2-1 989,6-7 0,3-3 0,1 4 0,0-1 0,17 1 0</inkml:trace>
+  <inkml:trace contextRef="#ctx0" brushRef="#br0" timeOffset="13332">9607 4207 9602,'-27'-9'989,"-14"6"-809,17-11 90,-19 13-180,7-4-90,14 19 0,2-11 90,18 25-90,-5-9 90,7 9-180,19-1 0,-15-7 0,38 0 180,-37-4-180,44-7 90,-29 5-90,35-12 0,-25 6 90,7-8-270,-13-21-90,-12-4 0,-1-24-269,-31 1 89,15 11-180,-35 2-179,34 15-377,-34 2 1276,35 3 0,-32 2 0,17 2 0</inkml:trace>
+  <inkml:trace contextRef="#ctx0" brushRef="#br0" timeOffset="13716">9933 4167 11041,'6'18'270,"0"0"-270,-4 3 0,3 20 0,-1-25 0,2 23 0,-3-18-180,2 1 0,-3-4-360,3 8 360,-3-10-90,2 6 0,-3-13 181,1-3-1,0-4 0,2-2 90,2-19 0,6-9 0,1-11 269,11-19-89,-8 21 135,0 4 0,-1 0-135,-1 4 0,9-9-180,-15 30 0,0 2 0,-3 22-450,1 7-359,-1-3-91,2 23-89,-2-23-451,5 19 1440,-2-11 0,5-3 0,1-2 0</inkml:trace>
+  <inkml:trace contextRef="#ctx0" brushRef="#br0" timeOffset="13966">10625 3841 9691,'0'-10'1799,"0"4"-1439,-14 1 270,10 27-540,-10 9-90,14 32 0,0-10-45,7-13 0,0 0-225,-3 8-90,2-5 0,2 0-542,2 4 362,-7 16-989,7-11 719,-10-14-1540,0 13 2350,0-28 0,0 0 0,0-13 0</inkml:trace>
+  <inkml:trace contextRef="#ctx0" brushRef="#br0" timeOffset="14266">10365 4106 8252,'29'-15'360,"16"0"-450,-25 4 270,35 0-90,-17 6 0,13 0 90,-13 5-270,-1 0 270,-2 16-180,11 4 90,-11 0-90,-10 4 0,-2 0 90,3-4-90,2 25 0,-11-21 90,-4-1 179,-1-4 1,-4-2-180,-2-2 0,-1-4-90,-3-20 0,1-11-90,-3-12 90,0-5-180,0 6-539,0-13 269,0 9-809,0-19 539,0 26 720,14-6 0,-11 18 0,11 2 0</inkml:trace>
+  <inkml:trace contextRef="#ctx0" brushRef="#br0" timeOffset="14588">11410 4225 9781,'-20'-17'900,"0"4"-900,-21 13 180,3 0-180,-1 19 0,7 8 0,13 21 0,10-9 0,9 8 90,20-22-270,5 4 270,0-14-180,17-8 90,-24-2 0,19-5-90,-12-20 0,-4-9 0,1-11-270,-11-17 90,-1 19-539,-10-24 269,-21 26-179,15-7 719,-31 9 0,21 14 0,-15-4 0</inkml:trace>
+  <inkml:trace contextRef="#ctx0" brushRef="#br0" timeOffset="15184">11607 4390 8972,'12'5'360,"0"-1"-360,-1-4 180,6-25-180,-2 6 90,9-41-1,-9 20-609,4-16 520,-8 13 0,-1-2 0,-4-2 0,0-1-90,-1 0 180,-1-1 0,-3 14 0,0-1 269,0-19-44,-1 11 0,0 0-45,0-6-180,1 12 0,-2 3-90,-15-1 397,12-8-307,-11 49 0,15 37-90,0 11-672,0-13 1,0-1 671,0 16 0,0 1-341,0-15 1,0 1 340,0 22-45,6-24 0,3 1 90,-1-2 0,1-2-45,10 17-135,1-12 0,0-3 45,-4 0 0,9-11 0,3-5 0,2-4-100,10-1 10,-10-15 180,-1-2 0,1-19-90,9-12 0,-11-11 90,-6 9 0,-1-1 0,-1-13 0,-4 3 0,-3-1 0,-3-10 0,-4 18 0,-1-2 45,-4 0 0,0 1 135,-1-20 90,-8 12 0,-1 0-91,4-1-134,-11 12 0,0 3 225,13 4 180,-11-3-270,5 22 1120,7 25-1210,-7 2-90,2 23 90,5 19-180,-4-10-35,5-15 1,2 1 34,-1 16-180,0 1-180,15-1 90,-14-16 1,2-1-451,34 18-315,-25-12 1,1-1 225,25 1 899,-14-12 0,0-3 0,8-3 0,12 4 0</inkml:trace>
+  <inkml:trace contextRef="#ctx0" brushRef="#br0" timeOffset="15550">12530 4168 10951,'21'21'270,"-2"7"-270,22-25 0,-11 8 0,1-11 0,-6 0-90,0 0 180,10-14-180,-10 11 0,14-46 90,-26 28 0,5-43 90,-17 33 90,-16-23-91,11 24-89,-31-13 0,30 22 450,-14 1 0,9 12-450,7 27 90,-7 25-180,10 4-1291,0 15 1021,16-26 1,-12 3-451,26-2-989,-13 13 1169,0-16-989,24 16 1619,-25-27 0,23-1 0,-18-12 0</inkml:trace>
+  <inkml:trace contextRef="#ctx0" brushRef="#br0" timeOffset="15849">13065 4097 9871,'0'-18'450,"0"1"899,0 0-1349,0 25 0,0 7 90,13 32-180,-10-8 90,9 16 0,-1-22-90,-9 15 180,16-23-90,-16 0-90,9-12 180,-9-4-90,4-4-90,-3-24 90,0 13 90,0-41-90,7 9 0,-1-14-1190,5-3 1190,0 14-180,2 2-180,1 2-719,11-8 360,-6 15-271,16-7-179,-13 25 1169,7 3 0,-5 9 0,0 0 0</inkml:trace>
+  <inkml:trace contextRef="#ctx0" brushRef="#br0" timeOffset="16204">14297 4185 11400,'50'0'270,"-5"0"-360,6 0 90,-4 0-90,-10 0 0,1 0-449,21 0-1042,-9 0 1,0 0 681,6 0 545,-22 0 0,0 0 354,21 0 0,-20 0 0,9 0 0</inkml:trace>
+  <inkml:trace contextRef="#ctx0" brushRef="#br0" timeOffset="16416">14673 3969 10231,'0'-4'990,"0"-1"-451,27 4-359,5 0 0,15 1-180,-5 15 0,-11-12 90,-15 28-90,18-27-180,-19 49-90,8-30-360,-16 12 1,-4 4-630,-3 2 1259,-11-2 0,-5-1 0,-22 8 0,6-16 0,-1 1 0</inkml:trace>
+  <inkml:trace contextRef="#ctx0" brushRef="#br0" timeOffset="16765">15793 4016 11311,'0'-7'719,"0"1"-539,11 3-90,-9 20-90,9 9 0,-11 12-360,0 3-90,0-6-269,0 2-1530,0 19 900,0-12 1349,0 9 0,0-20 0,0-3 0</inkml:trace>
+  <inkml:trace contextRef="#ctx0" brushRef="#br0" timeOffset="16933">15800 3810 9332,'0'-10'-3059,"0"3"3059,17 3 0,-13 3 0,13 1 0</inkml:trace>
+  <inkml:trace contextRef="#ctx0" brushRef="#br0" timeOffset="17149">16242 3907 10411,'0'46'90,"0"-7"-90,0 5-180,0-9-450,0 4-269,0 2-90,0 2-451,0-1 1440,0 0 0,0-2 0,0-1 0</inkml:trace>
+  <inkml:trace contextRef="#ctx0" brushRef="#br0" timeOffset="17833">16342 3995 7083,'6'13'989,"-2"-3"-629,1-10 0,-2 0-90,3 0 0,0 0-90,3 0 179,7 0-179,-2 0 90,5 0 0,3 0-90,-7 0 270,12 0-360,-11 0-1,3 0-89,-5 0 0,-2 14 0,3 7 0,-7 20-539,1 9-181,-7-7-1169,-1 14 900,-1-22 867,0 9 1,0-14-1,0 0 1</inkml:trace>
+  <inkml:trace contextRef="#ctx0" brushRef="#br0" timeOffset="18314">17088 4139 9781,'0'-22'1170,"-17"2"-900,12 2-1,-27 2-179,28 3-90,-25 1 90,25 1 270,-24 5-270,11 3-180,-14 2 90,14 23 0,-3-16 90,17 37-180,-5-25 90,8 18-90,0-8 0,0-1-90,19-1 0,-15-3 90,34-3-179,-10-2 179,20-9 90,-8-1-90,16-31 0,-30-6 90,-2 0 0,-3-1 0,-6-20-1120,2-4 1210,-10 12-90,-2-4 0,-2-1 0,-1-2 90,-1-2 270,-1 0-45,0 15 0,0 1-46,0-18-224,0 15 0,0 1-45,0 1 630,0-6-630,12 28 0,-9 25 90,10 25-180,-13 14-270,6 8-225,-6-19 1,1 1-406,10 23-764,-10-5 0,-1 0 1169,4-23 1,0-1 584,-2 12 0,1-2 0,5 15 0,0-3 0</inkml:trace>
+  <inkml:trace contextRef="#ctx0" brushRef="#br0" timeOffset="18649">17517 4225 10771,'0'-26'540,"0"5"-451,0 5-89,0 6 270,0-5-270,20 6 0,2-6 0,2 6 0,12-1 0,-21 3 0,15 0 0,2-11-90,-19 5-90,14-17 180,-26 12 0,5-5 0,-6 7 0,-17 2 0,13 0 0,-13 5 180,-2 1 180,2 4-360,-18 20 0,19 11 90,3 10-180,13 2-180,0-6-89,0 1-91,21 1-270,-16-1-89,35 0-900,-11 8 269,10-11 1384,3 5 1,-11-16-1,0-1 1</inkml:trace>
+  <inkml:trace contextRef="#ctx0" brushRef="#br0" timeOffset="18850">18033 4003 9961,'0'-12'1529,"0"0"-1439,18 36-270,1 1-269,3 23-91,8-9-989,-11 1 629,8-9 900,6 21 0,-14-26 0,6 8 0</inkml:trace>
+  <inkml:trace contextRef="#ctx0" brushRef="#br0" timeOffset="19066">18362 3898 10141,'0'-6'1259,"-14"23"-1169,10 10-90,-28 14-90,20-9 1,0 0-631,-22 12 315,16-12 0,1 1-674,-2 3 0,1-1-3344,-10 22 4423,11-21 0,0-1 0,-3 14 0,2-2 0</inkml:trace>
+  <inkml:trace contextRef="#ctx0" brushRef="#br0" timeOffset="19400">18857 3532 11131,'0'-12'449,"0"0"361,0 6-630,-17 0-90,1 26-90,-16 12 0,17 14-90,1-10 0,1 1-180,3 13-135,2-5 0,1 0-314,0 8-46,4-10 1,6-1-1192,23 3 877,-19 8 1079,39-24 0,-28-5 0,19-4 0</inkml:trace>
+  <inkml:trace contextRef="#ctx0" brushRef="#br0" timeOffset="19616">19235 3656 9781,'25'-2'990,"-1"0"-540,-4 2-181,5 15-89,-7 7-90,-1 12-90,-10 3 0,-4-3 0,-2 4-270,-12-6 1,-2 1-271,7 18-495,-29-3 1,-7-1-542,24-19 1,-1 0 1575,-22 10 0,-3-2 0,16-11 0,1-2 0,-1 1 0,0 0 0</inkml:trace>
+  <inkml:trace contextRef="#ctx0" brushRef="#br0" timeOffset="19774">19588 4452 9691,'11'0'-360,"-4"0"1,-3 0-1</inkml:trace>
+  <inkml:trace contextRef="#ctx0" brushRef="#br0" timeOffset="20684">2348 7037 10501,'0'14'630,"17"-6"-630,19-1-180,9-7-360,15 0-359,-12 0-1293,4 0 663,0 0 1529,0 0 0,-3 0 0,0 0 0</inkml:trace>
+  <inkml:trace contextRef="#ctx0" brushRef="#br0" timeOffset="20852">2387 7283 8342,'-6'8'540,"4"0"-360,-4-2-270,26-2 90,12-1-270,9-3-629,11 0 899,11 0 0,-10 0 0,-17 0 0,-1 0 0</inkml:trace>
+  <inkml:trace contextRef="#ctx0" brushRef="#br0" timeOffset="21086">2785 6826 10141,'-27'-15'450,"3"3"270,3 4 269,11 3-899,22 26-90,11 1 0,3 2-433,-2 2 0,-1 1 298,9 7 0,-2 0-44,0 14-361,-14 6 90,-5 3-359,-11 5 359,1-28 0,-2-1-135,-8 2 1,-5 1 584,-9 19 0,-4 0 0,-2-12 0,-1 0 0,4-5 0,1-1 0,0 1 0</inkml:trace>
+  <inkml:trace contextRef="#ctx0" brushRef="#br0" timeOffset="21704">4545 6687 12210,'0'50'180,"0"-6"-180,0 5-270,0-5-360,0 3-2218,0 4 2038,0 0-359,0 1-180,13 1 1349,-12-17 0,1 1 0,10 16 0,-12-19 0,0 0 0</inkml:trace>
+  <inkml:trace contextRef="#ctx0" brushRef="#br0" timeOffset="21864">4302 7259 8882,'-8'-22'270,"2"-1"-180,6 2-90,0 0 0,26 2-90,-19 2-540,27 6 0,6 3-359,-10-4 898,6 5 0,2 2 1,7 0-1,3 3 1</inkml:trace>
+  <inkml:trace contextRef="#ctx0" brushRef="#br0" timeOffset="22233">4868 7142 9332,'-48'5'1079,"3"-1"-629,19 4-360,-2-3-180,25 2 180,-16 0 0,17 5-90,-5 1 90,7 3-180,0 9 0,17-5-360,8 17 90,-3-18-90,25 5 1,-27-12 89,26-4 90,-14-2 90,3-4 90,-4-2 90,-1 0 0,6-13 0,-13-8 180,2 4 0,-14-20 90,-6 21 0,-2-17 629,-3-2-539,0 11-270,0-13 90,-17 25 270,13-8-450,-13 39-90,17 0-450,0 21 180,0-3-1349,15 6 450,7-14 1259,-3 8 0,20-17 0,-14-1 0</inkml:trace>
+  <inkml:trace contextRef="#ctx0" brushRef="#br0" timeOffset="22690">5403 6668 9781,'0'-17'2699,"0"4"-2519,0 50-90,0-12-90,7 18 0,1 3 0,-4 4-2786,9-4 1,0 0 2785,-10 8 0,1-17 0,3-2 1148,3 11-1148,-7-1-180,7-5-270,-4 11 450,-5-17-90,5 10-360,-6-25-285,0-3 735,0-50-90,0-4 90,0-26 0,9 31 0,-1 1 180,-3-5 269,32-17 91,-17 30-270,19 3 360,-8 15 2958,-2 26-3498,-6 6 0,-10 13-90,-7-2 90,-6-8 221,0-2-401,0 0 90,0-1-90,-20 7 0,14-10-1079,-29 7-1440,12-17 2609,-15-2 0,-3-8 0,1-3 0</inkml:trace>
+  <inkml:trace contextRef="#ctx0" brushRef="#br0" timeOffset="23050">5858 7205 8792,'28'20'1079,"-1"8"-359,7-25-450,-9 17-180,6-18 90,-3 6-360,-9-8 270,13-20-90,-15-4 0,9-27-90,-15 9 180,4-21-90,-13 22 0,0-14 180,-2-5-1,-21 12 226,12 7 0,-1 0-45,-14-9-180,8 11 0,2 1-90,-2-1-90,-2-6 90,-3 24 359,19 6-359,-7 21-180,9 21 90,0 14 90,0 13-1268,0-7 1088,0 6-180,14 3-179,-10 1-271,10 1 0,2-3 91,-12-1-496,10-18 1,2-1 45,2 18 1079,-1-14 0,3-2 0,7-1 0,2 6 0</inkml:trace>
+  <inkml:trace contextRef="#ctx0" brushRef="#br0" timeOffset="23365">6288 7318 10321,'0'-20'1979,"0"1"-1889,0 8 90,16 1-180,-12 3 0,60-10 0,-35 7 0,15-2 0,1 2 0,0 0-45,-9 0 0,0 1 45,6-3 0,8-6 0,-21 5-90,-3-3 90,-6 0 0,-2-2 0,-6-3-90,-6-1 180,-3-11-90,-3 9 450,-23-10-360,-11 19 269,-28 2-359,9 10-705,4 22 615,15-15 180,7 42-90,11-23-315,9 8 1,4 4-406,3 8-450,16-3 1,5 0-450,11 6 1619,0-14 0,6-3 0,-8-10 0,1-1 0,3-1 0,0 1 0</inkml:trace>
+  <inkml:trace contextRef="#ctx0" brushRef="#br0" timeOffset="24660">8235 7014 10321,'7'-3'1439,"-6"16"-1259,10 16 0,-9 10-90,2 11-668,-4-5 578,0 5-917,0 3 917,0-1 44,0-15 1,0 0-45,0 17 0,0 12 0,0-26-248,0-6 248,0-5 0,0-7 0,0-4-166,0-6 76,-13-21-270,10-33 271,-20-5 461,21 14 0,2-3-462,-10-5 0,0 1-90,8-25 180,-2 4 0,-1-1-45,4 24 0,2 1 45,7-27 0,1 1-482,-8 28 1,3 1 481,13-9 0,4 1 90,-6 11 0,1 2 0,24-9 135,-11 18 0,1 3-45,4 8-180,11 4 179,-17 27 91,-4-17-270,-4 44 90,0-10-90,-11 12 45,-4-16 0,-1-2-135,-4 6-359,-26 23 89,-4-29-721,-1 8 361,-15-20 193,40-1-283,-35-6 459,37-2 351,-27-5 0,27-4 0,-9-1 0</inkml:trace>
+  <inkml:trace contextRef="#ctx0" brushRef="#br0" timeOffset="24966">8697 6863 9422,'12'0'1439,"-1"0"-1169,-1 0 359,2 16-449,-2-12 90,7 28-180,-6-7-90,8 21 0,-7-6 90,9 12-90,-11-21 0,4 9 0,-7-4-90,-1-10 180,0 10-90,-4-21-450,2 0 450,-1-10-270,5-25 270,0 14-135,1-24 0,-2-6 46,3 6-1787,2-14 0,-2-3 1606,2-3 45,-4 17 0,0 1-354,1-10-320,-1 5 449,0 4-809,1 3-57,-1 15 1316,1 2 0,1 13 0,1 0 0</inkml:trace>
+  <inkml:trace contextRef="#ctx0" brushRef="#br0" timeOffset="25317">9568 6922 9512,'-23'-9'1709,"-31"-1"-1440,32-1-44,-10 6 0,-2 2-135,0 3 0,-24 20 0,26-16-90,7 22 0,2 3 90,1-8-90,2 31-90,13-22 180,7 0-90,0-4-180,23 10 180,13-12-45,-4-8 0,3-2 45,23-4-45,-18-4 0,-2-3-364,7-3 409,12 0 10,-26-17-10,-5 13 0,-5-33-179,-12 7-91,-2-11-450,-7-13 270,-28 22-989,-7-15 540,-16 23-925,3 0 1824,14 16 0,1 3 0,2 5 0</inkml:trace>
+  <inkml:trace contextRef="#ctx0" brushRef="#br0" timeOffset="25983">9883 6961 9602,'-16'-11'1169,"-7"3"-809,-18 22-180,1 4-180,6 19 0,16-7 0,9 2 0,9-9 0,0 5 0,26-6-90,-19 0-90,46-14 180,-31 1-180,22-8 90,-10 4-180,-1-5 270,-1-17-90,9-9 90,-12-9 0,-9 6 0,-2-1 0,-2-11-1127,-3-20 1127,-7 13-90,-5-5 43,2-3 47,-3 13 0,0-1 90,1 10 0,-2 0-177,-7-24 1,0 2 176,4-7-90,-5 19 0,1 2 180,8 3 990,-10-1-1170,7 55 90,-7 2-90,10 33 0,-1-15 0,2 1 0,15 23 306,-14-18 1,0 2-262,14 2 0,-1-2-135,-11 23 90,9-12 0,1-2-90,-1 5-135,-2-12 1,2-3 44,7 1 90,-4 6-90,-3-24 223,0-5-313,-1-5 885,1-6-975,0-4 0,-1-4 91,9-17 703,-5 11-434,13-45 0,-13 28 0,4-29 0,-10 22 270,-3 0 0,-1 4-270,-2 2 90,-1 11 719,-2-7-629,0 32-180,-1-2 0,0 33-270,0 3 1,0-8-901,19 3 541,-14-21-990,47 5 989,-31-18-180,29-1 810,-19-7 0,3 0 0,-1 0 0</inkml:trace>
+  <inkml:trace contextRef="#ctx0" brushRef="#br0" timeOffset="26150">10785 6896 9062,'0'-22'1079,"0"-2"-899,0 9 810,-16 0-990,-1 28 89,-2 7-89,6 15 0,13 0-359,0 7-91,0-10-1169,24 21 629,-18-25-89,37 4 1079,-25-14 0,18-5 0,-5-1 0</inkml:trace>
+  <inkml:trace contextRef="#ctx0" brushRef="#br0" timeOffset="26370">11152 6823 9062,'-41'-4'2069,"3"1"-1620,13 22-359,10 6-90,7 12 0,8-2 0,0-6 0,0 0-90,0-1-90,21 0-359,-16-4-91,41-2-89,-24-4-91,25-3 90,-7-4 1,2-6 719,21-2 0,-15-3 0,13 0 0</inkml:trace>
+  <inkml:trace contextRef="#ctx0" brushRef="#br0" timeOffset="26616">11632 6504 8792,'-18'-38'1079,"13"2"-809,-12 6-90,17 6 540,-11 4 899,8 7-1439,-8 27-90,11 2-90,0 26 0,0-4 0,0 28 0,0-11 0,7-6 0,0 0-180,-3 9-770,2-20 0,3-1 411,8 12 89,-13-3-1017,16-9 0,2 0 658,-9 6 44,4-7 1,1-2 764,-5-11 0,1 1 0,-7-14 0</inkml:trace>
+  <inkml:trace contextRef="#ctx0" brushRef="#br0" timeOffset="26766">11443 6810 9242,'-8'-17'989,"6"2"-809,-6 2-90,8 2-90,21 3-90,14 3-90,12 3-1791,10 2 1342,-10 14-361,4-10 990,-13 9 0,1 3 0,20 5 0,-21-2 0,0-1 0</inkml:trace>
+  <inkml:trace contextRef="#ctx0" brushRef="#br0" timeOffset="27386">12435 6905 9961,'-26'-8'2699,"1"5"-2789,-5-5 90,5 8 0,3 0 0,1 0-360,-9 16 270,10-12-360,-4 24 1,17-11 269,2 13 90,24-4 0,-14-2 0,38-7 180,-37-1-90,44 0 0,-17 4 0,12-4 90,-1 8-90,-28-10 270,9 8-270,-22-10 0,6 3 0,-9-5 0,0-1-180,-20 0-450,15 0-359,-38 0-361,23 1 1350,-36 3 0,19-4 0,-10 1 0</inkml:trace>
+  <inkml:trace contextRef="#ctx0" brushRef="#br0" timeOffset="27538">13277 7185 11221,'14'15'-1889,"-3"-3"1889,-5-12 0,-5 0 0,2 0 0</inkml:trace>
+  <inkml:trace contextRef="#ctx0" brushRef="#br0" timeOffset="30749">3710 7295 8522,'5'0'810,"1"0"-540,-3 0 449,-1-6-179,-1 0-450,-1-7 90,0 7-90,0-2-180,0 4 180,0-2-90,0 2 90,-14-2-90,10 1 0,-10 0 0,1-1 0,10 1-90,-24 1 90,14 1 90,-16 2-180,5 0 90,-4 1-90,-2 0 90,-3 0-90,0 0 0,1 14 0,-9-10-90,14 22 180,-4-23-90,12 18 90,8-7 0,2 13 0,7-3 180,19 17-270,-13-12 90,30 14 0,-9 14 90,-3-11-1510,4-1 0,-1 0 1420,-9 14 0,9-8 0,0 2-36,-14-22 1,-2 3 35,1 10 0,0 6 0,-1-4 0,-4-9 0,-1 0 0,1 9 0,-1 5 0,-2-5 0,-1-12 0,-2 0 0,3 21 0,-4 0-514,-18 7 514,18-22 0,-1-2 0,-17 13 0,6-3 0,11-3 0,-11-1-421,5-3 421,7-3 0,-7 12 270,9-15-180,0 17 0,0-27 2295,0 6-2385,0-15 191,18-1-191,-13-4 90,35-2-360,-21-2-180,22-2-1439,12-1 630,-8-2 1377,15-1 1,-15-1-1,0 0 1</inkml:trace>
+  <inkml:trace contextRef="#ctx0" brushRef="#br0" timeOffset="31472">4715 8506 10771,'-18'-12'2428,"4"2"-2248,14 23-270,0 13 180,0 14-180,0 6 180,0-6-180,0 3-359,14 1-721,-10 21 631,23-15-316,-20-9 1,-2 0-226,10 6 45,-7-11 1,-2-1 1034,-4 3 0,4 6 0,-6-18 0</inkml:trace>
+  <inkml:trace contextRef="#ctx0" brushRef="#br0" timeOffset="31817">4482 9032 8702,'-5'-25'360,"1"-1"-90,4 2-180,0-1-90,23 0 0,-17 3 0,46 0-227,-26 5 227,27 0-488,-8 5 488,1 3 0,2 3-90,2 4 90,-15 1 0,0 0-90,15 1 90,-9 8 0,-1 4 0,0 10 0,-11-1 0,-2 1 0,-2 11 0,1 1 0,-13 2 180,-6-9 90,-1 15 0,-5-22 360,0 8-630,-1-17 587,0 1-408,-14-9 309,11-19-488,-11-8 0,14-11 0,0-2-180,0 7-180,0-3-270,15-2-1079,6-15 990,-1 13 719,4 8 0,1 2 0,-6-1 0,27-4 0</inkml:trace>
+  <inkml:trace contextRef="#ctx0" brushRef="#br0" timeOffset="32149">5663 8983 9242,'-21'3'899,"4"-1"-359,-3-1-270,-1 0-270,-19 1 90,6 4-90,7 1 90,4 13-90,15-6 0,1 15 90,7-10-180,17 4 90,-13-8-90,36-2-360,12-1 360,0-6 90,-10-2 0,-1-4-90,1-14-90,16-8 0,-30 3 0,-5-19-89,-15 20 89,-8-18-90,0 7 0,0 2-90,-28 0-90,21 1-450,-28 10 1,-5 2 899,10-5 0,-3 7 0,-2 2 0,-2 1 0</inkml:trace>
+  <inkml:trace contextRef="#ctx0" brushRef="#br0" timeOffset="32600">5963 8884 10771,'0'41'450,"0"-5"-450,0 3 0,0-7 0,0 1 0,0 0 0,0 0 0,12 9 0,-9-13 0,9 9-720,-12-20 360,5-4 360,0-10-90,10-27 0,-4 17 135,1-24 0,1-5-135,4 8 135,2-19 0,1-3 135,2 7 45,-4 3 0,1 3-45,-3 8 449,6-1-629,-12 20 90,2 3-90,-6 6 0,1 0 0,-2 17 0,2-12-90,-2 35 0,3-20-1169,0 36 450,2-17-1832,-1-7 1,1 0 1201,5 6 1439,11 6 0,-3-18 0,2-3 0</inkml:trace>
+  <inkml:trace contextRef="#ctx0" brushRef="#br0" timeOffset="33022">6668 9022 9422,'-19'-9'899,"0"3"-809,-13 21-90,15 4 0,8 17 90,9 3-180,21-4 90,5-2 0,21-17 0,-4-5 0,-4-11 0,-18-15 0,4 12 0,-23-29 90,13 27 270,-14-34-90,4 23 89,-5-18-179,0 13-180,0 0 0,0 0 180,-14 10 90,10-3-180,-10 35-90,14-6 0,0 27 0,0-5 0,0 6-536,0 5 626,21 5-135,-10-13 0,0 1 90,1-10 0,1 1-90,5 21 0,1-1 45,5 7 45,-8-13 0,2-1-45,15-1 89,-21 8-268,7-22-91,-18-11-1799,-15-4 540,-20-10-630,-15-21 1851,-8 12 1,7-33 0,-4 10 0</inkml:trace>
+  <inkml:trace contextRef="#ctx0" brushRef="#br0" timeOffset="33800">7445 8917 10321,'0'-13'180,"0"1"899,0 3-809,0 30-270,0 8 0,0 36 0,0-14 0,6-15 0,0 0 0,-3 4-90,9 24 0,-12-34 90,0 6-899,6-18 539,-2-9 0,6-2-179,0-25 359,-1-8 0,11-27 180,-7 10 0,5 2 0,1 1 90,2-3 90,0 4 0,1 2-1,-1 7 451,14-7-360,-16 25 0,7 1-180,-13 11 0,4 0-90,-4 17 180,-1-13-180,-1 32 0,-3-20 0,3 32 89,-6-19-89,1 20 0,-5-25 0,-1 5-89,0-13-271,1-7 180,2-19 90,2 6-90,9-43 270,-1 27-180,8-26 90,9 5 90,-7 9-90,19-14 270,-21 23 0,14-1-270,-19 17 90,4 3 0,-9 4-1,-2 0-178,0 18 89,0 7 0,-2 10-630,5 15 0,-5-18-899,9 23 720,-4-25-91,6 7 900,0-16 0,2-6 0,2-1 0</inkml:trace>
+  <inkml:trace contextRef="#ctx0" brushRef="#br0" timeOffset="34166">8483 8940 9242,'-22'-18'899,"-12"3"-539,30 2 90,-29 4-1,12 1-449,-13 5 90,5 17-90,13 10 0,6 21 0,10 3 0,0-9-359,22 4 89,5-20 0,1 1 90,19-15 0,-27 1 0,21-8 90,1 3 90,-12-5 0,7-18 0,-16 14 0,-3-32 90,-3 32 0,-4-33 540,-4 22-270,-3-24-270,-4 13 179,0 0-269,0 27 0,-13-3-179,10 34-181,-9-16-630,12 28 271,0-15-631,18 19 541,-13-23 809,28 13 0,-12-26 0,15 2 0</inkml:trace>
+  <inkml:trace contextRef="#ctx0" brushRef="#br0" timeOffset="34502">8875 8998 9512,'0'9'1529,"0"5"-1529,0 29 0,13-11-90,-10-1 90,9-10 0,-3 3-180,-7-5 0,17-5 270,-13-7-180,9-7 0,1-18 180,-1-6-90,15-20 270,-9 11 90,12-7-91,-15 26-89,2-13-180,-5 25 0,-3-8 0,3 10 0,-7 18-270,4 9-89,-5 10-721,-1-2 1,-1 0 89,0 4 990,-1-3 0,-1-2 0,0-4 0,0 4 0</inkml:trace>
+  <inkml:trace contextRef="#ctx0" brushRef="#br0" timeOffset="34699">8205 8508 10141,'30'-20'0,"-1"4"-450,32 6-1701,-4 6 1746,-24 2 0,1 2 0,2-1 1,0 2-1270,3 7 1,1 1 1673,-1-8 0,0 3 0,0 14 0,-1 5 0,1-9 0,-1 1 0</inkml:trace>
+  <inkml:trace contextRef="#ctx0" brushRef="#br0" timeOffset="35465">10272 8358 10231,'-8'17'180,"1"-12"90,-1 41 90,3-22-90,0 27-181,2-7-89,-1 4 45,-1 0 0,0 3 45,0 11-575,0-12 1,1-2 484,0-2-90,-1 15 0,2-18 90,1 7-90,1-22 233,0-7-322,1-3-1800,0-3 1709,14-27 270,4-7 0,0-16 0,24-13 90,-25 18 90,7 5 0,2 2 179,-4 7 827,5-14-916,-12 27-90,-1-8-90,-4 11 0,0 0 90,-3 0-180,0 23 0,0 7 0,-3 13 90,5 14-180,-4-21 90,8 23-90,-6-27 0,8 7-90,-3-19-270,4-4 180,1-7-179,14-4 359,-8-5 0,21-21 0,-18 16 135,-4-21 0,-1-5 45,1 8 270,5-29 359,-9 9-359,-6 12-180,2-14 449,-9 25-179,-1-4-180,-4 17-180,1 1 0,2 20 0,-1-10-90,6 30 0,-1-6-360,6 21 0,-5-7-809,7 6 269,-4-23 1,3 4-180,-4-13-630,0-4 1709,-1-5 0,0-3 0,-1-4 0</inkml:trace>
+  <inkml:trace contextRef="#ctx0" brushRef="#br0" timeOffset="35632">10800 8547 9152,'-3'15'-720,"22"2"0,-13 4 1,15-7-1</inkml:trace>
+  <inkml:trace contextRef="#ctx0" brushRef="#br0" timeOffset="36032">11153 8896 9332,'-12'18'1529,"9"-1"-1259,-10 3-1,13-2-179,0 1-90,0 2 180,0 0-270,16 0 90,-12 1 0,13 1 0,-17-2 0,12 0 0,-10 5-90,10-8-179,-12 5-271,0-14-899,6-2 1169,-1-6 90,5-22 0,-1 16 180,0-36 0,8 8 90,-1-9 180,14-16 90,-10 25 719,15-12-719,-18 24 90,7 4-360,-14 11-90,3 23 0,-6 4 0,2-1-90,-2 18 90,-1-22-450,0 18-899,4-2 539,-3-9-1349,9 4 2159,-6-11 0,5-8 0,-4-1 0</inkml:trace>
+  <inkml:trace contextRef="#ctx0" brushRef="#br0" timeOffset="36416">11632 8477 10861,'0'44'1259,"0"-5"-1169,0 7 0,0-6 0,13 4-90,-5-11 0,0 1 0,8 16-851,-2-17 0,-2 0 851,-9 11 0,20-2 126,-11 10-126,1-16-90,3 6 0,-10-18-180,5-8 90,-3-4 90,-1-9 1266,3-23-1176,-1 15-90,3-35 400,0 23-310,0-19 0,3 8 180,7-7 0,-7 10 90,9-5-180,-13 20-90,7 1 90,-9 9-180,2 21 90,-5-15-180,0 37-180,-1-25-539,-1 34 179,-1-20-1349,-1 20 1080,-2-25 989,0 4 0,0-21 0,0-4 0</inkml:trace>
+  <inkml:trace contextRef="#ctx0" brushRef="#br0" timeOffset="36604">10847 8193 10591,'51'0'-450,"5"0"-269,-8 0-3032,14 20 2851,3-15 900,-12 22 0,1 3 0,-14-18 0,0 1 0,14 15 0,-1 1 0</inkml:trace>
+  <inkml:trace contextRef="#ctx0" brushRef="#br0" timeOffset="37200">13635 8944 10051,'-30'-25'-90,"2"3"90,-13 4 180,9 8-90,-24 19-90,22-6 90,-9 35-90,15-18-414,6 22 414,4-7 136,9-1-136,5 1 0,4-4-359,25 8-1,-19-14 45,26-12 0,4-3-45,-9-4 225,12-3 1,3-6-46,-2-19 158,15 16-23,-31-25 0,-3-4-45,11 5 90,-9-14 0,-3-4-89,-1-5-417,-8 4 1,-4-2 505,-1-15 239,-4 19 1,-1-7 0,-1 4-105,0 9 0,0-1 284,1-8 1,1-6 0,-5 7-285,-5 13 0,-1 4-135,8-10 0,-2 3 180,-14-2 630,17 8-173,0 10 173,0 9-540,0 33-90,0 2-180,0 29 45,-1-15 0,2 1-45,12 23-547,-12-3 1,1 1 546,4-22 0,0-1 0,0 11 0,-2 0 0,-2 15-90,8-2-270,-10-2-45,0-21 1,0 0-46,0 16-415,0-14 0,0-2-35,0 0 839,0 10 0,0-28 0,0 1 0</inkml:trace>
+  <inkml:trace contextRef="#ctx0" brushRef="#br0" timeOffset="37450">14208 8173 11490,'-21'45'1080,"-8"-7"-900,26 11-135,-7-15 0,-1 1-45,-1 21 0,2-3 0,0 0-801,-1 12 396,0-10 1,1 1-226,3 8-315,-3-11 1,-1-2-1653,4 5 2012,2-21 1,1-1 584,2 6 0,0-5 0,2-2 0</inkml:trace>
+  <inkml:trace contextRef="#ctx0" brushRef="#br0" timeOffset="37766">14433 8735 10141,'-23'-17'720,"17"2"-360,-34 2-181,36 4 91,-28 2-90,12 4-180,-10 20 0,5 9 0,12 26 90,6-8-135,18-11 0,1 0 45,-6 7 0,14-6 0,4 0 90,2 4-135,-3-8 0,-1-1 45,4 1 180,5 4-180,-29-13 90,10-7-720,-12-1-269,-27-9 269,-8-14-1708,-29-7 539,16 0 1799,16-12 0,3 25 0,8-11 0</inkml:trace>
+  <inkml:trace contextRef="#ctx0" brushRef="#br0" timeOffset="38172">14795 8923 9602,'0'-5'989,"0"0"-449,0 0-181,-21 0-179,15-1 90,-32 1-180,16 2 0,-17 2-180,6 22 90,13 3 0,3 13 90,16 8-270,-5-18-90,30 16 180,3-21 0,3 4-269,29-11 89,-36-7 180,10-3 0,1-3 0,-3-2 90,7-17 90,-14 13-180,-5-31 90,-3 31 0,-7-36 90,-1 23 180,-7-19 179,3 3-269,-4 11-180,0-5 270,0 11-180,-15 8-180,11 18 0,-11 13-180,15 10-179,0-1-181,0-5-809,25 10 629,-19-10-269,23-5 0,4-3 1079,-9 0 0,33-2 0,-22-11 0</inkml:trace>
+  <inkml:trace contextRef="#ctx0" brushRef="#br0" timeOffset="38386">15432 8944 9422,'-28'-12'899,"-11"4"-359,34-1 179,-29 8-179,17-4-450,-4 23-90,-2-13 0,21 34 90,-8-12-180,10 10-270,17 8 90,5-20-179,0 4-91,19-20 0,-22 6-89,20-13-91,-10 5 180,-2-7-179,1 0 719,8-13 0,-8-11 0,4-14 0</inkml:trace>
+  <inkml:trace contextRef="#ctx0" brushRef="#br0" timeOffset="38768">15633 8447 9781,'0'-28'990,"0"3"-181,12 8 451,-9 6-631,9 24-539,-12 17 0,9 12 0,-6 4 0,1 2-90,12 8-45,-10 0 0,-1-1 45,5-1 45,-4-10 0,0-1-381,3 4 246,3 9-90,-2-24 0,-1-5 90,1-6 90,-2-1-270,1-9 0,1-1 1,6-7 605,0-1-336,11-22-90,-6 15 180,6-35-90,-6 24 90,-1-17 0,-1 9 90,-2 0-90,-1 3 0,-3 9 179,2-7-179,-5 17-180,-1-8 90,-5 10 0,-1 0 0,-1 20-179,-2 5-91,0 12-630,0 10 271,0-18-1440,-16 15-180,12-22 2249,-12 5 0,16-18 0,0-1 0</inkml:trace>
+  <inkml:trace contextRef="#ctx0" brushRef="#br0" timeOffset="38965">15347 7718 11670,'-18'-20'90,"3"4"-90,0 9 0,-6 21-449,2 6-496,-1 10 1,0 4-586,-7 20 1186,6-14 1,1 2 0,5-7 0,0 0 0,1 3 0,-1 0 0</inkml:trace>
+  <inkml:trace contextRef="#ctx0" brushRef="#br0" timeOffset="39724">17540 8519 9781,'0'-4'990,"-22"1"-990,-2 3 90,-3 19-180,-10-14 90,32 36 0,-30-21-90,22 34-360,-5-19-989,9 22 809,9-24-1169,21 13 1799,15-24 0,11-3 0,6-14 0</inkml:trace>
+  <inkml:trace contextRef="#ctx0" brushRef="#br0" timeOffset="39983">17945 8691 9691,'5'-19'1350,"-1"-9"-1170,-2 16 89,-1-8 181,-19 7-450,-3 9 0,-1 18 0,6 9 0,6-1 0,7 19 0,-7-24 0,27 28 0,-13-20 0,34 3 0,-7-10 0,18-9 0,-7-2 0,-3-7 0,-25-19-270,7 14-179,-19-46-1,6 30-1079,-27-38 359,15 28-269,-33-8 1439,33 13 0,-33 1 0,13-1 0</inkml:trace>
+  <inkml:trace contextRef="#ctx0" brushRef="#br0" timeOffset="40182">18380 7883 9602,'-18'-3'809,"0"0"-809,-18 20-180,2 9-629,15 11-271,-12 5-629,28-4 1609,-19 5 0,20 2 0,-5 2 0</inkml:trace>
+  <inkml:trace contextRef="#ctx0" brushRef="#br0" timeOffset="40566">18967 8681 9422,'0'-15'719,"0"-3"-449,0-2 90,0-19-180,22 6-90,-8 2 0,1-2-90,13-9 134,4 5 1,-1 0-1726,-9-8 1726,4 15 0,0 0 225,-3-9-223,-10 2-47,6 4-396,-11-5 306,5 15 360,-7-3-360,-6 41 0,0 36-180,0 7-315,0-4 0,0 0 888,0 9-1203,-2-9 1,4 1 130,8-22 1,0-1 48,-8 9 1,1-1 629,29 13 0,-29-2 0,9-3 0</inkml:trace>
+  <inkml:trace contextRef="#ctx0" brushRef="#br0" timeOffset="40733">19147 9060 9691,'-11'-13'900,"2"-6"-900,27 3-180,-13-14-1529,59 14 270,-31-6 1439,3 10 0,2 3 0,15-4 0,1 1 0</inkml:trace>
+  <inkml:trace contextRef="#ctx0" brushRef="#br0" timeOffset="41220">20062 8772 8792,'23'-38'270,"3"-4"-270,2 9 270,14-3-180,-37 9-90,33 0 359,-34 2 181,23-10-360,-24 10 180,7-11-450,-10 19 90,0 0 270,0 9-180,0 29-90,-17 9-90,13 17 0,-5-12 0,1 1-90,8 10-1203,0 19 1024,0-20-91,0 1 180,0-3 0,0 0-180,0-3 271,13 1-252,-9 9 431,9-14 90,-13 13-90,0-27 360,-21 4-1,2-18 648,-20-2-827,22-21 87,-8-4-267,22-21 0,-8 8 0,11-4-180,19 10-270,-15 0-180,46-1 1,-22 0 629,10 9 0,5 1 0,11-10 0,-17 10 0,0 0 0</inkml:trace>
+  <inkml:trace contextRef="#ctx0" brushRef="#br0" timeOffset="41533">20835 8600 8702,'-23'-6'810,"17"2"-451,-34-1 271,17 2-270,-18 1-360,7 1 0,4 1 0,2 20 360,9 1-450,-3 23 90,14-13 90,4 1-90,4-3-90,26-8 90,5 10-90,15-22 90,12 6-90,-23-14 90,13 3-90,-10-18 180,-10-7-360,2-19 360,-15 5-90,-7-16-90,-3 19 0,-5-11-360,-19 14 0,14 3-359,-29 2-900,30-3 540,-25 10 1169,25 1 0,-11 11 0,15 2 0</inkml:trace>
+  <inkml:trace contextRef="#ctx0" brushRef="#br0" timeOffset="41866">21110 8530 9781,'0'11'1350,"0"7"-1350,0 17 0,13-2 0,-9-7 0,9-1 0,-13 7 0,0-8 269,0 6-358,0-15 89,7-3-90,-5-25 180,12 9-720,-5-49 360,3 29-659,1-32 299,-4 20 1,3-2-181,-1 1-1735,6-13 2545,-3 15 0,4-6 0,-3 17 0</inkml:trace>
+  <inkml:trace contextRef="#ctx0" brushRef="#br0" timeOffset="42432">21557 8496 9602,'7'0'1079,"0"0"-989,-3 19-90,0-14 0,-1 33 0,0-22 0,-1 17 0,0-8 0,-1 8 0,-1-8 0,0 8 0,0-17 0,0 0-630,0-9 540,0-35 90,15 22 0,-11-60-90,28 44 180,-21-10 0,-3-1 90,14 1-90,6-7 630,-14 10-451,3 11-89,7 2-90,-17 11-90,11 5 90,-10 18-90,0-14 0,-1 33 0,1-20 0,-2 18 0,-1-8-360,-1 12 181,-2-11-1,0 11 180,0-20-270,-1 3 90,0-14 90,0-2 180,2-6-90,2 0-90,2-17 180,9-5-90,-3 1 540,15-31-271,-11 32-269,6-26 0,-10 32 0,-2-9 180,-1 20-90,-2-17-90,-3 19-449,-1 12-181,-3 16-539,1 11-181,0 6-539,0-8 1889,3 3 0,1 1 0,3-1 0</inkml:trace>
+  <inkml:trace contextRef="#ctx0" brushRef="#br0" timeOffset="43020">23170 8474 6993,'-7'-6'-248,"3"1"1,-4 3 0,5 1 0</inkml:trace>
+  <inkml:trace contextRef="#ctx0" brushRef="#br0" timeOffset="44038">23365 8392 9961,'-36'0'990,"-3"0"-810,10 0-180,-5 0 90,7 0-90,-4 22 0,-1-17 0,0 41 0,1-28 90,-1 34-180,10-19 90,3 23-270,14-25-360,28 16 270,-17-25 180,47 2-205,-28-17 205,28-3 180,-11-4-180,2 0 0,-2-15 0,0 12 180,-15-20 0,-1-4 0,11 3 0,-11-11 0,-4-4 0,0-4 0,-5-17 0,-12 14 0,-5 0 253,0-4-118,2 16 0,-4-1 135,-16-18-45,17 11 0,-3 2 45,-29-4-181,29-15-89,-21 34 270,22-1 450,-7 17-498,10 26-222,15 33 0,-11 4 0,2-17 0,2 1 0,0 0 0,1-2 0,7 23-45,0-10 0,0-1-134,-1 5 89,3-12 0,-1-2-180,-5 0 180,18 5-270,-14-21 180,-1-6-359,1-4-1,6-5 270,-5-5 90,13-1 180,-13-23-90,5 15 180,-9-36 0,-1 38 0,-3-38 0,0 25 270,-2-17-90,-2 10 269,-1-5-359,-3 5 630,1 2-810,-2 31-90,0 9 180,0 27-90,0-13-540,14 9 360,5-19-180,0 4-89,15-17 89,-19 4 90,17-11-270,3 4 450,-9-6 0,17-19 90,-21 14 180,11-44 180,-19 30-90,2-25 180,-9 9-181,-4 9 1,0-12-270,-3 19 450,0-1-540,0 32 90,0 8-270,0 15-809,0 14 359,17-18-179,-13 9-360,25-15 1259,-26-2 0,23-4 0,-9-1 0</inkml:trace>
+  <inkml:trace contextRef="#ctx0" brushRef="#br0" timeOffset="44399">24510 8440 9422,'2'-9'1619,"0"22"-1619,-1 11 0,-1 12 0,0-1 0,0-9 0,0 9 0,0-9-180,0 4 180,0-13-1439,0-2 1439,0-23-90,14-5 90,1-29 0,17 1 0,-17 5 90,12 1 90,-15 22-91,10-6-89,-11 18 0,-2 19 0,-5-12-179,2 53-271,-2-36-180,2 11 1,1 0-181,1 0 810,9 9 0,-4-17 0,3-1 0</inkml:trace>
+  <inkml:trace contextRef="#ctx0" brushRef="#br0" timeOffset="44786">25065 8424 9152,'-19'-15'0,"14"3"270,-14 4-270,8 4 0,9 21-90,-9 6 180,11 19-90,0-3 0,17-4 90,-13-7 0,23-14 359,-24-19 1,15-12-270,-16-12 0,6 3 0,-5 12-180,0 6 90,1 31 0,-1 8-90,-1 31 0,0-11-90,-1 6 180,-1-17-180,0 3 90,0-3-180,0-1-90,0-3-180,0-2-90,-16-6-269,12-4-181,-13-5 990,3-3 0,-4-8 0,-13-3 0</inkml:trace>
+  <inkml:trace contextRef="#ctx0" brushRef="#br0" timeOffset="44967">23970 7915 10051,'50'0'-180,"4"0"-450,-11 8 1,2 4-358,-8 0 0,2 3 987,9 1 0,6 4 0,-5-1 0,-1 4 0,-1-1 0,-4-5 0,0-1 0,0 1 0</inkml:trace>
+  <inkml:trace contextRef="#ctx0" brushRef="#br0" timeOffset="45465">26282 8477 10141,'-37'-5'90,"1"4"0,-13-3 90,14 4 0,-12 15-90,32 7-90,-7 20 90,21-6-180,15 10-180,-9-20 180,28-7 0,6-4-270,-10-3 180,12-4 1,2-4 89,-8-4-90,16-19 180,-28-10-90,4-29 90,-13 5 0,-7-7 0,-4 23 0,0 0 0,-3-23 90,1 5 0,-2-1-103,-8 21 0,0 0 598,8-25 0,-3-1-706,-13 26 0,0 1 300,14-11 1,2 2-90,-15-8-180,4 7 720,9 8 90,-9 5-630,12 36-90,15 46-90,-11 11-939,2-16 0,3 1 849,1-14 0,0-1-90,-9 2 0,3 0 49,12-1 1,1 2-455,-9 13 1,-2 1 224,2-14 0,1 0-494,2 20 1,-1-1-47,0-1 990,2 10 0,0-32 0,-6-4 0</inkml:trace>
+  <inkml:trace contextRef="#ctx0" brushRef="#br0" timeOffset="45616">26310 8312 9152,'0'-28'270,"0"3"-270,0 4 0,0 3 0,0 3-180,24 8-360,12 2 0,14 5-405,-14 9 1,0 4 944,10 16 0,-15-9 0,-1 1 0,13 18 0</inkml:trace>
+  <inkml:trace contextRef="#ctx0" brushRef="#br0" timeOffset="45900">26830 8587 10321,'0'-35'90,"21"14"-90,-15-6 0,31 24-90,-33-25 270,24 18-180,-25-12-180,10 6 0,-4-4 180,-6 3 0,6-8 0,-9 11 0,-18-1 90,13 9 90,-31 3-90,11 2 90,3 18-180,-13-13 90,22 46-90,-4-28 0,8 44-270,9-31-180,19 11-1259,6-6 630,-1-12 1079,21 5 0,-25-17 0,22-4 0</inkml:trace>
+  <inkml:trace contextRef="#ctx0" brushRef="#br0" timeOffset="46140">26950 7911 9062,'17'-4'540,"-13"17"-540,30 6 0,-20 21-630,12 1-450,-7 5 451,-11-11-810,7 5 1439,-10-22 0,7 3 0,-6-11 0</inkml:trace>
+  <inkml:trace contextRef="#ctx0" brushRef="#br0" timeOffset="46315">27298 7796 9062,'22'-12'809,"-2"3"-629,1 3-90,-3 4 0,-3 2-90,-2 0 0,-3 23-90,-1 12-449,-5 13-721,-2-10 1,-1 0 985,-1 15 0,-8-17 0,-4 1 1,-13 17-1</inkml:trace>
+  <inkml:trace contextRef="#ctx0" brushRef="#br0" timeOffset="46621">28278 8045 12570,'0'-20'-90,"0"4"270,0 7-90,0 50-180,0-11-221,0 4 1,0 3-229,0 10-91,0 2-315,0-12 1,0 0 45,0 19 359,0-20 0,0 0-899,0 9 1439,0-2 0,0-6 0,0-2 0</inkml:trace>
+  <inkml:trace contextRef="#ctx0" brushRef="#br0" timeOffset="46782">28115 8397 9242,'0'-20'90,"21"2"-90,-16 2-90,39 3-450,-4-1 90,11 6-180,-12 3 1,-1 2 629,11 2 0,14 1 0,-20 0 0</inkml:trace>
+  <inkml:trace contextRef="#ctx0" brushRef="#br0" timeOffset="46950">28772 8456 9242,'0'7'1169,"0"0"-809,0 1-90,0-1-90,0 2-90,0-2-90,0 0 0,0 0 0,0 2-540,0 5-90,0-2-1079,12 7 720,-9-7 989,23 6 0,-22-9 0,9 2 0</inkml:trace>
+  <inkml:trace contextRef="#ctx0" brushRef="#br0" timeOffset="47115">28827 8021 6273,'17'21'0,"-3"-4"0</inkml:trace>
+  <inkml:trace contextRef="#ctx0" brushRef="#br0" timeOffset="47665">29133 8345 9062,'0'10'809,"0"1"-449,0 2 0,-13 7-270,10-2-90,-11 11 0,6-10 0,6 13 0,-6-14-90,8 5-180,0-4 180,0-8-1889,0 4 1979,18-26 0,-14-3-90,27-4 180,-11-25 180,-3 25 180,16-32-270,-17 29 809,14-7-719,-10 20-90,-6 0 90,-7 25-90,-4 4-90,-1 21-90,0-9 0,0 0 0,3-1 0,-2-10 0,2-3 0,-1-1 0,0-10-270,3 3 180,0-6-90,5-22 180,-1 12 0,18-48 0,-11 34 135,3-9 0,0-1 135,0 6 359,14-9-359,-16 21-90,2-6-270,-4 15 270,-6-2-270,4 4 90,2 16 0,-1 8-180,9 21-270,-11-7 1,1 1-181,-8-11-90,1 0-269,-1-2-90,-2-3-271,-3-2 1350,-1-4 0,-1-3 0,0-2 0</inkml:trace>
+  <inkml:trace contextRef="#ctx0" brushRef="#br0" timeOffset="47837">29558 7836 10951,'28'-34'90,"20"-2"-90,14 15-1352,-12 10 0,1 3 272,14 4-798,-10 18 1,-2 6 1877,6 5 0,-25 3 0,-1 3 0,4 7 0</inkml:trace>
+  <inkml:trace contextRef="#ctx0" brushRef="#br0" timeOffset="49216">4763 10380 11131,'0'-8'1889,"0"1"-1889,0 26 0,0 7-90,0 13-180,16-1-180,-12-9-90,11 2 91,-15 0-91,0 1-270,0 0 1,0-1-91,0 1 181,8-3 719,-6 10 0,5-13 0,-7 5 0</inkml:trace>
+  <inkml:trace contextRef="#ctx0" brushRef="#br0" timeOffset="49382">4645 10751 9332,'-1'-19'719,"0"4"-719,27-4-90,-20 3 90,49-2-270,-30-1-2388,30-1 1579,-11-1-90,4 0 1169,2 1 0,2-1 0,1 1 0</inkml:trace>
+  <inkml:trace contextRef="#ctx0" brushRef="#br0" timeOffset="49984">5225 10217 9602,'-14'20'2698,"3"6"-2518,11 15-90,0 2-90,0-4 90,0 23-180,0-12 90,6-7 0,1-1 0,-3 8-1410,9 13 1141,-3-22 89,-7-4 153,7-2-333,-10-6 180,0-3 0,0-5-539,0-2-990,0-8 2695,6-2-1076,-5-24 90,10 11 0,-6-32 0,6 18 0,-1-19 90,1 6 180,1 1 180,3-11-450,-4 14 809,5-5-359,-8 16-180,3 8-90,-4 2-180,2 6 0,-2 21 0,1-16 90,2 37-180,7-13 90,-2 11-270,11 10-180,-8-21 90,5 4-179,-3-14 89,-2-3-90,4-8 270,-2 3 1,2-9-91,-1 3 90,8-5 270,-8-19 180,9-4 0,-15-12 269,-2-7-269,-9 13 90,-3-7 90,-1 11 0,0 2-180,-21 2 90,16 3-1,-16 3 631,4 3-360,-1 6-540,-3 17 0,-1-8 0,20 58 0,-6-35 0,4 12 0,8 1-270,18-4-1349,-2 16 809,6-23 810,19 8 0,-26-20 0,25 0 0</inkml:trace>
+  <inkml:trace contextRef="#ctx0" brushRef="#br0" timeOffset="50300">6138 10634 9781,'-40'16'1979,"3"6"-1979,9 20 180,12-6-180,6 2 90,10-9-180,0 1 180,0-2-90,0-1-90,17-1 90,-12-3 0,47 2-180,-29-10 90,12-7 0,3-3 0,3-2 45,-4-9 0,0-2 45,6 4-135,-6-21 1,-3-6-46,-6 7 135,-10-4 0,-4-2-45,-10 0 0,-4 0-540,-27-10 1,20 11-731,-51-4 551,35 14-1,-26 6-539,14 2 1349,4 7 0,13 2 0,6 2 0</inkml:trace>
+  <inkml:trace contextRef="#ctx0" brushRef="#br0" timeOffset="50703">7492 10519 12390,'0'-22'450,"0"2"89,0 4-89,0 3-450,0 50-540,0 3 270,0-7 1,0 4-316,0 3 0,0-2-44,0 10-1222,0 15 952,0-23 89,0-1-352,0-5 353,0-4 797,-13-5 0,10-4 0,-10-2 0</inkml:trace>
+  <inkml:trace contextRef="#ctx0" brushRef="#br0" timeOffset="50866">7283 10897 9332,'-11'-24'719,"4"9"-629,2-27-90,24 22 0,14-9-180,12 15-359,7-2-631,14 10 541,-16 3-181,-6 0 1,0 4 477,6 18 0,11-14 0,-23 13 0</inkml:trace>
+  <inkml:trace contextRef="#ctx0" brushRef="#br0" timeOffset="51132">7845 10972 9242,'-23'10'360,"4"1"-271,19-25-89,22-4 0,3-24 0,2 9 270,11 0-180,-33 10 90,27 0 90,-29 2-90,18 0 0,-19 3-90,5 3 359,-7 2 1,0 3-360,-17 4 0,-1 22-90,-16 11 0,17 11 0,5 1-90,-1 7-180,10-11-539,-10 21 179,30-26-1259,2 14 990,2-26 899,13 3 0,-7-16 0,19-2 0</inkml:trace>
+  <inkml:trace contextRef="#ctx0" brushRef="#br0" timeOffset="51484">8243 10800 11400,'1'38'270,"0"5"-90,15-11-180,-13 2 0,13-10 0,-8 12 0,-6-12 0,6 6 0,-8-14 0,6-4 0,-5-2-90,6-4 0,-3-2-90,5-2 180,-1-20-90,10-5 90,-3-12 90,7 0-90,7-6-90,-7 10 180,17-19 0,-17 26 90,3-4-90,-11 19-90,-4-1 0,-1 9 0,-1-3 0,-2 19-899,-1 6 89,-3 20-179,-1-5-91,-1-2-179,0-8 1259,0-3 0,0-2 0,0-2 0</inkml:trace>
+  <inkml:trace contextRef="#ctx0" brushRef="#br0" timeOffset="51714">7918 10500 9781,'50'-20'720,"-2"1"-810,-8 2-450,2 1 630,-1 3-90,-1 4 0,-1 4-1080,6 3 181,-13 2-1620,8 21 2519,-23 9 0,0 11 0,-9 3 0</inkml:trace>
+  <inkml:trace contextRef="#ctx0" brushRef="#br0" timeOffset="52070">9512 10623 10051,'-23'-10'270,"17"2"-180,-38 4 0,39-1 90,-30 4-180,21-1 0,-3 24 90,7 5-90,30 29-90,7-12 135,-2-13 0,3-1 135,16 4 0,-14-7 0,-3 0-739,-5 1 1008,18 3 91,-27-9-540,5-10-90,-8 2-630,-30-10-719,-25-15 270,-2 7-1015,-12-9 475,25-2 1709,5 12 0,2-21 0,4 11 0</inkml:trace>
+  <inkml:trace contextRef="#ctx0" brushRef="#br0" timeOffset="52524">10000 10820 9332,'18'16'1799,"0"2"-1530,-7 1 271,0 8-450,-6-9 90,-2 18-270,-1-8 90,-2 3 0,0-8 90,0 1-90,0 1 0,0 11 0,0-11-90,0 16 90,-14-19 0,10 9-180,-11-17 90,15 0-270,-10-9-179,1-2 269,-9-2 0,6-21-90,0-6 270,6-12 0,1-3 0,4 7-89,1-5 179,0-3-304,23-4 304,-18-1 45,16 22 0,4-1 179,-9-10 1,1 1 0,4 9 0,3 0-134,8-13 0,-1 1 269,7 4 0,-8 12 0,0 4 90,3 7-271,7 2 271,-7 9-360,-10 21 90,7 4-180,-20 11 0,0 11 0,-9-20-270,-26 29-90,-9-30-270,2-2 1,-2-3-540,-18-3-405,15-5 0,1-1 1574,-5-1 0,-12 1 0,20-7 0</inkml:trace>
+  <inkml:trace contextRef="#ctx0" brushRef="#br0" timeOffset="52676">10892 11000 12390,'7'0'-23,"-2"7"1,-4-5-1,-1 5 1</inkml:trace>
+  <inkml:trace contextRef="#ctx0" brushRef="#br0" timeOffset="75639">16638 12415 6633,'-9'-21'0,"-1"-1"0,-2 1 0,-7-15 90,6 12-180,-5-12-449,2 2 539,6 13 0,0-6 0,7 17 0</inkml:trace>
+  <inkml:trace contextRef="#ctx0" brushRef="#br0" timeOffset="77368">16643 12363 7982,'0'-4'360,"0"-2"-180,0 4-180,0-2 90,0 1 0,0-1 0,0 1 90,-13-2-180,10 3 90,-11-2 0,14 3 270,0-1-181,0 15 91,0 5-180,0 18 0,0-5-90,0 17 90,0-15-3482,-10 26 3482,7-19 0,-7 10-521,10-13 521,0 0-90,0-2 0,0 16 0,0-12 0,8-5 0,1 0 0,-5 7 45,10-5 0,0 0-45,-12 10-229,9 14 229,-1-14 90,-7 0-180,7-1 90,-6-11 0,-1-1 90,4 19-45,-1-9 0,0 0-45,2 6 45,-5-8 0,1-2-45,-1 6 0,1 13 90,-2-5-90,-1-12 45,-1-7 0,1 1-45,-1 5 45,0-5 0,0 0-45,0 7 180,0 13-180,-13 1 0,10-14 90,-4-5 0,1 0 0,6 7 0,-4-7 0,-1 1-180,3 6 180,-7 12 163,9-16-253,-4-1 90,3 1-90,-7 15 0,7-12 0,-1-6 0,-1-1 89,2 8-89,0 15-2133,1-17 2133,0 2 0,0 1 41,0 2-41,0-1 0,0 1 45,0-13 0,0 0-45,0 18 0,0-8 0,0-1 0,0 7 0,0 14-16,0-20 16,0-2 0,0 0 90,0-1-90,0 0 0,0 1 0,0 16 89,0-14 1,0-8 0,0 0-90,0 6 0,0 10 0,0-17 90,0 0-90,0-2 0,0 14 0,0-10 0,0 23 0,0-23 0,0 26 90,0-25-180,0 12 90,0 5 90,0-12-90,0-2 0,0 1 0,0 10 45,0-4 0,0 1-45,0 10 45,0 6 0,0 0-45,0 2 0,0-2 0,0-2 1712,0-6-1712,0-19 0,0-2 0,0 12 0,0-2 0,4-6 0,1 1 0,-3 8 0,2-4 0,1-1 0,-5-7-90,0 8 0,3-17-90,-2-4-16,3 0-254,-4-5 2896,0-2-3166,1-2-448,0-2-1711,2-5 3050,0-3 1,2-4 0,0-1 0</inkml:trace>
+  <inkml:trace contextRef="#ctx0" brushRef="#br0" timeOffset="78937">16693 12383 6813,'14'10'450,"4"-8"-360,-16 15 90,10-16-90,-7 9-90,5-9 90,-2 8 0,2-5 179,12 6-179,-3-2 0,14-1-90,20 0 90,-5-5-1236,1 0 0,2 0 1190,-17-2 1,1 0 0,29 0 0,1 0-322,-25 1 1,1-2 246,5-2 0,4-2 1,-3 1 73,-5 3 1,1-1-45,15-4 0,7-3 0,-6 2 0,-12 6 0,1-1 0,10-3 0,6-3 0,-8 3 90,-13 4 0,-2 0-60,4-3 0,5 0 0,-5 0-467,-3 1 0,-1 1 437,14-1 0,0 0 45,-15-1 0,0 1-45,2 0 0,0 1-45,1-1 0,0 0 90,3-1 0,-1 1-45,2 0 0,1 0 0,0-1 0,3-1 0,-2 2 0,3-1 0,-3 1 0,9-2 0,2 0 0,-12 2 0,6-1 0,-1 0 0,-4 0-602,12-1 0,-1 1 602,-8-1 0,3 1 0,-4 0 0,3-1 0,-1 0-45,0 0 0,0 0 45,-1 0 0,-1 0 45,0 1 0,-1-1-45,0 0 0,-1 0-45,-1 1 0,2 0 75,-6 0 0,3-1 0,-2 0-75,7 1 0,1 0 105,3-1 0,5 0 0,-5 1-60,-4 0 0,-2 0 0,16-1 0,0 1 0,-20 1 0,-2 0 0,3 1 0,-1-1 0,-1 1 0,1 0 30,-2 0 0,2 0 0,-2 0 15,6 0 0,2 1-75,3-1 0,5 0 0,-5 0 30,-6 1 0,0 0 90,4-1 0,5 0 0,-6 1-90,-3-1 0,-2 1 45,13-2 0,3 1-90,0 0 0,-2 0 90,-14 0 0,2 1-75,3 0 0,6 0 0,-6 1 75,-3-1 0,-2 1-90,16 0 0,-1 0 45,-17 0 0,-1 0 45,1 0 0,0 0-45,0-1 0,4 2 0,-2 2 0,3 2 0,-1-1 0,9-2 0,3-1 0,-10 2 0,6 0 0,-1 1 0,-4-1 0,-6 0 0,-3 1 0,3-2 0,10-1 0,6-1 0,0 0 0,-5 2 25,-8 3 0,-4 1 1,3-1-56,13-3 0,3-2 0,-4 0 30,5 4 0,-4 0 45,2-1 0,0 0-90,-2-3 0,3 1 45,-6 3 0,4 1 0,-2-2 30,-13-2 0,-2 0 0,4 0-8,8 1 1,6 0-1,0 1 1,-5-1-53,-9-1 0,-4 0 0,5 0 52,9 1 1,5-1-1,1 1 1,-6-1-351,-8 0 1,-4 0-1,1 0 328,16-1 0,2 1 0,-4 0 0,5 0 0,-3-1-45,0 0 0,0 0 45,-2 0 0,2 0 0,-6 0 0,2 0 0,-2 0 0,-13 0 0,-2 0 0,4 0 0,5 0 0,5 0 0,1 0 0,-7 0 90,12 0 0,-1 0-113,-13 0 1,5 0 0,0 0-1,-6 0 68,11 0 0,-3 0-75,-6 0 0,1 1 0,-3-2 30,3-4 0,-3 0 45,2 4 0,-1 0-45,-1-4 0,1 1 0,-5 3 0,4 1 0,-4 1 0,7-1 0,0 0-60,3 0 0,5 0 0,-6 0 132,-8 0 1,0 0-343,1 0 0,3 0 1,-5 0-46,-7 0 0,-2 0 0,8 0 0,-2 0-404,5 0 719,-8 0 0,-9 0 0,-4 0 0</inkml:trace>
+  <inkml:trace contextRef="#ctx0" brushRef="#br0" timeOffset="79548">28423 12321 8252,'18'-2'450,"0"2"-270,-3-2 270,-2 2-1,-3 0-269,-1 0 270,0 16-270,-1-12 180,-1 37-180,2 3 0,-2 16-697,-2-8 0,-1 2 562,-1-17 0,-1 2 75,0 8 0,0 6 0,-1-4-30,0 1 0,1-1-60,-2-5 0,1 3 0,-1 1-30,1 5 0,-1 1 0,0-1-638,0 10 0,0 3 660,0-11 1,0 6-1,0 1 1,0-6-23,0-7 0,0-4 0,0 4 22,0 10 1,1 6-1,-1 0 1,-1-6-859,-3-9 0,-1-5 0,1 3 836,2 12 0,2 3 0,-2 0 30,-2-1 0,-1 0 0,1-2-253,3-13 1,2-2 0,-1 5 222,0 8 0,0 6 0,0 0 0,0-6 0,0-9 0,-1-4 0,2 4-23,2 8 1,1 6-1,1 0 1,-1-7-151,-3-9 1,-1-4-1,2 1 173,7 12 0,2 3 0,-3-5-45,-6 0 0,-1-3-45,4-3 0,2 0 0,-1-2 0,-1-1 93,-4-4 1,1 0-184,3-1 0,1-1 0,-1-3 0,-1 0-135,-3-2 0,1 0-494,7 29-181,-4-4-318,-5-21 0,1-1 1308,3 18 0,-4 10 0,0-25 0</inkml:trace>
+  <inkml:trace contextRef="#ctx0" brushRef="#br0" timeOffset="81382">17550 12974 8792,'13'27'0,"-10"1"0,9-7-360,-12-1-180,0-5-719,7 9 441,-5-7 818,4 7 0,-6-11 0,0 0 0</inkml:trace>
+  <inkml:trace contextRef="#ctx0" brushRef="#br0" timeOffset="81582">17593 12875 7982,'0'-6'90,"0"-1"0,0 4-989,0 0 539,0 22-787,14 0 1147,3 5 0,8 5 0,-1-11 0</inkml:trace>
+  <inkml:trace contextRef="#ctx0" brushRef="#br0" timeOffset="81933">17918 13016 8792,'-33'0'180,"13"15"-90,-1 1-90,18 9 0,-6-4 90,9-7-90,14-6-90,-11-20 90,25 8 0,-25-30 0,20 30 0,-21-33 270,13 20-90,-14-15-1,10 9-89,-10 3 90,6-6-180,-7 9-90,2-3 180,-1 13-90,4 2-359,1 27-91,3-17-1259,6 49 629,-2-33 1080,7 28 0,-2-18 0,1 2 0</inkml:trace>
+  <inkml:trace contextRef="#ctx0" brushRef="#br0" timeOffset="82758">19928 12865 8072,'-3'13'450,"0"2"-450,3 16 0,0-1 0,0 0 90,0-4-90,0-6-90,0-7 90,0-42 0,15 2 0,-11-22 0,12 17 0,-4 12 0,-9 1 270,20 0-180,-17 4-90,11 4 90,-6 5-180,0 6 180,5 17-90,-6-13 0,10 28-90,-9-9-360,5 7-449,2 11 449,-2-18-539,13 15 989,-8-21 0,5 5 0,-6-11 0</inkml:trace>
+  <inkml:trace contextRef="#ctx0" brushRef="#br0" timeOffset="83465">20402 12979 8162,'0'-32'810,"0"4"-630,-17 6-180,12 5 0,-26 8 90,16 3-180,-11 20 180,12 3-180,5 16 90,9-2-180,0-2-90,20-5 270,-15-6-90,31-10 0,-22-4 90,14-20 90,-8 0 90,-4-18-90,-7 8-90,-4 2 0,-5 6-630,0 26 270,0 5 1,15 7-181,-11 5 180,11-14 180,-1 1 90,-11 1 180,19-11 180,-14 3 180,1-20-270,-2 12 270,-7-28 89,2 15-269,-2-13-270,0 9 180,0 5-180,0 21-360,14 6 90,-11 16 90,23-12 90,-23 0-179,16-14 359,-12 3-180,4-21 90,-4 12 90,-2-12 89,0-1-89,-2 13 180,3-24-180,-4 25 180,2-8-270,-3 11 0,2 0 0,-1 0 90,2 0-180,3 0 0,1 13-270,7 0 1,-5 3-1,5 4-90,-4-17-90,-1 16-95,1-17 635,-1 11 0,1-11 0,-1 3 0</inkml:trace>
+  <inkml:trace contextRef="#ctx0" brushRef="#br0" timeOffset="83749">20823 12981 7982,'6'0'90,"0"0"0,0 0-180,6 0 180,-1 0-90,9 0-90,-8-12 180,4 9-90,-7-10 90,-2 13 0,-1 0-90,-1-9 90,-2 7 180,-1-14-90,-1 8 270,-1-4-450,0 1 90,0 3-90,0 1 90,0 3-180,0 2 90,-12 0-720,9 18-449,8 1 269,14 19 900,2-9 0,15-10 0,-9-8 0</inkml:trace>
+  <inkml:trace contextRef="#ctx0" brushRef="#br0" timeOffset="84049">22323 12885 9602,'0'30'-3419,"14"3"3419,-10-8 0,10-8 0,-14-6 0</inkml:trace>
+  <inkml:trace contextRef="#ctx0" brushRef="#br0" timeOffset="84239">22362 12661 8252,'-6'-11'360,"4"1"-450,-7-1 90,8 4 0,-5 1 0,5 23 0,-1 7 0</inkml:trace>
+  <inkml:trace contextRef="#ctx0" brushRef="#br0" timeOffset="84787">22505 12840 8432,'0'7'630,"0"0"-540,0-3 0,0 5-90,0-3 90,0 3-180,0-2 90,12 1 90,-9-1-180,9 4 0,-12-6-90,8 6-90,-6-8 0,10 2 90,-8-5 180,2 0 0,-1-15 0,1 11 0,1-25 90,2 10 90,2-11-90,-3 12-90,1-4 0,-4 20 540,-1-12-360,-1 13 0,0-4-270,1 21 180,4-1-90,-3 3 0,2 6 0,-3-21 0,1 21 0,0-21-180,3 18 0,-3-11 90,8 4 90,-7-6-270,5-5 270,-5-3 0,0 0 0,3-14 0,-4 11 90,4-12 0,-4 3 0,1 9-90,-1-20 0,-2 21-900,-1 8 271,18-2-1,-15 29-269,26-29 899,-28 24 0,24-26 0,-7 9 0</inkml:trace>
+  <inkml:trace contextRef="#ctx0" brushRef="#br0" timeOffset="85133">23007 12911 8792,'-14'-7'450,"10"-1"-450,-18 7 0,20 11-180,-6 7 180,8 8-270,14-9 270,1-7-90,2-27 180,1 14-180,-16-25 360,9 14-810,-10-10-719,2 27 1259,17 4 0,-16 24 0,16-4 0</inkml:trace>
+  <inkml:trace contextRef="#ctx0" brushRef="#br0" timeOffset="85748">23387 12843 8162,'-24'-4'0,"-7"3"0,28 14-90,-8 4 90,29 3 0,-13 1 180,23-19 270,-25-9-180,8-8-270,-11-16 90,-10 16 0,7 18-90,-7 34 0,10 2 0,0 26 0,16-30-553,-13 11 553,13-16-96,-16-2-84,10-5 1,-7-3-1,7-5 90,-10-2-540,0-3 1267,0-23-637,18 12 101,-13-35-191,27 20 90,-28-15 0,28 5 0,-28 1 0,42-11 0,-29 8 45,9 6 0,1-1-45,-2-2 360,15-15-180,-20 18-90,4-5 270,-13 4-180,-5 9 180,-3-7-91,-3 13 361,-19-1-540,-1 7-90,-18 18 0,6 5 0,15 19-270,3 1-359,14-8-181,23 0-90,-17-14-179,49 1 956,-26-5 1,31 0 0,-11-2 0</inkml:trace>
+  <inkml:trace contextRef="#ctx0" brushRef="#br0" timeOffset="86331">25347 12755 8612,'-6'-14'540,"1"1"-540,-1 4 90,1-2 449,1 4-179,-2 0-360,5 24 90,-1 20-180,2 2 90,0 8 0,0-21 90,0 1-90,0-2 0,0 4 0,0-9 0,0 5 0,0-15 0,0-16-180,0-13 90,0-23 0,0 6-269,0-17 89,0 19-90,0-7-90,0 15 0,0 1 181,0 5-181,0 2-90,0 4 540,12 4 0,-9 4 0,10 2 0</inkml:trace>
+  <inkml:trace contextRef="#ctx0" brushRef="#br0" timeOffset="87099">25283 12822 7533,'0'6'899,"0"0"-809,0 1 0,0 2 90,13-1 0,-10 4-90,10 0 270,-13 14-360,0-5 90,0 23-90,0-16 90,0 21-180,0-18 90,0 7 90,-12-1-90,9-10 0,-9 14 0,12-21 0,0 5 0,-7-15 0,5-1-270,-6-20 90,8-17 90,-3-6 90,2-9-180,-3 13 180,4-1 0,0-2 0,0-18 0,0 13-45,8 5 0,2 1 45,-6-5 0,13 8 0,0 0 0,-14-3 0,25-6 0,-25 15 0,20 2 0,-20 1 90,19-1-90,-12 7 270,9-1-180,-7 11 0,-4 0-90,-3 4 0,-2 0 0,1 18 0,-2 1 0,2 18 90,-4-3-180,2 0-630,-2-1 270,0-11-179,0-5-810,-14-4 1439,11-5 0,-10 1 0,13-4 0</inkml:trace>
+  <inkml:trace contextRef="#ctx0" brushRef="#br0" timeOffset="87398">25647 12760 8432,'9'0'450,"-2"12"-450,-4-9 180,-1 19-90,-2-11-90,0 9 0,0-7 0,0 0 0,0-3 0,0-3 0,0 0-180,0-3 90,0-16-360,0-3-449,0-17-540,0 0 1439,0 0 0,14 14 0,2 5 0</inkml:trace>
+  <inkml:trace contextRef="#ctx0" brushRef="#br0" timeOffset="87587">25857 12853 8432,'4'5'90,"1"2"-90,-2-3 0,3 5 0,-5-6-630,4 7 181,-3-3-181,3 5-444,-1-3 1074,0 1 0,1-1 0,-1 1 0</inkml:trace>
+  <inkml:trace contextRef="#ctx0" brushRef="#br0" timeOffset="87771">25927 12656 8522,'0'29'0</inkml:trace>
+  <inkml:trace contextRef="#ctx0" brushRef="#br0" timeOffset="87993">26150 12780 8792,'-11'14'-989,"2"-1"179,9 14 810,0-4 0,16-3 0,3-1 0</inkml:trace>
+  <inkml:trace contextRef="#ctx0" brushRef="#br0" timeOffset="88455">26292 12879 8612,'0'5'270,"14"-3"-180,2 0-180,11-16 0,-5 11 0,-10-20 90,-1 13 0,-9-10 0,2 2 0,-4 2 0,-18 3 90,14 2 90,-33 4-90,33 0 0,-31 5 90,18 2-270,-14 0 90,15 17 90,0 2-270,15 20-270,-3-10-90,27 2-1079,10 3 1619,12-8 0,4 7 0,-11-11 0</inkml:trace>
+  <inkml:trace contextRef="#ctx0" brushRef="#br0" timeOffset="88932">27962 13392 6669,'-36'-10'-90,"0"-1"0,2-7 0,0 0 0,1 7 0,-1 0 0</inkml:trace>
+  <inkml:trace contextRef="#ctx0" brushRef="#br0" timeOffset="89551">27503 12682 8252,'-7'-1'540,"-3"-1"-270,3 2 90,-3 0-91,0-1-89,-1 1 180,-7 0-270,2 0 0,-2 0-90,-4 17 0,5-12 0,-12 25-90,13-11 0,-4 6-90,9 2-269,2-7 89,5-2-900,3 7 541,1-9 719,17 8 0,9-15 0,17 1 0</inkml:trace>
+  <inkml:trace contextRef="#ctx0" brushRef="#br0" timeOffset="90065">27652 12802 8702,'-21'14'90,"-5"-11"-90,24 24 0,-8-16 0,10 9-180,0-6-180,19-7 360,-2-3 0,5-20 180,0 1-180,-14-3 90,7-5 90,-5 20-180,-4-9 0,-2 12 0,4 0 0,-2 0 0,13 12 0,-4 3 0,5 0-90,-3 7 0,1-19-180,1 18 0,10-19 91,-7 13-91,14-13 360,-15 4-180,8-21 90,-13 11 0,0-27 270,-9 8-181,-3-8 271,-2-12-90,-2 17 180,0-16-270,-16 20-90,12-5-90,-13 13 0,17 3 0,0 2 360,-11 5-630,8 21-810,12 7 361,9 22 89,5-11 509,4 1 0,-24-11 0,11 1 0</inkml:trace>
+  <inkml:trace contextRef="#ctx0" brushRef="#br0" timeOffset="90237">27980 12777 7892,'-8'-8'0,"6"-1"-89,-6 6-721,34-1-269,6 2 1079,15 15 0,-4-10 0,-11 10 0</inkml:trace>
+  <inkml:trace contextRef="#ctx0" brushRef="#br0" timeOffset="90515">28265 12861 8522,'-14'-11'90,"20"8"-90,-2-18 0,31 19 180,-30-15 450,23 10-361,-25-6 1,8 3-180,-11 1 90,0 2-180,0 1 0,-17 1 180,13 1-90,-29 2-270,30 22-1079,-13 19 179,16 3-971,21 9 2051,-1-20 0,23 0 0,-5-1 0</inkml:trace>
+  <inkml:trace contextRef="#ctx0" brushRef="#br0" timeOffset="91717">18585 12854 8072,'0'37'810,"0"5"-540,0 7-463,0 18 283,0-25 0,0 7 0,0-2-2004,0 13 1,0 2 1943,-1-4 0,1 3 0,1-2-30,4-10 0,1-2 0,-1 1-233,-4 1 1,-1 1 0,3 0 232,8 1 0,3 1 0,-2 0 30,-6-1 0,-2 1 0,3 0 0,3 1 0,3-1 0,-1 1-60,-2 0 0,-2 0 0,1 1 90,0 0 0,1 0 0,-1 1-90,0 0 0,0 1 0,-1-1 0,1 0 0,0-1 0,-1 4-83,-1 1 1,0 4 0,0 0-1,-1-3-37,-1 2 0,-1-2 1,1 4-103,-1-7 0,0 6 0,1 1 0,-1-2 0,-1-6 42,-2 2 0,-1-5 1,0 2 6,2-5 1,0 2-1,0 0 1,-1-5 202,-1 17 0,0-5 0,0-3 0,0 0 0,0-3 0,0 0 0</inkml:trace>
+  <inkml:trace contextRef="#ctx0" brushRef="#br0" timeOffset="92365">21538 12639 9422,'0'43'1439,"0"6"-810,0 4-1220,0-18 0,0 2 680,0 7 1,0 3-611,0 6 1,0 6 542,0-13 1,0 6-1,0 0 1,0-1-683,0 5 1,0-2 0,0 3 636,1-1 1,-1 3 0,0 1-1,-1 0 23,-2 5 0,-1 1 0,0-1 0,1-3-293,1-10 0,2-4 0,0 1 0,-2 5 248,-1 0 0,-2 4 0,-1 3 0,1 1 0,0-4 0,2-4-319,2 0 0,0-5 0,1 0 0,-1 2 206,-1 13 1,-2 4-1,1-1 1,0-5 7,3-1 0,0-4 0,0 0-173,0-1 0,0 0 1,0 0-38,0-1 0,0-1 0,0-1 0,0-1 0,-1-1 1,2-1 238,4-2 0,2 0 0,-2-1 121,-4 19 0,2-1 0,11-5 0,2-2 0,-7-2 0,0 0 0</inkml:trace>
+  <inkml:trace contextRef="#ctx0" brushRef="#br0" timeOffset="93032">24590 12677 10141,'0'57'1979,"0"-3"-1799,0-17 0,0 2-1100,0 0 1,0 3 979,0 7 0,0 6 0,0-1-860,0-9 0,0 0 0,0 3 800,0 16 0,0 4 0,0-3 30,0-12 0,0-2 0,0 1-30,0 2 0,0 1 0,0 0 30,0-1 0,0 0 0,0 4-53,0 1 1,0 4-1,0 0 1,0-3-38,0 2 0,0-2 0,0 6-120,0-6 0,0 6 0,0 2 1,0-2-1,0-6 30,0 5 0,0-6 0,0 6-156,0-6 0,0 5 0,0 3 1,0-2-1,0-7-84,0 4 0,0-6 1,0 5 389,0-8 0,0 5 0,0 1 0,0-3 0,0-5 0,0 1 0,0-6 0,0 2 0,0 11 0,0 1 0,0-1 0</inkml:trace>
+  <inkml:trace contextRef="#ctx0" brushRef="#br0" timeOffset="93703">27050 12531 10411,'0'35'1259,"-16"2"-719,13 3-3101,-5-2 1,0 2 2695,7-3 0,2 4-75,-1 12 0,0 8 0,0-3-554,0 7 1,0 1 493,0-6 0,0 4 0,0 1-88,0-9 1,-1 1-1,1 0 1,1-2 87,4 4 0,1-2 0,-1 6-239,-4-5 0,0 7 0,-2 2 0,2-1 1,0-7 88,4 5 0,1-4 0,-1 5-120,-4-4 0,0 6 0,-2 3 0,0-2 1,1-6-91,0 5 0,0-4 0,0 2 0,0-2 0,1 4 1,-1-1-1,-1-4 130,-4 1 0,-1-3 0,1-1 230,4 2 0,2 0 0,-4-1 0,-7 1 0,-3-1 0,1 0 0,4-1 0,0 1 0,0-1 0</inkml:trace>
+  <inkml:trace contextRef="#ctx0" brushRef="#br0" timeOffset="95573">17188 11044 8432,'0'-8'1349,"0"1"-899,0 2-270,-14 1-180,11 0 0,-11 1 1349,14 1-1349,-8 1 360,5 16-360,-5 10 0,8 11 0,0 4 0,0-4 0,0 3 0,0 3 0,0 3-1064,0 1 614,0 1-539,0 1 539,0 1-989,0 16 629,0-17-180,7-13 1,0-1 989,-3-2 0,29 2 0,-10-17 0</inkml:trace>
+  <inkml:trace contextRef="#ctx0" brushRef="#br0" timeOffset="96031">17315 11093 8252,'0'-4'630,"19"-1"-450,11 4 180,33-4-360,-6 4-2013,-7-1 1,2 0 2012,-15 1 0,1 0 30,9 0 0,6 0 0,-3-1 116,0 1 1,3-1-125,1 0 1,9 1 0,2-1-1,-8 1 8,-11 0 0,-4-1 0,5 1-432,3 0 1,6-1 0,2 1 0,-2 0 0,-6 0 371,-2-1 0,-4 1 0,3 0 30,12-1 0,6 1 0,1-1 0,-6 1-277,-7-1 0,-4 1 1,6-1 294,-3 1 0,6-1 0,1 0 0,-1 1 0,-5 0-55,7-1 0,-5 1 1,2-1 13,-3 1 1,3 0-1,0 0 1,0 0-46,-2 0 1,1 0 0,-1-1-1,-3 1-116,2 1 1,-2-1 0,4 1 48,7-2 0,5 1 0,0 0 1,-8-1 44,-11 2 0,-4-1 0,3 0 0,6 0 0,6-1 0,-1 1 0,-6-1 251,11 0 0,-2 0-251,-9 0 0,2-1 0,-4 1 0,2-1 0,-3 1 0,-1 0 0,-2 0-45,-2 0 1,-1 1-45,-5 0 0,0 0 179,-5 0 0,-1 0 0,21 0 0,-13 0 0,-7 1 0</inkml:trace>
+  <inkml:trace contextRef="#ctx0" brushRef="#br0" timeOffset="96582">17563 11887 8162,'40'0'810,"2"0"-540,2 0 44,-2 1 1,2-2-180,-7-6 0,2-1-1932,10 2 0,7 1 1,-4-1 1796,2-3 0,0 0 0,-6-2 0,4 0 0,-2 3 95,8 6 1,-1 0-96,2-13 0,2 0 45,0 13 0,4 1-15,-2-7 0,4-2 0,-1 1-30,-14 4 0,-2 1 0,5 0 0,-3 0 0,7-1 0,1 0 0,-1 0 0,-5 0-72,6-1 1,-5 1 0,6 0 53,-3 0 0,6 1 0,2 1 0,-2-1 0,-6 1-440,6-1 0,-6 0 0,4 1 458,-4-1 0,4 1 0,-2 0 0,-3 0 0,-2 0 0,-3 0 0,-1 0-30,0 0 0,0 1 0,-1 0 356,-1 1 0,-2-1 1,4 0-387,13 1 0,3-1 0,-3 1 13,-15 0 0,-2 1 0,3-1-111,4 1 1,7-1-1,-2 1 1,-6-1-295,10 1 1,-4 0 271,-9 0 0,2 0 0,-5 0-135,-1 0 0,-4 0 569,-2 0 1,-2 0-1065,28 0 810,-10 13 0,-14-10 0,-6 9 0</inkml:trace>
+  <inkml:trace contextRef="#ctx0" brushRef="#br0" timeOffset="96932">21673 10967 8792,'0'12'2249,"0"11"-2339,14 11 270,-10 7-540,26 15-90,-26-7-1049,10-16 1,-1 0 688,-10 19-179,17-1-91,-18 2 1080,15-2 0,-15-1 0,5-1 0</inkml:trace>
+  <inkml:trace contextRef="#ctx0" brushRef="#br0" timeOffset="98215">21883 10985 8072,'23'-5'450,"14"-2"-270,-18 1 0,19-2 90,-3 0-90,5-1 0,4 0-2478,7 1 2388,2-1-90,5 2 90,2 0-180,3 0 180,-1 2-90,1 1 45,-20 1 0,-1 1-45,23 0 0,-26 1 0,0 0 0,9 1 0,-4 0 0,-4 0 792,-1 0-792,-6 0 90,-2 0-90,5 13 90,-12-9-90,10 20 0,-18-21 644,4 17-644,-9-18-90,-3 16 180,-1-10 1131,-2 9-1221,2-3 90,0 13-90,2-2 90,-1 9-180,-2-6 90,0 0 0,3 18 0,-2-11 90,2 11-180,0 3 180,-2-13-90,4 24 0,-5-27 0,1 17 0,-5-24 0,0 9 0,-2-17 0,0 1 0,-16-5 0,-2-4 90,-20 2-180,8-6 90,-5-1 0,6-4-90,-2 0 90,-1-1 0,-18 1-90,11-1-90,6 0 0,-1 0 90,-5 0-359,-26 0 359,27-12-927,-13 9 1017,14-9-90,-2 12 90,-2 0-180,1 0 180,-3 0-90,0 0-180,-20-6-179,13 4-1,9-1 0,0 0-89,-7 3-271,-12 0 810,21 0 0,3 0 0,2 0 0</inkml:trace>
+  <inkml:trace contextRef="#ctx0" brushRef="#br0" timeOffset="99299">17962 11383 8612,'9'0'990,"-2"15"-990,-3-12 0,-2 25 0,1-25 0,-1 29-90,1-17-540,1 28 0,-1-15 91,0 9-1,-3-11 90,0 0 0,0-2 450,0-2 0,0-3 0,0 0 0</inkml:trace>
+  <inkml:trace contextRef="#ctx0" brushRef="#br0" timeOffset="99451">17863 11650 7443,'0'-16'180,"0"-2"-180,23 6 0,-17 0 0,38 4-450,-12-2 0,9 3 450,16-2 0,-25 4 0,12 0 0</inkml:trace>
+  <inkml:trace contextRef="#ctx0" brushRef="#br0" timeOffset="99669">18238 11343 8432,'0'38'270,"0"-6"-270,0 0 0,0-4 0,0 2-4251,11 18 4251,-8-12-270,8 15 232,-2-20-502,-7 1-133,14-3-46,-12-2 719,8-3 0,-4-5 0,1-2 0</inkml:trace>
+  <inkml:trace contextRef="#ctx0" brushRef="#br0" timeOffset="100031">18405 11565 7892,'-13'-4'270,"10"-1"-90,-9 2-180,12 0 90,0 0-90,-8 2 0,2 14 0,-3 2-90,4 16-180,4-2-179,0-3-181,1 1 180,17-9 360,2-5 90,13-7 0,-5-6 540,-6-18-270,-9 2 180,5-16-271,-9 17-89,4-4-90,-3 16 0,-6-12 0,1 14 0,-1-5 0,-1 6 0,1 0-719,4 15 269,-2-12-269,3 29 719,-1-28 0,2 23 0,2-15 0</inkml:trace>
+  <inkml:trace contextRef="#ctx0" brushRef="#br0" timeOffset="100203">18597 11427 6633,'13'18'0,"4"-3"0</inkml:trace>
+  <inkml:trace contextRef="#ctx0" brushRef="#br0" timeOffset="100498">18745 11624 7803,'12'-32'89,"-9"3"-89,9-1-89,-12 9 178,0 5-178,0 24 178,0 4-448,0 21-271,0-5-179,14 0 809,3-6 0,1-10 0,-4-5 0</inkml:trace>
+  <inkml:trace contextRef="#ctx0" brushRef="#br0" timeOffset="100932">18980 11567 7623,'12'28'-90,"-9"-5"0,18-9-180,-18-3 180,14-9 90,-9 3-90,6-5 270,-4 0-270,-1 0 180,-1-16 180,5 12-90,-5-22 0,2 24-91,-4-8-89,-2 10 0,-1 0 90,0 0-90,-1 0 0,1 0 0,-1 0 0,2 0-90,-2 10 180,4-8-90,-2 8 0,3-2-90,0-6 180,1 6-180,-1-8 90,0 0 0,-1 0 0,-3 0 90,2 0-90,-3 0 0,1 0-179,-1 0-1,1 0-180,0 0-540,1 0 282,0 0 618,-1 11 0,0-8 0,-3 8 0</inkml:trace>
+  <inkml:trace contextRef="#ctx0" brushRef="#br0" timeOffset="101148">18685 11464 7623,'-1'-14'359,"0"1"-269,1 1-90,0 1 0,0 1 0,16 1 0,-12 2 0,25 4-719,-13 1-540,12 19 1259,0-13 0,-6 29 0,0-11 0</inkml:trace>
+  <inkml:trace contextRef="#ctx0" brushRef="#br0" timeOffset="101297">19047 11350 7982,'3'-6'0,"0"2"0,0 4 0,2 0 0,1 0-449,3 0-91,3 19 540,5-15 0,2 35 0,4-13 0</inkml:trace>
+  <inkml:trace contextRef="#ctx0" brushRef="#br0" timeOffset="102515">22275 11147 8612,'-27'0'270,"1"0"-180,8 0-90,1 0 0,6 13 0,1-10 90,1 22-90,-2-8 0,4 6 0,2 8 90,4-13-90,1 13 0,0-16 0,18 5 0,-13-10 0,30-2 90,-30-3-90,36-2 90,-22-3-180,21 0 90,3-15 0,-13 12 0,21-27 0,-28 9 0,7 2 0,-15-17 0,-4 23-180,-4-17-90,-4 11 180,-2 0-270,-1 5 0,-17 0 91,-12 8-451,-30 1 180,6 5 279,-6 15 0,16-12 1,0 12-1</inkml:trace>
+  <inkml:trace contextRef="#ctx0" brushRef="#br0" timeOffset="103089">22453 11283 8702,'32'9'540,"-7"-7"-540,-1 8 0,-4-3-360,13 4-360,-5 5 91,9 0-541,-10 0 1170,1 1 0,-1 2 0,1 0 0</inkml:trace>
 </inkml:ink>
 </file>
 
@@ -4448,7 +5539,7 @@
           <a:p>
             <a:fld id="{0965995D-2BF5-6E43-877C-6996BD5C01C0}" type="datetimeFigureOut">
               <a:rPr lang="en-VN" smtClean="0"/>
-              <a:t>27/09/2021</a:t>
+              <a:t>01/10/2021</a:t>
             </a:fld>
             <a:endParaRPr lang="en-VN"/>
           </a:p>
@@ -4648,7 +5739,7 @@
           <a:p>
             <a:fld id="{0965995D-2BF5-6E43-877C-6996BD5C01C0}" type="datetimeFigureOut">
               <a:rPr lang="en-VN" smtClean="0"/>
-              <a:t>27/09/2021</a:t>
+              <a:t>01/10/2021</a:t>
             </a:fld>
             <a:endParaRPr lang="en-VN"/>
           </a:p>
@@ -4858,7 +5949,7 @@
           <a:p>
             <a:fld id="{0965995D-2BF5-6E43-877C-6996BD5C01C0}" type="datetimeFigureOut">
               <a:rPr lang="en-VN" smtClean="0"/>
-              <a:t>27/09/2021</a:t>
+              <a:t>01/10/2021</a:t>
             </a:fld>
             <a:endParaRPr lang="en-VN"/>
           </a:p>
@@ -5058,7 +6149,7 @@
           <a:p>
             <a:fld id="{0965995D-2BF5-6E43-877C-6996BD5C01C0}" type="datetimeFigureOut">
               <a:rPr lang="en-VN" smtClean="0"/>
-              <a:t>27/09/2021</a:t>
+              <a:t>01/10/2021</a:t>
             </a:fld>
             <a:endParaRPr lang="en-VN"/>
           </a:p>
@@ -5334,7 +6425,7 @@
           <a:p>
             <a:fld id="{0965995D-2BF5-6E43-877C-6996BD5C01C0}" type="datetimeFigureOut">
               <a:rPr lang="en-VN" smtClean="0"/>
-              <a:t>27/09/2021</a:t>
+              <a:t>01/10/2021</a:t>
             </a:fld>
             <a:endParaRPr lang="en-VN"/>
           </a:p>
@@ -5602,7 +6693,7 @@
           <a:p>
             <a:fld id="{0965995D-2BF5-6E43-877C-6996BD5C01C0}" type="datetimeFigureOut">
               <a:rPr lang="en-VN" smtClean="0"/>
-              <a:t>27/09/2021</a:t>
+              <a:t>01/10/2021</a:t>
             </a:fld>
             <a:endParaRPr lang="en-VN"/>
           </a:p>
@@ -6017,7 +7108,7 @@
           <a:p>
             <a:fld id="{0965995D-2BF5-6E43-877C-6996BD5C01C0}" type="datetimeFigureOut">
               <a:rPr lang="en-VN" smtClean="0"/>
-              <a:t>27/09/2021</a:t>
+              <a:t>01/10/2021</a:t>
             </a:fld>
             <a:endParaRPr lang="en-VN"/>
           </a:p>
@@ -6159,7 +7250,7 @@
           <a:p>
             <a:fld id="{0965995D-2BF5-6E43-877C-6996BD5C01C0}" type="datetimeFigureOut">
               <a:rPr lang="en-VN" smtClean="0"/>
-              <a:t>27/09/2021</a:t>
+              <a:t>01/10/2021</a:t>
             </a:fld>
             <a:endParaRPr lang="en-VN"/>
           </a:p>
@@ -6272,7 +7363,7 @@
           <a:p>
             <a:fld id="{0965995D-2BF5-6E43-877C-6996BD5C01C0}" type="datetimeFigureOut">
               <a:rPr lang="en-VN" smtClean="0"/>
-              <a:t>27/09/2021</a:t>
+              <a:t>01/10/2021</a:t>
             </a:fld>
             <a:endParaRPr lang="en-VN"/>
           </a:p>
@@ -6585,7 +7676,7 @@
           <a:p>
             <a:fld id="{0965995D-2BF5-6E43-877C-6996BD5C01C0}" type="datetimeFigureOut">
               <a:rPr lang="en-VN" smtClean="0"/>
-              <a:t>27/09/2021</a:t>
+              <a:t>01/10/2021</a:t>
             </a:fld>
             <a:endParaRPr lang="en-VN"/>
           </a:p>
@@ -6874,7 +7965,7 @@
           <a:p>
             <a:fld id="{0965995D-2BF5-6E43-877C-6996BD5C01C0}" type="datetimeFigureOut">
               <a:rPr lang="en-VN" smtClean="0"/>
-              <a:t>27/09/2021</a:t>
+              <a:t>01/10/2021</a:t>
             </a:fld>
             <a:endParaRPr lang="en-VN"/>
           </a:p>
@@ -7117,7 +8208,7 @@
           <a:p>
             <a:fld id="{0965995D-2BF5-6E43-877C-6996BD5C01C0}" type="datetimeFigureOut">
               <a:rPr lang="en-VN" smtClean="0"/>
-              <a:t>27/09/2021</a:t>
+              <a:t>01/10/2021</a:t>
             </a:fld>
             <a:endParaRPr lang="en-VN"/>
           </a:p>
@@ -8101,8 +9192,8 @@
           <a:chExt cx="0" cy="0"/>
         </a:xfrm>
       </p:grpSpPr>
-      <mc:AlternateContent xmlns:mc="http://schemas.openxmlformats.org/markup-compatibility/2006">
-        <mc:Choice xmlns:p14="http://schemas.microsoft.com/office/powerpoint/2010/main" Requires="p14">
+      <mc:AlternateContent xmlns:mc="http://schemas.openxmlformats.org/markup-compatibility/2006" xmlns:p14="http://schemas.microsoft.com/office/powerpoint/2010/main">
+        <mc:Choice Requires="p14">
           <p:contentPart p14:bwMode="auto" r:id="rId2">
             <p14:nvContentPartPr>
               <p14:cNvPr id="2" name="Ink 1">
@@ -8121,7 +9212,7 @@
             </p14:xfrm>
           </p:contentPart>
         </mc:Choice>
-        <mc:Fallback>
+        <mc:Fallback xmlns="">
           <p:pic>
             <p:nvPicPr>
               <p:cNvPr id="2" name="Ink 1">
@@ -8182,8 +9273,8 @@
           <a:chExt cx="0" cy="0"/>
         </a:xfrm>
       </p:grpSpPr>
-      <mc:AlternateContent xmlns:mc="http://schemas.openxmlformats.org/markup-compatibility/2006">
-        <mc:Choice xmlns:p14="http://schemas.microsoft.com/office/powerpoint/2010/main" Requires="p14">
+      <mc:AlternateContent xmlns:mc="http://schemas.openxmlformats.org/markup-compatibility/2006" xmlns:p14="http://schemas.microsoft.com/office/powerpoint/2010/main">
+        <mc:Choice Requires="p14">
           <p:contentPart p14:bwMode="auto" r:id="rId2">
             <p14:nvContentPartPr>
               <p14:cNvPr id="2" name="Ink 1">
@@ -8202,7 +9293,7 @@
             </p14:xfrm>
           </p:contentPart>
         </mc:Choice>
-        <mc:Fallback>
+        <mc:Fallback xmlns="">
           <p:pic>
             <p:nvPicPr>
               <p:cNvPr id="2" name="Ink 1">
@@ -8263,6 +9354,57 @@
           <a:chExt cx="0" cy="0"/>
         </a:xfrm>
       </p:grpSpPr>
+      <mc:AlternateContent xmlns:mc="http://schemas.openxmlformats.org/markup-compatibility/2006">
+        <mc:Choice xmlns:p14="http://schemas.microsoft.com/office/powerpoint/2010/main" Requires="p14">
+          <p:contentPart p14:bwMode="auto" r:id="rId2">
+            <p14:nvContentPartPr>
+              <p14:cNvPr id="2" name="Ink 1">
+                <a:extLst>
+                  <a:ext uri="{FF2B5EF4-FFF2-40B4-BE49-F238E27FC236}">
+                    <a16:creationId xmlns:a16="http://schemas.microsoft.com/office/drawing/2014/main" id="{44364806-17F8-E642-A519-7923F218F54A}"/>
+                  </a:ext>
+                </a:extLst>
+              </p14:cNvPr>
+              <p14:cNvContentPartPr/>
+              <p14:nvPr/>
+            </p14:nvContentPartPr>
+            <p14:xfrm>
+              <a:off x="371520" y="190440"/>
+              <a:ext cx="9479520" cy="6294960"/>
+            </p14:xfrm>
+          </p:contentPart>
+        </mc:Choice>
+        <mc:Fallback>
+          <p:pic>
+            <p:nvPicPr>
+              <p:cNvPr id="2" name="Ink 1">
+                <a:extLst>
+                  <a:ext uri="{FF2B5EF4-FFF2-40B4-BE49-F238E27FC236}">
+                    <a16:creationId xmlns:a16="http://schemas.microsoft.com/office/drawing/2014/main" id="{44364806-17F8-E642-A519-7923F218F54A}"/>
+                  </a:ext>
+                </a:extLst>
+              </p:cNvPr>
+              <p:cNvPicPr/>
+              <p:nvPr/>
+            </p:nvPicPr>
+            <p:blipFill>
+              <a:blip r:embed="rId3"/>
+              <a:stretch>
+                <a:fillRect/>
+              </a:stretch>
+            </p:blipFill>
+            <p:spPr>
+              <a:xfrm>
+                <a:off x="349920" y="168840"/>
+                <a:ext cx="9517320" cy="6332760"/>
+              </a:xfrm>
+              <a:prstGeom prst="rect">
+                <a:avLst/>
+              </a:prstGeom>
+            </p:spPr>
+          </p:pic>
+        </mc:Fallback>
+      </mc:AlternateContent>
     </p:spTree>
     <p:extLst>
       <p:ext uri="{BB962C8B-B14F-4D97-AF65-F5344CB8AC3E}">
@@ -8293,10 +9435,61 @@
           <a:chExt cx="0" cy="0"/>
         </a:xfrm>
       </p:grpSpPr>
+      <mc:AlternateContent xmlns:mc="http://schemas.openxmlformats.org/markup-compatibility/2006">
+        <mc:Choice xmlns:p14="http://schemas.microsoft.com/office/powerpoint/2010/main" Requires="p14">
+          <p:contentPart p14:bwMode="auto" r:id="rId2">
+            <p14:nvContentPartPr>
+              <p14:cNvPr id="2" name="Ink 1">
+                <a:extLst>
+                  <a:ext uri="{FF2B5EF4-FFF2-40B4-BE49-F238E27FC236}">
+                    <a16:creationId xmlns:a16="http://schemas.microsoft.com/office/drawing/2014/main" id="{A6817604-D622-6748-B8B8-D369299D40C4}"/>
+                  </a:ext>
+                </a:extLst>
+              </p14:cNvPr>
+              <p14:cNvContentPartPr/>
+              <p14:nvPr/>
+            </p14:nvContentPartPr>
+            <p14:xfrm>
+              <a:off x="456480" y="198000"/>
+              <a:ext cx="11232360" cy="5151240"/>
+            </p14:xfrm>
+          </p:contentPart>
+        </mc:Choice>
+        <mc:Fallback>
+          <p:pic>
+            <p:nvPicPr>
+              <p:cNvPr id="2" name="Ink 1">
+                <a:extLst>
+                  <a:ext uri="{FF2B5EF4-FFF2-40B4-BE49-F238E27FC236}">
+                    <a16:creationId xmlns:a16="http://schemas.microsoft.com/office/drawing/2014/main" id="{A6817604-D622-6748-B8B8-D369299D40C4}"/>
+                  </a:ext>
+                </a:extLst>
+              </p:cNvPr>
+              <p:cNvPicPr/>
+              <p:nvPr/>
+            </p:nvPicPr>
+            <p:blipFill>
+              <a:blip r:embed="rId3"/>
+              <a:stretch>
+                <a:fillRect/>
+              </a:stretch>
+            </p:blipFill>
+            <p:spPr>
+              <a:xfrm>
+                <a:off x="440280" y="176400"/>
+                <a:ext cx="11270160" cy="5189040"/>
+              </a:xfrm>
+              <a:prstGeom prst="rect">
+                <a:avLst/>
+              </a:prstGeom>
+            </p:spPr>
+          </p:pic>
+        </mc:Fallback>
+      </mc:AlternateContent>
     </p:spTree>
     <p:extLst>
       <p:ext uri="{BB962C8B-B14F-4D97-AF65-F5344CB8AC3E}">
-        <p14:creationId xmlns:p14="http://schemas.microsoft.com/office/powerpoint/2010/main" val="3312256077"/>
+        <p14:creationId xmlns:p14="http://schemas.microsoft.com/office/powerpoint/2010/main" val="3525982137"/>
       </p:ext>
     </p:extLst>
   </p:cSld>
@@ -8388,6 +9581,258 @@
 </file>
 
 <file path=ppt/slides/slide20.xml><?xml version="1.0" encoding="utf-8"?>
+<p:sld xmlns:a="http://schemas.openxmlformats.org/drawingml/2006/main" xmlns:r="http://schemas.openxmlformats.org/officeDocument/2006/relationships" xmlns:p="http://schemas.openxmlformats.org/presentationml/2006/main">
+  <p:cSld>
+    <p:spTree>
+      <p:nvGrpSpPr>
+        <p:cNvPr id="1" name=""/>
+        <p:cNvGrpSpPr/>
+        <p:nvPr/>
+      </p:nvGrpSpPr>
+      <p:grpSpPr>
+        <a:xfrm>
+          <a:off x="0" y="0"/>
+          <a:ext cx="0" cy="0"/>
+          <a:chOff x="0" y="0"/>
+          <a:chExt cx="0" cy="0"/>
+        </a:xfrm>
+      </p:grpSpPr>
+      <mc:AlternateContent xmlns:mc="http://schemas.openxmlformats.org/markup-compatibility/2006">
+        <mc:Choice xmlns:p14="http://schemas.microsoft.com/office/powerpoint/2010/main" Requires="p14">
+          <p:contentPart p14:bwMode="auto" r:id="rId2">
+            <p14:nvContentPartPr>
+              <p14:cNvPr id="2" name="Ink 1">
+                <a:extLst>
+                  <a:ext uri="{FF2B5EF4-FFF2-40B4-BE49-F238E27FC236}">
+                    <a16:creationId xmlns:a16="http://schemas.microsoft.com/office/drawing/2014/main" id="{12D5ED05-9457-0140-9C09-6BB6C160B93F}"/>
+                  </a:ext>
+                </a:extLst>
+              </p14:cNvPr>
+              <p14:cNvContentPartPr/>
+              <p14:nvPr/>
+            </p14:nvContentPartPr>
+            <p14:xfrm>
+              <a:off x="332280" y="226440"/>
+              <a:ext cx="8641800" cy="5040720"/>
+            </p14:xfrm>
+          </p:contentPart>
+        </mc:Choice>
+        <mc:Fallback>
+          <p:pic>
+            <p:nvPicPr>
+              <p:cNvPr id="2" name="Ink 1">
+                <a:extLst>
+                  <a:ext uri="{FF2B5EF4-FFF2-40B4-BE49-F238E27FC236}">
+                    <a16:creationId xmlns:a16="http://schemas.microsoft.com/office/drawing/2014/main" id="{12D5ED05-9457-0140-9C09-6BB6C160B93F}"/>
+                  </a:ext>
+                </a:extLst>
+              </p:cNvPr>
+              <p:cNvPicPr/>
+              <p:nvPr/>
+            </p:nvPicPr>
+            <p:blipFill>
+              <a:blip r:embed="rId3"/>
+              <a:stretch>
+                <a:fillRect/>
+              </a:stretch>
+            </p:blipFill>
+            <p:spPr>
+              <a:xfrm>
+                <a:off x="316080" y="210240"/>
+                <a:ext cx="8674200" cy="5073120"/>
+              </a:xfrm>
+              <a:prstGeom prst="rect">
+                <a:avLst/>
+              </a:prstGeom>
+            </p:spPr>
+          </p:pic>
+        </mc:Fallback>
+      </mc:AlternateContent>
+    </p:spTree>
+    <p:extLst>
+      <p:ext uri="{BB962C8B-B14F-4D97-AF65-F5344CB8AC3E}">
+        <p14:creationId xmlns:p14="http://schemas.microsoft.com/office/powerpoint/2010/main" val="2670968477"/>
+      </p:ext>
+    </p:extLst>
+  </p:cSld>
+  <p:clrMapOvr>
+    <a:masterClrMapping/>
+  </p:clrMapOvr>
+</p:sld>
+</file>
+
+<file path=ppt/slides/slide21.xml><?xml version="1.0" encoding="utf-8"?>
+<p:sld xmlns:a="http://schemas.openxmlformats.org/drawingml/2006/main" xmlns:r="http://schemas.openxmlformats.org/officeDocument/2006/relationships" xmlns:p="http://schemas.openxmlformats.org/presentationml/2006/main">
+  <p:cSld>
+    <p:spTree>
+      <p:nvGrpSpPr>
+        <p:cNvPr id="1" name=""/>
+        <p:cNvGrpSpPr/>
+        <p:nvPr/>
+      </p:nvGrpSpPr>
+      <p:grpSpPr>
+        <a:xfrm>
+          <a:off x="0" y="0"/>
+          <a:ext cx="0" cy="0"/>
+          <a:chOff x="0" y="0"/>
+          <a:chExt cx="0" cy="0"/>
+        </a:xfrm>
+      </p:grpSpPr>
+      <mc:AlternateContent xmlns:mc="http://schemas.openxmlformats.org/markup-compatibility/2006">
+        <mc:Choice xmlns:p14="http://schemas.microsoft.com/office/powerpoint/2010/main" Requires="p14">
+          <p:contentPart p14:bwMode="auto" r:id="rId2">
+            <p14:nvContentPartPr>
+              <p14:cNvPr id="2" name="Ink 1">
+                <a:extLst>
+                  <a:ext uri="{FF2B5EF4-FFF2-40B4-BE49-F238E27FC236}">
+                    <a16:creationId xmlns:a16="http://schemas.microsoft.com/office/drawing/2014/main" id="{90DE899D-2669-A747-981B-75936BEC0F6F}"/>
+                  </a:ext>
+                </a:extLst>
+              </p14:cNvPr>
+              <p14:cNvContentPartPr/>
+              <p14:nvPr/>
+            </p14:nvContentPartPr>
+            <p14:xfrm>
+              <a:off x="810000" y="389880"/>
+              <a:ext cx="10038240" cy="6020640"/>
+            </p14:xfrm>
+          </p:contentPart>
+        </mc:Choice>
+        <mc:Fallback>
+          <p:pic>
+            <p:nvPicPr>
+              <p:cNvPr id="2" name="Ink 1">
+                <a:extLst>
+                  <a:ext uri="{FF2B5EF4-FFF2-40B4-BE49-F238E27FC236}">
+                    <a16:creationId xmlns:a16="http://schemas.microsoft.com/office/drawing/2014/main" id="{90DE899D-2669-A747-981B-75936BEC0F6F}"/>
+                  </a:ext>
+                </a:extLst>
+              </p:cNvPr>
+              <p:cNvPicPr/>
+              <p:nvPr/>
+            </p:nvPicPr>
+            <p:blipFill>
+              <a:blip r:embed="rId3"/>
+              <a:stretch>
+                <a:fillRect/>
+              </a:stretch>
+            </p:blipFill>
+            <p:spPr>
+              <a:xfrm>
+                <a:off x="793800" y="373680"/>
+                <a:ext cx="10070640" cy="6053040"/>
+              </a:xfrm>
+              <a:prstGeom prst="rect">
+                <a:avLst/>
+              </a:prstGeom>
+            </p:spPr>
+          </p:pic>
+        </mc:Fallback>
+      </mc:AlternateContent>
+    </p:spTree>
+    <p:extLst>
+      <p:ext uri="{BB962C8B-B14F-4D97-AF65-F5344CB8AC3E}">
+        <p14:creationId xmlns:p14="http://schemas.microsoft.com/office/powerpoint/2010/main" val="3396622142"/>
+      </p:ext>
+    </p:extLst>
+  </p:cSld>
+  <p:clrMapOvr>
+    <a:masterClrMapping/>
+  </p:clrMapOvr>
+</p:sld>
+</file>
+
+<file path=ppt/slides/slide22.xml><?xml version="1.0" encoding="utf-8"?>
+<p:sld xmlns:a="http://schemas.openxmlformats.org/drawingml/2006/main" xmlns:r="http://schemas.openxmlformats.org/officeDocument/2006/relationships" xmlns:p="http://schemas.openxmlformats.org/presentationml/2006/main">
+  <p:cSld>
+    <p:spTree>
+      <p:nvGrpSpPr>
+        <p:cNvPr id="1" name=""/>
+        <p:cNvGrpSpPr/>
+        <p:nvPr/>
+      </p:nvGrpSpPr>
+      <p:grpSpPr>
+        <a:xfrm>
+          <a:off x="0" y="0"/>
+          <a:ext cx="0" cy="0"/>
+          <a:chOff x="0" y="0"/>
+          <a:chExt cx="0" cy="0"/>
+        </a:xfrm>
+      </p:grpSpPr>
+    </p:spTree>
+    <p:extLst>
+      <p:ext uri="{BB962C8B-B14F-4D97-AF65-F5344CB8AC3E}">
+        <p14:creationId xmlns:p14="http://schemas.microsoft.com/office/powerpoint/2010/main" val="3862023988"/>
+      </p:ext>
+    </p:extLst>
+  </p:cSld>
+  <p:clrMapOvr>
+    <a:masterClrMapping/>
+  </p:clrMapOvr>
+</p:sld>
+</file>
+
+<file path=ppt/slides/slide23.xml><?xml version="1.0" encoding="utf-8"?>
+<p:sld xmlns:a="http://schemas.openxmlformats.org/drawingml/2006/main" xmlns:r="http://schemas.openxmlformats.org/officeDocument/2006/relationships" xmlns:p="http://schemas.openxmlformats.org/presentationml/2006/main">
+  <p:cSld>
+    <p:spTree>
+      <p:nvGrpSpPr>
+        <p:cNvPr id="1" name=""/>
+        <p:cNvGrpSpPr/>
+        <p:nvPr/>
+      </p:nvGrpSpPr>
+      <p:grpSpPr>
+        <a:xfrm>
+          <a:off x="0" y="0"/>
+          <a:ext cx="0" cy="0"/>
+          <a:chOff x="0" y="0"/>
+          <a:chExt cx="0" cy="0"/>
+        </a:xfrm>
+      </p:grpSpPr>
+    </p:spTree>
+    <p:extLst>
+      <p:ext uri="{BB962C8B-B14F-4D97-AF65-F5344CB8AC3E}">
+        <p14:creationId xmlns:p14="http://schemas.microsoft.com/office/powerpoint/2010/main" val="3843479299"/>
+      </p:ext>
+    </p:extLst>
+  </p:cSld>
+  <p:clrMapOvr>
+    <a:masterClrMapping/>
+  </p:clrMapOvr>
+</p:sld>
+</file>
+
+<file path=ppt/slides/slide24.xml><?xml version="1.0" encoding="utf-8"?>
+<p:sld xmlns:a="http://schemas.openxmlformats.org/drawingml/2006/main" xmlns:r="http://schemas.openxmlformats.org/officeDocument/2006/relationships" xmlns:p="http://schemas.openxmlformats.org/presentationml/2006/main">
+  <p:cSld>
+    <p:spTree>
+      <p:nvGrpSpPr>
+        <p:cNvPr id="1" name=""/>
+        <p:cNvGrpSpPr/>
+        <p:nvPr/>
+      </p:nvGrpSpPr>
+      <p:grpSpPr>
+        <a:xfrm>
+          <a:off x="0" y="0"/>
+          <a:ext cx="0" cy="0"/>
+          <a:chOff x="0" y="0"/>
+          <a:chExt cx="0" cy="0"/>
+        </a:xfrm>
+      </p:grpSpPr>
+    </p:spTree>
+    <p:extLst>
+      <p:ext uri="{BB962C8B-B14F-4D97-AF65-F5344CB8AC3E}">
+        <p14:creationId xmlns:p14="http://schemas.microsoft.com/office/powerpoint/2010/main" val="3312256077"/>
+      </p:ext>
+    </p:extLst>
+  </p:cSld>
+  <p:clrMapOvr>
+    <a:masterClrMapping/>
+  </p:clrMapOvr>
+</p:sld>
+</file>
+
+<file path=ppt/slides/slide25.xml><?xml version="1.0" encoding="utf-8"?>
 <p:sld xmlns:a="http://schemas.openxmlformats.org/drawingml/2006/main" xmlns:r="http://schemas.openxmlformats.org/officeDocument/2006/relationships" xmlns:p="http://schemas.openxmlformats.org/presentationml/2006/main">
   <p:cSld>
     <p:spTree>
